--- a/path_planing/VO_code_try/robot_properties3.pptx
+++ b/path_planing/VO_code_try/robot_properties3.pptx
@@ -8,6 +8,7 @@
     <p:sldId id="256" r:id="rId2"/>
     <p:sldId id="257" r:id="rId3"/>
     <p:sldId id="258" r:id="rId4"/>
+    <p:sldId id="259" r:id="rId5"/>
   </p:sldIdLst>
   <p:sldSz cx="12192000" cy="6858000"/>
   <p:notesSz cx="6858000" cy="9144000"/>
@@ -106,6 +107,11 @@
       </a:defRPr>
     </a:lvl9pPr>
   </p:defaultTextStyle>
+  <p:extLst>
+    <p:ext uri="{EFAFB233-063F-42B5-8137-9DF3F51BA10A}">
+      <p15:sldGuideLst xmlns:p15="http://schemas.microsoft.com/office/powerpoint/2012/main"/>
+    </p:ext>
+  </p:extLst>
 </p:presentation>
 </file>
 
@@ -256,7 +262,7 @@
           <a:p>
             <a:fld id="{9CD1F5AD-FE1B-4540-B598-52220A64164D}" type="datetimeFigureOut">
               <a:rPr lang="zh-TW" altLang="en-US" smtClean="0"/>
-              <a:t>2024/5/22</a:t>
+              <a:t>2024/5/24</a:t>
             </a:fld>
             <a:endParaRPr lang="zh-TW" altLang="en-US"/>
           </a:p>
@@ -454,7 +460,7 @@
           <a:p>
             <a:fld id="{9CD1F5AD-FE1B-4540-B598-52220A64164D}" type="datetimeFigureOut">
               <a:rPr lang="zh-TW" altLang="en-US" smtClean="0"/>
-              <a:t>2024/5/22</a:t>
+              <a:t>2024/5/24</a:t>
             </a:fld>
             <a:endParaRPr lang="zh-TW" altLang="en-US"/>
           </a:p>
@@ -662,7 +668,7 @@
           <a:p>
             <a:fld id="{9CD1F5AD-FE1B-4540-B598-52220A64164D}" type="datetimeFigureOut">
               <a:rPr lang="zh-TW" altLang="en-US" smtClean="0"/>
-              <a:t>2024/5/22</a:t>
+              <a:t>2024/5/24</a:t>
             </a:fld>
             <a:endParaRPr lang="zh-TW" altLang="en-US"/>
           </a:p>
@@ -860,7 +866,7 @@
           <a:p>
             <a:fld id="{9CD1F5AD-FE1B-4540-B598-52220A64164D}" type="datetimeFigureOut">
               <a:rPr lang="zh-TW" altLang="en-US" smtClean="0"/>
-              <a:t>2024/5/22</a:t>
+              <a:t>2024/5/24</a:t>
             </a:fld>
             <a:endParaRPr lang="zh-TW" altLang="en-US"/>
           </a:p>
@@ -1135,7 +1141,7 @@
           <a:p>
             <a:fld id="{9CD1F5AD-FE1B-4540-B598-52220A64164D}" type="datetimeFigureOut">
               <a:rPr lang="zh-TW" altLang="en-US" smtClean="0"/>
-              <a:t>2024/5/22</a:t>
+              <a:t>2024/5/24</a:t>
             </a:fld>
             <a:endParaRPr lang="zh-TW" altLang="en-US"/>
           </a:p>
@@ -1400,7 +1406,7 @@
           <a:p>
             <a:fld id="{9CD1F5AD-FE1B-4540-B598-52220A64164D}" type="datetimeFigureOut">
               <a:rPr lang="zh-TW" altLang="en-US" smtClean="0"/>
-              <a:t>2024/5/22</a:t>
+              <a:t>2024/5/24</a:t>
             </a:fld>
             <a:endParaRPr lang="zh-TW" altLang="en-US"/>
           </a:p>
@@ -1812,7 +1818,7 @@
           <a:p>
             <a:fld id="{9CD1F5AD-FE1B-4540-B598-52220A64164D}" type="datetimeFigureOut">
               <a:rPr lang="zh-TW" altLang="en-US" smtClean="0"/>
-              <a:t>2024/5/22</a:t>
+              <a:t>2024/5/24</a:t>
             </a:fld>
             <a:endParaRPr lang="zh-TW" altLang="en-US"/>
           </a:p>
@@ -1953,7 +1959,7 @@
           <a:p>
             <a:fld id="{9CD1F5AD-FE1B-4540-B598-52220A64164D}" type="datetimeFigureOut">
               <a:rPr lang="zh-TW" altLang="en-US" smtClean="0"/>
-              <a:t>2024/5/22</a:t>
+              <a:t>2024/5/24</a:t>
             </a:fld>
             <a:endParaRPr lang="zh-TW" altLang="en-US"/>
           </a:p>
@@ -2066,7 +2072,7 @@
           <a:p>
             <a:fld id="{9CD1F5AD-FE1B-4540-B598-52220A64164D}" type="datetimeFigureOut">
               <a:rPr lang="zh-TW" altLang="en-US" smtClean="0"/>
-              <a:t>2024/5/22</a:t>
+              <a:t>2024/5/24</a:t>
             </a:fld>
             <a:endParaRPr lang="zh-TW" altLang="en-US"/>
           </a:p>
@@ -2377,7 +2383,7 @@
           <a:p>
             <a:fld id="{9CD1F5AD-FE1B-4540-B598-52220A64164D}" type="datetimeFigureOut">
               <a:rPr lang="zh-TW" altLang="en-US" smtClean="0"/>
-              <a:t>2024/5/22</a:t>
+              <a:t>2024/5/24</a:t>
             </a:fld>
             <a:endParaRPr lang="zh-TW" altLang="en-US"/>
           </a:p>
@@ -2665,7 +2671,7 @@
           <a:p>
             <a:fld id="{9CD1F5AD-FE1B-4540-B598-52220A64164D}" type="datetimeFigureOut">
               <a:rPr lang="zh-TW" altLang="en-US" smtClean="0"/>
-              <a:t>2024/5/22</a:t>
+              <a:t>2024/5/24</a:t>
             </a:fld>
             <a:endParaRPr lang="zh-TW" altLang="en-US"/>
           </a:p>
@@ -2906,7 +2912,7 @@
           <a:p>
             <a:fld id="{9CD1F5AD-FE1B-4540-B598-52220A64164D}" type="datetimeFigureOut">
               <a:rPr lang="zh-TW" altLang="en-US" smtClean="0"/>
-              <a:t>2024/5/22</a:t>
+              <a:t>2024/5/24</a:t>
             </a:fld>
             <a:endParaRPr lang="zh-TW" altLang="en-US"/>
           </a:p>
@@ -4275,8 +4281,8 @@
             </p:style>
           </p:cxnSp>
         </p:grpSp>
-        <mc:AlternateContent xmlns:mc="http://schemas.openxmlformats.org/markup-compatibility/2006">
-          <mc:Choice xmlns:a14="http://schemas.microsoft.com/office/drawing/2010/main" Requires="a14">
+        <mc:AlternateContent xmlns:mc="http://schemas.openxmlformats.org/markup-compatibility/2006" xmlns:a14="http://schemas.microsoft.com/office/drawing/2010/main">
+          <mc:Choice Requires="a14">
             <p:sp>
               <p:nvSpPr>
                 <p:cNvPr id="29" name="文字方塊 28">
@@ -4305,6 +4311,7 @@
                 </a:bodyPr>
                 <a:lstStyle/>
                 <a:p>
+                  <a:pPr/>
                   <a14:m>
                     <m:oMathPara xmlns:m="http://schemas.openxmlformats.org/officeDocument/2006/math">
                       <m:oMathParaPr>
@@ -4337,7 +4344,7 @@
               </p:txBody>
             </p:sp>
           </mc:Choice>
-          <mc:Fallback>
+          <mc:Fallback xmlns="">
             <p:sp>
               <p:nvSpPr>
                 <p:cNvPr id="29" name="文字方塊 28">
@@ -4382,8 +4389,8 @@
             </p:sp>
           </mc:Fallback>
         </mc:AlternateContent>
-        <mc:AlternateContent xmlns:mc="http://schemas.openxmlformats.org/markup-compatibility/2006">
-          <mc:Choice xmlns:a14="http://schemas.microsoft.com/office/drawing/2010/main" Requires="a14">
+        <mc:AlternateContent xmlns:mc="http://schemas.openxmlformats.org/markup-compatibility/2006" xmlns:a14="http://schemas.microsoft.com/office/drawing/2010/main">
+          <mc:Choice Requires="a14">
             <p:sp>
               <p:nvSpPr>
                 <p:cNvPr id="30" name="文字方塊 29">
@@ -4412,6 +4419,7 @@
                 </a:bodyPr>
                 <a:lstStyle/>
                 <a:p>
+                  <a:pPr/>
                   <a14:m>
                     <m:oMathPara xmlns:m="http://schemas.openxmlformats.org/officeDocument/2006/math">
                       <m:oMathParaPr>
@@ -4432,7 +4440,7 @@
               </p:txBody>
             </p:sp>
           </mc:Choice>
-          <mc:Fallback>
+          <mc:Fallback xmlns="">
             <p:sp>
               <p:nvSpPr>
                 <p:cNvPr id="30" name="文字方塊 29">
@@ -4477,8 +4485,8 @@
             </p:sp>
           </mc:Fallback>
         </mc:AlternateContent>
-        <mc:AlternateContent xmlns:mc="http://schemas.openxmlformats.org/markup-compatibility/2006">
-          <mc:Choice xmlns:a14="http://schemas.microsoft.com/office/drawing/2010/main" Requires="a14">
+        <mc:AlternateContent xmlns:mc="http://schemas.openxmlformats.org/markup-compatibility/2006" xmlns:a14="http://schemas.microsoft.com/office/drawing/2010/main">
+          <mc:Choice Requires="a14">
             <p:sp>
               <p:nvSpPr>
                 <p:cNvPr id="31" name="文字方塊 30">
@@ -4507,6 +4515,7 @@
                 </a:bodyPr>
                 <a:lstStyle/>
                 <a:p>
+                  <a:pPr/>
                   <a14:m>
                     <m:oMathPara xmlns:m="http://schemas.openxmlformats.org/officeDocument/2006/math">
                       <m:oMathParaPr>
@@ -4546,7 +4555,7 @@
               </p:txBody>
             </p:sp>
           </mc:Choice>
-          <mc:Fallback>
+          <mc:Fallback xmlns="">
             <p:sp>
               <p:nvSpPr>
                 <p:cNvPr id="31" name="文字方塊 30">
@@ -4632,8 +4641,8 @@
             </a:p>
           </p:txBody>
         </p:sp>
-        <mc:AlternateContent xmlns:mc="http://schemas.openxmlformats.org/markup-compatibility/2006">
-          <mc:Choice xmlns:a14="http://schemas.microsoft.com/office/drawing/2010/main" Requires="a14">
+        <mc:AlternateContent xmlns:mc="http://schemas.openxmlformats.org/markup-compatibility/2006" xmlns:a14="http://schemas.microsoft.com/office/drawing/2010/main">
+          <mc:Choice Requires="a14">
             <p:sp>
               <p:nvSpPr>
                 <p:cNvPr id="34" name="文字方塊 33">
@@ -4662,6 +4671,7 @@
                 </a:bodyPr>
                 <a:lstStyle/>
                 <a:p>
+                  <a:pPr/>
                   <a14:m>
                     <m:oMathPara xmlns:m="http://schemas.openxmlformats.org/officeDocument/2006/math">
                       <m:oMathParaPr>
@@ -4688,7 +4698,7 @@
               </p:txBody>
             </p:sp>
           </mc:Choice>
-          <mc:Fallback>
+          <mc:Fallback xmlns="">
             <p:sp>
               <p:nvSpPr>
                 <p:cNvPr id="34" name="文字方塊 33">
@@ -5227,8 +5237,8 @@
             </p:txBody>
           </p:sp>
         </p:grpSp>
-        <mc:AlternateContent xmlns:mc="http://schemas.openxmlformats.org/markup-compatibility/2006">
-          <mc:Choice xmlns:a14="http://schemas.microsoft.com/office/drawing/2010/main" Requires="a14">
+        <mc:AlternateContent xmlns:mc="http://schemas.openxmlformats.org/markup-compatibility/2006" xmlns:a14="http://schemas.microsoft.com/office/drawing/2010/main">
+          <mc:Choice Requires="a14">
             <p:sp>
               <p:nvSpPr>
                 <p:cNvPr id="6" name="文字方塊 5">
@@ -5257,6 +5267,7 @@
                 </a:bodyPr>
                 <a:lstStyle/>
                 <a:p>
+                  <a:pPr/>
                   <a14:m>
                     <m:oMathPara xmlns:m="http://schemas.openxmlformats.org/officeDocument/2006/math">
                       <m:oMathParaPr>
@@ -5289,7 +5300,7 @@
               </p:txBody>
             </p:sp>
           </mc:Choice>
-          <mc:Fallback>
+          <mc:Fallback xmlns="">
             <p:sp>
               <p:nvSpPr>
                 <p:cNvPr id="6" name="文字方塊 5">
@@ -5334,8 +5345,8 @@
             </p:sp>
           </mc:Fallback>
         </mc:AlternateContent>
-        <mc:AlternateContent xmlns:mc="http://schemas.openxmlformats.org/markup-compatibility/2006">
-          <mc:Choice xmlns:a14="http://schemas.microsoft.com/office/drawing/2010/main" Requires="a14">
+        <mc:AlternateContent xmlns:mc="http://schemas.openxmlformats.org/markup-compatibility/2006" xmlns:a14="http://schemas.microsoft.com/office/drawing/2010/main">
+          <mc:Choice Requires="a14">
             <p:sp>
               <p:nvSpPr>
                 <p:cNvPr id="7" name="文字方塊 6">
@@ -5364,6 +5375,7 @@
                 </a:bodyPr>
                 <a:lstStyle/>
                 <a:p>
+                  <a:pPr/>
                   <a14:m>
                     <m:oMathPara xmlns:m="http://schemas.openxmlformats.org/officeDocument/2006/math">
                       <m:oMathParaPr>
@@ -5384,7 +5396,7 @@
               </p:txBody>
             </p:sp>
           </mc:Choice>
-          <mc:Fallback>
+          <mc:Fallback xmlns="">
             <p:sp>
               <p:nvSpPr>
                 <p:cNvPr id="7" name="文字方塊 6">
@@ -5429,8 +5441,8 @@
             </p:sp>
           </mc:Fallback>
         </mc:AlternateContent>
-        <mc:AlternateContent xmlns:mc="http://schemas.openxmlformats.org/markup-compatibility/2006">
-          <mc:Choice xmlns:a14="http://schemas.microsoft.com/office/drawing/2010/main" Requires="a14">
+        <mc:AlternateContent xmlns:mc="http://schemas.openxmlformats.org/markup-compatibility/2006" xmlns:a14="http://schemas.microsoft.com/office/drawing/2010/main">
+          <mc:Choice Requires="a14">
             <p:sp>
               <p:nvSpPr>
                 <p:cNvPr id="8" name="文字方塊 7">
@@ -5459,6 +5471,7 @@
                 </a:bodyPr>
                 <a:lstStyle/>
                 <a:p>
+                  <a:pPr/>
                   <a14:m>
                     <m:oMathPara xmlns:m="http://schemas.openxmlformats.org/officeDocument/2006/math">
                       <m:oMathParaPr>
@@ -5498,7 +5511,7 @@
               </p:txBody>
             </p:sp>
           </mc:Choice>
-          <mc:Fallback>
+          <mc:Fallback xmlns="">
             <p:sp>
               <p:nvSpPr>
                 <p:cNvPr id="8" name="文字方塊 7">
@@ -5662,6 +5675,1255 @@
     <p:extLst>
       <p:ext uri="{BB962C8B-B14F-4D97-AF65-F5344CB8AC3E}">
         <p14:creationId xmlns:p14="http://schemas.microsoft.com/office/powerpoint/2010/main" val="3841292954"/>
+      </p:ext>
+    </p:extLst>
+  </p:cSld>
+  <p:clrMapOvr>
+    <a:masterClrMapping/>
+  </p:clrMapOvr>
+</p:sld>
+</file>
+
+<file path=ppt/slides/slide4.xml><?xml version="1.0" encoding="utf-8"?>
+<p:sld xmlns:a="http://schemas.openxmlformats.org/drawingml/2006/main" xmlns:r="http://schemas.openxmlformats.org/officeDocument/2006/relationships" xmlns:p="http://schemas.openxmlformats.org/presentationml/2006/main">
+  <p:cSld>
+    <p:spTree>
+      <p:nvGrpSpPr>
+        <p:cNvPr id="1" name=""/>
+        <p:cNvGrpSpPr/>
+        <p:nvPr/>
+      </p:nvGrpSpPr>
+      <p:grpSpPr>
+        <a:xfrm>
+          <a:off x="0" y="0"/>
+          <a:ext cx="0" cy="0"/>
+          <a:chOff x="0" y="0"/>
+          <a:chExt cx="0" cy="0"/>
+        </a:xfrm>
+      </p:grpSpPr>
+      <p:grpSp>
+        <p:nvGrpSpPr>
+          <p:cNvPr id="47" name="群組 46">
+            <a:extLst>
+              <a:ext uri="{FF2B5EF4-FFF2-40B4-BE49-F238E27FC236}">
+                <a16:creationId xmlns:a16="http://schemas.microsoft.com/office/drawing/2014/main" id="{F9AF1F0B-F901-4653-A665-875A990B3EBB}"/>
+              </a:ext>
+            </a:extLst>
+          </p:cNvPr>
+          <p:cNvGrpSpPr/>
+          <p:nvPr/>
+        </p:nvGrpSpPr>
+        <p:grpSpPr>
+          <a:xfrm>
+            <a:off x="1346193" y="558800"/>
+            <a:ext cx="7884231" cy="8407693"/>
+            <a:chOff x="1346193" y="558800"/>
+            <a:chExt cx="7884231" cy="8407693"/>
+          </a:xfrm>
+        </p:grpSpPr>
+        <p:sp>
+          <p:nvSpPr>
+            <p:cNvPr id="13" name="局部圓 12">
+              <a:extLst>
+                <a:ext uri="{FF2B5EF4-FFF2-40B4-BE49-F238E27FC236}">
+                  <a16:creationId xmlns:a16="http://schemas.microsoft.com/office/drawing/2014/main" id="{A892EEF7-6553-45A4-9161-4728AAB65468}"/>
+                </a:ext>
+              </a:extLst>
+            </p:cNvPr>
+            <p:cNvSpPr/>
+            <p:nvPr/>
+          </p:nvSpPr>
+          <p:spPr>
+            <a:xfrm rot="12484130">
+              <a:off x="1346193" y="1379773"/>
+              <a:ext cx="7884231" cy="7586720"/>
+            </a:xfrm>
+            <a:prstGeom prst="pie">
+              <a:avLst>
+                <a:gd name="adj1" fmla="val 2604347"/>
+                <a:gd name="adj2" fmla="val 4372952"/>
+              </a:avLst>
+            </a:prstGeom>
+            <a:solidFill>
+              <a:schemeClr val="accent1">
+                <a:lumMod val="40000"/>
+                <a:lumOff val="60000"/>
+              </a:schemeClr>
+            </a:solidFill>
+            <a:ln>
+              <a:noFill/>
+            </a:ln>
+          </p:spPr>
+          <p:style>
+            <a:lnRef idx="2">
+              <a:schemeClr val="accent1">
+                <a:shade val="50000"/>
+              </a:schemeClr>
+            </a:lnRef>
+            <a:fillRef idx="1">
+              <a:schemeClr val="accent1"/>
+            </a:fillRef>
+            <a:effectRef idx="0">
+              <a:schemeClr val="accent1"/>
+            </a:effectRef>
+            <a:fontRef idx="minor">
+              <a:schemeClr val="lt1"/>
+            </a:fontRef>
+          </p:style>
+          <p:txBody>
+            <a:bodyPr rtlCol="0" anchor="ctr"/>
+            <a:lstStyle/>
+            <a:p>
+              <a:pPr algn="ctr"/>
+              <a:endParaRPr lang="zh-TW" altLang="en-US">
+                <a:solidFill>
+                  <a:schemeClr val="tx1"/>
+                </a:solidFill>
+              </a:endParaRPr>
+            </a:p>
+          </p:txBody>
+        </p:sp>
+        <p:sp>
+          <p:nvSpPr>
+            <p:cNvPr id="4" name="橢圓 3">
+              <a:extLst>
+                <a:ext uri="{FF2B5EF4-FFF2-40B4-BE49-F238E27FC236}">
+                  <a16:creationId xmlns:a16="http://schemas.microsoft.com/office/drawing/2014/main" id="{A8B8FAB4-E295-44E3-8F78-0F49BE7EED6F}"/>
+                </a:ext>
+              </a:extLst>
+            </p:cNvPr>
+            <p:cNvSpPr/>
+            <p:nvPr/>
+          </p:nvSpPr>
+          <p:spPr>
+            <a:xfrm>
+              <a:off x="4834465" y="4732866"/>
+              <a:ext cx="889001" cy="880534"/>
+            </a:xfrm>
+            <a:prstGeom prst="ellipse">
+              <a:avLst/>
+            </a:prstGeom>
+            <a:solidFill>
+              <a:schemeClr val="accent2"/>
+            </a:solidFill>
+            <a:ln>
+              <a:solidFill>
+                <a:srgbClr val="FF0000"/>
+              </a:solidFill>
+            </a:ln>
+          </p:spPr>
+          <p:style>
+            <a:lnRef idx="2">
+              <a:schemeClr val="accent1">
+                <a:shade val="50000"/>
+              </a:schemeClr>
+            </a:lnRef>
+            <a:fillRef idx="1">
+              <a:schemeClr val="accent1"/>
+            </a:fillRef>
+            <a:effectRef idx="0">
+              <a:schemeClr val="accent1"/>
+            </a:effectRef>
+            <a:fontRef idx="minor">
+              <a:schemeClr val="lt1"/>
+            </a:fontRef>
+          </p:style>
+          <p:txBody>
+            <a:bodyPr rtlCol="0" anchor="ctr"/>
+            <a:lstStyle/>
+            <a:p>
+              <a:pPr algn="ctr"/>
+              <a:endParaRPr lang="zh-TW" altLang="en-US"/>
+            </a:p>
+          </p:txBody>
+        </p:sp>
+        <p:sp>
+          <p:nvSpPr>
+            <p:cNvPr id="6" name="橢圓 5">
+              <a:extLst>
+                <a:ext uri="{FF2B5EF4-FFF2-40B4-BE49-F238E27FC236}">
+                  <a16:creationId xmlns:a16="http://schemas.microsoft.com/office/drawing/2014/main" id="{E8447CFB-4D3A-4480-9819-9ED69E2BE43B}"/>
+                </a:ext>
+              </a:extLst>
+            </p:cNvPr>
+            <p:cNvSpPr/>
+            <p:nvPr/>
+          </p:nvSpPr>
+          <p:spPr>
+            <a:xfrm>
+              <a:off x="4152898" y="685799"/>
+              <a:ext cx="1790701" cy="1820333"/>
+            </a:xfrm>
+            <a:prstGeom prst="ellipse">
+              <a:avLst/>
+            </a:prstGeom>
+            <a:solidFill>
+              <a:schemeClr val="accent2">
+                <a:lumMod val="20000"/>
+                <a:lumOff val="80000"/>
+              </a:schemeClr>
+            </a:solidFill>
+            <a:ln>
+              <a:solidFill>
+                <a:schemeClr val="accent2"/>
+              </a:solidFill>
+            </a:ln>
+          </p:spPr>
+          <p:style>
+            <a:lnRef idx="2">
+              <a:schemeClr val="accent1">
+                <a:shade val="50000"/>
+              </a:schemeClr>
+            </a:lnRef>
+            <a:fillRef idx="1">
+              <a:schemeClr val="accent1"/>
+            </a:fillRef>
+            <a:effectRef idx="0">
+              <a:schemeClr val="accent1"/>
+            </a:effectRef>
+            <a:fontRef idx="minor">
+              <a:schemeClr val="lt1"/>
+            </a:fontRef>
+          </p:style>
+          <p:txBody>
+            <a:bodyPr rtlCol="0" anchor="ctr"/>
+            <a:lstStyle/>
+            <a:p>
+              <a:pPr algn="ctr"/>
+              <a:endParaRPr lang="zh-TW" altLang="en-US"/>
+            </a:p>
+          </p:txBody>
+        </p:sp>
+        <p:sp>
+          <p:nvSpPr>
+            <p:cNvPr id="5" name="橢圓 4">
+              <a:extLst>
+                <a:ext uri="{FF2B5EF4-FFF2-40B4-BE49-F238E27FC236}">
+                  <a16:creationId xmlns:a16="http://schemas.microsoft.com/office/drawing/2014/main" id="{4F27F3D9-C8E4-4178-903A-01EB493F4984}"/>
+                </a:ext>
+              </a:extLst>
+            </p:cNvPr>
+            <p:cNvSpPr/>
+            <p:nvPr/>
+          </p:nvSpPr>
+          <p:spPr>
+            <a:xfrm>
+              <a:off x="4597399" y="1151466"/>
+              <a:ext cx="889001" cy="880534"/>
+            </a:xfrm>
+            <a:prstGeom prst="ellipse">
+              <a:avLst/>
+            </a:prstGeom>
+            <a:solidFill>
+              <a:schemeClr val="accent4"/>
+            </a:solidFill>
+            <a:ln>
+              <a:solidFill>
+                <a:schemeClr val="accent4">
+                  <a:lumMod val="50000"/>
+                </a:schemeClr>
+              </a:solidFill>
+            </a:ln>
+          </p:spPr>
+          <p:style>
+            <a:lnRef idx="2">
+              <a:schemeClr val="accent1">
+                <a:shade val="50000"/>
+              </a:schemeClr>
+            </a:lnRef>
+            <a:fillRef idx="1">
+              <a:schemeClr val="accent1"/>
+            </a:fillRef>
+            <a:effectRef idx="0">
+              <a:schemeClr val="accent1"/>
+            </a:effectRef>
+            <a:fontRef idx="minor">
+              <a:schemeClr val="lt1"/>
+            </a:fontRef>
+          </p:style>
+          <p:txBody>
+            <a:bodyPr rtlCol="0" anchor="ctr"/>
+            <a:lstStyle/>
+            <a:p>
+              <a:pPr algn="ctr"/>
+              <a:endParaRPr lang="zh-TW" altLang="en-US"/>
+            </a:p>
+          </p:txBody>
+        </p:sp>
+        <p:grpSp>
+          <p:nvGrpSpPr>
+            <p:cNvPr id="12" name="群組 11">
+              <a:extLst>
+                <a:ext uri="{FF2B5EF4-FFF2-40B4-BE49-F238E27FC236}">
+                  <a16:creationId xmlns:a16="http://schemas.microsoft.com/office/drawing/2014/main" id="{B7242556-6F75-41DB-AA97-A1FFF2D216B8}"/>
+                </a:ext>
+              </a:extLst>
+            </p:cNvPr>
+            <p:cNvGrpSpPr/>
+            <p:nvPr/>
+          </p:nvGrpSpPr>
+          <p:grpSpPr>
+            <a:xfrm>
+              <a:off x="3759200" y="558800"/>
+              <a:ext cx="2394007" cy="4614334"/>
+              <a:chOff x="3745625" y="558800"/>
+              <a:chExt cx="2394007" cy="4614334"/>
+            </a:xfrm>
+          </p:grpSpPr>
+          <p:cxnSp>
+            <p:nvCxnSpPr>
+              <p:cNvPr id="8" name="直線接點 7">
+                <a:extLst>
+                  <a:ext uri="{FF2B5EF4-FFF2-40B4-BE49-F238E27FC236}">
+                    <a16:creationId xmlns:a16="http://schemas.microsoft.com/office/drawing/2014/main" id="{A4ECD93C-B3A6-4DF9-B315-FC68A99A1CB3}"/>
+                  </a:ext>
+                </a:extLst>
+              </p:cNvPr>
+              <p:cNvCxnSpPr>
+                <a:cxnSpLocks/>
+              </p:cNvCxnSpPr>
+              <p:nvPr/>
+            </p:nvCxnSpPr>
+            <p:spPr>
+              <a:xfrm flipH="1" flipV="1">
+                <a:off x="3745625" y="558800"/>
+                <a:ext cx="1529108" cy="4614333"/>
+              </a:xfrm>
+              <a:prstGeom prst="line">
+                <a:avLst/>
+              </a:prstGeom>
+            </p:spPr>
+            <p:style>
+              <a:lnRef idx="1">
+                <a:schemeClr val="accent1"/>
+              </a:lnRef>
+              <a:fillRef idx="0">
+                <a:schemeClr val="accent1"/>
+              </a:fillRef>
+              <a:effectRef idx="0">
+                <a:schemeClr val="accent1"/>
+              </a:effectRef>
+              <a:fontRef idx="minor">
+                <a:schemeClr val="tx1"/>
+              </a:fontRef>
+            </p:style>
+          </p:cxnSp>
+          <p:cxnSp>
+            <p:nvCxnSpPr>
+              <p:cNvPr id="10" name="直線接點 9">
+                <a:extLst>
+                  <a:ext uri="{FF2B5EF4-FFF2-40B4-BE49-F238E27FC236}">
+                    <a16:creationId xmlns:a16="http://schemas.microsoft.com/office/drawing/2014/main" id="{740D98C3-30BB-49F1-9FE0-40BDA545FF14}"/>
+                  </a:ext>
+                </a:extLst>
+              </p:cNvPr>
+              <p:cNvCxnSpPr>
+                <a:cxnSpLocks/>
+              </p:cNvCxnSpPr>
+              <p:nvPr/>
+            </p:nvCxnSpPr>
+            <p:spPr>
+              <a:xfrm flipV="1">
+                <a:off x="5278965" y="558800"/>
+                <a:ext cx="860667" cy="4614334"/>
+              </a:xfrm>
+              <a:prstGeom prst="line">
+                <a:avLst/>
+              </a:prstGeom>
+            </p:spPr>
+            <p:style>
+              <a:lnRef idx="1">
+                <a:schemeClr val="accent1"/>
+              </a:lnRef>
+              <a:fillRef idx="0">
+                <a:schemeClr val="accent1"/>
+              </a:fillRef>
+              <a:effectRef idx="0">
+                <a:schemeClr val="accent1"/>
+              </a:effectRef>
+              <a:fontRef idx="minor">
+                <a:schemeClr val="tx1"/>
+              </a:fontRef>
+            </p:style>
+          </p:cxnSp>
+        </p:grpSp>
+        <p:cxnSp>
+          <p:nvCxnSpPr>
+            <p:cNvPr id="25" name="直線單箭頭接點 24">
+              <a:extLst>
+                <a:ext uri="{FF2B5EF4-FFF2-40B4-BE49-F238E27FC236}">
+                  <a16:creationId xmlns:a16="http://schemas.microsoft.com/office/drawing/2014/main" id="{FA2F5B18-43FC-472A-98EA-AAFE7BE28B83}"/>
+                </a:ext>
+              </a:extLst>
+            </p:cNvPr>
+            <p:cNvCxnSpPr>
+              <a:cxnSpLocks/>
+            </p:cNvCxnSpPr>
+            <p:nvPr/>
+          </p:nvCxnSpPr>
+          <p:spPr>
+            <a:xfrm flipH="1">
+              <a:off x="4380623" y="5150274"/>
+              <a:ext cx="906443" cy="276859"/>
+            </a:xfrm>
+            <a:prstGeom prst="straightConnector1">
+              <a:avLst/>
+            </a:prstGeom>
+            <a:ln w="57150">
+              <a:solidFill>
+                <a:schemeClr val="accent6"/>
+              </a:solidFill>
+              <a:tailEnd type="triangle"/>
+            </a:ln>
+          </p:spPr>
+          <p:style>
+            <a:lnRef idx="1">
+              <a:schemeClr val="accent1"/>
+            </a:lnRef>
+            <a:fillRef idx="0">
+              <a:schemeClr val="accent1"/>
+            </a:fillRef>
+            <a:effectRef idx="0">
+              <a:schemeClr val="accent1"/>
+            </a:effectRef>
+            <a:fontRef idx="minor">
+              <a:schemeClr val="tx1"/>
+            </a:fontRef>
+          </p:style>
+        </p:cxnSp>
+        <p:cxnSp>
+          <p:nvCxnSpPr>
+            <p:cNvPr id="23" name="直線單箭頭接點 22">
+              <a:extLst>
+                <a:ext uri="{FF2B5EF4-FFF2-40B4-BE49-F238E27FC236}">
+                  <a16:creationId xmlns:a16="http://schemas.microsoft.com/office/drawing/2014/main" id="{BCA8B4FD-DDEA-4B3B-95EC-5ECC92147EC3}"/>
+                </a:ext>
+              </a:extLst>
+            </p:cNvPr>
+            <p:cNvCxnSpPr>
+              <a:cxnSpLocks/>
+            </p:cNvCxnSpPr>
+            <p:nvPr/>
+          </p:nvCxnSpPr>
+          <p:spPr>
+            <a:xfrm flipV="1">
+              <a:off x="5271431" y="4148667"/>
+              <a:ext cx="739902" cy="1001607"/>
+            </a:xfrm>
+            <a:prstGeom prst="straightConnector1">
+              <a:avLst/>
+            </a:prstGeom>
+            <a:ln w="57150">
+              <a:solidFill>
+                <a:schemeClr val="accent6"/>
+              </a:solidFill>
+              <a:tailEnd type="triangle"/>
+            </a:ln>
+          </p:spPr>
+          <p:style>
+            <a:lnRef idx="1">
+              <a:schemeClr val="accent1"/>
+            </a:lnRef>
+            <a:fillRef idx="0">
+              <a:schemeClr val="accent1"/>
+            </a:fillRef>
+            <a:effectRef idx="0">
+              <a:schemeClr val="accent1"/>
+            </a:effectRef>
+            <a:fontRef idx="minor">
+              <a:schemeClr val="tx1"/>
+            </a:fontRef>
+          </p:style>
+        </p:cxnSp>
+        <p:sp>
+          <p:nvSpPr>
+            <p:cNvPr id="15" name="橢圓 14">
+              <a:extLst>
+                <a:ext uri="{FF2B5EF4-FFF2-40B4-BE49-F238E27FC236}">
+                  <a16:creationId xmlns:a16="http://schemas.microsoft.com/office/drawing/2014/main" id="{9B78C4EE-AB1C-4EEC-B7A4-FD124F30077C}"/>
+                </a:ext>
+              </a:extLst>
+            </p:cNvPr>
+            <p:cNvSpPr/>
+            <p:nvPr/>
+          </p:nvSpPr>
+          <p:spPr>
+            <a:xfrm>
+              <a:off x="5264206" y="5127414"/>
+              <a:ext cx="45719" cy="45719"/>
+            </a:xfrm>
+            <a:prstGeom prst="ellipse">
+              <a:avLst/>
+            </a:prstGeom>
+          </p:spPr>
+          <p:style>
+            <a:lnRef idx="2">
+              <a:schemeClr val="dk1">
+                <a:shade val="50000"/>
+              </a:schemeClr>
+            </a:lnRef>
+            <a:fillRef idx="1">
+              <a:schemeClr val="dk1"/>
+            </a:fillRef>
+            <a:effectRef idx="0">
+              <a:schemeClr val="dk1"/>
+            </a:effectRef>
+            <a:fontRef idx="minor">
+              <a:schemeClr val="lt1"/>
+            </a:fontRef>
+          </p:style>
+          <p:txBody>
+            <a:bodyPr rtlCol="0" anchor="ctr"/>
+            <a:lstStyle/>
+            <a:p>
+              <a:pPr algn="ctr"/>
+              <a:endParaRPr lang="zh-TW" altLang="en-US"/>
+            </a:p>
+          </p:txBody>
+        </p:sp>
+        <p:cxnSp>
+          <p:nvCxnSpPr>
+            <p:cNvPr id="22" name="直線單箭頭接點 21">
+              <a:extLst>
+                <a:ext uri="{FF2B5EF4-FFF2-40B4-BE49-F238E27FC236}">
+                  <a16:creationId xmlns:a16="http://schemas.microsoft.com/office/drawing/2014/main" id="{4EEA7EA8-C49E-4654-B980-9990C0A27174}"/>
+                </a:ext>
+              </a:extLst>
+            </p:cNvPr>
+            <p:cNvCxnSpPr>
+              <a:stCxn id="15" idx="0"/>
+            </p:cNvCxnSpPr>
+            <p:nvPr/>
+          </p:nvCxnSpPr>
+          <p:spPr>
+            <a:xfrm flipH="1" flipV="1">
+              <a:off x="5264206" y="3801533"/>
+              <a:ext cx="22860" cy="1325881"/>
+            </a:xfrm>
+            <a:prstGeom prst="straightConnector1">
+              <a:avLst/>
+            </a:prstGeom>
+            <a:ln w="57150">
+              <a:solidFill>
+                <a:srgbClr val="FF0000"/>
+              </a:solidFill>
+              <a:tailEnd type="triangle"/>
+            </a:ln>
+          </p:spPr>
+          <p:style>
+            <a:lnRef idx="1">
+              <a:schemeClr val="accent1"/>
+            </a:lnRef>
+            <a:fillRef idx="0">
+              <a:schemeClr val="accent1"/>
+            </a:fillRef>
+            <a:effectRef idx="0">
+              <a:schemeClr val="accent1"/>
+            </a:effectRef>
+            <a:fontRef idx="minor">
+              <a:schemeClr val="tx1"/>
+            </a:fontRef>
+          </p:style>
+        </p:cxnSp>
+        <p:sp>
+          <p:nvSpPr>
+            <p:cNvPr id="30" name="文字方塊 29">
+              <a:extLst>
+                <a:ext uri="{FF2B5EF4-FFF2-40B4-BE49-F238E27FC236}">
+                  <a16:creationId xmlns:a16="http://schemas.microsoft.com/office/drawing/2014/main" id="{F84A61F1-6E90-400E-AB77-4B698D29090B}"/>
+                </a:ext>
+              </a:extLst>
+            </p:cNvPr>
+            <p:cNvSpPr txBox="1"/>
+            <p:nvPr/>
+          </p:nvSpPr>
+          <p:spPr>
+            <a:xfrm>
+              <a:off x="5218374" y="3523734"/>
+              <a:ext cx="268026" cy="369332"/>
+            </a:xfrm>
+            <a:prstGeom prst="rect">
+              <a:avLst/>
+            </a:prstGeom>
+            <a:noFill/>
+          </p:spPr>
+          <p:txBody>
+            <a:bodyPr wrap="square" rtlCol="0">
+              <a:spAutoFit/>
+            </a:bodyPr>
+            <a:lstStyle/>
+            <a:p>
+              <a:r>
+                <a:rPr lang="en-US" altLang="zh-TW" b="1" dirty="0">
+                  <a:ln w="9525">
+                    <a:solidFill>
+                      <a:schemeClr val="bg1"/>
+                    </a:solidFill>
+                    <a:prstDash val="solid"/>
+                  </a:ln>
+                  <a:solidFill>
+                    <a:srgbClr val="FF0000"/>
+                  </a:solidFill>
+                  <a:effectLst>
+                    <a:outerShdw blurRad="12700" dist="38100" dir="2700000" algn="tl" rotWithShape="0">
+                      <a:schemeClr val="bg1">
+                        <a:lumMod val="50000"/>
+                      </a:schemeClr>
+                    </a:outerShdw>
+                  </a:effectLst>
+                </a:rPr>
+                <a:t>X</a:t>
+              </a:r>
+              <a:endParaRPr lang="zh-TW" altLang="en-US" b="1" dirty="0">
+                <a:ln w="9525">
+                  <a:solidFill>
+                    <a:schemeClr val="bg1"/>
+                  </a:solidFill>
+                  <a:prstDash val="solid"/>
+                </a:ln>
+                <a:solidFill>
+                  <a:srgbClr val="FF0000"/>
+                </a:solidFill>
+                <a:effectLst>
+                  <a:outerShdw blurRad="12700" dist="38100" dir="2700000" algn="tl" rotWithShape="0">
+                    <a:schemeClr val="bg1">
+                      <a:lumMod val="50000"/>
+                    </a:schemeClr>
+                  </a:outerShdw>
+                </a:effectLst>
+              </a:endParaRPr>
+            </a:p>
+          </p:txBody>
+        </p:sp>
+        <p:sp>
+          <p:nvSpPr>
+            <p:cNvPr id="31" name="文字方塊 30">
+              <a:extLst>
+                <a:ext uri="{FF2B5EF4-FFF2-40B4-BE49-F238E27FC236}">
+                  <a16:creationId xmlns:a16="http://schemas.microsoft.com/office/drawing/2014/main" id="{E2C716E3-24E9-45DD-9787-00DF3CEB72C4}"/>
+                </a:ext>
+              </a:extLst>
+            </p:cNvPr>
+            <p:cNvSpPr txBox="1"/>
+            <p:nvPr/>
+          </p:nvSpPr>
+          <p:spPr>
+            <a:xfrm>
+              <a:off x="6005859" y="4021667"/>
+              <a:ext cx="372534" cy="372533"/>
+            </a:xfrm>
+            <a:prstGeom prst="rect">
+              <a:avLst/>
+            </a:prstGeom>
+            <a:noFill/>
+          </p:spPr>
+          <p:txBody>
+            <a:bodyPr wrap="square" rtlCol="0">
+              <a:spAutoFit/>
+            </a:bodyPr>
+            <a:lstStyle/>
+            <a:p>
+              <a:r>
+                <a:rPr lang="en-US" altLang="zh-TW" b="1" dirty="0">
+                  <a:ln w="9525">
+                    <a:solidFill>
+                      <a:schemeClr val="bg1"/>
+                    </a:solidFill>
+                    <a:prstDash val="solid"/>
+                  </a:ln>
+                  <a:solidFill>
+                    <a:schemeClr val="accent6"/>
+                  </a:solidFill>
+                  <a:effectLst>
+                    <a:outerShdw blurRad="12700" dist="38100" dir="2700000" algn="tl" rotWithShape="0">
+                      <a:schemeClr val="bg1">
+                        <a:lumMod val="50000"/>
+                      </a:schemeClr>
+                    </a:outerShdw>
+                  </a:effectLst>
+                </a:rPr>
+                <a:t>O</a:t>
+              </a:r>
+              <a:endParaRPr lang="zh-TW" altLang="en-US" b="1" dirty="0">
+                <a:ln w="9525">
+                  <a:solidFill>
+                    <a:schemeClr val="bg1"/>
+                  </a:solidFill>
+                  <a:prstDash val="solid"/>
+                </a:ln>
+                <a:solidFill>
+                  <a:schemeClr val="accent6"/>
+                </a:solidFill>
+                <a:effectLst>
+                  <a:outerShdw blurRad="12700" dist="38100" dir="2700000" algn="tl" rotWithShape="0">
+                    <a:schemeClr val="bg1">
+                      <a:lumMod val="50000"/>
+                    </a:schemeClr>
+                  </a:outerShdw>
+                </a:effectLst>
+              </a:endParaRPr>
+            </a:p>
+          </p:txBody>
+        </p:sp>
+        <p:sp>
+          <p:nvSpPr>
+            <p:cNvPr id="32" name="文字方塊 31">
+              <a:extLst>
+                <a:ext uri="{FF2B5EF4-FFF2-40B4-BE49-F238E27FC236}">
+                  <a16:creationId xmlns:a16="http://schemas.microsoft.com/office/drawing/2014/main" id="{94487DF4-0C05-4B50-B235-6194C00E689B}"/>
+                </a:ext>
+              </a:extLst>
+            </p:cNvPr>
+            <p:cNvSpPr txBox="1"/>
+            <p:nvPr/>
+          </p:nvSpPr>
+          <p:spPr>
+            <a:xfrm>
+              <a:off x="4325436" y="4893733"/>
+              <a:ext cx="372534" cy="372533"/>
+            </a:xfrm>
+            <a:prstGeom prst="rect">
+              <a:avLst/>
+            </a:prstGeom>
+            <a:noFill/>
+          </p:spPr>
+          <p:txBody>
+            <a:bodyPr wrap="square" rtlCol="0">
+              <a:spAutoFit/>
+            </a:bodyPr>
+            <a:lstStyle/>
+            <a:p>
+              <a:r>
+                <a:rPr lang="en-US" altLang="zh-TW" b="1" dirty="0">
+                  <a:ln w="9525">
+                    <a:solidFill>
+                      <a:schemeClr val="bg1"/>
+                    </a:solidFill>
+                    <a:prstDash val="solid"/>
+                  </a:ln>
+                  <a:solidFill>
+                    <a:schemeClr val="accent6"/>
+                  </a:solidFill>
+                  <a:effectLst>
+                    <a:outerShdw blurRad="12700" dist="38100" dir="2700000" algn="tl" rotWithShape="0">
+                      <a:schemeClr val="bg1">
+                        <a:lumMod val="50000"/>
+                      </a:schemeClr>
+                    </a:outerShdw>
+                  </a:effectLst>
+                </a:rPr>
+                <a:t>O</a:t>
+              </a:r>
+              <a:endParaRPr lang="zh-TW" altLang="en-US" b="1" dirty="0">
+                <a:ln w="9525">
+                  <a:solidFill>
+                    <a:schemeClr val="bg1"/>
+                  </a:solidFill>
+                  <a:prstDash val="solid"/>
+                </a:ln>
+                <a:solidFill>
+                  <a:schemeClr val="accent6"/>
+                </a:solidFill>
+                <a:effectLst>
+                  <a:outerShdw blurRad="12700" dist="38100" dir="2700000" algn="tl" rotWithShape="0">
+                    <a:schemeClr val="bg1">
+                      <a:lumMod val="50000"/>
+                    </a:schemeClr>
+                  </a:outerShdw>
+                </a:effectLst>
+              </a:endParaRPr>
+            </a:p>
+          </p:txBody>
+        </p:sp>
+        <p:cxnSp>
+          <p:nvCxnSpPr>
+            <p:cNvPr id="34" name="直線接點 33">
+              <a:extLst>
+                <a:ext uri="{FF2B5EF4-FFF2-40B4-BE49-F238E27FC236}">
+                  <a16:creationId xmlns:a16="http://schemas.microsoft.com/office/drawing/2014/main" id="{1AAB5DD6-AC00-4FB4-BC42-11198E88A7B6}"/>
+                </a:ext>
+              </a:extLst>
+            </p:cNvPr>
+            <p:cNvCxnSpPr/>
+            <p:nvPr/>
+          </p:nvCxnSpPr>
+          <p:spPr>
+            <a:xfrm flipH="1" flipV="1">
+              <a:off x="3462867" y="3259667"/>
+              <a:ext cx="2272057" cy="1204806"/>
+            </a:xfrm>
+            <a:prstGeom prst="line">
+              <a:avLst/>
+            </a:prstGeom>
+          </p:spPr>
+          <p:style>
+            <a:lnRef idx="1">
+              <a:schemeClr val="dk1"/>
+            </a:lnRef>
+            <a:fillRef idx="0">
+              <a:schemeClr val="dk1"/>
+            </a:fillRef>
+            <a:effectRef idx="0">
+              <a:schemeClr val="dk1"/>
+            </a:effectRef>
+            <a:fontRef idx="minor">
+              <a:schemeClr val="tx1"/>
+            </a:fontRef>
+          </p:style>
+        </p:cxnSp>
+        <p:cxnSp>
+          <p:nvCxnSpPr>
+            <p:cNvPr id="36" name="直線接點 35">
+              <a:extLst>
+                <a:ext uri="{FF2B5EF4-FFF2-40B4-BE49-F238E27FC236}">
+                  <a16:creationId xmlns:a16="http://schemas.microsoft.com/office/drawing/2014/main" id="{49EDCDF5-C9AC-48F7-A9E8-5BEF7A41DE64}"/>
+                </a:ext>
+              </a:extLst>
+            </p:cNvPr>
+            <p:cNvCxnSpPr/>
+            <p:nvPr/>
+          </p:nvCxnSpPr>
+          <p:spPr>
+            <a:xfrm flipH="1" flipV="1">
+              <a:off x="3462867" y="3252387"/>
+              <a:ext cx="1808564" cy="1252386"/>
+            </a:xfrm>
+            <a:prstGeom prst="line">
+              <a:avLst/>
+            </a:prstGeom>
+          </p:spPr>
+          <p:style>
+            <a:lnRef idx="1">
+              <a:schemeClr val="dk1"/>
+            </a:lnRef>
+            <a:fillRef idx="0">
+              <a:schemeClr val="dk1"/>
+            </a:fillRef>
+            <a:effectRef idx="0">
+              <a:schemeClr val="dk1"/>
+            </a:effectRef>
+            <a:fontRef idx="minor">
+              <a:schemeClr val="tx1"/>
+            </a:fontRef>
+          </p:style>
+        </p:cxnSp>
+        <p:cxnSp>
+          <p:nvCxnSpPr>
+            <p:cNvPr id="38" name="直線接點 37">
+              <a:extLst>
+                <a:ext uri="{FF2B5EF4-FFF2-40B4-BE49-F238E27FC236}">
+                  <a16:creationId xmlns:a16="http://schemas.microsoft.com/office/drawing/2014/main" id="{CFC0A62C-6510-44DF-8FE4-4A35867E37DC}"/>
+                </a:ext>
+              </a:extLst>
+            </p:cNvPr>
+            <p:cNvCxnSpPr/>
+            <p:nvPr/>
+          </p:nvCxnSpPr>
+          <p:spPr>
+            <a:xfrm flipH="1" flipV="1">
+              <a:off x="3482791" y="3259667"/>
+              <a:ext cx="1293199" cy="2040465"/>
+            </a:xfrm>
+            <a:prstGeom prst="line">
+              <a:avLst/>
+            </a:prstGeom>
+          </p:spPr>
+          <p:style>
+            <a:lnRef idx="1">
+              <a:schemeClr val="dk1"/>
+            </a:lnRef>
+            <a:fillRef idx="0">
+              <a:schemeClr val="dk1"/>
+            </a:fillRef>
+            <a:effectRef idx="0">
+              <a:schemeClr val="dk1"/>
+            </a:effectRef>
+            <a:fontRef idx="minor">
+              <a:schemeClr val="tx1"/>
+            </a:fontRef>
+          </p:style>
+        </p:cxnSp>
+        <mc:AlternateContent xmlns:mc="http://schemas.openxmlformats.org/markup-compatibility/2006">
+          <mc:Choice xmlns:a14="http://schemas.microsoft.com/office/drawing/2010/main" Requires="a14">
+            <p:sp>
+              <p:nvSpPr>
+                <p:cNvPr id="39" name="文字方塊 38">
+                  <a:extLst>
+                    <a:ext uri="{FF2B5EF4-FFF2-40B4-BE49-F238E27FC236}">
+                      <a16:creationId xmlns:a16="http://schemas.microsoft.com/office/drawing/2014/main" id="{4CCBBAAD-A4F6-4D9A-A7BF-5CF342BE48F4}"/>
+                    </a:ext>
+                  </a:extLst>
+                </p:cNvPr>
+                <p:cNvSpPr txBox="1"/>
+                <p:nvPr/>
+              </p:nvSpPr>
+              <p:spPr>
+                <a:xfrm>
+                  <a:off x="2926985" y="2923540"/>
+                  <a:ext cx="773740" cy="369332"/>
+                </a:xfrm>
+                <a:prstGeom prst="rect">
+                  <a:avLst/>
+                </a:prstGeom>
+                <a:noFill/>
+              </p:spPr>
+              <p:txBody>
+                <a:bodyPr wrap="square" rtlCol="0">
+                  <a:spAutoFit/>
+                </a:bodyPr>
+                <a:lstStyle/>
+                <a:p>
+                  <a14:m>
+                    <m:oMathPara xmlns:m="http://schemas.openxmlformats.org/officeDocument/2006/math">
+                      <m:oMathParaPr>
+                        <m:jc m:val="centerGroup"/>
+                      </m:oMathParaPr>
+                      <m:oMath xmlns:m="http://schemas.openxmlformats.org/officeDocument/2006/math">
+                        <m:sSub>
+                          <m:sSubPr>
+                            <m:ctrlPr>
+                              <a:rPr lang="en-US" altLang="zh-TW" i="1" dirty="0" smtClean="0">
+                                <a:latin typeface="Cambria Math" panose="02040503050406030204" pitchFamily="18" charset="0"/>
+                              </a:rPr>
+                            </m:ctrlPr>
+                          </m:sSubPr>
+                          <m:e>
+                            <m:r>
+                              <a:rPr lang="en-US" altLang="zh-TW" i="1" dirty="0" smtClean="0">
+                                <a:latin typeface="Cambria Math" panose="02040503050406030204" pitchFamily="18" charset="0"/>
+                              </a:rPr>
+                              <m:t>𝑣</m:t>
+                            </m:r>
+                          </m:e>
+                          <m:sub>
+                            <m:r>
+                              <a:rPr lang="en-US" altLang="zh-TW" i="1" dirty="0" err="1" smtClean="0">
+                                <a:latin typeface="Cambria Math" panose="02040503050406030204" pitchFamily="18" charset="0"/>
+                              </a:rPr>
+                              <m:t>𝐴𝐵</m:t>
+                            </m:r>
+                          </m:sub>
+                        </m:sSub>
+                      </m:oMath>
+                    </m:oMathPara>
+                  </a14:m>
+                  <a:endParaRPr lang="zh-TW" altLang="en-US" dirty="0"/>
+                </a:p>
+              </p:txBody>
+            </p:sp>
+          </mc:Choice>
+          <mc:Fallback>
+            <p:sp>
+              <p:nvSpPr>
+                <p:cNvPr id="39" name="文字方塊 38">
+                  <a:extLst>
+                    <a:ext uri="{FF2B5EF4-FFF2-40B4-BE49-F238E27FC236}">
+                      <a16:creationId xmlns:a16="http://schemas.microsoft.com/office/drawing/2014/main" id="{4CCBBAAD-A4F6-4D9A-A7BF-5CF342BE48F4}"/>
+                    </a:ext>
+                  </a:extLst>
+                </p:cNvPr>
+                <p:cNvSpPr txBox="1">
+                  <a:spLocks noRot="1" noChangeAspect="1" noMove="1" noResize="1" noEditPoints="1" noAdjustHandles="1" noChangeArrowheads="1" noChangeShapeType="1" noTextEdit="1"/>
+                </p:cNvSpPr>
+                <p:nvPr/>
+              </p:nvSpPr>
+              <p:spPr>
+                <a:xfrm>
+                  <a:off x="2926985" y="2923540"/>
+                  <a:ext cx="773740" cy="369332"/>
+                </a:xfrm>
+                <a:prstGeom prst="rect">
+                  <a:avLst/>
+                </a:prstGeom>
+                <a:blipFill>
+                  <a:blip r:embed="rId2"/>
+                  <a:stretch>
+                    <a:fillRect/>
+                  </a:stretch>
+                </a:blipFill>
+              </p:spPr>
+              <p:txBody>
+                <a:bodyPr/>
+                <a:lstStyle/>
+                <a:p>
+                  <a:r>
+                    <a:rPr lang="zh-TW" altLang="en-US">
+                      <a:noFill/>
+                    </a:rPr>
+                    <a:t> </a:t>
+                  </a:r>
+                </a:p>
+              </p:txBody>
+            </p:sp>
+          </mc:Fallback>
+        </mc:AlternateContent>
+        <p:sp>
+          <p:nvSpPr>
+            <p:cNvPr id="40" name="文字方塊 39">
+              <a:extLst>
+                <a:ext uri="{FF2B5EF4-FFF2-40B4-BE49-F238E27FC236}">
+                  <a16:creationId xmlns:a16="http://schemas.microsoft.com/office/drawing/2014/main" id="{84E01C88-349F-4672-A7AF-7AD5ECD657F6}"/>
+                </a:ext>
+              </a:extLst>
+            </p:cNvPr>
+            <p:cNvSpPr txBox="1"/>
+            <p:nvPr/>
+          </p:nvSpPr>
+          <p:spPr>
+            <a:xfrm>
+              <a:off x="5243560" y="5129200"/>
+              <a:ext cx="343775" cy="369332"/>
+            </a:xfrm>
+            <a:prstGeom prst="rect">
+              <a:avLst/>
+            </a:prstGeom>
+            <a:noFill/>
+          </p:spPr>
+          <p:txBody>
+            <a:bodyPr wrap="square" rtlCol="0">
+              <a:spAutoFit/>
+            </a:bodyPr>
+            <a:lstStyle/>
+            <a:p>
+              <a:r>
+                <a:rPr lang="en-US" altLang="zh-TW" dirty="0"/>
+                <a:t>A</a:t>
+              </a:r>
+              <a:endParaRPr lang="zh-TW" altLang="en-US" dirty="0"/>
+            </a:p>
+          </p:txBody>
+        </p:sp>
+        <p:sp>
+          <p:nvSpPr>
+            <p:cNvPr id="41" name="文字方塊 40">
+              <a:extLst>
+                <a:ext uri="{FF2B5EF4-FFF2-40B4-BE49-F238E27FC236}">
+                  <a16:creationId xmlns:a16="http://schemas.microsoft.com/office/drawing/2014/main" id="{8D7A54EF-8E0E-4911-B353-8AA2A0AE2AB3}"/>
+                </a:ext>
+              </a:extLst>
+            </p:cNvPr>
+            <p:cNvSpPr txBox="1"/>
+            <p:nvPr/>
+          </p:nvSpPr>
+          <p:spPr>
+            <a:xfrm>
+              <a:off x="4953661" y="1605002"/>
+              <a:ext cx="176475" cy="369332"/>
+            </a:xfrm>
+            <a:prstGeom prst="rect">
+              <a:avLst/>
+            </a:prstGeom>
+            <a:noFill/>
+          </p:spPr>
+          <p:txBody>
+            <a:bodyPr wrap="square" rtlCol="0">
+              <a:spAutoFit/>
+            </a:bodyPr>
+            <a:lstStyle/>
+            <a:p>
+              <a:r>
+                <a:rPr lang="en-US" altLang="zh-TW" dirty="0"/>
+                <a:t>B</a:t>
+              </a:r>
+              <a:endParaRPr lang="zh-TW" altLang="en-US" dirty="0"/>
+            </a:p>
+          </p:txBody>
+        </p:sp>
+        <p:cxnSp>
+          <p:nvCxnSpPr>
+            <p:cNvPr id="43" name="直線單箭頭接點 42">
+              <a:extLst>
+                <a:ext uri="{FF2B5EF4-FFF2-40B4-BE49-F238E27FC236}">
+                  <a16:creationId xmlns:a16="http://schemas.microsoft.com/office/drawing/2014/main" id="{00ADE265-25AB-4929-BBE2-D23C49D9A26E}"/>
+                </a:ext>
+              </a:extLst>
+            </p:cNvPr>
+            <p:cNvCxnSpPr>
+              <a:stCxn id="41" idx="0"/>
+              <a:endCxn id="6" idx="1"/>
+            </p:cNvCxnSpPr>
+            <p:nvPr/>
+          </p:nvCxnSpPr>
+          <p:spPr>
+            <a:xfrm flipH="1" flipV="1">
+              <a:off x="4415140" y="952381"/>
+              <a:ext cx="626759" cy="652621"/>
+            </a:xfrm>
+            <a:prstGeom prst="straightConnector1">
+              <a:avLst/>
+            </a:prstGeom>
+            <a:ln w="19050">
+              <a:solidFill>
+                <a:schemeClr val="tx1"/>
+              </a:solidFill>
+              <a:tailEnd type="triangle"/>
+            </a:ln>
+          </p:spPr>
+          <p:style>
+            <a:lnRef idx="1">
+              <a:schemeClr val="dk1"/>
+            </a:lnRef>
+            <a:fillRef idx="0">
+              <a:schemeClr val="dk1"/>
+            </a:fillRef>
+            <a:effectRef idx="0">
+              <a:schemeClr val="dk1"/>
+            </a:effectRef>
+            <a:fontRef idx="minor">
+              <a:schemeClr val="tx1"/>
+            </a:fontRef>
+          </p:style>
+        </p:cxnSp>
+        <mc:AlternateContent xmlns:mc="http://schemas.openxmlformats.org/markup-compatibility/2006">
+          <mc:Choice xmlns:a14="http://schemas.microsoft.com/office/drawing/2010/main" Requires="a14">
+            <p:sp>
+              <p:nvSpPr>
+                <p:cNvPr id="45" name="文字方塊 44">
+                  <a:extLst>
+                    <a:ext uri="{FF2B5EF4-FFF2-40B4-BE49-F238E27FC236}">
+                      <a16:creationId xmlns:a16="http://schemas.microsoft.com/office/drawing/2014/main" id="{725CA12B-D4CC-4FC0-A894-221C4E560579}"/>
+                    </a:ext>
+                  </a:extLst>
+                </p:cNvPr>
+                <p:cNvSpPr txBox="1"/>
+                <p:nvPr/>
+              </p:nvSpPr>
+              <p:spPr>
+                <a:xfrm>
+                  <a:off x="4502396" y="948535"/>
+                  <a:ext cx="580208" cy="246221"/>
+                </a:xfrm>
+                <a:prstGeom prst="rect">
+                  <a:avLst/>
+                </a:prstGeom>
+                <a:noFill/>
+              </p:spPr>
+              <p:txBody>
+                <a:bodyPr wrap="square" rtlCol="0">
+                  <a:spAutoFit/>
+                </a:bodyPr>
+                <a:lstStyle/>
+                <a:p>
+                  <a14:m>
+                    <m:oMathPara xmlns:m="http://schemas.openxmlformats.org/officeDocument/2006/math">
+                      <m:oMathParaPr>
+                        <m:jc m:val="centerGroup"/>
+                      </m:oMathParaPr>
+                      <m:oMath xmlns:m="http://schemas.openxmlformats.org/officeDocument/2006/math">
+                        <m:sSub>
+                          <m:sSubPr>
+                            <m:ctrlPr>
+                              <a:rPr lang="en-US" altLang="zh-TW" sz="1000" i="1" dirty="0" smtClean="0">
+                                <a:latin typeface="Cambria Math" panose="02040503050406030204" pitchFamily="18" charset="0"/>
+                              </a:rPr>
+                            </m:ctrlPr>
+                          </m:sSubPr>
+                          <m:e>
+                            <m:r>
+                              <a:rPr lang="en-US" altLang="zh-TW" sz="1000" i="1" dirty="0" smtClean="0">
+                                <a:latin typeface="Cambria Math" panose="02040503050406030204" pitchFamily="18" charset="0"/>
+                              </a:rPr>
+                              <m:t>𝑟</m:t>
+                            </m:r>
+                          </m:e>
+                          <m:sub>
+                            <m:r>
+                              <a:rPr lang="en-US" altLang="zh-TW" sz="1000" i="1" dirty="0" smtClean="0">
+                                <a:latin typeface="Cambria Math" panose="02040503050406030204" pitchFamily="18" charset="0"/>
+                              </a:rPr>
+                              <m:t>𝐴</m:t>
+                            </m:r>
+                          </m:sub>
+                        </m:sSub>
+                        <m:r>
+                          <a:rPr lang="en-US" altLang="zh-TW" sz="1000" i="1" dirty="0" smtClean="0">
+                            <a:latin typeface="Cambria Math" panose="02040503050406030204" pitchFamily="18" charset="0"/>
+                          </a:rPr>
+                          <m:t>+</m:t>
+                        </m:r>
+                        <m:sSub>
+                          <m:sSubPr>
+                            <m:ctrlPr>
+                              <a:rPr lang="en-US" altLang="zh-TW" sz="1000" i="1" dirty="0" smtClean="0">
+                                <a:latin typeface="Cambria Math" panose="02040503050406030204" pitchFamily="18" charset="0"/>
+                              </a:rPr>
+                            </m:ctrlPr>
+                          </m:sSubPr>
+                          <m:e>
+                            <m:r>
+                              <a:rPr lang="en-US" altLang="zh-TW" sz="1000" i="1" dirty="0" smtClean="0">
+                                <a:latin typeface="Cambria Math" panose="02040503050406030204" pitchFamily="18" charset="0"/>
+                              </a:rPr>
+                              <m:t>𝑟</m:t>
+                            </m:r>
+                          </m:e>
+                          <m:sub>
+                            <m:r>
+                              <a:rPr lang="en-US" altLang="zh-TW" sz="1000" i="1" dirty="0" smtClean="0">
+                                <a:latin typeface="Cambria Math" panose="02040503050406030204" pitchFamily="18" charset="0"/>
+                              </a:rPr>
+                              <m:t>𝐵</m:t>
+                            </m:r>
+                          </m:sub>
+                        </m:sSub>
+                      </m:oMath>
+                    </m:oMathPara>
+                  </a14:m>
+                  <a:endParaRPr lang="zh-TW" altLang="en-US" sz="1000" dirty="0"/>
+                </a:p>
+              </p:txBody>
+            </p:sp>
+          </mc:Choice>
+          <mc:Fallback>
+            <p:sp>
+              <p:nvSpPr>
+                <p:cNvPr id="45" name="文字方塊 44">
+                  <a:extLst>
+                    <a:ext uri="{FF2B5EF4-FFF2-40B4-BE49-F238E27FC236}">
+                      <a16:creationId xmlns:a16="http://schemas.microsoft.com/office/drawing/2014/main" id="{725CA12B-D4CC-4FC0-A894-221C4E560579}"/>
+                    </a:ext>
+                  </a:extLst>
+                </p:cNvPr>
+                <p:cNvSpPr txBox="1">
+                  <a:spLocks noRot="1" noChangeAspect="1" noMove="1" noResize="1" noEditPoints="1" noAdjustHandles="1" noChangeArrowheads="1" noChangeShapeType="1" noTextEdit="1"/>
+                </p:cNvSpPr>
+                <p:nvPr/>
+              </p:nvSpPr>
+              <p:spPr>
+                <a:xfrm>
+                  <a:off x="4502396" y="948535"/>
+                  <a:ext cx="580208" cy="246221"/>
+                </a:xfrm>
+                <a:prstGeom prst="rect">
+                  <a:avLst/>
+                </a:prstGeom>
+                <a:blipFill>
+                  <a:blip r:embed="rId3"/>
+                  <a:stretch>
+                    <a:fillRect/>
+                  </a:stretch>
+                </a:blipFill>
+              </p:spPr>
+              <p:txBody>
+                <a:bodyPr/>
+                <a:lstStyle/>
+                <a:p>
+                  <a:r>
+                    <a:rPr lang="zh-TW" altLang="en-US">
+                      <a:noFill/>
+                    </a:rPr>
+                    <a:t> </a:t>
+                  </a:r>
+                </a:p>
+              </p:txBody>
+            </p:sp>
+          </mc:Fallback>
+        </mc:AlternateContent>
+      </p:grpSp>
+    </p:spTree>
+    <p:extLst>
+      <p:ext uri="{BB962C8B-B14F-4D97-AF65-F5344CB8AC3E}">
+        <p14:creationId xmlns:p14="http://schemas.microsoft.com/office/powerpoint/2010/main" val="2537262407"/>
       </p:ext>
     </p:extLst>
   </p:cSld>

--- a/path_planing/VO_code_try/robot_properties3.pptx
+++ b/path_planing/VO_code_try/robot_properties3.pptx
@@ -9,6 +9,7 @@
     <p:sldId id="257" r:id="rId3"/>
     <p:sldId id="258" r:id="rId4"/>
     <p:sldId id="259" r:id="rId5"/>
+    <p:sldId id="260" r:id="rId6"/>
   </p:sldIdLst>
   <p:sldSz cx="12192000" cy="6858000"/>
   <p:notesSz cx="6858000" cy="9144000"/>
@@ -262,7 +263,7 @@
           <a:p>
             <a:fld id="{9CD1F5AD-FE1B-4540-B598-52220A64164D}" type="datetimeFigureOut">
               <a:rPr lang="zh-TW" altLang="en-US" smtClean="0"/>
-              <a:t>2024/5/24</a:t>
+              <a:t>2024/5/26</a:t>
             </a:fld>
             <a:endParaRPr lang="zh-TW" altLang="en-US"/>
           </a:p>
@@ -460,7 +461,7 @@
           <a:p>
             <a:fld id="{9CD1F5AD-FE1B-4540-B598-52220A64164D}" type="datetimeFigureOut">
               <a:rPr lang="zh-TW" altLang="en-US" smtClean="0"/>
-              <a:t>2024/5/24</a:t>
+              <a:t>2024/5/26</a:t>
             </a:fld>
             <a:endParaRPr lang="zh-TW" altLang="en-US"/>
           </a:p>
@@ -668,7 +669,7 @@
           <a:p>
             <a:fld id="{9CD1F5AD-FE1B-4540-B598-52220A64164D}" type="datetimeFigureOut">
               <a:rPr lang="zh-TW" altLang="en-US" smtClean="0"/>
-              <a:t>2024/5/24</a:t>
+              <a:t>2024/5/26</a:t>
             </a:fld>
             <a:endParaRPr lang="zh-TW" altLang="en-US"/>
           </a:p>
@@ -866,7 +867,7 @@
           <a:p>
             <a:fld id="{9CD1F5AD-FE1B-4540-B598-52220A64164D}" type="datetimeFigureOut">
               <a:rPr lang="zh-TW" altLang="en-US" smtClean="0"/>
-              <a:t>2024/5/24</a:t>
+              <a:t>2024/5/26</a:t>
             </a:fld>
             <a:endParaRPr lang="zh-TW" altLang="en-US"/>
           </a:p>
@@ -1141,7 +1142,7 @@
           <a:p>
             <a:fld id="{9CD1F5AD-FE1B-4540-B598-52220A64164D}" type="datetimeFigureOut">
               <a:rPr lang="zh-TW" altLang="en-US" smtClean="0"/>
-              <a:t>2024/5/24</a:t>
+              <a:t>2024/5/26</a:t>
             </a:fld>
             <a:endParaRPr lang="zh-TW" altLang="en-US"/>
           </a:p>
@@ -1406,7 +1407,7 @@
           <a:p>
             <a:fld id="{9CD1F5AD-FE1B-4540-B598-52220A64164D}" type="datetimeFigureOut">
               <a:rPr lang="zh-TW" altLang="en-US" smtClean="0"/>
-              <a:t>2024/5/24</a:t>
+              <a:t>2024/5/26</a:t>
             </a:fld>
             <a:endParaRPr lang="zh-TW" altLang="en-US"/>
           </a:p>
@@ -1818,7 +1819,7 @@
           <a:p>
             <a:fld id="{9CD1F5AD-FE1B-4540-B598-52220A64164D}" type="datetimeFigureOut">
               <a:rPr lang="zh-TW" altLang="en-US" smtClean="0"/>
-              <a:t>2024/5/24</a:t>
+              <a:t>2024/5/26</a:t>
             </a:fld>
             <a:endParaRPr lang="zh-TW" altLang="en-US"/>
           </a:p>
@@ -1959,7 +1960,7 @@
           <a:p>
             <a:fld id="{9CD1F5AD-FE1B-4540-B598-52220A64164D}" type="datetimeFigureOut">
               <a:rPr lang="zh-TW" altLang="en-US" smtClean="0"/>
-              <a:t>2024/5/24</a:t>
+              <a:t>2024/5/26</a:t>
             </a:fld>
             <a:endParaRPr lang="zh-TW" altLang="en-US"/>
           </a:p>
@@ -2072,7 +2073,7 @@
           <a:p>
             <a:fld id="{9CD1F5AD-FE1B-4540-B598-52220A64164D}" type="datetimeFigureOut">
               <a:rPr lang="zh-TW" altLang="en-US" smtClean="0"/>
-              <a:t>2024/5/24</a:t>
+              <a:t>2024/5/26</a:t>
             </a:fld>
             <a:endParaRPr lang="zh-TW" altLang="en-US"/>
           </a:p>
@@ -2383,7 +2384,7 @@
           <a:p>
             <a:fld id="{9CD1F5AD-FE1B-4540-B598-52220A64164D}" type="datetimeFigureOut">
               <a:rPr lang="zh-TW" altLang="en-US" smtClean="0"/>
-              <a:t>2024/5/24</a:t>
+              <a:t>2024/5/26</a:t>
             </a:fld>
             <a:endParaRPr lang="zh-TW" altLang="en-US"/>
           </a:p>
@@ -2671,7 +2672,7 @@
           <a:p>
             <a:fld id="{9CD1F5AD-FE1B-4540-B598-52220A64164D}" type="datetimeFigureOut">
               <a:rPr lang="zh-TW" altLang="en-US" smtClean="0"/>
-              <a:t>2024/5/24</a:t>
+              <a:t>2024/5/26</a:t>
             </a:fld>
             <a:endParaRPr lang="zh-TW" altLang="en-US"/>
           </a:p>
@@ -2912,7 +2913,7 @@
           <a:p>
             <a:fld id="{9CD1F5AD-FE1B-4540-B598-52220A64164D}" type="datetimeFigureOut">
               <a:rPr lang="zh-TW" altLang="en-US" smtClean="0"/>
-              <a:t>2024/5/24</a:t>
+              <a:t>2024/5/26</a:t>
             </a:fld>
             <a:endParaRPr lang="zh-TW" altLang="en-US"/>
           </a:p>
@@ -6543,8 +6544,8 @@
             </a:fontRef>
           </p:style>
         </p:cxnSp>
-        <mc:AlternateContent xmlns:mc="http://schemas.openxmlformats.org/markup-compatibility/2006">
-          <mc:Choice xmlns:a14="http://schemas.microsoft.com/office/drawing/2010/main" Requires="a14">
+        <mc:AlternateContent xmlns:mc="http://schemas.openxmlformats.org/markup-compatibility/2006" xmlns:a14="http://schemas.microsoft.com/office/drawing/2010/main">
+          <mc:Choice Requires="a14">
             <p:sp>
               <p:nvSpPr>
                 <p:cNvPr id="39" name="文字方塊 38">
@@ -6573,6 +6574,7 @@
                 </a:bodyPr>
                 <a:lstStyle/>
                 <a:p>
+                  <a:pPr/>
                   <a14:m>
                     <m:oMathPara xmlns:m="http://schemas.openxmlformats.org/officeDocument/2006/math">
                       <m:oMathParaPr>
@@ -6612,7 +6614,7 @@
               </p:txBody>
             </p:sp>
           </mc:Choice>
-          <mc:Fallback>
+          <mc:Fallback xmlns="">
             <p:sp>
               <p:nvSpPr>
                 <p:cNvPr id="39" name="文字方塊 38">
@@ -6774,8 +6776,8 @@
             </a:fontRef>
           </p:style>
         </p:cxnSp>
-        <mc:AlternateContent xmlns:mc="http://schemas.openxmlformats.org/markup-compatibility/2006">
-          <mc:Choice xmlns:a14="http://schemas.microsoft.com/office/drawing/2010/main" Requires="a14">
+        <mc:AlternateContent xmlns:mc="http://schemas.openxmlformats.org/markup-compatibility/2006" xmlns:a14="http://schemas.microsoft.com/office/drawing/2010/main">
+          <mc:Choice Requires="a14">
             <p:sp>
               <p:nvSpPr>
                 <p:cNvPr id="45" name="文字方塊 44">
@@ -6804,6 +6806,7 @@
                 </a:bodyPr>
                 <a:lstStyle/>
                 <a:p>
+                  <a:pPr/>
                   <a14:m>
                     <m:oMathPara xmlns:m="http://schemas.openxmlformats.org/officeDocument/2006/math">
                       <m:oMathParaPr>
@@ -6874,7 +6877,7 @@
               </p:txBody>
             </p:sp>
           </mc:Choice>
-          <mc:Fallback>
+          <mc:Fallback xmlns="">
             <p:sp>
               <p:nvSpPr>
                 <p:cNvPr id="45" name="文字方塊 44">
@@ -6924,6 +6927,591 @@
     <p:extLst>
       <p:ext uri="{BB962C8B-B14F-4D97-AF65-F5344CB8AC3E}">
         <p14:creationId xmlns:p14="http://schemas.microsoft.com/office/powerpoint/2010/main" val="2537262407"/>
+      </p:ext>
+    </p:extLst>
+  </p:cSld>
+  <p:clrMapOvr>
+    <a:masterClrMapping/>
+  </p:clrMapOvr>
+</p:sld>
+</file>
+
+<file path=ppt/slides/slide5.xml><?xml version="1.0" encoding="utf-8"?>
+<p:sld xmlns:a="http://schemas.openxmlformats.org/drawingml/2006/main" xmlns:r="http://schemas.openxmlformats.org/officeDocument/2006/relationships" xmlns:p="http://schemas.openxmlformats.org/presentationml/2006/main">
+  <p:cSld>
+    <p:spTree>
+      <p:nvGrpSpPr>
+        <p:cNvPr id="1" name=""/>
+        <p:cNvGrpSpPr/>
+        <p:nvPr/>
+      </p:nvGrpSpPr>
+      <p:grpSpPr>
+        <a:xfrm>
+          <a:off x="0" y="0"/>
+          <a:ext cx="0" cy="0"/>
+          <a:chOff x="0" y="0"/>
+          <a:chExt cx="0" cy="0"/>
+        </a:xfrm>
+      </p:grpSpPr>
+      <p:grpSp>
+        <p:nvGrpSpPr>
+          <p:cNvPr id="15" name="群組 14">
+            <a:extLst>
+              <a:ext uri="{FF2B5EF4-FFF2-40B4-BE49-F238E27FC236}">
+                <a16:creationId xmlns:a16="http://schemas.microsoft.com/office/drawing/2014/main" id="{8A3E0E4D-6F01-4D83-BEC7-C832EC28ECF6}"/>
+              </a:ext>
+            </a:extLst>
+          </p:cNvPr>
+          <p:cNvGrpSpPr/>
+          <p:nvPr/>
+        </p:nvGrpSpPr>
+        <p:grpSpPr>
+          <a:xfrm>
+            <a:off x="2621666" y="839165"/>
+            <a:ext cx="5710468" cy="4777460"/>
+            <a:chOff x="2621666" y="839165"/>
+            <a:chExt cx="5710468" cy="4777460"/>
+          </a:xfrm>
+        </p:grpSpPr>
+        <p:pic>
+          <p:nvPicPr>
+            <p:cNvPr id="5" name="圖片 4">
+              <a:extLst>
+                <a:ext uri="{FF2B5EF4-FFF2-40B4-BE49-F238E27FC236}">
+                  <a16:creationId xmlns:a16="http://schemas.microsoft.com/office/drawing/2014/main" id="{DB0B49C2-B3D2-4244-B66A-AB43816629DA}"/>
+                </a:ext>
+              </a:extLst>
+            </p:cNvPr>
+            <p:cNvPicPr>
+              <a:picLocks noChangeAspect="1"/>
+            </p:cNvPicPr>
+            <p:nvPr/>
+          </p:nvPicPr>
+          <p:blipFill>
+            <a:blip r:embed="rId2"/>
+            <a:stretch>
+              <a:fillRect/>
+            </a:stretch>
+          </p:blipFill>
+          <p:spPr>
+            <a:xfrm>
+              <a:off x="3292706" y="1148776"/>
+              <a:ext cx="5039428" cy="4467849"/>
+            </a:xfrm>
+            <a:prstGeom prst="rect">
+              <a:avLst/>
+            </a:prstGeom>
+          </p:spPr>
+        </p:pic>
+        <p:sp>
+          <p:nvSpPr>
+            <p:cNvPr id="6" name="矩形 5">
+              <a:extLst>
+                <a:ext uri="{FF2B5EF4-FFF2-40B4-BE49-F238E27FC236}">
+                  <a16:creationId xmlns:a16="http://schemas.microsoft.com/office/drawing/2014/main" id="{9FED9D19-3393-41F2-BBE1-4446EBFE6619}"/>
+                </a:ext>
+              </a:extLst>
+            </p:cNvPr>
+            <p:cNvSpPr/>
+            <p:nvPr/>
+          </p:nvSpPr>
+          <p:spPr>
+            <a:xfrm>
+              <a:off x="2621666" y="839165"/>
+              <a:ext cx="1400537" cy="3020992"/>
+            </a:xfrm>
+            <a:prstGeom prst="rect">
+              <a:avLst/>
+            </a:prstGeom>
+            <a:solidFill>
+              <a:srgbClr val="FEFEFE"/>
+            </a:solidFill>
+            <a:ln>
+              <a:noFill/>
+            </a:ln>
+          </p:spPr>
+          <p:style>
+            <a:lnRef idx="2">
+              <a:schemeClr val="accent1">
+                <a:shade val="50000"/>
+              </a:schemeClr>
+            </a:lnRef>
+            <a:fillRef idx="1">
+              <a:schemeClr val="accent1"/>
+            </a:fillRef>
+            <a:effectRef idx="0">
+              <a:schemeClr val="accent1"/>
+            </a:effectRef>
+            <a:fontRef idx="minor">
+              <a:schemeClr val="lt1"/>
+            </a:fontRef>
+          </p:style>
+          <p:txBody>
+            <a:bodyPr rtlCol="0" anchor="ctr"/>
+            <a:lstStyle/>
+            <a:p>
+              <a:pPr algn="ctr"/>
+              <a:endParaRPr lang="zh-TW" altLang="en-US"/>
+            </a:p>
+          </p:txBody>
+        </p:sp>
+        <p:cxnSp>
+          <p:nvCxnSpPr>
+            <p:cNvPr id="8" name="直線單箭頭接點 7">
+              <a:extLst>
+                <a:ext uri="{FF2B5EF4-FFF2-40B4-BE49-F238E27FC236}">
+                  <a16:creationId xmlns:a16="http://schemas.microsoft.com/office/drawing/2014/main" id="{F2BB6D96-5FB4-4CCE-8CE7-BE2ADD79B64A}"/>
+                </a:ext>
+              </a:extLst>
+            </p:cNvPr>
+            <p:cNvCxnSpPr>
+              <a:cxnSpLocks/>
+            </p:cNvCxnSpPr>
+            <p:nvPr/>
+          </p:nvCxnSpPr>
+          <p:spPr>
+            <a:xfrm flipV="1">
+              <a:off x="7384648" y="4120587"/>
+              <a:ext cx="0" cy="1111171"/>
+            </a:xfrm>
+            <a:prstGeom prst="straightConnector1">
+              <a:avLst/>
+            </a:prstGeom>
+            <a:ln w="38100">
+              <a:solidFill>
+                <a:schemeClr val="tx1"/>
+              </a:solidFill>
+              <a:tailEnd type="triangle"/>
+            </a:ln>
+          </p:spPr>
+          <p:style>
+            <a:lnRef idx="1">
+              <a:schemeClr val="accent1"/>
+            </a:lnRef>
+            <a:fillRef idx="0">
+              <a:schemeClr val="accent1"/>
+            </a:fillRef>
+            <a:effectRef idx="0">
+              <a:schemeClr val="accent1"/>
+            </a:effectRef>
+            <a:fontRef idx="minor">
+              <a:schemeClr val="tx1"/>
+            </a:fontRef>
+          </p:style>
+        </p:cxnSp>
+        <p:sp>
+          <p:nvSpPr>
+            <p:cNvPr id="10" name="矩形 9">
+              <a:extLst>
+                <a:ext uri="{FF2B5EF4-FFF2-40B4-BE49-F238E27FC236}">
+                  <a16:creationId xmlns:a16="http://schemas.microsoft.com/office/drawing/2014/main" id="{90C47AF3-42E4-4E85-BB41-7F265DC6FFC4}"/>
+                </a:ext>
+              </a:extLst>
+            </p:cNvPr>
+            <p:cNvSpPr/>
+            <p:nvPr/>
+          </p:nvSpPr>
+          <p:spPr>
+            <a:xfrm>
+              <a:off x="7045126" y="1241375"/>
+              <a:ext cx="408972" cy="567160"/>
+            </a:xfrm>
+            <a:prstGeom prst="rect">
+              <a:avLst/>
+            </a:prstGeom>
+            <a:solidFill>
+              <a:srgbClr val="FEFEFE"/>
+            </a:solidFill>
+            <a:ln>
+              <a:noFill/>
+            </a:ln>
+          </p:spPr>
+          <p:style>
+            <a:lnRef idx="2">
+              <a:schemeClr val="accent1">
+                <a:shade val="50000"/>
+              </a:schemeClr>
+            </a:lnRef>
+            <a:fillRef idx="1">
+              <a:schemeClr val="accent1"/>
+            </a:fillRef>
+            <a:effectRef idx="0">
+              <a:schemeClr val="accent1"/>
+            </a:effectRef>
+            <a:fontRef idx="minor">
+              <a:schemeClr val="lt1"/>
+            </a:fontRef>
+          </p:style>
+          <p:txBody>
+            <a:bodyPr rtlCol="0" anchor="ctr"/>
+            <a:lstStyle/>
+            <a:p>
+              <a:pPr algn="ctr"/>
+              <a:endParaRPr lang="zh-TW" altLang="en-US"/>
+            </a:p>
+          </p:txBody>
+        </p:sp>
+        <p:sp>
+          <p:nvSpPr>
+            <p:cNvPr id="11" name="矩形 10">
+              <a:extLst>
+                <a:ext uri="{FF2B5EF4-FFF2-40B4-BE49-F238E27FC236}">
+                  <a16:creationId xmlns:a16="http://schemas.microsoft.com/office/drawing/2014/main" id="{16D1373C-D703-497C-A360-1E48AEE57215}"/>
+                </a:ext>
+              </a:extLst>
+            </p:cNvPr>
+            <p:cNvSpPr/>
+            <p:nvPr/>
+          </p:nvSpPr>
+          <p:spPr>
+            <a:xfrm>
+              <a:off x="4576826" y="4218972"/>
+              <a:ext cx="359776" cy="511214"/>
+            </a:xfrm>
+            <a:prstGeom prst="rect">
+              <a:avLst/>
+            </a:prstGeom>
+            <a:solidFill>
+              <a:srgbClr val="FEFEFE"/>
+            </a:solidFill>
+            <a:ln>
+              <a:noFill/>
+            </a:ln>
+          </p:spPr>
+          <p:style>
+            <a:lnRef idx="2">
+              <a:schemeClr val="accent1">
+                <a:shade val="50000"/>
+              </a:schemeClr>
+            </a:lnRef>
+            <a:fillRef idx="1">
+              <a:schemeClr val="accent1"/>
+            </a:fillRef>
+            <a:effectRef idx="0">
+              <a:schemeClr val="accent1"/>
+            </a:effectRef>
+            <a:fontRef idx="minor">
+              <a:schemeClr val="lt1"/>
+            </a:fontRef>
+          </p:style>
+          <p:txBody>
+            <a:bodyPr rtlCol="0" anchor="ctr"/>
+            <a:lstStyle/>
+            <a:p>
+              <a:pPr algn="ctr"/>
+              <a:endParaRPr lang="zh-TW" altLang="en-US"/>
+            </a:p>
+          </p:txBody>
+        </p:sp>
+        <mc:AlternateContent xmlns:mc="http://schemas.openxmlformats.org/markup-compatibility/2006">
+          <mc:Choice xmlns:a14="http://schemas.microsoft.com/office/drawing/2010/main" Requires="a14">
+            <p:sp>
+              <p:nvSpPr>
+                <p:cNvPr id="12" name="文字方塊 11">
+                  <a:extLst>
+                    <a:ext uri="{FF2B5EF4-FFF2-40B4-BE49-F238E27FC236}">
+                      <a16:creationId xmlns:a16="http://schemas.microsoft.com/office/drawing/2014/main" id="{055DEF25-75B3-4712-97B7-C517DB00D608}"/>
+                    </a:ext>
+                  </a:extLst>
+                </p:cNvPr>
+                <p:cNvSpPr txBox="1"/>
+                <p:nvPr/>
+              </p:nvSpPr>
+              <p:spPr>
+                <a:xfrm>
+                  <a:off x="4462041" y="4120587"/>
+                  <a:ext cx="410902" cy="523220"/>
+                </a:xfrm>
+                <a:prstGeom prst="rect">
+                  <a:avLst/>
+                </a:prstGeom>
+                <a:noFill/>
+              </p:spPr>
+              <p:txBody>
+                <a:bodyPr wrap="square" rtlCol="0">
+                  <a:spAutoFit/>
+                </a:bodyPr>
+                <a:lstStyle/>
+                <a:p>
+                  <a14:m>
+                    <m:oMathPara xmlns:m="http://schemas.openxmlformats.org/officeDocument/2006/math">
+                      <m:oMathParaPr>
+                        <m:jc m:val="centerGroup"/>
+                      </m:oMathParaPr>
+                      <m:oMath xmlns:m="http://schemas.openxmlformats.org/officeDocument/2006/math">
+                        <m:r>
+                          <a:rPr lang="en-US" altLang="zh-TW" sz="2800" i="1" dirty="0" smtClean="0">
+                            <a:latin typeface="Cambria Math" panose="02040503050406030204" pitchFamily="18" charset="0"/>
+                          </a:rPr>
+                          <m:t>𝜙</m:t>
+                        </m:r>
+                      </m:oMath>
+                    </m:oMathPara>
+                  </a14:m>
+                  <a:endParaRPr lang="zh-TW" altLang="en-US" sz="2800" dirty="0"/>
+                </a:p>
+              </p:txBody>
+            </p:sp>
+          </mc:Choice>
+          <mc:Fallback>
+            <p:sp>
+              <p:nvSpPr>
+                <p:cNvPr id="12" name="文字方塊 11">
+                  <a:extLst>
+                    <a:ext uri="{FF2B5EF4-FFF2-40B4-BE49-F238E27FC236}">
+                      <a16:creationId xmlns:a16="http://schemas.microsoft.com/office/drawing/2014/main" id="{055DEF25-75B3-4712-97B7-C517DB00D608}"/>
+                    </a:ext>
+                  </a:extLst>
+                </p:cNvPr>
+                <p:cNvSpPr txBox="1">
+                  <a:spLocks noRot="1" noChangeAspect="1" noMove="1" noResize="1" noEditPoints="1" noAdjustHandles="1" noChangeArrowheads="1" noChangeShapeType="1" noTextEdit="1"/>
+                </p:cNvSpPr>
+                <p:nvPr/>
+              </p:nvSpPr>
+              <p:spPr>
+                <a:xfrm>
+                  <a:off x="4462041" y="4120587"/>
+                  <a:ext cx="410902" cy="523220"/>
+                </a:xfrm>
+                <a:prstGeom prst="rect">
+                  <a:avLst/>
+                </a:prstGeom>
+                <a:blipFill>
+                  <a:blip r:embed="rId3"/>
+                  <a:stretch>
+                    <a:fillRect/>
+                  </a:stretch>
+                </a:blipFill>
+              </p:spPr>
+              <p:txBody>
+                <a:bodyPr/>
+                <a:lstStyle/>
+                <a:p>
+                  <a:r>
+                    <a:rPr lang="zh-TW" altLang="en-US">
+                      <a:noFill/>
+                    </a:rPr>
+                    <a:t> </a:t>
+                  </a:r>
+                </a:p>
+              </p:txBody>
+            </p:sp>
+          </mc:Fallback>
+        </mc:AlternateContent>
+        <mc:AlternateContent xmlns:mc="http://schemas.openxmlformats.org/markup-compatibility/2006">
+          <mc:Choice xmlns:a14="http://schemas.microsoft.com/office/drawing/2010/main" Requires="a14">
+            <p:sp>
+              <p:nvSpPr>
+                <p:cNvPr id="13" name="文字方塊 12">
+                  <a:extLst>
+                    <a:ext uri="{FF2B5EF4-FFF2-40B4-BE49-F238E27FC236}">
+                      <a16:creationId xmlns:a16="http://schemas.microsoft.com/office/drawing/2014/main" id="{E85BBBC8-8E80-4677-AAEC-35A586F39DA7}"/>
+                    </a:ext>
+                  </a:extLst>
+                </p:cNvPr>
+                <p:cNvSpPr txBox="1"/>
+                <p:nvPr/>
+              </p:nvSpPr>
+              <p:spPr>
+                <a:xfrm>
+                  <a:off x="6504155" y="1324599"/>
+                  <a:ext cx="410902" cy="523220"/>
+                </a:xfrm>
+                <a:prstGeom prst="rect">
+                  <a:avLst/>
+                </a:prstGeom>
+                <a:noFill/>
+              </p:spPr>
+              <p:txBody>
+                <a:bodyPr wrap="square" rtlCol="0">
+                  <a:spAutoFit/>
+                </a:bodyPr>
+                <a:lstStyle/>
+                <a:p>
+                  <a14:m>
+                    <m:oMathPara xmlns:m="http://schemas.openxmlformats.org/officeDocument/2006/math">
+                      <m:oMathParaPr>
+                        <m:jc m:val="centerGroup"/>
+                      </m:oMathParaPr>
+                      <m:oMath xmlns:m="http://schemas.openxmlformats.org/officeDocument/2006/math">
+                        <m:r>
+                          <a:rPr lang="en-US" altLang="zh-TW" sz="2800" i="1" dirty="0" smtClean="0">
+                            <a:latin typeface="Cambria Math" panose="02040503050406030204" pitchFamily="18" charset="0"/>
+                          </a:rPr>
+                          <m:t>𝜙</m:t>
+                        </m:r>
+                      </m:oMath>
+                    </m:oMathPara>
+                  </a14:m>
+                  <a:endParaRPr lang="zh-TW" altLang="en-US" sz="2800" dirty="0"/>
+                </a:p>
+              </p:txBody>
+            </p:sp>
+          </mc:Choice>
+          <mc:Fallback>
+            <p:sp>
+              <p:nvSpPr>
+                <p:cNvPr id="13" name="文字方塊 12">
+                  <a:extLst>
+                    <a:ext uri="{FF2B5EF4-FFF2-40B4-BE49-F238E27FC236}">
+                      <a16:creationId xmlns:a16="http://schemas.microsoft.com/office/drawing/2014/main" id="{E85BBBC8-8E80-4677-AAEC-35A586F39DA7}"/>
+                    </a:ext>
+                  </a:extLst>
+                </p:cNvPr>
+                <p:cNvSpPr txBox="1">
+                  <a:spLocks noRot="1" noChangeAspect="1" noMove="1" noResize="1" noEditPoints="1" noAdjustHandles="1" noChangeArrowheads="1" noChangeShapeType="1" noTextEdit="1"/>
+                </p:cNvSpPr>
+                <p:nvPr/>
+              </p:nvSpPr>
+              <p:spPr>
+                <a:xfrm>
+                  <a:off x="6504155" y="1324599"/>
+                  <a:ext cx="410902" cy="523220"/>
+                </a:xfrm>
+                <a:prstGeom prst="rect">
+                  <a:avLst/>
+                </a:prstGeom>
+                <a:blipFill>
+                  <a:blip r:embed="rId4"/>
+                  <a:stretch>
+                    <a:fillRect/>
+                  </a:stretch>
+                </a:blipFill>
+              </p:spPr>
+              <p:txBody>
+                <a:bodyPr/>
+                <a:lstStyle/>
+                <a:p>
+                  <a:r>
+                    <a:rPr lang="zh-TW" altLang="en-US">
+                      <a:noFill/>
+                    </a:rPr>
+                    <a:t> </a:t>
+                  </a:r>
+                </a:p>
+              </p:txBody>
+            </p:sp>
+          </mc:Fallback>
+        </mc:AlternateContent>
+        <mc:AlternateContent xmlns:mc="http://schemas.openxmlformats.org/markup-compatibility/2006">
+          <mc:Choice xmlns:a14="http://schemas.microsoft.com/office/drawing/2010/main" Requires="a14">
+            <p:sp>
+              <p:nvSpPr>
+                <p:cNvPr id="14" name="文字方塊 13">
+                  <a:extLst>
+                    <a:ext uri="{FF2B5EF4-FFF2-40B4-BE49-F238E27FC236}">
+                      <a16:creationId xmlns:a16="http://schemas.microsoft.com/office/drawing/2014/main" id="{73E74B2F-90F0-4D38-9622-92BAD778B8CD}"/>
+                    </a:ext>
+                  </a:extLst>
+                </p:cNvPr>
+                <p:cNvSpPr txBox="1"/>
+                <p:nvPr/>
+              </p:nvSpPr>
+              <p:spPr>
+                <a:xfrm>
+                  <a:off x="7372401" y="4277809"/>
+                  <a:ext cx="601591" cy="523220"/>
+                </a:xfrm>
+                <a:prstGeom prst="rect">
+                  <a:avLst/>
+                </a:prstGeom>
+                <a:noFill/>
+              </p:spPr>
+              <p:txBody>
+                <a:bodyPr wrap="square" rtlCol="0">
+                  <a:spAutoFit/>
+                </a:bodyPr>
+                <a:lstStyle/>
+                <a:p>
+                  <a14:m>
+                    <m:oMathPara xmlns:m="http://schemas.openxmlformats.org/officeDocument/2006/math">
+                      <m:oMathParaPr>
+                        <m:jc m:val="centerGroup"/>
+                      </m:oMathParaPr>
+                      <m:oMath xmlns:m="http://schemas.openxmlformats.org/officeDocument/2006/math">
+                        <m:sSub>
+                          <m:sSubPr>
+                            <m:ctrlPr>
+                              <a:rPr lang="en-US" altLang="zh-TW" sz="2800" i="1" dirty="0" smtClean="0">
+                                <a:latin typeface="Cambria Math" panose="02040503050406030204" pitchFamily="18" charset="0"/>
+                              </a:rPr>
+                            </m:ctrlPr>
+                          </m:sSubPr>
+                          <m:e>
+                            <m:r>
+                              <a:rPr lang="en-US" altLang="zh-TW" sz="2800" i="1" dirty="0" smtClean="0">
+                                <a:latin typeface="Cambria Math" panose="02040503050406030204" pitchFamily="18" charset="0"/>
+                              </a:rPr>
+                              <m:t>𝑣</m:t>
+                            </m:r>
+                          </m:e>
+                          <m:sub>
+                            <m:r>
+                              <a:rPr lang="en-US" altLang="zh-TW" sz="2800" i="1" dirty="0" err="1">
+                                <a:latin typeface="Cambria Math" panose="02040503050406030204" pitchFamily="18" charset="0"/>
+                              </a:rPr>
+                              <m:t>𝑥</m:t>
+                            </m:r>
+                          </m:sub>
+                        </m:sSub>
+                      </m:oMath>
+                    </m:oMathPara>
+                  </a14:m>
+                  <a:endParaRPr lang="zh-TW" altLang="en-US" sz="2800" dirty="0"/>
+                </a:p>
+              </p:txBody>
+            </p:sp>
+          </mc:Choice>
+          <mc:Fallback>
+            <p:sp>
+              <p:nvSpPr>
+                <p:cNvPr id="14" name="文字方塊 13">
+                  <a:extLst>
+                    <a:ext uri="{FF2B5EF4-FFF2-40B4-BE49-F238E27FC236}">
+                      <a16:creationId xmlns:a16="http://schemas.microsoft.com/office/drawing/2014/main" id="{73E74B2F-90F0-4D38-9622-92BAD778B8CD}"/>
+                    </a:ext>
+                  </a:extLst>
+                </p:cNvPr>
+                <p:cNvSpPr txBox="1">
+                  <a:spLocks noRot="1" noChangeAspect="1" noMove="1" noResize="1" noEditPoints="1" noAdjustHandles="1" noChangeArrowheads="1" noChangeShapeType="1" noTextEdit="1"/>
+                </p:cNvSpPr>
+                <p:nvPr/>
+              </p:nvSpPr>
+              <p:spPr>
+                <a:xfrm>
+                  <a:off x="7372401" y="4277809"/>
+                  <a:ext cx="601591" cy="523220"/>
+                </a:xfrm>
+                <a:prstGeom prst="rect">
+                  <a:avLst/>
+                </a:prstGeom>
+                <a:blipFill>
+                  <a:blip r:embed="rId5"/>
+                  <a:stretch>
+                    <a:fillRect/>
+                  </a:stretch>
+                </a:blipFill>
+              </p:spPr>
+              <p:txBody>
+                <a:bodyPr/>
+                <a:lstStyle/>
+                <a:p>
+                  <a:r>
+                    <a:rPr lang="zh-TW" altLang="en-US">
+                      <a:noFill/>
+                    </a:rPr>
+                    <a:t> </a:t>
+                  </a:r>
+                </a:p>
+              </p:txBody>
+            </p:sp>
+          </mc:Fallback>
+        </mc:AlternateContent>
+      </p:grpSp>
+    </p:spTree>
+    <p:extLst>
+      <p:ext uri="{BB962C8B-B14F-4D97-AF65-F5344CB8AC3E}">
+        <p14:creationId xmlns:p14="http://schemas.microsoft.com/office/powerpoint/2010/main" val="41953618"/>
       </p:ext>
     </p:extLst>
   </p:cSld>

--- a/path_planing/VO_code_try/robot_properties3.pptx
+++ b/path_planing/VO_code_try/robot_properties3.pptx
@@ -10,6 +10,7 @@
     <p:sldId id="258" r:id="rId4"/>
     <p:sldId id="259" r:id="rId5"/>
     <p:sldId id="260" r:id="rId6"/>
+    <p:sldId id="261" r:id="rId7"/>
   </p:sldIdLst>
   <p:sldSz cx="12192000" cy="6858000"/>
   <p:notesSz cx="6858000" cy="9144000"/>
@@ -263,7 +264,7 @@
           <a:p>
             <a:fld id="{9CD1F5AD-FE1B-4540-B598-52220A64164D}" type="datetimeFigureOut">
               <a:rPr lang="zh-TW" altLang="en-US" smtClean="0"/>
-              <a:t>2024/5/26</a:t>
+              <a:t>2024/5/27</a:t>
             </a:fld>
             <a:endParaRPr lang="zh-TW" altLang="en-US"/>
           </a:p>
@@ -461,7 +462,7 @@
           <a:p>
             <a:fld id="{9CD1F5AD-FE1B-4540-B598-52220A64164D}" type="datetimeFigureOut">
               <a:rPr lang="zh-TW" altLang="en-US" smtClean="0"/>
-              <a:t>2024/5/26</a:t>
+              <a:t>2024/5/27</a:t>
             </a:fld>
             <a:endParaRPr lang="zh-TW" altLang="en-US"/>
           </a:p>
@@ -669,7 +670,7 @@
           <a:p>
             <a:fld id="{9CD1F5AD-FE1B-4540-B598-52220A64164D}" type="datetimeFigureOut">
               <a:rPr lang="zh-TW" altLang="en-US" smtClean="0"/>
-              <a:t>2024/5/26</a:t>
+              <a:t>2024/5/27</a:t>
             </a:fld>
             <a:endParaRPr lang="zh-TW" altLang="en-US"/>
           </a:p>
@@ -867,7 +868,7 @@
           <a:p>
             <a:fld id="{9CD1F5AD-FE1B-4540-B598-52220A64164D}" type="datetimeFigureOut">
               <a:rPr lang="zh-TW" altLang="en-US" smtClean="0"/>
-              <a:t>2024/5/26</a:t>
+              <a:t>2024/5/27</a:t>
             </a:fld>
             <a:endParaRPr lang="zh-TW" altLang="en-US"/>
           </a:p>
@@ -1142,7 +1143,7 @@
           <a:p>
             <a:fld id="{9CD1F5AD-FE1B-4540-B598-52220A64164D}" type="datetimeFigureOut">
               <a:rPr lang="zh-TW" altLang="en-US" smtClean="0"/>
-              <a:t>2024/5/26</a:t>
+              <a:t>2024/5/27</a:t>
             </a:fld>
             <a:endParaRPr lang="zh-TW" altLang="en-US"/>
           </a:p>
@@ -1407,7 +1408,7 @@
           <a:p>
             <a:fld id="{9CD1F5AD-FE1B-4540-B598-52220A64164D}" type="datetimeFigureOut">
               <a:rPr lang="zh-TW" altLang="en-US" smtClean="0"/>
-              <a:t>2024/5/26</a:t>
+              <a:t>2024/5/27</a:t>
             </a:fld>
             <a:endParaRPr lang="zh-TW" altLang="en-US"/>
           </a:p>
@@ -1819,7 +1820,7 @@
           <a:p>
             <a:fld id="{9CD1F5AD-FE1B-4540-B598-52220A64164D}" type="datetimeFigureOut">
               <a:rPr lang="zh-TW" altLang="en-US" smtClean="0"/>
-              <a:t>2024/5/26</a:t>
+              <a:t>2024/5/27</a:t>
             </a:fld>
             <a:endParaRPr lang="zh-TW" altLang="en-US"/>
           </a:p>
@@ -1960,7 +1961,7 @@
           <a:p>
             <a:fld id="{9CD1F5AD-FE1B-4540-B598-52220A64164D}" type="datetimeFigureOut">
               <a:rPr lang="zh-TW" altLang="en-US" smtClean="0"/>
-              <a:t>2024/5/26</a:t>
+              <a:t>2024/5/27</a:t>
             </a:fld>
             <a:endParaRPr lang="zh-TW" altLang="en-US"/>
           </a:p>
@@ -2073,7 +2074,7 @@
           <a:p>
             <a:fld id="{9CD1F5AD-FE1B-4540-B598-52220A64164D}" type="datetimeFigureOut">
               <a:rPr lang="zh-TW" altLang="en-US" smtClean="0"/>
-              <a:t>2024/5/26</a:t>
+              <a:t>2024/5/27</a:t>
             </a:fld>
             <a:endParaRPr lang="zh-TW" altLang="en-US"/>
           </a:p>
@@ -2384,7 +2385,7 @@
           <a:p>
             <a:fld id="{9CD1F5AD-FE1B-4540-B598-52220A64164D}" type="datetimeFigureOut">
               <a:rPr lang="zh-TW" altLang="en-US" smtClean="0"/>
-              <a:t>2024/5/26</a:t>
+              <a:t>2024/5/27</a:t>
             </a:fld>
             <a:endParaRPr lang="zh-TW" altLang="en-US"/>
           </a:p>
@@ -2672,7 +2673,7 @@
           <a:p>
             <a:fld id="{9CD1F5AD-FE1B-4540-B598-52220A64164D}" type="datetimeFigureOut">
               <a:rPr lang="zh-TW" altLang="en-US" smtClean="0"/>
-              <a:t>2024/5/26</a:t>
+              <a:t>2024/5/27</a:t>
             </a:fld>
             <a:endParaRPr lang="zh-TW" altLang="en-US"/>
           </a:p>
@@ -2913,7 +2914,7 @@
           <a:p>
             <a:fld id="{9CD1F5AD-FE1B-4540-B598-52220A64164D}" type="datetimeFigureOut">
               <a:rPr lang="zh-TW" altLang="en-US" smtClean="0"/>
-              <a:t>2024/5/26</a:t>
+              <a:t>2024/5/27</a:t>
             </a:fld>
             <a:endParaRPr lang="zh-TW" altLang="en-US"/>
           </a:p>
@@ -7203,8 +7204,8 @@
             </a:p>
           </p:txBody>
         </p:sp>
-        <mc:AlternateContent xmlns:mc="http://schemas.openxmlformats.org/markup-compatibility/2006">
-          <mc:Choice xmlns:a14="http://schemas.microsoft.com/office/drawing/2010/main" Requires="a14">
+        <mc:AlternateContent xmlns:mc="http://schemas.openxmlformats.org/markup-compatibility/2006" xmlns:a14="http://schemas.microsoft.com/office/drawing/2010/main">
+          <mc:Choice Requires="a14">
             <p:sp>
               <p:nvSpPr>
                 <p:cNvPr id="12" name="文字方塊 11">
@@ -7233,6 +7234,7 @@
                 </a:bodyPr>
                 <a:lstStyle/>
                 <a:p>
+                  <a:pPr/>
                   <a14:m>
                     <m:oMathPara xmlns:m="http://schemas.openxmlformats.org/officeDocument/2006/math">
                       <m:oMathParaPr>
@@ -7253,7 +7255,7 @@
               </p:txBody>
             </p:sp>
           </mc:Choice>
-          <mc:Fallback>
+          <mc:Fallback xmlns="">
             <p:sp>
               <p:nvSpPr>
                 <p:cNvPr id="12" name="文字方塊 11">
@@ -7298,8 +7300,8 @@
             </p:sp>
           </mc:Fallback>
         </mc:AlternateContent>
-        <mc:AlternateContent xmlns:mc="http://schemas.openxmlformats.org/markup-compatibility/2006">
-          <mc:Choice xmlns:a14="http://schemas.microsoft.com/office/drawing/2010/main" Requires="a14">
+        <mc:AlternateContent xmlns:mc="http://schemas.openxmlformats.org/markup-compatibility/2006" xmlns:a14="http://schemas.microsoft.com/office/drawing/2010/main">
+          <mc:Choice Requires="a14">
             <p:sp>
               <p:nvSpPr>
                 <p:cNvPr id="13" name="文字方塊 12">
@@ -7328,6 +7330,7 @@
                 </a:bodyPr>
                 <a:lstStyle/>
                 <a:p>
+                  <a:pPr/>
                   <a14:m>
                     <m:oMathPara xmlns:m="http://schemas.openxmlformats.org/officeDocument/2006/math">
                       <m:oMathParaPr>
@@ -7348,7 +7351,7 @@
               </p:txBody>
             </p:sp>
           </mc:Choice>
-          <mc:Fallback>
+          <mc:Fallback xmlns="">
             <p:sp>
               <p:nvSpPr>
                 <p:cNvPr id="13" name="文字方塊 12">
@@ -7393,8 +7396,8 @@
             </p:sp>
           </mc:Fallback>
         </mc:AlternateContent>
-        <mc:AlternateContent xmlns:mc="http://schemas.openxmlformats.org/markup-compatibility/2006">
-          <mc:Choice xmlns:a14="http://schemas.microsoft.com/office/drawing/2010/main" Requires="a14">
+        <mc:AlternateContent xmlns:mc="http://schemas.openxmlformats.org/markup-compatibility/2006" xmlns:a14="http://schemas.microsoft.com/office/drawing/2010/main">
+          <mc:Choice Requires="a14">
             <p:sp>
               <p:nvSpPr>
                 <p:cNvPr id="14" name="文字方塊 13">
@@ -7423,6 +7426,7 @@
                 </a:bodyPr>
                 <a:lstStyle/>
                 <a:p>
+                  <a:pPr/>
                   <a14:m>
                     <m:oMathPara xmlns:m="http://schemas.openxmlformats.org/officeDocument/2006/math">
                       <m:oMathParaPr>
@@ -7462,7 +7466,7 @@
               </p:txBody>
             </p:sp>
           </mc:Choice>
-          <mc:Fallback>
+          <mc:Fallback xmlns="">
             <p:sp>
               <p:nvSpPr>
                 <p:cNvPr id="14" name="文字方塊 13">
@@ -7512,6 +7516,401 @@
     <p:extLst>
       <p:ext uri="{BB962C8B-B14F-4D97-AF65-F5344CB8AC3E}">
         <p14:creationId xmlns:p14="http://schemas.microsoft.com/office/powerpoint/2010/main" val="41953618"/>
+      </p:ext>
+    </p:extLst>
+  </p:cSld>
+  <p:clrMapOvr>
+    <a:masterClrMapping/>
+  </p:clrMapOvr>
+</p:sld>
+</file>
+
+<file path=ppt/slides/slide6.xml><?xml version="1.0" encoding="utf-8"?>
+<p:sld xmlns:a="http://schemas.openxmlformats.org/drawingml/2006/main" xmlns:r="http://schemas.openxmlformats.org/officeDocument/2006/relationships" xmlns:p="http://schemas.openxmlformats.org/presentationml/2006/main">
+  <p:cSld>
+    <p:spTree>
+      <p:nvGrpSpPr>
+        <p:cNvPr id="1" name=""/>
+        <p:cNvGrpSpPr/>
+        <p:nvPr/>
+      </p:nvGrpSpPr>
+      <p:grpSpPr>
+        <a:xfrm>
+          <a:off x="0" y="0"/>
+          <a:ext cx="0" cy="0"/>
+          <a:chOff x="0" y="0"/>
+          <a:chExt cx="0" cy="0"/>
+        </a:xfrm>
+      </p:grpSpPr>
+      <p:grpSp>
+        <p:nvGrpSpPr>
+          <p:cNvPr id="13" name="群組 12">
+            <a:extLst>
+              <a:ext uri="{FF2B5EF4-FFF2-40B4-BE49-F238E27FC236}">
+                <a16:creationId xmlns:a16="http://schemas.microsoft.com/office/drawing/2014/main" id="{0E1EA2D0-5F48-4435-AA57-B8B18CA0AFD4}"/>
+              </a:ext>
+            </a:extLst>
+          </p:cNvPr>
+          <p:cNvGrpSpPr/>
+          <p:nvPr/>
+        </p:nvGrpSpPr>
+        <p:grpSpPr>
+          <a:xfrm>
+            <a:off x="3149601" y="1363133"/>
+            <a:ext cx="3706534" cy="2836334"/>
+            <a:chOff x="3149601" y="1363133"/>
+            <a:chExt cx="3706534" cy="2836334"/>
+          </a:xfrm>
+        </p:grpSpPr>
+        <p:pic>
+          <p:nvPicPr>
+            <p:cNvPr id="5" name="圖片 4">
+              <a:extLst>
+                <a:ext uri="{FF2B5EF4-FFF2-40B4-BE49-F238E27FC236}">
+                  <a16:creationId xmlns:a16="http://schemas.microsoft.com/office/drawing/2014/main" id="{A649129F-5555-41C6-BA94-00CC344E7F6F}"/>
+                </a:ext>
+              </a:extLst>
+            </p:cNvPr>
+            <p:cNvPicPr>
+              <a:picLocks noChangeAspect="1"/>
+            </p:cNvPicPr>
+            <p:nvPr/>
+          </p:nvPicPr>
+          <p:blipFill rotWithShape="1">
+            <a:blip r:embed="rId2"/>
+            <a:srcRect b="18499"/>
+            <a:stretch/>
+          </p:blipFill>
+          <p:spPr>
+            <a:xfrm>
+              <a:off x="3236130" y="1746040"/>
+              <a:ext cx="3620005" cy="2453427"/>
+            </a:xfrm>
+            <a:prstGeom prst="rect">
+              <a:avLst/>
+            </a:prstGeom>
+          </p:spPr>
+        </p:pic>
+        <p:cxnSp>
+          <p:nvCxnSpPr>
+            <p:cNvPr id="7" name="直線單箭頭接點 6">
+              <a:extLst>
+                <a:ext uri="{FF2B5EF4-FFF2-40B4-BE49-F238E27FC236}">
+                  <a16:creationId xmlns:a16="http://schemas.microsoft.com/office/drawing/2014/main" id="{5923823F-E153-4B4E-950D-6500CA780415}"/>
+                </a:ext>
+              </a:extLst>
+            </p:cNvPr>
+            <p:cNvCxnSpPr/>
+            <p:nvPr/>
+          </p:nvCxnSpPr>
+          <p:spPr>
+            <a:xfrm flipV="1">
+              <a:off x="3725333" y="1363133"/>
+              <a:ext cx="0" cy="1667934"/>
+            </a:xfrm>
+            <a:prstGeom prst="straightConnector1">
+              <a:avLst/>
+            </a:prstGeom>
+            <a:ln w="57150">
+              <a:solidFill>
+                <a:schemeClr val="accent1"/>
+              </a:solidFill>
+              <a:tailEnd type="triangle"/>
+            </a:ln>
+          </p:spPr>
+          <p:style>
+            <a:lnRef idx="1">
+              <a:schemeClr val="accent1"/>
+            </a:lnRef>
+            <a:fillRef idx="0">
+              <a:schemeClr val="accent1"/>
+            </a:fillRef>
+            <a:effectRef idx="0">
+              <a:schemeClr val="accent1"/>
+            </a:effectRef>
+            <a:fontRef idx="minor">
+              <a:schemeClr val="tx1"/>
+            </a:fontRef>
+          </p:style>
+        </p:cxnSp>
+        <p:cxnSp>
+          <p:nvCxnSpPr>
+            <p:cNvPr id="8" name="直線單箭頭接點 7">
+              <a:extLst>
+                <a:ext uri="{FF2B5EF4-FFF2-40B4-BE49-F238E27FC236}">
+                  <a16:creationId xmlns:a16="http://schemas.microsoft.com/office/drawing/2014/main" id="{63D0DACC-9769-4175-BD5F-40C32FE36A0A}"/>
+                </a:ext>
+              </a:extLst>
+            </p:cNvPr>
+            <p:cNvCxnSpPr>
+              <a:cxnSpLocks/>
+            </p:cNvCxnSpPr>
+            <p:nvPr/>
+          </p:nvCxnSpPr>
+          <p:spPr>
+            <a:xfrm flipV="1">
+              <a:off x="6409267" y="1871133"/>
+              <a:ext cx="0" cy="1159934"/>
+            </a:xfrm>
+            <a:prstGeom prst="straightConnector1">
+              <a:avLst/>
+            </a:prstGeom>
+            <a:ln w="57150">
+              <a:solidFill>
+                <a:schemeClr val="accent2"/>
+              </a:solidFill>
+              <a:tailEnd type="triangle"/>
+            </a:ln>
+          </p:spPr>
+          <p:style>
+            <a:lnRef idx="1">
+              <a:schemeClr val="accent1"/>
+            </a:lnRef>
+            <a:fillRef idx="0">
+              <a:schemeClr val="accent1"/>
+            </a:fillRef>
+            <a:effectRef idx="0">
+              <a:schemeClr val="accent1"/>
+            </a:effectRef>
+            <a:fontRef idx="minor">
+              <a:schemeClr val="tx1"/>
+            </a:fontRef>
+          </p:style>
+        </p:cxnSp>
+        <mc:AlternateContent xmlns:mc="http://schemas.openxmlformats.org/markup-compatibility/2006">
+          <mc:Choice xmlns:a14="http://schemas.microsoft.com/office/drawing/2010/main" Requires="a14">
+            <p:sp>
+              <p:nvSpPr>
+                <p:cNvPr id="10" name="文字方塊 9">
+                  <a:extLst>
+                    <a:ext uri="{FF2B5EF4-FFF2-40B4-BE49-F238E27FC236}">
+                      <a16:creationId xmlns:a16="http://schemas.microsoft.com/office/drawing/2014/main" id="{4F5CB2A1-EF83-4FD8-9357-F4288A5DCBC4}"/>
+                    </a:ext>
+                  </a:extLst>
+                </p:cNvPr>
+                <p:cNvSpPr txBox="1"/>
+                <p:nvPr/>
+              </p:nvSpPr>
+              <p:spPr>
+                <a:xfrm>
+                  <a:off x="3149601" y="1395548"/>
+                  <a:ext cx="662262" cy="369332"/>
+                </a:xfrm>
+                <a:prstGeom prst="rect">
+                  <a:avLst/>
+                </a:prstGeom>
+                <a:noFill/>
+              </p:spPr>
+              <p:txBody>
+                <a:bodyPr wrap="square" rtlCol="0">
+                  <a:spAutoFit/>
+                </a:bodyPr>
+                <a:lstStyle/>
+                <a:p>
+                  <a14:m>
+                    <m:oMathPara xmlns:m="http://schemas.openxmlformats.org/officeDocument/2006/math">
+                      <m:oMathParaPr>
+                        <m:jc m:val="centerGroup"/>
+                      </m:oMathParaPr>
+                      <m:oMath xmlns:m="http://schemas.openxmlformats.org/officeDocument/2006/math">
+                        <m:sSub>
+                          <m:sSubPr>
+                            <m:ctrlPr>
+                              <a:rPr lang="en-US" altLang="zh-TW" i="1" dirty="0" smtClean="0">
+                                <a:latin typeface="Cambria Math" panose="02040503050406030204" pitchFamily="18" charset="0"/>
+                              </a:rPr>
+                            </m:ctrlPr>
+                          </m:sSubPr>
+                          <m:e>
+                            <m:r>
+                              <a:rPr lang="en-US" altLang="zh-TW" i="1" dirty="0" smtClean="0">
+                                <a:latin typeface="Cambria Math" panose="02040503050406030204" pitchFamily="18" charset="0"/>
+                              </a:rPr>
+                              <m:t>𝑣</m:t>
+                            </m:r>
+                          </m:e>
+                          <m:sub>
+                            <m:r>
+                              <a:rPr lang="en-US" altLang="zh-TW" i="1" dirty="0" err="1">
+                                <a:latin typeface="Cambria Math" panose="02040503050406030204" pitchFamily="18" charset="0"/>
+                              </a:rPr>
+                              <m:t>𝑙</m:t>
+                            </m:r>
+                          </m:sub>
+                        </m:sSub>
+                      </m:oMath>
+                    </m:oMathPara>
+                  </a14:m>
+                  <a:endParaRPr lang="zh-TW" altLang="en-US" dirty="0"/>
+                </a:p>
+              </p:txBody>
+            </p:sp>
+          </mc:Choice>
+          <mc:Fallback>
+            <p:sp>
+              <p:nvSpPr>
+                <p:cNvPr id="10" name="文字方塊 9">
+                  <a:extLst>
+                    <a:ext uri="{FF2B5EF4-FFF2-40B4-BE49-F238E27FC236}">
+                      <a16:creationId xmlns:a16="http://schemas.microsoft.com/office/drawing/2014/main" id="{4F5CB2A1-EF83-4FD8-9357-F4288A5DCBC4}"/>
+                    </a:ext>
+                  </a:extLst>
+                </p:cNvPr>
+                <p:cNvSpPr txBox="1">
+                  <a:spLocks noRot="1" noChangeAspect="1" noMove="1" noResize="1" noEditPoints="1" noAdjustHandles="1" noChangeArrowheads="1" noChangeShapeType="1" noTextEdit="1"/>
+                </p:cNvSpPr>
+                <p:nvPr/>
+              </p:nvSpPr>
+              <p:spPr>
+                <a:xfrm>
+                  <a:off x="3149601" y="1395548"/>
+                  <a:ext cx="662262" cy="369332"/>
+                </a:xfrm>
+                <a:prstGeom prst="rect">
+                  <a:avLst/>
+                </a:prstGeom>
+                <a:blipFill>
+                  <a:blip r:embed="rId3"/>
+                  <a:stretch>
+                    <a:fillRect/>
+                  </a:stretch>
+                </a:blipFill>
+              </p:spPr>
+              <p:txBody>
+                <a:bodyPr/>
+                <a:lstStyle/>
+                <a:p>
+                  <a:r>
+                    <a:rPr lang="zh-TW" altLang="en-US">
+                      <a:noFill/>
+                    </a:rPr>
+                    <a:t> </a:t>
+                  </a:r>
+                </a:p>
+              </p:txBody>
+            </p:sp>
+          </mc:Fallback>
+        </mc:AlternateContent>
+        <mc:AlternateContent xmlns:mc="http://schemas.openxmlformats.org/markup-compatibility/2006">
+          <mc:Choice xmlns:a14="http://schemas.microsoft.com/office/drawing/2010/main" Requires="a14">
+            <p:sp>
+              <p:nvSpPr>
+                <p:cNvPr id="12" name="文字方塊 11">
+                  <a:extLst>
+                    <a:ext uri="{FF2B5EF4-FFF2-40B4-BE49-F238E27FC236}">
+                      <a16:creationId xmlns:a16="http://schemas.microsoft.com/office/drawing/2014/main" id="{B2FF1A18-63B5-47EE-B439-FED968B491CA}"/>
+                    </a:ext>
+                  </a:extLst>
+                </p:cNvPr>
+                <p:cNvSpPr txBox="1"/>
+                <p:nvPr/>
+              </p:nvSpPr>
+              <p:spPr>
+                <a:xfrm>
+                  <a:off x="6421035" y="2012434"/>
+                  <a:ext cx="423333" cy="369332"/>
+                </a:xfrm>
+                <a:prstGeom prst="rect">
+                  <a:avLst/>
+                </a:prstGeom>
+                <a:noFill/>
+              </p:spPr>
+              <p:txBody>
+                <a:bodyPr wrap="square">
+                  <a:spAutoFit/>
+                </a:bodyPr>
+                <a:lstStyle/>
+                <a:p>
+                  <a:pPr/>
+                  <a14:m>
+                    <m:oMathPara xmlns:m="http://schemas.openxmlformats.org/officeDocument/2006/math">
+                      <m:oMathParaPr>
+                        <m:jc m:val="centerGroup"/>
+                      </m:oMathParaPr>
+                      <m:oMath xmlns:m="http://schemas.openxmlformats.org/officeDocument/2006/math">
+                        <m:sSub>
+                          <m:sSubPr>
+                            <m:ctrlPr>
+                              <a:rPr lang="en-US" altLang="zh-TW" i="1" dirty="0" smtClean="0">
+                                <a:latin typeface="Cambria Math" panose="02040503050406030204" pitchFamily="18" charset="0"/>
+                              </a:rPr>
+                            </m:ctrlPr>
+                          </m:sSubPr>
+                          <m:e>
+                            <m:r>
+                              <a:rPr lang="en-US" altLang="zh-TW" i="1" dirty="0" smtClean="0">
+                                <a:latin typeface="Cambria Math" panose="02040503050406030204" pitchFamily="18" charset="0"/>
+                              </a:rPr>
+                              <m:t>𝑣</m:t>
+                            </m:r>
+                          </m:e>
+                          <m:sub>
+                            <m:r>
+                              <a:rPr lang="en-US" altLang="zh-TW" b="0" i="1" dirty="0" smtClean="0">
+                                <a:latin typeface="Cambria Math" panose="02040503050406030204" pitchFamily="18" charset="0"/>
+                              </a:rPr>
+                              <m:t>𝑟</m:t>
+                            </m:r>
+                          </m:sub>
+                        </m:sSub>
+                      </m:oMath>
+                    </m:oMathPara>
+                  </a14:m>
+                  <a:endParaRPr lang="zh-TW" altLang="en-US" dirty="0"/>
+                </a:p>
+              </p:txBody>
+            </p:sp>
+          </mc:Choice>
+          <mc:Fallback>
+            <p:sp>
+              <p:nvSpPr>
+                <p:cNvPr id="12" name="文字方塊 11">
+                  <a:extLst>
+                    <a:ext uri="{FF2B5EF4-FFF2-40B4-BE49-F238E27FC236}">
+                      <a16:creationId xmlns:a16="http://schemas.microsoft.com/office/drawing/2014/main" id="{B2FF1A18-63B5-47EE-B439-FED968B491CA}"/>
+                    </a:ext>
+                  </a:extLst>
+                </p:cNvPr>
+                <p:cNvSpPr txBox="1">
+                  <a:spLocks noRot="1" noChangeAspect="1" noMove="1" noResize="1" noEditPoints="1" noAdjustHandles="1" noChangeArrowheads="1" noChangeShapeType="1" noTextEdit="1"/>
+                </p:cNvSpPr>
+                <p:nvPr/>
+              </p:nvSpPr>
+              <p:spPr>
+                <a:xfrm>
+                  <a:off x="6421035" y="2012434"/>
+                  <a:ext cx="423333" cy="369332"/>
+                </a:xfrm>
+                <a:prstGeom prst="rect">
+                  <a:avLst/>
+                </a:prstGeom>
+                <a:blipFill>
+                  <a:blip r:embed="rId4"/>
+                  <a:stretch>
+                    <a:fillRect/>
+                  </a:stretch>
+                </a:blipFill>
+              </p:spPr>
+              <p:txBody>
+                <a:bodyPr/>
+                <a:lstStyle/>
+                <a:p>
+                  <a:r>
+                    <a:rPr lang="zh-TW" altLang="en-US">
+                      <a:noFill/>
+                    </a:rPr>
+                    <a:t> </a:t>
+                  </a:r>
+                </a:p>
+              </p:txBody>
+            </p:sp>
+          </mc:Fallback>
+        </mc:AlternateContent>
+      </p:grpSp>
+    </p:spTree>
+    <p:extLst>
+      <p:ext uri="{BB962C8B-B14F-4D97-AF65-F5344CB8AC3E}">
+        <p14:creationId xmlns:p14="http://schemas.microsoft.com/office/powerpoint/2010/main" val="3772486126"/>
       </p:ext>
     </p:extLst>
   </p:cSld>

--- a/path_planing/VO_code_try/robot_properties3.pptx
+++ b/path_planing/VO_code_try/robot_properties3.pptx
@@ -11,6 +11,8 @@
     <p:sldId id="259" r:id="rId5"/>
     <p:sldId id="260" r:id="rId6"/>
     <p:sldId id="261" r:id="rId7"/>
+    <p:sldId id="262" r:id="rId8"/>
+    <p:sldId id="263" r:id="rId9"/>
   </p:sldIdLst>
   <p:sldSz cx="12192000" cy="6858000"/>
   <p:notesSz cx="6858000" cy="9144000"/>
@@ -264,7 +266,7 @@
           <a:p>
             <a:fld id="{9CD1F5AD-FE1B-4540-B598-52220A64164D}" type="datetimeFigureOut">
               <a:rPr lang="zh-TW" altLang="en-US" smtClean="0"/>
-              <a:t>2024/5/27</a:t>
+              <a:t>2024/5/29</a:t>
             </a:fld>
             <a:endParaRPr lang="zh-TW" altLang="en-US"/>
           </a:p>
@@ -462,7 +464,7 @@
           <a:p>
             <a:fld id="{9CD1F5AD-FE1B-4540-B598-52220A64164D}" type="datetimeFigureOut">
               <a:rPr lang="zh-TW" altLang="en-US" smtClean="0"/>
-              <a:t>2024/5/27</a:t>
+              <a:t>2024/5/29</a:t>
             </a:fld>
             <a:endParaRPr lang="zh-TW" altLang="en-US"/>
           </a:p>
@@ -670,7 +672,7 @@
           <a:p>
             <a:fld id="{9CD1F5AD-FE1B-4540-B598-52220A64164D}" type="datetimeFigureOut">
               <a:rPr lang="zh-TW" altLang="en-US" smtClean="0"/>
-              <a:t>2024/5/27</a:t>
+              <a:t>2024/5/29</a:t>
             </a:fld>
             <a:endParaRPr lang="zh-TW" altLang="en-US"/>
           </a:p>
@@ -868,7 +870,7 @@
           <a:p>
             <a:fld id="{9CD1F5AD-FE1B-4540-B598-52220A64164D}" type="datetimeFigureOut">
               <a:rPr lang="zh-TW" altLang="en-US" smtClean="0"/>
-              <a:t>2024/5/27</a:t>
+              <a:t>2024/5/29</a:t>
             </a:fld>
             <a:endParaRPr lang="zh-TW" altLang="en-US"/>
           </a:p>
@@ -1143,7 +1145,7 @@
           <a:p>
             <a:fld id="{9CD1F5AD-FE1B-4540-B598-52220A64164D}" type="datetimeFigureOut">
               <a:rPr lang="zh-TW" altLang="en-US" smtClean="0"/>
-              <a:t>2024/5/27</a:t>
+              <a:t>2024/5/29</a:t>
             </a:fld>
             <a:endParaRPr lang="zh-TW" altLang="en-US"/>
           </a:p>
@@ -1408,7 +1410,7 @@
           <a:p>
             <a:fld id="{9CD1F5AD-FE1B-4540-B598-52220A64164D}" type="datetimeFigureOut">
               <a:rPr lang="zh-TW" altLang="en-US" smtClean="0"/>
-              <a:t>2024/5/27</a:t>
+              <a:t>2024/5/29</a:t>
             </a:fld>
             <a:endParaRPr lang="zh-TW" altLang="en-US"/>
           </a:p>
@@ -1820,7 +1822,7 @@
           <a:p>
             <a:fld id="{9CD1F5AD-FE1B-4540-B598-52220A64164D}" type="datetimeFigureOut">
               <a:rPr lang="zh-TW" altLang="en-US" smtClean="0"/>
-              <a:t>2024/5/27</a:t>
+              <a:t>2024/5/29</a:t>
             </a:fld>
             <a:endParaRPr lang="zh-TW" altLang="en-US"/>
           </a:p>
@@ -1961,7 +1963,7 @@
           <a:p>
             <a:fld id="{9CD1F5AD-FE1B-4540-B598-52220A64164D}" type="datetimeFigureOut">
               <a:rPr lang="zh-TW" altLang="en-US" smtClean="0"/>
-              <a:t>2024/5/27</a:t>
+              <a:t>2024/5/29</a:t>
             </a:fld>
             <a:endParaRPr lang="zh-TW" altLang="en-US"/>
           </a:p>
@@ -2074,7 +2076,7 @@
           <a:p>
             <a:fld id="{9CD1F5AD-FE1B-4540-B598-52220A64164D}" type="datetimeFigureOut">
               <a:rPr lang="zh-TW" altLang="en-US" smtClean="0"/>
-              <a:t>2024/5/27</a:t>
+              <a:t>2024/5/29</a:t>
             </a:fld>
             <a:endParaRPr lang="zh-TW" altLang="en-US"/>
           </a:p>
@@ -2385,7 +2387,7 @@
           <a:p>
             <a:fld id="{9CD1F5AD-FE1B-4540-B598-52220A64164D}" type="datetimeFigureOut">
               <a:rPr lang="zh-TW" altLang="en-US" smtClean="0"/>
-              <a:t>2024/5/27</a:t>
+              <a:t>2024/5/29</a:t>
             </a:fld>
             <a:endParaRPr lang="zh-TW" altLang="en-US"/>
           </a:p>
@@ -2673,7 +2675,7 @@
           <a:p>
             <a:fld id="{9CD1F5AD-FE1B-4540-B598-52220A64164D}" type="datetimeFigureOut">
               <a:rPr lang="zh-TW" altLang="en-US" smtClean="0"/>
-              <a:t>2024/5/27</a:t>
+              <a:t>2024/5/29</a:t>
             </a:fld>
             <a:endParaRPr lang="zh-TW" altLang="en-US"/>
           </a:p>
@@ -2914,7 +2916,7 @@
           <a:p>
             <a:fld id="{9CD1F5AD-FE1B-4540-B598-52220A64164D}" type="datetimeFigureOut">
               <a:rPr lang="zh-TW" altLang="en-US" smtClean="0"/>
-              <a:t>2024/5/27</a:t>
+              <a:t>2024/5/29</a:t>
             </a:fld>
             <a:endParaRPr lang="zh-TW" altLang="en-US"/>
           </a:p>
@@ -5717,7 +5719,7 @@
         </p:nvGrpSpPr>
         <p:grpSpPr>
           <a:xfrm>
-            <a:off x="1346193" y="558800"/>
+            <a:off x="0" y="541867"/>
             <a:ext cx="7884231" cy="8407693"/>
             <a:chOff x="1346193" y="558800"/>
             <a:chExt cx="7884231" cy="8407693"/>
@@ -6924,6 +6926,663 @@
           </mc:Fallback>
         </mc:AlternateContent>
       </p:grpSp>
+      <p:grpSp>
+        <p:nvGrpSpPr>
+          <p:cNvPr id="26" name="群組 25">
+            <a:extLst>
+              <a:ext uri="{FF2B5EF4-FFF2-40B4-BE49-F238E27FC236}">
+                <a16:creationId xmlns:a16="http://schemas.microsoft.com/office/drawing/2014/main" id="{82030B1E-C703-44D6-BA5C-E060C5951262}"/>
+              </a:ext>
+            </a:extLst>
+          </p:cNvPr>
+          <p:cNvGrpSpPr/>
+          <p:nvPr/>
+        </p:nvGrpSpPr>
+        <p:grpSpPr>
+          <a:xfrm>
+            <a:off x="4307771" y="512086"/>
+            <a:ext cx="7884231" cy="8407693"/>
+            <a:chOff x="1346193" y="558800"/>
+            <a:chExt cx="7884231" cy="8407693"/>
+          </a:xfrm>
+        </p:grpSpPr>
+        <p:sp>
+          <p:nvSpPr>
+            <p:cNvPr id="27" name="局部圓 26">
+              <a:extLst>
+                <a:ext uri="{FF2B5EF4-FFF2-40B4-BE49-F238E27FC236}">
+                  <a16:creationId xmlns:a16="http://schemas.microsoft.com/office/drawing/2014/main" id="{DE5086EB-7A8C-4BF6-A79B-57F51DA1DD5D}"/>
+                </a:ext>
+              </a:extLst>
+            </p:cNvPr>
+            <p:cNvSpPr/>
+            <p:nvPr/>
+          </p:nvSpPr>
+          <p:spPr>
+            <a:xfrm rot="12484130">
+              <a:off x="1346193" y="1379773"/>
+              <a:ext cx="7884231" cy="7586720"/>
+            </a:xfrm>
+            <a:prstGeom prst="pie">
+              <a:avLst>
+                <a:gd name="adj1" fmla="val 2604347"/>
+                <a:gd name="adj2" fmla="val 4372952"/>
+              </a:avLst>
+            </a:prstGeom>
+            <a:solidFill>
+              <a:schemeClr val="accent1">
+                <a:lumMod val="40000"/>
+                <a:lumOff val="60000"/>
+              </a:schemeClr>
+            </a:solidFill>
+            <a:ln>
+              <a:noFill/>
+            </a:ln>
+          </p:spPr>
+          <p:style>
+            <a:lnRef idx="2">
+              <a:schemeClr val="accent1">
+                <a:shade val="50000"/>
+              </a:schemeClr>
+            </a:lnRef>
+            <a:fillRef idx="1">
+              <a:schemeClr val="accent1"/>
+            </a:fillRef>
+            <a:effectRef idx="0">
+              <a:schemeClr val="accent1"/>
+            </a:effectRef>
+            <a:fontRef idx="minor">
+              <a:schemeClr val="lt1"/>
+            </a:fontRef>
+          </p:style>
+          <p:txBody>
+            <a:bodyPr rtlCol="0" anchor="ctr"/>
+            <a:lstStyle/>
+            <a:p>
+              <a:pPr algn="ctr"/>
+              <a:endParaRPr lang="zh-TW" altLang="en-US">
+                <a:solidFill>
+                  <a:schemeClr val="tx1"/>
+                </a:solidFill>
+              </a:endParaRPr>
+            </a:p>
+          </p:txBody>
+        </p:sp>
+        <p:sp>
+          <p:nvSpPr>
+            <p:cNvPr id="28" name="橢圓 27">
+              <a:extLst>
+                <a:ext uri="{FF2B5EF4-FFF2-40B4-BE49-F238E27FC236}">
+                  <a16:creationId xmlns:a16="http://schemas.microsoft.com/office/drawing/2014/main" id="{6A3DF7AD-A302-4CBB-89BF-C79D1CB33FD8}"/>
+                </a:ext>
+              </a:extLst>
+            </p:cNvPr>
+            <p:cNvSpPr/>
+            <p:nvPr/>
+          </p:nvSpPr>
+          <p:spPr>
+            <a:xfrm>
+              <a:off x="4834465" y="4732866"/>
+              <a:ext cx="889001" cy="880534"/>
+            </a:xfrm>
+            <a:prstGeom prst="ellipse">
+              <a:avLst/>
+            </a:prstGeom>
+            <a:solidFill>
+              <a:schemeClr val="accent2"/>
+            </a:solidFill>
+            <a:ln>
+              <a:solidFill>
+                <a:srgbClr val="FF0000"/>
+              </a:solidFill>
+            </a:ln>
+          </p:spPr>
+          <p:style>
+            <a:lnRef idx="2">
+              <a:schemeClr val="accent1">
+                <a:shade val="50000"/>
+              </a:schemeClr>
+            </a:lnRef>
+            <a:fillRef idx="1">
+              <a:schemeClr val="accent1"/>
+            </a:fillRef>
+            <a:effectRef idx="0">
+              <a:schemeClr val="accent1"/>
+            </a:effectRef>
+            <a:fontRef idx="minor">
+              <a:schemeClr val="lt1"/>
+            </a:fontRef>
+          </p:style>
+          <p:txBody>
+            <a:bodyPr rtlCol="0" anchor="ctr"/>
+            <a:lstStyle/>
+            <a:p>
+              <a:pPr algn="ctr"/>
+              <a:endParaRPr lang="zh-TW" altLang="en-US"/>
+            </a:p>
+          </p:txBody>
+        </p:sp>
+        <p:sp>
+          <p:nvSpPr>
+            <p:cNvPr id="29" name="橢圓 28">
+              <a:extLst>
+                <a:ext uri="{FF2B5EF4-FFF2-40B4-BE49-F238E27FC236}">
+                  <a16:creationId xmlns:a16="http://schemas.microsoft.com/office/drawing/2014/main" id="{D60B168A-AF99-4D3B-9FAF-FEA3B46681F9}"/>
+                </a:ext>
+              </a:extLst>
+            </p:cNvPr>
+            <p:cNvSpPr/>
+            <p:nvPr/>
+          </p:nvSpPr>
+          <p:spPr>
+            <a:xfrm>
+              <a:off x="4152898" y="685799"/>
+              <a:ext cx="1790701" cy="1820333"/>
+            </a:xfrm>
+            <a:prstGeom prst="ellipse">
+              <a:avLst/>
+            </a:prstGeom>
+            <a:solidFill>
+              <a:schemeClr val="accent2">
+                <a:lumMod val="20000"/>
+                <a:lumOff val="80000"/>
+              </a:schemeClr>
+            </a:solidFill>
+            <a:ln>
+              <a:solidFill>
+                <a:schemeClr val="accent2"/>
+              </a:solidFill>
+            </a:ln>
+          </p:spPr>
+          <p:style>
+            <a:lnRef idx="2">
+              <a:schemeClr val="accent1">
+                <a:shade val="50000"/>
+              </a:schemeClr>
+            </a:lnRef>
+            <a:fillRef idx="1">
+              <a:schemeClr val="accent1"/>
+            </a:fillRef>
+            <a:effectRef idx="0">
+              <a:schemeClr val="accent1"/>
+            </a:effectRef>
+            <a:fontRef idx="minor">
+              <a:schemeClr val="lt1"/>
+            </a:fontRef>
+          </p:style>
+          <p:txBody>
+            <a:bodyPr rtlCol="0" anchor="ctr"/>
+            <a:lstStyle/>
+            <a:p>
+              <a:pPr algn="ctr"/>
+              <a:endParaRPr lang="zh-TW" altLang="en-US"/>
+            </a:p>
+          </p:txBody>
+        </p:sp>
+        <p:sp>
+          <p:nvSpPr>
+            <p:cNvPr id="33" name="橢圓 32">
+              <a:extLst>
+                <a:ext uri="{FF2B5EF4-FFF2-40B4-BE49-F238E27FC236}">
+                  <a16:creationId xmlns:a16="http://schemas.microsoft.com/office/drawing/2014/main" id="{666395D5-4CD5-46E0-A46D-1DA7A2FD4CBA}"/>
+                </a:ext>
+              </a:extLst>
+            </p:cNvPr>
+            <p:cNvSpPr/>
+            <p:nvPr/>
+          </p:nvSpPr>
+          <p:spPr>
+            <a:xfrm>
+              <a:off x="4597399" y="1151466"/>
+              <a:ext cx="889001" cy="880534"/>
+            </a:xfrm>
+            <a:prstGeom prst="ellipse">
+              <a:avLst/>
+            </a:prstGeom>
+            <a:solidFill>
+              <a:schemeClr val="accent4"/>
+            </a:solidFill>
+            <a:ln>
+              <a:solidFill>
+                <a:schemeClr val="accent4">
+                  <a:lumMod val="50000"/>
+                </a:schemeClr>
+              </a:solidFill>
+            </a:ln>
+          </p:spPr>
+          <p:style>
+            <a:lnRef idx="2">
+              <a:schemeClr val="accent1">
+                <a:shade val="50000"/>
+              </a:schemeClr>
+            </a:lnRef>
+            <a:fillRef idx="1">
+              <a:schemeClr val="accent1"/>
+            </a:fillRef>
+            <a:effectRef idx="0">
+              <a:schemeClr val="accent1"/>
+            </a:effectRef>
+            <a:fontRef idx="minor">
+              <a:schemeClr val="lt1"/>
+            </a:fontRef>
+          </p:style>
+          <p:txBody>
+            <a:bodyPr rtlCol="0" anchor="ctr"/>
+            <a:lstStyle/>
+            <a:p>
+              <a:pPr algn="ctr"/>
+              <a:endParaRPr lang="zh-TW" altLang="en-US"/>
+            </a:p>
+          </p:txBody>
+        </p:sp>
+        <p:grpSp>
+          <p:nvGrpSpPr>
+            <p:cNvPr id="35" name="群組 34">
+              <a:extLst>
+                <a:ext uri="{FF2B5EF4-FFF2-40B4-BE49-F238E27FC236}">
+                  <a16:creationId xmlns:a16="http://schemas.microsoft.com/office/drawing/2014/main" id="{6DFA5C43-ECCE-4BE5-AFCF-6C2E0949EDC6}"/>
+                </a:ext>
+              </a:extLst>
+            </p:cNvPr>
+            <p:cNvGrpSpPr/>
+            <p:nvPr/>
+          </p:nvGrpSpPr>
+          <p:grpSpPr>
+            <a:xfrm>
+              <a:off x="3759200" y="558800"/>
+              <a:ext cx="2394007" cy="4614334"/>
+              <a:chOff x="3745625" y="558800"/>
+              <a:chExt cx="2394007" cy="4614334"/>
+            </a:xfrm>
+          </p:grpSpPr>
+          <p:cxnSp>
+            <p:nvCxnSpPr>
+              <p:cNvPr id="59" name="直線接點 58">
+                <a:extLst>
+                  <a:ext uri="{FF2B5EF4-FFF2-40B4-BE49-F238E27FC236}">
+                    <a16:creationId xmlns:a16="http://schemas.microsoft.com/office/drawing/2014/main" id="{A7ED61B5-F632-4064-A8F8-F45A09F303E1}"/>
+                  </a:ext>
+                </a:extLst>
+              </p:cNvPr>
+              <p:cNvCxnSpPr>
+                <a:cxnSpLocks/>
+              </p:cNvCxnSpPr>
+              <p:nvPr/>
+            </p:nvCxnSpPr>
+            <p:spPr>
+              <a:xfrm flipH="1" flipV="1">
+                <a:off x="3745625" y="558800"/>
+                <a:ext cx="1529108" cy="4614333"/>
+              </a:xfrm>
+              <a:prstGeom prst="line">
+                <a:avLst/>
+              </a:prstGeom>
+            </p:spPr>
+            <p:style>
+              <a:lnRef idx="1">
+                <a:schemeClr val="accent1"/>
+              </a:lnRef>
+              <a:fillRef idx="0">
+                <a:schemeClr val="accent1"/>
+              </a:fillRef>
+              <a:effectRef idx="0">
+                <a:schemeClr val="accent1"/>
+              </a:effectRef>
+              <a:fontRef idx="minor">
+                <a:schemeClr val="tx1"/>
+              </a:fontRef>
+            </p:style>
+          </p:cxnSp>
+          <p:cxnSp>
+            <p:nvCxnSpPr>
+              <p:cNvPr id="60" name="直線接點 59">
+                <a:extLst>
+                  <a:ext uri="{FF2B5EF4-FFF2-40B4-BE49-F238E27FC236}">
+                    <a16:creationId xmlns:a16="http://schemas.microsoft.com/office/drawing/2014/main" id="{03A529B2-0956-46FE-A21D-82463C98AA73}"/>
+                  </a:ext>
+                </a:extLst>
+              </p:cNvPr>
+              <p:cNvCxnSpPr>
+                <a:cxnSpLocks/>
+              </p:cNvCxnSpPr>
+              <p:nvPr/>
+            </p:nvCxnSpPr>
+            <p:spPr>
+              <a:xfrm flipV="1">
+                <a:off x="5278965" y="558800"/>
+                <a:ext cx="860667" cy="4614334"/>
+              </a:xfrm>
+              <a:prstGeom prst="line">
+                <a:avLst/>
+              </a:prstGeom>
+            </p:spPr>
+            <p:style>
+              <a:lnRef idx="1">
+                <a:schemeClr val="accent1"/>
+              </a:lnRef>
+              <a:fillRef idx="0">
+                <a:schemeClr val="accent1"/>
+              </a:fillRef>
+              <a:effectRef idx="0">
+                <a:schemeClr val="accent1"/>
+              </a:effectRef>
+              <a:fontRef idx="minor">
+                <a:schemeClr val="tx1"/>
+              </a:fontRef>
+            </p:style>
+          </p:cxnSp>
+        </p:grpSp>
+        <p:sp>
+          <p:nvSpPr>
+            <p:cNvPr id="44" name="橢圓 43">
+              <a:extLst>
+                <a:ext uri="{FF2B5EF4-FFF2-40B4-BE49-F238E27FC236}">
+                  <a16:creationId xmlns:a16="http://schemas.microsoft.com/office/drawing/2014/main" id="{170B1748-25F8-420F-820E-4241145257F5}"/>
+                </a:ext>
+              </a:extLst>
+            </p:cNvPr>
+            <p:cNvSpPr/>
+            <p:nvPr/>
+          </p:nvSpPr>
+          <p:spPr>
+            <a:xfrm>
+              <a:off x="5264206" y="5127414"/>
+              <a:ext cx="45719" cy="45719"/>
+            </a:xfrm>
+            <a:prstGeom prst="ellipse">
+              <a:avLst/>
+            </a:prstGeom>
+          </p:spPr>
+          <p:style>
+            <a:lnRef idx="2">
+              <a:schemeClr val="dk1">
+                <a:shade val="50000"/>
+              </a:schemeClr>
+            </a:lnRef>
+            <a:fillRef idx="1">
+              <a:schemeClr val="dk1"/>
+            </a:fillRef>
+            <a:effectRef idx="0">
+              <a:schemeClr val="dk1"/>
+            </a:effectRef>
+            <a:fontRef idx="minor">
+              <a:schemeClr val="lt1"/>
+            </a:fontRef>
+          </p:style>
+          <p:txBody>
+            <a:bodyPr rtlCol="0" anchor="ctr"/>
+            <a:lstStyle/>
+            <a:p>
+              <a:pPr algn="ctr"/>
+              <a:endParaRPr lang="zh-TW" altLang="en-US"/>
+            </a:p>
+          </p:txBody>
+        </p:sp>
+        <p:sp>
+          <p:nvSpPr>
+            <p:cNvPr id="55" name="文字方塊 54">
+              <a:extLst>
+                <a:ext uri="{FF2B5EF4-FFF2-40B4-BE49-F238E27FC236}">
+                  <a16:creationId xmlns:a16="http://schemas.microsoft.com/office/drawing/2014/main" id="{40B10D82-0CED-411E-AAEA-0D046F0FDE1E}"/>
+                </a:ext>
+              </a:extLst>
+            </p:cNvPr>
+            <p:cNvSpPr txBox="1"/>
+            <p:nvPr/>
+          </p:nvSpPr>
+          <p:spPr>
+            <a:xfrm>
+              <a:off x="5243560" y="5129200"/>
+              <a:ext cx="343775" cy="369332"/>
+            </a:xfrm>
+            <a:prstGeom prst="rect">
+              <a:avLst/>
+            </a:prstGeom>
+            <a:noFill/>
+          </p:spPr>
+          <p:txBody>
+            <a:bodyPr wrap="square" rtlCol="0">
+              <a:spAutoFit/>
+            </a:bodyPr>
+            <a:lstStyle/>
+            <a:p>
+              <a:r>
+                <a:rPr lang="en-US" altLang="zh-TW" dirty="0"/>
+                <a:t>A</a:t>
+              </a:r>
+              <a:endParaRPr lang="zh-TW" altLang="en-US" dirty="0"/>
+            </a:p>
+          </p:txBody>
+        </p:sp>
+        <p:sp>
+          <p:nvSpPr>
+            <p:cNvPr id="56" name="文字方塊 55">
+              <a:extLst>
+                <a:ext uri="{FF2B5EF4-FFF2-40B4-BE49-F238E27FC236}">
+                  <a16:creationId xmlns:a16="http://schemas.microsoft.com/office/drawing/2014/main" id="{60C0D622-A3B3-46A5-8AE9-9273F8E9991D}"/>
+                </a:ext>
+              </a:extLst>
+            </p:cNvPr>
+            <p:cNvSpPr txBox="1"/>
+            <p:nvPr/>
+          </p:nvSpPr>
+          <p:spPr>
+            <a:xfrm>
+              <a:off x="4953661" y="1605002"/>
+              <a:ext cx="176475" cy="369332"/>
+            </a:xfrm>
+            <a:prstGeom prst="rect">
+              <a:avLst/>
+            </a:prstGeom>
+            <a:noFill/>
+          </p:spPr>
+          <p:txBody>
+            <a:bodyPr wrap="square" rtlCol="0">
+              <a:spAutoFit/>
+            </a:bodyPr>
+            <a:lstStyle/>
+            <a:p>
+              <a:r>
+                <a:rPr lang="en-US" altLang="zh-TW" dirty="0"/>
+                <a:t>B</a:t>
+              </a:r>
+              <a:endParaRPr lang="zh-TW" altLang="en-US" dirty="0"/>
+            </a:p>
+          </p:txBody>
+        </p:sp>
+        <p:cxnSp>
+          <p:nvCxnSpPr>
+            <p:cNvPr id="57" name="直線單箭頭接點 56">
+              <a:extLst>
+                <a:ext uri="{FF2B5EF4-FFF2-40B4-BE49-F238E27FC236}">
+                  <a16:creationId xmlns:a16="http://schemas.microsoft.com/office/drawing/2014/main" id="{98E7756D-DD6C-4CA4-AF74-B3728DA7AE2E}"/>
+                </a:ext>
+              </a:extLst>
+            </p:cNvPr>
+            <p:cNvCxnSpPr>
+              <a:cxnSpLocks/>
+              <a:stCxn id="56" idx="0"/>
+              <a:endCxn id="29" idx="1"/>
+            </p:cNvCxnSpPr>
+            <p:nvPr/>
+          </p:nvCxnSpPr>
+          <p:spPr>
+            <a:xfrm flipH="1" flipV="1">
+              <a:off x="4415140" y="952381"/>
+              <a:ext cx="626759" cy="652621"/>
+            </a:xfrm>
+            <a:prstGeom prst="straightConnector1">
+              <a:avLst/>
+            </a:prstGeom>
+            <a:ln w="19050">
+              <a:solidFill>
+                <a:schemeClr val="tx1"/>
+              </a:solidFill>
+              <a:tailEnd type="triangle"/>
+            </a:ln>
+          </p:spPr>
+          <p:style>
+            <a:lnRef idx="1">
+              <a:schemeClr val="dk1"/>
+            </a:lnRef>
+            <a:fillRef idx="0">
+              <a:schemeClr val="dk1"/>
+            </a:fillRef>
+            <a:effectRef idx="0">
+              <a:schemeClr val="dk1"/>
+            </a:effectRef>
+            <a:fontRef idx="minor">
+              <a:schemeClr val="tx1"/>
+            </a:fontRef>
+          </p:style>
+        </p:cxnSp>
+        <mc:AlternateContent xmlns:mc="http://schemas.openxmlformats.org/markup-compatibility/2006" xmlns:a14="http://schemas.microsoft.com/office/drawing/2010/main">
+          <mc:Choice Requires="a14">
+            <p:sp>
+              <p:nvSpPr>
+                <p:cNvPr id="58" name="文字方塊 57">
+                  <a:extLst>
+                    <a:ext uri="{FF2B5EF4-FFF2-40B4-BE49-F238E27FC236}">
+                      <a16:creationId xmlns:a16="http://schemas.microsoft.com/office/drawing/2014/main" id="{6CE46C5B-A2ED-4921-8A4F-726A4CD94531}"/>
+                    </a:ext>
+                  </a:extLst>
+                </p:cNvPr>
+                <p:cNvSpPr txBox="1"/>
+                <p:nvPr/>
+              </p:nvSpPr>
+              <p:spPr>
+                <a:xfrm>
+                  <a:off x="4502396" y="948535"/>
+                  <a:ext cx="580208" cy="246221"/>
+                </a:xfrm>
+                <a:prstGeom prst="rect">
+                  <a:avLst/>
+                </a:prstGeom>
+                <a:noFill/>
+              </p:spPr>
+              <p:txBody>
+                <a:bodyPr wrap="square" rtlCol="0">
+                  <a:spAutoFit/>
+                </a:bodyPr>
+                <a:lstStyle/>
+                <a:p>
+                  <a:pPr/>
+                  <a14:m>
+                    <m:oMathPara xmlns:m="http://schemas.openxmlformats.org/officeDocument/2006/math">
+                      <m:oMathParaPr>
+                        <m:jc m:val="centerGroup"/>
+                      </m:oMathParaPr>
+                      <m:oMath xmlns:m="http://schemas.openxmlformats.org/officeDocument/2006/math">
+                        <m:sSub>
+                          <m:sSubPr>
+                            <m:ctrlPr>
+                              <a:rPr lang="en-US" altLang="zh-TW" sz="1000" i="1" dirty="0" smtClean="0">
+                                <a:latin typeface="Cambria Math" panose="02040503050406030204" pitchFamily="18" charset="0"/>
+                              </a:rPr>
+                            </m:ctrlPr>
+                          </m:sSubPr>
+                          <m:e>
+                            <m:r>
+                              <a:rPr lang="en-US" altLang="zh-TW" sz="1000" i="1" dirty="0" smtClean="0">
+                                <a:latin typeface="Cambria Math" panose="02040503050406030204" pitchFamily="18" charset="0"/>
+                              </a:rPr>
+                              <m:t>𝑟</m:t>
+                            </m:r>
+                          </m:e>
+                          <m:sub>
+                            <m:r>
+                              <a:rPr lang="en-US" altLang="zh-TW" sz="1000" i="1" dirty="0" smtClean="0">
+                                <a:latin typeface="Cambria Math" panose="02040503050406030204" pitchFamily="18" charset="0"/>
+                              </a:rPr>
+                              <m:t>𝐴</m:t>
+                            </m:r>
+                          </m:sub>
+                        </m:sSub>
+                        <m:r>
+                          <a:rPr lang="en-US" altLang="zh-TW" sz="1000" i="1" dirty="0" smtClean="0">
+                            <a:latin typeface="Cambria Math" panose="02040503050406030204" pitchFamily="18" charset="0"/>
+                          </a:rPr>
+                          <m:t>+</m:t>
+                        </m:r>
+                        <m:sSub>
+                          <m:sSubPr>
+                            <m:ctrlPr>
+                              <a:rPr lang="en-US" altLang="zh-TW" sz="1000" i="1" dirty="0" smtClean="0">
+                                <a:latin typeface="Cambria Math" panose="02040503050406030204" pitchFamily="18" charset="0"/>
+                              </a:rPr>
+                            </m:ctrlPr>
+                          </m:sSubPr>
+                          <m:e>
+                            <m:r>
+                              <a:rPr lang="en-US" altLang="zh-TW" sz="1000" i="1" dirty="0" smtClean="0">
+                                <a:latin typeface="Cambria Math" panose="02040503050406030204" pitchFamily="18" charset="0"/>
+                              </a:rPr>
+                              <m:t>𝑟</m:t>
+                            </m:r>
+                          </m:e>
+                          <m:sub>
+                            <m:r>
+                              <a:rPr lang="en-US" altLang="zh-TW" sz="1000" i="1" dirty="0" smtClean="0">
+                                <a:latin typeface="Cambria Math" panose="02040503050406030204" pitchFamily="18" charset="0"/>
+                              </a:rPr>
+                              <m:t>𝐵</m:t>
+                            </m:r>
+                          </m:sub>
+                        </m:sSub>
+                      </m:oMath>
+                    </m:oMathPara>
+                  </a14:m>
+                  <a:endParaRPr lang="zh-TW" altLang="en-US" sz="1000" dirty="0"/>
+                </a:p>
+              </p:txBody>
+            </p:sp>
+          </mc:Choice>
+          <mc:Fallback xmlns="">
+            <p:sp>
+              <p:nvSpPr>
+                <p:cNvPr id="45" name="文字方塊 44">
+                  <a:extLst>
+                    <a:ext uri="{FF2B5EF4-FFF2-40B4-BE49-F238E27FC236}">
+                      <a16:creationId xmlns:a16="http://schemas.microsoft.com/office/drawing/2014/main" id="{725CA12B-D4CC-4FC0-A894-221C4E560579}"/>
+                    </a:ext>
+                  </a:extLst>
+                </p:cNvPr>
+                <p:cNvSpPr txBox="1">
+                  <a:spLocks noRot="1" noChangeAspect="1" noMove="1" noResize="1" noEditPoints="1" noAdjustHandles="1" noChangeArrowheads="1" noChangeShapeType="1" noTextEdit="1"/>
+                </p:cNvSpPr>
+                <p:nvPr/>
+              </p:nvSpPr>
+              <p:spPr>
+                <a:xfrm>
+                  <a:off x="4502396" y="948535"/>
+                  <a:ext cx="580208" cy="246221"/>
+                </a:xfrm>
+                <a:prstGeom prst="rect">
+                  <a:avLst/>
+                </a:prstGeom>
+                <a:blipFill>
+                  <a:blip r:embed="rId3"/>
+                  <a:stretch>
+                    <a:fillRect/>
+                  </a:stretch>
+                </a:blipFill>
+              </p:spPr>
+              <p:txBody>
+                <a:bodyPr/>
+                <a:lstStyle/>
+                <a:p>
+                  <a:r>
+                    <a:rPr lang="zh-TW" altLang="en-US">
+                      <a:noFill/>
+                    </a:rPr>
+                    <a:t> </a:t>
+                  </a:r>
+                </a:p>
+              </p:txBody>
+            </p:sp>
+          </mc:Fallback>
+        </mc:AlternateContent>
+      </p:grpSp>
     </p:spTree>
     <p:extLst>
       <p:ext uri="{BB962C8B-B14F-4D97-AF65-F5344CB8AC3E}">
@@ -7677,8 +8336,8 @@
             </a:fontRef>
           </p:style>
         </p:cxnSp>
-        <mc:AlternateContent xmlns:mc="http://schemas.openxmlformats.org/markup-compatibility/2006">
-          <mc:Choice xmlns:a14="http://schemas.microsoft.com/office/drawing/2010/main" Requires="a14">
+        <mc:AlternateContent xmlns:mc="http://schemas.openxmlformats.org/markup-compatibility/2006" xmlns:a14="http://schemas.microsoft.com/office/drawing/2010/main">
+          <mc:Choice Requires="a14">
             <p:sp>
               <p:nvSpPr>
                 <p:cNvPr id="10" name="文字方塊 9">
@@ -7707,6 +8366,7 @@
                 </a:bodyPr>
                 <a:lstStyle/>
                 <a:p>
+                  <a:pPr/>
                   <a14:m>
                     <m:oMathPara xmlns:m="http://schemas.openxmlformats.org/officeDocument/2006/math">
                       <m:oMathParaPr>
@@ -7746,7 +8406,7 @@
               </p:txBody>
             </p:sp>
           </mc:Choice>
-          <mc:Fallback>
+          <mc:Fallback xmlns="">
             <p:sp>
               <p:nvSpPr>
                 <p:cNvPr id="10" name="文字方塊 9">
@@ -7791,8 +8451,8 @@
             </p:sp>
           </mc:Fallback>
         </mc:AlternateContent>
-        <mc:AlternateContent xmlns:mc="http://schemas.openxmlformats.org/markup-compatibility/2006">
-          <mc:Choice xmlns:a14="http://schemas.microsoft.com/office/drawing/2010/main" Requires="a14">
+        <mc:AlternateContent xmlns:mc="http://schemas.openxmlformats.org/markup-compatibility/2006" xmlns:a14="http://schemas.microsoft.com/office/drawing/2010/main">
+          <mc:Choice Requires="a14">
             <p:sp>
               <p:nvSpPr>
                 <p:cNvPr id="12" name="文字方塊 11">
@@ -7861,7 +8521,7 @@
               </p:txBody>
             </p:sp>
           </mc:Choice>
-          <mc:Fallback>
+          <mc:Fallback xmlns="">
             <p:sp>
               <p:nvSpPr>
                 <p:cNvPr id="12" name="文字方塊 11">
@@ -7911,6 +8571,1099 @@
     <p:extLst>
       <p:ext uri="{BB962C8B-B14F-4D97-AF65-F5344CB8AC3E}">
         <p14:creationId xmlns:p14="http://schemas.microsoft.com/office/powerpoint/2010/main" val="3772486126"/>
+      </p:ext>
+    </p:extLst>
+  </p:cSld>
+  <p:clrMapOvr>
+    <a:masterClrMapping/>
+  </p:clrMapOvr>
+</p:sld>
+</file>
+
+<file path=ppt/slides/slide7.xml><?xml version="1.0" encoding="utf-8"?>
+<p:sld xmlns:a="http://schemas.openxmlformats.org/drawingml/2006/main" xmlns:r="http://schemas.openxmlformats.org/officeDocument/2006/relationships" xmlns:p="http://schemas.openxmlformats.org/presentationml/2006/main">
+  <p:cSld>
+    <p:spTree>
+      <p:nvGrpSpPr>
+        <p:cNvPr id="1" name=""/>
+        <p:cNvGrpSpPr/>
+        <p:nvPr/>
+      </p:nvGrpSpPr>
+      <p:grpSpPr>
+        <a:xfrm>
+          <a:off x="0" y="0"/>
+          <a:ext cx="0" cy="0"/>
+          <a:chOff x="0" y="0"/>
+          <a:chExt cx="0" cy="0"/>
+        </a:xfrm>
+      </p:grpSpPr>
+      <p:grpSp>
+        <p:nvGrpSpPr>
+          <p:cNvPr id="11" name="群組 10">
+            <a:extLst>
+              <a:ext uri="{FF2B5EF4-FFF2-40B4-BE49-F238E27FC236}">
+                <a16:creationId xmlns:a16="http://schemas.microsoft.com/office/drawing/2014/main" id="{304ACA63-2882-4142-BB1A-29B4D9C911FD}"/>
+              </a:ext>
+            </a:extLst>
+          </p:cNvPr>
+          <p:cNvGrpSpPr/>
+          <p:nvPr/>
+        </p:nvGrpSpPr>
+        <p:grpSpPr>
+          <a:xfrm>
+            <a:off x="1533313" y="1557387"/>
+            <a:ext cx="4367954" cy="3461397"/>
+            <a:chOff x="1533313" y="1557387"/>
+            <a:chExt cx="4367954" cy="3461397"/>
+          </a:xfrm>
+        </p:grpSpPr>
+        <p:pic>
+          <p:nvPicPr>
+            <p:cNvPr id="5" name="圖片 4">
+              <a:extLst>
+                <a:ext uri="{FF2B5EF4-FFF2-40B4-BE49-F238E27FC236}">
+                  <a16:creationId xmlns:a16="http://schemas.microsoft.com/office/drawing/2014/main" id="{A1E6AC80-2CB0-401E-9256-62AD81A29330}"/>
+                </a:ext>
+              </a:extLst>
+            </p:cNvPr>
+            <p:cNvPicPr>
+              <a:picLocks noChangeAspect="1"/>
+            </p:cNvPicPr>
+            <p:nvPr/>
+          </p:nvPicPr>
+          <p:blipFill>
+            <a:blip r:embed="rId2"/>
+            <a:stretch>
+              <a:fillRect/>
+            </a:stretch>
+          </p:blipFill>
+          <p:spPr>
+            <a:xfrm>
+              <a:off x="1533313" y="1557387"/>
+              <a:ext cx="4367954" cy="3461397"/>
+            </a:xfrm>
+            <a:prstGeom prst="rect">
+              <a:avLst/>
+            </a:prstGeom>
+          </p:spPr>
+        </p:pic>
+        <p:sp>
+          <p:nvSpPr>
+            <p:cNvPr id="6" name="矩形 5">
+              <a:extLst>
+                <a:ext uri="{FF2B5EF4-FFF2-40B4-BE49-F238E27FC236}">
+                  <a16:creationId xmlns:a16="http://schemas.microsoft.com/office/drawing/2014/main" id="{2C3E01A7-1738-483E-8EAA-E8A2B4C5B27F}"/>
+                </a:ext>
+              </a:extLst>
+            </p:cNvPr>
+            <p:cNvSpPr/>
+            <p:nvPr/>
+          </p:nvSpPr>
+          <p:spPr>
+            <a:xfrm>
+              <a:off x="4419600" y="3886200"/>
+              <a:ext cx="381000" cy="237067"/>
+            </a:xfrm>
+            <a:prstGeom prst="rect">
+              <a:avLst/>
+            </a:prstGeom>
+            <a:solidFill>
+              <a:schemeClr val="bg1"/>
+            </a:solidFill>
+            <a:ln>
+              <a:noFill/>
+            </a:ln>
+          </p:spPr>
+          <p:style>
+            <a:lnRef idx="2">
+              <a:schemeClr val="accent1">
+                <a:shade val="50000"/>
+              </a:schemeClr>
+            </a:lnRef>
+            <a:fillRef idx="1">
+              <a:schemeClr val="accent1"/>
+            </a:fillRef>
+            <a:effectRef idx="0">
+              <a:schemeClr val="accent1"/>
+            </a:effectRef>
+            <a:fontRef idx="minor">
+              <a:schemeClr val="lt1"/>
+            </a:fontRef>
+          </p:style>
+          <p:txBody>
+            <a:bodyPr rtlCol="0" anchor="ctr"/>
+            <a:lstStyle/>
+            <a:p>
+              <a:pPr algn="ctr"/>
+              <a:endParaRPr lang="zh-TW" altLang="en-US" dirty="0"/>
+            </a:p>
+          </p:txBody>
+        </p:sp>
+        <p:sp>
+          <p:nvSpPr>
+            <p:cNvPr id="7" name="文字方塊 6">
+              <a:extLst>
+                <a:ext uri="{FF2B5EF4-FFF2-40B4-BE49-F238E27FC236}">
+                  <a16:creationId xmlns:a16="http://schemas.microsoft.com/office/drawing/2014/main" id="{A945931C-0C71-45F7-AF04-8763F778A397}"/>
+                </a:ext>
+              </a:extLst>
+            </p:cNvPr>
+            <p:cNvSpPr txBox="1"/>
+            <p:nvPr/>
+          </p:nvSpPr>
+          <p:spPr>
+            <a:xfrm>
+              <a:off x="4275667" y="3820067"/>
+              <a:ext cx="524933" cy="338554"/>
+            </a:xfrm>
+            <a:prstGeom prst="rect">
+              <a:avLst/>
+            </a:prstGeom>
+            <a:noFill/>
+          </p:spPr>
+          <p:txBody>
+            <a:bodyPr wrap="square" rtlCol="0">
+              <a:spAutoFit/>
+            </a:bodyPr>
+            <a:lstStyle/>
+            <a:p>
+              <a:r>
+                <a:rPr lang="en-US" altLang="zh-TW" sz="1600" b="1" dirty="0"/>
+                <a:t>RV</a:t>
+              </a:r>
+              <a:endParaRPr lang="zh-TW" altLang="en-US" sz="1600" b="1" dirty="0"/>
+            </a:p>
+          </p:txBody>
+        </p:sp>
+        <p:sp>
+          <p:nvSpPr>
+            <p:cNvPr id="8" name="矩形 7">
+              <a:extLst>
+                <a:ext uri="{FF2B5EF4-FFF2-40B4-BE49-F238E27FC236}">
+                  <a16:creationId xmlns:a16="http://schemas.microsoft.com/office/drawing/2014/main" id="{CE05EAD9-D2E9-4049-9AD6-8743284A0C11}"/>
+                </a:ext>
+              </a:extLst>
+            </p:cNvPr>
+            <p:cNvSpPr/>
+            <p:nvPr/>
+          </p:nvSpPr>
+          <p:spPr>
+            <a:xfrm>
+              <a:off x="3412067" y="3886200"/>
+              <a:ext cx="194733" cy="210866"/>
+            </a:xfrm>
+            <a:prstGeom prst="rect">
+              <a:avLst/>
+            </a:prstGeom>
+            <a:solidFill>
+              <a:schemeClr val="bg1"/>
+            </a:solidFill>
+            <a:ln>
+              <a:noFill/>
+            </a:ln>
+          </p:spPr>
+          <p:style>
+            <a:lnRef idx="2">
+              <a:schemeClr val="accent1">
+                <a:shade val="50000"/>
+              </a:schemeClr>
+            </a:lnRef>
+            <a:fillRef idx="1">
+              <a:schemeClr val="accent1"/>
+            </a:fillRef>
+            <a:effectRef idx="0">
+              <a:schemeClr val="accent1"/>
+            </a:effectRef>
+            <a:fontRef idx="minor">
+              <a:schemeClr val="lt1"/>
+            </a:fontRef>
+          </p:style>
+          <p:txBody>
+            <a:bodyPr rtlCol="0" anchor="ctr"/>
+            <a:lstStyle/>
+            <a:p>
+              <a:pPr algn="ctr"/>
+              <a:endParaRPr lang="zh-TW" altLang="en-US"/>
+            </a:p>
+          </p:txBody>
+        </p:sp>
+        <p:sp>
+          <p:nvSpPr>
+            <p:cNvPr id="9" name="矩形 8">
+              <a:extLst>
+                <a:ext uri="{FF2B5EF4-FFF2-40B4-BE49-F238E27FC236}">
+                  <a16:creationId xmlns:a16="http://schemas.microsoft.com/office/drawing/2014/main" id="{681C2737-66E4-4F66-B523-FEC98AD28BF1}"/>
+                </a:ext>
+              </a:extLst>
+            </p:cNvPr>
+            <p:cNvSpPr/>
+            <p:nvPr/>
+          </p:nvSpPr>
+          <p:spPr>
+            <a:xfrm>
+              <a:off x="3484880" y="3991633"/>
+              <a:ext cx="121920" cy="210866"/>
+            </a:xfrm>
+            <a:prstGeom prst="rect">
+              <a:avLst/>
+            </a:prstGeom>
+            <a:solidFill>
+              <a:schemeClr val="bg1"/>
+            </a:solidFill>
+            <a:ln>
+              <a:noFill/>
+            </a:ln>
+          </p:spPr>
+          <p:style>
+            <a:lnRef idx="2">
+              <a:schemeClr val="accent1">
+                <a:shade val="50000"/>
+              </a:schemeClr>
+            </a:lnRef>
+            <a:fillRef idx="1">
+              <a:schemeClr val="accent1"/>
+            </a:fillRef>
+            <a:effectRef idx="0">
+              <a:schemeClr val="accent1"/>
+            </a:effectRef>
+            <a:fontRef idx="minor">
+              <a:schemeClr val="lt1"/>
+            </a:fontRef>
+          </p:style>
+          <p:txBody>
+            <a:bodyPr rtlCol="0" anchor="ctr"/>
+            <a:lstStyle/>
+            <a:p>
+              <a:pPr algn="ctr"/>
+              <a:endParaRPr lang="zh-TW" altLang="en-US"/>
+            </a:p>
+          </p:txBody>
+        </p:sp>
+        <p:sp>
+          <p:nvSpPr>
+            <p:cNvPr id="10" name="文字方塊 9">
+              <a:extLst>
+                <a:ext uri="{FF2B5EF4-FFF2-40B4-BE49-F238E27FC236}">
+                  <a16:creationId xmlns:a16="http://schemas.microsoft.com/office/drawing/2014/main" id="{8C2D9BA6-25CF-4879-9665-A6254655ADB9}"/>
+                </a:ext>
+              </a:extLst>
+            </p:cNvPr>
+            <p:cNvSpPr txBox="1"/>
+            <p:nvPr/>
+          </p:nvSpPr>
+          <p:spPr>
+            <a:xfrm>
+              <a:off x="3412067" y="3886200"/>
+              <a:ext cx="524933" cy="338554"/>
+            </a:xfrm>
+            <a:prstGeom prst="rect">
+              <a:avLst/>
+            </a:prstGeom>
+            <a:noFill/>
+          </p:spPr>
+          <p:txBody>
+            <a:bodyPr wrap="square" rtlCol="0">
+              <a:spAutoFit/>
+            </a:bodyPr>
+            <a:lstStyle/>
+            <a:p>
+              <a:r>
+                <a:rPr lang="en-US" altLang="zh-TW" sz="1600" b="1" dirty="0"/>
+                <a:t>v*</a:t>
+              </a:r>
+              <a:endParaRPr lang="zh-TW" altLang="en-US" sz="1600" b="1" dirty="0"/>
+            </a:p>
+          </p:txBody>
+        </p:sp>
+      </p:grpSp>
+      <p:grpSp>
+        <p:nvGrpSpPr>
+          <p:cNvPr id="20" name="群組 19">
+            <a:extLst>
+              <a:ext uri="{FF2B5EF4-FFF2-40B4-BE49-F238E27FC236}">
+                <a16:creationId xmlns:a16="http://schemas.microsoft.com/office/drawing/2014/main" id="{ACAFDF7D-2A0E-4ED8-AC23-F07BD85CC503}"/>
+              </a:ext>
+            </a:extLst>
+          </p:cNvPr>
+          <p:cNvGrpSpPr/>
+          <p:nvPr/>
+        </p:nvGrpSpPr>
+        <p:grpSpPr>
+          <a:xfrm>
+            <a:off x="5497688" y="880534"/>
+            <a:ext cx="6291865" cy="4953810"/>
+            <a:chOff x="5497688" y="880534"/>
+            <a:chExt cx="6291865" cy="4953810"/>
+          </a:xfrm>
+        </p:grpSpPr>
+        <p:pic>
+          <p:nvPicPr>
+            <p:cNvPr id="3" name="圖片 2">
+              <a:extLst>
+                <a:ext uri="{FF2B5EF4-FFF2-40B4-BE49-F238E27FC236}">
+                  <a16:creationId xmlns:a16="http://schemas.microsoft.com/office/drawing/2014/main" id="{E8B87343-A2AE-43D2-9AF6-15599BD6953A}"/>
+                </a:ext>
+              </a:extLst>
+            </p:cNvPr>
+            <p:cNvPicPr>
+              <a:picLocks noChangeAspect="1"/>
+            </p:cNvPicPr>
+            <p:nvPr/>
+          </p:nvPicPr>
+          <p:blipFill>
+            <a:blip r:embed="rId3"/>
+            <a:stretch>
+              <a:fillRect/>
+            </a:stretch>
+          </p:blipFill>
+          <p:spPr>
+            <a:xfrm>
+              <a:off x="5497688" y="880534"/>
+              <a:ext cx="6291865" cy="4953810"/>
+            </a:xfrm>
+            <a:prstGeom prst="rect">
+              <a:avLst/>
+            </a:prstGeom>
+          </p:spPr>
+        </p:pic>
+        <p:cxnSp>
+          <p:nvCxnSpPr>
+            <p:cNvPr id="12" name="直線單箭頭接點 11">
+              <a:extLst>
+                <a:ext uri="{FF2B5EF4-FFF2-40B4-BE49-F238E27FC236}">
+                  <a16:creationId xmlns:a16="http://schemas.microsoft.com/office/drawing/2014/main" id="{C3075197-2797-4CD3-B3B8-0E5A3D635497}"/>
+                </a:ext>
+              </a:extLst>
+            </p:cNvPr>
+            <p:cNvCxnSpPr>
+              <a:cxnSpLocks/>
+            </p:cNvCxnSpPr>
+            <p:nvPr/>
+          </p:nvCxnSpPr>
+          <p:spPr>
+            <a:xfrm>
+              <a:off x="7603066" y="5103452"/>
+              <a:ext cx="491067" cy="0"/>
+            </a:xfrm>
+            <a:prstGeom prst="straightConnector1">
+              <a:avLst/>
+            </a:prstGeom>
+            <a:ln w="12700">
+              <a:solidFill>
+                <a:schemeClr val="tx1"/>
+              </a:solidFill>
+              <a:tailEnd type="triangle"/>
+            </a:ln>
+          </p:spPr>
+          <p:style>
+            <a:lnRef idx="1">
+              <a:schemeClr val="accent1"/>
+            </a:lnRef>
+            <a:fillRef idx="0">
+              <a:schemeClr val="accent1"/>
+            </a:fillRef>
+            <a:effectRef idx="0">
+              <a:schemeClr val="accent1"/>
+            </a:effectRef>
+            <a:fontRef idx="minor">
+              <a:schemeClr val="tx1"/>
+            </a:fontRef>
+          </p:style>
+        </p:cxnSp>
+        <p:cxnSp>
+          <p:nvCxnSpPr>
+            <p:cNvPr id="14" name="直線單箭頭接點 13">
+              <a:extLst>
+                <a:ext uri="{FF2B5EF4-FFF2-40B4-BE49-F238E27FC236}">
+                  <a16:creationId xmlns:a16="http://schemas.microsoft.com/office/drawing/2014/main" id="{F15E2094-EAAF-4538-BF13-BC1BE00DB41A}"/>
+                </a:ext>
+              </a:extLst>
+            </p:cNvPr>
+            <p:cNvCxnSpPr>
+              <a:cxnSpLocks/>
+            </p:cNvCxnSpPr>
+            <p:nvPr/>
+          </p:nvCxnSpPr>
+          <p:spPr>
+            <a:xfrm flipV="1">
+              <a:off x="7611532" y="4597400"/>
+              <a:ext cx="0" cy="506052"/>
+            </a:xfrm>
+            <a:prstGeom prst="straightConnector1">
+              <a:avLst/>
+            </a:prstGeom>
+            <a:ln w="12700">
+              <a:solidFill>
+                <a:schemeClr val="tx1"/>
+              </a:solidFill>
+              <a:tailEnd type="triangle"/>
+            </a:ln>
+          </p:spPr>
+          <p:style>
+            <a:lnRef idx="1">
+              <a:schemeClr val="accent1"/>
+            </a:lnRef>
+            <a:fillRef idx="0">
+              <a:schemeClr val="accent1"/>
+            </a:fillRef>
+            <a:effectRef idx="0">
+              <a:schemeClr val="accent1"/>
+            </a:effectRef>
+            <a:fontRef idx="minor">
+              <a:schemeClr val="tx1"/>
+            </a:fontRef>
+          </p:style>
+        </p:cxnSp>
+        <mc:AlternateContent xmlns:mc="http://schemas.openxmlformats.org/markup-compatibility/2006" xmlns:a14="http://schemas.microsoft.com/office/drawing/2010/main">
+          <mc:Choice Requires="a14">
+            <p:sp>
+              <p:nvSpPr>
+                <p:cNvPr id="15" name="文字方塊 14">
+                  <a:extLst>
+                    <a:ext uri="{FF2B5EF4-FFF2-40B4-BE49-F238E27FC236}">
+                      <a16:creationId xmlns:a16="http://schemas.microsoft.com/office/drawing/2014/main" id="{0752CE71-00A4-4EB7-9EF5-3CA9F471EE16}"/>
+                    </a:ext>
+                  </a:extLst>
+                </p:cNvPr>
+                <p:cNvSpPr txBox="1"/>
+                <p:nvPr/>
+              </p:nvSpPr>
+              <p:spPr>
+                <a:xfrm>
+                  <a:off x="7818965" y="5018784"/>
+                  <a:ext cx="567267" cy="338554"/>
+                </a:xfrm>
+                <a:prstGeom prst="rect">
+                  <a:avLst/>
+                </a:prstGeom>
+                <a:noFill/>
+              </p:spPr>
+              <p:txBody>
+                <a:bodyPr wrap="square" rtlCol="0">
+                  <a:spAutoFit/>
+                </a:bodyPr>
+                <a:lstStyle/>
+                <a:p>
+                  <a:pPr/>
+                  <a14:m>
+                    <m:oMathPara xmlns:m="http://schemas.openxmlformats.org/officeDocument/2006/math">
+                      <m:oMathParaPr>
+                        <m:jc m:val="centerGroup"/>
+                      </m:oMathParaPr>
+                      <m:oMath xmlns:m="http://schemas.openxmlformats.org/officeDocument/2006/math">
+                        <m:sSub>
+                          <m:sSubPr>
+                            <m:ctrlPr>
+                              <a:rPr lang="en-US" altLang="zh-TW" sz="1600" i="1" dirty="0" smtClean="0">
+                                <a:latin typeface="Cambria Math" panose="02040503050406030204" pitchFamily="18" charset="0"/>
+                              </a:rPr>
+                            </m:ctrlPr>
+                          </m:sSubPr>
+                          <m:e>
+                            <m:r>
+                              <a:rPr lang="en-US" altLang="zh-TW" sz="1600" b="0" i="1" dirty="0" smtClean="0">
+                                <a:latin typeface="Cambria Math" panose="02040503050406030204" pitchFamily="18" charset="0"/>
+                              </a:rPr>
+                              <m:t>𝑣</m:t>
+                            </m:r>
+                          </m:e>
+                          <m:sub>
+                            <m:r>
+                              <a:rPr lang="en-US" altLang="zh-TW" sz="1600" i="1" dirty="0" err="1">
+                                <a:latin typeface="Cambria Math" panose="02040503050406030204" pitchFamily="18" charset="0"/>
+                              </a:rPr>
+                              <m:t>𝑥</m:t>
+                            </m:r>
+                          </m:sub>
+                        </m:sSub>
+                      </m:oMath>
+                    </m:oMathPara>
+                  </a14:m>
+                  <a:endParaRPr lang="zh-TW" altLang="en-US" sz="1600" dirty="0"/>
+                </a:p>
+              </p:txBody>
+            </p:sp>
+          </mc:Choice>
+          <mc:Fallback xmlns="">
+            <p:sp>
+              <p:nvSpPr>
+                <p:cNvPr id="15" name="文字方塊 14">
+                  <a:extLst>
+                    <a:ext uri="{FF2B5EF4-FFF2-40B4-BE49-F238E27FC236}">
+                      <a16:creationId xmlns:a16="http://schemas.microsoft.com/office/drawing/2014/main" id="{0752CE71-00A4-4EB7-9EF5-3CA9F471EE16}"/>
+                    </a:ext>
+                  </a:extLst>
+                </p:cNvPr>
+                <p:cNvSpPr txBox="1">
+                  <a:spLocks noRot="1" noChangeAspect="1" noMove="1" noResize="1" noEditPoints="1" noAdjustHandles="1" noChangeArrowheads="1" noChangeShapeType="1" noTextEdit="1"/>
+                </p:cNvSpPr>
+                <p:nvPr/>
+              </p:nvSpPr>
+              <p:spPr>
+                <a:xfrm>
+                  <a:off x="7818965" y="5018784"/>
+                  <a:ext cx="567267" cy="338554"/>
+                </a:xfrm>
+                <a:prstGeom prst="rect">
+                  <a:avLst/>
+                </a:prstGeom>
+                <a:blipFill>
+                  <a:blip r:embed="rId4"/>
+                  <a:stretch>
+                    <a:fillRect/>
+                  </a:stretch>
+                </a:blipFill>
+              </p:spPr>
+              <p:txBody>
+                <a:bodyPr/>
+                <a:lstStyle/>
+                <a:p>
+                  <a:r>
+                    <a:rPr lang="zh-TW" altLang="en-US">
+                      <a:noFill/>
+                    </a:rPr>
+                    <a:t> </a:t>
+                  </a:r>
+                </a:p>
+              </p:txBody>
+            </p:sp>
+          </mc:Fallback>
+        </mc:AlternateContent>
+        <mc:AlternateContent xmlns:mc="http://schemas.openxmlformats.org/markup-compatibility/2006" xmlns:a14="http://schemas.microsoft.com/office/drawing/2010/main">
+          <mc:Choice Requires="a14">
+            <p:sp>
+              <p:nvSpPr>
+                <p:cNvPr id="17" name="文字方塊 16">
+                  <a:extLst>
+                    <a:ext uri="{FF2B5EF4-FFF2-40B4-BE49-F238E27FC236}">
+                      <a16:creationId xmlns:a16="http://schemas.microsoft.com/office/drawing/2014/main" id="{447D47E3-B861-417A-A724-20819D2122D0}"/>
+                    </a:ext>
+                  </a:extLst>
+                </p:cNvPr>
+                <p:cNvSpPr txBox="1"/>
+                <p:nvPr/>
+              </p:nvSpPr>
+              <p:spPr>
+                <a:xfrm>
+                  <a:off x="7560731" y="4418407"/>
+                  <a:ext cx="436880" cy="357983"/>
+                </a:xfrm>
+                <a:prstGeom prst="rect">
+                  <a:avLst/>
+                </a:prstGeom>
+                <a:noFill/>
+              </p:spPr>
+              <p:txBody>
+                <a:bodyPr wrap="square">
+                  <a:spAutoFit/>
+                </a:bodyPr>
+                <a:lstStyle/>
+                <a:p>
+                  <a:pPr/>
+                  <a14:m>
+                    <m:oMathPara xmlns:m="http://schemas.openxmlformats.org/officeDocument/2006/math">
+                      <m:oMathParaPr>
+                        <m:jc m:val="centerGroup"/>
+                      </m:oMathParaPr>
+                      <m:oMath xmlns:m="http://schemas.openxmlformats.org/officeDocument/2006/math">
+                        <m:sSub>
+                          <m:sSubPr>
+                            <m:ctrlPr>
+                              <a:rPr lang="en-US" altLang="zh-TW" sz="1600" i="1" dirty="0" smtClean="0">
+                                <a:latin typeface="Cambria Math" panose="02040503050406030204" pitchFamily="18" charset="0"/>
+                              </a:rPr>
+                            </m:ctrlPr>
+                          </m:sSubPr>
+                          <m:e>
+                            <m:r>
+                              <a:rPr lang="en-US" altLang="zh-TW" sz="1600" b="0" i="1" dirty="0" smtClean="0">
+                                <a:latin typeface="Cambria Math" panose="02040503050406030204" pitchFamily="18" charset="0"/>
+                              </a:rPr>
+                              <m:t>𝑣</m:t>
+                            </m:r>
+                          </m:e>
+                          <m:sub>
+                            <m:r>
+                              <a:rPr lang="en-US" altLang="zh-TW" sz="1600" b="0" i="1" dirty="0" smtClean="0">
+                                <a:latin typeface="Cambria Math" panose="02040503050406030204" pitchFamily="18" charset="0"/>
+                              </a:rPr>
+                              <m:t>𝑦</m:t>
+                            </m:r>
+                          </m:sub>
+                        </m:sSub>
+                      </m:oMath>
+                    </m:oMathPara>
+                  </a14:m>
+                  <a:endParaRPr lang="zh-TW" altLang="en-US" sz="1600" dirty="0"/>
+                </a:p>
+              </p:txBody>
+            </p:sp>
+          </mc:Choice>
+          <mc:Fallback xmlns="">
+            <p:sp>
+              <p:nvSpPr>
+                <p:cNvPr id="17" name="文字方塊 16">
+                  <a:extLst>
+                    <a:ext uri="{FF2B5EF4-FFF2-40B4-BE49-F238E27FC236}">
+                      <a16:creationId xmlns:a16="http://schemas.microsoft.com/office/drawing/2014/main" id="{447D47E3-B861-417A-A724-20819D2122D0}"/>
+                    </a:ext>
+                  </a:extLst>
+                </p:cNvPr>
+                <p:cNvSpPr txBox="1">
+                  <a:spLocks noRot="1" noChangeAspect="1" noMove="1" noResize="1" noEditPoints="1" noAdjustHandles="1" noChangeArrowheads="1" noChangeShapeType="1" noTextEdit="1"/>
+                </p:cNvSpPr>
+                <p:nvPr/>
+              </p:nvSpPr>
+              <p:spPr>
+                <a:xfrm>
+                  <a:off x="7560731" y="4418407"/>
+                  <a:ext cx="436880" cy="357983"/>
+                </a:xfrm>
+                <a:prstGeom prst="rect">
+                  <a:avLst/>
+                </a:prstGeom>
+                <a:blipFill>
+                  <a:blip r:embed="rId5"/>
+                  <a:stretch>
+                    <a:fillRect b="-1695"/>
+                  </a:stretch>
+                </a:blipFill>
+              </p:spPr>
+              <p:txBody>
+                <a:bodyPr/>
+                <a:lstStyle/>
+                <a:p>
+                  <a:r>
+                    <a:rPr lang="zh-TW" altLang="en-US">
+                      <a:noFill/>
+                    </a:rPr>
+                    <a:t> </a:t>
+                  </a:r>
+                </a:p>
+              </p:txBody>
+            </p:sp>
+          </mc:Fallback>
+        </mc:AlternateContent>
+      </p:grpSp>
+    </p:spTree>
+    <p:extLst>
+      <p:ext uri="{BB962C8B-B14F-4D97-AF65-F5344CB8AC3E}">
+        <p14:creationId xmlns:p14="http://schemas.microsoft.com/office/powerpoint/2010/main" val="2564281285"/>
+      </p:ext>
+    </p:extLst>
+  </p:cSld>
+  <p:clrMapOvr>
+    <a:masterClrMapping/>
+  </p:clrMapOvr>
+</p:sld>
+</file>
+
+<file path=ppt/slides/slide8.xml><?xml version="1.0" encoding="utf-8"?>
+<p:sld xmlns:a="http://schemas.openxmlformats.org/drawingml/2006/main" xmlns:r="http://schemas.openxmlformats.org/officeDocument/2006/relationships" xmlns:p="http://schemas.openxmlformats.org/presentationml/2006/main">
+  <p:cSld>
+    <p:spTree>
+      <p:nvGrpSpPr>
+        <p:cNvPr id="1" name=""/>
+        <p:cNvGrpSpPr/>
+        <p:nvPr/>
+      </p:nvGrpSpPr>
+      <p:grpSpPr>
+        <a:xfrm>
+          <a:off x="0" y="0"/>
+          <a:ext cx="0" cy="0"/>
+          <a:chOff x="0" y="0"/>
+          <a:chExt cx="0" cy="0"/>
+        </a:xfrm>
+      </p:grpSpPr>
+      <p:grpSp>
+        <p:nvGrpSpPr>
+          <p:cNvPr id="10" name="群組 9">
+            <a:extLst>
+              <a:ext uri="{FF2B5EF4-FFF2-40B4-BE49-F238E27FC236}">
+                <a16:creationId xmlns:a16="http://schemas.microsoft.com/office/drawing/2014/main" id="{8840D9FA-945D-45BF-985A-0EC88CBF6494}"/>
+              </a:ext>
+            </a:extLst>
+          </p:cNvPr>
+          <p:cNvGrpSpPr/>
+          <p:nvPr/>
+        </p:nvGrpSpPr>
+        <p:grpSpPr>
+          <a:xfrm>
+            <a:off x="3306763" y="2288117"/>
+            <a:ext cx="3343275" cy="1485900"/>
+            <a:chOff x="3306763" y="2288117"/>
+            <a:chExt cx="3343275" cy="1485900"/>
+          </a:xfrm>
+        </p:grpSpPr>
+        <p:pic>
+          <p:nvPicPr>
+            <p:cNvPr id="5" name="圖片 4">
+              <a:extLst>
+                <a:ext uri="{FF2B5EF4-FFF2-40B4-BE49-F238E27FC236}">
+                  <a16:creationId xmlns:a16="http://schemas.microsoft.com/office/drawing/2014/main" id="{F0F07E80-0044-4E07-9071-9ED0F82DB80F}"/>
+                </a:ext>
+              </a:extLst>
+            </p:cNvPr>
+            <p:cNvPicPr>
+              <a:picLocks noChangeAspect="1"/>
+            </p:cNvPicPr>
+            <p:nvPr/>
+          </p:nvPicPr>
+          <p:blipFill>
+            <a:blip r:embed="rId2">
+              <a:alphaModFix/>
+            </a:blip>
+            <a:stretch>
+              <a:fillRect/>
+            </a:stretch>
+          </p:blipFill>
+          <p:spPr>
+            <a:xfrm>
+              <a:off x="3306763" y="2288117"/>
+              <a:ext cx="3343275" cy="1485900"/>
+            </a:xfrm>
+            <a:prstGeom prst="rect">
+              <a:avLst/>
+            </a:prstGeom>
+          </p:spPr>
+        </p:pic>
+        <p:sp>
+          <p:nvSpPr>
+            <p:cNvPr id="6" name="箭號: 全向 5">
+              <a:extLst>
+                <a:ext uri="{FF2B5EF4-FFF2-40B4-BE49-F238E27FC236}">
+                  <a16:creationId xmlns:a16="http://schemas.microsoft.com/office/drawing/2014/main" id="{35CDA8EA-0217-4947-9046-61862BEE1F64}"/>
+                </a:ext>
+              </a:extLst>
+            </p:cNvPr>
+            <p:cNvSpPr/>
+            <p:nvPr/>
+          </p:nvSpPr>
+          <p:spPr>
+            <a:xfrm>
+              <a:off x="4572000" y="2595034"/>
+              <a:ext cx="931333" cy="833966"/>
+            </a:xfrm>
+            <a:prstGeom prst="quadArrow">
+              <a:avLst>
+                <a:gd name="adj1" fmla="val 0"/>
+                <a:gd name="adj2" fmla="val 2545"/>
+                <a:gd name="adj3" fmla="val 22500"/>
+              </a:avLst>
+            </a:prstGeom>
+            <a:solidFill>
+              <a:schemeClr val="accent6">
+                <a:lumMod val="75000"/>
+              </a:schemeClr>
+            </a:solidFill>
+            <a:ln>
+              <a:solidFill>
+                <a:schemeClr val="accent6">
+                  <a:lumMod val="75000"/>
+                </a:schemeClr>
+              </a:solidFill>
+            </a:ln>
+          </p:spPr>
+          <p:style>
+            <a:lnRef idx="2">
+              <a:schemeClr val="accent1">
+                <a:shade val="50000"/>
+              </a:schemeClr>
+            </a:lnRef>
+            <a:fillRef idx="1">
+              <a:schemeClr val="accent1"/>
+            </a:fillRef>
+            <a:effectRef idx="0">
+              <a:schemeClr val="accent1"/>
+            </a:effectRef>
+            <a:fontRef idx="minor">
+              <a:schemeClr val="lt1"/>
+            </a:fontRef>
+          </p:style>
+          <p:txBody>
+            <a:bodyPr rtlCol="0" anchor="ctr"/>
+            <a:lstStyle/>
+            <a:p>
+              <a:pPr algn="ctr"/>
+              <a:endParaRPr lang="zh-TW" altLang="en-US"/>
+            </a:p>
+          </p:txBody>
+        </p:sp>
+        <mc:AlternateContent xmlns:mc="http://schemas.openxmlformats.org/markup-compatibility/2006">
+          <mc:Choice xmlns:a14="http://schemas.microsoft.com/office/drawing/2010/main" Requires="a14">
+            <p:sp>
+              <p:nvSpPr>
+                <p:cNvPr id="7" name="文字方塊 6">
+                  <a:extLst>
+                    <a:ext uri="{FF2B5EF4-FFF2-40B4-BE49-F238E27FC236}">
+                      <a16:creationId xmlns:a16="http://schemas.microsoft.com/office/drawing/2014/main" id="{78067D1F-35A2-42B0-8DC9-C032F794EF7B}"/>
+                    </a:ext>
+                  </a:extLst>
+                </p:cNvPr>
+                <p:cNvSpPr txBox="1"/>
+                <p:nvPr/>
+              </p:nvSpPr>
+              <p:spPr>
+                <a:xfrm>
+                  <a:off x="4978400" y="2919803"/>
+                  <a:ext cx="618067" cy="307777"/>
+                </a:xfrm>
+                <a:prstGeom prst="rect">
+                  <a:avLst/>
+                </a:prstGeom>
+                <a:noFill/>
+              </p:spPr>
+              <p:txBody>
+                <a:bodyPr wrap="square" rtlCol="0">
+                  <a:spAutoFit/>
+                </a:bodyPr>
+                <a:lstStyle/>
+                <a:p>
+                  <a14:m>
+                    <m:oMathPara xmlns:m="http://schemas.openxmlformats.org/officeDocument/2006/math">
+                      <m:oMathParaPr>
+                        <m:jc m:val="centerGroup"/>
+                      </m:oMathParaPr>
+                      <m:oMath xmlns:m="http://schemas.openxmlformats.org/officeDocument/2006/math">
+                        <m:sSub>
+                          <m:sSubPr>
+                            <m:ctrlPr>
+                              <a:rPr lang="en-US" altLang="zh-TW" sz="1400" i="1" dirty="0" smtClean="0">
+                                <a:solidFill>
+                                  <a:schemeClr val="accent6">
+                                    <a:lumMod val="75000"/>
+                                  </a:schemeClr>
+                                </a:solidFill>
+                                <a:latin typeface="Cambria Math" panose="02040503050406030204" pitchFamily="18" charset="0"/>
+                              </a:rPr>
+                            </m:ctrlPr>
+                          </m:sSubPr>
+                          <m:e>
+                            <m:r>
+                              <a:rPr lang="en-US" altLang="zh-TW" sz="1400" i="1" dirty="0" smtClean="0">
+                                <a:solidFill>
+                                  <a:schemeClr val="accent6">
+                                    <a:lumMod val="75000"/>
+                                  </a:schemeClr>
+                                </a:solidFill>
+                                <a:latin typeface="Cambria Math" panose="02040503050406030204" pitchFamily="18" charset="0"/>
+                              </a:rPr>
+                              <m:t>𝑣</m:t>
+                            </m:r>
+                          </m:e>
+                          <m:sub>
+                            <m:r>
+                              <a:rPr lang="en-US" altLang="zh-TW" sz="1400" i="1" dirty="0" smtClean="0">
+                                <a:solidFill>
+                                  <a:schemeClr val="accent6">
+                                    <a:lumMod val="75000"/>
+                                  </a:schemeClr>
+                                </a:solidFill>
+                                <a:latin typeface="Cambria Math" panose="02040503050406030204" pitchFamily="18" charset="0"/>
+                              </a:rPr>
+                              <m:t>𝑥</m:t>
+                            </m:r>
+                          </m:sub>
+                        </m:sSub>
+                      </m:oMath>
+                    </m:oMathPara>
+                  </a14:m>
+                  <a:endParaRPr lang="zh-TW" altLang="en-US" sz="1400" dirty="0">
+                    <a:solidFill>
+                      <a:schemeClr val="accent6">
+                        <a:lumMod val="75000"/>
+                      </a:schemeClr>
+                    </a:solidFill>
+                  </a:endParaRPr>
+                </a:p>
+              </p:txBody>
+            </p:sp>
+          </mc:Choice>
+          <mc:Fallback>
+            <p:sp>
+              <p:nvSpPr>
+                <p:cNvPr id="7" name="文字方塊 6">
+                  <a:extLst>
+                    <a:ext uri="{FF2B5EF4-FFF2-40B4-BE49-F238E27FC236}">
+                      <a16:creationId xmlns:a16="http://schemas.microsoft.com/office/drawing/2014/main" id="{78067D1F-35A2-42B0-8DC9-C032F794EF7B}"/>
+                    </a:ext>
+                  </a:extLst>
+                </p:cNvPr>
+                <p:cNvSpPr txBox="1">
+                  <a:spLocks noRot="1" noChangeAspect="1" noMove="1" noResize="1" noEditPoints="1" noAdjustHandles="1" noChangeArrowheads="1" noChangeShapeType="1" noTextEdit="1"/>
+                </p:cNvSpPr>
+                <p:nvPr/>
+              </p:nvSpPr>
+              <p:spPr>
+                <a:xfrm>
+                  <a:off x="4978400" y="2919803"/>
+                  <a:ext cx="618067" cy="307777"/>
+                </a:xfrm>
+                <a:prstGeom prst="rect">
+                  <a:avLst/>
+                </a:prstGeom>
+                <a:blipFill>
+                  <a:blip r:embed="rId3"/>
+                  <a:stretch>
+                    <a:fillRect/>
+                  </a:stretch>
+                </a:blipFill>
+              </p:spPr>
+              <p:txBody>
+                <a:bodyPr/>
+                <a:lstStyle/>
+                <a:p>
+                  <a:r>
+                    <a:rPr lang="zh-TW" altLang="en-US">
+                      <a:noFill/>
+                    </a:rPr>
+                    <a:t> </a:t>
+                  </a:r>
+                </a:p>
+              </p:txBody>
+            </p:sp>
+          </mc:Fallback>
+        </mc:AlternateContent>
+        <mc:AlternateContent xmlns:mc="http://schemas.openxmlformats.org/markup-compatibility/2006">
+          <mc:Choice xmlns:a14="http://schemas.microsoft.com/office/drawing/2010/main" Requires="a14">
+            <p:sp>
+              <p:nvSpPr>
+                <p:cNvPr id="8" name="文字方塊 7">
+                  <a:extLst>
+                    <a:ext uri="{FF2B5EF4-FFF2-40B4-BE49-F238E27FC236}">
+                      <a16:creationId xmlns:a16="http://schemas.microsoft.com/office/drawing/2014/main" id="{5558704F-3D69-4A77-A7C5-7BE13DED9ABB}"/>
+                    </a:ext>
+                  </a:extLst>
+                </p:cNvPr>
+                <p:cNvSpPr txBox="1"/>
+                <p:nvPr/>
+              </p:nvSpPr>
+              <p:spPr>
+                <a:xfrm>
+                  <a:off x="4572000" y="2687248"/>
+                  <a:ext cx="618067" cy="324769"/>
+                </a:xfrm>
+                <a:prstGeom prst="rect">
+                  <a:avLst/>
+                </a:prstGeom>
+                <a:noFill/>
+              </p:spPr>
+              <p:txBody>
+                <a:bodyPr wrap="square" rtlCol="0">
+                  <a:spAutoFit/>
+                </a:bodyPr>
+                <a:lstStyle/>
+                <a:p>
+                  <a14:m>
+                    <m:oMathPara xmlns:m="http://schemas.openxmlformats.org/officeDocument/2006/math">
+                      <m:oMathParaPr>
+                        <m:jc m:val="centerGroup"/>
+                      </m:oMathParaPr>
+                      <m:oMath xmlns:m="http://schemas.openxmlformats.org/officeDocument/2006/math">
+                        <m:sSub>
+                          <m:sSubPr>
+                            <m:ctrlPr>
+                              <a:rPr lang="en-US" altLang="zh-TW" sz="1400" i="1" dirty="0" smtClean="0">
+                                <a:solidFill>
+                                  <a:schemeClr val="accent6">
+                                    <a:lumMod val="75000"/>
+                                  </a:schemeClr>
+                                </a:solidFill>
+                                <a:latin typeface="Cambria Math" panose="02040503050406030204" pitchFamily="18" charset="0"/>
+                              </a:rPr>
+                            </m:ctrlPr>
+                          </m:sSubPr>
+                          <m:e>
+                            <m:r>
+                              <a:rPr lang="en-US" altLang="zh-TW" sz="1400" i="1" dirty="0" smtClean="0">
+                                <a:solidFill>
+                                  <a:schemeClr val="accent6">
+                                    <a:lumMod val="75000"/>
+                                  </a:schemeClr>
+                                </a:solidFill>
+                                <a:latin typeface="Cambria Math" panose="02040503050406030204" pitchFamily="18" charset="0"/>
+                              </a:rPr>
+                              <m:t>𝑣</m:t>
+                            </m:r>
+                          </m:e>
+                          <m:sub>
+                            <m:r>
+                              <a:rPr lang="en-US" altLang="zh-TW" sz="1400" b="0" i="1" dirty="0" smtClean="0">
+                                <a:solidFill>
+                                  <a:schemeClr val="accent6">
+                                    <a:lumMod val="75000"/>
+                                  </a:schemeClr>
+                                </a:solidFill>
+                                <a:latin typeface="Cambria Math" panose="02040503050406030204" pitchFamily="18" charset="0"/>
+                              </a:rPr>
+                              <m:t>𝑦</m:t>
+                            </m:r>
+                          </m:sub>
+                        </m:sSub>
+                      </m:oMath>
+                    </m:oMathPara>
+                  </a14:m>
+                  <a:endParaRPr lang="zh-TW" altLang="en-US" sz="1400" dirty="0">
+                    <a:solidFill>
+                      <a:schemeClr val="accent6">
+                        <a:lumMod val="75000"/>
+                      </a:schemeClr>
+                    </a:solidFill>
+                  </a:endParaRPr>
+                </a:p>
+              </p:txBody>
+            </p:sp>
+          </mc:Choice>
+          <mc:Fallback>
+            <p:sp>
+              <p:nvSpPr>
+                <p:cNvPr id="8" name="文字方塊 7">
+                  <a:extLst>
+                    <a:ext uri="{FF2B5EF4-FFF2-40B4-BE49-F238E27FC236}">
+                      <a16:creationId xmlns:a16="http://schemas.microsoft.com/office/drawing/2014/main" id="{5558704F-3D69-4A77-A7C5-7BE13DED9ABB}"/>
+                    </a:ext>
+                  </a:extLst>
+                </p:cNvPr>
+                <p:cNvSpPr txBox="1">
+                  <a:spLocks noRot="1" noChangeAspect="1" noMove="1" noResize="1" noEditPoints="1" noAdjustHandles="1" noChangeArrowheads="1" noChangeShapeType="1" noTextEdit="1"/>
+                </p:cNvSpPr>
+                <p:nvPr/>
+              </p:nvSpPr>
+              <p:spPr>
+                <a:xfrm>
+                  <a:off x="4572000" y="2687248"/>
+                  <a:ext cx="618067" cy="324769"/>
+                </a:xfrm>
+                <a:prstGeom prst="rect">
+                  <a:avLst/>
+                </a:prstGeom>
+                <a:blipFill>
+                  <a:blip r:embed="rId4"/>
+                  <a:stretch>
+                    <a:fillRect/>
+                  </a:stretch>
+                </a:blipFill>
+              </p:spPr>
+              <p:txBody>
+                <a:bodyPr/>
+                <a:lstStyle/>
+                <a:p>
+                  <a:r>
+                    <a:rPr lang="zh-TW" altLang="en-US">
+                      <a:noFill/>
+                    </a:rPr>
+                    <a:t> </a:t>
+                  </a:r>
+                </a:p>
+              </p:txBody>
+            </p:sp>
+          </mc:Fallback>
+        </mc:AlternateContent>
+      </p:grpSp>
+    </p:spTree>
+    <p:extLst>
+      <p:ext uri="{BB962C8B-B14F-4D97-AF65-F5344CB8AC3E}">
+        <p14:creationId xmlns:p14="http://schemas.microsoft.com/office/powerpoint/2010/main" val="2679311299"/>
       </p:ext>
     </p:extLst>
   </p:cSld>

--- a/path_planing/VO_code_try/robot_properties3.pptx
+++ b/path_planing/VO_code_try/robot_properties3.pptx
@@ -13,6 +13,7 @@
     <p:sldId id="261" r:id="rId7"/>
     <p:sldId id="262" r:id="rId8"/>
     <p:sldId id="263" r:id="rId9"/>
+    <p:sldId id="264" r:id="rId10"/>
   </p:sldIdLst>
   <p:sldSz cx="12192000" cy="6858000"/>
   <p:notesSz cx="6858000" cy="9144000"/>
@@ -266,7 +267,7 @@
           <a:p>
             <a:fld id="{9CD1F5AD-FE1B-4540-B598-52220A64164D}" type="datetimeFigureOut">
               <a:rPr lang="zh-TW" altLang="en-US" smtClean="0"/>
-              <a:t>2024/5/29</a:t>
+              <a:t>2024/6/27</a:t>
             </a:fld>
             <a:endParaRPr lang="zh-TW" altLang="en-US"/>
           </a:p>
@@ -464,7 +465,7 @@
           <a:p>
             <a:fld id="{9CD1F5AD-FE1B-4540-B598-52220A64164D}" type="datetimeFigureOut">
               <a:rPr lang="zh-TW" altLang="en-US" smtClean="0"/>
-              <a:t>2024/5/29</a:t>
+              <a:t>2024/6/27</a:t>
             </a:fld>
             <a:endParaRPr lang="zh-TW" altLang="en-US"/>
           </a:p>
@@ -672,7 +673,7 @@
           <a:p>
             <a:fld id="{9CD1F5AD-FE1B-4540-B598-52220A64164D}" type="datetimeFigureOut">
               <a:rPr lang="zh-TW" altLang="en-US" smtClean="0"/>
-              <a:t>2024/5/29</a:t>
+              <a:t>2024/6/27</a:t>
             </a:fld>
             <a:endParaRPr lang="zh-TW" altLang="en-US"/>
           </a:p>
@@ -870,7 +871,7 @@
           <a:p>
             <a:fld id="{9CD1F5AD-FE1B-4540-B598-52220A64164D}" type="datetimeFigureOut">
               <a:rPr lang="zh-TW" altLang="en-US" smtClean="0"/>
-              <a:t>2024/5/29</a:t>
+              <a:t>2024/6/27</a:t>
             </a:fld>
             <a:endParaRPr lang="zh-TW" altLang="en-US"/>
           </a:p>
@@ -1145,7 +1146,7 @@
           <a:p>
             <a:fld id="{9CD1F5AD-FE1B-4540-B598-52220A64164D}" type="datetimeFigureOut">
               <a:rPr lang="zh-TW" altLang="en-US" smtClean="0"/>
-              <a:t>2024/5/29</a:t>
+              <a:t>2024/6/27</a:t>
             </a:fld>
             <a:endParaRPr lang="zh-TW" altLang="en-US"/>
           </a:p>
@@ -1410,7 +1411,7 @@
           <a:p>
             <a:fld id="{9CD1F5AD-FE1B-4540-B598-52220A64164D}" type="datetimeFigureOut">
               <a:rPr lang="zh-TW" altLang="en-US" smtClean="0"/>
-              <a:t>2024/5/29</a:t>
+              <a:t>2024/6/27</a:t>
             </a:fld>
             <a:endParaRPr lang="zh-TW" altLang="en-US"/>
           </a:p>
@@ -1822,7 +1823,7 @@
           <a:p>
             <a:fld id="{9CD1F5AD-FE1B-4540-B598-52220A64164D}" type="datetimeFigureOut">
               <a:rPr lang="zh-TW" altLang="en-US" smtClean="0"/>
-              <a:t>2024/5/29</a:t>
+              <a:t>2024/6/27</a:t>
             </a:fld>
             <a:endParaRPr lang="zh-TW" altLang="en-US"/>
           </a:p>
@@ -1963,7 +1964,7 @@
           <a:p>
             <a:fld id="{9CD1F5AD-FE1B-4540-B598-52220A64164D}" type="datetimeFigureOut">
               <a:rPr lang="zh-TW" altLang="en-US" smtClean="0"/>
-              <a:t>2024/5/29</a:t>
+              <a:t>2024/6/27</a:t>
             </a:fld>
             <a:endParaRPr lang="zh-TW" altLang="en-US"/>
           </a:p>
@@ -2076,7 +2077,7 @@
           <a:p>
             <a:fld id="{9CD1F5AD-FE1B-4540-B598-52220A64164D}" type="datetimeFigureOut">
               <a:rPr lang="zh-TW" altLang="en-US" smtClean="0"/>
-              <a:t>2024/5/29</a:t>
+              <a:t>2024/6/27</a:t>
             </a:fld>
             <a:endParaRPr lang="zh-TW" altLang="en-US"/>
           </a:p>
@@ -2387,7 +2388,7 @@
           <a:p>
             <a:fld id="{9CD1F5AD-FE1B-4540-B598-52220A64164D}" type="datetimeFigureOut">
               <a:rPr lang="zh-TW" altLang="en-US" smtClean="0"/>
-              <a:t>2024/5/29</a:t>
+              <a:t>2024/6/27</a:t>
             </a:fld>
             <a:endParaRPr lang="zh-TW" altLang="en-US"/>
           </a:p>
@@ -2675,7 +2676,7 @@
           <a:p>
             <a:fld id="{9CD1F5AD-FE1B-4540-B598-52220A64164D}" type="datetimeFigureOut">
               <a:rPr lang="zh-TW" altLang="en-US" smtClean="0"/>
-              <a:t>2024/5/29</a:t>
+              <a:t>2024/6/27</a:t>
             </a:fld>
             <a:endParaRPr lang="zh-TW" altLang="en-US"/>
           </a:p>
@@ -2916,7 +2917,7 @@
           <a:p>
             <a:fld id="{9CD1F5AD-FE1B-4540-B598-52220A64164D}" type="datetimeFigureOut">
               <a:rPr lang="zh-TW" altLang="en-US" smtClean="0"/>
-              <a:t>2024/5/29</a:t>
+              <a:t>2024/6/27</a:t>
             </a:fld>
             <a:endParaRPr lang="zh-TW" altLang="en-US"/>
           </a:p>
@@ -9389,8 +9390,8 @@
             </a:p>
           </p:txBody>
         </p:sp>
-        <mc:AlternateContent xmlns:mc="http://schemas.openxmlformats.org/markup-compatibility/2006">
-          <mc:Choice xmlns:a14="http://schemas.microsoft.com/office/drawing/2010/main" Requires="a14">
+        <mc:AlternateContent xmlns:mc="http://schemas.openxmlformats.org/markup-compatibility/2006" xmlns:a14="http://schemas.microsoft.com/office/drawing/2010/main">
+          <mc:Choice Requires="a14">
             <p:sp>
               <p:nvSpPr>
                 <p:cNvPr id="7" name="文字方塊 6">
@@ -9419,6 +9420,7 @@
                 </a:bodyPr>
                 <a:lstStyle/>
                 <a:p>
+                  <a:pPr/>
                   <a14:m>
                     <m:oMathPara xmlns:m="http://schemas.openxmlformats.org/officeDocument/2006/math">
                       <m:oMathParaPr>
@@ -9479,7 +9481,7 @@
               </p:txBody>
             </p:sp>
           </mc:Choice>
-          <mc:Fallback>
+          <mc:Fallback xmlns="">
             <p:sp>
               <p:nvSpPr>
                 <p:cNvPr id="7" name="文字方塊 6">
@@ -9524,8 +9526,8 @@
             </p:sp>
           </mc:Fallback>
         </mc:AlternateContent>
-        <mc:AlternateContent xmlns:mc="http://schemas.openxmlformats.org/markup-compatibility/2006">
-          <mc:Choice xmlns:a14="http://schemas.microsoft.com/office/drawing/2010/main" Requires="a14">
+        <mc:AlternateContent xmlns:mc="http://schemas.openxmlformats.org/markup-compatibility/2006" xmlns:a14="http://schemas.microsoft.com/office/drawing/2010/main">
+          <mc:Choice Requires="a14">
             <p:sp>
               <p:nvSpPr>
                 <p:cNvPr id="8" name="文字方塊 7">
@@ -9554,6 +9556,7 @@
                 </a:bodyPr>
                 <a:lstStyle/>
                 <a:p>
+                  <a:pPr/>
                   <a14:m>
                     <m:oMathPara xmlns:m="http://schemas.openxmlformats.org/officeDocument/2006/math">
                       <m:oMathParaPr>
@@ -9614,7 +9617,7 @@
               </p:txBody>
             </p:sp>
           </mc:Choice>
-          <mc:Fallback>
+          <mc:Fallback xmlns="">
             <p:sp>
               <p:nvSpPr>
                 <p:cNvPr id="8" name="文字方塊 7">
@@ -9664,6 +9667,1460 @@
     <p:extLst>
       <p:ext uri="{BB962C8B-B14F-4D97-AF65-F5344CB8AC3E}">
         <p14:creationId xmlns:p14="http://schemas.microsoft.com/office/powerpoint/2010/main" val="2679311299"/>
+      </p:ext>
+    </p:extLst>
+  </p:cSld>
+  <p:clrMapOvr>
+    <a:masterClrMapping/>
+  </p:clrMapOvr>
+</p:sld>
+</file>
+
+<file path=ppt/slides/slide9.xml><?xml version="1.0" encoding="utf-8"?>
+<p:sld xmlns:a="http://schemas.openxmlformats.org/drawingml/2006/main" xmlns:r="http://schemas.openxmlformats.org/officeDocument/2006/relationships" xmlns:p="http://schemas.openxmlformats.org/presentationml/2006/main">
+  <p:cSld>
+    <p:spTree>
+      <p:nvGrpSpPr>
+        <p:cNvPr id="1" name=""/>
+        <p:cNvGrpSpPr/>
+        <p:nvPr/>
+      </p:nvGrpSpPr>
+      <p:grpSpPr>
+        <a:xfrm>
+          <a:off x="0" y="0"/>
+          <a:ext cx="0" cy="0"/>
+          <a:chOff x="0" y="0"/>
+          <a:chExt cx="0" cy="0"/>
+        </a:xfrm>
+      </p:grpSpPr>
+      <p:sp>
+        <p:nvSpPr>
+          <p:cNvPr id="4" name="矩形: 圓角 3">
+            <a:extLst>
+              <a:ext uri="{FF2B5EF4-FFF2-40B4-BE49-F238E27FC236}">
+                <a16:creationId xmlns:a16="http://schemas.microsoft.com/office/drawing/2014/main" id="{6148988C-4218-429A-A12B-801B52E7C5F6}"/>
+              </a:ext>
+            </a:extLst>
+          </p:cNvPr>
+          <p:cNvSpPr/>
+          <p:nvPr/>
+        </p:nvSpPr>
+        <p:spPr>
+          <a:xfrm>
+            <a:off x="2370665" y="1570566"/>
+            <a:ext cx="1786467" cy="3716867"/>
+          </a:xfrm>
+          <a:prstGeom prst="roundRect">
+            <a:avLst/>
+          </a:prstGeom>
+        </p:spPr>
+        <p:style>
+          <a:lnRef idx="2">
+            <a:schemeClr val="accent1">
+              <a:shade val="50000"/>
+            </a:schemeClr>
+          </a:lnRef>
+          <a:fillRef idx="1">
+            <a:schemeClr val="accent1"/>
+          </a:fillRef>
+          <a:effectRef idx="0">
+            <a:schemeClr val="accent1"/>
+          </a:effectRef>
+          <a:fontRef idx="minor">
+            <a:schemeClr val="lt1"/>
+          </a:fontRef>
+        </p:style>
+        <p:txBody>
+          <a:bodyPr rtlCol="0" anchor="ctr"/>
+          <a:lstStyle/>
+          <a:p>
+            <a:pPr algn="ctr"/>
+            <a:endParaRPr lang="zh-TW" altLang="en-US"/>
+          </a:p>
+        </p:txBody>
+      </p:sp>
+      <p:sp>
+        <p:nvSpPr>
+          <p:cNvPr id="5" name="矩形 4">
+            <a:extLst>
+              <a:ext uri="{FF2B5EF4-FFF2-40B4-BE49-F238E27FC236}">
+                <a16:creationId xmlns:a16="http://schemas.microsoft.com/office/drawing/2014/main" id="{4EFA136F-30CC-496E-A2AA-5A0886C15267}"/>
+              </a:ext>
+            </a:extLst>
+          </p:cNvPr>
+          <p:cNvSpPr/>
+          <p:nvPr/>
+        </p:nvSpPr>
+        <p:spPr>
+          <a:xfrm>
+            <a:off x="2844799" y="2023533"/>
+            <a:ext cx="838200" cy="381000"/>
+          </a:xfrm>
+          <a:prstGeom prst="rect">
+            <a:avLst/>
+          </a:prstGeom>
+        </p:spPr>
+        <p:style>
+          <a:lnRef idx="2">
+            <a:schemeClr val="dk1">
+              <a:shade val="50000"/>
+            </a:schemeClr>
+          </a:lnRef>
+          <a:fillRef idx="1">
+            <a:schemeClr val="dk1"/>
+          </a:fillRef>
+          <a:effectRef idx="0">
+            <a:schemeClr val="dk1"/>
+          </a:effectRef>
+          <a:fontRef idx="minor">
+            <a:schemeClr val="lt1"/>
+          </a:fontRef>
+        </p:style>
+        <p:txBody>
+          <a:bodyPr rtlCol="0" anchor="ctr"/>
+          <a:lstStyle/>
+          <a:p>
+            <a:pPr algn="ctr"/>
+            <a:endParaRPr lang="zh-TW" altLang="en-US"/>
+          </a:p>
+        </p:txBody>
+      </p:sp>
+      <p:sp>
+        <p:nvSpPr>
+          <p:cNvPr id="6" name="矩形 5">
+            <a:extLst>
+              <a:ext uri="{FF2B5EF4-FFF2-40B4-BE49-F238E27FC236}">
+                <a16:creationId xmlns:a16="http://schemas.microsoft.com/office/drawing/2014/main" id="{E49B4769-F879-42C3-9E53-8F90A2DD8245}"/>
+              </a:ext>
+            </a:extLst>
+          </p:cNvPr>
+          <p:cNvSpPr/>
+          <p:nvPr/>
+        </p:nvSpPr>
+        <p:spPr>
+          <a:xfrm>
+            <a:off x="2844799" y="4453468"/>
+            <a:ext cx="838200" cy="381000"/>
+          </a:xfrm>
+          <a:prstGeom prst="rect">
+            <a:avLst/>
+          </a:prstGeom>
+        </p:spPr>
+        <p:style>
+          <a:lnRef idx="2">
+            <a:schemeClr val="dk1">
+              <a:shade val="50000"/>
+            </a:schemeClr>
+          </a:lnRef>
+          <a:fillRef idx="1">
+            <a:schemeClr val="dk1"/>
+          </a:fillRef>
+          <a:effectRef idx="0">
+            <a:schemeClr val="dk1"/>
+          </a:effectRef>
+          <a:fontRef idx="minor">
+            <a:schemeClr val="lt1"/>
+          </a:fontRef>
+        </p:style>
+        <p:txBody>
+          <a:bodyPr rtlCol="0" anchor="ctr"/>
+          <a:lstStyle/>
+          <a:p>
+            <a:pPr algn="ctr"/>
+            <a:endParaRPr lang="zh-TW" altLang="en-US"/>
+          </a:p>
+        </p:txBody>
+      </p:sp>
+      <p:sp>
+        <p:nvSpPr>
+          <p:cNvPr id="7" name="矩形: 圓角 6">
+            <a:extLst>
+              <a:ext uri="{FF2B5EF4-FFF2-40B4-BE49-F238E27FC236}">
+                <a16:creationId xmlns:a16="http://schemas.microsoft.com/office/drawing/2014/main" id="{6048117C-1E2A-46F5-B406-93DAF27C1AE3}"/>
+              </a:ext>
+            </a:extLst>
+          </p:cNvPr>
+          <p:cNvSpPr/>
+          <p:nvPr/>
+        </p:nvSpPr>
+        <p:spPr>
+          <a:xfrm>
+            <a:off x="5875870" y="1570566"/>
+            <a:ext cx="1786467" cy="3716867"/>
+          </a:xfrm>
+          <a:prstGeom prst="roundRect">
+            <a:avLst/>
+          </a:prstGeom>
+        </p:spPr>
+        <p:style>
+          <a:lnRef idx="2">
+            <a:schemeClr val="accent1">
+              <a:shade val="50000"/>
+            </a:schemeClr>
+          </a:lnRef>
+          <a:fillRef idx="1">
+            <a:schemeClr val="accent1"/>
+          </a:fillRef>
+          <a:effectRef idx="0">
+            <a:schemeClr val="accent1"/>
+          </a:effectRef>
+          <a:fontRef idx="minor">
+            <a:schemeClr val="lt1"/>
+          </a:fontRef>
+        </p:style>
+        <p:txBody>
+          <a:bodyPr rtlCol="0" anchor="ctr"/>
+          <a:lstStyle/>
+          <a:p>
+            <a:pPr algn="ctr"/>
+            <a:endParaRPr lang="zh-TW" altLang="en-US"/>
+          </a:p>
+        </p:txBody>
+      </p:sp>
+      <p:sp>
+        <p:nvSpPr>
+          <p:cNvPr id="8" name="矩形 7">
+            <a:extLst>
+              <a:ext uri="{FF2B5EF4-FFF2-40B4-BE49-F238E27FC236}">
+                <a16:creationId xmlns:a16="http://schemas.microsoft.com/office/drawing/2014/main" id="{28866138-ED0B-4C43-8187-BBC5931C083C}"/>
+              </a:ext>
+            </a:extLst>
+          </p:cNvPr>
+          <p:cNvSpPr/>
+          <p:nvPr/>
+        </p:nvSpPr>
+        <p:spPr>
+          <a:xfrm rot="2108252">
+            <a:off x="6350004" y="2023533"/>
+            <a:ext cx="838200" cy="381000"/>
+          </a:xfrm>
+          <a:prstGeom prst="rect">
+            <a:avLst/>
+          </a:prstGeom>
+        </p:spPr>
+        <p:style>
+          <a:lnRef idx="2">
+            <a:schemeClr val="dk1">
+              <a:shade val="50000"/>
+            </a:schemeClr>
+          </a:lnRef>
+          <a:fillRef idx="1">
+            <a:schemeClr val="dk1"/>
+          </a:fillRef>
+          <a:effectRef idx="0">
+            <a:schemeClr val="dk1"/>
+          </a:effectRef>
+          <a:fontRef idx="minor">
+            <a:schemeClr val="lt1"/>
+          </a:fontRef>
+        </p:style>
+        <p:txBody>
+          <a:bodyPr rtlCol="0" anchor="ctr"/>
+          <a:lstStyle/>
+          <a:p>
+            <a:pPr algn="ctr"/>
+            <a:endParaRPr lang="zh-TW" altLang="en-US"/>
+          </a:p>
+        </p:txBody>
+      </p:sp>
+      <p:sp>
+        <p:nvSpPr>
+          <p:cNvPr id="9" name="矩形 8">
+            <a:extLst>
+              <a:ext uri="{FF2B5EF4-FFF2-40B4-BE49-F238E27FC236}">
+                <a16:creationId xmlns:a16="http://schemas.microsoft.com/office/drawing/2014/main" id="{3D423F01-8820-456C-B639-FA7347ADC17D}"/>
+              </a:ext>
+            </a:extLst>
+          </p:cNvPr>
+          <p:cNvSpPr/>
+          <p:nvPr/>
+        </p:nvSpPr>
+        <p:spPr>
+          <a:xfrm rot="19095215">
+            <a:off x="6350004" y="4453468"/>
+            <a:ext cx="838200" cy="381000"/>
+          </a:xfrm>
+          <a:prstGeom prst="rect">
+            <a:avLst/>
+          </a:prstGeom>
+        </p:spPr>
+        <p:style>
+          <a:lnRef idx="2">
+            <a:schemeClr val="dk1">
+              <a:shade val="50000"/>
+            </a:schemeClr>
+          </a:lnRef>
+          <a:fillRef idx="1">
+            <a:schemeClr val="dk1"/>
+          </a:fillRef>
+          <a:effectRef idx="0">
+            <a:schemeClr val="dk1"/>
+          </a:effectRef>
+          <a:fontRef idx="minor">
+            <a:schemeClr val="lt1"/>
+          </a:fontRef>
+        </p:style>
+        <p:txBody>
+          <a:bodyPr rtlCol="0" anchor="ctr"/>
+          <a:lstStyle/>
+          <a:p>
+            <a:pPr algn="ctr"/>
+            <a:endParaRPr lang="zh-TW" altLang="en-US"/>
+          </a:p>
+        </p:txBody>
+      </p:sp>
+      <p:cxnSp>
+        <p:nvCxnSpPr>
+          <p:cNvPr id="11" name="直線單箭頭接點 10">
+            <a:extLst>
+              <a:ext uri="{FF2B5EF4-FFF2-40B4-BE49-F238E27FC236}">
+                <a16:creationId xmlns:a16="http://schemas.microsoft.com/office/drawing/2014/main" id="{C25400D9-8208-4BF2-BA12-CB8A57F97C04}"/>
+              </a:ext>
+            </a:extLst>
+          </p:cNvPr>
+          <p:cNvCxnSpPr/>
+          <p:nvPr/>
+        </p:nvCxnSpPr>
+        <p:spPr>
+          <a:xfrm flipH="1">
+            <a:off x="1397000" y="3429000"/>
+            <a:ext cx="1896533" cy="0"/>
+          </a:xfrm>
+          <a:prstGeom prst="straightConnector1">
+            <a:avLst/>
+          </a:prstGeom>
+          <a:ln w="76200">
+            <a:solidFill>
+              <a:srgbClr val="FF0000"/>
+            </a:solidFill>
+            <a:tailEnd type="triangle"/>
+          </a:ln>
+        </p:spPr>
+        <p:style>
+          <a:lnRef idx="1">
+            <a:schemeClr val="accent1"/>
+          </a:lnRef>
+          <a:fillRef idx="0">
+            <a:schemeClr val="accent1"/>
+          </a:fillRef>
+          <a:effectRef idx="0">
+            <a:schemeClr val="accent1"/>
+          </a:effectRef>
+          <a:fontRef idx="minor">
+            <a:schemeClr val="tx1"/>
+          </a:fontRef>
+        </p:style>
+      </p:cxnSp>
+      <mc:AlternateContent xmlns:mc="http://schemas.openxmlformats.org/markup-compatibility/2006">
+        <mc:Choice xmlns:a14="http://schemas.microsoft.com/office/drawing/2010/main" Requires="a14">
+          <p:sp>
+            <p:nvSpPr>
+              <p:cNvPr id="12" name="文字方塊 11">
+                <a:extLst>
+                  <a:ext uri="{FF2B5EF4-FFF2-40B4-BE49-F238E27FC236}">
+                    <a16:creationId xmlns:a16="http://schemas.microsoft.com/office/drawing/2014/main" id="{5C57BD46-332A-45D2-B449-6FF4A409C090}"/>
+                  </a:ext>
+                </a:extLst>
+              </p:cNvPr>
+              <p:cNvSpPr txBox="1"/>
+              <p:nvPr/>
+            </p:nvSpPr>
+            <p:spPr>
+              <a:xfrm>
+                <a:off x="1058332" y="2861733"/>
+                <a:ext cx="1024467" cy="369332"/>
+              </a:xfrm>
+              <a:prstGeom prst="rect">
+                <a:avLst/>
+              </a:prstGeom>
+              <a:noFill/>
+            </p:spPr>
+            <p:txBody>
+              <a:bodyPr wrap="square" rtlCol="0">
+                <a:spAutoFit/>
+              </a:bodyPr>
+              <a:lstStyle/>
+              <a:p>
+                <a14:m>
+                  <m:oMathPara xmlns:m="http://schemas.openxmlformats.org/officeDocument/2006/math">
+                    <m:oMathParaPr>
+                      <m:jc m:val="centerGroup"/>
+                    </m:oMathParaPr>
+                    <m:oMath xmlns:m="http://schemas.openxmlformats.org/officeDocument/2006/math">
+                      <m:sSub>
+                        <m:sSubPr>
+                          <m:ctrlPr>
+                            <a:rPr lang="en-US" altLang="zh-TW" i="1" dirty="0" smtClean="0">
+                              <a:latin typeface="Cambria Math" panose="02040503050406030204" pitchFamily="18" charset="0"/>
+                            </a:rPr>
+                          </m:ctrlPr>
+                        </m:sSubPr>
+                        <m:e>
+                          <m:r>
+                            <a:rPr lang="en-US" altLang="zh-TW" i="1" dirty="0" smtClean="0">
+                              <a:latin typeface="Cambria Math" panose="02040503050406030204" pitchFamily="18" charset="0"/>
+                            </a:rPr>
+                            <m:t>𝑣</m:t>
+                          </m:r>
+                        </m:e>
+                        <m:sub>
+                          <m:r>
+                            <a:rPr lang="en-US" altLang="zh-TW" i="1" dirty="0" err="1" smtClean="0">
+                              <a:latin typeface="Cambria Math" panose="02040503050406030204" pitchFamily="18" charset="0"/>
+                            </a:rPr>
+                            <m:t>𝑥</m:t>
+                          </m:r>
+                        </m:sub>
+                      </m:sSub>
+                      <m:r>
+                        <a:rPr lang="en-US" altLang="zh-TW" i="1" dirty="0" smtClean="0">
+                          <a:latin typeface="Cambria Math" panose="02040503050406030204" pitchFamily="18" charset="0"/>
+                        </a:rPr>
+                        <m:t>=5</m:t>
+                      </m:r>
+                    </m:oMath>
+                  </m:oMathPara>
+                </a14:m>
+                <a:endParaRPr lang="zh-TW" altLang="en-US" dirty="0"/>
+              </a:p>
+            </p:txBody>
+          </p:sp>
+        </mc:Choice>
+        <mc:Fallback>
+          <p:sp>
+            <p:nvSpPr>
+              <p:cNvPr id="12" name="文字方塊 11">
+                <a:extLst>
+                  <a:ext uri="{FF2B5EF4-FFF2-40B4-BE49-F238E27FC236}">
+                    <a16:creationId xmlns:a16="http://schemas.microsoft.com/office/drawing/2014/main" id="{5C57BD46-332A-45D2-B449-6FF4A409C090}"/>
+                  </a:ext>
+                </a:extLst>
+              </p:cNvPr>
+              <p:cNvSpPr txBox="1">
+                <a:spLocks noRot="1" noChangeAspect="1" noMove="1" noResize="1" noEditPoints="1" noAdjustHandles="1" noChangeArrowheads="1" noChangeShapeType="1" noTextEdit="1"/>
+              </p:cNvSpPr>
+              <p:nvPr/>
+            </p:nvSpPr>
+            <p:spPr>
+              <a:xfrm>
+                <a:off x="1058332" y="2861733"/>
+                <a:ext cx="1024467" cy="369332"/>
+              </a:xfrm>
+              <a:prstGeom prst="rect">
+                <a:avLst/>
+              </a:prstGeom>
+              <a:blipFill>
+                <a:blip r:embed="rId2"/>
+                <a:stretch>
+                  <a:fillRect/>
+                </a:stretch>
+              </a:blipFill>
+            </p:spPr>
+            <p:txBody>
+              <a:bodyPr/>
+              <a:lstStyle/>
+              <a:p>
+                <a:r>
+                  <a:rPr lang="zh-TW" altLang="en-US">
+                    <a:noFill/>
+                  </a:rPr>
+                  <a:t> </a:t>
+                </a:r>
+              </a:p>
+            </p:txBody>
+          </p:sp>
+        </mc:Fallback>
+      </mc:AlternateContent>
+      <p:cxnSp>
+        <p:nvCxnSpPr>
+          <p:cNvPr id="13" name="直線單箭頭接點 12">
+            <a:extLst>
+              <a:ext uri="{FF2B5EF4-FFF2-40B4-BE49-F238E27FC236}">
+                <a16:creationId xmlns:a16="http://schemas.microsoft.com/office/drawing/2014/main" id="{B26248F9-3393-45EA-A6B7-7931568F34B5}"/>
+              </a:ext>
+            </a:extLst>
+          </p:cNvPr>
+          <p:cNvCxnSpPr/>
+          <p:nvPr/>
+        </p:nvCxnSpPr>
+        <p:spPr>
+          <a:xfrm flipH="1">
+            <a:off x="4910665" y="3429000"/>
+            <a:ext cx="1896533" cy="0"/>
+          </a:xfrm>
+          <a:prstGeom prst="straightConnector1">
+            <a:avLst/>
+          </a:prstGeom>
+          <a:ln w="76200">
+            <a:solidFill>
+              <a:srgbClr val="FF0000"/>
+            </a:solidFill>
+            <a:tailEnd type="triangle"/>
+          </a:ln>
+        </p:spPr>
+        <p:style>
+          <a:lnRef idx="1">
+            <a:schemeClr val="accent1"/>
+          </a:lnRef>
+          <a:fillRef idx="0">
+            <a:schemeClr val="accent1"/>
+          </a:fillRef>
+          <a:effectRef idx="0">
+            <a:schemeClr val="accent1"/>
+          </a:effectRef>
+          <a:fontRef idx="minor">
+            <a:schemeClr val="tx1"/>
+          </a:fontRef>
+        </p:style>
+      </p:cxnSp>
+      <mc:AlternateContent xmlns:mc="http://schemas.openxmlformats.org/markup-compatibility/2006">
+        <mc:Choice xmlns:a14="http://schemas.microsoft.com/office/drawing/2010/main" Requires="a14">
+          <p:sp>
+            <p:nvSpPr>
+              <p:cNvPr id="14" name="文字方塊 13">
+                <a:extLst>
+                  <a:ext uri="{FF2B5EF4-FFF2-40B4-BE49-F238E27FC236}">
+                    <a16:creationId xmlns:a16="http://schemas.microsoft.com/office/drawing/2014/main" id="{0E8834C2-F5DF-4ED9-8426-82161399DC5A}"/>
+                  </a:ext>
+                </a:extLst>
+              </p:cNvPr>
+              <p:cNvSpPr txBox="1"/>
+              <p:nvPr/>
+            </p:nvSpPr>
+            <p:spPr>
+              <a:xfrm>
+                <a:off x="4571997" y="2861733"/>
+                <a:ext cx="1024467" cy="369332"/>
+              </a:xfrm>
+              <a:prstGeom prst="rect">
+                <a:avLst/>
+              </a:prstGeom>
+              <a:noFill/>
+            </p:spPr>
+            <p:txBody>
+              <a:bodyPr wrap="square" rtlCol="0">
+                <a:spAutoFit/>
+              </a:bodyPr>
+              <a:lstStyle/>
+              <a:p>
+                <a14:m>
+                  <m:oMathPara xmlns:m="http://schemas.openxmlformats.org/officeDocument/2006/math">
+                    <m:oMathParaPr>
+                      <m:jc m:val="centerGroup"/>
+                    </m:oMathParaPr>
+                    <m:oMath xmlns:m="http://schemas.openxmlformats.org/officeDocument/2006/math">
+                      <m:sSub>
+                        <m:sSubPr>
+                          <m:ctrlPr>
+                            <a:rPr lang="en-US" altLang="zh-TW" i="1" dirty="0" smtClean="0">
+                              <a:latin typeface="Cambria Math" panose="02040503050406030204" pitchFamily="18" charset="0"/>
+                            </a:rPr>
+                          </m:ctrlPr>
+                        </m:sSubPr>
+                        <m:e>
+                          <m:r>
+                            <a:rPr lang="en-US" altLang="zh-TW" i="1" dirty="0" smtClean="0">
+                              <a:latin typeface="Cambria Math" panose="02040503050406030204" pitchFamily="18" charset="0"/>
+                            </a:rPr>
+                            <m:t>𝑣</m:t>
+                          </m:r>
+                        </m:e>
+                        <m:sub>
+                          <m:r>
+                            <a:rPr lang="en-US" altLang="zh-TW" i="1" dirty="0" err="1" smtClean="0">
+                              <a:latin typeface="Cambria Math" panose="02040503050406030204" pitchFamily="18" charset="0"/>
+                            </a:rPr>
+                            <m:t>𝑥</m:t>
+                          </m:r>
+                        </m:sub>
+                      </m:sSub>
+                      <m:r>
+                        <a:rPr lang="en-US" altLang="zh-TW" i="1" dirty="0" smtClean="0">
+                          <a:latin typeface="Cambria Math" panose="02040503050406030204" pitchFamily="18" charset="0"/>
+                        </a:rPr>
+                        <m:t>=5</m:t>
+                      </m:r>
+                    </m:oMath>
+                  </m:oMathPara>
+                </a14:m>
+                <a:endParaRPr lang="zh-TW" altLang="en-US" dirty="0"/>
+              </a:p>
+            </p:txBody>
+          </p:sp>
+        </mc:Choice>
+        <mc:Fallback>
+          <p:sp>
+            <p:nvSpPr>
+              <p:cNvPr id="14" name="文字方塊 13">
+                <a:extLst>
+                  <a:ext uri="{FF2B5EF4-FFF2-40B4-BE49-F238E27FC236}">
+                    <a16:creationId xmlns:a16="http://schemas.microsoft.com/office/drawing/2014/main" id="{0E8834C2-F5DF-4ED9-8426-82161399DC5A}"/>
+                  </a:ext>
+                </a:extLst>
+              </p:cNvPr>
+              <p:cNvSpPr txBox="1">
+                <a:spLocks noRot="1" noChangeAspect="1" noMove="1" noResize="1" noEditPoints="1" noAdjustHandles="1" noChangeArrowheads="1" noChangeShapeType="1" noTextEdit="1"/>
+              </p:cNvSpPr>
+              <p:nvPr/>
+            </p:nvSpPr>
+            <p:spPr>
+              <a:xfrm>
+                <a:off x="4571997" y="2861733"/>
+                <a:ext cx="1024467" cy="369332"/>
+              </a:xfrm>
+              <a:prstGeom prst="rect">
+                <a:avLst/>
+              </a:prstGeom>
+              <a:blipFill>
+                <a:blip r:embed="rId3"/>
+                <a:stretch>
+                  <a:fillRect/>
+                </a:stretch>
+              </a:blipFill>
+            </p:spPr>
+            <p:txBody>
+              <a:bodyPr/>
+              <a:lstStyle/>
+              <a:p>
+                <a:r>
+                  <a:rPr lang="zh-TW" altLang="en-US">
+                    <a:noFill/>
+                  </a:rPr>
+                  <a:t> </a:t>
+                </a:r>
+              </a:p>
+            </p:txBody>
+          </p:sp>
+        </mc:Fallback>
+      </mc:AlternateContent>
+      <p:cxnSp>
+        <p:nvCxnSpPr>
+          <p:cNvPr id="16" name="直線單箭頭接點 15">
+            <a:extLst>
+              <a:ext uri="{FF2B5EF4-FFF2-40B4-BE49-F238E27FC236}">
+                <a16:creationId xmlns:a16="http://schemas.microsoft.com/office/drawing/2014/main" id="{EE27BCF5-52A0-40C1-92A7-7422F7235C37}"/>
+              </a:ext>
+            </a:extLst>
+          </p:cNvPr>
+          <p:cNvCxnSpPr/>
+          <p:nvPr/>
+        </p:nvCxnSpPr>
+        <p:spPr>
+          <a:xfrm flipH="1">
+            <a:off x="1998133" y="2218267"/>
+            <a:ext cx="1295400" cy="0"/>
+          </a:xfrm>
+          <a:prstGeom prst="straightConnector1">
+            <a:avLst/>
+          </a:prstGeom>
+          <a:ln w="28575">
+            <a:solidFill>
+              <a:srgbClr val="FFC000"/>
+            </a:solidFill>
+            <a:tailEnd type="triangle"/>
+          </a:ln>
+        </p:spPr>
+        <p:style>
+          <a:lnRef idx="1">
+            <a:schemeClr val="accent1"/>
+          </a:lnRef>
+          <a:fillRef idx="0">
+            <a:schemeClr val="accent1"/>
+          </a:fillRef>
+          <a:effectRef idx="0">
+            <a:schemeClr val="accent1"/>
+          </a:effectRef>
+          <a:fontRef idx="minor">
+            <a:schemeClr val="tx1"/>
+          </a:fontRef>
+        </p:style>
+      </p:cxnSp>
+      <mc:AlternateContent xmlns:mc="http://schemas.openxmlformats.org/markup-compatibility/2006">
+        <mc:Choice xmlns:a14="http://schemas.microsoft.com/office/drawing/2010/main" Requires="a14">
+          <p:sp>
+            <p:nvSpPr>
+              <p:cNvPr id="17" name="文字方塊 16">
+                <a:extLst>
+                  <a:ext uri="{FF2B5EF4-FFF2-40B4-BE49-F238E27FC236}">
+                    <a16:creationId xmlns:a16="http://schemas.microsoft.com/office/drawing/2014/main" id="{938273AC-7870-4D99-98BE-2627DD3ABB65}"/>
+                  </a:ext>
+                </a:extLst>
+              </p:cNvPr>
+              <p:cNvSpPr txBox="1"/>
+              <p:nvPr/>
+            </p:nvSpPr>
+            <p:spPr>
+              <a:xfrm>
+                <a:off x="1507067" y="1837266"/>
+                <a:ext cx="838199" cy="391582"/>
+              </a:xfrm>
+              <a:prstGeom prst="rect">
+                <a:avLst/>
+              </a:prstGeom>
+              <a:noFill/>
+            </p:spPr>
+            <p:txBody>
+              <a:bodyPr wrap="square" rtlCol="0">
+                <a:spAutoFit/>
+              </a:bodyPr>
+              <a:lstStyle/>
+              <a:p>
+                <a14:m>
+                  <m:oMathPara xmlns:m="http://schemas.openxmlformats.org/officeDocument/2006/math">
+                    <m:oMathParaPr>
+                      <m:jc m:val="centerGroup"/>
+                    </m:oMathParaPr>
+                    <m:oMath xmlns:m="http://schemas.openxmlformats.org/officeDocument/2006/math">
+                      <m:sSub>
+                        <m:sSubPr>
+                          <m:ctrlPr>
+                            <a:rPr lang="en-US" altLang="zh-TW" i="1" dirty="0" smtClean="0">
+                              <a:latin typeface="Cambria Math" panose="02040503050406030204" pitchFamily="18" charset="0"/>
+                            </a:rPr>
+                          </m:ctrlPr>
+                        </m:sSubPr>
+                        <m:e>
+                          <m:r>
+                            <a:rPr lang="en-US" altLang="zh-TW" i="1" dirty="0" smtClean="0">
+                              <a:latin typeface="Cambria Math" panose="02040503050406030204" pitchFamily="18" charset="0"/>
+                            </a:rPr>
+                            <m:t>𝑣</m:t>
+                          </m:r>
+                        </m:e>
+                        <m:sub>
+                          <m:r>
+                            <a:rPr lang="en-US" altLang="zh-TW" i="1" dirty="0" err="1" smtClean="0">
+                              <a:latin typeface="Cambria Math" panose="02040503050406030204" pitchFamily="18" charset="0"/>
+                            </a:rPr>
+                            <m:t>𝑓</m:t>
+                          </m:r>
+                        </m:sub>
+                      </m:sSub>
+                      <m:r>
+                        <a:rPr lang="en-US" altLang="zh-TW" i="1" dirty="0" smtClean="0">
+                          <a:latin typeface="Cambria Math" panose="02040503050406030204" pitchFamily="18" charset="0"/>
+                        </a:rPr>
+                        <m:t>=5</m:t>
+                      </m:r>
+                    </m:oMath>
+                  </m:oMathPara>
+                </a14:m>
+                <a:endParaRPr lang="zh-TW" altLang="en-US" dirty="0"/>
+              </a:p>
+            </p:txBody>
+          </p:sp>
+        </mc:Choice>
+        <mc:Fallback>
+          <p:sp>
+            <p:nvSpPr>
+              <p:cNvPr id="17" name="文字方塊 16">
+                <a:extLst>
+                  <a:ext uri="{FF2B5EF4-FFF2-40B4-BE49-F238E27FC236}">
+                    <a16:creationId xmlns:a16="http://schemas.microsoft.com/office/drawing/2014/main" id="{938273AC-7870-4D99-98BE-2627DD3ABB65}"/>
+                  </a:ext>
+                </a:extLst>
+              </p:cNvPr>
+              <p:cNvSpPr txBox="1">
+                <a:spLocks noRot="1" noChangeAspect="1" noMove="1" noResize="1" noEditPoints="1" noAdjustHandles="1" noChangeArrowheads="1" noChangeShapeType="1" noTextEdit="1"/>
+              </p:cNvSpPr>
+              <p:nvPr/>
+            </p:nvSpPr>
+            <p:spPr>
+              <a:xfrm>
+                <a:off x="1507067" y="1837266"/>
+                <a:ext cx="838199" cy="391582"/>
+              </a:xfrm>
+              <a:prstGeom prst="rect">
+                <a:avLst/>
+              </a:prstGeom>
+              <a:blipFill>
+                <a:blip r:embed="rId4"/>
+                <a:stretch>
+                  <a:fillRect b="-9231"/>
+                </a:stretch>
+              </a:blipFill>
+            </p:spPr>
+            <p:txBody>
+              <a:bodyPr/>
+              <a:lstStyle/>
+              <a:p>
+                <a:r>
+                  <a:rPr lang="zh-TW" altLang="en-US">
+                    <a:noFill/>
+                  </a:rPr>
+                  <a:t> </a:t>
+                </a:r>
+              </a:p>
+            </p:txBody>
+          </p:sp>
+        </mc:Fallback>
+      </mc:AlternateContent>
+      <p:cxnSp>
+        <p:nvCxnSpPr>
+          <p:cNvPr id="18" name="直線單箭頭接點 17">
+            <a:extLst>
+              <a:ext uri="{FF2B5EF4-FFF2-40B4-BE49-F238E27FC236}">
+                <a16:creationId xmlns:a16="http://schemas.microsoft.com/office/drawing/2014/main" id="{C6C3DFDB-1F76-4EB5-9CD1-AB3200B37606}"/>
+              </a:ext>
+            </a:extLst>
+          </p:cNvPr>
+          <p:cNvCxnSpPr/>
+          <p:nvPr/>
+        </p:nvCxnSpPr>
+        <p:spPr>
+          <a:xfrm flipH="1">
+            <a:off x="1998133" y="4657699"/>
+            <a:ext cx="1295400" cy="0"/>
+          </a:xfrm>
+          <a:prstGeom prst="straightConnector1">
+            <a:avLst/>
+          </a:prstGeom>
+          <a:ln w="28575">
+            <a:solidFill>
+              <a:srgbClr val="FFC000"/>
+            </a:solidFill>
+            <a:tailEnd type="triangle"/>
+          </a:ln>
+        </p:spPr>
+        <p:style>
+          <a:lnRef idx="1">
+            <a:schemeClr val="accent1"/>
+          </a:lnRef>
+          <a:fillRef idx="0">
+            <a:schemeClr val="accent1"/>
+          </a:fillRef>
+          <a:effectRef idx="0">
+            <a:schemeClr val="accent1"/>
+          </a:effectRef>
+          <a:fontRef idx="minor">
+            <a:schemeClr val="tx1"/>
+          </a:fontRef>
+        </p:style>
+      </p:cxnSp>
+      <mc:AlternateContent xmlns:mc="http://schemas.openxmlformats.org/markup-compatibility/2006">
+        <mc:Choice xmlns:a14="http://schemas.microsoft.com/office/drawing/2010/main" Requires="a14">
+          <p:sp>
+            <p:nvSpPr>
+              <p:cNvPr id="19" name="文字方塊 18">
+                <a:extLst>
+                  <a:ext uri="{FF2B5EF4-FFF2-40B4-BE49-F238E27FC236}">
+                    <a16:creationId xmlns:a16="http://schemas.microsoft.com/office/drawing/2014/main" id="{9B68491C-1D83-4C4F-93CB-BC916CCBF1D2}"/>
+                  </a:ext>
+                </a:extLst>
+              </p:cNvPr>
+              <p:cNvSpPr txBox="1"/>
+              <p:nvPr/>
+            </p:nvSpPr>
+            <p:spPr>
+              <a:xfrm>
+                <a:off x="1507067" y="4276698"/>
+                <a:ext cx="838199" cy="369332"/>
+              </a:xfrm>
+              <a:prstGeom prst="rect">
+                <a:avLst/>
+              </a:prstGeom>
+              <a:noFill/>
+            </p:spPr>
+            <p:txBody>
+              <a:bodyPr wrap="square" rtlCol="0">
+                <a:spAutoFit/>
+              </a:bodyPr>
+              <a:lstStyle/>
+              <a:p>
+                <a14:m>
+                  <m:oMathPara xmlns:m="http://schemas.openxmlformats.org/officeDocument/2006/math">
+                    <m:oMathParaPr>
+                      <m:jc m:val="centerGroup"/>
+                    </m:oMathParaPr>
+                    <m:oMath xmlns:m="http://schemas.openxmlformats.org/officeDocument/2006/math">
+                      <m:sSub>
+                        <m:sSubPr>
+                          <m:ctrlPr>
+                            <a:rPr lang="en-US" altLang="zh-TW" i="1" dirty="0" smtClean="0">
+                              <a:latin typeface="Cambria Math" panose="02040503050406030204" pitchFamily="18" charset="0"/>
+                            </a:rPr>
+                          </m:ctrlPr>
+                        </m:sSubPr>
+                        <m:e>
+                          <m:r>
+                            <a:rPr lang="en-US" altLang="zh-TW" i="1" dirty="0" smtClean="0">
+                              <a:latin typeface="Cambria Math" panose="02040503050406030204" pitchFamily="18" charset="0"/>
+                            </a:rPr>
+                            <m:t>𝑣</m:t>
+                          </m:r>
+                        </m:e>
+                        <m:sub>
+                          <m:r>
+                            <a:rPr lang="en-US" altLang="zh-TW" b="0" i="1" dirty="0" smtClean="0">
+                              <a:latin typeface="Cambria Math" panose="02040503050406030204" pitchFamily="18" charset="0"/>
+                            </a:rPr>
+                            <m:t>𝑟</m:t>
+                          </m:r>
+                        </m:sub>
+                      </m:sSub>
+                      <m:r>
+                        <a:rPr lang="en-US" altLang="zh-TW" i="1" dirty="0" smtClean="0">
+                          <a:latin typeface="Cambria Math" panose="02040503050406030204" pitchFamily="18" charset="0"/>
+                        </a:rPr>
+                        <m:t>=5</m:t>
+                      </m:r>
+                    </m:oMath>
+                  </m:oMathPara>
+                </a14:m>
+                <a:endParaRPr lang="zh-TW" altLang="en-US" dirty="0"/>
+              </a:p>
+            </p:txBody>
+          </p:sp>
+        </mc:Choice>
+        <mc:Fallback>
+          <p:sp>
+            <p:nvSpPr>
+              <p:cNvPr id="19" name="文字方塊 18">
+                <a:extLst>
+                  <a:ext uri="{FF2B5EF4-FFF2-40B4-BE49-F238E27FC236}">
+                    <a16:creationId xmlns:a16="http://schemas.microsoft.com/office/drawing/2014/main" id="{9B68491C-1D83-4C4F-93CB-BC916CCBF1D2}"/>
+                  </a:ext>
+                </a:extLst>
+              </p:cNvPr>
+              <p:cNvSpPr txBox="1">
+                <a:spLocks noRot="1" noChangeAspect="1" noMove="1" noResize="1" noEditPoints="1" noAdjustHandles="1" noChangeArrowheads="1" noChangeShapeType="1" noTextEdit="1"/>
+              </p:cNvSpPr>
+              <p:nvPr/>
+            </p:nvSpPr>
+            <p:spPr>
+              <a:xfrm>
+                <a:off x="1507067" y="4276698"/>
+                <a:ext cx="838199" cy="369332"/>
+              </a:xfrm>
+              <a:prstGeom prst="rect">
+                <a:avLst/>
+              </a:prstGeom>
+              <a:blipFill>
+                <a:blip r:embed="rId5"/>
+                <a:stretch>
+                  <a:fillRect/>
+                </a:stretch>
+              </a:blipFill>
+            </p:spPr>
+            <p:txBody>
+              <a:bodyPr/>
+              <a:lstStyle/>
+              <a:p>
+                <a:r>
+                  <a:rPr lang="zh-TW" altLang="en-US">
+                    <a:noFill/>
+                  </a:rPr>
+                  <a:t> </a:t>
+                </a:r>
+              </a:p>
+            </p:txBody>
+          </p:sp>
+        </mc:Fallback>
+      </mc:AlternateContent>
+      <p:cxnSp>
+        <p:nvCxnSpPr>
+          <p:cNvPr id="21" name="直線單箭頭接點 20">
+            <a:extLst>
+              <a:ext uri="{FF2B5EF4-FFF2-40B4-BE49-F238E27FC236}">
+                <a16:creationId xmlns:a16="http://schemas.microsoft.com/office/drawing/2014/main" id="{C041B92E-0A95-4BE0-BD3E-3DA03FF3E597}"/>
+              </a:ext>
+            </a:extLst>
+          </p:cNvPr>
+          <p:cNvCxnSpPr>
+            <a:cxnSpLocks/>
+          </p:cNvCxnSpPr>
+          <p:nvPr/>
+        </p:nvCxnSpPr>
+        <p:spPr>
+          <a:xfrm flipH="1" flipV="1">
+            <a:off x="5422898" y="1287812"/>
+            <a:ext cx="1316570" cy="930455"/>
+          </a:xfrm>
+          <a:prstGeom prst="straightConnector1">
+            <a:avLst/>
+          </a:prstGeom>
+          <a:ln w="28575">
+            <a:solidFill>
+              <a:srgbClr val="FFC000"/>
+            </a:solidFill>
+            <a:tailEnd type="triangle"/>
+          </a:ln>
+        </p:spPr>
+        <p:style>
+          <a:lnRef idx="1">
+            <a:schemeClr val="accent1"/>
+          </a:lnRef>
+          <a:fillRef idx="0">
+            <a:schemeClr val="accent1"/>
+          </a:fillRef>
+          <a:effectRef idx="0">
+            <a:schemeClr val="accent1"/>
+          </a:effectRef>
+          <a:fontRef idx="minor">
+            <a:schemeClr val="tx1"/>
+          </a:fontRef>
+        </p:style>
+      </p:cxnSp>
+      <mc:AlternateContent xmlns:mc="http://schemas.openxmlformats.org/markup-compatibility/2006">
+        <mc:Choice xmlns:a14="http://schemas.microsoft.com/office/drawing/2010/main" Requires="a14">
+          <p:sp>
+            <p:nvSpPr>
+              <p:cNvPr id="23" name="文字方塊 22">
+                <a:extLst>
+                  <a:ext uri="{FF2B5EF4-FFF2-40B4-BE49-F238E27FC236}">
+                    <a16:creationId xmlns:a16="http://schemas.microsoft.com/office/drawing/2014/main" id="{B4397D81-D471-49D0-A9D2-72A22DFBF121}"/>
+                  </a:ext>
+                </a:extLst>
+              </p:cNvPr>
+              <p:cNvSpPr txBox="1"/>
+              <p:nvPr/>
+            </p:nvSpPr>
+            <p:spPr>
+              <a:xfrm>
+                <a:off x="4823888" y="1338509"/>
+                <a:ext cx="838199" cy="391582"/>
+              </a:xfrm>
+              <a:prstGeom prst="rect">
+                <a:avLst/>
+              </a:prstGeom>
+              <a:noFill/>
+            </p:spPr>
+            <p:txBody>
+              <a:bodyPr wrap="square" rtlCol="0">
+                <a:spAutoFit/>
+              </a:bodyPr>
+              <a:lstStyle/>
+              <a:p>
+                <a14:m>
+                  <m:oMathPara xmlns:m="http://schemas.openxmlformats.org/officeDocument/2006/math">
+                    <m:oMathParaPr>
+                      <m:jc m:val="centerGroup"/>
+                    </m:oMathParaPr>
+                    <m:oMath xmlns:m="http://schemas.openxmlformats.org/officeDocument/2006/math">
+                      <m:sSub>
+                        <m:sSubPr>
+                          <m:ctrlPr>
+                            <a:rPr lang="en-US" altLang="zh-TW" i="1" dirty="0" smtClean="0">
+                              <a:latin typeface="Cambria Math" panose="02040503050406030204" pitchFamily="18" charset="0"/>
+                            </a:rPr>
+                          </m:ctrlPr>
+                        </m:sSubPr>
+                        <m:e>
+                          <m:r>
+                            <a:rPr lang="en-US" altLang="zh-TW" i="1" dirty="0" smtClean="0">
+                              <a:latin typeface="Cambria Math" panose="02040503050406030204" pitchFamily="18" charset="0"/>
+                            </a:rPr>
+                            <m:t>𝑣</m:t>
+                          </m:r>
+                        </m:e>
+                        <m:sub>
+                          <m:r>
+                            <a:rPr lang="en-US" altLang="zh-TW" i="1" dirty="0" err="1" smtClean="0">
+                              <a:latin typeface="Cambria Math" panose="02040503050406030204" pitchFamily="18" charset="0"/>
+                            </a:rPr>
+                            <m:t>𝑓</m:t>
+                          </m:r>
+                        </m:sub>
+                      </m:sSub>
+                      <m:r>
+                        <a:rPr lang="en-US" altLang="zh-TW" i="1" dirty="0" smtClean="0">
+                          <a:latin typeface="Cambria Math" panose="02040503050406030204" pitchFamily="18" charset="0"/>
+                        </a:rPr>
+                        <m:t>=</m:t>
+                      </m:r>
+                      <m:r>
+                        <a:rPr lang="en-US" altLang="zh-TW" b="0" i="1" dirty="0" smtClean="0">
+                          <a:latin typeface="Cambria Math" panose="02040503050406030204" pitchFamily="18" charset="0"/>
+                        </a:rPr>
+                        <m:t>7</m:t>
+                      </m:r>
+                    </m:oMath>
+                  </m:oMathPara>
+                </a14:m>
+                <a:endParaRPr lang="zh-TW" altLang="en-US" dirty="0"/>
+              </a:p>
+            </p:txBody>
+          </p:sp>
+        </mc:Choice>
+        <mc:Fallback>
+          <p:sp>
+            <p:nvSpPr>
+              <p:cNvPr id="23" name="文字方塊 22">
+                <a:extLst>
+                  <a:ext uri="{FF2B5EF4-FFF2-40B4-BE49-F238E27FC236}">
+                    <a16:creationId xmlns:a16="http://schemas.microsoft.com/office/drawing/2014/main" id="{B4397D81-D471-49D0-A9D2-72A22DFBF121}"/>
+                  </a:ext>
+                </a:extLst>
+              </p:cNvPr>
+              <p:cNvSpPr txBox="1">
+                <a:spLocks noRot="1" noChangeAspect="1" noMove="1" noResize="1" noEditPoints="1" noAdjustHandles="1" noChangeArrowheads="1" noChangeShapeType="1" noTextEdit="1"/>
+              </p:cNvSpPr>
+              <p:nvPr/>
+            </p:nvSpPr>
+            <p:spPr>
+              <a:xfrm>
+                <a:off x="4823888" y="1338509"/>
+                <a:ext cx="838199" cy="391582"/>
+              </a:xfrm>
+              <a:prstGeom prst="rect">
+                <a:avLst/>
+              </a:prstGeom>
+              <a:blipFill>
+                <a:blip r:embed="rId6"/>
+                <a:stretch>
+                  <a:fillRect b="-9375"/>
+                </a:stretch>
+              </a:blipFill>
+            </p:spPr>
+            <p:txBody>
+              <a:bodyPr/>
+              <a:lstStyle/>
+              <a:p>
+                <a:r>
+                  <a:rPr lang="zh-TW" altLang="en-US">
+                    <a:noFill/>
+                  </a:rPr>
+                  <a:t> </a:t>
+                </a:r>
+              </a:p>
+            </p:txBody>
+          </p:sp>
+        </mc:Fallback>
+      </mc:AlternateContent>
+      <p:cxnSp>
+        <p:nvCxnSpPr>
+          <p:cNvPr id="24" name="直線單箭頭接點 23">
+            <a:extLst>
+              <a:ext uri="{FF2B5EF4-FFF2-40B4-BE49-F238E27FC236}">
+                <a16:creationId xmlns:a16="http://schemas.microsoft.com/office/drawing/2014/main" id="{504CFBC8-7BF7-40AE-A367-AA00AFD94663}"/>
+              </a:ext>
+            </a:extLst>
+          </p:cNvPr>
+          <p:cNvCxnSpPr>
+            <a:cxnSpLocks/>
+          </p:cNvCxnSpPr>
+          <p:nvPr/>
+        </p:nvCxnSpPr>
+        <p:spPr>
+          <a:xfrm flipH="1">
+            <a:off x="5689600" y="4657699"/>
+            <a:ext cx="1096435" cy="912488"/>
+          </a:xfrm>
+          <a:prstGeom prst="straightConnector1">
+            <a:avLst/>
+          </a:prstGeom>
+          <a:ln w="28575">
+            <a:solidFill>
+              <a:srgbClr val="FFC000"/>
+            </a:solidFill>
+            <a:tailEnd type="triangle"/>
+          </a:ln>
+        </p:spPr>
+        <p:style>
+          <a:lnRef idx="1">
+            <a:schemeClr val="accent1"/>
+          </a:lnRef>
+          <a:fillRef idx="0">
+            <a:schemeClr val="accent1"/>
+          </a:fillRef>
+          <a:effectRef idx="0">
+            <a:schemeClr val="accent1"/>
+          </a:effectRef>
+          <a:fontRef idx="minor">
+            <a:schemeClr val="tx1"/>
+          </a:fontRef>
+        </p:style>
+      </p:cxnSp>
+      <mc:AlternateContent xmlns:mc="http://schemas.openxmlformats.org/markup-compatibility/2006">
+        <mc:Choice xmlns:a14="http://schemas.microsoft.com/office/drawing/2010/main" Requires="a14">
+          <p:sp>
+            <p:nvSpPr>
+              <p:cNvPr id="26" name="文字方塊 25">
+                <a:extLst>
+                  <a:ext uri="{FF2B5EF4-FFF2-40B4-BE49-F238E27FC236}">
+                    <a16:creationId xmlns:a16="http://schemas.microsoft.com/office/drawing/2014/main" id="{F007A3EC-8D6E-415C-92F4-B20D847379F4}"/>
+                  </a:ext>
+                </a:extLst>
+              </p:cNvPr>
+              <p:cNvSpPr txBox="1"/>
+              <p:nvPr/>
+            </p:nvSpPr>
+            <p:spPr>
+              <a:xfrm>
+                <a:off x="4859869" y="5102767"/>
+                <a:ext cx="838199" cy="369332"/>
+              </a:xfrm>
+              <a:prstGeom prst="rect">
+                <a:avLst/>
+              </a:prstGeom>
+              <a:noFill/>
+            </p:spPr>
+            <p:txBody>
+              <a:bodyPr wrap="square" rtlCol="0">
+                <a:spAutoFit/>
+              </a:bodyPr>
+              <a:lstStyle/>
+              <a:p>
+                <a14:m>
+                  <m:oMathPara xmlns:m="http://schemas.openxmlformats.org/officeDocument/2006/math">
+                    <m:oMathParaPr>
+                      <m:jc m:val="centerGroup"/>
+                    </m:oMathParaPr>
+                    <m:oMath xmlns:m="http://schemas.openxmlformats.org/officeDocument/2006/math">
+                      <m:sSub>
+                        <m:sSubPr>
+                          <m:ctrlPr>
+                            <a:rPr lang="en-US" altLang="zh-TW" i="1" dirty="0" smtClean="0">
+                              <a:latin typeface="Cambria Math" panose="02040503050406030204" pitchFamily="18" charset="0"/>
+                            </a:rPr>
+                          </m:ctrlPr>
+                        </m:sSubPr>
+                        <m:e>
+                          <m:r>
+                            <a:rPr lang="en-US" altLang="zh-TW" i="1" dirty="0" smtClean="0">
+                              <a:latin typeface="Cambria Math" panose="02040503050406030204" pitchFamily="18" charset="0"/>
+                            </a:rPr>
+                            <m:t>𝑣</m:t>
+                          </m:r>
+                        </m:e>
+                        <m:sub>
+                          <m:r>
+                            <a:rPr lang="en-US" altLang="zh-TW" b="0" i="1" dirty="0" smtClean="0">
+                              <a:latin typeface="Cambria Math" panose="02040503050406030204" pitchFamily="18" charset="0"/>
+                            </a:rPr>
+                            <m:t>𝑟</m:t>
+                          </m:r>
+                        </m:sub>
+                      </m:sSub>
+                      <m:r>
+                        <a:rPr lang="en-US" altLang="zh-TW" i="1" dirty="0" smtClean="0">
+                          <a:latin typeface="Cambria Math" panose="02040503050406030204" pitchFamily="18" charset="0"/>
+                        </a:rPr>
+                        <m:t>=</m:t>
+                      </m:r>
+                      <m:r>
+                        <a:rPr lang="en-US" altLang="zh-TW" b="0" i="1" dirty="0" smtClean="0">
+                          <a:latin typeface="Cambria Math" panose="02040503050406030204" pitchFamily="18" charset="0"/>
+                        </a:rPr>
+                        <m:t>7</m:t>
+                      </m:r>
+                    </m:oMath>
+                  </m:oMathPara>
+                </a14:m>
+                <a:endParaRPr lang="zh-TW" altLang="en-US" dirty="0"/>
+              </a:p>
+            </p:txBody>
+          </p:sp>
+        </mc:Choice>
+        <mc:Fallback>
+          <p:sp>
+            <p:nvSpPr>
+              <p:cNvPr id="26" name="文字方塊 25">
+                <a:extLst>
+                  <a:ext uri="{FF2B5EF4-FFF2-40B4-BE49-F238E27FC236}">
+                    <a16:creationId xmlns:a16="http://schemas.microsoft.com/office/drawing/2014/main" id="{F007A3EC-8D6E-415C-92F4-B20D847379F4}"/>
+                  </a:ext>
+                </a:extLst>
+              </p:cNvPr>
+              <p:cNvSpPr txBox="1">
+                <a:spLocks noRot="1" noChangeAspect="1" noMove="1" noResize="1" noEditPoints="1" noAdjustHandles="1" noChangeArrowheads="1" noChangeShapeType="1" noTextEdit="1"/>
+              </p:cNvSpPr>
+              <p:nvPr/>
+            </p:nvSpPr>
+            <p:spPr>
+              <a:xfrm>
+                <a:off x="4859869" y="5102767"/>
+                <a:ext cx="838199" cy="369332"/>
+              </a:xfrm>
+              <a:prstGeom prst="rect">
+                <a:avLst/>
+              </a:prstGeom>
+              <a:blipFill>
+                <a:blip r:embed="rId7"/>
+                <a:stretch>
+                  <a:fillRect/>
+                </a:stretch>
+              </a:blipFill>
+            </p:spPr>
+            <p:txBody>
+              <a:bodyPr/>
+              <a:lstStyle/>
+              <a:p>
+                <a:r>
+                  <a:rPr lang="zh-TW" altLang="en-US">
+                    <a:noFill/>
+                  </a:rPr>
+                  <a:t> </a:t>
+                </a:r>
+              </a:p>
+            </p:txBody>
+          </p:sp>
+        </mc:Fallback>
+      </mc:AlternateContent>
+      <p:cxnSp>
+        <p:nvCxnSpPr>
+          <p:cNvPr id="28" name="直線單箭頭接點 27">
+            <a:extLst>
+              <a:ext uri="{FF2B5EF4-FFF2-40B4-BE49-F238E27FC236}">
+                <a16:creationId xmlns:a16="http://schemas.microsoft.com/office/drawing/2014/main" id="{5BD7CC2C-6B6E-4EA4-A7CD-3BB004610EFD}"/>
+              </a:ext>
+            </a:extLst>
+          </p:cNvPr>
+          <p:cNvCxnSpPr>
+            <a:cxnSpLocks/>
+          </p:cNvCxnSpPr>
+          <p:nvPr/>
+        </p:nvCxnSpPr>
+        <p:spPr>
+          <a:xfrm flipV="1">
+            <a:off x="6769103" y="1261533"/>
+            <a:ext cx="0" cy="855134"/>
+          </a:xfrm>
+          <a:prstGeom prst="straightConnector1">
+            <a:avLst/>
+          </a:prstGeom>
+          <a:ln w="19050">
+            <a:solidFill>
+              <a:srgbClr val="00B0F0"/>
+            </a:solidFill>
+            <a:tailEnd type="triangle"/>
+          </a:ln>
+        </p:spPr>
+        <p:style>
+          <a:lnRef idx="1">
+            <a:schemeClr val="accent1"/>
+          </a:lnRef>
+          <a:fillRef idx="0">
+            <a:schemeClr val="accent1"/>
+          </a:fillRef>
+          <a:effectRef idx="0">
+            <a:schemeClr val="accent1"/>
+          </a:effectRef>
+          <a:fontRef idx="minor">
+            <a:schemeClr val="tx1"/>
+          </a:fontRef>
+        </p:style>
+      </p:cxnSp>
+      <p:cxnSp>
+        <p:nvCxnSpPr>
+          <p:cNvPr id="29" name="直線單箭頭接點 28">
+            <a:extLst>
+              <a:ext uri="{FF2B5EF4-FFF2-40B4-BE49-F238E27FC236}">
+                <a16:creationId xmlns:a16="http://schemas.microsoft.com/office/drawing/2014/main" id="{C28E3D47-A0F7-41DF-9ABA-4488CA899567}"/>
+              </a:ext>
+            </a:extLst>
+          </p:cNvPr>
+          <p:cNvCxnSpPr>
+            <a:cxnSpLocks/>
+          </p:cNvCxnSpPr>
+          <p:nvPr/>
+        </p:nvCxnSpPr>
+        <p:spPr>
+          <a:xfrm>
+            <a:off x="6828368" y="4637590"/>
+            <a:ext cx="0" cy="955116"/>
+          </a:xfrm>
+          <a:prstGeom prst="straightConnector1">
+            <a:avLst/>
+          </a:prstGeom>
+          <a:ln w="19050">
+            <a:solidFill>
+              <a:srgbClr val="00B0F0"/>
+            </a:solidFill>
+            <a:tailEnd type="triangle"/>
+          </a:ln>
+        </p:spPr>
+        <p:style>
+          <a:lnRef idx="1">
+            <a:schemeClr val="accent1"/>
+          </a:lnRef>
+          <a:fillRef idx="0">
+            <a:schemeClr val="accent1"/>
+          </a:fillRef>
+          <a:effectRef idx="0">
+            <a:schemeClr val="accent1"/>
+          </a:effectRef>
+          <a:fontRef idx="minor">
+            <a:schemeClr val="tx1"/>
+          </a:fontRef>
+        </p:style>
+      </p:cxnSp>
+      <p:sp>
+        <p:nvSpPr>
+          <p:cNvPr id="38" name="文字方塊 37">
+            <a:extLst>
+              <a:ext uri="{FF2B5EF4-FFF2-40B4-BE49-F238E27FC236}">
+                <a16:creationId xmlns:a16="http://schemas.microsoft.com/office/drawing/2014/main" id="{D9207D85-4C9C-4B6E-AF29-E3AE93FDEACB}"/>
+              </a:ext>
+            </a:extLst>
+          </p:cNvPr>
+          <p:cNvSpPr txBox="1"/>
+          <p:nvPr/>
+        </p:nvSpPr>
+        <p:spPr>
+          <a:xfrm>
+            <a:off x="2285998" y="914453"/>
+            <a:ext cx="1955800" cy="369332"/>
+          </a:xfrm>
+          <a:prstGeom prst="rect">
+            <a:avLst/>
+          </a:prstGeom>
+          <a:noFill/>
+        </p:spPr>
+        <p:txBody>
+          <a:bodyPr wrap="square" rtlCol="0">
+            <a:spAutoFit/>
+          </a:bodyPr>
+          <a:lstStyle/>
+          <a:p>
+            <a:r>
+              <a:rPr lang="en-US" altLang="zh-TW" dirty="0"/>
+              <a:t>Without null space </a:t>
+            </a:r>
+            <a:endParaRPr lang="zh-TW" altLang="en-US" dirty="0"/>
+          </a:p>
+        </p:txBody>
+      </p:sp>
+      <p:sp>
+        <p:nvSpPr>
+          <p:cNvPr id="39" name="文字方塊 38">
+            <a:extLst>
+              <a:ext uri="{FF2B5EF4-FFF2-40B4-BE49-F238E27FC236}">
+                <a16:creationId xmlns:a16="http://schemas.microsoft.com/office/drawing/2014/main" id="{4D2434FF-C854-45CD-9959-B0B3C2480C75}"/>
+              </a:ext>
+            </a:extLst>
+          </p:cNvPr>
+          <p:cNvSpPr txBox="1"/>
+          <p:nvPr/>
+        </p:nvSpPr>
+        <p:spPr>
+          <a:xfrm>
+            <a:off x="5858931" y="771594"/>
+            <a:ext cx="1955800" cy="369332"/>
+          </a:xfrm>
+          <a:prstGeom prst="rect">
+            <a:avLst/>
+          </a:prstGeom>
+          <a:noFill/>
+        </p:spPr>
+        <p:txBody>
+          <a:bodyPr wrap="square" rtlCol="0">
+            <a:spAutoFit/>
+          </a:bodyPr>
+          <a:lstStyle/>
+          <a:p>
+            <a:r>
+              <a:rPr lang="en-US" altLang="zh-TW" dirty="0"/>
+              <a:t>With null space </a:t>
+            </a:r>
+            <a:endParaRPr lang="zh-TW" altLang="en-US" dirty="0"/>
+          </a:p>
+        </p:txBody>
+      </p:sp>
+    </p:spTree>
+    <p:extLst>
+      <p:ext uri="{BB962C8B-B14F-4D97-AF65-F5344CB8AC3E}">
+        <p14:creationId xmlns:p14="http://schemas.microsoft.com/office/powerpoint/2010/main" val="1487133173"/>
       </p:ext>
     </p:extLst>
   </p:cSld>

--- a/path_planing/VO_code_try/robot_properties3.pptx
+++ b/path_planing/VO_code_try/robot_properties3.pptx
@@ -14,6 +14,7 @@
     <p:sldId id="262" r:id="rId8"/>
     <p:sldId id="263" r:id="rId9"/>
     <p:sldId id="264" r:id="rId10"/>
+    <p:sldId id="265" r:id="rId11"/>
   </p:sldIdLst>
   <p:sldSz cx="12192000" cy="6858000"/>
   <p:notesSz cx="6858000" cy="9144000"/>
@@ -267,7 +268,7 @@
           <a:p>
             <a:fld id="{9CD1F5AD-FE1B-4540-B598-52220A64164D}" type="datetimeFigureOut">
               <a:rPr lang="zh-TW" altLang="en-US" smtClean="0"/>
-              <a:t>2024/6/27</a:t>
+              <a:t>2024/7/9</a:t>
             </a:fld>
             <a:endParaRPr lang="zh-TW" altLang="en-US"/>
           </a:p>
@@ -465,7 +466,7 @@
           <a:p>
             <a:fld id="{9CD1F5AD-FE1B-4540-B598-52220A64164D}" type="datetimeFigureOut">
               <a:rPr lang="zh-TW" altLang="en-US" smtClean="0"/>
-              <a:t>2024/6/27</a:t>
+              <a:t>2024/7/9</a:t>
             </a:fld>
             <a:endParaRPr lang="zh-TW" altLang="en-US"/>
           </a:p>
@@ -673,7 +674,7 @@
           <a:p>
             <a:fld id="{9CD1F5AD-FE1B-4540-B598-52220A64164D}" type="datetimeFigureOut">
               <a:rPr lang="zh-TW" altLang="en-US" smtClean="0"/>
-              <a:t>2024/6/27</a:t>
+              <a:t>2024/7/9</a:t>
             </a:fld>
             <a:endParaRPr lang="zh-TW" altLang="en-US"/>
           </a:p>
@@ -871,7 +872,7 @@
           <a:p>
             <a:fld id="{9CD1F5AD-FE1B-4540-B598-52220A64164D}" type="datetimeFigureOut">
               <a:rPr lang="zh-TW" altLang="en-US" smtClean="0"/>
-              <a:t>2024/6/27</a:t>
+              <a:t>2024/7/9</a:t>
             </a:fld>
             <a:endParaRPr lang="zh-TW" altLang="en-US"/>
           </a:p>
@@ -1146,7 +1147,7 @@
           <a:p>
             <a:fld id="{9CD1F5AD-FE1B-4540-B598-52220A64164D}" type="datetimeFigureOut">
               <a:rPr lang="zh-TW" altLang="en-US" smtClean="0"/>
-              <a:t>2024/6/27</a:t>
+              <a:t>2024/7/9</a:t>
             </a:fld>
             <a:endParaRPr lang="zh-TW" altLang="en-US"/>
           </a:p>
@@ -1411,7 +1412,7 @@
           <a:p>
             <a:fld id="{9CD1F5AD-FE1B-4540-B598-52220A64164D}" type="datetimeFigureOut">
               <a:rPr lang="zh-TW" altLang="en-US" smtClean="0"/>
-              <a:t>2024/6/27</a:t>
+              <a:t>2024/7/9</a:t>
             </a:fld>
             <a:endParaRPr lang="zh-TW" altLang="en-US"/>
           </a:p>
@@ -1823,7 +1824,7 @@
           <a:p>
             <a:fld id="{9CD1F5AD-FE1B-4540-B598-52220A64164D}" type="datetimeFigureOut">
               <a:rPr lang="zh-TW" altLang="en-US" smtClean="0"/>
-              <a:t>2024/6/27</a:t>
+              <a:t>2024/7/9</a:t>
             </a:fld>
             <a:endParaRPr lang="zh-TW" altLang="en-US"/>
           </a:p>
@@ -1964,7 +1965,7 @@
           <a:p>
             <a:fld id="{9CD1F5AD-FE1B-4540-B598-52220A64164D}" type="datetimeFigureOut">
               <a:rPr lang="zh-TW" altLang="en-US" smtClean="0"/>
-              <a:t>2024/6/27</a:t>
+              <a:t>2024/7/9</a:t>
             </a:fld>
             <a:endParaRPr lang="zh-TW" altLang="en-US"/>
           </a:p>
@@ -2077,7 +2078,7 @@
           <a:p>
             <a:fld id="{9CD1F5AD-FE1B-4540-B598-52220A64164D}" type="datetimeFigureOut">
               <a:rPr lang="zh-TW" altLang="en-US" smtClean="0"/>
-              <a:t>2024/6/27</a:t>
+              <a:t>2024/7/9</a:t>
             </a:fld>
             <a:endParaRPr lang="zh-TW" altLang="en-US"/>
           </a:p>
@@ -2388,7 +2389,7 @@
           <a:p>
             <a:fld id="{9CD1F5AD-FE1B-4540-B598-52220A64164D}" type="datetimeFigureOut">
               <a:rPr lang="zh-TW" altLang="en-US" smtClean="0"/>
-              <a:t>2024/6/27</a:t>
+              <a:t>2024/7/9</a:t>
             </a:fld>
             <a:endParaRPr lang="zh-TW" altLang="en-US"/>
           </a:p>
@@ -2676,7 +2677,7 @@
           <a:p>
             <a:fld id="{9CD1F5AD-FE1B-4540-B598-52220A64164D}" type="datetimeFigureOut">
               <a:rPr lang="zh-TW" altLang="en-US" smtClean="0"/>
-              <a:t>2024/6/27</a:t>
+              <a:t>2024/7/9</a:t>
             </a:fld>
             <a:endParaRPr lang="zh-TW" altLang="en-US"/>
           </a:p>
@@ -2917,7 +2918,7 @@
           <a:p>
             <a:fld id="{9CD1F5AD-FE1B-4540-B598-52220A64164D}" type="datetimeFigureOut">
               <a:rPr lang="zh-TW" altLang="en-US" smtClean="0"/>
-              <a:t>2024/6/27</a:t>
+              <a:t>2024/7/9</a:t>
             </a:fld>
             <a:endParaRPr lang="zh-TW" altLang="en-US"/>
           </a:p>
@@ -3626,6 +3627,2066 @@
     <p:extLst>
       <p:ext uri="{BB962C8B-B14F-4D97-AF65-F5344CB8AC3E}">
         <p14:creationId xmlns:p14="http://schemas.microsoft.com/office/powerpoint/2010/main" val="2197143566"/>
+      </p:ext>
+    </p:extLst>
+  </p:cSld>
+  <p:clrMapOvr>
+    <a:masterClrMapping/>
+  </p:clrMapOvr>
+</p:sld>
+</file>
+
+<file path=ppt/slides/slide10.xml><?xml version="1.0" encoding="utf-8"?>
+<p:sld xmlns:a="http://schemas.openxmlformats.org/drawingml/2006/main" xmlns:r="http://schemas.openxmlformats.org/officeDocument/2006/relationships" xmlns:p="http://schemas.openxmlformats.org/presentationml/2006/main">
+  <p:cSld>
+    <p:spTree>
+      <p:nvGrpSpPr>
+        <p:cNvPr id="1" name=""/>
+        <p:cNvGrpSpPr/>
+        <p:nvPr/>
+      </p:nvGrpSpPr>
+      <p:grpSpPr>
+        <a:xfrm>
+          <a:off x="0" y="0"/>
+          <a:ext cx="0" cy="0"/>
+          <a:chOff x="0" y="0"/>
+          <a:chExt cx="0" cy="0"/>
+        </a:xfrm>
+      </p:grpSpPr>
+      <p:grpSp>
+        <p:nvGrpSpPr>
+          <p:cNvPr id="52" name="群組 51">
+            <a:extLst>
+              <a:ext uri="{FF2B5EF4-FFF2-40B4-BE49-F238E27FC236}">
+                <a16:creationId xmlns:a16="http://schemas.microsoft.com/office/drawing/2014/main" id="{EB12228F-03CE-447B-82D5-23BDE5EAE8C1}"/>
+              </a:ext>
+            </a:extLst>
+          </p:cNvPr>
+          <p:cNvGrpSpPr/>
+          <p:nvPr/>
+        </p:nvGrpSpPr>
+        <p:grpSpPr>
+          <a:xfrm>
+            <a:off x="630975" y="1117600"/>
+            <a:ext cx="4846202" cy="4030133"/>
+            <a:chOff x="1816309" y="1100667"/>
+            <a:chExt cx="4846202" cy="4030133"/>
+          </a:xfrm>
+        </p:grpSpPr>
+        <p:sp>
+          <p:nvSpPr>
+            <p:cNvPr id="4" name="手繪多邊形: 圖案 3">
+              <a:extLst>
+                <a:ext uri="{FF2B5EF4-FFF2-40B4-BE49-F238E27FC236}">
+                  <a16:creationId xmlns:a16="http://schemas.microsoft.com/office/drawing/2014/main" id="{DA9CE2D7-7D06-4DFB-8DCD-70863E423ECB}"/>
+                </a:ext>
+              </a:extLst>
+            </p:cNvPr>
+            <p:cNvSpPr/>
+            <p:nvPr/>
+          </p:nvSpPr>
+          <p:spPr>
+            <a:xfrm>
+              <a:off x="2074334" y="1168400"/>
+              <a:ext cx="2165076" cy="3903134"/>
+            </a:xfrm>
+            <a:custGeom>
+              <a:avLst/>
+              <a:gdLst>
+                <a:gd name="connsiteX0" fmla="*/ 0 w 2165076"/>
+                <a:gd name="connsiteY0" fmla="*/ 0 h 3903134"/>
+                <a:gd name="connsiteX1" fmla="*/ 2091266 w 2165076"/>
+                <a:gd name="connsiteY1" fmla="*/ 1176867 h 3903134"/>
+                <a:gd name="connsiteX2" fmla="*/ 1676400 w 2165076"/>
+                <a:gd name="connsiteY2" fmla="*/ 3903134 h 3903134"/>
+              </a:gdLst>
+              <a:ahLst/>
+              <a:cxnLst>
+                <a:cxn ang="0">
+                  <a:pos x="connsiteX0" y="connsiteY0"/>
+                </a:cxn>
+                <a:cxn ang="0">
+                  <a:pos x="connsiteX1" y="connsiteY1"/>
+                </a:cxn>
+                <a:cxn ang="0">
+                  <a:pos x="connsiteX2" y="connsiteY2"/>
+                </a:cxn>
+              </a:cxnLst>
+              <a:rect l="l" t="t" r="r" b="b"/>
+              <a:pathLst>
+                <a:path w="2165076" h="3903134">
+                  <a:moveTo>
+                    <a:pt x="0" y="0"/>
+                  </a:moveTo>
+                  <a:cubicBezTo>
+                    <a:pt x="905933" y="263172"/>
+                    <a:pt x="1811866" y="526345"/>
+                    <a:pt x="2091266" y="1176867"/>
+                  </a:cubicBezTo>
+                  <a:cubicBezTo>
+                    <a:pt x="2370666" y="1827389"/>
+                    <a:pt x="1773767" y="3402189"/>
+                    <a:pt x="1676400" y="3903134"/>
+                  </a:cubicBezTo>
+                </a:path>
+              </a:pathLst>
+            </a:custGeom>
+            <a:noFill/>
+            <a:ln w="57150">
+              <a:solidFill>
+                <a:srgbClr val="FF0000"/>
+              </a:solidFill>
+              <a:prstDash val="sysDot"/>
+            </a:ln>
+          </p:spPr>
+          <p:style>
+            <a:lnRef idx="2">
+              <a:schemeClr val="accent1">
+                <a:shade val="50000"/>
+              </a:schemeClr>
+            </a:lnRef>
+            <a:fillRef idx="1">
+              <a:schemeClr val="accent1"/>
+            </a:fillRef>
+            <a:effectRef idx="0">
+              <a:schemeClr val="accent1"/>
+            </a:effectRef>
+            <a:fontRef idx="minor">
+              <a:schemeClr val="lt1"/>
+            </a:fontRef>
+          </p:style>
+          <p:txBody>
+            <a:bodyPr rtlCol="0" anchor="ctr"/>
+            <a:lstStyle/>
+            <a:p>
+              <a:pPr algn="ctr"/>
+              <a:endParaRPr lang="zh-TW" altLang="en-US"/>
+            </a:p>
+          </p:txBody>
+        </p:sp>
+        <p:sp>
+          <p:nvSpPr>
+            <p:cNvPr id="6" name="手繪多邊形: 圖案 5">
+              <a:extLst>
+                <a:ext uri="{FF2B5EF4-FFF2-40B4-BE49-F238E27FC236}">
+                  <a16:creationId xmlns:a16="http://schemas.microsoft.com/office/drawing/2014/main" id="{49B27B43-CCBA-43AE-B5F1-B8343C44296F}"/>
+                </a:ext>
+              </a:extLst>
+            </p:cNvPr>
+            <p:cNvSpPr/>
+            <p:nvPr/>
+          </p:nvSpPr>
+          <p:spPr>
+            <a:xfrm>
+              <a:off x="2159000" y="1159933"/>
+              <a:ext cx="2423101" cy="3970867"/>
+            </a:xfrm>
+            <a:custGeom>
+              <a:avLst/>
+              <a:gdLst>
+                <a:gd name="connsiteX0" fmla="*/ 1634067 w 2423101"/>
+                <a:gd name="connsiteY0" fmla="*/ 3970867 h 3970867"/>
+                <a:gd name="connsiteX1" fmla="*/ 2345267 w 2423101"/>
+                <a:gd name="connsiteY1" fmla="*/ 1193800 h 3970867"/>
+                <a:gd name="connsiteX2" fmla="*/ 0 w 2423101"/>
+                <a:gd name="connsiteY2" fmla="*/ 0 h 3970867"/>
+              </a:gdLst>
+              <a:ahLst/>
+              <a:cxnLst>
+                <a:cxn ang="0">
+                  <a:pos x="connsiteX0" y="connsiteY0"/>
+                </a:cxn>
+                <a:cxn ang="0">
+                  <a:pos x="connsiteX1" y="connsiteY1"/>
+                </a:cxn>
+                <a:cxn ang="0">
+                  <a:pos x="connsiteX2" y="connsiteY2"/>
+                </a:cxn>
+              </a:cxnLst>
+              <a:rect l="l" t="t" r="r" b="b"/>
+              <a:pathLst>
+                <a:path w="2423101" h="3970867">
+                  <a:moveTo>
+                    <a:pt x="1634067" y="3970867"/>
+                  </a:moveTo>
+                  <a:cubicBezTo>
+                    <a:pt x="2125839" y="2913239"/>
+                    <a:pt x="2617612" y="1855611"/>
+                    <a:pt x="2345267" y="1193800"/>
+                  </a:cubicBezTo>
+                  <a:cubicBezTo>
+                    <a:pt x="2072923" y="531989"/>
+                    <a:pt x="1036461" y="265994"/>
+                    <a:pt x="0" y="0"/>
+                  </a:cubicBezTo>
+                </a:path>
+              </a:pathLst>
+            </a:custGeom>
+            <a:noFill/>
+            <a:ln w="38100">
+              <a:solidFill>
+                <a:schemeClr val="tx2">
+                  <a:lumMod val="75000"/>
+                </a:schemeClr>
+              </a:solidFill>
+            </a:ln>
+          </p:spPr>
+          <p:style>
+            <a:lnRef idx="2">
+              <a:schemeClr val="accent1">
+                <a:shade val="50000"/>
+              </a:schemeClr>
+            </a:lnRef>
+            <a:fillRef idx="1">
+              <a:schemeClr val="accent1"/>
+            </a:fillRef>
+            <a:effectRef idx="0">
+              <a:schemeClr val="accent1"/>
+            </a:effectRef>
+            <a:fontRef idx="minor">
+              <a:schemeClr val="lt1"/>
+            </a:fontRef>
+          </p:style>
+          <p:txBody>
+            <a:bodyPr rtlCol="0" anchor="ctr"/>
+            <a:lstStyle/>
+            <a:p>
+              <a:pPr algn="ctr"/>
+              <a:endParaRPr lang="zh-TW" altLang="en-US"/>
+            </a:p>
+          </p:txBody>
+        </p:sp>
+        <p:cxnSp>
+          <p:nvCxnSpPr>
+            <p:cNvPr id="8" name="直線單箭頭接點 7">
+              <a:extLst>
+                <a:ext uri="{FF2B5EF4-FFF2-40B4-BE49-F238E27FC236}">
+                  <a16:creationId xmlns:a16="http://schemas.microsoft.com/office/drawing/2014/main" id="{A55B1D96-000D-4ED2-9CAD-161BB510B622}"/>
+                </a:ext>
+              </a:extLst>
+            </p:cNvPr>
+            <p:cNvCxnSpPr>
+              <a:cxnSpLocks/>
+              <a:stCxn id="4" idx="2"/>
+            </p:cNvCxnSpPr>
+            <p:nvPr/>
+          </p:nvCxnSpPr>
+          <p:spPr>
+            <a:xfrm flipV="1">
+              <a:off x="3750734" y="4622800"/>
+              <a:ext cx="160866" cy="448734"/>
+            </a:xfrm>
+            <a:prstGeom prst="straightConnector1">
+              <a:avLst/>
+            </a:prstGeom>
+            <a:ln w="38100">
+              <a:solidFill>
+                <a:srgbClr val="FFC000"/>
+              </a:solidFill>
+              <a:tailEnd type="triangle"/>
+            </a:ln>
+          </p:spPr>
+          <p:style>
+            <a:lnRef idx="1">
+              <a:schemeClr val="accent1"/>
+            </a:lnRef>
+            <a:fillRef idx="0">
+              <a:schemeClr val="accent1"/>
+            </a:fillRef>
+            <a:effectRef idx="0">
+              <a:schemeClr val="accent1"/>
+            </a:effectRef>
+            <a:fontRef idx="minor">
+              <a:schemeClr val="tx1"/>
+            </a:fontRef>
+          </p:style>
+        </p:cxnSp>
+        <p:cxnSp>
+          <p:nvCxnSpPr>
+            <p:cNvPr id="12" name="直線單箭頭接點 11">
+              <a:extLst>
+                <a:ext uri="{FF2B5EF4-FFF2-40B4-BE49-F238E27FC236}">
+                  <a16:creationId xmlns:a16="http://schemas.microsoft.com/office/drawing/2014/main" id="{D0B418F4-03F2-457F-9064-1C407B2CCCE4}"/>
+                </a:ext>
+              </a:extLst>
+            </p:cNvPr>
+            <p:cNvCxnSpPr>
+              <a:cxnSpLocks/>
+            </p:cNvCxnSpPr>
+            <p:nvPr/>
+          </p:nvCxnSpPr>
+          <p:spPr>
+            <a:xfrm flipV="1">
+              <a:off x="3928533" y="3996267"/>
+              <a:ext cx="160866" cy="431800"/>
+            </a:xfrm>
+            <a:prstGeom prst="straightConnector1">
+              <a:avLst/>
+            </a:prstGeom>
+            <a:ln w="38100">
+              <a:solidFill>
+                <a:srgbClr val="FFC000"/>
+              </a:solidFill>
+              <a:tailEnd type="triangle"/>
+            </a:ln>
+          </p:spPr>
+          <p:style>
+            <a:lnRef idx="1">
+              <a:schemeClr val="accent1"/>
+            </a:lnRef>
+            <a:fillRef idx="0">
+              <a:schemeClr val="accent1"/>
+            </a:fillRef>
+            <a:effectRef idx="0">
+              <a:schemeClr val="accent1"/>
+            </a:effectRef>
+            <a:fontRef idx="minor">
+              <a:schemeClr val="tx1"/>
+            </a:fontRef>
+          </p:style>
+        </p:cxnSp>
+        <p:cxnSp>
+          <p:nvCxnSpPr>
+            <p:cNvPr id="15" name="直線單箭頭接點 14">
+              <a:extLst>
+                <a:ext uri="{FF2B5EF4-FFF2-40B4-BE49-F238E27FC236}">
+                  <a16:creationId xmlns:a16="http://schemas.microsoft.com/office/drawing/2014/main" id="{428F97AB-E78D-459C-AF53-16D62139CB95}"/>
+                </a:ext>
+              </a:extLst>
+            </p:cNvPr>
+            <p:cNvCxnSpPr/>
+            <p:nvPr/>
+          </p:nvCxnSpPr>
+          <p:spPr>
+            <a:xfrm flipV="1">
+              <a:off x="4080933" y="3327400"/>
+              <a:ext cx="158477" cy="533400"/>
+            </a:xfrm>
+            <a:prstGeom prst="straightConnector1">
+              <a:avLst/>
+            </a:prstGeom>
+            <a:ln w="38100">
+              <a:solidFill>
+                <a:srgbClr val="FFC000"/>
+              </a:solidFill>
+              <a:tailEnd type="triangle"/>
+            </a:ln>
+          </p:spPr>
+          <p:style>
+            <a:lnRef idx="1">
+              <a:schemeClr val="accent1"/>
+            </a:lnRef>
+            <a:fillRef idx="0">
+              <a:schemeClr val="accent1"/>
+            </a:fillRef>
+            <a:effectRef idx="0">
+              <a:schemeClr val="accent1"/>
+            </a:effectRef>
+            <a:fontRef idx="minor">
+              <a:schemeClr val="tx1"/>
+            </a:fontRef>
+          </p:style>
+        </p:cxnSp>
+        <p:cxnSp>
+          <p:nvCxnSpPr>
+            <p:cNvPr id="17" name="直線單箭頭接點 16">
+              <a:extLst>
+                <a:ext uri="{FF2B5EF4-FFF2-40B4-BE49-F238E27FC236}">
+                  <a16:creationId xmlns:a16="http://schemas.microsoft.com/office/drawing/2014/main" id="{F2427471-D58E-4CE2-AF3B-01CB4A54F03D}"/>
+                </a:ext>
+              </a:extLst>
+            </p:cNvPr>
+            <p:cNvCxnSpPr/>
+            <p:nvPr/>
+          </p:nvCxnSpPr>
+          <p:spPr>
+            <a:xfrm flipV="1">
+              <a:off x="4239410" y="2692400"/>
+              <a:ext cx="84666" cy="533400"/>
+            </a:xfrm>
+            <a:prstGeom prst="straightConnector1">
+              <a:avLst/>
+            </a:prstGeom>
+            <a:ln w="38100">
+              <a:solidFill>
+                <a:srgbClr val="FFC000"/>
+              </a:solidFill>
+              <a:tailEnd type="triangle"/>
+            </a:ln>
+          </p:spPr>
+          <p:style>
+            <a:lnRef idx="1">
+              <a:schemeClr val="accent1"/>
+            </a:lnRef>
+            <a:fillRef idx="0">
+              <a:schemeClr val="accent1"/>
+            </a:fillRef>
+            <a:effectRef idx="0">
+              <a:schemeClr val="accent1"/>
+            </a:effectRef>
+            <a:fontRef idx="minor">
+              <a:schemeClr val="tx1"/>
+            </a:fontRef>
+          </p:style>
+        </p:cxnSp>
+        <p:cxnSp>
+          <p:nvCxnSpPr>
+            <p:cNvPr id="19" name="直線單箭頭接點 18">
+              <a:extLst>
+                <a:ext uri="{FF2B5EF4-FFF2-40B4-BE49-F238E27FC236}">
+                  <a16:creationId xmlns:a16="http://schemas.microsoft.com/office/drawing/2014/main" id="{5711AA5C-A274-451B-A196-7781EB19F083}"/>
+                </a:ext>
+              </a:extLst>
+            </p:cNvPr>
+            <p:cNvCxnSpPr/>
+            <p:nvPr/>
+          </p:nvCxnSpPr>
+          <p:spPr>
+            <a:xfrm flipH="1" flipV="1">
+              <a:off x="4089399" y="2015067"/>
+              <a:ext cx="150011" cy="567266"/>
+            </a:xfrm>
+            <a:prstGeom prst="straightConnector1">
+              <a:avLst/>
+            </a:prstGeom>
+            <a:ln w="38100">
+              <a:solidFill>
+                <a:srgbClr val="FFC000"/>
+              </a:solidFill>
+              <a:tailEnd type="triangle"/>
+            </a:ln>
+          </p:spPr>
+          <p:style>
+            <a:lnRef idx="1">
+              <a:schemeClr val="accent1"/>
+            </a:lnRef>
+            <a:fillRef idx="0">
+              <a:schemeClr val="accent1"/>
+            </a:fillRef>
+            <a:effectRef idx="0">
+              <a:schemeClr val="accent1"/>
+            </a:effectRef>
+            <a:fontRef idx="minor">
+              <a:schemeClr val="tx1"/>
+            </a:fontRef>
+          </p:style>
+        </p:cxnSp>
+        <p:cxnSp>
+          <p:nvCxnSpPr>
+            <p:cNvPr id="21" name="直線單箭頭接點 20">
+              <a:extLst>
+                <a:ext uri="{FF2B5EF4-FFF2-40B4-BE49-F238E27FC236}">
+                  <a16:creationId xmlns:a16="http://schemas.microsoft.com/office/drawing/2014/main" id="{F4875AF0-BA13-4AA0-BC58-0FAEE1BE7AF7}"/>
+                </a:ext>
+              </a:extLst>
+            </p:cNvPr>
+            <p:cNvCxnSpPr/>
+            <p:nvPr/>
+          </p:nvCxnSpPr>
+          <p:spPr>
+            <a:xfrm flipH="1" flipV="1">
+              <a:off x="3623733" y="1718733"/>
+              <a:ext cx="304800" cy="330200"/>
+            </a:xfrm>
+            <a:prstGeom prst="straightConnector1">
+              <a:avLst/>
+            </a:prstGeom>
+            <a:ln w="38100">
+              <a:solidFill>
+                <a:srgbClr val="FFC000"/>
+              </a:solidFill>
+              <a:tailEnd type="triangle"/>
+            </a:ln>
+          </p:spPr>
+          <p:style>
+            <a:lnRef idx="1">
+              <a:schemeClr val="accent1"/>
+            </a:lnRef>
+            <a:fillRef idx="0">
+              <a:schemeClr val="accent1"/>
+            </a:fillRef>
+            <a:effectRef idx="0">
+              <a:schemeClr val="accent1"/>
+            </a:effectRef>
+            <a:fontRef idx="minor">
+              <a:schemeClr val="tx1"/>
+            </a:fontRef>
+          </p:style>
+        </p:cxnSp>
+        <p:cxnSp>
+          <p:nvCxnSpPr>
+            <p:cNvPr id="23" name="直線單箭頭接點 22">
+              <a:extLst>
+                <a:ext uri="{FF2B5EF4-FFF2-40B4-BE49-F238E27FC236}">
+                  <a16:creationId xmlns:a16="http://schemas.microsoft.com/office/drawing/2014/main" id="{79426770-17F9-4646-B712-6E0709E7B7C4}"/>
+                </a:ext>
+              </a:extLst>
+            </p:cNvPr>
+            <p:cNvCxnSpPr/>
+            <p:nvPr/>
+          </p:nvCxnSpPr>
+          <p:spPr>
+            <a:xfrm flipH="1" flipV="1">
+              <a:off x="3166533" y="1481667"/>
+              <a:ext cx="355600" cy="220133"/>
+            </a:xfrm>
+            <a:prstGeom prst="straightConnector1">
+              <a:avLst/>
+            </a:prstGeom>
+            <a:ln w="38100">
+              <a:solidFill>
+                <a:srgbClr val="FFC000"/>
+              </a:solidFill>
+              <a:tailEnd type="triangle"/>
+            </a:ln>
+          </p:spPr>
+          <p:style>
+            <a:lnRef idx="1">
+              <a:schemeClr val="accent1"/>
+            </a:lnRef>
+            <a:fillRef idx="0">
+              <a:schemeClr val="accent1"/>
+            </a:fillRef>
+            <a:effectRef idx="0">
+              <a:schemeClr val="accent1"/>
+            </a:effectRef>
+            <a:fontRef idx="minor">
+              <a:schemeClr val="tx1"/>
+            </a:fontRef>
+          </p:style>
+        </p:cxnSp>
+        <p:cxnSp>
+          <p:nvCxnSpPr>
+            <p:cNvPr id="25" name="直線單箭頭接點 24">
+              <a:extLst>
+                <a:ext uri="{FF2B5EF4-FFF2-40B4-BE49-F238E27FC236}">
+                  <a16:creationId xmlns:a16="http://schemas.microsoft.com/office/drawing/2014/main" id="{3266B24E-38E0-4F44-AF17-9FE7F00F533E}"/>
+                </a:ext>
+              </a:extLst>
+            </p:cNvPr>
+            <p:cNvCxnSpPr/>
+            <p:nvPr/>
+          </p:nvCxnSpPr>
+          <p:spPr>
+            <a:xfrm flipH="1" flipV="1">
+              <a:off x="2565400" y="1312333"/>
+              <a:ext cx="406400" cy="152400"/>
+            </a:xfrm>
+            <a:prstGeom prst="straightConnector1">
+              <a:avLst/>
+            </a:prstGeom>
+            <a:ln w="38100">
+              <a:solidFill>
+                <a:srgbClr val="FFC000"/>
+              </a:solidFill>
+              <a:tailEnd type="triangle"/>
+            </a:ln>
+          </p:spPr>
+          <p:style>
+            <a:lnRef idx="1">
+              <a:schemeClr val="accent1"/>
+            </a:lnRef>
+            <a:fillRef idx="0">
+              <a:schemeClr val="accent1"/>
+            </a:fillRef>
+            <a:effectRef idx="0">
+              <a:schemeClr val="accent1"/>
+            </a:effectRef>
+            <a:fontRef idx="minor">
+              <a:schemeClr val="tx1"/>
+            </a:fontRef>
+          </p:style>
+        </p:cxnSp>
+        <p:cxnSp>
+          <p:nvCxnSpPr>
+            <p:cNvPr id="27" name="直線單箭頭接點 26">
+              <a:extLst>
+                <a:ext uri="{FF2B5EF4-FFF2-40B4-BE49-F238E27FC236}">
+                  <a16:creationId xmlns:a16="http://schemas.microsoft.com/office/drawing/2014/main" id="{C46FDF3A-7C98-4518-ADF5-40D84AC904C2}"/>
+                </a:ext>
+              </a:extLst>
+            </p:cNvPr>
+            <p:cNvCxnSpPr/>
+            <p:nvPr/>
+          </p:nvCxnSpPr>
+          <p:spPr>
+            <a:xfrm flipH="1" flipV="1">
+              <a:off x="1816309" y="1100667"/>
+              <a:ext cx="622091" cy="160866"/>
+            </a:xfrm>
+            <a:prstGeom prst="straightConnector1">
+              <a:avLst/>
+            </a:prstGeom>
+            <a:ln w="38100">
+              <a:solidFill>
+                <a:srgbClr val="FFC000"/>
+              </a:solidFill>
+              <a:tailEnd type="triangle"/>
+            </a:ln>
+          </p:spPr>
+          <p:style>
+            <a:lnRef idx="1">
+              <a:schemeClr val="accent1"/>
+            </a:lnRef>
+            <a:fillRef idx="0">
+              <a:schemeClr val="accent1"/>
+            </a:fillRef>
+            <a:effectRef idx="0">
+              <a:schemeClr val="accent1"/>
+            </a:effectRef>
+            <a:fontRef idx="minor">
+              <a:schemeClr val="tx1"/>
+            </a:fontRef>
+          </p:style>
+        </p:cxnSp>
+        <p:cxnSp>
+          <p:nvCxnSpPr>
+            <p:cNvPr id="29" name="直線單箭頭接點 28">
+              <a:extLst>
+                <a:ext uri="{FF2B5EF4-FFF2-40B4-BE49-F238E27FC236}">
+                  <a16:creationId xmlns:a16="http://schemas.microsoft.com/office/drawing/2014/main" id="{840A1CA9-286B-4BF6-A80C-BD7F854EC56E}"/>
+                </a:ext>
+              </a:extLst>
+            </p:cNvPr>
+            <p:cNvCxnSpPr/>
+            <p:nvPr/>
+          </p:nvCxnSpPr>
+          <p:spPr>
+            <a:xfrm flipV="1">
+              <a:off x="3838437" y="4631267"/>
+              <a:ext cx="237067" cy="448734"/>
+            </a:xfrm>
+            <a:prstGeom prst="straightConnector1">
+              <a:avLst/>
+            </a:prstGeom>
+            <a:ln w="38100">
+              <a:solidFill>
+                <a:srgbClr val="92D050"/>
+              </a:solidFill>
+              <a:tailEnd type="triangle"/>
+            </a:ln>
+          </p:spPr>
+          <p:style>
+            <a:lnRef idx="1">
+              <a:schemeClr val="accent1"/>
+            </a:lnRef>
+            <a:fillRef idx="0">
+              <a:schemeClr val="accent1"/>
+            </a:fillRef>
+            <a:effectRef idx="0">
+              <a:schemeClr val="accent1"/>
+            </a:effectRef>
+            <a:fontRef idx="minor">
+              <a:schemeClr val="tx1"/>
+            </a:fontRef>
+          </p:style>
+        </p:cxnSp>
+        <p:cxnSp>
+          <p:nvCxnSpPr>
+            <p:cNvPr id="31" name="直線單箭頭接點 30">
+              <a:extLst>
+                <a:ext uri="{FF2B5EF4-FFF2-40B4-BE49-F238E27FC236}">
+                  <a16:creationId xmlns:a16="http://schemas.microsoft.com/office/drawing/2014/main" id="{A36A386E-1BF8-4030-9D9D-8B5C1BFB618C}"/>
+                </a:ext>
+              </a:extLst>
+            </p:cNvPr>
+            <p:cNvCxnSpPr/>
+            <p:nvPr/>
+          </p:nvCxnSpPr>
+          <p:spPr>
+            <a:xfrm flipV="1">
+              <a:off x="4089399" y="4106333"/>
+              <a:ext cx="192344" cy="381000"/>
+            </a:xfrm>
+            <a:prstGeom prst="straightConnector1">
+              <a:avLst/>
+            </a:prstGeom>
+            <a:ln w="38100">
+              <a:solidFill>
+                <a:srgbClr val="92D050"/>
+              </a:solidFill>
+              <a:tailEnd type="triangle"/>
+            </a:ln>
+          </p:spPr>
+          <p:style>
+            <a:lnRef idx="1">
+              <a:schemeClr val="accent1"/>
+            </a:lnRef>
+            <a:fillRef idx="0">
+              <a:schemeClr val="accent1"/>
+            </a:fillRef>
+            <a:effectRef idx="0">
+              <a:schemeClr val="accent1"/>
+            </a:effectRef>
+            <a:fontRef idx="minor">
+              <a:schemeClr val="tx1"/>
+            </a:fontRef>
+          </p:style>
+        </p:cxnSp>
+        <p:cxnSp>
+          <p:nvCxnSpPr>
+            <p:cNvPr id="33" name="直線單箭頭接點 32">
+              <a:extLst>
+                <a:ext uri="{FF2B5EF4-FFF2-40B4-BE49-F238E27FC236}">
+                  <a16:creationId xmlns:a16="http://schemas.microsoft.com/office/drawing/2014/main" id="{E1492E99-D48B-48C3-BDF4-874C669CE5E5}"/>
+                </a:ext>
+              </a:extLst>
+            </p:cNvPr>
+            <p:cNvCxnSpPr/>
+            <p:nvPr/>
+          </p:nvCxnSpPr>
+          <p:spPr>
+            <a:xfrm flipV="1">
+              <a:off x="4324076" y="3505200"/>
+              <a:ext cx="173359" cy="423333"/>
+            </a:xfrm>
+            <a:prstGeom prst="straightConnector1">
+              <a:avLst/>
+            </a:prstGeom>
+            <a:ln w="38100">
+              <a:solidFill>
+                <a:srgbClr val="92D050"/>
+              </a:solidFill>
+              <a:tailEnd type="triangle"/>
+            </a:ln>
+          </p:spPr>
+          <p:style>
+            <a:lnRef idx="1">
+              <a:schemeClr val="accent1"/>
+            </a:lnRef>
+            <a:fillRef idx="0">
+              <a:schemeClr val="accent1"/>
+            </a:fillRef>
+            <a:effectRef idx="0">
+              <a:schemeClr val="accent1"/>
+            </a:effectRef>
+            <a:fontRef idx="minor">
+              <a:schemeClr val="tx1"/>
+            </a:fontRef>
+          </p:style>
+        </p:cxnSp>
+        <p:cxnSp>
+          <p:nvCxnSpPr>
+            <p:cNvPr id="35" name="直線單箭頭接點 34">
+              <a:extLst>
+                <a:ext uri="{FF2B5EF4-FFF2-40B4-BE49-F238E27FC236}">
+                  <a16:creationId xmlns:a16="http://schemas.microsoft.com/office/drawing/2014/main" id="{B2910009-C41C-4F42-89E9-71674B9B341A}"/>
+                </a:ext>
+              </a:extLst>
+            </p:cNvPr>
+            <p:cNvCxnSpPr/>
+            <p:nvPr/>
+          </p:nvCxnSpPr>
+          <p:spPr>
+            <a:xfrm flipV="1">
+              <a:off x="4497435" y="2777067"/>
+              <a:ext cx="169332" cy="550333"/>
+            </a:xfrm>
+            <a:prstGeom prst="straightConnector1">
+              <a:avLst/>
+            </a:prstGeom>
+            <a:ln w="38100">
+              <a:solidFill>
+                <a:srgbClr val="92D050"/>
+              </a:solidFill>
+              <a:tailEnd type="triangle"/>
+            </a:ln>
+          </p:spPr>
+          <p:style>
+            <a:lnRef idx="1">
+              <a:schemeClr val="accent1"/>
+            </a:lnRef>
+            <a:fillRef idx="0">
+              <a:schemeClr val="accent1"/>
+            </a:fillRef>
+            <a:effectRef idx="0">
+              <a:schemeClr val="accent1"/>
+            </a:effectRef>
+            <a:fontRef idx="minor">
+              <a:schemeClr val="tx1"/>
+            </a:fontRef>
+          </p:style>
+        </p:cxnSp>
+        <p:cxnSp>
+          <p:nvCxnSpPr>
+            <p:cNvPr id="37" name="直線單箭頭接點 36">
+              <a:extLst>
+                <a:ext uri="{FF2B5EF4-FFF2-40B4-BE49-F238E27FC236}">
+                  <a16:creationId xmlns:a16="http://schemas.microsoft.com/office/drawing/2014/main" id="{AE4920C3-2228-4FB1-9ACD-898BF173C246}"/>
+                </a:ext>
+              </a:extLst>
+            </p:cNvPr>
+            <p:cNvCxnSpPr/>
+            <p:nvPr/>
+          </p:nvCxnSpPr>
+          <p:spPr>
+            <a:xfrm flipH="1" flipV="1">
+              <a:off x="4497435" y="2125133"/>
+              <a:ext cx="129012" cy="567267"/>
+            </a:xfrm>
+            <a:prstGeom prst="straightConnector1">
+              <a:avLst/>
+            </a:prstGeom>
+            <a:ln w="38100">
+              <a:solidFill>
+                <a:srgbClr val="92D050"/>
+              </a:solidFill>
+              <a:tailEnd type="triangle"/>
+            </a:ln>
+          </p:spPr>
+          <p:style>
+            <a:lnRef idx="1">
+              <a:schemeClr val="accent1"/>
+            </a:lnRef>
+            <a:fillRef idx="0">
+              <a:schemeClr val="accent1"/>
+            </a:fillRef>
+            <a:effectRef idx="0">
+              <a:schemeClr val="accent1"/>
+            </a:effectRef>
+            <a:fontRef idx="minor">
+              <a:schemeClr val="tx1"/>
+            </a:fontRef>
+          </p:style>
+        </p:cxnSp>
+        <p:cxnSp>
+          <p:nvCxnSpPr>
+            <p:cNvPr id="39" name="直線單箭頭接點 38">
+              <a:extLst>
+                <a:ext uri="{FF2B5EF4-FFF2-40B4-BE49-F238E27FC236}">
+                  <a16:creationId xmlns:a16="http://schemas.microsoft.com/office/drawing/2014/main" id="{B47B893D-9799-4757-9230-7B8A0B4B65C9}"/>
+                </a:ext>
+              </a:extLst>
+            </p:cNvPr>
+            <p:cNvCxnSpPr/>
+            <p:nvPr/>
+          </p:nvCxnSpPr>
+          <p:spPr>
+            <a:xfrm flipH="1" flipV="1">
+              <a:off x="4008966" y="1718733"/>
+              <a:ext cx="337283" cy="397934"/>
+            </a:xfrm>
+            <a:prstGeom prst="straightConnector1">
+              <a:avLst/>
+            </a:prstGeom>
+            <a:ln w="38100">
+              <a:solidFill>
+                <a:srgbClr val="92D050"/>
+              </a:solidFill>
+              <a:tailEnd type="triangle"/>
+            </a:ln>
+          </p:spPr>
+          <p:style>
+            <a:lnRef idx="1">
+              <a:schemeClr val="accent1"/>
+            </a:lnRef>
+            <a:fillRef idx="0">
+              <a:schemeClr val="accent1"/>
+            </a:fillRef>
+            <a:effectRef idx="0">
+              <a:schemeClr val="accent1"/>
+            </a:effectRef>
+            <a:fontRef idx="minor">
+              <a:schemeClr val="tx1"/>
+            </a:fontRef>
+          </p:style>
+        </p:cxnSp>
+        <p:cxnSp>
+          <p:nvCxnSpPr>
+            <p:cNvPr id="41" name="直線單箭頭接點 40">
+              <a:extLst>
+                <a:ext uri="{FF2B5EF4-FFF2-40B4-BE49-F238E27FC236}">
+                  <a16:creationId xmlns:a16="http://schemas.microsoft.com/office/drawing/2014/main" id="{9A7F5035-C588-43A4-98A7-7A64D1618478}"/>
+                </a:ext>
+              </a:extLst>
+            </p:cNvPr>
+            <p:cNvCxnSpPr/>
+            <p:nvPr/>
+          </p:nvCxnSpPr>
+          <p:spPr>
+            <a:xfrm flipH="1" flipV="1">
+              <a:off x="3539067" y="1490133"/>
+              <a:ext cx="372533" cy="258234"/>
+            </a:xfrm>
+            <a:prstGeom prst="straightConnector1">
+              <a:avLst/>
+            </a:prstGeom>
+            <a:ln w="38100">
+              <a:solidFill>
+                <a:srgbClr val="92D050"/>
+              </a:solidFill>
+              <a:tailEnd type="triangle"/>
+            </a:ln>
+          </p:spPr>
+          <p:style>
+            <a:lnRef idx="1">
+              <a:schemeClr val="accent1"/>
+            </a:lnRef>
+            <a:fillRef idx="0">
+              <a:schemeClr val="accent1"/>
+            </a:fillRef>
+            <a:effectRef idx="0">
+              <a:schemeClr val="accent1"/>
+            </a:effectRef>
+            <a:fontRef idx="minor">
+              <a:schemeClr val="tx1"/>
+            </a:fontRef>
+          </p:style>
+        </p:cxnSp>
+        <p:cxnSp>
+          <p:nvCxnSpPr>
+            <p:cNvPr id="43" name="直線單箭頭接點 42">
+              <a:extLst>
+                <a:ext uri="{FF2B5EF4-FFF2-40B4-BE49-F238E27FC236}">
+                  <a16:creationId xmlns:a16="http://schemas.microsoft.com/office/drawing/2014/main" id="{91DEB802-AD40-4BE0-904C-71FBDD4772F0}"/>
+                </a:ext>
+              </a:extLst>
+            </p:cNvPr>
+            <p:cNvCxnSpPr/>
+            <p:nvPr/>
+          </p:nvCxnSpPr>
+          <p:spPr>
+            <a:xfrm flipH="1" flipV="1">
+              <a:off x="3166533" y="1388533"/>
+              <a:ext cx="298346" cy="167217"/>
+            </a:xfrm>
+            <a:prstGeom prst="straightConnector1">
+              <a:avLst/>
+            </a:prstGeom>
+            <a:ln w="38100">
+              <a:solidFill>
+                <a:srgbClr val="92D050"/>
+              </a:solidFill>
+              <a:tailEnd type="triangle"/>
+            </a:ln>
+          </p:spPr>
+          <p:style>
+            <a:lnRef idx="1">
+              <a:schemeClr val="accent1"/>
+            </a:lnRef>
+            <a:fillRef idx="0">
+              <a:schemeClr val="accent1"/>
+            </a:fillRef>
+            <a:effectRef idx="0">
+              <a:schemeClr val="accent1"/>
+            </a:effectRef>
+            <a:fontRef idx="minor">
+              <a:schemeClr val="tx1"/>
+            </a:fontRef>
+          </p:style>
+        </p:cxnSp>
+        <p:cxnSp>
+          <p:nvCxnSpPr>
+            <p:cNvPr id="45" name="直線單箭頭接點 44">
+              <a:extLst>
+                <a:ext uri="{FF2B5EF4-FFF2-40B4-BE49-F238E27FC236}">
+                  <a16:creationId xmlns:a16="http://schemas.microsoft.com/office/drawing/2014/main" id="{495640A1-E827-40A8-A5DC-F94DB44485C1}"/>
+                </a:ext>
+              </a:extLst>
+            </p:cNvPr>
+            <p:cNvCxnSpPr/>
+            <p:nvPr/>
+          </p:nvCxnSpPr>
+          <p:spPr>
+            <a:xfrm flipH="1" flipV="1">
+              <a:off x="2699861" y="1312333"/>
+              <a:ext cx="356605" cy="110068"/>
+            </a:xfrm>
+            <a:prstGeom prst="straightConnector1">
+              <a:avLst/>
+            </a:prstGeom>
+            <a:ln w="38100">
+              <a:solidFill>
+                <a:srgbClr val="92D050"/>
+              </a:solidFill>
+              <a:tailEnd type="triangle"/>
+            </a:ln>
+          </p:spPr>
+          <p:style>
+            <a:lnRef idx="1">
+              <a:schemeClr val="accent1"/>
+            </a:lnRef>
+            <a:fillRef idx="0">
+              <a:schemeClr val="accent1"/>
+            </a:fillRef>
+            <a:effectRef idx="0">
+              <a:schemeClr val="accent1"/>
+            </a:effectRef>
+            <a:fontRef idx="minor">
+              <a:schemeClr val="tx1"/>
+            </a:fontRef>
+          </p:style>
+        </p:cxnSp>
+        <p:cxnSp>
+          <p:nvCxnSpPr>
+            <p:cNvPr id="47" name="直線單箭頭接點 46">
+              <a:extLst>
+                <a:ext uri="{FF2B5EF4-FFF2-40B4-BE49-F238E27FC236}">
+                  <a16:creationId xmlns:a16="http://schemas.microsoft.com/office/drawing/2014/main" id="{EF99C231-8006-41F8-BDB3-363700D95BC8}"/>
+                </a:ext>
+              </a:extLst>
+            </p:cNvPr>
+            <p:cNvCxnSpPr/>
+            <p:nvPr/>
+          </p:nvCxnSpPr>
+          <p:spPr>
+            <a:xfrm flipH="1" flipV="1">
+              <a:off x="2074334" y="1109133"/>
+              <a:ext cx="491066" cy="152400"/>
+            </a:xfrm>
+            <a:prstGeom prst="straightConnector1">
+              <a:avLst/>
+            </a:prstGeom>
+            <a:ln w="38100">
+              <a:solidFill>
+                <a:srgbClr val="92D050"/>
+              </a:solidFill>
+              <a:tailEnd type="triangle"/>
+            </a:ln>
+          </p:spPr>
+          <p:style>
+            <a:lnRef idx="1">
+              <a:schemeClr val="accent1"/>
+            </a:lnRef>
+            <a:fillRef idx="0">
+              <a:schemeClr val="accent1"/>
+            </a:fillRef>
+            <a:effectRef idx="0">
+              <a:schemeClr val="accent1"/>
+            </a:effectRef>
+            <a:fontRef idx="minor">
+              <a:schemeClr val="tx1"/>
+            </a:fontRef>
+          </p:style>
+        </p:cxnSp>
+        <mc:AlternateContent xmlns:mc="http://schemas.openxmlformats.org/markup-compatibility/2006">
+          <mc:Choice xmlns:a14="http://schemas.microsoft.com/office/drawing/2010/main" Requires="a14">
+            <p:sp>
+              <p:nvSpPr>
+                <p:cNvPr id="48" name="文字方塊 47">
+                  <a:extLst>
+                    <a:ext uri="{FF2B5EF4-FFF2-40B4-BE49-F238E27FC236}">
+                      <a16:creationId xmlns:a16="http://schemas.microsoft.com/office/drawing/2014/main" id="{3A3F13F2-0A48-4289-B22D-E66008D7FB55}"/>
+                    </a:ext>
+                  </a:extLst>
+                </p:cNvPr>
+                <p:cNvSpPr txBox="1"/>
+                <p:nvPr/>
+              </p:nvSpPr>
+              <p:spPr>
+                <a:xfrm>
+                  <a:off x="2022887" y="2348676"/>
+                  <a:ext cx="2187328" cy="835613"/>
+                </a:xfrm>
+                <a:prstGeom prst="rect">
+                  <a:avLst/>
+                </a:prstGeom>
+                <a:noFill/>
+              </p:spPr>
+              <p:txBody>
+                <a:bodyPr wrap="square" rtlCol="0">
+                  <a:spAutoFit/>
+                </a:bodyPr>
+                <a:lstStyle/>
+                <a:p>
+                  <a:r>
+                    <a:rPr lang="en-US" altLang="zh-TW" dirty="0">
+                      <a:solidFill>
+                        <a:srgbClr val="FF0000"/>
+                      </a:solidFill>
+                    </a:rPr>
+                    <a:t>Multiple Global </a:t>
+                  </a:r>
+                  <a14:m>
+                    <m:oMath xmlns:m="http://schemas.openxmlformats.org/officeDocument/2006/math">
+                      <m:d>
+                        <m:dPr>
+                          <m:begChr m:val="["/>
+                          <m:endChr m:val="]"/>
+                          <m:ctrlPr>
+                            <a:rPr lang="en-US" altLang="zh-TW" i="1" smtClean="0">
+                              <a:solidFill>
+                                <a:srgbClr val="FF0000"/>
+                              </a:solidFill>
+                              <a:latin typeface="Cambria Math" panose="02040503050406030204" pitchFamily="18" charset="0"/>
+                            </a:rPr>
+                          </m:ctrlPr>
+                        </m:dPr>
+                        <m:e>
+                          <m:m>
+                            <m:mPr>
+                              <m:mcs>
+                                <m:mc>
+                                  <m:mcPr>
+                                    <m:count m:val="1"/>
+                                    <m:mcJc m:val="center"/>
+                                  </m:mcPr>
+                                </m:mc>
+                              </m:mcs>
+                              <m:ctrlPr>
+                                <a:rPr lang="en-US" altLang="zh-TW" i="1" smtClean="0">
+                                  <a:solidFill>
+                                    <a:srgbClr val="FF0000"/>
+                                  </a:solidFill>
+                                  <a:latin typeface="Cambria Math" panose="02040503050406030204" pitchFamily="18" charset="0"/>
+                                </a:rPr>
+                              </m:ctrlPr>
+                            </m:mPr>
+                            <m:mr>
+                              <m:e>
+                                <m:r>
+                                  <m:rPr>
+                                    <m:brk m:alnAt="7"/>
+                                  </m:rPr>
+                                  <a:rPr lang="en-US" altLang="zh-TW" b="0" i="1" smtClean="0">
+                                    <a:solidFill>
+                                      <a:srgbClr val="FF0000"/>
+                                    </a:solidFill>
+                                    <a:latin typeface="Cambria Math" panose="02040503050406030204" pitchFamily="18" charset="0"/>
+                                  </a:rPr>
+                                  <m:t>𝑥</m:t>
+                                </m:r>
+                              </m:e>
+                            </m:mr>
+                            <m:mr>
+                              <m:e>
+                                <m:r>
+                                  <a:rPr lang="en-US" altLang="zh-TW" b="0" i="1" smtClean="0">
+                                    <a:solidFill>
+                                      <a:srgbClr val="FF0000"/>
+                                    </a:solidFill>
+                                    <a:latin typeface="Cambria Math" panose="02040503050406030204" pitchFamily="18" charset="0"/>
+                                  </a:rPr>
+                                  <m:t>𝑦</m:t>
+                                </m:r>
+                              </m:e>
+                            </m:mr>
+                            <m:mr>
+                              <m:e>
+                                <m:r>
+                                  <a:rPr lang="en-US" altLang="zh-TW" b="0" i="1" smtClean="0">
+                                    <a:solidFill>
+                                      <a:srgbClr val="FF0000"/>
+                                    </a:solidFill>
+                                    <a:latin typeface="Cambria Math" panose="02040503050406030204" pitchFamily="18" charset="0"/>
+                                  </a:rPr>
+                                  <m:t>𝜙</m:t>
+                                </m:r>
+                              </m:e>
+                            </m:mr>
+                          </m:m>
+                        </m:e>
+                      </m:d>
+                    </m:oMath>
+                  </a14:m>
+                  <a:endParaRPr lang="zh-TW" altLang="en-US" dirty="0">
+                    <a:solidFill>
+                      <a:srgbClr val="FF0000"/>
+                    </a:solidFill>
+                  </a:endParaRPr>
+                </a:p>
+              </p:txBody>
+            </p:sp>
+          </mc:Choice>
+          <mc:Fallback>
+            <p:sp>
+              <p:nvSpPr>
+                <p:cNvPr id="48" name="文字方塊 47">
+                  <a:extLst>
+                    <a:ext uri="{FF2B5EF4-FFF2-40B4-BE49-F238E27FC236}">
+                      <a16:creationId xmlns:a16="http://schemas.microsoft.com/office/drawing/2014/main" id="{3A3F13F2-0A48-4289-B22D-E66008D7FB55}"/>
+                    </a:ext>
+                  </a:extLst>
+                </p:cNvPr>
+                <p:cNvSpPr txBox="1">
+                  <a:spLocks noRot="1" noChangeAspect="1" noMove="1" noResize="1" noEditPoints="1" noAdjustHandles="1" noChangeArrowheads="1" noChangeShapeType="1" noTextEdit="1"/>
+                </p:cNvSpPr>
+                <p:nvPr/>
+              </p:nvSpPr>
+              <p:spPr>
+                <a:xfrm>
+                  <a:off x="2022887" y="2348676"/>
+                  <a:ext cx="2187328" cy="835613"/>
+                </a:xfrm>
+                <a:prstGeom prst="rect">
+                  <a:avLst/>
+                </a:prstGeom>
+                <a:blipFill>
+                  <a:blip r:embed="rId2"/>
+                  <a:stretch>
+                    <a:fillRect l="-2228"/>
+                  </a:stretch>
+                </a:blipFill>
+              </p:spPr>
+              <p:txBody>
+                <a:bodyPr/>
+                <a:lstStyle/>
+                <a:p>
+                  <a:r>
+                    <a:rPr lang="zh-TW" altLang="en-US">
+                      <a:noFill/>
+                    </a:rPr>
+                    <a:t> </a:t>
+                  </a:r>
+                </a:p>
+              </p:txBody>
+            </p:sp>
+          </mc:Fallback>
+        </mc:AlternateContent>
+        <mc:AlternateContent xmlns:mc="http://schemas.openxmlformats.org/markup-compatibility/2006">
+          <mc:Choice xmlns:a14="http://schemas.microsoft.com/office/drawing/2010/main" Requires="a14">
+            <p:sp>
+              <p:nvSpPr>
+                <p:cNvPr id="51" name="文字方塊 50">
+                  <a:extLst>
+                    <a:ext uri="{FF2B5EF4-FFF2-40B4-BE49-F238E27FC236}">
+                      <a16:creationId xmlns:a16="http://schemas.microsoft.com/office/drawing/2014/main" id="{12759516-5CCA-4D37-A940-4488CFAD2EEF}"/>
+                    </a:ext>
+                  </a:extLst>
+                </p:cNvPr>
+                <p:cNvSpPr txBox="1"/>
+                <p:nvPr/>
+              </p:nvSpPr>
+              <p:spPr>
+                <a:xfrm>
+                  <a:off x="4716202" y="1698860"/>
+                  <a:ext cx="1946309" cy="835613"/>
+                </a:xfrm>
+                <a:prstGeom prst="rect">
+                  <a:avLst/>
+                </a:prstGeom>
+                <a:noFill/>
+              </p:spPr>
+              <p:txBody>
+                <a:bodyPr wrap="square" rtlCol="0">
+                  <a:spAutoFit/>
+                </a:bodyPr>
+                <a:lstStyle/>
+                <a:p>
+                  <a:r>
+                    <a:rPr lang="en-US" altLang="zh-TW" dirty="0"/>
+                    <a:t>Multiple local </a:t>
+                  </a:r>
+                  <a14:m>
+                    <m:oMath xmlns:m="http://schemas.openxmlformats.org/officeDocument/2006/math">
+                      <m:d>
+                        <m:dPr>
+                          <m:begChr m:val="["/>
+                          <m:endChr m:val="]"/>
+                          <m:ctrlPr>
+                            <a:rPr lang="en-US" altLang="zh-TW" i="1" smtClean="0">
+                              <a:latin typeface="Cambria Math" panose="02040503050406030204" pitchFamily="18" charset="0"/>
+                            </a:rPr>
+                          </m:ctrlPr>
+                        </m:dPr>
+                        <m:e>
+                          <m:m>
+                            <m:mPr>
+                              <m:mcs>
+                                <m:mc>
+                                  <m:mcPr>
+                                    <m:count m:val="1"/>
+                                    <m:mcJc m:val="center"/>
+                                  </m:mcPr>
+                                </m:mc>
+                              </m:mcs>
+                              <m:ctrlPr>
+                                <a:rPr lang="en-US" altLang="zh-TW" i="1" smtClean="0">
+                                  <a:latin typeface="Cambria Math" panose="02040503050406030204" pitchFamily="18" charset="0"/>
+                                </a:rPr>
+                              </m:ctrlPr>
+                            </m:mPr>
+                            <m:mr>
+                              <m:e>
+                                <m:r>
+                                  <m:rPr>
+                                    <m:brk m:alnAt="7"/>
+                                  </m:rPr>
+                                  <a:rPr lang="en-US" altLang="zh-TW" b="0" i="1" smtClean="0">
+                                    <a:latin typeface="Cambria Math" panose="02040503050406030204" pitchFamily="18" charset="0"/>
+                                  </a:rPr>
+                                  <m:t>𝑥</m:t>
+                                </m:r>
+                              </m:e>
+                            </m:mr>
+                            <m:mr>
+                              <m:e>
+                                <m:r>
+                                  <a:rPr lang="en-US" altLang="zh-TW" b="0" i="1" smtClean="0">
+                                    <a:latin typeface="Cambria Math" panose="02040503050406030204" pitchFamily="18" charset="0"/>
+                                  </a:rPr>
+                                  <m:t>𝑦</m:t>
+                                </m:r>
+                              </m:e>
+                            </m:mr>
+                            <m:mr>
+                              <m:e>
+                                <m:r>
+                                  <a:rPr lang="en-US" altLang="zh-TW" b="0" i="1" smtClean="0">
+                                    <a:latin typeface="Cambria Math" panose="02040503050406030204" pitchFamily="18" charset="0"/>
+                                  </a:rPr>
+                                  <m:t>𝜙</m:t>
+                                </m:r>
+                              </m:e>
+                            </m:mr>
+                          </m:m>
+                        </m:e>
+                      </m:d>
+                    </m:oMath>
+                  </a14:m>
+                  <a:endParaRPr lang="zh-TW" altLang="en-US" dirty="0"/>
+                </a:p>
+              </p:txBody>
+            </p:sp>
+          </mc:Choice>
+          <mc:Fallback>
+            <p:sp>
+              <p:nvSpPr>
+                <p:cNvPr id="51" name="文字方塊 50">
+                  <a:extLst>
+                    <a:ext uri="{FF2B5EF4-FFF2-40B4-BE49-F238E27FC236}">
+                      <a16:creationId xmlns:a16="http://schemas.microsoft.com/office/drawing/2014/main" id="{12759516-5CCA-4D37-A940-4488CFAD2EEF}"/>
+                    </a:ext>
+                  </a:extLst>
+                </p:cNvPr>
+                <p:cNvSpPr txBox="1">
+                  <a:spLocks noRot="1" noChangeAspect="1" noMove="1" noResize="1" noEditPoints="1" noAdjustHandles="1" noChangeArrowheads="1" noChangeShapeType="1" noTextEdit="1"/>
+                </p:cNvSpPr>
+                <p:nvPr/>
+              </p:nvSpPr>
+              <p:spPr>
+                <a:xfrm>
+                  <a:off x="4716202" y="1698860"/>
+                  <a:ext cx="1946309" cy="835613"/>
+                </a:xfrm>
+                <a:prstGeom prst="rect">
+                  <a:avLst/>
+                </a:prstGeom>
+                <a:blipFill>
+                  <a:blip r:embed="rId3"/>
+                  <a:stretch>
+                    <a:fillRect l="-2508"/>
+                  </a:stretch>
+                </a:blipFill>
+              </p:spPr>
+              <p:txBody>
+                <a:bodyPr/>
+                <a:lstStyle/>
+                <a:p>
+                  <a:r>
+                    <a:rPr lang="zh-TW" altLang="en-US">
+                      <a:noFill/>
+                    </a:rPr>
+                    <a:t> </a:t>
+                  </a:r>
+                </a:p>
+              </p:txBody>
+            </p:sp>
+          </mc:Fallback>
+        </mc:AlternateContent>
+      </p:grpSp>
+      <p:sp>
+        <p:nvSpPr>
+          <p:cNvPr id="53" name="箭號: 向右 52">
+            <a:extLst>
+              <a:ext uri="{FF2B5EF4-FFF2-40B4-BE49-F238E27FC236}">
+                <a16:creationId xmlns:a16="http://schemas.microsoft.com/office/drawing/2014/main" id="{C1D02F99-D42C-4B43-BB71-54DD6BEDE3AD}"/>
+              </a:ext>
+            </a:extLst>
+          </p:cNvPr>
+          <p:cNvSpPr/>
+          <p:nvPr/>
+        </p:nvSpPr>
+        <p:spPr>
+          <a:xfrm>
+            <a:off x="5088467" y="2651359"/>
+            <a:ext cx="1320800" cy="942740"/>
+          </a:xfrm>
+          <a:prstGeom prst="rightArrow">
+            <a:avLst/>
+          </a:prstGeom>
+        </p:spPr>
+        <p:style>
+          <a:lnRef idx="2">
+            <a:schemeClr val="accent1">
+              <a:shade val="50000"/>
+            </a:schemeClr>
+          </a:lnRef>
+          <a:fillRef idx="1">
+            <a:schemeClr val="accent1"/>
+          </a:fillRef>
+          <a:effectRef idx="0">
+            <a:schemeClr val="accent1"/>
+          </a:effectRef>
+          <a:fontRef idx="minor">
+            <a:schemeClr val="lt1"/>
+          </a:fontRef>
+        </p:style>
+        <p:txBody>
+          <a:bodyPr rtlCol="0" anchor="ctr"/>
+          <a:lstStyle/>
+          <a:p>
+            <a:pPr algn="ctr"/>
+            <a:r>
+              <a:rPr lang="en-US" altLang="zh-TW" dirty="0"/>
+              <a:t>simplify</a:t>
+            </a:r>
+            <a:endParaRPr lang="zh-TW" altLang="en-US" dirty="0"/>
+          </a:p>
+        </p:txBody>
+      </p:sp>
+      <p:grpSp>
+        <p:nvGrpSpPr>
+          <p:cNvPr id="70" name="群組 69">
+            <a:extLst>
+              <a:ext uri="{FF2B5EF4-FFF2-40B4-BE49-F238E27FC236}">
+                <a16:creationId xmlns:a16="http://schemas.microsoft.com/office/drawing/2014/main" id="{BF4189E4-AC11-42B4-895B-8FC297718459}"/>
+              </a:ext>
+            </a:extLst>
+          </p:cNvPr>
+          <p:cNvGrpSpPr/>
+          <p:nvPr/>
+        </p:nvGrpSpPr>
+        <p:grpSpPr>
+          <a:xfrm>
+            <a:off x="6245304" y="2353085"/>
+            <a:ext cx="2549931" cy="1696274"/>
+            <a:chOff x="6509402" y="1697565"/>
+            <a:chExt cx="2549931" cy="1696274"/>
+          </a:xfrm>
+        </p:grpSpPr>
+        <p:sp>
+          <p:nvSpPr>
+            <p:cNvPr id="54" name="橢圓 53">
+              <a:extLst>
+                <a:ext uri="{FF2B5EF4-FFF2-40B4-BE49-F238E27FC236}">
+                  <a16:creationId xmlns:a16="http://schemas.microsoft.com/office/drawing/2014/main" id="{42490308-604F-47DF-A340-356DD0E76D1F}"/>
+                </a:ext>
+              </a:extLst>
+            </p:cNvPr>
+            <p:cNvSpPr/>
+            <p:nvPr/>
+          </p:nvSpPr>
+          <p:spPr>
+            <a:xfrm>
+              <a:off x="7628466" y="1907939"/>
+              <a:ext cx="321733" cy="315854"/>
+            </a:xfrm>
+            <a:prstGeom prst="ellipse">
+              <a:avLst/>
+            </a:prstGeom>
+          </p:spPr>
+          <p:style>
+            <a:lnRef idx="2">
+              <a:schemeClr val="accent2">
+                <a:shade val="50000"/>
+              </a:schemeClr>
+            </a:lnRef>
+            <a:fillRef idx="1">
+              <a:schemeClr val="accent2"/>
+            </a:fillRef>
+            <a:effectRef idx="0">
+              <a:schemeClr val="accent2"/>
+            </a:effectRef>
+            <a:fontRef idx="minor">
+              <a:schemeClr val="lt1"/>
+            </a:fontRef>
+          </p:style>
+          <p:txBody>
+            <a:bodyPr rtlCol="0" anchor="ctr"/>
+            <a:lstStyle/>
+            <a:p>
+              <a:pPr algn="ctr"/>
+              <a:endParaRPr lang="zh-TW" altLang="en-US"/>
+            </a:p>
+          </p:txBody>
+        </p:sp>
+        <p:cxnSp>
+          <p:nvCxnSpPr>
+            <p:cNvPr id="56" name="直線單箭頭接點 55">
+              <a:extLst>
+                <a:ext uri="{FF2B5EF4-FFF2-40B4-BE49-F238E27FC236}">
+                  <a16:creationId xmlns:a16="http://schemas.microsoft.com/office/drawing/2014/main" id="{86375655-4ED2-4F36-8B2E-FD46A4035CBB}"/>
+                </a:ext>
+              </a:extLst>
+            </p:cNvPr>
+            <p:cNvCxnSpPr>
+              <a:cxnSpLocks/>
+            </p:cNvCxnSpPr>
+            <p:nvPr/>
+          </p:nvCxnSpPr>
+          <p:spPr>
+            <a:xfrm flipH="1" flipV="1">
+              <a:off x="7416800" y="1735666"/>
+              <a:ext cx="372532" cy="330201"/>
+            </a:xfrm>
+            <a:prstGeom prst="straightConnector1">
+              <a:avLst/>
+            </a:prstGeom>
+            <a:ln w="57150">
+              <a:solidFill>
+                <a:srgbClr val="FF0000"/>
+              </a:solidFill>
+              <a:tailEnd type="triangle"/>
+            </a:ln>
+          </p:spPr>
+          <p:style>
+            <a:lnRef idx="1">
+              <a:schemeClr val="accent1"/>
+            </a:lnRef>
+            <a:fillRef idx="0">
+              <a:schemeClr val="accent1"/>
+            </a:fillRef>
+            <a:effectRef idx="0">
+              <a:schemeClr val="accent1"/>
+            </a:effectRef>
+            <a:fontRef idx="minor">
+              <a:schemeClr val="tx1"/>
+            </a:fontRef>
+          </p:style>
+        </p:cxnSp>
+        <p:sp>
+          <p:nvSpPr>
+            <p:cNvPr id="59" name="橢圓 58">
+              <a:extLst>
+                <a:ext uri="{FF2B5EF4-FFF2-40B4-BE49-F238E27FC236}">
+                  <a16:creationId xmlns:a16="http://schemas.microsoft.com/office/drawing/2014/main" id="{7E715A8B-C421-4D85-AE06-3FBB80BDA90B}"/>
+                </a:ext>
+              </a:extLst>
+            </p:cNvPr>
+            <p:cNvSpPr/>
+            <p:nvPr/>
+          </p:nvSpPr>
+          <p:spPr>
+            <a:xfrm>
+              <a:off x="7789332" y="1904999"/>
+              <a:ext cx="321733" cy="315854"/>
+            </a:xfrm>
+            <a:prstGeom prst="ellipse">
+              <a:avLst/>
+            </a:prstGeom>
+            <a:solidFill>
+              <a:schemeClr val="tx2">
+                <a:lumMod val="75000"/>
+              </a:schemeClr>
+            </a:solidFill>
+            <a:ln>
+              <a:solidFill>
+                <a:schemeClr val="tx2">
+                  <a:lumMod val="50000"/>
+                </a:schemeClr>
+              </a:solidFill>
+            </a:ln>
+          </p:spPr>
+          <p:style>
+            <a:lnRef idx="2">
+              <a:schemeClr val="accent2">
+                <a:shade val="50000"/>
+              </a:schemeClr>
+            </a:lnRef>
+            <a:fillRef idx="1">
+              <a:schemeClr val="accent2"/>
+            </a:fillRef>
+            <a:effectRef idx="0">
+              <a:schemeClr val="accent2"/>
+            </a:effectRef>
+            <a:fontRef idx="minor">
+              <a:schemeClr val="lt1"/>
+            </a:fontRef>
+          </p:style>
+          <p:txBody>
+            <a:bodyPr rtlCol="0" anchor="ctr"/>
+            <a:lstStyle/>
+            <a:p>
+              <a:pPr algn="ctr"/>
+              <a:endParaRPr lang="zh-TW" altLang="en-US"/>
+            </a:p>
+          </p:txBody>
+        </p:sp>
+        <p:cxnSp>
+          <p:nvCxnSpPr>
+            <p:cNvPr id="60" name="直線單箭頭接點 59">
+              <a:extLst>
+                <a:ext uri="{FF2B5EF4-FFF2-40B4-BE49-F238E27FC236}">
+                  <a16:creationId xmlns:a16="http://schemas.microsoft.com/office/drawing/2014/main" id="{D74ADAFD-A762-4449-AC30-B86E18878A3A}"/>
+                </a:ext>
+              </a:extLst>
+            </p:cNvPr>
+            <p:cNvCxnSpPr>
+              <a:cxnSpLocks/>
+            </p:cNvCxnSpPr>
+            <p:nvPr/>
+          </p:nvCxnSpPr>
+          <p:spPr>
+            <a:xfrm flipH="1" flipV="1">
+              <a:off x="7628466" y="1697565"/>
+              <a:ext cx="321732" cy="365363"/>
+            </a:xfrm>
+            <a:prstGeom prst="straightConnector1">
+              <a:avLst/>
+            </a:prstGeom>
+            <a:ln w="57150">
+              <a:solidFill>
+                <a:srgbClr val="92D050"/>
+              </a:solidFill>
+              <a:tailEnd type="triangle"/>
+            </a:ln>
+          </p:spPr>
+          <p:style>
+            <a:lnRef idx="1">
+              <a:schemeClr val="accent1"/>
+            </a:lnRef>
+            <a:fillRef idx="0">
+              <a:schemeClr val="accent1"/>
+            </a:fillRef>
+            <a:effectRef idx="0">
+              <a:schemeClr val="accent1"/>
+            </a:effectRef>
+            <a:fontRef idx="minor">
+              <a:schemeClr val="tx1"/>
+            </a:fontRef>
+          </p:style>
+        </p:cxnSp>
+        <p:cxnSp>
+          <p:nvCxnSpPr>
+            <p:cNvPr id="64" name="直線接點 63">
+              <a:extLst>
+                <a:ext uri="{FF2B5EF4-FFF2-40B4-BE49-F238E27FC236}">
+                  <a16:creationId xmlns:a16="http://schemas.microsoft.com/office/drawing/2014/main" id="{32F8C295-8022-42B1-9A02-92029DE02D6E}"/>
+                </a:ext>
+              </a:extLst>
+            </p:cNvPr>
+            <p:cNvCxnSpPr>
+              <a:stCxn id="54" idx="3"/>
+            </p:cNvCxnSpPr>
+            <p:nvPr/>
+          </p:nvCxnSpPr>
+          <p:spPr>
+            <a:xfrm flipH="1">
+              <a:off x="7416800" y="2177537"/>
+              <a:ext cx="258783" cy="531796"/>
+            </a:xfrm>
+            <a:prstGeom prst="line">
+              <a:avLst/>
+            </a:prstGeom>
+            <a:ln>
+              <a:solidFill>
+                <a:schemeClr val="tx1"/>
+              </a:solidFill>
+            </a:ln>
+          </p:spPr>
+          <p:style>
+            <a:lnRef idx="1">
+              <a:schemeClr val="accent1"/>
+            </a:lnRef>
+            <a:fillRef idx="0">
+              <a:schemeClr val="accent1"/>
+            </a:fillRef>
+            <a:effectRef idx="0">
+              <a:schemeClr val="accent1"/>
+            </a:effectRef>
+            <a:fontRef idx="minor">
+              <a:schemeClr val="tx1"/>
+            </a:fontRef>
+          </p:style>
+        </p:cxnSp>
+        <mc:AlternateContent xmlns:mc="http://schemas.openxmlformats.org/markup-compatibility/2006">
+          <mc:Choice xmlns:a14="http://schemas.microsoft.com/office/drawing/2010/main" Requires="a14">
+            <p:sp>
+              <p:nvSpPr>
+                <p:cNvPr id="66" name="文字方塊 65">
+                  <a:extLst>
+                    <a:ext uri="{FF2B5EF4-FFF2-40B4-BE49-F238E27FC236}">
+                      <a16:creationId xmlns:a16="http://schemas.microsoft.com/office/drawing/2014/main" id="{AE1D6144-4F3A-4E58-B8CB-EF743CFDBFD3}"/>
+                    </a:ext>
+                  </a:extLst>
+                </p:cNvPr>
+                <p:cNvSpPr txBox="1"/>
+                <p:nvPr/>
+              </p:nvSpPr>
+              <p:spPr>
+                <a:xfrm>
+                  <a:off x="6509402" y="2558226"/>
+                  <a:ext cx="1166181" cy="835613"/>
+                </a:xfrm>
+                <a:prstGeom prst="rect">
+                  <a:avLst/>
+                </a:prstGeom>
+                <a:noFill/>
+              </p:spPr>
+              <p:txBody>
+                <a:bodyPr wrap="square" rtlCol="0">
+                  <a:spAutoFit/>
+                </a:bodyPr>
+                <a:lstStyle/>
+                <a:p>
+                  <a:r>
+                    <a:rPr lang="en-US" altLang="zh-TW" dirty="0">
+                      <a:solidFill>
+                        <a:srgbClr val="FF0000"/>
+                      </a:solidFill>
+                    </a:rPr>
+                    <a:t>goal </a:t>
+                  </a:r>
+                  <a14:m>
+                    <m:oMath xmlns:m="http://schemas.openxmlformats.org/officeDocument/2006/math">
+                      <m:d>
+                        <m:dPr>
+                          <m:begChr m:val="["/>
+                          <m:endChr m:val="]"/>
+                          <m:ctrlPr>
+                            <a:rPr lang="en-US" altLang="zh-TW" i="1" smtClean="0">
+                              <a:solidFill>
+                                <a:srgbClr val="FF0000"/>
+                              </a:solidFill>
+                              <a:latin typeface="Cambria Math" panose="02040503050406030204" pitchFamily="18" charset="0"/>
+                            </a:rPr>
+                          </m:ctrlPr>
+                        </m:dPr>
+                        <m:e>
+                          <m:m>
+                            <m:mPr>
+                              <m:mcs>
+                                <m:mc>
+                                  <m:mcPr>
+                                    <m:count m:val="1"/>
+                                    <m:mcJc m:val="center"/>
+                                  </m:mcPr>
+                                </m:mc>
+                              </m:mcs>
+                              <m:ctrlPr>
+                                <a:rPr lang="en-US" altLang="zh-TW" i="1" smtClean="0">
+                                  <a:solidFill>
+                                    <a:srgbClr val="FF0000"/>
+                                  </a:solidFill>
+                                  <a:latin typeface="Cambria Math" panose="02040503050406030204" pitchFamily="18" charset="0"/>
+                                </a:rPr>
+                              </m:ctrlPr>
+                            </m:mPr>
+                            <m:mr>
+                              <m:e>
+                                <m:r>
+                                  <m:rPr>
+                                    <m:brk m:alnAt="7"/>
+                                  </m:rPr>
+                                  <a:rPr lang="en-US" altLang="zh-TW" b="0" i="1" smtClean="0">
+                                    <a:solidFill>
+                                      <a:srgbClr val="FF0000"/>
+                                    </a:solidFill>
+                                    <a:latin typeface="Cambria Math" panose="02040503050406030204" pitchFamily="18" charset="0"/>
+                                  </a:rPr>
+                                  <m:t>𝑥</m:t>
+                                </m:r>
+                              </m:e>
+                            </m:mr>
+                            <m:mr>
+                              <m:e>
+                                <m:r>
+                                  <a:rPr lang="en-US" altLang="zh-TW" b="0" i="1" smtClean="0">
+                                    <a:solidFill>
+                                      <a:srgbClr val="FF0000"/>
+                                    </a:solidFill>
+                                    <a:latin typeface="Cambria Math" panose="02040503050406030204" pitchFamily="18" charset="0"/>
+                                  </a:rPr>
+                                  <m:t>𝑦</m:t>
+                                </m:r>
+                              </m:e>
+                            </m:mr>
+                            <m:mr>
+                              <m:e>
+                                <m:r>
+                                  <a:rPr lang="en-US" altLang="zh-TW" b="0" i="1" smtClean="0">
+                                    <a:solidFill>
+                                      <a:srgbClr val="FF0000"/>
+                                    </a:solidFill>
+                                    <a:latin typeface="Cambria Math" panose="02040503050406030204" pitchFamily="18" charset="0"/>
+                                  </a:rPr>
+                                  <m:t>𝜙</m:t>
+                                </m:r>
+                              </m:e>
+                            </m:mr>
+                          </m:m>
+                        </m:e>
+                      </m:d>
+                    </m:oMath>
+                  </a14:m>
+                  <a:endParaRPr lang="zh-TW" altLang="en-US" dirty="0">
+                    <a:solidFill>
+                      <a:srgbClr val="FF0000"/>
+                    </a:solidFill>
+                  </a:endParaRPr>
+                </a:p>
+              </p:txBody>
+            </p:sp>
+          </mc:Choice>
+          <mc:Fallback>
+            <p:sp>
+              <p:nvSpPr>
+                <p:cNvPr id="66" name="文字方塊 65">
+                  <a:extLst>
+                    <a:ext uri="{FF2B5EF4-FFF2-40B4-BE49-F238E27FC236}">
+                      <a16:creationId xmlns:a16="http://schemas.microsoft.com/office/drawing/2014/main" id="{AE1D6144-4F3A-4E58-B8CB-EF743CFDBFD3}"/>
+                    </a:ext>
+                  </a:extLst>
+                </p:cNvPr>
+                <p:cNvSpPr txBox="1">
+                  <a:spLocks noRot="1" noChangeAspect="1" noMove="1" noResize="1" noEditPoints="1" noAdjustHandles="1" noChangeArrowheads="1" noChangeShapeType="1" noTextEdit="1"/>
+                </p:cNvSpPr>
+                <p:nvPr/>
+              </p:nvSpPr>
+              <p:spPr>
+                <a:xfrm>
+                  <a:off x="6509402" y="2558226"/>
+                  <a:ext cx="1166181" cy="835613"/>
+                </a:xfrm>
+                <a:prstGeom prst="rect">
+                  <a:avLst/>
+                </a:prstGeom>
+                <a:blipFill>
+                  <a:blip r:embed="rId4"/>
+                  <a:stretch>
+                    <a:fillRect l="-4167"/>
+                  </a:stretch>
+                </a:blipFill>
+              </p:spPr>
+              <p:txBody>
+                <a:bodyPr/>
+                <a:lstStyle/>
+                <a:p>
+                  <a:r>
+                    <a:rPr lang="zh-TW" altLang="en-US">
+                      <a:noFill/>
+                    </a:rPr>
+                    <a:t> </a:t>
+                  </a:r>
+                </a:p>
+              </p:txBody>
+            </p:sp>
+          </mc:Fallback>
+        </mc:AlternateContent>
+        <mc:AlternateContent xmlns:mc="http://schemas.openxmlformats.org/markup-compatibility/2006">
+          <mc:Choice xmlns:a14="http://schemas.microsoft.com/office/drawing/2010/main" Requires="a14">
+            <p:sp>
+              <p:nvSpPr>
+                <p:cNvPr id="67" name="文字方塊 66">
+                  <a:extLst>
+                    <a:ext uri="{FF2B5EF4-FFF2-40B4-BE49-F238E27FC236}">
+                      <a16:creationId xmlns:a16="http://schemas.microsoft.com/office/drawing/2014/main" id="{E6818F09-E97E-4568-AFBD-087307BA9FD9}"/>
+                    </a:ext>
+                  </a:extLst>
+                </p:cNvPr>
+                <p:cNvSpPr txBox="1"/>
+                <p:nvPr/>
+              </p:nvSpPr>
+              <p:spPr>
+                <a:xfrm>
+                  <a:off x="7958664" y="2443435"/>
+                  <a:ext cx="1100669" cy="835613"/>
+                </a:xfrm>
+                <a:prstGeom prst="rect">
+                  <a:avLst/>
+                </a:prstGeom>
+                <a:noFill/>
+              </p:spPr>
+              <p:txBody>
+                <a:bodyPr wrap="square" rtlCol="0">
+                  <a:spAutoFit/>
+                </a:bodyPr>
+                <a:lstStyle/>
+                <a:p>
+                  <a:r>
+                    <a:rPr lang="en-US" altLang="zh-TW" dirty="0">
+                      <a:solidFill>
+                        <a:schemeClr val="tx1"/>
+                      </a:solidFill>
+                    </a:rPr>
+                    <a:t>Local </a:t>
+                  </a:r>
+                  <a14:m>
+                    <m:oMath xmlns:m="http://schemas.openxmlformats.org/officeDocument/2006/math">
+                      <m:d>
+                        <m:dPr>
+                          <m:begChr m:val="["/>
+                          <m:endChr m:val="]"/>
+                          <m:ctrlPr>
+                            <a:rPr lang="en-US" altLang="zh-TW" i="1" smtClean="0">
+                              <a:solidFill>
+                                <a:schemeClr val="tx1"/>
+                              </a:solidFill>
+                              <a:latin typeface="Cambria Math" panose="02040503050406030204" pitchFamily="18" charset="0"/>
+                            </a:rPr>
+                          </m:ctrlPr>
+                        </m:dPr>
+                        <m:e>
+                          <m:m>
+                            <m:mPr>
+                              <m:mcs>
+                                <m:mc>
+                                  <m:mcPr>
+                                    <m:count m:val="1"/>
+                                    <m:mcJc m:val="center"/>
+                                  </m:mcPr>
+                                </m:mc>
+                              </m:mcs>
+                              <m:ctrlPr>
+                                <a:rPr lang="en-US" altLang="zh-TW" i="1" smtClean="0">
+                                  <a:solidFill>
+                                    <a:schemeClr val="tx1"/>
+                                  </a:solidFill>
+                                  <a:latin typeface="Cambria Math" panose="02040503050406030204" pitchFamily="18" charset="0"/>
+                                </a:rPr>
+                              </m:ctrlPr>
+                            </m:mPr>
+                            <m:mr>
+                              <m:e>
+                                <m:r>
+                                  <m:rPr>
+                                    <m:brk m:alnAt="7"/>
+                                  </m:rPr>
+                                  <a:rPr lang="en-US" altLang="zh-TW" b="0" i="1" smtClean="0">
+                                    <a:solidFill>
+                                      <a:schemeClr val="tx1"/>
+                                    </a:solidFill>
+                                    <a:latin typeface="Cambria Math" panose="02040503050406030204" pitchFamily="18" charset="0"/>
+                                  </a:rPr>
+                                  <m:t>𝑥</m:t>
+                                </m:r>
+                              </m:e>
+                            </m:mr>
+                            <m:mr>
+                              <m:e>
+                                <m:r>
+                                  <a:rPr lang="en-US" altLang="zh-TW" b="0" i="1" smtClean="0">
+                                    <a:solidFill>
+                                      <a:schemeClr val="tx1"/>
+                                    </a:solidFill>
+                                    <a:latin typeface="Cambria Math" panose="02040503050406030204" pitchFamily="18" charset="0"/>
+                                  </a:rPr>
+                                  <m:t>𝑦</m:t>
+                                </m:r>
+                              </m:e>
+                            </m:mr>
+                            <m:mr>
+                              <m:e>
+                                <m:r>
+                                  <a:rPr lang="en-US" altLang="zh-TW" b="0" i="1" smtClean="0">
+                                    <a:solidFill>
+                                      <a:schemeClr val="tx1"/>
+                                    </a:solidFill>
+                                    <a:latin typeface="Cambria Math" panose="02040503050406030204" pitchFamily="18" charset="0"/>
+                                  </a:rPr>
+                                  <m:t>𝜙</m:t>
+                                </m:r>
+                              </m:e>
+                            </m:mr>
+                          </m:m>
+                        </m:e>
+                      </m:d>
+                    </m:oMath>
+                  </a14:m>
+                  <a:endParaRPr lang="zh-TW" altLang="en-US" dirty="0">
+                    <a:solidFill>
+                      <a:schemeClr val="tx1"/>
+                    </a:solidFill>
+                  </a:endParaRPr>
+                </a:p>
+              </p:txBody>
+            </p:sp>
+          </mc:Choice>
+          <mc:Fallback>
+            <p:sp>
+              <p:nvSpPr>
+                <p:cNvPr id="67" name="文字方塊 66">
+                  <a:extLst>
+                    <a:ext uri="{FF2B5EF4-FFF2-40B4-BE49-F238E27FC236}">
+                      <a16:creationId xmlns:a16="http://schemas.microsoft.com/office/drawing/2014/main" id="{E6818F09-E97E-4568-AFBD-087307BA9FD9}"/>
+                    </a:ext>
+                  </a:extLst>
+                </p:cNvPr>
+                <p:cNvSpPr txBox="1">
+                  <a:spLocks noRot="1" noChangeAspect="1" noMove="1" noResize="1" noEditPoints="1" noAdjustHandles="1" noChangeArrowheads="1" noChangeShapeType="1" noTextEdit="1"/>
+                </p:cNvSpPr>
+                <p:nvPr/>
+              </p:nvSpPr>
+              <p:spPr>
+                <a:xfrm>
+                  <a:off x="7958664" y="2443435"/>
+                  <a:ext cx="1100669" cy="835613"/>
+                </a:xfrm>
+                <a:prstGeom prst="rect">
+                  <a:avLst/>
+                </a:prstGeom>
+                <a:blipFill>
+                  <a:blip r:embed="rId5"/>
+                  <a:stretch>
+                    <a:fillRect l="-4420"/>
+                  </a:stretch>
+                </a:blipFill>
+              </p:spPr>
+              <p:txBody>
+                <a:bodyPr/>
+                <a:lstStyle/>
+                <a:p>
+                  <a:r>
+                    <a:rPr lang="zh-TW" altLang="en-US">
+                      <a:noFill/>
+                    </a:rPr>
+                    <a:t> </a:t>
+                  </a:r>
+                </a:p>
+              </p:txBody>
+            </p:sp>
+          </mc:Fallback>
+        </mc:AlternateContent>
+        <p:cxnSp>
+          <p:nvCxnSpPr>
+            <p:cNvPr id="69" name="直線接點 68">
+              <a:extLst>
+                <a:ext uri="{FF2B5EF4-FFF2-40B4-BE49-F238E27FC236}">
+                  <a16:creationId xmlns:a16="http://schemas.microsoft.com/office/drawing/2014/main" id="{FC8EDE73-07DF-4429-AE56-B1D07E79B6C5}"/>
+                </a:ext>
+              </a:extLst>
+            </p:cNvPr>
+            <p:cNvCxnSpPr>
+              <a:stCxn id="59" idx="5"/>
+              <a:endCxn id="67" idx="0"/>
+            </p:cNvCxnSpPr>
+            <p:nvPr/>
+          </p:nvCxnSpPr>
+          <p:spPr>
+            <a:xfrm>
+              <a:off x="8063948" y="2174597"/>
+              <a:ext cx="445051" cy="268838"/>
+            </a:xfrm>
+            <a:prstGeom prst="line">
+              <a:avLst/>
+            </a:prstGeom>
+            <a:ln>
+              <a:solidFill>
+                <a:schemeClr val="tx1"/>
+              </a:solidFill>
+            </a:ln>
+          </p:spPr>
+          <p:style>
+            <a:lnRef idx="1">
+              <a:schemeClr val="accent1"/>
+            </a:lnRef>
+            <a:fillRef idx="0">
+              <a:schemeClr val="accent1"/>
+            </a:fillRef>
+            <a:effectRef idx="0">
+              <a:schemeClr val="accent1"/>
+            </a:effectRef>
+            <a:fontRef idx="minor">
+              <a:schemeClr val="tx1"/>
+            </a:fontRef>
+          </p:style>
+        </p:cxnSp>
+      </p:grpSp>
+    </p:spTree>
+    <p:extLst>
+      <p:ext uri="{BB962C8B-B14F-4D97-AF65-F5344CB8AC3E}">
+        <p14:creationId xmlns:p14="http://schemas.microsoft.com/office/powerpoint/2010/main" val="3101058580"/>
       </p:ext>
     </p:extLst>
   </p:cSld>
@@ -10011,8 +12072,8 @@
           </a:fontRef>
         </p:style>
       </p:cxnSp>
-      <mc:AlternateContent xmlns:mc="http://schemas.openxmlformats.org/markup-compatibility/2006">
-        <mc:Choice xmlns:a14="http://schemas.microsoft.com/office/drawing/2010/main" Requires="a14">
+      <mc:AlternateContent xmlns:mc="http://schemas.openxmlformats.org/markup-compatibility/2006" xmlns:a14="http://schemas.microsoft.com/office/drawing/2010/main">
+        <mc:Choice Requires="a14">
           <p:sp>
             <p:nvSpPr>
               <p:cNvPr id="12" name="文字方塊 11">
@@ -10041,6 +12102,7 @@
               </a:bodyPr>
               <a:lstStyle/>
               <a:p>
+                <a:pPr/>
                 <a14:m>
                   <m:oMathPara xmlns:m="http://schemas.openxmlformats.org/officeDocument/2006/math">
                     <m:oMathParaPr>
@@ -10086,7 +12148,7 @@
             </p:txBody>
           </p:sp>
         </mc:Choice>
-        <mc:Fallback>
+        <mc:Fallback xmlns="">
           <p:sp>
             <p:nvSpPr>
               <p:cNvPr id="12" name="文字方塊 11">
@@ -10173,8 +12235,8 @@
           </a:fontRef>
         </p:style>
       </p:cxnSp>
-      <mc:AlternateContent xmlns:mc="http://schemas.openxmlformats.org/markup-compatibility/2006">
-        <mc:Choice xmlns:a14="http://schemas.microsoft.com/office/drawing/2010/main" Requires="a14">
+      <mc:AlternateContent xmlns:mc="http://schemas.openxmlformats.org/markup-compatibility/2006" xmlns:a14="http://schemas.microsoft.com/office/drawing/2010/main">
+        <mc:Choice Requires="a14">
           <p:sp>
             <p:nvSpPr>
               <p:cNvPr id="14" name="文字方塊 13">
@@ -10203,6 +12265,7 @@
               </a:bodyPr>
               <a:lstStyle/>
               <a:p>
+                <a:pPr/>
                 <a14:m>
                   <m:oMathPara xmlns:m="http://schemas.openxmlformats.org/officeDocument/2006/math">
                     <m:oMathParaPr>
@@ -10248,7 +12311,7 @@
             </p:txBody>
           </p:sp>
         </mc:Choice>
-        <mc:Fallback>
+        <mc:Fallback xmlns="">
           <p:sp>
             <p:nvSpPr>
               <p:cNvPr id="14" name="文字方塊 13">
@@ -10335,8 +12398,8 @@
           </a:fontRef>
         </p:style>
       </p:cxnSp>
-      <mc:AlternateContent xmlns:mc="http://schemas.openxmlformats.org/markup-compatibility/2006">
-        <mc:Choice xmlns:a14="http://schemas.microsoft.com/office/drawing/2010/main" Requires="a14">
+      <mc:AlternateContent xmlns:mc="http://schemas.openxmlformats.org/markup-compatibility/2006" xmlns:a14="http://schemas.microsoft.com/office/drawing/2010/main">
+        <mc:Choice Requires="a14">
           <p:sp>
             <p:nvSpPr>
               <p:cNvPr id="17" name="文字方塊 16">
@@ -10365,6 +12428,7 @@
               </a:bodyPr>
               <a:lstStyle/>
               <a:p>
+                <a:pPr/>
                 <a14:m>
                   <m:oMathPara xmlns:m="http://schemas.openxmlformats.org/officeDocument/2006/math">
                     <m:oMathParaPr>
@@ -10410,7 +12474,7 @@
             </p:txBody>
           </p:sp>
         </mc:Choice>
-        <mc:Fallback>
+        <mc:Fallback xmlns="">
           <p:sp>
             <p:nvSpPr>
               <p:cNvPr id="17" name="文字方塊 16">
@@ -10497,8 +12561,8 @@
           </a:fontRef>
         </p:style>
       </p:cxnSp>
-      <mc:AlternateContent xmlns:mc="http://schemas.openxmlformats.org/markup-compatibility/2006">
-        <mc:Choice xmlns:a14="http://schemas.microsoft.com/office/drawing/2010/main" Requires="a14">
+      <mc:AlternateContent xmlns:mc="http://schemas.openxmlformats.org/markup-compatibility/2006" xmlns:a14="http://schemas.microsoft.com/office/drawing/2010/main">
+        <mc:Choice Requires="a14">
           <p:sp>
             <p:nvSpPr>
               <p:cNvPr id="19" name="文字方塊 18">
@@ -10527,6 +12591,7 @@
               </a:bodyPr>
               <a:lstStyle/>
               <a:p>
+                <a:pPr/>
                 <a14:m>
                   <m:oMathPara xmlns:m="http://schemas.openxmlformats.org/officeDocument/2006/math">
                     <m:oMathParaPr>
@@ -10572,7 +12637,7 @@
             </p:txBody>
           </p:sp>
         </mc:Choice>
-        <mc:Fallback>
+        <mc:Fallback xmlns="">
           <p:sp>
             <p:nvSpPr>
               <p:cNvPr id="19" name="文字方塊 18">
@@ -10661,8 +12726,8 @@
           </a:fontRef>
         </p:style>
       </p:cxnSp>
-      <mc:AlternateContent xmlns:mc="http://schemas.openxmlformats.org/markup-compatibility/2006">
-        <mc:Choice xmlns:a14="http://schemas.microsoft.com/office/drawing/2010/main" Requires="a14">
+      <mc:AlternateContent xmlns:mc="http://schemas.openxmlformats.org/markup-compatibility/2006" xmlns:a14="http://schemas.microsoft.com/office/drawing/2010/main">
+        <mc:Choice Requires="a14">
           <p:sp>
             <p:nvSpPr>
               <p:cNvPr id="23" name="文字方塊 22">
@@ -10691,6 +12756,7 @@
               </a:bodyPr>
               <a:lstStyle/>
               <a:p>
+                <a:pPr/>
                 <a14:m>
                   <m:oMathPara xmlns:m="http://schemas.openxmlformats.org/officeDocument/2006/math">
                     <m:oMathParaPr>
@@ -10742,7 +12808,7 @@
             </p:txBody>
           </p:sp>
         </mc:Choice>
-        <mc:Fallback>
+        <mc:Fallback xmlns="">
           <p:sp>
             <p:nvSpPr>
               <p:cNvPr id="23" name="文字方塊 22">
@@ -10831,8 +12897,8 @@
           </a:fontRef>
         </p:style>
       </p:cxnSp>
-      <mc:AlternateContent xmlns:mc="http://schemas.openxmlformats.org/markup-compatibility/2006">
-        <mc:Choice xmlns:a14="http://schemas.microsoft.com/office/drawing/2010/main" Requires="a14">
+      <mc:AlternateContent xmlns:mc="http://schemas.openxmlformats.org/markup-compatibility/2006" xmlns:a14="http://schemas.microsoft.com/office/drawing/2010/main">
+        <mc:Choice Requires="a14">
           <p:sp>
             <p:nvSpPr>
               <p:cNvPr id="26" name="文字方塊 25">
@@ -10861,6 +12927,7 @@
               </a:bodyPr>
               <a:lstStyle/>
               <a:p>
+                <a:pPr/>
                 <a14:m>
                   <m:oMathPara xmlns:m="http://schemas.openxmlformats.org/officeDocument/2006/math">
                     <m:oMathParaPr>
@@ -10912,7 +12979,7 @@
             </p:txBody>
           </p:sp>
         </mc:Choice>
-        <mc:Fallback>
+        <mc:Fallback xmlns="">
           <p:sp>
             <p:nvSpPr>
               <p:cNvPr id="26" name="文字方塊 25">

--- a/path_planing/VO_code_try/robot_properties3.pptx
+++ b/path_planing/VO_code_try/robot_properties3.pptx
@@ -268,7 +268,7 @@
           <a:p>
             <a:fld id="{9CD1F5AD-FE1B-4540-B598-52220A64164D}" type="datetimeFigureOut">
               <a:rPr lang="zh-TW" altLang="en-US" smtClean="0"/>
-              <a:t>2024/7/9</a:t>
+              <a:t>2024/7/10</a:t>
             </a:fld>
             <a:endParaRPr lang="zh-TW" altLang="en-US"/>
           </a:p>
@@ -466,7 +466,7 @@
           <a:p>
             <a:fld id="{9CD1F5AD-FE1B-4540-B598-52220A64164D}" type="datetimeFigureOut">
               <a:rPr lang="zh-TW" altLang="en-US" smtClean="0"/>
-              <a:t>2024/7/9</a:t>
+              <a:t>2024/7/10</a:t>
             </a:fld>
             <a:endParaRPr lang="zh-TW" altLang="en-US"/>
           </a:p>
@@ -674,7 +674,7 @@
           <a:p>
             <a:fld id="{9CD1F5AD-FE1B-4540-B598-52220A64164D}" type="datetimeFigureOut">
               <a:rPr lang="zh-TW" altLang="en-US" smtClean="0"/>
-              <a:t>2024/7/9</a:t>
+              <a:t>2024/7/10</a:t>
             </a:fld>
             <a:endParaRPr lang="zh-TW" altLang="en-US"/>
           </a:p>
@@ -872,7 +872,7 @@
           <a:p>
             <a:fld id="{9CD1F5AD-FE1B-4540-B598-52220A64164D}" type="datetimeFigureOut">
               <a:rPr lang="zh-TW" altLang="en-US" smtClean="0"/>
-              <a:t>2024/7/9</a:t>
+              <a:t>2024/7/10</a:t>
             </a:fld>
             <a:endParaRPr lang="zh-TW" altLang="en-US"/>
           </a:p>
@@ -1147,7 +1147,7 @@
           <a:p>
             <a:fld id="{9CD1F5AD-FE1B-4540-B598-52220A64164D}" type="datetimeFigureOut">
               <a:rPr lang="zh-TW" altLang="en-US" smtClean="0"/>
-              <a:t>2024/7/9</a:t>
+              <a:t>2024/7/10</a:t>
             </a:fld>
             <a:endParaRPr lang="zh-TW" altLang="en-US"/>
           </a:p>
@@ -1412,7 +1412,7 @@
           <a:p>
             <a:fld id="{9CD1F5AD-FE1B-4540-B598-52220A64164D}" type="datetimeFigureOut">
               <a:rPr lang="zh-TW" altLang="en-US" smtClean="0"/>
-              <a:t>2024/7/9</a:t>
+              <a:t>2024/7/10</a:t>
             </a:fld>
             <a:endParaRPr lang="zh-TW" altLang="en-US"/>
           </a:p>
@@ -1824,7 +1824,7 @@
           <a:p>
             <a:fld id="{9CD1F5AD-FE1B-4540-B598-52220A64164D}" type="datetimeFigureOut">
               <a:rPr lang="zh-TW" altLang="en-US" smtClean="0"/>
-              <a:t>2024/7/9</a:t>
+              <a:t>2024/7/10</a:t>
             </a:fld>
             <a:endParaRPr lang="zh-TW" altLang="en-US"/>
           </a:p>
@@ -1965,7 +1965,7 @@
           <a:p>
             <a:fld id="{9CD1F5AD-FE1B-4540-B598-52220A64164D}" type="datetimeFigureOut">
               <a:rPr lang="zh-TW" altLang="en-US" smtClean="0"/>
-              <a:t>2024/7/9</a:t>
+              <a:t>2024/7/10</a:t>
             </a:fld>
             <a:endParaRPr lang="zh-TW" altLang="en-US"/>
           </a:p>
@@ -2078,7 +2078,7 @@
           <a:p>
             <a:fld id="{9CD1F5AD-FE1B-4540-B598-52220A64164D}" type="datetimeFigureOut">
               <a:rPr lang="zh-TW" altLang="en-US" smtClean="0"/>
-              <a:t>2024/7/9</a:t>
+              <a:t>2024/7/10</a:t>
             </a:fld>
             <a:endParaRPr lang="zh-TW" altLang="en-US"/>
           </a:p>
@@ -2389,7 +2389,7 @@
           <a:p>
             <a:fld id="{9CD1F5AD-FE1B-4540-B598-52220A64164D}" type="datetimeFigureOut">
               <a:rPr lang="zh-TW" altLang="en-US" smtClean="0"/>
-              <a:t>2024/7/9</a:t>
+              <a:t>2024/7/10</a:t>
             </a:fld>
             <a:endParaRPr lang="zh-TW" altLang="en-US"/>
           </a:p>
@@ -2677,7 +2677,7 @@
           <a:p>
             <a:fld id="{9CD1F5AD-FE1B-4540-B598-52220A64164D}" type="datetimeFigureOut">
               <a:rPr lang="zh-TW" altLang="en-US" smtClean="0"/>
-              <a:t>2024/7/9</a:t>
+              <a:t>2024/7/10</a:t>
             </a:fld>
             <a:endParaRPr lang="zh-TW" altLang="en-US"/>
           </a:p>
@@ -2918,7 +2918,7 @@
           <a:p>
             <a:fld id="{9CD1F5AD-FE1B-4540-B598-52220A64164D}" type="datetimeFigureOut">
               <a:rPr lang="zh-TW" altLang="en-US" smtClean="0"/>
-              <a:t>2024/7/9</a:t>
+              <a:t>2024/7/10</a:t>
             </a:fld>
             <a:endParaRPr lang="zh-TW" altLang="en-US"/>
           </a:p>
@@ -4416,13 +4416,15 @@
                 </a:ext>
               </a:extLst>
             </p:cNvPr>
-            <p:cNvCxnSpPr/>
+            <p:cNvCxnSpPr>
+              <a:cxnSpLocks/>
+            </p:cNvCxnSpPr>
             <p:nvPr/>
           </p:nvCxnSpPr>
           <p:spPr>
             <a:xfrm flipH="1" flipV="1">
-              <a:off x="4497435" y="2125133"/>
-              <a:ext cx="129012" cy="567267"/>
+              <a:off x="4517426" y="2048933"/>
+              <a:ext cx="73218" cy="583377"/>
             </a:xfrm>
             <a:prstGeom prst="straightConnector1">
               <a:avLst/>
@@ -4695,7 +4697,7 @@
                         <a:srgbClr val="FF0000"/>
                       </a:solidFill>
                     </a:rPr>
-                    <a:t>Multiple Global </a:t>
+                    <a:t>Global </a:t>
                   </a:r>
                   <a14:m>
                     <m:oMath xmlns:m="http://schemas.openxmlformats.org/officeDocument/2006/math">
@@ -4779,6 +4781,14 @@
                       </m:d>
                     </m:oMath>
                   </a14:m>
+                  <a:r>
+                    <a:rPr lang="en-US" altLang="zh-TW" dirty="0">
+                      <a:solidFill>
+                        <a:srgbClr val="FF0000"/>
+                      </a:solidFill>
+                    </a:rPr>
+                    <a:t>s</a:t>
+                  </a:r>
                   <a:endParaRPr lang="zh-TW" altLang="en-US" dirty="0">
                     <a:solidFill>
                       <a:srgbClr val="FF0000"/>
@@ -4865,7 +4875,7 @@
                 <a:p>
                   <a:r>
                     <a:rPr lang="en-US" altLang="zh-TW" dirty="0"/>
-                    <a:t>Multiple local </a:t>
+                    <a:t>Local </a:t>
                   </a:r>
                   <a14:m>
                     <m:oMath xmlns:m="http://schemas.openxmlformats.org/officeDocument/2006/math">
@@ -4934,6 +4944,10 @@
                       </m:d>
                     </m:oMath>
                   </a14:m>
+                  <a:r>
+                    <a:rPr lang="en-US" altLang="zh-TW" dirty="0"/>
+                    <a:t>s</a:t>
+                  </a:r>
                   <a:endParaRPr lang="zh-TW" altLang="en-US" dirty="0"/>
                 </a:p>
               </p:txBody>
@@ -5049,10 +5063,10 @@
         </p:nvGrpSpPr>
         <p:grpSpPr>
           <a:xfrm>
-            <a:off x="6245304" y="2353085"/>
-            <a:ext cx="2549931" cy="1696274"/>
-            <a:chOff x="6509402" y="1697565"/>
-            <a:chExt cx="2549931" cy="1696274"/>
+            <a:off x="6245304" y="2551406"/>
+            <a:ext cx="3423687" cy="1526940"/>
+            <a:chOff x="6509402" y="1895886"/>
+            <a:chExt cx="3423687" cy="1526940"/>
           </a:xfrm>
         </p:grpSpPr>
         <p:sp>
@@ -5117,8 +5131,8 @@
           </p:nvCxnSpPr>
           <p:spPr>
             <a:xfrm flipH="1" flipV="1">
-              <a:off x="7416800" y="1735666"/>
-              <a:ext cx="372532" cy="330201"/>
+              <a:off x="7299898" y="1943746"/>
+              <a:ext cx="489434" cy="122122"/>
             </a:xfrm>
             <a:prstGeom prst="straightConnector1">
               <a:avLst/>
@@ -5219,8 +5233,8 @@
           </p:nvCxnSpPr>
           <p:spPr>
             <a:xfrm flipH="1" flipV="1">
-              <a:off x="7628466" y="1697565"/>
-              <a:ext cx="321732" cy="365363"/>
+              <a:off x="7528498" y="1895886"/>
+              <a:ext cx="421700" cy="167043"/>
             </a:xfrm>
             <a:prstGeom prst="straightConnector1">
               <a:avLst/>
@@ -5290,8 +5304,8 @@
             </a:fontRef>
           </p:style>
         </p:cxnSp>
-        <mc:AlternateContent xmlns:mc="http://schemas.openxmlformats.org/markup-compatibility/2006">
-          <mc:Choice xmlns:a14="http://schemas.microsoft.com/office/drawing/2010/main" Requires="a14">
+        <mc:AlternateContent xmlns:mc="http://schemas.openxmlformats.org/markup-compatibility/2006" xmlns:a14="http://schemas.microsoft.com/office/drawing/2010/main">
+          <mc:Choice Requires="a14">
             <p:sp>
               <p:nvSpPr>
                 <p:cNvPr id="66" name="文字方塊 65">
@@ -5419,7 +5433,7 @@
               </p:txBody>
             </p:sp>
           </mc:Choice>
-          <mc:Fallback>
+          <mc:Fallback xmlns="">
             <p:sp>
               <p:nvSpPr>
                 <p:cNvPr id="66" name="文字方塊 65">
@@ -5480,7 +5494,7 @@
               </p:nvSpPr>
               <p:spPr>
                 <a:xfrm>
-                  <a:off x="7958664" y="2443435"/>
+                  <a:off x="8832420" y="2587213"/>
                   <a:ext cx="1100669" cy="835613"/>
                 </a:xfrm>
                 <a:prstGeom prst="rect">
@@ -5610,7 +5624,7 @@
               </p:nvSpPr>
               <p:spPr>
                 <a:xfrm>
-                  <a:off x="7958664" y="2443435"/>
+                  <a:off x="8832420" y="2587213"/>
                   <a:ext cx="1100669" cy="835613"/>
                 </a:xfrm>
                 <a:prstGeom prst="rect">
@@ -5619,7 +5633,7 @@
                 <a:blipFill>
                   <a:blip r:embed="rId5"/>
                   <a:stretch>
-                    <a:fillRect l="-4420"/>
+                    <a:fillRect l="-5000"/>
                   </a:stretch>
                 </a:blipFill>
               </p:spPr>
@@ -5648,15 +5662,16 @@
               </a:extLst>
             </p:cNvPr>
             <p:cNvCxnSpPr>
-              <a:stCxn id="59" idx="5"/>
+              <a:cxnSpLocks/>
+              <a:stCxn id="59" idx="6"/>
               <a:endCxn id="67" idx="0"/>
             </p:cNvCxnSpPr>
             <p:nvPr/>
           </p:nvCxnSpPr>
           <p:spPr>
             <a:xfrm>
-              <a:off x="8063948" y="2174597"/>
-              <a:ext cx="445051" cy="268838"/>
+              <a:off x="8111065" y="2062926"/>
+              <a:ext cx="1271690" cy="524287"/>
             </a:xfrm>
             <a:prstGeom prst="line">
               <a:avLst/>
@@ -5683,6 +5698,237 @@
           </p:style>
         </p:cxnSp>
       </p:grpSp>
+      <p:sp>
+        <p:nvSpPr>
+          <p:cNvPr id="2" name="手繪多邊形: 圖案 1">
+            <a:extLst>
+              <a:ext uri="{FF2B5EF4-FFF2-40B4-BE49-F238E27FC236}">
+                <a16:creationId xmlns:a16="http://schemas.microsoft.com/office/drawing/2014/main" id="{1E6BBC69-61F8-42E4-A85B-3A32F50FE0CF}"/>
+              </a:ext>
+            </a:extLst>
+          </p:cNvPr>
+          <p:cNvSpPr/>
+          <p:nvPr/>
+        </p:nvSpPr>
+        <p:spPr>
+          <a:xfrm>
+            <a:off x="7721600" y="2743200"/>
+            <a:ext cx="570115" cy="2556933"/>
+          </a:xfrm>
+          <a:custGeom>
+            <a:avLst/>
+            <a:gdLst>
+              <a:gd name="connsiteX0" fmla="*/ 0 w 570115"/>
+              <a:gd name="connsiteY0" fmla="*/ 0 h 2556933"/>
+              <a:gd name="connsiteX1" fmla="*/ 567267 w 570115"/>
+              <a:gd name="connsiteY1" fmla="*/ 694267 h 2556933"/>
+              <a:gd name="connsiteX2" fmla="*/ 220133 w 570115"/>
+              <a:gd name="connsiteY2" fmla="*/ 2556933 h 2556933"/>
+            </a:gdLst>
+            <a:ahLst/>
+            <a:cxnLst>
+              <a:cxn ang="0">
+                <a:pos x="connsiteX0" y="connsiteY0"/>
+              </a:cxn>
+              <a:cxn ang="0">
+                <a:pos x="connsiteX1" y="connsiteY1"/>
+              </a:cxn>
+              <a:cxn ang="0">
+                <a:pos x="connsiteX2" y="connsiteY2"/>
+              </a:cxn>
+            </a:cxnLst>
+            <a:rect l="l" t="t" r="r" b="b"/>
+            <a:pathLst>
+              <a:path w="570115" h="2556933">
+                <a:moveTo>
+                  <a:pt x="0" y="0"/>
+                </a:moveTo>
+                <a:cubicBezTo>
+                  <a:pt x="265289" y="134056"/>
+                  <a:pt x="530578" y="268112"/>
+                  <a:pt x="567267" y="694267"/>
+                </a:cubicBezTo>
+                <a:cubicBezTo>
+                  <a:pt x="603956" y="1120422"/>
+                  <a:pt x="275166" y="2262011"/>
+                  <a:pt x="220133" y="2556933"/>
+                </a:cubicBezTo>
+              </a:path>
+            </a:pathLst>
+          </a:custGeom>
+          <a:noFill/>
+          <a:ln w="38100">
+            <a:solidFill>
+              <a:schemeClr val="tx2">
+                <a:lumMod val="50000"/>
+              </a:schemeClr>
+            </a:solidFill>
+          </a:ln>
+        </p:spPr>
+        <p:style>
+          <a:lnRef idx="2">
+            <a:schemeClr val="accent1">
+              <a:shade val="50000"/>
+            </a:schemeClr>
+          </a:lnRef>
+          <a:fillRef idx="1">
+            <a:schemeClr val="accent1"/>
+          </a:fillRef>
+          <a:effectRef idx="0">
+            <a:schemeClr val="accent1"/>
+          </a:effectRef>
+          <a:fontRef idx="minor">
+            <a:schemeClr val="lt1"/>
+          </a:fontRef>
+        </p:style>
+        <p:txBody>
+          <a:bodyPr rtlCol="0" anchor="ctr"/>
+          <a:lstStyle/>
+          <a:p>
+            <a:pPr algn="ctr"/>
+            <a:endParaRPr lang="zh-TW" altLang="en-US"/>
+          </a:p>
+        </p:txBody>
+      </p:sp>
+      <p:sp>
+        <p:nvSpPr>
+          <p:cNvPr id="3" name="手繪多邊形: 圖案 2">
+            <a:extLst>
+              <a:ext uri="{FF2B5EF4-FFF2-40B4-BE49-F238E27FC236}">
+                <a16:creationId xmlns:a16="http://schemas.microsoft.com/office/drawing/2014/main" id="{E68C8444-0BAB-445F-AC83-95FF163C9F04}"/>
+              </a:ext>
+            </a:extLst>
+          </p:cNvPr>
+          <p:cNvSpPr/>
+          <p:nvPr/>
+        </p:nvSpPr>
+        <p:spPr>
+          <a:xfrm>
+            <a:off x="7543800" y="2751667"/>
+            <a:ext cx="682877" cy="2523066"/>
+          </a:xfrm>
+          <a:custGeom>
+            <a:avLst/>
+            <a:gdLst>
+              <a:gd name="connsiteX0" fmla="*/ 0 w 682877"/>
+              <a:gd name="connsiteY0" fmla="*/ 0 h 2523066"/>
+              <a:gd name="connsiteX1" fmla="*/ 668867 w 682877"/>
+              <a:gd name="connsiteY1" fmla="*/ 584200 h 2523066"/>
+              <a:gd name="connsiteX2" fmla="*/ 389467 w 682877"/>
+              <a:gd name="connsiteY2" fmla="*/ 2523066 h 2523066"/>
+            </a:gdLst>
+            <a:ahLst/>
+            <a:cxnLst>
+              <a:cxn ang="0">
+                <a:pos x="connsiteX0" y="connsiteY0"/>
+              </a:cxn>
+              <a:cxn ang="0">
+                <a:pos x="connsiteX1" y="connsiteY1"/>
+              </a:cxn>
+              <a:cxn ang="0">
+                <a:pos x="connsiteX2" y="connsiteY2"/>
+              </a:cxn>
+            </a:cxnLst>
+            <a:rect l="l" t="t" r="r" b="b"/>
+            <a:pathLst>
+              <a:path w="682877" h="2523066">
+                <a:moveTo>
+                  <a:pt x="0" y="0"/>
+                </a:moveTo>
+                <a:cubicBezTo>
+                  <a:pt x="301978" y="81844"/>
+                  <a:pt x="603956" y="163689"/>
+                  <a:pt x="668867" y="584200"/>
+                </a:cubicBezTo>
+                <a:cubicBezTo>
+                  <a:pt x="733778" y="1004711"/>
+                  <a:pt x="561622" y="1763888"/>
+                  <a:pt x="389467" y="2523066"/>
+                </a:cubicBezTo>
+              </a:path>
+            </a:pathLst>
+          </a:custGeom>
+          <a:noFill/>
+          <a:ln w="57150">
+            <a:solidFill>
+              <a:srgbClr val="FF0000"/>
+            </a:solidFill>
+            <a:prstDash val="sysDot"/>
+          </a:ln>
+        </p:spPr>
+        <p:style>
+          <a:lnRef idx="2">
+            <a:schemeClr val="accent1">
+              <a:shade val="50000"/>
+            </a:schemeClr>
+          </a:lnRef>
+          <a:fillRef idx="1">
+            <a:schemeClr val="accent1"/>
+          </a:fillRef>
+          <a:effectRef idx="0">
+            <a:schemeClr val="accent1"/>
+          </a:effectRef>
+          <a:fontRef idx="minor">
+            <a:schemeClr val="lt1"/>
+          </a:fontRef>
+        </p:style>
+        <p:txBody>
+          <a:bodyPr rtlCol="0" anchor="ctr"/>
+          <a:lstStyle/>
+          <a:p>
+            <a:pPr algn="ctr"/>
+            <a:endParaRPr lang="zh-TW" altLang="en-US"/>
+          </a:p>
+        </p:txBody>
+      </p:sp>
+      <p:sp>
+        <p:nvSpPr>
+          <p:cNvPr id="10" name="十字形 9">
+            <a:extLst>
+              <a:ext uri="{FF2B5EF4-FFF2-40B4-BE49-F238E27FC236}">
+                <a16:creationId xmlns:a16="http://schemas.microsoft.com/office/drawing/2014/main" id="{B8AAE849-F2D6-4415-95D5-33D8D563DA56}"/>
+              </a:ext>
+            </a:extLst>
+          </p:cNvPr>
+          <p:cNvSpPr/>
+          <p:nvPr/>
+        </p:nvSpPr>
+        <p:spPr>
+          <a:xfrm rot="19213645">
+            <a:off x="7755082" y="5096711"/>
+            <a:ext cx="353550" cy="343548"/>
+          </a:xfrm>
+          <a:prstGeom prst="plus">
+            <a:avLst>
+              <a:gd name="adj" fmla="val 46389"/>
+            </a:avLst>
+          </a:prstGeom>
+        </p:spPr>
+        <p:style>
+          <a:lnRef idx="2">
+            <a:schemeClr val="accent4">
+              <a:shade val="50000"/>
+            </a:schemeClr>
+          </a:lnRef>
+          <a:fillRef idx="1">
+            <a:schemeClr val="accent4"/>
+          </a:fillRef>
+          <a:effectRef idx="0">
+            <a:schemeClr val="accent4"/>
+          </a:effectRef>
+          <a:fontRef idx="minor">
+            <a:schemeClr val="lt1"/>
+          </a:fontRef>
+        </p:style>
+        <p:txBody>
+          <a:bodyPr rtlCol="0" anchor="ctr"/>
+          <a:lstStyle/>
+          <a:p>
+            <a:pPr algn="ctr"/>
+            <a:endParaRPr lang="zh-TW" altLang="en-US"/>
+          </a:p>
+        </p:txBody>
+      </p:sp>
     </p:spTree>
     <p:extLst>
       <p:ext uri="{BB962C8B-B14F-4D97-AF65-F5344CB8AC3E}">

--- a/path_planing/VO_code_try/robot_properties3.pptx
+++ b/path_planing/VO_code_try/robot_properties3.pptx
@@ -15,6 +15,7 @@
     <p:sldId id="263" r:id="rId9"/>
     <p:sldId id="264" r:id="rId10"/>
     <p:sldId id="265" r:id="rId11"/>
+    <p:sldId id="266" r:id="rId12"/>
   </p:sldIdLst>
   <p:sldSz cx="12192000" cy="6858000"/>
   <p:notesSz cx="6858000" cy="9144000"/>
@@ -268,7 +269,7 @@
           <a:p>
             <a:fld id="{9CD1F5AD-FE1B-4540-B598-52220A64164D}" type="datetimeFigureOut">
               <a:rPr lang="zh-TW" altLang="en-US" smtClean="0"/>
-              <a:t>2024/7/10</a:t>
+              <a:t>2024/7/22</a:t>
             </a:fld>
             <a:endParaRPr lang="zh-TW" altLang="en-US"/>
           </a:p>
@@ -466,7 +467,7 @@
           <a:p>
             <a:fld id="{9CD1F5AD-FE1B-4540-B598-52220A64164D}" type="datetimeFigureOut">
               <a:rPr lang="zh-TW" altLang="en-US" smtClean="0"/>
-              <a:t>2024/7/10</a:t>
+              <a:t>2024/7/22</a:t>
             </a:fld>
             <a:endParaRPr lang="zh-TW" altLang="en-US"/>
           </a:p>
@@ -674,7 +675,7 @@
           <a:p>
             <a:fld id="{9CD1F5AD-FE1B-4540-B598-52220A64164D}" type="datetimeFigureOut">
               <a:rPr lang="zh-TW" altLang="en-US" smtClean="0"/>
-              <a:t>2024/7/10</a:t>
+              <a:t>2024/7/22</a:t>
             </a:fld>
             <a:endParaRPr lang="zh-TW" altLang="en-US"/>
           </a:p>
@@ -872,7 +873,7 @@
           <a:p>
             <a:fld id="{9CD1F5AD-FE1B-4540-B598-52220A64164D}" type="datetimeFigureOut">
               <a:rPr lang="zh-TW" altLang="en-US" smtClean="0"/>
-              <a:t>2024/7/10</a:t>
+              <a:t>2024/7/22</a:t>
             </a:fld>
             <a:endParaRPr lang="zh-TW" altLang="en-US"/>
           </a:p>
@@ -1147,7 +1148,7 @@
           <a:p>
             <a:fld id="{9CD1F5AD-FE1B-4540-B598-52220A64164D}" type="datetimeFigureOut">
               <a:rPr lang="zh-TW" altLang="en-US" smtClean="0"/>
-              <a:t>2024/7/10</a:t>
+              <a:t>2024/7/22</a:t>
             </a:fld>
             <a:endParaRPr lang="zh-TW" altLang="en-US"/>
           </a:p>
@@ -1412,7 +1413,7 @@
           <a:p>
             <a:fld id="{9CD1F5AD-FE1B-4540-B598-52220A64164D}" type="datetimeFigureOut">
               <a:rPr lang="zh-TW" altLang="en-US" smtClean="0"/>
-              <a:t>2024/7/10</a:t>
+              <a:t>2024/7/22</a:t>
             </a:fld>
             <a:endParaRPr lang="zh-TW" altLang="en-US"/>
           </a:p>
@@ -1824,7 +1825,7 @@
           <a:p>
             <a:fld id="{9CD1F5AD-FE1B-4540-B598-52220A64164D}" type="datetimeFigureOut">
               <a:rPr lang="zh-TW" altLang="en-US" smtClean="0"/>
-              <a:t>2024/7/10</a:t>
+              <a:t>2024/7/22</a:t>
             </a:fld>
             <a:endParaRPr lang="zh-TW" altLang="en-US"/>
           </a:p>
@@ -1965,7 +1966,7 @@
           <a:p>
             <a:fld id="{9CD1F5AD-FE1B-4540-B598-52220A64164D}" type="datetimeFigureOut">
               <a:rPr lang="zh-TW" altLang="en-US" smtClean="0"/>
-              <a:t>2024/7/10</a:t>
+              <a:t>2024/7/22</a:t>
             </a:fld>
             <a:endParaRPr lang="zh-TW" altLang="en-US"/>
           </a:p>
@@ -2078,7 +2079,7 @@
           <a:p>
             <a:fld id="{9CD1F5AD-FE1B-4540-B598-52220A64164D}" type="datetimeFigureOut">
               <a:rPr lang="zh-TW" altLang="en-US" smtClean="0"/>
-              <a:t>2024/7/10</a:t>
+              <a:t>2024/7/22</a:t>
             </a:fld>
             <a:endParaRPr lang="zh-TW" altLang="en-US"/>
           </a:p>
@@ -2389,7 +2390,7 @@
           <a:p>
             <a:fld id="{9CD1F5AD-FE1B-4540-B598-52220A64164D}" type="datetimeFigureOut">
               <a:rPr lang="zh-TW" altLang="en-US" smtClean="0"/>
-              <a:t>2024/7/10</a:t>
+              <a:t>2024/7/22</a:t>
             </a:fld>
             <a:endParaRPr lang="zh-TW" altLang="en-US"/>
           </a:p>
@@ -2677,7 +2678,7 @@
           <a:p>
             <a:fld id="{9CD1F5AD-FE1B-4540-B598-52220A64164D}" type="datetimeFigureOut">
               <a:rPr lang="zh-TW" altLang="en-US" smtClean="0"/>
-              <a:t>2024/7/10</a:t>
+              <a:t>2024/7/22</a:t>
             </a:fld>
             <a:endParaRPr lang="zh-TW" altLang="en-US"/>
           </a:p>
@@ -2918,7 +2919,7 @@
           <a:p>
             <a:fld id="{9CD1F5AD-FE1B-4540-B598-52220A64164D}" type="datetimeFigureOut">
               <a:rPr lang="zh-TW" altLang="en-US" smtClean="0"/>
-              <a:t>2024/7/10</a:t>
+              <a:t>2024/7/22</a:t>
             </a:fld>
             <a:endParaRPr lang="zh-TW" altLang="en-US"/>
           </a:p>
@@ -4661,8 +4662,8 @@
             </a:fontRef>
           </p:style>
         </p:cxnSp>
-        <mc:AlternateContent xmlns:mc="http://schemas.openxmlformats.org/markup-compatibility/2006">
-          <mc:Choice xmlns:a14="http://schemas.microsoft.com/office/drawing/2010/main" Requires="a14">
+        <mc:AlternateContent xmlns:mc="http://schemas.openxmlformats.org/markup-compatibility/2006" xmlns:a14="http://schemas.microsoft.com/office/drawing/2010/main">
+          <mc:Choice Requires="a14">
             <p:sp>
               <p:nvSpPr>
                 <p:cNvPr id="48" name="文字方塊 47">
@@ -4798,7 +4799,7 @@
               </p:txBody>
             </p:sp>
           </mc:Choice>
-          <mc:Fallback>
+          <mc:Fallback xmlns="">
             <p:sp>
               <p:nvSpPr>
                 <p:cNvPr id="48" name="文字方塊 47">
@@ -4843,8 +4844,8 @@
             </p:sp>
           </mc:Fallback>
         </mc:AlternateContent>
-        <mc:AlternateContent xmlns:mc="http://schemas.openxmlformats.org/markup-compatibility/2006">
-          <mc:Choice xmlns:a14="http://schemas.microsoft.com/office/drawing/2010/main" Requires="a14">
+        <mc:AlternateContent xmlns:mc="http://schemas.openxmlformats.org/markup-compatibility/2006" xmlns:a14="http://schemas.microsoft.com/office/drawing/2010/main">
+          <mc:Choice Requires="a14">
             <p:sp>
               <p:nvSpPr>
                 <p:cNvPr id="51" name="文字方塊 50">
@@ -4953,7 +4954,7 @@
               </p:txBody>
             </p:sp>
           </mc:Choice>
-          <mc:Fallback>
+          <mc:Fallback xmlns="">
             <p:sp>
               <p:nvSpPr>
                 <p:cNvPr id="51" name="文字方塊 50">
@@ -5478,8 +5479,8 @@
             </p:sp>
           </mc:Fallback>
         </mc:AlternateContent>
-        <mc:AlternateContent xmlns:mc="http://schemas.openxmlformats.org/markup-compatibility/2006">
-          <mc:Choice xmlns:a14="http://schemas.microsoft.com/office/drawing/2010/main" Requires="a14">
+        <mc:AlternateContent xmlns:mc="http://schemas.openxmlformats.org/markup-compatibility/2006" xmlns:a14="http://schemas.microsoft.com/office/drawing/2010/main">
+          <mc:Choice Requires="a14">
             <p:sp>
               <p:nvSpPr>
                 <p:cNvPr id="67" name="文字方塊 66">
@@ -5607,7 +5608,7 @@
               </p:txBody>
             </p:sp>
           </mc:Choice>
-          <mc:Fallback>
+          <mc:Fallback xmlns="">
             <p:sp>
               <p:nvSpPr>
                 <p:cNvPr id="67" name="文字方塊 66">
@@ -5933,6 +5934,198 @@
     <p:extLst>
       <p:ext uri="{BB962C8B-B14F-4D97-AF65-F5344CB8AC3E}">
         <p14:creationId xmlns:p14="http://schemas.microsoft.com/office/powerpoint/2010/main" val="3101058580"/>
+      </p:ext>
+    </p:extLst>
+  </p:cSld>
+  <p:clrMapOvr>
+    <a:masterClrMapping/>
+  </p:clrMapOvr>
+</p:sld>
+</file>
+
+<file path=ppt/slides/slide11.xml><?xml version="1.0" encoding="utf-8"?>
+<p:sld xmlns:a="http://schemas.openxmlformats.org/drawingml/2006/main" xmlns:r="http://schemas.openxmlformats.org/officeDocument/2006/relationships" xmlns:p="http://schemas.openxmlformats.org/presentationml/2006/main">
+  <p:cSld>
+    <p:spTree>
+      <p:nvGrpSpPr>
+        <p:cNvPr id="1" name=""/>
+        <p:cNvGrpSpPr/>
+        <p:nvPr/>
+      </p:nvGrpSpPr>
+      <p:grpSpPr>
+        <a:xfrm>
+          <a:off x="0" y="0"/>
+          <a:ext cx="0" cy="0"/>
+          <a:chOff x="0" y="0"/>
+          <a:chExt cx="0" cy="0"/>
+        </a:xfrm>
+      </p:grpSpPr>
+      <p:cxnSp>
+        <p:nvCxnSpPr>
+          <p:cNvPr id="5" name="直線單箭頭接點 4">
+            <a:extLst>
+              <a:ext uri="{FF2B5EF4-FFF2-40B4-BE49-F238E27FC236}">
+                <a16:creationId xmlns:a16="http://schemas.microsoft.com/office/drawing/2014/main" id="{45E927BF-667F-459E-985B-C433CC698406}"/>
+              </a:ext>
+            </a:extLst>
+          </p:cNvPr>
+          <p:cNvCxnSpPr/>
+          <p:nvPr/>
+        </p:nvCxnSpPr>
+        <p:spPr>
+          <a:xfrm flipV="1">
+            <a:off x="2599267" y="1718733"/>
+            <a:ext cx="3953933" cy="2175934"/>
+          </a:xfrm>
+          <a:prstGeom prst="straightConnector1">
+            <a:avLst/>
+          </a:prstGeom>
+          <a:ln>
+            <a:tailEnd type="triangle"/>
+          </a:ln>
+        </p:spPr>
+        <p:style>
+          <a:lnRef idx="1">
+            <a:schemeClr val="dk1"/>
+          </a:lnRef>
+          <a:fillRef idx="0">
+            <a:schemeClr val="dk1"/>
+          </a:fillRef>
+          <a:effectRef idx="0">
+            <a:schemeClr val="dk1"/>
+          </a:effectRef>
+          <a:fontRef idx="minor">
+            <a:schemeClr val="tx1"/>
+          </a:fontRef>
+        </p:style>
+      </p:cxnSp>
+      <p:cxnSp>
+        <p:nvCxnSpPr>
+          <p:cNvPr id="7" name="直線單箭頭接點 6">
+            <a:extLst>
+              <a:ext uri="{FF2B5EF4-FFF2-40B4-BE49-F238E27FC236}">
+                <a16:creationId xmlns:a16="http://schemas.microsoft.com/office/drawing/2014/main" id="{8A49E072-D198-4179-8949-D6C8387106CA}"/>
+              </a:ext>
+            </a:extLst>
+          </p:cNvPr>
+          <p:cNvCxnSpPr/>
+          <p:nvPr/>
+        </p:nvCxnSpPr>
+        <p:spPr>
+          <a:xfrm>
+            <a:off x="2599267" y="3903133"/>
+            <a:ext cx="1176866" cy="0"/>
+          </a:xfrm>
+          <a:prstGeom prst="straightConnector1">
+            <a:avLst/>
+          </a:prstGeom>
+          <a:ln w="28575">
+            <a:solidFill>
+              <a:srgbClr val="FF0000"/>
+            </a:solidFill>
+            <a:tailEnd type="triangle"/>
+          </a:ln>
+        </p:spPr>
+        <p:style>
+          <a:lnRef idx="1">
+            <a:schemeClr val="accent1"/>
+          </a:lnRef>
+          <a:fillRef idx="0">
+            <a:schemeClr val="accent1"/>
+          </a:fillRef>
+          <a:effectRef idx="0">
+            <a:schemeClr val="accent1"/>
+          </a:effectRef>
+          <a:fontRef idx="minor">
+            <a:schemeClr val="tx1"/>
+          </a:fontRef>
+        </p:style>
+      </p:cxnSp>
+      <p:cxnSp>
+        <p:nvCxnSpPr>
+          <p:cNvPr id="9" name="直線單箭頭接點 8">
+            <a:extLst>
+              <a:ext uri="{FF2B5EF4-FFF2-40B4-BE49-F238E27FC236}">
+                <a16:creationId xmlns:a16="http://schemas.microsoft.com/office/drawing/2014/main" id="{88082F17-E3D2-4DDC-AACE-C4BF614C7FAB}"/>
+              </a:ext>
+            </a:extLst>
+          </p:cNvPr>
+          <p:cNvCxnSpPr/>
+          <p:nvPr/>
+        </p:nvCxnSpPr>
+        <p:spPr>
+          <a:xfrm>
+            <a:off x="2599267" y="3903133"/>
+            <a:ext cx="3953933" cy="0"/>
+          </a:xfrm>
+          <a:prstGeom prst="straightConnector1">
+            <a:avLst/>
+          </a:prstGeom>
+          <a:ln>
+            <a:tailEnd type="triangle"/>
+          </a:ln>
+        </p:spPr>
+        <p:style>
+          <a:lnRef idx="1">
+            <a:schemeClr val="accent1"/>
+          </a:lnRef>
+          <a:fillRef idx="0">
+            <a:schemeClr val="accent1"/>
+          </a:fillRef>
+          <a:effectRef idx="0">
+            <a:schemeClr val="accent1"/>
+          </a:effectRef>
+          <a:fontRef idx="minor">
+            <a:schemeClr val="tx1"/>
+          </a:fontRef>
+        </p:style>
+      </p:cxnSp>
+      <p:cxnSp>
+        <p:nvCxnSpPr>
+          <p:cNvPr id="11" name="直線單箭頭接點 10">
+            <a:extLst>
+              <a:ext uri="{FF2B5EF4-FFF2-40B4-BE49-F238E27FC236}">
+                <a16:creationId xmlns:a16="http://schemas.microsoft.com/office/drawing/2014/main" id="{E4814DB5-86B9-491A-8504-B76F21F30944}"/>
+              </a:ext>
+            </a:extLst>
+          </p:cNvPr>
+          <p:cNvCxnSpPr>
+            <a:cxnSpLocks/>
+          </p:cNvCxnSpPr>
+          <p:nvPr/>
+        </p:nvCxnSpPr>
+        <p:spPr>
+          <a:xfrm flipV="1">
+            <a:off x="6553200" y="1718733"/>
+            <a:ext cx="0" cy="2184400"/>
+          </a:xfrm>
+          <a:prstGeom prst="straightConnector1">
+            <a:avLst/>
+          </a:prstGeom>
+          <a:ln>
+            <a:prstDash val="lgDash"/>
+            <a:tailEnd type="triangle"/>
+          </a:ln>
+        </p:spPr>
+        <p:style>
+          <a:lnRef idx="1">
+            <a:schemeClr val="accent3"/>
+          </a:lnRef>
+          <a:fillRef idx="0">
+            <a:schemeClr val="accent3"/>
+          </a:fillRef>
+          <a:effectRef idx="0">
+            <a:schemeClr val="accent3"/>
+          </a:effectRef>
+          <a:fontRef idx="minor">
+            <a:schemeClr val="tx1"/>
+          </a:fontRef>
+        </p:style>
+      </p:cxnSp>
+    </p:spTree>
+    <p:extLst>
+      <p:ext uri="{BB962C8B-B14F-4D97-AF65-F5344CB8AC3E}">
+        <p14:creationId xmlns:p14="http://schemas.microsoft.com/office/powerpoint/2010/main" val="2639799558"/>
       </p:ext>
     </p:extLst>
   </p:cSld>

--- a/path_planing/VO_code_try/robot_properties3.pptx
+++ b/path_planing/VO_code_try/robot_properties3.pptx
@@ -16,6 +16,8 @@
     <p:sldId id="264" r:id="rId10"/>
     <p:sldId id="265" r:id="rId11"/>
     <p:sldId id="266" r:id="rId12"/>
+    <p:sldId id="267" r:id="rId13"/>
+    <p:sldId id="268" r:id="rId14"/>
   </p:sldIdLst>
   <p:sldSz cx="12192000" cy="6858000"/>
   <p:notesSz cx="6858000" cy="9144000"/>
@@ -269,7 +271,7 @@
           <a:p>
             <a:fld id="{9CD1F5AD-FE1B-4540-B598-52220A64164D}" type="datetimeFigureOut">
               <a:rPr lang="zh-TW" altLang="en-US" smtClean="0"/>
-              <a:t>2024/7/22</a:t>
+              <a:t>2024/7/30</a:t>
             </a:fld>
             <a:endParaRPr lang="zh-TW" altLang="en-US"/>
           </a:p>
@@ -467,7 +469,7 @@
           <a:p>
             <a:fld id="{9CD1F5AD-FE1B-4540-B598-52220A64164D}" type="datetimeFigureOut">
               <a:rPr lang="zh-TW" altLang="en-US" smtClean="0"/>
-              <a:t>2024/7/22</a:t>
+              <a:t>2024/7/30</a:t>
             </a:fld>
             <a:endParaRPr lang="zh-TW" altLang="en-US"/>
           </a:p>
@@ -675,7 +677,7 @@
           <a:p>
             <a:fld id="{9CD1F5AD-FE1B-4540-B598-52220A64164D}" type="datetimeFigureOut">
               <a:rPr lang="zh-TW" altLang="en-US" smtClean="0"/>
-              <a:t>2024/7/22</a:t>
+              <a:t>2024/7/30</a:t>
             </a:fld>
             <a:endParaRPr lang="zh-TW" altLang="en-US"/>
           </a:p>
@@ -873,7 +875,7 @@
           <a:p>
             <a:fld id="{9CD1F5AD-FE1B-4540-B598-52220A64164D}" type="datetimeFigureOut">
               <a:rPr lang="zh-TW" altLang="en-US" smtClean="0"/>
-              <a:t>2024/7/22</a:t>
+              <a:t>2024/7/30</a:t>
             </a:fld>
             <a:endParaRPr lang="zh-TW" altLang="en-US"/>
           </a:p>
@@ -1148,7 +1150,7 @@
           <a:p>
             <a:fld id="{9CD1F5AD-FE1B-4540-B598-52220A64164D}" type="datetimeFigureOut">
               <a:rPr lang="zh-TW" altLang="en-US" smtClean="0"/>
-              <a:t>2024/7/22</a:t>
+              <a:t>2024/7/30</a:t>
             </a:fld>
             <a:endParaRPr lang="zh-TW" altLang="en-US"/>
           </a:p>
@@ -1413,7 +1415,7 @@
           <a:p>
             <a:fld id="{9CD1F5AD-FE1B-4540-B598-52220A64164D}" type="datetimeFigureOut">
               <a:rPr lang="zh-TW" altLang="en-US" smtClean="0"/>
-              <a:t>2024/7/22</a:t>
+              <a:t>2024/7/30</a:t>
             </a:fld>
             <a:endParaRPr lang="zh-TW" altLang="en-US"/>
           </a:p>
@@ -1825,7 +1827,7 @@
           <a:p>
             <a:fld id="{9CD1F5AD-FE1B-4540-B598-52220A64164D}" type="datetimeFigureOut">
               <a:rPr lang="zh-TW" altLang="en-US" smtClean="0"/>
-              <a:t>2024/7/22</a:t>
+              <a:t>2024/7/30</a:t>
             </a:fld>
             <a:endParaRPr lang="zh-TW" altLang="en-US"/>
           </a:p>
@@ -1966,7 +1968,7 @@
           <a:p>
             <a:fld id="{9CD1F5AD-FE1B-4540-B598-52220A64164D}" type="datetimeFigureOut">
               <a:rPr lang="zh-TW" altLang="en-US" smtClean="0"/>
-              <a:t>2024/7/22</a:t>
+              <a:t>2024/7/30</a:t>
             </a:fld>
             <a:endParaRPr lang="zh-TW" altLang="en-US"/>
           </a:p>
@@ -2079,7 +2081,7 @@
           <a:p>
             <a:fld id="{9CD1F5AD-FE1B-4540-B598-52220A64164D}" type="datetimeFigureOut">
               <a:rPr lang="zh-TW" altLang="en-US" smtClean="0"/>
-              <a:t>2024/7/22</a:t>
+              <a:t>2024/7/30</a:t>
             </a:fld>
             <a:endParaRPr lang="zh-TW" altLang="en-US"/>
           </a:p>
@@ -2390,7 +2392,7 @@
           <a:p>
             <a:fld id="{9CD1F5AD-FE1B-4540-B598-52220A64164D}" type="datetimeFigureOut">
               <a:rPr lang="zh-TW" altLang="en-US" smtClean="0"/>
-              <a:t>2024/7/22</a:t>
+              <a:t>2024/7/30</a:t>
             </a:fld>
             <a:endParaRPr lang="zh-TW" altLang="en-US"/>
           </a:p>
@@ -2678,7 +2680,7 @@
           <a:p>
             <a:fld id="{9CD1F5AD-FE1B-4540-B598-52220A64164D}" type="datetimeFigureOut">
               <a:rPr lang="zh-TW" altLang="en-US" smtClean="0"/>
-              <a:t>2024/7/22</a:t>
+              <a:t>2024/7/30</a:t>
             </a:fld>
             <a:endParaRPr lang="zh-TW" altLang="en-US"/>
           </a:p>
@@ -2919,7 +2921,7 @@
           <a:p>
             <a:fld id="{9CD1F5AD-FE1B-4540-B598-52220A64164D}" type="datetimeFigureOut">
               <a:rPr lang="zh-TW" altLang="en-US" smtClean="0"/>
-              <a:t>2024/7/22</a:t>
+              <a:t>2024/7/30</a:t>
             </a:fld>
             <a:endParaRPr lang="zh-TW" altLang="en-US"/>
           </a:p>
@@ -6126,6 +6128,2310 @@
     <p:extLst>
       <p:ext uri="{BB962C8B-B14F-4D97-AF65-F5344CB8AC3E}">
         <p14:creationId xmlns:p14="http://schemas.microsoft.com/office/powerpoint/2010/main" val="2639799558"/>
+      </p:ext>
+    </p:extLst>
+  </p:cSld>
+  <p:clrMapOvr>
+    <a:masterClrMapping/>
+  </p:clrMapOvr>
+</p:sld>
+</file>
+
+<file path=ppt/slides/slide12.xml><?xml version="1.0" encoding="utf-8"?>
+<p:sld xmlns:a="http://schemas.openxmlformats.org/drawingml/2006/main" xmlns:r="http://schemas.openxmlformats.org/officeDocument/2006/relationships" xmlns:p="http://schemas.openxmlformats.org/presentationml/2006/main">
+  <p:cSld>
+    <p:spTree>
+      <p:nvGrpSpPr>
+        <p:cNvPr id="1" name=""/>
+        <p:cNvGrpSpPr/>
+        <p:nvPr/>
+      </p:nvGrpSpPr>
+      <p:grpSpPr>
+        <a:xfrm>
+          <a:off x="0" y="0"/>
+          <a:ext cx="0" cy="0"/>
+          <a:chOff x="0" y="0"/>
+          <a:chExt cx="0" cy="0"/>
+        </a:xfrm>
+      </p:grpSpPr>
+      <p:sp>
+        <p:nvSpPr>
+          <p:cNvPr id="4" name="矩形: 圓角 3">
+            <a:extLst>
+              <a:ext uri="{FF2B5EF4-FFF2-40B4-BE49-F238E27FC236}">
+                <a16:creationId xmlns:a16="http://schemas.microsoft.com/office/drawing/2014/main" id="{67612F8B-2DCE-45D1-9BB4-A9C538926031}"/>
+              </a:ext>
+            </a:extLst>
+          </p:cNvPr>
+          <p:cNvSpPr/>
+          <p:nvPr/>
+        </p:nvSpPr>
+        <p:spPr>
+          <a:xfrm>
+            <a:off x="1799111" y="1733797"/>
+            <a:ext cx="878774" cy="575953"/>
+          </a:xfrm>
+          <a:prstGeom prst="roundRect">
+            <a:avLst/>
+          </a:prstGeom>
+        </p:spPr>
+        <p:style>
+          <a:lnRef idx="2">
+            <a:schemeClr val="accent3">
+              <a:shade val="50000"/>
+            </a:schemeClr>
+          </a:lnRef>
+          <a:fillRef idx="1">
+            <a:schemeClr val="accent3"/>
+          </a:fillRef>
+          <a:effectRef idx="0">
+            <a:schemeClr val="accent3"/>
+          </a:effectRef>
+          <a:fontRef idx="minor">
+            <a:schemeClr val="lt1"/>
+          </a:fontRef>
+        </p:style>
+        <p:txBody>
+          <a:bodyPr rtlCol="0" anchor="ctr"/>
+          <a:lstStyle/>
+          <a:p>
+            <a:pPr algn="ctr"/>
+            <a:r>
+              <a:rPr lang="en-US" altLang="zh-TW" dirty="0"/>
+              <a:t>Way points</a:t>
+            </a:r>
+            <a:endParaRPr lang="zh-TW" altLang="en-US" dirty="0"/>
+          </a:p>
+        </p:txBody>
+      </p:sp>
+      <p:sp>
+        <p:nvSpPr>
+          <p:cNvPr id="5" name="矩形: 圓角 4">
+            <a:extLst>
+              <a:ext uri="{FF2B5EF4-FFF2-40B4-BE49-F238E27FC236}">
+                <a16:creationId xmlns:a16="http://schemas.microsoft.com/office/drawing/2014/main" id="{8E7B9E46-8AA0-4BED-84F2-A368EB5C9C64}"/>
+              </a:ext>
+            </a:extLst>
+          </p:cNvPr>
+          <p:cNvSpPr/>
+          <p:nvPr/>
+        </p:nvSpPr>
+        <p:spPr>
+          <a:xfrm>
+            <a:off x="4429495" y="1733793"/>
+            <a:ext cx="1140031" cy="575953"/>
+          </a:xfrm>
+          <a:prstGeom prst="roundRect">
+            <a:avLst/>
+          </a:prstGeom>
+        </p:spPr>
+        <p:style>
+          <a:lnRef idx="2">
+            <a:schemeClr val="accent3">
+              <a:shade val="50000"/>
+            </a:schemeClr>
+          </a:lnRef>
+          <a:fillRef idx="1">
+            <a:schemeClr val="accent3"/>
+          </a:fillRef>
+          <a:effectRef idx="0">
+            <a:schemeClr val="accent3"/>
+          </a:effectRef>
+          <a:fontRef idx="minor">
+            <a:schemeClr val="lt1"/>
+          </a:fontRef>
+        </p:style>
+        <p:txBody>
+          <a:bodyPr rtlCol="0" anchor="ctr"/>
+          <a:lstStyle/>
+          <a:p>
+            <a:pPr algn="ctr"/>
+            <a:r>
+              <a:rPr lang="en-US" altLang="zh-TW" dirty="0"/>
+              <a:t>MPC</a:t>
+            </a:r>
+            <a:endParaRPr lang="zh-TW" altLang="en-US" dirty="0"/>
+          </a:p>
+        </p:txBody>
+      </p:sp>
+      <p:cxnSp>
+        <p:nvCxnSpPr>
+          <p:cNvPr id="7" name="直線單箭頭接點 6">
+            <a:extLst>
+              <a:ext uri="{FF2B5EF4-FFF2-40B4-BE49-F238E27FC236}">
+                <a16:creationId xmlns:a16="http://schemas.microsoft.com/office/drawing/2014/main" id="{C744B99B-31B4-4AC1-9D6A-F31541BA4EC8}"/>
+              </a:ext>
+            </a:extLst>
+          </p:cNvPr>
+          <p:cNvCxnSpPr>
+            <a:cxnSpLocks/>
+            <a:stCxn id="4" idx="3"/>
+            <a:endCxn id="13" idx="1"/>
+          </p:cNvCxnSpPr>
+          <p:nvPr/>
+        </p:nvCxnSpPr>
+        <p:spPr>
+          <a:xfrm flipV="1">
+            <a:off x="2677885" y="2021771"/>
+            <a:ext cx="261257" cy="3"/>
+          </a:xfrm>
+          <a:prstGeom prst="straightConnector1">
+            <a:avLst/>
+          </a:prstGeom>
+          <a:ln>
+            <a:tailEnd type="triangle"/>
+          </a:ln>
+        </p:spPr>
+        <p:style>
+          <a:lnRef idx="1">
+            <a:schemeClr val="dk1"/>
+          </a:lnRef>
+          <a:fillRef idx="0">
+            <a:schemeClr val="dk1"/>
+          </a:fillRef>
+          <a:effectRef idx="0">
+            <a:schemeClr val="dk1"/>
+          </a:effectRef>
+          <a:fontRef idx="minor">
+            <a:schemeClr val="tx1"/>
+          </a:fontRef>
+        </p:style>
+      </p:cxnSp>
+      <p:sp>
+        <p:nvSpPr>
+          <p:cNvPr id="11" name="矩形: 圓角 10">
+            <a:extLst>
+              <a:ext uri="{FF2B5EF4-FFF2-40B4-BE49-F238E27FC236}">
+                <a16:creationId xmlns:a16="http://schemas.microsoft.com/office/drawing/2014/main" id="{C20FABBA-72E2-4D6E-8889-ADDE64710A8B}"/>
+              </a:ext>
+            </a:extLst>
+          </p:cNvPr>
+          <p:cNvSpPr/>
+          <p:nvPr/>
+        </p:nvSpPr>
+        <p:spPr>
+          <a:xfrm>
+            <a:off x="813459" y="445324"/>
+            <a:ext cx="2291938" cy="789709"/>
+          </a:xfrm>
+          <a:prstGeom prst="roundRect">
+            <a:avLst/>
+          </a:prstGeom>
+        </p:spPr>
+        <p:style>
+          <a:lnRef idx="2">
+            <a:schemeClr val="accent1">
+              <a:shade val="50000"/>
+            </a:schemeClr>
+          </a:lnRef>
+          <a:fillRef idx="1">
+            <a:schemeClr val="accent1"/>
+          </a:fillRef>
+          <a:effectRef idx="0">
+            <a:schemeClr val="accent1"/>
+          </a:effectRef>
+          <a:fontRef idx="minor">
+            <a:schemeClr val="lt1"/>
+          </a:fontRef>
+        </p:style>
+        <p:txBody>
+          <a:bodyPr rtlCol="0" anchor="ctr"/>
+          <a:lstStyle/>
+          <a:p>
+            <a:pPr algn="ctr"/>
+            <a:r>
+              <a:rPr lang="en-US" altLang="zh-TW" dirty="0"/>
+              <a:t>environment</a:t>
+            </a:r>
+            <a:endParaRPr lang="zh-TW" altLang="en-US" dirty="0"/>
+          </a:p>
+        </p:txBody>
+      </p:sp>
+      <p:sp>
+        <p:nvSpPr>
+          <p:cNvPr id="12" name="矩形: 圓角 11">
+            <a:extLst>
+              <a:ext uri="{FF2B5EF4-FFF2-40B4-BE49-F238E27FC236}">
+                <a16:creationId xmlns:a16="http://schemas.microsoft.com/office/drawing/2014/main" id="{48354250-3681-4975-AC67-A748E7800B0B}"/>
+              </a:ext>
+            </a:extLst>
+          </p:cNvPr>
+          <p:cNvSpPr/>
+          <p:nvPr/>
+        </p:nvSpPr>
+        <p:spPr>
+          <a:xfrm>
+            <a:off x="457201" y="1769421"/>
+            <a:ext cx="1045028" cy="504701"/>
+          </a:xfrm>
+          <a:prstGeom prst="roundRect">
+            <a:avLst/>
+          </a:prstGeom>
+        </p:spPr>
+        <p:style>
+          <a:lnRef idx="2">
+            <a:schemeClr val="accent1">
+              <a:shade val="50000"/>
+            </a:schemeClr>
+          </a:lnRef>
+          <a:fillRef idx="1">
+            <a:schemeClr val="accent1"/>
+          </a:fillRef>
+          <a:effectRef idx="0">
+            <a:schemeClr val="accent1"/>
+          </a:effectRef>
+          <a:fontRef idx="minor">
+            <a:schemeClr val="lt1"/>
+          </a:fontRef>
+        </p:style>
+        <p:txBody>
+          <a:bodyPr rtlCol="0" anchor="ctr"/>
+          <a:lstStyle/>
+          <a:p>
+            <a:pPr algn="ctr"/>
+            <a:r>
+              <a:rPr lang="en-US" altLang="zh-TW" dirty="0"/>
+              <a:t>static</a:t>
+            </a:r>
+            <a:endParaRPr lang="zh-TW" altLang="en-US" dirty="0"/>
+          </a:p>
+        </p:txBody>
+      </p:sp>
+      <p:sp>
+        <p:nvSpPr>
+          <p:cNvPr id="13" name="矩形: 圓角 12">
+            <a:extLst>
+              <a:ext uri="{FF2B5EF4-FFF2-40B4-BE49-F238E27FC236}">
+                <a16:creationId xmlns:a16="http://schemas.microsoft.com/office/drawing/2014/main" id="{39E9C68C-42EA-470C-92E9-899BA0BB0D61}"/>
+              </a:ext>
+            </a:extLst>
+          </p:cNvPr>
+          <p:cNvSpPr/>
+          <p:nvPr/>
+        </p:nvSpPr>
+        <p:spPr>
+          <a:xfrm>
+            <a:off x="2939142" y="1733796"/>
+            <a:ext cx="1140031" cy="575950"/>
+          </a:xfrm>
+          <a:prstGeom prst="roundRect">
+            <a:avLst/>
+          </a:prstGeom>
+        </p:spPr>
+        <p:style>
+          <a:lnRef idx="2">
+            <a:schemeClr val="accent1">
+              <a:shade val="50000"/>
+            </a:schemeClr>
+          </a:lnRef>
+          <a:fillRef idx="1">
+            <a:schemeClr val="accent1"/>
+          </a:fillRef>
+          <a:effectRef idx="0">
+            <a:schemeClr val="accent1"/>
+          </a:effectRef>
+          <a:fontRef idx="minor">
+            <a:schemeClr val="lt1"/>
+          </a:fontRef>
+        </p:style>
+        <p:txBody>
+          <a:bodyPr rtlCol="0" anchor="ctr"/>
+          <a:lstStyle/>
+          <a:p>
+            <a:pPr algn="ctr"/>
+            <a:r>
+              <a:rPr lang="en-US" altLang="zh-TW" dirty="0"/>
+              <a:t>dynamic</a:t>
+            </a:r>
+            <a:endParaRPr lang="zh-TW" altLang="en-US" dirty="0"/>
+          </a:p>
+        </p:txBody>
+      </p:sp>
+      <p:cxnSp>
+        <p:nvCxnSpPr>
+          <p:cNvPr id="15" name="直線單箭頭接點 14">
+            <a:extLst>
+              <a:ext uri="{FF2B5EF4-FFF2-40B4-BE49-F238E27FC236}">
+                <a16:creationId xmlns:a16="http://schemas.microsoft.com/office/drawing/2014/main" id="{65B92366-2CB0-42E6-BF76-DC64F2D7BBC2}"/>
+              </a:ext>
+            </a:extLst>
+          </p:cNvPr>
+          <p:cNvCxnSpPr>
+            <a:stCxn id="12" idx="3"/>
+            <a:endCxn id="4" idx="1"/>
+          </p:cNvCxnSpPr>
+          <p:nvPr/>
+        </p:nvCxnSpPr>
+        <p:spPr>
+          <a:xfrm>
+            <a:off x="1502229" y="2021772"/>
+            <a:ext cx="296882" cy="2"/>
+          </a:xfrm>
+          <a:prstGeom prst="straightConnector1">
+            <a:avLst/>
+          </a:prstGeom>
+          <a:ln>
+            <a:tailEnd type="triangle"/>
+          </a:ln>
+        </p:spPr>
+        <p:style>
+          <a:lnRef idx="1">
+            <a:schemeClr val="dk1"/>
+          </a:lnRef>
+          <a:fillRef idx="0">
+            <a:schemeClr val="dk1"/>
+          </a:fillRef>
+          <a:effectRef idx="0">
+            <a:schemeClr val="dk1"/>
+          </a:effectRef>
+          <a:fontRef idx="minor">
+            <a:schemeClr val="tx1"/>
+          </a:fontRef>
+        </p:style>
+      </p:cxnSp>
+      <p:cxnSp>
+        <p:nvCxnSpPr>
+          <p:cNvPr id="19" name="直線單箭頭接點 18">
+            <a:extLst>
+              <a:ext uri="{FF2B5EF4-FFF2-40B4-BE49-F238E27FC236}">
+                <a16:creationId xmlns:a16="http://schemas.microsoft.com/office/drawing/2014/main" id="{DE34B4D6-63C8-49EE-8FEA-1E1197237A86}"/>
+              </a:ext>
+            </a:extLst>
+          </p:cNvPr>
+          <p:cNvCxnSpPr>
+            <a:stCxn id="13" idx="3"/>
+            <a:endCxn id="5" idx="1"/>
+          </p:cNvCxnSpPr>
+          <p:nvPr/>
+        </p:nvCxnSpPr>
+        <p:spPr>
+          <a:xfrm flipV="1">
+            <a:off x="4079173" y="2021770"/>
+            <a:ext cx="350322" cy="1"/>
+          </a:xfrm>
+          <a:prstGeom prst="straightConnector1">
+            <a:avLst/>
+          </a:prstGeom>
+          <a:ln>
+            <a:tailEnd type="triangle"/>
+          </a:ln>
+        </p:spPr>
+        <p:style>
+          <a:lnRef idx="1">
+            <a:schemeClr val="dk1"/>
+          </a:lnRef>
+          <a:fillRef idx="0">
+            <a:schemeClr val="dk1"/>
+          </a:fillRef>
+          <a:effectRef idx="0">
+            <a:schemeClr val="dk1"/>
+          </a:effectRef>
+          <a:fontRef idx="minor">
+            <a:schemeClr val="tx1"/>
+          </a:fontRef>
+        </p:style>
+      </p:cxnSp>
+      <p:sp>
+        <p:nvSpPr>
+          <p:cNvPr id="20" name="矩形: 圓角 19">
+            <a:extLst>
+              <a:ext uri="{FF2B5EF4-FFF2-40B4-BE49-F238E27FC236}">
+                <a16:creationId xmlns:a16="http://schemas.microsoft.com/office/drawing/2014/main" id="{94882535-F2B7-4145-95C9-4B1FD8313AD7}"/>
+              </a:ext>
+            </a:extLst>
+          </p:cNvPr>
+          <p:cNvSpPr/>
+          <p:nvPr/>
+        </p:nvSpPr>
+        <p:spPr>
+          <a:xfrm>
+            <a:off x="3752603" y="504702"/>
+            <a:ext cx="1478477" cy="670952"/>
+          </a:xfrm>
+          <a:prstGeom prst="roundRect">
+            <a:avLst/>
+          </a:prstGeom>
+        </p:spPr>
+        <p:style>
+          <a:lnRef idx="2">
+            <a:schemeClr val="accent3">
+              <a:shade val="50000"/>
+            </a:schemeClr>
+          </a:lnRef>
+          <a:fillRef idx="1">
+            <a:schemeClr val="accent3"/>
+          </a:fillRef>
+          <a:effectRef idx="0">
+            <a:schemeClr val="accent3"/>
+          </a:effectRef>
+          <a:fontRef idx="minor">
+            <a:schemeClr val="lt1"/>
+          </a:fontRef>
+        </p:style>
+        <p:txBody>
+          <a:bodyPr rtlCol="0" anchor="ctr"/>
+          <a:lstStyle/>
+          <a:p>
+            <a:pPr algn="ctr"/>
+            <a:r>
+              <a:rPr lang="en-US" altLang="zh-TW" dirty="0"/>
+              <a:t>Strategic</a:t>
+            </a:r>
+            <a:endParaRPr lang="zh-TW" altLang="en-US" dirty="0"/>
+          </a:p>
+        </p:txBody>
+      </p:sp>
+      <p:sp>
+        <p:nvSpPr>
+          <p:cNvPr id="24" name="箭號: 向下 23">
+            <a:extLst>
+              <a:ext uri="{FF2B5EF4-FFF2-40B4-BE49-F238E27FC236}">
+                <a16:creationId xmlns:a16="http://schemas.microsoft.com/office/drawing/2014/main" id="{9FA9E846-3E07-4456-9B01-B08046B05119}"/>
+              </a:ext>
+            </a:extLst>
+          </p:cNvPr>
+          <p:cNvSpPr/>
+          <p:nvPr/>
+        </p:nvSpPr>
+        <p:spPr>
+          <a:xfrm rot="13679301">
+            <a:off x="1674420" y="2294452"/>
+            <a:ext cx="249382" cy="781707"/>
+          </a:xfrm>
+          <a:prstGeom prst="downArrow">
+            <a:avLst/>
+          </a:prstGeom>
+        </p:spPr>
+        <p:style>
+          <a:lnRef idx="2">
+            <a:schemeClr val="accent4">
+              <a:shade val="50000"/>
+            </a:schemeClr>
+          </a:lnRef>
+          <a:fillRef idx="1">
+            <a:schemeClr val="accent4"/>
+          </a:fillRef>
+          <a:effectRef idx="0">
+            <a:schemeClr val="accent4"/>
+          </a:effectRef>
+          <a:fontRef idx="minor">
+            <a:schemeClr val="lt1"/>
+          </a:fontRef>
+        </p:style>
+        <p:txBody>
+          <a:bodyPr rtlCol="0" anchor="ctr"/>
+          <a:lstStyle/>
+          <a:p>
+            <a:pPr algn="ctr"/>
+            <a:endParaRPr lang="zh-TW" altLang="en-US"/>
+          </a:p>
+        </p:txBody>
+      </p:sp>
+      <p:sp>
+        <p:nvSpPr>
+          <p:cNvPr id="25" name="箭號: 向下 24">
+            <a:extLst>
+              <a:ext uri="{FF2B5EF4-FFF2-40B4-BE49-F238E27FC236}">
+                <a16:creationId xmlns:a16="http://schemas.microsoft.com/office/drawing/2014/main" id="{1354DAEB-90A3-4453-8C28-20D03EC123EC}"/>
+              </a:ext>
+            </a:extLst>
+          </p:cNvPr>
+          <p:cNvSpPr/>
+          <p:nvPr/>
+        </p:nvSpPr>
+        <p:spPr>
+          <a:xfrm>
+            <a:off x="8882742" y="3039544"/>
+            <a:ext cx="249382" cy="575953"/>
+          </a:xfrm>
+          <a:prstGeom prst="downArrow">
+            <a:avLst/>
+          </a:prstGeom>
+        </p:spPr>
+        <p:style>
+          <a:lnRef idx="2">
+            <a:schemeClr val="accent4">
+              <a:shade val="50000"/>
+            </a:schemeClr>
+          </a:lnRef>
+          <a:fillRef idx="1">
+            <a:schemeClr val="accent4"/>
+          </a:fillRef>
+          <a:effectRef idx="0">
+            <a:schemeClr val="accent4"/>
+          </a:effectRef>
+          <a:fontRef idx="minor">
+            <a:schemeClr val="lt1"/>
+          </a:fontRef>
+        </p:style>
+        <p:txBody>
+          <a:bodyPr rtlCol="0" anchor="ctr"/>
+          <a:lstStyle/>
+          <a:p>
+            <a:pPr algn="ctr"/>
+            <a:endParaRPr lang="zh-TW" altLang="en-US"/>
+          </a:p>
+        </p:txBody>
+      </p:sp>
+      <p:sp>
+        <p:nvSpPr>
+          <p:cNvPr id="26" name="矩形 25">
+            <a:extLst>
+              <a:ext uri="{FF2B5EF4-FFF2-40B4-BE49-F238E27FC236}">
+                <a16:creationId xmlns:a16="http://schemas.microsoft.com/office/drawing/2014/main" id="{C7DBCDEC-C6F1-41D7-B269-3939623B6C09}"/>
+              </a:ext>
+            </a:extLst>
+          </p:cNvPr>
+          <p:cNvSpPr/>
+          <p:nvPr/>
+        </p:nvSpPr>
+        <p:spPr>
+          <a:xfrm>
+            <a:off x="730332" y="3060861"/>
+            <a:ext cx="1686296" cy="1721923"/>
+          </a:xfrm>
+          <a:prstGeom prst="rect">
+            <a:avLst/>
+          </a:prstGeom>
+        </p:spPr>
+        <p:style>
+          <a:lnRef idx="2">
+            <a:schemeClr val="accent5">
+              <a:shade val="50000"/>
+            </a:schemeClr>
+          </a:lnRef>
+          <a:fillRef idx="1">
+            <a:schemeClr val="accent5"/>
+          </a:fillRef>
+          <a:effectRef idx="0">
+            <a:schemeClr val="accent5"/>
+          </a:effectRef>
+          <a:fontRef idx="minor">
+            <a:schemeClr val="lt1"/>
+          </a:fontRef>
+        </p:style>
+        <p:txBody>
+          <a:bodyPr rtlCol="0" anchor="ctr"/>
+          <a:lstStyle/>
+          <a:p>
+            <a:pPr algn="ctr"/>
+            <a:r>
+              <a:rPr lang="en-US" altLang="zh-TW" dirty="0"/>
+              <a:t>Global planner:</a:t>
+            </a:r>
+          </a:p>
+          <a:p>
+            <a:pPr algn="ctr"/>
+            <a:r>
+              <a:rPr lang="en-US" altLang="zh-TW" dirty="0"/>
+              <a:t>RRT or</a:t>
+            </a:r>
+            <a:r>
+              <a:rPr lang="zh-TW" altLang="en-US" dirty="0"/>
+              <a:t> </a:t>
+            </a:r>
+            <a:r>
+              <a:rPr lang="en-US" altLang="zh-TW" dirty="0"/>
+              <a:t>A* or others</a:t>
+            </a:r>
+            <a:endParaRPr lang="zh-TW" altLang="en-US" dirty="0"/>
+          </a:p>
+        </p:txBody>
+      </p:sp>
+      <p:cxnSp>
+        <p:nvCxnSpPr>
+          <p:cNvPr id="28" name="直線單箭頭接點 27">
+            <a:extLst>
+              <a:ext uri="{FF2B5EF4-FFF2-40B4-BE49-F238E27FC236}">
+                <a16:creationId xmlns:a16="http://schemas.microsoft.com/office/drawing/2014/main" id="{603337B0-3814-4E41-A0CD-1DB719AED599}"/>
+              </a:ext>
+            </a:extLst>
+          </p:cNvPr>
+          <p:cNvCxnSpPr>
+            <a:stCxn id="26" idx="2"/>
+          </p:cNvCxnSpPr>
+          <p:nvPr/>
+        </p:nvCxnSpPr>
+        <p:spPr>
+          <a:xfrm flipH="1">
+            <a:off x="813459" y="4782784"/>
+            <a:ext cx="760021" cy="537361"/>
+          </a:xfrm>
+          <a:prstGeom prst="straightConnector1">
+            <a:avLst/>
+          </a:prstGeom>
+          <a:ln>
+            <a:tailEnd type="triangle"/>
+          </a:ln>
+        </p:spPr>
+        <p:style>
+          <a:lnRef idx="1">
+            <a:schemeClr val="dk1"/>
+          </a:lnRef>
+          <a:fillRef idx="0">
+            <a:schemeClr val="dk1"/>
+          </a:fillRef>
+          <a:effectRef idx="0">
+            <a:schemeClr val="dk1"/>
+          </a:effectRef>
+          <a:fontRef idx="minor">
+            <a:schemeClr val="tx1"/>
+          </a:fontRef>
+        </p:style>
+      </p:cxnSp>
+      <p:sp>
+        <p:nvSpPr>
+          <p:cNvPr id="29" name="乘號 28">
+            <a:extLst>
+              <a:ext uri="{FF2B5EF4-FFF2-40B4-BE49-F238E27FC236}">
+                <a16:creationId xmlns:a16="http://schemas.microsoft.com/office/drawing/2014/main" id="{CDE2E9D8-EB64-4DE7-BC3F-2B3ED359C4EA}"/>
+              </a:ext>
+            </a:extLst>
+          </p:cNvPr>
+          <p:cNvSpPr/>
+          <p:nvPr/>
+        </p:nvSpPr>
+        <p:spPr>
+          <a:xfrm>
+            <a:off x="979715" y="4916378"/>
+            <a:ext cx="296882" cy="415637"/>
+          </a:xfrm>
+          <a:prstGeom prst="mathMultiply">
+            <a:avLst/>
+          </a:prstGeom>
+          <a:solidFill>
+            <a:srgbClr val="FF0000"/>
+          </a:solidFill>
+        </p:spPr>
+        <p:style>
+          <a:lnRef idx="2">
+            <a:schemeClr val="accent1">
+              <a:shade val="50000"/>
+            </a:schemeClr>
+          </a:lnRef>
+          <a:fillRef idx="1">
+            <a:schemeClr val="accent1"/>
+          </a:fillRef>
+          <a:effectRef idx="0">
+            <a:schemeClr val="accent1"/>
+          </a:effectRef>
+          <a:fontRef idx="minor">
+            <a:schemeClr val="lt1"/>
+          </a:fontRef>
+        </p:style>
+        <p:txBody>
+          <a:bodyPr rtlCol="0" anchor="ctr"/>
+          <a:lstStyle/>
+          <a:p>
+            <a:pPr algn="ctr"/>
+            <a:endParaRPr lang="zh-TW" altLang="en-US"/>
+          </a:p>
+        </p:txBody>
+      </p:sp>
+      <p:sp>
+        <p:nvSpPr>
+          <p:cNvPr id="30" name="矩形: 圓角 29">
+            <a:extLst>
+              <a:ext uri="{FF2B5EF4-FFF2-40B4-BE49-F238E27FC236}">
+                <a16:creationId xmlns:a16="http://schemas.microsoft.com/office/drawing/2014/main" id="{71AA002A-8098-4139-B886-4DAEBC9199B7}"/>
+              </a:ext>
+            </a:extLst>
+          </p:cNvPr>
+          <p:cNvSpPr/>
+          <p:nvPr/>
+        </p:nvSpPr>
+        <p:spPr>
+          <a:xfrm>
+            <a:off x="457201" y="5332015"/>
+            <a:ext cx="653142" cy="415637"/>
+          </a:xfrm>
+          <a:prstGeom prst="roundRect">
+            <a:avLst/>
+          </a:prstGeom>
+        </p:spPr>
+        <p:style>
+          <a:lnRef idx="2">
+            <a:schemeClr val="accent6">
+              <a:shade val="50000"/>
+            </a:schemeClr>
+          </a:lnRef>
+          <a:fillRef idx="1">
+            <a:schemeClr val="accent6"/>
+          </a:fillRef>
+          <a:effectRef idx="0">
+            <a:schemeClr val="accent6"/>
+          </a:effectRef>
+          <a:fontRef idx="minor">
+            <a:schemeClr val="lt1"/>
+          </a:fontRef>
+        </p:style>
+        <p:txBody>
+          <a:bodyPr rtlCol="0" anchor="ctr"/>
+          <a:lstStyle/>
+          <a:p>
+            <a:pPr algn="ctr"/>
+            <a:r>
+              <a:rPr lang="en-US" altLang="zh-TW" dirty="0"/>
+              <a:t>path</a:t>
+            </a:r>
+            <a:endParaRPr lang="zh-TW" altLang="en-US" dirty="0"/>
+          </a:p>
+        </p:txBody>
+      </p:sp>
+      <p:cxnSp>
+        <p:nvCxnSpPr>
+          <p:cNvPr id="32" name="直線單箭頭接點 31">
+            <a:extLst>
+              <a:ext uri="{FF2B5EF4-FFF2-40B4-BE49-F238E27FC236}">
+                <a16:creationId xmlns:a16="http://schemas.microsoft.com/office/drawing/2014/main" id="{0561E69C-3C55-461C-8A55-EA926C285812}"/>
+              </a:ext>
+            </a:extLst>
+          </p:cNvPr>
+          <p:cNvCxnSpPr>
+            <a:stCxn id="26" idx="2"/>
+          </p:cNvCxnSpPr>
+          <p:nvPr/>
+        </p:nvCxnSpPr>
+        <p:spPr>
+          <a:xfrm>
+            <a:off x="1573480" y="4782784"/>
+            <a:ext cx="665018" cy="537361"/>
+          </a:xfrm>
+          <a:prstGeom prst="straightConnector1">
+            <a:avLst/>
+          </a:prstGeom>
+          <a:ln>
+            <a:tailEnd type="triangle"/>
+          </a:ln>
+        </p:spPr>
+        <p:style>
+          <a:lnRef idx="1">
+            <a:schemeClr val="dk1"/>
+          </a:lnRef>
+          <a:fillRef idx="0">
+            <a:schemeClr val="dk1"/>
+          </a:fillRef>
+          <a:effectRef idx="0">
+            <a:schemeClr val="dk1"/>
+          </a:effectRef>
+          <a:fontRef idx="minor">
+            <a:schemeClr val="tx1"/>
+          </a:fontRef>
+        </p:style>
+      </p:cxnSp>
+      <p:sp>
+        <p:nvSpPr>
+          <p:cNvPr id="33" name="矩形: 圓角 32">
+            <a:extLst>
+              <a:ext uri="{FF2B5EF4-FFF2-40B4-BE49-F238E27FC236}">
+                <a16:creationId xmlns:a16="http://schemas.microsoft.com/office/drawing/2014/main" id="{AF010186-FCC5-4EC5-87B1-C4D74AE74712}"/>
+              </a:ext>
+            </a:extLst>
+          </p:cNvPr>
+          <p:cNvSpPr/>
+          <p:nvPr/>
+        </p:nvSpPr>
+        <p:spPr>
+          <a:xfrm>
+            <a:off x="1799111" y="5329050"/>
+            <a:ext cx="878774" cy="501723"/>
+          </a:xfrm>
+          <a:prstGeom prst="roundRect">
+            <a:avLst/>
+          </a:prstGeom>
+        </p:spPr>
+        <p:style>
+          <a:lnRef idx="2">
+            <a:schemeClr val="accent6">
+              <a:shade val="50000"/>
+            </a:schemeClr>
+          </a:lnRef>
+          <a:fillRef idx="1">
+            <a:schemeClr val="accent6"/>
+          </a:fillRef>
+          <a:effectRef idx="0">
+            <a:schemeClr val="accent6"/>
+          </a:effectRef>
+          <a:fontRef idx="minor">
+            <a:schemeClr val="lt1"/>
+          </a:fontRef>
+        </p:style>
+        <p:txBody>
+          <a:bodyPr rtlCol="0" anchor="ctr"/>
+          <a:lstStyle/>
+          <a:p>
+            <a:pPr algn="ctr"/>
+            <a:r>
+              <a:rPr lang="en-US" altLang="zh-TW" dirty="0"/>
+              <a:t>Way points</a:t>
+            </a:r>
+            <a:endParaRPr lang="zh-TW" altLang="en-US" dirty="0"/>
+          </a:p>
+        </p:txBody>
+      </p:sp>
+      <p:sp>
+        <p:nvSpPr>
+          <p:cNvPr id="34" name="矩形: 圓角 33">
+            <a:extLst>
+              <a:ext uri="{FF2B5EF4-FFF2-40B4-BE49-F238E27FC236}">
+                <a16:creationId xmlns:a16="http://schemas.microsoft.com/office/drawing/2014/main" id="{A48107EB-AD9E-4F67-B745-096703615C05}"/>
+              </a:ext>
+            </a:extLst>
+          </p:cNvPr>
+          <p:cNvSpPr/>
+          <p:nvPr/>
+        </p:nvSpPr>
+        <p:spPr>
+          <a:xfrm>
+            <a:off x="5972297" y="1570505"/>
+            <a:ext cx="2080164" cy="902527"/>
+          </a:xfrm>
+          <a:prstGeom prst="roundRect">
+            <a:avLst/>
+          </a:prstGeom>
+        </p:spPr>
+        <p:style>
+          <a:lnRef idx="2">
+            <a:schemeClr val="accent6">
+              <a:shade val="50000"/>
+            </a:schemeClr>
+          </a:lnRef>
+          <a:fillRef idx="1">
+            <a:schemeClr val="accent6"/>
+          </a:fillRef>
+          <a:effectRef idx="0">
+            <a:schemeClr val="accent6"/>
+          </a:effectRef>
+          <a:fontRef idx="minor">
+            <a:schemeClr val="lt1"/>
+          </a:fontRef>
+        </p:style>
+        <p:txBody>
+          <a:bodyPr rtlCol="0" anchor="ctr"/>
+          <a:lstStyle/>
+          <a:p>
+            <a:pPr algn="ctr"/>
+            <a:r>
+              <a:rPr lang="en-US" altLang="zh-TW" dirty="0"/>
+              <a:t>Reasonable velocity command</a:t>
+            </a:r>
+          </a:p>
+          <a:p>
+            <a:pPr algn="ctr"/>
+            <a:r>
+              <a:rPr lang="en-US" altLang="zh-TW" dirty="0"/>
+              <a:t>(smooth)</a:t>
+            </a:r>
+            <a:endParaRPr lang="zh-TW" altLang="en-US" dirty="0"/>
+          </a:p>
+        </p:txBody>
+      </p:sp>
+      <p:cxnSp>
+        <p:nvCxnSpPr>
+          <p:cNvPr id="36" name="直線單箭頭接點 35">
+            <a:extLst>
+              <a:ext uri="{FF2B5EF4-FFF2-40B4-BE49-F238E27FC236}">
+                <a16:creationId xmlns:a16="http://schemas.microsoft.com/office/drawing/2014/main" id="{70D4EAF6-FA50-4712-98D8-FBE40A1F1515}"/>
+              </a:ext>
+            </a:extLst>
+          </p:cNvPr>
+          <p:cNvCxnSpPr>
+            <a:stCxn id="5" idx="3"/>
+            <a:endCxn id="34" idx="1"/>
+          </p:cNvCxnSpPr>
+          <p:nvPr/>
+        </p:nvCxnSpPr>
+        <p:spPr>
+          <a:xfrm flipV="1">
+            <a:off x="5569526" y="2021769"/>
+            <a:ext cx="402771" cy="1"/>
+          </a:xfrm>
+          <a:prstGeom prst="straightConnector1">
+            <a:avLst/>
+          </a:prstGeom>
+          <a:ln>
+            <a:tailEnd type="triangle"/>
+          </a:ln>
+        </p:spPr>
+        <p:style>
+          <a:lnRef idx="1">
+            <a:schemeClr val="dk1"/>
+          </a:lnRef>
+          <a:fillRef idx="0">
+            <a:schemeClr val="dk1"/>
+          </a:fillRef>
+          <a:effectRef idx="0">
+            <a:schemeClr val="dk1"/>
+          </a:effectRef>
+          <a:fontRef idx="minor">
+            <a:schemeClr val="tx1"/>
+          </a:fontRef>
+        </p:style>
+      </p:cxnSp>
+    </p:spTree>
+    <p:extLst>
+      <p:ext uri="{BB962C8B-B14F-4D97-AF65-F5344CB8AC3E}">
+        <p14:creationId xmlns:p14="http://schemas.microsoft.com/office/powerpoint/2010/main" val="4028310526"/>
+      </p:ext>
+    </p:extLst>
+  </p:cSld>
+  <p:clrMapOvr>
+    <a:masterClrMapping/>
+  </p:clrMapOvr>
+</p:sld>
+</file>
+
+<file path=ppt/slides/slide13.xml><?xml version="1.0" encoding="utf-8"?>
+<p:sld xmlns:a="http://schemas.openxmlformats.org/drawingml/2006/main" xmlns:r="http://schemas.openxmlformats.org/officeDocument/2006/relationships" xmlns:p="http://schemas.openxmlformats.org/presentationml/2006/main">
+  <p:cSld>
+    <p:spTree>
+      <p:nvGrpSpPr>
+        <p:cNvPr id="1" name=""/>
+        <p:cNvGrpSpPr/>
+        <p:nvPr/>
+      </p:nvGrpSpPr>
+      <p:grpSpPr>
+        <a:xfrm>
+          <a:off x="0" y="0"/>
+          <a:ext cx="0" cy="0"/>
+          <a:chOff x="0" y="0"/>
+          <a:chExt cx="0" cy="0"/>
+        </a:xfrm>
+      </p:grpSpPr>
+      <p:grpSp>
+        <p:nvGrpSpPr>
+          <p:cNvPr id="11" name="群組 10">
+            <a:extLst>
+              <a:ext uri="{FF2B5EF4-FFF2-40B4-BE49-F238E27FC236}">
+                <a16:creationId xmlns:a16="http://schemas.microsoft.com/office/drawing/2014/main" id="{A3B291B3-DAAE-4BEE-8001-16A1F37EABA3}"/>
+              </a:ext>
+            </a:extLst>
+          </p:cNvPr>
+          <p:cNvGrpSpPr/>
+          <p:nvPr/>
+        </p:nvGrpSpPr>
+        <p:grpSpPr>
+          <a:xfrm>
+            <a:off x="1041838" y="878540"/>
+            <a:ext cx="5746832" cy="1880886"/>
+            <a:chOff x="1184319" y="1267428"/>
+            <a:chExt cx="5818366" cy="1880886"/>
+          </a:xfrm>
+        </p:grpSpPr>
+        <p:grpSp>
+          <p:nvGrpSpPr>
+            <p:cNvPr id="6" name="群組 5">
+              <a:extLst>
+                <a:ext uri="{FF2B5EF4-FFF2-40B4-BE49-F238E27FC236}">
+                  <a16:creationId xmlns:a16="http://schemas.microsoft.com/office/drawing/2014/main" id="{C1C0F4DB-8F9C-475F-87CD-43F52DAC9E79}"/>
+                </a:ext>
+              </a:extLst>
+            </p:cNvPr>
+            <p:cNvGrpSpPr/>
+            <p:nvPr/>
+          </p:nvGrpSpPr>
+          <p:grpSpPr>
+            <a:xfrm>
+              <a:off x="1184319" y="1267428"/>
+              <a:ext cx="5818366" cy="1880886"/>
+              <a:chOff x="1195893" y="1880886"/>
+              <a:chExt cx="5818366" cy="1880886"/>
+            </a:xfrm>
+          </p:grpSpPr>
+          <p:sp>
+            <p:nvSpPr>
+              <p:cNvPr id="4" name="矩形: 圓角 3">
+                <a:extLst>
+                  <a:ext uri="{FF2B5EF4-FFF2-40B4-BE49-F238E27FC236}">
+                    <a16:creationId xmlns:a16="http://schemas.microsoft.com/office/drawing/2014/main" id="{27321A69-A61D-4E15-B7AF-DA6B1CB7A62B}"/>
+                  </a:ext>
+                </a:extLst>
+              </p:cNvPr>
+              <p:cNvSpPr/>
+              <p:nvPr/>
+            </p:nvSpPr>
+            <p:spPr>
+              <a:xfrm>
+                <a:off x="1195893" y="2170253"/>
+                <a:ext cx="5818366" cy="1591519"/>
+              </a:xfrm>
+              <a:prstGeom prst="roundRect">
+                <a:avLst/>
+              </a:prstGeom>
+            </p:spPr>
+            <p:style>
+              <a:lnRef idx="2">
+                <a:schemeClr val="accent2">
+                  <a:shade val="50000"/>
+                </a:schemeClr>
+              </a:lnRef>
+              <a:fillRef idx="1">
+                <a:schemeClr val="accent2"/>
+              </a:fillRef>
+              <a:effectRef idx="0">
+                <a:schemeClr val="accent2"/>
+              </a:effectRef>
+              <a:fontRef idx="minor">
+                <a:schemeClr val="lt1"/>
+              </a:fontRef>
+            </p:style>
+            <p:txBody>
+              <a:bodyPr rtlCol="0" anchor="ctr"/>
+              <a:lstStyle/>
+              <a:p>
+                <a:pPr algn="ctr"/>
+                <a:endParaRPr lang="zh-TW" altLang="en-US" dirty="0"/>
+              </a:p>
+            </p:txBody>
+          </p:sp>
+          <p:sp>
+            <p:nvSpPr>
+              <p:cNvPr id="5" name="文字方塊 4">
+                <a:extLst>
+                  <a:ext uri="{FF2B5EF4-FFF2-40B4-BE49-F238E27FC236}">
+                    <a16:creationId xmlns:a16="http://schemas.microsoft.com/office/drawing/2014/main" id="{6A93C8FC-B4CF-480D-84AE-C2E95C41D524}"/>
+                  </a:ext>
+                </a:extLst>
+              </p:cNvPr>
+              <p:cNvSpPr txBox="1"/>
+              <p:nvPr/>
+            </p:nvSpPr>
+            <p:spPr>
+              <a:xfrm>
+                <a:off x="2170253" y="1880886"/>
+                <a:ext cx="1707266" cy="369332"/>
+              </a:xfrm>
+              <a:prstGeom prst="rect">
+                <a:avLst/>
+              </a:prstGeom>
+              <a:noFill/>
+            </p:spPr>
+            <p:txBody>
+              <a:bodyPr wrap="square" rtlCol="0">
+                <a:spAutoFit/>
+              </a:bodyPr>
+              <a:lstStyle/>
+              <a:p>
+                <a:r>
+                  <a:rPr lang="en-US" altLang="zh-TW" dirty="0"/>
+                  <a:t>optimization</a:t>
+                </a:r>
+                <a:endParaRPr lang="zh-TW" altLang="en-US" dirty="0"/>
+              </a:p>
+            </p:txBody>
+          </p:sp>
+        </p:grpSp>
+        <p:sp>
+          <p:nvSpPr>
+            <p:cNvPr id="7" name="矩形: 圓角 6">
+              <a:extLst>
+                <a:ext uri="{FF2B5EF4-FFF2-40B4-BE49-F238E27FC236}">
+                  <a16:creationId xmlns:a16="http://schemas.microsoft.com/office/drawing/2014/main" id="{535BD697-46A7-454B-9E8C-DCACB56A64D1}"/>
+                </a:ext>
+              </a:extLst>
+            </p:cNvPr>
+            <p:cNvSpPr/>
+            <p:nvPr/>
+          </p:nvSpPr>
+          <p:spPr>
+            <a:xfrm>
+              <a:off x="2314936" y="1924291"/>
+              <a:ext cx="1082233" cy="856526"/>
+            </a:xfrm>
+            <a:prstGeom prst="roundRect">
+              <a:avLst/>
+            </a:prstGeom>
+          </p:spPr>
+          <p:style>
+            <a:lnRef idx="2">
+              <a:schemeClr val="accent1">
+                <a:shade val="50000"/>
+              </a:schemeClr>
+            </a:lnRef>
+            <a:fillRef idx="1">
+              <a:schemeClr val="accent1"/>
+            </a:fillRef>
+            <a:effectRef idx="0">
+              <a:schemeClr val="accent1"/>
+            </a:effectRef>
+            <a:fontRef idx="minor">
+              <a:schemeClr val="lt1"/>
+            </a:fontRef>
+          </p:style>
+          <p:txBody>
+            <a:bodyPr rtlCol="0" anchor="ctr"/>
+            <a:lstStyle/>
+            <a:p>
+              <a:pPr algn="ctr"/>
+              <a:r>
+                <a:rPr lang="en-US" altLang="zh-TW" dirty="0"/>
+                <a:t>Position error</a:t>
+              </a:r>
+              <a:endParaRPr lang="zh-TW" altLang="en-US" dirty="0"/>
+            </a:p>
+          </p:txBody>
+        </p:sp>
+        <p:sp>
+          <p:nvSpPr>
+            <p:cNvPr id="8" name="矩形: 圓角 7">
+              <a:extLst>
+                <a:ext uri="{FF2B5EF4-FFF2-40B4-BE49-F238E27FC236}">
+                  <a16:creationId xmlns:a16="http://schemas.microsoft.com/office/drawing/2014/main" id="{3043D8EB-E7C3-4846-8449-FA03B1BB03EC}"/>
+                </a:ext>
+              </a:extLst>
+            </p:cNvPr>
+            <p:cNvSpPr/>
+            <p:nvPr/>
+          </p:nvSpPr>
+          <p:spPr>
+            <a:xfrm>
+              <a:off x="3692322" y="1926655"/>
+              <a:ext cx="1435261" cy="851797"/>
+            </a:xfrm>
+            <a:prstGeom prst="roundRect">
+              <a:avLst/>
+            </a:prstGeom>
+          </p:spPr>
+          <p:style>
+            <a:lnRef idx="2">
+              <a:schemeClr val="accent1">
+                <a:shade val="50000"/>
+              </a:schemeClr>
+            </a:lnRef>
+            <a:fillRef idx="1">
+              <a:schemeClr val="accent1"/>
+            </a:fillRef>
+            <a:effectRef idx="0">
+              <a:schemeClr val="accent1"/>
+            </a:effectRef>
+            <a:fontRef idx="minor">
+              <a:schemeClr val="lt1"/>
+            </a:fontRef>
+          </p:style>
+          <p:txBody>
+            <a:bodyPr rtlCol="0" anchor="ctr"/>
+            <a:lstStyle/>
+            <a:p>
+              <a:pPr algn="ctr"/>
+              <a:r>
+                <a:rPr lang="en-US" altLang="zh-TW" dirty="0"/>
+                <a:t>Orientation error</a:t>
+              </a:r>
+              <a:endParaRPr lang="zh-TW" altLang="en-US" dirty="0"/>
+            </a:p>
+          </p:txBody>
+        </p:sp>
+        <p:sp>
+          <p:nvSpPr>
+            <p:cNvPr id="9" name="矩形: 圓角 8">
+              <a:extLst>
+                <a:ext uri="{FF2B5EF4-FFF2-40B4-BE49-F238E27FC236}">
+                  <a16:creationId xmlns:a16="http://schemas.microsoft.com/office/drawing/2014/main" id="{C8BAB927-5128-4736-AABB-C3282B0BFE25}"/>
+                </a:ext>
+              </a:extLst>
+            </p:cNvPr>
+            <p:cNvSpPr/>
+            <p:nvPr/>
+          </p:nvSpPr>
+          <p:spPr>
+            <a:xfrm>
+              <a:off x="5463250" y="1636760"/>
+              <a:ext cx="1226916" cy="568217"/>
+            </a:xfrm>
+            <a:prstGeom prst="roundRect">
+              <a:avLst/>
+            </a:prstGeom>
+          </p:spPr>
+          <p:style>
+            <a:lnRef idx="2">
+              <a:schemeClr val="accent5">
+                <a:shade val="50000"/>
+              </a:schemeClr>
+            </a:lnRef>
+            <a:fillRef idx="1">
+              <a:schemeClr val="accent5"/>
+            </a:fillRef>
+            <a:effectRef idx="0">
+              <a:schemeClr val="accent5"/>
+            </a:effectRef>
+            <a:fontRef idx="minor">
+              <a:schemeClr val="lt1"/>
+            </a:fontRef>
+          </p:style>
+          <p:txBody>
+            <a:bodyPr rtlCol="0" anchor="ctr"/>
+            <a:lstStyle/>
+            <a:p>
+              <a:pPr algn="ctr"/>
+              <a:r>
+                <a:rPr lang="en-US" altLang="zh-TW" dirty="0"/>
+                <a:t>input</a:t>
+              </a:r>
+              <a:endParaRPr lang="zh-TW" altLang="en-US" dirty="0"/>
+            </a:p>
+          </p:txBody>
+        </p:sp>
+        <p:sp>
+          <p:nvSpPr>
+            <p:cNvPr id="10" name="矩形: 圓角 9">
+              <a:extLst>
+                <a:ext uri="{FF2B5EF4-FFF2-40B4-BE49-F238E27FC236}">
+                  <a16:creationId xmlns:a16="http://schemas.microsoft.com/office/drawing/2014/main" id="{CEF817C6-CA81-40C3-9594-FC653560B81D}"/>
+                </a:ext>
+              </a:extLst>
+            </p:cNvPr>
+            <p:cNvSpPr/>
+            <p:nvPr/>
+          </p:nvSpPr>
+          <p:spPr>
+            <a:xfrm>
+              <a:off x="5359078" y="2419109"/>
+              <a:ext cx="1435261" cy="567159"/>
+            </a:xfrm>
+            <a:prstGeom prst="roundRect">
+              <a:avLst/>
+            </a:prstGeom>
+          </p:spPr>
+          <p:style>
+            <a:lnRef idx="2">
+              <a:schemeClr val="accent5">
+                <a:shade val="50000"/>
+              </a:schemeClr>
+            </a:lnRef>
+            <a:fillRef idx="1">
+              <a:schemeClr val="accent5"/>
+            </a:fillRef>
+            <a:effectRef idx="0">
+              <a:schemeClr val="accent5"/>
+            </a:effectRef>
+            <a:fontRef idx="minor">
+              <a:schemeClr val="lt1"/>
+            </a:fontRef>
+          </p:style>
+          <p:txBody>
+            <a:bodyPr rtlCol="0" anchor="ctr"/>
+            <a:lstStyle/>
+            <a:p>
+              <a:pPr algn="ctr"/>
+              <a:r>
+                <a:rPr lang="en-US" altLang="zh-TW" dirty="0"/>
+                <a:t>delta input</a:t>
+              </a:r>
+              <a:endParaRPr lang="zh-TW" altLang="en-US" dirty="0"/>
+            </a:p>
+          </p:txBody>
+        </p:sp>
+      </p:grpSp>
+      <p:pic>
+        <p:nvPicPr>
+          <p:cNvPr id="13" name="圖片 12">
+            <a:extLst>
+              <a:ext uri="{FF2B5EF4-FFF2-40B4-BE49-F238E27FC236}">
+                <a16:creationId xmlns:a16="http://schemas.microsoft.com/office/drawing/2014/main" id="{3E0CA98D-1DFE-44D7-A372-8171B78B63AC}"/>
+              </a:ext>
+            </a:extLst>
+          </p:cNvPr>
+          <p:cNvPicPr>
+            <a:picLocks noChangeAspect="1"/>
+          </p:cNvPicPr>
+          <p:nvPr/>
+        </p:nvPicPr>
+        <p:blipFill>
+          <a:blip r:embed="rId2"/>
+          <a:stretch>
+            <a:fillRect/>
+          </a:stretch>
+        </p:blipFill>
+        <p:spPr>
+          <a:xfrm>
+            <a:off x="439954" y="4624737"/>
+            <a:ext cx="2514951" cy="514422"/>
+          </a:xfrm>
+          <a:prstGeom prst="rect">
+            <a:avLst/>
+          </a:prstGeom>
+          <a:ln>
+            <a:solidFill>
+              <a:schemeClr val="tx1"/>
+            </a:solidFill>
+          </a:ln>
+        </p:spPr>
+      </p:pic>
+      <p:cxnSp>
+        <p:nvCxnSpPr>
+          <p:cNvPr id="15" name="直線單箭頭接點 14">
+            <a:extLst>
+              <a:ext uri="{FF2B5EF4-FFF2-40B4-BE49-F238E27FC236}">
+                <a16:creationId xmlns:a16="http://schemas.microsoft.com/office/drawing/2014/main" id="{6F9503E3-5151-47DD-A002-937C1234FF8B}"/>
+              </a:ext>
+            </a:extLst>
+          </p:cNvPr>
+          <p:cNvCxnSpPr>
+            <a:cxnSpLocks/>
+            <a:stCxn id="32" idx="0"/>
+            <a:endCxn id="7" idx="2"/>
+          </p:cNvCxnSpPr>
+          <p:nvPr/>
+        </p:nvCxnSpPr>
+        <p:spPr>
+          <a:xfrm flipV="1">
+            <a:off x="1494873" y="2391929"/>
+            <a:ext cx="1198146" cy="892845"/>
+          </a:xfrm>
+          <a:prstGeom prst="straightConnector1">
+            <a:avLst/>
+          </a:prstGeom>
+          <a:ln>
+            <a:tailEnd type="triangle"/>
+          </a:ln>
+        </p:spPr>
+        <p:style>
+          <a:lnRef idx="1">
+            <a:schemeClr val="dk1"/>
+          </a:lnRef>
+          <a:fillRef idx="0">
+            <a:schemeClr val="dk1"/>
+          </a:fillRef>
+          <a:effectRef idx="0">
+            <a:schemeClr val="dk1"/>
+          </a:effectRef>
+          <a:fontRef idx="minor">
+            <a:schemeClr val="tx1"/>
+          </a:fontRef>
+        </p:style>
+      </p:cxnSp>
+      <p:pic>
+        <p:nvPicPr>
+          <p:cNvPr id="18" name="圖片 17">
+            <a:extLst>
+              <a:ext uri="{FF2B5EF4-FFF2-40B4-BE49-F238E27FC236}">
+                <a16:creationId xmlns:a16="http://schemas.microsoft.com/office/drawing/2014/main" id="{216AF98F-B975-4101-8ECC-893F42A7538D}"/>
+              </a:ext>
+            </a:extLst>
+          </p:cNvPr>
+          <p:cNvPicPr>
+            <a:picLocks noChangeAspect="1"/>
+          </p:cNvPicPr>
+          <p:nvPr/>
+        </p:nvPicPr>
+        <p:blipFill>
+          <a:blip r:embed="rId3"/>
+          <a:stretch>
+            <a:fillRect/>
+          </a:stretch>
+        </p:blipFill>
+        <p:spPr>
+          <a:xfrm>
+            <a:off x="2013861" y="4095750"/>
+            <a:ext cx="3353268" cy="428685"/>
+          </a:xfrm>
+          <a:prstGeom prst="rect">
+            <a:avLst/>
+          </a:prstGeom>
+          <a:ln>
+            <a:solidFill>
+              <a:schemeClr val="tx1"/>
+            </a:solidFill>
+          </a:ln>
+        </p:spPr>
+      </p:pic>
+      <p:cxnSp>
+        <p:nvCxnSpPr>
+          <p:cNvPr id="20" name="直線單箭頭接點 19">
+            <a:extLst>
+              <a:ext uri="{FF2B5EF4-FFF2-40B4-BE49-F238E27FC236}">
+                <a16:creationId xmlns:a16="http://schemas.microsoft.com/office/drawing/2014/main" id="{AE2B8319-3450-4228-8ECE-CE59F376D636}"/>
+              </a:ext>
+            </a:extLst>
+          </p:cNvPr>
+          <p:cNvCxnSpPr>
+            <a:cxnSpLocks/>
+            <a:stCxn id="42" idx="0"/>
+            <a:endCxn id="8" idx="2"/>
+          </p:cNvCxnSpPr>
+          <p:nvPr/>
+        </p:nvCxnSpPr>
+        <p:spPr>
+          <a:xfrm flipV="1">
+            <a:off x="3281061" y="2389564"/>
+            <a:ext cx="946753" cy="997300"/>
+          </a:xfrm>
+          <a:prstGeom prst="straightConnector1">
+            <a:avLst/>
+          </a:prstGeom>
+          <a:ln>
+            <a:tailEnd type="triangle"/>
+          </a:ln>
+        </p:spPr>
+        <p:style>
+          <a:lnRef idx="1">
+            <a:schemeClr val="dk1"/>
+          </a:lnRef>
+          <a:fillRef idx="0">
+            <a:schemeClr val="dk1"/>
+          </a:fillRef>
+          <a:effectRef idx="0">
+            <a:schemeClr val="dk1"/>
+          </a:effectRef>
+          <a:fontRef idx="minor">
+            <a:schemeClr val="tx1"/>
+          </a:fontRef>
+        </p:style>
+      </p:cxnSp>
+      <p:pic>
+        <p:nvPicPr>
+          <p:cNvPr id="22" name="圖片 21">
+            <a:extLst>
+              <a:ext uri="{FF2B5EF4-FFF2-40B4-BE49-F238E27FC236}">
+                <a16:creationId xmlns:a16="http://schemas.microsoft.com/office/drawing/2014/main" id="{C79E5090-E6B1-416B-B7A0-491E81406CF8}"/>
+              </a:ext>
+            </a:extLst>
+          </p:cNvPr>
+          <p:cNvPicPr>
+            <a:picLocks noChangeAspect="1"/>
+          </p:cNvPicPr>
+          <p:nvPr/>
+        </p:nvPicPr>
+        <p:blipFill>
+          <a:blip r:embed="rId4"/>
+          <a:stretch>
+            <a:fillRect/>
+          </a:stretch>
+        </p:blipFill>
+        <p:spPr>
+          <a:xfrm>
+            <a:off x="4209442" y="3374315"/>
+            <a:ext cx="1057423" cy="371527"/>
+          </a:xfrm>
+          <a:prstGeom prst="rect">
+            <a:avLst/>
+          </a:prstGeom>
+          <a:ln>
+            <a:solidFill>
+              <a:schemeClr val="tx1"/>
+            </a:solidFill>
+          </a:ln>
+        </p:spPr>
+      </p:pic>
+      <p:cxnSp>
+        <p:nvCxnSpPr>
+          <p:cNvPr id="24" name="直線單箭頭接點 23">
+            <a:extLst>
+              <a:ext uri="{FF2B5EF4-FFF2-40B4-BE49-F238E27FC236}">
+                <a16:creationId xmlns:a16="http://schemas.microsoft.com/office/drawing/2014/main" id="{2DE43C78-FA34-4D86-85B9-5AEEEE4475B8}"/>
+              </a:ext>
+            </a:extLst>
+          </p:cNvPr>
+          <p:cNvCxnSpPr>
+            <a:stCxn id="22" idx="0"/>
+            <a:endCxn id="9" idx="2"/>
+          </p:cNvCxnSpPr>
+          <p:nvPr/>
+        </p:nvCxnSpPr>
+        <p:spPr>
+          <a:xfrm flipV="1">
+            <a:off x="4738154" y="1816089"/>
+            <a:ext cx="1135924" cy="1558226"/>
+          </a:xfrm>
+          <a:prstGeom prst="straightConnector1">
+            <a:avLst/>
+          </a:prstGeom>
+          <a:ln>
+            <a:tailEnd type="triangle"/>
+          </a:ln>
+        </p:spPr>
+        <p:style>
+          <a:lnRef idx="1">
+            <a:schemeClr val="dk1"/>
+          </a:lnRef>
+          <a:fillRef idx="0">
+            <a:schemeClr val="dk1"/>
+          </a:fillRef>
+          <a:effectRef idx="0">
+            <a:schemeClr val="dk1"/>
+          </a:effectRef>
+          <a:fontRef idx="minor">
+            <a:schemeClr val="tx1"/>
+          </a:fontRef>
+        </p:style>
+      </p:cxnSp>
+      <p:pic>
+        <p:nvPicPr>
+          <p:cNvPr id="26" name="圖片 25">
+            <a:extLst>
+              <a:ext uri="{FF2B5EF4-FFF2-40B4-BE49-F238E27FC236}">
+                <a16:creationId xmlns:a16="http://schemas.microsoft.com/office/drawing/2014/main" id="{A63A49B2-A16A-447C-95C0-1728259EE9B1}"/>
+              </a:ext>
+            </a:extLst>
+          </p:cNvPr>
+          <p:cNvPicPr>
+            <a:picLocks noChangeAspect="1"/>
+          </p:cNvPicPr>
+          <p:nvPr/>
+        </p:nvPicPr>
+        <p:blipFill>
+          <a:blip r:embed="rId5"/>
+          <a:stretch>
+            <a:fillRect/>
+          </a:stretch>
+        </p:blipFill>
+        <p:spPr>
+          <a:xfrm>
+            <a:off x="5382567" y="3012314"/>
+            <a:ext cx="1200318" cy="362001"/>
+          </a:xfrm>
+          <a:prstGeom prst="rect">
+            <a:avLst/>
+          </a:prstGeom>
+          <a:ln>
+            <a:solidFill>
+              <a:schemeClr val="tx1"/>
+            </a:solidFill>
+          </a:ln>
+        </p:spPr>
+      </p:pic>
+      <p:cxnSp>
+        <p:nvCxnSpPr>
+          <p:cNvPr id="28" name="直線單箭頭接點 27">
+            <a:extLst>
+              <a:ext uri="{FF2B5EF4-FFF2-40B4-BE49-F238E27FC236}">
+                <a16:creationId xmlns:a16="http://schemas.microsoft.com/office/drawing/2014/main" id="{B4847CD0-9418-4CB3-AB42-D3FE0907AD5C}"/>
+              </a:ext>
+            </a:extLst>
+          </p:cNvPr>
+          <p:cNvCxnSpPr>
+            <a:stCxn id="26" idx="0"/>
+            <a:endCxn id="10" idx="2"/>
+          </p:cNvCxnSpPr>
+          <p:nvPr/>
+        </p:nvCxnSpPr>
+        <p:spPr>
+          <a:xfrm flipH="1" flipV="1">
+            <a:off x="5874078" y="2597380"/>
+            <a:ext cx="108648" cy="414934"/>
+          </a:xfrm>
+          <a:prstGeom prst="straightConnector1">
+            <a:avLst/>
+          </a:prstGeom>
+          <a:ln>
+            <a:tailEnd type="triangle"/>
+          </a:ln>
+        </p:spPr>
+        <p:style>
+          <a:lnRef idx="1">
+            <a:schemeClr val="dk1"/>
+          </a:lnRef>
+          <a:fillRef idx="0">
+            <a:schemeClr val="dk1"/>
+          </a:fillRef>
+          <a:effectRef idx="0">
+            <a:schemeClr val="dk1"/>
+          </a:effectRef>
+          <a:fontRef idx="minor">
+            <a:schemeClr val="tx1"/>
+          </a:fontRef>
+        </p:style>
+      </p:cxnSp>
+      <mc:AlternateContent xmlns:mc="http://schemas.openxmlformats.org/markup-compatibility/2006">
+        <mc:Choice xmlns:a14="http://schemas.microsoft.com/office/drawing/2010/main" Requires="a14">
+          <p:sp>
+            <p:nvSpPr>
+              <p:cNvPr id="30" name="文字方塊 29">
+                <a:extLst>
+                  <a:ext uri="{FF2B5EF4-FFF2-40B4-BE49-F238E27FC236}">
+                    <a16:creationId xmlns:a16="http://schemas.microsoft.com/office/drawing/2014/main" id="{9CDB4C1D-835F-4A5F-8A15-41E7F0709E19}"/>
+                  </a:ext>
+                </a:extLst>
+              </p:cNvPr>
+              <p:cNvSpPr txBox="1"/>
+              <p:nvPr/>
+            </p:nvSpPr>
+            <p:spPr>
+              <a:xfrm>
+                <a:off x="1188048" y="1307363"/>
+                <a:ext cx="406337" cy="1346331"/>
+              </a:xfrm>
+              <a:prstGeom prst="rect">
+                <a:avLst/>
+              </a:prstGeom>
+              <a:noFill/>
+            </p:spPr>
+            <p:txBody>
+              <a:bodyPr wrap="square" rtlCol="0">
+                <a:spAutoFit/>
+              </a:bodyPr>
+              <a:lstStyle/>
+              <a:p>
+                <a14:m>
+                  <m:oMathPara xmlns:m="http://schemas.openxmlformats.org/officeDocument/2006/math">
+                    <m:oMathParaPr>
+                      <m:jc m:val="centerGroup"/>
+                    </m:oMathParaPr>
+                    <m:oMath xmlns:m="http://schemas.openxmlformats.org/officeDocument/2006/math">
+                      <m:nary>
+                        <m:naryPr>
+                          <m:chr m:val="∑"/>
+                          <m:ctrlPr>
+                            <a:rPr lang="en-US" altLang="zh-TW" sz="2800" b="0" i="1" smtClean="0">
+                              <a:latin typeface="Cambria Math" panose="02040503050406030204" pitchFamily="18" charset="0"/>
+                            </a:rPr>
+                          </m:ctrlPr>
+                        </m:naryPr>
+                        <m:sub>
+                          <m:r>
+                            <a:rPr lang="en-US" altLang="zh-TW" sz="2800" b="0" i="1" smtClean="0">
+                              <a:latin typeface="Cambria Math" panose="02040503050406030204" pitchFamily="18" charset="0"/>
+                            </a:rPr>
+                            <m:t>𝑖</m:t>
+                          </m:r>
+                          <m:r>
+                            <a:rPr lang="en-US" altLang="zh-TW" sz="2800" b="0" i="1" smtClean="0">
+                              <a:latin typeface="Cambria Math" panose="02040503050406030204" pitchFamily="18" charset="0"/>
+                            </a:rPr>
+                            <m:t>=1</m:t>
+                          </m:r>
+                        </m:sub>
+                        <m:sup>
+                          <m:sSub>
+                            <m:sSubPr>
+                              <m:ctrlPr>
+                                <a:rPr lang="en-US" altLang="zh-TW" sz="2800" b="0" i="1" smtClean="0">
+                                  <a:latin typeface="Cambria Math" panose="02040503050406030204" pitchFamily="18" charset="0"/>
+                                </a:rPr>
+                              </m:ctrlPr>
+                            </m:sSubPr>
+                            <m:e>
+                              <m:r>
+                                <a:rPr lang="en-US" altLang="zh-TW" sz="2800" b="0" i="1" smtClean="0">
+                                  <a:latin typeface="Cambria Math" panose="02040503050406030204" pitchFamily="18" charset="0"/>
+                                </a:rPr>
+                                <m:t>𝑘</m:t>
+                              </m:r>
+                            </m:e>
+                            <m:sub>
+                              <m:r>
+                                <a:rPr lang="en-US" altLang="zh-TW" sz="2800" b="0" i="1" smtClean="0">
+                                  <a:latin typeface="Cambria Math" panose="02040503050406030204" pitchFamily="18" charset="0"/>
+                                </a:rPr>
+                                <m:t>𝑝</m:t>
+                              </m:r>
+                            </m:sub>
+                          </m:sSub>
+                        </m:sup>
+                        <m:e>
+                          <m:r>
+                            <a:rPr lang="en-US" altLang="zh-TW" sz="2800" b="0" i="1" smtClean="0">
+                              <a:latin typeface="Cambria Math" panose="02040503050406030204" pitchFamily="18" charset="0"/>
+                            </a:rPr>
+                            <m:t>𝐶</m:t>
+                          </m:r>
+                        </m:e>
+                      </m:nary>
+                    </m:oMath>
+                  </m:oMathPara>
+                </a14:m>
+                <a:endParaRPr lang="zh-TW" altLang="en-US" sz="2800" dirty="0"/>
+              </a:p>
+            </p:txBody>
+          </p:sp>
+        </mc:Choice>
+        <mc:Fallback>
+          <p:sp>
+            <p:nvSpPr>
+              <p:cNvPr id="30" name="文字方塊 29">
+                <a:extLst>
+                  <a:ext uri="{FF2B5EF4-FFF2-40B4-BE49-F238E27FC236}">
+                    <a16:creationId xmlns:a16="http://schemas.microsoft.com/office/drawing/2014/main" id="{9CDB4C1D-835F-4A5F-8A15-41E7F0709E19}"/>
+                  </a:ext>
+                </a:extLst>
+              </p:cNvPr>
+              <p:cNvSpPr txBox="1">
+                <a:spLocks noRot="1" noChangeAspect="1" noMove="1" noResize="1" noEditPoints="1" noAdjustHandles="1" noChangeArrowheads="1" noChangeShapeType="1" noTextEdit="1"/>
+              </p:cNvSpPr>
+              <p:nvPr/>
+            </p:nvSpPr>
+            <p:spPr>
+              <a:xfrm>
+                <a:off x="1188048" y="1307363"/>
+                <a:ext cx="406337" cy="1346331"/>
+              </a:xfrm>
+              <a:prstGeom prst="rect">
+                <a:avLst/>
+              </a:prstGeom>
+              <a:blipFill>
+                <a:blip r:embed="rId6"/>
+                <a:stretch>
+                  <a:fillRect r="-102985"/>
+                </a:stretch>
+              </a:blipFill>
+            </p:spPr>
+            <p:txBody>
+              <a:bodyPr/>
+              <a:lstStyle/>
+              <a:p>
+                <a:r>
+                  <a:rPr lang="zh-TW" altLang="en-US">
+                    <a:noFill/>
+                  </a:rPr>
+                  <a:t> </a:t>
+                </a:r>
+              </a:p>
+            </p:txBody>
+          </p:sp>
+        </mc:Fallback>
+      </mc:AlternateContent>
+      <p:pic>
+        <p:nvPicPr>
+          <p:cNvPr id="32" name="圖片 31">
+            <a:extLst>
+              <a:ext uri="{FF2B5EF4-FFF2-40B4-BE49-F238E27FC236}">
+                <a16:creationId xmlns:a16="http://schemas.microsoft.com/office/drawing/2014/main" id="{E83B7478-B017-476B-A9E2-C775D05C3A6E}"/>
+              </a:ext>
+            </a:extLst>
+          </p:cNvPr>
+          <p:cNvPicPr>
+            <a:picLocks noChangeAspect="1"/>
+          </p:cNvPicPr>
+          <p:nvPr/>
+        </p:nvPicPr>
+        <p:blipFill>
+          <a:blip r:embed="rId7"/>
+          <a:stretch>
+            <a:fillRect/>
+          </a:stretch>
+        </p:blipFill>
+        <p:spPr>
+          <a:xfrm>
+            <a:off x="1013793" y="3284774"/>
+            <a:ext cx="962159" cy="447737"/>
+          </a:xfrm>
+          <a:prstGeom prst="rect">
+            <a:avLst/>
+          </a:prstGeom>
+          <a:ln>
+            <a:solidFill>
+              <a:schemeClr val="tx1"/>
+            </a:solidFill>
+          </a:ln>
+        </p:spPr>
+      </p:pic>
+      <p:cxnSp>
+        <p:nvCxnSpPr>
+          <p:cNvPr id="38" name="直線單箭頭接點 37">
+            <a:extLst>
+              <a:ext uri="{FF2B5EF4-FFF2-40B4-BE49-F238E27FC236}">
+                <a16:creationId xmlns:a16="http://schemas.microsoft.com/office/drawing/2014/main" id="{367DFACD-DE7B-4B83-A0F8-0C988AC010A9}"/>
+              </a:ext>
+            </a:extLst>
+          </p:cNvPr>
+          <p:cNvCxnSpPr>
+            <a:stCxn id="13" idx="0"/>
+            <a:endCxn id="32" idx="2"/>
+          </p:cNvCxnSpPr>
+          <p:nvPr/>
+        </p:nvCxnSpPr>
+        <p:spPr>
+          <a:xfrm flipH="1" flipV="1">
+            <a:off x="1494873" y="3732511"/>
+            <a:ext cx="202557" cy="892226"/>
+          </a:xfrm>
+          <a:prstGeom prst="straightConnector1">
+            <a:avLst/>
+          </a:prstGeom>
+          <a:ln>
+            <a:tailEnd type="triangle"/>
+          </a:ln>
+        </p:spPr>
+        <p:style>
+          <a:lnRef idx="1">
+            <a:schemeClr val="dk1"/>
+          </a:lnRef>
+          <a:fillRef idx="0">
+            <a:schemeClr val="dk1"/>
+          </a:fillRef>
+          <a:effectRef idx="0">
+            <a:schemeClr val="dk1"/>
+          </a:effectRef>
+          <a:fontRef idx="minor">
+            <a:schemeClr val="tx1"/>
+          </a:fontRef>
+        </p:style>
+      </p:cxnSp>
+      <p:pic>
+        <p:nvPicPr>
+          <p:cNvPr id="42" name="圖片 41">
+            <a:extLst>
+              <a:ext uri="{FF2B5EF4-FFF2-40B4-BE49-F238E27FC236}">
+                <a16:creationId xmlns:a16="http://schemas.microsoft.com/office/drawing/2014/main" id="{CE6B801C-DEE5-4398-93FB-3F0D4E833154}"/>
+              </a:ext>
+            </a:extLst>
+          </p:cNvPr>
+          <p:cNvPicPr>
+            <a:picLocks noChangeAspect="1"/>
+          </p:cNvPicPr>
+          <p:nvPr/>
+        </p:nvPicPr>
+        <p:blipFill>
+          <a:blip r:embed="rId8"/>
+          <a:stretch>
+            <a:fillRect/>
+          </a:stretch>
+        </p:blipFill>
+        <p:spPr>
+          <a:xfrm>
+            <a:off x="2752349" y="3386864"/>
+            <a:ext cx="1057423" cy="428685"/>
+          </a:xfrm>
+          <a:prstGeom prst="rect">
+            <a:avLst/>
+          </a:prstGeom>
+          <a:ln>
+            <a:solidFill>
+              <a:schemeClr val="tx1"/>
+            </a:solidFill>
+          </a:ln>
+        </p:spPr>
+      </p:pic>
+      <p:cxnSp>
+        <p:nvCxnSpPr>
+          <p:cNvPr id="47" name="直線單箭頭接點 46">
+            <a:extLst>
+              <a:ext uri="{FF2B5EF4-FFF2-40B4-BE49-F238E27FC236}">
+                <a16:creationId xmlns:a16="http://schemas.microsoft.com/office/drawing/2014/main" id="{D40524D5-CC42-47CB-83F9-CCC9036C04ED}"/>
+              </a:ext>
+            </a:extLst>
+          </p:cNvPr>
+          <p:cNvCxnSpPr>
+            <a:stCxn id="18" idx="0"/>
+            <a:endCxn id="42" idx="2"/>
+          </p:cNvCxnSpPr>
+          <p:nvPr/>
+        </p:nvCxnSpPr>
+        <p:spPr>
+          <a:xfrm flipH="1" flipV="1">
+            <a:off x="3281061" y="3815549"/>
+            <a:ext cx="409434" cy="280201"/>
+          </a:xfrm>
+          <a:prstGeom prst="straightConnector1">
+            <a:avLst/>
+          </a:prstGeom>
+          <a:ln>
+            <a:tailEnd type="triangle"/>
+          </a:ln>
+        </p:spPr>
+        <p:style>
+          <a:lnRef idx="1">
+            <a:schemeClr val="dk1"/>
+          </a:lnRef>
+          <a:fillRef idx="0">
+            <a:schemeClr val="dk1"/>
+          </a:fillRef>
+          <a:effectRef idx="0">
+            <a:schemeClr val="dk1"/>
+          </a:effectRef>
+          <a:fontRef idx="minor">
+            <a:schemeClr val="tx1"/>
+          </a:fontRef>
+        </p:style>
+      </p:cxnSp>
+      <p:grpSp>
+        <p:nvGrpSpPr>
+          <p:cNvPr id="51" name="群組 50">
+            <a:extLst>
+              <a:ext uri="{FF2B5EF4-FFF2-40B4-BE49-F238E27FC236}">
+                <a16:creationId xmlns:a16="http://schemas.microsoft.com/office/drawing/2014/main" id="{A44F0A26-B39B-43C7-95CF-33F7B578E988}"/>
+              </a:ext>
+            </a:extLst>
+          </p:cNvPr>
+          <p:cNvGrpSpPr/>
+          <p:nvPr/>
+        </p:nvGrpSpPr>
+        <p:grpSpPr>
+          <a:xfrm>
+            <a:off x="7513653" y="341454"/>
+            <a:ext cx="3263943" cy="4797705"/>
+            <a:chOff x="7280476" y="400945"/>
+            <a:chExt cx="3263943" cy="4797705"/>
+          </a:xfrm>
+        </p:grpSpPr>
+        <p:sp>
+          <p:nvSpPr>
+            <p:cNvPr id="49" name="矩形: 圓角 48">
+              <a:extLst>
+                <a:ext uri="{FF2B5EF4-FFF2-40B4-BE49-F238E27FC236}">
+                  <a16:creationId xmlns:a16="http://schemas.microsoft.com/office/drawing/2014/main" id="{0D67FCC2-5826-4019-8959-F873F1BE8C73}"/>
+                </a:ext>
+              </a:extLst>
+            </p:cNvPr>
+            <p:cNvSpPr/>
+            <p:nvPr/>
+          </p:nvSpPr>
+          <p:spPr>
+            <a:xfrm>
+              <a:off x="7280476" y="770277"/>
+              <a:ext cx="3263943" cy="4428373"/>
+            </a:xfrm>
+            <a:prstGeom prst="roundRect">
+              <a:avLst/>
+            </a:prstGeom>
+          </p:spPr>
+          <p:style>
+            <a:lnRef idx="2">
+              <a:schemeClr val="accent1">
+                <a:shade val="50000"/>
+              </a:schemeClr>
+            </a:lnRef>
+            <a:fillRef idx="1">
+              <a:schemeClr val="accent1"/>
+            </a:fillRef>
+            <a:effectRef idx="0">
+              <a:schemeClr val="accent1"/>
+            </a:effectRef>
+            <a:fontRef idx="minor">
+              <a:schemeClr val="lt1"/>
+            </a:fontRef>
+          </p:style>
+          <p:txBody>
+            <a:bodyPr rtlCol="0" anchor="ctr"/>
+            <a:lstStyle/>
+            <a:p>
+              <a:pPr algn="ctr"/>
+              <a:endParaRPr lang="zh-TW" altLang="en-US"/>
+            </a:p>
+          </p:txBody>
+        </p:sp>
+        <p:sp>
+          <p:nvSpPr>
+            <p:cNvPr id="50" name="文字方塊 49">
+              <a:extLst>
+                <a:ext uri="{FF2B5EF4-FFF2-40B4-BE49-F238E27FC236}">
+                  <a16:creationId xmlns:a16="http://schemas.microsoft.com/office/drawing/2014/main" id="{2922FDB7-11B8-4CFB-9CB1-7E5554B8BFC6}"/>
+                </a:ext>
+              </a:extLst>
+            </p:cNvPr>
+            <p:cNvSpPr txBox="1"/>
+            <p:nvPr/>
+          </p:nvSpPr>
+          <p:spPr>
+            <a:xfrm>
+              <a:off x="7831778" y="400945"/>
+              <a:ext cx="1294860" cy="369332"/>
+            </a:xfrm>
+            <a:prstGeom prst="rect">
+              <a:avLst/>
+            </a:prstGeom>
+            <a:noFill/>
+          </p:spPr>
+          <p:txBody>
+            <a:bodyPr wrap="square" rtlCol="0">
+              <a:spAutoFit/>
+            </a:bodyPr>
+            <a:lstStyle/>
+            <a:p>
+              <a:r>
+                <a:rPr lang="en-US" altLang="zh-TW" dirty="0"/>
+                <a:t>Subject to:</a:t>
+              </a:r>
+              <a:endParaRPr lang="zh-TW" altLang="en-US" dirty="0"/>
+            </a:p>
+          </p:txBody>
+        </p:sp>
+      </p:grpSp>
+      <p:grpSp>
+        <p:nvGrpSpPr>
+          <p:cNvPr id="61" name="群組 60">
+            <a:extLst>
+              <a:ext uri="{FF2B5EF4-FFF2-40B4-BE49-F238E27FC236}">
+                <a16:creationId xmlns:a16="http://schemas.microsoft.com/office/drawing/2014/main" id="{8A288C3D-8A98-4FCD-AF63-359974C4F19F}"/>
+              </a:ext>
+            </a:extLst>
+          </p:cNvPr>
+          <p:cNvGrpSpPr/>
+          <p:nvPr/>
+        </p:nvGrpSpPr>
+        <p:grpSpPr>
+          <a:xfrm>
+            <a:off x="7664193" y="998317"/>
+            <a:ext cx="3060624" cy="1595316"/>
+            <a:chOff x="7588090" y="1099669"/>
+            <a:chExt cx="3060624" cy="1595316"/>
+          </a:xfrm>
+        </p:grpSpPr>
+        <p:grpSp>
+          <p:nvGrpSpPr>
+            <p:cNvPr id="54" name="群組 53">
+              <a:extLst>
+                <a:ext uri="{FF2B5EF4-FFF2-40B4-BE49-F238E27FC236}">
+                  <a16:creationId xmlns:a16="http://schemas.microsoft.com/office/drawing/2014/main" id="{7867F069-0D0C-4801-8C90-8700E538FAB8}"/>
+                </a:ext>
+              </a:extLst>
+            </p:cNvPr>
+            <p:cNvGrpSpPr/>
+            <p:nvPr/>
+          </p:nvGrpSpPr>
+          <p:grpSpPr>
+            <a:xfrm>
+              <a:off x="7588090" y="1099669"/>
+              <a:ext cx="3060624" cy="1595316"/>
+              <a:chOff x="7451166" y="1241913"/>
+              <a:chExt cx="3060624" cy="1595316"/>
+            </a:xfrm>
+          </p:grpSpPr>
+          <p:sp>
+            <p:nvSpPr>
+              <p:cNvPr id="52" name="矩形: 圓角 51">
+                <a:extLst>
+                  <a:ext uri="{FF2B5EF4-FFF2-40B4-BE49-F238E27FC236}">
+                    <a16:creationId xmlns:a16="http://schemas.microsoft.com/office/drawing/2014/main" id="{A4FE1255-16E9-45D1-8151-EEB07D16A3F6}"/>
+                  </a:ext>
+                </a:extLst>
+              </p:cNvPr>
+              <p:cNvSpPr/>
+              <p:nvPr/>
+            </p:nvSpPr>
+            <p:spPr>
+              <a:xfrm>
+                <a:off x="7451166" y="1566907"/>
+                <a:ext cx="3060624" cy="1270322"/>
+              </a:xfrm>
+              <a:prstGeom prst="roundRect">
+                <a:avLst/>
+              </a:prstGeom>
+            </p:spPr>
+            <p:style>
+              <a:lnRef idx="2">
+                <a:schemeClr val="accent4">
+                  <a:shade val="50000"/>
+                </a:schemeClr>
+              </a:lnRef>
+              <a:fillRef idx="1">
+                <a:schemeClr val="accent4"/>
+              </a:fillRef>
+              <a:effectRef idx="0">
+                <a:schemeClr val="accent4"/>
+              </a:effectRef>
+              <a:fontRef idx="minor">
+                <a:schemeClr val="lt1"/>
+              </a:fontRef>
+            </p:style>
+            <p:txBody>
+              <a:bodyPr rtlCol="0" anchor="ctr"/>
+              <a:lstStyle/>
+              <a:p>
+                <a:pPr algn="ctr"/>
+                <a:endParaRPr lang="zh-TW" altLang="en-US" dirty="0"/>
+              </a:p>
+            </p:txBody>
+          </p:sp>
+          <p:sp>
+            <p:nvSpPr>
+              <p:cNvPr id="53" name="文字方塊 52">
+                <a:extLst>
+                  <a:ext uri="{FF2B5EF4-FFF2-40B4-BE49-F238E27FC236}">
+                    <a16:creationId xmlns:a16="http://schemas.microsoft.com/office/drawing/2014/main" id="{BAE79936-4276-4B9B-B34E-0CB2C7459C33}"/>
+                  </a:ext>
+                </a:extLst>
+              </p:cNvPr>
+              <p:cNvSpPr txBox="1"/>
+              <p:nvPr/>
+            </p:nvSpPr>
+            <p:spPr>
+              <a:xfrm>
+                <a:off x="7853557" y="1241913"/>
+                <a:ext cx="2163273" cy="369332"/>
+              </a:xfrm>
+              <a:prstGeom prst="rect">
+                <a:avLst/>
+              </a:prstGeom>
+              <a:noFill/>
+            </p:spPr>
+            <p:txBody>
+              <a:bodyPr wrap="square" rtlCol="0">
+                <a:spAutoFit/>
+              </a:bodyPr>
+              <a:lstStyle/>
+              <a:p>
+                <a:r>
+                  <a:rPr lang="en-US" altLang="zh-TW" dirty="0"/>
+                  <a:t>Equality constraints</a:t>
+                </a:r>
+                <a:endParaRPr lang="zh-TW" altLang="en-US" dirty="0"/>
+              </a:p>
+            </p:txBody>
+          </p:sp>
+        </p:grpSp>
+        <p:pic>
+          <p:nvPicPr>
+            <p:cNvPr id="58" name="圖片 57">
+              <a:extLst>
+                <a:ext uri="{FF2B5EF4-FFF2-40B4-BE49-F238E27FC236}">
+                  <a16:creationId xmlns:a16="http://schemas.microsoft.com/office/drawing/2014/main" id="{3E30643B-D649-4077-9E36-E1113D13ECC7}"/>
+                </a:ext>
+              </a:extLst>
+            </p:cNvPr>
+            <p:cNvPicPr>
+              <a:picLocks noChangeAspect="1"/>
+            </p:cNvPicPr>
+            <p:nvPr/>
+          </p:nvPicPr>
+          <p:blipFill>
+            <a:blip r:embed="rId9"/>
+            <a:stretch>
+              <a:fillRect/>
+            </a:stretch>
+          </p:blipFill>
+          <p:spPr>
+            <a:xfrm>
+              <a:off x="8254078" y="1493135"/>
+              <a:ext cx="1781424" cy="495369"/>
+            </a:xfrm>
+            <a:prstGeom prst="rect">
+              <a:avLst/>
+            </a:prstGeom>
+          </p:spPr>
+        </p:pic>
+        <p:pic>
+          <p:nvPicPr>
+            <p:cNvPr id="60" name="圖片 59">
+              <a:extLst>
+                <a:ext uri="{FF2B5EF4-FFF2-40B4-BE49-F238E27FC236}">
+                  <a16:creationId xmlns:a16="http://schemas.microsoft.com/office/drawing/2014/main" id="{DAA9D5EF-565D-4771-95E4-BCF988DC697D}"/>
+                </a:ext>
+              </a:extLst>
+            </p:cNvPr>
+            <p:cNvPicPr>
+              <a:picLocks noChangeAspect="1"/>
+            </p:cNvPicPr>
+            <p:nvPr/>
+          </p:nvPicPr>
+          <p:blipFill>
+            <a:blip r:embed="rId10"/>
+            <a:stretch>
+              <a:fillRect/>
+            </a:stretch>
+          </p:blipFill>
+          <p:spPr>
+            <a:xfrm>
+              <a:off x="7622768" y="2084648"/>
+              <a:ext cx="2991267" cy="390580"/>
+            </a:xfrm>
+            <a:prstGeom prst="rect">
+              <a:avLst/>
+            </a:prstGeom>
+          </p:spPr>
+        </p:pic>
+      </p:grpSp>
+      <p:grpSp>
+        <p:nvGrpSpPr>
+          <p:cNvPr id="64" name="群組 63">
+            <a:extLst>
+              <a:ext uri="{FF2B5EF4-FFF2-40B4-BE49-F238E27FC236}">
+                <a16:creationId xmlns:a16="http://schemas.microsoft.com/office/drawing/2014/main" id="{CBB69BF8-BB86-4C76-873F-AFF5B5077283}"/>
+              </a:ext>
+            </a:extLst>
+          </p:cNvPr>
+          <p:cNvGrpSpPr/>
+          <p:nvPr/>
+        </p:nvGrpSpPr>
+        <p:grpSpPr>
+          <a:xfrm>
+            <a:off x="7931124" y="3131052"/>
+            <a:ext cx="2429000" cy="1156336"/>
+            <a:chOff x="7931124" y="3253618"/>
+            <a:chExt cx="2429000" cy="1156336"/>
+          </a:xfrm>
+        </p:grpSpPr>
+        <p:sp>
+          <p:nvSpPr>
+            <p:cNvPr id="62" name="矩形: 圓角 61">
+              <a:extLst>
+                <a:ext uri="{FF2B5EF4-FFF2-40B4-BE49-F238E27FC236}">
+                  <a16:creationId xmlns:a16="http://schemas.microsoft.com/office/drawing/2014/main" id="{16D8C56A-0330-4870-9DB9-6CD0DF4C636A}"/>
+                </a:ext>
+              </a:extLst>
+            </p:cNvPr>
+            <p:cNvSpPr/>
+            <p:nvPr/>
+          </p:nvSpPr>
+          <p:spPr>
+            <a:xfrm>
+              <a:off x="8131215" y="3641538"/>
+              <a:ext cx="1921398" cy="768416"/>
+            </a:xfrm>
+            <a:prstGeom prst="roundRect">
+              <a:avLst/>
+            </a:prstGeom>
+          </p:spPr>
+          <p:style>
+            <a:lnRef idx="2">
+              <a:schemeClr val="accent4">
+                <a:shade val="50000"/>
+              </a:schemeClr>
+            </a:lnRef>
+            <a:fillRef idx="1">
+              <a:schemeClr val="accent4"/>
+            </a:fillRef>
+            <a:effectRef idx="0">
+              <a:schemeClr val="accent4"/>
+            </a:effectRef>
+            <a:fontRef idx="minor">
+              <a:schemeClr val="lt1"/>
+            </a:fontRef>
+          </p:style>
+          <p:txBody>
+            <a:bodyPr rtlCol="0" anchor="ctr"/>
+            <a:lstStyle/>
+            <a:p>
+              <a:pPr algn="ctr"/>
+              <a:r>
+                <a:rPr lang="en-US" altLang="zh-TW" dirty="0"/>
+                <a:t>VO</a:t>
+              </a:r>
+              <a:endParaRPr lang="zh-TW" altLang="en-US" dirty="0"/>
+            </a:p>
+          </p:txBody>
+        </p:sp>
+        <p:sp>
+          <p:nvSpPr>
+            <p:cNvPr id="63" name="文字方塊 62">
+              <a:extLst>
+                <a:ext uri="{FF2B5EF4-FFF2-40B4-BE49-F238E27FC236}">
+                  <a16:creationId xmlns:a16="http://schemas.microsoft.com/office/drawing/2014/main" id="{C4083B03-5050-41E2-9A28-6ABEC460ECDE}"/>
+                </a:ext>
+              </a:extLst>
+            </p:cNvPr>
+            <p:cNvSpPr txBox="1"/>
+            <p:nvPr/>
+          </p:nvSpPr>
+          <p:spPr>
+            <a:xfrm>
+              <a:off x="7931124" y="3253618"/>
+              <a:ext cx="2429000" cy="369332"/>
+            </a:xfrm>
+            <a:prstGeom prst="rect">
+              <a:avLst/>
+            </a:prstGeom>
+            <a:noFill/>
+          </p:spPr>
+          <p:txBody>
+            <a:bodyPr wrap="square" rtlCol="0">
+              <a:spAutoFit/>
+            </a:bodyPr>
+            <a:lstStyle/>
+            <a:p>
+              <a:r>
+                <a:rPr lang="en-US" altLang="zh-TW" dirty="0"/>
+                <a:t>Inequality constraints</a:t>
+              </a:r>
+              <a:endParaRPr lang="zh-TW" altLang="en-US" dirty="0"/>
+            </a:p>
+          </p:txBody>
+        </p:sp>
+      </p:grpSp>
+    </p:spTree>
+    <p:extLst>
+      <p:ext uri="{BB962C8B-B14F-4D97-AF65-F5344CB8AC3E}">
+        <p14:creationId xmlns:p14="http://schemas.microsoft.com/office/powerpoint/2010/main" val="942536003"/>
       </p:ext>
     </p:extLst>
   </p:cSld>

--- a/path_planing/VO_code_try/robot_properties3.pptx
+++ b/path_planing/VO_code_try/robot_properties3.pptx
@@ -18,6 +18,8 @@
     <p:sldId id="266" r:id="rId12"/>
     <p:sldId id="267" r:id="rId13"/>
     <p:sldId id="268" r:id="rId14"/>
+    <p:sldId id="269" r:id="rId15"/>
+    <p:sldId id="270" r:id="rId16"/>
   </p:sldIdLst>
   <p:sldSz cx="12192000" cy="6858000"/>
   <p:notesSz cx="6858000" cy="9144000"/>
@@ -271,7 +273,7 @@
           <a:p>
             <a:fld id="{9CD1F5AD-FE1B-4540-B598-52220A64164D}" type="datetimeFigureOut">
               <a:rPr lang="zh-TW" altLang="en-US" smtClean="0"/>
-              <a:t>2024/7/30</a:t>
+              <a:t>2024/9/2</a:t>
             </a:fld>
             <a:endParaRPr lang="zh-TW" altLang="en-US"/>
           </a:p>
@@ -469,7 +471,7 @@
           <a:p>
             <a:fld id="{9CD1F5AD-FE1B-4540-B598-52220A64164D}" type="datetimeFigureOut">
               <a:rPr lang="zh-TW" altLang="en-US" smtClean="0"/>
-              <a:t>2024/7/30</a:t>
+              <a:t>2024/9/2</a:t>
             </a:fld>
             <a:endParaRPr lang="zh-TW" altLang="en-US"/>
           </a:p>
@@ -677,7 +679,7 @@
           <a:p>
             <a:fld id="{9CD1F5AD-FE1B-4540-B598-52220A64164D}" type="datetimeFigureOut">
               <a:rPr lang="zh-TW" altLang="en-US" smtClean="0"/>
-              <a:t>2024/7/30</a:t>
+              <a:t>2024/9/2</a:t>
             </a:fld>
             <a:endParaRPr lang="zh-TW" altLang="en-US"/>
           </a:p>
@@ -875,7 +877,7 @@
           <a:p>
             <a:fld id="{9CD1F5AD-FE1B-4540-B598-52220A64164D}" type="datetimeFigureOut">
               <a:rPr lang="zh-TW" altLang="en-US" smtClean="0"/>
-              <a:t>2024/7/30</a:t>
+              <a:t>2024/9/2</a:t>
             </a:fld>
             <a:endParaRPr lang="zh-TW" altLang="en-US"/>
           </a:p>
@@ -1150,7 +1152,7 @@
           <a:p>
             <a:fld id="{9CD1F5AD-FE1B-4540-B598-52220A64164D}" type="datetimeFigureOut">
               <a:rPr lang="zh-TW" altLang="en-US" smtClean="0"/>
-              <a:t>2024/7/30</a:t>
+              <a:t>2024/9/2</a:t>
             </a:fld>
             <a:endParaRPr lang="zh-TW" altLang="en-US"/>
           </a:p>
@@ -1415,7 +1417,7 @@
           <a:p>
             <a:fld id="{9CD1F5AD-FE1B-4540-B598-52220A64164D}" type="datetimeFigureOut">
               <a:rPr lang="zh-TW" altLang="en-US" smtClean="0"/>
-              <a:t>2024/7/30</a:t>
+              <a:t>2024/9/2</a:t>
             </a:fld>
             <a:endParaRPr lang="zh-TW" altLang="en-US"/>
           </a:p>
@@ -1827,7 +1829,7 @@
           <a:p>
             <a:fld id="{9CD1F5AD-FE1B-4540-B598-52220A64164D}" type="datetimeFigureOut">
               <a:rPr lang="zh-TW" altLang="en-US" smtClean="0"/>
-              <a:t>2024/7/30</a:t>
+              <a:t>2024/9/2</a:t>
             </a:fld>
             <a:endParaRPr lang="zh-TW" altLang="en-US"/>
           </a:p>
@@ -1968,7 +1970,7 @@
           <a:p>
             <a:fld id="{9CD1F5AD-FE1B-4540-B598-52220A64164D}" type="datetimeFigureOut">
               <a:rPr lang="zh-TW" altLang="en-US" smtClean="0"/>
-              <a:t>2024/7/30</a:t>
+              <a:t>2024/9/2</a:t>
             </a:fld>
             <a:endParaRPr lang="zh-TW" altLang="en-US"/>
           </a:p>
@@ -2081,7 +2083,7 @@
           <a:p>
             <a:fld id="{9CD1F5AD-FE1B-4540-B598-52220A64164D}" type="datetimeFigureOut">
               <a:rPr lang="zh-TW" altLang="en-US" smtClean="0"/>
-              <a:t>2024/7/30</a:t>
+              <a:t>2024/9/2</a:t>
             </a:fld>
             <a:endParaRPr lang="zh-TW" altLang="en-US"/>
           </a:p>
@@ -2392,7 +2394,7 @@
           <a:p>
             <a:fld id="{9CD1F5AD-FE1B-4540-B598-52220A64164D}" type="datetimeFigureOut">
               <a:rPr lang="zh-TW" altLang="en-US" smtClean="0"/>
-              <a:t>2024/7/30</a:t>
+              <a:t>2024/9/2</a:t>
             </a:fld>
             <a:endParaRPr lang="zh-TW" altLang="en-US"/>
           </a:p>
@@ -2680,7 +2682,7 @@
           <a:p>
             <a:fld id="{9CD1F5AD-FE1B-4540-B598-52220A64164D}" type="datetimeFigureOut">
               <a:rPr lang="zh-TW" altLang="en-US" smtClean="0"/>
-              <a:t>2024/7/30</a:t>
+              <a:t>2024/9/2</a:t>
             </a:fld>
             <a:endParaRPr lang="zh-TW" altLang="en-US"/>
           </a:p>
@@ -2921,7 +2923,7 @@
           <a:p>
             <a:fld id="{9CD1F5AD-FE1B-4540-B598-52220A64164D}" type="datetimeFigureOut">
               <a:rPr lang="zh-TW" altLang="en-US" smtClean="0"/>
-              <a:t>2024/7/30</a:t>
+              <a:t>2024/9/2</a:t>
             </a:fld>
             <a:endParaRPr lang="zh-TW" altLang="en-US"/>
           </a:p>
@@ -7732,8 +7734,8 @@
           </a:fontRef>
         </p:style>
       </p:cxnSp>
-      <mc:AlternateContent xmlns:mc="http://schemas.openxmlformats.org/markup-compatibility/2006">
-        <mc:Choice xmlns:a14="http://schemas.microsoft.com/office/drawing/2010/main" Requires="a14">
+      <mc:AlternateContent xmlns:mc="http://schemas.openxmlformats.org/markup-compatibility/2006" xmlns:a14="http://schemas.microsoft.com/office/drawing/2010/main">
+        <mc:Choice Requires="a14">
           <p:sp>
             <p:nvSpPr>
               <p:cNvPr id="30" name="文字方塊 29">
@@ -7762,6 +7764,7 @@
               </a:bodyPr>
               <a:lstStyle/>
               <a:p>
+                <a:pPr/>
                 <a14:m>
                   <m:oMathPara xmlns:m="http://schemas.openxmlformats.org/officeDocument/2006/math">
                     <m:oMathParaPr>
@@ -7835,7 +7838,7 @@
             </p:txBody>
           </p:sp>
         </mc:Choice>
-        <mc:Fallback>
+        <mc:Fallback xmlns="">
           <p:sp>
             <p:nvSpPr>
               <p:cNvPr id="30" name="文字方塊 29">
@@ -8432,6 +8435,898 @@
     <p:extLst>
       <p:ext uri="{BB962C8B-B14F-4D97-AF65-F5344CB8AC3E}">
         <p14:creationId xmlns:p14="http://schemas.microsoft.com/office/powerpoint/2010/main" val="942536003"/>
+      </p:ext>
+    </p:extLst>
+  </p:cSld>
+  <p:clrMapOvr>
+    <a:masterClrMapping/>
+  </p:clrMapOvr>
+</p:sld>
+</file>
+
+<file path=ppt/slides/slide14.xml><?xml version="1.0" encoding="utf-8"?>
+<p:sld xmlns:a="http://schemas.openxmlformats.org/drawingml/2006/main" xmlns:r="http://schemas.openxmlformats.org/officeDocument/2006/relationships" xmlns:p="http://schemas.openxmlformats.org/presentationml/2006/main">
+  <p:cSld>
+    <p:spTree>
+      <p:nvGrpSpPr>
+        <p:cNvPr id="1" name=""/>
+        <p:cNvGrpSpPr/>
+        <p:nvPr/>
+      </p:nvGrpSpPr>
+      <p:grpSpPr>
+        <a:xfrm>
+          <a:off x="0" y="0"/>
+          <a:ext cx="0" cy="0"/>
+          <a:chOff x="0" y="0"/>
+          <a:chExt cx="0" cy="0"/>
+        </a:xfrm>
+      </p:grpSpPr>
+      <p:sp>
+        <p:nvSpPr>
+          <p:cNvPr id="4" name="矩形 3">
+            <a:extLst>
+              <a:ext uri="{FF2B5EF4-FFF2-40B4-BE49-F238E27FC236}">
+                <a16:creationId xmlns:a16="http://schemas.microsoft.com/office/drawing/2014/main" id="{57921527-0F61-43E4-BD20-CA776149FC58}"/>
+              </a:ext>
+            </a:extLst>
+          </p:cNvPr>
+          <p:cNvSpPr/>
+          <p:nvPr/>
+        </p:nvSpPr>
+        <p:spPr>
+          <a:xfrm>
+            <a:off x="347134" y="1837266"/>
+            <a:ext cx="1625599" cy="922867"/>
+          </a:xfrm>
+          <a:prstGeom prst="rect">
+            <a:avLst/>
+          </a:prstGeom>
+        </p:spPr>
+        <p:style>
+          <a:lnRef idx="2">
+            <a:schemeClr val="dk1"/>
+          </a:lnRef>
+          <a:fillRef idx="1">
+            <a:schemeClr val="lt1"/>
+          </a:fillRef>
+          <a:effectRef idx="0">
+            <a:schemeClr val="dk1"/>
+          </a:effectRef>
+          <a:fontRef idx="minor">
+            <a:schemeClr val="dk1"/>
+          </a:fontRef>
+        </p:style>
+        <p:txBody>
+          <a:bodyPr rtlCol="0" anchor="ctr"/>
+          <a:lstStyle/>
+          <a:p>
+            <a:pPr algn="ctr"/>
+            <a:r>
+              <a:rPr lang="en-US" altLang="zh-TW" dirty="0"/>
+              <a:t>Path planning</a:t>
+            </a:r>
+            <a:endParaRPr lang="zh-TW" altLang="en-US" dirty="0"/>
+          </a:p>
+        </p:txBody>
+      </p:sp>
+      <p:sp>
+        <p:nvSpPr>
+          <p:cNvPr id="9" name="矩形 8">
+            <a:extLst>
+              <a:ext uri="{FF2B5EF4-FFF2-40B4-BE49-F238E27FC236}">
+                <a16:creationId xmlns:a16="http://schemas.microsoft.com/office/drawing/2014/main" id="{BC87F44A-6A27-44E8-8B46-AF846EDA7C54}"/>
+              </a:ext>
+            </a:extLst>
+          </p:cNvPr>
+          <p:cNvSpPr/>
+          <p:nvPr/>
+        </p:nvSpPr>
+        <p:spPr>
+          <a:xfrm>
+            <a:off x="3251198" y="1837265"/>
+            <a:ext cx="1625599" cy="922867"/>
+          </a:xfrm>
+          <a:prstGeom prst="rect">
+            <a:avLst/>
+          </a:prstGeom>
+        </p:spPr>
+        <p:style>
+          <a:lnRef idx="2">
+            <a:schemeClr val="dk1"/>
+          </a:lnRef>
+          <a:fillRef idx="1">
+            <a:schemeClr val="lt1"/>
+          </a:fillRef>
+          <a:effectRef idx="0">
+            <a:schemeClr val="dk1"/>
+          </a:effectRef>
+          <a:fontRef idx="minor">
+            <a:schemeClr val="dk1"/>
+          </a:fontRef>
+        </p:style>
+        <p:txBody>
+          <a:bodyPr rtlCol="0" anchor="ctr"/>
+          <a:lstStyle/>
+          <a:p>
+            <a:pPr algn="ctr"/>
+            <a:r>
+              <a:rPr lang="en-US" altLang="zh-TW" dirty="0"/>
+              <a:t>Path tracker </a:t>
+            </a:r>
+            <a:endParaRPr lang="zh-TW" altLang="en-US" dirty="0"/>
+          </a:p>
+        </p:txBody>
+      </p:sp>
+      <p:sp>
+        <p:nvSpPr>
+          <p:cNvPr id="10" name="矩形 9">
+            <a:extLst>
+              <a:ext uri="{FF2B5EF4-FFF2-40B4-BE49-F238E27FC236}">
+                <a16:creationId xmlns:a16="http://schemas.microsoft.com/office/drawing/2014/main" id="{7F262EB7-A0F2-431E-8C1A-D5BB1A606051}"/>
+              </a:ext>
+            </a:extLst>
+          </p:cNvPr>
+          <p:cNvSpPr/>
+          <p:nvPr/>
+        </p:nvSpPr>
+        <p:spPr>
+          <a:xfrm>
+            <a:off x="6155262" y="1837265"/>
+            <a:ext cx="1625599" cy="922867"/>
+          </a:xfrm>
+          <a:prstGeom prst="rect">
+            <a:avLst/>
+          </a:prstGeom>
+        </p:spPr>
+        <p:style>
+          <a:lnRef idx="2">
+            <a:schemeClr val="dk1"/>
+          </a:lnRef>
+          <a:fillRef idx="1">
+            <a:schemeClr val="lt1"/>
+          </a:fillRef>
+          <a:effectRef idx="0">
+            <a:schemeClr val="dk1"/>
+          </a:effectRef>
+          <a:fontRef idx="minor">
+            <a:schemeClr val="dk1"/>
+          </a:fontRef>
+        </p:style>
+        <p:txBody>
+          <a:bodyPr rtlCol="0" anchor="ctr"/>
+          <a:lstStyle/>
+          <a:p>
+            <a:pPr algn="ctr"/>
+            <a:r>
+              <a:rPr lang="en-US" altLang="zh-TW" dirty="0"/>
+              <a:t>Robot</a:t>
+            </a:r>
+            <a:endParaRPr lang="zh-TW" altLang="en-US" dirty="0"/>
+          </a:p>
+        </p:txBody>
+      </p:sp>
+      <p:cxnSp>
+        <p:nvCxnSpPr>
+          <p:cNvPr id="13" name="直線單箭頭接點 12">
+            <a:extLst>
+              <a:ext uri="{FF2B5EF4-FFF2-40B4-BE49-F238E27FC236}">
+                <a16:creationId xmlns:a16="http://schemas.microsoft.com/office/drawing/2014/main" id="{E29E260A-97FA-4023-94B9-5205088D72B4}"/>
+              </a:ext>
+            </a:extLst>
+          </p:cNvPr>
+          <p:cNvCxnSpPr>
+            <a:stCxn id="4" idx="3"/>
+            <a:endCxn id="9" idx="1"/>
+          </p:cNvCxnSpPr>
+          <p:nvPr/>
+        </p:nvCxnSpPr>
+        <p:spPr>
+          <a:xfrm flipV="1">
+            <a:off x="1972733" y="2298699"/>
+            <a:ext cx="1278465" cy="1"/>
+          </a:xfrm>
+          <a:prstGeom prst="straightConnector1">
+            <a:avLst/>
+          </a:prstGeom>
+          <a:ln w="28575">
+            <a:solidFill>
+              <a:schemeClr val="tx1"/>
+            </a:solidFill>
+            <a:tailEnd type="triangle"/>
+          </a:ln>
+        </p:spPr>
+        <p:style>
+          <a:lnRef idx="1">
+            <a:schemeClr val="dk1"/>
+          </a:lnRef>
+          <a:fillRef idx="0">
+            <a:schemeClr val="dk1"/>
+          </a:fillRef>
+          <a:effectRef idx="0">
+            <a:schemeClr val="dk1"/>
+          </a:effectRef>
+          <a:fontRef idx="minor">
+            <a:schemeClr val="tx1"/>
+          </a:fontRef>
+        </p:style>
+      </p:cxnSp>
+      <p:sp>
+        <p:nvSpPr>
+          <p:cNvPr id="15" name="文字方塊 14">
+            <a:extLst>
+              <a:ext uri="{FF2B5EF4-FFF2-40B4-BE49-F238E27FC236}">
+                <a16:creationId xmlns:a16="http://schemas.microsoft.com/office/drawing/2014/main" id="{198A5B91-2BFD-4D71-97F7-C93AFB31940C}"/>
+              </a:ext>
+            </a:extLst>
+          </p:cNvPr>
+          <p:cNvSpPr txBox="1"/>
+          <p:nvPr/>
+        </p:nvSpPr>
+        <p:spPr>
+          <a:xfrm>
+            <a:off x="2353732" y="1964267"/>
+            <a:ext cx="863600" cy="369332"/>
+          </a:xfrm>
+          <a:prstGeom prst="rect">
+            <a:avLst/>
+          </a:prstGeom>
+          <a:noFill/>
+        </p:spPr>
+        <p:txBody>
+          <a:bodyPr wrap="square" rtlCol="0">
+            <a:spAutoFit/>
+          </a:bodyPr>
+          <a:lstStyle/>
+          <a:p>
+            <a:r>
+              <a:rPr lang="en-US" altLang="zh-TW" dirty="0"/>
+              <a:t>path</a:t>
+            </a:r>
+            <a:endParaRPr lang="zh-TW" altLang="en-US" dirty="0"/>
+          </a:p>
+        </p:txBody>
+      </p:sp>
+      <p:cxnSp>
+        <p:nvCxnSpPr>
+          <p:cNvPr id="18" name="直線單箭頭接點 17">
+            <a:extLst>
+              <a:ext uri="{FF2B5EF4-FFF2-40B4-BE49-F238E27FC236}">
+                <a16:creationId xmlns:a16="http://schemas.microsoft.com/office/drawing/2014/main" id="{E49C57CB-F36B-4FC2-BD75-B0E6AEF0D669}"/>
+              </a:ext>
+            </a:extLst>
+          </p:cNvPr>
+          <p:cNvCxnSpPr>
+            <a:stCxn id="9" idx="3"/>
+            <a:endCxn id="10" idx="1"/>
+          </p:cNvCxnSpPr>
+          <p:nvPr/>
+        </p:nvCxnSpPr>
+        <p:spPr>
+          <a:xfrm>
+            <a:off x="4876797" y="2298699"/>
+            <a:ext cx="1278465" cy="0"/>
+          </a:xfrm>
+          <a:prstGeom prst="straightConnector1">
+            <a:avLst/>
+          </a:prstGeom>
+          <a:ln w="28575">
+            <a:solidFill>
+              <a:schemeClr val="tx1"/>
+            </a:solidFill>
+            <a:tailEnd type="triangle"/>
+          </a:ln>
+        </p:spPr>
+        <p:style>
+          <a:lnRef idx="1">
+            <a:schemeClr val="accent1"/>
+          </a:lnRef>
+          <a:fillRef idx="0">
+            <a:schemeClr val="accent1"/>
+          </a:fillRef>
+          <a:effectRef idx="0">
+            <a:schemeClr val="accent1"/>
+          </a:effectRef>
+          <a:fontRef idx="minor">
+            <a:schemeClr val="tx1"/>
+          </a:fontRef>
+        </p:style>
+      </p:cxnSp>
+      <p:sp>
+        <p:nvSpPr>
+          <p:cNvPr id="19" name="文字方塊 18">
+            <a:extLst>
+              <a:ext uri="{FF2B5EF4-FFF2-40B4-BE49-F238E27FC236}">
+                <a16:creationId xmlns:a16="http://schemas.microsoft.com/office/drawing/2014/main" id="{95DD2D86-A0B7-44B9-BDD9-6A969EEEA2EC}"/>
+              </a:ext>
+            </a:extLst>
+          </p:cNvPr>
+          <p:cNvSpPr txBox="1"/>
+          <p:nvPr/>
+        </p:nvSpPr>
+        <p:spPr>
+          <a:xfrm>
+            <a:off x="5012262" y="1687268"/>
+            <a:ext cx="1143000" cy="646331"/>
+          </a:xfrm>
+          <a:prstGeom prst="rect">
+            <a:avLst/>
+          </a:prstGeom>
+          <a:noFill/>
+        </p:spPr>
+        <p:txBody>
+          <a:bodyPr wrap="square" rtlCol="0">
+            <a:spAutoFit/>
+          </a:bodyPr>
+          <a:lstStyle/>
+          <a:p>
+            <a:r>
+              <a:rPr lang="en-US" altLang="zh-TW" dirty="0"/>
+              <a:t>Velocity command</a:t>
+            </a:r>
+            <a:endParaRPr lang="zh-TW" altLang="en-US" dirty="0"/>
+          </a:p>
+        </p:txBody>
+      </p:sp>
+      <p:grpSp>
+        <p:nvGrpSpPr>
+          <p:cNvPr id="28" name="群組 27">
+            <a:extLst>
+              <a:ext uri="{FF2B5EF4-FFF2-40B4-BE49-F238E27FC236}">
+                <a16:creationId xmlns:a16="http://schemas.microsoft.com/office/drawing/2014/main" id="{D004E89C-EDBD-4090-AFE4-C0AF2C3641E4}"/>
+              </a:ext>
+            </a:extLst>
+          </p:cNvPr>
+          <p:cNvGrpSpPr/>
+          <p:nvPr/>
+        </p:nvGrpSpPr>
+        <p:grpSpPr>
+          <a:xfrm>
+            <a:off x="4063997" y="2760132"/>
+            <a:ext cx="2904065" cy="922868"/>
+            <a:chOff x="4063997" y="2760132"/>
+            <a:chExt cx="2904065" cy="922868"/>
+          </a:xfrm>
+        </p:grpSpPr>
+        <p:cxnSp>
+          <p:nvCxnSpPr>
+            <p:cNvPr id="22" name="直線接點 21">
+              <a:extLst>
+                <a:ext uri="{FF2B5EF4-FFF2-40B4-BE49-F238E27FC236}">
+                  <a16:creationId xmlns:a16="http://schemas.microsoft.com/office/drawing/2014/main" id="{EDB0A861-6710-43D3-B4C3-65B408F380CC}"/>
+                </a:ext>
+              </a:extLst>
+            </p:cNvPr>
+            <p:cNvCxnSpPr>
+              <a:cxnSpLocks/>
+              <a:stCxn id="10" idx="2"/>
+            </p:cNvCxnSpPr>
+            <p:nvPr/>
+          </p:nvCxnSpPr>
+          <p:spPr>
+            <a:xfrm flipH="1">
+              <a:off x="6968061" y="2760132"/>
+              <a:ext cx="1" cy="922868"/>
+            </a:xfrm>
+            <a:prstGeom prst="line">
+              <a:avLst/>
+            </a:prstGeom>
+            <a:ln w="28575">
+              <a:solidFill>
+                <a:schemeClr val="tx1"/>
+              </a:solidFill>
+            </a:ln>
+          </p:spPr>
+          <p:style>
+            <a:lnRef idx="1">
+              <a:schemeClr val="accent1"/>
+            </a:lnRef>
+            <a:fillRef idx="0">
+              <a:schemeClr val="accent1"/>
+            </a:fillRef>
+            <a:effectRef idx="0">
+              <a:schemeClr val="accent1"/>
+            </a:effectRef>
+            <a:fontRef idx="minor">
+              <a:schemeClr val="tx1"/>
+            </a:fontRef>
+          </p:style>
+        </p:cxnSp>
+        <p:cxnSp>
+          <p:nvCxnSpPr>
+            <p:cNvPr id="25" name="直線接點 24">
+              <a:extLst>
+                <a:ext uri="{FF2B5EF4-FFF2-40B4-BE49-F238E27FC236}">
+                  <a16:creationId xmlns:a16="http://schemas.microsoft.com/office/drawing/2014/main" id="{32BBFAE0-B1C7-4763-9250-CAB588939EC3}"/>
+                </a:ext>
+              </a:extLst>
+            </p:cNvPr>
+            <p:cNvCxnSpPr/>
+            <p:nvPr/>
+          </p:nvCxnSpPr>
+          <p:spPr>
+            <a:xfrm flipH="1">
+              <a:off x="4063997" y="3683000"/>
+              <a:ext cx="2904064" cy="0"/>
+            </a:xfrm>
+            <a:prstGeom prst="line">
+              <a:avLst/>
+            </a:prstGeom>
+            <a:ln w="28575">
+              <a:solidFill>
+                <a:schemeClr val="tx1"/>
+              </a:solidFill>
+            </a:ln>
+          </p:spPr>
+          <p:style>
+            <a:lnRef idx="1">
+              <a:schemeClr val="accent1"/>
+            </a:lnRef>
+            <a:fillRef idx="0">
+              <a:schemeClr val="accent1"/>
+            </a:fillRef>
+            <a:effectRef idx="0">
+              <a:schemeClr val="accent1"/>
+            </a:effectRef>
+            <a:fontRef idx="minor">
+              <a:schemeClr val="tx1"/>
+            </a:fontRef>
+          </p:style>
+        </p:cxnSp>
+        <p:cxnSp>
+          <p:nvCxnSpPr>
+            <p:cNvPr id="27" name="直線單箭頭接點 26">
+              <a:extLst>
+                <a:ext uri="{FF2B5EF4-FFF2-40B4-BE49-F238E27FC236}">
+                  <a16:creationId xmlns:a16="http://schemas.microsoft.com/office/drawing/2014/main" id="{1D656B77-D81E-4925-9FFE-750A0A9D21A8}"/>
+                </a:ext>
+              </a:extLst>
+            </p:cNvPr>
+            <p:cNvCxnSpPr>
+              <a:endCxn id="9" idx="2"/>
+            </p:cNvCxnSpPr>
+            <p:nvPr/>
+          </p:nvCxnSpPr>
+          <p:spPr>
+            <a:xfrm flipV="1">
+              <a:off x="4063997" y="2760132"/>
+              <a:ext cx="1" cy="922868"/>
+            </a:xfrm>
+            <a:prstGeom prst="straightConnector1">
+              <a:avLst/>
+            </a:prstGeom>
+            <a:ln w="28575">
+              <a:solidFill>
+                <a:schemeClr val="tx1"/>
+              </a:solidFill>
+              <a:tailEnd type="triangle"/>
+            </a:ln>
+          </p:spPr>
+          <p:style>
+            <a:lnRef idx="1">
+              <a:schemeClr val="accent1"/>
+            </a:lnRef>
+            <a:fillRef idx="0">
+              <a:schemeClr val="accent1"/>
+            </a:fillRef>
+            <a:effectRef idx="0">
+              <a:schemeClr val="accent1"/>
+            </a:effectRef>
+            <a:fontRef idx="minor">
+              <a:schemeClr val="tx1"/>
+            </a:fontRef>
+          </p:style>
+        </p:cxnSp>
+      </p:grpSp>
+      <p:sp>
+        <p:nvSpPr>
+          <p:cNvPr id="29" name="文字方塊 28">
+            <a:extLst>
+              <a:ext uri="{FF2B5EF4-FFF2-40B4-BE49-F238E27FC236}">
+                <a16:creationId xmlns:a16="http://schemas.microsoft.com/office/drawing/2014/main" id="{90A8E7A6-CB01-4956-B076-3482CA54E6D9}"/>
+              </a:ext>
+            </a:extLst>
+          </p:cNvPr>
+          <p:cNvSpPr txBox="1"/>
+          <p:nvPr/>
+        </p:nvSpPr>
+        <p:spPr>
+          <a:xfrm>
+            <a:off x="5283199" y="3267617"/>
+            <a:ext cx="719665" cy="369332"/>
+          </a:xfrm>
+          <a:prstGeom prst="rect">
+            <a:avLst/>
+          </a:prstGeom>
+          <a:noFill/>
+        </p:spPr>
+        <p:txBody>
+          <a:bodyPr wrap="square" rtlCol="0">
+            <a:spAutoFit/>
+          </a:bodyPr>
+          <a:lstStyle/>
+          <a:p>
+            <a:r>
+              <a:rPr lang="en-US" altLang="zh-TW" dirty="0"/>
+              <a:t>error</a:t>
+            </a:r>
+            <a:endParaRPr lang="zh-TW" altLang="en-US" dirty="0"/>
+          </a:p>
+        </p:txBody>
+      </p:sp>
+    </p:spTree>
+    <p:extLst>
+      <p:ext uri="{BB962C8B-B14F-4D97-AF65-F5344CB8AC3E}">
+        <p14:creationId xmlns:p14="http://schemas.microsoft.com/office/powerpoint/2010/main" val="927026237"/>
+      </p:ext>
+    </p:extLst>
+  </p:cSld>
+  <p:clrMapOvr>
+    <a:masterClrMapping/>
+  </p:clrMapOvr>
+</p:sld>
+</file>
+
+<file path=ppt/slides/slide15.xml><?xml version="1.0" encoding="utf-8"?>
+<p:sld xmlns:a="http://schemas.openxmlformats.org/drawingml/2006/main" xmlns:r="http://schemas.openxmlformats.org/officeDocument/2006/relationships" xmlns:p="http://schemas.openxmlformats.org/presentationml/2006/main">
+  <p:cSld>
+    <p:spTree>
+      <p:nvGrpSpPr>
+        <p:cNvPr id="1" name=""/>
+        <p:cNvGrpSpPr/>
+        <p:nvPr/>
+      </p:nvGrpSpPr>
+      <p:grpSpPr>
+        <a:xfrm>
+          <a:off x="0" y="0"/>
+          <a:ext cx="0" cy="0"/>
+          <a:chOff x="0" y="0"/>
+          <a:chExt cx="0" cy="0"/>
+        </a:xfrm>
+      </p:grpSpPr>
+      <p:cxnSp>
+        <p:nvCxnSpPr>
+          <p:cNvPr id="5" name="直線接點 4">
+            <a:extLst>
+              <a:ext uri="{FF2B5EF4-FFF2-40B4-BE49-F238E27FC236}">
+                <a16:creationId xmlns:a16="http://schemas.microsoft.com/office/drawing/2014/main" id="{408F8787-2B81-4B4F-95EC-248A3E489D6C}"/>
+              </a:ext>
+            </a:extLst>
+          </p:cNvPr>
+          <p:cNvCxnSpPr/>
+          <p:nvPr/>
+        </p:nvCxnSpPr>
+        <p:spPr>
+          <a:xfrm>
+            <a:off x="3158067" y="3310467"/>
+            <a:ext cx="6223000" cy="0"/>
+          </a:xfrm>
+          <a:prstGeom prst="line">
+            <a:avLst/>
+          </a:prstGeom>
+          <a:ln w="57150"/>
+        </p:spPr>
+        <p:style>
+          <a:lnRef idx="1">
+            <a:schemeClr val="dk1"/>
+          </a:lnRef>
+          <a:fillRef idx="0">
+            <a:schemeClr val="dk1"/>
+          </a:fillRef>
+          <a:effectRef idx="0">
+            <a:schemeClr val="dk1"/>
+          </a:effectRef>
+          <a:fontRef idx="minor">
+            <a:schemeClr val="tx1"/>
+          </a:fontRef>
+        </p:style>
+      </p:cxnSp>
+      <p:cxnSp>
+        <p:nvCxnSpPr>
+          <p:cNvPr id="6" name="直線接點 5">
+            <a:extLst>
+              <a:ext uri="{FF2B5EF4-FFF2-40B4-BE49-F238E27FC236}">
+                <a16:creationId xmlns:a16="http://schemas.microsoft.com/office/drawing/2014/main" id="{23908719-D8D8-4F99-B7F7-E831F10DE701}"/>
+              </a:ext>
+            </a:extLst>
+          </p:cNvPr>
+          <p:cNvCxnSpPr>
+            <a:cxnSpLocks/>
+          </p:cNvCxnSpPr>
+          <p:nvPr/>
+        </p:nvCxnSpPr>
+        <p:spPr>
+          <a:xfrm>
+            <a:off x="6282267" y="706967"/>
+            <a:ext cx="0" cy="5207000"/>
+          </a:xfrm>
+          <a:prstGeom prst="line">
+            <a:avLst/>
+          </a:prstGeom>
+          <a:ln w="57150"/>
+        </p:spPr>
+        <p:style>
+          <a:lnRef idx="1">
+            <a:schemeClr val="dk1"/>
+          </a:lnRef>
+          <a:fillRef idx="0">
+            <a:schemeClr val="dk1"/>
+          </a:fillRef>
+          <a:effectRef idx="0">
+            <a:schemeClr val="dk1"/>
+          </a:effectRef>
+          <a:fontRef idx="minor">
+            <a:schemeClr val="tx1"/>
+          </a:fontRef>
+        </p:style>
+      </p:cxnSp>
+      <p:sp>
+        <p:nvSpPr>
+          <p:cNvPr id="9" name="文字方塊 8">
+            <a:extLst>
+              <a:ext uri="{FF2B5EF4-FFF2-40B4-BE49-F238E27FC236}">
+                <a16:creationId xmlns:a16="http://schemas.microsoft.com/office/drawing/2014/main" id="{1836F888-0669-4A8F-87AC-9805AABC0D13}"/>
+              </a:ext>
+            </a:extLst>
+          </p:cNvPr>
+          <p:cNvSpPr txBox="1"/>
+          <p:nvPr/>
+        </p:nvSpPr>
+        <p:spPr>
+          <a:xfrm>
+            <a:off x="6587073" y="1685552"/>
+            <a:ext cx="3208862" cy="646331"/>
+          </a:xfrm>
+          <a:prstGeom prst="rect">
+            <a:avLst/>
+          </a:prstGeom>
+          <a:noFill/>
+        </p:spPr>
+        <p:txBody>
+          <a:bodyPr wrap="square" rtlCol="0">
+            <a:spAutoFit/>
+          </a:bodyPr>
+          <a:lstStyle/>
+          <a:p>
+            <a:r>
+              <a:rPr lang="en-US" altLang="zh-TW" dirty="0"/>
+              <a:t>MPC</a:t>
+            </a:r>
+            <a:r>
+              <a:rPr lang="zh-TW" altLang="en-US" dirty="0"/>
+              <a:t> </a:t>
+            </a:r>
+            <a:r>
+              <a:rPr lang="en-US" altLang="zh-TW" dirty="0"/>
+              <a:t>+</a:t>
+            </a:r>
+            <a:r>
+              <a:rPr lang="zh-TW" altLang="en-US" dirty="0"/>
+              <a:t> </a:t>
+            </a:r>
+            <a:r>
+              <a:rPr lang="en-US" altLang="zh-TW" dirty="0"/>
+              <a:t>VO</a:t>
+            </a:r>
+          </a:p>
+          <a:p>
+            <a:r>
+              <a:rPr lang="en-US" altLang="zh-TW" dirty="0"/>
+              <a:t>VO</a:t>
+            </a:r>
+            <a:r>
+              <a:rPr lang="zh-TW" altLang="en-US" dirty="0"/>
+              <a:t> </a:t>
+            </a:r>
+            <a:r>
+              <a:rPr lang="en-US" altLang="zh-TW" dirty="0"/>
+              <a:t>in hard constraints</a:t>
+            </a:r>
+            <a:endParaRPr lang="zh-TW" altLang="en-US" dirty="0"/>
+          </a:p>
+        </p:txBody>
+      </p:sp>
+      <p:sp>
+        <p:nvSpPr>
+          <p:cNvPr id="10" name="文字方塊 9">
+            <a:extLst>
+              <a:ext uri="{FF2B5EF4-FFF2-40B4-BE49-F238E27FC236}">
+                <a16:creationId xmlns:a16="http://schemas.microsoft.com/office/drawing/2014/main" id="{ADD90D19-87F9-4301-B50D-CFE0E25BAB4F}"/>
+              </a:ext>
+            </a:extLst>
+          </p:cNvPr>
+          <p:cNvSpPr txBox="1"/>
+          <p:nvPr/>
+        </p:nvSpPr>
+        <p:spPr>
+          <a:xfrm>
+            <a:off x="2675469" y="4289051"/>
+            <a:ext cx="3606798" cy="646331"/>
+          </a:xfrm>
+          <a:prstGeom prst="rect">
+            <a:avLst/>
+          </a:prstGeom>
+          <a:noFill/>
+        </p:spPr>
+        <p:txBody>
+          <a:bodyPr wrap="square" rtlCol="0">
+            <a:spAutoFit/>
+          </a:bodyPr>
+          <a:lstStyle/>
+          <a:p>
+            <a:r>
+              <a:rPr lang="en-US" altLang="zh-TW" dirty="0"/>
+              <a:t>MPC</a:t>
+            </a:r>
+            <a:r>
+              <a:rPr lang="zh-TW" altLang="en-US" dirty="0"/>
+              <a:t> </a:t>
+            </a:r>
+            <a:r>
+              <a:rPr lang="en-US" altLang="zh-TW" dirty="0"/>
+              <a:t>+</a:t>
+            </a:r>
+            <a:r>
+              <a:rPr lang="zh-TW" altLang="en-US" dirty="0"/>
+              <a:t> </a:t>
+            </a:r>
+            <a:r>
+              <a:rPr lang="en-US" altLang="zh-TW" dirty="0"/>
+              <a:t>potential field</a:t>
+            </a:r>
+          </a:p>
+          <a:p>
+            <a:r>
+              <a:rPr lang="en-US" altLang="zh-TW" dirty="0"/>
+              <a:t>Potential field</a:t>
+            </a:r>
+            <a:r>
+              <a:rPr lang="zh-TW" altLang="en-US" dirty="0"/>
+              <a:t> </a:t>
+            </a:r>
+            <a:r>
+              <a:rPr lang="en-US" altLang="zh-TW" dirty="0"/>
+              <a:t>in soft constraints</a:t>
+            </a:r>
+            <a:endParaRPr lang="zh-TW" altLang="en-US" dirty="0"/>
+          </a:p>
+        </p:txBody>
+      </p:sp>
+      <p:sp>
+        <p:nvSpPr>
+          <p:cNvPr id="12" name="文字方塊 11">
+            <a:extLst>
+              <a:ext uri="{FF2B5EF4-FFF2-40B4-BE49-F238E27FC236}">
+                <a16:creationId xmlns:a16="http://schemas.microsoft.com/office/drawing/2014/main" id="{F0C849C5-0E1B-4799-B3A4-0758FD0505B6}"/>
+              </a:ext>
+            </a:extLst>
+          </p:cNvPr>
+          <p:cNvSpPr txBox="1"/>
+          <p:nvPr/>
+        </p:nvSpPr>
+        <p:spPr>
+          <a:xfrm>
+            <a:off x="3378211" y="1990352"/>
+            <a:ext cx="3208862" cy="646331"/>
+          </a:xfrm>
+          <a:prstGeom prst="rect">
+            <a:avLst/>
+          </a:prstGeom>
+          <a:noFill/>
+        </p:spPr>
+        <p:txBody>
+          <a:bodyPr wrap="square" rtlCol="0">
+            <a:spAutoFit/>
+          </a:bodyPr>
+          <a:lstStyle/>
+          <a:p>
+            <a:r>
+              <a:rPr lang="en-US" altLang="zh-TW" dirty="0"/>
+              <a:t>MPC</a:t>
+            </a:r>
+            <a:r>
+              <a:rPr lang="zh-TW" altLang="en-US" dirty="0"/>
+              <a:t> </a:t>
+            </a:r>
+            <a:r>
+              <a:rPr lang="en-US" altLang="zh-TW" dirty="0"/>
+              <a:t>+</a:t>
+            </a:r>
+            <a:r>
+              <a:rPr lang="zh-TW" altLang="en-US" dirty="0"/>
+              <a:t> </a:t>
+            </a:r>
+            <a:r>
+              <a:rPr lang="en-US" altLang="zh-TW" dirty="0"/>
+              <a:t>VO</a:t>
+            </a:r>
+          </a:p>
+          <a:p>
+            <a:r>
+              <a:rPr lang="en-US" altLang="zh-TW" dirty="0"/>
+              <a:t>VO</a:t>
+            </a:r>
+            <a:r>
+              <a:rPr lang="zh-TW" altLang="en-US" dirty="0"/>
+              <a:t> </a:t>
+            </a:r>
+            <a:r>
+              <a:rPr lang="en-US" altLang="zh-TW" dirty="0"/>
+              <a:t>in soft constraints</a:t>
+            </a:r>
+            <a:endParaRPr lang="zh-TW" altLang="en-US" dirty="0"/>
+          </a:p>
+        </p:txBody>
+      </p:sp>
+      <p:sp>
+        <p:nvSpPr>
+          <p:cNvPr id="13" name="文字方塊 12">
+            <a:extLst>
+              <a:ext uri="{FF2B5EF4-FFF2-40B4-BE49-F238E27FC236}">
+                <a16:creationId xmlns:a16="http://schemas.microsoft.com/office/drawing/2014/main" id="{7691E7D5-5F15-4EB9-8915-21B81CF4B654}"/>
+              </a:ext>
+            </a:extLst>
+          </p:cNvPr>
+          <p:cNvSpPr txBox="1"/>
+          <p:nvPr/>
+        </p:nvSpPr>
+        <p:spPr>
+          <a:xfrm>
+            <a:off x="6519335" y="4289051"/>
+            <a:ext cx="3606798" cy="646331"/>
+          </a:xfrm>
+          <a:prstGeom prst="rect">
+            <a:avLst/>
+          </a:prstGeom>
+          <a:noFill/>
+        </p:spPr>
+        <p:txBody>
+          <a:bodyPr wrap="square" rtlCol="0">
+            <a:spAutoFit/>
+          </a:bodyPr>
+          <a:lstStyle/>
+          <a:p>
+            <a:r>
+              <a:rPr lang="en-US" altLang="zh-TW" dirty="0"/>
+              <a:t>MPC</a:t>
+            </a:r>
+            <a:r>
+              <a:rPr lang="zh-TW" altLang="en-US" dirty="0"/>
+              <a:t> </a:t>
+            </a:r>
+            <a:r>
+              <a:rPr lang="en-US" altLang="zh-TW" dirty="0"/>
+              <a:t>+</a:t>
+            </a:r>
+            <a:r>
+              <a:rPr lang="zh-TW" altLang="en-US" dirty="0"/>
+              <a:t> </a:t>
+            </a:r>
+            <a:r>
+              <a:rPr lang="en-US" altLang="zh-TW" dirty="0"/>
+              <a:t>potential field</a:t>
+            </a:r>
+          </a:p>
+          <a:p>
+            <a:r>
+              <a:rPr lang="en-US" altLang="zh-TW" dirty="0"/>
+              <a:t>Potential field</a:t>
+            </a:r>
+            <a:r>
+              <a:rPr lang="zh-TW" altLang="en-US" dirty="0"/>
+              <a:t> </a:t>
+            </a:r>
+            <a:r>
+              <a:rPr lang="en-US" altLang="zh-TW" dirty="0"/>
+              <a:t>in hard constraints</a:t>
+            </a:r>
+            <a:endParaRPr lang="zh-TW" altLang="en-US" dirty="0"/>
+          </a:p>
+        </p:txBody>
+      </p:sp>
+    </p:spTree>
+    <p:extLst>
+      <p:ext uri="{BB962C8B-B14F-4D97-AF65-F5344CB8AC3E}">
+        <p14:creationId xmlns:p14="http://schemas.microsoft.com/office/powerpoint/2010/main" val="523850258"/>
       </p:ext>
     </p:extLst>
   </p:cSld>

--- a/path_planing/VO_code_try/robot_properties3.pptx
+++ b/path_planing/VO_code_try/robot_properties3.pptx
@@ -20,6 +20,7 @@
     <p:sldId id="268" r:id="rId14"/>
     <p:sldId id="269" r:id="rId15"/>
     <p:sldId id="270" r:id="rId16"/>
+    <p:sldId id="271" r:id="rId17"/>
   </p:sldIdLst>
   <p:sldSz cx="12192000" cy="6858000"/>
   <p:notesSz cx="6858000" cy="9144000"/>
@@ -273,7 +274,7 @@
           <a:p>
             <a:fld id="{9CD1F5AD-FE1B-4540-B598-52220A64164D}" type="datetimeFigureOut">
               <a:rPr lang="zh-TW" altLang="en-US" smtClean="0"/>
-              <a:t>2024/9/2</a:t>
+              <a:t>2024/9/11</a:t>
             </a:fld>
             <a:endParaRPr lang="zh-TW" altLang="en-US"/>
           </a:p>
@@ -471,7 +472,7 @@
           <a:p>
             <a:fld id="{9CD1F5AD-FE1B-4540-B598-52220A64164D}" type="datetimeFigureOut">
               <a:rPr lang="zh-TW" altLang="en-US" smtClean="0"/>
-              <a:t>2024/9/2</a:t>
+              <a:t>2024/9/11</a:t>
             </a:fld>
             <a:endParaRPr lang="zh-TW" altLang="en-US"/>
           </a:p>
@@ -679,7 +680,7 @@
           <a:p>
             <a:fld id="{9CD1F5AD-FE1B-4540-B598-52220A64164D}" type="datetimeFigureOut">
               <a:rPr lang="zh-TW" altLang="en-US" smtClean="0"/>
-              <a:t>2024/9/2</a:t>
+              <a:t>2024/9/11</a:t>
             </a:fld>
             <a:endParaRPr lang="zh-TW" altLang="en-US"/>
           </a:p>
@@ -877,7 +878,7 @@
           <a:p>
             <a:fld id="{9CD1F5AD-FE1B-4540-B598-52220A64164D}" type="datetimeFigureOut">
               <a:rPr lang="zh-TW" altLang="en-US" smtClean="0"/>
-              <a:t>2024/9/2</a:t>
+              <a:t>2024/9/11</a:t>
             </a:fld>
             <a:endParaRPr lang="zh-TW" altLang="en-US"/>
           </a:p>
@@ -1152,7 +1153,7 @@
           <a:p>
             <a:fld id="{9CD1F5AD-FE1B-4540-B598-52220A64164D}" type="datetimeFigureOut">
               <a:rPr lang="zh-TW" altLang="en-US" smtClean="0"/>
-              <a:t>2024/9/2</a:t>
+              <a:t>2024/9/11</a:t>
             </a:fld>
             <a:endParaRPr lang="zh-TW" altLang="en-US"/>
           </a:p>
@@ -1417,7 +1418,7 @@
           <a:p>
             <a:fld id="{9CD1F5AD-FE1B-4540-B598-52220A64164D}" type="datetimeFigureOut">
               <a:rPr lang="zh-TW" altLang="en-US" smtClean="0"/>
-              <a:t>2024/9/2</a:t>
+              <a:t>2024/9/11</a:t>
             </a:fld>
             <a:endParaRPr lang="zh-TW" altLang="en-US"/>
           </a:p>
@@ -1829,7 +1830,7 @@
           <a:p>
             <a:fld id="{9CD1F5AD-FE1B-4540-B598-52220A64164D}" type="datetimeFigureOut">
               <a:rPr lang="zh-TW" altLang="en-US" smtClean="0"/>
-              <a:t>2024/9/2</a:t>
+              <a:t>2024/9/11</a:t>
             </a:fld>
             <a:endParaRPr lang="zh-TW" altLang="en-US"/>
           </a:p>
@@ -1970,7 +1971,7 @@
           <a:p>
             <a:fld id="{9CD1F5AD-FE1B-4540-B598-52220A64164D}" type="datetimeFigureOut">
               <a:rPr lang="zh-TW" altLang="en-US" smtClean="0"/>
-              <a:t>2024/9/2</a:t>
+              <a:t>2024/9/11</a:t>
             </a:fld>
             <a:endParaRPr lang="zh-TW" altLang="en-US"/>
           </a:p>
@@ -2083,7 +2084,7 @@
           <a:p>
             <a:fld id="{9CD1F5AD-FE1B-4540-B598-52220A64164D}" type="datetimeFigureOut">
               <a:rPr lang="zh-TW" altLang="en-US" smtClean="0"/>
-              <a:t>2024/9/2</a:t>
+              <a:t>2024/9/11</a:t>
             </a:fld>
             <a:endParaRPr lang="zh-TW" altLang="en-US"/>
           </a:p>
@@ -2394,7 +2395,7 @@
           <a:p>
             <a:fld id="{9CD1F5AD-FE1B-4540-B598-52220A64164D}" type="datetimeFigureOut">
               <a:rPr lang="zh-TW" altLang="en-US" smtClean="0"/>
-              <a:t>2024/9/2</a:t>
+              <a:t>2024/9/11</a:t>
             </a:fld>
             <a:endParaRPr lang="zh-TW" altLang="en-US"/>
           </a:p>
@@ -2682,7 +2683,7 @@
           <a:p>
             <a:fld id="{9CD1F5AD-FE1B-4540-B598-52220A64164D}" type="datetimeFigureOut">
               <a:rPr lang="zh-TW" altLang="en-US" smtClean="0"/>
-              <a:t>2024/9/2</a:t>
+              <a:t>2024/9/11</a:t>
             </a:fld>
             <a:endParaRPr lang="zh-TW" altLang="en-US"/>
           </a:p>
@@ -2923,7 +2924,7 @@
           <a:p>
             <a:fld id="{9CD1F5AD-FE1B-4540-B598-52220A64164D}" type="datetimeFigureOut">
               <a:rPr lang="zh-TW" altLang="en-US" smtClean="0"/>
-              <a:t>2024/9/2</a:t>
+              <a:t>2024/9/11</a:t>
             </a:fld>
             <a:endParaRPr lang="zh-TW" altLang="en-US"/>
           </a:p>
@@ -9327,6 +9328,644 @@
     <p:extLst>
       <p:ext uri="{BB962C8B-B14F-4D97-AF65-F5344CB8AC3E}">
         <p14:creationId xmlns:p14="http://schemas.microsoft.com/office/powerpoint/2010/main" val="523850258"/>
+      </p:ext>
+    </p:extLst>
+  </p:cSld>
+  <p:clrMapOvr>
+    <a:masterClrMapping/>
+  </p:clrMapOvr>
+</p:sld>
+</file>
+
+<file path=ppt/slides/slide16.xml><?xml version="1.0" encoding="utf-8"?>
+<p:sld xmlns:a="http://schemas.openxmlformats.org/drawingml/2006/main" xmlns:r="http://schemas.openxmlformats.org/officeDocument/2006/relationships" xmlns:p="http://schemas.openxmlformats.org/presentationml/2006/main">
+  <p:cSld>
+    <p:spTree>
+      <p:nvGrpSpPr>
+        <p:cNvPr id="1" name=""/>
+        <p:cNvGrpSpPr/>
+        <p:nvPr/>
+      </p:nvGrpSpPr>
+      <p:grpSpPr>
+        <a:xfrm>
+          <a:off x="0" y="0"/>
+          <a:ext cx="0" cy="0"/>
+          <a:chOff x="0" y="0"/>
+          <a:chExt cx="0" cy="0"/>
+        </a:xfrm>
+      </p:grpSpPr>
+      <p:grpSp>
+        <p:nvGrpSpPr>
+          <p:cNvPr id="25" name="群組 24">
+            <a:extLst>
+              <a:ext uri="{FF2B5EF4-FFF2-40B4-BE49-F238E27FC236}">
+                <a16:creationId xmlns:a16="http://schemas.microsoft.com/office/drawing/2014/main" id="{202FDA6E-81F4-4A6C-97B7-614DC391189A}"/>
+              </a:ext>
+            </a:extLst>
+          </p:cNvPr>
+          <p:cNvGrpSpPr/>
+          <p:nvPr/>
+        </p:nvGrpSpPr>
+        <p:grpSpPr>
+          <a:xfrm>
+            <a:off x="3708400" y="1020232"/>
+            <a:ext cx="4106334" cy="4089401"/>
+            <a:chOff x="3708400" y="1020232"/>
+            <a:chExt cx="4106334" cy="4089401"/>
+          </a:xfrm>
+        </p:grpSpPr>
+        <p:grpSp>
+          <p:nvGrpSpPr>
+            <p:cNvPr id="10" name="群組 9">
+              <a:extLst>
+                <a:ext uri="{FF2B5EF4-FFF2-40B4-BE49-F238E27FC236}">
+                  <a16:creationId xmlns:a16="http://schemas.microsoft.com/office/drawing/2014/main" id="{F8B7FBA8-4647-46F5-ACEF-5A53273D630C}"/>
+                </a:ext>
+              </a:extLst>
+            </p:cNvPr>
+            <p:cNvGrpSpPr/>
+            <p:nvPr/>
+          </p:nvGrpSpPr>
+          <p:grpSpPr>
+            <a:xfrm>
+              <a:off x="3708400" y="1020232"/>
+              <a:ext cx="4106334" cy="4089401"/>
+              <a:chOff x="3708400" y="1020232"/>
+              <a:chExt cx="4106334" cy="4089401"/>
+            </a:xfrm>
+          </p:grpSpPr>
+          <p:cxnSp>
+            <p:nvCxnSpPr>
+              <p:cNvPr id="5" name="直線單箭頭接點 4">
+                <a:extLst>
+                  <a:ext uri="{FF2B5EF4-FFF2-40B4-BE49-F238E27FC236}">
+                    <a16:creationId xmlns:a16="http://schemas.microsoft.com/office/drawing/2014/main" id="{D389AFB1-E206-4E63-B43D-15766BE7D0B4}"/>
+                  </a:ext>
+                </a:extLst>
+              </p:cNvPr>
+              <p:cNvCxnSpPr/>
+              <p:nvPr/>
+            </p:nvCxnSpPr>
+            <p:spPr>
+              <a:xfrm>
+                <a:off x="3708400" y="3064933"/>
+                <a:ext cx="4106334" cy="0"/>
+              </a:xfrm>
+              <a:prstGeom prst="straightConnector1">
+                <a:avLst/>
+              </a:prstGeom>
+              <a:ln w="57150">
+                <a:solidFill>
+                  <a:schemeClr val="tx1"/>
+                </a:solidFill>
+                <a:tailEnd type="triangle"/>
+              </a:ln>
+            </p:spPr>
+            <p:style>
+              <a:lnRef idx="1">
+                <a:schemeClr val="accent1"/>
+              </a:lnRef>
+              <a:fillRef idx="0">
+                <a:schemeClr val="accent1"/>
+              </a:fillRef>
+              <a:effectRef idx="0">
+                <a:schemeClr val="accent1"/>
+              </a:effectRef>
+              <a:fontRef idx="minor">
+                <a:schemeClr val="tx1"/>
+              </a:fontRef>
+            </p:style>
+          </p:cxnSp>
+          <p:cxnSp>
+            <p:nvCxnSpPr>
+              <p:cNvPr id="6" name="直線單箭頭接點 5">
+                <a:extLst>
+                  <a:ext uri="{FF2B5EF4-FFF2-40B4-BE49-F238E27FC236}">
+                    <a16:creationId xmlns:a16="http://schemas.microsoft.com/office/drawing/2014/main" id="{4489E3C2-AFAA-49E7-95B6-17BF717322EA}"/>
+                  </a:ext>
+                </a:extLst>
+              </p:cNvPr>
+              <p:cNvCxnSpPr>
+                <a:cxnSpLocks/>
+              </p:cNvCxnSpPr>
+              <p:nvPr/>
+            </p:nvCxnSpPr>
+            <p:spPr>
+              <a:xfrm flipV="1">
+                <a:off x="5748867" y="1020232"/>
+                <a:ext cx="0" cy="4089401"/>
+              </a:xfrm>
+              <a:prstGeom prst="straightConnector1">
+                <a:avLst/>
+              </a:prstGeom>
+              <a:ln w="57150">
+                <a:solidFill>
+                  <a:schemeClr val="tx1"/>
+                </a:solidFill>
+                <a:tailEnd type="triangle"/>
+              </a:ln>
+            </p:spPr>
+            <p:style>
+              <a:lnRef idx="1">
+                <a:schemeClr val="accent1"/>
+              </a:lnRef>
+              <a:fillRef idx="0">
+                <a:schemeClr val="accent1"/>
+              </a:fillRef>
+              <a:effectRef idx="0">
+                <a:schemeClr val="accent1"/>
+              </a:effectRef>
+              <a:fontRef idx="minor">
+                <a:schemeClr val="tx1"/>
+              </a:fontRef>
+            </p:style>
+          </p:cxnSp>
+        </p:grpSp>
+        <p:grpSp>
+          <p:nvGrpSpPr>
+            <p:cNvPr id="22" name="群組 21">
+              <a:extLst>
+                <a:ext uri="{FF2B5EF4-FFF2-40B4-BE49-F238E27FC236}">
+                  <a16:creationId xmlns:a16="http://schemas.microsoft.com/office/drawing/2014/main" id="{7A8C1939-3FC2-4575-BB05-9E5448CF35F7}"/>
+                </a:ext>
+              </a:extLst>
+            </p:cNvPr>
+            <p:cNvGrpSpPr/>
+            <p:nvPr/>
+          </p:nvGrpSpPr>
+          <p:grpSpPr>
+            <a:xfrm rot="19984005">
+              <a:off x="4170022" y="1727199"/>
+              <a:ext cx="3259667" cy="2480733"/>
+              <a:chOff x="6527800" y="948267"/>
+              <a:chExt cx="3259667" cy="2480733"/>
+            </a:xfrm>
+          </p:grpSpPr>
+          <p:cxnSp>
+            <p:nvCxnSpPr>
+              <p:cNvPr id="12" name="直線單箭頭接點 11">
+                <a:extLst>
+                  <a:ext uri="{FF2B5EF4-FFF2-40B4-BE49-F238E27FC236}">
+                    <a16:creationId xmlns:a16="http://schemas.microsoft.com/office/drawing/2014/main" id="{78EDB467-EC77-414C-BBD8-07128D2095BE}"/>
+                  </a:ext>
+                </a:extLst>
+              </p:cNvPr>
+              <p:cNvCxnSpPr>
+                <a:cxnSpLocks/>
+              </p:cNvCxnSpPr>
+              <p:nvPr/>
+            </p:nvCxnSpPr>
+            <p:spPr>
+              <a:xfrm flipV="1">
+                <a:off x="6527800" y="2226733"/>
+                <a:ext cx="3259667" cy="3"/>
+              </a:xfrm>
+              <a:prstGeom prst="straightConnector1">
+                <a:avLst/>
+              </a:prstGeom>
+              <a:ln w="28575">
+                <a:solidFill>
+                  <a:srgbClr val="FF0000"/>
+                </a:solidFill>
+                <a:tailEnd type="triangle"/>
+              </a:ln>
+            </p:spPr>
+            <p:style>
+              <a:lnRef idx="1">
+                <a:schemeClr val="accent1"/>
+              </a:lnRef>
+              <a:fillRef idx="0">
+                <a:schemeClr val="accent1"/>
+              </a:fillRef>
+              <a:effectRef idx="0">
+                <a:schemeClr val="accent1"/>
+              </a:effectRef>
+              <a:fontRef idx="minor">
+                <a:schemeClr val="tx1"/>
+              </a:fontRef>
+            </p:style>
+          </p:cxnSp>
+          <p:cxnSp>
+            <p:nvCxnSpPr>
+              <p:cNvPr id="15" name="直線單箭頭接點 14">
+                <a:extLst>
+                  <a:ext uri="{FF2B5EF4-FFF2-40B4-BE49-F238E27FC236}">
+                    <a16:creationId xmlns:a16="http://schemas.microsoft.com/office/drawing/2014/main" id="{F0E60DA7-65F0-4110-994B-8BC5FE4093AA}"/>
+                  </a:ext>
+                </a:extLst>
+              </p:cNvPr>
+              <p:cNvCxnSpPr>
+                <a:cxnSpLocks/>
+              </p:cNvCxnSpPr>
+              <p:nvPr/>
+            </p:nvCxnSpPr>
+            <p:spPr>
+              <a:xfrm flipV="1">
+                <a:off x="8085667" y="948267"/>
+                <a:ext cx="0" cy="2480733"/>
+              </a:xfrm>
+              <a:prstGeom prst="straightConnector1">
+                <a:avLst/>
+              </a:prstGeom>
+              <a:ln w="28575">
+                <a:solidFill>
+                  <a:srgbClr val="FF0000"/>
+                </a:solidFill>
+                <a:tailEnd type="triangle"/>
+              </a:ln>
+            </p:spPr>
+            <p:style>
+              <a:lnRef idx="1">
+                <a:schemeClr val="accent1"/>
+              </a:lnRef>
+              <a:fillRef idx="0">
+                <a:schemeClr val="accent1"/>
+              </a:fillRef>
+              <a:effectRef idx="0">
+                <a:schemeClr val="accent1"/>
+              </a:effectRef>
+              <a:fontRef idx="minor">
+                <a:schemeClr val="tx1"/>
+              </a:fontRef>
+            </p:style>
+          </p:cxnSp>
+          <p:sp>
+            <p:nvSpPr>
+              <p:cNvPr id="9" name="矩形 8">
+                <a:extLst>
+                  <a:ext uri="{FF2B5EF4-FFF2-40B4-BE49-F238E27FC236}">
+                    <a16:creationId xmlns:a16="http://schemas.microsoft.com/office/drawing/2014/main" id="{043E2744-F0E2-43C1-95F7-0BB94F4BF73A}"/>
+                  </a:ext>
+                </a:extLst>
+              </p:cNvPr>
+              <p:cNvSpPr/>
+              <p:nvPr/>
+            </p:nvSpPr>
+            <p:spPr>
+              <a:xfrm>
+                <a:off x="6917267" y="1524004"/>
+                <a:ext cx="2336800" cy="1405465"/>
+              </a:xfrm>
+              <a:prstGeom prst="rect">
+                <a:avLst/>
+              </a:prstGeom>
+              <a:noFill/>
+              <a:ln w="38100">
+                <a:solidFill>
+                  <a:schemeClr val="tx1"/>
+                </a:solidFill>
+              </a:ln>
+            </p:spPr>
+            <p:style>
+              <a:lnRef idx="2">
+                <a:schemeClr val="accent1">
+                  <a:shade val="50000"/>
+                </a:schemeClr>
+              </a:lnRef>
+              <a:fillRef idx="1">
+                <a:schemeClr val="accent1"/>
+              </a:fillRef>
+              <a:effectRef idx="0">
+                <a:schemeClr val="accent1"/>
+              </a:effectRef>
+              <a:fontRef idx="minor">
+                <a:schemeClr val="lt1"/>
+              </a:fontRef>
+            </p:style>
+            <p:txBody>
+              <a:bodyPr rtlCol="0" anchor="ctr"/>
+              <a:lstStyle/>
+              <a:p>
+                <a:pPr algn="ctr"/>
+                <a:r>
+                  <a:rPr lang="en-US" altLang="zh-TW" dirty="0">
+                    <a:solidFill>
+                      <a:schemeClr val="tx1"/>
+                    </a:solidFill>
+                  </a:rPr>
+                  <a:t>Robot</a:t>
+                </a:r>
+                <a:endParaRPr lang="zh-TW" altLang="en-US" dirty="0">
+                  <a:solidFill>
+                    <a:schemeClr val="tx1"/>
+                  </a:solidFill>
+                </a:endParaRPr>
+              </a:p>
+            </p:txBody>
+          </p:sp>
+          <p:sp>
+            <p:nvSpPr>
+              <p:cNvPr id="17" name="文字方塊 16">
+                <a:extLst>
+                  <a:ext uri="{FF2B5EF4-FFF2-40B4-BE49-F238E27FC236}">
+                    <a16:creationId xmlns:a16="http://schemas.microsoft.com/office/drawing/2014/main" id="{BB96A47A-8B95-4C45-8A1D-B4807D8F602D}"/>
+                  </a:ext>
+                </a:extLst>
+              </p:cNvPr>
+              <p:cNvSpPr txBox="1"/>
+              <p:nvPr/>
+            </p:nvSpPr>
+            <p:spPr>
+              <a:xfrm>
+                <a:off x="9525000" y="2226733"/>
+                <a:ext cx="186267" cy="307777"/>
+              </a:xfrm>
+              <a:prstGeom prst="rect">
+                <a:avLst/>
+              </a:prstGeom>
+              <a:noFill/>
+            </p:spPr>
+            <p:txBody>
+              <a:bodyPr wrap="square" rtlCol="0">
+                <a:spAutoFit/>
+              </a:bodyPr>
+              <a:lstStyle/>
+              <a:p>
+                <a:r>
+                  <a:rPr lang="en-US" altLang="zh-TW" sz="1400" dirty="0">
+                    <a:solidFill>
+                      <a:srgbClr val="FF0000"/>
+                    </a:solidFill>
+                  </a:rPr>
+                  <a:t>x</a:t>
+                </a:r>
+                <a:endParaRPr lang="zh-TW" altLang="en-US" sz="1400" dirty="0">
+                  <a:solidFill>
+                    <a:srgbClr val="FF0000"/>
+                  </a:solidFill>
+                </a:endParaRPr>
+              </a:p>
+            </p:txBody>
+          </p:sp>
+          <p:sp>
+            <p:nvSpPr>
+              <p:cNvPr id="18" name="文字方塊 17">
+                <a:extLst>
+                  <a:ext uri="{FF2B5EF4-FFF2-40B4-BE49-F238E27FC236}">
+                    <a16:creationId xmlns:a16="http://schemas.microsoft.com/office/drawing/2014/main" id="{068ACE8A-03F6-4689-993C-A6945BB3496F}"/>
+                  </a:ext>
+                </a:extLst>
+              </p:cNvPr>
+              <p:cNvSpPr txBox="1"/>
+              <p:nvPr/>
+            </p:nvSpPr>
+            <p:spPr>
+              <a:xfrm>
+                <a:off x="8170333" y="1020232"/>
+                <a:ext cx="380999" cy="307777"/>
+              </a:xfrm>
+              <a:prstGeom prst="rect">
+                <a:avLst/>
+              </a:prstGeom>
+              <a:noFill/>
+            </p:spPr>
+            <p:txBody>
+              <a:bodyPr wrap="square" rtlCol="0">
+                <a:spAutoFit/>
+              </a:bodyPr>
+              <a:lstStyle/>
+              <a:p>
+                <a:r>
+                  <a:rPr lang="en-US" altLang="zh-TW" sz="1400" dirty="0">
+                    <a:solidFill>
+                      <a:srgbClr val="FF0000"/>
+                    </a:solidFill>
+                  </a:rPr>
+                  <a:t>y</a:t>
+                </a:r>
+                <a:endParaRPr lang="zh-TW" altLang="en-US" sz="1400" dirty="0">
+                  <a:solidFill>
+                    <a:srgbClr val="FF0000"/>
+                  </a:solidFill>
+                </a:endParaRPr>
+              </a:p>
+            </p:txBody>
+          </p:sp>
+        </p:grpSp>
+        <p:sp>
+          <p:nvSpPr>
+            <p:cNvPr id="19" name="文字方塊 18">
+              <a:extLst>
+                <a:ext uri="{FF2B5EF4-FFF2-40B4-BE49-F238E27FC236}">
+                  <a16:creationId xmlns:a16="http://schemas.microsoft.com/office/drawing/2014/main" id="{16BF120B-05EA-48C6-8816-CBE6E18DCA62}"/>
+                </a:ext>
+              </a:extLst>
+            </p:cNvPr>
+            <p:cNvSpPr txBox="1"/>
+            <p:nvPr/>
+          </p:nvSpPr>
+          <p:spPr>
+            <a:xfrm>
+              <a:off x="7518400" y="3208867"/>
+              <a:ext cx="270935" cy="369332"/>
+            </a:xfrm>
+            <a:prstGeom prst="rect">
+              <a:avLst/>
+            </a:prstGeom>
+            <a:noFill/>
+          </p:spPr>
+          <p:txBody>
+            <a:bodyPr wrap="square" rtlCol="0">
+              <a:spAutoFit/>
+            </a:bodyPr>
+            <a:lstStyle/>
+            <a:p>
+              <a:r>
+                <a:rPr lang="en-US" altLang="zh-TW" dirty="0"/>
+                <a:t>X</a:t>
+              </a:r>
+              <a:endParaRPr lang="zh-TW" altLang="en-US" dirty="0"/>
+            </a:p>
+          </p:txBody>
+        </p:sp>
+        <p:sp>
+          <p:nvSpPr>
+            <p:cNvPr id="20" name="文字方塊 19">
+              <a:extLst>
+                <a:ext uri="{FF2B5EF4-FFF2-40B4-BE49-F238E27FC236}">
+                  <a16:creationId xmlns:a16="http://schemas.microsoft.com/office/drawing/2014/main" id="{DFDD90E0-1F20-4436-813B-E4083A67AFDA}"/>
+                </a:ext>
+              </a:extLst>
+            </p:cNvPr>
+            <p:cNvSpPr txBox="1"/>
+            <p:nvPr/>
+          </p:nvSpPr>
+          <p:spPr>
+            <a:xfrm>
+              <a:off x="5842000" y="1020232"/>
+              <a:ext cx="253995" cy="369332"/>
+            </a:xfrm>
+            <a:prstGeom prst="rect">
+              <a:avLst/>
+            </a:prstGeom>
+            <a:noFill/>
+          </p:spPr>
+          <p:txBody>
+            <a:bodyPr wrap="square" rtlCol="0">
+              <a:spAutoFit/>
+            </a:bodyPr>
+            <a:lstStyle/>
+            <a:p>
+              <a:r>
+                <a:rPr lang="en-US" altLang="zh-TW" dirty="0"/>
+                <a:t>Y</a:t>
+              </a:r>
+              <a:endParaRPr lang="zh-TW" altLang="en-US" dirty="0"/>
+            </a:p>
+          </p:txBody>
+        </p:sp>
+        <p:sp>
+          <p:nvSpPr>
+            <p:cNvPr id="23" name="弧形 22">
+              <a:extLst>
+                <a:ext uri="{FF2B5EF4-FFF2-40B4-BE49-F238E27FC236}">
+                  <a16:creationId xmlns:a16="http://schemas.microsoft.com/office/drawing/2014/main" id="{D12DCE19-A8F0-4260-8692-C112FF6F1A85}"/>
+                </a:ext>
+              </a:extLst>
+            </p:cNvPr>
+            <p:cNvSpPr/>
+            <p:nvPr/>
+          </p:nvSpPr>
+          <p:spPr>
+            <a:xfrm rot="1619559">
+              <a:off x="5733247" y="2506092"/>
+              <a:ext cx="914400" cy="914400"/>
+            </a:xfrm>
+            <a:prstGeom prst="arc">
+              <a:avLst>
+                <a:gd name="adj1" fmla="val 17348624"/>
+                <a:gd name="adj2" fmla="val 20641465"/>
+              </a:avLst>
+            </a:prstGeom>
+            <a:ln w="12700">
+              <a:solidFill>
+                <a:schemeClr val="tx1"/>
+              </a:solidFill>
+            </a:ln>
+          </p:spPr>
+          <p:style>
+            <a:lnRef idx="1">
+              <a:schemeClr val="accent1"/>
+            </a:lnRef>
+            <a:fillRef idx="0">
+              <a:schemeClr val="accent1"/>
+            </a:fillRef>
+            <a:effectRef idx="0">
+              <a:schemeClr val="accent1"/>
+            </a:effectRef>
+            <a:fontRef idx="minor">
+              <a:schemeClr val="tx1"/>
+            </a:fontRef>
+          </p:style>
+          <p:txBody>
+            <a:bodyPr rtlCol="0" anchor="ctr"/>
+            <a:lstStyle/>
+            <a:p>
+              <a:pPr algn="ctr"/>
+              <a:endParaRPr lang="zh-TW" altLang="en-US"/>
+            </a:p>
+          </p:txBody>
+        </p:sp>
+        <mc:AlternateContent xmlns:mc="http://schemas.openxmlformats.org/markup-compatibility/2006">
+          <mc:Choice xmlns:a14="http://schemas.microsoft.com/office/drawing/2010/main" Requires="a14">
+            <p:sp>
+              <p:nvSpPr>
+                <p:cNvPr id="24" name="文字方塊 23">
+                  <a:extLst>
+                    <a:ext uri="{FF2B5EF4-FFF2-40B4-BE49-F238E27FC236}">
+                      <a16:creationId xmlns:a16="http://schemas.microsoft.com/office/drawing/2014/main" id="{C6AF6DF6-8F0B-493D-B055-CED6E2FD1018}"/>
+                    </a:ext>
+                  </a:extLst>
+                </p:cNvPr>
+                <p:cNvSpPr txBox="1"/>
+                <p:nvPr/>
+              </p:nvSpPr>
+              <p:spPr>
+                <a:xfrm>
+                  <a:off x="6567006" y="2582903"/>
+                  <a:ext cx="152400" cy="369332"/>
+                </a:xfrm>
+                <a:prstGeom prst="rect">
+                  <a:avLst/>
+                </a:prstGeom>
+                <a:noFill/>
+              </p:spPr>
+              <p:txBody>
+                <a:bodyPr wrap="square" rtlCol="0">
+                  <a:spAutoFit/>
+                </a:bodyPr>
+                <a:lstStyle/>
+                <a:p>
+                  <a14:m>
+                    <m:oMathPara xmlns:m="http://schemas.openxmlformats.org/officeDocument/2006/math">
+                      <m:oMathParaPr>
+                        <m:jc m:val="centerGroup"/>
+                      </m:oMathParaPr>
+                      <m:oMath xmlns:m="http://schemas.openxmlformats.org/officeDocument/2006/math">
+                        <m:r>
+                          <a:rPr lang="en-US" altLang="zh-TW" b="0" i="1" smtClean="0">
+                            <a:latin typeface="Cambria Math" panose="02040503050406030204" pitchFamily="18" charset="0"/>
+                          </a:rPr>
+                          <m:t>𝜓</m:t>
+                        </m:r>
+                      </m:oMath>
+                    </m:oMathPara>
+                  </a14:m>
+                  <a:endParaRPr lang="zh-TW" altLang="en-US" dirty="0"/>
+                </a:p>
+              </p:txBody>
+            </p:sp>
+          </mc:Choice>
+          <mc:Fallback>
+            <p:sp>
+              <p:nvSpPr>
+                <p:cNvPr id="24" name="文字方塊 23">
+                  <a:extLst>
+                    <a:ext uri="{FF2B5EF4-FFF2-40B4-BE49-F238E27FC236}">
+                      <a16:creationId xmlns:a16="http://schemas.microsoft.com/office/drawing/2014/main" id="{C6AF6DF6-8F0B-493D-B055-CED6E2FD1018}"/>
+                    </a:ext>
+                  </a:extLst>
+                </p:cNvPr>
+                <p:cNvSpPr txBox="1">
+                  <a:spLocks noRot="1" noChangeAspect="1" noMove="1" noResize="1" noEditPoints="1" noAdjustHandles="1" noChangeArrowheads="1" noChangeShapeType="1" noTextEdit="1"/>
+                </p:cNvSpPr>
+                <p:nvPr/>
+              </p:nvSpPr>
+              <p:spPr>
+                <a:xfrm>
+                  <a:off x="6567006" y="2582903"/>
+                  <a:ext cx="152400" cy="369332"/>
+                </a:xfrm>
+                <a:prstGeom prst="rect">
+                  <a:avLst/>
+                </a:prstGeom>
+                <a:blipFill>
+                  <a:blip r:embed="rId2"/>
+                  <a:stretch>
+                    <a:fillRect l="-20000" r="-132000" b="-13333"/>
+                  </a:stretch>
+                </a:blipFill>
+              </p:spPr>
+              <p:txBody>
+                <a:bodyPr/>
+                <a:lstStyle/>
+                <a:p>
+                  <a:r>
+                    <a:rPr lang="zh-TW" altLang="en-US">
+                      <a:noFill/>
+                    </a:rPr>
+                    <a:t> </a:t>
+                  </a:r>
+                </a:p>
+              </p:txBody>
+            </p:sp>
+          </mc:Fallback>
+        </mc:AlternateContent>
+      </p:grpSp>
+    </p:spTree>
+    <p:extLst>
+      <p:ext uri="{BB962C8B-B14F-4D97-AF65-F5344CB8AC3E}">
+        <p14:creationId xmlns:p14="http://schemas.microsoft.com/office/powerpoint/2010/main" val="1526681327"/>
       </p:ext>
     </p:extLst>
   </p:cSld>

--- a/path_planing/VO_code_try/robot_properties3.pptx
+++ b/path_planing/VO_code_try/robot_properties3.pptx
@@ -21,6 +21,7 @@
     <p:sldId id="269" r:id="rId15"/>
     <p:sldId id="270" r:id="rId16"/>
     <p:sldId id="271" r:id="rId17"/>
+    <p:sldId id="272" r:id="rId18"/>
   </p:sldIdLst>
   <p:sldSz cx="12192000" cy="6858000"/>
   <p:notesSz cx="6858000" cy="9144000"/>
@@ -274,7 +275,7 @@
           <a:p>
             <a:fld id="{9CD1F5AD-FE1B-4540-B598-52220A64164D}" type="datetimeFigureOut">
               <a:rPr lang="zh-TW" altLang="en-US" smtClean="0"/>
-              <a:t>2024/9/11</a:t>
+              <a:t>2024/9/21</a:t>
             </a:fld>
             <a:endParaRPr lang="zh-TW" altLang="en-US"/>
           </a:p>
@@ -472,7 +473,7 @@
           <a:p>
             <a:fld id="{9CD1F5AD-FE1B-4540-B598-52220A64164D}" type="datetimeFigureOut">
               <a:rPr lang="zh-TW" altLang="en-US" smtClean="0"/>
-              <a:t>2024/9/11</a:t>
+              <a:t>2024/9/21</a:t>
             </a:fld>
             <a:endParaRPr lang="zh-TW" altLang="en-US"/>
           </a:p>
@@ -680,7 +681,7 @@
           <a:p>
             <a:fld id="{9CD1F5AD-FE1B-4540-B598-52220A64164D}" type="datetimeFigureOut">
               <a:rPr lang="zh-TW" altLang="en-US" smtClean="0"/>
-              <a:t>2024/9/11</a:t>
+              <a:t>2024/9/21</a:t>
             </a:fld>
             <a:endParaRPr lang="zh-TW" altLang="en-US"/>
           </a:p>
@@ -878,7 +879,7 @@
           <a:p>
             <a:fld id="{9CD1F5AD-FE1B-4540-B598-52220A64164D}" type="datetimeFigureOut">
               <a:rPr lang="zh-TW" altLang="en-US" smtClean="0"/>
-              <a:t>2024/9/11</a:t>
+              <a:t>2024/9/21</a:t>
             </a:fld>
             <a:endParaRPr lang="zh-TW" altLang="en-US"/>
           </a:p>
@@ -1153,7 +1154,7 @@
           <a:p>
             <a:fld id="{9CD1F5AD-FE1B-4540-B598-52220A64164D}" type="datetimeFigureOut">
               <a:rPr lang="zh-TW" altLang="en-US" smtClean="0"/>
-              <a:t>2024/9/11</a:t>
+              <a:t>2024/9/21</a:t>
             </a:fld>
             <a:endParaRPr lang="zh-TW" altLang="en-US"/>
           </a:p>
@@ -1418,7 +1419,7 @@
           <a:p>
             <a:fld id="{9CD1F5AD-FE1B-4540-B598-52220A64164D}" type="datetimeFigureOut">
               <a:rPr lang="zh-TW" altLang="en-US" smtClean="0"/>
-              <a:t>2024/9/11</a:t>
+              <a:t>2024/9/21</a:t>
             </a:fld>
             <a:endParaRPr lang="zh-TW" altLang="en-US"/>
           </a:p>
@@ -1830,7 +1831,7 @@
           <a:p>
             <a:fld id="{9CD1F5AD-FE1B-4540-B598-52220A64164D}" type="datetimeFigureOut">
               <a:rPr lang="zh-TW" altLang="en-US" smtClean="0"/>
-              <a:t>2024/9/11</a:t>
+              <a:t>2024/9/21</a:t>
             </a:fld>
             <a:endParaRPr lang="zh-TW" altLang="en-US"/>
           </a:p>
@@ -1971,7 +1972,7 @@
           <a:p>
             <a:fld id="{9CD1F5AD-FE1B-4540-B598-52220A64164D}" type="datetimeFigureOut">
               <a:rPr lang="zh-TW" altLang="en-US" smtClean="0"/>
-              <a:t>2024/9/11</a:t>
+              <a:t>2024/9/21</a:t>
             </a:fld>
             <a:endParaRPr lang="zh-TW" altLang="en-US"/>
           </a:p>
@@ -2084,7 +2085,7 @@
           <a:p>
             <a:fld id="{9CD1F5AD-FE1B-4540-B598-52220A64164D}" type="datetimeFigureOut">
               <a:rPr lang="zh-TW" altLang="en-US" smtClean="0"/>
-              <a:t>2024/9/11</a:t>
+              <a:t>2024/9/21</a:t>
             </a:fld>
             <a:endParaRPr lang="zh-TW" altLang="en-US"/>
           </a:p>
@@ -2395,7 +2396,7 @@
           <a:p>
             <a:fld id="{9CD1F5AD-FE1B-4540-B598-52220A64164D}" type="datetimeFigureOut">
               <a:rPr lang="zh-TW" altLang="en-US" smtClean="0"/>
-              <a:t>2024/9/11</a:t>
+              <a:t>2024/9/21</a:t>
             </a:fld>
             <a:endParaRPr lang="zh-TW" altLang="en-US"/>
           </a:p>
@@ -2683,7 +2684,7 @@
           <a:p>
             <a:fld id="{9CD1F5AD-FE1B-4540-B598-52220A64164D}" type="datetimeFigureOut">
               <a:rPr lang="zh-TW" altLang="en-US" smtClean="0"/>
-              <a:t>2024/9/11</a:t>
+              <a:t>2024/9/21</a:t>
             </a:fld>
             <a:endParaRPr lang="zh-TW" altLang="en-US"/>
           </a:p>
@@ -2924,7 +2925,7 @@
           <a:p>
             <a:fld id="{9CD1F5AD-FE1B-4540-B598-52220A64164D}" type="datetimeFigureOut">
               <a:rPr lang="zh-TW" altLang="en-US" smtClean="0"/>
-              <a:t>2024/9/11</a:t>
+              <a:t>2024/9/21</a:t>
             </a:fld>
             <a:endParaRPr lang="zh-TW" altLang="en-US"/>
           </a:p>
@@ -9866,8 +9867,8 @@
             </a:p>
           </p:txBody>
         </p:sp>
-        <mc:AlternateContent xmlns:mc="http://schemas.openxmlformats.org/markup-compatibility/2006">
-          <mc:Choice xmlns:a14="http://schemas.microsoft.com/office/drawing/2010/main" Requires="a14">
+        <mc:AlternateContent xmlns:mc="http://schemas.openxmlformats.org/markup-compatibility/2006" xmlns:a14="http://schemas.microsoft.com/office/drawing/2010/main">
+          <mc:Choice Requires="a14">
             <p:sp>
               <p:nvSpPr>
                 <p:cNvPr id="24" name="文字方塊 23">
@@ -9896,6 +9897,7 @@
                 </a:bodyPr>
                 <a:lstStyle/>
                 <a:p>
+                  <a:pPr/>
                   <a14:m>
                     <m:oMathPara xmlns:m="http://schemas.openxmlformats.org/officeDocument/2006/math">
                       <m:oMathParaPr>
@@ -9916,7 +9918,7 @@
               </p:txBody>
             </p:sp>
           </mc:Choice>
-          <mc:Fallback>
+          <mc:Fallback xmlns="">
             <p:sp>
               <p:nvSpPr>
                 <p:cNvPr id="24" name="文字方塊 23">
@@ -9966,6 +9968,2084 @@
     <p:extLst>
       <p:ext uri="{BB962C8B-B14F-4D97-AF65-F5344CB8AC3E}">
         <p14:creationId xmlns:p14="http://schemas.microsoft.com/office/powerpoint/2010/main" val="1526681327"/>
+      </p:ext>
+    </p:extLst>
+  </p:cSld>
+  <p:clrMapOvr>
+    <a:masterClrMapping/>
+  </p:clrMapOvr>
+</p:sld>
+</file>
+
+<file path=ppt/slides/slide17.xml><?xml version="1.0" encoding="utf-8"?>
+<p:sld xmlns:a="http://schemas.openxmlformats.org/drawingml/2006/main" xmlns:r="http://schemas.openxmlformats.org/officeDocument/2006/relationships" xmlns:p="http://schemas.openxmlformats.org/presentationml/2006/main">
+  <p:cSld>
+    <p:spTree>
+      <p:nvGrpSpPr>
+        <p:cNvPr id="1" name=""/>
+        <p:cNvGrpSpPr/>
+        <p:nvPr/>
+      </p:nvGrpSpPr>
+      <p:grpSpPr>
+        <a:xfrm>
+          <a:off x="0" y="0"/>
+          <a:ext cx="0" cy="0"/>
+          <a:chOff x="0" y="0"/>
+          <a:chExt cx="0" cy="0"/>
+        </a:xfrm>
+      </p:grpSpPr>
+      <p:grpSp>
+        <p:nvGrpSpPr>
+          <p:cNvPr id="53" name="群組 52">
+            <a:extLst>
+              <a:ext uri="{FF2B5EF4-FFF2-40B4-BE49-F238E27FC236}">
+                <a16:creationId xmlns:a16="http://schemas.microsoft.com/office/drawing/2014/main" id="{59B5CA0F-83E2-4257-A07B-B67C1FBF509A}"/>
+              </a:ext>
+            </a:extLst>
+          </p:cNvPr>
+          <p:cNvGrpSpPr/>
+          <p:nvPr/>
+        </p:nvGrpSpPr>
+        <p:grpSpPr>
+          <a:xfrm>
+            <a:off x="-42507" y="228600"/>
+            <a:ext cx="11299860" cy="8894378"/>
+            <a:chOff x="-42507" y="228600"/>
+            <a:chExt cx="11299860" cy="8894378"/>
+          </a:xfrm>
+        </p:grpSpPr>
+        <p:sp>
+          <p:nvSpPr>
+            <p:cNvPr id="50" name="矩形 49">
+              <a:extLst>
+                <a:ext uri="{FF2B5EF4-FFF2-40B4-BE49-F238E27FC236}">
+                  <a16:creationId xmlns:a16="http://schemas.microsoft.com/office/drawing/2014/main" id="{468E0FF7-F71C-4118-998E-DF6CC287C7B6}"/>
+                </a:ext>
+              </a:extLst>
+            </p:cNvPr>
+            <p:cNvSpPr/>
+            <p:nvPr/>
+          </p:nvSpPr>
+          <p:spPr>
+            <a:xfrm>
+              <a:off x="5012861" y="228600"/>
+              <a:ext cx="4943355" cy="6400800"/>
+            </a:xfrm>
+            <a:prstGeom prst="rect">
+              <a:avLst/>
+            </a:prstGeom>
+            <a:solidFill>
+              <a:schemeClr val="accent4">
+                <a:lumMod val="20000"/>
+                <a:lumOff val="80000"/>
+              </a:schemeClr>
+            </a:solidFill>
+            <a:ln>
+              <a:solidFill>
+                <a:schemeClr val="tx1"/>
+              </a:solidFill>
+            </a:ln>
+          </p:spPr>
+          <p:style>
+            <a:lnRef idx="2">
+              <a:schemeClr val="accent1">
+                <a:shade val="50000"/>
+              </a:schemeClr>
+            </a:lnRef>
+            <a:fillRef idx="1">
+              <a:schemeClr val="accent1"/>
+            </a:fillRef>
+            <a:effectRef idx="0">
+              <a:schemeClr val="accent1"/>
+            </a:effectRef>
+            <a:fontRef idx="minor">
+              <a:schemeClr val="lt1"/>
+            </a:fontRef>
+          </p:style>
+          <p:txBody>
+            <a:bodyPr rtlCol="0" anchor="ctr"/>
+            <a:lstStyle/>
+            <a:p>
+              <a:pPr algn="ctr"/>
+              <a:endParaRPr lang="zh-TW" altLang="en-US"/>
+            </a:p>
+          </p:txBody>
+        </p:sp>
+        <p:sp>
+          <p:nvSpPr>
+            <p:cNvPr id="48" name="矩形 47">
+              <a:extLst>
+                <a:ext uri="{FF2B5EF4-FFF2-40B4-BE49-F238E27FC236}">
+                  <a16:creationId xmlns:a16="http://schemas.microsoft.com/office/drawing/2014/main" id="{B5305C4C-A2C8-47BF-821E-336EBAC36CDC}"/>
+                </a:ext>
+              </a:extLst>
+            </p:cNvPr>
+            <p:cNvSpPr/>
+            <p:nvPr/>
+          </p:nvSpPr>
+          <p:spPr>
+            <a:xfrm>
+              <a:off x="1857375" y="228600"/>
+              <a:ext cx="3075355" cy="6400800"/>
+            </a:xfrm>
+            <a:prstGeom prst="rect">
+              <a:avLst/>
+            </a:prstGeom>
+            <a:solidFill>
+              <a:schemeClr val="bg2"/>
+            </a:solidFill>
+            <a:ln>
+              <a:solidFill>
+                <a:schemeClr val="tx1"/>
+              </a:solidFill>
+            </a:ln>
+          </p:spPr>
+          <p:style>
+            <a:lnRef idx="2">
+              <a:schemeClr val="accent1">
+                <a:shade val="50000"/>
+              </a:schemeClr>
+            </a:lnRef>
+            <a:fillRef idx="1">
+              <a:schemeClr val="accent1"/>
+            </a:fillRef>
+            <a:effectRef idx="0">
+              <a:schemeClr val="accent1"/>
+            </a:effectRef>
+            <a:fontRef idx="minor">
+              <a:schemeClr val="lt1"/>
+            </a:fontRef>
+          </p:style>
+          <p:txBody>
+            <a:bodyPr rtlCol="0" anchor="ctr"/>
+            <a:lstStyle/>
+            <a:p>
+              <a:pPr algn="ctr"/>
+              <a:endParaRPr lang="zh-TW" altLang="en-US"/>
+            </a:p>
+          </p:txBody>
+        </p:sp>
+        <p:grpSp>
+          <p:nvGrpSpPr>
+            <p:cNvPr id="4" name="群組 3">
+              <a:extLst>
+                <a:ext uri="{FF2B5EF4-FFF2-40B4-BE49-F238E27FC236}">
+                  <a16:creationId xmlns:a16="http://schemas.microsoft.com/office/drawing/2014/main" id="{C8DE5A08-16D6-44C4-AAD4-B715AF820BDD}"/>
+                </a:ext>
+              </a:extLst>
+            </p:cNvPr>
+            <p:cNvGrpSpPr/>
+            <p:nvPr/>
+          </p:nvGrpSpPr>
+          <p:grpSpPr>
+            <a:xfrm>
+              <a:off x="-42507" y="715285"/>
+              <a:ext cx="7884231" cy="8407693"/>
+              <a:chOff x="1346193" y="558800"/>
+              <a:chExt cx="7884231" cy="8407693"/>
+            </a:xfrm>
+          </p:grpSpPr>
+          <p:sp>
+            <p:nvSpPr>
+              <p:cNvPr id="5" name="局部圓 4">
+                <a:extLst>
+                  <a:ext uri="{FF2B5EF4-FFF2-40B4-BE49-F238E27FC236}">
+                    <a16:creationId xmlns:a16="http://schemas.microsoft.com/office/drawing/2014/main" id="{041980B7-370A-4E1B-8EB1-5AFAF9AFE04C}"/>
+                  </a:ext>
+                </a:extLst>
+              </p:cNvPr>
+              <p:cNvSpPr/>
+              <p:nvPr/>
+            </p:nvSpPr>
+            <p:spPr>
+              <a:xfrm rot="12484130">
+                <a:off x="1346193" y="1379773"/>
+                <a:ext cx="7884231" cy="7586720"/>
+              </a:xfrm>
+              <a:prstGeom prst="pie">
+                <a:avLst>
+                  <a:gd name="adj1" fmla="val 2604347"/>
+                  <a:gd name="adj2" fmla="val 4372952"/>
+                </a:avLst>
+              </a:prstGeom>
+              <a:solidFill>
+                <a:schemeClr val="accent1">
+                  <a:lumMod val="40000"/>
+                  <a:lumOff val="60000"/>
+                </a:schemeClr>
+              </a:solidFill>
+              <a:ln>
+                <a:noFill/>
+              </a:ln>
+            </p:spPr>
+            <p:style>
+              <a:lnRef idx="2">
+                <a:schemeClr val="accent1">
+                  <a:shade val="50000"/>
+                </a:schemeClr>
+              </a:lnRef>
+              <a:fillRef idx="1">
+                <a:schemeClr val="accent1"/>
+              </a:fillRef>
+              <a:effectRef idx="0">
+                <a:schemeClr val="accent1"/>
+              </a:effectRef>
+              <a:fontRef idx="minor">
+                <a:schemeClr val="lt1"/>
+              </a:fontRef>
+            </p:style>
+            <p:txBody>
+              <a:bodyPr rtlCol="0" anchor="ctr"/>
+              <a:lstStyle/>
+              <a:p>
+                <a:pPr algn="ctr"/>
+                <a:endParaRPr lang="zh-TW" altLang="en-US">
+                  <a:solidFill>
+                    <a:schemeClr val="tx1"/>
+                  </a:solidFill>
+                </a:endParaRPr>
+              </a:p>
+            </p:txBody>
+          </p:sp>
+          <p:sp>
+            <p:nvSpPr>
+              <p:cNvPr id="6" name="橢圓 5">
+                <a:extLst>
+                  <a:ext uri="{FF2B5EF4-FFF2-40B4-BE49-F238E27FC236}">
+                    <a16:creationId xmlns:a16="http://schemas.microsoft.com/office/drawing/2014/main" id="{3A930D0C-7E03-423E-8D35-1314990A192A}"/>
+                  </a:ext>
+                </a:extLst>
+              </p:cNvPr>
+              <p:cNvSpPr/>
+              <p:nvPr/>
+            </p:nvSpPr>
+            <p:spPr>
+              <a:xfrm>
+                <a:off x="4834465" y="4732866"/>
+                <a:ext cx="889001" cy="880534"/>
+              </a:xfrm>
+              <a:prstGeom prst="ellipse">
+                <a:avLst/>
+              </a:prstGeom>
+              <a:solidFill>
+                <a:schemeClr val="accent2"/>
+              </a:solidFill>
+              <a:ln>
+                <a:solidFill>
+                  <a:srgbClr val="FF0000"/>
+                </a:solidFill>
+              </a:ln>
+            </p:spPr>
+            <p:style>
+              <a:lnRef idx="2">
+                <a:schemeClr val="accent1">
+                  <a:shade val="50000"/>
+                </a:schemeClr>
+              </a:lnRef>
+              <a:fillRef idx="1">
+                <a:schemeClr val="accent1"/>
+              </a:fillRef>
+              <a:effectRef idx="0">
+                <a:schemeClr val="accent1"/>
+              </a:effectRef>
+              <a:fontRef idx="minor">
+                <a:schemeClr val="lt1"/>
+              </a:fontRef>
+            </p:style>
+            <p:txBody>
+              <a:bodyPr rtlCol="0" anchor="ctr"/>
+              <a:lstStyle/>
+              <a:p>
+                <a:pPr algn="ctr"/>
+                <a:endParaRPr lang="zh-TW" altLang="en-US"/>
+              </a:p>
+            </p:txBody>
+          </p:sp>
+          <p:sp>
+            <p:nvSpPr>
+              <p:cNvPr id="7" name="橢圓 6">
+                <a:extLst>
+                  <a:ext uri="{FF2B5EF4-FFF2-40B4-BE49-F238E27FC236}">
+                    <a16:creationId xmlns:a16="http://schemas.microsoft.com/office/drawing/2014/main" id="{FE17BA99-1A7A-4305-B0BD-8D64991D3970}"/>
+                  </a:ext>
+                </a:extLst>
+              </p:cNvPr>
+              <p:cNvSpPr/>
+              <p:nvPr/>
+            </p:nvSpPr>
+            <p:spPr>
+              <a:xfrm>
+                <a:off x="4152898" y="685799"/>
+                <a:ext cx="1790701" cy="1820333"/>
+              </a:xfrm>
+              <a:prstGeom prst="ellipse">
+                <a:avLst/>
+              </a:prstGeom>
+              <a:solidFill>
+                <a:schemeClr val="accent2">
+                  <a:lumMod val="20000"/>
+                  <a:lumOff val="80000"/>
+                </a:schemeClr>
+              </a:solidFill>
+              <a:ln>
+                <a:solidFill>
+                  <a:schemeClr val="accent2"/>
+                </a:solidFill>
+              </a:ln>
+            </p:spPr>
+            <p:style>
+              <a:lnRef idx="2">
+                <a:schemeClr val="accent1">
+                  <a:shade val="50000"/>
+                </a:schemeClr>
+              </a:lnRef>
+              <a:fillRef idx="1">
+                <a:schemeClr val="accent1"/>
+              </a:fillRef>
+              <a:effectRef idx="0">
+                <a:schemeClr val="accent1"/>
+              </a:effectRef>
+              <a:fontRef idx="minor">
+                <a:schemeClr val="lt1"/>
+              </a:fontRef>
+            </p:style>
+            <p:txBody>
+              <a:bodyPr rtlCol="0" anchor="ctr"/>
+              <a:lstStyle/>
+              <a:p>
+                <a:pPr algn="ctr"/>
+                <a:endParaRPr lang="zh-TW" altLang="en-US"/>
+              </a:p>
+            </p:txBody>
+          </p:sp>
+          <p:sp>
+            <p:nvSpPr>
+              <p:cNvPr id="8" name="橢圓 7">
+                <a:extLst>
+                  <a:ext uri="{FF2B5EF4-FFF2-40B4-BE49-F238E27FC236}">
+                    <a16:creationId xmlns:a16="http://schemas.microsoft.com/office/drawing/2014/main" id="{6237F74C-8BDB-4ADC-B5E5-689D842D6D4C}"/>
+                  </a:ext>
+                </a:extLst>
+              </p:cNvPr>
+              <p:cNvSpPr/>
+              <p:nvPr/>
+            </p:nvSpPr>
+            <p:spPr>
+              <a:xfrm>
+                <a:off x="4597399" y="1151466"/>
+                <a:ext cx="889001" cy="880534"/>
+              </a:xfrm>
+              <a:prstGeom prst="ellipse">
+                <a:avLst/>
+              </a:prstGeom>
+              <a:solidFill>
+                <a:schemeClr val="accent4"/>
+              </a:solidFill>
+              <a:ln>
+                <a:solidFill>
+                  <a:schemeClr val="accent4">
+                    <a:lumMod val="50000"/>
+                  </a:schemeClr>
+                </a:solidFill>
+              </a:ln>
+            </p:spPr>
+            <p:style>
+              <a:lnRef idx="2">
+                <a:schemeClr val="accent1">
+                  <a:shade val="50000"/>
+                </a:schemeClr>
+              </a:lnRef>
+              <a:fillRef idx="1">
+                <a:schemeClr val="accent1"/>
+              </a:fillRef>
+              <a:effectRef idx="0">
+                <a:schemeClr val="accent1"/>
+              </a:effectRef>
+              <a:fontRef idx="minor">
+                <a:schemeClr val="lt1"/>
+              </a:fontRef>
+            </p:style>
+            <p:txBody>
+              <a:bodyPr rtlCol="0" anchor="ctr"/>
+              <a:lstStyle/>
+              <a:p>
+                <a:pPr algn="ctr"/>
+                <a:endParaRPr lang="zh-TW" altLang="en-US"/>
+              </a:p>
+            </p:txBody>
+          </p:sp>
+          <p:grpSp>
+            <p:nvGrpSpPr>
+              <p:cNvPr id="9" name="群組 8">
+                <a:extLst>
+                  <a:ext uri="{FF2B5EF4-FFF2-40B4-BE49-F238E27FC236}">
+                    <a16:creationId xmlns:a16="http://schemas.microsoft.com/office/drawing/2014/main" id="{BAECD1BA-D0EC-4303-814A-4AE9766FBE53}"/>
+                  </a:ext>
+                </a:extLst>
+              </p:cNvPr>
+              <p:cNvGrpSpPr/>
+              <p:nvPr/>
+            </p:nvGrpSpPr>
+            <p:grpSpPr>
+              <a:xfrm>
+                <a:off x="3759200" y="558800"/>
+                <a:ext cx="2394007" cy="4614334"/>
+                <a:chOff x="3745625" y="558800"/>
+                <a:chExt cx="2394007" cy="4614334"/>
+              </a:xfrm>
+            </p:grpSpPr>
+            <p:cxnSp>
+              <p:nvCxnSpPr>
+                <p:cNvPr id="15" name="直線接點 14">
+                  <a:extLst>
+                    <a:ext uri="{FF2B5EF4-FFF2-40B4-BE49-F238E27FC236}">
+                      <a16:creationId xmlns:a16="http://schemas.microsoft.com/office/drawing/2014/main" id="{528452F3-3C3E-4940-B953-950E70987401}"/>
+                    </a:ext>
+                  </a:extLst>
+                </p:cNvPr>
+                <p:cNvCxnSpPr>
+                  <a:cxnSpLocks/>
+                </p:cNvCxnSpPr>
+                <p:nvPr/>
+              </p:nvCxnSpPr>
+              <p:spPr>
+                <a:xfrm flipH="1" flipV="1">
+                  <a:off x="3745625" y="558800"/>
+                  <a:ext cx="1529108" cy="4614333"/>
+                </a:xfrm>
+                <a:prstGeom prst="line">
+                  <a:avLst/>
+                </a:prstGeom>
+              </p:spPr>
+              <p:style>
+                <a:lnRef idx="1">
+                  <a:schemeClr val="accent1"/>
+                </a:lnRef>
+                <a:fillRef idx="0">
+                  <a:schemeClr val="accent1"/>
+                </a:fillRef>
+                <a:effectRef idx="0">
+                  <a:schemeClr val="accent1"/>
+                </a:effectRef>
+                <a:fontRef idx="minor">
+                  <a:schemeClr val="tx1"/>
+                </a:fontRef>
+              </p:style>
+            </p:cxnSp>
+            <p:cxnSp>
+              <p:nvCxnSpPr>
+                <p:cNvPr id="16" name="直線接點 15">
+                  <a:extLst>
+                    <a:ext uri="{FF2B5EF4-FFF2-40B4-BE49-F238E27FC236}">
+                      <a16:creationId xmlns:a16="http://schemas.microsoft.com/office/drawing/2014/main" id="{60CED9DB-55FB-4FD6-9F72-0F599485257D}"/>
+                    </a:ext>
+                  </a:extLst>
+                </p:cNvPr>
+                <p:cNvCxnSpPr>
+                  <a:cxnSpLocks/>
+                </p:cNvCxnSpPr>
+                <p:nvPr/>
+              </p:nvCxnSpPr>
+              <p:spPr>
+                <a:xfrm flipV="1">
+                  <a:off x="5278965" y="558800"/>
+                  <a:ext cx="860667" cy="4614334"/>
+                </a:xfrm>
+                <a:prstGeom prst="line">
+                  <a:avLst/>
+                </a:prstGeom>
+              </p:spPr>
+              <p:style>
+                <a:lnRef idx="1">
+                  <a:schemeClr val="accent1"/>
+                </a:lnRef>
+                <a:fillRef idx="0">
+                  <a:schemeClr val="accent1"/>
+                </a:fillRef>
+                <a:effectRef idx="0">
+                  <a:schemeClr val="accent1"/>
+                </a:effectRef>
+                <a:fontRef idx="minor">
+                  <a:schemeClr val="tx1"/>
+                </a:fontRef>
+              </p:style>
+            </p:cxnSp>
+          </p:grpSp>
+          <p:sp>
+            <p:nvSpPr>
+              <p:cNvPr id="10" name="橢圓 9">
+                <a:extLst>
+                  <a:ext uri="{FF2B5EF4-FFF2-40B4-BE49-F238E27FC236}">
+                    <a16:creationId xmlns:a16="http://schemas.microsoft.com/office/drawing/2014/main" id="{75EF0437-5938-4397-97D4-081A845E09C4}"/>
+                  </a:ext>
+                </a:extLst>
+              </p:cNvPr>
+              <p:cNvSpPr/>
+              <p:nvPr/>
+            </p:nvSpPr>
+            <p:spPr>
+              <a:xfrm>
+                <a:off x="5264206" y="5127414"/>
+                <a:ext cx="45719" cy="45719"/>
+              </a:xfrm>
+              <a:prstGeom prst="ellipse">
+                <a:avLst/>
+              </a:prstGeom>
+            </p:spPr>
+            <p:style>
+              <a:lnRef idx="2">
+                <a:schemeClr val="dk1">
+                  <a:shade val="50000"/>
+                </a:schemeClr>
+              </a:lnRef>
+              <a:fillRef idx="1">
+                <a:schemeClr val="dk1"/>
+              </a:fillRef>
+              <a:effectRef idx="0">
+                <a:schemeClr val="dk1"/>
+              </a:effectRef>
+              <a:fontRef idx="minor">
+                <a:schemeClr val="lt1"/>
+              </a:fontRef>
+            </p:style>
+            <p:txBody>
+              <a:bodyPr rtlCol="0" anchor="ctr"/>
+              <a:lstStyle/>
+              <a:p>
+                <a:pPr algn="ctr"/>
+                <a:endParaRPr lang="zh-TW" altLang="en-US"/>
+              </a:p>
+            </p:txBody>
+          </p:sp>
+          <p:sp>
+            <p:nvSpPr>
+              <p:cNvPr id="11" name="文字方塊 10">
+                <a:extLst>
+                  <a:ext uri="{FF2B5EF4-FFF2-40B4-BE49-F238E27FC236}">
+                    <a16:creationId xmlns:a16="http://schemas.microsoft.com/office/drawing/2014/main" id="{AF147885-9EA9-4FBD-8E70-FC329139C428}"/>
+                  </a:ext>
+                </a:extLst>
+              </p:cNvPr>
+              <p:cNvSpPr txBox="1"/>
+              <p:nvPr/>
+            </p:nvSpPr>
+            <p:spPr>
+              <a:xfrm>
+                <a:off x="5243560" y="5129200"/>
+                <a:ext cx="343775" cy="369332"/>
+              </a:xfrm>
+              <a:prstGeom prst="rect">
+                <a:avLst/>
+              </a:prstGeom>
+              <a:noFill/>
+            </p:spPr>
+            <p:txBody>
+              <a:bodyPr wrap="square" rtlCol="0">
+                <a:spAutoFit/>
+              </a:bodyPr>
+              <a:lstStyle/>
+              <a:p>
+                <a:r>
+                  <a:rPr lang="en-US" altLang="zh-TW" dirty="0"/>
+                  <a:t>A</a:t>
+                </a:r>
+                <a:endParaRPr lang="zh-TW" altLang="en-US" dirty="0"/>
+              </a:p>
+            </p:txBody>
+          </p:sp>
+          <p:sp>
+            <p:nvSpPr>
+              <p:cNvPr id="12" name="文字方塊 11">
+                <a:extLst>
+                  <a:ext uri="{FF2B5EF4-FFF2-40B4-BE49-F238E27FC236}">
+                    <a16:creationId xmlns:a16="http://schemas.microsoft.com/office/drawing/2014/main" id="{C0AA9231-CA6F-48D7-AF50-0376A3925B8F}"/>
+                  </a:ext>
+                </a:extLst>
+              </p:cNvPr>
+              <p:cNvSpPr txBox="1"/>
+              <p:nvPr/>
+            </p:nvSpPr>
+            <p:spPr>
+              <a:xfrm>
+                <a:off x="4953661" y="1605002"/>
+                <a:ext cx="176475" cy="369332"/>
+              </a:xfrm>
+              <a:prstGeom prst="rect">
+                <a:avLst/>
+              </a:prstGeom>
+              <a:noFill/>
+            </p:spPr>
+            <p:txBody>
+              <a:bodyPr wrap="square" rtlCol="0">
+                <a:spAutoFit/>
+              </a:bodyPr>
+              <a:lstStyle/>
+              <a:p>
+                <a:r>
+                  <a:rPr lang="en-US" altLang="zh-TW" dirty="0"/>
+                  <a:t>B</a:t>
+                </a:r>
+                <a:endParaRPr lang="zh-TW" altLang="en-US" dirty="0"/>
+              </a:p>
+            </p:txBody>
+          </p:sp>
+          <p:cxnSp>
+            <p:nvCxnSpPr>
+              <p:cNvPr id="13" name="直線單箭頭接點 12">
+                <a:extLst>
+                  <a:ext uri="{FF2B5EF4-FFF2-40B4-BE49-F238E27FC236}">
+                    <a16:creationId xmlns:a16="http://schemas.microsoft.com/office/drawing/2014/main" id="{A12969AE-E690-4FEB-B677-31506048E07E}"/>
+                  </a:ext>
+                </a:extLst>
+              </p:cNvPr>
+              <p:cNvCxnSpPr>
+                <a:cxnSpLocks/>
+                <a:stCxn id="12" idx="0"/>
+                <a:endCxn id="7" idx="1"/>
+              </p:cNvCxnSpPr>
+              <p:nvPr/>
+            </p:nvCxnSpPr>
+            <p:spPr>
+              <a:xfrm flipH="1" flipV="1">
+                <a:off x="4415140" y="952381"/>
+                <a:ext cx="626759" cy="652621"/>
+              </a:xfrm>
+              <a:prstGeom prst="straightConnector1">
+                <a:avLst/>
+              </a:prstGeom>
+              <a:ln w="19050">
+                <a:solidFill>
+                  <a:schemeClr val="tx1"/>
+                </a:solidFill>
+                <a:tailEnd type="triangle"/>
+              </a:ln>
+            </p:spPr>
+            <p:style>
+              <a:lnRef idx="1">
+                <a:schemeClr val="dk1"/>
+              </a:lnRef>
+              <a:fillRef idx="0">
+                <a:schemeClr val="dk1"/>
+              </a:fillRef>
+              <a:effectRef idx="0">
+                <a:schemeClr val="dk1"/>
+              </a:effectRef>
+              <a:fontRef idx="minor">
+                <a:schemeClr val="tx1"/>
+              </a:fontRef>
+            </p:style>
+          </p:cxnSp>
+          <mc:AlternateContent xmlns:mc="http://schemas.openxmlformats.org/markup-compatibility/2006" xmlns:a14="http://schemas.microsoft.com/office/drawing/2010/main">
+            <mc:Choice Requires="a14">
+              <p:sp>
+                <p:nvSpPr>
+                  <p:cNvPr id="14" name="文字方塊 13">
+                    <a:extLst>
+                      <a:ext uri="{FF2B5EF4-FFF2-40B4-BE49-F238E27FC236}">
+                        <a16:creationId xmlns:a16="http://schemas.microsoft.com/office/drawing/2014/main" id="{CFEBCD27-954E-486D-96D4-25052C23053E}"/>
+                      </a:ext>
+                    </a:extLst>
+                  </p:cNvPr>
+                  <p:cNvSpPr txBox="1"/>
+                  <p:nvPr/>
+                </p:nvSpPr>
+                <p:spPr>
+                  <a:xfrm>
+                    <a:off x="4502396" y="948535"/>
+                    <a:ext cx="580208" cy="246221"/>
+                  </a:xfrm>
+                  <a:prstGeom prst="rect">
+                    <a:avLst/>
+                  </a:prstGeom>
+                  <a:noFill/>
+                </p:spPr>
+                <p:txBody>
+                  <a:bodyPr wrap="square" rtlCol="0">
+                    <a:spAutoFit/>
+                  </a:bodyPr>
+                  <a:lstStyle/>
+                  <a:p>
+                    <a:pPr/>
+                    <a14:m>
+                      <m:oMathPara xmlns:m="http://schemas.openxmlformats.org/officeDocument/2006/math">
+                        <m:oMathParaPr>
+                          <m:jc m:val="centerGroup"/>
+                        </m:oMathParaPr>
+                        <m:oMath xmlns:m="http://schemas.openxmlformats.org/officeDocument/2006/math">
+                          <m:sSub>
+                            <m:sSubPr>
+                              <m:ctrlPr>
+                                <a:rPr lang="en-US" altLang="zh-TW" sz="1000" i="1" dirty="0" smtClean="0">
+                                  <a:latin typeface="Cambria Math" panose="02040503050406030204" pitchFamily="18" charset="0"/>
+                                </a:rPr>
+                              </m:ctrlPr>
+                            </m:sSubPr>
+                            <m:e>
+                              <m:r>
+                                <a:rPr lang="en-US" altLang="zh-TW" sz="1000" i="1" dirty="0" smtClean="0">
+                                  <a:latin typeface="Cambria Math" panose="02040503050406030204" pitchFamily="18" charset="0"/>
+                                </a:rPr>
+                                <m:t>𝑟</m:t>
+                              </m:r>
+                            </m:e>
+                            <m:sub>
+                              <m:r>
+                                <a:rPr lang="en-US" altLang="zh-TW" sz="1000" i="1" dirty="0" smtClean="0">
+                                  <a:latin typeface="Cambria Math" panose="02040503050406030204" pitchFamily="18" charset="0"/>
+                                </a:rPr>
+                                <m:t>𝐴</m:t>
+                              </m:r>
+                            </m:sub>
+                          </m:sSub>
+                          <m:r>
+                            <a:rPr lang="en-US" altLang="zh-TW" sz="1000" i="1" dirty="0" smtClean="0">
+                              <a:latin typeface="Cambria Math" panose="02040503050406030204" pitchFamily="18" charset="0"/>
+                            </a:rPr>
+                            <m:t>+</m:t>
+                          </m:r>
+                          <m:sSub>
+                            <m:sSubPr>
+                              <m:ctrlPr>
+                                <a:rPr lang="en-US" altLang="zh-TW" sz="1000" i="1" dirty="0" smtClean="0">
+                                  <a:latin typeface="Cambria Math" panose="02040503050406030204" pitchFamily="18" charset="0"/>
+                                </a:rPr>
+                              </m:ctrlPr>
+                            </m:sSubPr>
+                            <m:e>
+                              <m:r>
+                                <a:rPr lang="en-US" altLang="zh-TW" sz="1000" i="1" dirty="0" smtClean="0">
+                                  <a:latin typeface="Cambria Math" panose="02040503050406030204" pitchFamily="18" charset="0"/>
+                                </a:rPr>
+                                <m:t>𝑟</m:t>
+                              </m:r>
+                            </m:e>
+                            <m:sub>
+                              <m:r>
+                                <a:rPr lang="en-US" altLang="zh-TW" sz="1000" i="1" dirty="0" smtClean="0">
+                                  <a:latin typeface="Cambria Math" panose="02040503050406030204" pitchFamily="18" charset="0"/>
+                                </a:rPr>
+                                <m:t>𝐵</m:t>
+                              </m:r>
+                            </m:sub>
+                          </m:sSub>
+                        </m:oMath>
+                      </m:oMathPara>
+                    </a14:m>
+                    <a:endParaRPr lang="zh-TW" altLang="en-US" sz="1000" dirty="0"/>
+                  </a:p>
+                </p:txBody>
+              </p:sp>
+            </mc:Choice>
+            <mc:Fallback xmlns="">
+              <p:sp>
+                <p:nvSpPr>
+                  <p:cNvPr id="45" name="文字方塊 44">
+                    <a:extLst>
+                      <a:ext uri="{FF2B5EF4-FFF2-40B4-BE49-F238E27FC236}">
+                        <a16:creationId xmlns:a16="http://schemas.microsoft.com/office/drawing/2014/main" id="{725CA12B-D4CC-4FC0-A894-221C4E560579}"/>
+                      </a:ext>
+                    </a:extLst>
+                  </p:cNvPr>
+                  <p:cNvSpPr txBox="1">
+                    <a:spLocks noRot="1" noChangeAspect="1" noMove="1" noResize="1" noEditPoints="1" noAdjustHandles="1" noChangeArrowheads="1" noChangeShapeType="1" noTextEdit="1"/>
+                  </p:cNvSpPr>
+                  <p:nvPr/>
+                </p:nvSpPr>
+                <p:spPr>
+                  <a:xfrm>
+                    <a:off x="4502396" y="948535"/>
+                    <a:ext cx="580208" cy="246221"/>
+                  </a:xfrm>
+                  <a:prstGeom prst="rect">
+                    <a:avLst/>
+                  </a:prstGeom>
+                  <a:blipFill>
+                    <a:blip r:embed="rId3"/>
+                    <a:stretch>
+                      <a:fillRect/>
+                    </a:stretch>
+                  </a:blipFill>
+                </p:spPr>
+                <p:txBody>
+                  <a:bodyPr/>
+                  <a:lstStyle/>
+                  <a:p>
+                    <a:r>
+                      <a:rPr lang="zh-TW" altLang="en-US">
+                        <a:noFill/>
+                      </a:rPr>
+                      <a:t> </a:t>
+                    </a:r>
+                  </a:p>
+                </p:txBody>
+              </p:sp>
+            </mc:Fallback>
+          </mc:AlternateContent>
+        </p:grpSp>
+        <p:cxnSp>
+          <p:nvCxnSpPr>
+            <p:cNvPr id="18" name="直線單箭頭接點 17">
+              <a:extLst>
+                <a:ext uri="{FF2B5EF4-FFF2-40B4-BE49-F238E27FC236}">
+                  <a16:creationId xmlns:a16="http://schemas.microsoft.com/office/drawing/2014/main" id="{91F9E1B2-BF84-4A51-9C7B-77209E3263B9}"/>
+                </a:ext>
+              </a:extLst>
+            </p:cNvPr>
+            <p:cNvCxnSpPr>
+              <a:cxnSpLocks/>
+            </p:cNvCxnSpPr>
+            <p:nvPr/>
+          </p:nvCxnSpPr>
+          <p:spPr>
+            <a:xfrm>
+              <a:off x="2370500" y="5769885"/>
+              <a:ext cx="1075265" cy="0"/>
+            </a:xfrm>
+            <a:prstGeom prst="straightConnector1">
+              <a:avLst/>
+            </a:prstGeom>
+            <a:ln w="57150">
+              <a:solidFill>
+                <a:schemeClr val="bg2">
+                  <a:lumMod val="10000"/>
+                </a:schemeClr>
+              </a:solidFill>
+              <a:tailEnd type="triangle"/>
+            </a:ln>
+          </p:spPr>
+          <p:style>
+            <a:lnRef idx="1">
+              <a:schemeClr val="accent1"/>
+            </a:lnRef>
+            <a:fillRef idx="0">
+              <a:schemeClr val="accent1"/>
+            </a:fillRef>
+            <a:effectRef idx="0">
+              <a:schemeClr val="accent1"/>
+            </a:effectRef>
+            <a:fontRef idx="minor">
+              <a:schemeClr val="tx1"/>
+            </a:fontRef>
+          </p:style>
+        </p:cxnSp>
+        <p:cxnSp>
+          <p:nvCxnSpPr>
+            <p:cNvPr id="19" name="直線單箭頭接點 18">
+              <a:extLst>
+                <a:ext uri="{FF2B5EF4-FFF2-40B4-BE49-F238E27FC236}">
+                  <a16:creationId xmlns:a16="http://schemas.microsoft.com/office/drawing/2014/main" id="{C59C974B-75C3-4902-90EE-12AD6FDEE924}"/>
+                </a:ext>
+              </a:extLst>
+            </p:cNvPr>
+            <p:cNvCxnSpPr>
+              <a:cxnSpLocks/>
+            </p:cNvCxnSpPr>
+            <p:nvPr/>
+          </p:nvCxnSpPr>
+          <p:spPr>
+            <a:xfrm flipV="1">
+              <a:off x="2375398" y="4759959"/>
+              <a:ext cx="0" cy="1029991"/>
+            </a:xfrm>
+            <a:prstGeom prst="straightConnector1">
+              <a:avLst/>
+            </a:prstGeom>
+            <a:ln w="57150">
+              <a:solidFill>
+                <a:schemeClr val="bg2">
+                  <a:lumMod val="10000"/>
+                </a:schemeClr>
+              </a:solidFill>
+              <a:tailEnd type="triangle"/>
+            </a:ln>
+          </p:spPr>
+          <p:style>
+            <a:lnRef idx="1">
+              <a:schemeClr val="accent1"/>
+            </a:lnRef>
+            <a:fillRef idx="0">
+              <a:schemeClr val="accent1"/>
+            </a:fillRef>
+            <a:effectRef idx="0">
+              <a:schemeClr val="accent1"/>
+            </a:effectRef>
+            <a:fontRef idx="minor">
+              <a:schemeClr val="tx1"/>
+            </a:fontRef>
+          </p:style>
+        </p:cxnSp>
+        <p:sp>
+          <p:nvSpPr>
+            <p:cNvPr id="24" name="文字方塊 23">
+              <a:extLst>
+                <a:ext uri="{FF2B5EF4-FFF2-40B4-BE49-F238E27FC236}">
+                  <a16:creationId xmlns:a16="http://schemas.microsoft.com/office/drawing/2014/main" id="{A2DD4C10-BDDB-4212-81B0-6596EA358487}"/>
+                </a:ext>
+              </a:extLst>
+            </p:cNvPr>
+            <p:cNvSpPr txBox="1"/>
+            <p:nvPr/>
+          </p:nvSpPr>
+          <p:spPr>
+            <a:xfrm>
+              <a:off x="3323695" y="5712097"/>
+              <a:ext cx="193397" cy="369332"/>
+            </a:xfrm>
+            <a:prstGeom prst="rect">
+              <a:avLst/>
+            </a:prstGeom>
+            <a:noFill/>
+          </p:spPr>
+          <p:txBody>
+            <a:bodyPr wrap="square" rtlCol="0">
+              <a:spAutoFit/>
+            </a:bodyPr>
+            <a:lstStyle/>
+            <a:p>
+              <a:r>
+                <a:rPr lang="en-US" altLang="zh-TW" dirty="0"/>
+                <a:t>X</a:t>
+              </a:r>
+              <a:endParaRPr lang="zh-TW" altLang="en-US" dirty="0"/>
+            </a:p>
+          </p:txBody>
+        </p:sp>
+        <p:sp>
+          <p:nvSpPr>
+            <p:cNvPr id="25" name="文字方塊 24">
+              <a:extLst>
+                <a:ext uri="{FF2B5EF4-FFF2-40B4-BE49-F238E27FC236}">
+                  <a16:creationId xmlns:a16="http://schemas.microsoft.com/office/drawing/2014/main" id="{CC296C7D-7FD5-43C6-A9DB-028D64F82675}"/>
+                </a:ext>
+              </a:extLst>
+            </p:cNvPr>
+            <p:cNvSpPr txBox="1"/>
+            <p:nvPr/>
+          </p:nvSpPr>
+          <p:spPr>
+            <a:xfrm>
+              <a:off x="2122095" y="4523591"/>
+              <a:ext cx="278675" cy="365760"/>
+            </a:xfrm>
+            <a:prstGeom prst="rect">
+              <a:avLst/>
+            </a:prstGeom>
+            <a:noFill/>
+          </p:spPr>
+          <p:txBody>
+            <a:bodyPr wrap="square" rtlCol="0">
+              <a:spAutoFit/>
+            </a:bodyPr>
+            <a:lstStyle/>
+            <a:p>
+              <a:r>
+                <a:rPr lang="en-US" altLang="zh-TW" dirty="0"/>
+                <a:t>Y</a:t>
+              </a:r>
+              <a:endParaRPr lang="zh-TW" altLang="en-US" dirty="0"/>
+            </a:p>
+          </p:txBody>
+        </p:sp>
+        <p:sp>
+          <p:nvSpPr>
+            <p:cNvPr id="26" name="箭號: 向右 25">
+              <a:extLst>
+                <a:ext uri="{FF2B5EF4-FFF2-40B4-BE49-F238E27FC236}">
+                  <a16:creationId xmlns:a16="http://schemas.microsoft.com/office/drawing/2014/main" id="{A0FD81F6-ED32-4306-8482-D5DDA8808DBC}"/>
+                </a:ext>
+              </a:extLst>
+            </p:cNvPr>
+            <p:cNvSpPr/>
+            <p:nvPr/>
+          </p:nvSpPr>
+          <p:spPr>
+            <a:xfrm>
+              <a:off x="4697094" y="2685816"/>
+              <a:ext cx="949234" cy="949234"/>
+            </a:xfrm>
+            <a:prstGeom prst="rightArrow">
+              <a:avLst/>
+            </a:prstGeom>
+            <a:solidFill>
+              <a:schemeClr val="accent2">
+                <a:lumMod val="75000"/>
+              </a:schemeClr>
+            </a:solidFill>
+            <a:ln>
+              <a:solidFill>
+                <a:srgbClr val="FFC000"/>
+              </a:solidFill>
+            </a:ln>
+          </p:spPr>
+          <p:style>
+            <a:lnRef idx="2">
+              <a:schemeClr val="accent1">
+                <a:shade val="50000"/>
+              </a:schemeClr>
+            </a:lnRef>
+            <a:fillRef idx="1">
+              <a:schemeClr val="accent1"/>
+            </a:fillRef>
+            <a:effectRef idx="0">
+              <a:schemeClr val="accent1"/>
+            </a:effectRef>
+            <a:fontRef idx="minor">
+              <a:schemeClr val="lt1"/>
+            </a:fontRef>
+          </p:style>
+          <p:txBody>
+            <a:bodyPr rtlCol="0" anchor="ctr"/>
+            <a:lstStyle/>
+            <a:p>
+              <a:pPr algn="ctr"/>
+              <a:endParaRPr lang="zh-TW" altLang="en-US"/>
+            </a:p>
+          </p:txBody>
+        </p:sp>
+        <p:grpSp>
+          <p:nvGrpSpPr>
+            <p:cNvPr id="39" name="群組 38">
+              <a:extLst>
+                <a:ext uri="{FF2B5EF4-FFF2-40B4-BE49-F238E27FC236}">
+                  <a16:creationId xmlns:a16="http://schemas.microsoft.com/office/drawing/2014/main" id="{BA6A19E1-7FD8-4136-9B5C-9E1FAEB5B34C}"/>
+                </a:ext>
+              </a:extLst>
+            </p:cNvPr>
+            <p:cNvGrpSpPr/>
+            <p:nvPr/>
+          </p:nvGrpSpPr>
+          <p:grpSpPr>
+            <a:xfrm>
+              <a:off x="3645932" y="1574782"/>
+              <a:ext cx="1083960" cy="459989"/>
+              <a:chOff x="2464649" y="1461954"/>
+              <a:chExt cx="1083960" cy="459989"/>
+            </a:xfrm>
+          </p:grpSpPr>
+          <p:cxnSp>
+            <p:nvCxnSpPr>
+              <p:cNvPr id="33" name="直線單箭頭接點 32">
+                <a:extLst>
+                  <a:ext uri="{FF2B5EF4-FFF2-40B4-BE49-F238E27FC236}">
+                    <a16:creationId xmlns:a16="http://schemas.microsoft.com/office/drawing/2014/main" id="{359CEA51-4219-43EC-8B72-A8AA1534F9D9}"/>
+                  </a:ext>
+                </a:extLst>
+              </p:cNvPr>
+              <p:cNvCxnSpPr>
+                <a:cxnSpLocks/>
+              </p:cNvCxnSpPr>
+              <p:nvPr/>
+            </p:nvCxnSpPr>
+            <p:spPr>
+              <a:xfrm>
+                <a:off x="2464649" y="1642092"/>
+                <a:ext cx="1083960" cy="279851"/>
+              </a:xfrm>
+              <a:prstGeom prst="straightConnector1">
+                <a:avLst/>
+              </a:prstGeom>
+              <a:ln w="57150">
+                <a:solidFill>
+                  <a:srgbClr val="FF0000"/>
+                </a:solidFill>
+                <a:tailEnd type="triangle"/>
+              </a:ln>
+            </p:spPr>
+            <p:style>
+              <a:lnRef idx="1">
+                <a:schemeClr val="accent1"/>
+              </a:lnRef>
+              <a:fillRef idx="0">
+                <a:schemeClr val="accent1"/>
+              </a:fillRef>
+              <a:effectRef idx="0">
+                <a:schemeClr val="accent1"/>
+              </a:effectRef>
+              <a:fontRef idx="minor">
+                <a:schemeClr val="tx1"/>
+              </a:fontRef>
+            </p:style>
+          </p:cxnSp>
+          <mc:AlternateContent xmlns:mc="http://schemas.openxmlformats.org/markup-compatibility/2006">
+            <mc:Choice xmlns:a14="http://schemas.microsoft.com/office/drawing/2010/main" Requires="a14">
+              <p:sp>
+                <p:nvSpPr>
+                  <p:cNvPr id="35" name="文字方塊 34">
+                    <a:extLst>
+                      <a:ext uri="{FF2B5EF4-FFF2-40B4-BE49-F238E27FC236}">
+                        <a16:creationId xmlns:a16="http://schemas.microsoft.com/office/drawing/2014/main" id="{A0627038-A223-4370-9BAB-AEB163D1D65A}"/>
+                      </a:ext>
+                    </a:extLst>
+                  </p:cNvPr>
+                  <p:cNvSpPr txBox="1"/>
+                  <p:nvPr/>
+                </p:nvSpPr>
+                <p:spPr>
+                  <a:xfrm>
+                    <a:off x="2882880" y="1461954"/>
+                    <a:ext cx="198092" cy="369332"/>
+                  </a:xfrm>
+                  <a:prstGeom prst="rect">
+                    <a:avLst/>
+                  </a:prstGeom>
+                  <a:noFill/>
+                </p:spPr>
+                <p:txBody>
+                  <a:bodyPr wrap="square" rtlCol="0">
+                    <a:spAutoFit/>
+                  </a:bodyPr>
+                  <a:lstStyle/>
+                  <a:p>
+                    <a14:m>
+                      <m:oMathPara xmlns:m="http://schemas.openxmlformats.org/officeDocument/2006/math">
+                        <m:oMathParaPr>
+                          <m:jc m:val="centerGroup"/>
+                        </m:oMathParaPr>
+                        <m:oMath xmlns:m="http://schemas.openxmlformats.org/officeDocument/2006/math">
+                          <m:sSub>
+                            <m:sSubPr>
+                              <m:ctrlPr>
+                                <a:rPr lang="en-US" altLang="zh-TW" b="0" i="1" smtClean="0">
+                                  <a:solidFill>
+                                    <a:srgbClr val="FF0000"/>
+                                  </a:solidFill>
+                                  <a:latin typeface="Cambria Math" panose="02040503050406030204" pitchFamily="18" charset="0"/>
+                                </a:rPr>
+                              </m:ctrlPr>
+                            </m:sSubPr>
+                            <m:e>
+                              <m:r>
+                                <a:rPr lang="en-US" altLang="zh-TW" b="0" i="1" smtClean="0">
+                                  <a:solidFill>
+                                    <a:srgbClr val="FF0000"/>
+                                  </a:solidFill>
+                                  <a:latin typeface="Cambria Math" panose="02040503050406030204" pitchFamily="18" charset="0"/>
+                                </a:rPr>
+                                <m:t>𝑣</m:t>
+                              </m:r>
+                            </m:e>
+                            <m:sub>
+                              <m:r>
+                                <a:rPr lang="en-US" altLang="zh-TW" b="0" i="1" smtClean="0">
+                                  <a:solidFill>
+                                    <a:srgbClr val="FF0000"/>
+                                  </a:solidFill>
+                                  <a:latin typeface="Cambria Math" panose="02040503050406030204" pitchFamily="18" charset="0"/>
+                                </a:rPr>
+                                <m:t>𝐵</m:t>
+                              </m:r>
+                            </m:sub>
+                          </m:sSub>
+                        </m:oMath>
+                      </m:oMathPara>
+                    </a14:m>
+                    <a:endParaRPr lang="zh-TW" altLang="en-US" dirty="0">
+                      <a:solidFill>
+                        <a:srgbClr val="FF0000"/>
+                      </a:solidFill>
+                    </a:endParaRPr>
+                  </a:p>
+                </p:txBody>
+              </p:sp>
+            </mc:Choice>
+            <mc:Fallback>
+              <p:sp>
+                <p:nvSpPr>
+                  <p:cNvPr id="35" name="文字方塊 34">
+                    <a:extLst>
+                      <a:ext uri="{FF2B5EF4-FFF2-40B4-BE49-F238E27FC236}">
+                        <a16:creationId xmlns:a16="http://schemas.microsoft.com/office/drawing/2014/main" id="{A0627038-A223-4370-9BAB-AEB163D1D65A}"/>
+                      </a:ext>
+                    </a:extLst>
+                  </p:cNvPr>
+                  <p:cNvSpPr txBox="1">
+                    <a:spLocks noRot="1" noChangeAspect="1" noMove="1" noResize="1" noEditPoints="1" noAdjustHandles="1" noChangeArrowheads="1" noChangeShapeType="1" noTextEdit="1"/>
+                  </p:cNvSpPr>
+                  <p:nvPr/>
+                </p:nvSpPr>
+                <p:spPr>
+                  <a:xfrm>
+                    <a:off x="2882880" y="1461954"/>
+                    <a:ext cx="198092" cy="369332"/>
+                  </a:xfrm>
+                  <a:prstGeom prst="rect">
+                    <a:avLst/>
+                  </a:prstGeom>
+                  <a:blipFill>
+                    <a:blip r:embed="rId4"/>
+                    <a:stretch>
+                      <a:fillRect r="-96875"/>
+                    </a:stretch>
+                  </a:blipFill>
+                </p:spPr>
+                <p:txBody>
+                  <a:bodyPr/>
+                  <a:lstStyle/>
+                  <a:p>
+                    <a:r>
+                      <a:rPr lang="zh-TW" altLang="en-US">
+                        <a:noFill/>
+                      </a:rPr>
+                      <a:t> </a:t>
+                    </a:r>
+                  </a:p>
+                </p:txBody>
+              </p:sp>
+            </mc:Fallback>
+          </mc:AlternateContent>
+        </p:grpSp>
+        <p:grpSp>
+          <p:nvGrpSpPr>
+            <p:cNvPr id="45" name="群組 44">
+              <a:extLst>
+                <a:ext uri="{FF2B5EF4-FFF2-40B4-BE49-F238E27FC236}">
+                  <a16:creationId xmlns:a16="http://schemas.microsoft.com/office/drawing/2014/main" id="{F6BD938C-A612-4B59-8389-53BE8890A372}"/>
+                </a:ext>
+              </a:extLst>
+            </p:cNvPr>
+            <p:cNvGrpSpPr/>
+            <p:nvPr/>
+          </p:nvGrpSpPr>
+          <p:grpSpPr>
+            <a:xfrm>
+              <a:off x="3373122" y="715285"/>
+              <a:ext cx="7884231" cy="8407693"/>
+              <a:chOff x="5394061" y="453886"/>
+              <a:chExt cx="7884231" cy="8407693"/>
+            </a:xfrm>
+          </p:grpSpPr>
+          <p:sp>
+            <p:nvSpPr>
+              <p:cNvPr id="43" name="局部圓 42">
+                <a:extLst>
+                  <a:ext uri="{FF2B5EF4-FFF2-40B4-BE49-F238E27FC236}">
+                    <a16:creationId xmlns:a16="http://schemas.microsoft.com/office/drawing/2014/main" id="{7320C643-3116-41E2-8653-D8EA5100EB09}"/>
+                  </a:ext>
+                </a:extLst>
+              </p:cNvPr>
+              <p:cNvSpPr/>
+              <p:nvPr/>
+            </p:nvSpPr>
+            <p:spPr>
+              <a:xfrm rot="12484130">
+                <a:off x="5394061" y="1274859"/>
+                <a:ext cx="7884231" cy="7586720"/>
+              </a:xfrm>
+              <a:prstGeom prst="pie">
+                <a:avLst>
+                  <a:gd name="adj1" fmla="val 2604347"/>
+                  <a:gd name="adj2" fmla="val 4372952"/>
+                </a:avLst>
+              </a:prstGeom>
+              <a:solidFill>
+                <a:schemeClr val="accent1">
+                  <a:lumMod val="40000"/>
+                  <a:lumOff val="60000"/>
+                </a:schemeClr>
+              </a:solidFill>
+              <a:ln>
+                <a:noFill/>
+              </a:ln>
+            </p:spPr>
+            <p:style>
+              <a:lnRef idx="2">
+                <a:schemeClr val="accent1">
+                  <a:shade val="50000"/>
+                </a:schemeClr>
+              </a:lnRef>
+              <a:fillRef idx="1">
+                <a:schemeClr val="accent1"/>
+              </a:fillRef>
+              <a:effectRef idx="0">
+                <a:schemeClr val="accent1"/>
+              </a:effectRef>
+              <a:fontRef idx="minor">
+                <a:schemeClr val="lt1"/>
+              </a:fontRef>
+            </p:style>
+            <p:txBody>
+              <a:bodyPr rtlCol="0" anchor="ctr"/>
+              <a:lstStyle/>
+              <a:p>
+                <a:pPr algn="ctr"/>
+                <a:endParaRPr lang="zh-TW" altLang="en-US">
+                  <a:solidFill>
+                    <a:schemeClr val="tx1"/>
+                  </a:solidFill>
+                </a:endParaRPr>
+              </a:p>
+            </p:txBody>
+          </p:sp>
+          <p:cxnSp>
+            <p:nvCxnSpPr>
+              <p:cNvPr id="28" name="直線單箭頭接點 27">
+                <a:extLst>
+                  <a:ext uri="{FF2B5EF4-FFF2-40B4-BE49-F238E27FC236}">
+                    <a16:creationId xmlns:a16="http://schemas.microsoft.com/office/drawing/2014/main" id="{E735B985-91BC-4548-AC0C-A352444F6958}"/>
+                  </a:ext>
+                </a:extLst>
+              </p:cNvPr>
+              <p:cNvCxnSpPr/>
+              <p:nvPr/>
+            </p:nvCxnSpPr>
+            <p:spPr>
+              <a:xfrm>
+                <a:off x="7053943" y="4762352"/>
+                <a:ext cx="4354285" cy="0"/>
+              </a:xfrm>
+              <a:prstGeom prst="straightConnector1">
+                <a:avLst/>
+              </a:prstGeom>
+              <a:ln w="28575">
+                <a:solidFill>
+                  <a:schemeClr val="bg2">
+                    <a:lumMod val="25000"/>
+                  </a:schemeClr>
+                </a:solidFill>
+                <a:tailEnd type="triangle"/>
+              </a:ln>
+            </p:spPr>
+            <p:style>
+              <a:lnRef idx="1">
+                <a:schemeClr val="accent1"/>
+              </a:lnRef>
+              <a:fillRef idx="0">
+                <a:schemeClr val="accent1"/>
+              </a:fillRef>
+              <a:effectRef idx="0">
+                <a:schemeClr val="accent1"/>
+              </a:effectRef>
+              <a:fontRef idx="minor">
+                <a:schemeClr val="tx1"/>
+              </a:fontRef>
+            </p:style>
+          </p:cxnSp>
+          <p:grpSp>
+            <p:nvGrpSpPr>
+              <p:cNvPr id="38" name="群組 37">
+                <a:extLst>
+                  <a:ext uri="{FF2B5EF4-FFF2-40B4-BE49-F238E27FC236}">
+                    <a16:creationId xmlns:a16="http://schemas.microsoft.com/office/drawing/2014/main" id="{D36E7434-5D2A-4C60-82C0-7D04CADBDE9E}"/>
+                  </a:ext>
+                </a:extLst>
+              </p:cNvPr>
+              <p:cNvGrpSpPr/>
+              <p:nvPr/>
+            </p:nvGrpSpPr>
+            <p:grpSpPr>
+              <a:xfrm>
+                <a:off x="7807069" y="453886"/>
+                <a:ext cx="2394007" cy="4614334"/>
+                <a:chOff x="8371629" y="913684"/>
+                <a:chExt cx="2394007" cy="4614334"/>
+              </a:xfrm>
+            </p:grpSpPr>
+            <p:cxnSp>
+              <p:nvCxnSpPr>
+                <p:cNvPr id="36" name="直線接點 35">
+                  <a:extLst>
+                    <a:ext uri="{FF2B5EF4-FFF2-40B4-BE49-F238E27FC236}">
+                      <a16:creationId xmlns:a16="http://schemas.microsoft.com/office/drawing/2014/main" id="{EECC1E49-F7A9-451D-8520-707780A7C2ED}"/>
+                    </a:ext>
+                  </a:extLst>
+                </p:cNvPr>
+                <p:cNvCxnSpPr>
+                  <a:cxnSpLocks/>
+                </p:cNvCxnSpPr>
+                <p:nvPr/>
+              </p:nvCxnSpPr>
+              <p:spPr>
+                <a:xfrm flipH="1" flipV="1">
+                  <a:off x="8371629" y="913684"/>
+                  <a:ext cx="1529108" cy="4614333"/>
+                </a:xfrm>
+                <a:prstGeom prst="line">
+                  <a:avLst/>
+                </a:prstGeom>
+              </p:spPr>
+              <p:style>
+                <a:lnRef idx="1">
+                  <a:schemeClr val="accent1"/>
+                </a:lnRef>
+                <a:fillRef idx="0">
+                  <a:schemeClr val="accent1"/>
+                </a:fillRef>
+                <a:effectRef idx="0">
+                  <a:schemeClr val="accent1"/>
+                </a:effectRef>
+                <a:fontRef idx="minor">
+                  <a:schemeClr val="tx1"/>
+                </a:fontRef>
+              </p:style>
+            </p:cxnSp>
+            <p:cxnSp>
+              <p:nvCxnSpPr>
+                <p:cNvPr id="37" name="直線接點 36">
+                  <a:extLst>
+                    <a:ext uri="{FF2B5EF4-FFF2-40B4-BE49-F238E27FC236}">
+                      <a16:creationId xmlns:a16="http://schemas.microsoft.com/office/drawing/2014/main" id="{8192CFCA-A9DD-4102-A6B6-A8060168035C}"/>
+                    </a:ext>
+                  </a:extLst>
+                </p:cNvPr>
+                <p:cNvCxnSpPr>
+                  <a:cxnSpLocks/>
+                </p:cNvCxnSpPr>
+                <p:nvPr/>
+              </p:nvCxnSpPr>
+              <p:spPr>
+                <a:xfrm flipV="1">
+                  <a:off x="9904969" y="913684"/>
+                  <a:ext cx="860667" cy="4614334"/>
+                </a:xfrm>
+                <a:prstGeom prst="line">
+                  <a:avLst/>
+                </a:prstGeom>
+              </p:spPr>
+              <p:style>
+                <a:lnRef idx="1">
+                  <a:schemeClr val="accent1"/>
+                </a:lnRef>
+                <a:fillRef idx="0">
+                  <a:schemeClr val="accent1"/>
+                </a:fillRef>
+                <a:effectRef idx="0">
+                  <a:schemeClr val="accent1"/>
+                </a:effectRef>
+                <a:fontRef idx="minor">
+                  <a:schemeClr val="tx1"/>
+                </a:fontRef>
+              </p:style>
+            </p:cxnSp>
+          </p:grpSp>
+          <p:grpSp>
+            <p:nvGrpSpPr>
+              <p:cNvPr id="40" name="群組 39">
+                <a:extLst>
+                  <a:ext uri="{FF2B5EF4-FFF2-40B4-BE49-F238E27FC236}">
+                    <a16:creationId xmlns:a16="http://schemas.microsoft.com/office/drawing/2014/main" id="{C1620EEE-BF03-457B-B6A1-1EAC240EB6DD}"/>
+                  </a:ext>
+                </a:extLst>
+              </p:cNvPr>
+              <p:cNvGrpSpPr/>
+              <p:nvPr/>
+            </p:nvGrpSpPr>
+            <p:grpSpPr>
+              <a:xfrm>
+                <a:off x="8263716" y="4608231"/>
+                <a:ext cx="1083960" cy="459989"/>
+                <a:chOff x="2464649" y="1461954"/>
+                <a:chExt cx="1083960" cy="459989"/>
+              </a:xfrm>
+            </p:grpSpPr>
+            <p:cxnSp>
+              <p:nvCxnSpPr>
+                <p:cNvPr id="41" name="直線單箭頭接點 40">
+                  <a:extLst>
+                    <a:ext uri="{FF2B5EF4-FFF2-40B4-BE49-F238E27FC236}">
+                      <a16:creationId xmlns:a16="http://schemas.microsoft.com/office/drawing/2014/main" id="{7B334B6E-B702-42F0-BE05-9A2E084522B6}"/>
+                    </a:ext>
+                  </a:extLst>
+                </p:cNvPr>
+                <p:cNvCxnSpPr>
+                  <a:cxnSpLocks/>
+                </p:cNvCxnSpPr>
+                <p:nvPr/>
+              </p:nvCxnSpPr>
+              <p:spPr>
+                <a:xfrm>
+                  <a:off x="2464649" y="1642092"/>
+                  <a:ext cx="1083960" cy="279851"/>
+                </a:xfrm>
+                <a:prstGeom prst="straightConnector1">
+                  <a:avLst/>
+                </a:prstGeom>
+                <a:ln w="57150">
+                  <a:solidFill>
+                    <a:srgbClr val="FF0000"/>
+                  </a:solidFill>
+                  <a:prstDash val="dash"/>
+                  <a:tailEnd type="triangle"/>
+                </a:ln>
+              </p:spPr>
+              <p:style>
+                <a:lnRef idx="1">
+                  <a:schemeClr val="accent1"/>
+                </a:lnRef>
+                <a:fillRef idx="0">
+                  <a:schemeClr val="accent1"/>
+                </a:fillRef>
+                <a:effectRef idx="0">
+                  <a:schemeClr val="accent1"/>
+                </a:effectRef>
+                <a:fontRef idx="minor">
+                  <a:schemeClr val="tx1"/>
+                </a:fontRef>
+              </p:style>
+            </p:cxnSp>
+            <mc:AlternateContent xmlns:mc="http://schemas.openxmlformats.org/markup-compatibility/2006">
+              <mc:Choice xmlns:a14="http://schemas.microsoft.com/office/drawing/2010/main" Requires="a14">
+                <p:sp>
+                  <p:nvSpPr>
+                    <p:cNvPr id="42" name="文字方塊 41">
+                      <a:extLst>
+                        <a:ext uri="{FF2B5EF4-FFF2-40B4-BE49-F238E27FC236}">
+                          <a16:creationId xmlns:a16="http://schemas.microsoft.com/office/drawing/2014/main" id="{7C526609-13CB-4B5D-BC6D-CEDB21A929A1}"/>
+                        </a:ext>
+                      </a:extLst>
+                    </p:cNvPr>
+                    <p:cNvSpPr txBox="1"/>
+                    <p:nvPr/>
+                  </p:nvSpPr>
+                  <p:spPr>
+                    <a:xfrm>
+                      <a:off x="2882880" y="1461954"/>
+                      <a:ext cx="198092" cy="369332"/>
+                    </a:xfrm>
+                    <a:prstGeom prst="rect">
+                      <a:avLst/>
+                    </a:prstGeom>
+                    <a:noFill/>
+                  </p:spPr>
+                  <p:txBody>
+                    <a:bodyPr wrap="square" rtlCol="0">
+                      <a:spAutoFit/>
+                    </a:bodyPr>
+                    <a:lstStyle/>
+                    <a:p>
+                      <a14:m>
+                        <m:oMathPara xmlns:m="http://schemas.openxmlformats.org/officeDocument/2006/math">
+                          <m:oMathParaPr>
+                            <m:jc m:val="centerGroup"/>
+                          </m:oMathParaPr>
+                          <m:oMath xmlns:m="http://schemas.openxmlformats.org/officeDocument/2006/math">
+                            <m:sSub>
+                              <m:sSubPr>
+                                <m:ctrlPr>
+                                  <a:rPr lang="en-US" altLang="zh-TW" b="0" i="1" smtClean="0">
+                                    <a:solidFill>
+                                      <a:srgbClr val="FF0000"/>
+                                    </a:solidFill>
+                                    <a:latin typeface="Cambria Math" panose="02040503050406030204" pitchFamily="18" charset="0"/>
+                                  </a:rPr>
+                                </m:ctrlPr>
+                              </m:sSubPr>
+                              <m:e>
+                                <m:r>
+                                  <a:rPr lang="en-US" altLang="zh-TW" b="0" i="1" smtClean="0">
+                                    <a:solidFill>
+                                      <a:srgbClr val="FF0000"/>
+                                    </a:solidFill>
+                                    <a:latin typeface="Cambria Math" panose="02040503050406030204" pitchFamily="18" charset="0"/>
+                                  </a:rPr>
+                                  <m:t>𝑣</m:t>
+                                </m:r>
+                              </m:e>
+                              <m:sub>
+                                <m:r>
+                                  <a:rPr lang="en-US" altLang="zh-TW" b="0" i="1" smtClean="0">
+                                    <a:solidFill>
+                                      <a:srgbClr val="FF0000"/>
+                                    </a:solidFill>
+                                    <a:latin typeface="Cambria Math" panose="02040503050406030204" pitchFamily="18" charset="0"/>
+                                  </a:rPr>
+                                  <m:t>𝐵</m:t>
+                                </m:r>
+                              </m:sub>
+                            </m:sSub>
+                          </m:oMath>
+                        </m:oMathPara>
+                      </a14:m>
+                      <a:endParaRPr lang="zh-TW" altLang="en-US" dirty="0">
+                        <a:solidFill>
+                          <a:srgbClr val="FF0000"/>
+                        </a:solidFill>
+                      </a:endParaRPr>
+                    </a:p>
+                  </p:txBody>
+                </p:sp>
+              </mc:Choice>
+              <mc:Fallback>
+                <p:sp>
+                  <p:nvSpPr>
+                    <p:cNvPr id="42" name="文字方塊 41">
+                      <a:extLst>
+                        <a:ext uri="{FF2B5EF4-FFF2-40B4-BE49-F238E27FC236}">
+                          <a16:creationId xmlns:a16="http://schemas.microsoft.com/office/drawing/2014/main" id="{7C526609-13CB-4B5D-BC6D-CEDB21A929A1}"/>
+                        </a:ext>
+                      </a:extLst>
+                    </p:cNvPr>
+                    <p:cNvSpPr txBox="1">
+                      <a:spLocks noRot="1" noChangeAspect="1" noMove="1" noResize="1" noEditPoints="1" noAdjustHandles="1" noChangeArrowheads="1" noChangeShapeType="1" noTextEdit="1"/>
+                    </p:cNvSpPr>
+                    <p:nvPr/>
+                  </p:nvSpPr>
+                  <p:spPr>
+                    <a:xfrm>
+                      <a:off x="2882880" y="1461954"/>
+                      <a:ext cx="198092" cy="369332"/>
+                    </a:xfrm>
+                    <a:prstGeom prst="rect">
+                      <a:avLst/>
+                    </a:prstGeom>
+                    <a:blipFill>
+                      <a:blip r:embed="rId5"/>
+                      <a:stretch>
+                        <a:fillRect r="-96875"/>
+                      </a:stretch>
+                    </a:blipFill>
+                  </p:spPr>
+                  <p:txBody>
+                    <a:bodyPr/>
+                    <a:lstStyle/>
+                    <a:p>
+                      <a:r>
+                        <a:rPr lang="zh-TW" altLang="en-US">
+                          <a:noFill/>
+                        </a:rPr>
+                        <a:t> </a:t>
+                      </a:r>
+                    </a:p>
+                  </p:txBody>
+                </p:sp>
+              </mc:Fallback>
+            </mc:AlternateContent>
+          </p:grpSp>
+          <p:cxnSp>
+            <p:nvCxnSpPr>
+              <p:cNvPr id="29" name="直線單箭頭接點 28">
+                <a:extLst>
+                  <a:ext uri="{FF2B5EF4-FFF2-40B4-BE49-F238E27FC236}">
+                    <a16:creationId xmlns:a16="http://schemas.microsoft.com/office/drawing/2014/main" id="{0622DC0A-4D48-48EF-B8C2-6F4C29B0F9B3}"/>
+                  </a:ext>
+                </a:extLst>
+              </p:cNvPr>
+              <p:cNvCxnSpPr>
+                <a:cxnSpLocks/>
+              </p:cNvCxnSpPr>
+              <p:nvPr/>
+            </p:nvCxnSpPr>
+            <p:spPr>
+              <a:xfrm flipV="1">
+                <a:off x="8251372" y="1035715"/>
+                <a:ext cx="0" cy="4166904"/>
+              </a:xfrm>
+              <a:prstGeom prst="straightConnector1">
+                <a:avLst/>
+              </a:prstGeom>
+              <a:ln w="28575">
+                <a:solidFill>
+                  <a:schemeClr val="bg2">
+                    <a:lumMod val="25000"/>
+                  </a:schemeClr>
+                </a:solidFill>
+                <a:tailEnd type="triangle"/>
+              </a:ln>
+            </p:spPr>
+            <p:style>
+              <a:lnRef idx="1">
+                <a:schemeClr val="accent1"/>
+              </a:lnRef>
+              <a:fillRef idx="0">
+                <a:schemeClr val="accent1"/>
+              </a:fillRef>
+              <a:effectRef idx="0">
+                <a:schemeClr val="accent1"/>
+              </a:effectRef>
+              <a:fontRef idx="minor">
+                <a:schemeClr val="tx1"/>
+              </a:fontRef>
+            </p:style>
+          </p:cxnSp>
+          <p:sp>
+            <p:nvSpPr>
+              <p:cNvPr id="44" name="文字方塊 43">
+                <a:extLst>
+                  <a:ext uri="{FF2B5EF4-FFF2-40B4-BE49-F238E27FC236}">
+                    <a16:creationId xmlns:a16="http://schemas.microsoft.com/office/drawing/2014/main" id="{62C82A7E-8F8B-4D35-9640-6EB17420DF4C}"/>
+                  </a:ext>
+                </a:extLst>
+              </p:cNvPr>
+              <p:cNvSpPr txBox="1"/>
+              <p:nvPr/>
+            </p:nvSpPr>
+            <p:spPr>
+              <a:xfrm>
+                <a:off x="8840274" y="2243230"/>
+                <a:ext cx="732986" cy="584775"/>
+              </a:xfrm>
+              <a:prstGeom prst="rect">
+                <a:avLst/>
+              </a:prstGeom>
+              <a:noFill/>
+            </p:spPr>
+            <p:txBody>
+              <a:bodyPr wrap="square" rtlCol="0">
+                <a:spAutoFit/>
+              </a:bodyPr>
+              <a:lstStyle/>
+              <a:p>
+                <a:r>
+                  <a:rPr lang="en-US" altLang="zh-TW" sz="3200" dirty="0">
+                    <a:solidFill>
+                      <a:srgbClr val="002060"/>
+                    </a:solidFill>
+                  </a:rPr>
+                  <a:t>VO</a:t>
+                </a:r>
+                <a:endParaRPr lang="zh-TW" altLang="en-US" sz="3200" dirty="0">
+                  <a:solidFill>
+                    <a:srgbClr val="002060"/>
+                  </a:solidFill>
+                </a:endParaRPr>
+              </a:p>
+            </p:txBody>
+          </p:sp>
+        </p:grpSp>
+        <mc:AlternateContent xmlns:mc="http://schemas.openxmlformats.org/markup-compatibility/2006">
+          <mc:Choice xmlns:a14="http://schemas.microsoft.com/office/drawing/2010/main" Requires="a14">
+            <p:sp>
+              <p:nvSpPr>
+                <p:cNvPr id="46" name="文字方塊 45">
+                  <a:extLst>
+                    <a:ext uri="{FF2B5EF4-FFF2-40B4-BE49-F238E27FC236}">
+                      <a16:creationId xmlns:a16="http://schemas.microsoft.com/office/drawing/2014/main" id="{CF8465D1-306C-41CD-A139-AF41FF4AB9D8}"/>
+                    </a:ext>
+                  </a:extLst>
+                </p:cNvPr>
+                <p:cNvSpPr txBox="1"/>
+                <p:nvPr/>
+              </p:nvSpPr>
+              <p:spPr>
+                <a:xfrm>
+                  <a:off x="9369794" y="4869630"/>
+                  <a:ext cx="330200" cy="369332"/>
+                </a:xfrm>
+                <a:prstGeom prst="rect">
+                  <a:avLst/>
+                </a:prstGeom>
+                <a:noFill/>
+              </p:spPr>
+              <p:txBody>
+                <a:bodyPr wrap="square" rtlCol="0">
+                  <a:spAutoFit/>
+                </a:bodyPr>
+                <a:lstStyle/>
+                <a:p>
+                  <a14:m>
+                    <m:oMathPara xmlns:m="http://schemas.openxmlformats.org/officeDocument/2006/math">
+                      <m:oMathParaPr>
+                        <m:jc m:val="centerGroup"/>
+                      </m:oMathParaPr>
+                      <m:oMath xmlns:m="http://schemas.openxmlformats.org/officeDocument/2006/math">
+                        <m:sSub>
+                          <m:sSubPr>
+                            <m:ctrlPr>
+                              <a:rPr lang="en-US" altLang="zh-TW" b="0" i="1" smtClean="0">
+                                <a:latin typeface="Cambria Math" panose="02040503050406030204" pitchFamily="18" charset="0"/>
+                              </a:rPr>
+                            </m:ctrlPr>
+                          </m:sSubPr>
+                          <m:e>
+                            <m:r>
+                              <a:rPr lang="en-US" altLang="zh-TW" b="0" i="1" smtClean="0">
+                                <a:latin typeface="Cambria Math" panose="02040503050406030204" pitchFamily="18" charset="0"/>
+                              </a:rPr>
+                              <m:t>𝑣</m:t>
+                            </m:r>
+                          </m:e>
+                          <m:sub>
+                            <m:r>
+                              <a:rPr lang="en-US" altLang="zh-TW" b="0" i="1" smtClean="0">
+                                <a:latin typeface="Cambria Math" panose="02040503050406030204" pitchFamily="18" charset="0"/>
+                              </a:rPr>
+                              <m:t>𝑥</m:t>
+                            </m:r>
+                          </m:sub>
+                        </m:sSub>
+                      </m:oMath>
+                    </m:oMathPara>
+                  </a14:m>
+                  <a:endParaRPr lang="zh-TW" altLang="en-US" dirty="0"/>
+                </a:p>
+              </p:txBody>
+            </p:sp>
+          </mc:Choice>
+          <mc:Fallback>
+            <p:sp>
+              <p:nvSpPr>
+                <p:cNvPr id="46" name="文字方塊 45">
+                  <a:extLst>
+                    <a:ext uri="{FF2B5EF4-FFF2-40B4-BE49-F238E27FC236}">
+                      <a16:creationId xmlns:a16="http://schemas.microsoft.com/office/drawing/2014/main" id="{CF8465D1-306C-41CD-A139-AF41FF4AB9D8}"/>
+                    </a:ext>
+                  </a:extLst>
+                </p:cNvPr>
+                <p:cNvSpPr txBox="1">
+                  <a:spLocks noRot="1" noChangeAspect="1" noMove="1" noResize="1" noEditPoints="1" noAdjustHandles="1" noChangeArrowheads="1" noChangeShapeType="1" noTextEdit="1"/>
+                </p:cNvSpPr>
+                <p:nvPr/>
+              </p:nvSpPr>
+              <p:spPr>
+                <a:xfrm>
+                  <a:off x="9369794" y="4869630"/>
+                  <a:ext cx="330200" cy="369332"/>
+                </a:xfrm>
+                <a:prstGeom prst="rect">
+                  <a:avLst/>
+                </a:prstGeom>
+                <a:blipFill>
+                  <a:blip r:embed="rId6"/>
+                  <a:stretch>
+                    <a:fillRect r="-7407"/>
+                  </a:stretch>
+                </a:blipFill>
+              </p:spPr>
+              <p:txBody>
+                <a:bodyPr/>
+                <a:lstStyle/>
+                <a:p>
+                  <a:r>
+                    <a:rPr lang="zh-TW" altLang="en-US">
+                      <a:noFill/>
+                    </a:rPr>
+                    <a:t> </a:t>
+                  </a:r>
+                </a:p>
+              </p:txBody>
+            </p:sp>
+          </mc:Fallback>
+        </mc:AlternateContent>
+        <mc:AlternateContent xmlns:mc="http://schemas.openxmlformats.org/markup-compatibility/2006">
+          <mc:Choice xmlns:a14="http://schemas.microsoft.com/office/drawing/2010/main" Requires="a14">
+            <p:sp>
+              <p:nvSpPr>
+                <p:cNvPr id="47" name="文字方塊 46">
+                  <a:extLst>
+                    <a:ext uri="{FF2B5EF4-FFF2-40B4-BE49-F238E27FC236}">
+                      <a16:creationId xmlns:a16="http://schemas.microsoft.com/office/drawing/2014/main" id="{DE3BA185-42F1-4738-8A5C-690EF0469152}"/>
+                    </a:ext>
+                  </a:extLst>
+                </p:cNvPr>
+                <p:cNvSpPr txBox="1"/>
+                <p:nvPr/>
+              </p:nvSpPr>
+              <p:spPr>
+                <a:xfrm>
+                  <a:off x="6014715" y="879837"/>
+                  <a:ext cx="487698" cy="391261"/>
+                </a:xfrm>
+                <a:prstGeom prst="rect">
+                  <a:avLst/>
+                </a:prstGeom>
+                <a:noFill/>
+              </p:spPr>
+              <p:txBody>
+                <a:bodyPr wrap="square" rtlCol="0">
+                  <a:spAutoFit/>
+                </a:bodyPr>
+                <a:lstStyle/>
+                <a:p>
+                  <a14:m>
+                    <m:oMathPara xmlns:m="http://schemas.openxmlformats.org/officeDocument/2006/math">
+                      <m:oMathParaPr>
+                        <m:jc m:val="centerGroup"/>
+                      </m:oMathParaPr>
+                      <m:oMath xmlns:m="http://schemas.openxmlformats.org/officeDocument/2006/math">
+                        <m:sSub>
+                          <m:sSubPr>
+                            <m:ctrlPr>
+                              <a:rPr lang="en-US" altLang="zh-TW" b="0" i="1" smtClean="0">
+                                <a:latin typeface="Cambria Math" panose="02040503050406030204" pitchFamily="18" charset="0"/>
+                              </a:rPr>
+                            </m:ctrlPr>
+                          </m:sSubPr>
+                          <m:e>
+                            <m:r>
+                              <a:rPr lang="en-US" altLang="zh-TW" b="0" i="1" smtClean="0">
+                                <a:latin typeface="Cambria Math" panose="02040503050406030204" pitchFamily="18" charset="0"/>
+                              </a:rPr>
+                              <m:t>𝑣</m:t>
+                            </m:r>
+                          </m:e>
+                          <m:sub>
+                            <m:r>
+                              <a:rPr lang="en-US" altLang="zh-TW" b="0" i="1" smtClean="0">
+                                <a:latin typeface="Cambria Math" panose="02040503050406030204" pitchFamily="18" charset="0"/>
+                              </a:rPr>
+                              <m:t>𝑦</m:t>
+                            </m:r>
+                          </m:sub>
+                        </m:sSub>
+                      </m:oMath>
+                    </m:oMathPara>
+                  </a14:m>
+                  <a:endParaRPr lang="zh-TW" altLang="en-US" dirty="0"/>
+                </a:p>
+              </p:txBody>
+            </p:sp>
+          </mc:Choice>
+          <mc:Fallback>
+            <p:sp>
+              <p:nvSpPr>
+                <p:cNvPr id="47" name="文字方塊 46">
+                  <a:extLst>
+                    <a:ext uri="{FF2B5EF4-FFF2-40B4-BE49-F238E27FC236}">
+                      <a16:creationId xmlns:a16="http://schemas.microsoft.com/office/drawing/2014/main" id="{DE3BA185-42F1-4738-8A5C-690EF0469152}"/>
+                    </a:ext>
+                  </a:extLst>
+                </p:cNvPr>
+                <p:cNvSpPr txBox="1">
+                  <a:spLocks noRot="1" noChangeAspect="1" noMove="1" noResize="1" noEditPoints="1" noAdjustHandles="1" noChangeArrowheads="1" noChangeShapeType="1" noTextEdit="1"/>
+                </p:cNvSpPr>
+                <p:nvPr/>
+              </p:nvSpPr>
+              <p:spPr>
+                <a:xfrm>
+                  <a:off x="6014715" y="879837"/>
+                  <a:ext cx="487698" cy="391261"/>
+                </a:xfrm>
+                <a:prstGeom prst="rect">
+                  <a:avLst/>
+                </a:prstGeom>
+                <a:blipFill>
+                  <a:blip r:embed="rId7"/>
+                  <a:stretch>
+                    <a:fillRect b="-3077"/>
+                  </a:stretch>
+                </a:blipFill>
+              </p:spPr>
+              <p:txBody>
+                <a:bodyPr/>
+                <a:lstStyle/>
+                <a:p>
+                  <a:r>
+                    <a:rPr lang="zh-TW" altLang="en-US">
+                      <a:noFill/>
+                    </a:rPr>
+                    <a:t> </a:t>
+                  </a:r>
+                </a:p>
+              </p:txBody>
+            </p:sp>
+          </mc:Fallback>
+        </mc:AlternateContent>
+        <p:sp>
+          <p:nvSpPr>
+            <p:cNvPr id="49" name="文字方塊 48">
+              <a:extLst>
+                <a:ext uri="{FF2B5EF4-FFF2-40B4-BE49-F238E27FC236}">
+                  <a16:creationId xmlns:a16="http://schemas.microsoft.com/office/drawing/2014/main" id="{26919528-2765-4A89-8749-9DF66D485CB4}"/>
+                </a:ext>
+              </a:extLst>
+            </p:cNvPr>
+            <p:cNvSpPr txBox="1"/>
+            <p:nvPr/>
+          </p:nvSpPr>
+          <p:spPr>
+            <a:xfrm>
+              <a:off x="2764199" y="6142714"/>
+              <a:ext cx="1135410" cy="378971"/>
+            </a:xfrm>
+            <a:prstGeom prst="rect">
+              <a:avLst/>
+            </a:prstGeom>
+            <a:noFill/>
+          </p:spPr>
+          <p:txBody>
+            <a:bodyPr wrap="square" rtlCol="0">
+              <a:spAutoFit/>
+            </a:bodyPr>
+            <a:lstStyle/>
+            <a:p>
+              <a:r>
+                <a:rPr lang="zh-TW" altLang="en-US" dirty="0">
+                  <a:latin typeface="微軟正黑體" panose="020B0604030504040204" pitchFamily="34" charset="-120"/>
+                  <a:ea typeface="微軟正黑體" panose="020B0604030504040204" pitchFamily="34" charset="-120"/>
+                </a:rPr>
+                <a:t>現實空間</a:t>
+              </a:r>
+            </a:p>
+          </p:txBody>
+        </p:sp>
+        <p:sp>
+          <p:nvSpPr>
+            <p:cNvPr id="51" name="文字方塊 50">
+              <a:extLst>
+                <a:ext uri="{FF2B5EF4-FFF2-40B4-BE49-F238E27FC236}">
+                  <a16:creationId xmlns:a16="http://schemas.microsoft.com/office/drawing/2014/main" id="{955BE003-1E42-4FDB-AE7A-50CFECBF7595}"/>
+                </a:ext>
+              </a:extLst>
+            </p:cNvPr>
+            <p:cNvSpPr txBox="1"/>
+            <p:nvPr/>
+          </p:nvSpPr>
+          <p:spPr>
+            <a:xfrm>
+              <a:off x="6819335" y="6106272"/>
+              <a:ext cx="1135410" cy="369332"/>
+            </a:xfrm>
+            <a:prstGeom prst="rect">
+              <a:avLst/>
+            </a:prstGeom>
+            <a:noFill/>
+          </p:spPr>
+          <p:txBody>
+            <a:bodyPr wrap="square" rtlCol="0">
+              <a:spAutoFit/>
+            </a:bodyPr>
+            <a:lstStyle/>
+            <a:p>
+              <a:r>
+                <a:rPr lang="zh-TW" altLang="en-US" dirty="0">
+                  <a:latin typeface="微軟正黑體" panose="020B0604030504040204" pitchFamily="34" charset="-120"/>
+                  <a:ea typeface="微軟正黑體" panose="020B0604030504040204" pitchFamily="34" charset="-120"/>
+                </a:rPr>
+                <a:t>速度空間</a:t>
+              </a:r>
+            </a:p>
+          </p:txBody>
+        </p:sp>
+        <p:sp>
+          <p:nvSpPr>
+            <p:cNvPr id="52" name="文字方塊 51">
+              <a:extLst>
+                <a:ext uri="{FF2B5EF4-FFF2-40B4-BE49-F238E27FC236}">
+                  <a16:creationId xmlns:a16="http://schemas.microsoft.com/office/drawing/2014/main" id="{DBCE1901-A539-47DB-8D15-C2E7C4C70DAF}"/>
+                </a:ext>
+              </a:extLst>
+            </p:cNvPr>
+            <p:cNvSpPr txBox="1"/>
+            <p:nvPr/>
+          </p:nvSpPr>
+          <p:spPr>
+            <a:xfrm>
+              <a:off x="5812115" y="4986302"/>
+              <a:ext cx="642061" cy="369332"/>
+            </a:xfrm>
+            <a:prstGeom prst="rect">
+              <a:avLst/>
+            </a:prstGeom>
+            <a:noFill/>
+          </p:spPr>
+          <p:txBody>
+            <a:bodyPr wrap="square" rtlCol="0">
+              <a:spAutoFit/>
+            </a:bodyPr>
+            <a:lstStyle/>
+            <a:p>
+              <a:r>
+                <a:rPr lang="en-US" altLang="zh-TW" dirty="0"/>
+                <a:t>0,0</a:t>
+              </a:r>
+              <a:endParaRPr lang="zh-TW" altLang="en-US" dirty="0"/>
+            </a:p>
+          </p:txBody>
+        </p:sp>
+      </p:grpSp>
+    </p:spTree>
+    <p:extLst>
+      <p:ext uri="{BB962C8B-B14F-4D97-AF65-F5344CB8AC3E}">
+        <p14:creationId xmlns:p14="http://schemas.microsoft.com/office/powerpoint/2010/main" val="467949059"/>
       </p:ext>
     </p:extLst>
   </p:cSld>

--- a/path_planing/VO_code_try/robot_properties3.pptx
+++ b/path_planing/VO_code_try/robot_properties3.pptx
@@ -22,6 +22,7 @@
     <p:sldId id="270" r:id="rId16"/>
     <p:sldId id="271" r:id="rId17"/>
     <p:sldId id="272" r:id="rId18"/>
+    <p:sldId id="273" r:id="rId19"/>
   </p:sldIdLst>
   <p:sldSz cx="12192000" cy="6858000"/>
   <p:notesSz cx="6858000" cy="9144000"/>
@@ -275,7 +276,7 @@
           <a:p>
             <a:fld id="{9CD1F5AD-FE1B-4540-B598-52220A64164D}" type="datetimeFigureOut">
               <a:rPr lang="zh-TW" altLang="en-US" smtClean="0"/>
-              <a:t>2024/9/21</a:t>
+              <a:t>2024/9/22</a:t>
             </a:fld>
             <a:endParaRPr lang="zh-TW" altLang="en-US"/>
           </a:p>
@@ -473,7 +474,7 @@
           <a:p>
             <a:fld id="{9CD1F5AD-FE1B-4540-B598-52220A64164D}" type="datetimeFigureOut">
               <a:rPr lang="zh-TW" altLang="en-US" smtClean="0"/>
-              <a:t>2024/9/21</a:t>
+              <a:t>2024/9/22</a:t>
             </a:fld>
             <a:endParaRPr lang="zh-TW" altLang="en-US"/>
           </a:p>
@@ -681,7 +682,7 @@
           <a:p>
             <a:fld id="{9CD1F5AD-FE1B-4540-B598-52220A64164D}" type="datetimeFigureOut">
               <a:rPr lang="zh-TW" altLang="en-US" smtClean="0"/>
-              <a:t>2024/9/21</a:t>
+              <a:t>2024/9/22</a:t>
             </a:fld>
             <a:endParaRPr lang="zh-TW" altLang="en-US"/>
           </a:p>
@@ -879,7 +880,7 @@
           <a:p>
             <a:fld id="{9CD1F5AD-FE1B-4540-B598-52220A64164D}" type="datetimeFigureOut">
               <a:rPr lang="zh-TW" altLang="en-US" smtClean="0"/>
-              <a:t>2024/9/21</a:t>
+              <a:t>2024/9/22</a:t>
             </a:fld>
             <a:endParaRPr lang="zh-TW" altLang="en-US"/>
           </a:p>
@@ -1154,7 +1155,7 @@
           <a:p>
             <a:fld id="{9CD1F5AD-FE1B-4540-B598-52220A64164D}" type="datetimeFigureOut">
               <a:rPr lang="zh-TW" altLang="en-US" smtClean="0"/>
-              <a:t>2024/9/21</a:t>
+              <a:t>2024/9/22</a:t>
             </a:fld>
             <a:endParaRPr lang="zh-TW" altLang="en-US"/>
           </a:p>
@@ -1419,7 +1420,7 @@
           <a:p>
             <a:fld id="{9CD1F5AD-FE1B-4540-B598-52220A64164D}" type="datetimeFigureOut">
               <a:rPr lang="zh-TW" altLang="en-US" smtClean="0"/>
-              <a:t>2024/9/21</a:t>
+              <a:t>2024/9/22</a:t>
             </a:fld>
             <a:endParaRPr lang="zh-TW" altLang="en-US"/>
           </a:p>
@@ -1831,7 +1832,7 @@
           <a:p>
             <a:fld id="{9CD1F5AD-FE1B-4540-B598-52220A64164D}" type="datetimeFigureOut">
               <a:rPr lang="zh-TW" altLang="en-US" smtClean="0"/>
-              <a:t>2024/9/21</a:t>
+              <a:t>2024/9/22</a:t>
             </a:fld>
             <a:endParaRPr lang="zh-TW" altLang="en-US"/>
           </a:p>
@@ -1972,7 +1973,7 @@
           <a:p>
             <a:fld id="{9CD1F5AD-FE1B-4540-B598-52220A64164D}" type="datetimeFigureOut">
               <a:rPr lang="zh-TW" altLang="en-US" smtClean="0"/>
-              <a:t>2024/9/21</a:t>
+              <a:t>2024/9/22</a:t>
             </a:fld>
             <a:endParaRPr lang="zh-TW" altLang="en-US"/>
           </a:p>
@@ -2085,7 +2086,7 @@
           <a:p>
             <a:fld id="{9CD1F5AD-FE1B-4540-B598-52220A64164D}" type="datetimeFigureOut">
               <a:rPr lang="zh-TW" altLang="en-US" smtClean="0"/>
-              <a:t>2024/9/21</a:t>
+              <a:t>2024/9/22</a:t>
             </a:fld>
             <a:endParaRPr lang="zh-TW" altLang="en-US"/>
           </a:p>
@@ -2396,7 +2397,7 @@
           <a:p>
             <a:fld id="{9CD1F5AD-FE1B-4540-B598-52220A64164D}" type="datetimeFigureOut">
               <a:rPr lang="zh-TW" altLang="en-US" smtClean="0"/>
-              <a:t>2024/9/21</a:t>
+              <a:t>2024/9/22</a:t>
             </a:fld>
             <a:endParaRPr lang="zh-TW" altLang="en-US"/>
           </a:p>
@@ -2684,7 +2685,7 @@
           <a:p>
             <a:fld id="{9CD1F5AD-FE1B-4540-B598-52220A64164D}" type="datetimeFigureOut">
               <a:rPr lang="zh-TW" altLang="en-US" smtClean="0"/>
-              <a:t>2024/9/21</a:t>
+              <a:t>2024/9/22</a:t>
             </a:fld>
             <a:endParaRPr lang="zh-TW" altLang="en-US"/>
           </a:p>
@@ -2925,7 +2926,7 @@
           <a:p>
             <a:fld id="{9CD1F5AD-FE1B-4540-B598-52220A64164D}" type="datetimeFigureOut">
               <a:rPr lang="zh-TW" altLang="en-US" smtClean="0"/>
-              <a:t>2024/9/21</a:t>
+              <a:t>2024/9/22</a:t>
             </a:fld>
             <a:endParaRPr lang="zh-TW" altLang="en-US"/>
           </a:p>
@@ -11066,8 +11067,8 @@
               </a:fontRef>
             </p:style>
           </p:cxnSp>
-          <mc:AlternateContent xmlns:mc="http://schemas.openxmlformats.org/markup-compatibility/2006">
-            <mc:Choice xmlns:a14="http://schemas.microsoft.com/office/drawing/2010/main" Requires="a14">
+          <mc:AlternateContent xmlns:mc="http://schemas.openxmlformats.org/markup-compatibility/2006" xmlns:a14="http://schemas.microsoft.com/office/drawing/2010/main">
+            <mc:Choice Requires="a14">
               <p:sp>
                 <p:nvSpPr>
                   <p:cNvPr id="35" name="文字方塊 34">
@@ -11096,6 +11097,7 @@
                   </a:bodyPr>
                   <a:lstStyle/>
                   <a:p>
+                    <a:pPr/>
                     <a14:m>
                       <m:oMathPara xmlns:m="http://schemas.openxmlformats.org/officeDocument/2006/math">
                         <m:oMathParaPr>
@@ -11148,7 +11150,7 @@
                 </p:txBody>
               </p:sp>
             </mc:Choice>
-            <mc:Fallback>
+            <mc:Fallback xmlns="">
               <p:sp>
                 <p:nvSpPr>
                   <p:cNvPr id="35" name="文字方塊 34">
@@ -11482,8 +11484,8 @@
                 </a:fontRef>
               </p:style>
             </p:cxnSp>
-            <mc:AlternateContent xmlns:mc="http://schemas.openxmlformats.org/markup-compatibility/2006">
-              <mc:Choice xmlns:a14="http://schemas.microsoft.com/office/drawing/2010/main" Requires="a14">
+            <mc:AlternateContent xmlns:mc="http://schemas.openxmlformats.org/markup-compatibility/2006" xmlns:a14="http://schemas.microsoft.com/office/drawing/2010/main">
+              <mc:Choice Requires="a14">
                 <p:sp>
                   <p:nvSpPr>
                     <p:cNvPr id="42" name="文字方塊 41">
@@ -11512,6 +11514,7 @@
                     </a:bodyPr>
                     <a:lstStyle/>
                     <a:p>
+                      <a:pPr/>
                       <a14:m>
                         <m:oMathPara xmlns:m="http://schemas.openxmlformats.org/officeDocument/2006/math">
                           <m:oMathParaPr>
@@ -11564,7 +11567,7 @@
                   </p:txBody>
                 </p:sp>
               </mc:Choice>
-              <mc:Fallback>
+              <mc:Fallback xmlns="">
                 <p:sp>
                   <p:nvSpPr>
                     <p:cNvPr id="42" name="文字方塊 41">
@@ -11701,8 +11704,8 @@
             </p:txBody>
           </p:sp>
         </p:grpSp>
-        <mc:AlternateContent xmlns:mc="http://schemas.openxmlformats.org/markup-compatibility/2006">
-          <mc:Choice xmlns:a14="http://schemas.microsoft.com/office/drawing/2010/main" Requires="a14">
+        <mc:AlternateContent xmlns:mc="http://schemas.openxmlformats.org/markup-compatibility/2006" xmlns:a14="http://schemas.microsoft.com/office/drawing/2010/main">
+          <mc:Choice Requires="a14">
             <p:sp>
               <p:nvSpPr>
                 <p:cNvPr id="46" name="文字方塊 45">
@@ -11731,6 +11734,7 @@
                 </a:bodyPr>
                 <a:lstStyle/>
                 <a:p>
+                  <a:pPr/>
                   <a14:m>
                     <m:oMathPara xmlns:m="http://schemas.openxmlformats.org/officeDocument/2006/math">
                       <m:oMathParaPr>
@@ -11770,7 +11774,7 @@
               </p:txBody>
             </p:sp>
           </mc:Choice>
-          <mc:Fallback>
+          <mc:Fallback xmlns="">
             <p:sp>
               <p:nvSpPr>
                 <p:cNvPr id="46" name="文字方塊 45">
@@ -11815,8 +11819,8 @@
             </p:sp>
           </mc:Fallback>
         </mc:AlternateContent>
-        <mc:AlternateContent xmlns:mc="http://schemas.openxmlformats.org/markup-compatibility/2006">
-          <mc:Choice xmlns:a14="http://schemas.microsoft.com/office/drawing/2010/main" Requires="a14">
+        <mc:AlternateContent xmlns:mc="http://schemas.openxmlformats.org/markup-compatibility/2006" xmlns:a14="http://schemas.microsoft.com/office/drawing/2010/main">
+          <mc:Choice Requires="a14">
             <p:sp>
               <p:nvSpPr>
                 <p:cNvPr id="47" name="文字方塊 46">
@@ -11845,6 +11849,7 @@
                 </a:bodyPr>
                 <a:lstStyle/>
                 <a:p>
+                  <a:pPr/>
                   <a14:m>
                     <m:oMathPara xmlns:m="http://schemas.openxmlformats.org/officeDocument/2006/math">
                       <m:oMathParaPr>
@@ -11884,7 +11889,7 @@
               </p:txBody>
             </p:sp>
           </mc:Choice>
-          <mc:Fallback>
+          <mc:Fallback xmlns="">
             <p:sp>
               <p:nvSpPr>
                 <p:cNvPr id="47" name="文字方塊 46">
@@ -12046,6 +12051,1349 @@
     <p:extLst>
       <p:ext uri="{BB962C8B-B14F-4D97-AF65-F5344CB8AC3E}">
         <p14:creationId xmlns:p14="http://schemas.microsoft.com/office/powerpoint/2010/main" val="467949059"/>
+      </p:ext>
+    </p:extLst>
+  </p:cSld>
+  <p:clrMapOvr>
+    <a:masterClrMapping/>
+  </p:clrMapOvr>
+</p:sld>
+</file>
+
+<file path=ppt/slides/slide18.xml><?xml version="1.0" encoding="utf-8"?>
+<p:sld xmlns:a="http://schemas.openxmlformats.org/drawingml/2006/main" xmlns:r="http://schemas.openxmlformats.org/officeDocument/2006/relationships" xmlns:p="http://schemas.openxmlformats.org/presentationml/2006/main">
+  <p:cSld>
+    <p:spTree>
+      <p:nvGrpSpPr>
+        <p:cNvPr id="1" name=""/>
+        <p:cNvGrpSpPr/>
+        <p:nvPr/>
+      </p:nvGrpSpPr>
+      <p:grpSpPr>
+        <a:xfrm>
+          <a:off x="0" y="0"/>
+          <a:ext cx="0" cy="0"/>
+          <a:chOff x="0" y="0"/>
+          <a:chExt cx="0" cy="0"/>
+        </a:xfrm>
+      </p:grpSpPr>
+      <p:grpSp>
+        <p:nvGrpSpPr>
+          <p:cNvPr id="36" name="群組 35">
+            <a:extLst>
+              <a:ext uri="{FF2B5EF4-FFF2-40B4-BE49-F238E27FC236}">
+                <a16:creationId xmlns:a16="http://schemas.microsoft.com/office/drawing/2014/main" id="{8A819975-8777-4C94-A259-B9BCA342BF97}"/>
+              </a:ext>
+            </a:extLst>
+          </p:cNvPr>
+          <p:cNvGrpSpPr/>
+          <p:nvPr/>
+        </p:nvGrpSpPr>
+        <p:grpSpPr>
+          <a:xfrm>
+            <a:off x="3057019" y="3700431"/>
+            <a:ext cx="5681868" cy="2619703"/>
+            <a:chOff x="1355540" y="3674962"/>
+            <a:chExt cx="5681868" cy="2619703"/>
+          </a:xfrm>
+        </p:grpSpPr>
+        <p:grpSp>
+          <p:nvGrpSpPr>
+            <p:cNvPr id="31" name="群組 30">
+              <a:extLst>
+                <a:ext uri="{FF2B5EF4-FFF2-40B4-BE49-F238E27FC236}">
+                  <a16:creationId xmlns:a16="http://schemas.microsoft.com/office/drawing/2014/main" id="{F3ABB663-2848-40AE-8822-79D0C82874FD}"/>
+                </a:ext>
+              </a:extLst>
+            </p:cNvPr>
+            <p:cNvGrpSpPr/>
+            <p:nvPr/>
+          </p:nvGrpSpPr>
+          <p:grpSpPr>
+            <a:xfrm>
+              <a:off x="1355540" y="4157833"/>
+              <a:ext cx="1757086" cy="1692037"/>
+              <a:chOff x="1355540" y="4157833"/>
+              <a:chExt cx="1757086" cy="1692037"/>
+            </a:xfrm>
+          </p:grpSpPr>
+          <p:grpSp>
+            <p:nvGrpSpPr>
+              <p:cNvPr id="25" name="群組 24">
+                <a:extLst>
+                  <a:ext uri="{FF2B5EF4-FFF2-40B4-BE49-F238E27FC236}">
+                    <a16:creationId xmlns:a16="http://schemas.microsoft.com/office/drawing/2014/main" id="{7ED09640-CA97-439E-A205-FAA91237950B}"/>
+                  </a:ext>
+                </a:extLst>
+              </p:cNvPr>
+              <p:cNvGrpSpPr/>
+              <p:nvPr/>
+            </p:nvGrpSpPr>
+            <p:grpSpPr>
+              <a:xfrm>
+                <a:off x="1613704" y="4157833"/>
+                <a:ext cx="1498922" cy="1505673"/>
+                <a:chOff x="2840621" y="3199827"/>
+                <a:chExt cx="1498922" cy="1505673"/>
+              </a:xfrm>
+            </p:grpSpPr>
+            <p:sp>
+              <p:nvSpPr>
+                <p:cNvPr id="21" name="橢圓 20">
+                  <a:extLst>
+                    <a:ext uri="{FF2B5EF4-FFF2-40B4-BE49-F238E27FC236}">
+                      <a16:creationId xmlns:a16="http://schemas.microsoft.com/office/drawing/2014/main" id="{D942906B-6B9F-4D49-B42D-5CFF02854367}"/>
+                    </a:ext>
+                  </a:extLst>
+                </p:cNvPr>
+                <p:cNvSpPr/>
+                <p:nvPr/>
+              </p:nvSpPr>
+              <p:spPr>
+                <a:xfrm>
+                  <a:off x="2840621" y="3199827"/>
+                  <a:ext cx="1498922" cy="1505673"/>
+                </a:xfrm>
+                <a:prstGeom prst="ellipse">
+                  <a:avLst/>
+                </a:prstGeom>
+                <a:solidFill>
+                  <a:schemeClr val="bg2"/>
+                </a:solidFill>
+                <a:ln>
+                  <a:solidFill>
+                    <a:schemeClr val="tx1"/>
+                  </a:solidFill>
+                </a:ln>
+              </p:spPr>
+              <p:style>
+                <a:lnRef idx="2">
+                  <a:schemeClr val="accent1">
+                    <a:shade val="50000"/>
+                  </a:schemeClr>
+                </a:lnRef>
+                <a:fillRef idx="1">
+                  <a:schemeClr val="accent1"/>
+                </a:fillRef>
+                <a:effectRef idx="0">
+                  <a:schemeClr val="accent1"/>
+                </a:effectRef>
+                <a:fontRef idx="minor">
+                  <a:schemeClr val="lt1"/>
+                </a:fontRef>
+              </p:style>
+              <p:txBody>
+                <a:bodyPr rtlCol="0" anchor="ctr"/>
+                <a:lstStyle/>
+                <a:p>
+                  <a:pPr algn="ctr"/>
+                  <a:endParaRPr lang="zh-TW" altLang="en-US"/>
+                </a:p>
+              </p:txBody>
+            </p:sp>
+            <p:sp>
+              <p:nvSpPr>
+                <p:cNvPr id="22" name="橢圓 21">
+                  <a:extLst>
+                    <a:ext uri="{FF2B5EF4-FFF2-40B4-BE49-F238E27FC236}">
+                      <a16:creationId xmlns:a16="http://schemas.microsoft.com/office/drawing/2014/main" id="{445057C6-B057-4F5D-A043-7D9033E385D7}"/>
+                    </a:ext>
+                  </a:extLst>
+                </p:cNvPr>
+                <p:cNvSpPr/>
+                <p:nvPr/>
+              </p:nvSpPr>
+              <p:spPr>
+                <a:xfrm>
+                  <a:off x="3263097" y="3628573"/>
+                  <a:ext cx="653970" cy="648182"/>
+                </a:xfrm>
+                <a:prstGeom prst="ellipse">
+                  <a:avLst/>
+                </a:prstGeom>
+                <a:solidFill>
+                  <a:schemeClr val="tx1">
+                    <a:lumMod val="50000"/>
+                    <a:lumOff val="50000"/>
+                  </a:schemeClr>
+                </a:solidFill>
+                <a:ln>
+                  <a:solidFill>
+                    <a:schemeClr val="tx1"/>
+                  </a:solidFill>
+                </a:ln>
+              </p:spPr>
+              <p:style>
+                <a:lnRef idx="2">
+                  <a:schemeClr val="accent1">
+                    <a:shade val="50000"/>
+                  </a:schemeClr>
+                </a:lnRef>
+                <a:fillRef idx="1">
+                  <a:schemeClr val="accent1"/>
+                </a:fillRef>
+                <a:effectRef idx="0">
+                  <a:schemeClr val="accent1"/>
+                </a:effectRef>
+                <a:fontRef idx="minor">
+                  <a:schemeClr val="lt1"/>
+                </a:fontRef>
+              </p:style>
+              <p:txBody>
+                <a:bodyPr rtlCol="0" anchor="ctr"/>
+                <a:lstStyle/>
+                <a:p>
+                  <a:pPr algn="ctr"/>
+                  <a:endParaRPr lang="zh-TW" altLang="en-US"/>
+                </a:p>
+              </p:txBody>
+            </p:sp>
+            <p:sp>
+              <p:nvSpPr>
+                <p:cNvPr id="23" name="橢圓 22">
+                  <a:extLst>
+                    <a:ext uri="{FF2B5EF4-FFF2-40B4-BE49-F238E27FC236}">
+                      <a16:creationId xmlns:a16="http://schemas.microsoft.com/office/drawing/2014/main" id="{7872732E-64C7-4FDE-A8F9-9F4BB1259E7D}"/>
+                    </a:ext>
+                  </a:extLst>
+                </p:cNvPr>
+                <p:cNvSpPr/>
+                <p:nvPr/>
+              </p:nvSpPr>
+              <p:spPr>
+                <a:xfrm>
+                  <a:off x="3549570" y="3915045"/>
+                  <a:ext cx="81023" cy="75235"/>
+                </a:xfrm>
+                <a:prstGeom prst="ellipse">
+                  <a:avLst/>
+                </a:prstGeom>
+                <a:solidFill>
+                  <a:schemeClr val="tx1"/>
+                </a:solidFill>
+                <a:ln>
+                  <a:solidFill>
+                    <a:schemeClr val="tx1"/>
+                  </a:solidFill>
+                </a:ln>
+              </p:spPr>
+              <p:style>
+                <a:lnRef idx="2">
+                  <a:schemeClr val="accent1">
+                    <a:shade val="50000"/>
+                  </a:schemeClr>
+                </a:lnRef>
+                <a:fillRef idx="1">
+                  <a:schemeClr val="accent1"/>
+                </a:fillRef>
+                <a:effectRef idx="0">
+                  <a:schemeClr val="accent1"/>
+                </a:effectRef>
+                <a:fontRef idx="minor">
+                  <a:schemeClr val="lt1"/>
+                </a:fontRef>
+              </p:style>
+              <p:txBody>
+                <a:bodyPr rtlCol="0" anchor="ctr"/>
+                <a:lstStyle/>
+                <a:p>
+                  <a:pPr algn="ctr"/>
+                  <a:endParaRPr lang="zh-TW" altLang="en-US"/>
+                </a:p>
+              </p:txBody>
+            </p:sp>
+            <p:sp>
+              <p:nvSpPr>
+                <p:cNvPr id="24" name="文字方塊 23">
+                  <a:extLst>
+                    <a:ext uri="{FF2B5EF4-FFF2-40B4-BE49-F238E27FC236}">
+                      <a16:creationId xmlns:a16="http://schemas.microsoft.com/office/drawing/2014/main" id="{C21D5897-5D6A-4996-901C-30AC1F119A56}"/>
+                    </a:ext>
+                  </a:extLst>
+                </p:cNvPr>
+                <p:cNvSpPr txBox="1"/>
+                <p:nvPr/>
+              </p:nvSpPr>
+              <p:spPr>
+                <a:xfrm>
+                  <a:off x="3294927" y="3531152"/>
+                  <a:ext cx="362000" cy="372875"/>
+                </a:xfrm>
+                <a:prstGeom prst="rect">
+                  <a:avLst/>
+                </a:prstGeom>
+                <a:noFill/>
+              </p:spPr>
+              <p:txBody>
+                <a:bodyPr wrap="square" rtlCol="0">
+                  <a:spAutoFit/>
+                </a:bodyPr>
+                <a:lstStyle/>
+                <a:p>
+                  <a:r>
+                    <a:rPr lang="en-US" altLang="zh-TW" dirty="0"/>
+                    <a:t>B</a:t>
+                  </a:r>
+                  <a:endParaRPr lang="zh-TW" altLang="en-US" dirty="0"/>
+                </a:p>
+              </p:txBody>
+            </p:sp>
+          </p:grpSp>
+          <p:grpSp>
+            <p:nvGrpSpPr>
+              <p:cNvPr id="29" name="群組 28">
+                <a:extLst>
+                  <a:ext uri="{FF2B5EF4-FFF2-40B4-BE49-F238E27FC236}">
+                    <a16:creationId xmlns:a16="http://schemas.microsoft.com/office/drawing/2014/main" id="{BBFE1EC8-5724-42BD-98FE-651145185503}"/>
+                  </a:ext>
+                </a:extLst>
+              </p:cNvPr>
+              <p:cNvGrpSpPr/>
+              <p:nvPr/>
+            </p:nvGrpSpPr>
+            <p:grpSpPr>
+              <a:xfrm>
+                <a:off x="1355540" y="5140921"/>
+                <a:ext cx="931762" cy="708949"/>
+                <a:chOff x="1783467" y="2646280"/>
+                <a:chExt cx="931762" cy="708949"/>
+              </a:xfrm>
+            </p:grpSpPr>
+            <p:sp>
+              <p:nvSpPr>
+                <p:cNvPr id="26" name="橢圓 25">
+                  <a:extLst>
+                    <a:ext uri="{FF2B5EF4-FFF2-40B4-BE49-F238E27FC236}">
+                      <a16:creationId xmlns:a16="http://schemas.microsoft.com/office/drawing/2014/main" id="{2E944D79-9BA2-44FB-9C49-7E5400719609}"/>
+                    </a:ext>
+                  </a:extLst>
+                </p:cNvPr>
+                <p:cNvSpPr/>
+                <p:nvPr/>
+              </p:nvSpPr>
+              <p:spPr>
+                <a:xfrm>
+                  <a:off x="2061259" y="2707047"/>
+                  <a:ext cx="653970" cy="648182"/>
+                </a:xfrm>
+                <a:prstGeom prst="ellipse">
+                  <a:avLst/>
+                </a:prstGeom>
+                <a:solidFill>
+                  <a:schemeClr val="tx1">
+                    <a:lumMod val="50000"/>
+                    <a:lumOff val="50000"/>
+                  </a:schemeClr>
+                </a:solidFill>
+                <a:ln>
+                  <a:solidFill>
+                    <a:schemeClr val="tx1"/>
+                  </a:solidFill>
+                </a:ln>
+              </p:spPr>
+              <p:style>
+                <a:lnRef idx="2">
+                  <a:schemeClr val="accent1">
+                    <a:shade val="50000"/>
+                  </a:schemeClr>
+                </a:lnRef>
+                <a:fillRef idx="1">
+                  <a:schemeClr val="accent1"/>
+                </a:fillRef>
+                <a:effectRef idx="0">
+                  <a:schemeClr val="accent1"/>
+                </a:effectRef>
+                <a:fontRef idx="minor">
+                  <a:schemeClr val="lt1"/>
+                </a:fontRef>
+              </p:style>
+              <p:txBody>
+                <a:bodyPr rtlCol="0" anchor="ctr"/>
+                <a:lstStyle/>
+                <a:p>
+                  <a:pPr algn="ctr"/>
+                  <a:endParaRPr lang="zh-TW" altLang="en-US"/>
+                </a:p>
+              </p:txBody>
+            </p:sp>
+            <p:sp>
+              <p:nvSpPr>
+                <p:cNvPr id="27" name="橢圓 26">
+                  <a:extLst>
+                    <a:ext uri="{FF2B5EF4-FFF2-40B4-BE49-F238E27FC236}">
+                      <a16:creationId xmlns:a16="http://schemas.microsoft.com/office/drawing/2014/main" id="{6939E26C-F6EF-4E45-8CDB-73A6F22D8FDF}"/>
+                    </a:ext>
+                  </a:extLst>
+                </p:cNvPr>
+                <p:cNvSpPr/>
+                <p:nvPr/>
+              </p:nvSpPr>
+              <p:spPr>
+                <a:xfrm>
+                  <a:off x="2347732" y="2993520"/>
+                  <a:ext cx="81023" cy="75235"/>
+                </a:xfrm>
+                <a:prstGeom prst="ellipse">
+                  <a:avLst/>
+                </a:prstGeom>
+                <a:solidFill>
+                  <a:schemeClr val="tx1"/>
+                </a:solidFill>
+                <a:ln>
+                  <a:solidFill>
+                    <a:schemeClr val="tx1"/>
+                  </a:solidFill>
+                </a:ln>
+              </p:spPr>
+              <p:style>
+                <a:lnRef idx="2">
+                  <a:schemeClr val="accent1">
+                    <a:shade val="50000"/>
+                  </a:schemeClr>
+                </a:lnRef>
+                <a:fillRef idx="1">
+                  <a:schemeClr val="accent1"/>
+                </a:fillRef>
+                <a:effectRef idx="0">
+                  <a:schemeClr val="accent1"/>
+                </a:effectRef>
+                <a:fontRef idx="minor">
+                  <a:schemeClr val="lt1"/>
+                </a:fontRef>
+              </p:style>
+              <p:txBody>
+                <a:bodyPr rtlCol="0" anchor="ctr"/>
+                <a:lstStyle/>
+                <a:p>
+                  <a:pPr algn="ctr"/>
+                  <a:endParaRPr lang="zh-TW" altLang="en-US"/>
+                </a:p>
+              </p:txBody>
+            </p:sp>
+            <p:sp>
+              <p:nvSpPr>
+                <p:cNvPr id="28" name="文字方塊 27">
+                  <a:extLst>
+                    <a:ext uri="{FF2B5EF4-FFF2-40B4-BE49-F238E27FC236}">
+                      <a16:creationId xmlns:a16="http://schemas.microsoft.com/office/drawing/2014/main" id="{31AF5A6E-D101-4C44-ABC3-C1681F7BFB61}"/>
+                    </a:ext>
+                  </a:extLst>
+                </p:cNvPr>
+                <p:cNvSpPr txBox="1"/>
+                <p:nvPr/>
+              </p:nvSpPr>
+              <p:spPr>
+                <a:xfrm>
+                  <a:off x="1783467" y="2646280"/>
+                  <a:ext cx="324091" cy="369332"/>
+                </a:xfrm>
+                <a:prstGeom prst="rect">
+                  <a:avLst/>
+                </a:prstGeom>
+                <a:noFill/>
+              </p:spPr>
+              <p:txBody>
+                <a:bodyPr wrap="square" rtlCol="0">
+                  <a:spAutoFit/>
+                </a:bodyPr>
+                <a:lstStyle/>
+                <a:p>
+                  <a:r>
+                    <a:rPr lang="en-US" altLang="zh-TW" dirty="0"/>
+                    <a:t>A</a:t>
+                  </a:r>
+                  <a:endParaRPr lang="zh-TW" altLang="en-US" dirty="0"/>
+                </a:p>
+              </p:txBody>
+            </p:sp>
+          </p:grpSp>
+          <p:sp>
+            <p:nvSpPr>
+              <p:cNvPr id="30" name="橢圓 29">
+                <a:extLst>
+                  <a:ext uri="{FF2B5EF4-FFF2-40B4-BE49-F238E27FC236}">
+                    <a16:creationId xmlns:a16="http://schemas.microsoft.com/office/drawing/2014/main" id="{53BF23F7-0675-4AAC-B578-8D803BBE5119}"/>
+                  </a:ext>
+                </a:extLst>
+              </p:cNvPr>
+              <p:cNvSpPr/>
+              <p:nvPr/>
+            </p:nvSpPr>
+            <p:spPr>
+              <a:xfrm>
+                <a:off x="1613704" y="4157834"/>
+                <a:ext cx="1498922" cy="1505673"/>
+              </a:xfrm>
+              <a:prstGeom prst="ellipse">
+                <a:avLst/>
+              </a:prstGeom>
+              <a:noFill/>
+              <a:ln>
+                <a:solidFill>
+                  <a:schemeClr val="tx1"/>
+                </a:solidFill>
+              </a:ln>
+            </p:spPr>
+            <p:style>
+              <a:lnRef idx="2">
+                <a:schemeClr val="accent1">
+                  <a:shade val="50000"/>
+                </a:schemeClr>
+              </a:lnRef>
+              <a:fillRef idx="1">
+                <a:schemeClr val="accent1"/>
+              </a:fillRef>
+              <a:effectRef idx="0">
+                <a:schemeClr val="accent1"/>
+              </a:effectRef>
+              <a:fontRef idx="minor">
+                <a:schemeClr val="lt1"/>
+              </a:fontRef>
+            </p:style>
+            <p:txBody>
+              <a:bodyPr rtlCol="0" anchor="ctr"/>
+              <a:lstStyle/>
+              <a:p>
+                <a:pPr algn="ctr"/>
+                <a:endParaRPr lang="zh-TW" altLang="en-US"/>
+              </a:p>
+            </p:txBody>
+          </p:sp>
+        </p:grpSp>
+        <p:sp>
+          <p:nvSpPr>
+            <p:cNvPr id="32" name="箭號: 向右 31">
+              <a:extLst>
+                <a:ext uri="{FF2B5EF4-FFF2-40B4-BE49-F238E27FC236}">
+                  <a16:creationId xmlns:a16="http://schemas.microsoft.com/office/drawing/2014/main" id="{D3B3045E-C354-4E16-8FA6-F186C4E643B6}"/>
+                </a:ext>
+              </a:extLst>
+            </p:cNvPr>
+            <p:cNvSpPr/>
+            <p:nvPr/>
+          </p:nvSpPr>
+          <p:spPr>
+            <a:xfrm>
+              <a:off x="3535102" y="4734512"/>
+              <a:ext cx="908612" cy="416688"/>
+            </a:xfrm>
+            <a:prstGeom prst="rightArrow">
+              <a:avLst/>
+            </a:prstGeom>
+            <a:solidFill>
+              <a:schemeClr val="accent4">
+                <a:lumMod val="20000"/>
+                <a:lumOff val="80000"/>
+              </a:schemeClr>
+            </a:solidFill>
+          </p:spPr>
+          <p:style>
+            <a:lnRef idx="2">
+              <a:schemeClr val="accent1">
+                <a:shade val="50000"/>
+              </a:schemeClr>
+            </a:lnRef>
+            <a:fillRef idx="1">
+              <a:schemeClr val="accent1"/>
+            </a:fillRef>
+            <a:effectRef idx="0">
+              <a:schemeClr val="accent1"/>
+            </a:effectRef>
+            <a:fontRef idx="minor">
+              <a:schemeClr val="lt1"/>
+            </a:fontRef>
+          </p:style>
+          <p:txBody>
+            <a:bodyPr rtlCol="0" anchor="ctr"/>
+            <a:lstStyle/>
+            <a:p>
+              <a:pPr algn="ctr"/>
+              <a:endParaRPr lang="zh-TW" altLang="en-US"/>
+            </a:p>
+          </p:txBody>
+        </p:sp>
+        <p:sp>
+          <p:nvSpPr>
+            <p:cNvPr id="33" name="矩形 32">
+              <a:extLst>
+                <a:ext uri="{FF2B5EF4-FFF2-40B4-BE49-F238E27FC236}">
+                  <a16:creationId xmlns:a16="http://schemas.microsoft.com/office/drawing/2014/main" id="{A69B1E44-B77C-49B9-A1F9-E6667D7200DA}"/>
+                </a:ext>
+              </a:extLst>
+            </p:cNvPr>
+            <p:cNvSpPr/>
+            <p:nvPr/>
+          </p:nvSpPr>
+          <p:spPr>
+            <a:xfrm>
+              <a:off x="4624086" y="3674962"/>
+              <a:ext cx="2413322" cy="2619703"/>
+            </a:xfrm>
+            <a:prstGeom prst="rect">
+              <a:avLst/>
+            </a:prstGeom>
+            <a:solidFill>
+              <a:schemeClr val="accent2">
+                <a:lumMod val="40000"/>
+                <a:lumOff val="60000"/>
+              </a:schemeClr>
+            </a:solidFill>
+          </p:spPr>
+          <p:style>
+            <a:lnRef idx="2">
+              <a:schemeClr val="accent2">
+                <a:shade val="50000"/>
+              </a:schemeClr>
+            </a:lnRef>
+            <a:fillRef idx="1">
+              <a:schemeClr val="accent2"/>
+            </a:fillRef>
+            <a:effectRef idx="0">
+              <a:schemeClr val="accent2"/>
+            </a:effectRef>
+            <a:fontRef idx="minor">
+              <a:schemeClr val="lt1"/>
+            </a:fontRef>
+          </p:style>
+          <p:txBody>
+            <a:bodyPr rtlCol="0" anchor="ctr"/>
+            <a:lstStyle/>
+            <a:p>
+              <a:pPr algn="ctr"/>
+              <a:r>
+                <a:rPr lang="en-US" altLang="zh-TW" sz="6000" dirty="0">
+                  <a:solidFill>
+                    <a:srgbClr val="FF0000"/>
+                  </a:solidFill>
+                </a:rPr>
+                <a:t>?</a:t>
+              </a:r>
+              <a:endParaRPr lang="zh-TW" altLang="en-US" sz="6000" dirty="0">
+                <a:solidFill>
+                  <a:srgbClr val="FF0000"/>
+                </a:solidFill>
+              </a:endParaRPr>
+            </a:p>
+          </p:txBody>
+        </p:sp>
+      </p:grpSp>
+      <p:grpSp>
+        <p:nvGrpSpPr>
+          <p:cNvPr id="35" name="群組 34">
+            <a:extLst>
+              <a:ext uri="{FF2B5EF4-FFF2-40B4-BE49-F238E27FC236}">
+                <a16:creationId xmlns:a16="http://schemas.microsoft.com/office/drawing/2014/main" id="{D32452FD-7C7B-4BFB-B938-C1A2B39C3B58}"/>
+              </a:ext>
+            </a:extLst>
+          </p:cNvPr>
+          <p:cNvGrpSpPr/>
+          <p:nvPr/>
+        </p:nvGrpSpPr>
+        <p:grpSpPr>
+          <a:xfrm>
+            <a:off x="3535102" y="145664"/>
+            <a:ext cx="5356184" cy="3122271"/>
+            <a:chOff x="1631067" y="103707"/>
+            <a:chExt cx="5356184" cy="3122271"/>
+          </a:xfrm>
+        </p:grpSpPr>
+        <p:grpSp>
+          <p:nvGrpSpPr>
+            <p:cNvPr id="17" name="群組 16">
+              <a:extLst>
+                <a:ext uri="{FF2B5EF4-FFF2-40B4-BE49-F238E27FC236}">
+                  <a16:creationId xmlns:a16="http://schemas.microsoft.com/office/drawing/2014/main" id="{19B17FC2-E05D-4B7F-9F52-68B75DC87DE8}"/>
+                </a:ext>
+              </a:extLst>
+            </p:cNvPr>
+            <p:cNvGrpSpPr/>
+            <p:nvPr/>
+          </p:nvGrpSpPr>
+          <p:grpSpPr>
+            <a:xfrm>
+              <a:off x="1631067" y="103707"/>
+              <a:ext cx="2424896" cy="3099122"/>
+              <a:chOff x="2083443" y="937549"/>
+              <a:chExt cx="2424896" cy="3099122"/>
+            </a:xfrm>
+          </p:grpSpPr>
+          <p:sp>
+            <p:nvSpPr>
+              <p:cNvPr id="6" name="橢圓 5">
+                <a:extLst>
+                  <a:ext uri="{FF2B5EF4-FFF2-40B4-BE49-F238E27FC236}">
+                    <a16:creationId xmlns:a16="http://schemas.microsoft.com/office/drawing/2014/main" id="{62CD7D2E-20A8-458D-ABE7-86228E648742}"/>
+                  </a:ext>
+                </a:extLst>
+              </p:cNvPr>
+              <p:cNvSpPr/>
+              <p:nvPr/>
+            </p:nvSpPr>
+            <p:spPr>
+              <a:xfrm>
+                <a:off x="2361235" y="1063424"/>
+                <a:ext cx="1498922" cy="1505673"/>
+              </a:xfrm>
+              <a:prstGeom prst="ellipse">
+                <a:avLst/>
+              </a:prstGeom>
+              <a:solidFill>
+                <a:schemeClr val="bg2"/>
+              </a:solidFill>
+              <a:ln>
+                <a:solidFill>
+                  <a:schemeClr val="tx1"/>
+                </a:solidFill>
+              </a:ln>
+            </p:spPr>
+            <p:style>
+              <a:lnRef idx="2">
+                <a:schemeClr val="accent1">
+                  <a:shade val="50000"/>
+                </a:schemeClr>
+              </a:lnRef>
+              <a:fillRef idx="1">
+                <a:schemeClr val="accent1"/>
+              </a:fillRef>
+              <a:effectRef idx="0">
+                <a:schemeClr val="accent1"/>
+              </a:effectRef>
+              <a:fontRef idx="minor">
+                <a:schemeClr val="lt1"/>
+              </a:fontRef>
+            </p:style>
+            <p:txBody>
+              <a:bodyPr rtlCol="0" anchor="ctr"/>
+              <a:lstStyle/>
+              <a:p>
+                <a:pPr algn="ctr"/>
+                <a:endParaRPr lang="zh-TW" altLang="en-US"/>
+              </a:p>
+            </p:txBody>
+          </p:sp>
+          <p:sp>
+            <p:nvSpPr>
+              <p:cNvPr id="4" name="橢圓 3">
+                <a:extLst>
+                  <a:ext uri="{FF2B5EF4-FFF2-40B4-BE49-F238E27FC236}">
+                    <a16:creationId xmlns:a16="http://schemas.microsoft.com/office/drawing/2014/main" id="{B25FBBF7-FE4E-4BAC-BC5A-55E1C3838918}"/>
+                  </a:ext>
+                </a:extLst>
+              </p:cNvPr>
+              <p:cNvSpPr/>
+              <p:nvPr/>
+            </p:nvSpPr>
+            <p:spPr>
+              <a:xfrm>
+                <a:off x="2361235" y="3388489"/>
+                <a:ext cx="653970" cy="648182"/>
+              </a:xfrm>
+              <a:prstGeom prst="ellipse">
+                <a:avLst/>
+              </a:prstGeom>
+              <a:solidFill>
+                <a:schemeClr val="tx1">
+                  <a:lumMod val="50000"/>
+                  <a:lumOff val="50000"/>
+                </a:schemeClr>
+              </a:solidFill>
+              <a:ln>
+                <a:solidFill>
+                  <a:schemeClr val="tx1"/>
+                </a:solidFill>
+              </a:ln>
+            </p:spPr>
+            <p:style>
+              <a:lnRef idx="2">
+                <a:schemeClr val="accent1">
+                  <a:shade val="50000"/>
+                </a:schemeClr>
+              </a:lnRef>
+              <a:fillRef idx="1">
+                <a:schemeClr val="accent1"/>
+              </a:fillRef>
+              <a:effectRef idx="0">
+                <a:schemeClr val="accent1"/>
+              </a:effectRef>
+              <a:fontRef idx="minor">
+                <a:schemeClr val="lt1"/>
+              </a:fontRef>
+            </p:style>
+            <p:txBody>
+              <a:bodyPr rtlCol="0" anchor="ctr"/>
+              <a:lstStyle/>
+              <a:p>
+                <a:pPr algn="ctr"/>
+                <a:endParaRPr lang="zh-TW" altLang="en-US"/>
+              </a:p>
+            </p:txBody>
+          </p:sp>
+          <p:sp>
+            <p:nvSpPr>
+              <p:cNvPr id="5" name="橢圓 4">
+                <a:extLst>
+                  <a:ext uri="{FF2B5EF4-FFF2-40B4-BE49-F238E27FC236}">
+                    <a16:creationId xmlns:a16="http://schemas.microsoft.com/office/drawing/2014/main" id="{4F727296-D569-4F7D-80D3-1D8A60B495E7}"/>
+                  </a:ext>
+                </a:extLst>
+              </p:cNvPr>
+              <p:cNvSpPr/>
+              <p:nvPr/>
+            </p:nvSpPr>
+            <p:spPr>
+              <a:xfrm>
+                <a:off x="2783711" y="1492170"/>
+                <a:ext cx="653970" cy="648182"/>
+              </a:xfrm>
+              <a:prstGeom prst="ellipse">
+                <a:avLst/>
+              </a:prstGeom>
+              <a:solidFill>
+                <a:schemeClr val="tx1">
+                  <a:lumMod val="50000"/>
+                  <a:lumOff val="50000"/>
+                </a:schemeClr>
+              </a:solidFill>
+              <a:ln>
+                <a:solidFill>
+                  <a:schemeClr val="tx1"/>
+                </a:solidFill>
+              </a:ln>
+            </p:spPr>
+            <p:style>
+              <a:lnRef idx="2">
+                <a:schemeClr val="accent1">
+                  <a:shade val="50000"/>
+                </a:schemeClr>
+              </a:lnRef>
+              <a:fillRef idx="1">
+                <a:schemeClr val="accent1"/>
+              </a:fillRef>
+              <a:effectRef idx="0">
+                <a:schemeClr val="accent1"/>
+              </a:effectRef>
+              <a:fontRef idx="minor">
+                <a:schemeClr val="lt1"/>
+              </a:fontRef>
+            </p:style>
+            <p:txBody>
+              <a:bodyPr rtlCol="0" anchor="ctr"/>
+              <a:lstStyle/>
+              <a:p>
+                <a:pPr algn="ctr"/>
+                <a:endParaRPr lang="zh-TW" altLang="en-US"/>
+              </a:p>
+            </p:txBody>
+          </p:sp>
+          <p:sp>
+            <p:nvSpPr>
+              <p:cNvPr id="7" name="橢圓 6">
+                <a:extLst>
+                  <a:ext uri="{FF2B5EF4-FFF2-40B4-BE49-F238E27FC236}">
+                    <a16:creationId xmlns:a16="http://schemas.microsoft.com/office/drawing/2014/main" id="{FD15E302-C8FD-4B46-B2E1-A8B16BC2C7C0}"/>
+                  </a:ext>
+                </a:extLst>
+              </p:cNvPr>
+              <p:cNvSpPr/>
+              <p:nvPr/>
+            </p:nvSpPr>
+            <p:spPr>
+              <a:xfrm>
+                <a:off x="2647708" y="3674962"/>
+                <a:ext cx="81023" cy="75235"/>
+              </a:xfrm>
+              <a:prstGeom prst="ellipse">
+                <a:avLst/>
+              </a:prstGeom>
+              <a:solidFill>
+                <a:schemeClr val="tx1"/>
+              </a:solidFill>
+              <a:ln>
+                <a:solidFill>
+                  <a:schemeClr val="tx1"/>
+                </a:solidFill>
+              </a:ln>
+            </p:spPr>
+            <p:style>
+              <a:lnRef idx="2">
+                <a:schemeClr val="accent1">
+                  <a:shade val="50000"/>
+                </a:schemeClr>
+              </a:lnRef>
+              <a:fillRef idx="1">
+                <a:schemeClr val="accent1"/>
+              </a:fillRef>
+              <a:effectRef idx="0">
+                <a:schemeClr val="accent1"/>
+              </a:effectRef>
+              <a:fontRef idx="minor">
+                <a:schemeClr val="lt1"/>
+              </a:fontRef>
+            </p:style>
+            <p:txBody>
+              <a:bodyPr rtlCol="0" anchor="ctr"/>
+              <a:lstStyle/>
+              <a:p>
+                <a:pPr algn="ctr"/>
+                <a:endParaRPr lang="zh-TW" altLang="en-US"/>
+              </a:p>
+            </p:txBody>
+          </p:sp>
+          <p:cxnSp>
+            <p:nvCxnSpPr>
+              <p:cNvPr id="9" name="直線接點 8">
+                <a:extLst>
+                  <a:ext uri="{FF2B5EF4-FFF2-40B4-BE49-F238E27FC236}">
+                    <a16:creationId xmlns:a16="http://schemas.microsoft.com/office/drawing/2014/main" id="{1625B031-0A31-46C2-AFA9-DE1FCAB3E8BE}"/>
+                  </a:ext>
+                </a:extLst>
+              </p:cNvPr>
+              <p:cNvCxnSpPr>
+                <a:stCxn id="7" idx="0"/>
+              </p:cNvCxnSpPr>
+              <p:nvPr/>
+            </p:nvCxnSpPr>
+            <p:spPr>
+              <a:xfrm flipH="1" flipV="1">
+                <a:off x="2170253" y="937549"/>
+                <a:ext cx="517967" cy="2737413"/>
+              </a:xfrm>
+              <a:prstGeom prst="line">
+                <a:avLst/>
+              </a:prstGeom>
+              <a:ln w="19050">
+                <a:solidFill>
+                  <a:schemeClr val="tx1"/>
+                </a:solidFill>
+              </a:ln>
+            </p:spPr>
+            <p:style>
+              <a:lnRef idx="1">
+                <a:schemeClr val="accent1"/>
+              </a:lnRef>
+              <a:fillRef idx="0">
+                <a:schemeClr val="accent1"/>
+              </a:fillRef>
+              <a:effectRef idx="0">
+                <a:schemeClr val="accent1"/>
+              </a:effectRef>
+              <a:fontRef idx="minor">
+                <a:schemeClr val="tx1"/>
+              </a:fontRef>
+            </p:style>
+          </p:cxnSp>
+          <p:cxnSp>
+            <p:nvCxnSpPr>
+              <p:cNvPr id="10" name="直線接點 9">
+                <a:extLst>
+                  <a:ext uri="{FF2B5EF4-FFF2-40B4-BE49-F238E27FC236}">
+                    <a16:creationId xmlns:a16="http://schemas.microsoft.com/office/drawing/2014/main" id="{F570A9E5-5F02-46DF-B038-C98813F3CA80}"/>
+                  </a:ext>
+                </a:extLst>
+              </p:cNvPr>
+              <p:cNvCxnSpPr>
+                <a:cxnSpLocks/>
+                <a:stCxn id="7" idx="3"/>
+              </p:cNvCxnSpPr>
+              <p:nvPr/>
+            </p:nvCxnSpPr>
+            <p:spPr>
+              <a:xfrm flipV="1">
+                <a:off x="2659574" y="1145894"/>
+                <a:ext cx="1848765" cy="2593285"/>
+              </a:xfrm>
+              <a:prstGeom prst="line">
+                <a:avLst/>
+              </a:prstGeom>
+              <a:ln w="19050">
+                <a:solidFill>
+                  <a:schemeClr val="tx1"/>
+                </a:solidFill>
+              </a:ln>
+            </p:spPr>
+            <p:style>
+              <a:lnRef idx="1">
+                <a:schemeClr val="accent1"/>
+              </a:lnRef>
+              <a:fillRef idx="0">
+                <a:schemeClr val="accent1"/>
+              </a:fillRef>
+              <a:effectRef idx="0">
+                <a:schemeClr val="accent1"/>
+              </a:effectRef>
+              <a:fontRef idx="minor">
+                <a:schemeClr val="tx1"/>
+              </a:fontRef>
+            </p:style>
+          </p:cxnSp>
+          <p:sp>
+            <p:nvSpPr>
+              <p:cNvPr id="14" name="橢圓 13">
+                <a:extLst>
+                  <a:ext uri="{FF2B5EF4-FFF2-40B4-BE49-F238E27FC236}">
+                    <a16:creationId xmlns:a16="http://schemas.microsoft.com/office/drawing/2014/main" id="{ACD02653-194C-4595-A760-9EA91791F9C6}"/>
+                  </a:ext>
+                </a:extLst>
+              </p:cNvPr>
+              <p:cNvSpPr/>
+              <p:nvPr/>
+            </p:nvSpPr>
+            <p:spPr>
+              <a:xfrm>
+                <a:off x="3070184" y="1778642"/>
+                <a:ext cx="81023" cy="75235"/>
+              </a:xfrm>
+              <a:prstGeom prst="ellipse">
+                <a:avLst/>
+              </a:prstGeom>
+              <a:solidFill>
+                <a:schemeClr val="tx1"/>
+              </a:solidFill>
+              <a:ln>
+                <a:solidFill>
+                  <a:schemeClr val="tx1"/>
+                </a:solidFill>
+              </a:ln>
+            </p:spPr>
+            <p:style>
+              <a:lnRef idx="2">
+                <a:schemeClr val="accent1">
+                  <a:shade val="50000"/>
+                </a:schemeClr>
+              </a:lnRef>
+              <a:fillRef idx="1">
+                <a:schemeClr val="accent1"/>
+              </a:fillRef>
+              <a:effectRef idx="0">
+                <a:schemeClr val="accent1"/>
+              </a:effectRef>
+              <a:fontRef idx="minor">
+                <a:schemeClr val="lt1"/>
+              </a:fontRef>
+            </p:style>
+            <p:txBody>
+              <a:bodyPr rtlCol="0" anchor="ctr"/>
+              <a:lstStyle/>
+              <a:p>
+                <a:pPr algn="ctr"/>
+                <a:endParaRPr lang="zh-TW" altLang="en-US"/>
+              </a:p>
+            </p:txBody>
+          </p:sp>
+          <p:sp>
+            <p:nvSpPr>
+              <p:cNvPr id="15" name="文字方塊 14">
+                <a:extLst>
+                  <a:ext uri="{FF2B5EF4-FFF2-40B4-BE49-F238E27FC236}">
+                    <a16:creationId xmlns:a16="http://schemas.microsoft.com/office/drawing/2014/main" id="{0476D356-1F41-477F-BFEB-0280AAA17666}"/>
+                  </a:ext>
+                </a:extLst>
+              </p:cNvPr>
+              <p:cNvSpPr txBox="1"/>
+              <p:nvPr/>
+            </p:nvSpPr>
+            <p:spPr>
+              <a:xfrm>
+                <a:off x="2083443" y="3327722"/>
+                <a:ext cx="324091" cy="369332"/>
+              </a:xfrm>
+              <a:prstGeom prst="rect">
+                <a:avLst/>
+              </a:prstGeom>
+              <a:noFill/>
+            </p:spPr>
+            <p:txBody>
+              <a:bodyPr wrap="square" rtlCol="0">
+                <a:spAutoFit/>
+              </a:bodyPr>
+              <a:lstStyle/>
+              <a:p>
+                <a:r>
+                  <a:rPr lang="en-US" altLang="zh-TW" dirty="0"/>
+                  <a:t>A</a:t>
+                </a:r>
+                <a:endParaRPr lang="zh-TW" altLang="en-US" dirty="0"/>
+              </a:p>
+            </p:txBody>
+          </p:sp>
+          <p:sp>
+            <p:nvSpPr>
+              <p:cNvPr id="16" name="文字方塊 15">
+                <a:extLst>
+                  <a:ext uri="{FF2B5EF4-FFF2-40B4-BE49-F238E27FC236}">
+                    <a16:creationId xmlns:a16="http://schemas.microsoft.com/office/drawing/2014/main" id="{E2AA2A25-6387-4725-99CE-E341A3A48CC0}"/>
+                  </a:ext>
+                </a:extLst>
+              </p:cNvPr>
+              <p:cNvSpPr txBox="1"/>
+              <p:nvPr/>
+            </p:nvSpPr>
+            <p:spPr>
+              <a:xfrm>
+                <a:off x="2815541" y="1394749"/>
+                <a:ext cx="362000" cy="372875"/>
+              </a:xfrm>
+              <a:prstGeom prst="rect">
+                <a:avLst/>
+              </a:prstGeom>
+              <a:noFill/>
+            </p:spPr>
+            <p:txBody>
+              <a:bodyPr wrap="square" rtlCol="0">
+                <a:spAutoFit/>
+              </a:bodyPr>
+              <a:lstStyle/>
+              <a:p>
+                <a:r>
+                  <a:rPr lang="en-US" altLang="zh-TW" dirty="0"/>
+                  <a:t>B</a:t>
+                </a:r>
+                <a:endParaRPr lang="zh-TW" altLang="en-US" dirty="0"/>
+              </a:p>
+            </p:txBody>
+          </p:sp>
+        </p:grpSp>
+        <p:sp>
+          <p:nvSpPr>
+            <p:cNvPr id="18" name="等腰三角形 17">
+              <a:extLst>
+                <a:ext uri="{FF2B5EF4-FFF2-40B4-BE49-F238E27FC236}">
+                  <a16:creationId xmlns:a16="http://schemas.microsoft.com/office/drawing/2014/main" id="{FBC3AC52-00AA-4A6B-A88E-F24150D29DBC}"/>
+                </a:ext>
+              </a:extLst>
+            </p:cNvPr>
+            <p:cNvSpPr/>
+            <p:nvPr/>
+          </p:nvSpPr>
+          <p:spPr>
+            <a:xfrm rot="11817969">
+              <a:off x="5204749" y="604312"/>
+              <a:ext cx="1782502" cy="2621666"/>
+            </a:xfrm>
+            <a:prstGeom prst="triangle">
+              <a:avLst/>
+            </a:prstGeom>
+            <a:solidFill>
+              <a:schemeClr val="bg1">
+                <a:lumMod val="75000"/>
+              </a:schemeClr>
+            </a:solidFill>
+            <a:ln>
+              <a:solidFill>
+                <a:schemeClr val="bg1">
+                  <a:lumMod val="65000"/>
+                </a:schemeClr>
+              </a:solidFill>
+            </a:ln>
+          </p:spPr>
+          <p:style>
+            <a:lnRef idx="2">
+              <a:schemeClr val="accent1">
+                <a:shade val="50000"/>
+              </a:schemeClr>
+            </a:lnRef>
+            <a:fillRef idx="1">
+              <a:schemeClr val="accent1"/>
+            </a:fillRef>
+            <a:effectRef idx="0">
+              <a:schemeClr val="accent1"/>
+            </a:effectRef>
+            <a:fontRef idx="minor">
+              <a:schemeClr val="lt1"/>
+            </a:fontRef>
+          </p:style>
+          <p:txBody>
+            <a:bodyPr rtlCol="0" anchor="ctr"/>
+            <a:lstStyle/>
+            <a:p>
+              <a:pPr algn="ctr"/>
+              <a:endParaRPr lang="zh-TW" altLang="en-US" dirty="0"/>
+            </a:p>
+          </p:txBody>
+        </p:sp>
+        <p:sp>
+          <p:nvSpPr>
+            <p:cNvPr id="19" name="文字方塊 18">
+              <a:extLst>
+                <a:ext uri="{FF2B5EF4-FFF2-40B4-BE49-F238E27FC236}">
+                  <a16:creationId xmlns:a16="http://schemas.microsoft.com/office/drawing/2014/main" id="{4612F5E7-7F85-4A57-BA47-1392FEBC958A}"/>
+                </a:ext>
+              </a:extLst>
+            </p:cNvPr>
+            <p:cNvSpPr txBox="1"/>
+            <p:nvPr/>
+          </p:nvSpPr>
+          <p:spPr>
+            <a:xfrm>
+              <a:off x="5959999" y="1125204"/>
+              <a:ext cx="561372" cy="369332"/>
+            </a:xfrm>
+            <a:prstGeom prst="rect">
+              <a:avLst/>
+            </a:prstGeom>
+            <a:noFill/>
+          </p:spPr>
+          <p:txBody>
+            <a:bodyPr wrap="square" rtlCol="0">
+              <a:spAutoFit/>
+            </a:bodyPr>
+            <a:lstStyle/>
+            <a:p>
+              <a:r>
+                <a:rPr lang="en-US" altLang="zh-TW" dirty="0"/>
+                <a:t>VO</a:t>
+              </a:r>
+              <a:endParaRPr lang="zh-TW" altLang="en-US" dirty="0"/>
+            </a:p>
+          </p:txBody>
+        </p:sp>
+        <p:sp>
+          <p:nvSpPr>
+            <p:cNvPr id="20" name="箭號: 向右 19">
+              <a:extLst>
+                <a:ext uri="{FF2B5EF4-FFF2-40B4-BE49-F238E27FC236}">
+                  <a16:creationId xmlns:a16="http://schemas.microsoft.com/office/drawing/2014/main" id="{F030F9AB-3918-47BB-BEDE-5DC56299799B}"/>
+                </a:ext>
+              </a:extLst>
+            </p:cNvPr>
+            <p:cNvSpPr/>
+            <p:nvPr/>
+          </p:nvSpPr>
+          <p:spPr>
+            <a:xfrm>
+              <a:off x="4108050" y="1498457"/>
+              <a:ext cx="908612" cy="416688"/>
+            </a:xfrm>
+            <a:prstGeom prst="rightArrow">
+              <a:avLst/>
+            </a:prstGeom>
+            <a:solidFill>
+              <a:schemeClr val="accent4">
+                <a:lumMod val="20000"/>
+                <a:lumOff val="80000"/>
+              </a:schemeClr>
+            </a:solidFill>
+          </p:spPr>
+          <p:style>
+            <a:lnRef idx="2">
+              <a:schemeClr val="accent1">
+                <a:shade val="50000"/>
+              </a:schemeClr>
+            </a:lnRef>
+            <a:fillRef idx="1">
+              <a:schemeClr val="accent1"/>
+            </a:fillRef>
+            <a:effectRef idx="0">
+              <a:schemeClr val="accent1"/>
+            </a:effectRef>
+            <a:fontRef idx="minor">
+              <a:schemeClr val="lt1"/>
+            </a:fontRef>
+          </p:style>
+          <p:txBody>
+            <a:bodyPr rtlCol="0" anchor="ctr"/>
+            <a:lstStyle/>
+            <a:p>
+              <a:pPr algn="ctr"/>
+              <a:endParaRPr lang="zh-TW" altLang="en-US"/>
+            </a:p>
+          </p:txBody>
+        </p:sp>
+        <p:sp>
+          <p:nvSpPr>
+            <p:cNvPr id="34" name="手繪多邊形: 圖案 33">
+              <a:extLst>
+                <a:ext uri="{FF2B5EF4-FFF2-40B4-BE49-F238E27FC236}">
+                  <a16:creationId xmlns:a16="http://schemas.microsoft.com/office/drawing/2014/main" id="{934A669B-067C-4B0F-9DB7-10F56D82DA2A}"/>
+                </a:ext>
+              </a:extLst>
+            </p:cNvPr>
+            <p:cNvSpPr/>
+            <p:nvPr/>
+          </p:nvSpPr>
+          <p:spPr>
+            <a:xfrm>
+              <a:off x="2233914" y="1626243"/>
+              <a:ext cx="170512" cy="1267428"/>
+            </a:xfrm>
+            <a:custGeom>
+              <a:avLst/>
+              <a:gdLst>
+                <a:gd name="connsiteX0" fmla="*/ 0 w 170512"/>
+                <a:gd name="connsiteY0" fmla="*/ 1267428 h 1267428"/>
+                <a:gd name="connsiteX1" fmla="*/ 162045 w 170512"/>
+                <a:gd name="connsiteY1" fmla="*/ 856527 h 1267428"/>
+                <a:gd name="connsiteX2" fmla="*/ 133109 w 170512"/>
+                <a:gd name="connsiteY2" fmla="*/ 0 h 1267428"/>
+              </a:gdLst>
+              <a:ahLst/>
+              <a:cxnLst>
+                <a:cxn ang="0">
+                  <a:pos x="connsiteX0" y="connsiteY0"/>
+                </a:cxn>
+                <a:cxn ang="0">
+                  <a:pos x="connsiteX1" y="connsiteY1"/>
+                </a:cxn>
+                <a:cxn ang="0">
+                  <a:pos x="connsiteX2" y="connsiteY2"/>
+                </a:cxn>
+              </a:cxnLst>
+              <a:rect l="l" t="t" r="r" b="b"/>
+              <a:pathLst>
+                <a:path w="170512" h="1267428">
+                  <a:moveTo>
+                    <a:pt x="0" y="1267428"/>
+                  </a:moveTo>
+                  <a:cubicBezTo>
+                    <a:pt x="69930" y="1167596"/>
+                    <a:pt x="139860" y="1067765"/>
+                    <a:pt x="162045" y="856527"/>
+                  </a:cubicBezTo>
+                  <a:cubicBezTo>
+                    <a:pt x="184230" y="645289"/>
+                    <a:pt x="158669" y="322644"/>
+                    <a:pt x="133109" y="0"/>
+                  </a:cubicBezTo>
+                </a:path>
+              </a:pathLst>
+            </a:custGeom>
+            <a:noFill/>
+            <a:ln w="38100">
+              <a:prstDash val="dash"/>
+              <a:headEnd type="none" w="med" len="med"/>
+              <a:tailEnd type="triangle" w="med" len="med"/>
+            </a:ln>
+          </p:spPr>
+          <p:style>
+            <a:lnRef idx="2">
+              <a:schemeClr val="accent1">
+                <a:shade val="50000"/>
+              </a:schemeClr>
+            </a:lnRef>
+            <a:fillRef idx="1">
+              <a:schemeClr val="accent1"/>
+            </a:fillRef>
+            <a:effectRef idx="0">
+              <a:schemeClr val="accent1"/>
+            </a:effectRef>
+            <a:fontRef idx="minor">
+              <a:schemeClr val="lt1"/>
+            </a:fontRef>
+          </p:style>
+          <p:txBody>
+            <a:bodyPr rtlCol="0" anchor="ctr"/>
+            <a:lstStyle/>
+            <a:p>
+              <a:pPr algn="ctr"/>
+              <a:endParaRPr lang="zh-TW" altLang="en-US"/>
+            </a:p>
+          </p:txBody>
+        </p:sp>
+      </p:grpSp>
+    </p:spTree>
+    <p:extLst>
+      <p:ext uri="{BB962C8B-B14F-4D97-AF65-F5344CB8AC3E}">
+        <p14:creationId xmlns:p14="http://schemas.microsoft.com/office/powerpoint/2010/main" val="293452281"/>
       </p:ext>
     </p:extLst>
   </p:cSld>

--- a/path_planing/VO_code_try/robot_properties3.pptx
+++ b/path_planing/VO_code_try/robot_properties3.pptx
@@ -23,6 +23,7 @@
     <p:sldId id="271" r:id="rId17"/>
     <p:sldId id="272" r:id="rId18"/>
     <p:sldId id="273" r:id="rId19"/>
+    <p:sldId id="274" r:id="rId20"/>
   </p:sldIdLst>
   <p:sldSz cx="12192000" cy="6858000"/>
   <p:notesSz cx="6858000" cy="9144000"/>
@@ -276,7 +277,7 @@
           <a:p>
             <a:fld id="{9CD1F5AD-FE1B-4540-B598-52220A64164D}" type="datetimeFigureOut">
               <a:rPr lang="zh-TW" altLang="en-US" smtClean="0"/>
-              <a:t>2024/9/22</a:t>
+              <a:t>2024/9/24</a:t>
             </a:fld>
             <a:endParaRPr lang="zh-TW" altLang="en-US"/>
           </a:p>
@@ -474,7 +475,7 @@
           <a:p>
             <a:fld id="{9CD1F5AD-FE1B-4540-B598-52220A64164D}" type="datetimeFigureOut">
               <a:rPr lang="zh-TW" altLang="en-US" smtClean="0"/>
-              <a:t>2024/9/22</a:t>
+              <a:t>2024/9/24</a:t>
             </a:fld>
             <a:endParaRPr lang="zh-TW" altLang="en-US"/>
           </a:p>
@@ -682,7 +683,7 @@
           <a:p>
             <a:fld id="{9CD1F5AD-FE1B-4540-B598-52220A64164D}" type="datetimeFigureOut">
               <a:rPr lang="zh-TW" altLang="en-US" smtClean="0"/>
-              <a:t>2024/9/22</a:t>
+              <a:t>2024/9/24</a:t>
             </a:fld>
             <a:endParaRPr lang="zh-TW" altLang="en-US"/>
           </a:p>
@@ -880,7 +881,7 @@
           <a:p>
             <a:fld id="{9CD1F5AD-FE1B-4540-B598-52220A64164D}" type="datetimeFigureOut">
               <a:rPr lang="zh-TW" altLang="en-US" smtClean="0"/>
-              <a:t>2024/9/22</a:t>
+              <a:t>2024/9/24</a:t>
             </a:fld>
             <a:endParaRPr lang="zh-TW" altLang="en-US"/>
           </a:p>
@@ -1155,7 +1156,7 @@
           <a:p>
             <a:fld id="{9CD1F5AD-FE1B-4540-B598-52220A64164D}" type="datetimeFigureOut">
               <a:rPr lang="zh-TW" altLang="en-US" smtClean="0"/>
-              <a:t>2024/9/22</a:t>
+              <a:t>2024/9/24</a:t>
             </a:fld>
             <a:endParaRPr lang="zh-TW" altLang="en-US"/>
           </a:p>
@@ -1420,7 +1421,7 @@
           <a:p>
             <a:fld id="{9CD1F5AD-FE1B-4540-B598-52220A64164D}" type="datetimeFigureOut">
               <a:rPr lang="zh-TW" altLang="en-US" smtClean="0"/>
-              <a:t>2024/9/22</a:t>
+              <a:t>2024/9/24</a:t>
             </a:fld>
             <a:endParaRPr lang="zh-TW" altLang="en-US"/>
           </a:p>
@@ -1832,7 +1833,7 @@
           <a:p>
             <a:fld id="{9CD1F5AD-FE1B-4540-B598-52220A64164D}" type="datetimeFigureOut">
               <a:rPr lang="zh-TW" altLang="en-US" smtClean="0"/>
-              <a:t>2024/9/22</a:t>
+              <a:t>2024/9/24</a:t>
             </a:fld>
             <a:endParaRPr lang="zh-TW" altLang="en-US"/>
           </a:p>
@@ -1973,7 +1974,7 @@
           <a:p>
             <a:fld id="{9CD1F5AD-FE1B-4540-B598-52220A64164D}" type="datetimeFigureOut">
               <a:rPr lang="zh-TW" altLang="en-US" smtClean="0"/>
-              <a:t>2024/9/22</a:t>
+              <a:t>2024/9/24</a:t>
             </a:fld>
             <a:endParaRPr lang="zh-TW" altLang="en-US"/>
           </a:p>
@@ -2086,7 +2087,7 @@
           <a:p>
             <a:fld id="{9CD1F5AD-FE1B-4540-B598-52220A64164D}" type="datetimeFigureOut">
               <a:rPr lang="zh-TW" altLang="en-US" smtClean="0"/>
-              <a:t>2024/9/22</a:t>
+              <a:t>2024/9/24</a:t>
             </a:fld>
             <a:endParaRPr lang="zh-TW" altLang="en-US"/>
           </a:p>
@@ -2397,7 +2398,7 @@
           <a:p>
             <a:fld id="{9CD1F5AD-FE1B-4540-B598-52220A64164D}" type="datetimeFigureOut">
               <a:rPr lang="zh-TW" altLang="en-US" smtClean="0"/>
-              <a:t>2024/9/22</a:t>
+              <a:t>2024/9/24</a:t>
             </a:fld>
             <a:endParaRPr lang="zh-TW" altLang="en-US"/>
           </a:p>
@@ -2685,7 +2686,7 @@
           <a:p>
             <a:fld id="{9CD1F5AD-FE1B-4540-B598-52220A64164D}" type="datetimeFigureOut">
               <a:rPr lang="zh-TW" altLang="en-US" smtClean="0"/>
-              <a:t>2024/9/22</a:t>
+              <a:t>2024/9/24</a:t>
             </a:fld>
             <a:endParaRPr lang="zh-TW" altLang="en-US"/>
           </a:p>
@@ -2926,7 +2927,7 @@
           <a:p>
             <a:fld id="{9CD1F5AD-FE1B-4540-B598-52220A64164D}" type="datetimeFigureOut">
               <a:rPr lang="zh-TW" altLang="en-US" smtClean="0"/>
-              <a:t>2024/9/22</a:t>
+              <a:t>2024/9/24</a:t>
             </a:fld>
             <a:endParaRPr lang="zh-TW" altLang="en-US"/>
           </a:p>
@@ -13403,6 +13404,36 @@
 </p:sld>
 </file>
 
+<file path=ppt/slides/slide19.xml><?xml version="1.0" encoding="utf-8"?>
+<p:sld xmlns:a="http://schemas.openxmlformats.org/drawingml/2006/main" xmlns:r="http://schemas.openxmlformats.org/officeDocument/2006/relationships" xmlns:p="http://schemas.openxmlformats.org/presentationml/2006/main">
+  <p:cSld>
+    <p:spTree>
+      <p:nvGrpSpPr>
+        <p:cNvPr id="1" name=""/>
+        <p:cNvGrpSpPr/>
+        <p:nvPr/>
+      </p:nvGrpSpPr>
+      <p:grpSpPr>
+        <a:xfrm>
+          <a:off x="0" y="0"/>
+          <a:ext cx="0" cy="0"/>
+          <a:chOff x="0" y="0"/>
+          <a:chExt cx="0" cy="0"/>
+        </a:xfrm>
+      </p:grpSpPr>
+    </p:spTree>
+    <p:extLst>
+      <p:ext uri="{BB962C8B-B14F-4D97-AF65-F5344CB8AC3E}">
+        <p14:creationId xmlns:p14="http://schemas.microsoft.com/office/powerpoint/2010/main" val="1942873045"/>
+      </p:ext>
+    </p:extLst>
+  </p:cSld>
+  <p:clrMapOvr>
+    <a:masterClrMapping/>
+  </p:clrMapOvr>
+</p:sld>
+</file>
+
 <file path=ppt/slides/slide2.xml><?xml version="1.0" encoding="utf-8"?>
 <p:sld xmlns:a="http://schemas.openxmlformats.org/drawingml/2006/main" xmlns:r="http://schemas.openxmlformats.org/officeDocument/2006/relationships" xmlns:p="http://schemas.openxmlformats.org/presentationml/2006/main">
   <p:cSld>

--- a/path_planing/VO_code_try/robot_properties3.pptx
+++ b/path_planing/VO_code_try/robot_properties3.pptx
@@ -23,7 +23,8 @@
     <p:sldId id="271" r:id="rId17"/>
     <p:sldId id="272" r:id="rId18"/>
     <p:sldId id="273" r:id="rId19"/>
-    <p:sldId id="274" r:id="rId20"/>
+    <p:sldId id="275" r:id="rId20"/>
+    <p:sldId id="274" r:id="rId21"/>
   </p:sldIdLst>
   <p:sldSz cx="12192000" cy="6858000"/>
   <p:notesSz cx="6858000" cy="9144000"/>
@@ -277,7 +278,7 @@
           <a:p>
             <a:fld id="{9CD1F5AD-FE1B-4540-B598-52220A64164D}" type="datetimeFigureOut">
               <a:rPr lang="zh-TW" altLang="en-US" smtClean="0"/>
-              <a:t>2024/9/24</a:t>
+              <a:t>2024/11/18</a:t>
             </a:fld>
             <a:endParaRPr lang="zh-TW" altLang="en-US"/>
           </a:p>
@@ -475,7 +476,7 @@
           <a:p>
             <a:fld id="{9CD1F5AD-FE1B-4540-B598-52220A64164D}" type="datetimeFigureOut">
               <a:rPr lang="zh-TW" altLang="en-US" smtClean="0"/>
-              <a:t>2024/9/24</a:t>
+              <a:t>2024/11/18</a:t>
             </a:fld>
             <a:endParaRPr lang="zh-TW" altLang="en-US"/>
           </a:p>
@@ -683,7 +684,7 @@
           <a:p>
             <a:fld id="{9CD1F5AD-FE1B-4540-B598-52220A64164D}" type="datetimeFigureOut">
               <a:rPr lang="zh-TW" altLang="en-US" smtClean="0"/>
-              <a:t>2024/9/24</a:t>
+              <a:t>2024/11/18</a:t>
             </a:fld>
             <a:endParaRPr lang="zh-TW" altLang="en-US"/>
           </a:p>
@@ -881,7 +882,7 @@
           <a:p>
             <a:fld id="{9CD1F5AD-FE1B-4540-B598-52220A64164D}" type="datetimeFigureOut">
               <a:rPr lang="zh-TW" altLang="en-US" smtClean="0"/>
-              <a:t>2024/9/24</a:t>
+              <a:t>2024/11/18</a:t>
             </a:fld>
             <a:endParaRPr lang="zh-TW" altLang="en-US"/>
           </a:p>
@@ -1156,7 +1157,7 @@
           <a:p>
             <a:fld id="{9CD1F5AD-FE1B-4540-B598-52220A64164D}" type="datetimeFigureOut">
               <a:rPr lang="zh-TW" altLang="en-US" smtClean="0"/>
-              <a:t>2024/9/24</a:t>
+              <a:t>2024/11/18</a:t>
             </a:fld>
             <a:endParaRPr lang="zh-TW" altLang="en-US"/>
           </a:p>
@@ -1421,7 +1422,7 @@
           <a:p>
             <a:fld id="{9CD1F5AD-FE1B-4540-B598-52220A64164D}" type="datetimeFigureOut">
               <a:rPr lang="zh-TW" altLang="en-US" smtClean="0"/>
-              <a:t>2024/9/24</a:t>
+              <a:t>2024/11/18</a:t>
             </a:fld>
             <a:endParaRPr lang="zh-TW" altLang="en-US"/>
           </a:p>
@@ -1833,7 +1834,7 @@
           <a:p>
             <a:fld id="{9CD1F5AD-FE1B-4540-B598-52220A64164D}" type="datetimeFigureOut">
               <a:rPr lang="zh-TW" altLang="en-US" smtClean="0"/>
-              <a:t>2024/9/24</a:t>
+              <a:t>2024/11/18</a:t>
             </a:fld>
             <a:endParaRPr lang="zh-TW" altLang="en-US"/>
           </a:p>
@@ -1974,7 +1975,7 @@
           <a:p>
             <a:fld id="{9CD1F5AD-FE1B-4540-B598-52220A64164D}" type="datetimeFigureOut">
               <a:rPr lang="zh-TW" altLang="en-US" smtClean="0"/>
-              <a:t>2024/9/24</a:t>
+              <a:t>2024/11/18</a:t>
             </a:fld>
             <a:endParaRPr lang="zh-TW" altLang="en-US"/>
           </a:p>
@@ -2087,7 +2088,7 @@
           <a:p>
             <a:fld id="{9CD1F5AD-FE1B-4540-B598-52220A64164D}" type="datetimeFigureOut">
               <a:rPr lang="zh-TW" altLang="en-US" smtClean="0"/>
-              <a:t>2024/9/24</a:t>
+              <a:t>2024/11/18</a:t>
             </a:fld>
             <a:endParaRPr lang="zh-TW" altLang="en-US"/>
           </a:p>
@@ -2398,7 +2399,7 @@
           <a:p>
             <a:fld id="{9CD1F5AD-FE1B-4540-B598-52220A64164D}" type="datetimeFigureOut">
               <a:rPr lang="zh-TW" altLang="en-US" smtClean="0"/>
-              <a:t>2024/9/24</a:t>
+              <a:t>2024/11/18</a:t>
             </a:fld>
             <a:endParaRPr lang="zh-TW" altLang="en-US"/>
           </a:p>
@@ -2686,7 +2687,7 @@
           <a:p>
             <a:fld id="{9CD1F5AD-FE1B-4540-B598-52220A64164D}" type="datetimeFigureOut">
               <a:rPr lang="zh-TW" altLang="en-US" smtClean="0"/>
-              <a:t>2024/9/24</a:t>
+              <a:t>2024/11/18</a:t>
             </a:fld>
             <a:endParaRPr lang="zh-TW" altLang="en-US"/>
           </a:p>
@@ -2927,7 +2928,7 @@
           <a:p>
             <a:fld id="{9CD1F5AD-FE1B-4540-B598-52220A64164D}" type="datetimeFigureOut">
               <a:rPr lang="zh-TW" altLang="en-US" smtClean="0"/>
-              <a:t>2024/9/24</a:t>
+              <a:t>2024/11/18</a:t>
             </a:fld>
             <a:endParaRPr lang="zh-TW" altLang="en-US"/>
           </a:p>
@@ -13421,10 +13422,864 @@
           <a:chExt cx="0" cy="0"/>
         </a:xfrm>
       </p:grpSpPr>
+      <p:sp>
+        <p:nvSpPr>
+          <p:cNvPr id="4" name="橢圓 3">
+            <a:extLst>
+              <a:ext uri="{FF2B5EF4-FFF2-40B4-BE49-F238E27FC236}">
+                <a16:creationId xmlns:a16="http://schemas.microsoft.com/office/drawing/2014/main" id="{EA9D7C90-8901-4C6B-8EE8-ED86E42FF0AD}"/>
+              </a:ext>
+            </a:extLst>
+          </p:cNvPr>
+          <p:cNvSpPr/>
+          <p:nvPr/>
+        </p:nvSpPr>
+        <p:spPr>
+          <a:xfrm>
+            <a:off x="5494868" y="2243667"/>
+            <a:ext cx="668866" cy="660400"/>
+          </a:xfrm>
+          <a:prstGeom prst="ellipse">
+            <a:avLst/>
+          </a:prstGeom>
+          <a:solidFill>
+            <a:srgbClr val="FF0066">
+              <a:alpha val="25882"/>
+            </a:srgbClr>
+          </a:solidFill>
+          <a:ln>
+            <a:solidFill>
+              <a:schemeClr val="tx1"/>
+            </a:solidFill>
+          </a:ln>
+        </p:spPr>
+        <p:style>
+          <a:lnRef idx="2">
+            <a:schemeClr val="accent1">
+              <a:shade val="50000"/>
+            </a:schemeClr>
+          </a:lnRef>
+          <a:fillRef idx="1">
+            <a:schemeClr val="accent1"/>
+          </a:fillRef>
+          <a:effectRef idx="0">
+            <a:schemeClr val="accent1"/>
+          </a:effectRef>
+          <a:fontRef idx="minor">
+            <a:schemeClr val="lt1"/>
+          </a:fontRef>
+        </p:style>
+        <p:txBody>
+          <a:bodyPr rtlCol="0" anchor="ctr"/>
+          <a:lstStyle/>
+          <a:p>
+            <a:pPr algn="ctr"/>
+            <a:endParaRPr lang="zh-TW" altLang="en-US"/>
+          </a:p>
+        </p:txBody>
+      </p:sp>
+      <p:sp>
+        <p:nvSpPr>
+          <p:cNvPr id="5" name="橢圓 4">
+            <a:extLst>
+              <a:ext uri="{FF2B5EF4-FFF2-40B4-BE49-F238E27FC236}">
+                <a16:creationId xmlns:a16="http://schemas.microsoft.com/office/drawing/2014/main" id="{6247750C-798E-4C61-B168-14490C2F3FFB}"/>
+              </a:ext>
+            </a:extLst>
+          </p:cNvPr>
+          <p:cNvSpPr/>
+          <p:nvPr/>
+        </p:nvSpPr>
+        <p:spPr>
+          <a:xfrm>
+            <a:off x="4906434" y="2032000"/>
+            <a:ext cx="766232" cy="762000"/>
+          </a:xfrm>
+          <a:prstGeom prst="ellipse">
+            <a:avLst/>
+          </a:prstGeom>
+          <a:solidFill>
+            <a:srgbClr val="FF0066">
+              <a:alpha val="25882"/>
+            </a:srgbClr>
+          </a:solidFill>
+          <a:ln>
+            <a:solidFill>
+              <a:schemeClr val="tx1"/>
+            </a:solidFill>
+          </a:ln>
+        </p:spPr>
+        <p:style>
+          <a:lnRef idx="2">
+            <a:schemeClr val="accent1">
+              <a:shade val="50000"/>
+            </a:schemeClr>
+          </a:lnRef>
+          <a:fillRef idx="1">
+            <a:schemeClr val="accent1"/>
+          </a:fillRef>
+          <a:effectRef idx="0">
+            <a:schemeClr val="accent1"/>
+          </a:effectRef>
+          <a:fontRef idx="minor">
+            <a:schemeClr val="lt1"/>
+          </a:fontRef>
+        </p:style>
+        <p:txBody>
+          <a:bodyPr rtlCol="0" anchor="ctr"/>
+          <a:lstStyle/>
+          <a:p>
+            <a:pPr algn="ctr"/>
+            <a:endParaRPr lang="zh-TW" altLang="en-US"/>
+          </a:p>
+        </p:txBody>
+      </p:sp>
+      <p:sp>
+        <p:nvSpPr>
+          <p:cNvPr id="6" name="橢圓 5">
+            <a:extLst>
+              <a:ext uri="{FF2B5EF4-FFF2-40B4-BE49-F238E27FC236}">
+                <a16:creationId xmlns:a16="http://schemas.microsoft.com/office/drawing/2014/main" id="{A2E6F2C3-722D-44FD-B78F-5CE77A12CBBF}"/>
+              </a:ext>
+            </a:extLst>
+          </p:cNvPr>
+          <p:cNvSpPr/>
+          <p:nvPr/>
+        </p:nvSpPr>
+        <p:spPr>
+          <a:xfrm>
+            <a:off x="4313769" y="1879599"/>
+            <a:ext cx="886882" cy="914401"/>
+          </a:xfrm>
+          <a:prstGeom prst="ellipse">
+            <a:avLst/>
+          </a:prstGeom>
+          <a:solidFill>
+            <a:srgbClr val="FF0066">
+              <a:alpha val="25882"/>
+            </a:srgbClr>
+          </a:solidFill>
+          <a:ln>
+            <a:solidFill>
+              <a:schemeClr val="tx1"/>
+            </a:solidFill>
+          </a:ln>
+        </p:spPr>
+        <p:style>
+          <a:lnRef idx="2">
+            <a:schemeClr val="accent1">
+              <a:shade val="50000"/>
+            </a:schemeClr>
+          </a:lnRef>
+          <a:fillRef idx="1">
+            <a:schemeClr val="accent1"/>
+          </a:fillRef>
+          <a:effectRef idx="0">
+            <a:schemeClr val="accent1"/>
+          </a:effectRef>
+          <a:fontRef idx="minor">
+            <a:schemeClr val="lt1"/>
+          </a:fontRef>
+        </p:style>
+        <p:txBody>
+          <a:bodyPr rtlCol="0" anchor="ctr"/>
+          <a:lstStyle/>
+          <a:p>
+            <a:pPr algn="ctr"/>
+            <a:endParaRPr lang="zh-TW" altLang="en-US"/>
+          </a:p>
+        </p:txBody>
+      </p:sp>
+      <p:sp>
+        <p:nvSpPr>
+          <p:cNvPr id="7" name="橢圓 6">
+            <a:extLst>
+              <a:ext uri="{FF2B5EF4-FFF2-40B4-BE49-F238E27FC236}">
+                <a16:creationId xmlns:a16="http://schemas.microsoft.com/office/drawing/2014/main" id="{64FEB2E8-8972-4D80-8B9B-17A18A79C48D}"/>
+              </a:ext>
+            </a:extLst>
+          </p:cNvPr>
+          <p:cNvSpPr/>
+          <p:nvPr/>
+        </p:nvSpPr>
+        <p:spPr>
+          <a:xfrm>
+            <a:off x="3739628" y="1811867"/>
+            <a:ext cx="1017582" cy="1024466"/>
+          </a:xfrm>
+          <a:prstGeom prst="ellipse">
+            <a:avLst/>
+          </a:prstGeom>
+          <a:solidFill>
+            <a:srgbClr val="FF0066">
+              <a:alpha val="25882"/>
+            </a:srgbClr>
+          </a:solidFill>
+          <a:ln>
+            <a:solidFill>
+              <a:schemeClr val="tx1"/>
+            </a:solidFill>
+          </a:ln>
+        </p:spPr>
+        <p:style>
+          <a:lnRef idx="2">
+            <a:schemeClr val="accent1">
+              <a:shade val="50000"/>
+            </a:schemeClr>
+          </a:lnRef>
+          <a:fillRef idx="1">
+            <a:schemeClr val="accent1"/>
+          </a:fillRef>
+          <a:effectRef idx="0">
+            <a:schemeClr val="accent1"/>
+          </a:effectRef>
+          <a:fontRef idx="minor">
+            <a:schemeClr val="lt1"/>
+          </a:fontRef>
+        </p:style>
+        <p:txBody>
+          <a:bodyPr rtlCol="0" anchor="ctr"/>
+          <a:lstStyle/>
+          <a:p>
+            <a:pPr algn="ctr"/>
+            <a:endParaRPr lang="zh-TW" altLang="en-US"/>
+          </a:p>
+        </p:txBody>
+      </p:sp>
+      <p:cxnSp>
+        <p:nvCxnSpPr>
+          <p:cNvPr id="9" name="直線單箭頭接點 8">
+            <a:extLst>
+              <a:ext uri="{FF2B5EF4-FFF2-40B4-BE49-F238E27FC236}">
+                <a16:creationId xmlns:a16="http://schemas.microsoft.com/office/drawing/2014/main" id="{2BDF2821-6304-42DA-8636-717D8FA83F3B}"/>
+              </a:ext>
+            </a:extLst>
+          </p:cNvPr>
+          <p:cNvCxnSpPr>
+            <a:cxnSpLocks/>
+          </p:cNvCxnSpPr>
+          <p:nvPr/>
+        </p:nvCxnSpPr>
+        <p:spPr>
+          <a:xfrm flipH="1" flipV="1">
+            <a:off x="5289550" y="2413000"/>
+            <a:ext cx="539751" cy="160867"/>
+          </a:xfrm>
+          <a:prstGeom prst="straightConnector1">
+            <a:avLst/>
+          </a:prstGeom>
+          <a:ln>
+            <a:solidFill>
+              <a:schemeClr val="tx1"/>
+            </a:solidFill>
+            <a:tailEnd type="triangle"/>
+          </a:ln>
+        </p:spPr>
+        <p:style>
+          <a:lnRef idx="1">
+            <a:schemeClr val="accent1"/>
+          </a:lnRef>
+          <a:fillRef idx="0">
+            <a:schemeClr val="accent1"/>
+          </a:fillRef>
+          <a:effectRef idx="0">
+            <a:schemeClr val="accent1"/>
+          </a:effectRef>
+          <a:fontRef idx="minor">
+            <a:schemeClr val="tx1"/>
+          </a:fontRef>
+        </p:style>
+      </p:cxnSp>
+      <p:cxnSp>
+        <p:nvCxnSpPr>
+          <p:cNvPr id="11" name="直線單箭頭接點 10">
+            <a:extLst>
+              <a:ext uri="{FF2B5EF4-FFF2-40B4-BE49-F238E27FC236}">
+                <a16:creationId xmlns:a16="http://schemas.microsoft.com/office/drawing/2014/main" id="{AFB1C993-36C0-46B0-A7B7-E32C862B92D2}"/>
+              </a:ext>
+            </a:extLst>
+          </p:cNvPr>
+          <p:cNvCxnSpPr>
+            <a:cxnSpLocks/>
+          </p:cNvCxnSpPr>
+          <p:nvPr/>
+        </p:nvCxnSpPr>
+        <p:spPr>
+          <a:xfrm flipH="1" flipV="1">
+            <a:off x="4757210" y="2336799"/>
+            <a:ext cx="532340" cy="76201"/>
+          </a:xfrm>
+          <a:prstGeom prst="straightConnector1">
+            <a:avLst/>
+          </a:prstGeom>
+          <a:ln>
+            <a:solidFill>
+              <a:schemeClr val="tx1"/>
+            </a:solidFill>
+            <a:tailEnd type="triangle"/>
+          </a:ln>
+        </p:spPr>
+        <p:style>
+          <a:lnRef idx="1">
+            <a:schemeClr val="accent1"/>
+          </a:lnRef>
+          <a:fillRef idx="0">
+            <a:schemeClr val="accent1"/>
+          </a:fillRef>
+          <a:effectRef idx="0">
+            <a:schemeClr val="accent1"/>
+          </a:effectRef>
+          <a:fontRef idx="minor">
+            <a:schemeClr val="tx1"/>
+          </a:fontRef>
+        </p:style>
+      </p:cxnSp>
+      <p:cxnSp>
+        <p:nvCxnSpPr>
+          <p:cNvPr id="13" name="直線單箭頭接點 12">
+            <a:extLst>
+              <a:ext uri="{FF2B5EF4-FFF2-40B4-BE49-F238E27FC236}">
+                <a16:creationId xmlns:a16="http://schemas.microsoft.com/office/drawing/2014/main" id="{EC97BCE9-1AB4-4A2A-B584-91F7F8172452}"/>
+              </a:ext>
+            </a:extLst>
+          </p:cNvPr>
+          <p:cNvCxnSpPr>
+            <a:cxnSpLocks/>
+          </p:cNvCxnSpPr>
+          <p:nvPr/>
+        </p:nvCxnSpPr>
+        <p:spPr>
+          <a:xfrm flipH="1">
+            <a:off x="4248419" y="2336799"/>
+            <a:ext cx="508791" cy="0"/>
+          </a:xfrm>
+          <a:prstGeom prst="straightConnector1">
+            <a:avLst/>
+          </a:prstGeom>
+          <a:ln>
+            <a:solidFill>
+              <a:schemeClr val="tx1"/>
+            </a:solidFill>
+            <a:tailEnd type="triangle"/>
+          </a:ln>
+        </p:spPr>
+        <p:style>
+          <a:lnRef idx="1">
+            <a:schemeClr val="accent1"/>
+          </a:lnRef>
+          <a:fillRef idx="0">
+            <a:schemeClr val="accent1"/>
+          </a:fillRef>
+          <a:effectRef idx="0">
+            <a:schemeClr val="accent1"/>
+          </a:effectRef>
+          <a:fontRef idx="minor">
+            <a:schemeClr val="tx1"/>
+          </a:fontRef>
+        </p:style>
+      </p:cxnSp>
+      <mc:AlternateContent xmlns:mc="http://schemas.openxmlformats.org/markup-compatibility/2006">
+        <mc:Choice xmlns:a14="http://schemas.microsoft.com/office/drawing/2010/main" Requires="a14">
+          <p:sp>
+            <p:nvSpPr>
+              <p:cNvPr id="14" name="文字方塊 13">
+                <a:extLst>
+                  <a:ext uri="{FF2B5EF4-FFF2-40B4-BE49-F238E27FC236}">
+                    <a16:creationId xmlns:a16="http://schemas.microsoft.com/office/drawing/2014/main" id="{682AF52B-6F2F-4825-B791-04821EA79C94}"/>
+                  </a:ext>
+                </a:extLst>
+              </p:cNvPr>
+              <p:cNvSpPr txBox="1"/>
+              <p:nvPr/>
+            </p:nvSpPr>
+            <p:spPr>
+              <a:xfrm>
+                <a:off x="5753534" y="2341032"/>
+                <a:ext cx="342466" cy="184666"/>
+              </a:xfrm>
+              <a:prstGeom prst="rect">
+                <a:avLst/>
+              </a:prstGeom>
+              <a:noFill/>
+            </p:spPr>
+            <p:txBody>
+              <a:bodyPr wrap="square" lIns="0" tIns="0" rIns="0" bIns="0" rtlCol="0">
+                <a:spAutoFit/>
+              </a:bodyPr>
+              <a:lstStyle/>
+              <a:p>
+                <a14:m>
+                  <m:oMathPara xmlns:m="http://schemas.openxmlformats.org/officeDocument/2006/math">
+                    <m:oMathParaPr>
+                      <m:jc m:val="centerGroup"/>
+                    </m:oMathParaPr>
+                    <m:oMath xmlns:m="http://schemas.openxmlformats.org/officeDocument/2006/math">
+                      <m:sSub>
+                        <m:sSubPr>
+                          <m:ctrlPr>
+                            <a:rPr lang="en-US" altLang="zh-TW" sz="1200" b="0" i="1" dirty="0" smtClean="0">
+                              <a:latin typeface="Cambria Math" panose="02040503050406030204" pitchFamily="18" charset="0"/>
+                            </a:rPr>
+                          </m:ctrlPr>
+                        </m:sSubPr>
+                        <m:e>
+                          <m:r>
+                            <a:rPr lang="en-US" altLang="zh-TW" sz="1200" b="0" i="1" dirty="0" smtClean="0">
+                              <a:latin typeface="Cambria Math" panose="02040503050406030204" pitchFamily="18" charset="0"/>
+                            </a:rPr>
+                            <m:t>𝑥</m:t>
+                          </m:r>
+                        </m:e>
+                        <m:sub>
+                          <m:r>
+                            <a:rPr lang="en-US" altLang="zh-TW" sz="1200" b="0" i="1" dirty="0" smtClean="0">
+                              <a:latin typeface="Cambria Math" panose="02040503050406030204" pitchFamily="18" charset="0"/>
+                            </a:rPr>
+                            <m:t>𝑘</m:t>
+                          </m:r>
+                        </m:sub>
+                      </m:sSub>
+                      <m:r>
+                        <a:rPr lang="en-US" altLang="zh-TW" sz="1200" b="0" i="1" dirty="0" smtClean="0">
+                          <a:latin typeface="Cambria Math" panose="02040503050406030204" pitchFamily="18" charset="0"/>
+                        </a:rPr>
+                        <m:t> </m:t>
+                      </m:r>
+                    </m:oMath>
+                  </m:oMathPara>
+                </a14:m>
+                <a:endParaRPr lang="zh-TW" altLang="en-US" sz="1200" dirty="0"/>
+              </a:p>
+            </p:txBody>
+          </p:sp>
+        </mc:Choice>
+        <mc:Fallback>
+          <p:sp>
+            <p:nvSpPr>
+              <p:cNvPr id="14" name="文字方塊 13">
+                <a:extLst>
+                  <a:ext uri="{FF2B5EF4-FFF2-40B4-BE49-F238E27FC236}">
+                    <a16:creationId xmlns:a16="http://schemas.microsoft.com/office/drawing/2014/main" id="{682AF52B-6F2F-4825-B791-04821EA79C94}"/>
+                  </a:ext>
+                </a:extLst>
+              </p:cNvPr>
+              <p:cNvSpPr txBox="1">
+                <a:spLocks noRot="1" noChangeAspect="1" noMove="1" noResize="1" noEditPoints="1" noAdjustHandles="1" noChangeArrowheads="1" noChangeShapeType="1" noTextEdit="1"/>
+              </p:cNvSpPr>
+              <p:nvPr/>
+            </p:nvSpPr>
+            <p:spPr>
+              <a:xfrm>
+                <a:off x="5753534" y="2341032"/>
+                <a:ext cx="342466" cy="184666"/>
+              </a:xfrm>
+              <a:prstGeom prst="rect">
+                <a:avLst/>
+              </a:prstGeom>
+              <a:blipFill>
+                <a:blip r:embed="rId2"/>
+                <a:stretch>
+                  <a:fillRect b="-16667"/>
+                </a:stretch>
+              </a:blipFill>
+            </p:spPr>
+            <p:txBody>
+              <a:bodyPr/>
+              <a:lstStyle/>
+              <a:p>
+                <a:r>
+                  <a:rPr lang="zh-TW" altLang="en-US">
+                    <a:noFill/>
+                  </a:rPr>
+                  <a:t> </a:t>
+                </a:r>
+              </a:p>
+            </p:txBody>
+          </p:sp>
+        </mc:Fallback>
+      </mc:AlternateContent>
+      <mc:AlternateContent xmlns:mc="http://schemas.openxmlformats.org/markup-compatibility/2006">
+        <mc:Choice xmlns:a14="http://schemas.microsoft.com/office/drawing/2010/main" Requires="a14">
+          <p:sp>
+            <p:nvSpPr>
+              <p:cNvPr id="15" name="文字方塊 14">
+                <a:extLst>
+                  <a:ext uri="{FF2B5EF4-FFF2-40B4-BE49-F238E27FC236}">
+                    <a16:creationId xmlns:a16="http://schemas.microsoft.com/office/drawing/2014/main" id="{91051D9B-CFB1-491D-92B6-B2FB27E80018}"/>
+                  </a:ext>
+                </a:extLst>
+              </p:cNvPr>
+              <p:cNvSpPr txBox="1"/>
+              <p:nvPr/>
+            </p:nvSpPr>
+            <p:spPr>
+              <a:xfrm>
+                <a:off x="5157735" y="2119701"/>
+                <a:ext cx="562077" cy="184666"/>
+              </a:xfrm>
+              <a:prstGeom prst="rect">
+                <a:avLst/>
+              </a:prstGeom>
+              <a:noFill/>
+            </p:spPr>
+            <p:txBody>
+              <a:bodyPr wrap="square" lIns="0" tIns="0" rIns="0" bIns="0" rtlCol="0">
+                <a:spAutoFit/>
+              </a:bodyPr>
+              <a:lstStyle/>
+              <a:p>
+                <a14:m>
+                  <m:oMathPara xmlns:m="http://schemas.openxmlformats.org/officeDocument/2006/math">
+                    <m:oMathParaPr>
+                      <m:jc m:val="centerGroup"/>
+                    </m:oMathParaPr>
+                    <m:oMath xmlns:m="http://schemas.openxmlformats.org/officeDocument/2006/math">
+                      <m:sSub>
+                        <m:sSubPr>
+                          <m:ctrlPr>
+                            <a:rPr lang="en-US" altLang="zh-TW" sz="1200" b="0" i="1" dirty="0" smtClean="0">
+                              <a:latin typeface="Cambria Math" panose="02040503050406030204" pitchFamily="18" charset="0"/>
+                            </a:rPr>
+                          </m:ctrlPr>
+                        </m:sSubPr>
+                        <m:e>
+                          <m:r>
+                            <a:rPr lang="en-US" altLang="zh-TW" sz="1200" b="0" i="1" dirty="0" smtClean="0">
+                              <a:latin typeface="Cambria Math" panose="02040503050406030204" pitchFamily="18" charset="0"/>
+                            </a:rPr>
+                            <m:t>𝑥</m:t>
+                          </m:r>
+                        </m:e>
+                        <m:sub>
+                          <m:r>
+                            <a:rPr lang="en-US" altLang="zh-TW" sz="1200" b="0" i="1" dirty="0" smtClean="0">
+                              <a:latin typeface="Cambria Math" panose="02040503050406030204" pitchFamily="18" charset="0"/>
+                            </a:rPr>
+                            <m:t>𝑘</m:t>
+                          </m:r>
+                          <m:r>
+                            <a:rPr lang="en-US" altLang="zh-TW" sz="1200" b="0" i="1" dirty="0" smtClean="0">
+                              <a:latin typeface="Cambria Math" panose="02040503050406030204" pitchFamily="18" charset="0"/>
+                            </a:rPr>
+                            <m:t>+1</m:t>
+                          </m:r>
+                        </m:sub>
+                      </m:sSub>
+                      <m:r>
+                        <a:rPr lang="en-US" altLang="zh-TW" sz="1200" b="0" i="1" dirty="0" smtClean="0">
+                          <a:latin typeface="Cambria Math" panose="02040503050406030204" pitchFamily="18" charset="0"/>
+                        </a:rPr>
+                        <m:t> </m:t>
+                      </m:r>
+                    </m:oMath>
+                  </m:oMathPara>
+                </a14:m>
+                <a:endParaRPr lang="zh-TW" altLang="en-US" sz="1200" dirty="0"/>
+              </a:p>
+            </p:txBody>
+          </p:sp>
+        </mc:Choice>
+        <mc:Fallback>
+          <p:sp>
+            <p:nvSpPr>
+              <p:cNvPr id="15" name="文字方塊 14">
+                <a:extLst>
+                  <a:ext uri="{FF2B5EF4-FFF2-40B4-BE49-F238E27FC236}">
+                    <a16:creationId xmlns:a16="http://schemas.microsoft.com/office/drawing/2014/main" id="{91051D9B-CFB1-491D-92B6-B2FB27E80018}"/>
+                  </a:ext>
+                </a:extLst>
+              </p:cNvPr>
+              <p:cNvSpPr txBox="1">
+                <a:spLocks noRot="1" noChangeAspect="1" noMove="1" noResize="1" noEditPoints="1" noAdjustHandles="1" noChangeArrowheads="1" noChangeShapeType="1" noTextEdit="1"/>
+              </p:cNvSpPr>
+              <p:nvPr/>
+            </p:nvSpPr>
+            <p:spPr>
+              <a:xfrm>
+                <a:off x="5157735" y="2119701"/>
+                <a:ext cx="562077" cy="184666"/>
+              </a:xfrm>
+              <a:prstGeom prst="rect">
+                <a:avLst/>
+              </a:prstGeom>
+              <a:blipFill>
+                <a:blip r:embed="rId3"/>
+                <a:stretch>
+                  <a:fillRect b="-13333"/>
+                </a:stretch>
+              </a:blipFill>
+            </p:spPr>
+            <p:txBody>
+              <a:bodyPr/>
+              <a:lstStyle/>
+              <a:p>
+                <a:r>
+                  <a:rPr lang="zh-TW" altLang="en-US">
+                    <a:noFill/>
+                  </a:rPr>
+                  <a:t> </a:t>
+                </a:r>
+              </a:p>
+            </p:txBody>
+          </p:sp>
+        </mc:Fallback>
+      </mc:AlternateContent>
+      <mc:AlternateContent xmlns:mc="http://schemas.openxmlformats.org/markup-compatibility/2006">
+        <mc:Choice xmlns:a14="http://schemas.microsoft.com/office/drawing/2010/main" Requires="a14">
+          <p:sp>
+            <p:nvSpPr>
+              <p:cNvPr id="16" name="文字方塊 15">
+                <a:extLst>
+                  <a:ext uri="{FF2B5EF4-FFF2-40B4-BE49-F238E27FC236}">
+                    <a16:creationId xmlns:a16="http://schemas.microsoft.com/office/drawing/2014/main" id="{D2D17F9C-E60C-412C-8F24-44406AE859E8}"/>
+                  </a:ext>
+                </a:extLst>
+              </p:cNvPr>
+              <p:cNvSpPr txBox="1"/>
+              <p:nvPr/>
+            </p:nvSpPr>
+            <p:spPr>
+              <a:xfrm>
+                <a:off x="4601536" y="1946934"/>
+                <a:ext cx="562077" cy="184666"/>
+              </a:xfrm>
+              <a:prstGeom prst="rect">
+                <a:avLst/>
+              </a:prstGeom>
+              <a:noFill/>
+            </p:spPr>
+            <p:txBody>
+              <a:bodyPr wrap="square" lIns="0" tIns="0" rIns="0" bIns="0" rtlCol="0">
+                <a:spAutoFit/>
+              </a:bodyPr>
+              <a:lstStyle/>
+              <a:p>
+                <a14:m>
+                  <m:oMathPara xmlns:m="http://schemas.openxmlformats.org/officeDocument/2006/math">
+                    <m:oMathParaPr>
+                      <m:jc m:val="centerGroup"/>
+                    </m:oMathParaPr>
+                    <m:oMath xmlns:m="http://schemas.openxmlformats.org/officeDocument/2006/math">
+                      <m:sSub>
+                        <m:sSubPr>
+                          <m:ctrlPr>
+                            <a:rPr lang="en-US" altLang="zh-TW" sz="1200" b="0" i="1" dirty="0" smtClean="0">
+                              <a:latin typeface="Cambria Math" panose="02040503050406030204" pitchFamily="18" charset="0"/>
+                            </a:rPr>
+                          </m:ctrlPr>
+                        </m:sSubPr>
+                        <m:e>
+                          <m:r>
+                            <a:rPr lang="en-US" altLang="zh-TW" sz="1200" b="0" i="1" dirty="0" smtClean="0">
+                              <a:latin typeface="Cambria Math" panose="02040503050406030204" pitchFamily="18" charset="0"/>
+                            </a:rPr>
+                            <m:t>𝑥</m:t>
+                          </m:r>
+                        </m:e>
+                        <m:sub>
+                          <m:r>
+                            <a:rPr lang="en-US" altLang="zh-TW" sz="1200" b="0" i="1" dirty="0" smtClean="0">
+                              <a:latin typeface="Cambria Math" panose="02040503050406030204" pitchFamily="18" charset="0"/>
+                            </a:rPr>
+                            <m:t>𝑘</m:t>
+                          </m:r>
+                          <m:r>
+                            <a:rPr lang="en-US" altLang="zh-TW" sz="1200" b="0" i="1" dirty="0" smtClean="0">
+                              <a:latin typeface="Cambria Math" panose="02040503050406030204" pitchFamily="18" charset="0"/>
+                            </a:rPr>
+                            <m:t>+2</m:t>
+                          </m:r>
+                        </m:sub>
+                      </m:sSub>
+                      <m:r>
+                        <a:rPr lang="en-US" altLang="zh-TW" sz="1200" b="0" i="1" dirty="0" smtClean="0">
+                          <a:latin typeface="Cambria Math" panose="02040503050406030204" pitchFamily="18" charset="0"/>
+                        </a:rPr>
+                        <m:t> </m:t>
+                      </m:r>
+                    </m:oMath>
+                  </m:oMathPara>
+                </a14:m>
+                <a:endParaRPr lang="zh-TW" altLang="en-US" sz="1200" dirty="0"/>
+              </a:p>
+            </p:txBody>
+          </p:sp>
+        </mc:Choice>
+        <mc:Fallback>
+          <p:sp>
+            <p:nvSpPr>
+              <p:cNvPr id="16" name="文字方塊 15">
+                <a:extLst>
+                  <a:ext uri="{FF2B5EF4-FFF2-40B4-BE49-F238E27FC236}">
+                    <a16:creationId xmlns:a16="http://schemas.microsoft.com/office/drawing/2014/main" id="{D2D17F9C-E60C-412C-8F24-44406AE859E8}"/>
+                  </a:ext>
+                </a:extLst>
+              </p:cNvPr>
+              <p:cNvSpPr txBox="1">
+                <a:spLocks noRot="1" noChangeAspect="1" noMove="1" noResize="1" noEditPoints="1" noAdjustHandles="1" noChangeArrowheads="1" noChangeShapeType="1" noTextEdit="1"/>
+              </p:cNvSpPr>
+              <p:nvPr/>
+            </p:nvSpPr>
+            <p:spPr>
+              <a:xfrm>
+                <a:off x="4601536" y="1946934"/>
+                <a:ext cx="562077" cy="184666"/>
+              </a:xfrm>
+              <a:prstGeom prst="rect">
+                <a:avLst/>
+              </a:prstGeom>
+              <a:blipFill>
+                <a:blip r:embed="rId4"/>
+                <a:stretch>
+                  <a:fillRect b="-12903"/>
+                </a:stretch>
+              </a:blipFill>
+            </p:spPr>
+            <p:txBody>
+              <a:bodyPr/>
+              <a:lstStyle/>
+              <a:p>
+                <a:r>
+                  <a:rPr lang="zh-TW" altLang="en-US">
+                    <a:noFill/>
+                  </a:rPr>
+                  <a:t> </a:t>
+                </a:r>
+              </a:p>
+            </p:txBody>
+          </p:sp>
+        </mc:Fallback>
+      </mc:AlternateContent>
+      <mc:AlternateContent xmlns:mc="http://schemas.openxmlformats.org/markup-compatibility/2006">
+        <mc:Choice xmlns:a14="http://schemas.microsoft.com/office/drawing/2010/main" Requires="a14">
+          <p:sp>
+            <p:nvSpPr>
+              <p:cNvPr id="17" name="文字方塊 16">
+                <a:extLst>
+                  <a:ext uri="{FF2B5EF4-FFF2-40B4-BE49-F238E27FC236}">
+                    <a16:creationId xmlns:a16="http://schemas.microsoft.com/office/drawing/2014/main" id="{8C2C49DC-5F0A-490E-BE8C-C74E649C4E2E}"/>
+                  </a:ext>
+                </a:extLst>
+              </p:cNvPr>
+              <p:cNvSpPr txBox="1"/>
+              <p:nvPr/>
+            </p:nvSpPr>
+            <p:spPr>
+              <a:xfrm>
+                <a:off x="3859067" y="1939667"/>
+                <a:ext cx="562077" cy="184666"/>
+              </a:xfrm>
+              <a:prstGeom prst="rect">
+                <a:avLst/>
+              </a:prstGeom>
+              <a:noFill/>
+            </p:spPr>
+            <p:txBody>
+              <a:bodyPr wrap="square" lIns="0" tIns="0" rIns="0" bIns="0" rtlCol="0">
+                <a:spAutoFit/>
+              </a:bodyPr>
+              <a:lstStyle/>
+              <a:p>
+                <a14:m>
+                  <m:oMathPara xmlns:m="http://schemas.openxmlformats.org/officeDocument/2006/math">
+                    <m:oMathParaPr>
+                      <m:jc m:val="centerGroup"/>
+                    </m:oMathParaPr>
+                    <m:oMath xmlns:m="http://schemas.openxmlformats.org/officeDocument/2006/math">
+                      <m:sSub>
+                        <m:sSubPr>
+                          <m:ctrlPr>
+                            <a:rPr lang="en-US" altLang="zh-TW" sz="1200" b="0" i="1" dirty="0" smtClean="0">
+                              <a:latin typeface="Cambria Math" panose="02040503050406030204" pitchFamily="18" charset="0"/>
+                            </a:rPr>
+                          </m:ctrlPr>
+                        </m:sSubPr>
+                        <m:e>
+                          <m:r>
+                            <a:rPr lang="en-US" altLang="zh-TW" sz="1200" b="0" i="1" dirty="0" smtClean="0">
+                              <a:latin typeface="Cambria Math" panose="02040503050406030204" pitchFamily="18" charset="0"/>
+                            </a:rPr>
+                            <m:t>𝑥</m:t>
+                          </m:r>
+                        </m:e>
+                        <m:sub>
+                          <m:r>
+                            <a:rPr lang="en-US" altLang="zh-TW" sz="1200" b="0" i="1" dirty="0" smtClean="0">
+                              <a:latin typeface="Cambria Math" panose="02040503050406030204" pitchFamily="18" charset="0"/>
+                            </a:rPr>
+                            <m:t>𝑘</m:t>
+                          </m:r>
+                          <m:r>
+                            <a:rPr lang="en-US" altLang="zh-TW" sz="1200" b="0" i="1" dirty="0" smtClean="0">
+                              <a:latin typeface="Cambria Math" panose="02040503050406030204" pitchFamily="18" charset="0"/>
+                            </a:rPr>
+                            <m:t>+3</m:t>
+                          </m:r>
+                        </m:sub>
+                      </m:sSub>
+                      <m:r>
+                        <a:rPr lang="en-US" altLang="zh-TW" sz="1200" b="0" i="1" dirty="0" smtClean="0">
+                          <a:latin typeface="Cambria Math" panose="02040503050406030204" pitchFamily="18" charset="0"/>
+                        </a:rPr>
+                        <m:t> </m:t>
+                      </m:r>
+                    </m:oMath>
+                  </m:oMathPara>
+                </a14:m>
+                <a:endParaRPr lang="zh-TW" altLang="en-US" sz="1200" dirty="0"/>
+              </a:p>
+            </p:txBody>
+          </p:sp>
+        </mc:Choice>
+        <mc:Fallback>
+          <p:sp>
+            <p:nvSpPr>
+              <p:cNvPr id="17" name="文字方塊 16">
+                <a:extLst>
+                  <a:ext uri="{FF2B5EF4-FFF2-40B4-BE49-F238E27FC236}">
+                    <a16:creationId xmlns:a16="http://schemas.microsoft.com/office/drawing/2014/main" id="{8C2C49DC-5F0A-490E-BE8C-C74E649C4E2E}"/>
+                  </a:ext>
+                </a:extLst>
+              </p:cNvPr>
+              <p:cNvSpPr txBox="1">
+                <a:spLocks noRot="1" noChangeAspect="1" noMove="1" noResize="1" noEditPoints="1" noAdjustHandles="1" noChangeArrowheads="1" noChangeShapeType="1" noTextEdit="1"/>
+              </p:cNvSpPr>
+              <p:nvPr/>
+            </p:nvSpPr>
+            <p:spPr>
+              <a:xfrm>
+                <a:off x="3859067" y="1939667"/>
+                <a:ext cx="562077" cy="184666"/>
+              </a:xfrm>
+              <a:prstGeom prst="rect">
+                <a:avLst/>
+              </a:prstGeom>
+              <a:blipFill>
+                <a:blip r:embed="rId5"/>
+                <a:stretch>
+                  <a:fillRect b="-16667"/>
+                </a:stretch>
+              </a:blipFill>
+            </p:spPr>
+            <p:txBody>
+              <a:bodyPr/>
+              <a:lstStyle/>
+              <a:p>
+                <a:r>
+                  <a:rPr lang="zh-TW" altLang="en-US">
+                    <a:noFill/>
+                  </a:rPr>
+                  <a:t> </a:t>
+                </a:r>
+              </a:p>
+            </p:txBody>
+          </p:sp>
+        </mc:Fallback>
+      </mc:AlternateContent>
     </p:spTree>
     <p:extLst>
       <p:ext uri="{BB962C8B-B14F-4D97-AF65-F5344CB8AC3E}">
-        <p14:creationId xmlns:p14="http://schemas.microsoft.com/office/powerpoint/2010/main" val="1942873045"/>
+        <p14:creationId xmlns:p14="http://schemas.microsoft.com/office/powerpoint/2010/main" val="3360081687"/>
       </p:ext>
     </p:extLst>
   </p:cSld>
@@ -14702,6 +15557,36 @@
     <p:extLst>
       <p:ext uri="{BB962C8B-B14F-4D97-AF65-F5344CB8AC3E}">
         <p14:creationId xmlns:p14="http://schemas.microsoft.com/office/powerpoint/2010/main" val="4124834864"/>
+      </p:ext>
+    </p:extLst>
+  </p:cSld>
+  <p:clrMapOvr>
+    <a:masterClrMapping/>
+  </p:clrMapOvr>
+</p:sld>
+</file>
+
+<file path=ppt/slides/slide20.xml><?xml version="1.0" encoding="utf-8"?>
+<p:sld xmlns:a="http://schemas.openxmlformats.org/drawingml/2006/main" xmlns:r="http://schemas.openxmlformats.org/officeDocument/2006/relationships" xmlns:p="http://schemas.openxmlformats.org/presentationml/2006/main">
+  <p:cSld>
+    <p:spTree>
+      <p:nvGrpSpPr>
+        <p:cNvPr id="1" name=""/>
+        <p:cNvGrpSpPr/>
+        <p:nvPr/>
+      </p:nvGrpSpPr>
+      <p:grpSpPr>
+        <a:xfrm>
+          <a:off x="0" y="0"/>
+          <a:ext cx="0" cy="0"/>
+          <a:chOff x="0" y="0"/>
+          <a:chExt cx="0" cy="0"/>
+        </a:xfrm>
+      </p:grpSpPr>
+    </p:spTree>
+    <p:extLst>
+      <p:ext uri="{BB962C8B-B14F-4D97-AF65-F5344CB8AC3E}">
+        <p14:creationId xmlns:p14="http://schemas.microsoft.com/office/powerpoint/2010/main" val="1942873045"/>
       </p:ext>
     </p:extLst>
   </p:cSld>

--- a/path_planing/VO_code_try/robot_properties3.pptx
+++ b/path_planing/VO_code_try/robot_properties3.pptx
@@ -278,7 +278,7 @@
           <a:p>
             <a:fld id="{9CD1F5AD-FE1B-4540-B598-52220A64164D}" type="datetimeFigureOut">
               <a:rPr lang="zh-TW" altLang="en-US" smtClean="0"/>
-              <a:t>2024/11/18</a:t>
+              <a:t>2024/11/24</a:t>
             </a:fld>
             <a:endParaRPr lang="zh-TW" altLang="en-US"/>
           </a:p>
@@ -476,7 +476,7 @@
           <a:p>
             <a:fld id="{9CD1F5AD-FE1B-4540-B598-52220A64164D}" type="datetimeFigureOut">
               <a:rPr lang="zh-TW" altLang="en-US" smtClean="0"/>
-              <a:t>2024/11/18</a:t>
+              <a:t>2024/11/24</a:t>
             </a:fld>
             <a:endParaRPr lang="zh-TW" altLang="en-US"/>
           </a:p>
@@ -684,7 +684,7 @@
           <a:p>
             <a:fld id="{9CD1F5AD-FE1B-4540-B598-52220A64164D}" type="datetimeFigureOut">
               <a:rPr lang="zh-TW" altLang="en-US" smtClean="0"/>
-              <a:t>2024/11/18</a:t>
+              <a:t>2024/11/24</a:t>
             </a:fld>
             <a:endParaRPr lang="zh-TW" altLang="en-US"/>
           </a:p>
@@ -882,7 +882,7 @@
           <a:p>
             <a:fld id="{9CD1F5AD-FE1B-4540-B598-52220A64164D}" type="datetimeFigureOut">
               <a:rPr lang="zh-TW" altLang="en-US" smtClean="0"/>
-              <a:t>2024/11/18</a:t>
+              <a:t>2024/11/24</a:t>
             </a:fld>
             <a:endParaRPr lang="zh-TW" altLang="en-US"/>
           </a:p>
@@ -1157,7 +1157,7 @@
           <a:p>
             <a:fld id="{9CD1F5AD-FE1B-4540-B598-52220A64164D}" type="datetimeFigureOut">
               <a:rPr lang="zh-TW" altLang="en-US" smtClean="0"/>
-              <a:t>2024/11/18</a:t>
+              <a:t>2024/11/24</a:t>
             </a:fld>
             <a:endParaRPr lang="zh-TW" altLang="en-US"/>
           </a:p>
@@ -1422,7 +1422,7 @@
           <a:p>
             <a:fld id="{9CD1F5AD-FE1B-4540-B598-52220A64164D}" type="datetimeFigureOut">
               <a:rPr lang="zh-TW" altLang="en-US" smtClean="0"/>
-              <a:t>2024/11/18</a:t>
+              <a:t>2024/11/24</a:t>
             </a:fld>
             <a:endParaRPr lang="zh-TW" altLang="en-US"/>
           </a:p>
@@ -1834,7 +1834,7 @@
           <a:p>
             <a:fld id="{9CD1F5AD-FE1B-4540-B598-52220A64164D}" type="datetimeFigureOut">
               <a:rPr lang="zh-TW" altLang="en-US" smtClean="0"/>
-              <a:t>2024/11/18</a:t>
+              <a:t>2024/11/24</a:t>
             </a:fld>
             <a:endParaRPr lang="zh-TW" altLang="en-US"/>
           </a:p>
@@ -1975,7 +1975,7 @@
           <a:p>
             <a:fld id="{9CD1F5AD-FE1B-4540-B598-52220A64164D}" type="datetimeFigureOut">
               <a:rPr lang="zh-TW" altLang="en-US" smtClean="0"/>
-              <a:t>2024/11/18</a:t>
+              <a:t>2024/11/24</a:t>
             </a:fld>
             <a:endParaRPr lang="zh-TW" altLang="en-US"/>
           </a:p>
@@ -2088,7 +2088,7 @@
           <a:p>
             <a:fld id="{9CD1F5AD-FE1B-4540-B598-52220A64164D}" type="datetimeFigureOut">
               <a:rPr lang="zh-TW" altLang="en-US" smtClean="0"/>
-              <a:t>2024/11/18</a:t>
+              <a:t>2024/11/24</a:t>
             </a:fld>
             <a:endParaRPr lang="zh-TW" altLang="en-US"/>
           </a:p>
@@ -2399,7 +2399,7 @@
           <a:p>
             <a:fld id="{9CD1F5AD-FE1B-4540-B598-52220A64164D}" type="datetimeFigureOut">
               <a:rPr lang="zh-TW" altLang="en-US" smtClean="0"/>
-              <a:t>2024/11/18</a:t>
+              <a:t>2024/11/24</a:t>
             </a:fld>
             <a:endParaRPr lang="zh-TW" altLang="en-US"/>
           </a:p>
@@ -2687,7 +2687,7 @@
           <a:p>
             <a:fld id="{9CD1F5AD-FE1B-4540-B598-52220A64164D}" type="datetimeFigureOut">
               <a:rPr lang="zh-TW" altLang="en-US" smtClean="0"/>
-              <a:t>2024/11/18</a:t>
+              <a:t>2024/11/24</a:t>
             </a:fld>
             <a:endParaRPr lang="zh-TW" altLang="en-US"/>
           </a:p>
@@ -2928,7 +2928,7 @@
           <a:p>
             <a:fld id="{9CD1F5AD-FE1B-4540-B598-52220A64164D}" type="datetimeFigureOut">
               <a:rPr lang="zh-TW" altLang="en-US" smtClean="0"/>
-              <a:t>2024/11/18</a:t>
+              <a:t>2024/11/24</a:t>
             </a:fld>
             <a:endParaRPr lang="zh-TW" altLang="en-US"/>
           </a:p>
@@ -13778,8 +13778,8 @@
           </a:fontRef>
         </p:style>
       </p:cxnSp>
-      <mc:AlternateContent xmlns:mc="http://schemas.openxmlformats.org/markup-compatibility/2006">
-        <mc:Choice xmlns:a14="http://schemas.microsoft.com/office/drawing/2010/main" Requires="a14">
+      <mc:AlternateContent xmlns:mc="http://schemas.openxmlformats.org/markup-compatibility/2006" xmlns:a14="http://schemas.microsoft.com/office/drawing/2010/main">
+        <mc:Choice Requires="a14">
           <p:sp>
             <p:nvSpPr>
               <p:cNvPr id="14" name="文字方塊 13">
@@ -13808,6 +13808,7 @@
               </a:bodyPr>
               <a:lstStyle/>
               <a:p>
+                <a:pPr/>
                 <a14:m>
                   <m:oMathPara xmlns:m="http://schemas.openxmlformats.org/officeDocument/2006/math">
                     <m:oMathParaPr>
@@ -13853,7 +13854,7 @@
             </p:txBody>
           </p:sp>
         </mc:Choice>
-        <mc:Fallback>
+        <mc:Fallback xmlns="">
           <p:sp>
             <p:nvSpPr>
               <p:cNvPr id="14" name="文字方塊 13">
@@ -13898,8 +13899,8 @@
           </p:sp>
         </mc:Fallback>
       </mc:AlternateContent>
-      <mc:AlternateContent xmlns:mc="http://schemas.openxmlformats.org/markup-compatibility/2006">
-        <mc:Choice xmlns:a14="http://schemas.microsoft.com/office/drawing/2010/main" Requires="a14">
+      <mc:AlternateContent xmlns:mc="http://schemas.openxmlformats.org/markup-compatibility/2006" xmlns:a14="http://schemas.microsoft.com/office/drawing/2010/main">
+        <mc:Choice Requires="a14">
           <p:sp>
             <p:nvSpPr>
               <p:cNvPr id="15" name="文字方塊 14">
@@ -13928,6 +13929,7 @@
               </a:bodyPr>
               <a:lstStyle/>
               <a:p>
+                <a:pPr/>
                 <a14:m>
                   <m:oMathPara xmlns:m="http://schemas.openxmlformats.org/officeDocument/2006/math">
                     <m:oMathParaPr>
@@ -13979,7 +13981,7 @@
             </p:txBody>
           </p:sp>
         </mc:Choice>
-        <mc:Fallback>
+        <mc:Fallback xmlns="">
           <p:sp>
             <p:nvSpPr>
               <p:cNvPr id="15" name="文字方塊 14">
@@ -14024,8 +14026,8 @@
           </p:sp>
         </mc:Fallback>
       </mc:AlternateContent>
-      <mc:AlternateContent xmlns:mc="http://schemas.openxmlformats.org/markup-compatibility/2006">
-        <mc:Choice xmlns:a14="http://schemas.microsoft.com/office/drawing/2010/main" Requires="a14">
+      <mc:AlternateContent xmlns:mc="http://schemas.openxmlformats.org/markup-compatibility/2006" xmlns:a14="http://schemas.microsoft.com/office/drawing/2010/main">
+        <mc:Choice Requires="a14">
           <p:sp>
             <p:nvSpPr>
               <p:cNvPr id="16" name="文字方塊 15">
@@ -14054,6 +14056,7 @@
               </a:bodyPr>
               <a:lstStyle/>
               <a:p>
+                <a:pPr/>
                 <a14:m>
                   <m:oMathPara xmlns:m="http://schemas.openxmlformats.org/officeDocument/2006/math">
                     <m:oMathParaPr>
@@ -14105,7 +14108,7 @@
             </p:txBody>
           </p:sp>
         </mc:Choice>
-        <mc:Fallback>
+        <mc:Fallback xmlns="">
           <p:sp>
             <p:nvSpPr>
               <p:cNvPr id="16" name="文字方塊 15">
@@ -14150,8 +14153,8 @@
           </p:sp>
         </mc:Fallback>
       </mc:AlternateContent>
-      <mc:AlternateContent xmlns:mc="http://schemas.openxmlformats.org/markup-compatibility/2006">
-        <mc:Choice xmlns:a14="http://schemas.microsoft.com/office/drawing/2010/main" Requires="a14">
+      <mc:AlternateContent xmlns:mc="http://schemas.openxmlformats.org/markup-compatibility/2006" xmlns:a14="http://schemas.microsoft.com/office/drawing/2010/main">
+        <mc:Choice Requires="a14">
           <p:sp>
             <p:nvSpPr>
               <p:cNvPr id="17" name="文字方塊 16">
@@ -14180,6 +14183,7 @@
               </a:bodyPr>
               <a:lstStyle/>
               <a:p>
+                <a:pPr/>
                 <a14:m>
                   <m:oMathPara xmlns:m="http://schemas.openxmlformats.org/officeDocument/2006/math">
                     <m:oMathParaPr>
@@ -14231,7 +14235,7 @@
             </p:txBody>
           </p:sp>
         </mc:Choice>
-        <mc:Fallback>
+        <mc:Fallback xmlns="">
           <p:sp>
             <p:nvSpPr>
               <p:cNvPr id="17" name="文字方塊 16">
@@ -15583,6 +15587,1096 @@
           <a:chExt cx="0" cy="0"/>
         </a:xfrm>
       </p:grpSpPr>
+      <p:grpSp>
+        <p:nvGrpSpPr>
+          <p:cNvPr id="6" name="群組 5">
+            <a:extLst>
+              <a:ext uri="{FF2B5EF4-FFF2-40B4-BE49-F238E27FC236}">
+                <a16:creationId xmlns:a16="http://schemas.microsoft.com/office/drawing/2014/main" id="{7B9FF562-286A-48E4-B9DB-D11BF0226232}"/>
+              </a:ext>
+            </a:extLst>
+          </p:cNvPr>
+          <p:cNvGrpSpPr/>
+          <p:nvPr/>
+        </p:nvGrpSpPr>
+        <p:grpSpPr>
+          <a:xfrm>
+            <a:off x="3621590" y="1066531"/>
+            <a:ext cx="4106334" cy="4089401"/>
+            <a:chOff x="3708400" y="1020232"/>
+            <a:chExt cx="4106334" cy="4089401"/>
+          </a:xfrm>
+        </p:grpSpPr>
+        <p:cxnSp>
+          <p:nvCxnSpPr>
+            <p:cNvPr id="2" name="直線單箭頭接點 1">
+              <a:extLst>
+                <a:ext uri="{FF2B5EF4-FFF2-40B4-BE49-F238E27FC236}">
+                  <a16:creationId xmlns:a16="http://schemas.microsoft.com/office/drawing/2014/main" id="{3AA15899-FD81-424B-AE10-6EB60A8CA904}"/>
+                </a:ext>
+              </a:extLst>
+            </p:cNvPr>
+            <p:cNvCxnSpPr/>
+            <p:nvPr/>
+          </p:nvCxnSpPr>
+          <p:spPr>
+            <a:xfrm>
+              <a:off x="3708400" y="3064933"/>
+              <a:ext cx="4106334" cy="0"/>
+            </a:xfrm>
+            <a:prstGeom prst="straightConnector1">
+              <a:avLst/>
+            </a:prstGeom>
+            <a:ln w="57150">
+              <a:solidFill>
+                <a:schemeClr val="tx1"/>
+              </a:solidFill>
+              <a:tailEnd type="triangle"/>
+            </a:ln>
+          </p:spPr>
+          <p:style>
+            <a:lnRef idx="1">
+              <a:schemeClr val="accent1"/>
+            </a:lnRef>
+            <a:fillRef idx="0">
+              <a:schemeClr val="accent1"/>
+            </a:fillRef>
+            <a:effectRef idx="0">
+              <a:schemeClr val="accent1"/>
+            </a:effectRef>
+            <a:fontRef idx="minor">
+              <a:schemeClr val="tx1"/>
+            </a:fontRef>
+          </p:style>
+        </p:cxnSp>
+        <p:cxnSp>
+          <p:nvCxnSpPr>
+            <p:cNvPr id="3" name="直線單箭頭接點 2">
+              <a:extLst>
+                <a:ext uri="{FF2B5EF4-FFF2-40B4-BE49-F238E27FC236}">
+                  <a16:creationId xmlns:a16="http://schemas.microsoft.com/office/drawing/2014/main" id="{CA36FBE8-13BA-4495-B796-F483A98C5358}"/>
+                </a:ext>
+              </a:extLst>
+            </p:cNvPr>
+            <p:cNvCxnSpPr>
+              <a:cxnSpLocks/>
+            </p:cNvCxnSpPr>
+            <p:nvPr/>
+          </p:nvCxnSpPr>
+          <p:spPr>
+            <a:xfrm flipV="1">
+              <a:off x="5748867" y="1020232"/>
+              <a:ext cx="0" cy="4089401"/>
+            </a:xfrm>
+            <a:prstGeom prst="straightConnector1">
+              <a:avLst/>
+            </a:prstGeom>
+            <a:ln w="57150">
+              <a:solidFill>
+                <a:schemeClr val="tx1"/>
+              </a:solidFill>
+              <a:tailEnd type="triangle"/>
+            </a:ln>
+          </p:spPr>
+          <p:style>
+            <a:lnRef idx="1">
+              <a:schemeClr val="accent1"/>
+            </a:lnRef>
+            <a:fillRef idx="0">
+              <a:schemeClr val="accent1"/>
+            </a:fillRef>
+            <a:effectRef idx="0">
+              <a:schemeClr val="accent1"/>
+            </a:effectRef>
+            <a:fontRef idx="minor">
+              <a:schemeClr val="tx1"/>
+            </a:fontRef>
+          </p:style>
+        </p:cxnSp>
+        <p:sp>
+          <p:nvSpPr>
+            <p:cNvPr id="4" name="文字方塊 3">
+              <a:extLst>
+                <a:ext uri="{FF2B5EF4-FFF2-40B4-BE49-F238E27FC236}">
+                  <a16:creationId xmlns:a16="http://schemas.microsoft.com/office/drawing/2014/main" id="{759AE3F5-7BF5-419D-98AF-71B67B662A41}"/>
+                </a:ext>
+              </a:extLst>
+            </p:cNvPr>
+            <p:cNvSpPr txBox="1"/>
+            <p:nvPr/>
+          </p:nvSpPr>
+          <p:spPr>
+            <a:xfrm>
+              <a:off x="7518400" y="3208867"/>
+              <a:ext cx="270935" cy="369332"/>
+            </a:xfrm>
+            <a:prstGeom prst="rect">
+              <a:avLst/>
+            </a:prstGeom>
+            <a:noFill/>
+          </p:spPr>
+          <p:txBody>
+            <a:bodyPr wrap="square" rtlCol="0">
+              <a:spAutoFit/>
+            </a:bodyPr>
+            <a:lstStyle/>
+            <a:p>
+              <a:r>
+                <a:rPr lang="en-US" altLang="zh-TW" dirty="0"/>
+                <a:t>X</a:t>
+              </a:r>
+              <a:endParaRPr lang="zh-TW" altLang="en-US" dirty="0"/>
+            </a:p>
+          </p:txBody>
+        </p:sp>
+        <p:sp>
+          <p:nvSpPr>
+            <p:cNvPr id="5" name="文字方塊 4">
+              <a:extLst>
+                <a:ext uri="{FF2B5EF4-FFF2-40B4-BE49-F238E27FC236}">
+                  <a16:creationId xmlns:a16="http://schemas.microsoft.com/office/drawing/2014/main" id="{D120177E-BC57-4AE4-9355-EE6C7CF2B97D}"/>
+                </a:ext>
+              </a:extLst>
+            </p:cNvPr>
+            <p:cNvSpPr txBox="1"/>
+            <p:nvPr/>
+          </p:nvSpPr>
+          <p:spPr>
+            <a:xfrm>
+              <a:off x="5842000" y="1020232"/>
+              <a:ext cx="253995" cy="369332"/>
+            </a:xfrm>
+            <a:prstGeom prst="rect">
+              <a:avLst/>
+            </a:prstGeom>
+            <a:noFill/>
+          </p:spPr>
+          <p:txBody>
+            <a:bodyPr wrap="square" rtlCol="0">
+              <a:spAutoFit/>
+            </a:bodyPr>
+            <a:lstStyle/>
+            <a:p>
+              <a:r>
+                <a:rPr lang="en-US" altLang="zh-TW" dirty="0"/>
+                <a:t>Y</a:t>
+              </a:r>
+              <a:endParaRPr lang="zh-TW" altLang="en-US" dirty="0"/>
+            </a:p>
+          </p:txBody>
+        </p:sp>
+      </p:grpSp>
+      <p:sp>
+        <p:nvSpPr>
+          <p:cNvPr id="7" name="橢圓 6">
+            <a:extLst>
+              <a:ext uri="{FF2B5EF4-FFF2-40B4-BE49-F238E27FC236}">
+                <a16:creationId xmlns:a16="http://schemas.microsoft.com/office/drawing/2014/main" id="{B885D337-F4A3-4CF1-BFA5-BB5D15114F90}"/>
+              </a:ext>
+            </a:extLst>
+          </p:cNvPr>
+          <p:cNvSpPr/>
+          <p:nvPr/>
+        </p:nvSpPr>
+        <p:spPr>
+          <a:xfrm rot="19453132">
+            <a:off x="4552014" y="2385219"/>
+            <a:ext cx="2245485" cy="1452021"/>
+          </a:xfrm>
+          <a:prstGeom prst="ellipse">
+            <a:avLst/>
+          </a:prstGeom>
+          <a:solidFill>
+            <a:srgbClr val="F2F2F2">
+              <a:alpha val="34118"/>
+            </a:srgbClr>
+          </a:solidFill>
+          <a:ln w="19050">
+            <a:solidFill>
+              <a:schemeClr val="tx1"/>
+            </a:solidFill>
+          </a:ln>
+        </p:spPr>
+        <p:style>
+          <a:lnRef idx="2">
+            <a:schemeClr val="accent1">
+              <a:shade val="50000"/>
+            </a:schemeClr>
+          </a:lnRef>
+          <a:fillRef idx="1">
+            <a:schemeClr val="accent1"/>
+          </a:fillRef>
+          <a:effectRef idx="0">
+            <a:schemeClr val="accent1"/>
+          </a:effectRef>
+          <a:fontRef idx="minor">
+            <a:schemeClr val="lt1"/>
+          </a:fontRef>
+        </p:style>
+        <p:txBody>
+          <a:bodyPr rtlCol="0" anchor="ctr"/>
+          <a:lstStyle/>
+          <a:p>
+            <a:pPr algn="ctr"/>
+            <a:endParaRPr lang="zh-TW" altLang="en-US"/>
+          </a:p>
+        </p:txBody>
+      </p:sp>
+      <p:cxnSp>
+        <p:nvCxnSpPr>
+          <p:cNvPr id="9" name="直線接點 8">
+            <a:extLst>
+              <a:ext uri="{FF2B5EF4-FFF2-40B4-BE49-F238E27FC236}">
+                <a16:creationId xmlns:a16="http://schemas.microsoft.com/office/drawing/2014/main" id="{6070B7A8-5E97-47AE-91BA-03A03322DBAF}"/>
+              </a:ext>
+            </a:extLst>
+          </p:cNvPr>
+          <p:cNvCxnSpPr>
+            <a:stCxn id="7" idx="2"/>
+            <a:endCxn id="7" idx="6"/>
+          </p:cNvCxnSpPr>
+          <p:nvPr/>
+        </p:nvCxnSpPr>
+        <p:spPr>
+          <a:xfrm flipV="1">
+            <a:off x="4763925" y="2454773"/>
+            <a:ext cx="1821664" cy="1312914"/>
+          </a:xfrm>
+          <a:prstGeom prst="line">
+            <a:avLst/>
+          </a:prstGeom>
+          <a:ln w="19050">
+            <a:solidFill>
+              <a:srgbClr val="FF0000"/>
+            </a:solidFill>
+            <a:headEnd type="none" w="med" len="med"/>
+            <a:tailEnd type="arrow" w="med" len="med"/>
+          </a:ln>
+        </p:spPr>
+        <p:style>
+          <a:lnRef idx="1">
+            <a:schemeClr val="accent1"/>
+          </a:lnRef>
+          <a:fillRef idx="0">
+            <a:schemeClr val="accent1"/>
+          </a:fillRef>
+          <a:effectRef idx="0">
+            <a:schemeClr val="accent1"/>
+          </a:effectRef>
+          <a:fontRef idx="minor">
+            <a:schemeClr val="tx1"/>
+          </a:fontRef>
+        </p:style>
+      </p:cxnSp>
+      <p:cxnSp>
+        <p:nvCxnSpPr>
+          <p:cNvPr id="11" name="直線接點 10">
+            <a:extLst>
+              <a:ext uri="{FF2B5EF4-FFF2-40B4-BE49-F238E27FC236}">
+                <a16:creationId xmlns:a16="http://schemas.microsoft.com/office/drawing/2014/main" id="{7F760B14-1252-4D08-8A24-53805C5F7C46}"/>
+              </a:ext>
+            </a:extLst>
+          </p:cNvPr>
+          <p:cNvCxnSpPr>
+            <a:cxnSpLocks/>
+            <a:stCxn id="7" idx="0"/>
+            <a:endCxn id="7" idx="4"/>
+          </p:cNvCxnSpPr>
+          <p:nvPr/>
+        </p:nvCxnSpPr>
+        <p:spPr>
+          <a:xfrm>
+            <a:off x="5250265" y="2522249"/>
+            <a:ext cx="848983" cy="1177961"/>
+          </a:xfrm>
+          <a:prstGeom prst="line">
+            <a:avLst/>
+          </a:prstGeom>
+          <a:ln w="19050">
+            <a:solidFill>
+              <a:srgbClr val="FF0000"/>
+            </a:solidFill>
+            <a:headEnd type="arrow" w="med" len="med"/>
+            <a:tailEnd type="none" w="med" len="med"/>
+          </a:ln>
+        </p:spPr>
+        <p:style>
+          <a:lnRef idx="1">
+            <a:schemeClr val="accent1"/>
+          </a:lnRef>
+          <a:fillRef idx="0">
+            <a:schemeClr val="accent1"/>
+          </a:fillRef>
+          <a:effectRef idx="0">
+            <a:schemeClr val="accent1"/>
+          </a:effectRef>
+          <a:fontRef idx="minor">
+            <a:schemeClr val="tx1"/>
+          </a:fontRef>
+        </p:style>
+      </p:cxnSp>
+      <p:sp>
+        <p:nvSpPr>
+          <p:cNvPr id="17" name="文字方塊 16">
+            <a:extLst>
+              <a:ext uri="{FF2B5EF4-FFF2-40B4-BE49-F238E27FC236}">
+                <a16:creationId xmlns:a16="http://schemas.microsoft.com/office/drawing/2014/main" id="{24BA495C-7F3F-4C23-BFF3-B15CB1C1C171}"/>
+              </a:ext>
+            </a:extLst>
+          </p:cNvPr>
+          <p:cNvSpPr txBox="1"/>
+          <p:nvPr/>
+        </p:nvSpPr>
+        <p:spPr>
+          <a:xfrm>
+            <a:off x="6585589" y="2095018"/>
+            <a:ext cx="150875" cy="369332"/>
+          </a:xfrm>
+          <a:prstGeom prst="rect">
+            <a:avLst/>
+          </a:prstGeom>
+          <a:noFill/>
+        </p:spPr>
+        <p:txBody>
+          <a:bodyPr wrap="square" rtlCol="0">
+            <a:spAutoFit/>
+          </a:bodyPr>
+          <a:lstStyle/>
+          <a:p>
+            <a:r>
+              <a:rPr lang="en-US" altLang="zh-TW" dirty="0">
+                <a:solidFill>
+                  <a:srgbClr val="FF0000"/>
+                </a:solidFill>
+              </a:rPr>
+              <a:t>x</a:t>
+            </a:r>
+            <a:endParaRPr lang="zh-TW" altLang="en-US" dirty="0">
+              <a:solidFill>
+                <a:srgbClr val="FF0000"/>
+              </a:solidFill>
+            </a:endParaRPr>
+          </a:p>
+        </p:txBody>
+      </p:sp>
+      <p:sp>
+        <p:nvSpPr>
+          <p:cNvPr id="18" name="文字方塊 17">
+            <a:extLst>
+              <a:ext uri="{FF2B5EF4-FFF2-40B4-BE49-F238E27FC236}">
+                <a16:creationId xmlns:a16="http://schemas.microsoft.com/office/drawing/2014/main" id="{C7606F17-A27F-4CE3-B071-C91F4C014CAF}"/>
+              </a:ext>
+            </a:extLst>
+          </p:cNvPr>
+          <p:cNvSpPr txBox="1"/>
+          <p:nvPr/>
+        </p:nvSpPr>
+        <p:spPr>
+          <a:xfrm>
+            <a:off x="4944214" y="2210765"/>
+            <a:ext cx="200733" cy="369332"/>
+          </a:xfrm>
+          <a:prstGeom prst="rect">
+            <a:avLst/>
+          </a:prstGeom>
+          <a:noFill/>
+        </p:spPr>
+        <p:txBody>
+          <a:bodyPr wrap="square" rtlCol="0">
+            <a:spAutoFit/>
+          </a:bodyPr>
+          <a:lstStyle/>
+          <a:p>
+            <a:r>
+              <a:rPr lang="en-US" altLang="zh-TW" dirty="0">
+                <a:solidFill>
+                  <a:srgbClr val="FF0000"/>
+                </a:solidFill>
+              </a:rPr>
+              <a:t>y</a:t>
+            </a:r>
+            <a:endParaRPr lang="zh-TW" altLang="en-US" dirty="0">
+              <a:solidFill>
+                <a:srgbClr val="FF0000"/>
+              </a:solidFill>
+            </a:endParaRPr>
+          </a:p>
+        </p:txBody>
+      </p:sp>
+      <p:sp>
+        <p:nvSpPr>
+          <p:cNvPr id="19" name="手繪多邊形: 圖案 18">
+            <a:extLst>
+              <a:ext uri="{FF2B5EF4-FFF2-40B4-BE49-F238E27FC236}">
+                <a16:creationId xmlns:a16="http://schemas.microsoft.com/office/drawing/2014/main" id="{A84633CD-5460-42B5-8FCD-BAD30B886CB2}"/>
+              </a:ext>
+            </a:extLst>
+          </p:cNvPr>
+          <p:cNvSpPr/>
+          <p:nvPr/>
+        </p:nvSpPr>
+        <p:spPr>
+          <a:xfrm>
+            <a:off x="6030410" y="2876309"/>
+            <a:ext cx="92598" cy="219919"/>
+          </a:xfrm>
+          <a:custGeom>
+            <a:avLst/>
+            <a:gdLst>
+              <a:gd name="connsiteX0" fmla="*/ 0 w 92598"/>
+              <a:gd name="connsiteY0" fmla="*/ 0 h 219919"/>
+              <a:gd name="connsiteX1" fmla="*/ 69448 w 92598"/>
+              <a:gd name="connsiteY1" fmla="*/ 81023 h 219919"/>
+              <a:gd name="connsiteX2" fmla="*/ 92598 w 92598"/>
+              <a:gd name="connsiteY2" fmla="*/ 219919 h 219919"/>
+            </a:gdLst>
+            <a:ahLst/>
+            <a:cxnLst>
+              <a:cxn ang="0">
+                <a:pos x="connsiteX0" y="connsiteY0"/>
+              </a:cxn>
+              <a:cxn ang="0">
+                <a:pos x="connsiteX1" y="connsiteY1"/>
+              </a:cxn>
+              <a:cxn ang="0">
+                <a:pos x="connsiteX2" y="connsiteY2"/>
+              </a:cxn>
+            </a:cxnLst>
+            <a:rect l="l" t="t" r="r" b="b"/>
+            <a:pathLst>
+              <a:path w="92598" h="219919">
+                <a:moveTo>
+                  <a:pt x="0" y="0"/>
+                </a:moveTo>
+                <a:cubicBezTo>
+                  <a:pt x="27007" y="22185"/>
+                  <a:pt x="54015" y="44370"/>
+                  <a:pt x="69448" y="81023"/>
+                </a:cubicBezTo>
+                <a:cubicBezTo>
+                  <a:pt x="84881" y="117676"/>
+                  <a:pt x="88739" y="168797"/>
+                  <a:pt x="92598" y="219919"/>
+                </a:cubicBezTo>
+              </a:path>
+            </a:pathLst>
+          </a:custGeom>
+          <a:noFill/>
+          <a:ln>
+            <a:solidFill>
+              <a:schemeClr val="tx1"/>
+            </a:solidFill>
+          </a:ln>
+        </p:spPr>
+        <p:style>
+          <a:lnRef idx="2">
+            <a:schemeClr val="accent1">
+              <a:shade val="50000"/>
+            </a:schemeClr>
+          </a:lnRef>
+          <a:fillRef idx="1">
+            <a:schemeClr val="accent1"/>
+          </a:fillRef>
+          <a:effectRef idx="0">
+            <a:schemeClr val="accent1"/>
+          </a:effectRef>
+          <a:fontRef idx="minor">
+            <a:schemeClr val="lt1"/>
+          </a:fontRef>
+        </p:style>
+        <p:txBody>
+          <a:bodyPr rtlCol="0" anchor="ctr"/>
+          <a:lstStyle/>
+          <a:p>
+            <a:pPr algn="ctr"/>
+            <a:endParaRPr lang="zh-TW" altLang="en-US"/>
+          </a:p>
+        </p:txBody>
+      </p:sp>
+      <mc:AlternateContent xmlns:mc="http://schemas.openxmlformats.org/markup-compatibility/2006">
+        <mc:Choice xmlns:a14="http://schemas.microsoft.com/office/drawing/2010/main" Requires="a14">
+          <p:sp>
+            <p:nvSpPr>
+              <p:cNvPr id="20" name="文字方塊 19">
+                <a:extLst>
+                  <a:ext uri="{FF2B5EF4-FFF2-40B4-BE49-F238E27FC236}">
+                    <a16:creationId xmlns:a16="http://schemas.microsoft.com/office/drawing/2014/main" id="{8B50CE38-5F5B-43B0-A17E-9D62113F69FC}"/>
+                  </a:ext>
+                </a:extLst>
+              </p:cNvPr>
+              <p:cNvSpPr txBox="1"/>
+              <p:nvPr/>
+            </p:nvSpPr>
+            <p:spPr>
+              <a:xfrm>
+                <a:off x="6060230" y="2726896"/>
+                <a:ext cx="199019" cy="369332"/>
+              </a:xfrm>
+              <a:prstGeom prst="rect">
+                <a:avLst/>
+              </a:prstGeom>
+              <a:noFill/>
+            </p:spPr>
+            <p:txBody>
+              <a:bodyPr wrap="square" rtlCol="0">
+                <a:spAutoFit/>
+              </a:bodyPr>
+              <a:lstStyle/>
+              <a:p>
+                <a14:m>
+                  <m:oMathPara xmlns:m="http://schemas.openxmlformats.org/officeDocument/2006/math">
+                    <m:oMathParaPr>
+                      <m:jc m:val="centerGroup"/>
+                    </m:oMathParaPr>
+                    <m:oMath xmlns:m="http://schemas.openxmlformats.org/officeDocument/2006/math">
+                      <m:r>
+                        <a:rPr lang="en-US" altLang="zh-TW" b="0" i="1" smtClean="0">
+                          <a:latin typeface="Cambria Math" panose="02040503050406030204" pitchFamily="18" charset="0"/>
+                        </a:rPr>
+                        <m:t>𝜓</m:t>
+                      </m:r>
+                    </m:oMath>
+                  </m:oMathPara>
+                </a14:m>
+                <a:endParaRPr lang="zh-TW" altLang="en-US" dirty="0"/>
+              </a:p>
+            </p:txBody>
+          </p:sp>
+        </mc:Choice>
+        <mc:Fallback>
+          <p:sp>
+            <p:nvSpPr>
+              <p:cNvPr id="20" name="文字方塊 19">
+                <a:extLst>
+                  <a:ext uri="{FF2B5EF4-FFF2-40B4-BE49-F238E27FC236}">
+                    <a16:creationId xmlns:a16="http://schemas.microsoft.com/office/drawing/2014/main" id="{8B50CE38-5F5B-43B0-A17E-9D62113F69FC}"/>
+                  </a:ext>
+                </a:extLst>
+              </p:cNvPr>
+              <p:cNvSpPr txBox="1">
+                <a:spLocks noRot="1" noChangeAspect="1" noMove="1" noResize="1" noEditPoints="1" noAdjustHandles="1" noChangeArrowheads="1" noChangeShapeType="1" noTextEdit="1"/>
+              </p:cNvSpPr>
+              <p:nvPr/>
+            </p:nvSpPr>
+            <p:spPr>
+              <a:xfrm>
+                <a:off x="6060230" y="2726896"/>
+                <a:ext cx="199019" cy="369332"/>
+              </a:xfrm>
+              <a:prstGeom prst="rect">
+                <a:avLst/>
+              </a:prstGeom>
+              <a:blipFill>
+                <a:blip r:embed="rId2"/>
+                <a:stretch>
+                  <a:fillRect l="-9091" r="-81818" b="-13115"/>
+                </a:stretch>
+              </a:blipFill>
+            </p:spPr>
+            <p:txBody>
+              <a:bodyPr/>
+              <a:lstStyle/>
+              <a:p>
+                <a:r>
+                  <a:rPr lang="zh-TW" altLang="en-US">
+                    <a:noFill/>
+                  </a:rPr>
+                  <a:t> </a:t>
+                </a:r>
+              </a:p>
+            </p:txBody>
+          </p:sp>
+        </mc:Fallback>
+      </mc:AlternateContent>
+      <p:sp>
+        <p:nvSpPr>
+          <p:cNvPr id="23" name="橢圓 22">
+            <a:extLst>
+              <a:ext uri="{FF2B5EF4-FFF2-40B4-BE49-F238E27FC236}">
+                <a16:creationId xmlns:a16="http://schemas.microsoft.com/office/drawing/2014/main" id="{5CFD9BED-8F6A-4B59-B2B5-CF930FF5E383}"/>
+              </a:ext>
+            </a:extLst>
+          </p:cNvPr>
+          <p:cNvSpPr/>
+          <p:nvPr/>
+        </p:nvSpPr>
+        <p:spPr>
+          <a:xfrm>
+            <a:off x="7255831" y="4075342"/>
+            <a:ext cx="856523" cy="844945"/>
+          </a:xfrm>
+          <a:prstGeom prst="ellipse">
+            <a:avLst/>
+          </a:prstGeom>
+          <a:solidFill>
+            <a:schemeClr val="tx1">
+              <a:lumMod val="50000"/>
+              <a:lumOff val="50000"/>
+            </a:schemeClr>
+          </a:solidFill>
+          <a:ln>
+            <a:solidFill>
+              <a:schemeClr val="tx1"/>
+            </a:solidFill>
+          </a:ln>
+        </p:spPr>
+        <p:style>
+          <a:lnRef idx="2">
+            <a:schemeClr val="accent1">
+              <a:shade val="50000"/>
+            </a:schemeClr>
+          </a:lnRef>
+          <a:fillRef idx="1">
+            <a:schemeClr val="accent1"/>
+          </a:fillRef>
+          <a:effectRef idx="0">
+            <a:schemeClr val="accent1"/>
+          </a:effectRef>
+          <a:fontRef idx="minor">
+            <a:schemeClr val="lt1"/>
+          </a:fontRef>
+        </p:style>
+        <p:txBody>
+          <a:bodyPr rtlCol="0" anchor="ctr"/>
+          <a:lstStyle/>
+          <a:p>
+            <a:pPr algn="ctr"/>
+            <a:endParaRPr lang="zh-TW" altLang="en-US"/>
+          </a:p>
+        </p:txBody>
+      </p:sp>
+      <p:cxnSp>
+        <p:nvCxnSpPr>
+          <p:cNvPr id="25" name="直線接點 24">
+            <a:extLst>
+              <a:ext uri="{FF2B5EF4-FFF2-40B4-BE49-F238E27FC236}">
+                <a16:creationId xmlns:a16="http://schemas.microsoft.com/office/drawing/2014/main" id="{4A45830F-4227-4A5D-9EC3-0A3E04BDA9AB}"/>
+              </a:ext>
+            </a:extLst>
+          </p:cNvPr>
+          <p:cNvCxnSpPr/>
+          <p:nvPr/>
+        </p:nvCxnSpPr>
+        <p:spPr>
+          <a:xfrm>
+            <a:off x="5674756" y="3111229"/>
+            <a:ext cx="2027769" cy="1397110"/>
+          </a:xfrm>
+          <a:prstGeom prst="line">
+            <a:avLst/>
+          </a:prstGeom>
+          <a:ln w="19050">
+            <a:solidFill>
+              <a:schemeClr val="tx1"/>
+            </a:solidFill>
+            <a:prstDash val="dash"/>
+          </a:ln>
+        </p:spPr>
+        <p:style>
+          <a:lnRef idx="1">
+            <a:schemeClr val="accent1"/>
+          </a:lnRef>
+          <a:fillRef idx="0">
+            <a:schemeClr val="accent1"/>
+          </a:fillRef>
+          <a:effectRef idx="0">
+            <a:schemeClr val="accent1"/>
+          </a:effectRef>
+          <a:fontRef idx="minor">
+            <a:schemeClr val="tx1"/>
+          </a:fontRef>
+        </p:style>
+      </p:cxnSp>
+      <p:sp>
+        <p:nvSpPr>
+          <p:cNvPr id="27" name="手繪多邊形: 圖案 26">
+            <a:extLst>
+              <a:ext uri="{FF2B5EF4-FFF2-40B4-BE49-F238E27FC236}">
+                <a16:creationId xmlns:a16="http://schemas.microsoft.com/office/drawing/2014/main" id="{58DA900C-25B1-4839-9E93-090D7A4D2D91}"/>
+              </a:ext>
+            </a:extLst>
+          </p:cNvPr>
+          <p:cNvSpPr/>
+          <p:nvPr/>
+        </p:nvSpPr>
+        <p:spPr>
+          <a:xfrm>
+            <a:off x="5932025" y="3136739"/>
+            <a:ext cx="41625" cy="144684"/>
+          </a:xfrm>
+          <a:custGeom>
+            <a:avLst/>
+            <a:gdLst>
+              <a:gd name="connsiteX0" fmla="*/ 40512 w 41625"/>
+              <a:gd name="connsiteY0" fmla="*/ 0 h 144684"/>
+              <a:gd name="connsiteX1" fmla="*/ 40512 w 41625"/>
+              <a:gd name="connsiteY1" fmla="*/ 57874 h 144684"/>
+              <a:gd name="connsiteX2" fmla="*/ 28937 w 41625"/>
+              <a:gd name="connsiteY2" fmla="*/ 104172 h 144684"/>
+              <a:gd name="connsiteX3" fmla="*/ 0 w 41625"/>
+              <a:gd name="connsiteY3" fmla="*/ 144684 h 144684"/>
+            </a:gdLst>
+            <a:ahLst/>
+            <a:cxnLst>
+              <a:cxn ang="0">
+                <a:pos x="connsiteX0" y="connsiteY0"/>
+              </a:cxn>
+              <a:cxn ang="0">
+                <a:pos x="connsiteX1" y="connsiteY1"/>
+              </a:cxn>
+              <a:cxn ang="0">
+                <a:pos x="connsiteX2" y="connsiteY2"/>
+              </a:cxn>
+              <a:cxn ang="0">
+                <a:pos x="connsiteX3" y="connsiteY3"/>
+              </a:cxn>
+            </a:cxnLst>
+            <a:rect l="l" t="t" r="r" b="b"/>
+            <a:pathLst>
+              <a:path w="41625" h="144684">
+                <a:moveTo>
+                  <a:pt x="40512" y="0"/>
+                </a:moveTo>
+                <a:cubicBezTo>
+                  <a:pt x="41476" y="20256"/>
+                  <a:pt x="42441" y="40512"/>
+                  <a:pt x="40512" y="57874"/>
+                </a:cubicBezTo>
+                <a:cubicBezTo>
+                  <a:pt x="38583" y="75236"/>
+                  <a:pt x="35689" y="89704"/>
+                  <a:pt x="28937" y="104172"/>
+                </a:cubicBezTo>
+                <a:cubicBezTo>
+                  <a:pt x="22185" y="118640"/>
+                  <a:pt x="11092" y="131662"/>
+                  <a:pt x="0" y="144684"/>
+                </a:cubicBezTo>
+              </a:path>
+            </a:pathLst>
+          </a:custGeom>
+          <a:noFill/>
+          <a:ln>
+            <a:solidFill>
+              <a:schemeClr val="tx1"/>
+            </a:solidFill>
+          </a:ln>
+        </p:spPr>
+        <p:style>
+          <a:lnRef idx="2">
+            <a:schemeClr val="accent1">
+              <a:shade val="50000"/>
+            </a:schemeClr>
+          </a:lnRef>
+          <a:fillRef idx="1">
+            <a:schemeClr val="accent1"/>
+          </a:fillRef>
+          <a:effectRef idx="0">
+            <a:schemeClr val="accent1"/>
+          </a:effectRef>
+          <a:fontRef idx="minor">
+            <a:schemeClr val="lt1"/>
+          </a:fontRef>
+        </p:style>
+        <p:txBody>
+          <a:bodyPr rtlCol="0" anchor="ctr"/>
+          <a:lstStyle/>
+          <a:p>
+            <a:pPr algn="ctr"/>
+            <a:endParaRPr lang="zh-TW" altLang="en-US"/>
+          </a:p>
+        </p:txBody>
+      </p:sp>
+      <mc:AlternateContent xmlns:mc="http://schemas.openxmlformats.org/markup-compatibility/2006">
+        <mc:Choice xmlns:a14="http://schemas.microsoft.com/office/drawing/2010/main" Requires="a14">
+          <p:sp>
+            <p:nvSpPr>
+              <p:cNvPr id="28" name="文字方塊 27">
+                <a:extLst>
+                  <a:ext uri="{FF2B5EF4-FFF2-40B4-BE49-F238E27FC236}">
+                    <a16:creationId xmlns:a16="http://schemas.microsoft.com/office/drawing/2014/main" id="{EAEAC7B8-1B0E-4B2D-8FBA-CBBF3827C258}"/>
+                  </a:ext>
+                </a:extLst>
+              </p:cNvPr>
+              <p:cNvSpPr txBox="1"/>
+              <p:nvPr/>
+            </p:nvSpPr>
+            <p:spPr>
+              <a:xfrm>
+                <a:off x="5909621" y="3021386"/>
+                <a:ext cx="146751" cy="369332"/>
+              </a:xfrm>
+              <a:prstGeom prst="rect">
+                <a:avLst/>
+              </a:prstGeom>
+              <a:noFill/>
+            </p:spPr>
+            <p:txBody>
+              <a:bodyPr wrap="square" rtlCol="0">
+                <a:spAutoFit/>
+              </a:bodyPr>
+              <a:lstStyle/>
+              <a:p>
+                <a14:m>
+                  <m:oMathPara xmlns:m="http://schemas.openxmlformats.org/officeDocument/2006/math">
+                    <m:oMathParaPr>
+                      <m:jc m:val="centerGroup"/>
+                    </m:oMathParaPr>
+                    <m:oMath xmlns:m="http://schemas.openxmlformats.org/officeDocument/2006/math">
+                      <m:r>
+                        <a:rPr lang="en-US" altLang="zh-TW" b="0" i="1" smtClean="0">
+                          <a:latin typeface="Cambria Math" panose="02040503050406030204" pitchFamily="18" charset="0"/>
+                        </a:rPr>
+                        <m:t>𝛼</m:t>
+                      </m:r>
+                    </m:oMath>
+                  </m:oMathPara>
+                </a14:m>
+                <a:endParaRPr lang="zh-TW" altLang="en-US" dirty="0"/>
+              </a:p>
+            </p:txBody>
+          </p:sp>
+        </mc:Choice>
+        <mc:Fallback>
+          <p:sp>
+            <p:nvSpPr>
+              <p:cNvPr id="28" name="文字方塊 27">
+                <a:extLst>
+                  <a:ext uri="{FF2B5EF4-FFF2-40B4-BE49-F238E27FC236}">
+                    <a16:creationId xmlns:a16="http://schemas.microsoft.com/office/drawing/2014/main" id="{EAEAC7B8-1B0E-4B2D-8FBA-CBBF3827C258}"/>
+                  </a:ext>
+                </a:extLst>
+              </p:cNvPr>
+              <p:cNvSpPr txBox="1">
+                <a:spLocks noRot="1" noChangeAspect="1" noMove="1" noResize="1" noEditPoints="1" noAdjustHandles="1" noChangeArrowheads="1" noChangeShapeType="1" noTextEdit="1"/>
+              </p:cNvSpPr>
+              <p:nvPr/>
+            </p:nvSpPr>
+            <p:spPr>
+              <a:xfrm>
+                <a:off x="5909621" y="3021386"/>
+                <a:ext cx="146751" cy="369332"/>
+              </a:xfrm>
+              <a:prstGeom prst="rect">
+                <a:avLst/>
+              </a:prstGeom>
+              <a:blipFill>
+                <a:blip r:embed="rId3"/>
+                <a:stretch>
+                  <a:fillRect r="-87500"/>
+                </a:stretch>
+              </a:blipFill>
+            </p:spPr>
+            <p:txBody>
+              <a:bodyPr/>
+              <a:lstStyle/>
+              <a:p>
+                <a:r>
+                  <a:rPr lang="zh-TW" altLang="en-US">
+                    <a:noFill/>
+                  </a:rPr>
+                  <a:t> </a:t>
+                </a:r>
+              </a:p>
+            </p:txBody>
+          </p:sp>
+        </mc:Fallback>
+      </mc:AlternateContent>
+      <p:sp>
+        <p:nvSpPr>
+          <p:cNvPr id="30" name="手繪多邊形: 圖案 29">
+            <a:extLst>
+              <a:ext uri="{FF2B5EF4-FFF2-40B4-BE49-F238E27FC236}">
+                <a16:creationId xmlns:a16="http://schemas.microsoft.com/office/drawing/2014/main" id="{D6D0B9AC-EAAB-48E8-824C-D953CC029C9A}"/>
+              </a:ext>
+            </a:extLst>
+          </p:cNvPr>
+          <p:cNvSpPr/>
+          <p:nvPr/>
+        </p:nvSpPr>
+        <p:spPr>
+          <a:xfrm rot="354082">
+            <a:off x="6267691" y="2691114"/>
+            <a:ext cx="240617" cy="908613"/>
+          </a:xfrm>
+          <a:custGeom>
+            <a:avLst/>
+            <a:gdLst>
+              <a:gd name="connsiteX0" fmla="*/ 0 w 240617"/>
+              <a:gd name="connsiteY0" fmla="*/ 0 h 908613"/>
+              <a:gd name="connsiteX1" fmla="*/ 196770 w 240617"/>
+              <a:gd name="connsiteY1" fmla="*/ 260430 h 908613"/>
+              <a:gd name="connsiteX2" fmla="*/ 237281 w 240617"/>
+              <a:gd name="connsiteY2" fmla="*/ 619245 h 908613"/>
+              <a:gd name="connsiteX3" fmla="*/ 138896 w 240617"/>
+              <a:gd name="connsiteY3" fmla="*/ 908613 h 908613"/>
+            </a:gdLst>
+            <a:ahLst/>
+            <a:cxnLst>
+              <a:cxn ang="0">
+                <a:pos x="connsiteX0" y="connsiteY0"/>
+              </a:cxn>
+              <a:cxn ang="0">
+                <a:pos x="connsiteX1" y="connsiteY1"/>
+              </a:cxn>
+              <a:cxn ang="0">
+                <a:pos x="connsiteX2" y="connsiteY2"/>
+              </a:cxn>
+              <a:cxn ang="0">
+                <a:pos x="connsiteX3" y="connsiteY3"/>
+              </a:cxn>
+            </a:cxnLst>
+            <a:rect l="l" t="t" r="r" b="b"/>
+            <a:pathLst>
+              <a:path w="240617" h="908613">
+                <a:moveTo>
+                  <a:pt x="0" y="0"/>
+                </a:moveTo>
+                <a:cubicBezTo>
+                  <a:pt x="78611" y="78611"/>
+                  <a:pt x="157223" y="157223"/>
+                  <a:pt x="196770" y="260430"/>
+                </a:cubicBezTo>
+                <a:cubicBezTo>
+                  <a:pt x="236317" y="363638"/>
+                  <a:pt x="246927" y="511215"/>
+                  <a:pt x="237281" y="619245"/>
+                </a:cubicBezTo>
+                <a:cubicBezTo>
+                  <a:pt x="227635" y="727275"/>
+                  <a:pt x="183265" y="817944"/>
+                  <a:pt x="138896" y="908613"/>
+                </a:cubicBezTo>
+              </a:path>
+            </a:pathLst>
+          </a:custGeom>
+          <a:noFill/>
+          <a:ln>
+            <a:solidFill>
+              <a:schemeClr val="tx1"/>
+            </a:solidFill>
+          </a:ln>
+        </p:spPr>
+        <p:style>
+          <a:lnRef idx="2">
+            <a:schemeClr val="accent1">
+              <a:shade val="50000"/>
+            </a:schemeClr>
+          </a:lnRef>
+          <a:fillRef idx="1">
+            <a:schemeClr val="accent1"/>
+          </a:fillRef>
+          <a:effectRef idx="0">
+            <a:schemeClr val="accent1"/>
+          </a:effectRef>
+          <a:fontRef idx="minor">
+            <a:schemeClr val="lt1"/>
+          </a:fontRef>
+        </p:style>
+        <p:txBody>
+          <a:bodyPr rtlCol="0" anchor="ctr"/>
+          <a:lstStyle/>
+          <a:p>
+            <a:pPr algn="ctr"/>
+            <a:endParaRPr lang="zh-TW" altLang="en-US"/>
+          </a:p>
+        </p:txBody>
+      </p:sp>
+      <mc:AlternateContent xmlns:mc="http://schemas.openxmlformats.org/markup-compatibility/2006">
+        <mc:Choice xmlns:a14="http://schemas.microsoft.com/office/drawing/2010/main" Requires="a14">
+          <p:sp>
+            <p:nvSpPr>
+              <p:cNvPr id="31" name="文字方塊 30">
+                <a:extLst>
+                  <a:ext uri="{FF2B5EF4-FFF2-40B4-BE49-F238E27FC236}">
+                    <a16:creationId xmlns:a16="http://schemas.microsoft.com/office/drawing/2014/main" id="{42D8E6F0-049B-4544-BF7F-975638F9D74B}"/>
+                  </a:ext>
+                </a:extLst>
+              </p:cNvPr>
+              <p:cNvSpPr txBox="1"/>
+              <p:nvPr/>
+            </p:nvSpPr>
+            <p:spPr>
+              <a:xfrm>
+                <a:off x="6379900" y="2657578"/>
+                <a:ext cx="313682" cy="369332"/>
+              </a:xfrm>
+              <a:prstGeom prst="rect">
+                <a:avLst/>
+              </a:prstGeom>
+              <a:noFill/>
+            </p:spPr>
+            <p:txBody>
+              <a:bodyPr wrap="square" rtlCol="0">
+                <a:spAutoFit/>
+              </a:bodyPr>
+              <a:lstStyle/>
+              <a:p>
+                <a14:m>
+                  <m:oMathPara xmlns:m="http://schemas.openxmlformats.org/officeDocument/2006/math">
+                    <m:oMathParaPr>
+                      <m:jc m:val="centerGroup"/>
+                    </m:oMathParaPr>
+                    <m:oMath xmlns:m="http://schemas.openxmlformats.org/officeDocument/2006/math">
+                      <m:r>
+                        <a:rPr lang="en-US" altLang="zh-TW" b="0" i="1" smtClean="0">
+                          <a:latin typeface="Cambria Math" panose="02040503050406030204" pitchFamily="18" charset="0"/>
+                        </a:rPr>
+                        <m:t>𝜃</m:t>
+                      </m:r>
+                    </m:oMath>
+                  </m:oMathPara>
+                </a14:m>
+                <a:endParaRPr lang="zh-TW" altLang="en-US" dirty="0"/>
+              </a:p>
+            </p:txBody>
+          </p:sp>
+        </mc:Choice>
+        <mc:Fallback>
+          <p:sp>
+            <p:nvSpPr>
+              <p:cNvPr id="31" name="文字方塊 30">
+                <a:extLst>
+                  <a:ext uri="{FF2B5EF4-FFF2-40B4-BE49-F238E27FC236}">
+                    <a16:creationId xmlns:a16="http://schemas.microsoft.com/office/drawing/2014/main" id="{42D8E6F0-049B-4544-BF7F-975638F9D74B}"/>
+                  </a:ext>
+                </a:extLst>
+              </p:cNvPr>
+              <p:cNvSpPr txBox="1">
+                <a:spLocks noRot="1" noChangeAspect="1" noMove="1" noResize="1" noEditPoints="1" noAdjustHandles="1" noChangeArrowheads="1" noChangeShapeType="1" noTextEdit="1"/>
+              </p:cNvSpPr>
+              <p:nvPr/>
+            </p:nvSpPr>
+            <p:spPr>
+              <a:xfrm>
+                <a:off x="6379900" y="2657578"/>
+                <a:ext cx="313682" cy="369332"/>
+              </a:xfrm>
+              <a:prstGeom prst="rect">
+                <a:avLst/>
+              </a:prstGeom>
+              <a:blipFill>
+                <a:blip r:embed="rId4"/>
+                <a:stretch>
+                  <a:fillRect/>
+                </a:stretch>
+              </a:blipFill>
+            </p:spPr>
+            <p:txBody>
+              <a:bodyPr/>
+              <a:lstStyle/>
+              <a:p>
+                <a:r>
+                  <a:rPr lang="zh-TW" altLang="en-US">
+                    <a:noFill/>
+                  </a:rPr>
+                  <a:t> </a:t>
+                </a:r>
+              </a:p>
+            </p:txBody>
+          </p:sp>
+        </mc:Fallback>
+      </mc:AlternateContent>
     </p:spTree>
     <p:extLst>
       <p:ext uri="{BB962C8B-B14F-4D97-AF65-F5344CB8AC3E}">

--- a/path_planing/VO_code_try/robot_properties3.pptx
+++ b/path_planing/VO_code_try/robot_properties3.pptx
@@ -278,7 +278,7 @@
           <a:p>
             <a:fld id="{9CD1F5AD-FE1B-4540-B598-52220A64164D}" type="datetimeFigureOut">
               <a:rPr lang="zh-TW" altLang="en-US" smtClean="0"/>
-              <a:t>2024/11/24</a:t>
+              <a:t>2024/11/25</a:t>
             </a:fld>
             <a:endParaRPr lang="zh-TW" altLang="en-US"/>
           </a:p>
@@ -476,7 +476,7 @@
           <a:p>
             <a:fld id="{9CD1F5AD-FE1B-4540-B598-52220A64164D}" type="datetimeFigureOut">
               <a:rPr lang="zh-TW" altLang="en-US" smtClean="0"/>
-              <a:t>2024/11/24</a:t>
+              <a:t>2024/11/25</a:t>
             </a:fld>
             <a:endParaRPr lang="zh-TW" altLang="en-US"/>
           </a:p>
@@ -684,7 +684,7 @@
           <a:p>
             <a:fld id="{9CD1F5AD-FE1B-4540-B598-52220A64164D}" type="datetimeFigureOut">
               <a:rPr lang="zh-TW" altLang="en-US" smtClean="0"/>
-              <a:t>2024/11/24</a:t>
+              <a:t>2024/11/25</a:t>
             </a:fld>
             <a:endParaRPr lang="zh-TW" altLang="en-US"/>
           </a:p>
@@ -882,7 +882,7 @@
           <a:p>
             <a:fld id="{9CD1F5AD-FE1B-4540-B598-52220A64164D}" type="datetimeFigureOut">
               <a:rPr lang="zh-TW" altLang="en-US" smtClean="0"/>
-              <a:t>2024/11/24</a:t>
+              <a:t>2024/11/25</a:t>
             </a:fld>
             <a:endParaRPr lang="zh-TW" altLang="en-US"/>
           </a:p>
@@ -1157,7 +1157,7 @@
           <a:p>
             <a:fld id="{9CD1F5AD-FE1B-4540-B598-52220A64164D}" type="datetimeFigureOut">
               <a:rPr lang="zh-TW" altLang="en-US" smtClean="0"/>
-              <a:t>2024/11/24</a:t>
+              <a:t>2024/11/25</a:t>
             </a:fld>
             <a:endParaRPr lang="zh-TW" altLang="en-US"/>
           </a:p>
@@ -1422,7 +1422,7 @@
           <a:p>
             <a:fld id="{9CD1F5AD-FE1B-4540-B598-52220A64164D}" type="datetimeFigureOut">
               <a:rPr lang="zh-TW" altLang="en-US" smtClean="0"/>
-              <a:t>2024/11/24</a:t>
+              <a:t>2024/11/25</a:t>
             </a:fld>
             <a:endParaRPr lang="zh-TW" altLang="en-US"/>
           </a:p>
@@ -1834,7 +1834,7 @@
           <a:p>
             <a:fld id="{9CD1F5AD-FE1B-4540-B598-52220A64164D}" type="datetimeFigureOut">
               <a:rPr lang="zh-TW" altLang="en-US" smtClean="0"/>
-              <a:t>2024/11/24</a:t>
+              <a:t>2024/11/25</a:t>
             </a:fld>
             <a:endParaRPr lang="zh-TW" altLang="en-US"/>
           </a:p>
@@ -1975,7 +1975,7 @@
           <a:p>
             <a:fld id="{9CD1F5AD-FE1B-4540-B598-52220A64164D}" type="datetimeFigureOut">
               <a:rPr lang="zh-TW" altLang="en-US" smtClean="0"/>
-              <a:t>2024/11/24</a:t>
+              <a:t>2024/11/25</a:t>
             </a:fld>
             <a:endParaRPr lang="zh-TW" altLang="en-US"/>
           </a:p>
@@ -2088,7 +2088,7 @@
           <a:p>
             <a:fld id="{9CD1F5AD-FE1B-4540-B598-52220A64164D}" type="datetimeFigureOut">
               <a:rPr lang="zh-TW" altLang="en-US" smtClean="0"/>
-              <a:t>2024/11/24</a:t>
+              <a:t>2024/11/25</a:t>
             </a:fld>
             <a:endParaRPr lang="zh-TW" altLang="en-US"/>
           </a:p>
@@ -2399,7 +2399,7 @@
           <a:p>
             <a:fld id="{9CD1F5AD-FE1B-4540-B598-52220A64164D}" type="datetimeFigureOut">
               <a:rPr lang="zh-TW" altLang="en-US" smtClean="0"/>
-              <a:t>2024/11/24</a:t>
+              <a:t>2024/11/25</a:t>
             </a:fld>
             <a:endParaRPr lang="zh-TW" altLang="en-US"/>
           </a:p>
@@ -2687,7 +2687,7 @@
           <a:p>
             <a:fld id="{9CD1F5AD-FE1B-4540-B598-52220A64164D}" type="datetimeFigureOut">
               <a:rPr lang="zh-TW" altLang="en-US" smtClean="0"/>
-              <a:t>2024/11/24</a:t>
+              <a:t>2024/11/25</a:t>
             </a:fld>
             <a:endParaRPr lang="zh-TW" altLang="en-US"/>
           </a:p>
@@ -2928,7 +2928,7 @@
           <a:p>
             <a:fld id="{9CD1F5AD-FE1B-4540-B598-52220A64164D}" type="datetimeFigureOut">
               <a:rPr lang="zh-TW" altLang="en-US" smtClean="0"/>
-              <a:t>2024/11/24</a:t>
+              <a:t>2024/11/25</a:t>
             </a:fld>
             <a:endParaRPr lang="zh-TW" altLang="en-US"/>
           </a:p>
@@ -15589,10 +15589,10 @@
       </p:grpSpPr>
       <p:grpSp>
         <p:nvGrpSpPr>
-          <p:cNvPr id="6" name="群組 5">
+          <p:cNvPr id="55" name="群組 54">
             <a:extLst>
               <a:ext uri="{FF2B5EF4-FFF2-40B4-BE49-F238E27FC236}">
-                <a16:creationId xmlns:a16="http://schemas.microsoft.com/office/drawing/2014/main" id="{7B9FF562-286A-48E4-B9DB-D11BF0226232}"/>
+                <a16:creationId xmlns:a16="http://schemas.microsoft.com/office/drawing/2014/main" id="{4C4D077F-6003-4115-863B-24C62A8A7669}"/>
               </a:ext>
             </a:extLst>
           </p:cNvPr>
@@ -15602,17 +15602,676 @@
         <p:grpSpPr>
           <a:xfrm>
             <a:off x="3621590" y="1066531"/>
-            <a:ext cx="4106334" cy="4089401"/>
-            <a:chOff x="3708400" y="1020232"/>
-            <a:chExt cx="4106334" cy="4089401"/>
+            <a:ext cx="4490764" cy="4089401"/>
+            <a:chOff x="3621590" y="1066531"/>
+            <a:chExt cx="4490764" cy="4089401"/>
           </a:xfrm>
         </p:grpSpPr>
+        <p:grpSp>
+          <p:nvGrpSpPr>
+            <p:cNvPr id="6" name="群組 5">
+              <a:extLst>
+                <a:ext uri="{FF2B5EF4-FFF2-40B4-BE49-F238E27FC236}">
+                  <a16:creationId xmlns:a16="http://schemas.microsoft.com/office/drawing/2014/main" id="{7B9FF562-286A-48E4-B9DB-D11BF0226232}"/>
+                </a:ext>
+              </a:extLst>
+            </p:cNvPr>
+            <p:cNvGrpSpPr/>
+            <p:nvPr/>
+          </p:nvGrpSpPr>
+          <p:grpSpPr>
+            <a:xfrm>
+              <a:off x="3621590" y="1066531"/>
+              <a:ext cx="4106334" cy="4089401"/>
+              <a:chOff x="3708400" y="1020232"/>
+              <a:chExt cx="4106334" cy="4089401"/>
+            </a:xfrm>
+          </p:grpSpPr>
+          <p:cxnSp>
+            <p:nvCxnSpPr>
+              <p:cNvPr id="2" name="直線單箭頭接點 1">
+                <a:extLst>
+                  <a:ext uri="{FF2B5EF4-FFF2-40B4-BE49-F238E27FC236}">
+                    <a16:creationId xmlns:a16="http://schemas.microsoft.com/office/drawing/2014/main" id="{3AA15899-FD81-424B-AE10-6EB60A8CA904}"/>
+                  </a:ext>
+                </a:extLst>
+              </p:cNvPr>
+              <p:cNvCxnSpPr/>
+              <p:nvPr/>
+            </p:nvCxnSpPr>
+            <p:spPr>
+              <a:xfrm>
+                <a:off x="3708400" y="3064933"/>
+                <a:ext cx="4106334" cy="0"/>
+              </a:xfrm>
+              <a:prstGeom prst="straightConnector1">
+                <a:avLst/>
+              </a:prstGeom>
+              <a:ln w="57150">
+                <a:solidFill>
+                  <a:schemeClr val="tx1"/>
+                </a:solidFill>
+                <a:tailEnd type="triangle"/>
+              </a:ln>
+            </p:spPr>
+            <p:style>
+              <a:lnRef idx="1">
+                <a:schemeClr val="accent1"/>
+              </a:lnRef>
+              <a:fillRef idx="0">
+                <a:schemeClr val="accent1"/>
+              </a:fillRef>
+              <a:effectRef idx="0">
+                <a:schemeClr val="accent1"/>
+              </a:effectRef>
+              <a:fontRef idx="minor">
+                <a:schemeClr val="tx1"/>
+              </a:fontRef>
+            </p:style>
+          </p:cxnSp>
+          <p:cxnSp>
+            <p:nvCxnSpPr>
+              <p:cNvPr id="3" name="直線單箭頭接點 2">
+                <a:extLst>
+                  <a:ext uri="{FF2B5EF4-FFF2-40B4-BE49-F238E27FC236}">
+                    <a16:creationId xmlns:a16="http://schemas.microsoft.com/office/drawing/2014/main" id="{CA36FBE8-13BA-4495-B796-F483A98C5358}"/>
+                  </a:ext>
+                </a:extLst>
+              </p:cNvPr>
+              <p:cNvCxnSpPr>
+                <a:cxnSpLocks/>
+              </p:cNvCxnSpPr>
+              <p:nvPr/>
+            </p:nvCxnSpPr>
+            <p:spPr>
+              <a:xfrm flipV="1">
+                <a:off x="5748867" y="1020232"/>
+                <a:ext cx="0" cy="4089401"/>
+              </a:xfrm>
+              <a:prstGeom prst="straightConnector1">
+                <a:avLst/>
+              </a:prstGeom>
+              <a:ln w="57150">
+                <a:solidFill>
+                  <a:schemeClr val="tx1"/>
+                </a:solidFill>
+                <a:tailEnd type="triangle"/>
+              </a:ln>
+            </p:spPr>
+            <p:style>
+              <a:lnRef idx="1">
+                <a:schemeClr val="accent1"/>
+              </a:lnRef>
+              <a:fillRef idx="0">
+                <a:schemeClr val="accent1"/>
+              </a:fillRef>
+              <a:effectRef idx="0">
+                <a:schemeClr val="accent1"/>
+              </a:effectRef>
+              <a:fontRef idx="minor">
+                <a:schemeClr val="tx1"/>
+              </a:fontRef>
+            </p:style>
+          </p:cxnSp>
+          <p:sp>
+            <p:nvSpPr>
+              <p:cNvPr id="4" name="文字方塊 3">
+                <a:extLst>
+                  <a:ext uri="{FF2B5EF4-FFF2-40B4-BE49-F238E27FC236}">
+                    <a16:creationId xmlns:a16="http://schemas.microsoft.com/office/drawing/2014/main" id="{759AE3F5-7BF5-419D-98AF-71B67B662A41}"/>
+                  </a:ext>
+                </a:extLst>
+              </p:cNvPr>
+              <p:cNvSpPr txBox="1"/>
+              <p:nvPr/>
+            </p:nvSpPr>
+            <p:spPr>
+              <a:xfrm>
+                <a:off x="7518400" y="3208867"/>
+                <a:ext cx="270935" cy="369332"/>
+              </a:xfrm>
+              <a:prstGeom prst="rect">
+                <a:avLst/>
+              </a:prstGeom>
+              <a:noFill/>
+            </p:spPr>
+            <p:txBody>
+              <a:bodyPr wrap="square" rtlCol="0">
+                <a:spAutoFit/>
+              </a:bodyPr>
+              <a:lstStyle/>
+              <a:p>
+                <a:r>
+                  <a:rPr lang="en-US" altLang="zh-TW" dirty="0"/>
+                  <a:t>X</a:t>
+                </a:r>
+                <a:endParaRPr lang="zh-TW" altLang="en-US" dirty="0"/>
+              </a:p>
+            </p:txBody>
+          </p:sp>
+          <p:sp>
+            <p:nvSpPr>
+              <p:cNvPr id="5" name="文字方塊 4">
+                <a:extLst>
+                  <a:ext uri="{FF2B5EF4-FFF2-40B4-BE49-F238E27FC236}">
+                    <a16:creationId xmlns:a16="http://schemas.microsoft.com/office/drawing/2014/main" id="{D120177E-BC57-4AE4-9355-EE6C7CF2B97D}"/>
+                  </a:ext>
+                </a:extLst>
+              </p:cNvPr>
+              <p:cNvSpPr txBox="1"/>
+              <p:nvPr/>
+            </p:nvSpPr>
+            <p:spPr>
+              <a:xfrm>
+                <a:off x="5842000" y="1020232"/>
+                <a:ext cx="253995" cy="369332"/>
+              </a:xfrm>
+              <a:prstGeom prst="rect">
+                <a:avLst/>
+              </a:prstGeom>
+              <a:noFill/>
+            </p:spPr>
+            <p:txBody>
+              <a:bodyPr wrap="square" rtlCol="0">
+                <a:spAutoFit/>
+              </a:bodyPr>
+              <a:lstStyle/>
+              <a:p>
+                <a:r>
+                  <a:rPr lang="en-US" altLang="zh-TW" dirty="0"/>
+                  <a:t>Y</a:t>
+                </a:r>
+                <a:endParaRPr lang="zh-TW" altLang="en-US" dirty="0"/>
+              </a:p>
+            </p:txBody>
+          </p:sp>
+        </p:grpSp>
+        <p:sp>
+          <p:nvSpPr>
+            <p:cNvPr id="7" name="橢圓 6">
+              <a:extLst>
+                <a:ext uri="{FF2B5EF4-FFF2-40B4-BE49-F238E27FC236}">
+                  <a16:creationId xmlns:a16="http://schemas.microsoft.com/office/drawing/2014/main" id="{B885D337-F4A3-4CF1-BFA5-BB5D15114F90}"/>
+                </a:ext>
+              </a:extLst>
+            </p:cNvPr>
+            <p:cNvSpPr/>
+            <p:nvPr/>
+          </p:nvSpPr>
+          <p:spPr>
+            <a:xfrm rot="19453132">
+              <a:off x="4552014" y="2385219"/>
+              <a:ext cx="2245485" cy="1452021"/>
+            </a:xfrm>
+            <a:prstGeom prst="ellipse">
+              <a:avLst/>
+            </a:prstGeom>
+            <a:solidFill>
+              <a:srgbClr val="F2F2F2">
+                <a:alpha val="34118"/>
+              </a:srgbClr>
+            </a:solidFill>
+            <a:ln w="19050">
+              <a:solidFill>
+                <a:schemeClr val="tx1"/>
+              </a:solidFill>
+            </a:ln>
+          </p:spPr>
+          <p:style>
+            <a:lnRef idx="2">
+              <a:schemeClr val="accent1">
+                <a:shade val="50000"/>
+              </a:schemeClr>
+            </a:lnRef>
+            <a:fillRef idx="1">
+              <a:schemeClr val="accent1"/>
+            </a:fillRef>
+            <a:effectRef idx="0">
+              <a:schemeClr val="accent1"/>
+            </a:effectRef>
+            <a:fontRef idx="minor">
+              <a:schemeClr val="lt1"/>
+            </a:fontRef>
+          </p:style>
+          <p:txBody>
+            <a:bodyPr rtlCol="0" anchor="ctr"/>
+            <a:lstStyle/>
+            <a:p>
+              <a:pPr algn="ctr"/>
+              <a:endParaRPr lang="zh-TW" altLang="en-US"/>
+            </a:p>
+          </p:txBody>
+        </p:sp>
         <p:cxnSp>
           <p:nvCxnSpPr>
-            <p:cNvPr id="2" name="直線單箭頭接點 1">
+            <p:cNvPr id="9" name="直線接點 8">
               <a:extLst>
                 <a:ext uri="{FF2B5EF4-FFF2-40B4-BE49-F238E27FC236}">
-                  <a16:creationId xmlns:a16="http://schemas.microsoft.com/office/drawing/2014/main" id="{3AA15899-FD81-424B-AE10-6EB60A8CA904}"/>
+                  <a16:creationId xmlns:a16="http://schemas.microsoft.com/office/drawing/2014/main" id="{6070B7A8-5E97-47AE-91BA-03A03322DBAF}"/>
+                </a:ext>
+              </a:extLst>
+            </p:cNvPr>
+            <p:cNvCxnSpPr>
+              <a:stCxn id="7" idx="2"/>
+              <a:endCxn id="7" idx="6"/>
+            </p:cNvCxnSpPr>
+            <p:nvPr/>
+          </p:nvCxnSpPr>
+          <p:spPr>
+            <a:xfrm flipV="1">
+              <a:off x="4763925" y="2454773"/>
+              <a:ext cx="1821664" cy="1312914"/>
+            </a:xfrm>
+            <a:prstGeom prst="line">
+              <a:avLst/>
+            </a:prstGeom>
+            <a:ln w="19050">
+              <a:solidFill>
+                <a:srgbClr val="FF0000"/>
+              </a:solidFill>
+              <a:headEnd type="none" w="med" len="med"/>
+              <a:tailEnd type="arrow" w="med" len="med"/>
+            </a:ln>
+          </p:spPr>
+          <p:style>
+            <a:lnRef idx="1">
+              <a:schemeClr val="accent1"/>
+            </a:lnRef>
+            <a:fillRef idx="0">
+              <a:schemeClr val="accent1"/>
+            </a:fillRef>
+            <a:effectRef idx="0">
+              <a:schemeClr val="accent1"/>
+            </a:effectRef>
+            <a:fontRef idx="minor">
+              <a:schemeClr val="tx1"/>
+            </a:fontRef>
+          </p:style>
+        </p:cxnSp>
+        <p:cxnSp>
+          <p:nvCxnSpPr>
+            <p:cNvPr id="11" name="直線接點 10">
+              <a:extLst>
+                <a:ext uri="{FF2B5EF4-FFF2-40B4-BE49-F238E27FC236}">
+                  <a16:creationId xmlns:a16="http://schemas.microsoft.com/office/drawing/2014/main" id="{7F760B14-1252-4D08-8A24-53805C5F7C46}"/>
+                </a:ext>
+              </a:extLst>
+            </p:cNvPr>
+            <p:cNvCxnSpPr>
+              <a:cxnSpLocks/>
+              <a:stCxn id="7" idx="0"/>
+              <a:endCxn id="7" idx="4"/>
+            </p:cNvCxnSpPr>
+            <p:nvPr/>
+          </p:nvCxnSpPr>
+          <p:spPr>
+            <a:xfrm>
+              <a:off x="5250265" y="2522249"/>
+              <a:ext cx="848983" cy="1177961"/>
+            </a:xfrm>
+            <a:prstGeom prst="line">
+              <a:avLst/>
+            </a:prstGeom>
+            <a:ln w="19050">
+              <a:solidFill>
+                <a:srgbClr val="FF0000"/>
+              </a:solidFill>
+              <a:headEnd type="arrow" w="med" len="med"/>
+              <a:tailEnd type="none" w="med" len="med"/>
+            </a:ln>
+          </p:spPr>
+          <p:style>
+            <a:lnRef idx="1">
+              <a:schemeClr val="accent1"/>
+            </a:lnRef>
+            <a:fillRef idx="0">
+              <a:schemeClr val="accent1"/>
+            </a:fillRef>
+            <a:effectRef idx="0">
+              <a:schemeClr val="accent1"/>
+            </a:effectRef>
+            <a:fontRef idx="minor">
+              <a:schemeClr val="tx1"/>
+            </a:fontRef>
+          </p:style>
+        </p:cxnSp>
+        <p:sp>
+          <p:nvSpPr>
+            <p:cNvPr id="17" name="文字方塊 16">
+              <a:extLst>
+                <a:ext uri="{FF2B5EF4-FFF2-40B4-BE49-F238E27FC236}">
+                  <a16:creationId xmlns:a16="http://schemas.microsoft.com/office/drawing/2014/main" id="{24BA495C-7F3F-4C23-BFF3-B15CB1C1C171}"/>
+                </a:ext>
+              </a:extLst>
+            </p:cNvPr>
+            <p:cNvSpPr txBox="1"/>
+            <p:nvPr/>
+          </p:nvSpPr>
+          <p:spPr>
+            <a:xfrm>
+              <a:off x="6585589" y="2095018"/>
+              <a:ext cx="150875" cy="369332"/>
+            </a:xfrm>
+            <a:prstGeom prst="rect">
+              <a:avLst/>
+            </a:prstGeom>
+            <a:noFill/>
+          </p:spPr>
+          <p:txBody>
+            <a:bodyPr wrap="square" rtlCol="0">
+              <a:spAutoFit/>
+            </a:bodyPr>
+            <a:lstStyle/>
+            <a:p>
+              <a:r>
+                <a:rPr lang="en-US" altLang="zh-TW" dirty="0">
+                  <a:solidFill>
+                    <a:srgbClr val="FF0000"/>
+                  </a:solidFill>
+                </a:rPr>
+                <a:t>x</a:t>
+              </a:r>
+              <a:endParaRPr lang="zh-TW" altLang="en-US" dirty="0">
+                <a:solidFill>
+                  <a:srgbClr val="FF0000"/>
+                </a:solidFill>
+              </a:endParaRPr>
+            </a:p>
+          </p:txBody>
+        </p:sp>
+        <p:sp>
+          <p:nvSpPr>
+            <p:cNvPr id="18" name="文字方塊 17">
+              <a:extLst>
+                <a:ext uri="{FF2B5EF4-FFF2-40B4-BE49-F238E27FC236}">
+                  <a16:creationId xmlns:a16="http://schemas.microsoft.com/office/drawing/2014/main" id="{C7606F17-A27F-4CE3-B071-C91F4C014CAF}"/>
+                </a:ext>
+              </a:extLst>
+            </p:cNvPr>
+            <p:cNvSpPr txBox="1"/>
+            <p:nvPr/>
+          </p:nvSpPr>
+          <p:spPr>
+            <a:xfrm>
+              <a:off x="4944214" y="2210765"/>
+              <a:ext cx="200733" cy="369332"/>
+            </a:xfrm>
+            <a:prstGeom prst="rect">
+              <a:avLst/>
+            </a:prstGeom>
+            <a:noFill/>
+          </p:spPr>
+          <p:txBody>
+            <a:bodyPr wrap="square" rtlCol="0">
+              <a:spAutoFit/>
+            </a:bodyPr>
+            <a:lstStyle/>
+            <a:p>
+              <a:r>
+                <a:rPr lang="en-US" altLang="zh-TW" dirty="0">
+                  <a:solidFill>
+                    <a:srgbClr val="FF0000"/>
+                  </a:solidFill>
+                </a:rPr>
+                <a:t>y</a:t>
+              </a:r>
+              <a:endParaRPr lang="zh-TW" altLang="en-US" dirty="0">
+                <a:solidFill>
+                  <a:srgbClr val="FF0000"/>
+                </a:solidFill>
+              </a:endParaRPr>
+            </a:p>
+          </p:txBody>
+        </p:sp>
+        <p:sp>
+          <p:nvSpPr>
+            <p:cNvPr id="19" name="手繪多邊形: 圖案 18">
+              <a:extLst>
+                <a:ext uri="{FF2B5EF4-FFF2-40B4-BE49-F238E27FC236}">
+                  <a16:creationId xmlns:a16="http://schemas.microsoft.com/office/drawing/2014/main" id="{A84633CD-5460-42B5-8FCD-BAD30B886CB2}"/>
+                </a:ext>
+              </a:extLst>
+            </p:cNvPr>
+            <p:cNvSpPr/>
+            <p:nvPr/>
+          </p:nvSpPr>
+          <p:spPr>
+            <a:xfrm>
+              <a:off x="6030410" y="2876309"/>
+              <a:ext cx="92598" cy="219919"/>
+            </a:xfrm>
+            <a:custGeom>
+              <a:avLst/>
+              <a:gdLst>
+                <a:gd name="connsiteX0" fmla="*/ 0 w 92598"/>
+                <a:gd name="connsiteY0" fmla="*/ 0 h 219919"/>
+                <a:gd name="connsiteX1" fmla="*/ 69448 w 92598"/>
+                <a:gd name="connsiteY1" fmla="*/ 81023 h 219919"/>
+                <a:gd name="connsiteX2" fmla="*/ 92598 w 92598"/>
+                <a:gd name="connsiteY2" fmla="*/ 219919 h 219919"/>
+              </a:gdLst>
+              <a:ahLst/>
+              <a:cxnLst>
+                <a:cxn ang="0">
+                  <a:pos x="connsiteX0" y="connsiteY0"/>
+                </a:cxn>
+                <a:cxn ang="0">
+                  <a:pos x="connsiteX1" y="connsiteY1"/>
+                </a:cxn>
+                <a:cxn ang="0">
+                  <a:pos x="connsiteX2" y="connsiteY2"/>
+                </a:cxn>
+              </a:cxnLst>
+              <a:rect l="l" t="t" r="r" b="b"/>
+              <a:pathLst>
+                <a:path w="92598" h="219919">
+                  <a:moveTo>
+                    <a:pt x="0" y="0"/>
+                  </a:moveTo>
+                  <a:cubicBezTo>
+                    <a:pt x="27007" y="22185"/>
+                    <a:pt x="54015" y="44370"/>
+                    <a:pt x="69448" y="81023"/>
+                  </a:cubicBezTo>
+                  <a:cubicBezTo>
+                    <a:pt x="84881" y="117676"/>
+                    <a:pt x="88739" y="168797"/>
+                    <a:pt x="92598" y="219919"/>
+                  </a:cubicBezTo>
+                </a:path>
+              </a:pathLst>
+            </a:custGeom>
+            <a:noFill/>
+            <a:ln>
+              <a:solidFill>
+                <a:schemeClr val="tx1"/>
+              </a:solidFill>
+            </a:ln>
+          </p:spPr>
+          <p:style>
+            <a:lnRef idx="2">
+              <a:schemeClr val="accent1">
+                <a:shade val="50000"/>
+              </a:schemeClr>
+            </a:lnRef>
+            <a:fillRef idx="1">
+              <a:schemeClr val="accent1"/>
+            </a:fillRef>
+            <a:effectRef idx="0">
+              <a:schemeClr val="accent1"/>
+            </a:effectRef>
+            <a:fontRef idx="minor">
+              <a:schemeClr val="lt1"/>
+            </a:fontRef>
+          </p:style>
+          <p:txBody>
+            <a:bodyPr rtlCol="0" anchor="ctr"/>
+            <a:lstStyle/>
+            <a:p>
+              <a:pPr algn="ctr"/>
+              <a:endParaRPr lang="zh-TW" altLang="en-US"/>
+            </a:p>
+          </p:txBody>
+        </p:sp>
+        <mc:AlternateContent xmlns:mc="http://schemas.openxmlformats.org/markup-compatibility/2006">
+          <mc:Choice xmlns:a14="http://schemas.microsoft.com/office/drawing/2010/main" Requires="a14">
+            <p:sp>
+              <p:nvSpPr>
+                <p:cNvPr id="20" name="文字方塊 19">
+                  <a:extLst>
+                    <a:ext uri="{FF2B5EF4-FFF2-40B4-BE49-F238E27FC236}">
+                      <a16:creationId xmlns:a16="http://schemas.microsoft.com/office/drawing/2014/main" id="{8B50CE38-5F5B-43B0-A17E-9D62113F69FC}"/>
+                    </a:ext>
+                  </a:extLst>
+                </p:cNvPr>
+                <p:cNvSpPr txBox="1"/>
+                <p:nvPr/>
+              </p:nvSpPr>
+              <p:spPr>
+                <a:xfrm>
+                  <a:off x="6060230" y="2726896"/>
+                  <a:ext cx="199019" cy="369332"/>
+                </a:xfrm>
+                <a:prstGeom prst="rect">
+                  <a:avLst/>
+                </a:prstGeom>
+                <a:noFill/>
+              </p:spPr>
+              <p:txBody>
+                <a:bodyPr wrap="square" rtlCol="0">
+                  <a:spAutoFit/>
+                </a:bodyPr>
+                <a:lstStyle/>
+                <a:p>
+                  <a:pPr/>
+                  <a14:m>
+                    <m:oMathPara xmlns:m="http://schemas.openxmlformats.org/officeDocument/2006/math">
+                      <m:oMathParaPr>
+                        <m:jc m:val="centerGroup"/>
+                      </m:oMathParaPr>
+                      <m:oMath xmlns:m="http://schemas.openxmlformats.org/officeDocument/2006/math">
+                        <m:r>
+                          <a:rPr lang="en-US" altLang="zh-TW" b="0" i="1" smtClean="0">
+                            <a:latin typeface="Cambria Math" panose="02040503050406030204" pitchFamily="18" charset="0"/>
+                          </a:rPr>
+                          <m:t>𝜓</m:t>
+                        </m:r>
+                      </m:oMath>
+                    </m:oMathPara>
+                  </a14:m>
+                  <a:endParaRPr lang="zh-TW" altLang="en-US" dirty="0"/>
+                </a:p>
+              </p:txBody>
+            </p:sp>
+          </mc:Choice>
+          <mc:Fallback>
+            <p:sp>
+              <p:nvSpPr>
+                <p:cNvPr id="20" name="文字方塊 19">
+                  <a:extLst>
+                    <a:ext uri="{FF2B5EF4-FFF2-40B4-BE49-F238E27FC236}">
+                      <a16:creationId xmlns:a16="http://schemas.microsoft.com/office/drawing/2014/main" id="{8B50CE38-5F5B-43B0-A17E-9D62113F69FC}"/>
+                    </a:ext>
+                  </a:extLst>
+                </p:cNvPr>
+                <p:cNvSpPr txBox="1">
+                  <a:spLocks noRot="1" noChangeAspect="1" noMove="1" noResize="1" noEditPoints="1" noAdjustHandles="1" noChangeArrowheads="1" noChangeShapeType="1" noTextEdit="1"/>
+                </p:cNvSpPr>
+                <p:nvPr/>
+              </p:nvSpPr>
+              <p:spPr>
+                <a:xfrm>
+                  <a:off x="6060230" y="2726896"/>
+                  <a:ext cx="199019" cy="369332"/>
+                </a:xfrm>
+                <a:prstGeom prst="rect">
+                  <a:avLst/>
+                </a:prstGeom>
+                <a:blipFill>
+                  <a:blip r:embed="rId2"/>
+                  <a:stretch>
+                    <a:fillRect l="-9091" r="-81818" b="-13115"/>
+                  </a:stretch>
+                </a:blipFill>
+              </p:spPr>
+              <p:txBody>
+                <a:bodyPr/>
+                <a:lstStyle/>
+                <a:p>
+                  <a:r>
+                    <a:rPr lang="zh-TW" altLang="en-US">
+                      <a:noFill/>
+                    </a:rPr>
+                    <a:t> </a:t>
+                  </a:r>
+                </a:p>
+              </p:txBody>
+            </p:sp>
+          </mc:Fallback>
+        </mc:AlternateContent>
+        <p:sp>
+          <p:nvSpPr>
+            <p:cNvPr id="23" name="橢圓 22">
+              <a:extLst>
+                <a:ext uri="{FF2B5EF4-FFF2-40B4-BE49-F238E27FC236}">
+                  <a16:creationId xmlns:a16="http://schemas.microsoft.com/office/drawing/2014/main" id="{5CFD9BED-8F6A-4B59-B2B5-CF930FF5E383}"/>
+                </a:ext>
+              </a:extLst>
+            </p:cNvPr>
+            <p:cNvSpPr/>
+            <p:nvPr/>
+          </p:nvSpPr>
+          <p:spPr>
+            <a:xfrm>
+              <a:off x="7255831" y="4075342"/>
+              <a:ext cx="856523" cy="844945"/>
+            </a:xfrm>
+            <a:prstGeom prst="ellipse">
+              <a:avLst/>
+            </a:prstGeom>
+            <a:solidFill>
+              <a:schemeClr val="tx1">
+                <a:lumMod val="50000"/>
+                <a:lumOff val="50000"/>
+              </a:schemeClr>
+            </a:solidFill>
+            <a:ln>
+              <a:solidFill>
+                <a:schemeClr val="tx1"/>
+              </a:solidFill>
+            </a:ln>
+          </p:spPr>
+          <p:style>
+            <a:lnRef idx="2">
+              <a:schemeClr val="accent1">
+                <a:shade val="50000"/>
+              </a:schemeClr>
+            </a:lnRef>
+            <a:fillRef idx="1">
+              <a:schemeClr val="accent1"/>
+            </a:fillRef>
+            <a:effectRef idx="0">
+              <a:schemeClr val="accent1"/>
+            </a:effectRef>
+            <a:fontRef idx="minor">
+              <a:schemeClr val="lt1"/>
+            </a:fontRef>
+          </p:style>
+          <p:txBody>
+            <a:bodyPr rtlCol="0" anchor="ctr"/>
+            <a:lstStyle/>
+            <a:p>
+              <a:pPr algn="ctr"/>
+              <a:endParaRPr lang="zh-TW" altLang="en-US"/>
+            </a:p>
+          </p:txBody>
+        </p:sp>
+        <p:cxnSp>
+          <p:nvCxnSpPr>
+            <p:cNvPr id="25" name="直線接點 24">
+              <a:extLst>
+                <a:ext uri="{FF2B5EF4-FFF2-40B4-BE49-F238E27FC236}">
+                  <a16:creationId xmlns:a16="http://schemas.microsoft.com/office/drawing/2014/main" id="{4A45830F-4227-4A5D-9EC3-0A3E04BDA9AB}"/>
                 </a:ext>
               </a:extLst>
             </p:cNvPr>
@@ -15621,15 +16280,576 @@
           </p:nvCxnSpPr>
           <p:spPr>
             <a:xfrm>
-              <a:off x="3708400" y="3064933"/>
-              <a:ext cx="4106334" cy="0"/>
+              <a:off x="5674756" y="3111229"/>
+              <a:ext cx="2027769" cy="1397110"/>
+            </a:xfrm>
+            <a:prstGeom prst="line">
+              <a:avLst/>
+            </a:prstGeom>
+            <a:ln w="19050">
+              <a:solidFill>
+                <a:srgbClr val="FFC000"/>
+              </a:solidFill>
+              <a:prstDash val="dash"/>
+              <a:headEnd type="arrow" w="med" len="med"/>
+              <a:tailEnd type="arrow" w="med" len="med"/>
+            </a:ln>
+          </p:spPr>
+          <p:style>
+            <a:lnRef idx="1">
+              <a:schemeClr val="accent1"/>
+            </a:lnRef>
+            <a:fillRef idx="0">
+              <a:schemeClr val="accent1"/>
+            </a:fillRef>
+            <a:effectRef idx="0">
+              <a:schemeClr val="accent1"/>
+            </a:effectRef>
+            <a:fontRef idx="minor">
+              <a:schemeClr val="tx1"/>
+            </a:fontRef>
+          </p:style>
+        </p:cxnSp>
+        <p:sp>
+          <p:nvSpPr>
+            <p:cNvPr id="27" name="手繪多邊形: 圖案 26">
+              <a:extLst>
+                <a:ext uri="{FF2B5EF4-FFF2-40B4-BE49-F238E27FC236}">
+                  <a16:creationId xmlns:a16="http://schemas.microsoft.com/office/drawing/2014/main" id="{58DA900C-25B1-4839-9E93-090D7A4D2D91}"/>
+                </a:ext>
+              </a:extLst>
+            </p:cNvPr>
+            <p:cNvSpPr/>
+            <p:nvPr/>
+          </p:nvSpPr>
+          <p:spPr>
+            <a:xfrm>
+              <a:off x="5932025" y="3136739"/>
+              <a:ext cx="41625" cy="144684"/>
+            </a:xfrm>
+            <a:custGeom>
+              <a:avLst/>
+              <a:gdLst>
+                <a:gd name="connsiteX0" fmla="*/ 40512 w 41625"/>
+                <a:gd name="connsiteY0" fmla="*/ 0 h 144684"/>
+                <a:gd name="connsiteX1" fmla="*/ 40512 w 41625"/>
+                <a:gd name="connsiteY1" fmla="*/ 57874 h 144684"/>
+                <a:gd name="connsiteX2" fmla="*/ 28937 w 41625"/>
+                <a:gd name="connsiteY2" fmla="*/ 104172 h 144684"/>
+                <a:gd name="connsiteX3" fmla="*/ 0 w 41625"/>
+                <a:gd name="connsiteY3" fmla="*/ 144684 h 144684"/>
+              </a:gdLst>
+              <a:ahLst/>
+              <a:cxnLst>
+                <a:cxn ang="0">
+                  <a:pos x="connsiteX0" y="connsiteY0"/>
+                </a:cxn>
+                <a:cxn ang="0">
+                  <a:pos x="connsiteX1" y="connsiteY1"/>
+                </a:cxn>
+                <a:cxn ang="0">
+                  <a:pos x="connsiteX2" y="connsiteY2"/>
+                </a:cxn>
+                <a:cxn ang="0">
+                  <a:pos x="connsiteX3" y="connsiteY3"/>
+                </a:cxn>
+              </a:cxnLst>
+              <a:rect l="l" t="t" r="r" b="b"/>
+              <a:pathLst>
+                <a:path w="41625" h="144684">
+                  <a:moveTo>
+                    <a:pt x="40512" y="0"/>
+                  </a:moveTo>
+                  <a:cubicBezTo>
+                    <a:pt x="41476" y="20256"/>
+                    <a:pt x="42441" y="40512"/>
+                    <a:pt x="40512" y="57874"/>
+                  </a:cubicBezTo>
+                  <a:cubicBezTo>
+                    <a:pt x="38583" y="75236"/>
+                    <a:pt x="35689" y="89704"/>
+                    <a:pt x="28937" y="104172"/>
+                  </a:cubicBezTo>
+                  <a:cubicBezTo>
+                    <a:pt x="22185" y="118640"/>
+                    <a:pt x="11092" y="131662"/>
+                    <a:pt x="0" y="144684"/>
+                  </a:cubicBezTo>
+                </a:path>
+              </a:pathLst>
+            </a:custGeom>
+            <a:noFill/>
+            <a:ln>
+              <a:solidFill>
+                <a:schemeClr val="tx1"/>
+              </a:solidFill>
+            </a:ln>
+          </p:spPr>
+          <p:style>
+            <a:lnRef idx="2">
+              <a:schemeClr val="accent1">
+                <a:shade val="50000"/>
+              </a:schemeClr>
+            </a:lnRef>
+            <a:fillRef idx="1">
+              <a:schemeClr val="accent1"/>
+            </a:fillRef>
+            <a:effectRef idx="0">
+              <a:schemeClr val="accent1"/>
+            </a:effectRef>
+            <a:fontRef idx="minor">
+              <a:schemeClr val="lt1"/>
+            </a:fontRef>
+          </p:style>
+          <p:txBody>
+            <a:bodyPr rtlCol="0" anchor="ctr"/>
+            <a:lstStyle/>
+            <a:p>
+              <a:pPr algn="ctr"/>
+              <a:endParaRPr lang="zh-TW" altLang="en-US"/>
+            </a:p>
+          </p:txBody>
+        </p:sp>
+        <mc:AlternateContent xmlns:mc="http://schemas.openxmlformats.org/markup-compatibility/2006">
+          <mc:Choice xmlns:a14="http://schemas.microsoft.com/office/drawing/2010/main" Requires="a14">
+            <p:sp>
+              <p:nvSpPr>
+                <p:cNvPr id="28" name="文字方塊 27">
+                  <a:extLst>
+                    <a:ext uri="{FF2B5EF4-FFF2-40B4-BE49-F238E27FC236}">
+                      <a16:creationId xmlns:a16="http://schemas.microsoft.com/office/drawing/2014/main" id="{EAEAC7B8-1B0E-4B2D-8FBA-CBBF3827C258}"/>
+                    </a:ext>
+                  </a:extLst>
+                </p:cNvPr>
+                <p:cNvSpPr txBox="1"/>
+                <p:nvPr/>
+              </p:nvSpPr>
+              <p:spPr>
+                <a:xfrm>
+                  <a:off x="5909621" y="3021386"/>
+                  <a:ext cx="146751" cy="369332"/>
+                </a:xfrm>
+                <a:prstGeom prst="rect">
+                  <a:avLst/>
+                </a:prstGeom>
+                <a:noFill/>
+              </p:spPr>
+              <p:txBody>
+                <a:bodyPr wrap="square" rtlCol="0">
+                  <a:spAutoFit/>
+                </a:bodyPr>
+                <a:lstStyle/>
+                <a:p>
+                  <a:pPr/>
+                  <a14:m>
+                    <m:oMathPara xmlns:m="http://schemas.openxmlformats.org/officeDocument/2006/math">
+                      <m:oMathParaPr>
+                        <m:jc m:val="centerGroup"/>
+                      </m:oMathParaPr>
+                      <m:oMath xmlns:m="http://schemas.openxmlformats.org/officeDocument/2006/math">
+                        <m:r>
+                          <a:rPr lang="en-US" altLang="zh-TW" b="0" i="1" smtClean="0">
+                            <a:latin typeface="Cambria Math" panose="02040503050406030204" pitchFamily="18" charset="0"/>
+                          </a:rPr>
+                          <m:t>𝛼</m:t>
+                        </m:r>
+                      </m:oMath>
+                    </m:oMathPara>
+                  </a14:m>
+                  <a:endParaRPr lang="zh-TW" altLang="en-US" dirty="0"/>
+                </a:p>
+              </p:txBody>
+            </p:sp>
+          </mc:Choice>
+          <mc:Fallback>
+            <p:sp>
+              <p:nvSpPr>
+                <p:cNvPr id="28" name="文字方塊 27">
+                  <a:extLst>
+                    <a:ext uri="{FF2B5EF4-FFF2-40B4-BE49-F238E27FC236}">
+                      <a16:creationId xmlns:a16="http://schemas.microsoft.com/office/drawing/2014/main" id="{EAEAC7B8-1B0E-4B2D-8FBA-CBBF3827C258}"/>
+                    </a:ext>
+                  </a:extLst>
+                </p:cNvPr>
+                <p:cNvSpPr txBox="1">
+                  <a:spLocks noRot="1" noChangeAspect="1" noMove="1" noResize="1" noEditPoints="1" noAdjustHandles="1" noChangeArrowheads="1" noChangeShapeType="1" noTextEdit="1"/>
+                </p:cNvSpPr>
+                <p:nvPr/>
+              </p:nvSpPr>
+              <p:spPr>
+                <a:xfrm>
+                  <a:off x="5909621" y="3021386"/>
+                  <a:ext cx="146751" cy="369332"/>
+                </a:xfrm>
+                <a:prstGeom prst="rect">
+                  <a:avLst/>
+                </a:prstGeom>
+                <a:blipFill>
+                  <a:blip r:embed="rId3"/>
+                  <a:stretch>
+                    <a:fillRect r="-87500"/>
+                  </a:stretch>
+                </a:blipFill>
+              </p:spPr>
+              <p:txBody>
+                <a:bodyPr/>
+                <a:lstStyle/>
+                <a:p>
+                  <a:r>
+                    <a:rPr lang="zh-TW" altLang="en-US">
+                      <a:noFill/>
+                    </a:rPr>
+                    <a:t> </a:t>
+                  </a:r>
+                </a:p>
+              </p:txBody>
+            </p:sp>
+          </mc:Fallback>
+        </mc:AlternateContent>
+        <p:sp>
+          <p:nvSpPr>
+            <p:cNvPr id="30" name="手繪多邊形: 圖案 29">
+              <a:extLst>
+                <a:ext uri="{FF2B5EF4-FFF2-40B4-BE49-F238E27FC236}">
+                  <a16:creationId xmlns:a16="http://schemas.microsoft.com/office/drawing/2014/main" id="{D6D0B9AC-EAAB-48E8-824C-D953CC029C9A}"/>
+                </a:ext>
+              </a:extLst>
+            </p:cNvPr>
+            <p:cNvSpPr/>
+            <p:nvPr/>
+          </p:nvSpPr>
+          <p:spPr>
+            <a:xfrm rot="354082">
+              <a:off x="6267691" y="2691114"/>
+              <a:ext cx="240617" cy="908613"/>
+            </a:xfrm>
+            <a:custGeom>
+              <a:avLst/>
+              <a:gdLst>
+                <a:gd name="connsiteX0" fmla="*/ 0 w 240617"/>
+                <a:gd name="connsiteY0" fmla="*/ 0 h 908613"/>
+                <a:gd name="connsiteX1" fmla="*/ 196770 w 240617"/>
+                <a:gd name="connsiteY1" fmla="*/ 260430 h 908613"/>
+                <a:gd name="connsiteX2" fmla="*/ 237281 w 240617"/>
+                <a:gd name="connsiteY2" fmla="*/ 619245 h 908613"/>
+                <a:gd name="connsiteX3" fmla="*/ 138896 w 240617"/>
+                <a:gd name="connsiteY3" fmla="*/ 908613 h 908613"/>
+              </a:gdLst>
+              <a:ahLst/>
+              <a:cxnLst>
+                <a:cxn ang="0">
+                  <a:pos x="connsiteX0" y="connsiteY0"/>
+                </a:cxn>
+                <a:cxn ang="0">
+                  <a:pos x="connsiteX1" y="connsiteY1"/>
+                </a:cxn>
+                <a:cxn ang="0">
+                  <a:pos x="connsiteX2" y="connsiteY2"/>
+                </a:cxn>
+                <a:cxn ang="0">
+                  <a:pos x="connsiteX3" y="connsiteY3"/>
+                </a:cxn>
+              </a:cxnLst>
+              <a:rect l="l" t="t" r="r" b="b"/>
+              <a:pathLst>
+                <a:path w="240617" h="908613">
+                  <a:moveTo>
+                    <a:pt x="0" y="0"/>
+                  </a:moveTo>
+                  <a:cubicBezTo>
+                    <a:pt x="78611" y="78611"/>
+                    <a:pt x="157223" y="157223"/>
+                    <a:pt x="196770" y="260430"/>
+                  </a:cubicBezTo>
+                  <a:cubicBezTo>
+                    <a:pt x="236317" y="363638"/>
+                    <a:pt x="246927" y="511215"/>
+                    <a:pt x="237281" y="619245"/>
+                  </a:cubicBezTo>
+                  <a:cubicBezTo>
+                    <a:pt x="227635" y="727275"/>
+                    <a:pt x="183265" y="817944"/>
+                    <a:pt x="138896" y="908613"/>
+                  </a:cubicBezTo>
+                </a:path>
+              </a:pathLst>
+            </a:custGeom>
+            <a:noFill/>
+            <a:ln>
+              <a:solidFill>
+                <a:schemeClr val="tx1"/>
+              </a:solidFill>
+            </a:ln>
+          </p:spPr>
+          <p:style>
+            <a:lnRef idx="2">
+              <a:schemeClr val="accent1">
+                <a:shade val="50000"/>
+              </a:schemeClr>
+            </a:lnRef>
+            <a:fillRef idx="1">
+              <a:schemeClr val="accent1"/>
+            </a:fillRef>
+            <a:effectRef idx="0">
+              <a:schemeClr val="accent1"/>
+            </a:effectRef>
+            <a:fontRef idx="minor">
+              <a:schemeClr val="lt1"/>
+            </a:fontRef>
+          </p:style>
+          <p:txBody>
+            <a:bodyPr rtlCol="0" anchor="ctr"/>
+            <a:lstStyle/>
+            <a:p>
+              <a:pPr algn="ctr"/>
+              <a:endParaRPr lang="zh-TW" altLang="en-US"/>
+            </a:p>
+          </p:txBody>
+        </p:sp>
+        <mc:AlternateContent xmlns:mc="http://schemas.openxmlformats.org/markup-compatibility/2006">
+          <mc:Choice xmlns:a14="http://schemas.microsoft.com/office/drawing/2010/main" Requires="a14">
+            <p:sp>
+              <p:nvSpPr>
+                <p:cNvPr id="31" name="文字方塊 30">
+                  <a:extLst>
+                    <a:ext uri="{FF2B5EF4-FFF2-40B4-BE49-F238E27FC236}">
+                      <a16:creationId xmlns:a16="http://schemas.microsoft.com/office/drawing/2014/main" id="{42D8E6F0-049B-4544-BF7F-975638F9D74B}"/>
+                    </a:ext>
+                  </a:extLst>
+                </p:cNvPr>
+                <p:cNvSpPr txBox="1"/>
+                <p:nvPr/>
+              </p:nvSpPr>
+              <p:spPr>
+                <a:xfrm>
+                  <a:off x="6379900" y="2657578"/>
+                  <a:ext cx="313682" cy="369332"/>
+                </a:xfrm>
+                <a:prstGeom prst="rect">
+                  <a:avLst/>
+                </a:prstGeom>
+                <a:noFill/>
+              </p:spPr>
+              <p:txBody>
+                <a:bodyPr wrap="square" rtlCol="0">
+                  <a:spAutoFit/>
+                </a:bodyPr>
+                <a:lstStyle/>
+                <a:p>
+                  <a:pPr/>
+                  <a14:m>
+                    <m:oMathPara xmlns:m="http://schemas.openxmlformats.org/officeDocument/2006/math">
+                      <m:oMathParaPr>
+                        <m:jc m:val="centerGroup"/>
+                      </m:oMathParaPr>
+                      <m:oMath xmlns:m="http://schemas.openxmlformats.org/officeDocument/2006/math">
+                        <m:r>
+                          <a:rPr lang="en-US" altLang="zh-TW" b="0" i="1" smtClean="0">
+                            <a:latin typeface="Cambria Math" panose="02040503050406030204" pitchFamily="18" charset="0"/>
+                          </a:rPr>
+                          <m:t>𝜃</m:t>
+                        </m:r>
+                      </m:oMath>
+                    </m:oMathPara>
+                  </a14:m>
+                  <a:endParaRPr lang="zh-TW" altLang="en-US" dirty="0"/>
+                </a:p>
+              </p:txBody>
+            </p:sp>
+          </mc:Choice>
+          <mc:Fallback>
+            <p:sp>
+              <p:nvSpPr>
+                <p:cNvPr id="31" name="文字方塊 30">
+                  <a:extLst>
+                    <a:ext uri="{FF2B5EF4-FFF2-40B4-BE49-F238E27FC236}">
+                      <a16:creationId xmlns:a16="http://schemas.microsoft.com/office/drawing/2014/main" id="{42D8E6F0-049B-4544-BF7F-975638F9D74B}"/>
+                    </a:ext>
+                  </a:extLst>
+                </p:cNvPr>
+                <p:cNvSpPr txBox="1">
+                  <a:spLocks noRot="1" noChangeAspect="1" noMove="1" noResize="1" noEditPoints="1" noAdjustHandles="1" noChangeArrowheads="1" noChangeShapeType="1" noTextEdit="1"/>
+                </p:cNvSpPr>
+                <p:nvPr/>
+              </p:nvSpPr>
+              <p:spPr>
+                <a:xfrm>
+                  <a:off x="6379900" y="2657578"/>
+                  <a:ext cx="313682" cy="369332"/>
+                </a:xfrm>
+                <a:prstGeom prst="rect">
+                  <a:avLst/>
+                </a:prstGeom>
+                <a:blipFill>
+                  <a:blip r:embed="rId4"/>
+                  <a:stretch>
+                    <a:fillRect/>
+                  </a:stretch>
+                </a:blipFill>
+              </p:spPr>
+              <p:txBody>
+                <a:bodyPr/>
+                <a:lstStyle/>
+                <a:p>
+                  <a:r>
+                    <a:rPr lang="zh-TW" altLang="en-US">
+                      <a:noFill/>
+                    </a:rPr>
+                    <a:t> </a:t>
+                  </a:r>
+                </a:p>
+              </p:txBody>
+            </p:sp>
+          </mc:Fallback>
+        </mc:AlternateContent>
+        <p:cxnSp>
+          <p:nvCxnSpPr>
+            <p:cNvPr id="22" name="直線接點 21">
+              <a:extLst>
+                <a:ext uri="{FF2B5EF4-FFF2-40B4-BE49-F238E27FC236}">
+                  <a16:creationId xmlns:a16="http://schemas.microsoft.com/office/drawing/2014/main" id="{E2C23E67-B719-413D-935E-2D6F0C12FE60}"/>
+                </a:ext>
+              </a:extLst>
+            </p:cNvPr>
+            <p:cNvCxnSpPr>
+              <a:cxnSpLocks/>
+            </p:cNvCxnSpPr>
+            <p:nvPr/>
+          </p:nvCxnSpPr>
+          <p:spPr>
+            <a:xfrm flipH="1" flipV="1">
+              <a:off x="6218352" y="3633263"/>
+              <a:ext cx="1079919" cy="745642"/>
+            </a:xfrm>
+            <a:prstGeom prst="line">
+              <a:avLst/>
+            </a:prstGeom>
+            <a:ln w="28575">
+              <a:solidFill>
+                <a:schemeClr val="tx1"/>
+              </a:solidFill>
+              <a:headEnd type="arrow" w="med" len="med"/>
+              <a:tailEnd type="arrow" w="med" len="med"/>
+            </a:ln>
+          </p:spPr>
+          <p:style>
+            <a:lnRef idx="1">
+              <a:schemeClr val="accent1"/>
+            </a:lnRef>
+            <a:fillRef idx="0">
+              <a:schemeClr val="accent1"/>
+            </a:fillRef>
+            <a:effectRef idx="0">
+              <a:schemeClr val="accent1"/>
+            </a:effectRef>
+            <a:fontRef idx="minor">
+              <a:schemeClr val="tx1"/>
+            </a:fontRef>
+          </p:style>
+        </p:cxnSp>
+        <p:sp>
+          <p:nvSpPr>
+            <p:cNvPr id="26" name="文字方塊 25">
+              <a:extLst>
+                <a:ext uri="{FF2B5EF4-FFF2-40B4-BE49-F238E27FC236}">
+                  <a16:creationId xmlns:a16="http://schemas.microsoft.com/office/drawing/2014/main" id="{046A8C9B-3AB2-498A-8092-3A6E6EC3BC7C}"/>
+                </a:ext>
+              </a:extLst>
+            </p:cNvPr>
+            <p:cNvSpPr txBox="1"/>
+            <p:nvPr/>
+          </p:nvSpPr>
+          <p:spPr>
+            <a:xfrm>
+              <a:off x="6387999" y="3895725"/>
+              <a:ext cx="348465" cy="369332"/>
+            </a:xfrm>
+            <a:prstGeom prst="rect">
+              <a:avLst/>
+            </a:prstGeom>
+            <a:noFill/>
+          </p:spPr>
+          <p:txBody>
+            <a:bodyPr wrap="square" rtlCol="0">
+              <a:spAutoFit/>
+            </a:bodyPr>
+            <a:lstStyle/>
+            <a:p>
+              <a:r>
+                <a:rPr lang="en-US" altLang="zh-TW" dirty="0"/>
+                <a:t>d</a:t>
+              </a:r>
+              <a:endParaRPr lang="zh-TW" altLang="en-US" dirty="0"/>
+            </a:p>
+          </p:txBody>
+        </p:sp>
+        <p:sp>
+          <p:nvSpPr>
+            <p:cNvPr id="29" name="文字方塊 28">
+              <a:extLst>
+                <a:ext uri="{FF2B5EF4-FFF2-40B4-BE49-F238E27FC236}">
+                  <a16:creationId xmlns:a16="http://schemas.microsoft.com/office/drawing/2014/main" id="{03C42C66-2899-48AD-BD9E-D10248F3F0C3}"/>
+                </a:ext>
+              </a:extLst>
+            </p:cNvPr>
+            <p:cNvSpPr txBox="1"/>
+            <p:nvPr/>
+          </p:nvSpPr>
+          <p:spPr>
+            <a:xfrm>
+              <a:off x="6743179" y="3624498"/>
+              <a:ext cx="212529" cy="369332"/>
+            </a:xfrm>
+            <a:prstGeom prst="rect">
+              <a:avLst/>
+            </a:prstGeom>
+            <a:noFill/>
+          </p:spPr>
+          <p:txBody>
+            <a:bodyPr wrap="square" rtlCol="0">
+              <a:spAutoFit/>
+            </a:bodyPr>
+            <a:lstStyle/>
+            <a:p>
+              <a:r>
+                <a:rPr lang="en-US" altLang="zh-TW" dirty="0">
+                  <a:solidFill>
+                    <a:srgbClr val="FFC000"/>
+                  </a:solidFill>
+                </a:rPr>
+                <a:t>L</a:t>
+              </a:r>
+              <a:endParaRPr lang="zh-TW" altLang="en-US" dirty="0">
+                <a:solidFill>
+                  <a:srgbClr val="FFC000"/>
+                </a:solidFill>
+              </a:endParaRPr>
+            </a:p>
+          </p:txBody>
+        </p:sp>
+        <p:cxnSp>
+          <p:nvCxnSpPr>
+            <p:cNvPr id="33" name="直線單箭頭接點 32">
+              <a:extLst>
+                <a:ext uri="{FF2B5EF4-FFF2-40B4-BE49-F238E27FC236}">
+                  <a16:creationId xmlns:a16="http://schemas.microsoft.com/office/drawing/2014/main" id="{FAAAECC9-EA15-41BC-B981-A92B2345BE2A}"/>
+                </a:ext>
+              </a:extLst>
+            </p:cNvPr>
+            <p:cNvCxnSpPr/>
+            <p:nvPr/>
+          </p:nvCxnSpPr>
+          <p:spPr>
+            <a:xfrm>
+              <a:off x="5427132" y="3462962"/>
+              <a:ext cx="597192" cy="413021"/>
             </a:xfrm>
             <a:prstGeom prst="straightConnector1">
               <a:avLst/>
             </a:prstGeom>
-            <a:ln w="57150">
+            <a:ln w="19050">
               <a:solidFill>
-                <a:schemeClr val="tx1"/>
+                <a:srgbClr val="7030A0"/>
               </a:solidFill>
               <a:tailEnd type="triangle"/>
             </a:ln>
@@ -15651,10 +16871,10 @@
         </p:cxnSp>
         <p:cxnSp>
           <p:nvCxnSpPr>
-            <p:cNvPr id="3" name="直線單箭頭接點 2">
+            <p:cNvPr id="35" name="直線接點 34">
               <a:extLst>
                 <a:ext uri="{FF2B5EF4-FFF2-40B4-BE49-F238E27FC236}">
-                  <a16:creationId xmlns:a16="http://schemas.microsoft.com/office/drawing/2014/main" id="{CA36FBE8-13BA-4495-B796-F483A98C5358}"/>
+                  <a16:creationId xmlns:a16="http://schemas.microsoft.com/office/drawing/2014/main" id="{74C7AFF7-2F84-40A2-938F-2297FC3D41A8}"/>
                 </a:ext>
               </a:extLst>
             </p:cNvPr>
@@ -15664,16 +16884,229 @@
             <p:nvPr/>
           </p:nvCxnSpPr>
           <p:spPr>
-            <a:xfrm flipV="1">
-              <a:off x="5748867" y="1020232"/>
-              <a:ext cx="0" cy="4089401"/>
+            <a:xfrm flipH="1">
+              <a:off x="5423280" y="3110697"/>
+              <a:ext cx="251477" cy="352265"/>
+            </a:xfrm>
+            <a:prstGeom prst="line">
+              <a:avLst/>
+            </a:prstGeom>
+            <a:ln w="19050">
+              <a:solidFill>
+                <a:srgbClr val="7030A0"/>
+              </a:solidFill>
+              <a:prstDash val="sysDash"/>
+            </a:ln>
+          </p:spPr>
+          <p:style>
+            <a:lnRef idx="1">
+              <a:schemeClr val="accent1"/>
+            </a:lnRef>
+            <a:fillRef idx="0">
+              <a:schemeClr val="accent1"/>
+            </a:fillRef>
+            <a:effectRef idx="0">
+              <a:schemeClr val="accent1"/>
+            </a:effectRef>
+            <a:fontRef idx="minor">
+              <a:schemeClr val="tx1"/>
+            </a:fontRef>
+          </p:style>
+        </p:cxnSp>
+        <p:cxnSp>
+          <p:nvCxnSpPr>
+            <p:cNvPr id="37" name="直線接點 36">
+              <a:extLst>
+                <a:ext uri="{FF2B5EF4-FFF2-40B4-BE49-F238E27FC236}">
+                  <a16:creationId xmlns:a16="http://schemas.microsoft.com/office/drawing/2014/main" id="{8E10C171-582B-4713-B793-C24F15391B16}"/>
+                </a:ext>
+              </a:extLst>
+            </p:cNvPr>
+            <p:cNvCxnSpPr>
+              <a:cxnSpLocks/>
+            </p:cNvCxnSpPr>
+            <p:nvPr/>
+          </p:nvCxnSpPr>
+          <p:spPr>
+            <a:xfrm flipH="1">
+              <a:off x="6024324" y="3517938"/>
+              <a:ext cx="251477" cy="352265"/>
+            </a:xfrm>
+            <a:prstGeom prst="line">
+              <a:avLst/>
+            </a:prstGeom>
+            <a:ln w="19050">
+              <a:solidFill>
+                <a:srgbClr val="7030A0"/>
+              </a:solidFill>
+              <a:prstDash val="sysDash"/>
+            </a:ln>
+          </p:spPr>
+          <p:style>
+            <a:lnRef idx="1">
+              <a:schemeClr val="accent1"/>
+            </a:lnRef>
+            <a:fillRef idx="0">
+              <a:schemeClr val="accent1"/>
+            </a:fillRef>
+            <a:effectRef idx="0">
+              <a:schemeClr val="accent1"/>
+            </a:effectRef>
+            <a:fontRef idx="minor">
+              <a:schemeClr val="tx1"/>
+            </a:fontRef>
+          </p:style>
+        </p:cxnSp>
+        <mc:AlternateContent xmlns:mc="http://schemas.openxmlformats.org/markup-compatibility/2006">
+          <mc:Choice xmlns:a14="http://schemas.microsoft.com/office/drawing/2010/main" Requires="a14">
+            <p:sp>
+              <p:nvSpPr>
+                <p:cNvPr id="38" name="文字方塊 37">
+                  <a:extLst>
+                    <a:ext uri="{FF2B5EF4-FFF2-40B4-BE49-F238E27FC236}">
+                      <a16:creationId xmlns:a16="http://schemas.microsoft.com/office/drawing/2014/main" id="{C41D69CF-3A5B-400E-8760-9458C7DC260A}"/>
+                    </a:ext>
+                  </a:extLst>
+                </p:cNvPr>
+                <p:cNvSpPr txBox="1"/>
+                <p:nvPr/>
+              </p:nvSpPr>
+              <p:spPr>
+                <a:xfrm>
+                  <a:off x="5661684" y="3364201"/>
+                  <a:ext cx="243162" cy="369332"/>
+                </a:xfrm>
+                <a:prstGeom prst="rect">
+                  <a:avLst/>
+                </a:prstGeom>
+                <a:noFill/>
+              </p:spPr>
+              <p:txBody>
+                <a:bodyPr wrap="square" rtlCol="0">
+                  <a:spAutoFit/>
+                </a:bodyPr>
+                <a:lstStyle/>
+                <a:p>
+                  <a14:m>
+                    <m:oMathPara xmlns:m="http://schemas.openxmlformats.org/officeDocument/2006/math">
+                      <m:oMathParaPr>
+                        <m:jc m:val="centerGroup"/>
+                      </m:oMathParaPr>
+                      <m:oMath xmlns:m="http://schemas.openxmlformats.org/officeDocument/2006/math">
+                        <m:sSub>
+                          <m:sSubPr>
+                            <m:ctrlPr>
+                              <a:rPr lang="en-US" altLang="zh-TW" b="0" i="1" smtClean="0">
+                                <a:solidFill>
+                                  <a:srgbClr val="7030A0"/>
+                                </a:solidFill>
+                                <a:latin typeface="Cambria Math" panose="02040503050406030204" pitchFamily="18" charset="0"/>
+                              </a:rPr>
+                            </m:ctrlPr>
+                          </m:sSubPr>
+                          <m:e>
+                            <m:r>
+                              <a:rPr lang="en-US" altLang="zh-TW" b="0" i="1" smtClean="0">
+                                <a:solidFill>
+                                  <a:srgbClr val="7030A0"/>
+                                </a:solidFill>
+                                <a:latin typeface="Cambria Math" panose="02040503050406030204" pitchFamily="18" charset="0"/>
+                              </a:rPr>
+                              <m:t>𝑟</m:t>
+                            </m:r>
+                          </m:e>
+                          <m:sub>
+                            <m:r>
+                              <a:rPr lang="en-US" altLang="zh-TW" b="0" i="1" smtClean="0">
+                                <a:solidFill>
+                                  <a:srgbClr val="7030A0"/>
+                                </a:solidFill>
+                                <a:latin typeface="Cambria Math" panose="02040503050406030204" pitchFamily="18" charset="0"/>
+                              </a:rPr>
+                              <m:t>𝑒</m:t>
+                            </m:r>
+                          </m:sub>
+                        </m:sSub>
+                      </m:oMath>
+                    </m:oMathPara>
+                  </a14:m>
+                  <a:endParaRPr lang="zh-TW" altLang="en-US" dirty="0">
+                    <a:solidFill>
+                      <a:srgbClr val="7030A0"/>
+                    </a:solidFill>
+                  </a:endParaRPr>
+                </a:p>
+              </p:txBody>
+            </p:sp>
+          </mc:Choice>
+          <mc:Fallback>
+            <p:sp>
+              <p:nvSpPr>
+                <p:cNvPr id="38" name="文字方塊 37">
+                  <a:extLst>
+                    <a:ext uri="{FF2B5EF4-FFF2-40B4-BE49-F238E27FC236}">
+                      <a16:creationId xmlns:a16="http://schemas.microsoft.com/office/drawing/2014/main" id="{C41D69CF-3A5B-400E-8760-9458C7DC260A}"/>
+                    </a:ext>
+                  </a:extLst>
+                </p:cNvPr>
+                <p:cNvSpPr txBox="1">
+                  <a:spLocks noRot="1" noChangeAspect="1" noMove="1" noResize="1" noEditPoints="1" noAdjustHandles="1" noChangeArrowheads="1" noChangeShapeType="1" noTextEdit="1"/>
+                </p:cNvSpPr>
+                <p:nvPr/>
+              </p:nvSpPr>
+              <p:spPr>
+                <a:xfrm>
+                  <a:off x="5661684" y="3364201"/>
+                  <a:ext cx="243162" cy="369332"/>
+                </a:xfrm>
+                <a:prstGeom prst="rect">
+                  <a:avLst/>
+                </a:prstGeom>
+                <a:blipFill>
+                  <a:blip r:embed="rId5"/>
+                  <a:stretch>
+                    <a:fillRect r="-22500"/>
+                  </a:stretch>
+                </a:blipFill>
+              </p:spPr>
+              <p:txBody>
+                <a:bodyPr/>
+                <a:lstStyle/>
+                <a:p>
+                  <a:r>
+                    <a:rPr lang="zh-TW" altLang="en-US">
+                      <a:noFill/>
+                    </a:rPr>
+                    <a:t> </a:t>
+                  </a:r>
+                </a:p>
+              </p:txBody>
+            </p:sp>
+          </mc:Fallback>
+        </mc:AlternateContent>
+        <p:cxnSp>
+          <p:nvCxnSpPr>
+            <p:cNvPr id="40" name="直線單箭頭接點 39">
+              <a:extLst>
+                <a:ext uri="{FF2B5EF4-FFF2-40B4-BE49-F238E27FC236}">
+                  <a16:creationId xmlns:a16="http://schemas.microsoft.com/office/drawing/2014/main" id="{5D0ABE83-D9EB-4E8C-85F4-749607B15A39}"/>
+                </a:ext>
+              </a:extLst>
+            </p:cNvPr>
+            <p:cNvCxnSpPr/>
+            <p:nvPr/>
+          </p:nvCxnSpPr>
+          <p:spPr>
+            <a:xfrm flipH="1" flipV="1">
+              <a:off x="7567057" y="4075342"/>
+              <a:ext cx="135468" cy="432997"/>
             </a:xfrm>
             <a:prstGeom prst="straightConnector1">
               <a:avLst/>
             </a:prstGeom>
-            <a:ln w="57150">
+            <a:ln w="19050">
               <a:solidFill>
-                <a:schemeClr val="tx1"/>
+                <a:srgbClr val="7030A0"/>
               </a:solidFill>
               <a:tailEnd type="triangle"/>
             </a:ln>
@@ -15693,12 +17126,400 @@
             </a:fontRef>
           </p:style>
         </p:cxnSp>
+        <mc:AlternateContent xmlns:mc="http://schemas.openxmlformats.org/markup-compatibility/2006">
+          <mc:Choice xmlns:a14="http://schemas.microsoft.com/office/drawing/2010/main" Requires="a14">
+            <p:sp>
+              <p:nvSpPr>
+                <p:cNvPr id="41" name="文字方塊 40">
+                  <a:extLst>
+                    <a:ext uri="{FF2B5EF4-FFF2-40B4-BE49-F238E27FC236}">
+                      <a16:creationId xmlns:a16="http://schemas.microsoft.com/office/drawing/2014/main" id="{28A5BA87-F4DC-454A-905D-63760E172EE0}"/>
+                    </a:ext>
+                  </a:extLst>
+                </p:cNvPr>
+                <p:cNvSpPr txBox="1"/>
+                <p:nvPr/>
+              </p:nvSpPr>
+              <p:spPr>
+                <a:xfrm>
+                  <a:off x="7618557" y="4080391"/>
+                  <a:ext cx="188080" cy="369332"/>
+                </a:xfrm>
+                <a:prstGeom prst="rect">
+                  <a:avLst/>
+                </a:prstGeom>
+                <a:noFill/>
+              </p:spPr>
+              <p:txBody>
+                <a:bodyPr wrap="square" rtlCol="0">
+                  <a:spAutoFit/>
+                </a:bodyPr>
+                <a:lstStyle/>
+                <a:p>
+                  <a14:m>
+                    <m:oMathPara xmlns:m="http://schemas.openxmlformats.org/officeDocument/2006/math">
+                      <m:oMathParaPr>
+                        <m:jc m:val="centerGroup"/>
+                      </m:oMathParaPr>
+                      <m:oMath xmlns:m="http://schemas.openxmlformats.org/officeDocument/2006/math">
+                        <m:sSub>
+                          <m:sSubPr>
+                            <m:ctrlPr>
+                              <a:rPr lang="en-US" altLang="zh-TW" b="0" i="1" smtClean="0">
+                                <a:solidFill>
+                                  <a:srgbClr val="7030A0"/>
+                                </a:solidFill>
+                                <a:latin typeface="Cambria Math" panose="02040503050406030204" pitchFamily="18" charset="0"/>
+                              </a:rPr>
+                            </m:ctrlPr>
+                          </m:sSubPr>
+                          <m:e>
+                            <m:r>
+                              <a:rPr lang="en-US" altLang="zh-TW" b="0" i="1" smtClean="0">
+                                <a:solidFill>
+                                  <a:srgbClr val="7030A0"/>
+                                </a:solidFill>
+                                <a:latin typeface="Cambria Math" panose="02040503050406030204" pitchFamily="18" charset="0"/>
+                              </a:rPr>
+                              <m:t>𝑟</m:t>
+                            </m:r>
+                          </m:e>
+                          <m:sub>
+                            <m:r>
+                              <a:rPr lang="en-US" altLang="zh-TW" b="0" i="1" smtClean="0">
+                                <a:solidFill>
+                                  <a:srgbClr val="7030A0"/>
+                                </a:solidFill>
+                                <a:latin typeface="Cambria Math" panose="02040503050406030204" pitchFamily="18" charset="0"/>
+                              </a:rPr>
+                              <m:t>𝑐</m:t>
+                            </m:r>
+                          </m:sub>
+                        </m:sSub>
+                      </m:oMath>
+                    </m:oMathPara>
+                  </a14:m>
+                  <a:endParaRPr lang="zh-TW" altLang="en-US" dirty="0">
+                    <a:solidFill>
+                      <a:srgbClr val="7030A0"/>
+                    </a:solidFill>
+                  </a:endParaRPr>
+                </a:p>
+              </p:txBody>
+            </p:sp>
+          </mc:Choice>
+          <mc:Fallback>
+            <p:sp>
+              <p:nvSpPr>
+                <p:cNvPr id="41" name="文字方塊 40">
+                  <a:extLst>
+                    <a:ext uri="{FF2B5EF4-FFF2-40B4-BE49-F238E27FC236}">
+                      <a16:creationId xmlns:a16="http://schemas.microsoft.com/office/drawing/2014/main" id="{28A5BA87-F4DC-454A-905D-63760E172EE0}"/>
+                    </a:ext>
+                  </a:extLst>
+                </p:cNvPr>
+                <p:cNvSpPr txBox="1">
+                  <a:spLocks noRot="1" noChangeAspect="1" noMove="1" noResize="1" noEditPoints="1" noAdjustHandles="1" noChangeArrowheads="1" noChangeShapeType="1" noTextEdit="1"/>
+                </p:cNvSpPr>
+                <p:nvPr/>
+              </p:nvSpPr>
+              <p:spPr>
+                <a:xfrm>
+                  <a:off x="7618557" y="4080391"/>
+                  <a:ext cx="188080" cy="369332"/>
+                </a:xfrm>
+                <a:prstGeom prst="rect">
+                  <a:avLst/>
+                </a:prstGeom>
+                <a:blipFill>
+                  <a:blip r:embed="rId6"/>
+                  <a:stretch>
+                    <a:fillRect r="-54839"/>
+                  </a:stretch>
+                </a:blipFill>
+              </p:spPr>
+              <p:txBody>
+                <a:bodyPr/>
+                <a:lstStyle/>
+                <a:p>
+                  <a:r>
+                    <a:rPr lang="zh-TW" altLang="en-US">
+                      <a:noFill/>
+                    </a:rPr>
+                    <a:t> </a:t>
+                  </a:r>
+                </a:p>
+              </p:txBody>
+            </p:sp>
+          </mc:Fallback>
+        </mc:AlternateContent>
+      </p:grpSp>
+      <p:grpSp>
+        <p:nvGrpSpPr>
+          <p:cNvPr id="54" name="群組 53">
+            <a:extLst>
+              <a:ext uri="{FF2B5EF4-FFF2-40B4-BE49-F238E27FC236}">
+                <a16:creationId xmlns:a16="http://schemas.microsoft.com/office/drawing/2014/main" id="{A7E5030E-A1E3-4186-ABED-7A30BBBD7069}"/>
+              </a:ext>
+            </a:extLst>
+          </p:cNvPr>
+          <p:cNvGrpSpPr/>
+          <p:nvPr/>
+        </p:nvGrpSpPr>
+        <p:grpSpPr>
+          <a:xfrm>
+            <a:off x="1783256" y="1017921"/>
+            <a:ext cx="1349596" cy="962754"/>
+            <a:chOff x="1783256" y="1017921"/>
+            <a:chExt cx="1349596" cy="962754"/>
+          </a:xfrm>
+        </p:grpSpPr>
         <p:sp>
           <p:nvSpPr>
-            <p:cNvPr id="4" name="文字方塊 3">
+            <p:cNvPr id="43" name="橢圓 42">
               <a:extLst>
                 <a:ext uri="{FF2B5EF4-FFF2-40B4-BE49-F238E27FC236}">
-                  <a16:creationId xmlns:a16="http://schemas.microsoft.com/office/drawing/2014/main" id="{759AE3F5-7BF5-419D-98AF-71B67B662A41}"/>
+                  <a16:creationId xmlns:a16="http://schemas.microsoft.com/office/drawing/2014/main" id="{DA7D935D-6A9D-4038-90CC-607E6AA28139}"/>
+                </a:ext>
+              </a:extLst>
+            </p:cNvPr>
+            <p:cNvSpPr/>
+            <p:nvPr/>
+          </p:nvSpPr>
+          <p:spPr>
+            <a:xfrm>
+              <a:off x="1783256" y="1031505"/>
+              <a:ext cx="1349596" cy="949170"/>
+            </a:xfrm>
+            <a:prstGeom prst="ellipse">
+              <a:avLst/>
+            </a:prstGeom>
+            <a:noFill/>
+            <a:ln>
+              <a:solidFill>
+                <a:schemeClr val="tx1"/>
+              </a:solidFill>
+            </a:ln>
+          </p:spPr>
+          <p:style>
+            <a:lnRef idx="2">
+              <a:schemeClr val="accent1">
+                <a:shade val="50000"/>
+              </a:schemeClr>
+            </a:lnRef>
+            <a:fillRef idx="1">
+              <a:schemeClr val="accent1"/>
+            </a:fillRef>
+            <a:effectRef idx="0">
+              <a:schemeClr val="accent1"/>
+            </a:effectRef>
+            <a:fontRef idx="minor">
+              <a:schemeClr val="lt1"/>
+            </a:fontRef>
+          </p:style>
+          <p:txBody>
+            <a:bodyPr rtlCol="0" anchor="ctr"/>
+            <a:lstStyle/>
+            <a:p>
+              <a:pPr algn="ctr"/>
+              <a:endParaRPr lang="zh-TW" altLang="en-US"/>
+            </a:p>
+          </p:txBody>
+        </p:sp>
+        <p:sp>
+          <p:nvSpPr>
+            <p:cNvPr id="42" name="矩形 41">
+              <a:extLst>
+                <a:ext uri="{FF2B5EF4-FFF2-40B4-BE49-F238E27FC236}">
+                  <a16:creationId xmlns:a16="http://schemas.microsoft.com/office/drawing/2014/main" id="{59A42DFF-0627-40A3-A8EA-954A1AD263B0}"/>
+                </a:ext>
+              </a:extLst>
+            </p:cNvPr>
+            <p:cNvSpPr/>
+            <p:nvPr/>
+          </p:nvSpPr>
+          <p:spPr>
+            <a:xfrm>
+              <a:off x="1927248" y="1217499"/>
+              <a:ext cx="1061612" cy="577182"/>
+            </a:xfrm>
+            <a:prstGeom prst="rect">
+              <a:avLst/>
+            </a:prstGeom>
+            <a:ln>
+              <a:solidFill>
+                <a:schemeClr val="tx1"/>
+              </a:solidFill>
+            </a:ln>
+          </p:spPr>
+          <p:style>
+            <a:lnRef idx="2">
+              <a:schemeClr val="accent1">
+                <a:shade val="50000"/>
+              </a:schemeClr>
+            </a:lnRef>
+            <a:fillRef idx="1">
+              <a:schemeClr val="accent1"/>
+            </a:fillRef>
+            <a:effectRef idx="0">
+              <a:schemeClr val="accent1"/>
+            </a:effectRef>
+            <a:fontRef idx="minor">
+              <a:schemeClr val="lt1"/>
+            </a:fontRef>
+          </p:style>
+          <p:txBody>
+            <a:bodyPr rtlCol="0" anchor="ctr"/>
+            <a:lstStyle/>
+            <a:p>
+              <a:pPr algn="ctr"/>
+              <a:r>
+                <a:rPr lang="en-US" altLang="zh-TW" dirty="0"/>
+                <a:t>robot</a:t>
+              </a:r>
+              <a:endParaRPr lang="zh-TW" altLang="en-US" dirty="0"/>
+            </a:p>
+          </p:txBody>
+        </p:sp>
+        <p:cxnSp>
+          <p:nvCxnSpPr>
+            <p:cNvPr id="45" name="直線接點 44">
+              <a:extLst>
+                <a:ext uri="{FF2B5EF4-FFF2-40B4-BE49-F238E27FC236}">
+                  <a16:creationId xmlns:a16="http://schemas.microsoft.com/office/drawing/2014/main" id="{5F780011-B2C3-415A-8A5B-B6A71FB230A3}"/>
+                </a:ext>
+              </a:extLst>
+            </p:cNvPr>
+            <p:cNvCxnSpPr>
+              <a:stCxn id="43" idx="6"/>
+              <a:endCxn id="43" idx="2"/>
+            </p:cNvCxnSpPr>
+            <p:nvPr/>
+          </p:nvCxnSpPr>
+          <p:spPr>
+            <a:xfrm flipH="1">
+              <a:off x="1783256" y="1506090"/>
+              <a:ext cx="1349596" cy="0"/>
+            </a:xfrm>
+            <a:prstGeom prst="line">
+              <a:avLst/>
+            </a:prstGeom>
+            <a:ln w="19050">
+              <a:solidFill>
+                <a:schemeClr val="tx1"/>
+              </a:solidFill>
+            </a:ln>
+          </p:spPr>
+          <p:style>
+            <a:lnRef idx="1">
+              <a:schemeClr val="accent1"/>
+            </a:lnRef>
+            <a:fillRef idx="0">
+              <a:schemeClr val="accent1"/>
+            </a:fillRef>
+            <a:effectRef idx="0">
+              <a:schemeClr val="accent1"/>
+            </a:effectRef>
+            <a:fontRef idx="minor">
+              <a:schemeClr val="tx1"/>
+            </a:fontRef>
+          </p:style>
+        </p:cxnSp>
+        <p:cxnSp>
+          <p:nvCxnSpPr>
+            <p:cNvPr id="47" name="直線接點 46">
+              <a:extLst>
+                <a:ext uri="{FF2B5EF4-FFF2-40B4-BE49-F238E27FC236}">
+                  <a16:creationId xmlns:a16="http://schemas.microsoft.com/office/drawing/2014/main" id="{9F3ED097-3020-4405-A927-9CA30348458A}"/>
+                </a:ext>
+              </a:extLst>
+            </p:cNvPr>
+            <p:cNvCxnSpPr>
+              <a:stCxn id="43" idx="0"/>
+              <a:endCxn id="43" idx="4"/>
+            </p:cNvCxnSpPr>
+            <p:nvPr/>
+          </p:nvCxnSpPr>
+          <p:spPr>
+            <a:xfrm>
+              <a:off x="2458054" y="1031505"/>
+              <a:ext cx="0" cy="949170"/>
+            </a:xfrm>
+            <a:prstGeom prst="line">
+              <a:avLst/>
+            </a:prstGeom>
+            <a:ln w="19050">
+              <a:solidFill>
+                <a:schemeClr val="tx1"/>
+              </a:solidFill>
+            </a:ln>
+          </p:spPr>
+          <p:style>
+            <a:lnRef idx="1">
+              <a:schemeClr val="accent1"/>
+            </a:lnRef>
+            <a:fillRef idx="0">
+              <a:schemeClr val="accent1"/>
+            </a:fillRef>
+            <a:effectRef idx="0">
+              <a:schemeClr val="accent1"/>
+            </a:effectRef>
+            <a:fontRef idx="minor">
+              <a:schemeClr val="tx1"/>
+            </a:fontRef>
+          </p:style>
+        </p:cxnSp>
+        <p:cxnSp>
+          <p:nvCxnSpPr>
+            <p:cNvPr id="49" name="直線接點 48">
+              <a:extLst>
+                <a:ext uri="{FF2B5EF4-FFF2-40B4-BE49-F238E27FC236}">
+                  <a16:creationId xmlns:a16="http://schemas.microsoft.com/office/drawing/2014/main" id="{13F790A1-4437-4E21-B410-666F06967AFF}"/>
+                </a:ext>
+              </a:extLst>
+            </p:cNvPr>
+            <p:cNvCxnSpPr>
+              <a:cxnSpLocks/>
+            </p:cNvCxnSpPr>
+            <p:nvPr/>
+          </p:nvCxnSpPr>
+          <p:spPr>
+            <a:xfrm>
+              <a:off x="2458054" y="1642568"/>
+              <a:ext cx="674798" cy="0"/>
+            </a:xfrm>
+            <a:prstGeom prst="line">
+              <a:avLst/>
+            </a:prstGeom>
+            <a:ln w="12700">
+              <a:solidFill>
+                <a:schemeClr val="tx1"/>
+              </a:solidFill>
+              <a:headEnd type="arrow" w="med" len="med"/>
+              <a:tailEnd type="arrow" w="med" len="med"/>
+            </a:ln>
+          </p:spPr>
+          <p:style>
+            <a:lnRef idx="1">
+              <a:schemeClr val="accent1"/>
+            </a:lnRef>
+            <a:fillRef idx="0">
+              <a:schemeClr val="accent1"/>
+            </a:fillRef>
+            <a:effectRef idx="0">
+              <a:schemeClr val="accent1"/>
+            </a:effectRef>
+            <a:fontRef idx="minor">
+              <a:schemeClr val="tx1"/>
+            </a:fontRef>
+          </p:style>
+        </p:cxnSp>
+        <p:sp>
+          <p:nvSpPr>
+            <p:cNvPr id="50" name="文字方塊 49">
+              <a:extLst>
+                <a:ext uri="{FF2B5EF4-FFF2-40B4-BE49-F238E27FC236}">
+                  <a16:creationId xmlns:a16="http://schemas.microsoft.com/office/drawing/2014/main" id="{99197D23-B642-4E3C-ABC7-66B23760AEA8}"/>
                 </a:ext>
               </a:extLst>
             </p:cNvPr>
@@ -15707,8 +17528,8 @@
           </p:nvSpPr>
           <p:spPr>
             <a:xfrm>
-              <a:off x="7518400" y="3208867"/>
-              <a:ext cx="270935" cy="369332"/>
+              <a:off x="2688906" y="1519674"/>
+              <a:ext cx="153943" cy="369332"/>
             </a:xfrm>
             <a:prstGeom prst="rect">
               <a:avLst/>
@@ -15723,18 +17544,63 @@
             <a:p>
               <a:r>
                 <a:rPr lang="en-US" altLang="zh-TW" dirty="0"/>
-                <a:t>X</a:t>
+                <a:t>a</a:t>
               </a:r>
               <a:endParaRPr lang="zh-TW" altLang="en-US" dirty="0"/>
             </a:p>
           </p:txBody>
         </p:sp>
+        <p:cxnSp>
+          <p:nvCxnSpPr>
+            <p:cNvPr id="52" name="直線接點 51">
+              <a:extLst>
+                <a:ext uri="{FF2B5EF4-FFF2-40B4-BE49-F238E27FC236}">
+                  <a16:creationId xmlns:a16="http://schemas.microsoft.com/office/drawing/2014/main" id="{D375F8AC-C945-45D9-BAE8-7BF7F808FE22}"/>
+                </a:ext>
+              </a:extLst>
+            </p:cNvPr>
+            <p:cNvCxnSpPr>
+              <a:cxnSpLocks/>
+            </p:cNvCxnSpPr>
+            <p:nvPr/>
+          </p:nvCxnSpPr>
+          <p:spPr>
+            <a:xfrm>
+              <a:off x="2355696" y="1017921"/>
+              <a:ext cx="0" cy="488169"/>
+            </a:xfrm>
+            <a:prstGeom prst="line">
+              <a:avLst/>
+            </a:prstGeom>
+            <a:ln w="12700">
+              <a:solidFill>
+                <a:schemeClr val="tx1"/>
+              </a:solidFill>
+              <a:headEnd type="arrow" w="med" len="med"/>
+              <a:tailEnd type="arrow" w="med" len="med"/>
+            </a:ln>
+          </p:spPr>
+          <p:style>
+            <a:lnRef idx="1">
+              <a:schemeClr val="accent1"/>
+            </a:lnRef>
+            <a:fillRef idx="0">
+              <a:schemeClr val="accent1"/>
+            </a:fillRef>
+            <a:effectRef idx="0">
+              <a:schemeClr val="accent1"/>
+            </a:effectRef>
+            <a:fontRef idx="minor">
+              <a:schemeClr val="tx1"/>
+            </a:fontRef>
+          </p:style>
+        </p:cxnSp>
         <p:sp>
           <p:nvSpPr>
-            <p:cNvPr id="5" name="文字方塊 4">
+            <p:cNvPr id="53" name="文字方塊 52">
               <a:extLst>
                 <a:ext uri="{FF2B5EF4-FFF2-40B4-BE49-F238E27FC236}">
-                  <a16:creationId xmlns:a16="http://schemas.microsoft.com/office/drawing/2014/main" id="{D120177E-BC57-4AE4-9355-EE6C7CF2B97D}"/>
+                  <a16:creationId xmlns:a16="http://schemas.microsoft.com/office/drawing/2014/main" id="{7CEA1F69-CAB0-4CAA-B1A6-203E8A1B81CE}"/>
                 </a:ext>
               </a:extLst>
             </p:cNvPr>
@@ -15743,8 +17609,8 @@
           </p:nvSpPr>
           <p:spPr>
             <a:xfrm>
-              <a:off x="5842000" y="1020232"/>
-              <a:ext cx="253995" cy="369332"/>
+              <a:off x="2150558" y="1123174"/>
+              <a:ext cx="119865" cy="369332"/>
             </a:xfrm>
             <a:prstGeom prst="rect">
               <a:avLst/>
@@ -15759,924 +17625,13 @@
             <a:p>
               <a:r>
                 <a:rPr lang="en-US" altLang="zh-TW" dirty="0"/>
-                <a:t>Y</a:t>
+                <a:t>b</a:t>
               </a:r>
               <a:endParaRPr lang="zh-TW" altLang="en-US" dirty="0"/>
             </a:p>
           </p:txBody>
         </p:sp>
       </p:grpSp>
-      <p:sp>
-        <p:nvSpPr>
-          <p:cNvPr id="7" name="橢圓 6">
-            <a:extLst>
-              <a:ext uri="{FF2B5EF4-FFF2-40B4-BE49-F238E27FC236}">
-                <a16:creationId xmlns:a16="http://schemas.microsoft.com/office/drawing/2014/main" id="{B885D337-F4A3-4CF1-BFA5-BB5D15114F90}"/>
-              </a:ext>
-            </a:extLst>
-          </p:cNvPr>
-          <p:cNvSpPr/>
-          <p:nvPr/>
-        </p:nvSpPr>
-        <p:spPr>
-          <a:xfrm rot="19453132">
-            <a:off x="4552014" y="2385219"/>
-            <a:ext cx="2245485" cy="1452021"/>
-          </a:xfrm>
-          <a:prstGeom prst="ellipse">
-            <a:avLst/>
-          </a:prstGeom>
-          <a:solidFill>
-            <a:srgbClr val="F2F2F2">
-              <a:alpha val="34118"/>
-            </a:srgbClr>
-          </a:solidFill>
-          <a:ln w="19050">
-            <a:solidFill>
-              <a:schemeClr val="tx1"/>
-            </a:solidFill>
-          </a:ln>
-        </p:spPr>
-        <p:style>
-          <a:lnRef idx="2">
-            <a:schemeClr val="accent1">
-              <a:shade val="50000"/>
-            </a:schemeClr>
-          </a:lnRef>
-          <a:fillRef idx="1">
-            <a:schemeClr val="accent1"/>
-          </a:fillRef>
-          <a:effectRef idx="0">
-            <a:schemeClr val="accent1"/>
-          </a:effectRef>
-          <a:fontRef idx="minor">
-            <a:schemeClr val="lt1"/>
-          </a:fontRef>
-        </p:style>
-        <p:txBody>
-          <a:bodyPr rtlCol="0" anchor="ctr"/>
-          <a:lstStyle/>
-          <a:p>
-            <a:pPr algn="ctr"/>
-            <a:endParaRPr lang="zh-TW" altLang="en-US"/>
-          </a:p>
-        </p:txBody>
-      </p:sp>
-      <p:cxnSp>
-        <p:nvCxnSpPr>
-          <p:cNvPr id="9" name="直線接點 8">
-            <a:extLst>
-              <a:ext uri="{FF2B5EF4-FFF2-40B4-BE49-F238E27FC236}">
-                <a16:creationId xmlns:a16="http://schemas.microsoft.com/office/drawing/2014/main" id="{6070B7A8-5E97-47AE-91BA-03A03322DBAF}"/>
-              </a:ext>
-            </a:extLst>
-          </p:cNvPr>
-          <p:cNvCxnSpPr>
-            <a:stCxn id="7" idx="2"/>
-            <a:endCxn id="7" idx="6"/>
-          </p:cNvCxnSpPr>
-          <p:nvPr/>
-        </p:nvCxnSpPr>
-        <p:spPr>
-          <a:xfrm flipV="1">
-            <a:off x="4763925" y="2454773"/>
-            <a:ext cx="1821664" cy="1312914"/>
-          </a:xfrm>
-          <a:prstGeom prst="line">
-            <a:avLst/>
-          </a:prstGeom>
-          <a:ln w="19050">
-            <a:solidFill>
-              <a:srgbClr val="FF0000"/>
-            </a:solidFill>
-            <a:headEnd type="none" w="med" len="med"/>
-            <a:tailEnd type="arrow" w="med" len="med"/>
-          </a:ln>
-        </p:spPr>
-        <p:style>
-          <a:lnRef idx="1">
-            <a:schemeClr val="accent1"/>
-          </a:lnRef>
-          <a:fillRef idx="0">
-            <a:schemeClr val="accent1"/>
-          </a:fillRef>
-          <a:effectRef idx="0">
-            <a:schemeClr val="accent1"/>
-          </a:effectRef>
-          <a:fontRef idx="minor">
-            <a:schemeClr val="tx1"/>
-          </a:fontRef>
-        </p:style>
-      </p:cxnSp>
-      <p:cxnSp>
-        <p:nvCxnSpPr>
-          <p:cNvPr id="11" name="直線接點 10">
-            <a:extLst>
-              <a:ext uri="{FF2B5EF4-FFF2-40B4-BE49-F238E27FC236}">
-                <a16:creationId xmlns:a16="http://schemas.microsoft.com/office/drawing/2014/main" id="{7F760B14-1252-4D08-8A24-53805C5F7C46}"/>
-              </a:ext>
-            </a:extLst>
-          </p:cNvPr>
-          <p:cNvCxnSpPr>
-            <a:cxnSpLocks/>
-            <a:stCxn id="7" idx="0"/>
-            <a:endCxn id="7" idx="4"/>
-          </p:cNvCxnSpPr>
-          <p:nvPr/>
-        </p:nvCxnSpPr>
-        <p:spPr>
-          <a:xfrm>
-            <a:off x="5250265" y="2522249"/>
-            <a:ext cx="848983" cy="1177961"/>
-          </a:xfrm>
-          <a:prstGeom prst="line">
-            <a:avLst/>
-          </a:prstGeom>
-          <a:ln w="19050">
-            <a:solidFill>
-              <a:srgbClr val="FF0000"/>
-            </a:solidFill>
-            <a:headEnd type="arrow" w="med" len="med"/>
-            <a:tailEnd type="none" w="med" len="med"/>
-          </a:ln>
-        </p:spPr>
-        <p:style>
-          <a:lnRef idx="1">
-            <a:schemeClr val="accent1"/>
-          </a:lnRef>
-          <a:fillRef idx="0">
-            <a:schemeClr val="accent1"/>
-          </a:fillRef>
-          <a:effectRef idx="0">
-            <a:schemeClr val="accent1"/>
-          </a:effectRef>
-          <a:fontRef idx="minor">
-            <a:schemeClr val="tx1"/>
-          </a:fontRef>
-        </p:style>
-      </p:cxnSp>
-      <p:sp>
-        <p:nvSpPr>
-          <p:cNvPr id="17" name="文字方塊 16">
-            <a:extLst>
-              <a:ext uri="{FF2B5EF4-FFF2-40B4-BE49-F238E27FC236}">
-                <a16:creationId xmlns:a16="http://schemas.microsoft.com/office/drawing/2014/main" id="{24BA495C-7F3F-4C23-BFF3-B15CB1C1C171}"/>
-              </a:ext>
-            </a:extLst>
-          </p:cNvPr>
-          <p:cNvSpPr txBox="1"/>
-          <p:nvPr/>
-        </p:nvSpPr>
-        <p:spPr>
-          <a:xfrm>
-            <a:off x="6585589" y="2095018"/>
-            <a:ext cx="150875" cy="369332"/>
-          </a:xfrm>
-          <a:prstGeom prst="rect">
-            <a:avLst/>
-          </a:prstGeom>
-          <a:noFill/>
-        </p:spPr>
-        <p:txBody>
-          <a:bodyPr wrap="square" rtlCol="0">
-            <a:spAutoFit/>
-          </a:bodyPr>
-          <a:lstStyle/>
-          <a:p>
-            <a:r>
-              <a:rPr lang="en-US" altLang="zh-TW" dirty="0">
-                <a:solidFill>
-                  <a:srgbClr val="FF0000"/>
-                </a:solidFill>
-              </a:rPr>
-              <a:t>x</a:t>
-            </a:r>
-            <a:endParaRPr lang="zh-TW" altLang="en-US" dirty="0">
-              <a:solidFill>
-                <a:srgbClr val="FF0000"/>
-              </a:solidFill>
-            </a:endParaRPr>
-          </a:p>
-        </p:txBody>
-      </p:sp>
-      <p:sp>
-        <p:nvSpPr>
-          <p:cNvPr id="18" name="文字方塊 17">
-            <a:extLst>
-              <a:ext uri="{FF2B5EF4-FFF2-40B4-BE49-F238E27FC236}">
-                <a16:creationId xmlns:a16="http://schemas.microsoft.com/office/drawing/2014/main" id="{C7606F17-A27F-4CE3-B071-C91F4C014CAF}"/>
-              </a:ext>
-            </a:extLst>
-          </p:cNvPr>
-          <p:cNvSpPr txBox="1"/>
-          <p:nvPr/>
-        </p:nvSpPr>
-        <p:spPr>
-          <a:xfrm>
-            <a:off x="4944214" y="2210765"/>
-            <a:ext cx="200733" cy="369332"/>
-          </a:xfrm>
-          <a:prstGeom prst="rect">
-            <a:avLst/>
-          </a:prstGeom>
-          <a:noFill/>
-        </p:spPr>
-        <p:txBody>
-          <a:bodyPr wrap="square" rtlCol="0">
-            <a:spAutoFit/>
-          </a:bodyPr>
-          <a:lstStyle/>
-          <a:p>
-            <a:r>
-              <a:rPr lang="en-US" altLang="zh-TW" dirty="0">
-                <a:solidFill>
-                  <a:srgbClr val="FF0000"/>
-                </a:solidFill>
-              </a:rPr>
-              <a:t>y</a:t>
-            </a:r>
-            <a:endParaRPr lang="zh-TW" altLang="en-US" dirty="0">
-              <a:solidFill>
-                <a:srgbClr val="FF0000"/>
-              </a:solidFill>
-            </a:endParaRPr>
-          </a:p>
-        </p:txBody>
-      </p:sp>
-      <p:sp>
-        <p:nvSpPr>
-          <p:cNvPr id="19" name="手繪多邊形: 圖案 18">
-            <a:extLst>
-              <a:ext uri="{FF2B5EF4-FFF2-40B4-BE49-F238E27FC236}">
-                <a16:creationId xmlns:a16="http://schemas.microsoft.com/office/drawing/2014/main" id="{A84633CD-5460-42B5-8FCD-BAD30B886CB2}"/>
-              </a:ext>
-            </a:extLst>
-          </p:cNvPr>
-          <p:cNvSpPr/>
-          <p:nvPr/>
-        </p:nvSpPr>
-        <p:spPr>
-          <a:xfrm>
-            <a:off x="6030410" y="2876309"/>
-            <a:ext cx="92598" cy="219919"/>
-          </a:xfrm>
-          <a:custGeom>
-            <a:avLst/>
-            <a:gdLst>
-              <a:gd name="connsiteX0" fmla="*/ 0 w 92598"/>
-              <a:gd name="connsiteY0" fmla="*/ 0 h 219919"/>
-              <a:gd name="connsiteX1" fmla="*/ 69448 w 92598"/>
-              <a:gd name="connsiteY1" fmla="*/ 81023 h 219919"/>
-              <a:gd name="connsiteX2" fmla="*/ 92598 w 92598"/>
-              <a:gd name="connsiteY2" fmla="*/ 219919 h 219919"/>
-            </a:gdLst>
-            <a:ahLst/>
-            <a:cxnLst>
-              <a:cxn ang="0">
-                <a:pos x="connsiteX0" y="connsiteY0"/>
-              </a:cxn>
-              <a:cxn ang="0">
-                <a:pos x="connsiteX1" y="connsiteY1"/>
-              </a:cxn>
-              <a:cxn ang="0">
-                <a:pos x="connsiteX2" y="connsiteY2"/>
-              </a:cxn>
-            </a:cxnLst>
-            <a:rect l="l" t="t" r="r" b="b"/>
-            <a:pathLst>
-              <a:path w="92598" h="219919">
-                <a:moveTo>
-                  <a:pt x="0" y="0"/>
-                </a:moveTo>
-                <a:cubicBezTo>
-                  <a:pt x="27007" y="22185"/>
-                  <a:pt x="54015" y="44370"/>
-                  <a:pt x="69448" y="81023"/>
-                </a:cubicBezTo>
-                <a:cubicBezTo>
-                  <a:pt x="84881" y="117676"/>
-                  <a:pt x="88739" y="168797"/>
-                  <a:pt x="92598" y="219919"/>
-                </a:cubicBezTo>
-              </a:path>
-            </a:pathLst>
-          </a:custGeom>
-          <a:noFill/>
-          <a:ln>
-            <a:solidFill>
-              <a:schemeClr val="tx1"/>
-            </a:solidFill>
-          </a:ln>
-        </p:spPr>
-        <p:style>
-          <a:lnRef idx="2">
-            <a:schemeClr val="accent1">
-              <a:shade val="50000"/>
-            </a:schemeClr>
-          </a:lnRef>
-          <a:fillRef idx="1">
-            <a:schemeClr val="accent1"/>
-          </a:fillRef>
-          <a:effectRef idx="0">
-            <a:schemeClr val="accent1"/>
-          </a:effectRef>
-          <a:fontRef idx="minor">
-            <a:schemeClr val="lt1"/>
-          </a:fontRef>
-        </p:style>
-        <p:txBody>
-          <a:bodyPr rtlCol="0" anchor="ctr"/>
-          <a:lstStyle/>
-          <a:p>
-            <a:pPr algn="ctr"/>
-            <a:endParaRPr lang="zh-TW" altLang="en-US"/>
-          </a:p>
-        </p:txBody>
-      </p:sp>
-      <mc:AlternateContent xmlns:mc="http://schemas.openxmlformats.org/markup-compatibility/2006">
-        <mc:Choice xmlns:a14="http://schemas.microsoft.com/office/drawing/2010/main" Requires="a14">
-          <p:sp>
-            <p:nvSpPr>
-              <p:cNvPr id="20" name="文字方塊 19">
-                <a:extLst>
-                  <a:ext uri="{FF2B5EF4-FFF2-40B4-BE49-F238E27FC236}">
-                    <a16:creationId xmlns:a16="http://schemas.microsoft.com/office/drawing/2014/main" id="{8B50CE38-5F5B-43B0-A17E-9D62113F69FC}"/>
-                  </a:ext>
-                </a:extLst>
-              </p:cNvPr>
-              <p:cNvSpPr txBox="1"/>
-              <p:nvPr/>
-            </p:nvSpPr>
-            <p:spPr>
-              <a:xfrm>
-                <a:off x="6060230" y="2726896"/>
-                <a:ext cx="199019" cy="369332"/>
-              </a:xfrm>
-              <a:prstGeom prst="rect">
-                <a:avLst/>
-              </a:prstGeom>
-              <a:noFill/>
-            </p:spPr>
-            <p:txBody>
-              <a:bodyPr wrap="square" rtlCol="0">
-                <a:spAutoFit/>
-              </a:bodyPr>
-              <a:lstStyle/>
-              <a:p>
-                <a14:m>
-                  <m:oMathPara xmlns:m="http://schemas.openxmlformats.org/officeDocument/2006/math">
-                    <m:oMathParaPr>
-                      <m:jc m:val="centerGroup"/>
-                    </m:oMathParaPr>
-                    <m:oMath xmlns:m="http://schemas.openxmlformats.org/officeDocument/2006/math">
-                      <m:r>
-                        <a:rPr lang="en-US" altLang="zh-TW" b="0" i="1" smtClean="0">
-                          <a:latin typeface="Cambria Math" panose="02040503050406030204" pitchFamily="18" charset="0"/>
-                        </a:rPr>
-                        <m:t>𝜓</m:t>
-                      </m:r>
-                    </m:oMath>
-                  </m:oMathPara>
-                </a14:m>
-                <a:endParaRPr lang="zh-TW" altLang="en-US" dirty="0"/>
-              </a:p>
-            </p:txBody>
-          </p:sp>
-        </mc:Choice>
-        <mc:Fallback>
-          <p:sp>
-            <p:nvSpPr>
-              <p:cNvPr id="20" name="文字方塊 19">
-                <a:extLst>
-                  <a:ext uri="{FF2B5EF4-FFF2-40B4-BE49-F238E27FC236}">
-                    <a16:creationId xmlns:a16="http://schemas.microsoft.com/office/drawing/2014/main" id="{8B50CE38-5F5B-43B0-A17E-9D62113F69FC}"/>
-                  </a:ext>
-                </a:extLst>
-              </p:cNvPr>
-              <p:cNvSpPr txBox="1">
-                <a:spLocks noRot="1" noChangeAspect="1" noMove="1" noResize="1" noEditPoints="1" noAdjustHandles="1" noChangeArrowheads="1" noChangeShapeType="1" noTextEdit="1"/>
-              </p:cNvSpPr>
-              <p:nvPr/>
-            </p:nvSpPr>
-            <p:spPr>
-              <a:xfrm>
-                <a:off x="6060230" y="2726896"/>
-                <a:ext cx="199019" cy="369332"/>
-              </a:xfrm>
-              <a:prstGeom prst="rect">
-                <a:avLst/>
-              </a:prstGeom>
-              <a:blipFill>
-                <a:blip r:embed="rId2"/>
-                <a:stretch>
-                  <a:fillRect l="-9091" r="-81818" b="-13115"/>
-                </a:stretch>
-              </a:blipFill>
-            </p:spPr>
-            <p:txBody>
-              <a:bodyPr/>
-              <a:lstStyle/>
-              <a:p>
-                <a:r>
-                  <a:rPr lang="zh-TW" altLang="en-US">
-                    <a:noFill/>
-                  </a:rPr>
-                  <a:t> </a:t>
-                </a:r>
-              </a:p>
-            </p:txBody>
-          </p:sp>
-        </mc:Fallback>
-      </mc:AlternateContent>
-      <p:sp>
-        <p:nvSpPr>
-          <p:cNvPr id="23" name="橢圓 22">
-            <a:extLst>
-              <a:ext uri="{FF2B5EF4-FFF2-40B4-BE49-F238E27FC236}">
-                <a16:creationId xmlns:a16="http://schemas.microsoft.com/office/drawing/2014/main" id="{5CFD9BED-8F6A-4B59-B2B5-CF930FF5E383}"/>
-              </a:ext>
-            </a:extLst>
-          </p:cNvPr>
-          <p:cNvSpPr/>
-          <p:nvPr/>
-        </p:nvSpPr>
-        <p:spPr>
-          <a:xfrm>
-            <a:off x="7255831" y="4075342"/>
-            <a:ext cx="856523" cy="844945"/>
-          </a:xfrm>
-          <a:prstGeom prst="ellipse">
-            <a:avLst/>
-          </a:prstGeom>
-          <a:solidFill>
-            <a:schemeClr val="tx1">
-              <a:lumMod val="50000"/>
-              <a:lumOff val="50000"/>
-            </a:schemeClr>
-          </a:solidFill>
-          <a:ln>
-            <a:solidFill>
-              <a:schemeClr val="tx1"/>
-            </a:solidFill>
-          </a:ln>
-        </p:spPr>
-        <p:style>
-          <a:lnRef idx="2">
-            <a:schemeClr val="accent1">
-              <a:shade val="50000"/>
-            </a:schemeClr>
-          </a:lnRef>
-          <a:fillRef idx="1">
-            <a:schemeClr val="accent1"/>
-          </a:fillRef>
-          <a:effectRef idx="0">
-            <a:schemeClr val="accent1"/>
-          </a:effectRef>
-          <a:fontRef idx="minor">
-            <a:schemeClr val="lt1"/>
-          </a:fontRef>
-        </p:style>
-        <p:txBody>
-          <a:bodyPr rtlCol="0" anchor="ctr"/>
-          <a:lstStyle/>
-          <a:p>
-            <a:pPr algn="ctr"/>
-            <a:endParaRPr lang="zh-TW" altLang="en-US"/>
-          </a:p>
-        </p:txBody>
-      </p:sp>
-      <p:cxnSp>
-        <p:nvCxnSpPr>
-          <p:cNvPr id="25" name="直線接點 24">
-            <a:extLst>
-              <a:ext uri="{FF2B5EF4-FFF2-40B4-BE49-F238E27FC236}">
-                <a16:creationId xmlns:a16="http://schemas.microsoft.com/office/drawing/2014/main" id="{4A45830F-4227-4A5D-9EC3-0A3E04BDA9AB}"/>
-              </a:ext>
-            </a:extLst>
-          </p:cNvPr>
-          <p:cNvCxnSpPr/>
-          <p:nvPr/>
-        </p:nvCxnSpPr>
-        <p:spPr>
-          <a:xfrm>
-            <a:off x="5674756" y="3111229"/>
-            <a:ext cx="2027769" cy="1397110"/>
-          </a:xfrm>
-          <a:prstGeom prst="line">
-            <a:avLst/>
-          </a:prstGeom>
-          <a:ln w="19050">
-            <a:solidFill>
-              <a:schemeClr val="tx1"/>
-            </a:solidFill>
-            <a:prstDash val="dash"/>
-          </a:ln>
-        </p:spPr>
-        <p:style>
-          <a:lnRef idx="1">
-            <a:schemeClr val="accent1"/>
-          </a:lnRef>
-          <a:fillRef idx="0">
-            <a:schemeClr val="accent1"/>
-          </a:fillRef>
-          <a:effectRef idx="0">
-            <a:schemeClr val="accent1"/>
-          </a:effectRef>
-          <a:fontRef idx="minor">
-            <a:schemeClr val="tx1"/>
-          </a:fontRef>
-        </p:style>
-      </p:cxnSp>
-      <p:sp>
-        <p:nvSpPr>
-          <p:cNvPr id="27" name="手繪多邊形: 圖案 26">
-            <a:extLst>
-              <a:ext uri="{FF2B5EF4-FFF2-40B4-BE49-F238E27FC236}">
-                <a16:creationId xmlns:a16="http://schemas.microsoft.com/office/drawing/2014/main" id="{58DA900C-25B1-4839-9E93-090D7A4D2D91}"/>
-              </a:ext>
-            </a:extLst>
-          </p:cNvPr>
-          <p:cNvSpPr/>
-          <p:nvPr/>
-        </p:nvSpPr>
-        <p:spPr>
-          <a:xfrm>
-            <a:off x="5932025" y="3136739"/>
-            <a:ext cx="41625" cy="144684"/>
-          </a:xfrm>
-          <a:custGeom>
-            <a:avLst/>
-            <a:gdLst>
-              <a:gd name="connsiteX0" fmla="*/ 40512 w 41625"/>
-              <a:gd name="connsiteY0" fmla="*/ 0 h 144684"/>
-              <a:gd name="connsiteX1" fmla="*/ 40512 w 41625"/>
-              <a:gd name="connsiteY1" fmla="*/ 57874 h 144684"/>
-              <a:gd name="connsiteX2" fmla="*/ 28937 w 41625"/>
-              <a:gd name="connsiteY2" fmla="*/ 104172 h 144684"/>
-              <a:gd name="connsiteX3" fmla="*/ 0 w 41625"/>
-              <a:gd name="connsiteY3" fmla="*/ 144684 h 144684"/>
-            </a:gdLst>
-            <a:ahLst/>
-            <a:cxnLst>
-              <a:cxn ang="0">
-                <a:pos x="connsiteX0" y="connsiteY0"/>
-              </a:cxn>
-              <a:cxn ang="0">
-                <a:pos x="connsiteX1" y="connsiteY1"/>
-              </a:cxn>
-              <a:cxn ang="0">
-                <a:pos x="connsiteX2" y="connsiteY2"/>
-              </a:cxn>
-              <a:cxn ang="0">
-                <a:pos x="connsiteX3" y="connsiteY3"/>
-              </a:cxn>
-            </a:cxnLst>
-            <a:rect l="l" t="t" r="r" b="b"/>
-            <a:pathLst>
-              <a:path w="41625" h="144684">
-                <a:moveTo>
-                  <a:pt x="40512" y="0"/>
-                </a:moveTo>
-                <a:cubicBezTo>
-                  <a:pt x="41476" y="20256"/>
-                  <a:pt x="42441" y="40512"/>
-                  <a:pt x="40512" y="57874"/>
-                </a:cubicBezTo>
-                <a:cubicBezTo>
-                  <a:pt x="38583" y="75236"/>
-                  <a:pt x="35689" y="89704"/>
-                  <a:pt x="28937" y="104172"/>
-                </a:cubicBezTo>
-                <a:cubicBezTo>
-                  <a:pt x="22185" y="118640"/>
-                  <a:pt x="11092" y="131662"/>
-                  <a:pt x="0" y="144684"/>
-                </a:cubicBezTo>
-              </a:path>
-            </a:pathLst>
-          </a:custGeom>
-          <a:noFill/>
-          <a:ln>
-            <a:solidFill>
-              <a:schemeClr val="tx1"/>
-            </a:solidFill>
-          </a:ln>
-        </p:spPr>
-        <p:style>
-          <a:lnRef idx="2">
-            <a:schemeClr val="accent1">
-              <a:shade val="50000"/>
-            </a:schemeClr>
-          </a:lnRef>
-          <a:fillRef idx="1">
-            <a:schemeClr val="accent1"/>
-          </a:fillRef>
-          <a:effectRef idx="0">
-            <a:schemeClr val="accent1"/>
-          </a:effectRef>
-          <a:fontRef idx="minor">
-            <a:schemeClr val="lt1"/>
-          </a:fontRef>
-        </p:style>
-        <p:txBody>
-          <a:bodyPr rtlCol="0" anchor="ctr"/>
-          <a:lstStyle/>
-          <a:p>
-            <a:pPr algn="ctr"/>
-            <a:endParaRPr lang="zh-TW" altLang="en-US"/>
-          </a:p>
-        </p:txBody>
-      </p:sp>
-      <mc:AlternateContent xmlns:mc="http://schemas.openxmlformats.org/markup-compatibility/2006">
-        <mc:Choice xmlns:a14="http://schemas.microsoft.com/office/drawing/2010/main" Requires="a14">
-          <p:sp>
-            <p:nvSpPr>
-              <p:cNvPr id="28" name="文字方塊 27">
-                <a:extLst>
-                  <a:ext uri="{FF2B5EF4-FFF2-40B4-BE49-F238E27FC236}">
-                    <a16:creationId xmlns:a16="http://schemas.microsoft.com/office/drawing/2014/main" id="{EAEAC7B8-1B0E-4B2D-8FBA-CBBF3827C258}"/>
-                  </a:ext>
-                </a:extLst>
-              </p:cNvPr>
-              <p:cNvSpPr txBox="1"/>
-              <p:nvPr/>
-            </p:nvSpPr>
-            <p:spPr>
-              <a:xfrm>
-                <a:off x="5909621" y="3021386"/>
-                <a:ext cx="146751" cy="369332"/>
-              </a:xfrm>
-              <a:prstGeom prst="rect">
-                <a:avLst/>
-              </a:prstGeom>
-              <a:noFill/>
-            </p:spPr>
-            <p:txBody>
-              <a:bodyPr wrap="square" rtlCol="0">
-                <a:spAutoFit/>
-              </a:bodyPr>
-              <a:lstStyle/>
-              <a:p>
-                <a14:m>
-                  <m:oMathPara xmlns:m="http://schemas.openxmlformats.org/officeDocument/2006/math">
-                    <m:oMathParaPr>
-                      <m:jc m:val="centerGroup"/>
-                    </m:oMathParaPr>
-                    <m:oMath xmlns:m="http://schemas.openxmlformats.org/officeDocument/2006/math">
-                      <m:r>
-                        <a:rPr lang="en-US" altLang="zh-TW" b="0" i="1" smtClean="0">
-                          <a:latin typeface="Cambria Math" panose="02040503050406030204" pitchFamily="18" charset="0"/>
-                        </a:rPr>
-                        <m:t>𝛼</m:t>
-                      </m:r>
-                    </m:oMath>
-                  </m:oMathPara>
-                </a14:m>
-                <a:endParaRPr lang="zh-TW" altLang="en-US" dirty="0"/>
-              </a:p>
-            </p:txBody>
-          </p:sp>
-        </mc:Choice>
-        <mc:Fallback>
-          <p:sp>
-            <p:nvSpPr>
-              <p:cNvPr id="28" name="文字方塊 27">
-                <a:extLst>
-                  <a:ext uri="{FF2B5EF4-FFF2-40B4-BE49-F238E27FC236}">
-                    <a16:creationId xmlns:a16="http://schemas.microsoft.com/office/drawing/2014/main" id="{EAEAC7B8-1B0E-4B2D-8FBA-CBBF3827C258}"/>
-                  </a:ext>
-                </a:extLst>
-              </p:cNvPr>
-              <p:cNvSpPr txBox="1">
-                <a:spLocks noRot="1" noChangeAspect="1" noMove="1" noResize="1" noEditPoints="1" noAdjustHandles="1" noChangeArrowheads="1" noChangeShapeType="1" noTextEdit="1"/>
-              </p:cNvSpPr>
-              <p:nvPr/>
-            </p:nvSpPr>
-            <p:spPr>
-              <a:xfrm>
-                <a:off x="5909621" y="3021386"/>
-                <a:ext cx="146751" cy="369332"/>
-              </a:xfrm>
-              <a:prstGeom prst="rect">
-                <a:avLst/>
-              </a:prstGeom>
-              <a:blipFill>
-                <a:blip r:embed="rId3"/>
-                <a:stretch>
-                  <a:fillRect r="-87500"/>
-                </a:stretch>
-              </a:blipFill>
-            </p:spPr>
-            <p:txBody>
-              <a:bodyPr/>
-              <a:lstStyle/>
-              <a:p>
-                <a:r>
-                  <a:rPr lang="zh-TW" altLang="en-US">
-                    <a:noFill/>
-                  </a:rPr>
-                  <a:t> </a:t>
-                </a:r>
-              </a:p>
-            </p:txBody>
-          </p:sp>
-        </mc:Fallback>
-      </mc:AlternateContent>
-      <p:sp>
-        <p:nvSpPr>
-          <p:cNvPr id="30" name="手繪多邊形: 圖案 29">
-            <a:extLst>
-              <a:ext uri="{FF2B5EF4-FFF2-40B4-BE49-F238E27FC236}">
-                <a16:creationId xmlns:a16="http://schemas.microsoft.com/office/drawing/2014/main" id="{D6D0B9AC-EAAB-48E8-824C-D953CC029C9A}"/>
-              </a:ext>
-            </a:extLst>
-          </p:cNvPr>
-          <p:cNvSpPr/>
-          <p:nvPr/>
-        </p:nvSpPr>
-        <p:spPr>
-          <a:xfrm rot="354082">
-            <a:off x="6267691" y="2691114"/>
-            <a:ext cx="240617" cy="908613"/>
-          </a:xfrm>
-          <a:custGeom>
-            <a:avLst/>
-            <a:gdLst>
-              <a:gd name="connsiteX0" fmla="*/ 0 w 240617"/>
-              <a:gd name="connsiteY0" fmla="*/ 0 h 908613"/>
-              <a:gd name="connsiteX1" fmla="*/ 196770 w 240617"/>
-              <a:gd name="connsiteY1" fmla="*/ 260430 h 908613"/>
-              <a:gd name="connsiteX2" fmla="*/ 237281 w 240617"/>
-              <a:gd name="connsiteY2" fmla="*/ 619245 h 908613"/>
-              <a:gd name="connsiteX3" fmla="*/ 138896 w 240617"/>
-              <a:gd name="connsiteY3" fmla="*/ 908613 h 908613"/>
-            </a:gdLst>
-            <a:ahLst/>
-            <a:cxnLst>
-              <a:cxn ang="0">
-                <a:pos x="connsiteX0" y="connsiteY0"/>
-              </a:cxn>
-              <a:cxn ang="0">
-                <a:pos x="connsiteX1" y="connsiteY1"/>
-              </a:cxn>
-              <a:cxn ang="0">
-                <a:pos x="connsiteX2" y="connsiteY2"/>
-              </a:cxn>
-              <a:cxn ang="0">
-                <a:pos x="connsiteX3" y="connsiteY3"/>
-              </a:cxn>
-            </a:cxnLst>
-            <a:rect l="l" t="t" r="r" b="b"/>
-            <a:pathLst>
-              <a:path w="240617" h="908613">
-                <a:moveTo>
-                  <a:pt x="0" y="0"/>
-                </a:moveTo>
-                <a:cubicBezTo>
-                  <a:pt x="78611" y="78611"/>
-                  <a:pt x="157223" y="157223"/>
-                  <a:pt x="196770" y="260430"/>
-                </a:cubicBezTo>
-                <a:cubicBezTo>
-                  <a:pt x="236317" y="363638"/>
-                  <a:pt x="246927" y="511215"/>
-                  <a:pt x="237281" y="619245"/>
-                </a:cubicBezTo>
-                <a:cubicBezTo>
-                  <a:pt x="227635" y="727275"/>
-                  <a:pt x="183265" y="817944"/>
-                  <a:pt x="138896" y="908613"/>
-                </a:cubicBezTo>
-              </a:path>
-            </a:pathLst>
-          </a:custGeom>
-          <a:noFill/>
-          <a:ln>
-            <a:solidFill>
-              <a:schemeClr val="tx1"/>
-            </a:solidFill>
-          </a:ln>
-        </p:spPr>
-        <p:style>
-          <a:lnRef idx="2">
-            <a:schemeClr val="accent1">
-              <a:shade val="50000"/>
-            </a:schemeClr>
-          </a:lnRef>
-          <a:fillRef idx="1">
-            <a:schemeClr val="accent1"/>
-          </a:fillRef>
-          <a:effectRef idx="0">
-            <a:schemeClr val="accent1"/>
-          </a:effectRef>
-          <a:fontRef idx="minor">
-            <a:schemeClr val="lt1"/>
-          </a:fontRef>
-        </p:style>
-        <p:txBody>
-          <a:bodyPr rtlCol="0" anchor="ctr"/>
-          <a:lstStyle/>
-          <a:p>
-            <a:pPr algn="ctr"/>
-            <a:endParaRPr lang="zh-TW" altLang="en-US"/>
-          </a:p>
-        </p:txBody>
-      </p:sp>
-      <mc:AlternateContent xmlns:mc="http://schemas.openxmlformats.org/markup-compatibility/2006">
-        <mc:Choice xmlns:a14="http://schemas.microsoft.com/office/drawing/2010/main" Requires="a14">
-          <p:sp>
-            <p:nvSpPr>
-              <p:cNvPr id="31" name="文字方塊 30">
-                <a:extLst>
-                  <a:ext uri="{FF2B5EF4-FFF2-40B4-BE49-F238E27FC236}">
-                    <a16:creationId xmlns:a16="http://schemas.microsoft.com/office/drawing/2014/main" id="{42D8E6F0-049B-4544-BF7F-975638F9D74B}"/>
-                  </a:ext>
-                </a:extLst>
-              </p:cNvPr>
-              <p:cNvSpPr txBox="1"/>
-              <p:nvPr/>
-            </p:nvSpPr>
-            <p:spPr>
-              <a:xfrm>
-                <a:off x="6379900" y="2657578"/>
-                <a:ext cx="313682" cy="369332"/>
-              </a:xfrm>
-              <a:prstGeom prst="rect">
-                <a:avLst/>
-              </a:prstGeom>
-              <a:noFill/>
-            </p:spPr>
-            <p:txBody>
-              <a:bodyPr wrap="square" rtlCol="0">
-                <a:spAutoFit/>
-              </a:bodyPr>
-              <a:lstStyle/>
-              <a:p>
-                <a14:m>
-                  <m:oMathPara xmlns:m="http://schemas.openxmlformats.org/officeDocument/2006/math">
-                    <m:oMathParaPr>
-                      <m:jc m:val="centerGroup"/>
-                    </m:oMathParaPr>
-                    <m:oMath xmlns:m="http://schemas.openxmlformats.org/officeDocument/2006/math">
-                      <m:r>
-                        <a:rPr lang="en-US" altLang="zh-TW" b="0" i="1" smtClean="0">
-                          <a:latin typeface="Cambria Math" panose="02040503050406030204" pitchFamily="18" charset="0"/>
-                        </a:rPr>
-                        <m:t>𝜃</m:t>
-                      </m:r>
-                    </m:oMath>
-                  </m:oMathPara>
-                </a14:m>
-                <a:endParaRPr lang="zh-TW" altLang="en-US" dirty="0"/>
-              </a:p>
-            </p:txBody>
-          </p:sp>
-        </mc:Choice>
-        <mc:Fallback>
-          <p:sp>
-            <p:nvSpPr>
-              <p:cNvPr id="31" name="文字方塊 30">
-                <a:extLst>
-                  <a:ext uri="{FF2B5EF4-FFF2-40B4-BE49-F238E27FC236}">
-                    <a16:creationId xmlns:a16="http://schemas.microsoft.com/office/drawing/2014/main" id="{42D8E6F0-049B-4544-BF7F-975638F9D74B}"/>
-                  </a:ext>
-                </a:extLst>
-              </p:cNvPr>
-              <p:cNvSpPr txBox="1">
-                <a:spLocks noRot="1" noChangeAspect="1" noMove="1" noResize="1" noEditPoints="1" noAdjustHandles="1" noChangeArrowheads="1" noChangeShapeType="1" noTextEdit="1"/>
-              </p:cNvSpPr>
-              <p:nvPr/>
-            </p:nvSpPr>
-            <p:spPr>
-              <a:xfrm>
-                <a:off x="6379900" y="2657578"/>
-                <a:ext cx="313682" cy="369332"/>
-              </a:xfrm>
-              <a:prstGeom prst="rect">
-                <a:avLst/>
-              </a:prstGeom>
-              <a:blipFill>
-                <a:blip r:embed="rId4"/>
-                <a:stretch>
-                  <a:fillRect/>
-                </a:stretch>
-              </a:blipFill>
-            </p:spPr>
-            <p:txBody>
-              <a:bodyPr/>
-              <a:lstStyle/>
-              <a:p>
-                <a:r>
-                  <a:rPr lang="zh-TW" altLang="en-US">
-                    <a:noFill/>
-                  </a:rPr>
-                  <a:t> </a:t>
-                </a:r>
-              </a:p>
-            </p:txBody>
-          </p:sp>
-        </mc:Fallback>
-      </mc:AlternateContent>
     </p:spTree>
     <p:extLst>
       <p:ext uri="{BB962C8B-B14F-4D97-AF65-F5344CB8AC3E}">

--- a/path_planing/VO_code_try/robot_properties3.pptx
+++ b/path_planing/VO_code_try/robot_properties3.pptx
@@ -278,7 +278,7 @@
           <a:p>
             <a:fld id="{9CD1F5AD-FE1B-4540-B598-52220A64164D}" type="datetimeFigureOut">
               <a:rPr lang="zh-TW" altLang="en-US" smtClean="0"/>
-              <a:t>2024/11/25</a:t>
+              <a:t>2024/12/3</a:t>
             </a:fld>
             <a:endParaRPr lang="zh-TW" altLang="en-US"/>
           </a:p>
@@ -476,7 +476,7 @@
           <a:p>
             <a:fld id="{9CD1F5AD-FE1B-4540-B598-52220A64164D}" type="datetimeFigureOut">
               <a:rPr lang="zh-TW" altLang="en-US" smtClean="0"/>
-              <a:t>2024/11/25</a:t>
+              <a:t>2024/12/3</a:t>
             </a:fld>
             <a:endParaRPr lang="zh-TW" altLang="en-US"/>
           </a:p>
@@ -684,7 +684,7 @@
           <a:p>
             <a:fld id="{9CD1F5AD-FE1B-4540-B598-52220A64164D}" type="datetimeFigureOut">
               <a:rPr lang="zh-TW" altLang="en-US" smtClean="0"/>
-              <a:t>2024/11/25</a:t>
+              <a:t>2024/12/3</a:t>
             </a:fld>
             <a:endParaRPr lang="zh-TW" altLang="en-US"/>
           </a:p>
@@ -882,7 +882,7 @@
           <a:p>
             <a:fld id="{9CD1F5AD-FE1B-4540-B598-52220A64164D}" type="datetimeFigureOut">
               <a:rPr lang="zh-TW" altLang="en-US" smtClean="0"/>
-              <a:t>2024/11/25</a:t>
+              <a:t>2024/12/3</a:t>
             </a:fld>
             <a:endParaRPr lang="zh-TW" altLang="en-US"/>
           </a:p>
@@ -1157,7 +1157,7 @@
           <a:p>
             <a:fld id="{9CD1F5AD-FE1B-4540-B598-52220A64164D}" type="datetimeFigureOut">
               <a:rPr lang="zh-TW" altLang="en-US" smtClean="0"/>
-              <a:t>2024/11/25</a:t>
+              <a:t>2024/12/3</a:t>
             </a:fld>
             <a:endParaRPr lang="zh-TW" altLang="en-US"/>
           </a:p>
@@ -1422,7 +1422,7 @@
           <a:p>
             <a:fld id="{9CD1F5AD-FE1B-4540-B598-52220A64164D}" type="datetimeFigureOut">
               <a:rPr lang="zh-TW" altLang="en-US" smtClean="0"/>
-              <a:t>2024/11/25</a:t>
+              <a:t>2024/12/3</a:t>
             </a:fld>
             <a:endParaRPr lang="zh-TW" altLang="en-US"/>
           </a:p>
@@ -1834,7 +1834,7 @@
           <a:p>
             <a:fld id="{9CD1F5AD-FE1B-4540-B598-52220A64164D}" type="datetimeFigureOut">
               <a:rPr lang="zh-TW" altLang="en-US" smtClean="0"/>
-              <a:t>2024/11/25</a:t>
+              <a:t>2024/12/3</a:t>
             </a:fld>
             <a:endParaRPr lang="zh-TW" altLang="en-US"/>
           </a:p>
@@ -1975,7 +1975,7 @@
           <a:p>
             <a:fld id="{9CD1F5AD-FE1B-4540-B598-52220A64164D}" type="datetimeFigureOut">
               <a:rPr lang="zh-TW" altLang="en-US" smtClean="0"/>
-              <a:t>2024/11/25</a:t>
+              <a:t>2024/12/3</a:t>
             </a:fld>
             <a:endParaRPr lang="zh-TW" altLang="en-US"/>
           </a:p>
@@ -2088,7 +2088,7 @@
           <a:p>
             <a:fld id="{9CD1F5AD-FE1B-4540-B598-52220A64164D}" type="datetimeFigureOut">
               <a:rPr lang="zh-TW" altLang="en-US" smtClean="0"/>
-              <a:t>2024/11/25</a:t>
+              <a:t>2024/12/3</a:t>
             </a:fld>
             <a:endParaRPr lang="zh-TW" altLang="en-US"/>
           </a:p>
@@ -2399,7 +2399,7 @@
           <a:p>
             <a:fld id="{9CD1F5AD-FE1B-4540-B598-52220A64164D}" type="datetimeFigureOut">
               <a:rPr lang="zh-TW" altLang="en-US" smtClean="0"/>
-              <a:t>2024/11/25</a:t>
+              <a:t>2024/12/3</a:t>
             </a:fld>
             <a:endParaRPr lang="zh-TW" altLang="en-US"/>
           </a:p>
@@ -2687,7 +2687,7 @@
           <a:p>
             <a:fld id="{9CD1F5AD-FE1B-4540-B598-52220A64164D}" type="datetimeFigureOut">
               <a:rPr lang="zh-TW" altLang="en-US" smtClean="0"/>
-              <a:t>2024/11/25</a:t>
+              <a:t>2024/12/3</a:t>
             </a:fld>
             <a:endParaRPr lang="zh-TW" altLang="en-US"/>
           </a:p>
@@ -2928,7 +2928,7 @@
           <a:p>
             <a:fld id="{9CD1F5AD-FE1B-4540-B598-52220A64164D}" type="datetimeFigureOut">
               <a:rPr lang="zh-TW" altLang="en-US" smtClean="0"/>
-              <a:t>2024/11/25</a:t>
+              <a:t>2024/12/3</a:t>
             </a:fld>
             <a:endParaRPr lang="zh-TW" altLang="en-US"/>
           </a:p>
@@ -9372,7 +9372,7 @@
         </p:nvGrpSpPr>
         <p:grpSpPr>
           <a:xfrm>
-            <a:off x="3708400" y="1020232"/>
+            <a:off x="1126067" y="1223432"/>
             <a:ext cx="4106334" cy="4089401"/>
             <a:chOff x="3708400" y="1020232"/>
             <a:chExt cx="4106334" cy="4089401"/>
@@ -9948,6 +9948,1175 @@
                   <a:blip r:embed="rId2"/>
                   <a:stretch>
                     <a:fillRect l="-20000" r="-132000" b="-13333"/>
+                  </a:stretch>
+                </a:blipFill>
+              </p:spPr>
+              <p:txBody>
+                <a:bodyPr/>
+                <a:lstStyle/>
+                <a:p>
+                  <a:r>
+                    <a:rPr lang="zh-TW" altLang="en-US">
+                      <a:noFill/>
+                    </a:rPr>
+                    <a:t> </a:t>
+                  </a:r>
+                </a:p>
+              </p:txBody>
+            </p:sp>
+          </mc:Fallback>
+        </mc:AlternateContent>
+      </p:grpSp>
+      <p:grpSp>
+        <p:nvGrpSpPr>
+          <p:cNvPr id="8" name="群組 7">
+            <a:extLst>
+              <a:ext uri="{FF2B5EF4-FFF2-40B4-BE49-F238E27FC236}">
+                <a16:creationId xmlns:a16="http://schemas.microsoft.com/office/drawing/2014/main" id="{97231CF0-7B40-44BB-A55B-402764B40A6D}"/>
+              </a:ext>
+            </a:extLst>
+          </p:cNvPr>
+          <p:cNvGrpSpPr/>
+          <p:nvPr/>
+        </p:nvGrpSpPr>
+        <p:grpSpPr>
+          <a:xfrm>
+            <a:off x="6303940" y="1223432"/>
+            <a:ext cx="4106334" cy="4089401"/>
+            <a:chOff x="6303940" y="1223432"/>
+            <a:chExt cx="4106334" cy="4089401"/>
+          </a:xfrm>
+        </p:grpSpPr>
+        <p:grpSp>
+          <p:nvGrpSpPr>
+            <p:cNvPr id="16" name="群組 15">
+              <a:extLst>
+                <a:ext uri="{FF2B5EF4-FFF2-40B4-BE49-F238E27FC236}">
+                  <a16:creationId xmlns:a16="http://schemas.microsoft.com/office/drawing/2014/main" id="{87273439-2435-4EBE-AFDB-C84551F9E9EA}"/>
+                </a:ext>
+              </a:extLst>
+            </p:cNvPr>
+            <p:cNvGrpSpPr/>
+            <p:nvPr/>
+          </p:nvGrpSpPr>
+          <p:grpSpPr>
+            <a:xfrm>
+              <a:off x="6303940" y="1223432"/>
+              <a:ext cx="4106334" cy="4089401"/>
+              <a:chOff x="3708400" y="1020232"/>
+              <a:chExt cx="4106334" cy="4089401"/>
+            </a:xfrm>
+          </p:grpSpPr>
+          <p:grpSp>
+            <p:nvGrpSpPr>
+              <p:cNvPr id="21" name="群組 20">
+                <a:extLst>
+                  <a:ext uri="{FF2B5EF4-FFF2-40B4-BE49-F238E27FC236}">
+                    <a16:creationId xmlns:a16="http://schemas.microsoft.com/office/drawing/2014/main" id="{FC2FCC7A-CD47-4B55-8924-0240C0F1C022}"/>
+                  </a:ext>
+                </a:extLst>
+              </p:cNvPr>
+              <p:cNvGrpSpPr/>
+              <p:nvPr/>
+            </p:nvGrpSpPr>
+            <p:grpSpPr>
+              <a:xfrm>
+                <a:off x="3708400" y="1020232"/>
+                <a:ext cx="4106334" cy="4089401"/>
+                <a:chOff x="3708400" y="1020232"/>
+                <a:chExt cx="4106334" cy="4089401"/>
+              </a:xfrm>
+            </p:grpSpPr>
+            <p:cxnSp>
+              <p:nvCxnSpPr>
+                <p:cNvPr id="36" name="直線單箭頭接點 35">
+                  <a:extLst>
+                    <a:ext uri="{FF2B5EF4-FFF2-40B4-BE49-F238E27FC236}">
+                      <a16:creationId xmlns:a16="http://schemas.microsoft.com/office/drawing/2014/main" id="{3BBD098F-EFA0-44F5-B4B9-2549A7BEA690}"/>
+                    </a:ext>
+                  </a:extLst>
+                </p:cNvPr>
+                <p:cNvCxnSpPr/>
+                <p:nvPr/>
+              </p:nvCxnSpPr>
+              <p:spPr>
+                <a:xfrm>
+                  <a:off x="3708400" y="3064933"/>
+                  <a:ext cx="4106334" cy="0"/>
+                </a:xfrm>
+                <a:prstGeom prst="straightConnector1">
+                  <a:avLst/>
+                </a:prstGeom>
+                <a:ln w="57150">
+                  <a:solidFill>
+                    <a:schemeClr val="tx1"/>
+                  </a:solidFill>
+                  <a:tailEnd type="triangle"/>
+                </a:ln>
+              </p:spPr>
+              <p:style>
+                <a:lnRef idx="1">
+                  <a:schemeClr val="accent1"/>
+                </a:lnRef>
+                <a:fillRef idx="0">
+                  <a:schemeClr val="accent1"/>
+                </a:fillRef>
+                <a:effectRef idx="0">
+                  <a:schemeClr val="accent1"/>
+                </a:effectRef>
+                <a:fontRef idx="minor">
+                  <a:schemeClr val="tx1"/>
+                </a:fontRef>
+              </p:style>
+            </p:cxnSp>
+            <p:cxnSp>
+              <p:nvCxnSpPr>
+                <p:cNvPr id="37" name="直線單箭頭接點 36">
+                  <a:extLst>
+                    <a:ext uri="{FF2B5EF4-FFF2-40B4-BE49-F238E27FC236}">
+                      <a16:creationId xmlns:a16="http://schemas.microsoft.com/office/drawing/2014/main" id="{599A8342-B506-461A-9146-8A6A8C94E244}"/>
+                    </a:ext>
+                  </a:extLst>
+                </p:cNvPr>
+                <p:cNvCxnSpPr>
+                  <a:cxnSpLocks/>
+                </p:cNvCxnSpPr>
+                <p:nvPr/>
+              </p:nvCxnSpPr>
+              <p:spPr>
+                <a:xfrm flipV="1">
+                  <a:off x="5748867" y="1020232"/>
+                  <a:ext cx="0" cy="4089401"/>
+                </a:xfrm>
+                <a:prstGeom prst="straightConnector1">
+                  <a:avLst/>
+                </a:prstGeom>
+                <a:ln w="57150">
+                  <a:solidFill>
+                    <a:schemeClr val="tx1"/>
+                  </a:solidFill>
+                  <a:tailEnd type="triangle"/>
+                </a:ln>
+              </p:spPr>
+              <p:style>
+                <a:lnRef idx="1">
+                  <a:schemeClr val="accent1"/>
+                </a:lnRef>
+                <a:fillRef idx="0">
+                  <a:schemeClr val="accent1"/>
+                </a:fillRef>
+                <a:effectRef idx="0">
+                  <a:schemeClr val="accent1"/>
+                </a:effectRef>
+                <a:fontRef idx="minor">
+                  <a:schemeClr val="tx1"/>
+                </a:fontRef>
+              </p:style>
+            </p:cxnSp>
+          </p:grpSp>
+          <p:grpSp>
+            <p:nvGrpSpPr>
+              <p:cNvPr id="26" name="群組 25">
+                <a:extLst>
+                  <a:ext uri="{FF2B5EF4-FFF2-40B4-BE49-F238E27FC236}">
+                    <a16:creationId xmlns:a16="http://schemas.microsoft.com/office/drawing/2014/main" id="{2EE4D1A0-6562-4966-BAC8-EC3F2AC0C72F}"/>
+                  </a:ext>
+                </a:extLst>
+              </p:cNvPr>
+              <p:cNvGrpSpPr/>
+              <p:nvPr/>
+            </p:nvGrpSpPr>
+            <p:grpSpPr>
+              <a:xfrm rot="19984005">
+                <a:off x="4170022" y="1727199"/>
+                <a:ext cx="3259667" cy="2480733"/>
+                <a:chOff x="6527800" y="948267"/>
+                <a:chExt cx="3259667" cy="2480733"/>
+              </a:xfrm>
+            </p:grpSpPr>
+            <p:cxnSp>
+              <p:nvCxnSpPr>
+                <p:cNvPr id="31" name="直線單箭頭接點 30">
+                  <a:extLst>
+                    <a:ext uri="{FF2B5EF4-FFF2-40B4-BE49-F238E27FC236}">
+                      <a16:creationId xmlns:a16="http://schemas.microsoft.com/office/drawing/2014/main" id="{2144C8AF-32D7-43BB-9C47-FC6D3B4F4DB6}"/>
+                    </a:ext>
+                  </a:extLst>
+                </p:cNvPr>
+                <p:cNvCxnSpPr>
+                  <a:cxnSpLocks/>
+                </p:cNvCxnSpPr>
+                <p:nvPr/>
+              </p:nvCxnSpPr>
+              <p:spPr>
+                <a:xfrm flipV="1">
+                  <a:off x="6527800" y="2226733"/>
+                  <a:ext cx="3259667" cy="3"/>
+                </a:xfrm>
+                <a:prstGeom prst="straightConnector1">
+                  <a:avLst/>
+                </a:prstGeom>
+                <a:ln w="28575">
+                  <a:solidFill>
+                    <a:srgbClr val="FF0000"/>
+                  </a:solidFill>
+                  <a:tailEnd type="triangle"/>
+                </a:ln>
+              </p:spPr>
+              <p:style>
+                <a:lnRef idx="1">
+                  <a:schemeClr val="accent1"/>
+                </a:lnRef>
+                <a:fillRef idx="0">
+                  <a:schemeClr val="accent1"/>
+                </a:fillRef>
+                <a:effectRef idx="0">
+                  <a:schemeClr val="accent1"/>
+                </a:effectRef>
+                <a:fontRef idx="minor">
+                  <a:schemeClr val="tx1"/>
+                </a:fontRef>
+              </p:style>
+            </p:cxnSp>
+            <p:cxnSp>
+              <p:nvCxnSpPr>
+                <p:cNvPr id="32" name="直線單箭頭接點 31">
+                  <a:extLst>
+                    <a:ext uri="{FF2B5EF4-FFF2-40B4-BE49-F238E27FC236}">
+                      <a16:creationId xmlns:a16="http://schemas.microsoft.com/office/drawing/2014/main" id="{362968A6-7434-4F64-B13D-00FB4F4EFBCA}"/>
+                    </a:ext>
+                  </a:extLst>
+                </p:cNvPr>
+                <p:cNvCxnSpPr>
+                  <a:cxnSpLocks/>
+                </p:cNvCxnSpPr>
+                <p:nvPr/>
+              </p:nvCxnSpPr>
+              <p:spPr>
+                <a:xfrm flipV="1">
+                  <a:off x="8085667" y="948267"/>
+                  <a:ext cx="0" cy="2480733"/>
+                </a:xfrm>
+                <a:prstGeom prst="straightConnector1">
+                  <a:avLst/>
+                </a:prstGeom>
+                <a:ln w="28575">
+                  <a:solidFill>
+                    <a:srgbClr val="FF0000"/>
+                  </a:solidFill>
+                  <a:tailEnd type="triangle"/>
+                </a:ln>
+              </p:spPr>
+              <p:style>
+                <a:lnRef idx="1">
+                  <a:schemeClr val="accent1"/>
+                </a:lnRef>
+                <a:fillRef idx="0">
+                  <a:schemeClr val="accent1"/>
+                </a:fillRef>
+                <a:effectRef idx="0">
+                  <a:schemeClr val="accent1"/>
+                </a:effectRef>
+                <a:fontRef idx="minor">
+                  <a:schemeClr val="tx1"/>
+                </a:fontRef>
+              </p:style>
+            </p:cxnSp>
+            <p:sp>
+              <p:nvSpPr>
+                <p:cNvPr id="33" name="矩形 32">
+                  <a:extLst>
+                    <a:ext uri="{FF2B5EF4-FFF2-40B4-BE49-F238E27FC236}">
+                      <a16:creationId xmlns:a16="http://schemas.microsoft.com/office/drawing/2014/main" id="{F0CC830D-4671-4D31-8F47-23A70E5AF20A}"/>
+                    </a:ext>
+                  </a:extLst>
+                </p:cNvPr>
+                <p:cNvSpPr/>
+                <p:nvPr/>
+              </p:nvSpPr>
+              <p:spPr>
+                <a:xfrm>
+                  <a:off x="6917267" y="1524004"/>
+                  <a:ext cx="2336800" cy="1405465"/>
+                </a:xfrm>
+                <a:prstGeom prst="rect">
+                  <a:avLst/>
+                </a:prstGeom>
+                <a:noFill/>
+                <a:ln w="38100">
+                  <a:solidFill>
+                    <a:schemeClr val="tx1"/>
+                  </a:solidFill>
+                </a:ln>
+              </p:spPr>
+              <p:style>
+                <a:lnRef idx="2">
+                  <a:schemeClr val="accent1">
+                    <a:shade val="50000"/>
+                  </a:schemeClr>
+                </a:lnRef>
+                <a:fillRef idx="1">
+                  <a:schemeClr val="accent1"/>
+                </a:fillRef>
+                <a:effectRef idx="0">
+                  <a:schemeClr val="accent1"/>
+                </a:effectRef>
+                <a:fontRef idx="minor">
+                  <a:schemeClr val="lt1"/>
+                </a:fontRef>
+              </p:style>
+              <p:txBody>
+                <a:bodyPr rtlCol="0" anchor="ctr"/>
+                <a:lstStyle/>
+                <a:p>
+                  <a:pPr algn="ctr"/>
+                  <a:r>
+                    <a:rPr lang="en-US" altLang="zh-TW" dirty="0">
+                      <a:solidFill>
+                        <a:schemeClr val="tx1"/>
+                      </a:solidFill>
+                    </a:rPr>
+                    <a:t>Robot</a:t>
+                  </a:r>
+                  <a:endParaRPr lang="zh-TW" altLang="en-US" dirty="0">
+                    <a:solidFill>
+                      <a:schemeClr val="tx1"/>
+                    </a:solidFill>
+                  </a:endParaRPr>
+                </a:p>
+              </p:txBody>
+            </p:sp>
+            <p:sp>
+              <p:nvSpPr>
+                <p:cNvPr id="34" name="文字方塊 33">
+                  <a:extLst>
+                    <a:ext uri="{FF2B5EF4-FFF2-40B4-BE49-F238E27FC236}">
+                      <a16:creationId xmlns:a16="http://schemas.microsoft.com/office/drawing/2014/main" id="{C24C4D51-7E74-4592-A5F8-FC22215FC1B5}"/>
+                    </a:ext>
+                  </a:extLst>
+                </p:cNvPr>
+                <p:cNvSpPr txBox="1"/>
+                <p:nvPr/>
+              </p:nvSpPr>
+              <p:spPr>
+                <a:xfrm>
+                  <a:off x="9525000" y="2226733"/>
+                  <a:ext cx="186267" cy="307777"/>
+                </a:xfrm>
+                <a:prstGeom prst="rect">
+                  <a:avLst/>
+                </a:prstGeom>
+                <a:noFill/>
+              </p:spPr>
+              <p:txBody>
+                <a:bodyPr wrap="square" rtlCol="0">
+                  <a:spAutoFit/>
+                </a:bodyPr>
+                <a:lstStyle/>
+                <a:p>
+                  <a:r>
+                    <a:rPr lang="en-US" altLang="zh-TW" sz="1400" dirty="0">
+                      <a:solidFill>
+                        <a:srgbClr val="FF0000"/>
+                      </a:solidFill>
+                    </a:rPr>
+                    <a:t>x</a:t>
+                  </a:r>
+                  <a:endParaRPr lang="zh-TW" altLang="en-US" sz="1400" dirty="0">
+                    <a:solidFill>
+                      <a:srgbClr val="FF0000"/>
+                    </a:solidFill>
+                  </a:endParaRPr>
+                </a:p>
+              </p:txBody>
+            </p:sp>
+            <p:sp>
+              <p:nvSpPr>
+                <p:cNvPr id="35" name="文字方塊 34">
+                  <a:extLst>
+                    <a:ext uri="{FF2B5EF4-FFF2-40B4-BE49-F238E27FC236}">
+                      <a16:creationId xmlns:a16="http://schemas.microsoft.com/office/drawing/2014/main" id="{6F17465C-F7F0-48F1-802C-0BDD900B3169}"/>
+                    </a:ext>
+                  </a:extLst>
+                </p:cNvPr>
+                <p:cNvSpPr txBox="1"/>
+                <p:nvPr/>
+              </p:nvSpPr>
+              <p:spPr>
+                <a:xfrm>
+                  <a:off x="8170333" y="1020232"/>
+                  <a:ext cx="380999" cy="307777"/>
+                </a:xfrm>
+                <a:prstGeom prst="rect">
+                  <a:avLst/>
+                </a:prstGeom>
+                <a:noFill/>
+              </p:spPr>
+              <p:txBody>
+                <a:bodyPr wrap="square" rtlCol="0">
+                  <a:spAutoFit/>
+                </a:bodyPr>
+                <a:lstStyle/>
+                <a:p>
+                  <a:r>
+                    <a:rPr lang="en-US" altLang="zh-TW" sz="1400" dirty="0">
+                      <a:solidFill>
+                        <a:srgbClr val="FF0000"/>
+                      </a:solidFill>
+                    </a:rPr>
+                    <a:t>y</a:t>
+                  </a:r>
+                  <a:endParaRPr lang="zh-TW" altLang="en-US" sz="1400" dirty="0">
+                    <a:solidFill>
+                      <a:srgbClr val="FF0000"/>
+                    </a:solidFill>
+                  </a:endParaRPr>
+                </a:p>
+              </p:txBody>
+            </p:sp>
+          </p:grpSp>
+          <p:sp>
+            <p:nvSpPr>
+              <p:cNvPr id="27" name="文字方塊 26">
+                <a:extLst>
+                  <a:ext uri="{FF2B5EF4-FFF2-40B4-BE49-F238E27FC236}">
+                    <a16:creationId xmlns:a16="http://schemas.microsoft.com/office/drawing/2014/main" id="{5D845AD0-8DDD-4B03-9C95-B3AE0B20B986}"/>
+                  </a:ext>
+                </a:extLst>
+              </p:cNvPr>
+              <p:cNvSpPr txBox="1"/>
+              <p:nvPr/>
+            </p:nvSpPr>
+            <p:spPr>
+              <a:xfrm>
+                <a:off x="7518400" y="3208867"/>
+                <a:ext cx="270935" cy="369332"/>
+              </a:xfrm>
+              <a:prstGeom prst="rect">
+                <a:avLst/>
+              </a:prstGeom>
+              <a:noFill/>
+            </p:spPr>
+            <p:txBody>
+              <a:bodyPr wrap="square" rtlCol="0">
+                <a:spAutoFit/>
+              </a:bodyPr>
+              <a:lstStyle/>
+              <a:p>
+                <a:r>
+                  <a:rPr lang="en-US" altLang="zh-TW" dirty="0"/>
+                  <a:t>X</a:t>
+                </a:r>
+                <a:endParaRPr lang="zh-TW" altLang="en-US" dirty="0"/>
+              </a:p>
+            </p:txBody>
+          </p:sp>
+          <p:sp>
+            <p:nvSpPr>
+              <p:cNvPr id="28" name="文字方塊 27">
+                <a:extLst>
+                  <a:ext uri="{FF2B5EF4-FFF2-40B4-BE49-F238E27FC236}">
+                    <a16:creationId xmlns:a16="http://schemas.microsoft.com/office/drawing/2014/main" id="{AAEE96EA-2A03-4098-A4F8-5C835A0F1A4E}"/>
+                  </a:ext>
+                </a:extLst>
+              </p:cNvPr>
+              <p:cNvSpPr txBox="1"/>
+              <p:nvPr/>
+            </p:nvSpPr>
+            <p:spPr>
+              <a:xfrm>
+                <a:off x="5842000" y="1020232"/>
+                <a:ext cx="253995" cy="369332"/>
+              </a:xfrm>
+              <a:prstGeom prst="rect">
+                <a:avLst/>
+              </a:prstGeom>
+              <a:noFill/>
+            </p:spPr>
+            <p:txBody>
+              <a:bodyPr wrap="square" rtlCol="0">
+                <a:spAutoFit/>
+              </a:bodyPr>
+              <a:lstStyle/>
+              <a:p>
+                <a:r>
+                  <a:rPr lang="en-US" altLang="zh-TW" dirty="0"/>
+                  <a:t>Y</a:t>
+                </a:r>
+                <a:endParaRPr lang="zh-TW" altLang="en-US" dirty="0"/>
+              </a:p>
+            </p:txBody>
+          </p:sp>
+          <p:sp>
+            <p:nvSpPr>
+              <p:cNvPr id="29" name="弧形 28">
+                <a:extLst>
+                  <a:ext uri="{FF2B5EF4-FFF2-40B4-BE49-F238E27FC236}">
+                    <a16:creationId xmlns:a16="http://schemas.microsoft.com/office/drawing/2014/main" id="{5C5CD9C3-D4CC-4555-811A-38CCC8ADCB85}"/>
+                  </a:ext>
+                </a:extLst>
+              </p:cNvPr>
+              <p:cNvSpPr/>
+              <p:nvPr/>
+            </p:nvSpPr>
+            <p:spPr>
+              <a:xfrm rot="1619559">
+                <a:off x="5733247" y="2506092"/>
+                <a:ext cx="914400" cy="914400"/>
+              </a:xfrm>
+              <a:prstGeom prst="arc">
+                <a:avLst>
+                  <a:gd name="adj1" fmla="val 17348624"/>
+                  <a:gd name="adj2" fmla="val 20641465"/>
+                </a:avLst>
+              </a:prstGeom>
+              <a:ln w="12700">
+                <a:solidFill>
+                  <a:schemeClr val="tx1"/>
+                </a:solidFill>
+              </a:ln>
+            </p:spPr>
+            <p:style>
+              <a:lnRef idx="1">
+                <a:schemeClr val="accent1"/>
+              </a:lnRef>
+              <a:fillRef idx="0">
+                <a:schemeClr val="accent1"/>
+              </a:fillRef>
+              <a:effectRef idx="0">
+                <a:schemeClr val="accent1"/>
+              </a:effectRef>
+              <a:fontRef idx="minor">
+                <a:schemeClr val="tx1"/>
+              </a:fontRef>
+            </p:style>
+            <p:txBody>
+              <a:bodyPr rtlCol="0" anchor="ctr"/>
+              <a:lstStyle/>
+              <a:p>
+                <a:pPr algn="ctr"/>
+                <a:endParaRPr lang="zh-TW" altLang="en-US"/>
+              </a:p>
+            </p:txBody>
+          </p:sp>
+          <mc:AlternateContent xmlns:mc="http://schemas.openxmlformats.org/markup-compatibility/2006" xmlns:a14="http://schemas.microsoft.com/office/drawing/2010/main">
+            <mc:Choice Requires="a14">
+              <p:sp>
+                <p:nvSpPr>
+                  <p:cNvPr id="30" name="文字方塊 29">
+                    <a:extLst>
+                      <a:ext uri="{FF2B5EF4-FFF2-40B4-BE49-F238E27FC236}">
+                        <a16:creationId xmlns:a16="http://schemas.microsoft.com/office/drawing/2014/main" id="{1EFFC9F6-6EA2-42CB-BE39-836EC7E9F7CE}"/>
+                      </a:ext>
+                    </a:extLst>
+                  </p:cNvPr>
+                  <p:cNvSpPr txBox="1"/>
+                  <p:nvPr/>
+                </p:nvSpPr>
+                <p:spPr>
+                  <a:xfrm>
+                    <a:off x="6567006" y="2582903"/>
+                    <a:ext cx="152400" cy="369332"/>
+                  </a:xfrm>
+                  <a:prstGeom prst="rect">
+                    <a:avLst/>
+                  </a:prstGeom>
+                  <a:noFill/>
+                </p:spPr>
+                <p:txBody>
+                  <a:bodyPr wrap="square" rtlCol="0">
+                    <a:spAutoFit/>
+                  </a:bodyPr>
+                  <a:lstStyle/>
+                  <a:p>
+                    <a:pPr/>
+                    <a14:m>
+                      <m:oMathPara xmlns:m="http://schemas.openxmlformats.org/officeDocument/2006/math">
+                        <m:oMathParaPr>
+                          <m:jc m:val="centerGroup"/>
+                        </m:oMathParaPr>
+                        <m:oMath xmlns:m="http://schemas.openxmlformats.org/officeDocument/2006/math">
+                          <m:r>
+                            <a:rPr lang="en-US" altLang="zh-TW" b="0" i="1" smtClean="0">
+                              <a:latin typeface="Cambria Math" panose="02040503050406030204" pitchFamily="18" charset="0"/>
+                            </a:rPr>
+                            <m:t>𝜓</m:t>
+                          </m:r>
+                        </m:oMath>
+                      </m:oMathPara>
+                    </a14:m>
+                    <a:endParaRPr lang="zh-TW" altLang="en-US" dirty="0"/>
+                  </a:p>
+                </p:txBody>
+              </p:sp>
+            </mc:Choice>
+            <mc:Fallback xmlns="">
+              <p:sp>
+                <p:nvSpPr>
+                  <p:cNvPr id="24" name="文字方塊 23">
+                    <a:extLst>
+                      <a:ext uri="{FF2B5EF4-FFF2-40B4-BE49-F238E27FC236}">
+                        <a16:creationId xmlns:a16="http://schemas.microsoft.com/office/drawing/2014/main" id="{C6AF6DF6-8F0B-493D-B055-CED6E2FD1018}"/>
+                      </a:ext>
+                    </a:extLst>
+                  </p:cNvPr>
+                  <p:cNvSpPr txBox="1">
+                    <a:spLocks noRot="1" noChangeAspect="1" noMove="1" noResize="1" noEditPoints="1" noAdjustHandles="1" noChangeArrowheads="1" noChangeShapeType="1" noTextEdit="1"/>
+                  </p:cNvSpPr>
+                  <p:nvPr/>
+                </p:nvSpPr>
+                <p:spPr>
+                  <a:xfrm>
+                    <a:off x="6567006" y="2582903"/>
+                    <a:ext cx="152400" cy="369332"/>
+                  </a:xfrm>
+                  <a:prstGeom prst="rect">
+                    <a:avLst/>
+                  </a:prstGeom>
+                  <a:blipFill>
+                    <a:blip r:embed="rId2"/>
+                    <a:stretch>
+                      <a:fillRect l="-20000" r="-132000" b="-13333"/>
+                    </a:stretch>
+                  </a:blipFill>
+                </p:spPr>
+                <p:txBody>
+                  <a:bodyPr/>
+                  <a:lstStyle/>
+                  <a:p>
+                    <a:r>
+                      <a:rPr lang="zh-TW" altLang="en-US">
+                        <a:noFill/>
+                      </a:rPr>
+                      <a:t> </a:t>
+                    </a:r>
+                  </a:p>
+                </p:txBody>
+              </p:sp>
+            </mc:Fallback>
+          </mc:AlternateContent>
+        </p:grpSp>
+        <p:grpSp>
+          <p:nvGrpSpPr>
+            <p:cNvPr id="3" name="群組 2">
+              <a:extLst>
+                <a:ext uri="{FF2B5EF4-FFF2-40B4-BE49-F238E27FC236}">
+                  <a16:creationId xmlns:a16="http://schemas.microsoft.com/office/drawing/2014/main" id="{5759D264-2A96-44DD-806A-0BF81570C32D}"/>
+                </a:ext>
+              </a:extLst>
+            </p:cNvPr>
+            <p:cNvGrpSpPr/>
+            <p:nvPr/>
+          </p:nvGrpSpPr>
+          <p:grpSpPr>
+            <a:xfrm>
+              <a:off x="8216326" y="1814732"/>
+              <a:ext cx="1595547" cy="1588687"/>
+              <a:chOff x="8257996" y="1816227"/>
+              <a:chExt cx="1595547" cy="1588687"/>
+            </a:xfrm>
+          </p:grpSpPr>
+          <p:sp>
+            <p:nvSpPr>
+              <p:cNvPr id="2" name="箭號: 向右 1">
+                <a:extLst>
+                  <a:ext uri="{FF2B5EF4-FFF2-40B4-BE49-F238E27FC236}">
+                    <a16:creationId xmlns:a16="http://schemas.microsoft.com/office/drawing/2014/main" id="{F3B5B07A-AABC-4B4E-9362-AEDA5419AE95}"/>
+                  </a:ext>
+                </a:extLst>
+              </p:cNvPr>
+              <p:cNvSpPr/>
+              <p:nvPr/>
+            </p:nvSpPr>
+            <p:spPr>
+              <a:xfrm>
+                <a:off x="8344406" y="3131349"/>
+                <a:ext cx="1509137" cy="273565"/>
+              </a:xfrm>
+              <a:prstGeom prst="rightArrow">
+                <a:avLst/>
+              </a:prstGeom>
+              <a:ln>
+                <a:noFill/>
+              </a:ln>
+            </p:spPr>
+            <p:style>
+              <a:lnRef idx="2">
+                <a:schemeClr val="accent1">
+                  <a:shade val="50000"/>
+                </a:schemeClr>
+              </a:lnRef>
+              <a:fillRef idx="1">
+                <a:schemeClr val="accent1"/>
+              </a:fillRef>
+              <a:effectRef idx="0">
+                <a:schemeClr val="accent1"/>
+              </a:effectRef>
+              <a:fontRef idx="minor">
+                <a:schemeClr val="lt1"/>
+              </a:fontRef>
+            </p:style>
+            <p:txBody>
+              <a:bodyPr rtlCol="0" anchor="ctr"/>
+              <a:lstStyle/>
+              <a:p>
+                <a:pPr algn="ctr"/>
+                <a:endParaRPr lang="zh-TW" altLang="en-US"/>
+              </a:p>
+            </p:txBody>
+          </p:sp>
+          <p:sp>
+            <p:nvSpPr>
+              <p:cNvPr id="38" name="箭號: 向右 37">
+                <a:extLst>
+                  <a:ext uri="{FF2B5EF4-FFF2-40B4-BE49-F238E27FC236}">
+                    <a16:creationId xmlns:a16="http://schemas.microsoft.com/office/drawing/2014/main" id="{0A46B2DF-0E74-4D71-AD20-E0B92DFA71A4}"/>
+                  </a:ext>
+                </a:extLst>
+              </p:cNvPr>
+              <p:cNvSpPr/>
+              <p:nvPr/>
+            </p:nvSpPr>
+            <p:spPr>
+              <a:xfrm rot="16200000">
+                <a:off x="7640210" y="2434013"/>
+                <a:ext cx="1509137" cy="273565"/>
+              </a:xfrm>
+              <a:prstGeom prst="rightArrow">
+                <a:avLst/>
+              </a:prstGeom>
+              <a:ln>
+                <a:noFill/>
+              </a:ln>
+            </p:spPr>
+            <p:style>
+              <a:lnRef idx="2">
+                <a:schemeClr val="accent1">
+                  <a:shade val="50000"/>
+                </a:schemeClr>
+              </a:lnRef>
+              <a:fillRef idx="1">
+                <a:schemeClr val="accent1"/>
+              </a:fillRef>
+              <a:effectRef idx="0">
+                <a:schemeClr val="accent1"/>
+              </a:effectRef>
+              <a:fontRef idx="minor">
+                <a:schemeClr val="lt1"/>
+              </a:fontRef>
+            </p:style>
+            <p:txBody>
+              <a:bodyPr rtlCol="0" anchor="ctr"/>
+              <a:lstStyle/>
+              <a:p>
+                <a:pPr algn="ctr"/>
+                <a:endParaRPr lang="zh-TW" altLang="en-US"/>
+              </a:p>
+            </p:txBody>
+          </p:sp>
+        </p:grpSp>
+        <mc:AlternateContent xmlns:mc="http://schemas.openxmlformats.org/markup-compatibility/2006">
+          <mc:Choice xmlns:a14="http://schemas.microsoft.com/office/drawing/2010/main" Requires="a14">
+            <p:sp>
+              <p:nvSpPr>
+                <p:cNvPr id="4" name="文字方塊 3">
+                  <a:extLst>
+                    <a:ext uri="{FF2B5EF4-FFF2-40B4-BE49-F238E27FC236}">
+                      <a16:creationId xmlns:a16="http://schemas.microsoft.com/office/drawing/2014/main" id="{AB308E94-D1B5-40C9-98AD-770B4D76F1DE}"/>
+                    </a:ext>
+                  </a:extLst>
+                </p:cNvPr>
+                <p:cNvSpPr txBox="1"/>
+                <p:nvPr/>
+              </p:nvSpPr>
+              <p:spPr>
+                <a:xfrm>
+                  <a:off x="8395832" y="1565628"/>
+                  <a:ext cx="479083" cy="584775"/>
+                </a:xfrm>
+                <a:prstGeom prst="rect">
+                  <a:avLst/>
+                </a:prstGeom>
+                <a:noFill/>
+              </p:spPr>
+              <p:txBody>
+                <a:bodyPr wrap="square" rtlCol="0">
+                  <a:spAutoFit/>
+                </a:bodyPr>
+                <a:lstStyle/>
+                <a:p>
+                  <a14:m>
+                    <m:oMathPara xmlns:m="http://schemas.openxmlformats.org/officeDocument/2006/math">
+                      <m:oMathParaPr>
+                        <m:jc m:val="centerGroup"/>
+                      </m:oMathParaPr>
+                      <m:oMath xmlns:m="http://schemas.openxmlformats.org/officeDocument/2006/math">
+                        <m:sSub>
+                          <m:sSubPr>
+                            <m:ctrlPr>
+                              <a:rPr lang="en-US" altLang="zh-TW" sz="3200" b="0" i="1" smtClean="0">
+                                <a:solidFill>
+                                  <a:schemeClr val="accent1"/>
+                                </a:solidFill>
+                                <a:latin typeface="Cambria Math" panose="02040503050406030204" pitchFamily="18" charset="0"/>
+                              </a:rPr>
+                            </m:ctrlPr>
+                          </m:sSubPr>
+                          <m:e>
+                            <m:r>
+                              <a:rPr lang="en-US" altLang="zh-TW" sz="3200" b="0" i="1" smtClean="0">
+                                <a:solidFill>
+                                  <a:schemeClr val="accent1"/>
+                                </a:solidFill>
+                                <a:latin typeface="Cambria Math" panose="02040503050406030204" pitchFamily="18" charset="0"/>
+                              </a:rPr>
+                              <m:t>𝑣</m:t>
+                            </m:r>
+                          </m:e>
+                          <m:sub>
+                            <m:r>
+                              <a:rPr lang="en-US" altLang="zh-TW" sz="3200" b="0" i="1" smtClean="0">
+                                <a:solidFill>
+                                  <a:schemeClr val="accent1"/>
+                                </a:solidFill>
+                                <a:latin typeface="Cambria Math" panose="02040503050406030204" pitchFamily="18" charset="0"/>
+                              </a:rPr>
+                              <m:t>𝑌</m:t>
+                            </m:r>
+                          </m:sub>
+                        </m:sSub>
+                      </m:oMath>
+                    </m:oMathPara>
+                  </a14:m>
+                  <a:endParaRPr lang="zh-TW" altLang="en-US" sz="3200" dirty="0">
+                    <a:solidFill>
+                      <a:schemeClr val="accent1"/>
+                    </a:solidFill>
+                  </a:endParaRPr>
+                </a:p>
+              </p:txBody>
+            </p:sp>
+          </mc:Choice>
+          <mc:Fallback>
+            <p:sp>
+              <p:nvSpPr>
+                <p:cNvPr id="4" name="文字方塊 3">
+                  <a:extLst>
+                    <a:ext uri="{FF2B5EF4-FFF2-40B4-BE49-F238E27FC236}">
+                      <a16:creationId xmlns:a16="http://schemas.microsoft.com/office/drawing/2014/main" id="{AB308E94-D1B5-40C9-98AD-770B4D76F1DE}"/>
+                    </a:ext>
+                  </a:extLst>
+                </p:cNvPr>
+                <p:cNvSpPr txBox="1">
+                  <a:spLocks noRot="1" noChangeAspect="1" noMove="1" noResize="1" noEditPoints="1" noAdjustHandles="1" noChangeArrowheads="1" noChangeShapeType="1" noTextEdit="1"/>
+                </p:cNvSpPr>
+                <p:nvPr/>
+              </p:nvSpPr>
+              <p:spPr>
+                <a:xfrm>
+                  <a:off x="8395832" y="1565628"/>
+                  <a:ext cx="479083" cy="584775"/>
+                </a:xfrm>
+                <a:prstGeom prst="rect">
+                  <a:avLst/>
+                </a:prstGeom>
+                <a:blipFill>
+                  <a:blip r:embed="rId3"/>
+                  <a:stretch>
+                    <a:fillRect r="-2532"/>
+                  </a:stretch>
+                </a:blipFill>
+              </p:spPr>
+              <p:txBody>
+                <a:bodyPr/>
+                <a:lstStyle/>
+                <a:p>
+                  <a:r>
+                    <a:rPr lang="zh-TW" altLang="en-US">
+                      <a:noFill/>
+                    </a:rPr>
+                    <a:t> </a:t>
+                  </a:r>
+                </a:p>
+              </p:txBody>
+            </p:sp>
+          </mc:Fallback>
+        </mc:AlternateContent>
+        <mc:AlternateContent xmlns:mc="http://schemas.openxmlformats.org/markup-compatibility/2006">
+          <mc:Choice xmlns:a14="http://schemas.microsoft.com/office/drawing/2010/main" Requires="a14">
+            <p:sp>
+              <p:nvSpPr>
+                <p:cNvPr id="39" name="文字方塊 38">
+                  <a:extLst>
+                    <a:ext uri="{FF2B5EF4-FFF2-40B4-BE49-F238E27FC236}">
+                      <a16:creationId xmlns:a16="http://schemas.microsoft.com/office/drawing/2014/main" id="{F0F81626-FA8A-4E87-87A3-0A11D628D2C8}"/>
+                    </a:ext>
+                  </a:extLst>
+                </p:cNvPr>
+                <p:cNvSpPr txBox="1"/>
+                <p:nvPr/>
+              </p:nvSpPr>
+              <p:spPr>
+                <a:xfrm>
+                  <a:off x="9397526" y="3247784"/>
+                  <a:ext cx="479083" cy="584775"/>
+                </a:xfrm>
+                <a:prstGeom prst="rect">
+                  <a:avLst/>
+                </a:prstGeom>
+                <a:noFill/>
+              </p:spPr>
+              <p:txBody>
+                <a:bodyPr wrap="square" rtlCol="0">
+                  <a:spAutoFit/>
+                </a:bodyPr>
+                <a:lstStyle/>
+                <a:p>
+                  <a14:m>
+                    <m:oMathPara xmlns:m="http://schemas.openxmlformats.org/officeDocument/2006/math">
+                      <m:oMathParaPr>
+                        <m:jc m:val="centerGroup"/>
+                      </m:oMathParaPr>
+                      <m:oMath xmlns:m="http://schemas.openxmlformats.org/officeDocument/2006/math">
+                        <m:sSub>
+                          <m:sSubPr>
+                            <m:ctrlPr>
+                              <a:rPr lang="en-US" altLang="zh-TW" sz="3200" b="0" i="1" smtClean="0">
+                                <a:solidFill>
+                                  <a:schemeClr val="accent1"/>
+                                </a:solidFill>
+                                <a:latin typeface="Cambria Math" panose="02040503050406030204" pitchFamily="18" charset="0"/>
+                              </a:rPr>
+                            </m:ctrlPr>
+                          </m:sSubPr>
+                          <m:e>
+                            <m:r>
+                              <a:rPr lang="en-US" altLang="zh-TW" sz="3200" b="0" i="1" smtClean="0">
+                                <a:solidFill>
+                                  <a:schemeClr val="accent1"/>
+                                </a:solidFill>
+                                <a:latin typeface="Cambria Math" panose="02040503050406030204" pitchFamily="18" charset="0"/>
+                              </a:rPr>
+                              <m:t>𝑣</m:t>
+                            </m:r>
+                          </m:e>
+                          <m:sub>
+                            <m:r>
+                              <a:rPr lang="en-US" altLang="zh-TW" sz="3200" b="0" i="1" smtClean="0">
+                                <a:solidFill>
+                                  <a:schemeClr val="accent1"/>
+                                </a:solidFill>
+                                <a:latin typeface="Cambria Math" panose="02040503050406030204" pitchFamily="18" charset="0"/>
+                              </a:rPr>
+                              <m:t>𝑋</m:t>
+                            </m:r>
+                          </m:sub>
+                        </m:sSub>
+                      </m:oMath>
+                    </m:oMathPara>
+                  </a14:m>
+                  <a:endParaRPr lang="zh-TW" altLang="en-US" sz="3200" dirty="0">
+                    <a:solidFill>
+                      <a:schemeClr val="accent1"/>
+                    </a:solidFill>
+                  </a:endParaRPr>
+                </a:p>
+              </p:txBody>
+            </p:sp>
+          </mc:Choice>
+          <mc:Fallback>
+            <p:sp>
+              <p:nvSpPr>
+                <p:cNvPr id="39" name="文字方塊 38">
+                  <a:extLst>
+                    <a:ext uri="{FF2B5EF4-FFF2-40B4-BE49-F238E27FC236}">
+                      <a16:creationId xmlns:a16="http://schemas.microsoft.com/office/drawing/2014/main" id="{F0F81626-FA8A-4E87-87A3-0A11D628D2C8}"/>
+                    </a:ext>
+                  </a:extLst>
+                </p:cNvPr>
+                <p:cNvSpPr txBox="1">
+                  <a:spLocks noRot="1" noChangeAspect="1" noMove="1" noResize="1" noEditPoints="1" noAdjustHandles="1" noChangeArrowheads="1" noChangeShapeType="1" noTextEdit="1"/>
+                </p:cNvSpPr>
+                <p:nvPr/>
+              </p:nvSpPr>
+              <p:spPr>
+                <a:xfrm>
+                  <a:off x="9397526" y="3247784"/>
+                  <a:ext cx="479083" cy="584775"/>
+                </a:xfrm>
+                <a:prstGeom prst="rect">
+                  <a:avLst/>
+                </a:prstGeom>
+                <a:blipFill>
+                  <a:blip r:embed="rId4"/>
+                  <a:stretch>
+                    <a:fillRect r="-5128"/>
+                  </a:stretch>
+                </a:blipFill>
+              </p:spPr>
+              <p:txBody>
+                <a:bodyPr/>
+                <a:lstStyle/>
+                <a:p>
+                  <a:r>
+                    <a:rPr lang="zh-TW" altLang="en-US">
+                      <a:noFill/>
+                    </a:rPr>
+                    <a:t> </a:t>
+                  </a:r>
+                </a:p>
+              </p:txBody>
+            </p:sp>
+          </mc:Fallback>
+        </mc:AlternateContent>
+        <p:sp>
+          <p:nvSpPr>
+            <p:cNvPr id="7" name="箭號: 圓形 6">
+              <a:extLst>
+                <a:ext uri="{FF2B5EF4-FFF2-40B4-BE49-F238E27FC236}">
+                  <a16:creationId xmlns:a16="http://schemas.microsoft.com/office/drawing/2014/main" id="{FEF72FE0-2CD2-458A-B1F9-AC2CF5EF2D69}"/>
+                </a:ext>
+              </a:extLst>
+            </p:cNvPr>
+            <p:cNvSpPr/>
+            <p:nvPr/>
+          </p:nvSpPr>
+          <p:spPr>
+            <a:xfrm flipH="1">
+              <a:off x="7649488" y="2471639"/>
+              <a:ext cx="1446449" cy="1509137"/>
+            </a:xfrm>
+            <a:prstGeom prst="circularArrow">
+              <a:avLst>
+                <a:gd name="adj1" fmla="val 12500"/>
+                <a:gd name="adj2" fmla="val 1142319"/>
+                <a:gd name="adj3" fmla="val 20457681"/>
+                <a:gd name="adj4" fmla="val 3289863"/>
+                <a:gd name="adj5" fmla="val 12500"/>
+              </a:avLst>
+            </a:prstGeom>
+            <a:solidFill>
+              <a:schemeClr val="accent1"/>
+            </a:solidFill>
+            <a:ln>
+              <a:solidFill>
+                <a:schemeClr val="tx1"/>
+              </a:solidFill>
+            </a:ln>
+          </p:spPr>
+          <p:style>
+            <a:lnRef idx="2">
+              <a:schemeClr val="accent1">
+                <a:shade val="50000"/>
+              </a:schemeClr>
+            </a:lnRef>
+            <a:fillRef idx="1">
+              <a:schemeClr val="accent1"/>
+            </a:fillRef>
+            <a:effectRef idx="0">
+              <a:schemeClr val="accent1"/>
+            </a:effectRef>
+            <a:fontRef idx="minor">
+              <a:schemeClr val="lt1"/>
+            </a:fontRef>
+          </p:style>
+          <p:txBody>
+            <a:bodyPr rtlCol="0" anchor="ctr"/>
+            <a:lstStyle/>
+            <a:p>
+              <a:pPr algn="ctr"/>
+              <a:endParaRPr lang="zh-TW" altLang="en-US">
+                <a:solidFill>
+                  <a:schemeClr val="tx1"/>
+                </a:solidFill>
+              </a:endParaRPr>
+            </a:p>
+          </p:txBody>
+        </p:sp>
+        <mc:AlternateContent xmlns:mc="http://schemas.openxmlformats.org/markup-compatibility/2006">
+          <mc:Choice xmlns:a14="http://schemas.microsoft.com/office/drawing/2010/main" Requires="a14">
+            <p:sp>
+              <p:nvSpPr>
+                <p:cNvPr id="40" name="文字方塊 39">
+                  <a:extLst>
+                    <a:ext uri="{FF2B5EF4-FFF2-40B4-BE49-F238E27FC236}">
+                      <a16:creationId xmlns:a16="http://schemas.microsoft.com/office/drawing/2014/main" id="{43DC1C7E-AC4D-4DBC-BDC3-17B7CFE9BE5B}"/>
+                    </a:ext>
+                  </a:extLst>
+                </p:cNvPr>
+                <p:cNvSpPr txBox="1"/>
+                <p:nvPr/>
+              </p:nvSpPr>
+              <p:spPr>
+                <a:xfrm>
+                  <a:off x="7275864" y="2739094"/>
+                  <a:ext cx="479083" cy="584775"/>
+                </a:xfrm>
+                <a:prstGeom prst="rect">
+                  <a:avLst/>
+                </a:prstGeom>
+                <a:noFill/>
+              </p:spPr>
+              <p:txBody>
+                <a:bodyPr wrap="square" rtlCol="0">
+                  <a:spAutoFit/>
+                </a:bodyPr>
+                <a:lstStyle/>
+                <a:p>
+                  <a14:m>
+                    <m:oMathPara xmlns:m="http://schemas.openxmlformats.org/officeDocument/2006/math">
+                      <m:oMathParaPr>
+                        <m:jc m:val="centerGroup"/>
+                      </m:oMathParaPr>
+                      <m:oMath xmlns:m="http://schemas.openxmlformats.org/officeDocument/2006/math">
+                        <m:r>
+                          <a:rPr lang="en-US" altLang="zh-TW" sz="3200" b="0" i="1" smtClean="0">
+                            <a:solidFill>
+                              <a:schemeClr val="accent1"/>
+                            </a:solidFill>
+                            <a:latin typeface="Cambria Math" panose="02040503050406030204" pitchFamily="18" charset="0"/>
+                          </a:rPr>
+                          <m:t>𝜔</m:t>
+                        </m:r>
+                      </m:oMath>
+                    </m:oMathPara>
+                  </a14:m>
+                  <a:endParaRPr lang="zh-TW" altLang="en-US" sz="3200" dirty="0">
+                    <a:solidFill>
+                      <a:schemeClr val="accent1"/>
+                    </a:solidFill>
+                  </a:endParaRPr>
+                </a:p>
+              </p:txBody>
+            </p:sp>
+          </mc:Choice>
+          <mc:Fallback>
+            <p:sp>
+              <p:nvSpPr>
+                <p:cNvPr id="40" name="文字方塊 39">
+                  <a:extLst>
+                    <a:ext uri="{FF2B5EF4-FFF2-40B4-BE49-F238E27FC236}">
+                      <a16:creationId xmlns:a16="http://schemas.microsoft.com/office/drawing/2014/main" id="{43DC1C7E-AC4D-4DBC-BDC3-17B7CFE9BE5B}"/>
+                    </a:ext>
+                  </a:extLst>
+                </p:cNvPr>
+                <p:cNvSpPr txBox="1">
+                  <a:spLocks noRot="1" noChangeAspect="1" noMove="1" noResize="1" noEditPoints="1" noAdjustHandles="1" noChangeArrowheads="1" noChangeShapeType="1" noTextEdit="1"/>
+                </p:cNvSpPr>
+                <p:nvPr/>
+              </p:nvSpPr>
+              <p:spPr>
+                <a:xfrm>
+                  <a:off x="7275864" y="2739094"/>
+                  <a:ext cx="479083" cy="584775"/>
+                </a:xfrm>
+                <a:prstGeom prst="rect">
+                  <a:avLst/>
+                </a:prstGeom>
+                <a:blipFill>
+                  <a:blip r:embed="rId5"/>
+                  <a:stretch>
+                    <a:fillRect/>
                   </a:stretch>
                 </a:blipFill>
               </p:spPr>
@@ -16113,8 +17282,8 @@
             </a:p>
           </p:txBody>
         </p:sp>
-        <mc:AlternateContent xmlns:mc="http://schemas.openxmlformats.org/markup-compatibility/2006">
-          <mc:Choice xmlns:a14="http://schemas.microsoft.com/office/drawing/2010/main" Requires="a14">
+        <mc:AlternateContent xmlns:mc="http://schemas.openxmlformats.org/markup-compatibility/2006" xmlns:a14="http://schemas.microsoft.com/office/drawing/2010/main">
+          <mc:Choice Requires="a14">
             <p:sp>
               <p:nvSpPr>
                 <p:cNvPr id="20" name="文字方塊 19">
@@ -16164,7 +17333,7 @@
               </p:txBody>
             </p:sp>
           </mc:Choice>
-          <mc:Fallback>
+          <mc:Fallback xmlns="">
             <p:sp>
               <p:nvSpPr>
                 <p:cNvPr id="20" name="文字方塊 19">
@@ -16410,8 +17579,8 @@
             </a:p>
           </p:txBody>
         </p:sp>
-        <mc:AlternateContent xmlns:mc="http://schemas.openxmlformats.org/markup-compatibility/2006">
-          <mc:Choice xmlns:a14="http://schemas.microsoft.com/office/drawing/2010/main" Requires="a14">
+        <mc:AlternateContent xmlns:mc="http://schemas.openxmlformats.org/markup-compatibility/2006" xmlns:a14="http://schemas.microsoft.com/office/drawing/2010/main">
+          <mc:Choice Requires="a14">
             <p:sp>
               <p:nvSpPr>
                 <p:cNvPr id="28" name="文字方塊 27">
@@ -16461,7 +17630,7 @@
               </p:txBody>
             </p:sp>
           </mc:Choice>
-          <mc:Fallback>
+          <mc:Fallback xmlns="">
             <p:sp>
               <p:nvSpPr>
                 <p:cNvPr id="28" name="文字方塊 27">
@@ -16606,8 +17775,8 @@
             </a:p>
           </p:txBody>
         </p:sp>
-        <mc:AlternateContent xmlns:mc="http://schemas.openxmlformats.org/markup-compatibility/2006">
-          <mc:Choice xmlns:a14="http://schemas.microsoft.com/office/drawing/2010/main" Requires="a14">
+        <mc:AlternateContent xmlns:mc="http://schemas.openxmlformats.org/markup-compatibility/2006" xmlns:a14="http://schemas.microsoft.com/office/drawing/2010/main">
+          <mc:Choice Requires="a14">
             <p:sp>
               <p:nvSpPr>
                 <p:cNvPr id="31" name="文字方塊 30">
@@ -16657,7 +17826,7 @@
               </p:txBody>
             </p:sp>
           </mc:Choice>
-          <mc:Fallback>
+          <mc:Fallback xmlns="">
             <p:sp>
               <p:nvSpPr>
                 <p:cNvPr id="31" name="文字方塊 30">
@@ -16957,8 +18126,8 @@
             </a:fontRef>
           </p:style>
         </p:cxnSp>
-        <mc:AlternateContent xmlns:mc="http://schemas.openxmlformats.org/markup-compatibility/2006">
-          <mc:Choice xmlns:a14="http://schemas.microsoft.com/office/drawing/2010/main" Requires="a14">
+        <mc:AlternateContent xmlns:mc="http://schemas.openxmlformats.org/markup-compatibility/2006" xmlns:a14="http://schemas.microsoft.com/office/drawing/2010/main">
+          <mc:Choice Requires="a14">
             <p:sp>
               <p:nvSpPr>
                 <p:cNvPr id="38" name="文字方塊 37">
@@ -16987,6 +18156,7 @@
                 </a:bodyPr>
                 <a:lstStyle/>
                 <a:p>
+                  <a:pPr/>
                   <a14:m>
                     <m:oMathPara xmlns:m="http://schemas.openxmlformats.org/officeDocument/2006/math">
                       <m:oMathParaPr>
@@ -17039,7 +18209,7 @@
               </p:txBody>
             </p:sp>
           </mc:Choice>
-          <mc:Fallback>
+          <mc:Fallback xmlns="">
             <p:sp>
               <p:nvSpPr>
                 <p:cNvPr id="38" name="文字方塊 37">
@@ -17126,8 +18296,8 @@
             </a:fontRef>
           </p:style>
         </p:cxnSp>
-        <mc:AlternateContent xmlns:mc="http://schemas.openxmlformats.org/markup-compatibility/2006">
-          <mc:Choice xmlns:a14="http://schemas.microsoft.com/office/drawing/2010/main" Requires="a14">
+        <mc:AlternateContent xmlns:mc="http://schemas.openxmlformats.org/markup-compatibility/2006" xmlns:a14="http://schemas.microsoft.com/office/drawing/2010/main">
+          <mc:Choice Requires="a14">
             <p:sp>
               <p:nvSpPr>
                 <p:cNvPr id="41" name="文字方塊 40">
@@ -17156,6 +18326,7 @@
                 </a:bodyPr>
                 <a:lstStyle/>
                 <a:p>
+                  <a:pPr/>
                   <a14:m>
                     <m:oMathPara xmlns:m="http://schemas.openxmlformats.org/officeDocument/2006/math">
                       <m:oMathParaPr>
@@ -17208,7 +18379,7 @@
               </p:txBody>
             </p:sp>
           </mc:Choice>
-          <mc:Fallback>
+          <mc:Fallback xmlns="">
             <p:sp>
               <p:nvSpPr>
                 <p:cNvPr id="41" name="文字方塊 40">

--- a/path_planing/VO_code_try/robot_properties3.pptx
+++ b/path_planing/VO_code_try/robot_properties3.pptx
@@ -25,6 +25,7 @@
     <p:sldId id="273" r:id="rId19"/>
     <p:sldId id="275" r:id="rId20"/>
     <p:sldId id="274" r:id="rId21"/>
+    <p:sldId id="276" r:id="rId22"/>
   </p:sldIdLst>
   <p:sldSz cx="12192000" cy="6858000"/>
   <p:notesSz cx="6858000" cy="9144000"/>
@@ -278,7 +279,7 @@
           <a:p>
             <a:fld id="{9CD1F5AD-FE1B-4540-B598-52220A64164D}" type="datetimeFigureOut">
               <a:rPr lang="zh-TW" altLang="en-US" smtClean="0"/>
-              <a:t>2024/12/3</a:t>
+              <a:t>2024/12/11</a:t>
             </a:fld>
             <a:endParaRPr lang="zh-TW" altLang="en-US"/>
           </a:p>
@@ -476,7 +477,7 @@
           <a:p>
             <a:fld id="{9CD1F5AD-FE1B-4540-B598-52220A64164D}" type="datetimeFigureOut">
               <a:rPr lang="zh-TW" altLang="en-US" smtClean="0"/>
-              <a:t>2024/12/3</a:t>
+              <a:t>2024/12/11</a:t>
             </a:fld>
             <a:endParaRPr lang="zh-TW" altLang="en-US"/>
           </a:p>
@@ -684,7 +685,7 @@
           <a:p>
             <a:fld id="{9CD1F5AD-FE1B-4540-B598-52220A64164D}" type="datetimeFigureOut">
               <a:rPr lang="zh-TW" altLang="en-US" smtClean="0"/>
-              <a:t>2024/12/3</a:t>
+              <a:t>2024/12/11</a:t>
             </a:fld>
             <a:endParaRPr lang="zh-TW" altLang="en-US"/>
           </a:p>
@@ -882,7 +883,7 @@
           <a:p>
             <a:fld id="{9CD1F5AD-FE1B-4540-B598-52220A64164D}" type="datetimeFigureOut">
               <a:rPr lang="zh-TW" altLang="en-US" smtClean="0"/>
-              <a:t>2024/12/3</a:t>
+              <a:t>2024/12/11</a:t>
             </a:fld>
             <a:endParaRPr lang="zh-TW" altLang="en-US"/>
           </a:p>
@@ -1157,7 +1158,7 @@
           <a:p>
             <a:fld id="{9CD1F5AD-FE1B-4540-B598-52220A64164D}" type="datetimeFigureOut">
               <a:rPr lang="zh-TW" altLang="en-US" smtClean="0"/>
-              <a:t>2024/12/3</a:t>
+              <a:t>2024/12/11</a:t>
             </a:fld>
             <a:endParaRPr lang="zh-TW" altLang="en-US"/>
           </a:p>
@@ -1422,7 +1423,7 @@
           <a:p>
             <a:fld id="{9CD1F5AD-FE1B-4540-B598-52220A64164D}" type="datetimeFigureOut">
               <a:rPr lang="zh-TW" altLang="en-US" smtClean="0"/>
-              <a:t>2024/12/3</a:t>
+              <a:t>2024/12/11</a:t>
             </a:fld>
             <a:endParaRPr lang="zh-TW" altLang="en-US"/>
           </a:p>
@@ -1834,7 +1835,7 @@
           <a:p>
             <a:fld id="{9CD1F5AD-FE1B-4540-B598-52220A64164D}" type="datetimeFigureOut">
               <a:rPr lang="zh-TW" altLang="en-US" smtClean="0"/>
-              <a:t>2024/12/3</a:t>
+              <a:t>2024/12/11</a:t>
             </a:fld>
             <a:endParaRPr lang="zh-TW" altLang="en-US"/>
           </a:p>
@@ -1975,7 +1976,7 @@
           <a:p>
             <a:fld id="{9CD1F5AD-FE1B-4540-B598-52220A64164D}" type="datetimeFigureOut">
               <a:rPr lang="zh-TW" altLang="en-US" smtClean="0"/>
-              <a:t>2024/12/3</a:t>
+              <a:t>2024/12/11</a:t>
             </a:fld>
             <a:endParaRPr lang="zh-TW" altLang="en-US"/>
           </a:p>
@@ -2088,7 +2089,7 @@
           <a:p>
             <a:fld id="{9CD1F5AD-FE1B-4540-B598-52220A64164D}" type="datetimeFigureOut">
               <a:rPr lang="zh-TW" altLang="en-US" smtClean="0"/>
-              <a:t>2024/12/3</a:t>
+              <a:t>2024/12/11</a:t>
             </a:fld>
             <a:endParaRPr lang="zh-TW" altLang="en-US"/>
           </a:p>
@@ -2399,7 +2400,7 @@
           <a:p>
             <a:fld id="{9CD1F5AD-FE1B-4540-B598-52220A64164D}" type="datetimeFigureOut">
               <a:rPr lang="zh-TW" altLang="en-US" smtClean="0"/>
-              <a:t>2024/12/3</a:t>
+              <a:t>2024/12/11</a:t>
             </a:fld>
             <a:endParaRPr lang="zh-TW" altLang="en-US"/>
           </a:p>
@@ -2687,7 +2688,7 @@
           <a:p>
             <a:fld id="{9CD1F5AD-FE1B-4540-B598-52220A64164D}" type="datetimeFigureOut">
               <a:rPr lang="zh-TW" altLang="en-US" smtClean="0"/>
-              <a:t>2024/12/3</a:t>
+              <a:t>2024/12/11</a:t>
             </a:fld>
             <a:endParaRPr lang="zh-TW" altLang="en-US"/>
           </a:p>
@@ -2928,7 +2929,7 @@
           <a:p>
             <a:fld id="{9CD1F5AD-FE1B-4540-B598-52220A64164D}" type="datetimeFigureOut">
               <a:rPr lang="zh-TW" altLang="en-US" smtClean="0"/>
-              <a:t>2024/12/3</a:t>
+              <a:t>2024/12/11</a:t>
             </a:fld>
             <a:endParaRPr lang="zh-TW" altLang="en-US"/>
           </a:p>
@@ -10715,8 +10716,8 @@
             </p:txBody>
           </p:sp>
         </p:grpSp>
-        <mc:AlternateContent xmlns:mc="http://schemas.openxmlformats.org/markup-compatibility/2006">
-          <mc:Choice xmlns:a14="http://schemas.microsoft.com/office/drawing/2010/main" Requires="a14">
+        <mc:AlternateContent xmlns:mc="http://schemas.openxmlformats.org/markup-compatibility/2006" xmlns:a14="http://schemas.microsoft.com/office/drawing/2010/main">
+          <mc:Choice Requires="a14">
             <p:sp>
               <p:nvSpPr>
                 <p:cNvPr id="4" name="文字方塊 3">
@@ -10745,6 +10746,7 @@
                 </a:bodyPr>
                 <a:lstStyle/>
                 <a:p>
+                  <a:pPr/>
                   <a14:m>
                     <m:oMathPara xmlns:m="http://schemas.openxmlformats.org/officeDocument/2006/math">
                       <m:oMathParaPr>
@@ -10797,7 +10799,7 @@
               </p:txBody>
             </p:sp>
           </mc:Choice>
-          <mc:Fallback>
+          <mc:Fallback xmlns="">
             <p:sp>
               <p:nvSpPr>
                 <p:cNvPr id="4" name="文字方塊 3">
@@ -10842,8 +10844,8 @@
             </p:sp>
           </mc:Fallback>
         </mc:AlternateContent>
-        <mc:AlternateContent xmlns:mc="http://schemas.openxmlformats.org/markup-compatibility/2006">
-          <mc:Choice xmlns:a14="http://schemas.microsoft.com/office/drawing/2010/main" Requires="a14">
+        <mc:AlternateContent xmlns:mc="http://schemas.openxmlformats.org/markup-compatibility/2006" xmlns:a14="http://schemas.microsoft.com/office/drawing/2010/main">
+          <mc:Choice Requires="a14">
             <p:sp>
               <p:nvSpPr>
                 <p:cNvPr id="39" name="文字方塊 38">
@@ -10872,6 +10874,7 @@
                 </a:bodyPr>
                 <a:lstStyle/>
                 <a:p>
+                  <a:pPr/>
                   <a14:m>
                     <m:oMathPara xmlns:m="http://schemas.openxmlformats.org/officeDocument/2006/math">
                       <m:oMathParaPr>
@@ -10924,7 +10927,7 @@
               </p:txBody>
             </p:sp>
           </mc:Choice>
-          <mc:Fallback>
+          <mc:Fallback xmlns="">
             <p:sp>
               <p:nvSpPr>
                 <p:cNvPr id="39" name="文字方塊 38">
@@ -11033,8 +11036,8 @@
             </a:p>
           </p:txBody>
         </p:sp>
-        <mc:AlternateContent xmlns:mc="http://schemas.openxmlformats.org/markup-compatibility/2006">
-          <mc:Choice xmlns:a14="http://schemas.microsoft.com/office/drawing/2010/main" Requires="a14">
+        <mc:AlternateContent xmlns:mc="http://schemas.openxmlformats.org/markup-compatibility/2006" xmlns:a14="http://schemas.microsoft.com/office/drawing/2010/main">
+          <mc:Choice Requires="a14">
             <p:sp>
               <p:nvSpPr>
                 <p:cNvPr id="40" name="文字方塊 39">
@@ -11063,6 +11066,7 @@
                 </a:bodyPr>
                 <a:lstStyle/>
                 <a:p>
+                  <a:pPr/>
                   <a14:m>
                     <m:oMathPara xmlns:m="http://schemas.openxmlformats.org/officeDocument/2006/math">
                       <m:oMathParaPr>
@@ -11090,7 +11094,7 @@
               </p:txBody>
             </p:sp>
           </mc:Choice>
-          <mc:Fallback>
+          <mc:Fallback xmlns="">
             <p:sp>
               <p:nvSpPr>
                 <p:cNvPr id="40" name="文字方塊 39">
@@ -18816,6 +18820,1759 @@
 </p:sld>
 </file>
 
+<file path=ppt/slides/slide21.xml><?xml version="1.0" encoding="utf-8"?>
+<p:sld xmlns:a="http://schemas.openxmlformats.org/drawingml/2006/main" xmlns:r="http://schemas.openxmlformats.org/officeDocument/2006/relationships" xmlns:p="http://schemas.openxmlformats.org/presentationml/2006/main">
+  <p:cSld>
+    <p:spTree>
+      <p:nvGrpSpPr>
+        <p:cNvPr id="1" name=""/>
+        <p:cNvGrpSpPr/>
+        <p:nvPr/>
+      </p:nvGrpSpPr>
+      <p:grpSpPr>
+        <a:xfrm>
+          <a:off x="0" y="0"/>
+          <a:ext cx="0" cy="0"/>
+          <a:chOff x="0" y="0"/>
+          <a:chExt cx="0" cy="0"/>
+        </a:xfrm>
+      </p:grpSpPr>
+      <p:sp>
+        <p:nvSpPr>
+          <p:cNvPr id="4" name="圓形: 空心 3">
+            <a:extLst>
+              <a:ext uri="{FF2B5EF4-FFF2-40B4-BE49-F238E27FC236}">
+                <a16:creationId xmlns:a16="http://schemas.microsoft.com/office/drawing/2014/main" id="{9A917DB3-0818-4B71-86BD-3A6A3AB8408C}"/>
+              </a:ext>
+            </a:extLst>
+          </p:cNvPr>
+          <p:cNvSpPr/>
+          <p:nvPr/>
+        </p:nvSpPr>
+        <p:spPr>
+          <a:xfrm>
+            <a:off x="3305999" y="639000"/>
+            <a:ext cx="5580000" cy="5580000"/>
+          </a:xfrm>
+          <a:prstGeom prst="donut">
+            <a:avLst>
+              <a:gd name="adj" fmla="val 34783"/>
+            </a:avLst>
+          </a:prstGeom>
+          <a:ln>
+            <a:solidFill>
+              <a:schemeClr val="tx1"/>
+            </a:solidFill>
+          </a:ln>
+        </p:spPr>
+        <p:style>
+          <a:lnRef idx="2">
+            <a:schemeClr val="accent3">
+              <a:shade val="50000"/>
+            </a:schemeClr>
+          </a:lnRef>
+          <a:fillRef idx="1">
+            <a:schemeClr val="accent3"/>
+          </a:fillRef>
+          <a:effectRef idx="0">
+            <a:schemeClr val="accent3"/>
+          </a:effectRef>
+          <a:fontRef idx="minor">
+            <a:schemeClr val="lt1"/>
+          </a:fontRef>
+        </p:style>
+        <p:txBody>
+          <a:bodyPr rtlCol="0" anchor="ctr"/>
+          <a:lstStyle/>
+          <a:p>
+            <a:pPr algn="ctr"/>
+            <a:endParaRPr lang="zh-TW" altLang="en-US">
+              <a:solidFill>
+                <a:schemeClr val="tx1"/>
+              </a:solidFill>
+            </a:endParaRPr>
+          </a:p>
+        </p:txBody>
+      </p:sp>
+      <p:grpSp>
+        <p:nvGrpSpPr>
+          <p:cNvPr id="21" name="群組 20">
+            <a:extLst>
+              <a:ext uri="{FF2B5EF4-FFF2-40B4-BE49-F238E27FC236}">
+                <a16:creationId xmlns:a16="http://schemas.microsoft.com/office/drawing/2014/main" id="{589CB314-C055-43A1-8839-E7403C3FBB54}"/>
+              </a:ext>
+            </a:extLst>
+          </p:cNvPr>
+          <p:cNvGrpSpPr/>
+          <p:nvPr/>
+        </p:nvGrpSpPr>
+        <p:grpSpPr>
+          <a:xfrm>
+            <a:off x="4529999" y="1863000"/>
+            <a:ext cx="3132000" cy="3132000"/>
+            <a:chOff x="4529999" y="1863000"/>
+            <a:chExt cx="3132000" cy="3132000"/>
+          </a:xfrm>
+        </p:grpSpPr>
+        <p:sp>
+          <p:nvSpPr>
+            <p:cNvPr id="16" name="流程圖: 匯合連接點 15">
+              <a:extLst>
+                <a:ext uri="{FF2B5EF4-FFF2-40B4-BE49-F238E27FC236}">
+                  <a16:creationId xmlns:a16="http://schemas.microsoft.com/office/drawing/2014/main" id="{DF617F92-AC25-498F-87EF-FDD46887AE75}"/>
+                </a:ext>
+              </a:extLst>
+            </p:cNvPr>
+            <p:cNvSpPr/>
+            <p:nvPr/>
+          </p:nvSpPr>
+          <p:spPr>
+            <a:xfrm>
+              <a:off x="4868333" y="2092047"/>
+              <a:ext cx="360000" cy="360000"/>
+            </a:xfrm>
+            <a:prstGeom prst="flowChartSummingJunction">
+              <a:avLst/>
+            </a:prstGeom>
+            <a:solidFill>
+              <a:srgbClr val="EA9A92"/>
+            </a:solidFill>
+            <a:ln w="19050">
+              <a:solidFill>
+                <a:srgbClr val="C00000"/>
+              </a:solidFill>
+            </a:ln>
+          </p:spPr>
+          <p:style>
+            <a:lnRef idx="2">
+              <a:schemeClr val="accent1">
+                <a:shade val="50000"/>
+              </a:schemeClr>
+            </a:lnRef>
+            <a:fillRef idx="1">
+              <a:schemeClr val="accent1"/>
+            </a:fillRef>
+            <a:effectRef idx="0">
+              <a:schemeClr val="accent1"/>
+            </a:effectRef>
+            <a:fontRef idx="minor">
+              <a:schemeClr val="lt1"/>
+            </a:fontRef>
+          </p:style>
+          <p:txBody>
+            <a:bodyPr rtlCol="0" anchor="ctr"/>
+            <a:lstStyle/>
+            <a:p>
+              <a:pPr algn="ctr"/>
+              <a:endParaRPr lang="zh-TW" altLang="en-US"/>
+            </a:p>
+          </p:txBody>
+        </p:sp>
+        <p:sp>
+          <p:nvSpPr>
+            <p:cNvPr id="20" name="弧形 19">
+              <a:extLst>
+                <a:ext uri="{FF2B5EF4-FFF2-40B4-BE49-F238E27FC236}">
+                  <a16:creationId xmlns:a16="http://schemas.microsoft.com/office/drawing/2014/main" id="{96A7332C-891D-4054-BF03-278356C9C98D}"/>
+                </a:ext>
+              </a:extLst>
+            </p:cNvPr>
+            <p:cNvSpPr/>
+            <p:nvPr/>
+          </p:nvSpPr>
+          <p:spPr>
+            <a:xfrm>
+              <a:off x="4529999" y="1863000"/>
+              <a:ext cx="3132000" cy="3132000"/>
+            </a:xfrm>
+            <a:prstGeom prst="arc">
+              <a:avLst>
+                <a:gd name="adj1" fmla="val 11351339"/>
+                <a:gd name="adj2" fmla="val 13237472"/>
+              </a:avLst>
+            </a:prstGeom>
+            <a:ln w="38100">
+              <a:solidFill>
+                <a:srgbClr val="FF0000"/>
+              </a:solidFill>
+              <a:headEnd type="arrow" w="med" len="med"/>
+              <a:tailEnd type="none" w="med" len="med"/>
+            </a:ln>
+          </p:spPr>
+          <p:style>
+            <a:lnRef idx="1">
+              <a:schemeClr val="accent1"/>
+            </a:lnRef>
+            <a:fillRef idx="0">
+              <a:schemeClr val="accent1"/>
+            </a:fillRef>
+            <a:effectRef idx="0">
+              <a:schemeClr val="accent1"/>
+            </a:effectRef>
+            <a:fontRef idx="minor">
+              <a:schemeClr val="tx1"/>
+            </a:fontRef>
+          </p:style>
+          <p:txBody>
+            <a:bodyPr rtlCol="0" anchor="ctr"/>
+            <a:lstStyle/>
+            <a:p>
+              <a:pPr algn="ctr"/>
+              <a:endParaRPr lang="zh-TW" altLang="en-US"/>
+            </a:p>
+          </p:txBody>
+        </p:sp>
+      </p:grpSp>
+      <p:grpSp>
+        <p:nvGrpSpPr>
+          <p:cNvPr id="22" name="群組 21">
+            <a:extLst>
+              <a:ext uri="{FF2B5EF4-FFF2-40B4-BE49-F238E27FC236}">
+                <a16:creationId xmlns:a16="http://schemas.microsoft.com/office/drawing/2014/main" id="{5670E597-D5DD-4957-A22B-42E31EAD3F79}"/>
+              </a:ext>
+            </a:extLst>
+          </p:cNvPr>
+          <p:cNvGrpSpPr/>
+          <p:nvPr/>
+        </p:nvGrpSpPr>
+        <p:grpSpPr>
+          <a:xfrm>
+            <a:off x="4133999" y="1467000"/>
+            <a:ext cx="3924000" cy="3924000"/>
+            <a:chOff x="4225098" y="490046"/>
+            <a:chExt cx="3924000" cy="3924000"/>
+          </a:xfrm>
+        </p:grpSpPr>
+        <p:sp>
+          <p:nvSpPr>
+            <p:cNvPr id="23" name="流程圖: 匯合連接點 22">
+              <a:extLst>
+                <a:ext uri="{FF2B5EF4-FFF2-40B4-BE49-F238E27FC236}">
+                  <a16:creationId xmlns:a16="http://schemas.microsoft.com/office/drawing/2014/main" id="{35C344A8-FB9D-4B72-8D13-180034A6582C}"/>
+                </a:ext>
+              </a:extLst>
+            </p:cNvPr>
+            <p:cNvSpPr/>
+            <p:nvPr/>
+          </p:nvSpPr>
+          <p:spPr>
+            <a:xfrm>
+              <a:off x="7753098" y="3147994"/>
+              <a:ext cx="360000" cy="360000"/>
+            </a:xfrm>
+            <a:prstGeom prst="flowChartSummingJunction">
+              <a:avLst/>
+            </a:prstGeom>
+            <a:solidFill>
+              <a:srgbClr val="EA9A92"/>
+            </a:solidFill>
+            <a:ln w="19050">
+              <a:solidFill>
+                <a:srgbClr val="C00000"/>
+              </a:solidFill>
+            </a:ln>
+          </p:spPr>
+          <p:style>
+            <a:lnRef idx="2">
+              <a:schemeClr val="accent1">
+                <a:shade val="50000"/>
+              </a:schemeClr>
+            </a:lnRef>
+            <a:fillRef idx="1">
+              <a:schemeClr val="accent1"/>
+            </a:fillRef>
+            <a:effectRef idx="0">
+              <a:schemeClr val="accent1"/>
+            </a:effectRef>
+            <a:fontRef idx="minor">
+              <a:schemeClr val="lt1"/>
+            </a:fontRef>
+          </p:style>
+          <p:txBody>
+            <a:bodyPr rtlCol="0" anchor="ctr"/>
+            <a:lstStyle/>
+            <a:p>
+              <a:pPr algn="ctr"/>
+              <a:endParaRPr lang="zh-TW" altLang="en-US"/>
+            </a:p>
+          </p:txBody>
+        </p:sp>
+        <p:sp>
+          <p:nvSpPr>
+            <p:cNvPr id="24" name="弧形 23">
+              <a:extLst>
+                <a:ext uri="{FF2B5EF4-FFF2-40B4-BE49-F238E27FC236}">
+                  <a16:creationId xmlns:a16="http://schemas.microsoft.com/office/drawing/2014/main" id="{9B4F613A-F02A-4926-8BD5-B241E6584575}"/>
+                </a:ext>
+              </a:extLst>
+            </p:cNvPr>
+            <p:cNvSpPr/>
+            <p:nvPr/>
+          </p:nvSpPr>
+          <p:spPr>
+            <a:xfrm>
+              <a:off x="4225098" y="490046"/>
+              <a:ext cx="3924000" cy="3924000"/>
+            </a:xfrm>
+            <a:prstGeom prst="arc">
+              <a:avLst>
+                <a:gd name="adj1" fmla="val 21302101"/>
+                <a:gd name="adj2" fmla="val 1268741"/>
+              </a:avLst>
+            </a:prstGeom>
+            <a:ln w="38100">
+              <a:solidFill>
+                <a:srgbClr val="FF0000"/>
+              </a:solidFill>
+              <a:headEnd type="arrow" w="med" len="med"/>
+              <a:tailEnd type="none" w="med" len="med"/>
+            </a:ln>
+          </p:spPr>
+          <p:style>
+            <a:lnRef idx="1">
+              <a:schemeClr val="accent1"/>
+            </a:lnRef>
+            <a:fillRef idx="0">
+              <a:schemeClr val="accent1"/>
+            </a:fillRef>
+            <a:effectRef idx="0">
+              <a:schemeClr val="accent1"/>
+            </a:effectRef>
+            <a:fontRef idx="minor">
+              <a:schemeClr val="tx1"/>
+            </a:fontRef>
+          </p:style>
+          <p:txBody>
+            <a:bodyPr rtlCol="0" anchor="ctr"/>
+            <a:lstStyle/>
+            <a:p>
+              <a:pPr algn="ctr"/>
+              <a:endParaRPr lang="zh-TW" altLang="en-US"/>
+            </a:p>
+          </p:txBody>
+        </p:sp>
+      </p:grpSp>
+      <p:grpSp>
+        <p:nvGrpSpPr>
+          <p:cNvPr id="25" name="群組 24">
+            <a:extLst>
+              <a:ext uri="{FF2B5EF4-FFF2-40B4-BE49-F238E27FC236}">
+                <a16:creationId xmlns:a16="http://schemas.microsoft.com/office/drawing/2014/main" id="{843728D6-3BEB-49C2-BBDF-B635B6CCF36B}"/>
+              </a:ext>
+            </a:extLst>
+          </p:cNvPr>
+          <p:cNvGrpSpPr/>
+          <p:nvPr/>
+        </p:nvGrpSpPr>
+        <p:grpSpPr>
+          <a:xfrm>
+            <a:off x="3575999" y="909000"/>
+            <a:ext cx="5040000" cy="5040000"/>
+            <a:chOff x="3423599" y="756600"/>
+            <a:chExt cx="5040000" cy="5040000"/>
+          </a:xfrm>
+        </p:grpSpPr>
+        <p:sp>
+          <p:nvSpPr>
+            <p:cNvPr id="26" name="流程圖: 匯合連接點 25">
+              <a:extLst>
+                <a:ext uri="{FF2B5EF4-FFF2-40B4-BE49-F238E27FC236}">
+                  <a16:creationId xmlns:a16="http://schemas.microsoft.com/office/drawing/2014/main" id="{0EF35557-8A56-4AC5-BF52-365ACE3AA58B}"/>
+                </a:ext>
+              </a:extLst>
+            </p:cNvPr>
+            <p:cNvSpPr/>
+            <p:nvPr/>
+          </p:nvSpPr>
+          <p:spPr>
+            <a:xfrm>
+              <a:off x="4316412" y="5127886"/>
+              <a:ext cx="360000" cy="360000"/>
+            </a:xfrm>
+            <a:prstGeom prst="flowChartSummingJunction">
+              <a:avLst/>
+            </a:prstGeom>
+            <a:solidFill>
+              <a:srgbClr val="EA9A92"/>
+            </a:solidFill>
+            <a:ln w="19050">
+              <a:solidFill>
+                <a:srgbClr val="C00000"/>
+              </a:solidFill>
+            </a:ln>
+          </p:spPr>
+          <p:style>
+            <a:lnRef idx="2">
+              <a:schemeClr val="accent1">
+                <a:shade val="50000"/>
+              </a:schemeClr>
+            </a:lnRef>
+            <a:fillRef idx="1">
+              <a:schemeClr val="accent1"/>
+            </a:fillRef>
+            <a:effectRef idx="0">
+              <a:schemeClr val="accent1"/>
+            </a:effectRef>
+            <a:fontRef idx="minor">
+              <a:schemeClr val="lt1"/>
+            </a:fontRef>
+          </p:style>
+          <p:txBody>
+            <a:bodyPr rtlCol="0" anchor="ctr"/>
+            <a:lstStyle/>
+            <a:p>
+              <a:pPr algn="ctr"/>
+              <a:endParaRPr lang="zh-TW" altLang="en-US"/>
+            </a:p>
+          </p:txBody>
+        </p:sp>
+        <p:sp>
+          <p:nvSpPr>
+            <p:cNvPr id="27" name="弧形 26">
+              <a:extLst>
+                <a:ext uri="{FF2B5EF4-FFF2-40B4-BE49-F238E27FC236}">
+                  <a16:creationId xmlns:a16="http://schemas.microsoft.com/office/drawing/2014/main" id="{89E44319-71FA-43C0-8C85-6872D3A5544B}"/>
+                </a:ext>
+              </a:extLst>
+            </p:cNvPr>
+            <p:cNvSpPr/>
+            <p:nvPr/>
+          </p:nvSpPr>
+          <p:spPr>
+            <a:xfrm>
+              <a:off x="3423599" y="756600"/>
+              <a:ext cx="5040000" cy="5040000"/>
+            </a:xfrm>
+            <a:prstGeom prst="arc">
+              <a:avLst>
+                <a:gd name="adj1" fmla="val 6201564"/>
+                <a:gd name="adj2" fmla="val 7277778"/>
+              </a:avLst>
+            </a:prstGeom>
+            <a:ln w="38100">
+              <a:solidFill>
+                <a:srgbClr val="FF0000"/>
+              </a:solidFill>
+              <a:headEnd type="arrow" w="med" len="med"/>
+              <a:tailEnd type="none" w="med" len="med"/>
+            </a:ln>
+          </p:spPr>
+          <p:style>
+            <a:lnRef idx="1">
+              <a:schemeClr val="accent1"/>
+            </a:lnRef>
+            <a:fillRef idx="0">
+              <a:schemeClr val="accent1"/>
+            </a:fillRef>
+            <a:effectRef idx="0">
+              <a:schemeClr val="accent1"/>
+            </a:effectRef>
+            <a:fontRef idx="minor">
+              <a:schemeClr val="tx1"/>
+            </a:fontRef>
+          </p:style>
+          <p:txBody>
+            <a:bodyPr rtlCol="0" anchor="ctr"/>
+            <a:lstStyle/>
+            <a:p>
+              <a:pPr algn="ctr"/>
+              <a:endParaRPr lang="zh-TW" altLang="en-US"/>
+            </a:p>
+          </p:txBody>
+        </p:sp>
+      </p:grpSp>
+      <p:grpSp>
+        <p:nvGrpSpPr>
+          <p:cNvPr id="30" name="群組 29">
+            <a:extLst>
+              <a:ext uri="{FF2B5EF4-FFF2-40B4-BE49-F238E27FC236}">
+                <a16:creationId xmlns:a16="http://schemas.microsoft.com/office/drawing/2014/main" id="{CBBEB08A-0A13-4D87-8046-8AA031CEB683}"/>
+              </a:ext>
+            </a:extLst>
+          </p:cNvPr>
+          <p:cNvGrpSpPr/>
+          <p:nvPr/>
+        </p:nvGrpSpPr>
+        <p:grpSpPr>
+          <a:xfrm>
+            <a:off x="4295999" y="1627643"/>
+            <a:ext cx="3600000" cy="3600000"/>
+            <a:chOff x="4295999" y="1627643"/>
+            <a:chExt cx="3600000" cy="3600000"/>
+          </a:xfrm>
+        </p:grpSpPr>
+        <p:sp>
+          <p:nvSpPr>
+            <p:cNvPr id="28" name="橢圓 27">
+              <a:extLst>
+                <a:ext uri="{FF2B5EF4-FFF2-40B4-BE49-F238E27FC236}">
+                  <a16:creationId xmlns:a16="http://schemas.microsoft.com/office/drawing/2014/main" id="{37520F74-1BF3-4E86-AEB9-35303B7CD1A3}"/>
+                </a:ext>
+              </a:extLst>
+            </p:cNvPr>
+            <p:cNvSpPr/>
+            <p:nvPr/>
+          </p:nvSpPr>
+          <p:spPr>
+            <a:xfrm>
+              <a:off x="4403999" y="4212623"/>
+              <a:ext cx="360000" cy="360000"/>
+            </a:xfrm>
+            <a:prstGeom prst="ellipse">
+              <a:avLst/>
+            </a:prstGeom>
+            <a:ln w="19050"/>
+          </p:spPr>
+          <p:style>
+            <a:lnRef idx="2">
+              <a:schemeClr val="accent4">
+                <a:shade val="50000"/>
+              </a:schemeClr>
+            </a:lnRef>
+            <a:fillRef idx="1">
+              <a:schemeClr val="accent4"/>
+            </a:fillRef>
+            <a:effectRef idx="0">
+              <a:schemeClr val="accent4"/>
+            </a:effectRef>
+            <a:fontRef idx="minor">
+              <a:schemeClr val="lt1"/>
+            </a:fontRef>
+          </p:style>
+          <p:txBody>
+            <a:bodyPr rtlCol="0" anchor="ctr"/>
+            <a:lstStyle/>
+            <a:p>
+              <a:pPr algn="ctr"/>
+              <a:endParaRPr lang="zh-TW" altLang="en-US"/>
+            </a:p>
+          </p:txBody>
+        </p:sp>
+        <p:sp>
+          <p:nvSpPr>
+            <p:cNvPr id="29" name="弧形 28">
+              <a:extLst>
+                <a:ext uri="{FF2B5EF4-FFF2-40B4-BE49-F238E27FC236}">
+                  <a16:creationId xmlns:a16="http://schemas.microsoft.com/office/drawing/2014/main" id="{E379A4FF-78FD-4E2A-A13D-CEBCBCF58EA7}"/>
+                </a:ext>
+              </a:extLst>
+            </p:cNvPr>
+            <p:cNvSpPr/>
+            <p:nvPr/>
+          </p:nvSpPr>
+          <p:spPr>
+            <a:xfrm>
+              <a:off x="4295999" y="1627643"/>
+              <a:ext cx="3600000" cy="3600000"/>
+            </a:xfrm>
+            <a:prstGeom prst="arc">
+              <a:avLst>
+                <a:gd name="adj1" fmla="val 9179687"/>
+                <a:gd name="adj2" fmla="val 10505050"/>
+              </a:avLst>
+            </a:prstGeom>
+            <a:ln w="38100">
+              <a:solidFill>
+                <a:schemeClr val="accent4">
+                  <a:lumMod val="60000"/>
+                  <a:lumOff val="40000"/>
+                </a:schemeClr>
+              </a:solidFill>
+              <a:headEnd type="none" w="med" len="med"/>
+              <a:tailEnd type="arrow" w="med" len="med"/>
+            </a:ln>
+          </p:spPr>
+          <p:style>
+            <a:lnRef idx="1">
+              <a:schemeClr val="accent1"/>
+            </a:lnRef>
+            <a:fillRef idx="0">
+              <a:schemeClr val="accent1"/>
+            </a:fillRef>
+            <a:effectRef idx="0">
+              <a:schemeClr val="accent1"/>
+            </a:effectRef>
+            <a:fontRef idx="minor">
+              <a:schemeClr val="tx1"/>
+            </a:fontRef>
+          </p:style>
+          <p:txBody>
+            <a:bodyPr rtlCol="0" anchor="ctr"/>
+            <a:lstStyle/>
+            <a:p>
+              <a:pPr algn="ctr"/>
+              <a:endParaRPr lang="zh-TW" altLang="en-US"/>
+            </a:p>
+          </p:txBody>
+        </p:sp>
+      </p:grpSp>
+      <p:grpSp>
+        <p:nvGrpSpPr>
+          <p:cNvPr id="31" name="群組 30">
+            <a:extLst>
+              <a:ext uri="{FF2B5EF4-FFF2-40B4-BE49-F238E27FC236}">
+                <a16:creationId xmlns:a16="http://schemas.microsoft.com/office/drawing/2014/main" id="{D7D3BC9B-662B-4D5E-A043-09FD218D7853}"/>
+              </a:ext>
+            </a:extLst>
+          </p:cNvPr>
+          <p:cNvGrpSpPr/>
+          <p:nvPr/>
+        </p:nvGrpSpPr>
+        <p:grpSpPr>
+          <a:xfrm>
+            <a:off x="4745999" y="2077643"/>
+            <a:ext cx="2700000" cy="2799000"/>
+            <a:chOff x="4593599" y="1925243"/>
+            <a:chExt cx="2700000" cy="2799000"/>
+          </a:xfrm>
+        </p:grpSpPr>
+        <p:sp>
+          <p:nvSpPr>
+            <p:cNvPr id="32" name="橢圓 31">
+              <a:extLst>
+                <a:ext uri="{FF2B5EF4-FFF2-40B4-BE49-F238E27FC236}">
+                  <a16:creationId xmlns:a16="http://schemas.microsoft.com/office/drawing/2014/main" id="{A1450FA0-1761-410D-9078-E7D8022EF38D}"/>
+                </a:ext>
+              </a:extLst>
+            </p:cNvPr>
+            <p:cNvSpPr/>
+            <p:nvPr/>
+          </p:nvSpPr>
+          <p:spPr>
+            <a:xfrm>
+              <a:off x="6106315" y="4364243"/>
+              <a:ext cx="360000" cy="360000"/>
+            </a:xfrm>
+            <a:prstGeom prst="ellipse">
+              <a:avLst/>
+            </a:prstGeom>
+            <a:ln w="19050"/>
+          </p:spPr>
+          <p:style>
+            <a:lnRef idx="2">
+              <a:schemeClr val="accent4">
+                <a:shade val="50000"/>
+              </a:schemeClr>
+            </a:lnRef>
+            <a:fillRef idx="1">
+              <a:schemeClr val="accent4"/>
+            </a:fillRef>
+            <a:effectRef idx="0">
+              <a:schemeClr val="accent4"/>
+            </a:effectRef>
+            <a:fontRef idx="minor">
+              <a:schemeClr val="lt1"/>
+            </a:fontRef>
+          </p:style>
+          <p:txBody>
+            <a:bodyPr rtlCol="0" anchor="ctr"/>
+            <a:lstStyle/>
+            <a:p>
+              <a:pPr algn="ctr"/>
+              <a:endParaRPr lang="zh-TW" altLang="en-US"/>
+            </a:p>
+          </p:txBody>
+        </p:sp>
+        <p:sp>
+          <p:nvSpPr>
+            <p:cNvPr id="33" name="弧形 32">
+              <a:extLst>
+                <a:ext uri="{FF2B5EF4-FFF2-40B4-BE49-F238E27FC236}">
+                  <a16:creationId xmlns:a16="http://schemas.microsoft.com/office/drawing/2014/main" id="{FA26F0DA-B2FE-4D72-BCC1-8D0A3B615AA7}"/>
+                </a:ext>
+              </a:extLst>
+            </p:cNvPr>
+            <p:cNvSpPr/>
+            <p:nvPr/>
+          </p:nvSpPr>
+          <p:spPr>
+            <a:xfrm>
+              <a:off x="4593599" y="1925243"/>
+              <a:ext cx="2700000" cy="2700000"/>
+            </a:xfrm>
+            <a:prstGeom prst="arc">
+              <a:avLst>
+                <a:gd name="adj1" fmla="val 4988362"/>
+                <a:gd name="adj2" fmla="val 7035695"/>
+              </a:avLst>
+            </a:prstGeom>
+            <a:ln w="38100">
+              <a:solidFill>
+                <a:schemeClr val="accent4">
+                  <a:lumMod val="60000"/>
+                  <a:lumOff val="40000"/>
+                </a:schemeClr>
+              </a:solidFill>
+              <a:headEnd type="none" w="med" len="med"/>
+              <a:tailEnd type="arrow" w="med" len="med"/>
+            </a:ln>
+          </p:spPr>
+          <p:style>
+            <a:lnRef idx="1">
+              <a:schemeClr val="accent1"/>
+            </a:lnRef>
+            <a:fillRef idx="0">
+              <a:schemeClr val="accent1"/>
+            </a:fillRef>
+            <a:effectRef idx="0">
+              <a:schemeClr val="accent1"/>
+            </a:effectRef>
+            <a:fontRef idx="minor">
+              <a:schemeClr val="tx1"/>
+            </a:fontRef>
+          </p:style>
+          <p:txBody>
+            <a:bodyPr rtlCol="0" anchor="ctr"/>
+            <a:lstStyle/>
+            <a:p>
+              <a:pPr algn="ctr"/>
+              <a:endParaRPr lang="zh-TW" altLang="en-US"/>
+            </a:p>
+          </p:txBody>
+        </p:sp>
+      </p:grpSp>
+      <p:grpSp>
+        <p:nvGrpSpPr>
+          <p:cNvPr id="34" name="群組 33">
+            <a:extLst>
+              <a:ext uri="{FF2B5EF4-FFF2-40B4-BE49-F238E27FC236}">
+                <a16:creationId xmlns:a16="http://schemas.microsoft.com/office/drawing/2014/main" id="{DDA9F9A8-9EB9-4815-A723-D5C39F21680C}"/>
+              </a:ext>
+            </a:extLst>
+          </p:cNvPr>
+          <p:cNvGrpSpPr/>
+          <p:nvPr/>
+        </p:nvGrpSpPr>
+        <p:grpSpPr>
+          <a:xfrm>
+            <a:off x="4295999" y="1627642"/>
+            <a:ext cx="3600000" cy="3600000"/>
+            <a:chOff x="4387098" y="1619725"/>
+            <a:chExt cx="3600000" cy="3600000"/>
+          </a:xfrm>
+        </p:grpSpPr>
+        <p:sp>
+          <p:nvSpPr>
+            <p:cNvPr id="35" name="橢圓 34">
+              <a:extLst>
+                <a:ext uri="{FF2B5EF4-FFF2-40B4-BE49-F238E27FC236}">
+                  <a16:creationId xmlns:a16="http://schemas.microsoft.com/office/drawing/2014/main" id="{3A2FFD0C-6D9B-4FF8-8C7E-E8A2A5BB94A8}"/>
+                </a:ext>
+              </a:extLst>
+            </p:cNvPr>
+            <p:cNvSpPr/>
+            <p:nvPr/>
+          </p:nvSpPr>
+          <p:spPr>
+            <a:xfrm>
+              <a:off x="7032818" y="1746087"/>
+              <a:ext cx="360000" cy="360000"/>
+            </a:xfrm>
+            <a:prstGeom prst="ellipse">
+              <a:avLst/>
+            </a:prstGeom>
+            <a:ln w="19050"/>
+          </p:spPr>
+          <p:style>
+            <a:lnRef idx="2">
+              <a:schemeClr val="accent4">
+                <a:shade val="50000"/>
+              </a:schemeClr>
+            </a:lnRef>
+            <a:fillRef idx="1">
+              <a:schemeClr val="accent4"/>
+            </a:fillRef>
+            <a:effectRef idx="0">
+              <a:schemeClr val="accent4"/>
+            </a:effectRef>
+            <a:fontRef idx="minor">
+              <a:schemeClr val="lt1"/>
+            </a:fontRef>
+          </p:style>
+          <p:txBody>
+            <a:bodyPr rtlCol="0" anchor="ctr"/>
+            <a:lstStyle/>
+            <a:p>
+              <a:pPr algn="ctr"/>
+              <a:endParaRPr lang="zh-TW" altLang="en-US"/>
+            </a:p>
+          </p:txBody>
+        </p:sp>
+        <p:sp>
+          <p:nvSpPr>
+            <p:cNvPr id="36" name="弧形 35">
+              <a:extLst>
+                <a:ext uri="{FF2B5EF4-FFF2-40B4-BE49-F238E27FC236}">
+                  <a16:creationId xmlns:a16="http://schemas.microsoft.com/office/drawing/2014/main" id="{D9AA0DEA-2C70-4192-ACDC-4A99DB290FB6}"/>
+                </a:ext>
+              </a:extLst>
+            </p:cNvPr>
+            <p:cNvSpPr/>
+            <p:nvPr/>
+          </p:nvSpPr>
+          <p:spPr>
+            <a:xfrm>
+              <a:off x="4387098" y="1619725"/>
+              <a:ext cx="3600000" cy="3600000"/>
+            </a:xfrm>
+            <a:prstGeom prst="arc">
+              <a:avLst>
+                <a:gd name="adj1" fmla="val 18589867"/>
+                <a:gd name="adj2" fmla="val 19762223"/>
+              </a:avLst>
+            </a:prstGeom>
+            <a:ln w="38100">
+              <a:solidFill>
+                <a:schemeClr val="accent4">
+                  <a:lumMod val="60000"/>
+                  <a:lumOff val="40000"/>
+                </a:schemeClr>
+              </a:solidFill>
+              <a:headEnd type="none" w="med" len="med"/>
+              <a:tailEnd type="arrow" w="med" len="med"/>
+            </a:ln>
+          </p:spPr>
+          <p:style>
+            <a:lnRef idx="1">
+              <a:schemeClr val="accent1"/>
+            </a:lnRef>
+            <a:fillRef idx="0">
+              <a:schemeClr val="accent1"/>
+            </a:fillRef>
+            <a:effectRef idx="0">
+              <a:schemeClr val="accent1"/>
+            </a:effectRef>
+            <a:fontRef idx="minor">
+              <a:schemeClr val="tx1"/>
+            </a:fontRef>
+          </p:style>
+          <p:txBody>
+            <a:bodyPr rtlCol="0" anchor="ctr"/>
+            <a:lstStyle/>
+            <a:p>
+              <a:pPr algn="ctr"/>
+              <a:endParaRPr lang="zh-TW" altLang="en-US"/>
+            </a:p>
+          </p:txBody>
+        </p:sp>
+      </p:grpSp>
+      <p:grpSp>
+        <p:nvGrpSpPr>
+          <p:cNvPr id="37" name="群組 36">
+            <a:extLst>
+              <a:ext uri="{FF2B5EF4-FFF2-40B4-BE49-F238E27FC236}">
+                <a16:creationId xmlns:a16="http://schemas.microsoft.com/office/drawing/2014/main" id="{2B6595A4-5516-45F0-B9FE-0F412CC3CD21}"/>
+              </a:ext>
+            </a:extLst>
+          </p:cNvPr>
+          <p:cNvGrpSpPr/>
+          <p:nvPr/>
+        </p:nvGrpSpPr>
+        <p:grpSpPr>
+          <a:xfrm>
+            <a:off x="3647999" y="1069642"/>
+            <a:ext cx="4806000" cy="4716000"/>
+            <a:chOff x="3495599" y="917242"/>
+            <a:chExt cx="4806000" cy="4716000"/>
+          </a:xfrm>
+        </p:grpSpPr>
+        <p:sp>
+          <p:nvSpPr>
+            <p:cNvPr id="38" name="橢圓 37">
+              <a:extLst>
+                <a:ext uri="{FF2B5EF4-FFF2-40B4-BE49-F238E27FC236}">
+                  <a16:creationId xmlns:a16="http://schemas.microsoft.com/office/drawing/2014/main" id="{1F53EA02-A51D-44CE-8CA9-1D8911F86A81}"/>
+                </a:ext>
+              </a:extLst>
+            </p:cNvPr>
+            <p:cNvSpPr/>
+            <p:nvPr/>
+          </p:nvSpPr>
+          <p:spPr>
+            <a:xfrm>
+              <a:off x="3495599" y="2393348"/>
+              <a:ext cx="360000" cy="360000"/>
+            </a:xfrm>
+            <a:prstGeom prst="ellipse">
+              <a:avLst/>
+            </a:prstGeom>
+            <a:ln w="19050"/>
+          </p:spPr>
+          <p:style>
+            <a:lnRef idx="2">
+              <a:schemeClr val="accent4">
+                <a:shade val="50000"/>
+              </a:schemeClr>
+            </a:lnRef>
+            <a:fillRef idx="1">
+              <a:schemeClr val="accent4"/>
+            </a:fillRef>
+            <a:effectRef idx="0">
+              <a:schemeClr val="accent4"/>
+            </a:effectRef>
+            <a:fontRef idx="minor">
+              <a:schemeClr val="lt1"/>
+            </a:fontRef>
+          </p:style>
+          <p:txBody>
+            <a:bodyPr rtlCol="0" anchor="ctr"/>
+            <a:lstStyle/>
+            <a:p>
+              <a:pPr algn="ctr"/>
+              <a:endParaRPr lang="zh-TW" altLang="en-US"/>
+            </a:p>
+          </p:txBody>
+        </p:sp>
+        <p:sp>
+          <p:nvSpPr>
+            <p:cNvPr id="39" name="弧形 38">
+              <a:extLst>
+                <a:ext uri="{FF2B5EF4-FFF2-40B4-BE49-F238E27FC236}">
+                  <a16:creationId xmlns:a16="http://schemas.microsoft.com/office/drawing/2014/main" id="{2D280BAA-0A1A-409B-AC79-989E2619B931}"/>
+                </a:ext>
+              </a:extLst>
+            </p:cNvPr>
+            <p:cNvSpPr/>
+            <p:nvPr/>
+          </p:nvSpPr>
+          <p:spPr>
+            <a:xfrm>
+              <a:off x="3585599" y="917242"/>
+              <a:ext cx="4716000" cy="4716000"/>
+            </a:xfrm>
+            <a:prstGeom prst="arc">
+              <a:avLst>
+                <a:gd name="adj1" fmla="val 12087452"/>
+                <a:gd name="adj2" fmla="val 13146407"/>
+              </a:avLst>
+            </a:prstGeom>
+            <a:ln w="38100">
+              <a:solidFill>
+                <a:schemeClr val="accent4">
+                  <a:lumMod val="60000"/>
+                  <a:lumOff val="40000"/>
+                </a:schemeClr>
+              </a:solidFill>
+              <a:headEnd type="none" w="med" len="med"/>
+              <a:tailEnd type="arrow" w="med" len="med"/>
+            </a:ln>
+          </p:spPr>
+          <p:style>
+            <a:lnRef idx="1">
+              <a:schemeClr val="accent1"/>
+            </a:lnRef>
+            <a:fillRef idx="0">
+              <a:schemeClr val="accent1"/>
+            </a:fillRef>
+            <a:effectRef idx="0">
+              <a:schemeClr val="accent1"/>
+            </a:effectRef>
+            <a:fontRef idx="minor">
+              <a:schemeClr val="tx1"/>
+            </a:fontRef>
+          </p:style>
+          <p:txBody>
+            <a:bodyPr rtlCol="0" anchor="ctr"/>
+            <a:lstStyle/>
+            <a:p>
+              <a:pPr algn="ctr"/>
+              <a:endParaRPr lang="zh-TW" altLang="en-US"/>
+            </a:p>
+          </p:txBody>
+        </p:sp>
+      </p:grpSp>
+      <p:grpSp>
+        <p:nvGrpSpPr>
+          <p:cNvPr id="40" name="群組 39">
+            <a:extLst>
+              <a:ext uri="{FF2B5EF4-FFF2-40B4-BE49-F238E27FC236}">
+                <a16:creationId xmlns:a16="http://schemas.microsoft.com/office/drawing/2014/main" id="{095CF79C-09F8-494E-A395-87ED93353B5F}"/>
+              </a:ext>
+            </a:extLst>
+          </p:cNvPr>
+          <p:cNvGrpSpPr/>
+          <p:nvPr/>
+        </p:nvGrpSpPr>
+        <p:grpSpPr>
+          <a:xfrm>
+            <a:off x="3737999" y="1069642"/>
+            <a:ext cx="4716000" cy="4716000"/>
+            <a:chOff x="3585599" y="917242"/>
+            <a:chExt cx="4716000" cy="4716000"/>
+          </a:xfrm>
+        </p:grpSpPr>
+        <p:sp>
+          <p:nvSpPr>
+            <p:cNvPr id="41" name="橢圓 40">
+              <a:extLst>
+                <a:ext uri="{FF2B5EF4-FFF2-40B4-BE49-F238E27FC236}">
+                  <a16:creationId xmlns:a16="http://schemas.microsoft.com/office/drawing/2014/main" id="{757BC8EF-61E4-4D98-A436-48B8468AFFA9}"/>
+                </a:ext>
+              </a:extLst>
+            </p:cNvPr>
+            <p:cNvSpPr/>
+            <p:nvPr/>
+          </p:nvSpPr>
+          <p:spPr>
+            <a:xfrm>
+              <a:off x="6593418" y="5256601"/>
+              <a:ext cx="360000" cy="360000"/>
+            </a:xfrm>
+            <a:prstGeom prst="ellipse">
+              <a:avLst/>
+            </a:prstGeom>
+            <a:ln w="19050"/>
+          </p:spPr>
+          <p:style>
+            <a:lnRef idx="2">
+              <a:schemeClr val="accent4">
+                <a:shade val="50000"/>
+              </a:schemeClr>
+            </a:lnRef>
+            <a:fillRef idx="1">
+              <a:schemeClr val="accent4"/>
+            </a:fillRef>
+            <a:effectRef idx="0">
+              <a:schemeClr val="accent4"/>
+            </a:effectRef>
+            <a:fontRef idx="minor">
+              <a:schemeClr val="lt1"/>
+            </a:fontRef>
+          </p:style>
+          <p:txBody>
+            <a:bodyPr rtlCol="0" anchor="ctr"/>
+            <a:lstStyle/>
+            <a:p>
+              <a:pPr algn="ctr"/>
+              <a:endParaRPr lang="zh-TW" altLang="en-US"/>
+            </a:p>
+          </p:txBody>
+        </p:sp>
+        <p:sp>
+          <p:nvSpPr>
+            <p:cNvPr id="42" name="弧形 41">
+              <a:extLst>
+                <a:ext uri="{FF2B5EF4-FFF2-40B4-BE49-F238E27FC236}">
+                  <a16:creationId xmlns:a16="http://schemas.microsoft.com/office/drawing/2014/main" id="{B21FB91B-8012-4B86-82C7-2AA7A0451DD9}"/>
+                </a:ext>
+              </a:extLst>
+            </p:cNvPr>
+            <p:cNvSpPr/>
+            <p:nvPr/>
+          </p:nvSpPr>
+          <p:spPr>
+            <a:xfrm>
+              <a:off x="3585599" y="917242"/>
+              <a:ext cx="4716000" cy="4716000"/>
+            </a:xfrm>
+            <a:prstGeom prst="arc">
+              <a:avLst>
+                <a:gd name="adj1" fmla="val 4417437"/>
+                <a:gd name="adj2" fmla="val 5546563"/>
+              </a:avLst>
+            </a:prstGeom>
+            <a:ln w="38100">
+              <a:solidFill>
+                <a:schemeClr val="accent4">
+                  <a:lumMod val="60000"/>
+                  <a:lumOff val="40000"/>
+                </a:schemeClr>
+              </a:solidFill>
+              <a:headEnd type="none" w="med" len="med"/>
+              <a:tailEnd type="arrow" w="med" len="med"/>
+            </a:ln>
+          </p:spPr>
+          <p:style>
+            <a:lnRef idx="1">
+              <a:schemeClr val="accent1"/>
+            </a:lnRef>
+            <a:fillRef idx="0">
+              <a:schemeClr val="accent1"/>
+            </a:fillRef>
+            <a:effectRef idx="0">
+              <a:schemeClr val="accent1"/>
+            </a:effectRef>
+            <a:fontRef idx="minor">
+              <a:schemeClr val="tx1"/>
+            </a:fontRef>
+          </p:style>
+          <p:txBody>
+            <a:bodyPr rtlCol="0" anchor="ctr"/>
+            <a:lstStyle/>
+            <a:p>
+              <a:pPr algn="ctr"/>
+              <a:endParaRPr lang="zh-TW" altLang="en-US"/>
+            </a:p>
+          </p:txBody>
+        </p:sp>
+      </p:grpSp>
+      <p:sp>
+        <p:nvSpPr>
+          <p:cNvPr id="43" name="弧形 42">
+            <a:extLst>
+              <a:ext uri="{FF2B5EF4-FFF2-40B4-BE49-F238E27FC236}">
+                <a16:creationId xmlns:a16="http://schemas.microsoft.com/office/drawing/2014/main" id="{816DDDF1-0F26-460C-B31B-BB41470E9EE7}"/>
+              </a:ext>
+            </a:extLst>
+          </p:cNvPr>
+          <p:cNvSpPr/>
+          <p:nvPr/>
+        </p:nvSpPr>
+        <p:spPr>
+          <a:xfrm>
+            <a:off x="4061999" y="1389464"/>
+            <a:ext cx="4068000" cy="4068000"/>
+          </a:xfrm>
+          <a:prstGeom prst="arc">
+            <a:avLst>
+              <a:gd name="adj1" fmla="val 14189689"/>
+              <a:gd name="adj2" fmla="val 15710612"/>
+            </a:avLst>
+          </a:prstGeom>
+          <a:ln w="38100">
+            <a:solidFill>
+              <a:srgbClr val="92D050"/>
+            </a:solidFill>
+            <a:headEnd type="arrow" w="med" len="med"/>
+            <a:tailEnd type="none" w="med" len="med"/>
+          </a:ln>
+        </p:spPr>
+        <p:style>
+          <a:lnRef idx="1">
+            <a:schemeClr val="accent1"/>
+          </a:lnRef>
+          <a:fillRef idx="0">
+            <a:schemeClr val="accent1"/>
+          </a:fillRef>
+          <a:effectRef idx="0">
+            <a:schemeClr val="accent1"/>
+          </a:effectRef>
+          <a:fontRef idx="minor">
+            <a:schemeClr val="tx1"/>
+          </a:fontRef>
+        </p:style>
+        <p:txBody>
+          <a:bodyPr rtlCol="0" anchor="ctr"/>
+          <a:lstStyle/>
+          <a:p>
+            <a:pPr algn="ctr"/>
+            <a:endParaRPr lang="zh-TW" altLang="en-US"/>
+          </a:p>
+        </p:txBody>
+      </p:sp>
+      <p:grpSp>
+        <p:nvGrpSpPr>
+          <p:cNvPr id="14" name="群組 13">
+            <a:extLst>
+              <a:ext uri="{FF2B5EF4-FFF2-40B4-BE49-F238E27FC236}">
+                <a16:creationId xmlns:a16="http://schemas.microsoft.com/office/drawing/2014/main" id="{88209324-A282-4696-BA4C-1364DBE7FA63}"/>
+              </a:ext>
+            </a:extLst>
+          </p:cNvPr>
+          <p:cNvGrpSpPr/>
+          <p:nvPr/>
+        </p:nvGrpSpPr>
+        <p:grpSpPr>
+          <a:xfrm>
+            <a:off x="5821361" y="1219768"/>
+            <a:ext cx="549275" cy="331695"/>
+            <a:chOff x="5821362" y="804334"/>
+            <a:chExt cx="549275" cy="331695"/>
+          </a:xfrm>
+        </p:grpSpPr>
+        <p:grpSp>
+          <p:nvGrpSpPr>
+            <p:cNvPr id="9" name="群組 8">
+              <a:extLst>
+                <a:ext uri="{FF2B5EF4-FFF2-40B4-BE49-F238E27FC236}">
+                  <a16:creationId xmlns:a16="http://schemas.microsoft.com/office/drawing/2014/main" id="{CFB5CB8E-1058-483F-A2C3-D8044F986764}"/>
+                </a:ext>
+              </a:extLst>
+            </p:cNvPr>
+            <p:cNvGrpSpPr/>
+            <p:nvPr/>
+          </p:nvGrpSpPr>
+          <p:grpSpPr>
+            <a:xfrm>
+              <a:off x="5821362" y="804334"/>
+              <a:ext cx="549275" cy="331695"/>
+              <a:chOff x="7520518" y="1491102"/>
+              <a:chExt cx="1735670" cy="991127"/>
+            </a:xfrm>
+          </p:grpSpPr>
+          <p:sp>
+            <p:nvSpPr>
+              <p:cNvPr id="6" name="矩形 5">
+                <a:extLst>
+                  <a:ext uri="{FF2B5EF4-FFF2-40B4-BE49-F238E27FC236}">
+                    <a16:creationId xmlns:a16="http://schemas.microsoft.com/office/drawing/2014/main" id="{A4B8F3CC-B213-4AEE-ACE4-CD654CC9F20E}"/>
+                  </a:ext>
+                </a:extLst>
+              </p:cNvPr>
+              <p:cNvSpPr/>
+              <p:nvPr/>
+            </p:nvSpPr>
+            <p:spPr>
+              <a:xfrm>
+                <a:off x="7520518" y="1491102"/>
+                <a:ext cx="1735670" cy="991127"/>
+              </a:xfrm>
+              <a:prstGeom prst="rect">
+                <a:avLst/>
+              </a:prstGeom>
+              <a:solidFill>
+                <a:schemeClr val="accent6">
+                  <a:lumMod val="60000"/>
+                  <a:lumOff val="40000"/>
+                </a:schemeClr>
+              </a:solidFill>
+              <a:ln>
+                <a:solidFill>
+                  <a:schemeClr val="tx1">
+                    <a:lumMod val="85000"/>
+                    <a:lumOff val="15000"/>
+                  </a:schemeClr>
+                </a:solidFill>
+              </a:ln>
+            </p:spPr>
+            <p:style>
+              <a:lnRef idx="2">
+                <a:schemeClr val="accent1">
+                  <a:shade val="50000"/>
+                </a:schemeClr>
+              </a:lnRef>
+              <a:fillRef idx="1">
+                <a:schemeClr val="accent1"/>
+              </a:fillRef>
+              <a:effectRef idx="0">
+                <a:schemeClr val="accent1"/>
+              </a:effectRef>
+              <a:fontRef idx="minor">
+                <a:schemeClr val="lt1"/>
+              </a:fontRef>
+            </p:style>
+            <p:txBody>
+              <a:bodyPr rtlCol="0" anchor="ctr"/>
+              <a:lstStyle/>
+              <a:p>
+                <a:pPr algn="ctr"/>
+                <a:endParaRPr lang="zh-TW" altLang="en-US"/>
+              </a:p>
+            </p:txBody>
+          </p:sp>
+          <p:sp>
+            <p:nvSpPr>
+              <p:cNvPr id="7" name="矩形 6">
+                <a:extLst>
+                  <a:ext uri="{FF2B5EF4-FFF2-40B4-BE49-F238E27FC236}">
+                    <a16:creationId xmlns:a16="http://schemas.microsoft.com/office/drawing/2014/main" id="{BA2CC09C-3EEA-4427-B7E1-576F7A66D1EB}"/>
+                  </a:ext>
+                </a:extLst>
+              </p:cNvPr>
+              <p:cNvSpPr/>
+              <p:nvPr/>
+            </p:nvSpPr>
+            <p:spPr>
+              <a:xfrm>
+                <a:off x="8680454" y="1863898"/>
+                <a:ext cx="440267" cy="245533"/>
+              </a:xfrm>
+              <a:prstGeom prst="rect">
+                <a:avLst/>
+              </a:prstGeom>
+              <a:solidFill>
+                <a:schemeClr val="tx1">
+                  <a:lumMod val="85000"/>
+                  <a:lumOff val="15000"/>
+                </a:schemeClr>
+              </a:solidFill>
+            </p:spPr>
+            <p:style>
+              <a:lnRef idx="2">
+                <a:schemeClr val="accent1">
+                  <a:shade val="50000"/>
+                </a:schemeClr>
+              </a:lnRef>
+              <a:fillRef idx="1">
+                <a:schemeClr val="accent1"/>
+              </a:fillRef>
+              <a:effectRef idx="0">
+                <a:schemeClr val="accent1"/>
+              </a:effectRef>
+              <a:fontRef idx="minor">
+                <a:schemeClr val="lt1"/>
+              </a:fontRef>
+            </p:style>
+            <p:txBody>
+              <a:bodyPr rtlCol="0" anchor="ctr"/>
+              <a:lstStyle/>
+              <a:p>
+                <a:pPr algn="ctr"/>
+                <a:endParaRPr lang="zh-TW" altLang="en-US"/>
+              </a:p>
+            </p:txBody>
+          </p:sp>
+          <p:sp>
+            <p:nvSpPr>
+              <p:cNvPr id="8" name="矩形 7">
+                <a:extLst>
+                  <a:ext uri="{FF2B5EF4-FFF2-40B4-BE49-F238E27FC236}">
+                    <a16:creationId xmlns:a16="http://schemas.microsoft.com/office/drawing/2014/main" id="{976B133B-FC66-41BE-98AF-AF3569EA9FC2}"/>
+                  </a:ext>
+                </a:extLst>
+              </p:cNvPr>
+              <p:cNvSpPr/>
+              <p:nvPr/>
+            </p:nvSpPr>
+            <p:spPr>
+              <a:xfrm>
+                <a:off x="7660219" y="1863897"/>
+                <a:ext cx="440267" cy="245533"/>
+              </a:xfrm>
+              <a:prstGeom prst="rect">
+                <a:avLst/>
+              </a:prstGeom>
+              <a:solidFill>
+                <a:schemeClr val="tx1">
+                  <a:lumMod val="85000"/>
+                  <a:lumOff val="15000"/>
+                </a:schemeClr>
+              </a:solidFill>
+            </p:spPr>
+            <p:style>
+              <a:lnRef idx="2">
+                <a:schemeClr val="accent1">
+                  <a:shade val="50000"/>
+                </a:schemeClr>
+              </a:lnRef>
+              <a:fillRef idx="1">
+                <a:schemeClr val="accent1"/>
+              </a:fillRef>
+              <a:effectRef idx="0">
+                <a:schemeClr val="accent1"/>
+              </a:effectRef>
+              <a:fontRef idx="minor">
+                <a:schemeClr val="lt1"/>
+              </a:fontRef>
+            </p:style>
+            <p:txBody>
+              <a:bodyPr rtlCol="0" anchor="ctr"/>
+              <a:lstStyle/>
+              <a:p>
+                <a:pPr algn="ctr"/>
+                <a:endParaRPr lang="zh-TW" altLang="en-US"/>
+              </a:p>
+            </p:txBody>
+          </p:sp>
+        </p:grpSp>
+        <p:grpSp>
+          <p:nvGrpSpPr>
+            <p:cNvPr id="13" name="群組 12">
+              <a:extLst>
+                <a:ext uri="{FF2B5EF4-FFF2-40B4-BE49-F238E27FC236}">
+                  <a16:creationId xmlns:a16="http://schemas.microsoft.com/office/drawing/2014/main" id="{2798D69D-6189-4C8A-8873-6CDBE8072D93}"/>
+                </a:ext>
+              </a:extLst>
+            </p:cNvPr>
+            <p:cNvGrpSpPr/>
+            <p:nvPr/>
+          </p:nvGrpSpPr>
+          <p:grpSpPr>
+            <a:xfrm>
+              <a:off x="6023999" y="898180"/>
+              <a:ext cx="144000" cy="144000"/>
+              <a:chOff x="7501400" y="537395"/>
+              <a:chExt cx="144000" cy="144000"/>
+            </a:xfrm>
+          </p:grpSpPr>
+          <p:sp>
+            <p:nvSpPr>
+              <p:cNvPr id="10" name="流程圖: 或 9">
+                <a:extLst>
+                  <a:ext uri="{FF2B5EF4-FFF2-40B4-BE49-F238E27FC236}">
+                    <a16:creationId xmlns:a16="http://schemas.microsoft.com/office/drawing/2014/main" id="{8B5B095A-83EC-481B-AF90-508B44D0C90B}"/>
+                  </a:ext>
+                </a:extLst>
+              </p:cNvPr>
+              <p:cNvSpPr/>
+              <p:nvPr/>
+            </p:nvSpPr>
+            <p:spPr>
+              <a:xfrm>
+                <a:off x="7501400" y="537395"/>
+                <a:ext cx="144000" cy="144000"/>
+              </a:xfrm>
+              <a:prstGeom prst="flowChartOr">
+                <a:avLst/>
+              </a:prstGeom>
+              <a:solidFill>
+                <a:schemeClr val="bg1"/>
+              </a:solidFill>
+              <a:ln>
+                <a:solidFill>
+                  <a:schemeClr val="tx1"/>
+                </a:solidFill>
+              </a:ln>
+            </p:spPr>
+            <p:style>
+              <a:lnRef idx="2">
+                <a:schemeClr val="accent1">
+                  <a:shade val="50000"/>
+                </a:schemeClr>
+              </a:lnRef>
+              <a:fillRef idx="1">
+                <a:schemeClr val="accent1"/>
+              </a:fillRef>
+              <a:effectRef idx="0">
+                <a:schemeClr val="accent1"/>
+              </a:effectRef>
+              <a:fontRef idx="minor">
+                <a:schemeClr val="lt1"/>
+              </a:fontRef>
+            </p:style>
+            <p:txBody>
+              <a:bodyPr rtlCol="0" anchor="ctr"/>
+              <a:lstStyle/>
+              <a:p>
+                <a:pPr algn="ctr"/>
+                <a:endParaRPr lang="zh-TW" altLang="en-US"/>
+              </a:p>
+            </p:txBody>
+          </p:sp>
+          <p:sp>
+            <p:nvSpPr>
+              <p:cNvPr id="11" name="局部圓 10">
+                <a:extLst>
+                  <a:ext uri="{FF2B5EF4-FFF2-40B4-BE49-F238E27FC236}">
+                    <a16:creationId xmlns:a16="http://schemas.microsoft.com/office/drawing/2014/main" id="{53D0B0D2-CE99-42A5-8423-A4CFAAD3744F}"/>
+                  </a:ext>
+                </a:extLst>
+              </p:cNvPr>
+              <p:cNvSpPr/>
+              <p:nvPr/>
+            </p:nvSpPr>
+            <p:spPr>
+              <a:xfrm>
+                <a:off x="7501400" y="537395"/>
+                <a:ext cx="144000" cy="144000"/>
+              </a:xfrm>
+              <a:prstGeom prst="pie">
+                <a:avLst>
+                  <a:gd name="adj1" fmla="val 10720982"/>
+                  <a:gd name="adj2" fmla="val 16200000"/>
+                </a:avLst>
+              </a:prstGeom>
+              <a:solidFill>
+                <a:schemeClr val="tx1"/>
+              </a:solidFill>
+              <a:ln>
+                <a:solidFill>
+                  <a:schemeClr val="tx1"/>
+                </a:solidFill>
+              </a:ln>
+            </p:spPr>
+            <p:style>
+              <a:lnRef idx="2">
+                <a:schemeClr val="accent1">
+                  <a:shade val="50000"/>
+                </a:schemeClr>
+              </a:lnRef>
+              <a:fillRef idx="1">
+                <a:schemeClr val="accent1"/>
+              </a:fillRef>
+              <a:effectRef idx="0">
+                <a:schemeClr val="accent1"/>
+              </a:effectRef>
+              <a:fontRef idx="minor">
+                <a:schemeClr val="lt1"/>
+              </a:fontRef>
+            </p:style>
+            <p:txBody>
+              <a:bodyPr rtlCol="0" anchor="ctr"/>
+              <a:lstStyle/>
+              <a:p>
+                <a:pPr algn="ctr"/>
+                <a:endParaRPr lang="zh-TW" altLang="en-US">
+                  <a:solidFill>
+                    <a:schemeClr val="tx1"/>
+                  </a:solidFill>
+                </a:endParaRPr>
+              </a:p>
+            </p:txBody>
+          </p:sp>
+          <p:sp>
+            <p:nvSpPr>
+              <p:cNvPr id="12" name="局部圓 11">
+                <a:extLst>
+                  <a:ext uri="{FF2B5EF4-FFF2-40B4-BE49-F238E27FC236}">
+                    <a16:creationId xmlns:a16="http://schemas.microsoft.com/office/drawing/2014/main" id="{C71C7773-014B-4041-924B-D212633BFAD4}"/>
+                  </a:ext>
+                </a:extLst>
+              </p:cNvPr>
+              <p:cNvSpPr/>
+              <p:nvPr/>
+            </p:nvSpPr>
+            <p:spPr>
+              <a:xfrm flipH="1" flipV="1">
+                <a:off x="7501400" y="537395"/>
+                <a:ext cx="144000" cy="144000"/>
+              </a:xfrm>
+              <a:prstGeom prst="pie">
+                <a:avLst>
+                  <a:gd name="adj1" fmla="val 10720982"/>
+                  <a:gd name="adj2" fmla="val 16200000"/>
+                </a:avLst>
+              </a:prstGeom>
+              <a:solidFill>
+                <a:schemeClr val="tx1"/>
+              </a:solidFill>
+              <a:ln>
+                <a:solidFill>
+                  <a:schemeClr val="tx1"/>
+                </a:solidFill>
+              </a:ln>
+            </p:spPr>
+            <p:style>
+              <a:lnRef idx="2">
+                <a:schemeClr val="accent1">
+                  <a:shade val="50000"/>
+                </a:schemeClr>
+              </a:lnRef>
+              <a:fillRef idx="1">
+                <a:schemeClr val="accent1"/>
+              </a:fillRef>
+              <a:effectRef idx="0">
+                <a:schemeClr val="accent1"/>
+              </a:effectRef>
+              <a:fontRef idx="minor">
+                <a:schemeClr val="lt1"/>
+              </a:fontRef>
+            </p:style>
+            <p:txBody>
+              <a:bodyPr rtlCol="0" anchor="ctr"/>
+              <a:lstStyle/>
+              <a:p>
+                <a:pPr algn="ctr"/>
+                <a:endParaRPr lang="zh-TW" altLang="en-US">
+                  <a:solidFill>
+                    <a:schemeClr val="tx1"/>
+                  </a:solidFill>
+                </a:endParaRPr>
+              </a:p>
+            </p:txBody>
+          </p:sp>
+        </p:grpSp>
+      </p:grpSp>
+      <p:grpSp>
+        <p:nvGrpSpPr>
+          <p:cNvPr id="48" name="群組 47">
+            <a:extLst>
+              <a:ext uri="{FF2B5EF4-FFF2-40B4-BE49-F238E27FC236}">
+                <a16:creationId xmlns:a16="http://schemas.microsoft.com/office/drawing/2014/main" id="{9A10DBEE-7BBA-495A-97E4-C0691FAC0531}"/>
+              </a:ext>
+            </a:extLst>
+          </p:cNvPr>
+          <p:cNvGrpSpPr/>
+          <p:nvPr/>
+        </p:nvGrpSpPr>
+        <p:grpSpPr>
+          <a:xfrm>
+            <a:off x="9417534" y="4212622"/>
+            <a:ext cx="360000" cy="360000"/>
+            <a:chOff x="6176398" y="1465641"/>
+            <a:chExt cx="144000" cy="144373"/>
+          </a:xfrm>
+        </p:grpSpPr>
+        <p:sp>
+          <p:nvSpPr>
+            <p:cNvPr id="47" name="流程圖: 或 46">
+              <a:extLst>
+                <a:ext uri="{FF2B5EF4-FFF2-40B4-BE49-F238E27FC236}">
+                  <a16:creationId xmlns:a16="http://schemas.microsoft.com/office/drawing/2014/main" id="{F7E05484-E640-4F53-9ED1-9045DE55567D}"/>
+                </a:ext>
+              </a:extLst>
+            </p:cNvPr>
+            <p:cNvSpPr/>
+            <p:nvPr/>
+          </p:nvSpPr>
+          <p:spPr>
+            <a:xfrm>
+              <a:off x="6176398" y="1465641"/>
+              <a:ext cx="144000" cy="144000"/>
+            </a:xfrm>
+            <a:prstGeom prst="flowChartOr">
+              <a:avLst/>
+            </a:prstGeom>
+            <a:solidFill>
+              <a:schemeClr val="bg1"/>
+            </a:solidFill>
+            <a:ln>
+              <a:solidFill>
+                <a:schemeClr val="tx1"/>
+              </a:solidFill>
+            </a:ln>
+          </p:spPr>
+          <p:style>
+            <a:lnRef idx="2">
+              <a:schemeClr val="accent1">
+                <a:shade val="50000"/>
+              </a:schemeClr>
+            </a:lnRef>
+            <a:fillRef idx="1">
+              <a:schemeClr val="accent1"/>
+            </a:fillRef>
+            <a:effectRef idx="0">
+              <a:schemeClr val="accent1"/>
+            </a:effectRef>
+            <a:fontRef idx="minor">
+              <a:schemeClr val="lt1"/>
+            </a:fontRef>
+          </p:style>
+          <p:txBody>
+            <a:bodyPr rtlCol="0" anchor="ctr"/>
+            <a:lstStyle/>
+            <a:p>
+              <a:pPr algn="ctr"/>
+              <a:endParaRPr lang="zh-TW" altLang="en-US"/>
+            </a:p>
+          </p:txBody>
+        </p:sp>
+        <p:sp>
+          <p:nvSpPr>
+            <p:cNvPr id="45" name="局部圓 44">
+              <a:extLst>
+                <a:ext uri="{FF2B5EF4-FFF2-40B4-BE49-F238E27FC236}">
+                  <a16:creationId xmlns:a16="http://schemas.microsoft.com/office/drawing/2014/main" id="{7BD5271F-2CB5-4927-A0A2-86B6EE29211F}"/>
+                </a:ext>
+              </a:extLst>
+            </p:cNvPr>
+            <p:cNvSpPr/>
+            <p:nvPr/>
+          </p:nvSpPr>
+          <p:spPr>
+            <a:xfrm>
+              <a:off x="6176398" y="1466014"/>
+              <a:ext cx="144000" cy="144000"/>
+            </a:xfrm>
+            <a:prstGeom prst="pie">
+              <a:avLst>
+                <a:gd name="adj1" fmla="val 10720982"/>
+                <a:gd name="adj2" fmla="val 16200000"/>
+              </a:avLst>
+            </a:prstGeom>
+            <a:solidFill>
+              <a:schemeClr val="tx1"/>
+            </a:solidFill>
+            <a:ln>
+              <a:solidFill>
+                <a:schemeClr val="tx1"/>
+              </a:solidFill>
+            </a:ln>
+          </p:spPr>
+          <p:style>
+            <a:lnRef idx="2">
+              <a:schemeClr val="accent1">
+                <a:shade val="50000"/>
+              </a:schemeClr>
+            </a:lnRef>
+            <a:fillRef idx="1">
+              <a:schemeClr val="accent1"/>
+            </a:fillRef>
+            <a:effectRef idx="0">
+              <a:schemeClr val="accent1"/>
+            </a:effectRef>
+            <a:fontRef idx="minor">
+              <a:schemeClr val="lt1"/>
+            </a:fontRef>
+          </p:style>
+          <p:txBody>
+            <a:bodyPr rtlCol="0" anchor="ctr"/>
+            <a:lstStyle/>
+            <a:p>
+              <a:pPr algn="ctr"/>
+              <a:endParaRPr lang="zh-TW" altLang="en-US">
+                <a:solidFill>
+                  <a:schemeClr val="tx1"/>
+                </a:solidFill>
+              </a:endParaRPr>
+            </a:p>
+          </p:txBody>
+        </p:sp>
+        <p:sp>
+          <p:nvSpPr>
+            <p:cNvPr id="46" name="局部圓 45">
+              <a:extLst>
+                <a:ext uri="{FF2B5EF4-FFF2-40B4-BE49-F238E27FC236}">
+                  <a16:creationId xmlns:a16="http://schemas.microsoft.com/office/drawing/2014/main" id="{D45D4007-9E6C-4D59-9C3A-5FFE85ED2735}"/>
+                </a:ext>
+              </a:extLst>
+            </p:cNvPr>
+            <p:cNvSpPr/>
+            <p:nvPr/>
+          </p:nvSpPr>
+          <p:spPr>
+            <a:xfrm flipH="1" flipV="1">
+              <a:off x="6176398" y="1466014"/>
+              <a:ext cx="144000" cy="144000"/>
+            </a:xfrm>
+            <a:prstGeom prst="pie">
+              <a:avLst>
+                <a:gd name="adj1" fmla="val 10720982"/>
+                <a:gd name="adj2" fmla="val 16200000"/>
+              </a:avLst>
+            </a:prstGeom>
+            <a:solidFill>
+              <a:schemeClr val="tx1"/>
+            </a:solidFill>
+            <a:ln>
+              <a:solidFill>
+                <a:schemeClr val="tx1"/>
+              </a:solidFill>
+            </a:ln>
+          </p:spPr>
+          <p:style>
+            <a:lnRef idx="2">
+              <a:schemeClr val="accent1">
+                <a:shade val="50000"/>
+              </a:schemeClr>
+            </a:lnRef>
+            <a:fillRef idx="1">
+              <a:schemeClr val="accent1"/>
+            </a:fillRef>
+            <a:effectRef idx="0">
+              <a:schemeClr val="accent1"/>
+            </a:effectRef>
+            <a:fontRef idx="minor">
+              <a:schemeClr val="lt1"/>
+            </a:fontRef>
+          </p:style>
+          <p:txBody>
+            <a:bodyPr rtlCol="0" anchor="ctr"/>
+            <a:lstStyle/>
+            <a:p>
+              <a:pPr algn="ctr"/>
+              <a:endParaRPr lang="zh-TW" altLang="en-US">
+                <a:solidFill>
+                  <a:schemeClr val="tx1"/>
+                </a:solidFill>
+              </a:endParaRPr>
+            </a:p>
+          </p:txBody>
+        </p:sp>
+      </p:grpSp>
+    </p:spTree>
+    <p:extLst>
+      <p:ext uri="{BB962C8B-B14F-4D97-AF65-F5344CB8AC3E}">
+        <p14:creationId xmlns:p14="http://schemas.microsoft.com/office/powerpoint/2010/main" val="3056674335"/>
+      </p:ext>
+    </p:extLst>
+  </p:cSld>
+  <p:clrMapOvr>
+    <a:masterClrMapping/>
+  </p:clrMapOvr>
+</p:sld>
+</file>
+
 <file path=ppt/slides/slide3.xml><?xml version="1.0" encoding="utf-8"?>
 <p:sld xmlns:a="http://schemas.openxmlformats.org/drawingml/2006/main" xmlns:r="http://schemas.openxmlformats.org/officeDocument/2006/relationships" xmlns:p="http://schemas.openxmlformats.org/presentationml/2006/main">
   <p:cSld>

--- a/path_planing/VO_code_try/robot_properties3.pptx
+++ b/path_planing/VO_code_try/robot_properties3.pptx
@@ -18851,7 +18851,7 @@
         </p:nvSpPr>
         <p:spPr>
           <a:xfrm>
-            <a:off x="3305999" y="639000"/>
+            <a:off x="734249" y="531050"/>
             <a:ext cx="5580000" cy="5580000"/>
           </a:xfrm>
           <a:prstGeom prst="donut">
@@ -18908,7 +18908,7 @@
         </p:nvGrpSpPr>
         <p:grpSpPr>
           <a:xfrm>
-            <a:off x="4529999" y="1863000"/>
+            <a:off x="1958249" y="1755050"/>
             <a:ext cx="3132000" cy="3132000"/>
             <a:chOff x="4529999" y="1863000"/>
             <a:chExt cx="3132000" cy="3132000"/>
@@ -19037,7 +19037,7 @@
         </p:nvGrpSpPr>
         <p:grpSpPr>
           <a:xfrm>
-            <a:off x="4133999" y="1467000"/>
+            <a:off x="1562249" y="1359050"/>
             <a:ext cx="3924000" cy="3924000"/>
             <a:chOff x="4225098" y="490046"/>
             <a:chExt cx="3924000" cy="3924000"/>
@@ -19166,7 +19166,7 @@
         </p:nvGrpSpPr>
         <p:grpSpPr>
           <a:xfrm>
-            <a:off x="3575999" y="909000"/>
+            <a:off x="1004249" y="801050"/>
             <a:ext cx="5040000" cy="5040000"/>
             <a:chOff x="3423599" y="756600"/>
             <a:chExt cx="5040000" cy="5040000"/>
@@ -19295,7 +19295,7 @@
         </p:nvGrpSpPr>
         <p:grpSpPr>
           <a:xfrm>
-            <a:off x="4295999" y="1627643"/>
+            <a:off x="1724249" y="1519693"/>
             <a:ext cx="3600000" cy="3600000"/>
             <a:chOff x="4295999" y="1627643"/>
             <a:chExt cx="3600000" cy="3600000"/>
@@ -19420,7 +19420,7 @@
         </p:nvGrpSpPr>
         <p:grpSpPr>
           <a:xfrm>
-            <a:off x="4745999" y="2077643"/>
+            <a:off x="2174249" y="1969693"/>
             <a:ext cx="2700000" cy="2799000"/>
             <a:chOff x="4593599" y="1925243"/>
             <a:chExt cx="2700000" cy="2799000"/>
@@ -19545,7 +19545,7 @@
         </p:nvGrpSpPr>
         <p:grpSpPr>
           <a:xfrm>
-            <a:off x="4295999" y="1627642"/>
+            <a:off x="1724249" y="1519692"/>
             <a:ext cx="3600000" cy="3600000"/>
             <a:chOff x="4387098" y="1619725"/>
             <a:chExt cx="3600000" cy="3600000"/>
@@ -19670,7 +19670,7 @@
         </p:nvGrpSpPr>
         <p:grpSpPr>
           <a:xfrm>
-            <a:off x="3647999" y="1069642"/>
+            <a:off x="1076249" y="961692"/>
             <a:ext cx="4806000" cy="4716000"/>
             <a:chOff x="3495599" y="917242"/>
             <a:chExt cx="4806000" cy="4716000"/>
@@ -19795,7 +19795,7 @@
         </p:nvGrpSpPr>
         <p:grpSpPr>
           <a:xfrm>
-            <a:off x="3737999" y="1069642"/>
+            <a:off x="1166249" y="961692"/>
             <a:ext cx="4716000" cy="4716000"/>
             <a:chOff x="3585599" y="917242"/>
             <a:chExt cx="4716000" cy="4716000"/>
@@ -19920,7 +19920,7 @@
         </p:nvSpPr>
         <p:spPr>
           <a:xfrm>
-            <a:off x="4061999" y="1389464"/>
+            <a:off x="1490249" y="1281514"/>
             <a:ext cx="4068000" cy="4068000"/>
           </a:xfrm>
           <a:prstGeom prst="arc">
@@ -19974,7 +19974,7 @@
         </p:nvGrpSpPr>
         <p:grpSpPr>
           <a:xfrm>
-            <a:off x="5821361" y="1219768"/>
+            <a:off x="3249611" y="1111818"/>
             <a:ext cx="549275" cy="331695"/>
             <a:chOff x="5821362" y="804334"/>
             <a:chExt cx="549275" cy="331695"/>
@@ -20086,6 +20086,11 @@
                   <a:lumOff val="15000"/>
                 </a:schemeClr>
               </a:solidFill>
+              <a:ln>
+                <a:solidFill>
+                  <a:schemeClr val="tx1"/>
+                </a:solidFill>
+              </a:ln>
             </p:spPr>
             <p:style>
               <a:lnRef idx="2">
@@ -20138,6 +20143,11 @@
                   <a:lumOff val="15000"/>
                 </a:schemeClr>
               </a:solidFill>
+              <a:ln>
+                <a:solidFill>
+                  <a:schemeClr val="tx1"/>
+                </a:solidFill>
+              </a:ln>
             </p:spPr>
             <p:style>
               <a:lnRef idx="2">
@@ -20365,10 +20375,10 @@
       </p:grpSp>
       <p:grpSp>
         <p:nvGrpSpPr>
-          <p:cNvPr id="48" name="群組 47">
+          <p:cNvPr id="3" name="群組 2">
             <a:extLst>
               <a:ext uri="{FF2B5EF4-FFF2-40B4-BE49-F238E27FC236}">
-                <a16:creationId xmlns:a16="http://schemas.microsoft.com/office/drawing/2014/main" id="{9A10DBEE-7BBA-495A-97E4-C0691FAC0531}"/>
+                <a16:creationId xmlns:a16="http://schemas.microsoft.com/office/drawing/2014/main" id="{622D138F-7FF4-40A1-9476-03A8C76B0D62}"/>
               </a:ext>
             </a:extLst>
           </p:cNvPr>
@@ -20377,18 +20387,526 @@
         </p:nvGrpSpPr>
         <p:grpSpPr>
           <a:xfrm>
-            <a:off x="9417534" y="4212622"/>
-            <a:ext cx="360000" cy="360000"/>
-            <a:chOff x="6176398" y="1465641"/>
-            <a:chExt cx="144000" cy="144373"/>
+            <a:off x="6584249" y="2519624"/>
+            <a:ext cx="2119124" cy="394994"/>
+            <a:chOff x="9417534" y="4177628"/>
+            <a:chExt cx="2119124" cy="394994"/>
           </a:xfrm>
         </p:grpSpPr>
+        <p:grpSp>
+          <p:nvGrpSpPr>
+            <p:cNvPr id="48" name="群組 47">
+              <a:extLst>
+                <a:ext uri="{FF2B5EF4-FFF2-40B4-BE49-F238E27FC236}">
+                  <a16:creationId xmlns:a16="http://schemas.microsoft.com/office/drawing/2014/main" id="{9A10DBEE-7BBA-495A-97E4-C0691FAC0531}"/>
+                </a:ext>
+              </a:extLst>
+            </p:cNvPr>
+            <p:cNvGrpSpPr/>
+            <p:nvPr/>
+          </p:nvGrpSpPr>
+          <p:grpSpPr>
+            <a:xfrm>
+              <a:off x="9417534" y="4212622"/>
+              <a:ext cx="360000" cy="360000"/>
+              <a:chOff x="6176398" y="1465641"/>
+              <a:chExt cx="144000" cy="144373"/>
+            </a:xfrm>
+          </p:grpSpPr>
+          <p:sp>
+            <p:nvSpPr>
+              <p:cNvPr id="47" name="流程圖: 或 46">
+                <a:extLst>
+                  <a:ext uri="{FF2B5EF4-FFF2-40B4-BE49-F238E27FC236}">
+                    <a16:creationId xmlns:a16="http://schemas.microsoft.com/office/drawing/2014/main" id="{F7E05484-E640-4F53-9ED1-9045DE55567D}"/>
+                  </a:ext>
+                </a:extLst>
+              </p:cNvPr>
+              <p:cNvSpPr/>
+              <p:nvPr/>
+            </p:nvSpPr>
+            <p:spPr>
+              <a:xfrm>
+                <a:off x="6176398" y="1465641"/>
+                <a:ext cx="144000" cy="144000"/>
+              </a:xfrm>
+              <a:prstGeom prst="flowChartOr">
+                <a:avLst/>
+              </a:prstGeom>
+              <a:solidFill>
+                <a:schemeClr val="bg1"/>
+              </a:solidFill>
+              <a:ln>
+                <a:solidFill>
+                  <a:schemeClr val="tx1"/>
+                </a:solidFill>
+              </a:ln>
+            </p:spPr>
+            <p:style>
+              <a:lnRef idx="2">
+                <a:schemeClr val="accent1">
+                  <a:shade val="50000"/>
+                </a:schemeClr>
+              </a:lnRef>
+              <a:fillRef idx="1">
+                <a:schemeClr val="accent1"/>
+              </a:fillRef>
+              <a:effectRef idx="0">
+                <a:schemeClr val="accent1"/>
+              </a:effectRef>
+              <a:fontRef idx="minor">
+                <a:schemeClr val="lt1"/>
+              </a:fontRef>
+            </p:style>
+            <p:txBody>
+              <a:bodyPr rtlCol="0" anchor="ctr"/>
+              <a:lstStyle/>
+              <a:p>
+                <a:pPr algn="ctr"/>
+                <a:endParaRPr lang="zh-TW" altLang="en-US"/>
+              </a:p>
+            </p:txBody>
+          </p:sp>
+          <p:sp>
+            <p:nvSpPr>
+              <p:cNvPr id="45" name="局部圓 44">
+                <a:extLst>
+                  <a:ext uri="{FF2B5EF4-FFF2-40B4-BE49-F238E27FC236}">
+                    <a16:creationId xmlns:a16="http://schemas.microsoft.com/office/drawing/2014/main" id="{7BD5271F-2CB5-4927-A0A2-86B6EE29211F}"/>
+                  </a:ext>
+                </a:extLst>
+              </p:cNvPr>
+              <p:cNvSpPr/>
+              <p:nvPr/>
+            </p:nvSpPr>
+            <p:spPr>
+              <a:xfrm>
+                <a:off x="6176398" y="1466014"/>
+                <a:ext cx="144000" cy="144000"/>
+              </a:xfrm>
+              <a:prstGeom prst="pie">
+                <a:avLst>
+                  <a:gd name="adj1" fmla="val 10720982"/>
+                  <a:gd name="adj2" fmla="val 16200000"/>
+                </a:avLst>
+              </a:prstGeom>
+              <a:solidFill>
+                <a:schemeClr val="tx1"/>
+              </a:solidFill>
+              <a:ln>
+                <a:solidFill>
+                  <a:schemeClr val="tx1"/>
+                </a:solidFill>
+              </a:ln>
+            </p:spPr>
+            <p:style>
+              <a:lnRef idx="2">
+                <a:schemeClr val="accent1">
+                  <a:shade val="50000"/>
+                </a:schemeClr>
+              </a:lnRef>
+              <a:fillRef idx="1">
+                <a:schemeClr val="accent1"/>
+              </a:fillRef>
+              <a:effectRef idx="0">
+                <a:schemeClr val="accent1"/>
+              </a:effectRef>
+              <a:fontRef idx="minor">
+                <a:schemeClr val="lt1"/>
+              </a:fontRef>
+            </p:style>
+            <p:txBody>
+              <a:bodyPr rtlCol="0" anchor="ctr"/>
+              <a:lstStyle/>
+              <a:p>
+                <a:pPr algn="ctr"/>
+                <a:endParaRPr lang="zh-TW" altLang="en-US">
+                  <a:solidFill>
+                    <a:schemeClr val="tx1"/>
+                  </a:solidFill>
+                </a:endParaRPr>
+              </a:p>
+            </p:txBody>
+          </p:sp>
+          <p:sp>
+            <p:nvSpPr>
+              <p:cNvPr id="46" name="局部圓 45">
+                <a:extLst>
+                  <a:ext uri="{FF2B5EF4-FFF2-40B4-BE49-F238E27FC236}">
+                    <a16:creationId xmlns:a16="http://schemas.microsoft.com/office/drawing/2014/main" id="{D45D4007-9E6C-4D59-9C3A-5FFE85ED2735}"/>
+                  </a:ext>
+                </a:extLst>
+              </p:cNvPr>
+              <p:cNvSpPr/>
+              <p:nvPr/>
+            </p:nvSpPr>
+            <p:spPr>
+              <a:xfrm flipH="1" flipV="1">
+                <a:off x="6176398" y="1466014"/>
+                <a:ext cx="144000" cy="144000"/>
+              </a:xfrm>
+              <a:prstGeom prst="pie">
+                <a:avLst>
+                  <a:gd name="adj1" fmla="val 10720982"/>
+                  <a:gd name="adj2" fmla="val 16200000"/>
+                </a:avLst>
+              </a:prstGeom>
+              <a:solidFill>
+                <a:schemeClr val="tx1"/>
+              </a:solidFill>
+              <a:ln>
+                <a:solidFill>
+                  <a:schemeClr val="tx1"/>
+                </a:solidFill>
+              </a:ln>
+            </p:spPr>
+            <p:style>
+              <a:lnRef idx="2">
+                <a:schemeClr val="accent1">
+                  <a:shade val="50000"/>
+                </a:schemeClr>
+              </a:lnRef>
+              <a:fillRef idx="1">
+                <a:schemeClr val="accent1"/>
+              </a:fillRef>
+              <a:effectRef idx="0">
+                <a:schemeClr val="accent1"/>
+              </a:effectRef>
+              <a:fontRef idx="minor">
+                <a:schemeClr val="lt1"/>
+              </a:fontRef>
+            </p:style>
+            <p:txBody>
+              <a:bodyPr rtlCol="0" anchor="ctr"/>
+              <a:lstStyle/>
+              <a:p>
+                <a:pPr algn="ctr"/>
+                <a:endParaRPr lang="zh-TW" altLang="en-US">
+                  <a:solidFill>
+                    <a:schemeClr val="tx1"/>
+                  </a:solidFill>
+                </a:endParaRPr>
+              </a:p>
+            </p:txBody>
+          </p:sp>
+        </p:grpSp>
         <p:sp>
           <p:nvSpPr>
-            <p:cNvPr id="47" name="流程圖: 或 46">
+            <p:cNvPr id="2" name="文字方塊 1">
               <a:extLst>
                 <a:ext uri="{FF2B5EF4-FFF2-40B4-BE49-F238E27FC236}">
-                  <a16:creationId xmlns:a16="http://schemas.microsoft.com/office/drawing/2014/main" id="{F7E05484-E640-4F53-9ED1-9045DE55567D}"/>
+                  <a16:creationId xmlns:a16="http://schemas.microsoft.com/office/drawing/2014/main" id="{180EEA64-814B-48BE-A84C-ED957B718BE3}"/>
+                </a:ext>
+              </a:extLst>
+            </p:cNvPr>
+            <p:cNvSpPr txBox="1"/>
+            <p:nvPr/>
+          </p:nvSpPr>
+          <p:spPr>
+            <a:xfrm>
+              <a:off x="9730872" y="4177628"/>
+              <a:ext cx="1805786" cy="369332"/>
+            </a:xfrm>
+            <a:prstGeom prst="rect">
+              <a:avLst/>
+            </a:prstGeom>
+            <a:noFill/>
+          </p:spPr>
+          <p:txBody>
+            <a:bodyPr wrap="square" rtlCol="0">
+              <a:spAutoFit/>
+            </a:bodyPr>
+            <a:lstStyle/>
+            <a:p>
+              <a:r>
+                <a:rPr lang="en-US" altLang="zh-TW" dirty="0"/>
+                <a:t>: Mobile robot</a:t>
+              </a:r>
+              <a:endParaRPr lang="zh-TW" altLang="en-US" dirty="0"/>
+            </a:p>
+          </p:txBody>
+        </p:sp>
+      </p:grpSp>
+      <p:grpSp>
+        <p:nvGrpSpPr>
+          <p:cNvPr id="5" name="群組 4">
+            <a:extLst>
+              <a:ext uri="{FF2B5EF4-FFF2-40B4-BE49-F238E27FC236}">
+                <a16:creationId xmlns:a16="http://schemas.microsoft.com/office/drawing/2014/main" id="{622D70E4-CF0A-46CF-8ADD-FA7EBFEE8BBA}"/>
+              </a:ext>
+            </a:extLst>
+          </p:cNvPr>
+          <p:cNvGrpSpPr/>
+          <p:nvPr/>
+        </p:nvGrpSpPr>
+        <p:grpSpPr>
+          <a:xfrm>
+            <a:off x="6584249" y="3053782"/>
+            <a:ext cx="3698166" cy="394994"/>
+            <a:chOff x="6769584" y="2680758"/>
+            <a:chExt cx="3698166" cy="394994"/>
+          </a:xfrm>
+        </p:grpSpPr>
+        <p:grpSp>
+          <p:nvGrpSpPr>
+            <p:cNvPr id="44" name="群組 43">
+              <a:extLst>
+                <a:ext uri="{FF2B5EF4-FFF2-40B4-BE49-F238E27FC236}">
+                  <a16:creationId xmlns:a16="http://schemas.microsoft.com/office/drawing/2014/main" id="{E764B15F-968D-45BC-AF6E-A527E8E4652A}"/>
+                </a:ext>
+              </a:extLst>
+            </p:cNvPr>
+            <p:cNvGrpSpPr/>
+            <p:nvPr/>
+          </p:nvGrpSpPr>
+          <p:grpSpPr>
+            <a:xfrm>
+              <a:off x="6769584" y="2680758"/>
+              <a:ext cx="3698166" cy="394994"/>
+              <a:chOff x="9417534" y="4177628"/>
+              <a:chExt cx="3698166" cy="394994"/>
+            </a:xfrm>
+          </p:grpSpPr>
+          <p:grpSp>
+            <p:nvGrpSpPr>
+              <p:cNvPr id="49" name="群組 48">
+                <a:extLst>
+                  <a:ext uri="{FF2B5EF4-FFF2-40B4-BE49-F238E27FC236}">
+                    <a16:creationId xmlns:a16="http://schemas.microsoft.com/office/drawing/2014/main" id="{B5B97A3D-4FB5-4736-9774-3011F4E6336E}"/>
+                  </a:ext>
+                </a:extLst>
+              </p:cNvPr>
+              <p:cNvGrpSpPr/>
+              <p:nvPr/>
+            </p:nvGrpSpPr>
+            <p:grpSpPr>
+              <a:xfrm>
+                <a:off x="9417534" y="4212622"/>
+                <a:ext cx="360000" cy="360000"/>
+                <a:chOff x="6176398" y="1465641"/>
+                <a:chExt cx="144000" cy="144373"/>
+              </a:xfrm>
+            </p:grpSpPr>
+            <p:sp>
+              <p:nvSpPr>
+                <p:cNvPr id="51" name="流程圖: 或 50">
+                  <a:extLst>
+                    <a:ext uri="{FF2B5EF4-FFF2-40B4-BE49-F238E27FC236}">
+                      <a16:creationId xmlns:a16="http://schemas.microsoft.com/office/drawing/2014/main" id="{DD67950A-523C-4287-8C32-5E37FC54011B}"/>
+                    </a:ext>
+                  </a:extLst>
+                </p:cNvPr>
+                <p:cNvSpPr/>
+                <p:nvPr/>
+              </p:nvSpPr>
+              <p:spPr>
+                <a:xfrm>
+                  <a:off x="6176398" y="1465641"/>
+                  <a:ext cx="144000" cy="144000"/>
+                </a:xfrm>
+                <a:prstGeom prst="flowChartOr">
+                  <a:avLst/>
+                </a:prstGeom>
+                <a:solidFill>
+                  <a:schemeClr val="bg1"/>
+                </a:solidFill>
+                <a:ln>
+                  <a:solidFill>
+                    <a:schemeClr val="tx1"/>
+                  </a:solidFill>
+                </a:ln>
+              </p:spPr>
+              <p:style>
+                <a:lnRef idx="2">
+                  <a:schemeClr val="accent1">
+                    <a:shade val="50000"/>
+                  </a:schemeClr>
+                </a:lnRef>
+                <a:fillRef idx="1">
+                  <a:schemeClr val="accent1"/>
+                </a:fillRef>
+                <a:effectRef idx="0">
+                  <a:schemeClr val="accent1"/>
+                </a:effectRef>
+                <a:fontRef idx="minor">
+                  <a:schemeClr val="lt1"/>
+                </a:fontRef>
+              </p:style>
+              <p:txBody>
+                <a:bodyPr rtlCol="0" anchor="ctr"/>
+                <a:lstStyle/>
+                <a:p>
+                  <a:pPr algn="ctr"/>
+                  <a:endParaRPr lang="zh-TW" altLang="en-US"/>
+                </a:p>
+              </p:txBody>
+            </p:sp>
+            <p:sp>
+              <p:nvSpPr>
+                <p:cNvPr id="52" name="局部圓 51">
+                  <a:extLst>
+                    <a:ext uri="{FF2B5EF4-FFF2-40B4-BE49-F238E27FC236}">
+                      <a16:creationId xmlns:a16="http://schemas.microsoft.com/office/drawing/2014/main" id="{2F017870-D608-4341-BC60-EC0D2482CD0D}"/>
+                    </a:ext>
+                  </a:extLst>
+                </p:cNvPr>
+                <p:cNvSpPr/>
+                <p:nvPr/>
+              </p:nvSpPr>
+              <p:spPr>
+                <a:xfrm>
+                  <a:off x="6176398" y="1466014"/>
+                  <a:ext cx="144000" cy="144000"/>
+                </a:xfrm>
+                <a:prstGeom prst="pie">
+                  <a:avLst>
+                    <a:gd name="adj1" fmla="val 10720982"/>
+                    <a:gd name="adj2" fmla="val 16200000"/>
+                  </a:avLst>
+                </a:prstGeom>
+                <a:solidFill>
+                  <a:schemeClr val="tx1"/>
+                </a:solidFill>
+                <a:ln>
+                  <a:solidFill>
+                    <a:schemeClr val="tx1"/>
+                  </a:solidFill>
+                </a:ln>
+              </p:spPr>
+              <p:style>
+                <a:lnRef idx="2">
+                  <a:schemeClr val="accent1">
+                    <a:shade val="50000"/>
+                  </a:schemeClr>
+                </a:lnRef>
+                <a:fillRef idx="1">
+                  <a:schemeClr val="accent1"/>
+                </a:fillRef>
+                <a:effectRef idx="0">
+                  <a:schemeClr val="accent1"/>
+                </a:effectRef>
+                <a:fontRef idx="minor">
+                  <a:schemeClr val="lt1"/>
+                </a:fontRef>
+              </p:style>
+              <p:txBody>
+                <a:bodyPr rtlCol="0" anchor="ctr"/>
+                <a:lstStyle/>
+                <a:p>
+                  <a:pPr algn="ctr"/>
+                  <a:endParaRPr lang="zh-TW" altLang="en-US">
+                    <a:solidFill>
+                      <a:schemeClr val="tx1"/>
+                    </a:solidFill>
+                  </a:endParaRPr>
+                </a:p>
+              </p:txBody>
+            </p:sp>
+            <p:sp>
+              <p:nvSpPr>
+                <p:cNvPr id="53" name="局部圓 52">
+                  <a:extLst>
+                    <a:ext uri="{FF2B5EF4-FFF2-40B4-BE49-F238E27FC236}">
+                      <a16:creationId xmlns:a16="http://schemas.microsoft.com/office/drawing/2014/main" id="{E4176D50-F471-456D-A713-0C9095119A41}"/>
+                    </a:ext>
+                  </a:extLst>
+                </p:cNvPr>
+                <p:cNvSpPr/>
+                <p:nvPr/>
+              </p:nvSpPr>
+              <p:spPr>
+                <a:xfrm flipH="1" flipV="1">
+                  <a:off x="6176398" y="1466014"/>
+                  <a:ext cx="144000" cy="144000"/>
+                </a:xfrm>
+                <a:prstGeom prst="pie">
+                  <a:avLst>
+                    <a:gd name="adj1" fmla="val 10720982"/>
+                    <a:gd name="adj2" fmla="val 16200000"/>
+                  </a:avLst>
+                </a:prstGeom>
+                <a:solidFill>
+                  <a:schemeClr val="tx1"/>
+                </a:solidFill>
+                <a:ln>
+                  <a:solidFill>
+                    <a:schemeClr val="tx1"/>
+                  </a:solidFill>
+                </a:ln>
+              </p:spPr>
+              <p:style>
+                <a:lnRef idx="2">
+                  <a:schemeClr val="accent1">
+                    <a:shade val="50000"/>
+                  </a:schemeClr>
+                </a:lnRef>
+                <a:fillRef idx="1">
+                  <a:schemeClr val="accent1"/>
+                </a:fillRef>
+                <a:effectRef idx="0">
+                  <a:schemeClr val="accent1"/>
+                </a:effectRef>
+                <a:fontRef idx="minor">
+                  <a:schemeClr val="lt1"/>
+                </a:fontRef>
+              </p:style>
+              <p:txBody>
+                <a:bodyPr rtlCol="0" anchor="ctr"/>
+                <a:lstStyle/>
+                <a:p>
+                  <a:pPr algn="ctr"/>
+                  <a:endParaRPr lang="zh-TW" altLang="en-US">
+                    <a:solidFill>
+                      <a:schemeClr val="tx1"/>
+                    </a:solidFill>
+                  </a:endParaRPr>
+                </a:p>
+              </p:txBody>
+            </p:sp>
+          </p:grpSp>
+          <p:sp>
+            <p:nvSpPr>
+              <p:cNvPr id="50" name="文字方塊 49">
+                <a:extLst>
+                  <a:ext uri="{FF2B5EF4-FFF2-40B4-BE49-F238E27FC236}">
+                    <a16:creationId xmlns:a16="http://schemas.microsoft.com/office/drawing/2014/main" id="{523CC2F6-74B7-4BCD-806F-FB2A88977674}"/>
+                  </a:ext>
+                </a:extLst>
+              </p:cNvPr>
+              <p:cNvSpPr txBox="1"/>
+              <p:nvPr/>
+            </p:nvSpPr>
+            <p:spPr>
+              <a:xfrm>
+                <a:off x="9730871" y="4177628"/>
+                <a:ext cx="3384829" cy="369332"/>
+              </a:xfrm>
+              <a:prstGeom prst="rect">
+                <a:avLst/>
+              </a:prstGeom>
+              <a:noFill/>
+            </p:spPr>
+            <p:txBody>
+              <a:bodyPr wrap="square" rtlCol="0">
+                <a:spAutoFit/>
+              </a:bodyPr>
+              <a:lstStyle/>
+              <a:p>
+                <a:r>
+                  <a:rPr lang="en-US" altLang="zh-TW" dirty="0"/>
+                  <a:t>: known intention moving object</a:t>
+                </a:r>
+                <a:endParaRPr lang="zh-TW" altLang="en-US" dirty="0"/>
+              </a:p>
+            </p:txBody>
+          </p:sp>
+        </p:grpSp>
+        <p:sp>
+          <p:nvSpPr>
+            <p:cNvPr id="54" name="橢圓 53">
+              <a:extLst>
+                <a:ext uri="{FF2B5EF4-FFF2-40B4-BE49-F238E27FC236}">
+                  <a16:creationId xmlns:a16="http://schemas.microsoft.com/office/drawing/2014/main" id="{FBBF7731-FFF9-4045-B45C-F7739E8A75EE}"/>
                 </a:ext>
               </a:extLst>
             </p:cNvPr>
@@ -20397,18 +20915,340 @@
           </p:nvSpPr>
           <p:spPr>
             <a:xfrm>
-              <a:off x="6176398" y="1465641"/>
-              <a:ext cx="144000" cy="144000"/>
+              <a:off x="6769584" y="2715752"/>
+              <a:ext cx="360000" cy="360000"/>
             </a:xfrm>
-            <a:prstGeom prst="flowChartOr">
+            <a:prstGeom prst="ellipse">
+              <a:avLst/>
+            </a:prstGeom>
+            <a:ln w="19050"/>
+          </p:spPr>
+          <p:style>
+            <a:lnRef idx="2">
+              <a:schemeClr val="accent4">
+                <a:shade val="50000"/>
+              </a:schemeClr>
+            </a:lnRef>
+            <a:fillRef idx="1">
+              <a:schemeClr val="accent4"/>
+            </a:fillRef>
+            <a:effectRef idx="0">
+              <a:schemeClr val="accent4"/>
+            </a:effectRef>
+            <a:fontRef idx="minor">
+              <a:schemeClr val="lt1"/>
+            </a:fontRef>
+          </p:style>
+          <p:txBody>
+            <a:bodyPr rtlCol="0" anchor="ctr"/>
+            <a:lstStyle/>
+            <a:p>
+              <a:pPr algn="ctr"/>
+              <a:endParaRPr lang="zh-TW" altLang="en-US"/>
+            </a:p>
+          </p:txBody>
+        </p:sp>
+      </p:grpSp>
+      <p:grpSp>
+        <p:nvGrpSpPr>
+          <p:cNvPr id="15" name="群組 14">
+            <a:extLst>
+              <a:ext uri="{FF2B5EF4-FFF2-40B4-BE49-F238E27FC236}">
+                <a16:creationId xmlns:a16="http://schemas.microsoft.com/office/drawing/2014/main" id="{5D16ADBF-7287-4443-9BBA-2B8ED462BF38}"/>
+              </a:ext>
+            </a:extLst>
+          </p:cNvPr>
+          <p:cNvGrpSpPr/>
+          <p:nvPr/>
+        </p:nvGrpSpPr>
+        <p:grpSpPr>
+          <a:xfrm>
+            <a:off x="6584249" y="3622004"/>
+            <a:ext cx="4256167" cy="394994"/>
+            <a:chOff x="6769584" y="3248980"/>
+            <a:chExt cx="4256167" cy="394994"/>
+          </a:xfrm>
+        </p:grpSpPr>
+        <p:grpSp>
+          <p:nvGrpSpPr>
+            <p:cNvPr id="62" name="群組 61">
+              <a:extLst>
+                <a:ext uri="{FF2B5EF4-FFF2-40B4-BE49-F238E27FC236}">
+                  <a16:creationId xmlns:a16="http://schemas.microsoft.com/office/drawing/2014/main" id="{A5A3210D-B488-469E-8894-1021EDC60E4B}"/>
+                </a:ext>
+              </a:extLst>
+            </p:cNvPr>
+            <p:cNvGrpSpPr/>
+            <p:nvPr/>
+          </p:nvGrpSpPr>
+          <p:grpSpPr>
+            <a:xfrm>
+              <a:off x="6769584" y="3248980"/>
+              <a:ext cx="4256167" cy="394994"/>
+              <a:chOff x="9417534" y="4177628"/>
+              <a:chExt cx="4256167" cy="394994"/>
+            </a:xfrm>
+          </p:grpSpPr>
+          <p:grpSp>
+            <p:nvGrpSpPr>
+              <p:cNvPr id="64" name="群組 63">
+                <a:extLst>
+                  <a:ext uri="{FF2B5EF4-FFF2-40B4-BE49-F238E27FC236}">
+                    <a16:creationId xmlns:a16="http://schemas.microsoft.com/office/drawing/2014/main" id="{43AA355B-06F2-47BA-B5EE-DBD31909D868}"/>
+                  </a:ext>
+                </a:extLst>
+              </p:cNvPr>
+              <p:cNvGrpSpPr/>
+              <p:nvPr/>
+            </p:nvGrpSpPr>
+            <p:grpSpPr>
+              <a:xfrm>
+                <a:off x="9417534" y="4212622"/>
+                <a:ext cx="360000" cy="360000"/>
+                <a:chOff x="6176398" y="1465641"/>
+                <a:chExt cx="144000" cy="144373"/>
+              </a:xfrm>
+            </p:grpSpPr>
+            <p:sp>
+              <p:nvSpPr>
+                <p:cNvPr id="66" name="流程圖: 或 65">
+                  <a:extLst>
+                    <a:ext uri="{FF2B5EF4-FFF2-40B4-BE49-F238E27FC236}">
+                      <a16:creationId xmlns:a16="http://schemas.microsoft.com/office/drawing/2014/main" id="{887F866A-A4A8-479C-887E-26F49C6A2234}"/>
+                    </a:ext>
+                  </a:extLst>
+                </p:cNvPr>
+                <p:cNvSpPr/>
+                <p:nvPr/>
+              </p:nvSpPr>
+              <p:spPr>
+                <a:xfrm>
+                  <a:off x="6176398" y="1465641"/>
+                  <a:ext cx="144000" cy="144000"/>
+                </a:xfrm>
+                <a:prstGeom prst="flowChartOr">
+                  <a:avLst/>
+                </a:prstGeom>
+                <a:solidFill>
+                  <a:schemeClr val="bg1"/>
+                </a:solidFill>
+                <a:ln>
+                  <a:solidFill>
+                    <a:schemeClr val="tx1"/>
+                  </a:solidFill>
+                </a:ln>
+              </p:spPr>
+              <p:style>
+                <a:lnRef idx="2">
+                  <a:schemeClr val="accent1">
+                    <a:shade val="50000"/>
+                  </a:schemeClr>
+                </a:lnRef>
+                <a:fillRef idx="1">
+                  <a:schemeClr val="accent1"/>
+                </a:fillRef>
+                <a:effectRef idx="0">
+                  <a:schemeClr val="accent1"/>
+                </a:effectRef>
+                <a:fontRef idx="minor">
+                  <a:schemeClr val="lt1"/>
+                </a:fontRef>
+              </p:style>
+              <p:txBody>
+                <a:bodyPr rtlCol="0" anchor="ctr"/>
+                <a:lstStyle/>
+                <a:p>
+                  <a:pPr algn="ctr"/>
+                  <a:endParaRPr lang="zh-TW" altLang="en-US"/>
+                </a:p>
+              </p:txBody>
+            </p:sp>
+            <p:sp>
+              <p:nvSpPr>
+                <p:cNvPr id="67" name="局部圓 66">
+                  <a:extLst>
+                    <a:ext uri="{FF2B5EF4-FFF2-40B4-BE49-F238E27FC236}">
+                      <a16:creationId xmlns:a16="http://schemas.microsoft.com/office/drawing/2014/main" id="{05CEF1ED-0974-4E61-832E-8C25D31A3DFC}"/>
+                    </a:ext>
+                  </a:extLst>
+                </p:cNvPr>
+                <p:cNvSpPr/>
+                <p:nvPr/>
+              </p:nvSpPr>
+              <p:spPr>
+                <a:xfrm>
+                  <a:off x="6176398" y="1466014"/>
+                  <a:ext cx="144000" cy="144000"/>
+                </a:xfrm>
+                <a:prstGeom prst="pie">
+                  <a:avLst>
+                    <a:gd name="adj1" fmla="val 10720982"/>
+                    <a:gd name="adj2" fmla="val 16200000"/>
+                  </a:avLst>
+                </a:prstGeom>
+                <a:solidFill>
+                  <a:schemeClr val="tx1"/>
+                </a:solidFill>
+                <a:ln>
+                  <a:solidFill>
+                    <a:schemeClr val="tx1"/>
+                  </a:solidFill>
+                </a:ln>
+              </p:spPr>
+              <p:style>
+                <a:lnRef idx="2">
+                  <a:schemeClr val="accent1">
+                    <a:shade val="50000"/>
+                  </a:schemeClr>
+                </a:lnRef>
+                <a:fillRef idx="1">
+                  <a:schemeClr val="accent1"/>
+                </a:fillRef>
+                <a:effectRef idx="0">
+                  <a:schemeClr val="accent1"/>
+                </a:effectRef>
+                <a:fontRef idx="minor">
+                  <a:schemeClr val="lt1"/>
+                </a:fontRef>
+              </p:style>
+              <p:txBody>
+                <a:bodyPr rtlCol="0" anchor="ctr"/>
+                <a:lstStyle/>
+                <a:p>
+                  <a:pPr algn="ctr"/>
+                  <a:endParaRPr lang="zh-TW" altLang="en-US">
+                    <a:solidFill>
+                      <a:schemeClr val="tx1"/>
+                    </a:solidFill>
+                  </a:endParaRPr>
+                </a:p>
+              </p:txBody>
+            </p:sp>
+            <p:sp>
+              <p:nvSpPr>
+                <p:cNvPr id="68" name="局部圓 67">
+                  <a:extLst>
+                    <a:ext uri="{FF2B5EF4-FFF2-40B4-BE49-F238E27FC236}">
+                      <a16:creationId xmlns:a16="http://schemas.microsoft.com/office/drawing/2014/main" id="{519BA84D-266C-4C3B-BCD9-3F056E584A0D}"/>
+                    </a:ext>
+                  </a:extLst>
+                </p:cNvPr>
+                <p:cNvSpPr/>
+                <p:nvPr/>
+              </p:nvSpPr>
+              <p:spPr>
+                <a:xfrm flipH="1" flipV="1">
+                  <a:off x="6176398" y="1466014"/>
+                  <a:ext cx="144000" cy="144000"/>
+                </a:xfrm>
+                <a:prstGeom prst="pie">
+                  <a:avLst>
+                    <a:gd name="adj1" fmla="val 10720982"/>
+                    <a:gd name="adj2" fmla="val 16200000"/>
+                  </a:avLst>
+                </a:prstGeom>
+                <a:solidFill>
+                  <a:schemeClr val="tx1"/>
+                </a:solidFill>
+                <a:ln>
+                  <a:solidFill>
+                    <a:schemeClr val="tx1"/>
+                  </a:solidFill>
+                </a:ln>
+              </p:spPr>
+              <p:style>
+                <a:lnRef idx="2">
+                  <a:schemeClr val="accent1">
+                    <a:shade val="50000"/>
+                  </a:schemeClr>
+                </a:lnRef>
+                <a:fillRef idx="1">
+                  <a:schemeClr val="accent1"/>
+                </a:fillRef>
+                <a:effectRef idx="0">
+                  <a:schemeClr val="accent1"/>
+                </a:effectRef>
+                <a:fontRef idx="minor">
+                  <a:schemeClr val="lt1"/>
+                </a:fontRef>
+              </p:style>
+              <p:txBody>
+                <a:bodyPr rtlCol="0" anchor="ctr"/>
+                <a:lstStyle/>
+                <a:p>
+                  <a:pPr algn="ctr"/>
+                  <a:endParaRPr lang="zh-TW" altLang="en-US">
+                    <a:solidFill>
+                      <a:schemeClr val="tx1"/>
+                    </a:solidFill>
+                  </a:endParaRPr>
+                </a:p>
+              </p:txBody>
+            </p:sp>
+          </p:grpSp>
+          <p:sp>
+            <p:nvSpPr>
+              <p:cNvPr id="65" name="文字方塊 64">
+                <a:extLst>
+                  <a:ext uri="{FF2B5EF4-FFF2-40B4-BE49-F238E27FC236}">
+                    <a16:creationId xmlns:a16="http://schemas.microsoft.com/office/drawing/2014/main" id="{9E41A986-F3B8-4D48-BCF1-4E29FC319A86}"/>
+                  </a:ext>
+                </a:extLst>
+              </p:cNvPr>
+              <p:cNvSpPr txBox="1"/>
+              <p:nvPr/>
+            </p:nvSpPr>
+            <p:spPr>
+              <a:xfrm>
+                <a:off x="9730871" y="4177628"/>
+                <a:ext cx="3942830" cy="369332"/>
+              </a:xfrm>
+              <a:prstGeom prst="rect">
+                <a:avLst/>
+              </a:prstGeom>
+              <a:noFill/>
+            </p:spPr>
+            <p:txBody>
+              <a:bodyPr wrap="square" rtlCol="0">
+                <a:spAutoFit/>
+              </a:bodyPr>
+              <a:lstStyle/>
+              <a:p>
+                <a:r>
+                  <a:rPr lang="en-US" altLang="zh-TW" dirty="0"/>
+                  <a:t>: unknown intention moving object</a:t>
+                </a:r>
+                <a:endParaRPr lang="zh-TW" altLang="en-US" dirty="0"/>
+              </a:p>
+            </p:txBody>
+          </p:sp>
+        </p:grpSp>
+        <p:sp>
+          <p:nvSpPr>
+            <p:cNvPr id="69" name="流程圖: 匯合連接點 68">
+              <a:extLst>
+                <a:ext uri="{FF2B5EF4-FFF2-40B4-BE49-F238E27FC236}">
+                  <a16:creationId xmlns:a16="http://schemas.microsoft.com/office/drawing/2014/main" id="{0037D60C-0935-4500-A854-5C8C902FEBFA}"/>
+                </a:ext>
+              </a:extLst>
+            </p:cNvPr>
+            <p:cNvSpPr/>
+            <p:nvPr/>
+          </p:nvSpPr>
+          <p:spPr>
+            <a:xfrm>
+              <a:off x="6769584" y="3283555"/>
+              <a:ext cx="360000" cy="360000"/>
+            </a:xfrm>
+            <a:prstGeom prst="flowChartSummingJunction">
               <a:avLst/>
             </a:prstGeom>
             <a:solidFill>
-              <a:schemeClr val="bg1"/>
+              <a:srgbClr val="EA9A92"/>
             </a:solidFill>
-            <a:ln>
+            <a:ln w="19050">
               <a:solidFill>
-                <a:schemeClr val="tx1"/>
+                <a:srgbClr val="C00000"/>
               </a:solidFill>
             </a:ln>
           </p:spPr>
@@ -20434,128 +21274,6 @@
             <a:p>
               <a:pPr algn="ctr"/>
               <a:endParaRPr lang="zh-TW" altLang="en-US"/>
-            </a:p>
-          </p:txBody>
-        </p:sp>
-        <p:sp>
-          <p:nvSpPr>
-            <p:cNvPr id="45" name="局部圓 44">
-              <a:extLst>
-                <a:ext uri="{FF2B5EF4-FFF2-40B4-BE49-F238E27FC236}">
-                  <a16:creationId xmlns:a16="http://schemas.microsoft.com/office/drawing/2014/main" id="{7BD5271F-2CB5-4927-A0A2-86B6EE29211F}"/>
-                </a:ext>
-              </a:extLst>
-            </p:cNvPr>
-            <p:cNvSpPr/>
-            <p:nvPr/>
-          </p:nvSpPr>
-          <p:spPr>
-            <a:xfrm>
-              <a:off x="6176398" y="1466014"/>
-              <a:ext cx="144000" cy="144000"/>
-            </a:xfrm>
-            <a:prstGeom prst="pie">
-              <a:avLst>
-                <a:gd name="adj1" fmla="val 10720982"/>
-                <a:gd name="adj2" fmla="val 16200000"/>
-              </a:avLst>
-            </a:prstGeom>
-            <a:solidFill>
-              <a:schemeClr val="tx1"/>
-            </a:solidFill>
-            <a:ln>
-              <a:solidFill>
-                <a:schemeClr val="tx1"/>
-              </a:solidFill>
-            </a:ln>
-          </p:spPr>
-          <p:style>
-            <a:lnRef idx="2">
-              <a:schemeClr val="accent1">
-                <a:shade val="50000"/>
-              </a:schemeClr>
-            </a:lnRef>
-            <a:fillRef idx="1">
-              <a:schemeClr val="accent1"/>
-            </a:fillRef>
-            <a:effectRef idx="0">
-              <a:schemeClr val="accent1"/>
-            </a:effectRef>
-            <a:fontRef idx="minor">
-              <a:schemeClr val="lt1"/>
-            </a:fontRef>
-          </p:style>
-          <p:txBody>
-            <a:bodyPr rtlCol="0" anchor="ctr"/>
-            <a:lstStyle/>
-            <a:p>
-              <a:pPr algn="ctr"/>
-              <a:endParaRPr lang="zh-TW" altLang="en-US">
-                <a:solidFill>
-                  <a:schemeClr val="tx1"/>
-                </a:solidFill>
-              </a:endParaRPr>
-            </a:p>
-          </p:txBody>
-        </p:sp>
-        <p:sp>
-          <p:nvSpPr>
-            <p:cNvPr id="46" name="局部圓 45">
-              <a:extLst>
-                <a:ext uri="{FF2B5EF4-FFF2-40B4-BE49-F238E27FC236}">
-                  <a16:creationId xmlns:a16="http://schemas.microsoft.com/office/drawing/2014/main" id="{D45D4007-9E6C-4D59-9C3A-5FFE85ED2735}"/>
-                </a:ext>
-              </a:extLst>
-            </p:cNvPr>
-            <p:cNvSpPr/>
-            <p:nvPr/>
-          </p:nvSpPr>
-          <p:spPr>
-            <a:xfrm flipH="1" flipV="1">
-              <a:off x="6176398" y="1466014"/>
-              <a:ext cx="144000" cy="144000"/>
-            </a:xfrm>
-            <a:prstGeom prst="pie">
-              <a:avLst>
-                <a:gd name="adj1" fmla="val 10720982"/>
-                <a:gd name="adj2" fmla="val 16200000"/>
-              </a:avLst>
-            </a:prstGeom>
-            <a:solidFill>
-              <a:schemeClr val="tx1"/>
-            </a:solidFill>
-            <a:ln>
-              <a:solidFill>
-                <a:schemeClr val="tx1"/>
-              </a:solidFill>
-            </a:ln>
-          </p:spPr>
-          <p:style>
-            <a:lnRef idx="2">
-              <a:schemeClr val="accent1">
-                <a:shade val="50000"/>
-              </a:schemeClr>
-            </a:lnRef>
-            <a:fillRef idx="1">
-              <a:schemeClr val="accent1"/>
-            </a:fillRef>
-            <a:effectRef idx="0">
-              <a:schemeClr val="accent1"/>
-            </a:effectRef>
-            <a:fontRef idx="minor">
-              <a:schemeClr val="lt1"/>
-            </a:fontRef>
-          </p:style>
-          <p:txBody>
-            <a:bodyPr rtlCol="0" anchor="ctr"/>
-            <a:lstStyle/>
-            <a:p>
-              <a:pPr algn="ctr"/>
-              <a:endParaRPr lang="zh-TW" altLang="en-US">
-                <a:solidFill>
-                  <a:schemeClr val="tx1"/>
-                </a:solidFill>
-              </a:endParaRPr>
             </a:p>
           </p:txBody>
         </p:sp>

--- a/path_planing/VO_code_try/robot_properties3.pptx
+++ b/path_planing/VO_code_try/robot_properties3.pptx
@@ -26,6 +26,7 @@
     <p:sldId id="275" r:id="rId20"/>
     <p:sldId id="274" r:id="rId21"/>
     <p:sldId id="276" r:id="rId22"/>
+    <p:sldId id="277" r:id="rId23"/>
   </p:sldIdLst>
   <p:sldSz cx="12192000" cy="6858000"/>
   <p:notesSz cx="6858000" cy="9144000"/>
@@ -279,7 +280,7 @@
           <a:p>
             <a:fld id="{9CD1F5AD-FE1B-4540-B598-52220A64164D}" type="datetimeFigureOut">
               <a:rPr lang="zh-TW" altLang="en-US" smtClean="0"/>
-              <a:t>2024/12/11</a:t>
+              <a:t>2024/12/13</a:t>
             </a:fld>
             <a:endParaRPr lang="zh-TW" altLang="en-US"/>
           </a:p>
@@ -477,7 +478,7 @@
           <a:p>
             <a:fld id="{9CD1F5AD-FE1B-4540-B598-52220A64164D}" type="datetimeFigureOut">
               <a:rPr lang="zh-TW" altLang="en-US" smtClean="0"/>
-              <a:t>2024/12/11</a:t>
+              <a:t>2024/12/13</a:t>
             </a:fld>
             <a:endParaRPr lang="zh-TW" altLang="en-US"/>
           </a:p>
@@ -685,7 +686,7 @@
           <a:p>
             <a:fld id="{9CD1F5AD-FE1B-4540-B598-52220A64164D}" type="datetimeFigureOut">
               <a:rPr lang="zh-TW" altLang="en-US" smtClean="0"/>
-              <a:t>2024/12/11</a:t>
+              <a:t>2024/12/13</a:t>
             </a:fld>
             <a:endParaRPr lang="zh-TW" altLang="en-US"/>
           </a:p>
@@ -883,7 +884,7 @@
           <a:p>
             <a:fld id="{9CD1F5AD-FE1B-4540-B598-52220A64164D}" type="datetimeFigureOut">
               <a:rPr lang="zh-TW" altLang="en-US" smtClean="0"/>
-              <a:t>2024/12/11</a:t>
+              <a:t>2024/12/13</a:t>
             </a:fld>
             <a:endParaRPr lang="zh-TW" altLang="en-US"/>
           </a:p>
@@ -1158,7 +1159,7 @@
           <a:p>
             <a:fld id="{9CD1F5AD-FE1B-4540-B598-52220A64164D}" type="datetimeFigureOut">
               <a:rPr lang="zh-TW" altLang="en-US" smtClean="0"/>
-              <a:t>2024/12/11</a:t>
+              <a:t>2024/12/13</a:t>
             </a:fld>
             <a:endParaRPr lang="zh-TW" altLang="en-US"/>
           </a:p>
@@ -1423,7 +1424,7 @@
           <a:p>
             <a:fld id="{9CD1F5AD-FE1B-4540-B598-52220A64164D}" type="datetimeFigureOut">
               <a:rPr lang="zh-TW" altLang="en-US" smtClean="0"/>
-              <a:t>2024/12/11</a:t>
+              <a:t>2024/12/13</a:t>
             </a:fld>
             <a:endParaRPr lang="zh-TW" altLang="en-US"/>
           </a:p>
@@ -1835,7 +1836,7 @@
           <a:p>
             <a:fld id="{9CD1F5AD-FE1B-4540-B598-52220A64164D}" type="datetimeFigureOut">
               <a:rPr lang="zh-TW" altLang="en-US" smtClean="0"/>
-              <a:t>2024/12/11</a:t>
+              <a:t>2024/12/13</a:t>
             </a:fld>
             <a:endParaRPr lang="zh-TW" altLang="en-US"/>
           </a:p>
@@ -1976,7 +1977,7 @@
           <a:p>
             <a:fld id="{9CD1F5AD-FE1B-4540-B598-52220A64164D}" type="datetimeFigureOut">
               <a:rPr lang="zh-TW" altLang="en-US" smtClean="0"/>
-              <a:t>2024/12/11</a:t>
+              <a:t>2024/12/13</a:t>
             </a:fld>
             <a:endParaRPr lang="zh-TW" altLang="en-US"/>
           </a:p>
@@ -2089,7 +2090,7 @@
           <a:p>
             <a:fld id="{9CD1F5AD-FE1B-4540-B598-52220A64164D}" type="datetimeFigureOut">
               <a:rPr lang="zh-TW" altLang="en-US" smtClean="0"/>
-              <a:t>2024/12/11</a:t>
+              <a:t>2024/12/13</a:t>
             </a:fld>
             <a:endParaRPr lang="zh-TW" altLang="en-US"/>
           </a:p>
@@ -2400,7 +2401,7 @@
           <a:p>
             <a:fld id="{9CD1F5AD-FE1B-4540-B598-52220A64164D}" type="datetimeFigureOut">
               <a:rPr lang="zh-TW" altLang="en-US" smtClean="0"/>
-              <a:t>2024/12/11</a:t>
+              <a:t>2024/12/13</a:t>
             </a:fld>
             <a:endParaRPr lang="zh-TW" altLang="en-US"/>
           </a:p>
@@ -2688,7 +2689,7 @@
           <a:p>
             <a:fld id="{9CD1F5AD-FE1B-4540-B598-52220A64164D}" type="datetimeFigureOut">
               <a:rPr lang="zh-TW" altLang="en-US" smtClean="0"/>
-              <a:t>2024/12/11</a:t>
+              <a:t>2024/12/13</a:t>
             </a:fld>
             <a:endParaRPr lang="zh-TW" altLang="en-US"/>
           </a:p>
@@ -2929,7 +2930,7 @@
           <a:p>
             <a:fld id="{9CD1F5AD-FE1B-4540-B598-52220A64164D}" type="datetimeFigureOut">
               <a:rPr lang="zh-TW" altLang="en-US" smtClean="0"/>
-              <a:t>2024/12/11</a:t>
+              <a:t>2024/12/13</a:t>
             </a:fld>
             <a:endParaRPr lang="zh-TW" altLang="en-US"/>
           </a:p>
@@ -18856,12 +18857,15 @@
           </a:xfrm>
           <a:prstGeom prst="donut">
             <a:avLst>
-              <a:gd name="adj" fmla="val 34783"/>
+              <a:gd name="adj" fmla="val 33113"/>
             </a:avLst>
           </a:prstGeom>
-          <a:ln>
+          <a:ln w="57150">
             <a:solidFill>
-              <a:schemeClr val="tx1"/>
+              <a:schemeClr val="tx1">
+                <a:lumMod val="50000"/>
+                <a:lumOff val="50000"/>
+              </a:schemeClr>
             </a:solidFill>
           </a:ln>
         </p:spPr>
@@ -18891,6 +18895,62 @@
                 <a:schemeClr val="tx1"/>
               </a:solidFill>
             </a:endParaRPr>
+          </a:p>
+        </p:txBody>
+      </p:sp>
+      <p:sp>
+        <p:nvSpPr>
+          <p:cNvPr id="60" name="橢圓 59">
+            <a:extLst>
+              <a:ext uri="{FF2B5EF4-FFF2-40B4-BE49-F238E27FC236}">
+                <a16:creationId xmlns:a16="http://schemas.microsoft.com/office/drawing/2014/main" id="{F56CA431-411E-4CBF-A988-AC9DF4124F9E}"/>
+              </a:ext>
+            </a:extLst>
+          </p:cNvPr>
+          <p:cNvSpPr/>
+          <p:nvPr/>
+        </p:nvSpPr>
+        <p:spPr>
+          <a:xfrm>
+            <a:off x="1634248" y="1425514"/>
+            <a:ext cx="3780000" cy="3780000"/>
+          </a:xfrm>
+          <a:prstGeom prst="ellipse">
+            <a:avLst/>
+          </a:prstGeom>
+          <a:noFill/>
+          <a:ln w="38100">
+            <a:solidFill>
+              <a:schemeClr val="accent4">
+                <a:lumMod val="20000"/>
+                <a:lumOff val="80000"/>
+              </a:schemeClr>
+            </a:solidFill>
+            <a:prstDash val="dash"/>
+          </a:ln>
+        </p:spPr>
+        <p:style>
+          <a:lnRef idx="2">
+            <a:schemeClr val="accent1">
+              <a:shade val="50000"/>
+            </a:schemeClr>
+          </a:lnRef>
+          <a:fillRef idx="1">
+            <a:schemeClr val="accent1"/>
+          </a:fillRef>
+          <a:effectRef idx="0">
+            <a:schemeClr val="accent1"/>
+          </a:effectRef>
+          <a:fontRef idx="minor">
+            <a:schemeClr val="lt1"/>
+          </a:fontRef>
+        </p:style>
+        <p:txBody>
+          <a:bodyPr rtlCol="0" anchor="ctr"/>
+          <a:lstStyle/>
+          <a:p>
+            <a:pPr algn="ctr"/>
+            <a:endParaRPr lang="zh-TW" altLang="en-US"/>
           </a:p>
         </p:txBody>
       </p:sp>
@@ -21282,6 +21342,229 @@
     <p:extLst>
       <p:ext uri="{BB962C8B-B14F-4D97-AF65-F5344CB8AC3E}">
         <p14:creationId xmlns:p14="http://schemas.microsoft.com/office/powerpoint/2010/main" val="3056674335"/>
+      </p:ext>
+    </p:extLst>
+  </p:cSld>
+  <p:clrMapOvr>
+    <a:masterClrMapping/>
+  </p:clrMapOvr>
+</p:sld>
+</file>
+
+<file path=ppt/slides/slide22.xml><?xml version="1.0" encoding="utf-8"?>
+<p:sld xmlns:a="http://schemas.openxmlformats.org/drawingml/2006/main" xmlns:r="http://schemas.openxmlformats.org/officeDocument/2006/relationships" xmlns:p="http://schemas.openxmlformats.org/presentationml/2006/main">
+  <p:cSld>
+    <p:spTree>
+      <p:nvGrpSpPr>
+        <p:cNvPr id="1" name=""/>
+        <p:cNvGrpSpPr/>
+        <p:nvPr/>
+      </p:nvGrpSpPr>
+      <p:grpSpPr>
+        <a:xfrm>
+          <a:off x="0" y="0"/>
+          <a:ext cx="0" cy="0"/>
+          <a:chOff x="0" y="0"/>
+          <a:chExt cx="0" cy="0"/>
+        </a:xfrm>
+      </p:grpSpPr>
+      <p:sp>
+        <p:nvSpPr>
+          <p:cNvPr id="4" name="橢圓 3">
+            <a:extLst>
+              <a:ext uri="{FF2B5EF4-FFF2-40B4-BE49-F238E27FC236}">
+                <a16:creationId xmlns:a16="http://schemas.microsoft.com/office/drawing/2014/main" id="{0C5C2298-18B1-4430-8D87-5FF67A3FB8F9}"/>
+              </a:ext>
+            </a:extLst>
+          </p:cNvPr>
+          <p:cNvSpPr/>
+          <p:nvPr/>
+        </p:nvSpPr>
+        <p:spPr>
+          <a:xfrm>
+            <a:off x="769553" y="1157720"/>
+            <a:ext cx="4576169" cy="4835118"/>
+          </a:xfrm>
+          <a:prstGeom prst="ellipse">
+            <a:avLst/>
+          </a:prstGeom>
+        </p:spPr>
+        <p:style>
+          <a:lnRef idx="2">
+            <a:schemeClr val="accent1">
+              <a:shade val="50000"/>
+            </a:schemeClr>
+          </a:lnRef>
+          <a:fillRef idx="1">
+            <a:schemeClr val="accent1"/>
+          </a:fillRef>
+          <a:effectRef idx="0">
+            <a:schemeClr val="accent1"/>
+          </a:effectRef>
+          <a:fontRef idx="minor">
+            <a:schemeClr val="lt1"/>
+          </a:fontRef>
+        </p:style>
+        <p:txBody>
+          <a:bodyPr rtlCol="0" anchor="ctr"/>
+          <a:lstStyle/>
+          <a:p>
+            <a:pPr algn="ctr"/>
+            <a:endParaRPr lang="zh-TW" altLang="en-US"/>
+          </a:p>
+        </p:txBody>
+      </p:sp>
+      <p:sp>
+        <p:nvSpPr>
+          <p:cNvPr id="5" name="矩形: 圓角 4">
+            <a:extLst>
+              <a:ext uri="{FF2B5EF4-FFF2-40B4-BE49-F238E27FC236}">
+                <a16:creationId xmlns:a16="http://schemas.microsoft.com/office/drawing/2014/main" id="{88043479-07C5-4710-99BE-08C6215CDCCC}"/>
+              </a:ext>
+            </a:extLst>
+          </p:cNvPr>
+          <p:cNvSpPr/>
+          <p:nvPr/>
+        </p:nvSpPr>
+        <p:spPr>
+          <a:xfrm>
+            <a:off x="1997612" y="1800664"/>
+            <a:ext cx="1209822" cy="548640"/>
+          </a:xfrm>
+          <a:prstGeom prst="roundRect">
+            <a:avLst/>
+          </a:prstGeom>
+        </p:spPr>
+        <p:style>
+          <a:lnRef idx="2">
+            <a:schemeClr val="accent1">
+              <a:shade val="50000"/>
+            </a:schemeClr>
+          </a:lnRef>
+          <a:fillRef idx="1">
+            <a:schemeClr val="accent1"/>
+          </a:fillRef>
+          <a:effectRef idx="0">
+            <a:schemeClr val="accent1"/>
+          </a:effectRef>
+          <a:fontRef idx="minor">
+            <a:schemeClr val="lt1"/>
+          </a:fontRef>
+        </p:style>
+        <p:txBody>
+          <a:bodyPr rtlCol="0" anchor="ctr"/>
+          <a:lstStyle/>
+          <a:p>
+            <a:pPr algn="ctr"/>
+            <a:r>
+              <a:rPr lang="zh-TW" altLang="en-US" dirty="0"/>
+              <a:t>彼此</a:t>
+            </a:r>
+          </a:p>
+        </p:txBody>
+      </p:sp>
+      <p:sp>
+        <p:nvSpPr>
+          <p:cNvPr id="6" name="矩形: 圓角 5">
+            <a:extLst>
+              <a:ext uri="{FF2B5EF4-FFF2-40B4-BE49-F238E27FC236}">
+                <a16:creationId xmlns:a16="http://schemas.microsoft.com/office/drawing/2014/main" id="{3FA6C9B1-F7B7-40D3-9AC2-40EE8EEE627B}"/>
+              </a:ext>
+            </a:extLst>
+          </p:cNvPr>
+          <p:cNvSpPr/>
+          <p:nvPr/>
+        </p:nvSpPr>
+        <p:spPr>
+          <a:xfrm>
+            <a:off x="1392701" y="2510430"/>
+            <a:ext cx="1209822" cy="548640"/>
+          </a:xfrm>
+          <a:prstGeom prst="roundRect">
+            <a:avLst/>
+          </a:prstGeom>
+        </p:spPr>
+        <p:style>
+          <a:lnRef idx="2">
+            <a:schemeClr val="accent1">
+              <a:shade val="50000"/>
+            </a:schemeClr>
+          </a:lnRef>
+          <a:fillRef idx="1">
+            <a:schemeClr val="accent1"/>
+          </a:fillRef>
+          <a:effectRef idx="0">
+            <a:schemeClr val="accent1"/>
+          </a:effectRef>
+          <a:fontRef idx="minor">
+            <a:schemeClr val="lt1"/>
+          </a:fontRef>
+        </p:style>
+        <p:txBody>
+          <a:bodyPr rtlCol="0" anchor="ctr"/>
+          <a:lstStyle/>
+          <a:p>
+            <a:pPr algn="ctr"/>
+            <a:r>
+              <a:rPr lang="zh-TW" altLang="en-US" dirty="0"/>
+              <a:t>合作</a:t>
+            </a:r>
+          </a:p>
+        </p:txBody>
+      </p:sp>
+      <p:sp>
+        <p:nvSpPr>
+          <p:cNvPr id="7" name="矩形: 圓角 6">
+            <a:extLst>
+              <a:ext uri="{FF2B5EF4-FFF2-40B4-BE49-F238E27FC236}">
+                <a16:creationId xmlns:a16="http://schemas.microsoft.com/office/drawing/2014/main" id="{7F21A505-4F75-4FAE-A332-0590F3552521}"/>
+              </a:ext>
+            </a:extLst>
+          </p:cNvPr>
+          <p:cNvSpPr/>
+          <p:nvPr/>
+        </p:nvSpPr>
+        <p:spPr>
+          <a:xfrm>
+            <a:off x="2867464" y="2992248"/>
+            <a:ext cx="1209822" cy="548640"/>
+          </a:xfrm>
+          <a:prstGeom prst="roundRect">
+            <a:avLst/>
+          </a:prstGeom>
+        </p:spPr>
+        <p:style>
+          <a:lnRef idx="2">
+            <a:schemeClr val="accent1">
+              <a:shade val="50000"/>
+            </a:schemeClr>
+          </a:lnRef>
+          <a:fillRef idx="1">
+            <a:schemeClr val="accent1"/>
+          </a:fillRef>
+          <a:effectRef idx="0">
+            <a:schemeClr val="accent1"/>
+          </a:effectRef>
+          <a:fontRef idx="minor">
+            <a:schemeClr val="lt1"/>
+          </a:fontRef>
+        </p:style>
+        <p:txBody>
+          <a:bodyPr rtlCol="0" anchor="ctr"/>
+          <a:lstStyle/>
+          <a:p>
+            <a:pPr algn="ctr"/>
+            <a:r>
+              <a:rPr lang="zh-TW" altLang="en-US" dirty="0"/>
+              <a:t>彼此</a:t>
+            </a:r>
+          </a:p>
+        </p:txBody>
+      </p:sp>
+    </p:spTree>
+    <p:extLst>
+      <p:ext uri="{BB962C8B-B14F-4D97-AF65-F5344CB8AC3E}">
+        <p14:creationId xmlns:p14="http://schemas.microsoft.com/office/powerpoint/2010/main" val="2799705022"/>
       </p:ext>
     </p:extLst>
   </p:cSld>

--- a/path_planing/VO_code_try/robot_properties3.pptx
+++ b/path_planing/VO_code_try/robot_properties3.pptx
@@ -27,6 +27,8 @@
     <p:sldId id="274" r:id="rId21"/>
     <p:sldId id="276" r:id="rId22"/>
     <p:sldId id="277" r:id="rId23"/>
+    <p:sldId id="278" r:id="rId24"/>
+    <p:sldId id="279" r:id="rId25"/>
   </p:sldIdLst>
   <p:sldSz cx="12192000" cy="6858000"/>
   <p:notesSz cx="6858000" cy="9144000"/>
@@ -280,7 +282,7 @@
           <a:p>
             <a:fld id="{9CD1F5AD-FE1B-4540-B598-52220A64164D}" type="datetimeFigureOut">
               <a:rPr lang="zh-TW" altLang="en-US" smtClean="0"/>
-              <a:t>2024/12/13</a:t>
+              <a:t>2024/12/16</a:t>
             </a:fld>
             <a:endParaRPr lang="zh-TW" altLang="en-US"/>
           </a:p>
@@ -478,7 +480,7 @@
           <a:p>
             <a:fld id="{9CD1F5AD-FE1B-4540-B598-52220A64164D}" type="datetimeFigureOut">
               <a:rPr lang="zh-TW" altLang="en-US" smtClean="0"/>
-              <a:t>2024/12/13</a:t>
+              <a:t>2024/12/16</a:t>
             </a:fld>
             <a:endParaRPr lang="zh-TW" altLang="en-US"/>
           </a:p>
@@ -686,7 +688,7 @@
           <a:p>
             <a:fld id="{9CD1F5AD-FE1B-4540-B598-52220A64164D}" type="datetimeFigureOut">
               <a:rPr lang="zh-TW" altLang="en-US" smtClean="0"/>
-              <a:t>2024/12/13</a:t>
+              <a:t>2024/12/16</a:t>
             </a:fld>
             <a:endParaRPr lang="zh-TW" altLang="en-US"/>
           </a:p>
@@ -884,7 +886,7 @@
           <a:p>
             <a:fld id="{9CD1F5AD-FE1B-4540-B598-52220A64164D}" type="datetimeFigureOut">
               <a:rPr lang="zh-TW" altLang="en-US" smtClean="0"/>
-              <a:t>2024/12/13</a:t>
+              <a:t>2024/12/16</a:t>
             </a:fld>
             <a:endParaRPr lang="zh-TW" altLang="en-US"/>
           </a:p>
@@ -1159,7 +1161,7 @@
           <a:p>
             <a:fld id="{9CD1F5AD-FE1B-4540-B598-52220A64164D}" type="datetimeFigureOut">
               <a:rPr lang="zh-TW" altLang="en-US" smtClean="0"/>
-              <a:t>2024/12/13</a:t>
+              <a:t>2024/12/16</a:t>
             </a:fld>
             <a:endParaRPr lang="zh-TW" altLang="en-US"/>
           </a:p>
@@ -1424,7 +1426,7 @@
           <a:p>
             <a:fld id="{9CD1F5AD-FE1B-4540-B598-52220A64164D}" type="datetimeFigureOut">
               <a:rPr lang="zh-TW" altLang="en-US" smtClean="0"/>
-              <a:t>2024/12/13</a:t>
+              <a:t>2024/12/16</a:t>
             </a:fld>
             <a:endParaRPr lang="zh-TW" altLang="en-US"/>
           </a:p>
@@ -1836,7 +1838,7 @@
           <a:p>
             <a:fld id="{9CD1F5AD-FE1B-4540-B598-52220A64164D}" type="datetimeFigureOut">
               <a:rPr lang="zh-TW" altLang="en-US" smtClean="0"/>
-              <a:t>2024/12/13</a:t>
+              <a:t>2024/12/16</a:t>
             </a:fld>
             <a:endParaRPr lang="zh-TW" altLang="en-US"/>
           </a:p>
@@ -1977,7 +1979,7 @@
           <a:p>
             <a:fld id="{9CD1F5AD-FE1B-4540-B598-52220A64164D}" type="datetimeFigureOut">
               <a:rPr lang="zh-TW" altLang="en-US" smtClean="0"/>
-              <a:t>2024/12/13</a:t>
+              <a:t>2024/12/16</a:t>
             </a:fld>
             <a:endParaRPr lang="zh-TW" altLang="en-US"/>
           </a:p>
@@ -2090,7 +2092,7 @@
           <a:p>
             <a:fld id="{9CD1F5AD-FE1B-4540-B598-52220A64164D}" type="datetimeFigureOut">
               <a:rPr lang="zh-TW" altLang="en-US" smtClean="0"/>
-              <a:t>2024/12/13</a:t>
+              <a:t>2024/12/16</a:t>
             </a:fld>
             <a:endParaRPr lang="zh-TW" altLang="en-US"/>
           </a:p>
@@ -2401,7 +2403,7 @@
           <a:p>
             <a:fld id="{9CD1F5AD-FE1B-4540-B598-52220A64164D}" type="datetimeFigureOut">
               <a:rPr lang="zh-TW" altLang="en-US" smtClean="0"/>
-              <a:t>2024/12/13</a:t>
+              <a:t>2024/12/16</a:t>
             </a:fld>
             <a:endParaRPr lang="zh-TW" altLang="en-US"/>
           </a:p>
@@ -2689,7 +2691,7 @@
           <a:p>
             <a:fld id="{9CD1F5AD-FE1B-4540-B598-52220A64164D}" type="datetimeFigureOut">
               <a:rPr lang="zh-TW" altLang="en-US" smtClean="0"/>
-              <a:t>2024/12/13</a:t>
+              <a:t>2024/12/16</a:t>
             </a:fld>
             <a:endParaRPr lang="zh-TW" altLang="en-US"/>
           </a:p>
@@ -2930,7 +2932,7 @@
           <a:p>
             <a:fld id="{9CD1F5AD-FE1B-4540-B598-52220A64164D}" type="datetimeFigureOut">
               <a:rPr lang="zh-TW" altLang="en-US" smtClean="0"/>
-              <a:t>2024/12/13</a:t>
+              <a:t>2024/12/16</a:t>
             </a:fld>
             <a:endParaRPr lang="zh-TW" altLang="en-US"/>
           </a:p>
@@ -21368,12 +21370,243 @@
           <a:chExt cx="0" cy="0"/>
         </a:xfrm>
       </p:grpSpPr>
+      <p:cxnSp>
+        <p:nvCxnSpPr>
+          <p:cNvPr id="140" name="直線接點 139">
+            <a:extLst>
+              <a:ext uri="{FF2B5EF4-FFF2-40B4-BE49-F238E27FC236}">
+                <a16:creationId xmlns:a16="http://schemas.microsoft.com/office/drawing/2014/main" id="{E9892440-764D-49A3-B8F8-E8B6903C60B8}"/>
+              </a:ext>
+            </a:extLst>
+          </p:cNvPr>
+          <p:cNvCxnSpPr>
+            <a:cxnSpLocks/>
+          </p:cNvCxnSpPr>
+          <p:nvPr/>
+        </p:nvCxnSpPr>
+        <p:spPr>
+          <a:xfrm flipV="1">
+            <a:off x="4179995" y="2641554"/>
+            <a:ext cx="5620280" cy="5273939"/>
+          </a:xfrm>
+          <a:prstGeom prst="line">
+            <a:avLst/>
+          </a:prstGeom>
+          <a:ln>
+            <a:solidFill>
+              <a:schemeClr val="tx1">
+                <a:lumMod val="65000"/>
+                <a:lumOff val="35000"/>
+              </a:schemeClr>
+            </a:solidFill>
+            <a:prstDash val="lgDashDot"/>
+          </a:ln>
+        </p:spPr>
+        <p:style>
+          <a:lnRef idx="1">
+            <a:schemeClr val="accent1"/>
+          </a:lnRef>
+          <a:fillRef idx="0">
+            <a:schemeClr val="accent1"/>
+          </a:fillRef>
+          <a:effectRef idx="0">
+            <a:schemeClr val="accent1"/>
+          </a:effectRef>
+          <a:fontRef idx="minor">
+            <a:schemeClr val="tx1"/>
+          </a:fontRef>
+        </p:style>
+      </p:cxnSp>
+      <p:cxnSp>
+        <p:nvCxnSpPr>
+          <p:cNvPr id="136" name="直線接點 135">
+            <a:extLst>
+              <a:ext uri="{FF2B5EF4-FFF2-40B4-BE49-F238E27FC236}">
+                <a16:creationId xmlns:a16="http://schemas.microsoft.com/office/drawing/2014/main" id="{58AF5D3A-7DE4-485C-BD16-9D8579B17386}"/>
+              </a:ext>
+            </a:extLst>
+          </p:cNvPr>
+          <p:cNvCxnSpPr>
+            <a:cxnSpLocks/>
+          </p:cNvCxnSpPr>
+          <p:nvPr/>
+        </p:nvCxnSpPr>
+        <p:spPr>
+          <a:xfrm flipH="1">
+            <a:off x="5328738" y="1573958"/>
+            <a:ext cx="3977217" cy="5245364"/>
+          </a:xfrm>
+          <a:prstGeom prst="line">
+            <a:avLst/>
+          </a:prstGeom>
+          <a:ln w="19050">
+            <a:solidFill>
+              <a:schemeClr val="bg1">
+                <a:lumMod val="75000"/>
+              </a:schemeClr>
+            </a:solidFill>
+            <a:prstDash val="sysDash"/>
+          </a:ln>
+        </p:spPr>
+        <p:style>
+          <a:lnRef idx="1">
+            <a:schemeClr val="accent1"/>
+          </a:lnRef>
+          <a:fillRef idx="0">
+            <a:schemeClr val="accent1"/>
+          </a:fillRef>
+          <a:effectRef idx="0">
+            <a:schemeClr val="accent1"/>
+          </a:effectRef>
+          <a:fontRef idx="minor">
+            <a:schemeClr val="tx1"/>
+          </a:fontRef>
+        </p:style>
+      </p:cxnSp>
+      <p:cxnSp>
+        <p:nvCxnSpPr>
+          <p:cNvPr id="137" name="直線接點 136">
+            <a:extLst>
+              <a:ext uri="{FF2B5EF4-FFF2-40B4-BE49-F238E27FC236}">
+                <a16:creationId xmlns:a16="http://schemas.microsoft.com/office/drawing/2014/main" id="{9EC09AA1-1223-425E-A91E-EE768C0097F2}"/>
+              </a:ext>
+            </a:extLst>
+          </p:cNvPr>
+          <p:cNvCxnSpPr>
+            <a:cxnSpLocks/>
+          </p:cNvCxnSpPr>
+          <p:nvPr/>
+        </p:nvCxnSpPr>
+        <p:spPr>
+          <a:xfrm flipV="1">
+            <a:off x="5328738" y="2995564"/>
+            <a:ext cx="5767917" cy="3832225"/>
+          </a:xfrm>
+          <a:prstGeom prst="line">
+            <a:avLst/>
+          </a:prstGeom>
+          <a:ln w="19050">
+            <a:solidFill>
+              <a:schemeClr val="bg1">
+                <a:lumMod val="75000"/>
+              </a:schemeClr>
+            </a:solidFill>
+            <a:prstDash val="sysDash"/>
+          </a:ln>
+        </p:spPr>
+        <p:style>
+          <a:lnRef idx="1">
+            <a:schemeClr val="accent1"/>
+          </a:lnRef>
+          <a:fillRef idx="0">
+            <a:schemeClr val="accent1"/>
+          </a:fillRef>
+          <a:effectRef idx="0">
+            <a:schemeClr val="accent1"/>
+          </a:effectRef>
+          <a:fontRef idx="minor">
+            <a:schemeClr val="tx1"/>
+          </a:fontRef>
+        </p:style>
+      </p:cxnSp>
+      <p:cxnSp>
+        <p:nvCxnSpPr>
+          <p:cNvPr id="138" name="直線接點 137">
+            <a:extLst>
+              <a:ext uri="{FF2B5EF4-FFF2-40B4-BE49-F238E27FC236}">
+                <a16:creationId xmlns:a16="http://schemas.microsoft.com/office/drawing/2014/main" id="{72BDC286-EF27-4774-A630-A3F8798664AB}"/>
+              </a:ext>
+            </a:extLst>
+          </p:cNvPr>
+          <p:cNvCxnSpPr>
+            <a:cxnSpLocks/>
+          </p:cNvCxnSpPr>
+          <p:nvPr/>
+        </p:nvCxnSpPr>
+        <p:spPr>
+          <a:xfrm flipH="1">
+            <a:off x="4188810" y="2670129"/>
+            <a:ext cx="3977217" cy="5245364"/>
+          </a:xfrm>
+          <a:prstGeom prst="line">
+            <a:avLst/>
+          </a:prstGeom>
+          <a:ln w="19050">
+            <a:solidFill>
+              <a:schemeClr val="bg1">
+                <a:lumMod val="75000"/>
+              </a:schemeClr>
+            </a:solidFill>
+            <a:prstDash val="sysDash"/>
+          </a:ln>
+        </p:spPr>
+        <p:style>
+          <a:lnRef idx="1">
+            <a:schemeClr val="accent1"/>
+          </a:lnRef>
+          <a:fillRef idx="0">
+            <a:schemeClr val="accent1"/>
+          </a:fillRef>
+          <a:effectRef idx="0">
+            <a:schemeClr val="accent1"/>
+          </a:effectRef>
+          <a:fontRef idx="minor">
+            <a:schemeClr val="tx1"/>
+          </a:fontRef>
+        </p:style>
+      </p:cxnSp>
+      <p:cxnSp>
+        <p:nvCxnSpPr>
+          <p:cNvPr id="139" name="直線接點 138">
+            <a:extLst>
+              <a:ext uri="{FF2B5EF4-FFF2-40B4-BE49-F238E27FC236}">
+                <a16:creationId xmlns:a16="http://schemas.microsoft.com/office/drawing/2014/main" id="{7F3D1172-708E-41A4-9CC8-089211A68636}"/>
+              </a:ext>
+            </a:extLst>
+          </p:cNvPr>
+          <p:cNvCxnSpPr>
+            <a:cxnSpLocks/>
+          </p:cNvCxnSpPr>
+          <p:nvPr/>
+        </p:nvCxnSpPr>
+        <p:spPr>
+          <a:xfrm flipV="1">
+            <a:off x="4188810" y="4091735"/>
+            <a:ext cx="5767917" cy="3832225"/>
+          </a:xfrm>
+          <a:prstGeom prst="line">
+            <a:avLst/>
+          </a:prstGeom>
+          <a:ln w="19050">
+            <a:solidFill>
+              <a:schemeClr val="bg1">
+                <a:lumMod val="75000"/>
+              </a:schemeClr>
+            </a:solidFill>
+            <a:prstDash val="sysDash"/>
+          </a:ln>
+        </p:spPr>
+        <p:style>
+          <a:lnRef idx="1">
+            <a:schemeClr val="accent1"/>
+          </a:lnRef>
+          <a:fillRef idx="0">
+            <a:schemeClr val="accent1"/>
+          </a:fillRef>
+          <a:effectRef idx="0">
+            <a:schemeClr val="accent1"/>
+          </a:effectRef>
+          <a:fontRef idx="minor">
+            <a:schemeClr val="tx1"/>
+          </a:fontRef>
+        </p:style>
+      </p:cxnSp>
       <p:sp>
         <p:nvSpPr>
-          <p:cNvPr id="4" name="橢圓 3">
+          <p:cNvPr id="134" name="矩形 133">
             <a:extLst>
               <a:ext uri="{FF2B5EF4-FFF2-40B4-BE49-F238E27FC236}">
-                <a16:creationId xmlns:a16="http://schemas.microsoft.com/office/drawing/2014/main" id="{0C5C2298-18B1-4430-8D87-5FF67A3FB8F9}"/>
+                <a16:creationId xmlns:a16="http://schemas.microsoft.com/office/drawing/2014/main" id="{CF9667B6-4936-44CE-AEED-5FCF6ED76F1F}"/>
               </a:ext>
             </a:extLst>
           </p:cNvPr>
@@ -21381,13 +21614,22 @@
           <p:nvPr/>
         </p:nvSpPr>
         <p:spPr>
-          <a:xfrm>
-            <a:off x="769553" y="1157720"/>
-            <a:ext cx="4576169" cy="4835118"/>
+          <a:xfrm rot="20550340">
+            <a:off x="6990925" y="2584700"/>
+            <a:ext cx="134687" cy="4348096"/>
           </a:xfrm>
-          <a:prstGeom prst="ellipse">
+          <a:prstGeom prst="rect">
             <a:avLst/>
           </a:prstGeom>
+          <a:solidFill>
+            <a:schemeClr val="accent2">
+              <a:lumMod val="20000"/>
+              <a:lumOff val="80000"/>
+            </a:schemeClr>
+          </a:solidFill>
+          <a:ln>
+            <a:noFill/>
+          </a:ln>
         </p:spPr>
         <p:style>
           <a:lnRef idx="2">
@@ -21414,12 +21656,728 @@
           </a:p>
         </p:txBody>
       </p:sp>
+      <p:grpSp>
+        <p:nvGrpSpPr>
+          <p:cNvPr id="113" name="群組 112">
+            <a:extLst>
+              <a:ext uri="{FF2B5EF4-FFF2-40B4-BE49-F238E27FC236}">
+                <a16:creationId xmlns:a16="http://schemas.microsoft.com/office/drawing/2014/main" id="{85F9B284-262E-495A-A3CE-1C4C9AD7A229}"/>
+              </a:ext>
+            </a:extLst>
+          </p:cNvPr>
+          <p:cNvGrpSpPr/>
+          <p:nvPr/>
+        </p:nvGrpSpPr>
+        <p:grpSpPr>
+          <a:xfrm>
+            <a:off x="7569852" y="1528409"/>
+            <a:ext cx="3451093" cy="3453519"/>
+            <a:chOff x="2871789" y="156869"/>
+            <a:chExt cx="3451093" cy="3453519"/>
+          </a:xfrm>
+        </p:grpSpPr>
+        <p:sp>
+          <p:nvSpPr>
+            <p:cNvPr id="114" name="等腰三角形 113">
+              <a:extLst>
+                <a:ext uri="{FF2B5EF4-FFF2-40B4-BE49-F238E27FC236}">
+                  <a16:creationId xmlns:a16="http://schemas.microsoft.com/office/drawing/2014/main" id="{C5526DA6-4EFA-475F-B981-798D0428E115}"/>
+                </a:ext>
+              </a:extLst>
+            </p:cNvPr>
+            <p:cNvSpPr/>
+            <p:nvPr/>
+          </p:nvSpPr>
+          <p:spPr>
+            <a:xfrm rot="13739862">
+              <a:off x="4077323" y="704685"/>
+              <a:ext cx="1141103" cy="3350015"/>
+            </a:xfrm>
+            <a:prstGeom prst="triangle">
+              <a:avLst>
+                <a:gd name="adj" fmla="val 38895"/>
+              </a:avLst>
+            </a:prstGeom>
+            <a:solidFill>
+              <a:srgbClr val="00FFFF">
+                <a:alpha val="69804"/>
+              </a:srgbClr>
+            </a:solidFill>
+            <a:ln>
+              <a:noFill/>
+            </a:ln>
+          </p:spPr>
+          <p:style>
+            <a:lnRef idx="2">
+              <a:schemeClr val="accent1">
+                <a:shade val="50000"/>
+              </a:schemeClr>
+            </a:lnRef>
+            <a:fillRef idx="1">
+              <a:schemeClr val="accent1"/>
+            </a:fillRef>
+            <a:effectRef idx="0">
+              <a:schemeClr val="accent1"/>
+            </a:effectRef>
+            <a:fontRef idx="minor">
+              <a:schemeClr val="lt1"/>
+            </a:fontRef>
+          </p:style>
+          <p:txBody>
+            <a:bodyPr rtlCol="0" anchor="ctr"/>
+            <a:lstStyle/>
+            <a:p>
+              <a:pPr algn="ctr"/>
+              <a:endParaRPr lang="zh-TW" altLang="en-US"/>
+            </a:p>
+          </p:txBody>
+        </p:sp>
+        <p:sp>
+          <p:nvSpPr>
+            <p:cNvPr id="115" name="等腰三角形 114">
+              <a:extLst>
+                <a:ext uri="{FF2B5EF4-FFF2-40B4-BE49-F238E27FC236}">
+                  <a16:creationId xmlns:a16="http://schemas.microsoft.com/office/drawing/2014/main" id="{7002FF8A-BDA6-4ECE-B9F4-B01C84E34379}"/>
+                </a:ext>
+              </a:extLst>
+            </p:cNvPr>
+            <p:cNvSpPr/>
+            <p:nvPr/>
+          </p:nvSpPr>
+          <p:spPr>
+            <a:xfrm rot="13023998">
+              <a:off x="2871789" y="3399064"/>
+              <a:ext cx="580544" cy="198119"/>
+            </a:xfrm>
+            <a:prstGeom prst="triangle">
+              <a:avLst>
+                <a:gd name="adj" fmla="val 11445"/>
+              </a:avLst>
+            </a:prstGeom>
+            <a:solidFill>
+              <a:srgbClr val="00FFFF">
+                <a:alpha val="69804"/>
+              </a:srgbClr>
+            </a:solidFill>
+            <a:ln>
+              <a:noFill/>
+            </a:ln>
+          </p:spPr>
+          <p:style>
+            <a:lnRef idx="2">
+              <a:schemeClr val="accent1">
+                <a:shade val="50000"/>
+              </a:schemeClr>
+            </a:lnRef>
+            <a:fillRef idx="1">
+              <a:schemeClr val="accent1"/>
+            </a:fillRef>
+            <a:effectRef idx="0">
+              <a:schemeClr val="accent1"/>
+            </a:effectRef>
+            <a:fontRef idx="minor">
+              <a:schemeClr val="lt1"/>
+            </a:fontRef>
+          </p:style>
+          <p:txBody>
+            <a:bodyPr rtlCol="0" anchor="ctr"/>
+            <a:lstStyle/>
+            <a:p>
+              <a:pPr algn="ctr"/>
+              <a:endParaRPr lang="zh-TW" altLang="en-US"/>
+            </a:p>
+          </p:txBody>
+        </p:sp>
+        <p:sp>
+          <p:nvSpPr>
+            <p:cNvPr id="116" name="矩形 115">
+              <a:extLst>
+                <a:ext uri="{FF2B5EF4-FFF2-40B4-BE49-F238E27FC236}">
+                  <a16:creationId xmlns:a16="http://schemas.microsoft.com/office/drawing/2014/main" id="{6212659C-624D-4B66-84AB-CEB63F916F65}"/>
+                </a:ext>
+              </a:extLst>
+            </p:cNvPr>
+            <p:cNvSpPr/>
+            <p:nvPr/>
+          </p:nvSpPr>
+          <p:spPr>
+            <a:xfrm rot="18427415">
+              <a:off x="2322824" y="1316311"/>
+              <a:ext cx="3453519" cy="1134635"/>
+            </a:xfrm>
+            <a:prstGeom prst="rect">
+              <a:avLst/>
+            </a:prstGeom>
+            <a:solidFill>
+              <a:srgbClr val="00FFFF">
+                <a:alpha val="69804"/>
+              </a:srgbClr>
+            </a:solidFill>
+            <a:ln>
+              <a:noFill/>
+            </a:ln>
+          </p:spPr>
+          <p:style>
+            <a:lnRef idx="2">
+              <a:schemeClr val="accent1">
+                <a:shade val="50000"/>
+              </a:schemeClr>
+            </a:lnRef>
+            <a:fillRef idx="1">
+              <a:schemeClr val="accent1"/>
+            </a:fillRef>
+            <a:effectRef idx="0">
+              <a:schemeClr val="accent1"/>
+            </a:effectRef>
+            <a:fontRef idx="minor">
+              <a:schemeClr val="lt1"/>
+            </a:fontRef>
+          </p:style>
+          <p:txBody>
+            <a:bodyPr rtlCol="0" anchor="ctr"/>
+            <a:lstStyle/>
+            <a:p>
+              <a:pPr algn="ctr"/>
+              <a:endParaRPr lang="zh-TW" altLang="en-US"/>
+            </a:p>
+          </p:txBody>
+        </p:sp>
+      </p:grpSp>
+      <p:grpSp>
+        <p:nvGrpSpPr>
+          <p:cNvPr id="112" name="群組 111">
+            <a:extLst>
+              <a:ext uri="{FF2B5EF4-FFF2-40B4-BE49-F238E27FC236}">
+                <a16:creationId xmlns:a16="http://schemas.microsoft.com/office/drawing/2014/main" id="{29612475-81A2-44AB-9C0A-CC31FB6C79BE}"/>
+              </a:ext>
+            </a:extLst>
+          </p:cNvPr>
+          <p:cNvGrpSpPr/>
+          <p:nvPr/>
+        </p:nvGrpSpPr>
+        <p:grpSpPr>
+          <a:xfrm>
+            <a:off x="2871789" y="156869"/>
+            <a:ext cx="3451093" cy="3453519"/>
+            <a:chOff x="2871789" y="156869"/>
+            <a:chExt cx="3451093" cy="3453519"/>
+          </a:xfrm>
+        </p:grpSpPr>
+        <p:sp>
+          <p:nvSpPr>
+            <p:cNvPr id="98" name="等腰三角形 97">
+              <a:extLst>
+                <a:ext uri="{FF2B5EF4-FFF2-40B4-BE49-F238E27FC236}">
+                  <a16:creationId xmlns:a16="http://schemas.microsoft.com/office/drawing/2014/main" id="{AD46DBFB-8ECA-4023-B71C-867182850B4D}"/>
+                </a:ext>
+              </a:extLst>
+            </p:cNvPr>
+            <p:cNvSpPr/>
+            <p:nvPr/>
+          </p:nvSpPr>
+          <p:spPr>
+            <a:xfrm rot="13739862">
+              <a:off x="4077323" y="704685"/>
+              <a:ext cx="1141103" cy="3350015"/>
+            </a:xfrm>
+            <a:prstGeom prst="triangle">
+              <a:avLst>
+                <a:gd name="adj" fmla="val 38895"/>
+              </a:avLst>
+            </a:prstGeom>
+            <a:solidFill>
+              <a:srgbClr val="00FFFF">
+                <a:alpha val="69804"/>
+              </a:srgbClr>
+            </a:solidFill>
+            <a:ln>
+              <a:noFill/>
+            </a:ln>
+          </p:spPr>
+          <p:style>
+            <a:lnRef idx="2">
+              <a:schemeClr val="accent1">
+                <a:shade val="50000"/>
+              </a:schemeClr>
+            </a:lnRef>
+            <a:fillRef idx="1">
+              <a:schemeClr val="accent1"/>
+            </a:fillRef>
+            <a:effectRef idx="0">
+              <a:schemeClr val="accent1"/>
+            </a:effectRef>
+            <a:fontRef idx="minor">
+              <a:schemeClr val="lt1"/>
+            </a:fontRef>
+          </p:style>
+          <p:txBody>
+            <a:bodyPr rtlCol="0" anchor="ctr"/>
+            <a:lstStyle/>
+            <a:p>
+              <a:pPr algn="ctr"/>
+              <a:endParaRPr lang="zh-TW" altLang="en-US"/>
+            </a:p>
+          </p:txBody>
+        </p:sp>
+        <p:sp>
+          <p:nvSpPr>
+            <p:cNvPr id="97" name="等腰三角形 96">
+              <a:extLst>
+                <a:ext uri="{FF2B5EF4-FFF2-40B4-BE49-F238E27FC236}">
+                  <a16:creationId xmlns:a16="http://schemas.microsoft.com/office/drawing/2014/main" id="{CC997BAA-9AA6-4EED-AE9B-EC8A9557E4D0}"/>
+                </a:ext>
+              </a:extLst>
+            </p:cNvPr>
+            <p:cNvSpPr/>
+            <p:nvPr/>
+          </p:nvSpPr>
+          <p:spPr>
+            <a:xfrm rot="13023998">
+              <a:off x="2871789" y="3399064"/>
+              <a:ext cx="580544" cy="198119"/>
+            </a:xfrm>
+            <a:prstGeom prst="triangle">
+              <a:avLst>
+                <a:gd name="adj" fmla="val 11445"/>
+              </a:avLst>
+            </a:prstGeom>
+            <a:solidFill>
+              <a:srgbClr val="00FFFF">
+                <a:alpha val="69804"/>
+              </a:srgbClr>
+            </a:solidFill>
+            <a:ln>
+              <a:noFill/>
+            </a:ln>
+          </p:spPr>
+          <p:style>
+            <a:lnRef idx="2">
+              <a:schemeClr val="accent1">
+                <a:shade val="50000"/>
+              </a:schemeClr>
+            </a:lnRef>
+            <a:fillRef idx="1">
+              <a:schemeClr val="accent1"/>
+            </a:fillRef>
+            <a:effectRef idx="0">
+              <a:schemeClr val="accent1"/>
+            </a:effectRef>
+            <a:fontRef idx="minor">
+              <a:schemeClr val="lt1"/>
+            </a:fontRef>
+          </p:style>
+          <p:txBody>
+            <a:bodyPr rtlCol="0" anchor="ctr"/>
+            <a:lstStyle/>
+            <a:p>
+              <a:pPr algn="ctr"/>
+              <a:endParaRPr lang="zh-TW" altLang="en-US"/>
+            </a:p>
+          </p:txBody>
+        </p:sp>
+        <p:sp>
+          <p:nvSpPr>
+            <p:cNvPr id="96" name="矩形 95">
+              <a:extLst>
+                <a:ext uri="{FF2B5EF4-FFF2-40B4-BE49-F238E27FC236}">
+                  <a16:creationId xmlns:a16="http://schemas.microsoft.com/office/drawing/2014/main" id="{BD26C583-7F72-4F8E-98A7-2263075BBD68}"/>
+                </a:ext>
+              </a:extLst>
+            </p:cNvPr>
+            <p:cNvSpPr/>
+            <p:nvPr/>
+          </p:nvSpPr>
+          <p:spPr>
+            <a:xfrm rot="18427415">
+              <a:off x="2322824" y="1316311"/>
+              <a:ext cx="3453519" cy="1134635"/>
+            </a:xfrm>
+            <a:prstGeom prst="rect">
+              <a:avLst/>
+            </a:prstGeom>
+            <a:solidFill>
+              <a:srgbClr val="00FFFF">
+                <a:alpha val="69804"/>
+              </a:srgbClr>
+            </a:solidFill>
+            <a:ln>
+              <a:noFill/>
+            </a:ln>
+          </p:spPr>
+          <p:style>
+            <a:lnRef idx="2">
+              <a:schemeClr val="accent1">
+                <a:shade val="50000"/>
+              </a:schemeClr>
+            </a:lnRef>
+            <a:fillRef idx="1">
+              <a:schemeClr val="accent1"/>
+            </a:fillRef>
+            <a:effectRef idx="0">
+              <a:schemeClr val="accent1"/>
+            </a:effectRef>
+            <a:fontRef idx="minor">
+              <a:schemeClr val="lt1"/>
+            </a:fontRef>
+          </p:style>
+          <p:txBody>
+            <a:bodyPr rtlCol="0" anchor="ctr"/>
+            <a:lstStyle/>
+            <a:p>
+              <a:pPr algn="ctr"/>
+              <a:endParaRPr lang="zh-TW" altLang="en-US"/>
+            </a:p>
+          </p:txBody>
+        </p:sp>
+      </p:grpSp>
+      <p:cxnSp>
+        <p:nvCxnSpPr>
+          <p:cNvPr id="78" name="直線單箭頭接點 77">
+            <a:extLst>
+              <a:ext uri="{FF2B5EF4-FFF2-40B4-BE49-F238E27FC236}">
+                <a16:creationId xmlns:a16="http://schemas.microsoft.com/office/drawing/2014/main" id="{0B71E740-D01C-45A2-851D-9BC7CC10C858}"/>
+              </a:ext>
+            </a:extLst>
+          </p:cNvPr>
+          <p:cNvCxnSpPr/>
+          <p:nvPr/>
+        </p:nvCxnSpPr>
+        <p:spPr>
+          <a:xfrm flipV="1">
+            <a:off x="99588" y="5439348"/>
+            <a:ext cx="10610662" cy="13185"/>
+          </a:xfrm>
+          <a:prstGeom prst="straightConnector1">
+            <a:avLst/>
+          </a:prstGeom>
+          <a:ln w="57150">
+            <a:solidFill>
+              <a:schemeClr val="tx1"/>
+            </a:solidFill>
+            <a:tailEnd type="triangle"/>
+          </a:ln>
+        </p:spPr>
+        <p:style>
+          <a:lnRef idx="1">
+            <a:schemeClr val="accent1"/>
+          </a:lnRef>
+          <a:fillRef idx="0">
+            <a:schemeClr val="accent1"/>
+          </a:fillRef>
+          <a:effectRef idx="0">
+            <a:schemeClr val="accent1"/>
+          </a:effectRef>
+          <a:fontRef idx="minor">
+            <a:schemeClr val="tx1"/>
+          </a:fontRef>
+        </p:style>
+      </p:cxnSp>
+      <p:cxnSp>
+        <p:nvCxnSpPr>
+          <p:cNvPr id="80" name="直線單箭頭接點 79">
+            <a:extLst>
+              <a:ext uri="{FF2B5EF4-FFF2-40B4-BE49-F238E27FC236}">
+                <a16:creationId xmlns:a16="http://schemas.microsoft.com/office/drawing/2014/main" id="{8B5A34C9-39BD-43BF-8A53-7BD317788AD7}"/>
+              </a:ext>
+            </a:extLst>
+          </p:cNvPr>
+          <p:cNvCxnSpPr/>
+          <p:nvPr/>
+        </p:nvCxnSpPr>
+        <p:spPr>
+          <a:xfrm flipV="1">
+            <a:off x="641379" y="178446"/>
+            <a:ext cx="0" cy="6642160"/>
+          </a:xfrm>
+          <a:prstGeom prst="straightConnector1">
+            <a:avLst/>
+          </a:prstGeom>
+          <a:ln w="57150">
+            <a:solidFill>
+              <a:schemeClr val="tx1"/>
+            </a:solidFill>
+            <a:tailEnd type="triangle"/>
+          </a:ln>
+        </p:spPr>
+        <p:style>
+          <a:lnRef idx="1">
+            <a:schemeClr val="accent1"/>
+          </a:lnRef>
+          <a:fillRef idx="0">
+            <a:schemeClr val="accent1"/>
+          </a:fillRef>
+          <a:effectRef idx="0">
+            <a:schemeClr val="accent1"/>
+          </a:effectRef>
+          <a:fontRef idx="minor">
+            <a:schemeClr val="tx1"/>
+          </a:fontRef>
+        </p:style>
+      </p:cxnSp>
+      <p:grpSp>
+        <p:nvGrpSpPr>
+          <p:cNvPr id="54" name="群組 53">
+            <a:extLst>
+              <a:ext uri="{FF2B5EF4-FFF2-40B4-BE49-F238E27FC236}">
+                <a16:creationId xmlns:a16="http://schemas.microsoft.com/office/drawing/2014/main" id="{958B6A21-F10C-4DAD-9F00-44699BCA4347}"/>
+              </a:ext>
+            </a:extLst>
+          </p:cNvPr>
+          <p:cNvGrpSpPr>
+            <a:grpSpLocks noChangeAspect="1"/>
+          </p:cNvGrpSpPr>
+          <p:nvPr/>
+        </p:nvGrpSpPr>
+        <p:grpSpPr>
+          <a:xfrm>
+            <a:off x="6900686" y="110768"/>
+            <a:ext cx="5876940" cy="5320113"/>
+            <a:chOff x="4132291" y="207169"/>
+            <a:chExt cx="3963959" cy="3588381"/>
+          </a:xfrm>
+        </p:grpSpPr>
+        <p:sp>
+          <p:nvSpPr>
+            <p:cNvPr id="55" name="局部圓 54">
+              <a:extLst>
+                <a:ext uri="{FF2B5EF4-FFF2-40B4-BE49-F238E27FC236}">
+                  <a16:creationId xmlns:a16="http://schemas.microsoft.com/office/drawing/2014/main" id="{7626FEB4-8EDA-4DE8-B9C2-5434715307B7}"/>
+                </a:ext>
+              </a:extLst>
+            </p:cNvPr>
+            <p:cNvSpPr/>
+            <p:nvPr/>
+          </p:nvSpPr>
+          <p:spPr>
+            <a:xfrm>
+              <a:off x="4132291" y="2715550"/>
+              <a:ext cx="1080000" cy="1080000"/>
+            </a:xfrm>
+            <a:prstGeom prst="pie">
+              <a:avLst>
+                <a:gd name="adj1" fmla="val 3325766"/>
+                <a:gd name="adj2" fmla="val 13014789"/>
+              </a:avLst>
+            </a:prstGeom>
+            <a:noFill/>
+            <a:ln w="19050">
+              <a:solidFill>
+                <a:srgbClr val="0070C0"/>
+              </a:solidFill>
+            </a:ln>
+          </p:spPr>
+          <p:style>
+            <a:lnRef idx="2">
+              <a:schemeClr val="accent1">
+                <a:shade val="50000"/>
+              </a:schemeClr>
+            </a:lnRef>
+            <a:fillRef idx="1">
+              <a:schemeClr val="accent1"/>
+            </a:fillRef>
+            <a:effectRef idx="0">
+              <a:schemeClr val="accent1"/>
+            </a:effectRef>
+            <a:fontRef idx="minor">
+              <a:schemeClr val="lt1"/>
+            </a:fontRef>
+          </p:style>
+          <p:txBody>
+            <a:bodyPr rtlCol="0" anchor="ctr"/>
+            <a:lstStyle/>
+            <a:p>
+              <a:pPr algn="ctr"/>
+              <a:endParaRPr lang="zh-TW" altLang="en-US">
+                <a:solidFill>
+                  <a:schemeClr val="tx1"/>
+                </a:solidFill>
+              </a:endParaRPr>
+            </a:p>
+          </p:txBody>
+        </p:sp>
+        <p:cxnSp>
+          <p:nvCxnSpPr>
+            <p:cNvPr id="58" name="直線接點 57">
+              <a:extLst>
+                <a:ext uri="{FF2B5EF4-FFF2-40B4-BE49-F238E27FC236}">
+                  <a16:creationId xmlns:a16="http://schemas.microsoft.com/office/drawing/2014/main" id="{C9C5321D-4227-4DB2-AAC5-2DA0424428C4}"/>
+                </a:ext>
+              </a:extLst>
+            </p:cNvPr>
+            <p:cNvCxnSpPr>
+              <a:cxnSpLocks/>
+            </p:cNvCxnSpPr>
+            <p:nvPr/>
+          </p:nvCxnSpPr>
+          <p:spPr>
+            <a:xfrm flipV="1">
+              <a:off x="4238625" y="207169"/>
+              <a:ext cx="2066925" cy="2721770"/>
+            </a:xfrm>
+            <a:prstGeom prst="line">
+              <a:avLst/>
+            </a:prstGeom>
+            <a:ln w="19050">
+              <a:solidFill>
+                <a:srgbClr val="0070C0"/>
+              </a:solidFill>
+            </a:ln>
+          </p:spPr>
+          <p:style>
+            <a:lnRef idx="1">
+              <a:schemeClr val="accent1"/>
+            </a:lnRef>
+            <a:fillRef idx="0">
+              <a:schemeClr val="accent1"/>
+            </a:fillRef>
+            <a:effectRef idx="0">
+              <a:schemeClr val="accent1"/>
+            </a:effectRef>
+            <a:fontRef idx="minor">
+              <a:schemeClr val="tx1"/>
+            </a:fontRef>
+          </p:style>
+        </p:cxnSp>
+        <p:cxnSp>
+          <p:nvCxnSpPr>
+            <p:cNvPr id="59" name="直線接點 58">
+              <a:extLst>
+                <a:ext uri="{FF2B5EF4-FFF2-40B4-BE49-F238E27FC236}">
+                  <a16:creationId xmlns:a16="http://schemas.microsoft.com/office/drawing/2014/main" id="{00D92AD4-79DF-4CC9-BB21-D92D4DE3FA26}"/>
+                </a:ext>
+              </a:extLst>
+            </p:cNvPr>
+            <p:cNvCxnSpPr>
+              <a:cxnSpLocks noChangeAspect="1"/>
+            </p:cNvCxnSpPr>
+            <p:nvPr/>
+          </p:nvCxnSpPr>
+          <p:spPr>
+            <a:xfrm flipV="1">
+              <a:off x="4976813" y="1628775"/>
+              <a:ext cx="3119437" cy="2071688"/>
+            </a:xfrm>
+            <a:prstGeom prst="line">
+              <a:avLst/>
+            </a:prstGeom>
+            <a:ln w="19050">
+              <a:solidFill>
+                <a:srgbClr val="0070C0"/>
+              </a:solidFill>
+            </a:ln>
+          </p:spPr>
+          <p:style>
+            <a:lnRef idx="1">
+              <a:schemeClr val="accent1"/>
+            </a:lnRef>
+            <a:fillRef idx="0">
+              <a:schemeClr val="accent1"/>
+            </a:fillRef>
+            <a:effectRef idx="0">
+              <a:schemeClr val="accent1"/>
+            </a:effectRef>
+            <a:fontRef idx="minor">
+              <a:schemeClr val="tx1"/>
+            </a:fontRef>
+          </p:style>
+        </p:cxnSp>
+        <p:cxnSp>
+          <p:nvCxnSpPr>
+            <p:cNvPr id="60" name="直線接點 59">
+              <a:extLst>
+                <a:ext uri="{FF2B5EF4-FFF2-40B4-BE49-F238E27FC236}">
+                  <a16:creationId xmlns:a16="http://schemas.microsoft.com/office/drawing/2014/main" id="{F84E6DE3-8720-4AF1-A215-E9490777D05F}"/>
+                </a:ext>
+              </a:extLst>
+            </p:cNvPr>
+            <p:cNvCxnSpPr/>
+            <p:nvPr/>
+          </p:nvCxnSpPr>
+          <p:spPr>
+            <a:xfrm>
+              <a:off x="4238625" y="2928939"/>
+              <a:ext cx="433388" cy="326230"/>
+            </a:xfrm>
+            <a:prstGeom prst="line">
+              <a:avLst/>
+            </a:prstGeom>
+            <a:ln w="19050">
+              <a:solidFill>
+                <a:schemeClr val="tx1">
+                  <a:lumMod val="65000"/>
+                  <a:lumOff val="35000"/>
+                </a:schemeClr>
+              </a:solidFill>
+            </a:ln>
+          </p:spPr>
+          <p:style>
+            <a:lnRef idx="1">
+              <a:schemeClr val="accent1"/>
+            </a:lnRef>
+            <a:fillRef idx="0">
+              <a:schemeClr val="accent1"/>
+            </a:fillRef>
+            <a:effectRef idx="0">
+              <a:schemeClr val="accent1"/>
+            </a:effectRef>
+            <a:fontRef idx="minor">
+              <a:schemeClr val="tx1"/>
+            </a:fontRef>
+          </p:style>
+        </p:cxnSp>
+        <p:cxnSp>
+          <p:nvCxnSpPr>
+            <p:cNvPr id="61" name="直線接點 60">
+              <a:extLst>
+                <a:ext uri="{FF2B5EF4-FFF2-40B4-BE49-F238E27FC236}">
+                  <a16:creationId xmlns:a16="http://schemas.microsoft.com/office/drawing/2014/main" id="{C945CB17-1CFB-4F06-AFF9-A175B34004C5}"/>
+                </a:ext>
+              </a:extLst>
+            </p:cNvPr>
+            <p:cNvCxnSpPr>
+              <a:cxnSpLocks/>
+            </p:cNvCxnSpPr>
+            <p:nvPr/>
+          </p:nvCxnSpPr>
+          <p:spPr>
+            <a:xfrm>
+              <a:off x="4672013" y="3255169"/>
+              <a:ext cx="304800" cy="445294"/>
+            </a:xfrm>
+            <a:prstGeom prst="line">
+              <a:avLst/>
+            </a:prstGeom>
+            <a:ln w="19050">
+              <a:solidFill>
+                <a:schemeClr val="tx1">
+                  <a:lumMod val="65000"/>
+                  <a:lumOff val="35000"/>
+                </a:schemeClr>
+              </a:solidFill>
+            </a:ln>
+          </p:spPr>
+          <p:style>
+            <a:lnRef idx="1">
+              <a:schemeClr val="accent1"/>
+            </a:lnRef>
+            <a:fillRef idx="0">
+              <a:schemeClr val="accent1"/>
+            </a:fillRef>
+            <a:effectRef idx="0">
+              <a:schemeClr val="accent1"/>
+            </a:effectRef>
+            <a:fontRef idx="minor">
+              <a:schemeClr val="tx1"/>
+            </a:fontRef>
+          </p:style>
+        </p:cxnSp>
+      </p:grpSp>
       <p:sp>
         <p:nvSpPr>
-          <p:cNvPr id="5" name="矩形: 圓角 4">
+          <p:cNvPr id="8" name="橢圓 7">
             <a:extLst>
               <a:ext uri="{FF2B5EF4-FFF2-40B4-BE49-F238E27FC236}">
-                <a16:creationId xmlns:a16="http://schemas.microsoft.com/office/drawing/2014/main" id="{88043479-07C5-4710-99BE-08C6215CDCCC}"/>
+                <a16:creationId xmlns:a16="http://schemas.microsoft.com/office/drawing/2014/main" id="{FEED7EE4-A547-44D2-A76D-B56AE9429C8B}"/>
               </a:ext>
             </a:extLst>
           </p:cNvPr>
@@ -21428,12 +22386,23 @@
         </p:nvSpPr>
         <p:spPr>
           <a:xfrm>
-            <a:off x="1997612" y="1800664"/>
-            <a:ext cx="1209822" cy="548640"/>
+            <a:off x="3850245" y="592667"/>
+            <a:ext cx="1908000" cy="1908000"/>
           </a:xfrm>
-          <a:prstGeom prst="roundRect">
+          <a:prstGeom prst="ellipse">
             <a:avLst/>
           </a:prstGeom>
+          <a:solidFill>
+            <a:schemeClr val="accent2">
+              <a:lumMod val="20000"/>
+              <a:lumOff val="80000"/>
+            </a:schemeClr>
+          </a:solidFill>
+          <a:ln w="28575">
+            <a:solidFill>
+              <a:srgbClr val="FF0000"/>
+            </a:solidFill>
+          </a:ln>
         </p:spPr>
         <p:style>
           <a:lnRef idx="2">
@@ -21456,19 +22425,1027 @@
           <a:lstStyle/>
           <a:p>
             <a:pPr algn="ctr"/>
-            <a:r>
-              <a:rPr lang="zh-TW" altLang="en-US" dirty="0"/>
-              <a:t>彼此</a:t>
-            </a:r>
+            <a:endParaRPr lang="zh-TW" altLang="en-US"/>
           </a:p>
         </p:txBody>
       </p:sp>
+      <p:cxnSp>
+        <p:nvCxnSpPr>
+          <p:cNvPr id="10" name="直線接點 9">
+            <a:extLst>
+              <a:ext uri="{FF2B5EF4-FFF2-40B4-BE49-F238E27FC236}">
+                <a16:creationId xmlns:a16="http://schemas.microsoft.com/office/drawing/2014/main" id="{466D6545-38D8-4724-B6C5-1D55CB3D06A5}"/>
+              </a:ext>
+            </a:extLst>
+          </p:cNvPr>
+          <p:cNvCxnSpPr>
+            <a:cxnSpLocks/>
+          </p:cNvCxnSpPr>
+          <p:nvPr/>
+        </p:nvCxnSpPr>
+        <p:spPr>
+          <a:xfrm flipH="1">
+            <a:off x="641379" y="207169"/>
+            <a:ext cx="3977217" cy="5245364"/>
+          </a:xfrm>
+          <a:prstGeom prst="line">
+            <a:avLst/>
+          </a:prstGeom>
+          <a:ln w="19050">
+            <a:solidFill>
+              <a:schemeClr val="bg1">
+                <a:lumMod val="75000"/>
+              </a:schemeClr>
+            </a:solidFill>
+            <a:prstDash val="sysDash"/>
+          </a:ln>
+        </p:spPr>
+        <p:style>
+          <a:lnRef idx="1">
+            <a:schemeClr val="accent1"/>
+          </a:lnRef>
+          <a:fillRef idx="0">
+            <a:schemeClr val="accent1"/>
+          </a:fillRef>
+          <a:effectRef idx="0">
+            <a:schemeClr val="accent1"/>
+          </a:effectRef>
+          <a:fontRef idx="minor">
+            <a:schemeClr val="tx1"/>
+          </a:fontRef>
+        </p:style>
+      </p:cxnSp>
+      <p:cxnSp>
+        <p:nvCxnSpPr>
+          <p:cNvPr id="12" name="直線接點 11">
+            <a:extLst>
+              <a:ext uri="{FF2B5EF4-FFF2-40B4-BE49-F238E27FC236}">
+                <a16:creationId xmlns:a16="http://schemas.microsoft.com/office/drawing/2014/main" id="{4A4D9427-D3B8-4E0F-8E99-2CA12027DD28}"/>
+              </a:ext>
+            </a:extLst>
+          </p:cNvPr>
+          <p:cNvCxnSpPr>
+            <a:cxnSpLocks/>
+          </p:cNvCxnSpPr>
+          <p:nvPr/>
+        </p:nvCxnSpPr>
+        <p:spPr>
+          <a:xfrm flipV="1">
+            <a:off x="641379" y="1628775"/>
+            <a:ext cx="5767917" cy="3832225"/>
+          </a:xfrm>
+          <a:prstGeom prst="line">
+            <a:avLst/>
+          </a:prstGeom>
+          <a:ln w="19050">
+            <a:solidFill>
+              <a:schemeClr val="bg1">
+                <a:lumMod val="75000"/>
+              </a:schemeClr>
+            </a:solidFill>
+            <a:prstDash val="sysDash"/>
+          </a:ln>
+        </p:spPr>
+        <p:style>
+          <a:lnRef idx="1">
+            <a:schemeClr val="accent1"/>
+          </a:lnRef>
+          <a:fillRef idx="0">
+            <a:schemeClr val="accent1"/>
+          </a:fillRef>
+          <a:effectRef idx="0">
+            <a:schemeClr val="accent1"/>
+          </a:effectRef>
+          <a:fontRef idx="minor">
+            <a:schemeClr val="tx1"/>
+          </a:fontRef>
+        </p:style>
+      </p:cxnSp>
+      <p:cxnSp>
+        <p:nvCxnSpPr>
+          <p:cNvPr id="20" name="直線接點 19">
+            <a:extLst>
+              <a:ext uri="{FF2B5EF4-FFF2-40B4-BE49-F238E27FC236}">
+                <a16:creationId xmlns:a16="http://schemas.microsoft.com/office/drawing/2014/main" id="{F7E663D6-9C29-4F05-A367-5D0C52ADDB1A}"/>
+              </a:ext>
+            </a:extLst>
+          </p:cNvPr>
+          <p:cNvCxnSpPr>
+            <a:cxnSpLocks/>
+          </p:cNvCxnSpPr>
+          <p:nvPr/>
+        </p:nvCxnSpPr>
+        <p:spPr>
+          <a:xfrm flipV="1">
+            <a:off x="641379" y="178594"/>
+            <a:ext cx="5620280" cy="5273939"/>
+          </a:xfrm>
+          <a:prstGeom prst="line">
+            <a:avLst/>
+          </a:prstGeom>
+          <a:ln>
+            <a:solidFill>
+              <a:schemeClr val="tx1">
+                <a:lumMod val="65000"/>
+                <a:lumOff val="35000"/>
+              </a:schemeClr>
+            </a:solidFill>
+            <a:prstDash val="lgDashDot"/>
+          </a:ln>
+        </p:spPr>
+        <p:style>
+          <a:lnRef idx="1">
+            <a:schemeClr val="accent1"/>
+          </a:lnRef>
+          <a:fillRef idx="0">
+            <a:schemeClr val="accent1"/>
+          </a:fillRef>
+          <a:effectRef idx="0">
+            <a:schemeClr val="accent1"/>
+          </a:effectRef>
+          <a:fontRef idx="minor">
+            <a:schemeClr val="tx1"/>
+          </a:fontRef>
+        </p:style>
+      </p:cxnSp>
+      <p:grpSp>
+        <p:nvGrpSpPr>
+          <p:cNvPr id="45" name="群組 44">
+            <a:extLst>
+              <a:ext uri="{FF2B5EF4-FFF2-40B4-BE49-F238E27FC236}">
+                <a16:creationId xmlns:a16="http://schemas.microsoft.com/office/drawing/2014/main" id="{178BF983-ACC3-4D47-BEEA-9F00F35961FD}"/>
+              </a:ext>
+            </a:extLst>
+          </p:cNvPr>
+          <p:cNvGrpSpPr/>
+          <p:nvPr/>
+        </p:nvGrpSpPr>
+        <p:grpSpPr>
+          <a:xfrm>
+            <a:off x="2445337" y="207169"/>
+            <a:ext cx="3963959" cy="3588381"/>
+            <a:chOff x="4132291" y="207169"/>
+            <a:chExt cx="3963959" cy="3588381"/>
+          </a:xfrm>
+        </p:grpSpPr>
+        <p:sp>
+          <p:nvSpPr>
+            <p:cNvPr id="18" name="局部圓 17">
+              <a:extLst>
+                <a:ext uri="{FF2B5EF4-FFF2-40B4-BE49-F238E27FC236}">
+                  <a16:creationId xmlns:a16="http://schemas.microsoft.com/office/drawing/2014/main" id="{4322A03C-F84C-43E4-A4CD-42ED60424030}"/>
+                </a:ext>
+              </a:extLst>
+            </p:cNvPr>
+            <p:cNvSpPr/>
+            <p:nvPr/>
+          </p:nvSpPr>
+          <p:spPr>
+            <a:xfrm>
+              <a:off x="4132291" y="2715550"/>
+              <a:ext cx="1080000" cy="1080000"/>
+            </a:xfrm>
+            <a:prstGeom prst="pie">
+              <a:avLst>
+                <a:gd name="adj1" fmla="val 3325766"/>
+                <a:gd name="adj2" fmla="val 13014789"/>
+              </a:avLst>
+            </a:prstGeom>
+            <a:solidFill>
+              <a:srgbClr val="00FFFF">
+                <a:alpha val="69804"/>
+              </a:srgbClr>
+            </a:solidFill>
+            <a:ln w="19050">
+              <a:solidFill>
+                <a:srgbClr val="0070C0"/>
+              </a:solidFill>
+            </a:ln>
+          </p:spPr>
+          <p:style>
+            <a:lnRef idx="2">
+              <a:schemeClr val="accent1">
+                <a:shade val="50000"/>
+              </a:schemeClr>
+            </a:lnRef>
+            <a:fillRef idx="1">
+              <a:schemeClr val="accent1"/>
+            </a:fillRef>
+            <a:effectRef idx="0">
+              <a:schemeClr val="accent1"/>
+            </a:effectRef>
+            <a:fontRef idx="minor">
+              <a:schemeClr val="lt1"/>
+            </a:fontRef>
+          </p:style>
+          <p:txBody>
+            <a:bodyPr rtlCol="0" anchor="ctr"/>
+            <a:lstStyle/>
+            <a:p>
+              <a:pPr algn="ctr"/>
+              <a:endParaRPr lang="zh-TW" altLang="en-US">
+                <a:solidFill>
+                  <a:schemeClr val="tx1"/>
+                </a:solidFill>
+              </a:endParaRPr>
+            </a:p>
+          </p:txBody>
+        </p:sp>
+        <p:cxnSp>
+          <p:nvCxnSpPr>
+            <p:cNvPr id="22" name="直線接點 21">
+              <a:extLst>
+                <a:ext uri="{FF2B5EF4-FFF2-40B4-BE49-F238E27FC236}">
+                  <a16:creationId xmlns:a16="http://schemas.microsoft.com/office/drawing/2014/main" id="{3F81171A-CE1D-41C2-80C9-A11A54146041}"/>
+                </a:ext>
+              </a:extLst>
+            </p:cNvPr>
+            <p:cNvCxnSpPr>
+              <a:cxnSpLocks/>
+            </p:cNvCxnSpPr>
+            <p:nvPr/>
+          </p:nvCxnSpPr>
+          <p:spPr>
+            <a:xfrm>
+              <a:off x="6491199" y="1546667"/>
+              <a:ext cx="537446" cy="786958"/>
+            </a:xfrm>
+            <a:prstGeom prst="line">
+              <a:avLst/>
+            </a:prstGeom>
+            <a:ln w="19050">
+              <a:solidFill>
+                <a:schemeClr val="tx1">
+                  <a:lumMod val="65000"/>
+                  <a:lumOff val="35000"/>
+                </a:schemeClr>
+              </a:solidFill>
+            </a:ln>
+          </p:spPr>
+          <p:style>
+            <a:lnRef idx="1">
+              <a:schemeClr val="accent1"/>
+            </a:lnRef>
+            <a:fillRef idx="0">
+              <a:schemeClr val="accent1"/>
+            </a:fillRef>
+            <a:effectRef idx="0">
+              <a:schemeClr val="accent1"/>
+            </a:effectRef>
+            <a:fontRef idx="minor">
+              <a:schemeClr val="tx1"/>
+            </a:fontRef>
+          </p:style>
+        </p:cxnSp>
+        <p:cxnSp>
+          <p:nvCxnSpPr>
+            <p:cNvPr id="27" name="直線接點 26">
+              <a:extLst>
+                <a:ext uri="{FF2B5EF4-FFF2-40B4-BE49-F238E27FC236}">
+                  <a16:creationId xmlns:a16="http://schemas.microsoft.com/office/drawing/2014/main" id="{33E00E3C-6D74-452D-A8AE-12328B9A5DB2}"/>
+                </a:ext>
+              </a:extLst>
+            </p:cNvPr>
+            <p:cNvCxnSpPr>
+              <a:cxnSpLocks/>
+            </p:cNvCxnSpPr>
+            <p:nvPr/>
+          </p:nvCxnSpPr>
+          <p:spPr>
+            <a:xfrm flipH="1" flipV="1">
+              <a:off x="5717383" y="969171"/>
+              <a:ext cx="778667" cy="581023"/>
+            </a:xfrm>
+            <a:prstGeom prst="line">
+              <a:avLst/>
+            </a:prstGeom>
+            <a:ln w="19050">
+              <a:solidFill>
+                <a:schemeClr val="tx1">
+                  <a:lumMod val="65000"/>
+                  <a:lumOff val="35000"/>
+                </a:schemeClr>
+              </a:solidFill>
+            </a:ln>
+          </p:spPr>
+          <p:style>
+            <a:lnRef idx="1">
+              <a:schemeClr val="accent1"/>
+            </a:lnRef>
+            <a:fillRef idx="0">
+              <a:schemeClr val="accent1"/>
+            </a:fillRef>
+            <a:effectRef idx="0">
+              <a:schemeClr val="accent1"/>
+            </a:effectRef>
+            <a:fontRef idx="minor">
+              <a:schemeClr val="tx1"/>
+            </a:fontRef>
+          </p:style>
+        </p:cxnSp>
+        <p:cxnSp>
+          <p:nvCxnSpPr>
+            <p:cNvPr id="36" name="直線接點 35">
+              <a:extLst>
+                <a:ext uri="{FF2B5EF4-FFF2-40B4-BE49-F238E27FC236}">
+                  <a16:creationId xmlns:a16="http://schemas.microsoft.com/office/drawing/2014/main" id="{23FEB2AA-43E1-450E-80A5-A4C90DEFBAAC}"/>
+                </a:ext>
+              </a:extLst>
+            </p:cNvPr>
+            <p:cNvCxnSpPr>
+              <a:cxnSpLocks/>
+            </p:cNvCxnSpPr>
+            <p:nvPr/>
+          </p:nvCxnSpPr>
+          <p:spPr>
+            <a:xfrm flipV="1">
+              <a:off x="4238625" y="207169"/>
+              <a:ext cx="2066925" cy="2721770"/>
+            </a:xfrm>
+            <a:prstGeom prst="line">
+              <a:avLst/>
+            </a:prstGeom>
+            <a:ln w="19050">
+              <a:solidFill>
+                <a:srgbClr val="0070C0"/>
+              </a:solidFill>
+            </a:ln>
+          </p:spPr>
+          <p:style>
+            <a:lnRef idx="1">
+              <a:schemeClr val="accent1"/>
+            </a:lnRef>
+            <a:fillRef idx="0">
+              <a:schemeClr val="accent1"/>
+            </a:fillRef>
+            <a:effectRef idx="0">
+              <a:schemeClr val="accent1"/>
+            </a:effectRef>
+            <a:fontRef idx="minor">
+              <a:schemeClr val="tx1"/>
+            </a:fontRef>
+          </p:style>
+        </p:cxnSp>
+        <p:cxnSp>
+          <p:nvCxnSpPr>
+            <p:cNvPr id="38" name="直線接點 37">
+              <a:extLst>
+                <a:ext uri="{FF2B5EF4-FFF2-40B4-BE49-F238E27FC236}">
+                  <a16:creationId xmlns:a16="http://schemas.microsoft.com/office/drawing/2014/main" id="{C66C5442-0258-437C-8AFE-C5360563C0CE}"/>
+                </a:ext>
+              </a:extLst>
+            </p:cNvPr>
+            <p:cNvCxnSpPr/>
+            <p:nvPr/>
+          </p:nvCxnSpPr>
+          <p:spPr>
+            <a:xfrm flipV="1">
+              <a:off x="4976813" y="1628775"/>
+              <a:ext cx="3119437" cy="2071688"/>
+            </a:xfrm>
+            <a:prstGeom prst="line">
+              <a:avLst/>
+            </a:prstGeom>
+            <a:ln w="19050">
+              <a:solidFill>
+                <a:srgbClr val="0070C0"/>
+              </a:solidFill>
+            </a:ln>
+          </p:spPr>
+          <p:style>
+            <a:lnRef idx="1">
+              <a:schemeClr val="accent1"/>
+            </a:lnRef>
+            <a:fillRef idx="0">
+              <a:schemeClr val="accent1"/>
+            </a:fillRef>
+            <a:effectRef idx="0">
+              <a:schemeClr val="accent1"/>
+            </a:effectRef>
+            <a:fontRef idx="minor">
+              <a:schemeClr val="tx1"/>
+            </a:fontRef>
+          </p:style>
+        </p:cxnSp>
+        <p:cxnSp>
+          <p:nvCxnSpPr>
+            <p:cNvPr id="41" name="直線接點 40">
+              <a:extLst>
+                <a:ext uri="{FF2B5EF4-FFF2-40B4-BE49-F238E27FC236}">
+                  <a16:creationId xmlns:a16="http://schemas.microsoft.com/office/drawing/2014/main" id="{5FCB6C10-3662-4211-98BF-03AE52888AE6}"/>
+                </a:ext>
+              </a:extLst>
+            </p:cNvPr>
+            <p:cNvCxnSpPr/>
+            <p:nvPr/>
+          </p:nvCxnSpPr>
+          <p:spPr>
+            <a:xfrm>
+              <a:off x="4238625" y="2928939"/>
+              <a:ext cx="433388" cy="326230"/>
+            </a:xfrm>
+            <a:prstGeom prst="line">
+              <a:avLst/>
+            </a:prstGeom>
+            <a:ln w="19050">
+              <a:solidFill>
+                <a:schemeClr val="tx1">
+                  <a:lumMod val="65000"/>
+                  <a:lumOff val="35000"/>
+                </a:schemeClr>
+              </a:solidFill>
+            </a:ln>
+          </p:spPr>
+          <p:style>
+            <a:lnRef idx="1">
+              <a:schemeClr val="accent1"/>
+            </a:lnRef>
+            <a:fillRef idx="0">
+              <a:schemeClr val="accent1"/>
+            </a:fillRef>
+            <a:effectRef idx="0">
+              <a:schemeClr val="accent1"/>
+            </a:effectRef>
+            <a:fontRef idx="minor">
+              <a:schemeClr val="tx1"/>
+            </a:fontRef>
+          </p:style>
+        </p:cxnSp>
+        <p:cxnSp>
+          <p:nvCxnSpPr>
+            <p:cNvPr id="43" name="直線接點 42">
+              <a:extLst>
+                <a:ext uri="{FF2B5EF4-FFF2-40B4-BE49-F238E27FC236}">
+                  <a16:creationId xmlns:a16="http://schemas.microsoft.com/office/drawing/2014/main" id="{6DE3B3B3-422A-4601-9679-47B48FF99F7B}"/>
+                </a:ext>
+              </a:extLst>
+            </p:cNvPr>
+            <p:cNvCxnSpPr>
+              <a:cxnSpLocks/>
+            </p:cNvCxnSpPr>
+            <p:nvPr/>
+          </p:nvCxnSpPr>
+          <p:spPr>
+            <a:xfrm>
+              <a:off x="4672013" y="3255169"/>
+              <a:ext cx="304800" cy="445294"/>
+            </a:xfrm>
+            <a:prstGeom prst="line">
+              <a:avLst/>
+            </a:prstGeom>
+            <a:ln w="19050">
+              <a:solidFill>
+                <a:schemeClr val="tx1">
+                  <a:lumMod val="65000"/>
+                  <a:lumOff val="35000"/>
+                </a:schemeClr>
+              </a:solidFill>
+            </a:ln>
+          </p:spPr>
+          <p:style>
+            <a:lnRef idx="1">
+              <a:schemeClr val="accent1"/>
+            </a:lnRef>
+            <a:fillRef idx="0">
+              <a:schemeClr val="accent1"/>
+            </a:fillRef>
+            <a:effectRef idx="0">
+              <a:schemeClr val="accent1"/>
+            </a:effectRef>
+            <a:fontRef idx="minor">
+              <a:schemeClr val="tx1"/>
+            </a:fontRef>
+          </p:style>
+        </p:cxnSp>
+      </p:grpSp>
+      <p:grpSp>
+        <p:nvGrpSpPr>
+          <p:cNvPr id="46" name="群組 45">
+            <a:extLst>
+              <a:ext uri="{FF2B5EF4-FFF2-40B4-BE49-F238E27FC236}">
+                <a16:creationId xmlns:a16="http://schemas.microsoft.com/office/drawing/2014/main" id="{172BF31F-98E4-4E2D-A599-54759E678564}"/>
+              </a:ext>
+            </a:extLst>
+          </p:cNvPr>
+          <p:cNvGrpSpPr/>
+          <p:nvPr/>
+        </p:nvGrpSpPr>
+        <p:grpSpPr>
+          <a:xfrm>
+            <a:off x="7147484" y="1568054"/>
+            <a:ext cx="3963959" cy="3588381"/>
+            <a:chOff x="4132291" y="207169"/>
+            <a:chExt cx="3963959" cy="3588381"/>
+          </a:xfrm>
+        </p:grpSpPr>
+        <p:sp>
+          <p:nvSpPr>
+            <p:cNvPr id="47" name="局部圓 46">
+              <a:extLst>
+                <a:ext uri="{FF2B5EF4-FFF2-40B4-BE49-F238E27FC236}">
+                  <a16:creationId xmlns:a16="http://schemas.microsoft.com/office/drawing/2014/main" id="{61F86502-518E-4700-B7B1-785EC8BBBB17}"/>
+                </a:ext>
+              </a:extLst>
+            </p:cNvPr>
+            <p:cNvSpPr/>
+            <p:nvPr/>
+          </p:nvSpPr>
+          <p:spPr>
+            <a:xfrm>
+              <a:off x="4132291" y="2715550"/>
+              <a:ext cx="1080000" cy="1080000"/>
+            </a:xfrm>
+            <a:prstGeom prst="pie">
+              <a:avLst>
+                <a:gd name="adj1" fmla="val 3325766"/>
+                <a:gd name="adj2" fmla="val 13014789"/>
+              </a:avLst>
+            </a:prstGeom>
+            <a:solidFill>
+              <a:srgbClr val="00FFFF">
+                <a:alpha val="69804"/>
+              </a:srgbClr>
+            </a:solidFill>
+            <a:ln w="19050">
+              <a:solidFill>
+                <a:srgbClr val="0070C0"/>
+              </a:solidFill>
+            </a:ln>
+          </p:spPr>
+          <p:style>
+            <a:lnRef idx="2">
+              <a:schemeClr val="accent1">
+                <a:shade val="50000"/>
+              </a:schemeClr>
+            </a:lnRef>
+            <a:fillRef idx="1">
+              <a:schemeClr val="accent1"/>
+            </a:fillRef>
+            <a:effectRef idx="0">
+              <a:schemeClr val="accent1"/>
+            </a:effectRef>
+            <a:fontRef idx="minor">
+              <a:schemeClr val="lt1"/>
+            </a:fontRef>
+          </p:style>
+          <p:txBody>
+            <a:bodyPr rtlCol="0" anchor="ctr"/>
+            <a:lstStyle/>
+            <a:p>
+              <a:pPr algn="ctr"/>
+              <a:endParaRPr lang="zh-TW" altLang="en-US" dirty="0">
+                <a:solidFill>
+                  <a:schemeClr val="tx1"/>
+                </a:solidFill>
+              </a:endParaRPr>
+            </a:p>
+          </p:txBody>
+        </p:sp>
+        <p:cxnSp>
+          <p:nvCxnSpPr>
+            <p:cNvPr id="48" name="直線接點 47">
+              <a:extLst>
+                <a:ext uri="{FF2B5EF4-FFF2-40B4-BE49-F238E27FC236}">
+                  <a16:creationId xmlns:a16="http://schemas.microsoft.com/office/drawing/2014/main" id="{74ECD288-E222-4467-B3E0-22B06AD42B5D}"/>
+                </a:ext>
+              </a:extLst>
+            </p:cNvPr>
+            <p:cNvCxnSpPr>
+              <a:cxnSpLocks/>
+            </p:cNvCxnSpPr>
+            <p:nvPr/>
+          </p:nvCxnSpPr>
+          <p:spPr>
+            <a:xfrm>
+              <a:off x="6491199" y="1546667"/>
+              <a:ext cx="537446" cy="786958"/>
+            </a:xfrm>
+            <a:prstGeom prst="line">
+              <a:avLst/>
+            </a:prstGeom>
+            <a:ln w="19050">
+              <a:solidFill>
+                <a:schemeClr val="tx1">
+                  <a:lumMod val="65000"/>
+                  <a:lumOff val="35000"/>
+                </a:schemeClr>
+              </a:solidFill>
+            </a:ln>
+          </p:spPr>
+          <p:style>
+            <a:lnRef idx="1">
+              <a:schemeClr val="accent1"/>
+            </a:lnRef>
+            <a:fillRef idx="0">
+              <a:schemeClr val="accent1"/>
+            </a:fillRef>
+            <a:effectRef idx="0">
+              <a:schemeClr val="accent1"/>
+            </a:effectRef>
+            <a:fontRef idx="minor">
+              <a:schemeClr val="tx1"/>
+            </a:fontRef>
+          </p:style>
+        </p:cxnSp>
+        <p:cxnSp>
+          <p:nvCxnSpPr>
+            <p:cNvPr id="49" name="直線接點 48">
+              <a:extLst>
+                <a:ext uri="{FF2B5EF4-FFF2-40B4-BE49-F238E27FC236}">
+                  <a16:creationId xmlns:a16="http://schemas.microsoft.com/office/drawing/2014/main" id="{410B8085-4F11-47A1-AFE5-DDCDB242FCAE}"/>
+                </a:ext>
+              </a:extLst>
+            </p:cNvPr>
+            <p:cNvCxnSpPr>
+              <a:cxnSpLocks/>
+            </p:cNvCxnSpPr>
+            <p:nvPr/>
+          </p:nvCxnSpPr>
+          <p:spPr>
+            <a:xfrm flipH="1" flipV="1">
+              <a:off x="5717383" y="969171"/>
+              <a:ext cx="778667" cy="581023"/>
+            </a:xfrm>
+            <a:prstGeom prst="line">
+              <a:avLst/>
+            </a:prstGeom>
+            <a:ln w="19050">
+              <a:solidFill>
+                <a:schemeClr val="tx1">
+                  <a:lumMod val="65000"/>
+                  <a:lumOff val="35000"/>
+                </a:schemeClr>
+              </a:solidFill>
+            </a:ln>
+          </p:spPr>
+          <p:style>
+            <a:lnRef idx="1">
+              <a:schemeClr val="accent1"/>
+            </a:lnRef>
+            <a:fillRef idx="0">
+              <a:schemeClr val="accent1"/>
+            </a:fillRef>
+            <a:effectRef idx="0">
+              <a:schemeClr val="accent1"/>
+            </a:effectRef>
+            <a:fontRef idx="minor">
+              <a:schemeClr val="tx1"/>
+            </a:fontRef>
+          </p:style>
+        </p:cxnSp>
+        <p:cxnSp>
+          <p:nvCxnSpPr>
+            <p:cNvPr id="50" name="直線接點 49">
+              <a:extLst>
+                <a:ext uri="{FF2B5EF4-FFF2-40B4-BE49-F238E27FC236}">
+                  <a16:creationId xmlns:a16="http://schemas.microsoft.com/office/drawing/2014/main" id="{22D66494-B8EC-4068-84EC-0DB3F68AF560}"/>
+                </a:ext>
+              </a:extLst>
+            </p:cNvPr>
+            <p:cNvCxnSpPr>
+              <a:cxnSpLocks/>
+            </p:cNvCxnSpPr>
+            <p:nvPr/>
+          </p:nvCxnSpPr>
+          <p:spPr>
+            <a:xfrm flipV="1">
+              <a:off x="4238625" y="207169"/>
+              <a:ext cx="2066925" cy="2721770"/>
+            </a:xfrm>
+            <a:prstGeom prst="line">
+              <a:avLst/>
+            </a:prstGeom>
+            <a:ln w="19050">
+              <a:solidFill>
+                <a:srgbClr val="0070C0"/>
+              </a:solidFill>
+            </a:ln>
+          </p:spPr>
+          <p:style>
+            <a:lnRef idx="1">
+              <a:schemeClr val="accent1"/>
+            </a:lnRef>
+            <a:fillRef idx="0">
+              <a:schemeClr val="accent1"/>
+            </a:fillRef>
+            <a:effectRef idx="0">
+              <a:schemeClr val="accent1"/>
+            </a:effectRef>
+            <a:fontRef idx="minor">
+              <a:schemeClr val="tx1"/>
+            </a:fontRef>
+          </p:style>
+        </p:cxnSp>
+        <p:cxnSp>
+          <p:nvCxnSpPr>
+            <p:cNvPr id="51" name="直線接點 50">
+              <a:extLst>
+                <a:ext uri="{FF2B5EF4-FFF2-40B4-BE49-F238E27FC236}">
+                  <a16:creationId xmlns:a16="http://schemas.microsoft.com/office/drawing/2014/main" id="{D938B2CD-AC4F-417D-BEA9-B536F217649F}"/>
+                </a:ext>
+              </a:extLst>
+            </p:cNvPr>
+            <p:cNvCxnSpPr/>
+            <p:nvPr/>
+          </p:nvCxnSpPr>
+          <p:spPr>
+            <a:xfrm flipV="1">
+              <a:off x="4976813" y="1628775"/>
+              <a:ext cx="3119437" cy="2071688"/>
+            </a:xfrm>
+            <a:prstGeom prst="line">
+              <a:avLst/>
+            </a:prstGeom>
+            <a:ln w="19050">
+              <a:solidFill>
+                <a:srgbClr val="0070C0"/>
+              </a:solidFill>
+            </a:ln>
+          </p:spPr>
+          <p:style>
+            <a:lnRef idx="1">
+              <a:schemeClr val="accent1"/>
+            </a:lnRef>
+            <a:fillRef idx="0">
+              <a:schemeClr val="accent1"/>
+            </a:fillRef>
+            <a:effectRef idx="0">
+              <a:schemeClr val="accent1"/>
+            </a:effectRef>
+            <a:fontRef idx="minor">
+              <a:schemeClr val="tx1"/>
+            </a:fontRef>
+          </p:style>
+        </p:cxnSp>
+        <p:cxnSp>
+          <p:nvCxnSpPr>
+            <p:cNvPr id="52" name="直線接點 51">
+              <a:extLst>
+                <a:ext uri="{FF2B5EF4-FFF2-40B4-BE49-F238E27FC236}">
+                  <a16:creationId xmlns:a16="http://schemas.microsoft.com/office/drawing/2014/main" id="{A50BD205-8460-4371-BE2B-14A7C197824E}"/>
+                </a:ext>
+              </a:extLst>
+            </p:cNvPr>
+            <p:cNvCxnSpPr/>
+            <p:nvPr/>
+          </p:nvCxnSpPr>
+          <p:spPr>
+            <a:xfrm>
+              <a:off x="4238625" y="2928939"/>
+              <a:ext cx="433388" cy="326230"/>
+            </a:xfrm>
+            <a:prstGeom prst="line">
+              <a:avLst/>
+            </a:prstGeom>
+            <a:ln w="19050">
+              <a:solidFill>
+                <a:schemeClr val="tx1">
+                  <a:lumMod val="65000"/>
+                  <a:lumOff val="35000"/>
+                </a:schemeClr>
+              </a:solidFill>
+            </a:ln>
+          </p:spPr>
+          <p:style>
+            <a:lnRef idx="1">
+              <a:schemeClr val="accent1"/>
+            </a:lnRef>
+            <a:fillRef idx="0">
+              <a:schemeClr val="accent1"/>
+            </a:fillRef>
+            <a:effectRef idx="0">
+              <a:schemeClr val="accent1"/>
+            </a:effectRef>
+            <a:fontRef idx="minor">
+              <a:schemeClr val="tx1"/>
+            </a:fontRef>
+          </p:style>
+        </p:cxnSp>
+        <p:cxnSp>
+          <p:nvCxnSpPr>
+            <p:cNvPr id="53" name="直線接點 52">
+              <a:extLst>
+                <a:ext uri="{FF2B5EF4-FFF2-40B4-BE49-F238E27FC236}">
+                  <a16:creationId xmlns:a16="http://schemas.microsoft.com/office/drawing/2014/main" id="{9B7BDFA0-E35B-45E2-977D-43C3EC225D9D}"/>
+                </a:ext>
+              </a:extLst>
+            </p:cNvPr>
+            <p:cNvCxnSpPr>
+              <a:cxnSpLocks/>
+            </p:cNvCxnSpPr>
+            <p:nvPr/>
+          </p:nvCxnSpPr>
+          <p:spPr>
+            <a:xfrm>
+              <a:off x="4672013" y="3255169"/>
+              <a:ext cx="304800" cy="445294"/>
+            </a:xfrm>
+            <a:prstGeom prst="line">
+              <a:avLst/>
+            </a:prstGeom>
+            <a:ln w="19050">
+              <a:solidFill>
+                <a:schemeClr val="tx1">
+                  <a:lumMod val="65000"/>
+                  <a:lumOff val="35000"/>
+                </a:schemeClr>
+              </a:solidFill>
+            </a:ln>
+          </p:spPr>
+          <p:style>
+            <a:lnRef idx="1">
+              <a:schemeClr val="accent1"/>
+            </a:lnRef>
+            <a:fillRef idx="0">
+              <a:schemeClr val="accent1"/>
+            </a:fillRef>
+            <a:effectRef idx="0">
+              <a:schemeClr val="accent1"/>
+            </a:effectRef>
+            <a:fontRef idx="minor">
+              <a:schemeClr val="tx1"/>
+            </a:fontRef>
+          </p:style>
+        </p:cxnSp>
+      </p:grpSp>
+      <p:cxnSp>
+        <p:nvCxnSpPr>
+          <p:cNvPr id="74" name="直線單箭頭接點 73">
+            <a:extLst>
+              <a:ext uri="{FF2B5EF4-FFF2-40B4-BE49-F238E27FC236}">
+                <a16:creationId xmlns:a16="http://schemas.microsoft.com/office/drawing/2014/main" id="{509334F9-8CBE-438C-9648-861F7DBE00E0}"/>
+              </a:ext>
+            </a:extLst>
+          </p:cNvPr>
+          <p:cNvCxnSpPr/>
+          <p:nvPr/>
+        </p:nvCxnSpPr>
+        <p:spPr>
+          <a:xfrm>
+            <a:off x="4804245" y="1546667"/>
+            <a:ext cx="4702147" cy="1358736"/>
+          </a:xfrm>
+          <a:prstGeom prst="straightConnector1">
+            <a:avLst/>
+          </a:prstGeom>
+          <a:ln w="12700">
+            <a:solidFill>
+              <a:schemeClr val="accent2"/>
+            </a:solidFill>
+            <a:tailEnd type="triangle"/>
+          </a:ln>
+        </p:spPr>
+        <p:style>
+          <a:lnRef idx="1">
+            <a:schemeClr val="accent1"/>
+          </a:lnRef>
+          <a:fillRef idx="0">
+            <a:schemeClr val="accent1"/>
+          </a:fillRef>
+          <a:effectRef idx="0">
+            <a:schemeClr val="accent1"/>
+          </a:effectRef>
+          <a:fontRef idx="minor">
+            <a:schemeClr val="tx1"/>
+          </a:fontRef>
+        </p:style>
+      </p:cxnSp>
+      <p:cxnSp>
+        <p:nvCxnSpPr>
+          <p:cNvPr id="76" name="直線單箭頭接點 75">
+            <a:extLst>
+              <a:ext uri="{FF2B5EF4-FFF2-40B4-BE49-F238E27FC236}">
+                <a16:creationId xmlns:a16="http://schemas.microsoft.com/office/drawing/2014/main" id="{2CEE87AC-48EC-4BB5-86E1-926F34D572A7}"/>
+              </a:ext>
+            </a:extLst>
+          </p:cNvPr>
+          <p:cNvCxnSpPr/>
+          <p:nvPr/>
+        </p:nvCxnSpPr>
+        <p:spPr>
+          <a:xfrm>
+            <a:off x="2985059" y="3247365"/>
+            <a:ext cx="4722811" cy="1368541"/>
+          </a:xfrm>
+          <a:prstGeom prst="straightConnector1">
+            <a:avLst/>
+          </a:prstGeom>
+          <a:ln w="12700">
+            <a:solidFill>
+              <a:schemeClr val="accent2"/>
+            </a:solidFill>
+            <a:tailEnd type="triangle"/>
+          </a:ln>
+        </p:spPr>
+        <p:style>
+          <a:lnRef idx="1">
+            <a:schemeClr val="accent1"/>
+          </a:lnRef>
+          <a:fillRef idx="0">
+            <a:schemeClr val="accent1"/>
+          </a:fillRef>
+          <a:effectRef idx="0">
+            <a:schemeClr val="accent1"/>
+          </a:effectRef>
+          <a:fontRef idx="minor">
+            <a:schemeClr val="tx1"/>
+          </a:fontRef>
+        </p:style>
+      </p:cxnSp>
+      <p:cxnSp>
+        <p:nvCxnSpPr>
+          <p:cNvPr id="83" name="直線單箭頭接點 82">
+            <a:extLst>
+              <a:ext uri="{FF2B5EF4-FFF2-40B4-BE49-F238E27FC236}">
+                <a16:creationId xmlns:a16="http://schemas.microsoft.com/office/drawing/2014/main" id="{A2604D6E-E818-4E46-8EBD-597FF7A4598C}"/>
+              </a:ext>
+            </a:extLst>
+          </p:cNvPr>
+          <p:cNvCxnSpPr>
+            <a:cxnSpLocks/>
+          </p:cNvCxnSpPr>
+          <p:nvPr/>
+        </p:nvCxnSpPr>
+        <p:spPr>
+          <a:xfrm>
+            <a:off x="9242241" y="4221095"/>
+            <a:ext cx="158597" cy="231844"/>
+          </a:xfrm>
+          <a:prstGeom prst="straightConnector1">
+            <a:avLst/>
+          </a:prstGeom>
+          <a:ln>
+            <a:solidFill>
+              <a:srgbClr val="7030A0"/>
+            </a:solidFill>
+            <a:tailEnd type="triangle"/>
+          </a:ln>
+        </p:spPr>
+        <p:style>
+          <a:lnRef idx="1">
+            <a:schemeClr val="accent1"/>
+          </a:lnRef>
+          <a:fillRef idx="0">
+            <a:schemeClr val="accent1"/>
+          </a:fillRef>
+          <a:effectRef idx="0">
+            <a:schemeClr val="accent1"/>
+          </a:effectRef>
+          <a:fontRef idx="minor">
+            <a:schemeClr val="tx1"/>
+          </a:fontRef>
+        </p:style>
+      </p:cxnSp>
+      <p:cxnSp>
+        <p:nvCxnSpPr>
+          <p:cNvPr id="85" name="直線單箭頭接點 84">
+            <a:extLst>
+              <a:ext uri="{FF2B5EF4-FFF2-40B4-BE49-F238E27FC236}">
+                <a16:creationId xmlns:a16="http://schemas.microsoft.com/office/drawing/2014/main" id="{779950CD-8E4D-48AA-A145-3037C639F2BE}"/>
+              </a:ext>
+            </a:extLst>
+          </p:cNvPr>
+          <p:cNvCxnSpPr>
+            <a:cxnSpLocks/>
+          </p:cNvCxnSpPr>
+          <p:nvPr/>
+        </p:nvCxnSpPr>
+        <p:spPr>
+          <a:xfrm flipH="1" flipV="1">
+            <a:off x="7900698" y="3053934"/>
+            <a:ext cx="180694" cy="126598"/>
+          </a:xfrm>
+          <a:prstGeom prst="straightConnector1">
+            <a:avLst/>
+          </a:prstGeom>
+          <a:ln>
+            <a:solidFill>
+              <a:srgbClr val="7030A0"/>
+            </a:solidFill>
+            <a:tailEnd type="triangle"/>
+          </a:ln>
+        </p:spPr>
+        <p:style>
+          <a:lnRef idx="1">
+            <a:schemeClr val="accent1"/>
+          </a:lnRef>
+          <a:fillRef idx="0">
+            <a:schemeClr val="accent1"/>
+          </a:fillRef>
+          <a:effectRef idx="0">
+            <a:schemeClr val="accent1"/>
+          </a:effectRef>
+          <a:fontRef idx="minor">
+            <a:schemeClr val="tx1"/>
+          </a:fontRef>
+        </p:style>
+      </p:cxnSp>
       <p:sp>
         <p:nvSpPr>
-          <p:cNvPr id="6" name="矩形: 圓角 5">
+          <p:cNvPr id="117" name="橢圓 116">
             <a:extLst>
               <a:ext uri="{FF2B5EF4-FFF2-40B4-BE49-F238E27FC236}">
-                <a16:creationId xmlns:a16="http://schemas.microsoft.com/office/drawing/2014/main" id="{3FA6C9B1-F7B7-40D3-9AC2-40EE8EEE627B}"/>
+                <a16:creationId xmlns:a16="http://schemas.microsoft.com/office/drawing/2014/main" id="{7A38B3B2-D7A9-472F-8054-6881FECE26DD}"/>
               </a:ext>
             </a:extLst>
           </p:cNvPr>
@@ -21477,24 +23454,24 @@
         </p:nvSpPr>
         <p:spPr>
           <a:xfrm>
-            <a:off x="1392701" y="2510430"/>
-            <a:ext cx="1209822" cy="548640"/>
+            <a:off x="7314955" y="4696545"/>
+            <a:ext cx="54000" cy="54000"/>
           </a:xfrm>
-          <a:prstGeom prst="roundRect">
+          <a:prstGeom prst="ellipse">
             <a:avLst/>
           </a:prstGeom>
         </p:spPr>
         <p:style>
           <a:lnRef idx="2">
-            <a:schemeClr val="accent1">
+            <a:schemeClr val="dk1">
               <a:shade val="50000"/>
             </a:schemeClr>
           </a:lnRef>
           <a:fillRef idx="1">
-            <a:schemeClr val="accent1"/>
+            <a:schemeClr val="dk1"/>
           </a:fillRef>
           <a:effectRef idx="0">
-            <a:schemeClr val="accent1"/>
+            <a:schemeClr val="dk1"/>
           </a:effectRef>
           <a:fontRef idx="minor">
             <a:schemeClr val="lt1"/>
@@ -21505,19 +23482,178 @@
           <a:lstStyle/>
           <a:p>
             <a:pPr algn="ctr"/>
-            <a:r>
-              <a:rPr lang="zh-TW" altLang="en-US" dirty="0"/>
-              <a:t>合作</a:t>
-            </a:r>
+            <a:endParaRPr lang="zh-TW" altLang="en-US"/>
           </a:p>
         </p:txBody>
       </p:sp>
+      <p:cxnSp>
+        <p:nvCxnSpPr>
+          <p:cNvPr id="121" name="直線接點 120">
+            <a:extLst>
+              <a:ext uri="{FF2B5EF4-FFF2-40B4-BE49-F238E27FC236}">
+                <a16:creationId xmlns:a16="http://schemas.microsoft.com/office/drawing/2014/main" id="{73829504-C0D3-4B10-96A0-7D19D2A905C4}"/>
+              </a:ext>
+            </a:extLst>
+          </p:cNvPr>
+          <p:cNvCxnSpPr>
+            <a:cxnSpLocks/>
+          </p:cNvCxnSpPr>
+          <p:nvPr/>
+        </p:nvCxnSpPr>
+        <p:spPr>
+          <a:xfrm flipH="1">
+            <a:off x="6928381" y="4726906"/>
+            <a:ext cx="418854" cy="135756"/>
+          </a:xfrm>
+          <a:prstGeom prst="line">
+            <a:avLst/>
+          </a:prstGeom>
+          <a:ln>
+            <a:solidFill>
+              <a:schemeClr val="tx1"/>
+            </a:solidFill>
+            <a:headEnd type="none" w="med" len="med"/>
+            <a:tailEnd type="arrow" w="med" len="med"/>
+          </a:ln>
+        </p:spPr>
+        <p:style>
+          <a:lnRef idx="1">
+            <a:schemeClr val="accent1"/>
+          </a:lnRef>
+          <a:fillRef idx="0">
+            <a:schemeClr val="accent1"/>
+          </a:fillRef>
+          <a:effectRef idx="0">
+            <a:schemeClr val="accent1"/>
+          </a:effectRef>
+          <a:fontRef idx="minor">
+            <a:schemeClr val="tx1"/>
+          </a:fontRef>
+        </p:style>
+      </p:cxnSp>
+      <p:cxnSp>
+        <p:nvCxnSpPr>
+          <p:cNvPr id="124" name="直線接點 123">
+            <a:extLst>
+              <a:ext uri="{FF2B5EF4-FFF2-40B4-BE49-F238E27FC236}">
+                <a16:creationId xmlns:a16="http://schemas.microsoft.com/office/drawing/2014/main" id="{15C4F718-22E7-4BD5-8AF6-18C69814097C}"/>
+              </a:ext>
+            </a:extLst>
+          </p:cNvPr>
+          <p:cNvCxnSpPr>
+            <a:cxnSpLocks/>
+          </p:cNvCxnSpPr>
+          <p:nvPr/>
+        </p:nvCxnSpPr>
+        <p:spPr>
+          <a:xfrm>
+            <a:off x="6243006" y="2703878"/>
+            <a:ext cx="1299874" cy="4108655"/>
+          </a:xfrm>
+          <a:prstGeom prst="line">
+            <a:avLst/>
+          </a:prstGeom>
+          <a:ln>
+            <a:solidFill>
+              <a:srgbClr val="00B050"/>
+            </a:solidFill>
+          </a:ln>
+        </p:spPr>
+        <p:style>
+          <a:lnRef idx="1">
+            <a:schemeClr val="accent1"/>
+          </a:lnRef>
+          <a:fillRef idx="0">
+            <a:schemeClr val="accent1"/>
+          </a:fillRef>
+          <a:effectRef idx="0">
+            <a:schemeClr val="accent1"/>
+          </a:effectRef>
+          <a:fontRef idx="minor">
+            <a:schemeClr val="tx1"/>
+          </a:fontRef>
+        </p:style>
+      </p:cxnSp>
+      <p:cxnSp>
+        <p:nvCxnSpPr>
+          <p:cNvPr id="133" name="直線接點 132">
+            <a:extLst>
+              <a:ext uri="{FF2B5EF4-FFF2-40B4-BE49-F238E27FC236}">
+                <a16:creationId xmlns:a16="http://schemas.microsoft.com/office/drawing/2014/main" id="{EEF1A1D4-E73F-46A4-8F96-06986EFDC4D7}"/>
+              </a:ext>
+            </a:extLst>
+          </p:cNvPr>
+          <p:cNvCxnSpPr>
+            <a:cxnSpLocks/>
+          </p:cNvCxnSpPr>
+          <p:nvPr/>
+        </p:nvCxnSpPr>
+        <p:spPr>
+          <a:xfrm>
+            <a:off x="6482718" y="2703878"/>
+            <a:ext cx="1299874" cy="4108655"/>
+          </a:xfrm>
+          <a:prstGeom prst="line">
+            <a:avLst/>
+          </a:prstGeom>
+          <a:ln w="19050">
+            <a:solidFill>
+              <a:srgbClr val="FF0000"/>
+            </a:solidFill>
+            <a:prstDash val="lgDash"/>
+          </a:ln>
+        </p:spPr>
+        <p:style>
+          <a:lnRef idx="1">
+            <a:schemeClr val="accent1"/>
+          </a:lnRef>
+          <a:fillRef idx="0">
+            <a:schemeClr val="accent1"/>
+          </a:fillRef>
+          <a:effectRef idx="0">
+            <a:schemeClr val="accent1"/>
+          </a:effectRef>
+          <a:fontRef idx="minor">
+            <a:schemeClr val="tx1"/>
+          </a:fontRef>
+        </p:style>
+      </p:cxnSp>
+    </p:spTree>
+    <p:extLst>
+      <p:ext uri="{BB962C8B-B14F-4D97-AF65-F5344CB8AC3E}">
+        <p14:creationId xmlns:p14="http://schemas.microsoft.com/office/powerpoint/2010/main" val="2799705022"/>
+      </p:ext>
+    </p:extLst>
+  </p:cSld>
+  <p:clrMapOvr>
+    <a:masterClrMapping/>
+  </p:clrMapOvr>
+</p:sld>
+</file>
+
+<file path=ppt/slides/slide23.xml><?xml version="1.0" encoding="utf-8"?>
+<p:sld xmlns:a="http://schemas.openxmlformats.org/drawingml/2006/main" xmlns:r="http://schemas.openxmlformats.org/officeDocument/2006/relationships" xmlns:p="http://schemas.openxmlformats.org/presentationml/2006/main">
+  <p:cSld>
+    <p:spTree>
+      <p:nvGrpSpPr>
+        <p:cNvPr id="1" name=""/>
+        <p:cNvGrpSpPr/>
+        <p:nvPr/>
+      </p:nvGrpSpPr>
+      <p:grpSpPr>
+        <a:xfrm>
+          <a:off x="0" y="0"/>
+          <a:ext cx="0" cy="0"/>
+          <a:chOff x="0" y="0"/>
+          <a:chExt cx="0" cy="0"/>
+        </a:xfrm>
+      </p:grpSpPr>
       <p:sp>
         <p:nvSpPr>
-          <p:cNvPr id="7" name="矩形: 圓角 6">
+          <p:cNvPr id="34" name="矩形: 圓角 33">
             <a:extLst>
               <a:ext uri="{FF2B5EF4-FFF2-40B4-BE49-F238E27FC236}">
-                <a16:creationId xmlns:a16="http://schemas.microsoft.com/office/drawing/2014/main" id="{7F21A505-4F75-4FAE-A332-0590F3552521}"/>
+                <a16:creationId xmlns:a16="http://schemas.microsoft.com/office/drawing/2014/main" id="{84551E71-0417-475E-9463-1071796CEA08}"/>
               </a:ext>
             </a:extLst>
           </p:cNvPr>
@@ -21525,25 +23661,37 @@
           <p:nvPr/>
         </p:nvSpPr>
         <p:spPr>
-          <a:xfrm>
-            <a:off x="2867464" y="2992248"/>
-            <a:ext cx="1209822" cy="548640"/>
+          <a:xfrm rot="19709879">
+            <a:off x="2929865" y="1239583"/>
+            <a:ext cx="3771534" cy="2993920"/>
           </a:xfrm>
           <a:prstGeom prst="roundRect">
-            <a:avLst/>
+            <a:avLst>
+              <a:gd name="adj" fmla="val 26925"/>
+            </a:avLst>
           </a:prstGeom>
+          <a:solidFill>
+            <a:srgbClr val="EDA9A9">
+              <a:alpha val="30196"/>
+            </a:srgbClr>
+          </a:solidFill>
+          <a:ln>
+            <a:solidFill>
+              <a:srgbClr val="EDA9A9"/>
+            </a:solidFill>
+          </a:ln>
         </p:spPr>
         <p:style>
           <a:lnRef idx="2">
-            <a:schemeClr val="accent1">
+            <a:schemeClr val="accent3">
               <a:shade val="50000"/>
             </a:schemeClr>
           </a:lnRef>
           <a:fillRef idx="1">
-            <a:schemeClr val="accent1"/>
+            <a:schemeClr val="accent3"/>
           </a:fillRef>
           <a:effectRef idx="0">
-            <a:schemeClr val="accent1"/>
+            <a:schemeClr val="accent3"/>
           </a:effectRef>
           <a:fontRef idx="minor">
             <a:schemeClr val="lt1"/>
@@ -21554,17 +23702,1030 @@
           <a:lstStyle/>
           <a:p>
             <a:pPr algn="ctr"/>
-            <a:r>
-              <a:rPr lang="zh-TW" altLang="en-US" dirty="0"/>
-              <a:t>彼此</a:t>
-            </a:r>
+            <a:endParaRPr lang="zh-TW" altLang="en-US"/>
           </a:p>
         </p:txBody>
       </p:sp>
+      <p:sp>
+        <p:nvSpPr>
+          <p:cNvPr id="7" name="橢圓 6">
+            <a:extLst>
+              <a:ext uri="{FF2B5EF4-FFF2-40B4-BE49-F238E27FC236}">
+                <a16:creationId xmlns:a16="http://schemas.microsoft.com/office/drawing/2014/main" id="{5AE9F444-6A90-44C4-9D00-E3E554FBEF70}"/>
+              </a:ext>
+            </a:extLst>
+          </p:cNvPr>
+          <p:cNvSpPr/>
+          <p:nvPr/>
+        </p:nvSpPr>
+        <p:spPr>
+          <a:xfrm>
+            <a:off x="4042731" y="1963313"/>
+            <a:ext cx="1548000" cy="1548000"/>
+          </a:xfrm>
+          <a:prstGeom prst="ellipse">
+            <a:avLst/>
+          </a:prstGeom>
+        </p:spPr>
+        <p:style>
+          <a:lnRef idx="2">
+            <a:schemeClr val="accent4">
+              <a:shade val="50000"/>
+            </a:schemeClr>
+          </a:lnRef>
+          <a:fillRef idx="1">
+            <a:schemeClr val="accent4"/>
+          </a:fillRef>
+          <a:effectRef idx="0">
+            <a:schemeClr val="accent4"/>
+          </a:effectRef>
+          <a:fontRef idx="minor">
+            <a:schemeClr val="lt1"/>
+          </a:fontRef>
+        </p:style>
+        <p:txBody>
+          <a:bodyPr rtlCol="0" anchor="ctr"/>
+          <a:lstStyle/>
+          <a:p>
+            <a:pPr algn="ctr"/>
+            <a:endParaRPr lang="zh-TW" altLang="en-US"/>
+          </a:p>
+        </p:txBody>
+      </p:sp>
+      <p:grpSp>
+        <p:nvGrpSpPr>
+          <p:cNvPr id="9" name="群組 8">
+            <a:extLst>
+              <a:ext uri="{FF2B5EF4-FFF2-40B4-BE49-F238E27FC236}">
+                <a16:creationId xmlns:a16="http://schemas.microsoft.com/office/drawing/2014/main" id="{CBE56E5E-343B-4089-B44F-D95C98783284}"/>
+              </a:ext>
+            </a:extLst>
+          </p:cNvPr>
+          <p:cNvGrpSpPr/>
+          <p:nvPr/>
+        </p:nvGrpSpPr>
+        <p:grpSpPr>
+          <a:xfrm>
+            <a:off x="8450486" y="4519195"/>
+            <a:ext cx="2219325" cy="1428750"/>
+            <a:chOff x="8348886" y="4357065"/>
+            <a:chExt cx="2219325" cy="1428750"/>
+          </a:xfrm>
+        </p:grpSpPr>
+        <p:sp>
+          <p:nvSpPr>
+            <p:cNvPr id="4" name="矩形 3">
+              <a:extLst>
+                <a:ext uri="{FF2B5EF4-FFF2-40B4-BE49-F238E27FC236}">
+                  <a16:creationId xmlns:a16="http://schemas.microsoft.com/office/drawing/2014/main" id="{D02C3F15-FAE2-4D6D-A4F4-248ACD7B4A08}"/>
+                </a:ext>
+              </a:extLst>
+            </p:cNvPr>
+            <p:cNvSpPr/>
+            <p:nvPr/>
+          </p:nvSpPr>
+          <p:spPr>
+            <a:xfrm rot="19709879">
+              <a:off x="8348886" y="4357065"/>
+              <a:ext cx="2219325" cy="1428750"/>
+            </a:xfrm>
+            <a:prstGeom prst="rect">
+              <a:avLst/>
+            </a:prstGeom>
+          </p:spPr>
+          <p:style>
+            <a:lnRef idx="2">
+              <a:schemeClr val="accent3">
+                <a:shade val="50000"/>
+              </a:schemeClr>
+            </a:lnRef>
+            <a:fillRef idx="1">
+              <a:schemeClr val="accent3"/>
+            </a:fillRef>
+            <a:effectRef idx="0">
+              <a:schemeClr val="accent3"/>
+            </a:effectRef>
+            <a:fontRef idx="minor">
+              <a:schemeClr val="lt1"/>
+            </a:fontRef>
+          </p:style>
+          <p:txBody>
+            <a:bodyPr rtlCol="0" anchor="ctr"/>
+            <a:lstStyle/>
+            <a:p>
+              <a:pPr algn="ctr"/>
+              <a:endParaRPr lang="zh-TW" altLang="en-US"/>
+            </a:p>
+          </p:txBody>
+        </p:sp>
+        <p:sp>
+          <p:nvSpPr>
+            <p:cNvPr id="8" name="橢圓 7">
+              <a:extLst>
+                <a:ext uri="{FF2B5EF4-FFF2-40B4-BE49-F238E27FC236}">
+                  <a16:creationId xmlns:a16="http://schemas.microsoft.com/office/drawing/2014/main" id="{B8EB5074-9B86-42D7-BE91-37C3DAE44B13}"/>
+                </a:ext>
+              </a:extLst>
+            </p:cNvPr>
+            <p:cNvSpPr/>
+            <p:nvPr/>
+          </p:nvSpPr>
+          <p:spPr>
+            <a:xfrm>
+              <a:off x="9422548" y="5035440"/>
+              <a:ext cx="72000" cy="72000"/>
+            </a:xfrm>
+            <a:prstGeom prst="ellipse">
+              <a:avLst/>
+            </a:prstGeom>
+          </p:spPr>
+          <p:style>
+            <a:lnRef idx="2">
+              <a:schemeClr val="dk1">
+                <a:shade val="50000"/>
+              </a:schemeClr>
+            </a:lnRef>
+            <a:fillRef idx="1">
+              <a:schemeClr val="dk1"/>
+            </a:fillRef>
+            <a:effectRef idx="0">
+              <a:schemeClr val="dk1"/>
+            </a:effectRef>
+            <a:fontRef idx="minor">
+              <a:schemeClr val="lt1"/>
+            </a:fontRef>
+          </p:style>
+          <p:txBody>
+            <a:bodyPr rtlCol="0" anchor="ctr"/>
+            <a:lstStyle/>
+            <a:p>
+              <a:pPr algn="ctr"/>
+              <a:endParaRPr lang="zh-TW" altLang="en-US"/>
+            </a:p>
+          </p:txBody>
+        </p:sp>
+      </p:grpSp>
+      <p:cxnSp>
+        <p:nvCxnSpPr>
+          <p:cNvPr id="12" name="直線接點 11">
+            <a:extLst>
+              <a:ext uri="{FF2B5EF4-FFF2-40B4-BE49-F238E27FC236}">
+                <a16:creationId xmlns:a16="http://schemas.microsoft.com/office/drawing/2014/main" id="{AECA7049-07A1-42C3-8721-E33B11C0CC19}"/>
+              </a:ext>
+            </a:extLst>
+          </p:cNvPr>
+          <p:cNvCxnSpPr>
+            <a:cxnSpLocks/>
+          </p:cNvCxnSpPr>
+          <p:nvPr/>
+        </p:nvCxnSpPr>
+        <p:spPr>
+          <a:xfrm flipH="1" flipV="1">
+            <a:off x="1524000" y="4442691"/>
+            <a:ext cx="8036148" cy="785136"/>
+          </a:xfrm>
+          <a:prstGeom prst="line">
+            <a:avLst/>
+          </a:prstGeom>
+        </p:spPr>
+        <p:style>
+          <a:lnRef idx="1">
+            <a:schemeClr val="accent1"/>
+          </a:lnRef>
+          <a:fillRef idx="0">
+            <a:schemeClr val="accent1"/>
+          </a:fillRef>
+          <a:effectRef idx="0">
+            <a:schemeClr val="accent1"/>
+          </a:effectRef>
+          <a:fontRef idx="minor">
+            <a:schemeClr val="tx1"/>
+          </a:fontRef>
+        </p:style>
+      </p:cxnSp>
+      <p:cxnSp>
+        <p:nvCxnSpPr>
+          <p:cNvPr id="14" name="直線接點 13">
+            <a:extLst>
+              <a:ext uri="{FF2B5EF4-FFF2-40B4-BE49-F238E27FC236}">
+                <a16:creationId xmlns:a16="http://schemas.microsoft.com/office/drawing/2014/main" id="{F6EE1EA9-D490-40E5-8C8B-6B4FC9DABCC4}"/>
+              </a:ext>
+            </a:extLst>
+          </p:cNvPr>
+          <p:cNvCxnSpPr>
+            <a:cxnSpLocks/>
+          </p:cNvCxnSpPr>
+          <p:nvPr/>
+        </p:nvCxnSpPr>
+        <p:spPr>
+          <a:xfrm flipH="1" flipV="1">
+            <a:off x="5181600" y="120073"/>
+            <a:ext cx="4378548" cy="5107754"/>
+          </a:xfrm>
+          <a:prstGeom prst="line">
+            <a:avLst/>
+          </a:prstGeom>
+        </p:spPr>
+        <p:style>
+          <a:lnRef idx="1">
+            <a:schemeClr val="accent1"/>
+          </a:lnRef>
+          <a:fillRef idx="0">
+            <a:schemeClr val="accent1"/>
+          </a:fillRef>
+          <a:effectRef idx="0">
+            <a:schemeClr val="accent1"/>
+          </a:effectRef>
+          <a:fontRef idx="minor">
+            <a:schemeClr val="tx1"/>
+          </a:fontRef>
+        </p:style>
+      </p:cxnSp>
+      <p:grpSp>
+        <p:nvGrpSpPr>
+          <p:cNvPr id="17" name="群組 16">
+            <a:extLst>
+              <a:ext uri="{FF2B5EF4-FFF2-40B4-BE49-F238E27FC236}">
+                <a16:creationId xmlns:a16="http://schemas.microsoft.com/office/drawing/2014/main" id="{55D66870-7A71-4F82-B9A8-5077648CBC66}"/>
+              </a:ext>
+            </a:extLst>
+          </p:cNvPr>
+          <p:cNvGrpSpPr/>
+          <p:nvPr/>
+        </p:nvGrpSpPr>
+        <p:grpSpPr>
+          <a:xfrm>
+            <a:off x="3707068" y="2022938"/>
+            <a:ext cx="2219325" cy="1428750"/>
+            <a:chOff x="8348886" y="4357065"/>
+            <a:chExt cx="2219325" cy="1428750"/>
+          </a:xfrm>
+        </p:grpSpPr>
+        <p:sp>
+          <p:nvSpPr>
+            <p:cNvPr id="18" name="矩形 17">
+              <a:extLst>
+                <a:ext uri="{FF2B5EF4-FFF2-40B4-BE49-F238E27FC236}">
+                  <a16:creationId xmlns:a16="http://schemas.microsoft.com/office/drawing/2014/main" id="{9EB800E4-7C95-4B4F-BBE3-345544AE1C5D}"/>
+                </a:ext>
+              </a:extLst>
+            </p:cNvPr>
+            <p:cNvSpPr/>
+            <p:nvPr/>
+          </p:nvSpPr>
+          <p:spPr>
+            <a:xfrm rot="19709879">
+              <a:off x="8348886" y="4357065"/>
+              <a:ext cx="2219325" cy="1428750"/>
+            </a:xfrm>
+            <a:prstGeom prst="rect">
+              <a:avLst/>
+            </a:prstGeom>
+            <a:solidFill>
+              <a:srgbClr val="A5A5A5">
+                <a:alpha val="16078"/>
+              </a:srgbClr>
+            </a:solidFill>
+          </p:spPr>
+          <p:style>
+            <a:lnRef idx="2">
+              <a:schemeClr val="accent3">
+                <a:shade val="50000"/>
+              </a:schemeClr>
+            </a:lnRef>
+            <a:fillRef idx="1">
+              <a:schemeClr val="accent3"/>
+            </a:fillRef>
+            <a:effectRef idx="0">
+              <a:schemeClr val="accent3"/>
+            </a:effectRef>
+            <a:fontRef idx="minor">
+              <a:schemeClr val="lt1"/>
+            </a:fontRef>
+          </p:style>
+          <p:txBody>
+            <a:bodyPr rtlCol="0" anchor="ctr"/>
+            <a:lstStyle/>
+            <a:p>
+              <a:pPr algn="ctr"/>
+              <a:endParaRPr lang="zh-TW" altLang="en-US"/>
+            </a:p>
+          </p:txBody>
+        </p:sp>
+        <p:sp>
+          <p:nvSpPr>
+            <p:cNvPr id="19" name="橢圓 18">
+              <a:extLst>
+                <a:ext uri="{FF2B5EF4-FFF2-40B4-BE49-F238E27FC236}">
+                  <a16:creationId xmlns:a16="http://schemas.microsoft.com/office/drawing/2014/main" id="{0EE34748-F03A-4006-B473-2771FCC0E9C8}"/>
+                </a:ext>
+              </a:extLst>
+            </p:cNvPr>
+            <p:cNvSpPr/>
+            <p:nvPr/>
+          </p:nvSpPr>
+          <p:spPr>
+            <a:xfrm>
+              <a:off x="9422548" y="5035440"/>
+              <a:ext cx="72000" cy="72000"/>
+            </a:xfrm>
+            <a:prstGeom prst="ellipse">
+              <a:avLst/>
+            </a:prstGeom>
+          </p:spPr>
+          <p:style>
+            <a:lnRef idx="2">
+              <a:schemeClr val="dk1">
+                <a:shade val="50000"/>
+              </a:schemeClr>
+            </a:lnRef>
+            <a:fillRef idx="1">
+              <a:schemeClr val="dk1"/>
+            </a:fillRef>
+            <a:effectRef idx="0">
+              <a:schemeClr val="dk1"/>
+            </a:effectRef>
+            <a:fontRef idx="minor">
+              <a:schemeClr val="lt1"/>
+            </a:fontRef>
+          </p:style>
+          <p:txBody>
+            <a:bodyPr rtlCol="0" anchor="ctr"/>
+            <a:lstStyle/>
+            <a:p>
+              <a:pPr algn="ctr"/>
+              <a:endParaRPr lang="zh-TW" altLang="en-US"/>
+            </a:p>
+          </p:txBody>
+        </p:sp>
+      </p:grpSp>
+      <p:grpSp>
+        <p:nvGrpSpPr>
+          <p:cNvPr id="22" name="群組 21">
+            <a:extLst>
+              <a:ext uri="{FF2B5EF4-FFF2-40B4-BE49-F238E27FC236}">
+                <a16:creationId xmlns:a16="http://schemas.microsoft.com/office/drawing/2014/main" id="{FBAD69A5-569B-4BE9-9ADF-374CCDF14E5A}"/>
+              </a:ext>
+            </a:extLst>
+          </p:cNvPr>
+          <p:cNvGrpSpPr/>
+          <p:nvPr/>
+        </p:nvGrpSpPr>
+        <p:grpSpPr>
+          <a:xfrm>
+            <a:off x="2722874" y="1913812"/>
+            <a:ext cx="1548000" cy="1548000"/>
+            <a:chOff x="2613576" y="661722"/>
+            <a:chExt cx="1548000" cy="1548000"/>
+          </a:xfrm>
+        </p:grpSpPr>
+        <p:sp>
+          <p:nvSpPr>
+            <p:cNvPr id="20" name="橢圓 19">
+              <a:extLst>
+                <a:ext uri="{FF2B5EF4-FFF2-40B4-BE49-F238E27FC236}">
+                  <a16:creationId xmlns:a16="http://schemas.microsoft.com/office/drawing/2014/main" id="{CE61BFE7-92F9-4AB3-889C-180476CE6563}"/>
+                </a:ext>
+              </a:extLst>
+            </p:cNvPr>
+            <p:cNvSpPr/>
+            <p:nvPr/>
+          </p:nvSpPr>
+          <p:spPr>
+            <a:xfrm>
+              <a:off x="2613576" y="661722"/>
+              <a:ext cx="1548000" cy="1548000"/>
+            </a:xfrm>
+            <a:prstGeom prst="ellipse">
+              <a:avLst/>
+            </a:prstGeom>
+            <a:solidFill>
+              <a:srgbClr val="FFC000">
+                <a:alpha val="14902"/>
+              </a:srgbClr>
+            </a:solidFill>
+          </p:spPr>
+          <p:style>
+            <a:lnRef idx="2">
+              <a:schemeClr val="accent4">
+                <a:shade val="50000"/>
+              </a:schemeClr>
+            </a:lnRef>
+            <a:fillRef idx="1">
+              <a:schemeClr val="accent4"/>
+            </a:fillRef>
+            <a:effectRef idx="0">
+              <a:schemeClr val="accent4"/>
+            </a:effectRef>
+            <a:fontRef idx="minor">
+              <a:schemeClr val="lt1"/>
+            </a:fontRef>
+          </p:style>
+          <p:txBody>
+            <a:bodyPr rtlCol="0" anchor="ctr"/>
+            <a:lstStyle/>
+            <a:p>
+              <a:pPr algn="ctr"/>
+              <a:endParaRPr lang="zh-TW" altLang="en-US"/>
+            </a:p>
+          </p:txBody>
+        </p:sp>
+        <p:sp>
+          <p:nvSpPr>
+            <p:cNvPr id="21" name="橢圓 20">
+              <a:extLst>
+                <a:ext uri="{FF2B5EF4-FFF2-40B4-BE49-F238E27FC236}">
+                  <a16:creationId xmlns:a16="http://schemas.microsoft.com/office/drawing/2014/main" id="{52F1680C-B72A-4918-A8A7-B35B1069998F}"/>
+                </a:ext>
+              </a:extLst>
+            </p:cNvPr>
+            <p:cNvSpPr/>
+            <p:nvPr/>
+          </p:nvSpPr>
+          <p:spPr>
+            <a:xfrm>
+              <a:off x="3346609" y="1399722"/>
+              <a:ext cx="72000" cy="72000"/>
+            </a:xfrm>
+            <a:prstGeom prst="ellipse">
+              <a:avLst/>
+            </a:prstGeom>
+          </p:spPr>
+          <p:style>
+            <a:lnRef idx="2">
+              <a:schemeClr val="dk1">
+                <a:shade val="50000"/>
+              </a:schemeClr>
+            </a:lnRef>
+            <a:fillRef idx="1">
+              <a:schemeClr val="dk1"/>
+            </a:fillRef>
+            <a:effectRef idx="0">
+              <a:schemeClr val="dk1"/>
+            </a:effectRef>
+            <a:fontRef idx="minor">
+              <a:schemeClr val="lt1"/>
+            </a:fontRef>
+          </p:style>
+          <p:txBody>
+            <a:bodyPr rtlCol="0" anchor="ctr"/>
+            <a:lstStyle/>
+            <a:p>
+              <a:pPr algn="ctr"/>
+              <a:endParaRPr lang="zh-TW" altLang="en-US"/>
+            </a:p>
+          </p:txBody>
+        </p:sp>
+      </p:grpSp>
+      <p:grpSp>
+        <p:nvGrpSpPr>
+          <p:cNvPr id="23" name="群組 22">
+            <a:extLst>
+              <a:ext uri="{FF2B5EF4-FFF2-40B4-BE49-F238E27FC236}">
+                <a16:creationId xmlns:a16="http://schemas.microsoft.com/office/drawing/2014/main" id="{4F2BF76D-9EAA-4C87-AED4-67497D6D70C8}"/>
+              </a:ext>
+            </a:extLst>
+          </p:cNvPr>
+          <p:cNvGrpSpPr/>
+          <p:nvPr/>
+        </p:nvGrpSpPr>
+        <p:grpSpPr>
+          <a:xfrm>
+            <a:off x="3465841" y="3142309"/>
+            <a:ext cx="1548000" cy="1548000"/>
+            <a:chOff x="2613576" y="661722"/>
+            <a:chExt cx="1548000" cy="1548000"/>
+          </a:xfrm>
+        </p:grpSpPr>
+        <p:sp>
+          <p:nvSpPr>
+            <p:cNvPr id="24" name="橢圓 23">
+              <a:extLst>
+                <a:ext uri="{FF2B5EF4-FFF2-40B4-BE49-F238E27FC236}">
+                  <a16:creationId xmlns:a16="http://schemas.microsoft.com/office/drawing/2014/main" id="{270D0FC1-84AD-4E76-96C6-D22D0386A650}"/>
+                </a:ext>
+              </a:extLst>
+            </p:cNvPr>
+            <p:cNvSpPr/>
+            <p:nvPr/>
+          </p:nvSpPr>
+          <p:spPr>
+            <a:xfrm>
+              <a:off x="2613576" y="661722"/>
+              <a:ext cx="1548000" cy="1548000"/>
+            </a:xfrm>
+            <a:prstGeom prst="ellipse">
+              <a:avLst/>
+            </a:prstGeom>
+            <a:solidFill>
+              <a:srgbClr val="FFC000">
+                <a:alpha val="14902"/>
+              </a:srgbClr>
+            </a:solidFill>
+          </p:spPr>
+          <p:style>
+            <a:lnRef idx="2">
+              <a:schemeClr val="accent4">
+                <a:shade val="50000"/>
+              </a:schemeClr>
+            </a:lnRef>
+            <a:fillRef idx="1">
+              <a:schemeClr val="accent4"/>
+            </a:fillRef>
+            <a:effectRef idx="0">
+              <a:schemeClr val="accent4"/>
+            </a:effectRef>
+            <a:fontRef idx="minor">
+              <a:schemeClr val="lt1"/>
+            </a:fontRef>
+          </p:style>
+          <p:txBody>
+            <a:bodyPr rtlCol="0" anchor="ctr"/>
+            <a:lstStyle/>
+            <a:p>
+              <a:pPr algn="ctr"/>
+              <a:endParaRPr lang="zh-TW" altLang="en-US"/>
+            </a:p>
+          </p:txBody>
+        </p:sp>
+        <p:sp>
+          <p:nvSpPr>
+            <p:cNvPr id="25" name="橢圓 24">
+              <a:extLst>
+                <a:ext uri="{FF2B5EF4-FFF2-40B4-BE49-F238E27FC236}">
+                  <a16:creationId xmlns:a16="http://schemas.microsoft.com/office/drawing/2014/main" id="{FEDDD7F4-12CB-488E-BFE9-A7AD3CED651B}"/>
+                </a:ext>
+              </a:extLst>
+            </p:cNvPr>
+            <p:cNvSpPr/>
+            <p:nvPr/>
+          </p:nvSpPr>
+          <p:spPr>
+            <a:xfrm>
+              <a:off x="3346609" y="1399722"/>
+              <a:ext cx="72000" cy="72000"/>
+            </a:xfrm>
+            <a:prstGeom prst="ellipse">
+              <a:avLst/>
+            </a:prstGeom>
+          </p:spPr>
+          <p:style>
+            <a:lnRef idx="2">
+              <a:schemeClr val="dk1">
+                <a:shade val="50000"/>
+              </a:schemeClr>
+            </a:lnRef>
+            <a:fillRef idx="1">
+              <a:schemeClr val="dk1"/>
+            </a:fillRef>
+            <a:effectRef idx="0">
+              <a:schemeClr val="dk1"/>
+            </a:effectRef>
+            <a:fontRef idx="minor">
+              <a:schemeClr val="lt1"/>
+            </a:fontRef>
+          </p:style>
+          <p:txBody>
+            <a:bodyPr rtlCol="0" anchor="ctr"/>
+            <a:lstStyle/>
+            <a:p>
+              <a:pPr algn="ctr"/>
+              <a:endParaRPr lang="zh-TW" altLang="en-US"/>
+            </a:p>
+          </p:txBody>
+        </p:sp>
+      </p:grpSp>
+      <p:grpSp>
+        <p:nvGrpSpPr>
+          <p:cNvPr id="26" name="群組 25">
+            <a:extLst>
+              <a:ext uri="{FF2B5EF4-FFF2-40B4-BE49-F238E27FC236}">
+                <a16:creationId xmlns:a16="http://schemas.microsoft.com/office/drawing/2014/main" id="{97799390-AD6C-4422-8D49-EA649E7AA376}"/>
+              </a:ext>
+            </a:extLst>
+          </p:cNvPr>
+          <p:cNvGrpSpPr/>
+          <p:nvPr/>
+        </p:nvGrpSpPr>
+        <p:grpSpPr>
+          <a:xfrm>
+            <a:off x="5362587" y="1999155"/>
+            <a:ext cx="1548000" cy="1548000"/>
+            <a:chOff x="2613576" y="661722"/>
+            <a:chExt cx="1548000" cy="1548000"/>
+          </a:xfrm>
+        </p:grpSpPr>
+        <p:sp>
+          <p:nvSpPr>
+            <p:cNvPr id="27" name="橢圓 26">
+              <a:extLst>
+                <a:ext uri="{FF2B5EF4-FFF2-40B4-BE49-F238E27FC236}">
+                  <a16:creationId xmlns:a16="http://schemas.microsoft.com/office/drawing/2014/main" id="{17029A3E-DFD1-46AE-8044-1A75C55976BB}"/>
+                </a:ext>
+              </a:extLst>
+            </p:cNvPr>
+            <p:cNvSpPr/>
+            <p:nvPr/>
+          </p:nvSpPr>
+          <p:spPr>
+            <a:xfrm>
+              <a:off x="2613576" y="661722"/>
+              <a:ext cx="1548000" cy="1548000"/>
+            </a:xfrm>
+            <a:prstGeom prst="ellipse">
+              <a:avLst/>
+            </a:prstGeom>
+            <a:solidFill>
+              <a:srgbClr val="FFC000">
+                <a:alpha val="14902"/>
+              </a:srgbClr>
+            </a:solidFill>
+          </p:spPr>
+          <p:style>
+            <a:lnRef idx="2">
+              <a:schemeClr val="accent4">
+                <a:shade val="50000"/>
+              </a:schemeClr>
+            </a:lnRef>
+            <a:fillRef idx="1">
+              <a:schemeClr val="accent4"/>
+            </a:fillRef>
+            <a:effectRef idx="0">
+              <a:schemeClr val="accent4"/>
+            </a:effectRef>
+            <a:fontRef idx="minor">
+              <a:schemeClr val="lt1"/>
+            </a:fontRef>
+          </p:style>
+          <p:txBody>
+            <a:bodyPr rtlCol="0" anchor="ctr"/>
+            <a:lstStyle/>
+            <a:p>
+              <a:pPr algn="ctr"/>
+              <a:endParaRPr lang="zh-TW" altLang="en-US"/>
+            </a:p>
+          </p:txBody>
+        </p:sp>
+        <p:sp>
+          <p:nvSpPr>
+            <p:cNvPr id="28" name="橢圓 27">
+              <a:extLst>
+                <a:ext uri="{FF2B5EF4-FFF2-40B4-BE49-F238E27FC236}">
+                  <a16:creationId xmlns:a16="http://schemas.microsoft.com/office/drawing/2014/main" id="{872B5702-1D20-41B9-A68C-585126959FB1}"/>
+                </a:ext>
+              </a:extLst>
+            </p:cNvPr>
+            <p:cNvSpPr/>
+            <p:nvPr/>
+          </p:nvSpPr>
+          <p:spPr>
+            <a:xfrm>
+              <a:off x="3346609" y="1399722"/>
+              <a:ext cx="72000" cy="72000"/>
+            </a:xfrm>
+            <a:prstGeom prst="ellipse">
+              <a:avLst/>
+            </a:prstGeom>
+          </p:spPr>
+          <p:style>
+            <a:lnRef idx="2">
+              <a:schemeClr val="dk1">
+                <a:shade val="50000"/>
+              </a:schemeClr>
+            </a:lnRef>
+            <a:fillRef idx="1">
+              <a:schemeClr val="dk1"/>
+            </a:fillRef>
+            <a:effectRef idx="0">
+              <a:schemeClr val="dk1"/>
+            </a:effectRef>
+            <a:fontRef idx="minor">
+              <a:schemeClr val="lt1"/>
+            </a:fontRef>
+          </p:style>
+          <p:txBody>
+            <a:bodyPr rtlCol="0" anchor="ctr"/>
+            <a:lstStyle/>
+            <a:p>
+              <a:pPr algn="ctr"/>
+              <a:endParaRPr lang="zh-TW" altLang="en-US"/>
+            </a:p>
+          </p:txBody>
+        </p:sp>
+      </p:grpSp>
+      <p:grpSp>
+        <p:nvGrpSpPr>
+          <p:cNvPr id="29" name="群組 28">
+            <a:extLst>
+              <a:ext uri="{FF2B5EF4-FFF2-40B4-BE49-F238E27FC236}">
+                <a16:creationId xmlns:a16="http://schemas.microsoft.com/office/drawing/2014/main" id="{7E327046-B9F1-4CC6-9E08-0FB41139B32A}"/>
+              </a:ext>
+            </a:extLst>
+          </p:cNvPr>
+          <p:cNvGrpSpPr/>
+          <p:nvPr/>
+        </p:nvGrpSpPr>
+        <p:grpSpPr>
+          <a:xfrm>
+            <a:off x="4617093" y="768647"/>
+            <a:ext cx="1548000" cy="1548000"/>
+            <a:chOff x="2613576" y="661722"/>
+            <a:chExt cx="1548000" cy="1548000"/>
+          </a:xfrm>
+        </p:grpSpPr>
+        <p:sp>
+          <p:nvSpPr>
+            <p:cNvPr id="30" name="橢圓 29">
+              <a:extLst>
+                <a:ext uri="{FF2B5EF4-FFF2-40B4-BE49-F238E27FC236}">
+                  <a16:creationId xmlns:a16="http://schemas.microsoft.com/office/drawing/2014/main" id="{71800843-5F17-48E4-9567-6E31B2129516}"/>
+                </a:ext>
+              </a:extLst>
+            </p:cNvPr>
+            <p:cNvSpPr/>
+            <p:nvPr/>
+          </p:nvSpPr>
+          <p:spPr>
+            <a:xfrm>
+              <a:off x="2613576" y="661722"/>
+              <a:ext cx="1548000" cy="1548000"/>
+            </a:xfrm>
+            <a:prstGeom prst="ellipse">
+              <a:avLst/>
+            </a:prstGeom>
+            <a:solidFill>
+              <a:srgbClr val="FFC000">
+                <a:alpha val="14902"/>
+              </a:srgbClr>
+            </a:solidFill>
+          </p:spPr>
+          <p:style>
+            <a:lnRef idx="2">
+              <a:schemeClr val="accent4">
+                <a:shade val="50000"/>
+              </a:schemeClr>
+            </a:lnRef>
+            <a:fillRef idx="1">
+              <a:schemeClr val="accent4"/>
+            </a:fillRef>
+            <a:effectRef idx="0">
+              <a:schemeClr val="accent4"/>
+            </a:effectRef>
+            <a:fontRef idx="minor">
+              <a:schemeClr val="lt1"/>
+            </a:fontRef>
+          </p:style>
+          <p:txBody>
+            <a:bodyPr rtlCol="0" anchor="ctr"/>
+            <a:lstStyle/>
+            <a:p>
+              <a:pPr algn="ctr"/>
+              <a:endParaRPr lang="zh-TW" altLang="en-US"/>
+            </a:p>
+          </p:txBody>
+        </p:sp>
+        <p:sp>
+          <p:nvSpPr>
+            <p:cNvPr id="31" name="橢圓 30">
+              <a:extLst>
+                <a:ext uri="{FF2B5EF4-FFF2-40B4-BE49-F238E27FC236}">
+                  <a16:creationId xmlns:a16="http://schemas.microsoft.com/office/drawing/2014/main" id="{9C4A182E-B7EF-4CB5-93C2-CF799FFB5A8B}"/>
+                </a:ext>
+              </a:extLst>
+            </p:cNvPr>
+            <p:cNvSpPr/>
+            <p:nvPr/>
+          </p:nvSpPr>
+          <p:spPr>
+            <a:xfrm>
+              <a:off x="3346609" y="1399722"/>
+              <a:ext cx="72000" cy="72000"/>
+            </a:xfrm>
+            <a:prstGeom prst="ellipse">
+              <a:avLst/>
+            </a:prstGeom>
+          </p:spPr>
+          <p:style>
+            <a:lnRef idx="2">
+              <a:schemeClr val="dk1">
+                <a:shade val="50000"/>
+              </a:schemeClr>
+            </a:lnRef>
+            <a:fillRef idx="1">
+              <a:schemeClr val="dk1"/>
+            </a:fillRef>
+            <a:effectRef idx="0">
+              <a:schemeClr val="dk1"/>
+            </a:effectRef>
+            <a:fontRef idx="minor">
+              <a:schemeClr val="lt1"/>
+            </a:fontRef>
+          </p:style>
+          <p:txBody>
+            <a:bodyPr rtlCol="0" anchor="ctr"/>
+            <a:lstStyle/>
+            <a:p>
+              <a:pPr algn="ctr"/>
+              <a:endParaRPr lang="zh-TW" altLang="en-US"/>
+            </a:p>
+          </p:txBody>
+        </p:sp>
+      </p:grpSp>
     </p:spTree>
     <p:extLst>
       <p:ext uri="{BB962C8B-B14F-4D97-AF65-F5344CB8AC3E}">
-        <p14:creationId xmlns:p14="http://schemas.microsoft.com/office/powerpoint/2010/main" val="2799705022"/>
+        <p14:creationId xmlns:p14="http://schemas.microsoft.com/office/powerpoint/2010/main" val="1628341383"/>
+      </p:ext>
+    </p:extLst>
+  </p:cSld>
+  <p:clrMapOvr>
+    <a:masterClrMapping/>
+  </p:clrMapOvr>
+</p:sld>
+</file>
+
+<file path=ppt/slides/slide24.xml><?xml version="1.0" encoding="utf-8"?>
+<p:sld xmlns:a="http://schemas.openxmlformats.org/drawingml/2006/main" xmlns:r="http://schemas.openxmlformats.org/officeDocument/2006/relationships" xmlns:p="http://schemas.openxmlformats.org/presentationml/2006/main">
+  <p:cSld>
+    <p:spTree>
+      <p:nvGrpSpPr>
+        <p:cNvPr id="1" name=""/>
+        <p:cNvGrpSpPr/>
+        <p:nvPr/>
+      </p:nvGrpSpPr>
+      <p:grpSpPr>
+        <a:xfrm>
+          <a:off x="0" y="0"/>
+          <a:ext cx="0" cy="0"/>
+          <a:chOff x="0" y="0"/>
+          <a:chExt cx="0" cy="0"/>
+        </a:xfrm>
+      </p:grpSpPr>
+      <p:cxnSp>
+        <p:nvCxnSpPr>
+          <p:cNvPr id="14" name="直線單箭頭接點 13">
+            <a:extLst>
+              <a:ext uri="{FF2B5EF4-FFF2-40B4-BE49-F238E27FC236}">
+                <a16:creationId xmlns:a16="http://schemas.microsoft.com/office/drawing/2014/main" id="{E930EA04-4424-4004-AE5C-3FF53688B18A}"/>
+              </a:ext>
+            </a:extLst>
+          </p:cNvPr>
+          <p:cNvCxnSpPr/>
+          <p:nvPr/>
+        </p:nvCxnSpPr>
+        <p:spPr>
+          <a:xfrm flipH="1">
+            <a:off x="6536267" y="4440611"/>
+            <a:ext cx="1439333" cy="0"/>
+          </a:xfrm>
+          <a:prstGeom prst="straightConnector1">
+            <a:avLst/>
+          </a:prstGeom>
+          <a:ln w="76200">
+            <a:solidFill>
+              <a:srgbClr val="EDA9A9"/>
+            </a:solidFill>
+            <a:tailEnd type="triangle"/>
+          </a:ln>
+        </p:spPr>
+        <p:style>
+          <a:lnRef idx="1">
+            <a:schemeClr val="accent1"/>
+          </a:lnRef>
+          <a:fillRef idx="0">
+            <a:schemeClr val="accent1"/>
+          </a:fillRef>
+          <a:effectRef idx="0">
+            <a:schemeClr val="accent1"/>
+          </a:effectRef>
+          <a:fontRef idx="minor">
+            <a:schemeClr val="tx1"/>
+          </a:fontRef>
+        </p:style>
+      </p:cxnSp>
+      <p:cxnSp>
+        <p:nvCxnSpPr>
+          <p:cNvPr id="11" name="接點: 弧形 10">
+            <a:extLst>
+              <a:ext uri="{FF2B5EF4-FFF2-40B4-BE49-F238E27FC236}">
+                <a16:creationId xmlns:a16="http://schemas.microsoft.com/office/drawing/2014/main" id="{5C73459B-7533-45F7-8D1E-FC615C69D1BD}"/>
+              </a:ext>
+            </a:extLst>
+          </p:cNvPr>
+          <p:cNvCxnSpPr>
+            <a:cxnSpLocks/>
+          </p:cNvCxnSpPr>
+          <p:nvPr/>
+        </p:nvCxnSpPr>
+        <p:spPr>
+          <a:xfrm flipV="1">
+            <a:off x="3987499" y="2794000"/>
+            <a:ext cx="2108501" cy="1646612"/>
+          </a:xfrm>
+          <a:prstGeom prst="curvedConnector3">
+            <a:avLst/>
+          </a:prstGeom>
+          <a:ln w="76200">
+            <a:solidFill>
+              <a:schemeClr val="accent6">
+                <a:lumMod val="60000"/>
+                <a:lumOff val="40000"/>
+              </a:schemeClr>
+            </a:solidFill>
+            <a:tailEnd type="triangle"/>
+          </a:ln>
+        </p:spPr>
+        <p:style>
+          <a:lnRef idx="1">
+            <a:schemeClr val="accent1"/>
+          </a:lnRef>
+          <a:fillRef idx="0">
+            <a:schemeClr val="accent1"/>
+          </a:fillRef>
+          <a:effectRef idx="0">
+            <a:schemeClr val="accent1"/>
+          </a:effectRef>
+          <a:fontRef idx="minor">
+            <a:schemeClr val="tx1"/>
+          </a:fontRef>
+        </p:style>
+      </p:cxnSp>
+      <p:pic>
+        <p:nvPicPr>
+          <p:cNvPr id="7" name="圖片 6">
+            <a:extLst>
+              <a:ext uri="{FF2B5EF4-FFF2-40B4-BE49-F238E27FC236}">
+                <a16:creationId xmlns:a16="http://schemas.microsoft.com/office/drawing/2014/main" id="{AD39BFCF-2501-4809-8A70-3F813D74F79E}"/>
+              </a:ext>
+            </a:extLst>
+          </p:cNvPr>
+          <p:cNvPicPr>
+            <a:picLocks noChangeAspect="1"/>
+          </p:cNvPicPr>
+          <p:nvPr/>
+        </p:nvPicPr>
+        <p:blipFill>
+          <a:blip r:embed="rId2">
+            <a:extLst>
+              <a:ext uri="{28A0092B-C50C-407E-A947-70E740481C1C}">
+                <a14:useLocalDpi xmlns:a14="http://schemas.microsoft.com/office/drawing/2010/main" val="0"/>
+              </a:ext>
+            </a:extLst>
+          </a:blip>
+          <a:stretch>
+            <a:fillRect/>
+          </a:stretch>
+        </p:blipFill>
+        <p:spPr>
+          <a:xfrm rot="16200000">
+            <a:off x="7840436" y="2607730"/>
+            <a:ext cx="3665763" cy="3665763"/>
+          </a:xfrm>
+          <a:prstGeom prst="rect">
+            <a:avLst/>
+          </a:prstGeom>
+        </p:spPr>
+      </p:pic>
+      <p:pic>
+        <p:nvPicPr>
+          <p:cNvPr id="8" name="圖片 7">
+            <a:extLst>
+              <a:ext uri="{FF2B5EF4-FFF2-40B4-BE49-F238E27FC236}">
+                <a16:creationId xmlns:a16="http://schemas.microsoft.com/office/drawing/2014/main" id="{446B8C3A-0BB1-4D70-9BF6-087E41E8700C}"/>
+              </a:ext>
+            </a:extLst>
+          </p:cNvPr>
+          <p:cNvPicPr>
+            <a:picLocks noChangeAspect="1"/>
+          </p:cNvPicPr>
+          <p:nvPr/>
+        </p:nvPicPr>
+        <p:blipFill>
+          <a:blip r:embed="rId2">
+            <a:extLst>
+              <a:ext uri="{28A0092B-C50C-407E-A947-70E740481C1C}">
+                <a14:useLocalDpi xmlns:a14="http://schemas.microsoft.com/office/drawing/2010/main" val="0"/>
+              </a:ext>
+            </a:extLst>
+          </a:blip>
+          <a:stretch>
+            <a:fillRect/>
+          </a:stretch>
+        </p:blipFill>
+        <p:spPr>
+          <a:xfrm rot="5400000" flipH="1">
+            <a:off x="457503" y="2607731"/>
+            <a:ext cx="3665763" cy="3665763"/>
+          </a:xfrm>
+          <a:prstGeom prst="rect">
+            <a:avLst/>
+          </a:prstGeom>
+        </p:spPr>
+      </p:pic>
+    </p:spTree>
+    <p:extLst>
+      <p:ext uri="{BB962C8B-B14F-4D97-AF65-F5344CB8AC3E}">
+        <p14:creationId xmlns:p14="http://schemas.microsoft.com/office/powerpoint/2010/main" val="4231686865"/>
       </p:ext>
     </p:extLst>
   </p:cSld>

--- a/path_planing/VO_code_try/robot_properties3.pptx
+++ b/path_planing/VO_code_try/robot_properties3.pptx
@@ -26,9 +26,11 @@
     <p:sldId id="275" r:id="rId20"/>
     <p:sldId id="274" r:id="rId21"/>
     <p:sldId id="276" r:id="rId22"/>
-    <p:sldId id="277" r:id="rId23"/>
-    <p:sldId id="278" r:id="rId24"/>
-    <p:sldId id="279" r:id="rId25"/>
+    <p:sldId id="280" r:id="rId23"/>
+    <p:sldId id="277" r:id="rId24"/>
+    <p:sldId id="278" r:id="rId25"/>
+    <p:sldId id="279" r:id="rId26"/>
+    <p:sldId id="281" r:id="rId27"/>
   </p:sldIdLst>
   <p:sldSz cx="12192000" cy="6858000"/>
   <p:notesSz cx="6858000" cy="9144000"/>
@@ -282,7 +284,7 @@
           <a:p>
             <a:fld id="{9CD1F5AD-FE1B-4540-B598-52220A64164D}" type="datetimeFigureOut">
               <a:rPr lang="zh-TW" altLang="en-US" smtClean="0"/>
-              <a:t>2024/12/16</a:t>
+              <a:t>2024/12/20</a:t>
             </a:fld>
             <a:endParaRPr lang="zh-TW" altLang="en-US"/>
           </a:p>
@@ -480,7 +482,7 @@
           <a:p>
             <a:fld id="{9CD1F5AD-FE1B-4540-B598-52220A64164D}" type="datetimeFigureOut">
               <a:rPr lang="zh-TW" altLang="en-US" smtClean="0"/>
-              <a:t>2024/12/16</a:t>
+              <a:t>2024/12/20</a:t>
             </a:fld>
             <a:endParaRPr lang="zh-TW" altLang="en-US"/>
           </a:p>
@@ -688,7 +690,7 @@
           <a:p>
             <a:fld id="{9CD1F5AD-FE1B-4540-B598-52220A64164D}" type="datetimeFigureOut">
               <a:rPr lang="zh-TW" altLang="en-US" smtClean="0"/>
-              <a:t>2024/12/16</a:t>
+              <a:t>2024/12/20</a:t>
             </a:fld>
             <a:endParaRPr lang="zh-TW" altLang="en-US"/>
           </a:p>
@@ -886,7 +888,7 @@
           <a:p>
             <a:fld id="{9CD1F5AD-FE1B-4540-B598-52220A64164D}" type="datetimeFigureOut">
               <a:rPr lang="zh-TW" altLang="en-US" smtClean="0"/>
-              <a:t>2024/12/16</a:t>
+              <a:t>2024/12/20</a:t>
             </a:fld>
             <a:endParaRPr lang="zh-TW" altLang="en-US"/>
           </a:p>
@@ -1161,7 +1163,7 @@
           <a:p>
             <a:fld id="{9CD1F5AD-FE1B-4540-B598-52220A64164D}" type="datetimeFigureOut">
               <a:rPr lang="zh-TW" altLang="en-US" smtClean="0"/>
-              <a:t>2024/12/16</a:t>
+              <a:t>2024/12/20</a:t>
             </a:fld>
             <a:endParaRPr lang="zh-TW" altLang="en-US"/>
           </a:p>
@@ -1426,7 +1428,7 @@
           <a:p>
             <a:fld id="{9CD1F5AD-FE1B-4540-B598-52220A64164D}" type="datetimeFigureOut">
               <a:rPr lang="zh-TW" altLang="en-US" smtClean="0"/>
-              <a:t>2024/12/16</a:t>
+              <a:t>2024/12/20</a:t>
             </a:fld>
             <a:endParaRPr lang="zh-TW" altLang="en-US"/>
           </a:p>
@@ -1838,7 +1840,7 @@
           <a:p>
             <a:fld id="{9CD1F5AD-FE1B-4540-B598-52220A64164D}" type="datetimeFigureOut">
               <a:rPr lang="zh-TW" altLang="en-US" smtClean="0"/>
-              <a:t>2024/12/16</a:t>
+              <a:t>2024/12/20</a:t>
             </a:fld>
             <a:endParaRPr lang="zh-TW" altLang="en-US"/>
           </a:p>
@@ -1979,7 +1981,7 @@
           <a:p>
             <a:fld id="{9CD1F5AD-FE1B-4540-B598-52220A64164D}" type="datetimeFigureOut">
               <a:rPr lang="zh-TW" altLang="en-US" smtClean="0"/>
-              <a:t>2024/12/16</a:t>
+              <a:t>2024/12/20</a:t>
             </a:fld>
             <a:endParaRPr lang="zh-TW" altLang="en-US"/>
           </a:p>
@@ -2092,7 +2094,7 @@
           <a:p>
             <a:fld id="{9CD1F5AD-FE1B-4540-B598-52220A64164D}" type="datetimeFigureOut">
               <a:rPr lang="zh-TW" altLang="en-US" smtClean="0"/>
-              <a:t>2024/12/16</a:t>
+              <a:t>2024/12/20</a:t>
             </a:fld>
             <a:endParaRPr lang="zh-TW" altLang="en-US"/>
           </a:p>
@@ -2403,7 +2405,7 @@
           <a:p>
             <a:fld id="{9CD1F5AD-FE1B-4540-B598-52220A64164D}" type="datetimeFigureOut">
               <a:rPr lang="zh-TW" altLang="en-US" smtClean="0"/>
-              <a:t>2024/12/16</a:t>
+              <a:t>2024/12/20</a:t>
             </a:fld>
             <a:endParaRPr lang="zh-TW" altLang="en-US"/>
           </a:p>
@@ -2691,7 +2693,7 @@
           <a:p>
             <a:fld id="{9CD1F5AD-FE1B-4540-B598-52220A64164D}" type="datetimeFigureOut">
               <a:rPr lang="zh-TW" altLang="en-US" smtClean="0"/>
-              <a:t>2024/12/16</a:t>
+              <a:t>2024/12/20</a:t>
             </a:fld>
             <a:endParaRPr lang="zh-TW" altLang="en-US"/>
           </a:p>
@@ -2932,7 +2934,7 @@
           <a:p>
             <a:fld id="{9CD1F5AD-FE1B-4540-B598-52220A64164D}" type="datetimeFigureOut">
               <a:rPr lang="zh-TW" altLang="en-US" smtClean="0"/>
-              <a:t>2024/12/16</a:t>
+              <a:t>2024/12/20</a:t>
             </a:fld>
             <a:endParaRPr lang="zh-TW" altLang="en-US"/>
           </a:p>
@@ -21370,6 +21372,1589 @@
           <a:chExt cx="0" cy="0"/>
         </a:xfrm>
       </p:grpSpPr>
+      <p:sp>
+        <p:nvSpPr>
+          <p:cNvPr id="4" name="圓形: 空心 3">
+            <a:extLst>
+              <a:ext uri="{FF2B5EF4-FFF2-40B4-BE49-F238E27FC236}">
+                <a16:creationId xmlns:a16="http://schemas.microsoft.com/office/drawing/2014/main" id="{9A917DB3-0818-4B71-86BD-3A6A3AB8408C}"/>
+              </a:ext>
+            </a:extLst>
+          </p:cNvPr>
+          <p:cNvSpPr/>
+          <p:nvPr/>
+        </p:nvSpPr>
+        <p:spPr>
+          <a:xfrm>
+            <a:off x="734249" y="531050"/>
+            <a:ext cx="5580000" cy="5580000"/>
+          </a:xfrm>
+          <a:prstGeom prst="donut">
+            <a:avLst>
+              <a:gd name="adj" fmla="val 33113"/>
+            </a:avLst>
+          </a:prstGeom>
+          <a:ln w="57150">
+            <a:solidFill>
+              <a:schemeClr val="tx1">
+                <a:lumMod val="50000"/>
+                <a:lumOff val="50000"/>
+              </a:schemeClr>
+            </a:solidFill>
+          </a:ln>
+        </p:spPr>
+        <p:style>
+          <a:lnRef idx="2">
+            <a:schemeClr val="accent3">
+              <a:shade val="50000"/>
+            </a:schemeClr>
+          </a:lnRef>
+          <a:fillRef idx="1">
+            <a:schemeClr val="accent3"/>
+          </a:fillRef>
+          <a:effectRef idx="0">
+            <a:schemeClr val="accent3"/>
+          </a:effectRef>
+          <a:fontRef idx="minor">
+            <a:schemeClr val="lt1"/>
+          </a:fontRef>
+        </p:style>
+        <p:txBody>
+          <a:bodyPr rtlCol="0" anchor="ctr"/>
+          <a:lstStyle/>
+          <a:p>
+            <a:pPr algn="ctr"/>
+            <a:endParaRPr lang="zh-TW" altLang="en-US">
+              <a:solidFill>
+                <a:schemeClr val="tx1"/>
+              </a:solidFill>
+            </a:endParaRPr>
+          </a:p>
+        </p:txBody>
+      </p:sp>
+      <p:sp>
+        <p:nvSpPr>
+          <p:cNvPr id="60" name="橢圓 59">
+            <a:extLst>
+              <a:ext uri="{FF2B5EF4-FFF2-40B4-BE49-F238E27FC236}">
+                <a16:creationId xmlns:a16="http://schemas.microsoft.com/office/drawing/2014/main" id="{F56CA431-411E-4CBF-A988-AC9DF4124F9E}"/>
+              </a:ext>
+            </a:extLst>
+          </p:cNvPr>
+          <p:cNvSpPr/>
+          <p:nvPr/>
+        </p:nvSpPr>
+        <p:spPr>
+          <a:xfrm>
+            <a:off x="1634248" y="1425514"/>
+            <a:ext cx="3780000" cy="3780000"/>
+          </a:xfrm>
+          <a:prstGeom prst="ellipse">
+            <a:avLst/>
+          </a:prstGeom>
+          <a:noFill/>
+          <a:ln w="38100">
+            <a:solidFill>
+              <a:schemeClr val="accent4">
+                <a:lumMod val="20000"/>
+                <a:lumOff val="80000"/>
+              </a:schemeClr>
+            </a:solidFill>
+            <a:prstDash val="dash"/>
+          </a:ln>
+        </p:spPr>
+        <p:style>
+          <a:lnRef idx="2">
+            <a:schemeClr val="accent1">
+              <a:shade val="50000"/>
+            </a:schemeClr>
+          </a:lnRef>
+          <a:fillRef idx="1">
+            <a:schemeClr val="accent1"/>
+          </a:fillRef>
+          <a:effectRef idx="0">
+            <a:schemeClr val="accent1"/>
+          </a:effectRef>
+          <a:fontRef idx="minor">
+            <a:schemeClr val="lt1"/>
+          </a:fontRef>
+        </p:style>
+        <p:txBody>
+          <a:bodyPr rtlCol="0" anchor="ctr"/>
+          <a:lstStyle/>
+          <a:p>
+            <a:pPr algn="ctr"/>
+            <a:endParaRPr lang="zh-TW" altLang="en-US"/>
+          </a:p>
+        </p:txBody>
+      </p:sp>
+      <p:sp>
+        <p:nvSpPr>
+          <p:cNvPr id="43" name="弧形 42">
+            <a:extLst>
+              <a:ext uri="{FF2B5EF4-FFF2-40B4-BE49-F238E27FC236}">
+                <a16:creationId xmlns:a16="http://schemas.microsoft.com/office/drawing/2014/main" id="{816DDDF1-0F26-460C-B31B-BB41470E9EE7}"/>
+              </a:ext>
+            </a:extLst>
+          </p:cNvPr>
+          <p:cNvSpPr/>
+          <p:nvPr/>
+        </p:nvSpPr>
+        <p:spPr>
+          <a:xfrm>
+            <a:off x="1490249" y="1281514"/>
+            <a:ext cx="4068000" cy="4068000"/>
+          </a:xfrm>
+          <a:prstGeom prst="arc">
+            <a:avLst>
+              <a:gd name="adj1" fmla="val 14189689"/>
+              <a:gd name="adj2" fmla="val 15710612"/>
+            </a:avLst>
+          </a:prstGeom>
+          <a:ln w="38100">
+            <a:solidFill>
+              <a:srgbClr val="92D050"/>
+            </a:solidFill>
+            <a:headEnd type="arrow" w="med" len="med"/>
+            <a:tailEnd type="none" w="med" len="med"/>
+          </a:ln>
+        </p:spPr>
+        <p:style>
+          <a:lnRef idx="1">
+            <a:schemeClr val="accent1"/>
+          </a:lnRef>
+          <a:fillRef idx="0">
+            <a:schemeClr val="accent1"/>
+          </a:fillRef>
+          <a:effectRef idx="0">
+            <a:schemeClr val="accent1"/>
+          </a:effectRef>
+          <a:fontRef idx="minor">
+            <a:schemeClr val="tx1"/>
+          </a:fontRef>
+        </p:style>
+        <p:txBody>
+          <a:bodyPr rtlCol="0" anchor="ctr"/>
+          <a:lstStyle/>
+          <a:p>
+            <a:pPr algn="ctr"/>
+            <a:endParaRPr lang="zh-TW" altLang="en-US"/>
+          </a:p>
+        </p:txBody>
+      </p:sp>
+      <p:grpSp>
+        <p:nvGrpSpPr>
+          <p:cNvPr id="14" name="群組 13">
+            <a:extLst>
+              <a:ext uri="{FF2B5EF4-FFF2-40B4-BE49-F238E27FC236}">
+                <a16:creationId xmlns:a16="http://schemas.microsoft.com/office/drawing/2014/main" id="{88209324-A282-4696-BA4C-1364DBE7FA63}"/>
+              </a:ext>
+            </a:extLst>
+          </p:cNvPr>
+          <p:cNvGrpSpPr/>
+          <p:nvPr/>
+        </p:nvGrpSpPr>
+        <p:grpSpPr>
+          <a:xfrm>
+            <a:off x="3249611" y="1111818"/>
+            <a:ext cx="549275" cy="331695"/>
+            <a:chOff x="5821362" y="804334"/>
+            <a:chExt cx="549275" cy="331695"/>
+          </a:xfrm>
+        </p:grpSpPr>
+        <p:grpSp>
+          <p:nvGrpSpPr>
+            <p:cNvPr id="9" name="群組 8">
+              <a:extLst>
+                <a:ext uri="{FF2B5EF4-FFF2-40B4-BE49-F238E27FC236}">
+                  <a16:creationId xmlns:a16="http://schemas.microsoft.com/office/drawing/2014/main" id="{CFB5CB8E-1058-483F-A2C3-D8044F986764}"/>
+                </a:ext>
+              </a:extLst>
+            </p:cNvPr>
+            <p:cNvGrpSpPr/>
+            <p:nvPr/>
+          </p:nvGrpSpPr>
+          <p:grpSpPr>
+            <a:xfrm>
+              <a:off x="5821362" y="804334"/>
+              <a:ext cx="549275" cy="331695"/>
+              <a:chOff x="7520518" y="1491102"/>
+              <a:chExt cx="1735670" cy="991127"/>
+            </a:xfrm>
+          </p:grpSpPr>
+          <p:sp>
+            <p:nvSpPr>
+              <p:cNvPr id="6" name="矩形 5">
+                <a:extLst>
+                  <a:ext uri="{FF2B5EF4-FFF2-40B4-BE49-F238E27FC236}">
+                    <a16:creationId xmlns:a16="http://schemas.microsoft.com/office/drawing/2014/main" id="{A4B8F3CC-B213-4AEE-ACE4-CD654CC9F20E}"/>
+                  </a:ext>
+                </a:extLst>
+              </p:cNvPr>
+              <p:cNvSpPr/>
+              <p:nvPr/>
+            </p:nvSpPr>
+            <p:spPr>
+              <a:xfrm>
+                <a:off x="7520518" y="1491102"/>
+                <a:ext cx="1735670" cy="991127"/>
+              </a:xfrm>
+              <a:prstGeom prst="rect">
+                <a:avLst/>
+              </a:prstGeom>
+              <a:solidFill>
+                <a:schemeClr val="accent6">
+                  <a:lumMod val="60000"/>
+                  <a:lumOff val="40000"/>
+                </a:schemeClr>
+              </a:solidFill>
+              <a:ln>
+                <a:solidFill>
+                  <a:schemeClr val="tx1">
+                    <a:lumMod val="85000"/>
+                    <a:lumOff val="15000"/>
+                  </a:schemeClr>
+                </a:solidFill>
+              </a:ln>
+            </p:spPr>
+            <p:style>
+              <a:lnRef idx="2">
+                <a:schemeClr val="accent1">
+                  <a:shade val="50000"/>
+                </a:schemeClr>
+              </a:lnRef>
+              <a:fillRef idx="1">
+                <a:schemeClr val="accent1"/>
+              </a:fillRef>
+              <a:effectRef idx="0">
+                <a:schemeClr val="accent1"/>
+              </a:effectRef>
+              <a:fontRef idx="minor">
+                <a:schemeClr val="lt1"/>
+              </a:fontRef>
+            </p:style>
+            <p:txBody>
+              <a:bodyPr rtlCol="0" anchor="ctr"/>
+              <a:lstStyle/>
+              <a:p>
+                <a:pPr algn="ctr"/>
+                <a:endParaRPr lang="zh-TW" altLang="en-US"/>
+              </a:p>
+            </p:txBody>
+          </p:sp>
+          <p:sp>
+            <p:nvSpPr>
+              <p:cNvPr id="7" name="矩形 6">
+                <a:extLst>
+                  <a:ext uri="{FF2B5EF4-FFF2-40B4-BE49-F238E27FC236}">
+                    <a16:creationId xmlns:a16="http://schemas.microsoft.com/office/drawing/2014/main" id="{BA2CC09C-3EEA-4427-B7E1-576F7A66D1EB}"/>
+                  </a:ext>
+                </a:extLst>
+              </p:cNvPr>
+              <p:cNvSpPr/>
+              <p:nvPr/>
+            </p:nvSpPr>
+            <p:spPr>
+              <a:xfrm>
+                <a:off x="8680454" y="1863898"/>
+                <a:ext cx="440267" cy="245533"/>
+              </a:xfrm>
+              <a:prstGeom prst="rect">
+                <a:avLst/>
+              </a:prstGeom>
+              <a:solidFill>
+                <a:schemeClr val="tx1">
+                  <a:lumMod val="85000"/>
+                  <a:lumOff val="15000"/>
+                </a:schemeClr>
+              </a:solidFill>
+              <a:ln>
+                <a:solidFill>
+                  <a:schemeClr val="tx1"/>
+                </a:solidFill>
+              </a:ln>
+            </p:spPr>
+            <p:style>
+              <a:lnRef idx="2">
+                <a:schemeClr val="accent1">
+                  <a:shade val="50000"/>
+                </a:schemeClr>
+              </a:lnRef>
+              <a:fillRef idx="1">
+                <a:schemeClr val="accent1"/>
+              </a:fillRef>
+              <a:effectRef idx="0">
+                <a:schemeClr val="accent1"/>
+              </a:effectRef>
+              <a:fontRef idx="minor">
+                <a:schemeClr val="lt1"/>
+              </a:fontRef>
+            </p:style>
+            <p:txBody>
+              <a:bodyPr rtlCol="0" anchor="ctr"/>
+              <a:lstStyle/>
+              <a:p>
+                <a:pPr algn="ctr"/>
+                <a:endParaRPr lang="zh-TW" altLang="en-US"/>
+              </a:p>
+            </p:txBody>
+          </p:sp>
+          <p:sp>
+            <p:nvSpPr>
+              <p:cNvPr id="8" name="矩形 7">
+                <a:extLst>
+                  <a:ext uri="{FF2B5EF4-FFF2-40B4-BE49-F238E27FC236}">
+                    <a16:creationId xmlns:a16="http://schemas.microsoft.com/office/drawing/2014/main" id="{976B133B-FC66-41BE-98AF-AF3569EA9FC2}"/>
+                  </a:ext>
+                </a:extLst>
+              </p:cNvPr>
+              <p:cNvSpPr/>
+              <p:nvPr/>
+            </p:nvSpPr>
+            <p:spPr>
+              <a:xfrm>
+                <a:off x="7660219" y="1863897"/>
+                <a:ext cx="440267" cy="245533"/>
+              </a:xfrm>
+              <a:prstGeom prst="rect">
+                <a:avLst/>
+              </a:prstGeom>
+              <a:solidFill>
+                <a:schemeClr val="tx1">
+                  <a:lumMod val="85000"/>
+                  <a:lumOff val="15000"/>
+                </a:schemeClr>
+              </a:solidFill>
+              <a:ln>
+                <a:solidFill>
+                  <a:schemeClr val="tx1"/>
+                </a:solidFill>
+              </a:ln>
+            </p:spPr>
+            <p:style>
+              <a:lnRef idx="2">
+                <a:schemeClr val="accent1">
+                  <a:shade val="50000"/>
+                </a:schemeClr>
+              </a:lnRef>
+              <a:fillRef idx="1">
+                <a:schemeClr val="accent1"/>
+              </a:fillRef>
+              <a:effectRef idx="0">
+                <a:schemeClr val="accent1"/>
+              </a:effectRef>
+              <a:fontRef idx="minor">
+                <a:schemeClr val="lt1"/>
+              </a:fontRef>
+            </p:style>
+            <p:txBody>
+              <a:bodyPr rtlCol="0" anchor="ctr"/>
+              <a:lstStyle/>
+              <a:p>
+                <a:pPr algn="ctr"/>
+                <a:endParaRPr lang="zh-TW" altLang="en-US"/>
+              </a:p>
+            </p:txBody>
+          </p:sp>
+        </p:grpSp>
+        <p:grpSp>
+          <p:nvGrpSpPr>
+            <p:cNvPr id="13" name="群組 12">
+              <a:extLst>
+                <a:ext uri="{FF2B5EF4-FFF2-40B4-BE49-F238E27FC236}">
+                  <a16:creationId xmlns:a16="http://schemas.microsoft.com/office/drawing/2014/main" id="{2798D69D-6189-4C8A-8873-6CDBE8072D93}"/>
+                </a:ext>
+              </a:extLst>
+            </p:cNvPr>
+            <p:cNvGrpSpPr/>
+            <p:nvPr/>
+          </p:nvGrpSpPr>
+          <p:grpSpPr>
+            <a:xfrm>
+              <a:off x="6023999" y="898180"/>
+              <a:ext cx="144000" cy="144000"/>
+              <a:chOff x="7501400" y="537395"/>
+              <a:chExt cx="144000" cy="144000"/>
+            </a:xfrm>
+          </p:grpSpPr>
+          <p:sp>
+            <p:nvSpPr>
+              <p:cNvPr id="10" name="流程圖: 或 9">
+                <a:extLst>
+                  <a:ext uri="{FF2B5EF4-FFF2-40B4-BE49-F238E27FC236}">
+                    <a16:creationId xmlns:a16="http://schemas.microsoft.com/office/drawing/2014/main" id="{8B5B095A-83EC-481B-AF90-508B44D0C90B}"/>
+                  </a:ext>
+                </a:extLst>
+              </p:cNvPr>
+              <p:cNvSpPr/>
+              <p:nvPr/>
+            </p:nvSpPr>
+            <p:spPr>
+              <a:xfrm>
+                <a:off x="7501400" y="537395"/>
+                <a:ext cx="144000" cy="144000"/>
+              </a:xfrm>
+              <a:prstGeom prst="flowChartOr">
+                <a:avLst/>
+              </a:prstGeom>
+              <a:solidFill>
+                <a:schemeClr val="bg1"/>
+              </a:solidFill>
+              <a:ln>
+                <a:solidFill>
+                  <a:schemeClr val="tx1"/>
+                </a:solidFill>
+              </a:ln>
+            </p:spPr>
+            <p:style>
+              <a:lnRef idx="2">
+                <a:schemeClr val="accent1">
+                  <a:shade val="50000"/>
+                </a:schemeClr>
+              </a:lnRef>
+              <a:fillRef idx="1">
+                <a:schemeClr val="accent1"/>
+              </a:fillRef>
+              <a:effectRef idx="0">
+                <a:schemeClr val="accent1"/>
+              </a:effectRef>
+              <a:fontRef idx="minor">
+                <a:schemeClr val="lt1"/>
+              </a:fontRef>
+            </p:style>
+            <p:txBody>
+              <a:bodyPr rtlCol="0" anchor="ctr"/>
+              <a:lstStyle/>
+              <a:p>
+                <a:pPr algn="ctr"/>
+                <a:endParaRPr lang="zh-TW" altLang="en-US"/>
+              </a:p>
+            </p:txBody>
+          </p:sp>
+          <p:sp>
+            <p:nvSpPr>
+              <p:cNvPr id="11" name="局部圓 10">
+                <a:extLst>
+                  <a:ext uri="{FF2B5EF4-FFF2-40B4-BE49-F238E27FC236}">
+                    <a16:creationId xmlns:a16="http://schemas.microsoft.com/office/drawing/2014/main" id="{53D0B0D2-CE99-42A5-8423-A4CFAAD3744F}"/>
+                  </a:ext>
+                </a:extLst>
+              </p:cNvPr>
+              <p:cNvSpPr/>
+              <p:nvPr/>
+            </p:nvSpPr>
+            <p:spPr>
+              <a:xfrm>
+                <a:off x="7501400" y="537395"/>
+                <a:ext cx="144000" cy="144000"/>
+              </a:xfrm>
+              <a:prstGeom prst="pie">
+                <a:avLst>
+                  <a:gd name="adj1" fmla="val 10720982"/>
+                  <a:gd name="adj2" fmla="val 16200000"/>
+                </a:avLst>
+              </a:prstGeom>
+              <a:solidFill>
+                <a:schemeClr val="tx1"/>
+              </a:solidFill>
+              <a:ln>
+                <a:solidFill>
+                  <a:schemeClr val="tx1"/>
+                </a:solidFill>
+              </a:ln>
+            </p:spPr>
+            <p:style>
+              <a:lnRef idx="2">
+                <a:schemeClr val="accent1">
+                  <a:shade val="50000"/>
+                </a:schemeClr>
+              </a:lnRef>
+              <a:fillRef idx="1">
+                <a:schemeClr val="accent1"/>
+              </a:fillRef>
+              <a:effectRef idx="0">
+                <a:schemeClr val="accent1"/>
+              </a:effectRef>
+              <a:fontRef idx="minor">
+                <a:schemeClr val="lt1"/>
+              </a:fontRef>
+            </p:style>
+            <p:txBody>
+              <a:bodyPr rtlCol="0" anchor="ctr"/>
+              <a:lstStyle/>
+              <a:p>
+                <a:pPr algn="ctr"/>
+                <a:endParaRPr lang="zh-TW" altLang="en-US">
+                  <a:solidFill>
+                    <a:schemeClr val="tx1"/>
+                  </a:solidFill>
+                </a:endParaRPr>
+              </a:p>
+            </p:txBody>
+          </p:sp>
+          <p:sp>
+            <p:nvSpPr>
+              <p:cNvPr id="12" name="局部圓 11">
+                <a:extLst>
+                  <a:ext uri="{FF2B5EF4-FFF2-40B4-BE49-F238E27FC236}">
+                    <a16:creationId xmlns:a16="http://schemas.microsoft.com/office/drawing/2014/main" id="{C71C7773-014B-4041-924B-D212633BFAD4}"/>
+                  </a:ext>
+                </a:extLst>
+              </p:cNvPr>
+              <p:cNvSpPr/>
+              <p:nvPr/>
+            </p:nvSpPr>
+            <p:spPr>
+              <a:xfrm flipH="1" flipV="1">
+                <a:off x="7501400" y="537395"/>
+                <a:ext cx="144000" cy="144000"/>
+              </a:xfrm>
+              <a:prstGeom prst="pie">
+                <a:avLst>
+                  <a:gd name="adj1" fmla="val 10720982"/>
+                  <a:gd name="adj2" fmla="val 16200000"/>
+                </a:avLst>
+              </a:prstGeom>
+              <a:solidFill>
+                <a:schemeClr val="tx1"/>
+              </a:solidFill>
+              <a:ln>
+                <a:solidFill>
+                  <a:schemeClr val="tx1"/>
+                </a:solidFill>
+              </a:ln>
+            </p:spPr>
+            <p:style>
+              <a:lnRef idx="2">
+                <a:schemeClr val="accent1">
+                  <a:shade val="50000"/>
+                </a:schemeClr>
+              </a:lnRef>
+              <a:fillRef idx="1">
+                <a:schemeClr val="accent1"/>
+              </a:fillRef>
+              <a:effectRef idx="0">
+                <a:schemeClr val="accent1"/>
+              </a:effectRef>
+              <a:fontRef idx="minor">
+                <a:schemeClr val="lt1"/>
+              </a:fontRef>
+            </p:style>
+            <p:txBody>
+              <a:bodyPr rtlCol="0" anchor="ctr"/>
+              <a:lstStyle/>
+              <a:p>
+                <a:pPr algn="ctr"/>
+                <a:endParaRPr lang="zh-TW" altLang="en-US">
+                  <a:solidFill>
+                    <a:schemeClr val="tx1"/>
+                  </a:solidFill>
+                </a:endParaRPr>
+              </a:p>
+            </p:txBody>
+          </p:sp>
+        </p:grpSp>
+      </p:grpSp>
+      <p:sp>
+        <p:nvSpPr>
+          <p:cNvPr id="17" name="矩形: 剪去同側角落 16">
+            <a:extLst>
+              <a:ext uri="{FF2B5EF4-FFF2-40B4-BE49-F238E27FC236}">
+                <a16:creationId xmlns:a16="http://schemas.microsoft.com/office/drawing/2014/main" id="{36254702-A46D-4B86-8D57-1B943C919780}"/>
+              </a:ext>
+            </a:extLst>
+          </p:cNvPr>
+          <p:cNvSpPr/>
+          <p:nvPr/>
+        </p:nvSpPr>
+        <p:spPr>
+          <a:xfrm>
+            <a:off x="1634248" y="2276802"/>
+            <a:ext cx="1019452" cy="591381"/>
+          </a:xfrm>
+          <a:prstGeom prst="snip2SameRect">
+            <a:avLst>
+              <a:gd name="adj1" fmla="val 36239"/>
+              <a:gd name="adj2" fmla="val 21529"/>
+            </a:avLst>
+          </a:prstGeom>
+          <a:solidFill>
+            <a:schemeClr val="tx1">
+              <a:lumMod val="65000"/>
+              <a:lumOff val="35000"/>
+            </a:schemeClr>
+          </a:solidFill>
+          <a:ln>
+            <a:solidFill>
+              <a:schemeClr val="tx1">
+                <a:lumMod val="85000"/>
+                <a:lumOff val="15000"/>
+              </a:schemeClr>
+            </a:solidFill>
+          </a:ln>
+        </p:spPr>
+        <p:style>
+          <a:lnRef idx="2">
+            <a:schemeClr val="accent3">
+              <a:shade val="50000"/>
+            </a:schemeClr>
+          </a:lnRef>
+          <a:fillRef idx="1">
+            <a:schemeClr val="accent3"/>
+          </a:fillRef>
+          <a:effectRef idx="0">
+            <a:schemeClr val="accent3"/>
+          </a:effectRef>
+          <a:fontRef idx="minor">
+            <a:schemeClr val="lt1"/>
+          </a:fontRef>
+        </p:style>
+        <p:txBody>
+          <a:bodyPr rtlCol="0" anchor="ctr"/>
+          <a:lstStyle/>
+          <a:p>
+            <a:pPr algn="ctr"/>
+            <a:endParaRPr lang="zh-TW" altLang="en-US"/>
+          </a:p>
+        </p:txBody>
+      </p:sp>
+      <p:sp>
+        <p:nvSpPr>
+          <p:cNvPr id="61" name="矩形: 剪去同側角落 60">
+            <a:extLst>
+              <a:ext uri="{FF2B5EF4-FFF2-40B4-BE49-F238E27FC236}">
+                <a16:creationId xmlns:a16="http://schemas.microsoft.com/office/drawing/2014/main" id="{8EF6A0B7-8DD2-499E-8273-9210B6A3A2A0}"/>
+              </a:ext>
+            </a:extLst>
+          </p:cNvPr>
+          <p:cNvSpPr/>
+          <p:nvPr/>
+        </p:nvSpPr>
+        <p:spPr>
+          <a:xfrm>
+            <a:off x="4101072" y="4389366"/>
+            <a:ext cx="1019452" cy="591381"/>
+          </a:xfrm>
+          <a:prstGeom prst="snip2SameRect">
+            <a:avLst>
+              <a:gd name="adj1" fmla="val 36239"/>
+              <a:gd name="adj2" fmla="val 21529"/>
+            </a:avLst>
+          </a:prstGeom>
+          <a:solidFill>
+            <a:schemeClr val="tx1">
+              <a:lumMod val="65000"/>
+              <a:lumOff val="35000"/>
+            </a:schemeClr>
+          </a:solidFill>
+          <a:ln>
+            <a:solidFill>
+              <a:schemeClr val="tx1">
+                <a:lumMod val="85000"/>
+                <a:lumOff val="15000"/>
+              </a:schemeClr>
+            </a:solidFill>
+          </a:ln>
+        </p:spPr>
+        <p:style>
+          <a:lnRef idx="2">
+            <a:schemeClr val="accent3">
+              <a:shade val="50000"/>
+            </a:schemeClr>
+          </a:lnRef>
+          <a:fillRef idx="1">
+            <a:schemeClr val="accent3"/>
+          </a:fillRef>
+          <a:effectRef idx="0">
+            <a:schemeClr val="accent3"/>
+          </a:effectRef>
+          <a:fontRef idx="minor">
+            <a:schemeClr val="lt1"/>
+          </a:fontRef>
+        </p:style>
+        <p:txBody>
+          <a:bodyPr rtlCol="0" anchor="ctr"/>
+          <a:lstStyle/>
+          <a:p>
+            <a:pPr algn="ctr"/>
+            <a:endParaRPr lang="zh-TW" altLang="en-US"/>
+          </a:p>
+        </p:txBody>
+      </p:sp>
+      <p:sp>
+        <p:nvSpPr>
+          <p:cNvPr id="63" name="矩形: 剪去同側角落 62">
+            <a:extLst>
+              <a:ext uri="{FF2B5EF4-FFF2-40B4-BE49-F238E27FC236}">
+                <a16:creationId xmlns:a16="http://schemas.microsoft.com/office/drawing/2014/main" id="{084FD534-4179-4BC2-90E0-F41A43A87CFC}"/>
+              </a:ext>
+            </a:extLst>
+          </p:cNvPr>
+          <p:cNvSpPr/>
+          <p:nvPr/>
+        </p:nvSpPr>
+        <p:spPr>
+          <a:xfrm>
+            <a:off x="1050910" y="4454853"/>
+            <a:ext cx="1019452" cy="591381"/>
+          </a:xfrm>
+          <a:prstGeom prst="snip2SameRect">
+            <a:avLst>
+              <a:gd name="adj1" fmla="val 36239"/>
+              <a:gd name="adj2" fmla="val 21529"/>
+            </a:avLst>
+          </a:prstGeom>
+          <a:solidFill>
+            <a:schemeClr val="tx1">
+              <a:lumMod val="65000"/>
+              <a:lumOff val="35000"/>
+            </a:schemeClr>
+          </a:solidFill>
+          <a:ln>
+            <a:solidFill>
+              <a:schemeClr val="tx1">
+                <a:lumMod val="85000"/>
+                <a:lumOff val="15000"/>
+              </a:schemeClr>
+            </a:solidFill>
+          </a:ln>
+        </p:spPr>
+        <p:style>
+          <a:lnRef idx="2">
+            <a:schemeClr val="accent3">
+              <a:shade val="50000"/>
+            </a:schemeClr>
+          </a:lnRef>
+          <a:fillRef idx="1">
+            <a:schemeClr val="accent3"/>
+          </a:fillRef>
+          <a:effectRef idx="0">
+            <a:schemeClr val="accent3"/>
+          </a:effectRef>
+          <a:fontRef idx="minor">
+            <a:schemeClr val="lt1"/>
+          </a:fontRef>
+        </p:style>
+        <p:txBody>
+          <a:bodyPr rtlCol="0" anchor="ctr"/>
+          <a:lstStyle/>
+          <a:p>
+            <a:pPr algn="ctr"/>
+            <a:endParaRPr lang="zh-TW" altLang="en-US"/>
+          </a:p>
+        </p:txBody>
+      </p:sp>
+      <p:sp>
+        <p:nvSpPr>
+          <p:cNvPr id="70" name="矩形: 剪去同側角落 69">
+            <a:extLst>
+              <a:ext uri="{FF2B5EF4-FFF2-40B4-BE49-F238E27FC236}">
+                <a16:creationId xmlns:a16="http://schemas.microsoft.com/office/drawing/2014/main" id="{3AA0CDD9-BD76-4F75-BFFD-6FFB88280787}"/>
+              </a:ext>
+            </a:extLst>
+          </p:cNvPr>
+          <p:cNvSpPr/>
+          <p:nvPr/>
+        </p:nvSpPr>
+        <p:spPr>
+          <a:xfrm>
+            <a:off x="5265344" y="2859488"/>
+            <a:ext cx="1019452" cy="591381"/>
+          </a:xfrm>
+          <a:prstGeom prst="snip2SameRect">
+            <a:avLst>
+              <a:gd name="adj1" fmla="val 36239"/>
+              <a:gd name="adj2" fmla="val 21529"/>
+            </a:avLst>
+          </a:prstGeom>
+          <a:solidFill>
+            <a:schemeClr val="tx1">
+              <a:lumMod val="65000"/>
+              <a:lumOff val="35000"/>
+            </a:schemeClr>
+          </a:solidFill>
+          <a:ln>
+            <a:solidFill>
+              <a:schemeClr val="tx1">
+                <a:lumMod val="85000"/>
+                <a:lumOff val="15000"/>
+              </a:schemeClr>
+            </a:solidFill>
+          </a:ln>
+        </p:spPr>
+        <p:style>
+          <a:lnRef idx="2">
+            <a:schemeClr val="accent3">
+              <a:shade val="50000"/>
+            </a:schemeClr>
+          </a:lnRef>
+          <a:fillRef idx="1">
+            <a:schemeClr val="accent3"/>
+          </a:fillRef>
+          <a:effectRef idx="0">
+            <a:schemeClr val="accent3"/>
+          </a:effectRef>
+          <a:fontRef idx="minor">
+            <a:schemeClr val="lt1"/>
+          </a:fontRef>
+        </p:style>
+        <p:txBody>
+          <a:bodyPr rtlCol="0" anchor="ctr"/>
+          <a:lstStyle/>
+          <a:p>
+            <a:pPr algn="ctr"/>
+            <a:endParaRPr lang="zh-TW" altLang="en-US"/>
+          </a:p>
+        </p:txBody>
+      </p:sp>
+      <p:sp>
+        <p:nvSpPr>
+          <p:cNvPr id="71" name="矩形: 剪去同側角落 70">
+            <a:extLst>
+              <a:ext uri="{FF2B5EF4-FFF2-40B4-BE49-F238E27FC236}">
+                <a16:creationId xmlns:a16="http://schemas.microsoft.com/office/drawing/2014/main" id="{397CAE91-3CBF-4640-8DF0-A168E3111F59}"/>
+              </a:ext>
+            </a:extLst>
+          </p:cNvPr>
+          <p:cNvSpPr/>
+          <p:nvPr/>
+        </p:nvSpPr>
+        <p:spPr>
+          <a:xfrm>
+            <a:off x="4045160" y="1277664"/>
+            <a:ext cx="1019452" cy="591381"/>
+          </a:xfrm>
+          <a:prstGeom prst="snip2SameRect">
+            <a:avLst>
+              <a:gd name="adj1" fmla="val 36239"/>
+              <a:gd name="adj2" fmla="val 21529"/>
+            </a:avLst>
+          </a:prstGeom>
+          <a:solidFill>
+            <a:schemeClr val="tx1">
+              <a:lumMod val="65000"/>
+              <a:lumOff val="35000"/>
+            </a:schemeClr>
+          </a:solidFill>
+          <a:ln>
+            <a:solidFill>
+              <a:schemeClr val="tx1">
+                <a:lumMod val="85000"/>
+                <a:lumOff val="15000"/>
+              </a:schemeClr>
+            </a:solidFill>
+          </a:ln>
+        </p:spPr>
+        <p:style>
+          <a:lnRef idx="2">
+            <a:schemeClr val="accent3">
+              <a:shade val="50000"/>
+            </a:schemeClr>
+          </a:lnRef>
+          <a:fillRef idx="1">
+            <a:schemeClr val="accent3"/>
+          </a:fillRef>
+          <a:effectRef idx="0">
+            <a:schemeClr val="accent3"/>
+          </a:effectRef>
+          <a:fontRef idx="minor">
+            <a:schemeClr val="lt1"/>
+          </a:fontRef>
+        </p:style>
+        <p:txBody>
+          <a:bodyPr rtlCol="0" anchor="ctr"/>
+          <a:lstStyle/>
+          <a:p>
+            <a:pPr algn="ctr"/>
+            <a:endParaRPr lang="zh-TW" altLang="en-US"/>
+          </a:p>
+        </p:txBody>
+      </p:sp>
+      <p:sp>
+        <p:nvSpPr>
+          <p:cNvPr id="72" name="文字方塊 71">
+            <a:extLst>
+              <a:ext uri="{FF2B5EF4-FFF2-40B4-BE49-F238E27FC236}">
+                <a16:creationId xmlns:a16="http://schemas.microsoft.com/office/drawing/2014/main" id="{4237A3D8-B07E-4654-B30A-86673BE2309C}"/>
+              </a:ext>
+            </a:extLst>
+          </p:cNvPr>
+          <p:cNvSpPr txBox="1"/>
+          <p:nvPr/>
+        </p:nvSpPr>
+        <p:spPr>
+          <a:xfrm>
+            <a:off x="2793817" y="721741"/>
+            <a:ext cx="1460862" cy="369332"/>
+          </a:xfrm>
+          <a:prstGeom prst="rect">
+            <a:avLst/>
+          </a:prstGeom>
+          <a:noFill/>
+        </p:spPr>
+        <p:txBody>
+          <a:bodyPr wrap="square">
+            <a:spAutoFit/>
+          </a:bodyPr>
+          <a:lstStyle/>
+          <a:p>
+            <a:r>
+              <a:rPr lang="en-US" altLang="zh-TW" dirty="0"/>
+              <a:t>Mobile robot</a:t>
+            </a:r>
+            <a:endParaRPr lang="zh-TW" altLang="en-US" dirty="0"/>
+          </a:p>
+        </p:txBody>
+      </p:sp>
+      <p:sp>
+        <p:nvSpPr>
+          <p:cNvPr id="73" name="圓形: 空心 72">
+            <a:extLst>
+              <a:ext uri="{FF2B5EF4-FFF2-40B4-BE49-F238E27FC236}">
+                <a16:creationId xmlns:a16="http://schemas.microsoft.com/office/drawing/2014/main" id="{246FC524-F8DB-453F-9109-360D7D61A6B8}"/>
+              </a:ext>
+            </a:extLst>
+          </p:cNvPr>
+          <p:cNvSpPr/>
+          <p:nvPr/>
+        </p:nvSpPr>
+        <p:spPr>
+          <a:xfrm>
+            <a:off x="6665591" y="531050"/>
+            <a:ext cx="5580000" cy="5580000"/>
+          </a:xfrm>
+          <a:prstGeom prst="donut">
+            <a:avLst>
+              <a:gd name="adj" fmla="val 33113"/>
+            </a:avLst>
+          </a:prstGeom>
+          <a:ln w="57150">
+            <a:solidFill>
+              <a:schemeClr val="tx1">
+                <a:lumMod val="50000"/>
+                <a:lumOff val="50000"/>
+              </a:schemeClr>
+            </a:solidFill>
+          </a:ln>
+        </p:spPr>
+        <p:style>
+          <a:lnRef idx="2">
+            <a:schemeClr val="accent3">
+              <a:shade val="50000"/>
+            </a:schemeClr>
+          </a:lnRef>
+          <a:fillRef idx="1">
+            <a:schemeClr val="accent3"/>
+          </a:fillRef>
+          <a:effectRef idx="0">
+            <a:schemeClr val="accent3"/>
+          </a:effectRef>
+          <a:fontRef idx="minor">
+            <a:schemeClr val="lt1"/>
+          </a:fontRef>
+        </p:style>
+        <p:txBody>
+          <a:bodyPr rtlCol="0" anchor="ctr"/>
+          <a:lstStyle/>
+          <a:p>
+            <a:pPr algn="ctr"/>
+            <a:endParaRPr lang="zh-TW" altLang="en-US">
+              <a:solidFill>
+                <a:schemeClr val="tx1"/>
+              </a:solidFill>
+            </a:endParaRPr>
+          </a:p>
+        </p:txBody>
+      </p:sp>
+      <p:sp>
+        <p:nvSpPr>
+          <p:cNvPr id="74" name="橢圓 73">
+            <a:extLst>
+              <a:ext uri="{FF2B5EF4-FFF2-40B4-BE49-F238E27FC236}">
+                <a16:creationId xmlns:a16="http://schemas.microsoft.com/office/drawing/2014/main" id="{121CE11E-858B-48E7-ADB3-03E47B42EA95}"/>
+              </a:ext>
+            </a:extLst>
+          </p:cNvPr>
+          <p:cNvSpPr/>
+          <p:nvPr/>
+        </p:nvSpPr>
+        <p:spPr>
+          <a:xfrm>
+            <a:off x="7565590" y="1425514"/>
+            <a:ext cx="3780000" cy="3780000"/>
+          </a:xfrm>
+          <a:prstGeom prst="ellipse">
+            <a:avLst/>
+          </a:prstGeom>
+          <a:noFill/>
+          <a:ln w="38100">
+            <a:solidFill>
+              <a:schemeClr val="accent4">
+                <a:lumMod val="20000"/>
+                <a:lumOff val="80000"/>
+              </a:schemeClr>
+            </a:solidFill>
+            <a:prstDash val="dash"/>
+          </a:ln>
+        </p:spPr>
+        <p:style>
+          <a:lnRef idx="2">
+            <a:schemeClr val="accent1">
+              <a:shade val="50000"/>
+            </a:schemeClr>
+          </a:lnRef>
+          <a:fillRef idx="1">
+            <a:schemeClr val="accent1"/>
+          </a:fillRef>
+          <a:effectRef idx="0">
+            <a:schemeClr val="accent1"/>
+          </a:effectRef>
+          <a:fontRef idx="minor">
+            <a:schemeClr val="lt1"/>
+          </a:fontRef>
+        </p:style>
+        <p:txBody>
+          <a:bodyPr rtlCol="0" anchor="ctr"/>
+          <a:lstStyle/>
+          <a:p>
+            <a:pPr algn="ctr"/>
+            <a:endParaRPr lang="zh-TW" altLang="en-US"/>
+          </a:p>
+        </p:txBody>
+      </p:sp>
+      <p:sp>
+        <p:nvSpPr>
+          <p:cNvPr id="75" name="弧形 74">
+            <a:extLst>
+              <a:ext uri="{FF2B5EF4-FFF2-40B4-BE49-F238E27FC236}">
+                <a16:creationId xmlns:a16="http://schemas.microsoft.com/office/drawing/2014/main" id="{C8472B4F-695E-4004-B446-AC009DD60328}"/>
+              </a:ext>
+            </a:extLst>
+          </p:cNvPr>
+          <p:cNvSpPr/>
+          <p:nvPr/>
+        </p:nvSpPr>
+        <p:spPr>
+          <a:xfrm>
+            <a:off x="7421591" y="1281514"/>
+            <a:ext cx="4068000" cy="4068000"/>
+          </a:xfrm>
+          <a:prstGeom prst="arc">
+            <a:avLst>
+              <a:gd name="adj1" fmla="val 14189689"/>
+              <a:gd name="adj2" fmla="val 15710612"/>
+            </a:avLst>
+          </a:prstGeom>
+          <a:ln w="38100">
+            <a:solidFill>
+              <a:srgbClr val="92D050"/>
+            </a:solidFill>
+            <a:headEnd type="arrow" w="med" len="med"/>
+            <a:tailEnd type="none" w="med" len="med"/>
+          </a:ln>
+        </p:spPr>
+        <p:style>
+          <a:lnRef idx="1">
+            <a:schemeClr val="accent1"/>
+          </a:lnRef>
+          <a:fillRef idx="0">
+            <a:schemeClr val="accent1"/>
+          </a:fillRef>
+          <a:effectRef idx="0">
+            <a:schemeClr val="accent1"/>
+          </a:effectRef>
+          <a:fontRef idx="minor">
+            <a:schemeClr val="tx1"/>
+          </a:fontRef>
+        </p:style>
+        <p:txBody>
+          <a:bodyPr rtlCol="0" anchor="ctr"/>
+          <a:lstStyle/>
+          <a:p>
+            <a:pPr algn="ctr"/>
+            <a:endParaRPr lang="zh-TW" altLang="en-US"/>
+          </a:p>
+        </p:txBody>
+      </p:sp>
+      <p:grpSp>
+        <p:nvGrpSpPr>
+          <p:cNvPr id="76" name="群組 75">
+            <a:extLst>
+              <a:ext uri="{FF2B5EF4-FFF2-40B4-BE49-F238E27FC236}">
+                <a16:creationId xmlns:a16="http://schemas.microsoft.com/office/drawing/2014/main" id="{D452CF66-CC50-4A33-8596-8932B63276EB}"/>
+              </a:ext>
+            </a:extLst>
+          </p:cNvPr>
+          <p:cNvGrpSpPr/>
+          <p:nvPr/>
+        </p:nvGrpSpPr>
+        <p:grpSpPr>
+          <a:xfrm>
+            <a:off x="9180953" y="1111818"/>
+            <a:ext cx="549275" cy="331695"/>
+            <a:chOff x="5821362" y="804334"/>
+            <a:chExt cx="549275" cy="331695"/>
+          </a:xfrm>
+        </p:grpSpPr>
+        <p:grpSp>
+          <p:nvGrpSpPr>
+            <p:cNvPr id="77" name="群組 76">
+              <a:extLst>
+                <a:ext uri="{FF2B5EF4-FFF2-40B4-BE49-F238E27FC236}">
+                  <a16:creationId xmlns:a16="http://schemas.microsoft.com/office/drawing/2014/main" id="{8D6E6594-60E3-4C72-8E03-527D03951D9D}"/>
+                </a:ext>
+              </a:extLst>
+            </p:cNvPr>
+            <p:cNvGrpSpPr/>
+            <p:nvPr/>
+          </p:nvGrpSpPr>
+          <p:grpSpPr>
+            <a:xfrm>
+              <a:off x="5821362" y="804334"/>
+              <a:ext cx="549275" cy="331695"/>
+              <a:chOff x="7520518" y="1491102"/>
+              <a:chExt cx="1735670" cy="991127"/>
+            </a:xfrm>
+          </p:grpSpPr>
+          <p:sp>
+            <p:nvSpPr>
+              <p:cNvPr id="82" name="矩形 81">
+                <a:extLst>
+                  <a:ext uri="{FF2B5EF4-FFF2-40B4-BE49-F238E27FC236}">
+                    <a16:creationId xmlns:a16="http://schemas.microsoft.com/office/drawing/2014/main" id="{498D4533-B725-4192-8CE4-960B49D9F78B}"/>
+                  </a:ext>
+                </a:extLst>
+              </p:cNvPr>
+              <p:cNvSpPr/>
+              <p:nvPr/>
+            </p:nvSpPr>
+            <p:spPr>
+              <a:xfrm>
+                <a:off x="7520518" y="1491102"/>
+                <a:ext cx="1735670" cy="991127"/>
+              </a:xfrm>
+              <a:prstGeom prst="rect">
+                <a:avLst/>
+              </a:prstGeom>
+              <a:solidFill>
+                <a:schemeClr val="accent6">
+                  <a:lumMod val="60000"/>
+                  <a:lumOff val="40000"/>
+                </a:schemeClr>
+              </a:solidFill>
+              <a:ln>
+                <a:solidFill>
+                  <a:schemeClr val="tx1">
+                    <a:lumMod val="85000"/>
+                    <a:lumOff val="15000"/>
+                  </a:schemeClr>
+                </a:solidFill>
+              </a:ln>
+            </p:spPr>
+            <p:style>
+              <a:lnRef idx="2">
+                <a:schemeClr val="accent1">
+                  <a:shade val="50000"/>
+                </a:schemeClr>
+              </a:lnRef>
+              <a:fillRef idx="1">
+                <a:schemeClr val="accent1"/>
+              </a:fillRef>
+              <a:effectRef idx="0">
+                <a:schemeClr val="accent1"/>
+              </a:effectRef>
+              <a:fontRef idx="minor">
+                <a:schemeClr val="lt1"/>
+              </a:fontRef>
+            </p:style>
+            <p:txBody>
+              <a:bodyPr rtlCol="0" anchor="ctr"/>
+              <a:lstStyle/>
+              <a:p>
+                <a:pPr algn="ctr"/>
+                <a:endParaRPr lang="zh-TW" altLang="en-US"/>
+              </a:p>
+            </p:txBody>
+          </p:sp>
+          <p:sp>
+            <p:nvSpPr>
+              <p:cNvPr id="83" name="矩形 82">
+                <a:extLst>
+                  <a:ext uri="{FF2B5EF4-FFF2-40B4-BE49-F238E27FC236}">
+                    <a16:creationId xmlns:a16="http://schemas.microsoft.com/office/drawing/2014/main" id="{21D4C0E6-4473-4BF6-9799-3091C0750DBE}"/>
+                  </a:ext>
+                </a:extLst>
+              </p:cNvPr>
+              <p:cNvSpPr/>
+              <p:nvPr/>
+            </p:nvSpPr>
+            <p:spPr>
+              <a:xfrm>
+                <a:off x="8680454" y="1863898"/>
+                <a:ext cx="440267" cy="245533"/>
+              </a:xfrm>
+              <a:prstGeom prst="rect">
+                <a:avLst/>
+              </a:prstGeom>
+              <a:solidFill>
+                <a:schemeClr val="tx1">
+                  <a:lumMod val="85000"/>
+                  <a:lumOff val="15000"/>
+                </a:schemeClr>
+              </a:solidFill>
+              <a:ln>
+                <a:solidFill>
+                  <a:schemeClr val="tx1"/>
+                </a:solidFill>
+              </a:ln>
+            </p:spPr>
+            <p:style>
+              <a:lnRef idx="2">
+                <a:schemeClr val="accent1">
+                  <a:shade val="50000"/>
+                </a:schemeClr>
+              </a:lnRef>
+              <a:fillRef idx="1">
+                <a:schemeClr val="accent1"/>
+              </a:fillRef>
+              <a:effectRef idx="0">
+                <a:schemeClr val="accent1"/>
+              </a:effectRef>
+              <a:fontRef idx="minor">
+                <a:schemeClr val="lt1"/>
+              </a:fontRef>
+            </p:style>
+            <p:txBody>
+              <a:bodyPr rtlCol="0" anchor="ctr"/>
+              <a:lstStyle/>
+              <a:p>
+                <a:pPr algn="ctr"/>
+                <a:endParaRPr lang="zh-TW" altLang="en-US"/>
+              </a:p>
+            </p:txBody>
+          </p:sp>
+          <p:sp>
+            <p:nvSpPr>
+              <p:cNvPr id="84" name="矩形 83">
+                <a:extLst>
+                  <a:ext uri="{FF2B5EF4-FFF2-40B4-BE49-F238E27FC236}">
+                    <a16:creationId xmlns:a16="http://schemas.microsoft.com/office/drawing/2014/main" id="{23042C0E-5687-4D1F-9660-11BCB2805CEF}"/>
+                  </a:ext>
+                </a:extLst>
+              </p:cNvPr>
+              <p:cNvSpPr/>
+              <p:nvPr/>
+            </p:nvSpPr>
+            <p:spPr>
+              <a:xfrm>
+                <a:off x="7660219" y="1863897"/>
+                <a:ext cx="440267" cy="245533"/>
+              </a:xfrm>
+              <a:prstGeom prst="rect">
+                <a:avLst/>
+              </a:prstGeom>
+              <a:solidFill>
+                <a:schemeClr val="tx1">
+                  <a:lumMod val="85000"/>
+                  <a:lumOff val="15000"/>
+                </a:schemeClr>
+              </a:solidFill>
+              <a:ln>
+                <a:solidFill>
+                  <a:schemeClr val="tx1"/>
+                </a:solidFill>
+              </a:ln>
+            </p:spPr>
+            <p:style>
+              <a:lnRef idx="2">
+                <a:schemeClr val="accent1">
+                  <a:shade val="50000"/>
+                </a:schemeClr>
+              </a:lnRef>
+              <a:fillRef idx="1">
+                <a:schemeClr val="accent1"/>
+              </a:fillRef>
+              <a:effectRef idx="0">
+                <a:schemeClr val="accent1"/>
+              </a:effectRef>
+              <a:fontRef idx="minor">
+                <a:schemeClr val="lt1"/>
+              </a:fontRef>
+            </p:style>
+            <p:txBody>
+              <a:bodyPr rtlCol="0" anchor="ctr"/>
+              <a:lstStyle/>
+              <a:p>
+                <a:pPr algn="ctr"/>
+                <a:endParaRPr lang="zh-TW" altLang="en-US"/>
+              </a:p>
+            </p:txBody>
+          </p:sp>
+        </p:grpSp>
+        <p:grpSp>
+          <p:nvGrpSpPr>
+            <p:cNvPr id="78" name="群組 77">
+              <a:extLst>
+                <a:ext uri="{FF2B5EF4-FFF2-40B4-BE49-F238E27FC236}">
+                  <a16:creationId xmlns:a16="http://schemas.microsoft.com/office/drawing/2014/main" id="{84B81EAC-41BD-4472-9B47-0CB5BC1976B8}"/>
+                </a:ext>
+              </a:extLst>
+            </p:cNvPr>
+            <p:cNvGrpSpPr/>
+            <p:nvPr/>
+          </p:nvGrpSpPr>
+          <p:grpSpPr>
+            <a:xfrm>
+              <a:off x="6023999" y="898180"/>
+              <a:ext cx="144000" cy="144000"/>
+              <a:chOff x="7501400" y="537395"/>
+              <a:chExt cx="144000" cy="144000"/>
+            </a:xfrm>
+          </p:grpSpPr>
+          <p:sp>
+            <p:nvSpPr>
+              <p:cNvPr id="79" name="流程圖: 或 78">
+                <a:extLst>
+                  <a:ext uri="{FF2B5EF4-FFF2-40B4-BE49-F238E27FC236}">
+                    <a16:creationId xmlns:a16="http://schemas.microsoft.com/office/drawing/2014/main" id="{D3E92DB9-48E1-4ADD-A855-E0F34476541D}"/>
+                  </a:ext>
+                </a:extLst>
+              </p:cNvPr>
+              <p:cNvSpPr/>
+              <p:nvPr/>
+            </p:nvSpPr>
+            <p:spPr>
+              <a:xfrm>
+                <a:off x="7501400" y="537395"/>
+                <a:ext cx="144000" cy="144000"/>
+              </a:xfrm>
+              <a:prstGeom prst="flowChartOr">
+                <a:avLst/>
+              </a:prstGeom>
+              <a:solidFill>
+                <a:schemeClr val="bg1"/>
+              </a:solidFill>
+              <a:ln>
+                <a:solidFill>
+                  <a:schemeClr val="tx1"/>
+                </a:solidFill>
+              </a:ln>
+            </p:spPr>
+            <p:style>
+              <a:lnRef idx="2">
+                <a:schemeClr val="accent1">
+                  <a:shade val="50000"/>
+                </a:schemeClr>
+              </a:lnRef>
+              <a:fillRef idx="1">
+                <a:schemeClr val="accent1"/>
+              </a:fillRef>
+              <a:effectRef idx="0">
+                <a:schemeClr val="accent1"/>
+              </a:effectRef>
+              <a:fontRef idx="minor">
+                <a:schemeClr val="lt1"/>
+              </a:fontRef>
+            </p:style>
+            <p:txBody>
+              <a:bodyPr rtlCol="0" anchor="ctr"/>
+              <a:lstStyle/>
+              <a:p>
+                <a:pPr algn="ctr"/>
+                <a:endParaRPr lang="zh-TW" altLang="en-US"/>
+              </a:p>
+            </p:txBody>
+          </p:sp>
+          <p:sp>
+            <p:nvSpPr>
+              <p:cNvPr id="80" name="局部圓 79">
+                <a:extLst>
+                  <a:ext uri="{FF2B5EF4-FFF2-40B4-BE49-F238E27FC236}">
+                    <a16:creationId xmlns:a16="http://schemas.microsoft.com/office/drawing/2014/main" id="{6B61F7C7-007A-45D9-8F14-732DB41C0D79}"/>
+                  </a:ext>
+                </a:extLst>
+              </p:cNvPr>
+              <p:cNvSpPr/>
+              <p:nvPr/>
+            </p:nvSpPr>
+            <p:spPr>
+              <a:xfrm>
+                <a:off x="7501400" y="537395"/>
+                <a:ext cx="144000" cy="144000"/>
+              </a:xfrm>
+              <a:prstGeom prst="pie">
+                <a:avLst>
+                  <a:gd name="adj1" fmla="val 10720982"/>
+                  <a:gd name="adj2" fmla="val 16200000"/>
+                </a:avLst>
+              </a:prstGeom>
+              <a:solidFill>
+                <a:schemeClr val="tx1"/>
+              </a:solidFill>
+              <a:ln>
+                <a:solidFill>
+                  <a:schemeClr val="tx1"/>
+                </a:solidFill>
+              </a:ln>
+            </p:spPr>
+            <p:style>
+              <a:lnRef idx="2">
+                <a:schemeClr val="accent1">
+                  <a:shade val="50000"/>
+                </a:schemeClr>
+              </a:lnRef>
+              <a:fillRef idx="1">
+                <a:schemeClr val="accent1"/>
+              </a:fillRef>
+              <a:effectRef idx="0">
+                <a:schemeClr val="accent1"/>
+              </a:effectRef>
+              <a:fontRef idx="minor">
+                <a:schemeClr val="lt1"/>
+              </a:fontRef>
+            </p:style>
+            <p:txBody>
+              <a:bodyPr rtlCol="0" anchor="ctr"/>
+              <a:lstStyle/>
+              <a:p>
+                <a:pPr algn="ctr"/>
+                <a:endParaRPr lang="zh-TW" altLang="en-US">
+                  <a:solidFill>
+                    <a:schemeClr val="tx1"/>
+                  </a:solidFill>
+                </a:endParaRPr>
+              </a:p>
+            </p:txBody>
+          </p:sp>
+          <p:sp>
+            <p:nvSpPr>
+              <p:cNvPr id="81" name="局部圓 80">
+                <a:extLst>
+                  <a:ext uri="{FF2B5EF4-FFF2-40B4-BE49-F238E27FC236}">
+                    <a16:creationId xmlns:a16="http://schemas.microsoft.com/office/drawing/2014/main" id="{1F996C18-B488-47A7-BB49-3E2A36B2B46A}"/>
+                  </a:ext>
+                </a:extLst>
+              </p:cNvPr>
+              <p:cNvSpPr/>
+              <p:nvPr/>
+            </p:nvSpPr>
+            <p:spPr>
+              <a:xfrm flipH="1" flipV="1">
+                <a:off x="7501400" y="537395"/>
+                <a:ext cx="144000" cy="144000"/>
+              </a:xfrm>
+              <a:prstGeom prst="pie">
+                <a:avLst>
+                  <a:gd name="adj1" fmla="val 10720982"/>
+                  <a:gd name="adj2" fmla="val 16200000"/>
+                </a:avLst>
+              </a:prstGeom>
+              <a:solidFill>
+                <a:schemeClr val="tx1"/>
+              </a:solidFill>
+              <a:ln>
+                <a:solidFill>
+                  <a:schemeClr val="tx1"/>
+                </a:solidFill>
+              </a:ln>
+            </p:spPr>
+            <p:style>
+              <a:lnRef idx="2">
+                <a:schemeClr val="accent1">
+                  <a:shade val="50000"/>
+                </a:schemeClr>
+              </a:lnRef>
+              <a:fillRef idx="1">
+                <a:schemeClr val="accent1"/>
+              </a:fillRef>
+              <a:effectRef idx="0">
+                <a:schemeClr val="accent1"/>
+              </a:effectRef>
+              <a:fontRef idx="minor">
+                <a:schemeClr val="lt1"/>
+              </a:fontRef>
+            </p:style>
+            <p:txBody>
+              <a:bodyPr rtlCol="0" anchor="ctr"/>
+              <a:lstStyle/>
+              <a:p>
+                <a:pPr algn="ctr"/>
+                <a:endParaRPr lang="zh-TW" altLang="en-US">
+                  <a:solidFill>
+                    <a:schemeClr val="tx1"/>
+                  </a:solidFill>
+                </a:endParaRPr>
+              </a:p>
+            </p:txBody>
+          </p:sp>
+        </p:grpSp>
+      </p:grpSp>
+      <p:sp>
+        <p:nvSpPr>
+          <p:cNvPr id="90" name="文字方塊 89">
+            <a:extLst>
+              <a:ext uri="{FF2B5EF4-FFF2-40B4-BE49-F238E27FC236}">
+                <a16:creationId xmlns:a16="http://schemas.microsoft.com/office/drawing/2014/main" id="{4ECB8427-1BC4-42F0-A2C1-273B0B1D8CD2}"/>
+              </a:ext>
+            </a:extLst>
+          </p:cNvPr>
+          <p:cNvSpPr txBox="1"/>
+          <p:nvPr/>
+        </p:nvSpPr>
+        <p:spPr>
+          <a:xfrm>
+            <a:off x="8725159" y="721741"/>
+            <a:ext cx="1460862" cy="369332"/>
+          </a:xfrm>
+          <a:prstGeom prst="rect">
+            <a:avLst/>
+          </a:prstGeom>
+          <a:noFill/>
+        </p:spPr>
+        <p:txBody>
+          <a:bodyPr wrap="square">
+            <a:spAutoFit/>
+          </a:bodyPr>
+          <a:lstStyle/>
+          <a:p>
+            <a:r>
+              <a:rPr lang="en-US" altLang="zh-TW" dirty="0"/>
+              <a:t>Mobile robot</a:t>
+            </a:r>
+            <a:endParaRPr lang="zh-TW" altLang="en-US" dirty="0"/>
+          </a:p>
+        </p:txBody>
+      </p:sp>
+    </p:spTree>
+    <p:extLst>
+      <p:ext uri="{BB962C8B-B14F-4D97-AF65-F5344CB8AC3E}">
+        <p14:creationId xmlns:p14="http://schemas.microsoft.com/office/powerpoint/2010/main" val="1781896854"/>
+      </p:ext>
+    </p:extLst>
+  </p:cSld>
+  <p:clrMapOvr>
+    <a:masterClrMapping/>
+  </p:clrMapOvr>
+</p:sld>
+</file>
+
+<file path=ppt/slides/slide23.xml><?xml version="1.0" encoding="utf-8"?>
+<p:sld xmlns:a="http://schemas.openxmlformats.org/drawingml/2006/main" xmlns:r="http://schemas.openxmlformats.org/officeDocument/2006/relationships" xmlns:p="http://schemas.openxmlformats.org/presentationml/2006/main">
+  <p:cSld>
+    <p:spTree>
+      <p:nvGrpSpPr>
+        <p:cNvPr id="1" name=""/>
+        <p:cNvGrpSpPr/>
+        <p:nvPr/>
+      </p:nvGrpSpPr>
+      <p:grpSpPr>
+        <a:xfrm>
+          <a:off x="0" y="0"/>
+          <a:ext cx="0" cy="0"/>
+          <a:chOff x="0" y="0"/>
+          <a:chExt cx="0" cy="0"/>
+        </a:xfrm>
+      </p:grpSpPr>
       <p:cxnSp>
         <p:nvCxnSpPr>
           <p:cNvPr id="140" name="直線接點 139">
@@ -23631,7 +25216,7 @@
 </p:sld>
 </file>
 
-<file path=ppt/slides/slide23.xml><?xml version="1.0" encoding="utf-8"?>
+<file path=ppt/slides/slide24.xml><?xml version="1.0" encoding="utf-8"?>
 <p:sld xmlns:a="http://schemas.openxmlformats.org/drawingml/2006/main" xmlns:r="http://schemas.openxmlformats.org/officeDocument/2006/relationships" xmlns:p="http://schemas.openxmlformats.org/presentationml/2006/main">
   <p:cSld>
     <p:spTree>
@@ -24544,7 +26129,7 @@
 </p:sld>
 </file>
 
-<file path=ppt/slides/slide24.xml><?xml version="1.0" encoding="utf-8"?>
+<file path=ppt/slides/slide25.xml><?xml version="1.0" encoding="utf-8"?>
 <p:sld xmlns:a="http://schemas.openxmlformats.org/drawingml/2006/main" xmlns:r="http://schemas.openxmlformats.org/officeDocument/2006/relationships" xmlns:p="http://schemas.openxmlformats.org/presentationml/2006/main">
   <p:cSld>
     <p:spTree>
@@ -24726,6 +26311,386 @@
     <p:extLst>
       <p:ext uri="{BB962C8B-B14F-4D97-AF65-F5344CB8AC3E}">
         <p14:creationId xmlns:p14="http://schemas.microsoft.com/office/powerpoint/2010/main" val="4231686865"/>
+      </p:ext>
+    </p:extLst>
+  </p:cSld>
+  <p:clrMapOvr>
+    <a:masterClrMapping/>
+  </p:clrMapOvr>
+</p:sld>
+</file>
+
+<file path=ppt/slides/slide26.xml><?xml version="1.0" encoding="utf-8"?>
+<p:sld xmlns:a="http://schemas.openxmlformats.org/drawingml/2006/main" xmlns:r="http://schemas.openxmlformats.org/officeDocument/2006/relationships" xmlns:p="http://schemas.openxmlformats.org/presentationml/2006/main">
+  <p:cSld>
+    <p:spTree>
+      <p:nvGrpSpPr>
+        <p:cNvPr id="1" name=""/>
+        <p:cNvGrpSpPr/>
+        <p:nvPr/>
+      </p:nvGrpSpPr>
+      <p:grpSpPr>
+        <a:xfrm>
+          <a:off x="0" y="0"/>
+          <a:ext cx="0" cy="0"/>
+          <a:chOff x="0" y="0"/>
+          <a:chExt cx="0" cy="0"/>
+        </a:xfrm>
+      </p:grpSpPr>
+      <p:sp>
+        <p:nvSpPr>
+          <p:cNvPr id="4" name="手繪多邊形: 圖案 3">
+            <a:extLst>
+              <a:ext uri="{FF2B5EF4-FFF2-40B4-BE49-F238E27FC236}">
+                <a16:creationId xmlns:a16="http://schemas.microsoft.com/office/drawing/2014/main" id="{F4C5D060-9E81-46E3-98E8-3E1FEC222009}"/>
+              </a:ext>
+            </a:extLst>
+          </p:cNvPr>
+          <p:cNvSpPr>
+            <a:spLocks noChangeAspect="1"/>
+          </p:cNvSpPr>
+          <p:nvPr/>
+        </p:nvSpPr>
+        <p:spPr>
+          <a:xfrm>
+            <a:off x="1614263" y="666739"/>
+            <a:ext cx="1081831" cy="784527"/>
+          </a:xfrm>
+          <a:custGeom>
+            <a:avLst/>
+            <a:gdLst>
+              <a:gd name="connsiteX0" fmla="*/ 2700310 w 3863681"/>
+              <a:gd name="connsiteY0" fmla="*/ 702998 h 2801882"/>
+              <a:gd name="connsiteX1" fmla="*/ 1346523 w 3863681"/>
+              <a:gd name="connsiteY1" fmla="*/ 976131 h 2801882"/>
+              <a:gd name="connsiteX2" fmla="*/ 1643406 w 3863681"/>
+              <a:gd name="connsiteY2" fmla="*/ 1724276 h 2801882"/>
+              <a:gd name="connsiteX3" fmla="*/ 3478143 w 3863681"/>
+              <a:gd name="connsiteY3" fmla="*/ 1736152 h 2801882"/>
+              <a:gd name="connsiteX4" fmla="*/ 3668148 w 3863681"/>
+              <a:gd name="connsiteY4" fmla="*/ 2614926 h 2801882"/>
+              <a:gd name="connsiteX5" fmla="*/ 1204019 w 3863681"/>
+              <a:gd name="connsiteY5" fmla="*/ 2698053 h 2801882"/>
+              <a:gd name="connsiteX6" fmla="*/ 52112 w 3863681"/>
+              <a:gd name="connsiteY6" fmla="*/ 1415518 h 2801882"/>
+              <a:gd name="connsiteX7" fmla="*/ 527125 w 3863681"/>
+              <a:gd name="connsiteY7" fmla="*/ 239861 h 2801882"/>
+              <a:gd name="connsiteX8" fmla="*/ 3377203 w 3863681"/>
+              <a:gd name="connsiteY8" fmla="*/ 32043 h 2801882"/>
+              <a:gd name="connsiteX9" fmla="*/ 3644398 w 3863681"/>
+              <a:gd name="connsiteY9" fmla="*/ 691123 h 2801882"/>
+              <a:gd name="connsiteX10" fmla="*/ 2700310 w 3863681"/>
+              <a:gd name="connsiteY10" fmla="*/ 702998 h 2801882"/>
+            </a:gdLst>
+            <a:ahLst/>
+            <a:cxnLst>
+              <a:cxn ang="0">
+                <a:pos x="connsiteX0" y="connsiteY0"/>
+              </a:cxn>
+              <a:cxn ang="0">
+                <a:pos x="connsiteX1" y="connsiteY1"/>
+              </a:cxn>
+              <a:cxn ang="0">
+                <a:pos x="connsiteX2" y="connsiteY2"/>
+              </a:cxn>
+              <a:cxn ang="0">
+                <a:pos x="connsiteX3" y="connsiteY3"/>
+              </a:cxn>
+              <a:cxn ang="0">
+                <a:pos x="connsiteX4" y="connsiteY4"/>
+              </a:cxn>
+              <a:cxn ang="0">
+                <a:pos x="connsiteX5" y="connsiteY5"/>
+              </a:cxn>
+              <a:cxn ang="0">
+                <a:pos x="connsiteX6" y="connsiteY6"/>
+              </a:cxn>
+              <a:cxn ang="0">
+                <a:pos x="connsiteX7" y="connsiteY7"/>
+              </a:cxn>
+              <a:cxn ang="0">
+                <a:pos x="connsiteX8" y="connsiteY8"/>
+              </a:cxn>
+              <a:cxn ang="0">
+                <a:pos x="connsiteX9" y="connsiteY9"/>
+              </a:cxn>
+              <a:cxn ang="0">
+                <a:pos x="connsiteX10" y="connsiteY10"/>
+              </a:cxn>
+            </a:cxnLst>
+            <a:rect l="l" t="t" r="r" b="b"/>
+            <a:pathLst>
+              <a:path w="3863681" h="2801882">
+                <a:moveTo>
+                  <a:pt x="2700310" y="702998"/>
+                </a:moveTo>
+                <a:cubicBezTo>
+                  <a:pt x="2317331" y="750499"/>
+                  <a:pt x="1522674" y="805918"/>
+                  <a:pt x="1346523" y="976131"/>
+                </a:cubicBezTo>
+                <a:cubicBezTo>
+                  <a:pt x="1170372" y="1146344"/>
+                  <a:pt x="1288136" y="1597606"/>
+                  <a:pt x="1643406" y="1724276"/>
+                </a:cubicBezTo>
+                <a:cubicBezTo>
+                  <a:pt x="1998676" y="1850946"/>
+                  <a:pt x="3140686" y="1587710"/>
+                  <a:pt x="3478143" y="1736152"/>
+                </a:cubicBezTo>
+                <a:cubicBezTo>
+                  <a:pt x="3815600" y="1884594"/>
+                  <a:pt x="4047169" y="2454609"/>
+                  <a:pt x="3668148" y="2614926"/>
+                </a:cubicBezTo>
+                <a:cubicBezTo>
+                  <a:pt x="3289127" y="2775243"/>
+                  <a:pt x="1806692" y="2897954"/>
+                  <a:pt x="1204019" y="2698053"/>
+                </a:cubicBezTo>
+                <a:cubicBezTo>
+                  <a:pt x="601346" y="2498152"/>
+                  <a:pt x="164928" y="1825217"/>
+                  <a:pt x="52112" y="1415518"/>
+                </a:cubicBezTo>
+                <a:cubicBezTo>
+                  <a:pt x="-60704" y="1005819"/>
+                  <a:pt x="-27057" y="470440"/>
+                  <a:pt x="527125" y="239861"/>
+                </a:cubicBezTo>
+                <a:cubicBezTo>
+                  <a:pt x="1081307" y="9282"/>
+                  <a:pt x="2857658" y="-43167"/>
+                  <a:pt x="3377203" y="32043"/>
+                </a:cubicBezTo>
+                <a:cubicBezTo>
+                  <a:pt x="3896749" y="107253"/>
+                  <a:pt x="3762162" y="579297"/>
+                  <a:pt x="3644398" y="691123"/>
+                </a:cubicBezTo>
+                <a:cubicBezTo>
+                  <a:pt x="3526634" y="802949"/>
+                  <a:pt x="3083289" y="655497"/>
+                  <a:pt x="2700310" y="702998"/>
+                </a:cubicBezTo>
+                <a:close/>
+              </a:path>
+            </a:pathLst>
+          </a:custGeom>
+          <a:noFill/>
+          <a:ln w="76200">
+            <a:solidFill>
+              <a:schemeClr val="tx1">
+                <a:lumMod val="75000"/>
+                <a:lumOff val="25000"/>
+              </a:schemeClr>
+            </a:solidFill>
+          </a:ln>
+        </p:spPr>
+        <p:style>
+          <a:lnRef idx="2">
+            <a:schemeClr val="accent1">
+              <a:shade val="50000"/>
+            </a:schemeClr>
+          </a:lnRef>
+          <a:fillRef idx="1">
+            <a:schemeClr val="accent1"/>
+          </a:fillRef>
+          <a:effectRef idx="0">
+            <a:schemeClr val="accent1"/>
+          </a:effectRef>
+          <a:fontRef idx="minor">
+            <a:schemeClr val="lt1"/>
+          </a:fontRef>
+        </p:style>
+        <p:txBody>
+          <a:bodyPr rtlCol="0" anchor="ctr"/>
+          <a:lstStyle/>
+          <a:p>
+            <a:pPr algn="ctr"/>
+            <a:endParaRPr lang="zh-TW" altLang="en-US"/>
+          </a:p>
+        </p:txBody>
+      </p:sp>
+      <p:sp>
+        <p:nvSpPr>
+          <p:cNvPr id="6" name="手繪多邊形: 圖案 5">
+            <a:extLst>
+              <a:ext uri="{FF2B5EF4-FFF2-40B4-BE49-F238E27FC236}">
+                <a16:creationId xmlns:a16="http://schemas.microsoft.com/office/drawing/2014/main" id="{A0A8378C-34E1-4E85-B4CC-D9B1D23F3DD6}"/>
+              </a:ext>
+            </a:extLst>
+          </p:cNvPr>
+          <p:cNvSpPr>
+            <a:spLocks noChangeAspect="1"/>
+          </p:cNvSpPr>
+          <p:nvPr/>
+        </p:nvSpPr>
+        <p:spPr>
+          <a:xfrm>
+            <a:off x="1614263" y="666739"/>
+            <a:ext cx="1081831" cy="784527"/>
+          </a:xfrm>
+          <a:custGeom>
+            <a:avLst/>
+            <a:gdLst>
+              <a:gd name="connsiteX0" fmla="*/ 2700310 w 3863681"/>
+              <a:gd name="connsiteY0" fmla="*/ 702998 h 2801882"/>
+              <a:gd name="connsiteX1" fmla="*/ 1346523 w 3863681"/>
+              <a:gd name="connsiteY1" fmla="*/ 976131 h 2801882"/>
+              <a:gd name="connsiteX2" fmla="*/ 1643406 w 3863681"/>
+              <a:gd name="connsiteY2" fmla="*/ 1724276 h 2801882"/>
+              <a:gd name="connsiteX3" fmla="*/ 3478143 w 3863681"/>
+              <a:gd name="connsiteY3" fmla="*/ 1736152 h 2801882"/>
+              <a:gd name="connsiteX4" fmla="*/ 3668148 w 3863681"/>
+              <a:gd name="connsiteY4" fmla="*/ 2614926 h 2801882"/>
+              <a:gd name="connsiteX5" fmla="*/ 1204019 w 3863681"/>
+              <a:gd name="connsiteY5" fmla="*/ 2698053 h 2801882"/>
+              <a:gd name="connsiteX6" fmla="*/ 52112 w 3863681"/>
+              <a:gd name="connsiteY6" fmla="*/ 1415518 h 2801882"/>
+              <a:gd name="connsiteX7" fmla="*/ 527125 w 3863681"/>
+              <a:gd name="connsiteY7" fmla="*/ 239861 h 2801882"/>
+              <a:gd name="connsiteX8" fmla="*/ 3377203 w 3863681"/>
+              <a:gd name="connsiteY8" fmla="*/ 32043 h 2801882"/>
+              <a:gd name="connsiteX9" fmla="*/ 3644398 w 3863681"/>
+              <a:gd name="connsiteY9" fmla="*/ 691123 h 2801882"/>
+              <a:gd name="connsiteX10" fmla="*/ 2700310 w 3863681"/>
+              <a:gd name="connsiteY10" fmla="*/ 702998 h 2801882"/>
+            </a:gdLst>
+            <a:ahLst/>
+            <a:cxnLst>
+              <a:cxn ang="0">
+                <a:pos x="connsiteX0" y="connsiteY0"/>
+              </a:cxn>
+              <a:cxn ang="0">
+                <a:pos x="connsiteX1" y="connsiteY1"/>
+              </a:cxn>
+              <a:cxn ang="0">
+                <a:pos x="connsiteX2" y="connsiteY2"/>
+              </a:cxn>
+              <a:cxn ang="0">
+                <a:pos x="connsiteX3" y="connsiteY3"/>
+              </a:cxn>
+              <a:cxn ang="0">
+                <a:pos x="connsiteX4" y="connsiteY4"/>
+              </a:cxn>
+              <a:cxn ang="0">
+                <a:pos x="connsiteX5" y="connsiteY5"/>
+              </a:cxn>
+              <a:cxn ang="0">
+                <a:pos x="connsiteX6" y="connsiteY6"/>
+              </a:cxn>
+              <a:cxn ang="0">
+                <a:pos x="connsiteX7" y="connsiteY7"/>
+              </a:cxn>
+              <a:cxn ang="0">
+                <a:pos x="connsiteX8" y="connsiteY8"/>
+              </a:cxn>
+              <a:cxn ang="0">
+                <a:pos x="connsiteX9" y="connsiteY9"/>
+              </a:cxn>
+              <a:cxn ang="0">
+                <a:pos x="connsiteX10" y="connsiteY10"/>
+              </a:cxn>
+            </a:cxnLst>
+            <a:rect l="l" t="t" r="r" b="b"/>
+            <a:pathLst>
+              <a:path w="3863681" h="2801882">
+                <a:moveTo>
+                  <a:pt x="2700310" y="702998"/>
+                </a:moveTo>
+                <a:cubicBezTo>
+                  <a:pt x="2317331" y="750499"/>
+                  <a:pt x="1522674" y="805918"/>
+                  <a:pt x="1346523" y="976131"/>
+                </a:cubicBezTo>
+                <a:cubicBezTo>
+                  <a:pt x="1170372" y="1146344"/>
+                  <a:pt x="1288136" y="1597606"/>
+                  <a:pt x="1643406" y="1724276"/>
+                </a:cubicBezTo>
+                <a:cubicBezTo>
+                  <a:pt x="1998676" y="1850946"/>
+                  <a:pt x="3140686" y="1587710"/>
+                  <a:pt x="3478143" y="1736152"/>
+                </a:cubicBezTo>
+                <a:cubicBezTo>
+                  <a:pt x="3815600" y="1884594"/>
+                  <a:pt x="4047169" y="2454609"/>
+                  <a:pt x="3668148" y="2614926"/>
+                </a:cubicBezTo>
+                <a:cubicBezTo>
+                  <a:pt x="3289127" y="2775243"/>
+                  <a:pt x="1806692" y="2897954"/>
+                  <a:pt x="1204019" y="2698053"/>
+                </a:cubicBezTo>
+                <a:cubicBezTo>
+                  <a:pt x="601346" y="2498152"/>
+                  <a:pt x="164928" y="1825217"/>
+                  <a:pt x="52112" y="1415518"/>
+                </a:cubicBezTo>
+                <a:cubicBezTo>
+                  <a:pt x="-60704" y="1005819"/>
+                  <a:pt x="-27057" y="470440"/>
+                  <a:pt x="527125" y="239861"/>
+                </a:cubicBezTo>
+                <a:cubicBezTo>
+                  <a:pt x="1081307" y="9282"/>
+                  <a:pt x="2857658" y="-43167"/>
+                  <a:pt x="3377203" y="32043"/>
+                </a:cubicBezTo>
+                <a:cubicBezTo>
+                  <a:pt x="3896749" y="107253"/>
+                  <a:pt x="3762162" y="579297"/>
+                  <a:pt x="3644398" y="691123"/>
+                </a:cubicBezTo>
+                <a:cubicBezTo>
+                  <a:pt x="3526634" y="802949"/>
+                  <a:pt x="3083289" y="655497"/>
+                  <a:pt x="2700310" y="702998"/>
+                </a:cubicBezTo>
+                <a:close/>
+              </a:path>
+            </a:pathLst>
+          </a:custGeom>
+          <a:noFill/>
+          <a:ln w="6350">
+            <a:solidFill>
+              <a:schemeClr val="accent4"/>
+            </a:solidFill>
+            <a:prstDash val="dash"/>
+          </a:ln>
+        </p:spPr>
+        <p:style>
+          <a:lnRef idx="2">
+            <a:schemeClr val="accent1">
+              <a:shade val="50000"/>
+            </a:schemeClr>
+          </a:lnRef>
+          <a:fillRef idx="1">
+            <a:schemeClr val="accent1"/>
+          </a:fillRef>
+          <a:effectRef idx="0">
+            <a:schemeClr val="accent1"/>
+          </a:effectRef>
+          <a:fontRef idx="minor">
+            <a:schemeClr val="lt1"/>
+          </a:fontRef>
+        </p:style>
+        <p:txBody>
+          <a:bodyPr rtlCol="0" anchor="ctr"/>
+          <a:lstStyle/>
+          <a:p>
+            <a:pPr algn="ctr"/>
+            <a:endParaRPr lang="zh-TW" altLang="en-US"/>
+          </a:p>
+        </p:txBody>
+      </p:sp>
+    </p:spTree>
+    <p:extLst>
+      <p:ext uri="{BB962C8B-B14F-4D97-AF65-F5344CB8AC3E}">
+        <p14:creationId xmlns:p14="http://schemas.microsoft.com/office/powerpoint/2010/main" val="627918991"/>
       </p:ext>
     </p:extLst>
   </p:cSld>

--- a/path_planing/VO_code_try/robot_properties3.pptx
+++ b/path_planing/VO_code_try/robot_properties3.pptx
@@ -28,9 +28,11 @@
     <p:sldId id="276" r:id="rId22"/>
     <p:sldId id="280" r:id="rId23"/>
     <p:sldId id="277" r:id="rId24"/>
-    <p:sldId id="278" r:id="rId25"/>
-    <p:sldId id="279" r:id="rId26"/>
-    <p:sldId id="281" r:id="rId27"/>
+    <p:sldId id="282" r:id="rId25"/>
+    <p:sldId id="278" r:id="rId26"/>
+    <p:sldId id="283" r:id="rId27"/>
+    <p:sldId id="279" r:id="rId28"/>
+    <p:sldId id="281" r:id="rId29"/>
   </p:sldIdLst>
   <p:sldSz cx="12192000" cy="6858000"/>
   <p:notesSz cx="6858000" cy="9144000"/>
@@ -284,7 +286,7 @@
           <a:p>
             <a:fld id="{9CD1F5AD-FE1B-4540-B598-52220A64164D}" type="datetimeFigureOut">
               <a:rPr lang="zh-TW" altLang="en-US" smtClean="0"/>
-              <a:t>2024/12/20</a:t>
+              <a:t>2024/12/24</a:t>
             </a:fld>
             <a:endParaRPr lang="zh-TW" altLang="en-US"/>
           </a:p>
@@ -482,7 +484,7 @@
           <a:p>
             <a:fld id="{9CD1F5AD-FE1B-4540-B598-52220A64164D}" type="datetimeFigureOut">
               <a:rPr lang="zh-TW" altLang="en-US" smtClean="0"/>
-              <a:t>2024/12/20</a:t>
+              <a:t>2024/12/24</a:t>
             </a:fld>
             <a:endParaRPr lang="zh-TW" altLang="en-US"/>
           </a:p>
@@ -690,7 +692,7 @@
           <a:p>
             <a:fld id="{9CD1F5AD-FE1B-4540-B598-52220A64164D}" type="datetimeFigureOut">
               <a:rPr lang="zh-TW" altLang="en-US" smtClean="0"/>
-              <a:t>2024/12/20</a:t>
+              <a:t>2024/12/24</a:t>
             </a:fld>
             <a:endParaRPr lang="zh-TW" altLang="en-US"/>
           </a:p>
@@ -888,7 +890,7 @@
           <a:p>
             <a:fld id="{9CD1F5AD-FE1B-4540-B598-52220A64164D}" type="datetimeFigureOut">
               <a:rPr lang="zh-TW" altLang="en-US" smtClean="0"/>
-              <a:t>2024/12/20</a:t>
+              <a:t>2024/12/24</a:t>
             </a:fld>
             <a:endParaRPr lang="zh-TW" altLang="en-US"/>
           </a:p>
@@ -1163,7 +1165,7 @@
           <a:p>
             <a:fld id="{9CD1F5AD-FE1B-4540-B598-52220A64164D}" type="datetimeFigureOut">
               <a:rPr lang="zh-TW" altLang="en-US" smtClean="0"/>
-              <a:t>2024/12/20</a:t>
+              <a:t>2024/12/24</a:t>
             </a:fld>
             <a:endParaRPr lang="zh-TW" altLang="en-US"/>
           </a:p>
@@ -1428,7 +1430,7 @@
           <a:p>
             <a:fld id="{9CD1F5AD-FE1B-4540-B598-52220A64164D}" type="datetimeFigureOut">
               <a:rPr lang="zh-TW" altLang="en-US" smtClean="0"/>
-              <a:t>2024/12/20</a:t>
+              <a:t>2024/12/24</a:t>
             </a:fld>
             <a:endParaRPr lang="zh-TW" altLang="en-US"/>
           </a:p>
@@ -1840,7 +1842,7 @@
           <a:p>
             <a:fld id="{9CD1F5AD-FE1B-4540-B598-52220A64164D}" type="datetimeFigureOut">
               <a:rPr lang="zh-TW" altLang="en-US" smtClean="0"/>
-              <a:t>2024/12/20</a:t>
+              <a:t>2024/12/24</a:t>
             </a:fld>
             <a:endParaRPr lang="zh-TW" altLang="en-US"/>
           </a:p>
@@ -1981,7 +1983,7 @@
           <a:p>
             <a:fld id="{9CD1F5AD-FE1B-4540-B598-52220A64164D}" type="datetimeFigureOut">
               <a:rPr lang="zh-TW" altLang="en-US" smtClean="0"/>
-              <a:t>2024/12/20</a:t>
+              <a:t>2024/12/24</a:t>
             </a:fld>
             <a:endParaRPr lang="zh-TW" altLang="en-US"/>
           </a:p>
@@ -2094,7 +2096,7 @@
           <a:p>
             <a:fld id="{9CD1F5AD-FE1B-4540-B598-52220A64164D}" type="datetimeFigureOut">
               <a:rPr lang="zh-TW" altLang="en-US" smtClean="0"/>
-              <a:t>2024/12/20</a:t>
+              <a:t>2024/12/24</a:t>
             </a:fld>
             <a:endParaRPr lang="zh-TW" altLang="en-US"/>
           </a:p>
@@ -2405,7 +2407,7 @@
           <a:p>
             <a:fld id="{9CD1F5AD-FE1B-4540-B598-52220A64164D}" type="datetimeFigureOut">
               <a:rPr lang="zh-TW" altLang="en-US" smtClean="0"/>
-              <a:t>2024/12/20</a:t>
+              <a:t>2024/12/24</a:t>
             </a:fld>
             <a:endParaRPr lang="zh-TW" altLang="en-US"/>
           </a:p>
@@ -2693,7 +2695,7 @@
           <a:p>
             <a:fld id="{9CD1F5AD-FE1B-4540-B598-52220A64164D}" type="datetimeFigureOut">
               <a:rPr lang="zh-TW" altLang="en-US" smtClean="0"/>
-              <a:t>2024/12/20</a:t>
+              <a:t>2024/12/24</a:t>
             </a:fld>
             <a:endParaRPr lang="zh-TW" altLang="en-US"/>
           </a:p>
@@ -2934,7 +2936,7 @@
           <a:p>
             <a:fld id="{9CD1F5AD-FE1B-4540-B598-52220A64164D}" type="datetimeFigureOut">
               <a:rPr lang="zh-TW" altLang="en-US" smtClean="0"/>
-              <a:t>2024/12/20</a:t>
+              <a:t>2024/12/24</a:t>
             </a:fld>
             <a:endParaRPr lang="zh-TW" altLang="en-US"/>
           </a:p>
@@ -25235,6 +25237,907 @@
       </p:grpSpPr>
       <p:sp>
         <p:nvSpPr>
+          <p:cNvPr id="33" name="橢圓 32">
+            <a:extLst>
+              <a:ext uri="{FF2B5EF4-FFF2-40B4-BE49-F238E27FC236}">
+                <a16:creationId xmlns:a16="http://schemas.microsoft.com/office/drawing/2014/main" id="{BBD6E864-B792-4EE0-B079-6D0D75680CC3}"/>
+              </a:ext>
+            </a:extLst>
+          </p:cNvPr>
+          <p:cNvSpPr/>
+          <p:nvPr/>
+        </p:nvSpPr>
+        <p:spPr>
+          <a:xfrm>
+            <a:off x="8210148" y="3877827"/>
+            <a:ext cx="2700000" cy="2700000"/>
+          </a:xfrm>
+          <a:prstGeom prst="ellipse">
+            <a:avLst/>
+          </a:prstGeom>
+          <a:solidFill>
+            <a:srgbClr val="EDA9A9">
+              <a:alpha val="30196"/>
+            </a:srgbClr>
+          </a:solidFill>
+          <a:ln>
+            <a:solidFill>
+              <a:srgbClr val="FF0000"/>
+            </a:solidFill>
+          </a:ln>
+        </p:spPr>
+        <p:style>
+          <a:lnRef idx="2">
+            <a:schemeClr val="accent4">
+              <a:shade val="50000"/>
+            </a:schemeClr>
+          </a:lnRef>
+          <a:fillRef idx="1">
+            <a:schemeClr val="accent4"/>
+          </a:fillRef>
+          <a:effectRef idx="0">
+            <a:schemeClr val="accent4"/>
+          </a:effectRef>
+          <a:fontRef idx="minor">
+            <a:schemeClr val="lt1"/>
+          </a:fontRef>
+        </p:style>
+        <p:txBody>
+          <a:bodyPr rtlCol="0" anchor="ctr"/>
+          <a:lstStyle/>
+          <a:p>
+            <a:pPr algn="ctr"/>
+            <a:endParaRPr lang="zh-TW" altLang="en-US"/>
+          </a:p>
+        </p:txBody>
+      </p:sp>
+      <p:sp>
+        <p:nvSpPr>
+          <p:cNvPr id="35" name="橢圓 34">
+            <a:extLst>
+              <a:ext uri="{FF2B5EF4-FFF2-40B4-BE49-F238E27FC236}">
+                <a16:creationId xmlns:a16="http://schemas.microsoft.com/office/drawing/2014/main" id="{600F94E1-0DDC-4D7F-9C27-8D8FBAB66102}"/>
+              </a:ext>
+            </a:extLst>
+          </p:cNvPr>
+          <p:cNvSpPr/>
+          <p:nvPr/>
+        </p:nvSpPr>
+        <p:spPr>
+          <a:xfrm>
+            <a:off x="2692731" y="613313"/>
+            <a:ext cx="4248000" cy="4248000"/>
+          </a:xfrm>
+          <a:prstGeom prst="ellipse">
+            <a:avLst/>
+          </a:prstGeom>
+          <a:solidFill>
+            <a:srgbClr val="EDA9A9">
+              <a:alpha val="30196"/>
+            </a:srgbClr>
+          </a:solidFill>
+          <a:ln>
+            <a:solidFill>
+              <a:srgbClr val="FF0000"/>
+            </a:solidFill>
+          </a:ln>
+        </p:spPr>
+        <p:style>
+          <a:lnRef idx="2">
+            <a:schemeClr val="accent4">
+              <a:shade val="50000"/>
+            </a:schemeClr>
+          </a:lnRef>
+          <a:fillRef idx="1">
+            <a:schemeClr val="accent4"/>
+          </a:fillRef>
+          <a:effectRef idx="0">
+            <a:schemeClr val="accent4"/>
+          </a:effectRef>
+          <a:fontRef idx="minor">
+            <a:schemeClr val="lt1"/>
+          </a:fontRef>
+        </p:style>
+        <p:txBody>
+          <a:bodyPr rtlCol="0" anchor="ctr"/>
+          <a:lstStyle/>
+          <a:p>
+            <a:pPr algn="ctr"/>
+            <a:endParaRPr lang="zh-TW" altLang="en-US"/>
+          </a:p>
+        </p:txBody>
+      </p:sp>
+      <p:sp>
+        <p:nvSpPr>
+          <p:cNvPr id="7" name="橢圓 6">
+            <a:extLst>
+              <a:ext uri="{FF2B5EF4-FFF2-40B4-BE49-F238E27FC236}">
+                <a16:creationId xmlns:a16="http://schemas.microsoft.com/office/drawing/2014/main" id="{5AE9F444-6A90-44C4-9D00-E3E554FBEF70}"/>
+              </a:ext>
+            </a:extLst>
+          </p:cNvPr>
+          <p:cNvSpPr/>
+          <p:nvPr/>
+        </p:nvSpPr>
+        <p:spPr>
+          <a:xfrm>
+            <a:off x="4042731" y="1963313"/>
+            <a:ext cx="1548000" cy="1548000"/>
+          </a:xfrm>
+          <a:prstGeom prst="ellipse">
+            <a:avLst/>
+          </a:prstGeom>
+        </p:spPr>
+        <p:style>
+          <a:lnRef idx="2">
+            <a:schemeClr val="accent4">
+              <a:shade val="50000"/>
+            </a:schemeClr>
+          </a:lnRef>
+          <a:fillRef idx="1">
+            <a:schemeClr val="accent4"/>
+          </a:fillRef>
+          <a:effectRef idx="0">
+            <a:schemeClr val="accent4"/>
+          </a:effectRef>
+          <a:fontRef idx="minor">
+            <a:schemeClr val="lt1"/>
+          </a:fontRef>
+        </p:style>
+        <p:txBody>
+          <a:bodyPr rtlCol="0" anchor="ctr"/>
+          <a:lstStyle/>
+          <a:p>
+            <a:pPr algn="ctr"/>
+            <a:endParaRPr lang="zh-TW" altLang="en-US"/>
+          </a:p>
+        </p:txBody>
+      </p:sp>
+      <p:grpSp>
+        <p:nvGrpSpPr>
+          <p:cNvPr id="9" name="群組 8">
+            <a:extLst>
+              <a:ext uri="{FF2B5EF4-FFF2-40B4-BE49-F238E27FC236}">
+                <a16:creationId xmlns:a16="http://schemas.microsoft.com/office/drawing/2014/main" id="{CBE56E5E-343B-4089-B44F-D95C98783284}"/>
+              </a:ext>
+            </a:extLst>
+          </p:cNvPr>
+          <p:cNvGrpSpPr/>
+          <p:nvPr/>
+        </p:nvGrpSpPr>
+        <p:grpSpPr>
+          <a:xfrm>
+            <a:off x="8450486" y="4519195"/>
+            <a:ext cx="2219325" cy="1428750"/>
+            <a:chOff x="8348886" y="4357065"/>
+            <a:chExt cx="2219325" cy="1428750"/>
+          </a:xfrm>
+        </p:grpSpPr>
+        <p:sp>
+          <p:nvSpPr>
+            <p:cNvPr id="4" name="矩形 3">
+              <a:extLst>
+                <a:ext uri="{FF2B5EF4-FFF2-40B4-BE49-F238E27FC236}">
+                  <a16:creationId xmlns:a16="http://schemas.microsoft.com/office/drawing/2014/main" id="{D02C3F15-FAE2-4D6D-A4F4-248ACD7B4A08}"/>
+                </a:ext>
+              </a:extLst>
+            </p:cNvPr>
+            <p:cNvSpPr/>
+            <p:nvPr/>
+          </p:nvSpPr>
+          <p:spPr>
+            <a:xfrm rot="19709879">
+              <a:off x="8348886" y="4357065"/>
+              <a:ext cx="2219325" cy="1428750"/>
+            </a:xfrm>
+            <a:prstGeom prst="rect">
+              <a:avLst/>
+            </a:prstGeom>
+          </p:spPr>
+          <p:style>
+            <a:lnRef idx="2">
+              <a:schemeClr val="accent3">
+                <a:shade val="50000"/>
+              </a:schemeClr>
+            </a:lnRef>
+            <a:fillRef idx="1">
+              <a:schemeClr val="accent3"/>
+            </a:fillRef>
+            <a:effectRef idx="0">
+              <a:schemeClr val="accent3"/>
+            </a:effectRef>
+            <a:fontRef idx="minor">
+              <a:schemeClr val="lt1"/>
+            </a:fontRef>
+          </p:style>
+          <p:txBody>
+            <a:bodyPr rtlCol="0" anchor="ctr"/>
+            <a:lstStyle/>
+            <a:p>
+              <a:pPr algn="ctr"/>
+              <a:endParaRPr lang="zh-TW" altLang="en-US"/>
+            </a:p>
+          </p:txBody>
+        </p:sp>
+        <p:sp>
+          <p:nvSpPr>
+            <p:cNvPr id="8" name="橢圓 7">
+              <a:extLst>
+                <a:ext uri="{FF2B5EF4-FFF2-40B4-BE49-F238E27FC236}">
+                  <a16:creationId xmlns:a16="http://schemas.microsoft.com/office/drawing/2014/main" id="{B8EB5074-9B86-42D7-BE91-37C3DAE44B13}"/>
+                </a:ext>
+              </a:extLst>
+            </p:cNvPr>
+            <p:cNvSpPr/>
+            <p:nvPr/>
+          </p:nvSpPr>
+          <p:spPr>
+            <a:xfrm>
+              <a:off x="9422548" y="5035440"/>
+              <a:ext cx="72000" cy="72000"/>
+            </a:xfrm>
+            <a:prstGeom prst="ellipse">
+              <a:avLst/>
+            </a:prstGeom>
+          </p:spPr>
+          <p:style>
+            <a:lnRef idx="2">
+              <a:schemeClr val="dk1">
+                <a:shade val="50000"/>
+              </a:schemeClr>
+            </a:lnRef>
+            <a:fillRef idx="1">
+              <a:schemeClr val="dk1"/>
+            </a:fillRef>
+            <a:effectRef idx="0">
+              <a:schemeClr val="dk1"/>
+            </a:effectRef>
+            <a:fontRef idx="minor">
+              <a:schemeClr val="lt1"/>
+            </a:fontRef>
+          </p:style>
+          <p:txBody>
+            <a:bodyPr rtlCol="0" anchor="ctr"/>
+            <a:lstStyle/>
+            <a:p>
+              <a:pPr algn="ctr"/>
+              <a:endParaRPr lang="zh-TW" altLang="en-US"/>
+            </a:p>
+          </p:txBody>
+        </p:sp>
+      </p:grpSp>
+      <p:cxnSp>
+        <p:nvCxnSpPr>
+          <p:cNvPr id="12" name="直線接點 11">
+            <a:extLst>
+              <a:ext uri="{FF2B5EF4-FFF2-40B4-BE49-F238E27FC236}">
+                <a16:creationId xmlns:a16="http://schemas.microsoft.com/office/drawing/2014/main" id="{AECA7049-07A1-42C3-8721-E33B11C0CC19}"/>
+              </a:ext>
+            </a:extLst>
+          </p:cNvPr>
+          <p:cNvCxnSpPr>
+            <a:cxnSpLocks/>
+          </p:cNvCxnSpPr>
+          <p:nvPr/>
+        </p:nvCxnSpPr>
+        <p:spPr>
+          <a:xfrm flipH="1" flipV="1">
+            <a:off x="1312447" y="4599803"/>
+            <a:ext cx="8247702" cy="628024"/>
+          </a:xfrm>
+          <a:prstGeom prst="line">
+            <a:avLst/>
+          </a:prstGeom>
+        </p:spPr>
+        <p:style>
+          <a:lnRef idx="1">
+            <a:schemeClr val="accent1"/>
+          </a:lnRef>
+          <a:fillRef idx="0">
+            <a:schemeClr val="accent1"/>
+          </a:fillRef>
+          <a:effectRef idx="0">
+            <a:schemeClr val="accent1"/>
+          </a:effectRef>
+          <a:fontRef idx="minor">
+            <a:schemeClr val="tx1"/>
+          </a:fontRef>
+        </p:style>
+      </p:cxnSp>
+      <p:cxnSp>
+        <p:nvCxnSpPr>
+          <p:cNvPr id="14" name="直線接點 13">
+            <a:extLst>
+              <a:ext uri="{FF2B5EF4-FFF2-40B4-BE49-F238E27FC236}">
+                <a16:creationId xmlns:a16="http://schemas.microsoft.com/office/drawing/2014/main" id="{F6EE1EA9-D490-40E5-8C8B-6B4FC9DABCC4}"/>
+              </a:ext>
+            </a:extLst>
+          </p:cNvPr>
+          <p:cNvCxnSpPr>
+            <a:cxnSpLocks/>
+          </p:cNvCxnSpPr>
+          <p:nvPr/>
+        </p:nvCxnSpPr>
+        <p:spPr>
+          <a:xfrm flipH="1" flipV="1">
+            <a:off x="5334000" y="0"/>
+            <a:ext cx="4226149" cy="5227828"/>
+          </a:xfrm>
+          <a:prstGeom prst="line">
+            <a:avLst/>
+          </a:prstGeom>
+        </p:spPr>
+        <p:style>
+          <a:lnRef idx="1">
+            <a:schemeClr val="accent1"/>
+          </a:lnRef>
+          <a:fillRef idx="0">
+            <a:schemeClr val="accent1"/>
+          </a:fillRef>
+          <a:effectRef idx="0">
+            <a:schemeClr val="accent1"/>
+          </a:effectRef>
+          <a:fontRef idx="minor">
+            <a:schemeClr val="tx1"/>
+          </a:fontRef>
+        </p:style>
+      </p:cxnSp>
+      <p:cxnSp>
+        <p:nvCxnSpPr>
+          <p:cNvPr id="6" name="直線單箭頭接點 5">
+            <a:extLst>
+              <a:ext uri="{FF2B5EF4-FFF2-40B4-BE49-F238E27FC236}">
+                <a16:creationId xmlns:a16="http://schemas.microsoft.com/office/drawing/2014/main" id="{D714CA85-684A-431B-A35A-B8F34119A28B}"/>
+              </a:ext>
+            </a:extLst>
+          </p:cNvPr>
+          <p:cNvCxnSpPr>
+            <a:cxnSpLocks/>
+            <a:stCxn id="8" idx="6"/>
+            <a:endCxn id="33" idx="7"/>
+          </p:cNvCxnSpPr>
+          <p:nvPr/>
+        </p:nvCxnSpPr>
+        <p:spPr>
+          <a:xfrm flipV="1">
+            <a:off x="9596148" y="4273233"/>
+            <a:ext cx="918594" cy="960337"/>
+          </a:xfrm>
+          <a:prstGeom prst="straightConnector1">
+            <a:avLst/>
+          </a:prstGeom>
+          <a:ln>
+            <a:solidFill>
+              <a:schemeClr val="tx1"/>
+            </a:solidFill>
+            <a:tailEnd type="triangle"/>
+          </a:ln>
+        </p:spPr>
+        <p:style>
+          <a:lnRef idx="1">
+            <a:schemeClr val="accent1"/>
+          </a:lnRef>
+          <a:fillRef idx="0">
+            <a:schemeClr val="accent1"/>
+          </a:fillRef>
+          <a:effectRef idx="0">
+            <a:schemeClr val="accent1"/>
+          </a:effectRef>
+          <a:fontRef idx="minor">
+            <a:schemeClr val="tx1"/>
+          </a:fontRef>
+        </p:style>
+      </p:cxnSp>
+      <mc:AlternateContent xmlns:mc="http://schemas.openxmlformats.org/markup-compatibility/2006">
+        <mc:Choice xmlns:a14="http://schemas.microsoft.com/office/drawing/2010/main" Requires="a14">
+          <p:sp>
+            <p:nvSpPr>
+              <p:cNvPr id="10" name="文字方塊 9">
+                <a:extLst>
+                  <a:ext uri="{FF2B5EF4-FFF2-40B4-BE49-F238E27FC236}">
+                    <a16:creationId xmlns:a16="http://schemas.microsoft.com/office/drawing/2014/main" id="{AD63A843-246B-43C3-90EC-EB4122C15E78}"/>
+                  </a:ext>
+                </a:extLst>
+              </p:cNvPr>
+              <p:cNvSpPr txBox="1"/>
+              <p:nvPr/>
+            </p:nvSpPr>
+            <p:spPr>
+              <a:xfrm>
+                <a:off x="9862449" y="4398434"/>
+                <a:ext cx="248466" cy="276999"/>
+              </a:xfrm>
+              <a:prstGeom prst="rect">
+                <a:avLst/>
+              </a:prstGeom>
+              <a:noFill/>
+            </p:spPr>
+            <p:txBody>
+              <a:bodyPr wrap="none" lIns="0" tIns="0" rIns="0" bIns="0" rtlCol="0">
+                <a:spAutoFit/>
+              </a:bodyPr>
+              <a:lstStyle/>
+              <a:p>
+                <a14:m>
+                  <m:oMathPara xmlns:m="http://schemas.openxmlformats.org/officeDocument/2006/math">
+                    <m:oMathParaPr>
+                      <m:jc m:val="centerGroup"/>
+                    </m:oMathParaPr>
+                    <m:oMath xmlns:m="http://schemas.openxmlformats.org/officeDocument/2006/math">
+                      <m:sSub>
+                        <m:sSubPr>
+                          <m:ctrlPr>
+                            <a:rPr lang="en-US" altLang="zh-TW" b="0" i="1" smtClean="0">
+                              <a:latin typeface="Cambria Math" panose="02040503050406030204" pitchFamily="18" charset="0"/>
+                            </a:rPr>
+                          </m:ctrlPr>
+                        </m:sSubPr>
+                        <m:e>
+                          <m:r>
+                            <a:rPr lang="en-US" altLang="zh-TW" b="0" i="1" smtClean="0">
+                              <a:latin typeface="Cambria Math" panose="02040503050406030204" pitchFamily="18" charset="0"/>
+                            </a:rPr>
+                            <m:t>𝑟</m:t>
+                          </m:r>
+                        </m:e>
+                        <m:sub>
+                          <m:r>
+                            <a:rPr lang="en-US" altLang="zh-TW" b="0" i="1" smtClean="0">
+                              <a:latin typeface="Cambria Math" panose="02040503050406030204" pitchFamily="18" charset="0"/>
+                            </a:rPr>
+                            <m:t>𝐴</m:t>
+                          </m:r>
+                        </m:sub>
+                      </m:sSub>
+                    </m:oMath>
+                  </m:oMathPara>
+                </a14:m>
+                <a:endParaRPr lang="zh-TW" altLang="en-US" dirty="0"/>
+              </a:p>
+            </p:txBody>
+          </p:sp>
+        </mc:Choice>
+        <mc:Fallback>
+          <p:sp>
+            <p:nvSpPr>
+              <p:cNvPr id="10" name="文字方塊 9">
+                <a:extLst>
+                  <a:ext uri="{FF2B5EF4-FFF2-40B4-BE49-F238E27FC236}">
+                    <a16:creationId xmlns:a16="http://schemas.microsoft.com/office/drawing/2014/main" id="{AD63A843-246B-43C3-90EC-EB4122C15E78}"/>
+                  </a:ext>
+                </a:extLst>
+              </p:cNvPr>
+              <p:cNvSpPr txBox="1">
+                <a:spLocks noRot="1" noChangeAspect="1" noMove="1" noResize="1" noEditPoints="1" noAdjustHandles="1" noChangeArrowheads="1" noChangeShapeType="1" noTextEdit="1"/>
+              </p:cNvSpPr>
+              <p:nvPr/>
+            </p:nvSpPr>
+            <p:spPr>
+              <a:xfrm>
+                <a:off x="9862449" y="4398434"/>
+                <a:ext cx="248466" cy="276999"/>
+              </a:xfrm>
+              <a:prstGeom prst="rect">
+                <a:avLst/>
+              </a:prstGeom>
+              <a:blipFill>
+                <a:blip r:embed="rId2"/>
+                <a:stretch>
+                  <a:fillRect l="-14634" r="-7317" b="-15556"/>
+                </a:stretch>
+              </a:blipFill>
+            </p:spPr>
+            <p:txBody>
+              <a:bodyPr/>
+              <a:lstStyle/>
+              <a:p>
+                <a:r>
+                  <a:rPr lang="zh-TW" altLang="en-US">
+                    <a:noFill/>
+                  </a:rPr>
+                  <a:t> </a:t>
+                </a:r>
+              </a:p>
+            </p:txBody>
+          </p:sp>
+        </mc:Fallback>
+      </mc:AlternateContent>
+      <p:cxnSp>
+        <p:nvCxnSpPr>
+          <p:cNvPr id="36" name="直線單箭頭接點 35">
+            <a:extLst>
+              <a:ext uri="{FF2B5EF4-FFF2-40B4-BE49-F238E27FC236}">
+                <a16:creationId xmlns:a16="http://schemas.microsoft.com/office/drawing/2014/main" id="{696FC44B-59BC-4C19-8789-1842F1F75339}"/>
+              </a:ext>
+            </a:extLst>
+          </p:cNvPr>
+          <p:cNvCxnSpPr>
+            <a:cxnSpLocks/>
+            <a:stCxn id="7" idx="7"/>
+            <a:endCxn id="35" idx="7"/>
+          </p:cNvCxnSpPr>
+          <p:nvPr/>
+        </p:nvCxnSpPr>
+        <p:spPr>
+          <a:xfrm flipV="1">
+            <a:off x="5364032" y="1235418"/>
+            <a:ext cx="954594" cy="954594"/>
+          </a:xfrm>
+          <a:prstGeom prst="straightConnector1">
+            <a:avLst/>
+          </a:prstGeom>
+          <a:ln>
+            <a:solidFill>
+              <a:schemeClr val="tx1"/>
+            </a:solidFill>
+            <a:tailEnd type="triangle"/>
+          </a:ln>
+        </p:spPr>
+        <p:style>
+          <a:lnRef idx="1">
+            <a:schemeClr val="accent1"/>
+          </a:lnRef>
+          <a:fillRef idx="0">
+            <a:schemeClr val="accent1"/>
+          </a:fillRef>
+          <a:effectRef idx="0">
+            <a:schemeClr val="accent1"/>
+          </a:effectRef>
+          <a:fontRef idx="minor">
+            <a:schemeClr val="tx1"/>
+          </a:fontRef>
+        </p:style>
+      </p:cxnSp>
+      <p:cxnSp>
+        <p:nvCxnSpPr>
+          <p:cNvPr id="42" name="直線單箭頭接點 41">
+            <a:extLst>
+              <a:ext uri="{FF2B5EF4-FFF2-40B4-BE49-F238E27FC236}">
+                <a16:creationId xmlns:a16="http://schemas.microsoft.com/office/drawing/2014/main" id="{12796E66-F313-4F86-8E56-A2283BA88B87}"/>
+              </a:ext>
+            </a:extLst>
+          </p:cNvPr>
+          <p:cNvCxnSpPr>
+            <a:endCxn id="7" idx="0"/>
+          </p:cNvCxnSpPr>
+          <p:nvPr/>
+        </p:nvCxnSpPr>
+        <p:spPr>
+          <a:xfrm flipH="1" flipV="1">
+            <a:off x="4816731" y="1963313"/>
+            <a:ext cx="802" cy="771420"/>
+          </a:xfrm>
+          <a:prstGeom prst="straightConnector1">
+            <a:avLst/>
+          </a:prstGeom>
+          <a:ln>
+            <a:solidFill>
+              <a:schemeClr val="tx1"/>
+            </a:solidFill>
+            <a:tailEnd type="triangle"/>
+          </a:ln>
+        </p:spPr>
+        <p:style>
+          <a:lnRef idx="1">
+            <a:schemeClr val="accent1"/>
+          </a:lnRef>
+          <a:fillRef idx="0">
+            <a:schemeClr val="accent1"/>
+          </a:fillRef>
+          <a:effectRef idx="0">
+            <a:schemeClr val="accent1"/>
+          </a:effectRef>
+          <a:fontRef idx="minor">
+            <a:schemeClr val="tx1"/>
+          </a:fontRef>
+        </p:style>
+      </p:cxnSp>
+      <mc:AlternateContent xmlns:mc="http://schemas.openxmlformats.org/markup-compatibility/2006">
+        <mc:Choice xmlns:a14="http://schemas.microsoft.com/office/drawing/2010/main" Requires="a14">
+          <p:sp>
+            <p:nvSpPr>
+              <p:cNvPr id="43" name="文字方塊 42">
+                <a:extLst>
+                  <a:ext uri="{FF2B5EF4-FFF2-40B4-BE49-F238E27FC236}">
+                    <a16:creationId xmlns:a16="http://schemas.microsoft.com/office/drawing/2014/main" id="{C6230C46-1B50-43B4-B9A4-39BA1D284CCD}"/>
+                  </a:ext>
+                </a:extLst>
+              </p:cNvPr>
+              <p:cNvSpPr txBox="1"/>
+              <p:nvPr/>
+            </p:nvSpPr>
+            <p:spPr>
+              <a:xfrm>
+                <a:off x="4556182" y="2319235"/>
+                <a:ext cx="264368" cy="276999"/>
+              </a:xfrm>
+              <a:prstGeom prst="rect">
+                <a:avLst/>
+              </a:prstGeom>
+              <a:noFill/>
+            </p:spPr>
+            <p:txBody>
+              <a:bodyPr wrap="none" lIns="0" tIns="0" rIns="0" bIns="0" rtlCol="0">
+                <a:spAutoFit/>
+              </a:bodyPr>
+              <a:lstStyle/>
+              <a:p>
+                <a14:m>
+                  <m:oMathPara xmlns:m="http://schemas.openxmlformats.org/officeDocument/2006/math">
+                    <m:oMathParaPr>
+                      <m:jc m:val="centerGroup"/>
+                    </m:oMathParaPr>
+                    <m:oMath xmlns:m="http://schemas.openxmlformats.org/officeDocument/2006/math">
+                      <m:sSub>
+                        <m:sSubPr>
+                          <m:ctrlPr>
+                            <a:rPr lang="en-US" altLang="zh-TW" b="0" i="1" smtClean="0">
+                              <a:latin typeface="Cambria Math" panose="02040503050406030204" pitchFamily="18" charset="0"/>
+                            </a:rPr>
+                          </m:ctrlPr>
+                        </m:sSubPr>
+                        <m:e>
+                          <m:r>
+                            <a:rPr lang="en-US" altLang="zh-TW" b="0" i="1" smtClean="0">
+                              <a:latin typeface="Cambria Math" panose="02040503050406030204" pitchFamily="18" charset="0"/>
+                            </a:rPr>
+                            <m:t>𝑟</m:t>
+                          </m:r>
+                        </m:e>
+                        <m:sub>
+                          <m:r>
+                            <a:rPr lang="en-US" altLang="zh-TW" b="0" i="1" smtClean="0">
+                              <a:latin typeface="Cambria Math" panose="02040503050406030204" pitchFamily="18" charset="0"/>
+                            </a:rPr>
+                            <m:t>𝐵</m:t>
+                          </m:r>
+                        </m:sub>
+                      </m:sSub>
+                    </m:oMath>
+                  </m:oMathPara>
+                </a14:m>
+                <a:endParaRPr lang="zh-TW" altLang="en-US" dirty="0"/>
+              </a:p>
+            </p:txBody>
+          </p:sp>
+        </mc:Choice>
+        <mc:Fallback>
+          <p:sp>
+            <p:nvSpPr>
+              <p:cNvPr id="43" name="文字方塊 42">
+                <a:extLst>
+                  <a:ext uri="{FF2B5EF4-FFF2-40B4-BE49-F238E27FC236}">
+                    <a16:creationId xmlns:a16="http://schemas.microsoft.com/office/drawing/2014/main" id="{C6230C46-1B50-43B4-B9A4-39BA1D284CCD}"/>
+                  </a:ext>
+                </a:extLst>
+              </p:cNvPr>
+              <p:cNvSpPr txBox="1">
+                <a:spLocks noRot="1" noChangeAspect="1" noMove="1" noResize="1" noEditPoints="1" noAdjustHandles="1" noChangeArrowheads="1" noChangeShapeType="1" noTextEdit="1"/>
+              </p:cNvSpPr>
+              <p:nvPr/>
+            </p:nvSpPr>
+            <p:spPr>
+              <a:xfrm>
+                <a:off x="4556182" y="2319235"/>
+                <a:ext cx="264368" cy="276999"/>
+              </a:xfrm>
+              <a:prstGeom prst="rect">
+                <a:avLst/>
+              </a:prstGeom>
+              <a:blipFill>
+                <a:blip r:embed="rId3"/>
+                <a:stretch>
+                  <a:fillRect l="-13636" r="-6818" b="-15217"/>
+                </a:stretch>
+              </a:blipFill>
+            </p:spPr>
+            <p:txBody>
+              <a:bodyPr/>
+              <a:lstStyle/>
+              <a:p>
+                <a:r>
+                  <a:rPr lang="zh-TW" altLang="en-US">
+                    <a:noFill/>
+                  </a:rPr>
+                  <a:t> </a:t>
+                </a:r>
+              </a:p>
+            </p:txBody>
+          </p:sp>
+        </mc:Fallback>
+      </mc:AlternateContent>
+      <mc:AlternateContent xmlns:mc="http://schemas.openxmlformats.org/markup-compatibility/2006">
+        <mc:Choice xmlns:a14="http://schemas.microsoft.com/office/drawing/2010/main" Requires="a14">
+          <p:sp>
+            <p:nvSpPr>
+              <p:cNvPr id="44" name="文字方塊 43">
+                <a:extLst>
+                  <a:ext uri="{FF2B5EF4-FFF2-40B4-BE49-F238E27FC236}">
+                    <a16:creationId xmlns:a16="http://schemas.microsoft.com/office/drawing/2014/main" id="{8496514E-3C25-4F9A-BC1D-C4E923936832}"/>
+                  </a:ext>
+                </a:extLst>
+              </p:cNvPr>
+              <p:cNvSpPr txBox="1"/>
+              <p:nvPr/>
+            </p:nvSpPr>
+            <p:spPr>
+              <a:xfrm>
+                <a:off x="5582885" y="1408736"/>
+                <a:ext cx="248466" cy="276999"/>
+              </a:xfrm>
+              <a:prstGeom prst="rect">
+                <a:avLst/>
+              </a:prstGeom>
+              <a:noFill/>
+            </p:spPr>
+            <p:txBody>
+              <a:bodyPr wrap="none" lIns="0" tIns="0" rIns="0" bIns="0" rtlCol="0">
+                <a:spAutoFit/>
+              </a:bodyPr>
+              <a:lstStyle/>
+              <a:p>
+                <a14:m>
+                  <m:oMathPara xmlns:m="http://schemas.openxmlformats.org/officeDocument/2006/math">
+                    <m:oMathParaPr>
+                      <m:jc m:val="centerGroup"/>
+                    </m:oMathParaPr>
+                    <m:oMath xmlns:m="http://schemas.openxmlformats.org/officeDocument/2006/math">
+                      <m:sSub>
+                        <m:sSubPr>
+                          <m:ctrlPr>
+                            <a:rPr lang="en-US" altLang="zh-TW" b="0" i="1" smtClean="0">
+                              <a:latin typeface="Cambria Math" panose="02040503050406030204" pitchFamily="18" charset="0"/>
+                            </a:rPr>
+                          </m:ctrlPr>
+                        </m:sSubPr>
+                        <m:e>
+                          <m:r>
+                            <a:rPr lang="en-US" altLang="zh-TW" b="0" i="1" smtClean="0">
+                              <a:latin typeface="Cambria Math" panose="02040503050406030204" pitchFamily="18" charset="0"/>
+                            </a:rPr>
+                            <m:t>𝑟</m:t>
+                          </m:r>
+                        </m:e>
+                        <m:sub>
+                          <m:r>
+                            <a:rPr lang="en-US" altLang="zh-TW" b="0" i="1" smtClean="0">
+                              <a:latin typeface="Cambria Math" panose="02040503050406030204" pitchFamily="18" charset="0"/>
+                            </a:rPr>
+                            <m:t>𝐴</m:t>
+                          </m:r>
+                        </m:sub>
+                      </m:sSub>
+                    </m:oMath>
+                  </m:oMathPara>
+                </a14:m>
+                <a:endParaRPr lang="zh-TW" altLang="en-US" dirty="0"/>
+              </a:p>
+            </p:txBody>
+          </p:sp>
+        </mc:Choice>
+        <mc:Fallback>
+          <p:sp>
+            <p:nvSpPr>
+              <p:cNvPr id="44" name="文字方塊 43">
+                <a:extLst>
+                  <a:ext uri="{FF2B5EF4-FFF2-40B4-BE49-F238E27FC236}">
+                    <a16:creationId xmlns:a16="http://schemas.microsoft.com/office/drawing/2014/main" id="{8496514E-3C25-4F9A-BC1D-C4E923936832}"/>
+                  </a:ext>
+                </a:extLst>
+              </p:cNvPr>
+              <p:cNvSpPr txBox="1">
+                <a:spLocks noRot="1" noChangeAspect="1" noMove="1" noResize="1" noEditPoints="1" noAdjustHandles="1" noChangeArrowheads="1" noChangeShapeType="1" noTextEdit="1"/>
+              </p:cNvSpPr>
+              <p:nvPr/>
+            </p:nvSpPr>
+            <p:spPr>
+              <a:xfrm>
+                <a:off x="5582885" y="1408736"/>
+                <a:ext cx="248466" cy="276999"/>
+              </a:xfrm>
+              <a:prstGeom prst="rect">
+                <a:avLst/>
+              </a:prstGeom>
+              <a:blipFill>
+                <a:blip r:embed="rId4"/>
+                <a:stretch>
+                  <a:fillRect l="-14634" r="-7317" b="-15217"/>
+                </a:stretch>
+              </a:blipFill>
+            </p:spPr>
+            <p:txBody>
+              <a:bodyPr/>
+              <a:lstStyle/>
+              <a:p>
+                <a:r>
+                  <a:rPr lang="zh-TW" altLang="en-US">
+                    <a:noFill/>
+                  </a:rPr>
+                  <a:t> </a:t>
+                </a:r>
+              </a:p>
+            </p:txBody>
+          </p:sp>
+        </mc:Fallback>
+      </mc:AlternateContent>
+      <p:sp>
+        <p:nvSpPr>
+          <p:cNvPr id="46" name="橢圓 45">
+            <a:extLst>
+              <a:ext uri="{FF2B5EF4-FFF2-40B4-BE49-F238E27FC236}">
+                <a16:creationId xmlns:a16="http://schemas.microsoft.com/office/drawing/2014/main" id="{7ADCD9EA-968A-45F4-B4F3-3E3329051750}"/>
+              </a:ext>
+            </a:extLst>
+          </p:cNvPr>
+          <p:cNvSpPr/>
+          <p:nvPr/>
+        </p:nvSpPr>
+        <p:spPr>
+          <a:xfrm>
+            <a:off x="4780731" y="2707491"/>
+            <a:ext cx="72000" cy="72000"/>
+          </a:xfrm>
+          <a:prstGeom prst="ellipse">
+            <a:avLst/>
+          </a:prstGeom>
+        </p:spPr>
+        <p:style>
+          <a:lnRef idx="2">
+            <a:schemeClr val="dk1">
+              <a:shade val="50000"/>
+            </a:schemeClr>
+          </a:lnRef>
+          <a:fillRef idx="1">
+            <a:schemeClr val="dk1"/>
+          </a:fillRef>
+          <a:effectRef idx="0">
+            <a:schemeClr val="dk1"/>
+          </a:effectRef>
+          <a:fontRef idx="minor">
+            <a:schemeClr val="lt1"/>
+          </a:fontRef>
+        </p:style>
+        <p:txBody>
+          <a:bodyPr rtlCol="0" anchor="ctr"/>
+          <a:lstStyle/>
+          <a:p>
+            <a:pPr algn="ctr"/>
+            <a:endParaRPr lang="zh-TW" altLang="en-US"/>
+          </a:p>
+        </p:txBody>
+      </p:sp>
+    </p:spTree>
+    <p:extLst>
+      <p:ext uri="{BB962C8B-B14F-4D97-AF65-F5344CB8AC3E}">
+        <p14:creationId xmlns:p14="http://schemas.microsoft.com/office/powerpoint/2010/main" val="2333666002"/>
+      </p:ext>
+    </p:extLst>
+  </p:cSld>
+  <p:clrMapOvr>
+    <a:masterClrMapping/>
+  </p:clrMapOvr>
+</p:sld>
+</file>
+
+<file path=ppt/slides/slide25.xml><?xml version="1.0" encoding="utf-8"?>
+<p:sld xmlns:a="http://schemas.openxmlformats.org/drawingml/2006/main" xmlns:r="http://schemas.openxmlformats.org/officeDocument/2006/relationships" xmlns:p="http://schemas.openxmlformats.org/presentationml/2006/main">
+  <p:cSld>
+    <p:spTree>
+      <p:nvGrpSpPr>
+        <p:cNvPr id="1" name=""/>
+        <p:cNvGrpSpPr/>
+        <p:nvPr/>
+      </p:nvGrpSpPr>
+      <p:grpSpPr>
+        <a:xfrm>
+          <a:off x="0" y="0"/>
+          <a:ext cx="0" cy="0"/>
+          <a:chOff x="0" y="0"/>
+          <a:chExt cx="0" cy="0"/>
+        </a:xfrm>
+      </p:grpSpPr>
+      <p:sp>
+        <p:nvSpPr>
           <p:cNvPr id="34" name="矩形: 圓角 33">
             <a:extLst>
               <a:ext uri="{FF2B5EF4-FFF2-40B4-BE49-F238E27FC236}">
@@ -26129,7 +27032,155 @@
 </p:sld>
 </file>
 
-<file path=ppt/slides/slide25.xml><?xml version="1.0" encoding="utf-8"?>
+<file path=ppt/slides/slide26.xml><?xml version="1.0" encoding="utf-8"?>
+<p:sld xmlns:a="http://schemas.openxmlformats.org/drawingml/2006/main" xmlns:r="http://schemas.openxmlformats.org/officeDocument/2006/relationships" xmlns:p="http://schemas.openxmlformats.org/presentationml/2006/main">
+  <p:cSld>
+    <p:spTree>
+      <p:nvGrpSpPr>
+        <p:cNvPr id="1" name=""/>
+        <p:cNvGrpSpPr/>
+        <p:nvPr/>
+      </p:nvGrpSpPr>
+      <p:grpSpPr>
+        <a:xfrm>
+          <a:off x="0" y="0"/>
+          <a:ext cx="0" cy="0"/>
+          <a:chOff x="0" y="0"/>
+          <a:chExt cx="0" cy="0"/>
+        </a:xfrm>
+      </p:grpSpPr>
+      <p:pic>
+        <p:nvPicPr>
+          <p:cNvPr id="5" name="圖片 4">
+            <a:extLst>
+              <a:ext uri="{FF2B5EF4-FFF2-40B4-BE49-F238E27FC236}">
+                <a16:creationId xmlns:a16="http://schemas.microsoft.com/office/drawing/2014/main" id="{F62DB51B-A15E-4B35-9615-42F9D6F769AF}"/>
+              </a:ext>
+            </a:extLst>
+          </p:cNvPr>
+          <p:cNvPicPr>
+            <a:picLocks noChangeAspect="1"/>
+          </p:cNvPicPr>
+          <p:nvPr/>
+        </p:nvPicPr>
+        <p:blipFill>
+          <a:blip r:embed="rId2">
+            <a:extLst>
+              <a:ext uri="{28A0092B-C50C-407E-A947-70E740481C1C}">
+                <a14:useLocalDpi xmlns:a14="http://schemas.microsoft.com/office/drawing/2010/main" val="0"/>
+              </a:ext>
+            </a:extLst>
+          </a:blip>
+          <a:stretch>
+            <a:fillRect/>
+          </a:stretch>
+        </p:blipFill>
+        <p:spPr>
+          <a:xfrm>
+            <a:off x="692219" y="2799388"/>
+            <a:ext cx="4563272" cy="3129928"/>
+          </a:xfrm>
+          <a:prstGeom prst="rect">
+            <a:avLst/>
+          </a:prstGeom>
+        </p:spPr>
+      </p:pic>
+      <p:pic>
+        <p:nvPicPr>
+          <p:cNvPr id="7" name="圖片 6">
+            <a:extLst>
+              <a:ext uri="{FF2B5EF4-FFF2-40B4-BE49-F238E27FC236}">
+                <a16:creationId xmlns:a16="http://schemas.microsoft.com/office/drawing/2014/main" id="{C0EFBC76-6811-4EAC-BE61-CEA803247A6C}"/>
+              </a:ext>
+            </a:extLst>
+          </p:cNvPr>
+          <p:cNvPicPr>
+            <a:picLocks noChangeAspect="1"/>
+          </p:cNvPicPr>
+          <p:nvPr/>
+        </p:nvPicPr>
+        <p:blipFill>
+          <a:blip r:embed="rId3">
+            <a:extLst>
+              <a:ext uri="{28A0092B-C50C-407E-A947-70E740481C1C}">
+                <a14:useLocalDpi xmlns:a14="http://schemas.microsoft.com/office/drawing/2010/main" val="0"/>
+              </a:ext>
+            </a:extLst>
+          </a:blip>
+          <a:stretch>
+            <a:fillRect/>
+          </a:stretch>
+        </p:blipFill>
+        <p:spPr>
+          <a:xfrm>
+            <a:off x="6346170" y="2799388"/>
+            <a:ext cx="4450079" cy="2999624"/>
+          </a:xfrm>
+          <a:prstGeom prst="rect">
+            <a:avLst/>
+          </a:prstGeom>
+        </p:spPr>
+      </p:pic>
+      <p:sp>
+        <p:nvSpPr>
+          <p:cNvPr id="8" name="箭號: 向右 7">
+            <a:extLst>
+              <a:ext uri="{FF2B5EF4-FFF2-40B4-BE49-F238E27FC236}">
+                <a16:creationId xmlns:a16="http://schemas.microsoft.com/office/drawing/2014/main" id="{31AED662-728A-4FBE-BB83-32EE167C0099}"/>
+              </a:ext>
+            </a:extLst>
+          </p:cNvPr>
+          <p:cNvSpPr/>
+          <p:nvPr/>
+        </p:nvSpPr>
+        <p:spPr>
+          <a:xfrm>
+            <a:off x="5523345" y="4299200"/>
+            <a:ext cx="757382" cy="623782"/>
+          </a:xfrm>
+          <a:prstGeom prst="rightArrow">
+            <a:avLst/>
+          </a:prstGeom>
+        </p:spPr>
+        <p:style>
+          <a:lnRef idx="2">
+            <a:schemeClr val="accent2">
+              <a:shade val="50000"/>
+            </a:schemeClr>
+          </a:lnRef>
+          <a:fillRef idx="1">
+            <a:schemeClr val="accent2"/>
+          </a:fillRef>
+          <a:effectRef idx="0">
+            <a:schemeClr val="accent2"/>
+          </a:effectRef>
+          <a:fontRef idx="minor">
+            <a:schemeClr val="lt1"/>
+          </a:fontRef>
+        </p:style>
+        <p:txBody>
+          <a:bodyPr rtlCol="0" anchor="ctr"/>
+          <a:lstStyle/>
+          <a:p>
+            <a:pPr algn="ctr"/>
+            <a:endParaRPr lang="zh-TW" altLang="en-US"/>
+          </a:p>
+        </p:txBody>
+      </p:sp>
+    </p:spTree>
+    <p:extLst>
+      <p:ext uri="{BB962C8B-B14F-4D97-AF65-F5344CB8AC3E}">
+        <p14:creationId xmlns:p14="http://schemas.microsoft.com/office/powerpoint/2010/main" val="1512901459"/>
+      </p:ext>
+    </p:extLst>
+  </p:cSld>
+  <p:clrMapOvr>
+    <a:masterClrMapping/>
+  </p:clrMapOvr>
+</p:sld>
+</file>
+
+<file path=ppt/slides/slide27.xml><?xml version="1.0" encoding="utf-8"?>
 <p:sld xmlns:a="http://schemas.openxmlformats.org/drawingml/2006/main" xmlns:r="http://schemas.openxmlformats.org/officeDocument/2006/relationships" xmlns:p="http://schemas.openxmlformats.org/presentationml/2006/main">
   <p:cSld>
     <p:spTree>
@@ -26320,7 +27371,7 @@
 </p:sld>
 </file>
 
-<file path=ppt/slides/slide26.xml><?xml version="1.0" encoding="utf-8"?>
+<file path=ppt/slides/slide28.xml><?xml version="1.0" encoding="utf-8"?>
 <p:sld xmlns:a="http://schemas.openxmlformats.org/drawingml/2006/main" xmlns:r="http://schemas.openxmlformats.org/officeDocument/2006/relationships" xmlns:p="http://schemas.openxmlformats.org/presentationml/2006/main">
   <p:cSld>
     <p:spTree>

--- a/path_planing/VO_code_try/robot_properties3.pptx
+++ b/path_planing/VO_code_try/robot_properties3.pptx
@@ -33,6 +33,9 @@
     <p:sldId id="283" r:id="rId27"/>
     <p:sldId id="279" r:id="rId28"/>
     <p:sldId id="281" r:id="rId29"/>
+    <p:sldId id="284" r:id="rId30"/>
+    <p:sldId id="285" r:id="rId31"/>
+    <p:sldId id="286" r:id="rId32"/>
   </p:sldIdLst>
   <p:sldSz cx="12192000" cy="6858000"/>
   <p:notesSz cx="6858000" cy="9144000"/>
@@ -286,7 +289,7 @@
           <a:p>
             <a:fld id="{9CD1F5AD-FE1B-4540-B598-52220A64164D}" type="datetimeFigureOut">
               <a:rPr lang="zh-TW" altLang="en-US" smtClean="0"/>
-              <a:t>2024/12/24</a:t>
+              <a:t>2025/1/20</a:t>
             </a:fld>
             <a:endParaRPr lang="zh-TW" altLang="en-US"/>
           </a:p>
@@ -484,7 +487,7 @@
           <a:p>
             <a:fld id="{9CD1F5AD-FE1B-4540-B598-52220A64164D}" type="datetimeFigureOut">
               <a:rPr lang="zh-TW" altLang="en-US" smtClean="0"/>
-              <a:t>2024/12/24</a:t>
+              <a:t>2025/1/20</a:t>
             </a:fld>
             <a:endParaRPr lang="zh-TW" altLang="en-US"/>
           </a:p>
@@ -692,7 +695,7 @@
           <a:p>
             <a:fld id="{9CD1F5AD-FE1B-4540-B598-52220A64164D}" type="datetimeFigureOut">
               <a:rPr lang="zh-TW" altLang="en-US" smtClean="0"/>
-              <a:t>2024/12/24</a:t>
+              <a:t>2025/1/20</a:t>
             </a:fld>
             <a:endParaRPr lang="zh-TW" altLang="en-US"/>
           </a:p>
@@ -890,7 +893,7 @@
           <a:p>
             <a:fld id="{9CD1F5AD-FE1B-4540-B598-52220A64164D}" type="datetimeFigureOut">
               <a:rPr lang="zh-TW" altLang="en-US" smtClean="0"/>
-              <a:t>2024/12/24</a:t>
+              <a:t>2025/1/20</a:t>
             </a:fld>
             <a:endParaRPr lang="zh-TW" altLang="en-US"/>
           </a:p>
@@ -1165,7 +1168,7 @@
           <a:p>
             <a:fld id="{9CD1F5AD-FE1B-4540-B598-52220A64164D}" type="datetimeFigureOut">
               <a:rPr lang="zh-TW" altLang="en-US" smtClean="0"/>
-              <a:t>2024/12/24</a:t>
+              <a:t>2025/1/20</a:t>
             </a:fld>
             <a:endParaRPr lang="zh-TW" altLang="en-US"/>
           </a:p>
@@ -1430,7 +1433,7 @@
           <a:p>
             <a:fld id="{9CD1F5AD-FE1B-4540-B598-52220A64164D}" type="datetimeFigureOut">
               <a:rPr lang="zh-TW" altLang="en-US" smtClean="0"/>
-              <a:t>2024/12/24</a:t>
+              <a:t>2025/1/20</a:t>
             </a:fld>
             <a:endParaRPr lang="zh-TW" altLang="en-US"/>
           </a:p>
@@ -1842,7 +1845,7 @@
           <a:p>
             <a:fld id="{9CD1F5AD-FE1B-4540-B598-52220A64164D}" type="datetimeFigureOut">
               <a:rPr lang="zh-TW" altLang="en-US" smtClean="0"/>
-              <a:t>2024/12/24</a:t>
+              <a:t>2025/1/20</a:t>
             </a:fld>
             <a:endParaRPr lang="zh-TW" altLang="en-US"/>
           </a:p>
@@ -1983,7 +1986,7 @@
           <a:p>
             <a:fld id="{9CD1F5AD-FE1B-4540-B598-52220A64164D}" type="datetimeFigureOut">
               <a:rPr lang="zh-TW" altLang="en-US" smtClean="0"/>
-              <a:t>2024/12/24</a:t>
+              <a:t>2025/1/20</a:t>
             </a:fld>
             <a:endParaRPr lang="zh-TW" altLang="en-US"/>
           </a:p>
@@ -2096,7 +2099,7 @@
           <a:p>
             <a:fld id="{9CD1F5AD-FE1B-4540-B598-52220A64164D}" type="datetimeFigureOut">
               <a:rPr lang="zh-TW" altLang="en-US" smtClean="0"/>
-              <a:t>2024/12/24</a:t>
+              <a:t>2025/1/20</a:t>
             </a:fld>
             <a:endParaRPr lang="zh-TW" altLang="en-US"/>
           </a:p>
@@ -2407,7 +2410,7 @@
           <a:p>
             <a:fld id="{9CD1F5AD-FE1B-4540-B598-52220A64164D}" type="datetimeFigureOut">
               <a:rPr lang="zh-TW" altLang="en-US" smtClean="0"/>
-              <a:t>2024/12/24</a:t>
+              <a:t>2025/1/20</a:t>
             </a:fld>
             <a:endParaRPr lang="zh-TW" altLang="en-US"/>
           </a:p>
@@ -2695,7 +2698,7 @@
           <a:p>
             <a:fld id="{9CD1F5AD-FE1B-4540-B598-52220A64164D}" type="datetimeFigureOut">
               <a:rPr lang="zh-TW" altLang="en-US" smtClean="0"/>
-              <a:t>2024/12/24</a:t>
+              <a:t>2025/1/20</a:t>
             </a:fld>
             <a:endParaRPr lang="zh-TW" altLang="en-US"/>
           </a:p>
@@ -2936,7 +2939,7 @@
           <a:p>
             <a:fld id="{9CD1F5AD-FE1B-4540-B598-52220A64164D}" type="datetimeFigureOut">
               <a:rPr lang="zh-TW" altLang="en-US" smtClean="0"/>
-              <a:t>2024/12/24</a:t>
+              <a:t>2025/1/20</a:t>
             </a:fld>
             <a:endParaRPr lang="zh-TW" altLang="en-US"/>
           </a:p>
@@ -25628,8 +25631,8 @@
           </a:fontRef>
         </p:style>
       </p:cxnSp>
-      <mc:AlternateContent xmlns:mc="http://schemas.openxmlformats.org/markup-compatibility/2006">
-        <mc:Choice xmlns:a14="http://schemas.microsoft.com/office/drawing/2010/main" Requires="a14">
+      <mc:AlternateContent xmlns:mc="http://schemas.openxmlformats.org/markup-compatibility/2006" xmlns:a14="http://schemas.microsoft.com/office/drawing/2010/main">
+        <mc:Choice Requires="a14">
           <p:sp>
             <p:nvSpPr>
               <p:cNvPr id="10" name="文字方塊 9">
@@ -25658,6 +25661,7 @@
               </a:bodyPr>
               <a:lstStyle/>
               <a:p>
+                <a:pPr/>
                 <a14:m>
                   <m:oMathPara xmlns:m="http://schemas.openxmlformats.org/officeDocument/2006/math">
                     <m:oMathParaPr>
@@ -25697,7 +25701,7 @@
             </p:txBody>
           </p:sp>
         </mc:Choice>
-        <mc:Fallback>
+        <mc:Fallback xmlns="">
           <p:sp>
             <p:nvSpPr>
               <p:cNvPr id="10" name="文字方塊 9">
@@ -25832,8 +25836,8 @@
           </a:fontRef>
         </p:style>
       </p:cxnSp>
-      <mc:AlternateContent xmlns:mc="http://schemas.openxmlformats.org/markup-compatibility/2006">
-        <mc:Choice xmlns:a14="http://schemas.microsoft.com/office/drawing/2010/main" Requires="a14">
+      <mc:AlternateContent xmlns:mc="http://schemas.openxmlformats.org/markup-compatibility/2006" xmlns:a14="http://schemas.microsoft.com/office/drawing/2010/main">
+        <mc:Choice Requires="a14">
           <p:sp>
             <p:nvSpPr>
               <p:cNvPr id="43" name="文字方塊 42">
@@ -25862,6 +25866,7 @@
               </a:bodyPr>
               <a:lstStyle/>
               <a:p>
+                <a:pPr/>
                 <a14:m>
                   <m:oMathPara xmlns:m="http://schemas.openxmlformats.org/officeDocument/2006/math">
                     <m:oMathParaPr>
@@ -25901,7 +25906,7 @@
             </p:txBody>
           </p:sp>
         </mc:Choice>
-        <mc:Fallback>
+        <mc:Fallback xmlns="">
           <p:sp>
             <p:nvSpPr>
               <p:cNvPr id="43" name="文字方塊 42">
@@ -25946,8 +25951,8 @@
           </p:sp>
         </mc:Fallback>
       </mc:AlternateContent>
-      <mc:AlternateContent xmlns:mc="http://schemas.openxmlformats.org/markup-compatibility/2006">
-        <mc:Choice xmlns:a14="http://schemas.microsoft.com/office/drawing/2010/main" Requires="a14">
+      <mc:AlternateContent xmlns:mc="http://schemas.openxmlformats.org/markup-compatibility/2006" xmlns:a14="http://schemas.microsoft.com/office/drawing/2010/main">
+        <mc:Choice Requires="a14">
           <p:sp>
             <p:nvSpPr>
               <p:cNvPr id="44" name="文字方塊 43">
@@ -25976,6 +25981,7 @@
               </a:bodyPr>
               <a:lstStyle/>
               <a:p>
+                <a:pPr/>
                 <a14:m>
                   <m:oMathPara xmlns:m="http://schemas.openxmlformats.org/officeDocument/2006/math">
                     <m:oMathParaPr>
@@ -26015,7 +26021,7 @@
             </p:txBody>
           </p:sp>
         </mc:Choice>
-        <mc:Fallback>
+        <mc:Fallback xmlns="">
           <p:sp>
             <p:nvSpPr>
               <p:cNvPr id="44" name="文字方塊 43">
@@ -27751,6 +27757,1858 @@
 </p:sld>
 </file>
 
+<file path=ppt/slides/slide29.xml><?xml version="1.0" encoding="utf-8"?>
+<p:sld xmlns:a="http://schemas.openxmlformats.org/drawingml/2006/main" xmlns:r="http://schemas.openxmlformats.org/officeDocument/2006/relationships" xmlns:p="http://schemas.openxmlformats.org/presentationml/2006/main">
+  <p:cSld>
+    <p:spTree>
+      <p:nvGrpSpPr>
+        <p:cNvPr id="1" name=""/>
+        <p:cNvGrpSpPr/>
+        <p:nvPr/>
+      </p:nvGrpSpPr>
+      <p:grpSpPr>
+        <a:xfrm>
+          <a:off x="0" y="0"/>
+          <a:ext cx="0" cy="0"/>
+          <a:chOff x="0" y="0"/>
+          <a:chExt cx="0" cy="0"/>
+        </a:xfrm>
+      </p:grpSpPr>
+      <p:sp>
+        <p:nvSpPr>
+          <p:cNvPr id="14" name="橢圓 13">
+            <a:extLst>
+              <a:ext uri="{FF2B5EF4-FFF2-40B4-BE49-F238E27FC236}">
+                <a16:creationId xmlns:a16="http://schemas.microsoft.com/office/drawing/2014/main" id="{61FEC50B-03EA-4A83-83F3-9F0786133E99}"/>
+              </a:ext>
+            </a:extLst>
+          </p:cNvPr>
+          <p:cNvSpPr/>
+          <p:nvPr/>
+        </p:nvSpPr>
+        <p:spPr>
+          <a:xfrm>
+            <a:off x="3539117" y="1644131"/>
+            <a:ext cx="792000" cy="792000"/>
+          </a:xfrm>
+          <a:prstGeom prst="ellipse">
+            <a:avLst/>
+          </a:prstGeom>
+          <a:solidFill>
+            <a:schemeClr val="accent5"/>
+          </a:solidFill>
+        </p:spPr>
+        <p:style>
+          <a:lnRef idx="2">
+            <a:schemeClr val="accent1">
+              <a:shade val="50000"/>
+            </a:schemeClr>
+          </a:lnRef>
+          <a:fillRef idx="1">
+            <a:schemeClr val="accent1"/>
+          </a:fillRef>
+          <a:effectRef idx="0">
+            <a:schemeClr val="accent1"/>
+          </a:effectRef>
+          <a:fontRef idx="minor">
+            <a:schemeClr val="lt1"/>
+          </a:fontRef>
+        </p:style>
+        <p:txBody>
+          <a:bodyPr rtlCol="0" anchor="ctr"/>
+          <a:lstStyle/>
+          <a:p>
+            <a:pPr algn="ctr"/>
+            <a:endParaRPr lang="zh-TW" altLang="en-US"/>
+          </a:p>
+        </p:txBody>
+      </p:sp>
+      <p:cxnSp>
+        <p:nvCxnSpPr>
+          <p:cNvPr id="5" name="直線單箭頭接點 4">
+            <a:extLst>
+              <a:ext uri="{FF2B5EF4-FFF2-40B4-BE49-F238E27FC236}">
+                <a16:creationId xmlns:a16="http://schemas.microsoft.com/office/drawing/2014/main" id="{99474447-9D67-4463-913E-084117F2A942}"/>
+              </a:ext>
+            </a:extLst>
+          </p:cNvPr>
+          <p:cNvCxnSpPr>
+            <a:cxnSpLocks/>
+          </p:cNvCxnSpPr>
+          <p:nvPr/>
+        </p:nvCxnSpPr>
+        <p:spPr>
+          <a:xfrm>
+            <a:off x="1459994" y="3403599"/>
+            <a:ext cx="3454400" cy="0"/>
+          </a:xfrm>
+          <a:prstGeom prst="straightConnector1">
+            <a:avLst/>
+          </a:prstGeom>
+          <a:ln w="28575">
+            <a:tailEnd type="triangle"/>
+          </a:ln>
+        </p:spPr>
+        <p:style>
+          <a:lnRef idx="1">
+            <a:schemeClr val="dk1"/>
+          </a:lnRef>
+          <a:fillRef idx="0">
+            <a:schemeClr val="dk1"/>
+          </a:fillRef>
+          <a:effectRef idx="0">
+            <a:schemeClr val="dk1"/>
+          </a:effectRef>
+          <a:fontRef idx="minor">
+            <a:schemeClr val="tx1"/>
+          </a:fontRef>
+        </p:style>
+      </p:cxnSp>
+      <p:cxnSp>
+        <p:nvCxnSpPr>
+          <p:cNvPr id="6" name="直線單箭頭接點 5">
+            <a:extLst>
+              <a:ext uri="{FF2B5EF4-FFF2-40B4-BE49-F238E27FC236}">
+                <a16:creationId xmlns:a16="http://schemas.microsoft.com/office/drawing/2014/main" id="{82AB4CB9-79D0-4E2D-A6DC-02A51EAEB78B}"/>
+              </a:ext>
+            </a:extLst>
+          </p:cNvPr>
+          <p:cNvCxnSpPr>
+            <a:cxnSpLocks/>
+          </p:cNvCxnSpPr>
+          <p:nvPr/>
+        </p:nvCxnSpPr>
+        <p:spPr>
+          <a:xfrm flipV="1">
+            <a:off x="3187194" y="1845734"/>
+            <a:ext cx="0" cy="3166532"/>
+          </a:xfrm>
+          <a:prstGeom prst="straightConnector1">
+            <a:avLst/>
+          </a:prstGeom>
+          <a:ln w="28575">
+            <a:tailEnd type="triangle"/>
+          </a:ln>
+        </p:spPr>
+        <p:style>
+          <a:lnRef idx="1">
+            <a:schemeClr val="dk1"/>
+          </a:lnRef>
+          <a:fillRef idx="0">
+            <a:schemeClr val="dk1"/>
+          </a:fillRef>
+          <a:effectRef idx="0">
+            <a:schemeClr val="dk1"/>
+          </a:effectRef>
+          <a:fontRef idx="minor">
+            <a:schemeClr val="tx1"/>
+          </a:fontRef>
+        </p:style>
+      </p:cxnSp>
+      <p:grpSp>
+        <p:nvGrpSpPr>
+          <p:cNvPr id="13" name="群組 12">
+            <a:extLst>
+              <a:ext uri="{FF2B5EF4-FFF2-40B4-BE49-F238E27FC236}">
+                <a16:creationId xmlns:a16="http://schemas.microsoft.com/office/drawing/2014/main" id="{2BF492DA-8BFD-43B7-8A4A-5D8B46D2191E}"/>
+              </a:ext>
+            </a:extLst>
+          </p:cNvPr>
+          <p:cNvGrpSpPr/>
+          <p:nvPr/>
+        </p:nvGrpSpPr>
+        <p:grpSpPr>
+          <a:xfrm rot="1721495">
+            <a:off x="1680066" y="1196808"/>
+            <a:ext cx="3454400" cy="3615599"/>
+            <a:chOff x="440266" y="-293459"/>
+            <a:chExt cx="3454400" cy="3615599"/>
+          </a:xfrm>
+        </p:grpSpPr>
+        <p:cxnSp>
+          <p:nvCxnSpPr>
+            <p:cNvPr id="11" name="直線單箭頭接點 10">
+              <a:extLst>
+                <a:ext uri="{FF2B5EF4-FFF2-40B4-BE49-F238E27FC236}">
+                  <a16:creationId xmlns:a16="http://schemas.microsoft.com/office/drawing/2014/main" id="{5A4E8EB4-57DE-4DDA-B36B-799E1B5C103F}"/>
+                </a:ext>
+              </a:extLst>
+            </p:cNvPr>
+            <p:cNvCxnSpPr>
+              <a:cxnSpLocks/>
+            </p:cNvCxnSpPr>
+            <p:nvPr/>
+          </p:nvCxnSpPr>
+          <p:spPr>
+            <a:xfrm>
+              <a:off x="440266" y="1972733"/>
+              <a:ext cx="3454400" cy="0"/>
+            </a:xfrm>
+            <a:prstGeom prst="straightConnector1">
+              <a:avLst/>
+            </a:prstGeom>
+            <a:ln w="28575">
+              <a:solidFill>
+                <a:schemeClr val="bg1">
+                  <a:lumMod val="65000"/>
+                </a:schemeClr>
+              </a:solidFill>
+              <a:tailEnd type="triangle"/>
+            </a:ln>
+          </p:spPr>
+          <p:style>
+            <a:lnRef idx="1">
+              <a:schemeClr val="dk1"/>
+            </a:lnRef>
+            <a:fillRef idx="0">
+              <a:schemeClr val="dk1"/>
+            </a:fillRef>
+            <a:effectRef idx="0">
+              <a:schemeClr val="dk1"/>
+            </a:effectRef>
+            <a:fontRef idx="minor">
+              <a:schemeClr val="tx1"/>
+            </a:fontRef>
+          </p:style>
+        </p:cxnSp>
+        <p:cxnSp>
+          <p:nvCxnSpPr>
+            <p:cNvPr id="12" name="直線單箭頭接點 11">
+              <a:extLst>
+                <a:ext uri="{FF2B5EF4-FFF2-40B4-BE49-F238E27FC236}">
+                  <a16:creationId xmlns:a16="http://schemas.microsoft.com/office/drawing/2014/main" id="{6E4E2C84-79F3-45BD-B08E-8611930D50E2}"/>
+                </a:ext>
+              </a:extLst>
+            </p:cNvPr>
+            <p:cNvCxnSpPr>
+              <a:cxnSpLocks/>
+            </p:cNvCxnSpPr>
+            <p:nvPr/>
+          </p:nvCxnSpPr>
+          <p:spPr>
+            <a:xfrm rot="19878505" flipV="1">
+              <a:off x="1176478" y="-293459"/>
+              <a:ext cx="2004719" cy="3615599"/>
+            </a:xfrm>
+            <a:prstGeom prst="straightConnector1">
+              <a:avLst/>
+            </a:prstGeom>
+            <a:ln w="28575">
+              <a:solidFill>
+                <a:schemeClr val="bg1">
+                  <a:lumMod val="65000"/>
+                </a:schemeClr>
+              </a:solidFill>
+              <a:tailEnd type="triangle"/>
+            </a:ln>
+          </p:spPr>
+          <p:style>
+            <a:lnRef idx="1">
+              <a:schemeClr val="dk1"/>
+            </a:lnRef>
+            <a:fillRef idx="0">
+              <a:schemeClr val="dk1"/>
+            </a:fillRef>
+            <a:effectRef idx="0">
+              <a:schemeClr val="dk1"/>
+            </a:effectRef>
+            <a:fontRef idx="minor">
+              <a:schemeClr val="tx1"/>
+            </a:fontRef>
+          </p:style>
+        </p:cxnSp>
+      </p:grpSp>
+      <p:cxnSp>
+        <p:nvCxnSpPr>
+          <p:cNvPr id="16" name="直線單箭頭接點 15">
+            <a:extLst>
+              <a:ext uri="{FF2B5EF4-FFF2-40B4-BE49-F238E27FC236}">
+                <a16:creationId xmlns:a16="http://schemas.microsoft.com/office/drawing/2014/main" id="{69ABCDC2-D5A3-4143-8A46-B3DC4F525077}"/>
+              </a:ext>
+            </a:extLst>
+          </p:cNvPr>
+          <p:cNvCxnSpPr/>
+          <p:nvPr/>
+        </p:nvCxnSpPr>
+        <p:spPr>
+          <a:xfrm>
+            <a:off x="3935117" y="2040131"/>
+            <a:ext cx="967083" cy="296669"/>
+          </a:xfrm>
+          <a:prstGeom prst="straightConnector1">
+            <a:avLst/>
+          </a:prstGeom>
+          <a:ln>
+            <a:solidFill>
+              <a:schemeClr val="tx1"/>
+            </a:solidFill>
+            <a:tailEnd type="triangle"/>
+          </a:ln>
+        </p:spPr>
+        <p:style>
+          <a:lnRef idx="1">
+            <a:schemeClr val="accent1"/>
+          </a:lnRef>
+          <a:fillRef idx="0">
+            <a:schemeClr val="accent1"/>
+          </a:fillRef>
+          <a:effectRef idx="0">
+            <a:schemeClr val="accent1"/>
+          </a:effectRef>
+          <a:fontRef idx="minor">
+            <a:schemeClr val="tx1"/>
+          </a:fontRef>
+        </p:style>
+      </p:cxnSp>
+      <p:sp>
+        <p:nvSpPr>
+          <p:cNvPr id="17" name="文字方塊 16">
+            <a:extLst>
+              <a:ext uri="{FF2B5EF4-FFF2-40B4-BE49-F238E27FC236}">
+                <a16:creationId xmlns:a16="http://schemas.microsoft.com/office/drawing/2014/main" id="{F199986C-B4B2-4D96-A557-9FC863E4CB34}"/>
+              </a:ext>
+            </a:extLst>
+          </p:cNvPr>
+          <p:cNvSpPr txBox="1"/>
+          <p:nvPr/>
+        </p:nvSpPr>
+        <p:spPr>
+          <a:xfrm>
+            <a:off x="4902200" y="3403599"/>
+            <a:ext cx="364067" cy="369332"/>
+          </a:xfrm>
+          <a:prstGeom prst="rect">
+            <a:avLst/>
+          </a:prstGeom>
+          <a:noFill/>
+        </p:spPr>
+        <p:txBody>
+          <a:bodyPr wrap="square" rtlCol="0">
+            <a:spAutoFit/>
+          </a:bodyPr>
+          <a:lstStyle/>
+          <a:p>
+            <a:r>
+              <a:rPr lang="en-US" altLang="zh-TW" dirty="0"/>
+              <a:t>X</a:t>
+            </a:r>
+            <a:endParaRPr lang="zh-TW" altLang="en-US" dirty="0"/>
+          </a:p>
+        </p:txBody>
+      </p:sp>
+      <p:sp>
+        <p:nvSpPr>
+          <p:cNvPr id="18" name="文字方塊 17">
+            <a:extLst>
+              <a:ext uri="{FF2B5EF4-FFF2-40B4-BE49-F238E27FC236}">
+                <a16:creationId xmlns:a16="http://schemas.microsoft.com/office/drawing/2014/main" id="{DA091696-9766-46C4-9E85-9914FF3BBC3D}"/>
+              </a:ext>
+            </a:extLst>
+          </p:cNvPr>
+          <p:cNvSpPr txBox="1"/>
+          <p:nvPr/>
+        </p:nvSpPr>
+        <p:spPr>
+          <a:xfrm>
+            <a:off x="2810884" y="1507067"/>
+            <a:ext cx="364113" cy="369332"/>
+          </a:xfrm>
+          <a:prstGeom prst="rect">
+            <a:avLst/>
+          </a:prstGeom>
+          <a:noFill/>
+        </p:spPr>
+        <p:txBody>
+          <a:bodyPr wrap="square" rtlCol="0">
+            <a:spAutoFit/>
+          </a:bodyPr>
+          <a:lstStyle/>
+          <a:p>
+            <a:r>
+              <a:rPr lang="en-US" altLang="zh-TW" dirty="0"/>
+              <a:t>Y</a:t>
+            </a:r>
+            <a:endParaRPr lang="zh-TW" altLang="en-US" dirty="0"/>
+          </a:p>
+        </p:txBody>
+      </p:sp>
+      <p:sp>
+        <p:nvSpPr>
+          <p:cNvPr id="19" name="文字方塊 18">
+            <a:extLst>
+              <a:ext uri="{FF2B5EF4-FFF2-40B4-BE49-F238E27FC236}">
+                <a16:creationId xmlns:a16="http://schemas.microsoft.com/office/drawing/2014/main" id="{A9681926-A2CB-4036-84F5-1BD361882387}"/>
+              </a:ext>
+            </a:extLst>
+          </p:cNvPr>
+          <p:cNvSpPr txBox="1"/>
+          <p:nvPr/>
+        </p:nvSpPr>
+        <p:spPr>
+          <a:xfrm>
+            <a:off x="4702323" y="4114800"/>
+            <a:ext cx="364067" cy="369332"/>
+          </a:xfrm>
+          <a:prstGeom prst="rect">
+            <a:avLst/>
+          </a:prstGeom>
+          <a:noFill/>
+        </p:spPr>
+        <p:txBody>
+          <a:bodyPr wrap="square" rtlCol="0">
+            <a:spAutoFit/>
+          </a:bodyPr>
+          <a:lstStyle/>
+          <a:p>
+            <a:r>
+              <a:rPr lang="en-US" altLang="zh-TW" dirty="0"/>
+              <a:t>X’</a:t>
+            </a:r>
+            <a:endParaRPr lang="zh-TW" altLang="en-US" dirty="0"/>
+          </a:p>
+        </p:txBody>
+      </p:sp>
+      <p:sp>
+        <p:nvSpPr>
+          <p:cNvPr id="20" name="文字方塊 19">
+            <a:extLst>
+              <a:ext uri="{FF2B5EF4-FFF2-40B4-BE49-F238E27FC236}">
+                <a16:creationId xmlns:a16="http://schemas.microsoft.com/office/drawing/2014/main" id="{50AA4B9D-525F-4D77-B444-C55573EC9D99}"/>
+              </a:ext>
+            </a:extLst>
+          </p:cNvPr>
+          <p:cNvSpPr txBox="1"/>
+          <p:nvPr/>
+        </p:nvSpPr>
+        <p:spPr>
+          <a:xfrm>
+            <a:off x="4095348" y="1053867"/>
+            <a:ext cx="465614" cy="369332"/>
+          </a:xfrm>
+          <a:prstGeom prst="rect">
+            <a:avLst/>
+          </a:prstGeom>
+          <a:noFill/>
+        </p:spPr>
+        <p:txBody>
+          <a:bodyPr wrap="square" rtlCol="0">
+            <a:spAutoFit/>
+          </a:bodyPr>
+          <a:lstStyle/>
+          <a:p>
+            <a:r>
+              <a:rPr lang="en-US" altLang="zh-TW" dirty="0"/>
+              <a:t>Y’</a:t>
+            </a:r>
+            <a:endParaRPr lang="zh-TW" altLang="en-US" dirty="0"/>
+          </a:p>
+        </p:txBody>
+      </p:sp>
+      <p:sp>
+        <p:nvSpPr>
+          <p:cNvPr id="22" name="弧形 21">
+            <a:extLst>
+              <a:ext uri="{FF2B5EF4-FFF2-40B4-BE49-F238E27FC236}">
+                <a16:creationId xmlns:a16="http://schemas.microsoft.com/office/drawing/2014/main" id="{208D7FF4-4BAC-4939-B4A0-E329D12FE528}"/>
+              </a:ext>
+            </a:extLst>
+          </p:cNvPr>
+          <p:cNvSpPr/>
+          <p:nvPr/>
+        </p:nvSpPr>
+        <p:spPr>
+          <a:xfrm>
+            <a:off x="2729994" y="2946399"/>
+            <a:ext cx="914400" cy="914400"/>
+          </a:xfrm>
+          <a:prstGeom prst="arc">
+            <a:avLst>
+              <a:gd name="adj1" fmla="val 18159650"/>
+              <a:gd name="adj2" fmla="val 132145"/>
+            </a:avLst>
+          </a:prstGeom>
+          <a:ln>
+            <a:solidFill>
+              <a:schemeClr val="tx1"/>
+            </a:solidFill>
+          </a:ln>
+        </p:spPr>
+        <p:style>
+          <a:lnRef idx="1">
+            <a:schemeClr val="accent1"/>
+          </a:lnRef>
+          <a:fillRef idx="0">
+            <a:schemeClr val="accent1"/>
+          </a:fillRef>
+          <a:effectRef idx="0">
+            <a:schemeClr val="accent1"/>
+          </a:effectRef>
+          <a:fontRef idx="minor">
+            <a:schemeClr val="tx1"/>
+          </a:fontRef>
+        </p:style>
+        <p:txBody>
+          <a:bodyPr rtlCol="0" anchor="ctr"/>
+          <a:lstStyle/>
+          <a:p>
+            <a:pPr algn="ctr"/>
+            <a:endParaRPr lang="zh-TW" altLang="en-US"/>
+          </a:p>
+        </p:txBody>
+      </p:sp>
+      <mc:AlternateContent xmlns:mc="http://schemas.openxmlformats.org/markup-compatibility/2006">
+        <mc:Choice xmlns:a14="http://schemas.microsoft.com/office/drawing/2010/main" Requires="a14">
+          <p:sp>
+            <p:nvSpPr>
+              <p:cNvPr id="23" name="文字方塊 22">
+                <a:extLst>
+                  <a:ext uri="{FF2B5EF4-FFF2-40B4-BE49-F238E27FC236}">
+                    <a16:creationId xmlns:a16="http://schemas.microsoft.com/office/drawing/2014/main" id="{6108496B-E80F-4B99-8070-5B0BA716F3EF}"/>
+                  </a:ext>
+                </a:extLst>
+              </p:cNvPr>
+              <p:cNvSpPr txBox="1"/>
+              <p:nvPr/>
+            </p:nvSpPr>
+            <p:spPr>
+              <a:xfrm>
+                <a:off x="3527340" y="2878667"/>
+                <a:ext cx="457200" cy="369332"/>
+              </a:xfrm>
+              <a:prstGeom prst="rect">
+                <a:avLst/>
+              </a:prstGeom>
+              <a:noFill/>
+            </p:spPr>
+            <p:txBody>
+              <a:bodyPr wrap="square" rtlCol="0">
+                <a:spAutoFit/>
+              </a:bodyPr>
+              <a:lstStyle/>
+              <a:p>
+                <a14:m>
+                  <m:oMathPara xmlns:m="http://schemas.openxmlformats.org/officeDocument/2006/math">
+                    <m:oMathParaPr>
+                      <m:jc m:val="centerGroup"/>
+                    </m:oMathParaPr>
+                    <m:oMath xmlns:m="http://schemas.openxmlformats.org/officeDocument/2006/math">
+                      <m:r>
+                        <a:rPr lang="en-US" altLang="zh-TW" b="0" i="1" smtClean="0">
+                          <a:latin typeface="Cambria Math" panose="02040503050406030204" pitchFamily="18" charset="0"/>
+                        </a:rPr>
+                        <m:t>𝛽</m:t>
+                      </m:r>
+                    </m:oMath>
+                  </m:oMathPara>
+                </a14:m>
+                <a:endParaRPr lang="zh-TW" altLang="en-US" dirty="0"/>
+              </a:p>
+            </p:txBody>
+          </p:sp>
+        </mc:Choice>
+        <mc:Fallback>
+          <p:sp>
+            <p:nvSpPr>
+              <p:cNvPr id="23" name="文字方塊 22">
+                <a:extLst>
+                  <a:ext uri="{FF2B5EF4-FFF2-40B4-BE49-F238E27FC236}">
+                    <a16:creationId xmlns:a16="http://schemas.microsoft.com/office/drawing/2014/main" id="{6108496B-E80F-4B99-8070-5B0BA716F3EF}"/>
+                  </a:ext>
+                </a:extLst>
+              </p:cNvPr>
+              <p:cNvSpPr txBox="1">
+                <a:spLocks noRot="1" noChangeAspect="1" noMove="1" noResize="1" noEditPoints="1" noAdjustHandles="1" noChangeArrowheads="1" noChangeShapeType="1" noTextEdit="1"/>
+              </p:cNvSpPr>
+              <p:nvPr/>
+            </p:nvSpPr>
+            <p:spPr>
+              <a:xfrm>
+                <a:off x="3527340" y="2878667"/>
+                <a:ext cx="457200" cy="369332"/>
+              </a:xfrm>
+              <a:prstGeom prst="rect">
+                <a:avLst/>
+              </a:prstGeom>
+              <a:blipFill>
+                <a:blip r:embed="rId2"/>
+                <a:stretch>
+                  <a:fillRect b="-13115"/>
+                </a:stretch>
+              </a:blipFill>
+            </p:spPr>
+            <p:txBody>
+              <a:bodyPr/>
+              <a:lstStyle/>
+              <a:p>
+                <a:r>
+                  <a:rPr lang="zh-TW" altLang="en-US">
+                    <a:noFill/>
+                  </a:rPr>
+                  <a:t> </a:t>
+                </a:r>
+              </a:p>
+            </p:txBody>
+          </p:sp>
+        </mc:Fallback>
+      </mc:AlternateContent>
+      <p:sp>
+        <p:nvSpPr>
+          <p:cNvPr id="24" name="弧形 23">
+            <a:extLst>
+              <a:ext uri="{FF2B5EF4-FFF2-40B4-BE49-F238E27FC236}">
+                <a16:creationId xmlns:a16="http://schemas.microsoft.com/office/drawing/2014/main" id="{DF76728A-B127-4C4C-A1DB-B6822656A99D}"/>
+              </a:ext>
+            </a:extLst>
+          </p:cNvPr>
+          <p:cNvSpPr/>
+          <p:nvPr/>
+        </p:nvSpPr>
+        <p:spPr>
+          <a:xfrm>
+            <a:off x="2903862" y="3149116"/>
+            <a:ext cx="587929" cy="559768"/>
+          </a:xfrm>
+          <a:prstGeom prst="arc">
+            <a:avLst>
+              <a:gd name="adj1" fmla="val 21215278"/>
+              <a:gd name="adj2" fmla="val 1737553"/>
+            </a:avLst>
+          </a:prstGeom>
+          <a:ln>
+            <a:solidFill>
+              <a:srgbClr val="FF0000"/>
+            </a:solidFill>
+          </a:ln>
+        </p:spPr>
+        <p:style>
+          <a:lnRef idx="1">
+            <a:schemeClr val="dk1"/>
+          </a:lnRef>
+          <a:fillRef idx="0">
+            <a:schemeClr val="dk1"/>
+          </a:fillRef>
+          <a:effectRef idx="0">
+            <a:schemeClr val="dk1"/>
+          </a:effectRef>
+          <a:fontRef idx="minor">
+            <a:schemeClr val="tx1"/>
+          </a:fontRef>
+        </p:style>
+        <p:txBody>
+          <a:bodyPr rtlCol="0" anchor="ctr"/>
+          <a:lstStyle/>
+          <a:p>
+            <a:pPr algn="ctr"/>
+            <a:endParaRPr lang="zh-TW" altLang="en-US"/>
+          </a:p>
+        </p:txBody>
+      </p:sp>
+      <mc:AlternateContent xmlns:mc="http://schemas.openxmlformats.org/markup-compatibility/2006">
+        <mc:Choice xmlns:a14="http://schemas.microsoft.com/office/drawing/2010/main" Requires="a14">
+          <p:sp>
+            <p:nvSpPr>
+              <p:cNvPr id="25" name="文字方塊 24">
+                <a:extLst>
+                  <a:ext uri="{FF2B5EF4-FFF2-40B4-BE49-F238E27FC236}">
+                    <a16:creationId xmlns:a16="http://schemas.microsoft.com/office/drawing/2014/main" id="{6276EB26-6DD2-468A-9DBC-7BCD44B7FE0E}"/>
+                  </a:ext>
+                </a:extLst>
+              </p:cNvPr>
+              <p:cNvSpPr txBox="1"/>
+              <p:nvPr/>
+            </p:nvSpPr>
+            <p:spPr>
+              <a:xfrm>
+                <a:off x="3506779" y="3381084"/>
+                <a:ext cx="197746" cy="276999"/>
+              </a:xfrm>
+              <a:prstGeom prst="rect">
+                <a:avLst/>
+              </a:prstGeom>
+              <a:noFill/>
+            </p:spPr>
+            <p:txBody>
+              <a:bodyPr wrap="none" lIns="0" tIns="0" rIns="0" bIns="0" rtlCol="0">
+                <a:spAutoFit/>
+              </a:bodyPr>
+              <a:lstStyle/>
+              <a:p>
+                <a14:m>
+                  <m:oMathPara xmlns:m="http://schemas.openxmlformats.org/officeDocument/2006/math">
+                    <m:oMathParaPr>
+                      <m:jc m:val="centerGroup"/>
+                    </m:oMathParaPr>
+                    <m:oMath xmlns:m="http://schemas.openxmlformats.org/officeDocument/2006/math">
+                      <m:r>
+                        <a:rPr lang="en-US" altLang="zh-TW" b="0" i="1" smtClean="0">
+                          <a:latin typeface="Cambria Math" panose="02040503050406030204" pitchFamily="18" charset="0"/>
+                        </a:rPr>
+                        <m:t>𝛼</m:t>
+                      </m:r>
+                    </m:oMath>
+                  </m:oMathPara>
+                </a14:m>
+                <a:endParaRPr lang="zh-TW" altLang="en-US" dirty="0"/>
+              </a:p>
+            </p:txBody>
+          </p:sp>
+        </mc:Choice>
+        <mc:Fallback>
+          <p:sp>
+            <p:nvSpPr>
+              <p:cNvPr id="25" name="文字方塊 24">
+                <a:extLst>
+                  <a:ext uri="{FF2B5EF4-FFF2-40B4-BE49-F238E27FC236}">
+                    <a16:creationId xmlns:a16="http://schemas.microsoft.com/office/drawing/2014/main" id="{6276EB26-6DD2-468A-9DBC-7BCD44B7FE0E}"/>
+                  </a:ext>
+                </a:extLst>
+              </p:cNvPr>
+              <p:cNvSpPr txBox="1">
+                <a:spLocks noRot="1" noChangeAspect="1" noMove="1" noResize="1" noEditPoints="1" noAdjustHandles="1" noChangeArrowheads="1" noChangeShapeType="1" noTextEdit="1"/>
+              </p:cNvSpPr>
+              <p:nvPr/>
+            </p:nvSpPr>
+            <p:spPr>
+              <a:xfrm>
+                <a:off x="3506779" y="3381084"/>
+                <a:ext cx="197746" cy="276999"/>
+              </a:xfrm>
+              <a:prstGeom prst="rect">
+                <a:avLst/>
+              </a:prstGeom>
+              <a:blipFill>
+                <a:blip r:embed="rId3"/>
+                <a:stretch>
+                  <a:fillRect l="-18182" r="-12121"/>
+                </a:stretch>
+              </a:blipFill>
+            </p:spPr>
+            <p:txBody>
+              <a:bodyPr/>
+              <a:lstStyle/>
+              <a:p>
+                <a:r>
+                  <a:rPr lang="zh-TW" altLang="en-US">
+                    <a:noFill/>
+                  </a:rPr>
+                  <a:t> </a:t>
+                </a:r>
+              </a:p>
+            </p:txBody>
+          </p:sp>
+        </mc:Fallback>
+      </mc:AlternateContent>
+      <mc:AlternateContent xmlns:mc="http://schemas.openxmlformats.org/markup-compatibility/2006">
+        <mc:Choice xmlns:a14="http://schemas.microsoft.com/office/drawing/2010/main" Requires="a14">
+          <p:sp>
+            <p:nvSpPr>
+              <p:cNvPr id="26" name="文字方塊 25">
+                <a:extLst>
+                  <a:ext uri="{FF2B5EF4-FFF2-40B4-BE49-F238E27FC236}">
+                    <a16:creationId xmlns:a16="http://schemas.microsoft.com/office/drawing/2014/main" id="{2A80FE43-50AD-413A-9CCC-8A6C3B5335F8}"/>
+                  </a:ext>
+                </a:extLst>
+              </p:cNvPr>
+              <p:cNvSpPr txBox="1"/>
+              <p:nvPr/>
+            </p:nvSpPr>
+            <p:spPr>
+              <a:xfrm>
+                <a:off x="4783721" y="2003799"/>
+                <a:ext cx="491067" cy="369332"/>
+              </a:xfrm>
+              <a:prstGeom prst="rect">
+                <a:avLst/>
+              </a:prstGeom>
+              <a:noFill/>
+            </p:spPr>
+            <p:txBody>
+              <a:bodyPr wrap="square" rtlCol="0">
+                <a:spAutoFit/>
+              </a:bodyPr>
+              <a:lstStyle/>
+              <a:p>
+                <a14:m>
+                  <m:oMathPara xmlns:m="http://schemas.openxmlformats.org/officeDocument/2006/math">
+                    <m:oMathParaPr>
+                      <m:jc m:val="centerGroup"/>
+                    </m:oMathParaPr>
+                    <m:oMath xmlns:m="http://schemas.openxmlformats.org/officeDocument/2006/math">
+                      <m:sSub>
+                        <m:sSubPr>
+                          <m:ctrlPr>
+                            <a:rPr lang="en-US" altLang="zh-TW" b="0" i="1" smtClean="0">
+                              <a:latin typeface="Cambria Math" panose="02040503050406030204" pitchFamily="18" charset="0"/>
+                            </a:rPr>
+                          </m:ctrlPr>
+                        </m:sSubPr>
+                        <m:e>
+                          <m:r>
+                            <a:rPr lang="en-US" altLang="zh-TW" b="0" i="1" smtClean="0">
+                              <a:latin typeface="Cambria Math" panose="02040503050406030204" pitchFamily="18" charset="0"/>
+                            </a:rPr>
+                            <m:t>𝑣</m:t>
+                          </m:r>
+                        </m:e>
+                        <m:sub>
+                          <m:r>
+                            <a:rPr lang="en-US" altLang="zh-TW" b="0" i="1" smtClean="0">
+                              <a:latin typeface="Cambria Math" panose="02040503050406030204" pitchFamily="18" charset="0"/>
+                            </a:rPr>
+                            <m:t>𝐵</m:t>
+                          </m:r>
+                        </m:sub>
+                      </m:sSub>
+                    </m:oMath>
+                  </m:oMathPara>
+                </a14:m>
+                <a:endParaRPr lang="zh-TW" altLang="en-US" dirty="0"/>
+              </a:p>
+            </p:txBody>
+          </p:sp>
+        </mc:Choice>
+        <mc:Fallback>
+          <p:sp>
+            <p:nvSpPr>
+              <p:cNvPr id="26" name="文字方塊 25">
+                <a:extLst>
+                  <a:ext uri="{FF2B5EF4-FFF2-40B4-BE49-F238E27FC236}">
+                    <a16:creationId xmlns:a16="http://schemas.microsoft.com/office/drawing/2014/main" id="{2A80FE43-50AD-413A-9CCC-8A6C3B5335F8}"/>
+                  </a:ext>
+                </a:extLst>
+              </p:cNvPr>
+              <p:cNvSpPr txBox="1">
+                <a:spLocks noRot="1" noChangeAspect="1" noMove="1" noResize="1" noEditPoints="1" noAdjustHandles="1" noChangeArrowheads="1" noChangeShapeType="1" noTextEdit="1"/>
+              </p:cNvSpPr>
+              <p:nvPr/>
+            </p:nvSpPr>
+            <p:spPr>
+              <a:xfrm>
+                <a:off x="4783721" y="2003799"/>
+                <a:ext cx="491067" cy="369332"/>
+              </a:xfrm>
+              <a:prstGeom prst="rect">
+                <a:avLst/>
+              </a:prstGeom>
+              <a:blipFill>
+                <a:blip r:embed="rId4"/>
+                <a:stretch>
+                  <a:fillRect/>
+                </a:stretch>
+              </a:blipFill>
+            </p:spPr>
+            <p:txBody>
+              <a:bodyPr/>
+              <a:lstStyle/>
+              <a:p>
+                <a:r>
+                  <a:rPr lang="zh-TW" altLang="en-US">
+                    <a:noFill/>
+                  </a:rPr>
+                  <a:t> </a:t>
+                </a:r>
+              </a:p>
+            </p:txBody>
+          </p:sp>
+        </mc:Fallback>
+      </mc:AlternateContent>
+      <p:sp>
+        <p:nvSpPr>
+          <p:cNvPr id="27" name="文字方塊 26">
+            <a:extLst>
+              <a:ext uri="{FF2B5EF4-FFF2-40B4-BE49-F238E27FC236}">
+                <a16:creationId xmlns:a16="http://schemas.microsoft.com/office/drawing/2014/main" id="{71043600-B22E-4096-88C5-6DC1E4BDE53E}"/>
+              </a:ext>
+            </a:extLst>
+          </p:cNvPr>
+          <p:cNvSpPr txBox="1"/>
+          <p:nvPr/>
+        </p:nvSpPr>
+        <p:spPr>
+          <a:xfrm>
+            <a:off x="3304845" y="1744730"/>
+            <a:ext cx="1478876" cy="369332"/>
+          </a:xfrm>
+          <a:prstGeom prst="rect">
+            <a:avLst/>
+          </a:prstGeom>
+          <a:noFill/>
+        </p:spPr>
+        <p:txBody>
+          <a:bodyPr wrap="square" rtlCol="0">
+            <a:spAutoFit/>
+          </a:bodyPr>
+          <a:lstStyle/>
+          <a:p>
+            <a:r>
+              <a:rPr lang="en-US" altLang="zh-TW" dirty="0"/>
+              <a:t>Obstacle</a:t>
+            </a:r>
+            <a:endParaRPr lang="zh-TW" altLang="en-US" dirty="0"/>
+          </a:p>
+        </p:txBody>
+      </p:sp>
+      <p:grpSp>
+        <p:nvGrpSpPr>
+          <p:cNvPr id="93" name="群組 92">
+            <a:extLst>
+              <a:ext uri="{FF2B5EF4-FFF2-40B4-BE49-F238E27FC236}">
+                <a16:creationId xmlns:a16="http://schemas.microsoft.com/office/drawing/2014/main" id="{1B9A3C2F-EFC9-4BC4-AAF2-B9BBD35C0FC3}"/>
+              </a:ext>
+            </a:extLst>
+          </p:cNvPr>
+          <p:cNvGrpSpPr/>
+          <p:nvPr/>
+        </p:nvGrpSpPr>
+        <p:grpSpPr>
+          <a:xfrm rot="19833373">
+            <a:off x="5811590" y="1187998"/>
+            <a:ext cx="4749525" cy="3874551"/>
+            <a:chOff x="5828861" y="937856"/>
+            <a:chExt cx="4749525" cy="3874551"/>
+          </a:xfrm>
+        </p:grpSpPr>
+        <p:sp>
+          <p:nvSpPr>
+            <p:cNvPr id="73" name="橢圓 72">
+              <a:extLst>
+                <a:ext uri="{FF2B5EF4-FFF2-40B4-BE49-F238E27FC236}">
+                  <a16:creationId xmlns:a16="http://schemas.microsoft.com/office/drawing/2014/main" id="{2C9B2463-E5F6-402F-9561-4873AD52BBC8}"/>
+                </a:ext>
+              </a:extLst>
+            </p:cNvPr>
+            <p:cNvSpPr/>
+            <p:nvPr/>
+          </p:nvSpPr>
+          <p:spPr>
+            <a:xfrm>
+              <a:off x="8842715" y="1644131"/>
+              <a:ext cx="792000" cy="792000"/>
+            </a:xfrm>
+            <a:prstGeom prst="ellipse">
+              <a:avLst/>
+            </a:prstGeom>
+            <a:solidFill>
+              <a:schemeClr val="accent5"/>
+            </a:solidFill>
+          </p:spPr>
+          <p:style>
+            <a:lnRef idx="2">
+              <a:schemeClr val="accent1">
+                <a:shade val="50000"/>
+              </a:schemeClr>
+            </a:lnRef>
+            <a:fillRef idx="1">
+              <a:schemeClr val="accent1"/>
+            </a:fillRef>
+            <a:effectRef idx="0">
+              <a:schemeClr val="accent1"/>
+            </a:effectRef>
+            <a:fontRef idx="minor">
+              <a:schemeClr val="lt1"/>
+            </a:fontRef>
+          </p:style>
+          <p:txBody>
+            <a:bodyPr rtlCol="0" anchor="ctr"/>
+            <a:lstStyle/>
+            <a:p>
+              <a:pPr algn="ctr"/>
+              <a:endParaRPr lang="zh-TW" altLang="en-US"/>
+            </a:p>
+          </p:txBody>
+        </p:sp>
+        <p:cxnSp>
+          <p:nvCxnSpPr>
+            <p:cNvPr id="74" name="直線單箭頭接點 73">
+              <a:extLst>
+                <a:ext uri="{FF2B5EF4-FFF2-40B4-BE49-F238E27FC236}">
+                  <a16:creationId xmlns:a16="http://schemas.microsoft.com/office/drawing/2014/main" id="{5A43E9F1-622E-4E1F-945B-E237AD023163}"/>
+                </a:ext>
+              </a:extLst>
+            </p:cNvPr>
+            <p:cNvCxnSpPr>
+              <a:cxnSpLocks/>
+            </p:cNvCxnSpPr>
+            <p:nvPr/>
+          </p:nvCxnSpPr>
+          <p:spPr>
+            <a:xfrm>
+              <a:off x="5828861" y="3134160"/>
+              <a:ext cx="3454400" cy="0"/>
+            </a:xfrm>
+            <a:prstGeom prst="straightConnector1">
+              <a:avLst/>
+            </a:prstGeom>
+            <a:ln w="28575">
+              <a:tailEnd type="triangle"/>
+            </a:ln>
+          </p:spPr>
+          <p:style>
+            <a:lnRef idx="1">
+              <a:schemeClr val="dk1"/>
+            </a:lnRef>
+            <a:fillRef idx="0">
+              <a:schemeClr val="dk1"/>
+            </a:fillRef>
+            <a:effectRef idx="0">
+              <a:schemeClr val="dk1"/>
+            </a:effectRef>
+            <a:fontRef idx="minor">
+              <a:schemeClr val="tx1"/>
+            </a:fontRef>
+          </p:style>
+        </p:cxnSp>
+        <p:cxnSp>
+          <p:nvCxnSpPr>
+            <p:cNvPr id="75" name="直線單箭頭接點 74">
+              <a:extLst>
+                <a:ext uri="{FF2B5EF4-FFF2-40B4-BE49-F238E27FC236}">
+                  <a16:creationId xmlns:a16="http://schemas.microsoft.com/office/drawing/2014/main" id="{9E016464-9F28-4359-B2C3-D6D108D0C8F1}"/>
+                </a:ext>
+              </a:extLst>
+            </p:cNvPr>
+            <p:cNvCxnSpPr>
+              <a:cxnSpLocks/>
+            </p:cNvCxnSpPr>
+            <p:nvPr/>
+          </p:nvCxnSpPr>
+          <p:spPr>
+            <a:xfrm flipV="1">
+              <a:off x="7556059" y="1576295"/>
+              <a:ext cx="0" cy="3166532"/>
+            </a:xfrm>
+            <a:prstGeom prst="straightConnector1">
+              <a:avLst/>
+            </a:prstGeom>
+            <a:ln w="28575">
+              <a:tailEnd type="triangle"/>
+            </a:ln>
+          </p:spPr>
+          <p:style>
+            <a:lnRef idx="1">
+              <a:schemeClr val="dk1"/>
+            </a:lnRef>
+            <a:fillRef idx="0">
+              <a:schemeClr val="dk1"/>
+            </a:fillRef>
+            <a:effectRef idx="0">
+              <a:schemeClr val="dk1"/>
+            </a:effectRef>
+            <a:fontRef idx="minor">
+              <a:schemeClr val="tx1"/>
+            </a:fontRef>
+          </p:style>
+        </p:cxnSp>
+        <p:grpSp>
+          <p:nvGrpSpPr>
+            <p:cNvPr id="76" name="群組 75">
+              <a:extLst>
+                <a:ext uri="{FF2B5EF4-FFF2-40B4-BE49-F238E27FC236}">
+                  <a16:creationId xmlns:a16="http://schemas.microsoft.com/office/drawing/2014/main" id="{A7D2CBA5-7547-489B-B84F-A5645BC56269}"/>
+                </a:ext>
+              </a:extLst>
+            </p:cNvPr>
+            <p:cNvGrpSpPr/>
+            <p:nvPr/>
+          </p:nvGrpSpPr>
+          <p:grpSpPr>
+            <a:xfrm rot="1721495">
+              <a:off x="6983664" y="1196808"/>
+              <a:ext cx="3454400" cy="3615599"/>
+              <a:chOff x="440266" y="-293459"/>
+              <a:chExt cx="3454400" cy="3615599"/>
+            </a:xfrm>
+          </p:grpSpPr>
+          <p:cxnSp>
+            <p:nvCxnSpPr>
+              <p:cNvPr id="77" name="直線單箭頭接點 76">
+                <a:extLst>
+                  <a:ext uri="{FF2B5EF4-FFF2-40B4-BE49-F238E27FC236}">
+                    <a16:creationId xmlns:a16="http://schemas.microsoft.com/office/drawing/2014/main" id="{636AD574-3AD3-4DBF-A17D-850F9834CE59}"/>
+                  </a:ext>
+                </a:extLst>
+              </p:cNvPr>
+              <p:cNvCxnSpPr>
+                <a:cxnSpLocks/>
+              </p:cNvCxnSpPr>
+              <p:nvPr/>
+            </p:nvCxnSpPr>
+            <p:spPr>
+              <a:xfrm>
+                <a:off x="440266" y="1972733"/>
+                <a:ext cx="3454400" cy="0"/>
+              </a:xfrm>
+              <a:prstGeom prst="straightConnector1">
+                <a:avLst/>
+              </a:prstGeom>
+              <a:ln w="28575">
+                <a:solidFill>
+                  <a:schemeClr val="bg1">
+                    <a:lumMod val="65000"/>
+                  </a:schemeClr>
+                </a:solidFill>
+                <a:tailEnd type="triangle"/>
+              </a:ln>
+            </p:spPr>
+            <p:style>
+              <a:lnRef idx="1">
+                <a:schemeClr val="dk1"/>
+              </a:lnRef>
+              <a:fillRef idx="0">
+                <a:schemeClr val="dk1"/>
+              </a:fillRef>
+              <a:effectRef idx="0">
+                <a:schemeClr val="dk1"/>
+              </a:effectRef>
+              <a:fontRef idx="minor">
+                <a:schemeClr val="tx1"/>
+              </a:fontRef>
+            </p:style>
+          </p:cxnSp>
+          <p:cxnSp>
+            <p:nvCxnSpPr>
+              <p:cNvPr id="78" name="直線單箭頭接點 77">
+                <a:extLst>
+                  <a:ext uri="{FF2B5EF4-FFF2-40B4-BE49-F238E27FC236}">
+                    <a16:creationId xmlns:a16="http://schemas.microsoft.com/office/drawing/2014/main" id="{C985099E-4DC5-43F1-B07F-D3346905ED2F}"/>
+                  </a:ext>
+                </a:extLst>
+              </p:cNvPr>
+              <p:cNvCxnSpPr>
+                <a:cxnSpLocks/>
+              </p:cNvCxnSpPr>
+              <p:nvPr/>
+            </p:nvCxnSpPr>
+            <p:spPr>
+              <a:xfrm rot="19878505" flipV="1">
+                <a:off x="1176478" y="-293459"/>
+                <a:ext cx="2004719" cy="3615599"/>
+              </a:xfrm>
+              <a:prstGeom prst="straightConnector1">
+                <a:avLst/>
+              </a:prstGeom>
+              <a:ln w="28575">
+                <a:solidFill>
+                  <a:schemeClr val="bg1">
+                    <a:lumMod val="65000"/>
+                  </a:schemeClr>
+                </a:solidFill>
+                <a:tailEnd type="triangle"/>
+              </a:ln>
+            </p:spPr>
+            <p:style>
+              <a:lnRef idx="1">
+                <a:schemeClr val="dk1"/>
+              </a:lnRef>
+              <a:fillRef idx="0">
+                <a:schemeClr val="dk1"/>
+              </a:fillRef>
+              <a:effectRef idx="0">
+                <a:schemeClr val="dk1"/>
+              </a:effectRef>
+              <a:fontRef idx="minor">
+                <a:schemeClr val="tx1"/>
+              </a:fontRef>
+            </p:style>
+          </p:cxnSp>
+        </p:grpSp>
+        <p:cxnSp>
+          <p:nvCxnSpPr>
+            <p:cNvPr id="79" name="直線單箭頭接點 78">
+              <a:extLst>
+                <a:ext uri="{FF2B5EF4-FFF2-40B4-BE49-F238E27FC236}">
+                  <a16:creationId xmlns:a16="http://schemas.microsoft.com/office/drawing/2014/main" id="{2D885B05-F3AD-43D8-919D-C9473F22A50F}"/>
+                </a:ext>
+              </a:extLst>
+            </p:cNvPr>
+            <p:cNvCxnSpPr>
+              <a:cxnSpLocks/>
+            </p:cNvCxnSpPr>
+            <p:nvPr/>
+          </p:nvCxnSpPr>
+          <p:spPr>
+            <a:xfrm>
+              <a:off x="9238715" y="2040131"/>
+              <a:ext cx="967083" cy="296669"/>
+            </a:xfrm>
+            <a:prstGeom prst="straightConnector1">
+              <a:avLst/>
+            </a:prstGeom>
+            <a:ln>
+              <a:solidFill>
+                <a:schemeClr val="tx1"/>
+              </a:solidFill>
+              <a:tailEnd type="triangle"/>
+            </a:ln>
+          </p:spPr>
+          <p:style>
+            <a:lnRef idx="1">
+              <a:schemeClr val="accent1"/>
+            </a:lnRef>
+            <a:fillRef idx="0">
+              <a:schemeClr val="accent1"/>
+            </a:fillRef>
+            <a:effectRef idx="0">
+              <a:schemeClr val="accent1"/>
+            </a:effectRef>
+            <a:fontRef idx="minor">
+              <a:schemeClr val="tx1"/>
+            </a:fontRef>
+          </p:style>
+        </p:cxnSp>
+        <p:sp>
+          <p:nvSpPr>
+            <p:cNvPr id="80" name="文字方塊 79">
+              <a:extLst>
+                <a:ext uri="{FF2B5EF4-FFF2-40B4-BE49-F238E27FC236}">
+                  <a16:creationId xmlns:a16="http://schemas.microsoft.com/office/drawing/2014/main" id="{DD95A2FE-5A8A-45A4-9F11-AA7E4A5CDAF4}"/>
+                </a:ext>
+              </a:extLst>
+            </p:cNvPr>
+            <p:cNvSpPr txBox="1"/>
+            <p:nvPr/>
+          </p:nvSpPr>
+          <p:spPr>
+            <a:xfrm rot="1766627">
+              <a:off x="9242007" y="2972587"/>
+              <a:ext cx="364067" cy="369332"/>
+            </a:xfrm>
+            <a:prstGeom prst="rect">
+              <a:avLst/>
+            </a:prstGeom>
+            <a:noFill/>
+          </p:spPr>
+          <p:txBody>
+            <a:bodyPr wrap="square" rtlCol="0">
+              <a:spAutoFit/>
+            </a:bodyPr>
+            <a:lstStyle/>
+            <a:p>
+              <a:r>
+                <a:rPr lang="en-US" altLang="zh-TW" dirty="0"/>
+                <a:t>X</a:t>
+              </a:r>
+              <a:endParaRPr lang="zh-TW" altLang="en-US" dirty="0"/>
+            </a:p>
+          </p:txBody>
+        </p:sp>
+        <p:sp>
+          <p:nvSpPr>
+            <p:cNvPr id="81" name="文字方塊 80">
+              <a:extLst>
+                <a:ext uri="{FF2B5EF4-FFF2-40B4-BE49-F238E27FC236}">
+                  <a16:creationId xmlns:a16="http://schemas.microsoft.com/office/drawing/2014/main" id="{EC7170E5-9224-4B81-9490-CAA4AA7C4E80}"/>
+                </a:ext>
+              </a:extLst>
+            </p:cNvPr>
+            <p:cNvSpPr txBox="1"/>
+            <p:nvPr/>
+          </p:nvSpPr>
+          <p:spPr>
+            <a:xfrm rot="1766627">
+              <a:off x="7459199" y="1258794"/>
+              <a:ext cx="364113" cy="369332"/>
+            </a:xfrm>
+            <a:prstGeom prst="rect">
+              <a:avLst/>
+            </a:prstGeom>
+            <a:noFill/>
+          </p:spPr>
+          <p:txBody>
+            <a:bodyPr wrap="square" rtlCol="0">
+              <a:spAutoFit/>
+            </a:bodyPr>
+            <a:lstStyle/>
+            <a:p>
+              <a:r>
+                <a:rPr lang="en-US" altLang="zh-TW" dirty="0"/>
+                <a:t>Y</a:t>
+              </a:r>
+              <a:endParaRPr lang="zh-TW" altLang="en-US" dirty="0"/>
+            </a:p>
+          </p:txBody>
+        </p:sp>
+        <p:sp>
+          <p:nvSpPr>
+            <p:cNvPr id="82" name="文字方塊 81">
+              <a:extLst>
+                <a:ext uri="{FF2B5EF4-FFF2-40B4-BE49-F238E27FC236}">
+                  <a16:creationId xmlns:a16="http://schemas.microsoft.com/office/drawing/2014/main" id="{04DD65E2-5F62-42DD-884D-AC3EB6712B51}"/>
+                </a:ext>
+              </a:extLst>
+            </p:cNvPr>
+            <p:cNvSpPr txBox="1"/>
+            <p:nvPr/>
+          </p:nvSpPr>
+          <p:spPr>
+            <a:xfrm rot="1766627">
+              <a:off x="10005921" y="4114800"/>
+              <a:ext cx="364067" cy="369332"/>
+            </a:xfrm>
+            <a:prstGeom prst="rect">
+              <a:avLst/>
+            </a:prstGeom>
+            <a:noFill/>
+          </p:spPr>
+          <p:txBody>
+            <a:bodyPr wrap="square" rtlCol="0">
+              <a:spAutoFit/>
+            </a:bodyPr>
+            <a:lstStyle/>
+            <a:p>
+              <a:r>
+                <a:rPr lang="en-US" altLang="zh-TW" dirty="0"/>
+                <a:t>X’</a:t>
+              </a:r>
+              <a:endParaRPr lang="zh-TW" altLang="en-US" dirty="0"/>
+            </a:p>
+          </p:txBody>
+        </p:sp>
+        <p:sp>
+          <p:nvSpPr>
+            <p:cNvPr id="83" name="文字方塊 82">
+              <a:extLst>
+                <a:ext uri="{FF2B5EF4-FFF2-40B4-BE49-F238E27FC236}">
+                  <a16:creationId xmlns:a16="http://schemas.microsoft.com/office/drawing/2014/main" id="{C73FA931-01CA-4E44-8C95-674B1916EB11}"/>
+                </a:ext>
+              </a:extLst>
+            </p:cNvPr>
+            <p:cNvSpPr txBox="1"/>
+            <p:nvPr/>
+          </p:nvSpPr>
+          <p:spPr>
+            <a:xfrm rot="1572799">
+              <a:off x="9366836" y="937856"/>
+              <a:ext cx="465614" cy="369332"/>
+            </a:xfrm>
+            <a:prstGeom prst="rect">
+              <a:avLst/>
+            </a:prstGeom>
+            <a:noFill/>
+          </p:spPr>
+          <p:txBody>
+            <a:bodyPr wrap="square" rtlCol="0">
+              <a:spAutoFit/>
+            </a:bodyPr>
+            <a:lstStyle/>
+            <a:p>
+              <a:r>
+                <a:rPr lang="en-US" altLang="zh-TW" dirty="0"/>
+                <a:t>Y’</a:t>
+              </a:r>
+              <a:endParaRPr lang="zh-TW" altLang="en-US" dirty="0"/>
+            </a:p>
+          </p:txBody>
+        </p:sp>
+        <p:sp>
+          <p:nvSpPr>
+            <p:cNvPr id="84" name="弧形 83">
+              <a:extLst>
+                <a:ext uri="{FF2B5EF4-FFF2-40B4-BE49-F238E27FC236}">
+                  <a16:creationId xmlns:a16="http://schemas.microsoft.com/office/drawing/2014/main" id="{34CACFB8-C4DA-4B0D-B86F-16E48E72C7CC}"/>
+                </a:ext>
+              </a:extLst>
+            </p:cNvPr>
+            <p:cNvSpPr/>
+            <p:nvPr/>
+          </p:nvSpPr>
+          <p:spPr>
+            <a:xfrm rot="1766627">
+              <a:off x="8038486" y="2914043"/>
+              <a:ext cx="914400" cy="914400"/>
+            </a:xfrm>
+            <a:prstGeom prst="arc">
+              <a:avLst>
+                <a:gd name="adj1" fmla="val 18036934"/>
+                <a:gd name="adj2" fmla="val 99657"/>
+              </a:avLst>
+            </a:prstGeom>
+            <a:ln>
+              <a:solidFill>
+                <a:srgbClr val="FF0000"/>
+              </a:solidFill>
+            </a:ln>
+          </p:spPr>
+          <p:style>
+            <a:lnRef idx="1">
+              <a:schemeClr val="accent1"/>
+            </a:lnRef>
+            <a:fillRef idx="0">
+              <a:schemeClr val="accent1"/>
+            </a:fillRef>
+            <a:effectRef idx="0">
+              <a:schemeClr val="accent1"/>
+            </a:effectRef>
+            <a:fontRef idx="minor">
+              <a:schemeClr val="tx1"/>
+            </a:fontRef>
+          </p:style>
+          <p:txBody>
+            <a:bodyPr rtlCol="0" anchor="ctr"/>
+            <a:lstStyle/>
+            <a:p>
+              <a:pPr algn="ctr"/>
+              <a:endParaRPr lang="zh-TW" altLang="en-US"/>
+            </a:p>
+          </p:txBody>
+        </p:sp>
+        <p:sp>
+          <p:nvSpPr>
+            <p:cNvPr id="87" name="文字方塊 86">
+              <a:extLst>
+                <a:ext uri="{FF2B5EF4-FFF2-40B4-BE49-F238E27FC236}">
+                  <a16:creationId xmlns:a16="http://schemas.microsoft.com/office/drawing/2014/main" id="{348309A5-A20E-4D01-8A49-2531524A66D2}"/>
+                </a:ext>
+              </a:extLst>
+            </p:cNvPr>
+            <p:cNvSpPr txBox="1"/>
+            <p:nvPr/>
+          </p:nvSpPr>
+          <p:spPr>
+            <a:xfrm>
+              <a:off x="8909217" y="3381083"/>
+              <a:ext cx="65" cy="276999"/>
+            </a:xfrm>
+            <a:prstGeom prst="rect">
+              <a:avLst/>
+            </a:prstGeom>
+            <a:noFill/>
+          </p:spPr>
+          <p:txBody>
+            <a:bodyPr wrap="none" lIns="0" tIns="0" rIns="0" bIns="0" rtlCol="0">
+              <a:spAutoFit/>
+            </a:bodyPr>
+            <a:lstStyle/>
+            <a:p>
+              <a:endParaRPr lang="zh-TW" altLang="en-US" dirty="0"/>
+            </a:p>
+          </p:txBody>
+        </p:sp>
+        <mc:AlternateContent xmlns:mc="http://schemas.openxmlformats.org/markup-compatibility/2006">
+          <mc:Choice xmlns:a14="http://schemas.microsoft.com/office/drawing/2010/main" Requires="a14">
+            <p:sp>
+              <p:nvSpPr>
+                <p:cNvPr id="88" name="文字方塊 87">
+                  <a:extLst>
+                    <a:ext uri="{FF2B5EF4-FFF2-40B4-BE49-F238E27FC236}">
+                      <a16:creationId xmlns:a16="http://schemas.microsoft.com/office/drawing/2014/main" id="{F03BE454-8BCB-464A-8976-F8E366131685}"/>
+                    </a:ext>
+                  </a:extLst>
+                </p:cNvPr>
+                <p:cNvSpPr txBox="1"/>
+                <p:nvPr/>
+              </p:nvSpPr>
+              <p:spPr>
+                <a:xfrm rot="1570553">
+                  <a:off x="10087319" y="2003799"/>
+                  <a:ext cx="491067" cy="369332"/>
+                </a:xfrm>
+                <a:prstGeom prst="rect">
+                  <a:avLst/>
+                </a:prstGeom>
+                <a:noFill/>
+              </p:spPr>
+              <p:txBody>
+                <a:bodyPr wrap="square" rtlCol="0">
+                  <a:spAutoFit/>
+                </a:bodyPr>
+                <a:lstStyle/>
+                <a:p>
+                  <a14:m>
+                    <m:oMathPara xmlns:m="http://schemas.openxmlformats.org/officeDocument/2006/math">
+                      <m:oMathParaPr>
+                        <m:jc m:val="centerGroup"/>
+                      </m:oMathParaPr>
+                      <m:oMath xmlns:m="http://schemas.openxmlformats.org/officeDocument/2006/math">
+                        <m:sSub>
+                          <m:sSubPr>
+                            <m:ctrlPr>
+                              <a:rPr lang="en-US" altLang="zh-TW" b="0" i="1" smtClean="0">
+                                <a:latin typeface="Cambria Math" panose="02040503050406030204" pitchFamily="18" charset="0"/>
+                              </a:rPr>
+                            </m:ctrlPr>
+                          </m:sSubPr>
+                          <m:e>
+                            <m:r>
+                              <a:rPr lang="en-US" altLang="zh-TW" b="0" i="1" smtClean="0">
+                                <a:latin typeface="Cambria Math" panose="02040503050406030204" pitchFamily="18" charset="0"/>
+                              </a:rPr>
+                              <m:t>𝑣</m:t>
+                            </m:r>
+                          </m:e>
+                          <m:sub>
+                            <m:r>
+                              <a:rPr lang="en-US" altLang="zh-TW" b="0" i="1" smtClean="0">
+                                <a:latin typeface="Cambria Math" panose="02040503050406030204" pitchFamily="18" charset="0"/>
+                              </a:rPr>
+                              <m:t>𝐵</m:t>
+                            </m:r>
+                          </m:sub>
+                        </m:sSub>
+                      </m:oMath>
+                    </m:oMathPara>
+                  </a14:m>
+                  <a:endParaRPr lang="zh-TW" altLang="en-US" dirty="0"/>
+                </a:p>
+              </p:txBody>
+            </p:sp>
+          </mc:Choice>
+          <mc:Fallback>
+            <p:sp>
+              <p:nvSpPr>
+                <p:cNvPr id="88" name="文字方塊 87">
+                  <a:extLst>
+                    <a:ext uri="{FF2B5EF4-FFF2-40B4-BE49-F238E27FC236}">
+                      <a16:creationId xmlns:a16="http://schemas.microsoft.com/office/drawing/2014/main" id="{F03BE454-8BCB-464A-8976-F8E366131685}"/>
+                    </a:ext>
+                  </a:extLst>
+                </p:cNvPr>
+                <p:cNvSpPr txBox="1">
+                  <a:spLocks noRot="1" noChangeAspect="1" noMove="1" noResize="1" noEditPoints="1" noAdjustHandles="1" noChangeArrowheads="1" noChangeShapeType="1" noTextEdit="1"/>
+                </p:cNvSpPr>
+                <p:nvPr/>
+              </p:nvSpPr>
+              <p:spPr>
+                <a:xfrm rot="1570553">
+                  <a:off x="10087319" y="2003799"/>
+                  <a:ext cx="491067" cy="369332"/>
+                </a:xfrm>
+                <a:prstGeom prst="rect">
+                  <a:avLst/>
+                </a:prstGeom>
+                <a:blipFill>
+                  <a:blip r:embed="rId5"/>
+                  <a:stretch>
+                    <a:fillRect/>
+                  </a:stretch>
+                </a:blipFill>
+              </p:spPr>
+              <p:txBody>
+                <a:bodyPr/>
+                <a:lstStyle/>
+                <a:p>
+                  <a:r>
+                    <a:rPr lang="zh-TW" altLang="en-US">
+                      <a:noFill/>
+                    </a:rPr>
+                    <a:t> </a:t>
+                  </a:r>
+                </a:p>
+              </p:txBody>
+            </p:sp>
+          </mc:Fallback>
+        </mc:AlternateContent>
+        <p:sp>
+          <p:nvSpPr>
+            <p:cNvPr id="89" name="文字方塊 88">
+              <a:extLst>
+                <a:ext uri="{FF2B5EF4-FFF2-40B4-BE49-F238E27FC236}">
+                  <a16:creationId xmlns:a16="http://schemas.microsoft.com/office/drawing/2014/main" id="{DFA3394E-414D-41EE-80A0-DE886B487916}"/>
+                </a:ext>
+              </a:extLst>
+            </p:cNvPr>
+            <p:cNvSpPr txBox="1"/>
+            <p:nvPr/>
+          </p:nvSpPr>
+          <p:spPr>
+            <a:xfrm rot="1766627">
+              <a:off x="8608443" y="1744730"/>
+              <a:ext cx="1478876" cy="369332"/>
+            </a:xfrm>
+            <a:prstGeom prst="rect">
+              <a:avLst/>
+            </a:prstGeom>
+            <a:noFill/>
+          </p:spPr>
+          <p:txBody>
+            <a:bodyPr wrap="square" rtlCol="0">
+              <a:spAutoFit/>
+            </a:bodyPr>
+            <a:lstStyle/>
+            <a:p>
+              <a:r>
+                <a:rPr lang="en-US" altLang="zh-TW" dirty="0"/>
+                <a:t>Obstacle</a:t>
+              </a:r>
+              <a:endParaRPr lang="zh-TW" altLang="en-US" dirty="0"/>
+            </a:p>
+          </p:txBody>
+        </p:sp>
+      </p:grpSp>
+      <p:cxnSp>
+        <p:nvCxnSpPr>
+          <p:cNvPr id="94" name="直線單箭頭接點 93">
+            <a:extLst>
+              <a:ext uri="{FF2B5EF4-FFF2-40B4-BE49-F238E27FC236}">
+                <a16:creationId xmlns:a16="http://schemas.microsoft.com/office/drawing/2014/main" id="{11C2E0A0-FC86-477E-A378-46A73CAD4CA1}"/>
+              </a:ext>
+            </a:extLst>
+          </p:cNvPr>
+          <p:cNvCxnSpPr>
+            <a:cxnSpLocks/>
+          </p:cNvCxnSpPr>
+          <p:nvPr/>
+        </p:nvCxnSpPr>
+        <p:spPr>
+          <a:xfrm rot="19833373">
+            <a:off x="7747742" y="3415888"/>
+            <a:ext cx="967083" cy="296669"/>
+          </a:xfrm>
+          <a:prstGeom prst="straightConnector1">
+            <a:avLst/>
+          </a:prstGeom>
+          <a:ln>
+            <a:solidFill>
+              <a:schemeClr val="tx1"/>
+            </a:solidFill>
+            <a:tailEnd type="triangle"/>
+          </a:ln>
+        </p:spPr>
+        <p:style>
+          <a:lnRef idx="1">
+            <a:schemeClr val="accent1"/>
+          </a:lnRef>
+          <a:fillRef idx="0">
+            <a:schemeClr val="accent1"/>
+          </a:fillRef>
+          <a:effectRef idx="0">
+            <a:schemeClr val="accent1"/>
+          </a:effectRef>
+          <a:fontRef idx="minor">
+            <a:schemeClr val="tx1"/>
+          </a:fontRef>
+        </p:style>
+      </p:cxnSp>
+      <p:cxnSp>
+        <p:nvCxnSpPr>
+          <p:cNvPr id="96" name="直線接點 95">
+            <a:extLst>
+              <a:ext uri="{FF2B5EF4-FFF2-40B4-BE49-F238E27FC236}">
+                <a16:creationId xmlns:a16="http://schemas.microsoft.com/office/drawing/2014/main" id="{94DFFA71-AC76-486A-A723-E18225E9805A}"/>
+              </a:ext>
+            </a:extLst>
+          </p:cNvPr>
+          <p:cNvCxnSpPr>
+            <a:cxnSpLocks/>
+          </p:cNvCxnSpPr>
+          <p:nvPr/>
+        </p:nvCxnSpPr>
+        <p:spPr>
+          <a:xfrm>
+            <a:off x="8047903" y="1152054"/>
+            <a:ext cx="649838" cy="2294981"/>
+          </a:xfrm>
+          <a:prstGeom prst="line">
+            <a:avLst/>
+          </a:prstGeom>
+        </p:spPr>
+        <p:style>
+          <a:lnRef idx="1">
+            <a:schemeClr val="accent1"/>
+          </a:lnRef>
+          <a:fillRef idx="0">
+            <a:schemeClr val="accent1"/>
+          </a:fillRef>
+          <a:effectRef idx="0">
+            <a:schemeClr val="accent1"/>
+          </a:effectRef>
+          <a:fontRef idx="minor">
+            <a:schemeClr val="tx1"/>
+          </a:fontRef>
+        </p:style>
+      </p:cxnSp>
+      <p:cxnSp>
+        <p:nvCxnSpPr>
+          <p:cNvPr id="98" name="直線接點 97">
+            <a:extLst>
+              <a:ext uri="{FF2B5EF4-FFF2-40B4-BE49-F238E27FC236}">
+                <a16:creationId xmlns:a16="http://schemas.microsoft.com/office/drawing/2014/main" id="{E1918DBE-7058-498B-A673-1C4C1F98EE8A}"/>
+              </a:ext>
+            </a:extLst>
+          </p:cNvPr>
+          <p:cNvCxnSpPr>
+            <a:cxnSpLocks/>
+          </p:cNvCxnSpPr>
+          <p:nvPr/>
+        </p:nvCxnSpPr>
+        <p:spPr>
+          <a:xfrm flipH="1">
+            <a:off x="8706849" y="1110285"/>
+            <a:ext cx="567366" cy="2319975"/>
+          </a:xfrm>
+          <a:prstGeom prst="line">
+            <a:avLst/>
+          </a:prstGeom>
+        </p:spPr>
+        <p:style>
+          <a:lnRef idx="1">
+            <a:schemeClr val="accent1"/>
+          </a:lnRef>
+          <a:fillRef idx="0">
+            <a:schemeClr val="accent1"/>
+          </a:fillRef>
+          <a:effectRef idx="0">
+            <a:schemeClr val="accent1"/>
+          </a:effectRef>
+          <a:fontRef idx="minor">
+            <a:schemeClr val="tx1"/>
+          </a:fontRef>
+        </p:style>
+      </p:cxnSp>
+      <p:sp>
+        <p:nvSpPr>
+          <p:cNvPr id="100" name="箭號: 向右 99">
+            <a:extLst>
+              <a:ext uri="{FF2B5EF4-FFF2-40B4-BE49-F238E27FC236}">
+                <a16:creationId xmlns:a16="http://schemas.microsoft.com/office/drawing/2014/main" id="{2046EA2F-288D-429B-8DAE-60880E5186C6}"/>
+              </a:ext>
+            </a:extLst>
+          </p:cNvPr>
+          <p:cNvSpPr/>
+          <p:nvPr/>
+        </p:nvSpPr>
+        <p:spPr>
+          <a:xfrm>
+            <a:off x="5445046" y="3105102"/>
+            <a:ext cx="943314" cy="511532"/>
+          </a:xfrm>
+          <a:prstGeom prst="rightArrow">
+            <a:avLst/>
+          </a:prstGeom>
+        </p:spPr>
+        <p:style>
+          <a:lnRef idx="2">
+            <a:schemeClr val="accent2">
+              <a:shade val="50000"/>
+            </a:schemeClr>
+          </a:lnRef>
+          <a:fillRef idx="1">
+            <a:schemeClr val="accent2"/>
+          </a:fillRef>
+          <a:effectRef idx="0">
+            <a:schemeClr val="accent2"/>
+          </a:effectRef>
+          <a:fontRef idx="minor">
+            <a:schemeClr val="lt1"/>
+          </a:fontRef>
+        </p:style>
+        <p:txBody>
+          <a:bodyPr rtlCol="0" anchor="ctr"/>
+          <a:lstStyle/>
+          <a:p>
+            <a:pPr algn="ctr"/>
+            <a:endParaRPr lang="zh-TW" altLang="en-US"/>
+          </a:p>
+        </p:txBody>
+      </p:sp>
+      <mc:AlternateContent xmlns:mc="http://schemas.openxmlformats.org/markup-compatibility/2006">
+        <mc:Choice xmlns:a14="http://schemas.microsoft.com/office/drawing/2010/main" Requires="a14">
+          <p:sp>
+            <p:nvSpPr>
+              <p:cNvPr id="139" name="文字方塊 138">
+                <a:extLst>
+                  <a:ext uri="{FF2B5EF4-FFF2-40B4-BE49-F238E27FC236}">
+                    <a16:creationId xmlns:a16="http://schemas.microsoft.com/office/drawing/2014/main" id="{DCE3BF67-4173-4DB1-AC72-E4BA3A2466CE}"/>
+                  </a:ext>
+                </a:extLst>
+              </p:cNvPr>
+              <p:cNvSpPr txBox="1"/>
+              <p:nvPr/>
+            </p:nvSpPr>
+            <p:spPr>
+              <a:xfrm>
+                <a:off x="9171608" y="3016453"/>
+                <a:ext cx="197746" cy="276999"/>
+              </a:xfrm>
+              <a:prstGeom prst="rect">
+                <a:avLst/>
+              </a:prstGeom>
+              <a:noFill/>
+            </p:spPr>
+            <p:txBody>
+              <a:bodyPr wrap="none" lIns="0" tIns="0" rIns="0" bIns="0" rtlCol="0">
+                <a:spAutoFit/>
+              </a:bodyPr>
+              <a:lstStyle/>
+              <a:p>
+                <a14:m>
+                  <m:oMathPara xmlns:m="http://schemas.openxmlformats.org/officeDocument/2006/math">
+                    <m:oMathParaPr>
+                      <m:jc m:val="centerGroup"/>
+                    </m:oMathParaPr>
+                    <m:oMath xmlns:m="http://schemas.openxmlformats.org/officeDocument/2006/math">
+                      <m:r>
+                        <a:rPr lang="en-US" altLang="zh-TW" b="0" i="1" smtClean="0">
+                          <a:latin typeface="Cambria Math" panose="02040503050406030204" pitchFamily="18" charset="0"/>
+                        </a:rPr>
+                        <m:t>𝛼</m:t>
+                      </m:r>
+                    </m:oMath>
+                  </m:oMathPara>
+                </a14:m>
+                <a:endParaRPr lang="zh-TW" altLang="en-US" dirty="0"/>
+              </a:p>
+            </p:txBody>
+          </p:sp>
+        </mc:Choice>
+        <mc:Fallback>
+          <p:sp>
+            <p:nvSpPr>
+              <p:cNvPr id="139" name="文字方塊 138">
+                <a:extLst>
+                  <a:ext uri="{FF2B5EF4-FFF2-40B4-BE49-F238E27FC236}">
+                    <a16:creationId xmlns:a16="http://schemas.microsoft.com/office/drawing/2014/main" id="{DCE3BF67-4173-4DB1-AC72-E4BA3A2466CE}"/>
+                  </a:ext>
+                </a:extLst>
+              </p:cNvPr>
+              <p:cNvSpPr txBox="1">
+                <a:spLocks noRot="1" noChangeAspect="1" noMove="1" noResize="1" noEditPoints="1" noAdjustHandles="1" noChangeArrowheads="1" noChangeShapeType="1" noTextEdit="1"/>
+              </p:cNvSpPr>
+              <p:nvPr/>
+            </p:nvSpPr>
+            <p:spPr>
+              <a:xfrm>
+                <a:off x="9171608" y="3016453"/>
+                <a:ext cx="197746" cy="276999"/>
+              </a:xfrm>
+              <a:prstGeom prst="rect">
+                <a:avLst/>
+              </a:prstGeom>
+              <a:blipFill>
+                <a:blip r:embed="rId6"/>
+                <a:stretch>
+                  <a:fillRect l="-18750" r="-15625"/>
+                </a:stretch>
+              </a:blipFill>
+            </p:spPr>
+            <p:txBody>
+              <a:bodyPr/>
+              <a:lstStyle/>
+              <a:p>
+                <a:r>
+                  <a:rPr lang="zh-TW" altLang="en-US">
+                    <a:noFill/>
+                  </a:rPr>
+                  <a:t> </a:t>
+                </a:r>
+              </a:p>
+            </p:txBody>
+          </p:sp>
+        </mc:Fallback>
+      </mc:AlternateContent>
+    </p:spTree>
+    <p:extLst>
+      <p:ext uri="{BB962C8B-B14F-4D97-AF65-F5344CB8AC3E}">
+        <p14:creationId xmlns:p14="http://schemas.microsoft.com/office/powerpoint/2010/main" val="2093952873"/>
+      </p:ext>
+    </p:extLst>
+  </p:cSld>
+  <p:clrMapOvr>
+    <a:masterClrMapping/>
+  </p:clrMapOvr>
+</p:sld>
+</file>
+
 <file path=ppt/slides/slide3.xml><?xml version="1.0" encoding="utf-8"?>
 <p:sld xmlns:a="http://schemas.openxmlformats.org/drawingml/2006/main" xmlns:r="http://schemas.openxmlformats.org/officeDocument/2006/relationships" xmlns:p="http://schemas.openxmlformats.org/presentationml/2006/main">
   <p:cSld>
@@ -28519,6 +30377,2806 @@
     <p:extLst>
       <p:ext uri="{BB962C8B-B14F-4D97-AF65-F5344CB8AC3E}">
         <p14:creationId xmlns:p14="http://schemas.microsoft.com/office/powerpoint/2010/main" val="3841292954"/>
+      </p:ext>
+    </p:extLst>
+  </p:cSld>
+  <p:clrMapOvr>
+    <a:masterClrMapping/>
+  </p:clrMapOvr>
+</p:sld>
+</file>
+
+<file path=ppt/slides/slide30.xml><?xml version="1.0" encoding="utf-8"?>
+<p:sld xmlns:a="http://schemas.openxmlformats.org/drawingml/2006/main" xmlns:r="http://schemas.openxmlformats.org/officeDocument/2006/relationships" xmlns:p="http://schemas.openxmlformats.org/presentationml/2006/main">
+  <p:cSld>
+    <p:spTree>
+      <p:nvGrpSpPr>
+        <p:cNvPr id="1" name=""/>
+        <p:cNvGrpSpPr/>
+        <p:nvPr/>
+      </p:nvGrpSpPr>
+      <p:grpSpPr>
+        <a:xfrm>
+          <a:off x="0" y="0"/>
+          <a:ext cx="0" cy="0"/>
+          <a:chOff x="0" y="0"/>
+          <a:chExt cx="0" cy="0"/>
+        </a:xfrm>
+      </p:grpSpPr>
+      <p:cxnSp>
+        <p:nvCxnSpPr>
+          <p:cNvPr id="4" name="直線單箭頭接點 3">
+            <a:extLst>
+              <a:ext uri="{FF2B5EF4-FFF2-40B4-BE49-F238E27FC236}">
+                <a16:creationId xmlns:a16="http://schemas.microsoft.com/office/drawing/2014/main" id="{D9321410-7646-4683-A064-62BD77232949}"/>
+              </a:ext>
+            </a:extLst>
+          </p:cNvPr>
+          <p:cNvCxnSpPr>
+            <a:cxnSpLocks/>
+          </p:cNvCxnSpPr>
+          <p:nvPr/>
+        </p:nvCxnSpPr>
+        <p:spPr>
+          <a:xfrm>
+            <a:off x="631622" y="3437462"/>
+            <a:ext cx="3454400" cy="0"/>
+          </a:xfrm>
+          <a:prstGeom prst="straightConnector1">
+            <a:avLst/>
+          </a:prstGeom>
+          <a:ln w="28575">
+            <a:tailEnd type="triangle"/>
+          </a:ln>
+        </p:spPr>
+        <p:style>
+          <a:lnRef idx="1">
+            <a:schemeClr val="dk1"/>
+          </a:lnRef>
+          <a:fillRef idx="0">
+            <a:schemeClr val="dk1"/>
+          </a:fillRef>
+          <a:effectRef idx="0">
+            <a:schemeClr val="dk1"/>
+          </a:effectRef>
+          <a:fontRef idx="minor">
+            <a:schemeClr val="tx1"/>
+          </a:fontRef>
+        </p:style>
+      </p:cxnSp>
+      <p:cxnSp>
+        <p:nvCxnSpPr>
+          <p:cNvPr id="5" name="直線單箭頭接點 4">
+            <a:extLst>
+              <a:ext uri="{FF2B5EF4-FFF2-40B4-BE49-F238E27FC236}">
+                <a16:creationId xmlns:a16="http://schemas.microsoft.com/office/drawing/2014/main" id="{991715A5-CF41-4140-9AF0-50D4A7B30E77}"/>
+              </a:ext>
+            </a:extLst>
+          </p:cNvPr>
+          <p:cNvCxnSpPr>
+            <a:cxnSpLocks/>
+          </p:cNvCxnSpPr>
+          <p:nvPr/>
+        </p:nvCxnSpPr>
+        <p:spPr>
+          <a:xfrm flipV="1">
+            <a:off x="953356" y="685797"/>
+            <a:ext cx="0" cy="3166532"/>
+          </a:xfrm>
+          <a:prstGeom prst="straightConnector1">
+            <a:avLst/>
+          </a:prstGeom>
+          <a:ln w="28575">
+            <a:tailEnd type="triangle"/>
+          </a:ln>
+        </p:spPr>
+        <p:style>
+          <a:lnRef idx="1">
+            <a:schemeClr val="dk1"/>
+          </a:lnRef>
+          <a:fillRef idx="0">
+            <a:schemeClr val="dk1"/>
+          </a:fillRef>
+          <a:effectRef idx="0">
+            <a:schemeClr val="dk1"/>
+          </a:effectRef>
+          <a:fontRef idx="minor">
+            <a:schemeClr val="tx1"/>
+          </a:fontRef>
+        </p:style>
+      </p:cxnSp>
+      <p:sp>
+        <p:nvSpPr>
+          <p:cNvPr id="6" name="文字方塊 5">
+            <a:extLst>
+              <a:ext uri="{FF2B5EF4-FFF2-40B4-BE49-F238E27FC236}">
+                <a16:creationId xmlns:a16="http://schemas.microsoft.com/office/drawing/2014/main" id="{0C3D16FC-1724-4386-B54F-A71695549E30}"/>
+              </a:ext>
+            </a:extLst>
+          </p:cNvPr>
+          <p:cNvSpPr txBox="1"/>
+          <p:nvPr/>
+        </p:nvSpPr>
+        <p:spPr>
+          <a:xfrm>
+            <a:off x="3802894" y="3437462"/>
+            <a:ext cx="414867" cy="369332"/>
+          </a:xfrm>
+          <a:prstGeom prst="rect">
+            <a:avLst/>
+          </a:prstGeom>
+          <a:noFill/>
+        </p:spPr>
+        <p:txBody>
+          <a:bodyPr wrap="square" rtlCol="0">
+            <a:spAutoFit/>
+          </a:bodyPr>
+          <a:lstStyle/>
+          <a:p>
+            <a:r>
+              <a:rPr lang="en-US" altLang="zh-TW" dirty="0"/>
+              <a:t>X</a:t>
+            </a:r>
+            <a:endParaRPr lang="zh-TW" altLang="en-US" dirty="0"/>
+          </a:p>
+        </p:txBody>
+      </p:sp>
+      <p:sp>
+        <p:nvSpPr>
+          <p:cNvPr id="7" name="文字方塊 6">
+            <a:extLst>
+              <a:ext uri="{FF2B5EF4-FFF2-40B4-BE49-F238E27FC236}">
+                <a16:creationId xmlns:a16="http://schemas.microsoft.com/office/drawing/2014/main" id="{0ABC413A-8DE8-4EE3-ADED-53D2FCADB722}"/>
+              </a:ext>
+            </a:extLst>
+          </p:cNvPr>
+          <p:cNvSpPr txBox="1"/>
+          <p:nvPr/>
+        </p:nvSpPr>
+        <p:spPr>
+          <a:xfrm>
+            <a:off x="864961" y="270930"/>
+            <a:ext cx="397932" cy="369332"/>
+          </a:xfrm>
+          <a:prstGeom prst="rect">
+            <a:avLst/>
+          </a:prstGeom>
+          <a:noFill/>
+        </p:spPr>
+        <p:txBody>
+          <a:bodyPr wrap="square" rtlCol="0">
+            <a:spAutoFit/>
+          </a:bodyPr>
+          <a:lstStyle/>
+          <a:p>
+            <a:r>
+              <a:rPr lang="en-US" altLang="zh-TW" dirty="0"/>
+              <a:t>Y</a:t>
+            </a:r>
+            <a:endParaRPr lang="zh-TW" altLang="en-US" dirty="0"/>
+          </a:p>
+        </p:txBody>
+      </p:sp>
+      <p:cxnSp>
+        <p:nvCxnSpPr>
+          <p:cNvPr id="9" name="直線接點 8">
+            <a:extLst>
+              <a:ext uri="{FF2B5EF4-FFF2-40B4-BE49-F238E27FC236}">
+                <a16:creationId xmlns:a16="http://schemas.microsoft.com/office/drawing/2014/main" id="{5B42674C-A05B-4EC8-9CB6-406ADEB587DC}"/>
+              </a:ext>
+            </a:extLst>
+          </p:cNvPr>
+          <p:cNvCxnSpPr>
+            <a:cxnSpLocks/>
+          </p:cNvCxnSpPr>
+          <p:nvPr/>
+        </p:nvCxnSpPr>
+        <p:spPr>
+          <a:xfrm>
+            <a:off x="953356" y="1820330"/>
+            <a:ext cx="1325538" cy="0"/>
+          </a:xfrm>
+          <a:prstGeom prst="line">
+            <a:avLst/>
+          </a:prstGeom>
+        </p:spPr>
+        <p:style>
+          <a:lnRef idx="1">
+            <a:schemeClr val="accent1"/>
+          </a:lnRef>
+          <a:fillRef idx="0">
+            <a:schemeClr val="accent1"/>
+          </a:fillRef>
+          <a:effectRef idx="0">
+            <a:schemeClr val="accent1"/>
+          </a:effectRef>
+          <a:fontRef idx="minor">
+            <a:schemeClr val="tx1"/>
+          </a:fontRef>
+        </p:style>
+      </p:cxnSp>
+      <p:cxnSp>
+        <p:nvCxnSpPr>
+          <p:cNvPr id="15" name="直線接點 14">
+            <a:extLst>
+              <a:ext uri="{FF2B5EF4-FFF2-40B4-BE49-F238E27FC236}">
+                <a16:creationId xmlns:a16="http://schemas.microsoft.com/office/drawing/2014/main" id="{FFEE6CF0-C6A7-48AE-B99D-A2A77CBCE7C7}"/>
+              </a:ext>
+            </a:extLst>
+          </p:cNvPr>
+          <p:cNvCxnSpPr>
+            <a:cxnSpLocks/>
+          </p:cNvCxnSpPr>
+          <p:nvPr/>
+        </p:nvCxnSpPr>
+        <p:spPr>
+          <a:xfrm>
+            <a:off x="2278894" y="1820330"/>
+            <a:ext cx="0" cy="1617132"/>
+          </a:xfrm>
+          <a:prstGeom prst="line">
+            <a:avLst/>
+          </a:prstGeom>
+        </p:spPr>
+        <p:style>
+          <a:lnRef idx="1">
+            <a:schemeClr val="accent1"/>
+          </a:lnRef>
+          <a:fillRef idx="0">
+            <a:schemeClr val="accent1"/>
+          </a:fillRef>
+          <a:effectRef idx="0">
+            <a:schemeClr val="accent1"/>
+          </a:effectRef>
+          <a:fontRef idx="minor">
+            <a:schemeClr val="tx1"/>
+          </a:fontRef>
+        </p:style>
+      </p:cxnSp>
+      <p:cxnSp>
+        <p:nvCxnSpPr>
+          <p:cNvPr id="21" name="直線單箭頭接點 20">
+            <a:extLst>
+              <a:ext uri="{FF2B5EF4-FFF2-40B4-BE49-F238E27FC236}">
+                <a16:creationId xmlns:a16="http://schemas.microsoft.com/office/drawing/2014/main" id="{0D232285-B934-454B-8B69-15050C15462C}"/>
+              </a:ext>
+            </a:extLst>
+          </p:cNvPr>
+          <p:cNvCxnSpPr>
+            <a:cxnSpLocks/>
+          </p:cNvCxnSpPr>
+          <p:nvPr/>
+        </p:nvCxnSpPr>
+        <p:spPr>
+          <a:xfrm>
+            <a:off x="4291589" y="3429000"/>
+            <a:ext cx="3454400" cy="0"/>
+          </a:xfrm>
+          <a:prstGeom prst="straightConnector1">
+            <a:avLst/>
+          </a:prstGeom>
+          <a:ln w="28575">
+            <a:tailEnd type="triangle"/>
+          </a:ln>
+        </p:spPr>
+        <p:style>
+          <a:lnRef idx="1">
+            <a:schemeClr val="dk1"/>
+          </a:lnRef>
+          <a:fillRef idx="0">
+            <a:schemeClr val="dk1"/>
+          </a:fillRef>
+          <a:effectRef idx="0">
+            <a:schemeClr val="dk1"/>
+          </a:effectRef>
+          <a:fontRef idx="minor">
+            <a:schemeClr val="tx1"/>
+          </a:fontRef>
+        </p:style>
+      </p:cxnSp>
+      <p:cxnSp>
+        <p:nvCxnSpPr>
+          <p:cNvPr id="22" name="直線單箭頭接點 21">
+            <a:extLst>
+              <a:ext uri="{FF2B5EF4-FFF2-40B4-BE49-F238E27FC236}">
+                <a16:creationId xmlns:a16="http://schemas.microsoft.com/office/drawing/2014/main" id="{4B78CFBE-9362-4883-8FD3-6381C7E73578}"/>
+              </a:ext>
+            </a:extLst>
+          </p:cNvPr>
+          <p:cNvCxnSpPr>
+            <a:cxnSpLocks/>
+          </p:cNvCxnSpPr>
+          <p:nvPr/>
+        </p:nvCxnSpPr>
+        <p:spPr>
+          <a:xfrm flipV="1">
+            <a:off x="4613323" y="677335"/>
+            <a:ext cx="0" cy="3166532"/>
+          </a:xfrm>
+          <a:prstGeom prst="straightConnector1">
+            <a:avLst/>
+          </a:prstGeom>
+          <a:ln w="28575">
+            <a:tailEnd type="triangle"/>
+          </a:ln>
+        </p:spPr>
+        <p:style>
+          <a:lnRef idx="1">
+            <a:schemeClr val="dk1"/>
+          </a:lnRef>
+          <a:fillRef idx="0">
+            <a:schemeClr val="dk1"/>
+          </a:fillRef>
+          <a:effectRef idx="0">
+            <a:schemeClr val="dk1"/>
+          </a:effectRef>
+          <a:fontRef idx="minor">
+            <a:schemeClr val="tx1"/>
+          </a:fontRef>
+        </p:style>
+      </p:cxnSp>
+      <p:sp>
+        <p:nvSpPr>
+          <p:cNvPr id="23" name="文字方塊 22">
+            <a:extLst>
+              <a:ext uri="{FF2B5EF4-FFF2-40B4-BE49-F238E27FC236}">
+                <a16:creationId xmlns:a16="http://schemas.microsoft.com/office/drawing/2014/main" id="{0B3E6853-4002-4D78-8D11-9F9612ACF53F}"/>
+              </a:ext>
+            </a:extLst>
+          </p:cNvPr>
+          <p:cNvSpPr txBox="1"/>
+          <p:nvPr/>
+        </p:nvSpPr>
+        <p:spPr>
+          <a:xfrm>
+            <a:off x="7462861" y="3429000"/>
+            <a:ext cx="414867" cy="369332"/>
+          </a:xfrm>
+          <a:prstGeom prst="rect">
+            <a:avLst/>
+          </a:prstGeom>
+          <a:noFill/>
+        </p:spPr>
+        <p:txBody>
+          <a:bodyPr wrap="square" rtlCol="0">
+            <a:spAutoFit/>
+          </a:bodyPr>
+          <a:lstStyle/>
+          <a:p>
+            <a:r>
+              <a:rPr lang="en-US" altLang="zh-TW" dirty="0"/>
+              <a:t>X</a:t>
+            </a:r>
+            <a:endParaRPr lang="zh-TW" altLang="en-US" dirty="0"/>
+          </a:p>
+        </p:txBody>
+      </p:sp>
+      <p:sp>
+        <p:nvSpPr>
+          <p:cNvPr id="24" name="文字方塊 23">
+            <a:extLst>
+              <a:ext uri="{FF2B5EF4-FFF2-40B4-BE49-F238E27FC236}">
+                <a16:creationId xmlns:a16="http://schemas.microsoft.com/office/drawing/2014/main" id="{E698E2EC-EC9E-457E-9596-0A6D05EC0844}"/>
+              </a:ext>
+            </a:extLst>
+          </p:cNvPr>
+          <p:cNvSpPr txBox="1"/>
+          <p:nvPr/>
+        </p:nvSpPr>
+        <p:spPr>
+          <a:xfrm>
+            <a:off x="4524928" y="262468"/>
+            <a:ext cx="397932" cy="369332"/>
+          </a:xfrm>
+          <a:prstGeom prst="rect">
+            <a:avLst/>
+          </a:prstGeom>
+          <a:noFill/>
+        </p:spPr>
+        <p:txBody>
+          <a:bodyPr wrap="square" rtlCol="0">
+            <a:spAutoFit/>
+          </a:bodyPr>
+          <a:lstStyle/>
+          <a:p>
+            <a:r>
+              <a:rPr lang="en-US" altLang="zh-TW" dirty="0"/>
+              <a:t>Y</a:t>
+            </a:r>
+            <a:endParaRPr lang="zh-TW" altLang="en-US" dirty="0"/>
+          </a:p>
+        </p:txBody>
+      </p:sp>
+      <p:cxnSp>
+        <p:nvCxnSpPr>
+          <p:cNvPr id="25" name="直線接點 24">
+            <a:extLst>
+              <a:ext uri="{FF2B5EF4-FFF2-40B4-BE49-F238E27FC236}">
+                <a16:creationId xmlns:a16="http://schemas.microsoft.com/office/drawing/2014/main" id="{AA0A0FAA-B29A-407D-B2A4-07B3416F31A1}"/>
+              </a:ext>
+            </a:extLst>
+          </p:cNvPr>
+          <p:cNvCxnSpPr>
+            <a:cxnSpLocks/>
+          </p:cNvCxnSpPr>
+          <p:nvPr/>
+        </p:nvCxnSpPr>
+        <p:spPr>
+          <a:xfrm>
+            <a:off x="5938861" y="1811868"/>
+            <a:ext cx="1723472" cy="0"/>
+          </a:xfrm>
+          <a:prstGeom prst="line">
+            <a:avLst/>
+          </a:prstGeom>
+        </p:spPr>
+        <p:style>
+          <a:lnRef idx="1">
+            <a:schemeClr val="accent1"/>
+          </a:lnRef>
+          <a:fillRef idx="0">
+            <a:schemeClr val="accent1"/>
+          </a:fillRef>
+          <a:effectRef idx="0">
+            <a:schemeClr val="accent1"/>
+          </a:effectRef>
+          <a:fontRef idx="minor">
+            <a:schemeClr val="tx1"/>
+          </a:fontRef>
+        </p:style>
+      </p:cxnSp>
+      <p:cxnSp>
+        <p:nvCxnSpPr>
+          <p:cNvPr id="26" name="直線接點 25">
+            <a:extLst>
+              <a:ext uri="{FF2B5EF4-FFF2-40B4-BE49-F238E27FC236}">
+                <a16:creationId xmlns:a16="http://schemas.microsoft.com/office/drawing/2014/main" id="{0019B6AC-3475-4D8C-8610-36BA55B28FA6}"/>
+              </a:ext>
+            </a:extLst>
+          </p:cNvPr>
+          <p:cNvCxnSpPr>
+            <a:cxnSpLocks/>
+          </p:cNvCxnSpPr>
+          <p:nvPr/>
+        </p:nvCxnSpPr>
+        <p:spPr>
+          <a:xfrm>
+            <a:off x="5938861" y="1811868"/>
+            <a:ext cx="0" cy="1617132"/>
+          </a:xfrm>
+          <a:prstGeom prst="line">
+            <a:avLst/>
+          </a:prstGeom>
+        </p:spPr>
+        <p:style>
+          <a:lnRef idx="1">
+            <a:schemeClr val="accent1"/>
+          </a:lnRef>
+          <a:fillRef idx="0">
+            <a:schemeClr val="accent1"/>
+          </a:fillRef>
+          <a:effectRef idx="0">
+            <a:schemeClr val="accent1"/>
+          </a:effectRef>
+          <a:fontRef idx="minor">
+            <a:schemeClr val="tx1"/>
+          </a:fontRef>
+        </p:style>
+      </p:cxnSp>
+      <p:cxnSp>
+        <p:nvCxnSpPr>
+          <p:cNvPr id="28" name="直線單箭頭接點 27">
+            <a:extLst>
+              <a:ext uri="{FF2B5EF4-FFF2-40B4-BE49-F238E27FC236}">
+                <a16:creationId xmlns:a16="http://schemas.microsoft.com/office/drawing/2014/main" id="{05E6D476-2C9F-4C8C-9699-15B753A87450}"/>
+              </a:ext>
+            </a:extLst>
+          </p:cNvPr>
+          <p:cNvCxnSpPr>
+            <a:cxnSpLocks/>
+          </p:cNvCxnSpPr>
+          <p:nvPr/>
+        </p:nvCxnSpPr>
+        <p:spPr>
+          <a:xfrm>
+            <a:off x="8141551" y="3429000"/>
+            <a:ext cx="3454400" cy="0"/>
+          </a:xfrm>
+          <a:prstGeom prst="straightConnector1">
+            <a:avLst/>
+          </a:prstGeom>
+          <a:ln w="28575">
+            <a:tailEnd type="triangle"/>
+          </a:ln>
+        </p:spPr>
+        <p:style>
+          <a:lnRef idx="1">
+            <a:schemeClr val="dk1"/>
+          </a:lnRef>
+          <a:fillRef idx="0">
+            <a:schemeClr val="dk1"/>
+          </a:fillRef>
+          <a:effectRef idx="0">
+            <a:schemeClr val="dk1"/>
+          </a:effectRef>
+          <a:fontRef idx="minor">
+            <a:schemeClr val="tx1"/>
+          </a:fontRef>
+        </p:style>
+      </p:cxnSp>
+      <p:cxnSp>
+        <p:nvCxnSpPr>
+          <p:cNvPr id="29" name="直線單箭頭接點 28">
+            <a:extLst>
+              <a:ext uri="{FF2B5EF4-FFF2-40B4-BE49-F238E27FC236}">
+                <a16:creationId xmlns:a16="http://schemas.microsoft.com/office/drawing/2014/main" id="{935E9179-F029-436B-AC37-9FC58DFFECE5}"/>
+              </a:ext>
+            </a:extLst>
+          </p:cNvPr>
+          <p:cNvCxnSpPr>
+            <a:cxnSpLocks/>
+          </p:cNvCxnSpPr>
+          <p:nvPr/>
+        </p:nvCxnSpPr>
+        <p:spPr>
+          <a:xfrm flipV="1">
+            <a:off x="8463285" y="677335"/>
+            <a:ext cx="0" cy="3166532"/>
+          </a:xfrm>
+          <a:prstGeom prst="straightConnector1">
+            <a:avLst/>
+          </a:prstGeom>
+          <a:ln w="28575">
+            <a:tailEnd type="triangle"/>
+          </a:ln>
+        </p:spPr>
+        <p:style>
+          <a:lnRef idx="1">
+            <a:schemeClr val="dk1"/>
+          </a:lnRef>
+          <a:fillRef idx="0">
+            <a:schemeClr val="dk1"/>
+          </a:fillRef>
+          <a:effectRef idx="0">
+            <a:schemeClr val="dk1"/>
+          </a:effectRef>
+          <a:fontRef idx="minor">
+            <a:schemeClr val="tx1"/>
+          </a:fontRef>
+        </p:style>
+      </p:cxnSp>
+      <p:sp>
+        <p:nvSpPr>
+          <p:cNvPr id="30" name="文字方塊 29">
+            <a:extLst>
+              <a:ext uri="{FF2B5EF4-FFF2-40B4-BE49-F238E27FC236}">
+                <a16:creationId xmlns:a16="http://schemas.microsoft.com/office/drawing/2014/main" id="{851D6FFD-FD8A-499E-915E-1C2424D434CE}"/>
+              </a:ext>
+            </a:extLst>
+          </p:cNvPr>
+          <p:cNvSpPr txBox="1"/>
+          <p:nvPr/>
+        </p:nvSpPr>
+        <p:spPr>
+          <a:xfrm>
+            <a:off x="11312823" y="3429000"/>
+            <a:ext cx="414867" cy="369332"/>
+          </a:xfrm>
+          <a:prstGeom prst="rect">
+            <a:avLst/>
+          </a:prstGeom>
+          <a:noFill/>
+        </p:spPr>
+        <p:txBody>
+          <a:bodyPr wrap="square" rtlCol="0">
+            <a:spAutoFit/>
+          </a:bodyPr>
+          <a:lstStyle/>
+          <a:p>
+            <a:r>
+              <a:rPr lang="en-US" altLang="zh-TW" dirty="0"/>
+              <a:t>X</a:t>
+            </a:r>
+            <a:endParaRPr lang="zh-TW" altLang="en-US" dirty="0"/>
+          </a:p>
+        </p:txBody>
+      </p:sp>
+      <p:sp>
+        <p:nvSpPr>
+          <p:cNvPr id="31" name="文字方塊 30">
+            <a:extLst>
+              <a:ext uri="{FF2B5EF4-FFF2-40B4-BE49-F238E27FC236}">
+                <a16:creationId xmlns:a16="http://schemas.microsoft.com/office/drawing/2014/main" id="{37E522E6-C309-432E-943C-53831CB0F253}"/>
+              </a:ext>
+            </a:extLst>
+          </p:cNvPr>
+          <p:cNvSpPr txBox="1"/>
+          <p:nvPr/>
+        </p:nvSpPr>
+        <p:spPr>
+          <a:xfrm>
+            <a:off x="8374890" y="262468"/>
+            <a:ext cx="397932" cy="369332"/>
+          </a:xfrm>
+          <a:prstGeom prst="rect">
+            <a:avLst/>
+          </a:prstGeom>
+          <a:noFill/>
+        </p:spPr>
+        <p:txBody>
+          <a:bodyPr wrap="square" rtlCol="0">
+            <a:spAutoFit/>
+          </a:bodyPr>
+          <a:lstStyle/>
+          <a:p>
+            <a:r>
+              <a:rPr lang="en-US" altLang="zh-TW" dirty="0"/>
+              <a:t>Y</a:t>
+            </a:r>
+            <a:endParaRPr lang="zh-TW" altLang="en-US" dirty="0"/>
+          </a:p>
+        </p:txBody>
+      </p:sp>
+      <p:cxnSp>
+        <p:nvCxnSpPr>
+          <p:cNvPr id="32" name="直線接點 31">
+            <a:extLst>
+              <a:ext uri="{FF2B5EF4-FFF2-40B4-BE49-F238E27FC236}">
+                <a16:creationId xmlns:a16="http://schemas.microsoft.com/office/drawing/2014/main" id="{BC290D6E-42EE-4DBE-9EF7-7D7480B07543}"/>
+              </a:ext>
+            </a:extLst>
+          </p:cNvPr>
+          <p:cNvCxnSpPr>
+            <a:cxnSpLocks/>
+          </p:cNvCxnSpPr>
+          <p:nvPr/>
+        </p:nvCxnSpPr>
+        <p:spPr>
+          <a:xfrm>
+            <a:off x="9326885" y="1803403"/>
+            <a:ext cx="1325538" cy="0"/>
+          </a:xfrm>
+          <a:prstGeom prst="line">
+            <a:avLst/>
+          </a:prstGeom>
+        </p:spPr>
+        <p:style>
+          <a:lnRef idx="1">
+            <a:schemeClr val="accent1"/>
+          </a:lnRef>
+          <a:fillRef idx="0">
+            <a:schemeClr val="accent1"/>
+          </a:fillRef>
+          <a:effectRef idx="0">
+            <a:schemeClr val="accent1"/>
+          </a:effectRef>
+          <a:fontRef idx="minor">
+            <a:schemeClr val="tx1"/>
+          </a:fontRef>
+        </p:style>
+      </p:cxnSp>
+      <p:cxnSp>
+        <p:nvCxnSpPr>
+          <p:cNvPr id="33" name="直線接點 32">
+            <a:extLst>
+              <a:ext uri="{FF2B5EF4-FFF2-40B4-BE49-F238E27FC236}">
+                <a16:creationId xmlns:a16="http://schemas.microsoft.com/office/drawing/2014/main" id="{72518B6D-0631-416A-9D59-900E2A63861F}"/>
+              </a:ext>
+            </a:extLst>
+          </p:cNvPr>
+          <p:cNvCxnSpPr>
+            <a:cxnSpLocks/>
+          </p:cNvCxnSpPr>
+          <p:nvPr/>
+        </p:nvCxnSpPr>
+        <p:spPr>
+          <a:xfrm>
+            <a:off x="10652423" y="1811868"/>
+            <a:ext cx="0" cy="1617132"/>
+          </a:xfrm>
+          <a:prstGeom prst="line">
+            <a:avLst/>
+          </a:prstGeom>
+        </p:spPr>
+        <p:style>
+          <a:lnRef idx="1">
+            <a:schemeClr val="accent1"/>
+          </a:lnRef>
+          <a:fillRef idx="0">
+            <a:schemeClr val="accent1"/>
+          </a:fillRef>
+          <a:effectRef idx="0">
+            <a:schemeClr val="accent1"/>
+          </a:effectRef>
+          <a:fontRef idx="minor">
+            <a:schemeClr val="tx1"/>
+          </a:fontRef>
+        </p:style>
+      </p:cxnSp>
+      <p:cxnSp>
+        <p:nvCxnSpPr>
+          <p:cNvPr id="34" name="直線接點 33">
+            <a:extLst>
+              <a:ext uri="{FF2B5EF4-FFF2-40B4-BE49-F238E27FC236}">
+                <a16:creationId xmlns:a16="http://schemas.microsoft.com/office/drawing/2014/main" id="{FCA85F3A-A0F2-4C6D-8898-440E0B90629E}"/>
+              </a:ext>
+            </a:extLst>
+          </p:cNvPr>
+          <p:cNvCxnSpPr>
+            <a:cxnSpLocks/>
+          </p:cNvCxnSpPr>
+          <p:nvPr/>
+        </p:nvCxnSpPr>
+        <p:spPr>
+          <a:xfrm>
+            <a:off x="9326885" y="1803403"/>
+            <a:ext cx="0" cy="1617132"/>
+          </a:xfrm>
+          <a:prstGeom prst="line">
+            <a:avLst/>
+          </a:prstGeom>
+        </p:spPr>
+        <p:style>
+          <a:lnRef idx="1">
+            <a:schemeClr val="accent1"/>
+          </a:lnRef>
+          <a:fillRef idx="0">
+            <a:schemeClr val="accent1"/>
+          </a:fillRef>
+          <a:effectRef idx="0">
+            <a:schemeClr val="accent1"/>
+          </a:effectRef>
+          <a:fontRef idx="minor">
+            <a:schemeClr val="tx1"/>
+          </a:fontRef>
+        </p:style>
+      </p:cxnSp>
+      <mc:AlternateContent xmlns:mc="http://schemas.openxmlformats.org/markup-compatibility/2006">
+        <mc:Choice xmlns:a14="http://schemas.microsoft.com/office/drawing/2010/main" Requires="a14">
+          <p:sp>
+            <p:nvSpPr>
+              <p:cNvPr id="35" name="文字方塊 34">
+                <a:extLst>
+                  <a:ext uri="{FF2B5EF4-FFF2-40B4-BE49-F238E27FC236}">
+                    <a16:creationId xmlns:a16="http://schemas.microsoft.com/office/drawing/2014/main" id="{E698F87C-EDBB-4966-8314-1FAE4CBF2400}"/>
+                  </a:ext>
+                </a:extLst>
+              </p:cNvPr>
+              <p:cNvSpPr txBox="1"/>
+              <p:nvPr/>
+            </p:nvSpPr>
+            <p:spPr>
+              <a:xfrm>
+                <a:off x="2029630" y="3461581"/>
+                <a:ext cx="394556" cy="390748"/>
+              </a:xfrm>
+              <a:prstGeom prst="rect">
+                <a:avLst/>
+              </a:prstGeom>
+              <a:noFill/>
+            </p:spPr>
+            <p:txBody>
+              <a:bodyPr wrap="square" rtlCol="0">
+                <a:spAutoFit/>
+              </a:bodyPr>
+              <a:lstStyle/>
+              <a:p>
+                <a14:m>
+                  <m:oMathPara xmlns:m="http://schemas.openxmlformats.org/officeDocument/2006/math">
+                    <m:oMathParaPr>
+                      <m:jc m:val="centerGroup"/>
+                    </m:oMathParaPr>
+                    <m:oMath xmlns:m="http://schemas.openxmlformats.org/officeDocument/2006/math">
+                      <m:sSub>
+                        <m:sSubPr>
+                          <m:ctrlPr>
+                            <a:rPr lang="en-US" altLang="zh-TW" b="0" i="1" smtClean="0">
+                              <a:latin typeface="Cambria Math" panose="02040503050406030204" pitchFamily="18" charset="0"/>
+                            </a:rPr>
+                          </m:ctrlPr>
+                        </m:sSubPr>
+                        <m:e>
+                          <m:r>
+                            <a:rPr lang="en-US" altLang="zh-TW" b="0" i="1" smtClean="0">
+                              <a:latin typeface="Cambria Math" panose="02040503050406030204" pitchFamily="18" charset="0"/>
+                            </a:rPr>
+                            <m:t>𝑥</m:t>
+                          </m:r>
+                        </m:e>
+                        <m:sub>
+                          <m:r>
+                            <a:rPr lang="en-US" altLang="zh-TW" b="0" i="1" smtClean="0">
+                              <a:latin typeface="Cambria Math" panose="02040503050406030204" pitchFamily="18" charset="0"/>
+                            </a:rPr>
+                            <m:t>𝑝</m:t>
+                          </m:r>
+                        </m:sub>
+                      </m:sSub>
+                    </m:oMath>
+                  </m:oMathPara>
+                </a14:m>
+                <a:endParaRPr lang="zh-TW" altLang="en-US" dirty="0"/>
+              </a:p>
+            </p:txBody>
+          </p:sp>
+        </mc:Choice>
+        <mc:Fallback>
+          <p:sp>
+            <p:nvSpPr>
+              <p:cNvPr id="35" name="文字方塊 34">
+                <a:extLst>
+                  <a:ext uri="{FF2B5EF4-FFF2-40B4-BE49-F238E27FC236}">
+                    <a16:creationId xmlns:a16="http://schemas.microsoft.com/office/drawing/2014/main" id="{E698F87C-EDBB-4966-8314-1FAE4CBF2400}"/>
+                  </a:ext>
+                </a:extLst>
+              </p:cNvPr>
+              <p:cNvSpPr txBox="1">
+                <a:spLocks noRot="1" noChangeAspect="1" noMove="1" noResize="1" noEditPoints="1" noAdjustHandles="1" noChangeArrowheads="1" noChangeShapeType="1" noTextEdit="1"/>
+              </p:cNvSpPr>
+              <p:nvPr/>
+            </p:nvSpPr>
+            <p:spPr>
+              <a:xfrm>
+                <a:off x="2029630" y="3461581"/>
+                <a:ext cx="394556" cy="390748"/>
+              </a:xfrm>
+              <a:prstGeom prst="rect">
+                <a:avLst/>
+              </a:prstGeom>
+              <a:blipFill>
+                <a:blip r:embed="rId2"/>
+                <a:stretch>
+                  <a:fillRect b="-3125"/>
+                </a:stretch>
+              </a:blipFill>
+            </p:spPr>
+            <p:txBody>
+              <a:bodyPr/>
+              <a:lstStyle/>
+              <a:p>
+                <a:r>
+                  <a:rPr lang="zh-TW" altLang="en-US">
+                    <a:noFill/>
+                  </a:rPr>
+                  <a:t> </a:t>
+                </a:r>
+              </a:p>
+            </p:txBody>
+          </p:sp>
+        </mc:Fallback>
+      </mc:AlternateContent>
+      <mc:AlternateContent xmlns:mc="http://schemas.openxmlformats.org/markup-compatibility/2006">
+        <mc:Choice xmlns:a14="http://schemas.microsoft.com/office/drawing/2010/main" Requires="a14">
+          <p:sp>
+            <p:nvSpPr>
+              <p:cNvPr id="37" name="文字方塊 36">
+                <a:extLst>
+                  <a:ext uri="{FF2B5EF4-FFF2-40B4-BE49-F238E27FC236}">
+                    <a16:creationId xmlns:a16="http://schemas.microsoft.com/office/drawing/2014/main" id="{8B420298-3AB5-4006-A270-D6312BBEF096}"/>
+                  </a:ext>
+                </a:extLst>
+              </p:cNvPr>
+              <p:cNvSpPr txBox="1"/>
+              <p:nvPr/>
+            </p:nvSpPr>
+            <p:spPr>
+              <a:xfrm>
+                <a:off x="5746675" y="3386026"/>
+                <a:ext cx="394556" cy="390748"/>
+              </a:xfrm>
+              <a:prstGeom prst="rect">
+                <a:avLst/>
+              </a:prstGeom>
+              <a:noFill/>
+            </p:spPr>
+            <p:txBody>
+              <a:bodyPr wrap="square" rtlCol="0">
+                <a:spAutoFit/>
+              </a:bodyPr>
+              <a:lstStyle/>
+              <a:p>
+                <a14:m>
+                  <m:oMathPara xmlns:m="http://schemas.openxmlformats.org/officeDocument/2006/math">
+                    <m:oMathParaPr>
+                      <m:jc m:val="centerGroup"/>
+                    </m:oMathParaPr>
+                    <m:oMath xmlns:m="http://schemas.openxmlformats.org/officeDocument/2006/math">
+                      <m:sSub>
+                        <m:sSubPr>
+                          <m:ctrlPr>
+                            <a:rPr lang="en-US" altLang="zh-TW" b="0" i="1" smtClean="0">
+                              <a:latin typeface="Cambria Math" panose="02040503050406030204" pitchFamily="18" charset="0"/>
+                            </a:rPr>
+                          </m:ctrlPr>
+                        </m:sSubPr>
+                        <m:e>
+                          <m:r>
+                            <a:rPr lang="en-US" altLang="zh-TW" b="0" i="1" smtClean="0">
+                              <a:latin typeface="Cambria Math" panose="02040503050406030204" pitchFamily="18" charset="0"/>
+                            </a:rPr>
+                            <m:t>𝑥</m:t>
+                          </m:r>
+                        </m:e>
+                        <m:sub>
+                          <m:r>
+                            <a:rPr lang="en-US" altLang="zh-TW" b="0" i="1" smtClean="0">
+                              <a:latin typeface="Cambria Math" panose="02040503050406030204" pitchFamily="18" charset="0"/>
+                            </a:rPr>
+                            <m:t>𝑝</m:t>
+                          </m:r>
+                        </m:sub>
+                      </m:sSub>
+                    </m:oMath>
+                  </m:oMathPara>
+                </a14:m>
+                <a:endParaRPr lang="zh-TW" altLang="en-US" dirty="0"/>
+              </a:p>
+            </p:txBody>
+          </p:sp>
+        </mc:Choice>
+        <mc:Fallback>
+          <p:sp>
+            <p:nvSpPr>
+              <p:cNvPr id="37" name="文字方塊 36">
+                <a:extLst>
+                  <a:ext uri="{FF2B5EF4-FFF2-40B4-BE49-F238E27FC236}">
+                    <a16:creationId xmlns:a16="http://schemas.microsoft.com/office/drawing/2014/main" id="{8B420298-3AB5-4006-A270-D6312BBEF096}"/>
+                  </a:ext>
+                </a:extLst>
+              </p:cNvPr>
+              <p:cNvSpPr txBox="1">
+                <a:spLocks noRot="1" noChangeAspect="1" noMove="1" noResize="1" noEditPoints="1" noAdjustHandles="1" noChangeArrowheads="1" noChangeShapeType="1" noTextEdit="1"/>
+              </p:cNvSpPr>
+              <p:nvPr/>
+            </p:nvSpPr>
+            <p:spPr>
+              <a:xfrm>
+                <a:off x="5746675" y="3386026"/>
+                <a:ext cx="394556" cy="390748"/>
+              </a:xfrm>
+              <a:prstGeom prst="rect">
+                <a:avLst/>
+              </a:prstGeom>
+              <a:blipFill>
+                <a:blip r:embed="rId3"/>
+                <a:stretch>
+                  <a:fillRect b="-3077"/>
+                </a:stretch>
+              </a:blipFill>
+            </p:spPr>
+            <p:txBody>
+              <a:bodyPr/>
+              <a:lstStyle/>
+              <a:p>
+                <a:r>
+                  <a:rPr lang="zh-TW" altLang="en-US">
+                    <a:noFill/>
+                  </a:rPr>
+                  <a:t> </a:t>
+                </a:r>
+              </a:p>
+            </p:txBody>
+          </p:sp>
+        </mc:Fallback>
+      </mc:AlternateContent>
+      <mc:AlternateContent xmlns:mc="http://schemas.openxmlformats.org/markup-compatibility/2006">
+        <mc:Choice xmlns:a14="http://schemas.microsoft.com/office/drawing/2010/main" Requires="a14">
+          <p:sp>
+            <p:nvSpPr>
+              <p:cNvPr id="38" name="文字方塊 37">
+                <a:extLst>
+                  <a:ext uri="{FF2B5EF4-FFF2-40B4-BE49-F238E27FC236}">
+                    <a16:creationId xmlns:a16="http://schemas.microsoft.com/office/drawing/2014/main" id="{2E4AA762-C060-4056-9D89-C0318671AF1C}"/>
+                  </a:ext>
+                </a:extLst>
+              </p:cNvPr>
+              <p:cNvSpPr txBox="1"/>
+              <p:nvPr/>
+            </p:nvSpPr>
+            <p:spPr>
+              <a:xfrm>
+                <a:off x="9092691" y="3386026"/>
+                <a:ext cx="394556" cy="369332"/>
+              </a:xfrm>
+              <a:prstGeom prst="rect">
+                <a:avLst/>
+              </a:prstGeom>
+              <a:noFill/>
+            </p:spPr>
+            <p:txBody>
+              <a:bodyPr wrap="square" rtlCol="0">
+                <a:spAutoFit/>
+              </a:bodyPr>
+              <a:lstStyle/>
+              <a:p>
+                <a14:m>
+                  <m:oMathPara xmlns:m="http://schemas.openxmlformats.org/officeDocument/2006/math">
+                    <m:oMathParaPr>
+                      <m:jc m:val="centerGroup"/>
+                    </m:oMathParaPr>
+                    <m:oMath xmlns:m="http://schemas.openxmlformats.org/officeDocument/2006/math">
+                      <m:sSub>
+                        <m:sSubPr>
+                          <m:ctrlPr>
+                            <a:rPr lang="en-US" altLang="zh-TW" b="0" i="1" smtClean="0">
+                              <a:latin typeface="Cambria Math" panose="02040503050406030204" pitchFamily="18" charset="0"/>
+                            </a:rPr>
+                          </m:ctrlPr>
+                        </m:sSubPr>
+                        <m:e>
+                          <m:r>
+                            <a:rPr lang="en-US" altLang="zh-TW" b="0" i="1" smtClean="0">
+                              <a:latin typeface="Cambria Math" panose="02040503050406030204" pitchFamily="18" charset="0"/>
+                            </a:rPr>
+                            <m:t>𝑥</m:t>
+                          </m:r>
+                        </m:e>
+                        <m:sub>
+                          <m:r>
+                            <a:rPr lang="en-US" altLang="zh-TW" b="0" i="1" smtClean="0">
+                              <a:latin typeface="Cambria Math" panose="02040503050406030204" pitchFamily="18" charset="0"/>
+                            </a:rPr>
+                            <m:t>𝐿</m:t>
+                          </m:r>
+                        </m:sub>
+                      </m:sSub>
+                    </m:oMath>
+                  </m:oMathPara>
+                </a14:m>
+                <a:endParaRPr lang="zh-TW" altLang="en-US" dirty="0"/>
+              </a:p>
+            </p:txBody>
+          </p:sp>
+        </mc:Choice>
+        <mc:Fallback>
+          <p:sp>
+            <p:nvSpPr>
+              <p:cNvPr id="38" name="文字方塊 37">
+                <a:extLst>
+                  <a:ext uri="{FF2B5EF4-FFF2-40B4-BE49-F238E27FC236}">
+                    <a16:creationId xmlns:a16="http://schemas.microsoft.com/office/drawing/2014/main" id="{2E4AA762-C060-4056-9D89-C0318671AF1C}"/>
+                  </a:ext>
+                </a:extLst>
+              </p:cNvPr>
+              <p:cNvSpPr txBox="1">
+                <a:spLocks noRot="1" noChangeAspect="1" noMove="1" noResize="1" noEditPoints="1" noAdjustHandles="1" noChangeArrowheads="1" noChangeShapeType="1" noTextEdit="1"/>
+              </p:cNvSpPr>
+              <p:nvPr/>
+            </p:nvSpPr>
+            <p:spPr>
+              <a:xfrm>
+                <a:off x="9092691" y="3386026"/>
+                <a:ext cx="394556" cy="369332"/>
+              </a:xfrm>
+              <a:prstGeom prst="rect">
+                <a:avLst/>
+              </a:prstGeom>
+              <a:blipFill>
+                <a:blip r:embed="rId4"/>
+                <a:stretch>
+                  <a:fillRect/>
+                </a:stretch>
+              </a:blipFill>
+            </p:spPr>
+            <p:txBody>
+              <a:bodyPr/>
+              <a:lstStyle/>
+              <a:p>
+                <a:r>
+                  <a:rPr lang="zh-TW" altLang="en-US">
+                    <a:noFill/>
+                  </a:rPr>
+                  <a:t> </a:t>
+                </a:r>
+              </a:p>
+            </p:txBody>
+          </p:sp>
+        </mc:Fallback>
+      </mc:AlternateContent>
+      <mc:AlternateContent xmlns:mc="http://schemas.openxmlformats.org/markup-compatibility/2006">
+        <mc:Choice xmlns:a14="http://schemas.microsoft.com/office/drawing/2010/main" Requires="a14">
+          <p:sp>
+            <p:nvSpPr>
+              <p:cNvPr id="39" name="文字方塊 38">
+                <a:extLst>
+                  <a:ext uri="{FF2B5EF4-FFF2-40B4-BE49-F238E27FC236}">
+                    <a16:creationId xmlns:a16="http://schemas.microsoft.com/office/drawing/2014/main" id="{F3058457-AE02-4E6E-94FF-E41D5920306F}"/>
+                  </a:ext>
+                </a:extLst>
+              </p:cNvPr>
+              <p:cNvSpPr txBox="1"/>
+              <p:nvPr/>
+            </p:nvSpPr>
+            <p:spPr>
+              <a:xfrm>
+                <a:off x="10455145" y="3386026"/>
+                <a:ext cx="394556" cy="369332"/>
+              </a:xfrm>
+              <a:prstGeom prst="rect">
+                <a:avLst/>
+              </a:prstGeom>
+              <a:noFill/>
+            </p:spPr>
+            <p:txBody>
+              <a:bodyPr wrap="square" rtlCol="0">
+                <a:spAutoFit/>
+              </a:bodyPr>
+              <a:lstStyle/>
+              <a:p>
+                <a14:m>
+                  <m:oMathPara xmlns:m="http://schemas.openxmlformats.org/officeDocument/2006/math">
+                    <m:oMathParaPr>
+                      <m:jc m:val="centerGroup"/>
+                    </m:oMathParaPr>
+                    <m:oMath xmlns:m="http://schemas.openxmlformats.org/officeDocument/2006/math">
+                      <m:sSub>
+                        <m:sSubPr>
+                          <m:ctrlPr>
+                            <a:rPr lang="en-US" altLang="zh-TW" b="0" i="1" smtClean="0">
+                              <a:latin typeface="Cambria Math" panose="02040503050406030204" pitchFamily="18" charset="0"/>
+                            </a:rPr>
+                          </m:ctrlPr>
+                        </m:sSubPr>
+                        <m:e>
+                          <m:r>
+                            <a:rPr lang="en-US" altLang="zh-TW" b="0" i="1" smtClean="0">
+                              <a:latin typeface="Cambria Math" panose="02040503050406030204" pitchFamily="18" charset="0"/>
+                            </a:rPr>
+                            <m:t>𝑥</m:t>
+                          </m:r>
+                        </m:e>
+                        <m:sub>
+                          <m:r>
+                            <a:rPr lang="en-US" altLang="zh-TW" b="0" i="1" smtClean="0">
+                              <a:latin typeface="Cambria Math" panose="02040503050406030204" pitchFamily="18" charset="0"/>
+                            </a:rPr>
+                            <m:t>𝑅</m:t>
+                          </m:r>
+                        </m:sub>
+                      </m:sSub>
+                    </m:oMath>
+                  </m:oMathPara>
+                </a14:m>
+                <a:endParaRPr lang="zh-TW" altLang="en-US" dirty="0"/>
+              </a:p>
+            </p:txBody>
+          </p:sp>
+        </mc:Choice>
+        <mc:Fallback>
+          <p:sp>
+            <p:nvSpPr>
+              <p:cNvPr id="39" name="文字方塊 38">
+                <a:extLst>
+                  <a:ext uri="{FF2B5EF4-FFF2-40B4-BE49-F238E27FC236}">
+                    <a16:creationId xmlns:a16="http://schemas.microsoft.com/office/drawing/2014/main" id="{F3058457-AE02-4E6E-94FF-E41D5920306F}"/>
+                  </a:ext>
+                </a:extLst>
+              </p:cNvPr>
+              <p:cNvSpPr txBox="1">
+                <a:spLocks noRot="1" noChangeAspect="1" noMove="1" noResize="1" noEditPoints="1" noAdjustHandles="1" noChangeArrowheads="1" noChangeShapeType="1" noTextEdit="1"/>
+              </p:cNvSpPr>
+              <p:nvPr/>
+            </p:nvSpPr>
+            <p:spPr>
+              <a:xfrm>
+                <a:off x="10455145" y="3386026"/>
+                <a:ext cx="394556" cy="369332"/>
+              </a:xfrm>
+              <a:prstGeom prst="rect">
+                <a:avLst/>
+              </a:prstGeom>
+              <a:blipFill>
+                <a:blip r:embed="rId5"/>
+                <a:stretch>
+                  <a:fillRect/>
+                </a:stretch>
+              </a:blipFill>
+            </p:spPr>
+            <p:txBody>
+              <a:bodyPr/>
+              <a:lstStyle/>
+              <a:p>
+                <a:r>
+                  <a:rPr lang="zh-TW" altLang="en-US">
+                    <a:noFill/>
+                  </a:rPr>
+                  <a:t> </a:t>
+                </a:r>
+              </a:p>
+            </p:txBody>
+          </p:sp>
+        </mc:Fallback>
+      </mc:AlternateContent>
+      <mc:AlternateContent xmlns:mc="http://schemas.openxmlformats.org/markup-compatibility/2006">
+        <mc:Choice xmlns:a14="http://schemas.microsoft.com/office/drawing/2010/main" Requires="a14">
+          <p:sp>
+            <p:nvSpPr>
+              <p:cNvPr id="40" name="文字方塊 39">
+                <a:extLst>
+                  <a:ext uri="{FF2B5EF4-FFF2-40B4-BE49-F238E27FC236}">
+                    <a16:creationId xmlns:a16="http://schemas.microsoft.com/office/drawing/2014/main" id="{106341C9-564A-47CF-990E-6A987CCCF819}"/>
+                  </a:ext>
+                </a:extLst>
+              </p:cNvPr>
+              <p:cNvSpPr txBox="1"/>
+              <p:nvPr/>
+            </p:nvSpPr>
+            <p:spPr>
+              <a:xfrm>
+                <a:off x="1942305" y="1383325"/>
+                <a:ext cx="817147" cy="276999"/>
+              </a:xfrm>
+              <a:prstGeom prst="rect">
+                <a:avLst/>
+              </a:prstGeom>
+              <a:noFill/>
+            </p:spPr>
+            <p:txBody>
+              <a:bodyPr wrap="none" lIns="0" tIns="0" rIns="0" bIns="0" rtlCol="0">
+                <a:spAutoFit/>
+              </a:bodyPr>
+              <a:lstStyle/>
+              <a:p>
+                <a14:m>
+                  <m:oMathPara xmlns:m="http://schemas.openxmlformats.org/officeDocument/2006/math">
+                    <m:oMathParaPr>
+                      <m:jc m:val="centerGroup"/>
+                    </m:oMathParaPr>
+                    <m:oMath xmlns:m="http://schemas.openxmlformats.org/officeDocument/2006/math">
+                      <m:r>
+                        <a:rPr lang="en-US" altLang="zh-TW" b="0" i="1" smtClean="0">
+                          <a:latin typeface="Cambria Math" panose="02040503050406030204" pitchFamily="18" charset="0"/>
+                        </a:rPr>
+                        <m:t>𝑆𝑖</m:t>
+                      </m:r>
+                      <m:sSub>
+                        <m:sSubPr>
+                          <m:ctrlPr>
+                            <a:rPr lang="en-US" altLang="zh-TW" b="0" i="1" smtClean="0">
+                              <a:latin typeface="Cambria Math" panose="02040503050406030204" pitchFamily="18" charset="0"/>
+                            </a:rPr>
+                          </m:ctrlPr>
+                        </m:sSubPr>
+                        <m:e>
+                          <m:r>
+                            <a:rPr lang="en-US" altLang="zh-TW" b="0" i="1" smtClean="0">
+                              <a:latin typeface="Cambria Math" panose="02040503050406030204" pitchFamily="18" charset="0"/>
+                            </a:rPr>
+                            <m:t>𝑔</m:t>
+                          </m:r>
+                        </m:e>
+                        <m:sub>
+                          <m:r>
+                            <a:rPr lang="en-US" altLang="zh-TW" b="0" i="1" smtClean="0">
+                              <a:latin typeface="Cambria Math" panose="02040503050406030204" pitchFamily="18" charset="0"/>
+                            </a:rPr>
+                            <m:t>𝐿</m:t>
+                          </m:r>
+                        </m:sub>
+                      </m:sSub>
+                      <m:r>
+                        <a:rPr lang="en-US" altLang="zh-TW" b="0" i="1" smtClean="0">
+                          <a:latin typeface="Cambria Math" panose="02040503050406030204" pitchFamily="18" charset="0"/>
+                        </a:rPr>
+                        <m:t>(</m:t>
+                      </m:r>
+                      <m:r>
+                        <a:rPr lang="en-US" altLang="zh-TW" b="0" i="1" smtClean="0">
+                          <a:latin typeface="Cambria Math" panose="02040503050406030204" pitchFamily="18" charset="0"/>
+                        </a:rPr>
+                        <m:t>𝑥</m:t>
+                      </m:r>
+                      <m:r>
+                        <a:rPr lang="en-US" altLang="zh-TW" b="0" i="1" smtClean="0">
+                          <a:latin typeface="Cambria Math" panose="02040503050406030204" pitchFamily="18" charset="0"/>
+                        </a:rPr>
+                        <m:t>)</m:t>
+                      </m:r>
+                    </m:oMath>
+                  </m:oMathPara>
+                </a14:m>
+                <a:endParaRPr lang="zh-TW" altLang="en-US" dirty="0"/>
+              </a:p>
+            </p:txBody>
+          </p:sp>
+        </mc:Choice>
+        <mc:Fallback>
+          <p:sp>
+            <p:nvSpPr>
+              <p:cNvPr id="40" name="文字方塊 39">
+                <a:extLst>
+                  <a:ext uri="{FF2B5EF4-FFF2-40B4-BE49-F238E27FC236}">
+                    <a16:creationId xmlns:a16="http://schemas.microsoft.com/office/drawing/2014/main" id="{106341C9-564A-47CF-990E-6A987CCCF819}"/>
+                  </a:ext>
+                </a:extLst>
+              </p:cNvPr>
+              <p:cNvSpPr txBox="1">
+                <a:spLocks noRot="1" noChangeAspect="1" noMove="1" noResize="1" noEditPoints="1" noAdjustHandles="1" noChangeArrowheads="1" noChangeShapeType="1" noTextEdit="1"/>
+              </p:cNvSpPr>
+              <p:nvPr/>
+            </p:nvSpPr>
+            <p:spPr>
+              <a:xfrm>
+                <a:off x="1942305" y="1383325"/>
+                <a:ext cx="817147" cy="276999"/>
+              </a:xfrm>
+              <a:prstGeom prst="rect">
+                <a:avLst/>
+              </a:prstGeom>
+              <a:blipFill>
+                <a:blip r:embed="rId6"/>
+                <a:stretch>
+                  <a:fillRect l="-6716" t="-2222" r="-9701" b="-35556"/>
+                </a:stretch>
+              </a:blipFill>
+            </p:spPr>
+            <p:txBody>
+              <a:bodyPr/>
+              <a:lstStyle/>
+              <a:p>
+                <a:r>
+                  <a:rPr lang="zh-TW" altLang="en-US">
+                    <a:noFill/>
+                  </a:rPr>
+                  <a:t> </a:t>
+                </a:r>
+              </a:p>
+            </p:txBody>
+          </p:sp>
+        </mc:Fallback>
+      </mc:AlternateContent>
+      <mc:AlternateContent xmlns:mc="http://schemas.openxmlformats.org/markup-compatibility/2006">
+        <mc:Choice xmlns:a14="http://schemas.microsoft.com/office/drawing/2010/main" Requires="a14">
+          <p:sp>
+            <p:nvSpPr>
+              <p:cNvPr id="42" name="文字方塊 41">
+                <a:extLst>
+                  <a:ext uri="{FF2B5EF4-FFF2-40B4-BE49-F238E27FC236}">
+                    <a16:creationId xmlns:a16="http://schemas.microsoft.com/office/drawing/2014/main" id="{77210B33-E29A-4DF4-B4CC-F57B1A81E89C}"/>
+                  </a:ext>
+                </a:extLst>
+              </p:cNvPr>
+              <p:cNvSpPr txBox="1"/>
+              <p:nvPr/>
+            </p:nvSpPr>
+            <p:spPr>
+              <a:xfrm>
+                <a:off x="6129731" y="1258502"/>
+                <a:ext cx="836960" cy="276999"/>
+              </a:xfrm>
+              <a:prstGeom prst="rect">
+                <a:avLst/>
+              </a:prstGeom>
+              <a:noFill/>
+            </p:spPr>
+            <p:txBody>
+              <a:bodyPr wrap="none" lIns="0" tIns="0" rIns="0" bIns="0" rtlCol="0">
+                <a:spAutoFit/>
+              </a:bodyPr>
+              <a:lstStyle/>
+              <a:p>
+                <a14:m>
+                  <m:oMathPara xmlns:m="http://schemas.openxmlformats.org/officeDocument/2006/math">
+                    <m:oMathParaPr>
+                      <m:jc m:val="centerGroup"/>
+                    </m:oMathParaPr>
+                    <m:oMath xmlns:m="http://schemas.openxmlformats.org/officeDocument/2006/math">
+                      <m:r>
+                        <a:rPr lang="en-US" altLang="zh-TW" b="0" i="1" smtClean="0">
+                          <a:latin typeface="Cambria Math" panose="02040503050406030204" pitchFamily="18" charset="0"/>
+                        </a:rPr>
+                        <m:t>𝑆𝑖</m:t>
+                      </m:r>
+                      <m:sSub>
+                        <m:sSubPr>
+                          <m:ctrlPr>
+                            <a:rPr lang="en-US" altLang="zh-TW" b="0" i="1" smtClean="0">
+                              <a:latin typeface="Cambria Math" panose="02040503050406030204" pitchFamily="18" charset="0"/>
+                            </a:rPr>
+                          </m:ctrlPr>
+                        </m:sSubPr>
+                        <m:e>
+                          <m:r>
+                            <a:rPr lang="en-US" altLang="zh-TW" b="0" i="1" smtClean="0">
+                              <a:latin typeface="Cambria Math" panose="02040503050406030204" pitchFamily="18" charset="0"/>
+                            </a:rPr>
+                            <m:t>𝑔</m:t>
+                          </m:r>
+                        </m:e>
+                        <m:sub>
+                          <m:r>
+                            <a:rPr lang="en-US" altLang="zh-TW" b="0" i="1" smtClean="0">
+                              <a:latin typeface="Cambria Math" panose="02040503050406030204" pitchFamily="18" charset="0"/>
+                            </a:rPr>
+                            <m:t>𝑅</m:t>
+                          </m:r>
+                        </m:sub>
+                      </m:sSub>
+                      <m:r>
+                        <a:rPr lang="en-US" altLang="zh-TW" b="0" i="1" smtClean="0">
+                          <a:latin typeface="Cambria Math" panose="02040503050406030204" pitchFamily="18" charset="0"/>
+                        </a:rPr>
+                        <m:t>(</m:t>
+                      </m:r>
+                      <m:r>
+                        <a:rPr lang="en-US" altLang="zh-TW" b="0" i="1" smtClean="0">
+                          <a:latin typeface="Cambria Math" panose="02040503050406030204" pitchFamily="18" charset="0"/>
+                        </a:rPr>
+                        <m:t>𝑥</m:t>
+                      </m:r>
+                      <m:r>
+                        <a:rPr lang="en-US" altLang="zh-TW" b="0" i="1" smtClean="0">
+                          <a:latin typeface="Cambria Math" panose="02040503050406030204" pitchFamily="18" charset="0"/>
+                        </a:rPr>
+                        <m:t>)</m:t>
+                      </m:r>
+                    </m:oMath>
+                  </m:oMathPara>
+                </a14:m>
+                <a:endParaRPr lang="zh-TW" altLang="en-US" dirty="0"/>
+              </a:p>
+            </p:txBody>
+          </p:sp>
+        </mc:Choice>
+        <mc:Fallback>
+          <p:sp>
+            <p:nvSpPr>
+              <p:cNvPr id="42" name="文字方塊 41">
+                <a:extLst>
+                  <a:ext uri="{FF2B5EF4-FFF2-40B4-BE49-F238E27FC236}">
+                    <a16:creationId xmlns:a16="http://schemas.microsoft.com/office/drawing/2014/main" id="{77210B33-E29A-4DF4-B4CC-F57B1A81E89C}"/>
+                  </a:ext>
+                </a:extLst>
+              </p:cNvPr>
+              <p:cNvSpPr txBox="1">
+                <a:spLocks noRot="1" noChangeAspect="1" noMove="1" noResize="1" noEditPoints="1" noAdjustHandles="1" noChangeArrowheads="1" noChangeShapeType="1" noTextEdit="1"/>
+              </p:cNvSpPr>
+              <p:nvPr/>
+            </p:nvSpPr>
+            <p:spPr>
+              <a:xfrm>
+                <a:off x="6129731" y="1258502"/>
+                <a:ext cx="836960" cy="276999"/>
+              </a:xfrm>
+              <a:prstGeom prst="rect">
+                <a:avLst/>
+              </a:prstGeom>
+              <a:blipFill>
+                <a:blip r:embed="rId7"/>
+                <a:stretch>
+                  <a:fillRect l="-6569" t="-2174" r="-10219" b="-32609"/>
+                </a:stretch>
+              </a:blipFill>
+            </p:spPr>
+            <p:txBody>
+              <a:bodyPr/>
+              <a:lstStyle/>
+              <a:p>
+                <a:r>
+                  <a:rPr lang="zh-TW" altLang="en-US">
+                    <a:noFill/>
+                  </a:rPr>
+                  <a:t> </a:t>
+                </a:r>
+              </a:p>
+            </p:txBody>
+          </p:sp>
+        </mc:Fallback>
+      </mc:AlternateContent>
+      <mc:AlternateContent xmlns:mc="http://schemas.openxmlformats.org/markup-compatibility/2006">
+        <mc:Choice xmlns:a14="http://schemas.microsoft.com/office/drawing/2010/main" Requires="a14">
+          <p:sp>
+            <p:nvSpPr>
+              <p:cNvPr id="43" name="文字方塊 42">
+                <a:extLst>
+                  <a:ext uri="{FF2B5EF4-FFF2-40B4-BE49-F238E27FC236}">
+                    <a16:creationId xmlns:a16="http://schemas.microsoft.com/office/drawing/2014/main" id="{85E3556B-B4BF-458B-841B-CDB3E4146D2E}"/>
+                  </a:ext>
+                </a:extLst>
+              </p:cNvPr>
+              <p:cNvSpPr txBox="1"/>
+              <p:nvPr/>
+            </p:nvSpPr>
+            <p:spPr>
+              <a:xfrm>
+                <a:off x="9571174" y="1295572"/>
+                <a:ext cx="884665" cy="276999"/>
+              </a:xfrm>
+              <a:prstGeom prst="rect">
+                <a:avLst/>
+              </a:prstGeom>
+              <a:noFill/>
+            </p:spPr>
+            <p:txBody>
+              <a:bodyPr wrap="none" lIns="0" tIns="0" rIns="0" bIns="0" rtlCol="0">
+                <a:spAutoFit/>
+              </a:bodyPr>
+              <a:lstStyle/>
+              <a:p>
+                <a14:m>
+                  <m:oMathPara xmlns:m="http://schemas.openxmlformats.org/officeDocument/2006/math">
+                    <m:oMathParaPr>
+                      <m:jc m:val="centerGroup"/>
+                    </m:oMathParaPr>
+                    <m:oMath xmlns:m="http://schemas.openxmlformats.org/officeDocument/2006/math">
+                      <m:r>
+                        <a:rPr lang="en-US" altLang="zh-TW" b="0" i="1" smtClean="0">
+                          <a:latin typeface="Cambria Math" panose="02040503050406030204" pitchFamily="18" charset="0"/>
+                        </a:rPr>
+                        <m:t>𝑆𝑖</m:t>
+                      </m:r>
+                      <m:sSub>
+                        <m:sSubPr>
+                          <m:ctrlPr>
+                            <a:rPr lang="en-US" altLang="zh-TW" b="0" i="1" smtClean="0">
+                              <a:latin typeface="Cambria Math" panose="02040503050406030204" pitchFamily="18" charset="0"/>
+                            </a:rPr>
+                          </m:ctrlPr>
+                        </m:sSubPr>
+                        <m:e>
+                          <m:r>
+                            <a:rPr lang="en-US" altLang="zh-TW" b="0" i="1" smtClean="0">
+                              <a:latin typeface="Cambria Math" panose="02040503050406030204" pitchFamily="18" charset="0"/>
+                            </a:rPr>
+                            <m:t>𝑔</m:t>
+                          </m:r>
+                        </m:e>
+                        <m:sub>
+                          <m:r>
+                            <a:rPr lang="en-US" altLang="zh-TW" b="0" i="1" smtClean="0">
+                              <a:latin typeface="Cambria Math" panose="02040503050406030204" pitchFamily="18" charset="0"/>
+                            </a:rPr>
+                            <m:t>𝑀</m:t>
+                          </m:r>
+                        </m:sub>
+                      </m:sSub>
+                      <m:r>
+                        <a:rPr lang="en-US" altLang="zh-TW" b="0" i="1" smtClean="0">
+                          <a:latin typeface="Cambria Math" panose="02040503050406030204" pitchFamily="18" charset="0"/>
+                        </a:rPr>
+                        <m:t>(</m:t>
+                      </m:r>
+                      <m:r>
+                        <a:rPr lang="en-US" altLang="zh-TW" b="0" i="1" smtClean="0">
+                          <a:latin typeface="Cambria Math" panose="02040503050406030204" pitchFamily="18" charset="0"/>
+                        </a:rPr>
+                        <m:t>𝑥</m:t>
+                      </m:r>
+                      <m:r>
+                        <a:rPr lang="en-US" altLang="zh-TW" b="0" i="1" smtClean="0">
+                          <a:latin typeface="Cambria Math" panose="02040503050406030204" pitchFamily="18" charset="0"/>
+                        </a:rPr>
+                        <m:t>)</m:t>
+                      </m:r>
+                    </m:oMath>
+                  </m:oMathPara>
+                </a14:m>
+                <a:endParaRPr lang="zh-TW" altLang="en-US" dirty="0"/>
+              </a:p>
+            </p:txBody>
+          </p:sp>
+        </mc:Choice>
+        <mc:Fallback>
+          <p:sp>
+            <p:nvSpPr>
+              <p:cNvPr id="43" name="文字方塊 42">
+                <a:extLst>
+                  <a:ext uri="{FF2B5EF4-FFF2-40B4-BE49-F238E27FC236}">
+                    <a16:creationId xmlns:a16="http://schemas.microsoft.com/office/drawing/2014/main" id="{85E3556B-B4BF-458B-841B-CDB3E4146D2E}"/>
+                  </a:ext>
+                </a:extLst>
+              </p:cNvPr>
+              <p:cNvSpPr txBox="1">
+                <a:spLocks noRot="1" noChangeAspect="1" noMove="1" noResize="1" noEditPoints="1" noAdjustHandles="1" noChangeArrowheads="1" noChangeShapeType="1" noTextEdit="1"/>
+              </p:cNvSpPr>
+              <p:nvPr/>
+            </p:nvSpPr>
+            <p:spPr>
+              <a:xfrm>
+                <a:off x="9571174" y="1295572"/>
+                <a:ext cx="884665" cy="276999"/>
+              </a:xfrm>
+              <a:prstGeom prst="rect">
+                <a:avLst/>
+              </a:prstGeom>
+              <a:blipFill>
+                <a:blip r:embed="rId8"/>
+                <a:stretch>
+                  <a:fillRect l="-5517" t="-4444" r="-8966" b="-35556"/>
+                </a:stretch>
+              </a:blipFill>
+            </p:spPr>
+            <p:txBody>
+              <a:bodyPr/>
+              <a:lstStyle/>
+              <a:p>
+                <a:r>
+                  <a:rPr lang="zh-TW" altLang="en-US">
+                    <a:noFill/>
+                  </a:rPr>
+                  <a:t> </a:t>
+                </a:r>
+              </a:p>
+            </p:txBody>
+          </p:sp>
+        </mc:Fallback>
+      </mc:AlternateContent>
+      <p:sp>
+        <p:nvSpPr>
+          <p:cNvPr id="44" name="橢圓 43">
+            <a:extLst>
+              <a:ext uri="{FF2B5EF4-FFF2-40B4-BE49-F238E27FC236}">
+                <a16:creationId xmlns:a16="http://schemas.microsoft.com/office/drawing/2014/main" id="{12C77154-2282-4FBC-B5B3-5A55A0D58CBC}"/>
+              </a:ext>
+            </a:extLst>
+          </p:cNvPr>
+          <p:cNvSpPr/>
+          <p:nvPr/>
+        </p:nvSpPr>
+        <p:spPr>
+          <a:xfrm>
+            <a:off x="4566243" y="4380132"/>
+            <a:ext cx="1332000" cy="1332000"/>
+          </a:xfrm>
+          <a:prstGeom prst="ellipse">
+            <a:avLst/>
+          </a:prstGeom>
+          <a:noFill/>
+          <a:ln>
+            <a:solidFill>
+              <a:schemeClr val="tx1"/>
+            </a:solidFill>
+          </a:ln>
+        </p:spPr>
+        <p:style>
+          <a:lnRef idx="2">
+            <a:schemeClr val="accent1">
+              <a:shade val="50000"/>
+            </a:schemeClr>
+          </a:lnRef>
+          <a:fillRef idx="1">
+            <a:schemeClr val="accent1"/>
+          </a:fillRef>
+          <a:effectRef idx="0">
+            <a:schemeClr val="accent1"/>
+          </a:effectRef>
+          <a:fontRef idx="minor">
+            <a:schemeClr val="lt1"/>
+          </a:fontRef>
+        </p:style>
+        <p:txBody>
+          <a:bodyPr rtlCol="0" anchor="ctr"/>
+          <a:lstStyle/>
+          <a:p>
+            <a:pPr algn="ctr"/>
+            <a:endParaRPr lang="zh-TW" altLang="en-US"/>
+          </a:p>
+        </p:txBody>
+      </p:sp>
+      <p:cxnSp>
+        <p:nvCxnSpPr>
+          <p:cNvPr id="46" name="直線接點 45">
+            <a:extLst>
+              <a:ext uri="{FF2B5EF4-FFF2-40B4-BE49-F238E27FC236}">
+                <a16:creationId xmlns:a16="http://schemas.microsoft.com/office/drawing/2014/main" id="{985CE6AD-B323-4780-A55A-B9252D3E63B6}"/>
+              </a:ext>
+            </a:extLst>
+          </p:cNvPr>
+          <p:cNvCxnSpPr/>
+          <p:nvPr/>
+        </p:nvCxnSpPr>
+        <p:spPr>
+          <a:xfrm>
+            <a:off x="3050709" y="5495505"/>
+            <a:ext cx="4453467" cy="0"/>
+          </a:xfrm>
+          <a:prstGeom prst="line">
+            <a:avLst/>
+          </a:prstGeom>
+        </p:spPr>
+        <p:style>
+          <a:lnRef idx="1">
+            <a:schemeClr val="accent1"/>
+          </a:lnRef>
+          <a:fillRef idx="0">
+            <a:schemeClr val="accent1"/>
+          </a:fillRef>
+          <a:effectRef idx="0">
+            <a:schemeClr val="accent1"/>
+          </a:effectRef>
+          <a:fontRef idx="minor">
+            <a:schemeClr val="tx1"/>
+          </a:fontRef>
+        </p:style>
+      </p:cxnSp>
+      <p:cxnSp>
+        <p:nvCxnSpPr>
+          <p:cNvPr id="47" name="直線單箭頭接點 46">
+            <a:extLst>
+              <a:ext uri="{FF2B5EF4-FFF2-40B4-BE49-F238E27FC236}">
+                <a16:creationId xmlns:a16="http://schemas.microsoft.com/office/drawing/2014/main" id="{72872A82-3823-47F5-A323-BAEA2C6FED9C}"/>
+              </a:ext>
+            </a:extLst>
+          </p:cNvPr>
+          <p:cNvCxnSpPr>
+            <a:cxnSpLocks/>
+          </p:cNvCxnSpPr>
+          <p:nvPr/>
+        </p:nvCxnSpPr>
+        <p:spPr>
+          <a:xfrm>
+            <a:off x="3673365" y="5595820"/>
+            <a:ext cx="3454400" cy="0"/>
+          </a:xfrm>
+          <a:prstGeom prst="straightConnector1">
+            <a:avLst/>
+          </a:prstGeom>
+          <a:ln w="28575">
+            <a:tailEnd type="triangle"/>
+          </a:ln>
+        </p:spPr>
+        <p:style>
+          <a:lnRef idx="1">
+            <a:schemeClr val="dk1"/>
+          </a:lnRef>
+          <a:fillRef idx="0">
+            <a:schemeClr val="dk1"/>
+          </a:fillRef>
+          <a:effectRef idx="0">
+            <a:schemeClr val="dk1"/>
+          </a:effectRef>
+          <a:fontRef idx="minor">
+            <a:schemeClr val="tx1"/>
+          </a:fontRef>
+        </p:style>
+      </p:cxnSp>
+      <p:cxnSp>
+        <p:nvCxnSpPr>
+          <p:cNvPr id="48" name="直線單箭頭接點 47">
+            <a:extLst>
+              <a:ext uri="{FF2B5EF4-FFF2-40B4-BE49-F238E27FC236}">
+                <a16:creationId xmlns:a16="http://schemas.microsoft.com/office/drawing/2014/main" id="{305C962A-8A2A-4DE5-B382-3062E71CD02F}"/>
+              </a:ext>
+            </a:extLst>
+          </p:cNvPr>
+          <p:cNvCxnSpPr>
+            <a:cxnSpLocks/>
+          </p:cNvCxnSpPr>
+          <p:nvPr/>
+        </p:nvCxnSpPr>
+        <p:spPr>
+          <a:xfrm flipV="1">
+            <a:off x="5232243" y="3656955"/>
+            <a:ext cx="0" cy="3166532"/>
+          </a:xfrm>
+          <a:prstGeom prst="straightConnector1">
+            <a:avLst/>
+          </a:prstGeom>
+          <a:ln w="28575">
+            <a:tailEnd type="triangle"/>
+          </a:ln>
+        </p:spPr>
+        <p:style>
+          <a:lnRef idx="1">
+            <a:schemeClr val="dk1"/>
+          </a:lnRef>
+          <a:fillRef idx="0">
+            <a:schemeClr val="dk1"/>
+          </a:fillRef>
+          <a:effectRef idx="0">
+            <a:schemeClr val="dk1"/>
+          </a:effectRef>
+          <a:fontRef idx="minor">
+            <a:schemeClr val="tx1"/>
+          </a:fontRef>
+        </p:style>
+      </p:cxnSp>
+      <mc:AlternateContent xmlns:mc="http://schemas.openxmlformats.org/markup-compatibility/2006">
+        <mc:Choice xmlns:a14="http://schemas.microsoft.com/office/drawing/2010/main" Requires="a14">
+          <p:sp>
+            <p:nvSpPr>
+              <p:cNvPr id="49" name="文字方塊 48">
+                <a:extLst>
+                  <a:ext uri="{FF2B5EF4-FFF2-40B4-BE49-F238E27FC236}">
+                    <a16:creationId xmlns:a16="http://schemas.microsoft.com/office/drawing/2014/main" id="{043E060E-7CDA-443B-A6FC-5DE427A81E0C}"/>
+                  </a:ext>
+                </a:extLst>
+              </p:cNvPr>
+              <p:cNvSpPr txBox="1"/>
+              <p:nvPr/>
+            </p:nvSpPr>
+            <p:spPr>
+              <a:xfrm>
+                <a:off x="6878583" y="5139444"/>
+                <a:ext cx="287866" cy="369332"/>
+              </a:xfrm>
+              <a:prstGeom prst="rect">
+                <a:avLst/>
+              </a:prstGeom>
+              <a:noFill/>
+            </p:spPr>
+            <p:txBody>
+              <a:bodyPr wrap="square" rtlCol="0">
+                <a:spAutoFit/>
+              </a:bodyPr>
+              <a:lstStyle/>
+              <a:p>
+                <a14:m>
+                  <m:oMathPara xmlns:m="http://schemas.openxmlformats.org/officeDocument/2006/math">
+                    <m:oMathParaPr>
+                      <m:jc m:val="centerGroup"/>
+                    </m:oMathParaPr>
+                    <m:oMath xmlns:m="http://schemas.openxmlformats.org/officeDocument/2006/math">
+                      <m:sSub>
+                        <m:sSubPr>
+                          <m:ctrlPr>
+                            <a:rPr lang="en-US" altLang="zh-TW" b="0" i="1" smtClean="0">
+                              <a:latin typeface="Cambria Math" panose="02040503050406030204" pitchFamily="18" charset="0"/>
+                            </a:rPr>
+                          </m:ctrlPr>
+                        </m:sSubPr>
+                        <m:e>
+                          <m:r>
+                            <a:rPr lang="en-US" altLang="zh-TW" b="0" i="1" smtClean="0">
+                              <a:latin typeface="Cambria Math" panose="02040503050406030204" pitchFamily="18" charset="0"/>
+                            </a:rPr>
+                            <m:t>𝑦</m:t>
+                          </m:r>
+                        </m:e>
+                        <m:sub>
+                          <m:r>
+                            <a:rPr lang="en-US" altLang="zh-TW" b="0" i="1" smtClean="0">
+                              <a:latin typeface="Cambria Math" panose="02040503050406030204" pitchFamily="18" charset="0"/>
+                            </a:rPr>
+                            <m:t>𝑙𝑖𝑚</m:t>
+                          </m:r>
+                        </m:sub>
+                      </m:sSub>
+                    </m:oMath>
+                  </m:oMathPara>
+                </a14:m>
+                <a:endParaRPr lang="zh-TW" altLang="en-US" dirty="0"/>
+              </a:p>
+            </p:txBody>
+          </p:sp>
+        </mc:Choice>
+        <mc:Fallback>
+          <p:sp>
+            <p:nvSpPr>
+              <p:cNvPr id="49" name="文字方塊 48">
+                <a:extLst>
+                  <a:ext uri="{FF2B5EF4-FFF2-40B4-BE49-F238E27FC236}">
+                    <a16:creationId xmlns:a16="http://schemas.microsoft.com/office/drawing/2014/main" id="{043E060E-7CDA-443B-A6FC-5DE427A81E0C}"/>
+                  </a:ext>
+                </a:extLst>
+              </p:cNvPr>
+              <p:cNvSpPr txBox="1">
+                <a:spLocks noRot="1" noChangeAspect="1" noMove="1" noResize="1" noEditPoints="1" noAdjustHandles="1" noChangeArrowheads="1" noChangeShapeType="1" noTextEdit="1"/>
+              </p:cNvSpPr>
+              <p:nvPr/>
+            </p:nvSpPr>
+            <p:spPr>
+              <a:xfrm>
+                <a:off x="6878583" y="5139444"/>
+                <a:ext cx="287866" cy="369332"/>
+              </a:xfrm>
+              <a:prstGeom prst="rect">
+                <a:avLst/>
+              </a:prstGeom>
+              <a:blipFill>
+                <a:blip r:embed="rId9"/>
+                <a:stretch>
+                  <a:fillRect r="-91667" b="-6557"/>
+                </a:stretch>
+              </a:blipFill>
+            </p:spPr>
+            <p:txBody>
+              <a:bodyPr/>
+              <a:lstStyle/>
+              <a:p>
+                <a:r>
+                  <a:rPr lang="zh-TW" altLang="en-US">
+                    <a:noFill/>
+                  </a:rPr>
+                  <a:t> </a:t>
+                </a:r>
+              </a:p>
+            </p:txBody>
+          </p:sp>
+        </mc:Fallback>
+      </mc:AlternateContent>
+    </p:spTree>
+    <p:extLst>
+      <p:ext uri="{BB962C8B-B14F-4D97-AF65-F5344CB8AC3E}">
+        <p14:creationId xmlns:p14="http://schemas.microsoft.com/office/powerpoint/2010/main" val="67628326"/>
+      </p:ext>
+    </p:extLst>
+  </p:cSld>
+  <p:clrMapOvr>
+    <a:masterClrMapping/>
+  </p:clrMapOvr>
+</p:sld>
+</file>
+
+<file path=ppt/slides/slide31.xml><?xml version="1.0" encoding="utf-8"?>
+<p:sld xmlns:a="http://schemas.openxmlformats.org/drawingml/2006/main" xmlns:r="http://schemas.openxmlformats.org/officeDocument/2006/relationships" xmlns:p="http://schemas.openxmlformats.org/presentationml/2006/main">
+  <p:cSld>
+    <p:spTree>
+      <p:nvGrpSpPr>
+        <p:cNvPr id="1" name=""/>
+        <p:cNvGrpSpPr/>
+        <p:nvPr/>
+      </p:nvGrpSpPr>
+      <p:grpSpPr>
+        <a:xfrm>
+          <a:off x="0" y="0"/>
+          <a:ext cx="0" cy="0"/>
+          <a:chOff x="0" y="0"/>
+          <a:chExt cx="0" cy="0"/>
+        </a:xfrm>
+      </p:grpSpPr>
+      <p:sp>
+        <p:nvSpPr>
+          <p:cNvPr id="9" name="矩形 8">
+            <a:extLst>
+              <a:ext uri="{FF2B5EF4-FFF2-40B4-BE49-F238E27FC236}">
+                <a16:creationId xmlns:a16="http://schemas.microsoft.com/office/drawing/2014/main" id="{23E145EE-6981-40BB-9049-1D7F7BACFDDF}"/>
+              </a:ext>
+            </a:extLst>
+          </p:cNvPr>
+          <p:cNvSpPr/>
+          <p:nvPr/>
+        </p:nvSpPr>
+        <p:spPr>
+          <a:xfrm>
+            <a:off x="6485469" y="1329264"/>
+            <a:ext cx="2218267" cy="2794000"/>
+          </a:xfrm>
+          <a:prstGeom prst="rect">
+            <a:avLst/>
+          </a:prstGeom>
+          <a:solidFill>
+            <a:schemeClr val="accent1">
+              <a:lumMod val="20000"/>
+              <a:lumOff val="80000"/>
+            </a:schemeClr>
+          </a:solidFill>
+          <a:ln>
+            <a:solidFill>
+              <a:schemeClr val="accent1">
+                <a:lumMod val="60000"/>
+                <a:lumOff val="40000"/>
+              </a:schemeClr>
+            </a:solidFill>
+          </a:ln>
+        </p:spPr>
+        <p:style>
+          <a:lnRef idx="2">
+            <a:schemeClr val="accent1">
+              <a:shade val="50000"/>
+            </a:schemeClr>
+          </a:lnRef>
+          <a:fillRef idx="1">
+            <a:schemeClr val="accent1"/>
+          </a:fillRef>
+          <a:effectRef idx="0">
+            <a:schemeClr val="accent1"/>
+          </a:effectRef>
+          <a:fontRef idx="minor">
+            <a:schemeClr val="lt1"/>
+          </a:fontRef>
+        </p:style>
+        <p:txBody>
+          <a:bodyPr rtlCol="0" anchor="ctr"/>
+          <a:lstStyle/>
+          <a:p>
+            <a:pPr algn="ctr"/>
+            <a:endParaRPr lang="zh-TW" altLang="en-US" dirty="0"/>
+          </a:p>
+        </p:txBody>
+      </p:sp>
+      <p:sp>
+        <p:nvSpPr>
+          <p:cNvPr id="8" name="矩形: 圓角 7">
+            <a:extLst>
+              <a:ext uri="{FF2B5EF4-FFF2-40B4-BE49-F238E27FC236}">
+                <a16:creationId xmlns:a16="http://schemas.microsoft.com/office/drawing/2014/main" id="{93A92956-D5B1-4565-99BB-A45A9BD17162}"/>
+              </a:ext>
+            </a:extLst>
+          </p:cNvPr>
+          <p:cNvSpPr/>
+          <p:nvPr/>
+        </p:nvSpPr>
+        <p:spPr>
+          <a:xfrm>
+            <a:off x="6570133" y="2598729"/>
+            <a:ext cx="2032000" cy="1380604"/>
+          </a:xfrm>
+          <a:prstGeom prst="roundRect">
+            <a:avLst/>
+          </a:prstGeom>
+          <a:solidFill>
+            <a:schemeClr val="accent5"/>
+          </a:solidFill>
+          <a:ln>
+            <a:solidFill>
+              <a:schemeClr val="accent5"/>
+            </a:solidFill>
+          </a:ln>
+        </p:spPr>
+        <p:style>
+          <a:lnRef idx="2">
+            <a:schemeClr val="accent1">
+              <a:shade val="50000"/>
+            </a:schemeClr>
+          </a:lnRef>
+          <a:fillRef idx="1">
+            <a:schemeClr val="accent1"/>
+          </a:fillRef>
+          <a:effectRef idx="0">
+            <a:schemeClr val="accent1"/>
+          </a:effectRef>
+          <a:fontRef idx="minor">
+            <a:schemeClr val="lt1"/>
+          </a:fontRef>
+        </p:style>
+        <p:txBody>
+          <a:bodyPr rtlCol="0" anchor="ctr"/>
+          <a:lstStyle/>
+          <a:p>
+            <a:pPr algn="ctr"/>
+            <a:endParaRPr lang="zh-TW" altLang="en-US"/>
+          </a:p>
+        </p:txBody>
+      </p:sp>
+      <p:sp>
+        <p:nvSpPr>
+          <p:cNvPr id="4" name="矩形 3">
+            <a:extLst>
+              <a:ext uri="{FF2B5EF4-FFF2-40B4-BE49-F238E27FC236}">
+                <a16:creationId xmlns:a16="http://schemas.microsoft.com/office/drawing/2014/main" id="{57C74849-C4DF-4112-B308-ADB0498E2691}"/>
+              </a:ext>
+            </a:extLst>
+          </p:cNvPr>
+          <p:cNvSpPr/>
+          <p:nvPr/>
+        </p:nvSpPr>
+        <p:spPr>
+          <a:xfrm>
+            <a:off x="2370666" y="1329264"/>
+            <a:ext cx="2218267" cy="2794000"/>
+          </a:xfrm>
+          <a:prstGeom prst="rect">
+            <a:avLst/>
+          </a:prstGeom>
+          <a:solidFill>
+            <a:schemeClr val="accent2">
+              <a:lumMod val="20000"/>
+              <a:lumOff val="80000"/>
+            </a:schemeClr>
+          </a:solidFill>
+          <a:ln>
+            <a:solidFill>
+              <a:schemeClr val="accent2">
+                <a:lumMod val="60000"/>
+                <a:lumOff val="40000"/>
+              </a:schemeClr>
+            </a:solidFill>
+          </a:ln>
+        </p:spPr>
+        <p:style>
+          <a:lnRef idx="2">
+            <a:schemeClr val="accent1">
+              <a:shade val="50000"/>
+            </a:schemeClr>
+          </a:lnRef>
+          <a:fillRef idx="1">
+            <a:schemeClr val="accent1"/>
+          </a:fillRef>
+          <a:effectRef idx="0">
+            <a:schemeClr val="accent1"/>
+          </a:effectRef>
+          <a:fontRef idx="minor">
+            <a:schemeClr val="lt1"/>
+          </a:fontRef>
+        </p:style>
+        <p:txBody>
+          <a:bodyPr rtlCol="0" anchor="ctr"/>
+          <a:lstStyle/>
+          <a:p>
+            <a:pPr algn="ctr"/>
+            <a:endParaRPr lang="zh-TW" altLang="en-US" dirty="0"/>
+          </a:p>
+        </p:txBody>
+      </p:sp>
+      <p:pic>
+        <p:nvPicPr>
+          <p:cNvPr id="1028" name="Picture 4" descr="Logging in Python: A Developer's Guide | Product Blog • Sentry">
+            <a:extLst>
+              <a:ext uri="{FF2B5EF4-FFF2-40B4-BE49-F238E27FC236}">
+                <a16:creationId xmlns:a16="http://schemas.microsoft.com/office/drawing/2014/main" id="{E3EA325B-B1DE-48D9-8820-D3ECBF50C30E}"/>
+              </a:ext>
+            </a:extLst>
+          </p:cNvPr>
+          <p:cNvPicPr>
+            <a:picLocks noChangeAspect="1" noChangeArrowheads="1"/>
+          </p:cNvPicPr>
+          <p:nvPr/>
+        </p:nvPicPr>
+        <p:blipFill>
+          <a:blip r:embed="rId2">
+            <a:extLst>
+              <a:ext uri="{28A0092B-C50C-407E-A947-70E740481C1C}">
+                <a14:useLocalDpi xmlns:a14="http://schemas.microsoft.com/office/drawing/2010/main" val="0"/>
+              </a:ext>
+            </a:extLst>
+          </a:blip>
+          <a:srcRect/>
+          <a:stretch>
+            <a:fillRect/>
+          </a:stretch>
+        </p:blipFill>
+        <p:spPr bwMode="auto">
+          <a:xfrm>
+            <a:off x="2601383" y="1473199"/>
+            <a:ext cx="1756831" cy="1756831"/>
+          </a:xfrm>
+          <a:prstGeom prst="rect">
+            <a:avLst/>
+          </a:prstGeom>
+          <a:noFill/>
+          <a:extLst>
+            <a:ext uri="{909E8E84-426E-40DD-AFC4-6F175D3DCCD1}">
+              <a14:hiddenFill xmlns:a14="http://schemas.microsoft.com/office/drawing/2010/main">
+                <a:solidFill>
+                  <a:srgbClr val="FFFFFF"/>
+                </a:solidFill>
+              </a14:hiddenFill>
+            </a:ext>
+          </a:extLst>
+        </p:spPr>
+      </p:pic>
+      <p:sp>
+        <p:nvSpPr>
+          <p:cNvPr id="5" name="文字方塊 4">
+            <a:extLst>
+              <a:ext uri="{FF2B5EF4-FFF2-40B4-BE49-F238E27FC236}">
+                <a16:creationId xmlns:a16="http://schemas.microsoft.com/office/drawing/2014/main" id="{FEFB9DBB-CE03-468E-9855-9097A913C9F3}"/>
+              </a:ext>
+            </a:extLst>
+          </p:cNvPr>
+          <p:cNvSpPr txBox="1"/>
+          <p:nvPr/>
+        </p:nvSpPr>
+        <p:spPr>
+          <a:xfrm>
+            <a:off x="2582333" y="3242733"/>
+            <a:ext cx="1811867" cy="369332"/>
+          </a:xfrm>
+          <a:prstGeom prst="rect">
+            <a:avLst/>
+          </a:prstGeom>
+          <a:noFill/>
+        </p:spPr>
+        <p:txBody>
+          <a:bodyPr wrap="square" rtlCol="0">
+            <a:spAutoFit/>
+          </a:bodyPr>
+          <a:lstStyle/>
+          <a:p>
+            <a:pPr algn="ctr"/>
+            <a:r>
+              <a:rPr lang="en-US" altLang="zh-TW" dirty="0"/>
+              <a:t>Python</a:t>
+            </a:r>
+            <a:endParaRPr lang="zh-TW" altLang="en-US" dirty="0"/>
+          </a:p>
+        </p:txBody>
+      </p:sp>
+      <p:sp>
+        <p:nvSpPr>
+          <p:cNvPr id="6" name="矩形: 圓角 5">
+            <a:extLst>
+              <a:ext uri="{FF2B5EF4-FFF2-40B4-BE49-F238E27FC236}">
+                <a16:creationId xmlns:a16="http://schemas.microsoft.com/office/drawing/2014/main" id="{4BE31DC6-9B03-4F0E-B88F-29F78EEAB446}"/>
+              </a:ext>
+            </a:extLst>
+          </p:cNvPr>
+          <p:cNvSpPr/>
+          <p:nvPr/>
+        </p:nvSpPr>
+        <p:spPr>
+          <a:xfrm>
+            <a:off x="2379132" y="4195234"/>
+            <a:ext cx="2218267" cy="1041401"/>
+          </a:xfrm>
+          <a:prstGeom prst="roundRect">
+            <a:avLst/>
+          </a:prstGeom>
+          <a:solidFill>
+            <a:schemeClr val="bg2"/>
+          </a:solidFill>
+          <a:ln>
+            <a:solidFill>
+              <a:schemeClr val="bg2"/>
+            </a:solidFill>
+          </a:ln>
+        </p:spPr>
+        <p:style>
+          <a:lnRef idx="2">
+            <a:schemeClr val="accent1">
+              <a:shade val="50000"/>
+            </a:schemeClr>
+          </a:lnRef>
+          <a:fillRef idx="1">
+            <a:schemeClr val="accent1"/>
+          </a:fillRef>
+          <a:effectRef idx="0">
+            <a:schemeClr val="accent1"/>
+          </a:effectRef>
+          <a:fontRef idx="minor">
+            <a:schemeClr val="lt1"/>
+          </a:fontRef>
+        </p:style>
+        <p:txBody>
+          <a:bodyPr rtlCol="0" anchor="ctr"/>
+          <a:lstStyle/>
+          <a:p>
+            <a:r>
+              <a:rPr lang="en-US" altLang="zh-TW" dirty="0">
+                <a:solidFill>
+                  <a:schemeClr val="tx1"/>
+                </a:solidFill>
+              </a:rPr>
+              <a:t>Simulation</a:t>
+            </a:r>
+          </a:p>
+          <a:p>
+            <a:pPr marL="285750" indent="-285750">
+              <a:buFont typeface="Arial" panose="020B0604020202020204" pitchFamily="34" charset="0"/>
+              <a:buChar char="•"/>
+            </a:pPr>
+            <a:r>
+              <a:rPr lang="en-US" altLang="zh-TW" sz="1600" dirty="0">
+                <a:solidFill>
+                  <a:schemeClr val="tx1"/>
+                </a:solidFill>
+              </a:rPr>
+              <a:t>Scenarios setting</a:t>
+            </a:r>
+          </a:p>
+          <a:p>
+            <a:pPr marL="285750" indent="-285750">
+              <a:buFont typeface="Arial" panose="020B0604020202020204" pitchFamily="34" charset="0"/>
+              <a:buChar char="•"/>
+            </a:pPr>
+            <a:r>
+              <a:rPr lang="en-US" altLang="zh-TW" sz="1600" dirty="0">
+                <a:solidFill>
+                  <a:schemeClr val="tx1"/>
+                </a:solidFill>
+              </a:rPr>
+              <a:t>Visualization</a:t>
+            </a:r>
+          </a:p>
+          <a:p>
+            <a:pPr marL="285750" indent="-285750">
+              <a:buFont typeface="Arial" panose="020B0604020202020204" pitchFamily="34" charset="0"/>
+              <a:buChar char="•"/>
+            </a:pPr>
+            <a:r>
+              <a:rPr lang="en-US" altLang="zh-TW" sz="1600" dirty="0">
+                <a:solidFill>
+                  <a:schemeClr val="tx1"/>
+                </a:solidFill>
+              </a:rPr>
+              <a:t>recording</a:t>
+            </a:r>
+            <a:endParaRPr lang="zh-TW" altLang="en-US" sz="1600" dirty="0">
+              <a:solidFill>
+                <a:schemeClr val="tx1"/>
+              </a:solidFill>
+            </a:endParaRPr>
+          </a:p>
+        </p:txBody>
+      </p:sp>
+      <p:sp>
+        <p:nvSpPr>
+          <p:cNvPr id="10" name="矩形: 圓角 9">
+            <a:extLst>
+              <a:ext uri="{FF2B5EF4-FFF2-40B4-BE49-F238E27FC236}">
+                <a16:creationId xmlns:a16="http://schemas.microsoft.com/office/drawing/2014/main" id="{B0000A54-7D36-4A71-95E9-63620B64C29F}"/>
+              </a:ext>
+            </a:extLst>
+          </p:cNvPr>
+          <p:cNvSpPr/>
+          <p:nvPr/>
+        </p:nvSpPr>
+        <p:spPr>
+          <a:xfrm>
+            <a:off x="6493935" y="4195234"/>
+            <a:ext cx="2218267" cy="1041401"/>
+          </a:xfrm>
+          <a:prstGeom prst="roundRect">
+            <a:avLst/>
+          </a:prstGeom>
+          <a:solidFill>
+            <a:schemeClr val="bg2"/>
+          </a:solidFill>
+          <a:ln>
+            <a:solidFill>
+              <a:schemeClr val="bg2"/>
+            </a:solidFill>
+          </a:ln>
+        </p:spPr>
+        <p:style>
+          <a:lnRef idx="2">
+            <a:schemeClr val="accent1">
+              <a:shade val="50000"/>
+            </a:schemeClr>
+          </a:lnRef>
+          <a:fillRef idx="1">
+            <a:schemeClr val="accent1"/>
+          </a:fillRef>
+          <a:effectRef idx="0">
+            <a:schemeClr val="accent1"/>
+          </a:effectRef>
+          <a:fontRef idx="minor">
+            <a:schemeClr val="lt1"/>
+          </a:fontRef>
+        </p:style>
+        <p:txBody>
+          <a:bodyPr rtlCol="0" anchor="ctr"/>
+          <a:lstStyle/>
+          <a:p>
+            <a:r>
+              <a:rPr lang="en-US" altLang="zh-TW" dirty="0">
+                <a:solidFill>
+                  <a:schemeClr val="tx1"/>
+                </a:solidFill>
+              </a:rPr>
+              <a:t>MPC</a:t>
+            </a:r>
+          </a:p>
+          <a:p>
+            <a:pPr marL="285750" indent="-285750">
+              <a:buFont typeface="Arial" panose="020B0604020202020204" pitchFamily="34" charset="0"/>
+              <a:buChar char="•"/>
+            </a:pPr>
+            <a:r>
+              <a:rPr lang="en-US" altLang="zh-TW" sz="1600" dirty="0">
+                <a:solidFill>
+                  <a:schemeClr val="tx1"/>
+                </a:solidFill>
+              </a:rPr>
+              <a:t>Objective function</a:t>
+            </a:r>
+          </a:p>
+          <a:p>
+            <a:pPr marL="285750" indent="-285750">
+              <a:buFont typeface="Arial" panose="020B0604020202020204" pitchFamily="34" charset="0"/>
+              <a:buChar char="•"/>
+            </a:pPr>
+            <a:r>
+              <a:rPr lang="en-US" altLang="zh-TW" sz="1600" dirty="0">
+                <a:solidFill>
+                  <a:schemeClr val="tx1"/>
+                </a:solidFill>
+              </a:rPr>
+              <a:t>VO Constraints </a:t>
+            </a:r>
+          </a:p>
+          <a:p>
+            <a:pPr marL="285750" indent="-285750">
+              <a:buFont typeface="Arial" panose="020B0604020202020204" pitchFamily="34" charset="0"/>
+              <a:buChar char="•"/>
+            </a:pPr>
+            <a:r>
+              <a:rPr lang="en-US" altLang="zh-TW" sz="1600" dirty="0">
+                <a:solidFill>
+                  <a:schemeClr val="tx1"/>
+                </a:solidFill>
+              </a:rPr>
+              <a:t>Send velocity cmd</a:t>
+            </a:r>
+          </a:p>
+        </p:txBody>
+      </p:sp>
+      <p:pic>
+        <p:nvPicPr>
+          <p:cNvPr id="1030" name="Picture 6" descr="C++ - 維基百科，自由的百科全書">
+            <a:extLst>
+              <a:ext uri="{FF2B5EF4-FFF2-40B4-BE49-F238E27FC236}">
+                <a16:creationId xmlns:a16="http://schemas.microsoft.com/office/drawing/2014/main" id="{FB3A3F27-1A9E-4FA0-BD84-12FCD03B60E5}"/>
+              </a:ext>
+            </a:extLst>
+          </p:cNvPr>
+          <p:cNvPicPr>
+            <a:picLocks noChangeAspect="1" noChangeArrowheads="1"/>
+          </p:cNvPicPr>
+          <p:nvPr/>
+        </p:nvPicPr>
+        <p:blipFill>
+          <a:blip r:embed="rId3">
+            <a:extLst>
+              <a:ext uri="{28A0092B-C50C-407E-A947-70E740481C1C}">
+                <a14:useLocalDpi xmlns:a14="http://schemas.microsoft.com/office/drawing/2010/main" val="0"/>
+              </a:ext>
+            </a:extLst>
+          </a:blip>
+          <a:srcRect/>
+          <a:stretch>
+            <a:fillRect/>
+          </a:stretch>
+        </p:blipFill>
+        <p:spPr bwMode="auto">
+          <a:xfrm>
+            <a:off x="6825214" y="1540299"/>
+            <a:ext cx="752455" cy="847395"/>
+          </a:xfrm>
+          <a:prstGeom prst="rect">
+            <a:avLst/>
+          </a:prstGeom>
+          <a:noFill/>
+          <a:extLst>
+            <a:ext uri="{909E8E84-426E-40DD-AFC4-6F175D3DCCD1}">
+              <a14:hiddenFill xmlns:a14="http://schemas.microsoft.com/office/drawing/2010/main">
+                <a:solidFill>
+                  <a:srgbClr val="FFFFFF"/>
+                </a:solidFill>
+              </a14:hiddenFill>
+            </a:ext>
+          </a:extLst>
+        </p:spPr>
+      </p:pic>
+      <p:pic>
+        <p:nvPicPr>
+          <p:cNvPr id="1032" name="Picture 8" descr="CasADi">
+            <a:extLst>
+              <a:ext uri="{FF2B5EF4-FFF2-40B4-BE49-F238E27FC236}">
+                <a16:creationId xmlns:a16="http://schemas.microsoft.com/office/drawing/2014/main" id="{A9BA721F-A42E-4A82-8881-850C7988A83E}"/>
+              </a:ext>
+            </a:extLst>
+          </p:cNvPr>
+          <p:cNvPicPr>
+            <a:picLocks noChangeAspect="1" noChangeArrowheads="1"/>
+          </p:cNvPicPr>
+          <p:nvPr/>
+        </p:nvPicPr>
+        <p:blipFill>
+          <a:blip r:embed="rId4">
+            <a:extLst>
+              <a:ext uri="{28A0092B-C50C-407E-A947-70E740481C1C}">
+                <a14:useLocalDpi xmlns:a14="http://schemas.microsoft.com/office/drawing/2010/main" val="0"/>
+              </a:ext>
+            </a:extLst>
+          </a:blip>
+          <a:srcRect/>
+          <a:stretch>
+            <a:fillRect/>
+          </a:stretch>
+        </p:blipFill>
+        <p:spPr bwMode="auto">
+          <a:xfrm>
+            <a:off x="6690784" y="2717381"/>
+            <a:ext cx="1824567" cy="415467"/>
+          </a:xfrm>
+          <a:prstGeom prst="rect">
+            <a:avLst/>
+          </a:prstGeom>
+          <a:noFill/>
+          <a:extLst>
+            <a:ext uri="{909E8E84-426E-40DD-AFC4-6F175D3DCCD1}">
+              <a14:hiddenFill xmlns:a14="http://schemas.microsoft.com/office/drawing/2010/main">
+                <a:solidFill>
+                  <a:srgbClr val="FFFFFF"/>
+                </a:solidFill>
+              </a14:hiddenFill>
+            </a:ext>
+          </a:extLst>
+        </p:spPr>
+      </p:pic>
+      <p:sp>
+        <p:nvSpPr>
+          <p:cNvPr id="7" name="文字方塊 6">
+            <a:extLst>
+              <a:ext uri="{FF2B5EF4-FFF2-40B4-BE49-F238E27FC236}">
+                <a16:creationId xmlns:a16="http://schemas.microsoft.com/office/drawing/2014/main" id="{49351321-2DB0-4686-94EC-C1B4251A9596}"/>
+              </a:ext>
+            </a:extLst>
+          </p:cNvPr>
+          <p:cNvSpPr txBox="1"/>
+          <p:nvPr/>
+        </p:nvSpPr>
+        <p:spPr>
+          <a:xfrm>
+            <a:off x="7679267" y="1794933"/>
+            <a:ext cx="618066" cy="369332"/>
+          </a:xfrm>
+          <a:prstGeom prst="rect">
+            <a:avLst/>
+          </a:prstGeom>
+          <a:noFill/>
+        </p:spPr>
+        <p:txBody>
+          <a:bodyPr wrap="square" rtlCol="0">
+            <a:spAutoFit/>
+          </a:bodyPr>
+          <a:lstStyle/>
+          <a:p>
+            <a:r>
+              <a:rPr lang="en-US" altLang="zh-TW" dirty="0"/>
+              <a:t>C++</a:t>
+            </a:r>
+            <a:endParaRPr lang="zh-TW" altLang="en-US" dirty="0"/>
+          </a:p>
+        </p:txBody>
+      </p:sp>
+      <p:pic>
+        <p:nvPicPr>
+          <p:cNvPr id="1034" name="Picture 10" descr="AVT-SVT / public / thirdparty / ipopt · GitLab">
+            <a:extLst>
+              <a:ext uri="{FF2B5EF4-FFF2-40B4-BE49-F238E27FC236}">
+                <a16:creationId xmlns:a16="http://schemas.microsoft.com/office/drawing/2014/main" id="{DF53F0B5-25F6-44B9-AEE7-F3503EC79562}"/>
+              </a:ext>
+            </a:extLst>
+          </p:cNvPr>
+          <p:cNvPicPr>
+            <a:picLocks noChangeAspect="1" noChangeArrowheads="1"/>
+          </p:cNvPicPr>
+          <p:nvPr/>
+        </p:nvPicPr>
+        <p:blipFill>
+          <a:blip r:embed="rId5">
+            <a:extLst>
+              <a:ext uri="{28A0092B-C50C-407E-A947-70E740481C1C}">
+                <a14:useLocalDpi xmlns:a14="http://schemas.microsoft.com/office/drawing/2010/main" val="0"/>
+              </a:ext>
+            </a:extLst>
+          </a:blip>
+          <a:srcRect/>
+          <a:stretch>
+            <a:fillRect/>
+          </a:stretch>
+        </p:blipFill>
+        <p:spPr bwMode="auto">
+          <a:xfrm>
+            <a:off x="6898217" y="3380233"/>
+            <a:ext cx="1562100" cy="779016"/>
+          </a:xfrm>
+          <a:prstGeom prst="rect">
+            <a:avLst/>
+          </a:prstGeom>
+          <a:noFill/>
+          <a:extLst>
+            <a:ext uri="{909E8E84-426E-40DD-AFC4-6F175D3DCCD1}">
+              <a14:hiddenFill xmlns:a14="http://schemas.microsoft.com/office/drawing/2010/main">
+                <a:solidFill>
+                  <a:srgbClr val="FFFFFF"/>
+                </a:solidFill>
+              </a14:hiddenFill>
+            </a:ext>
+          </a:extLst>
+        </p:spPr>
+      </p:pic>
+      <p:sp>
+        <p:nvSpPr>
+          <p:cNvPr id="11" name="十字形 10">
+            <a:extLst>
+              <a:ext uri="{FF2B5EF4-FFF2-40B4-BE49-F238E27FC236}">
+                <a16:creationId xmlns:a16="http://schemas.microsoft.com/office/drawing/2014/main" id="{3F430C2A-690D-4EA3-8BE1-00ECA871049F}"/>
+              </a:ext>
+            </a:extLst>
+          </p:cNvPr>
+          <p:cNvSpPr/>
+          <p:nvPr/>
+        </p:nvSpPr>
+        <p:spPr>
+          <a:xfrm>
+            <a:off x="7499267" y="3132848"/>
+            <a:ext cx="360000" cy="360000"/>
+          </a:xfrm>
+          <a:prstGeom prst="plus">
+            <a:avLst>
+              <a:gd name="adj" fmla="val 38151"/>
+            </a:avLst>
+          </a:prstGeom>
+          <a:solidFill>
+            <a:srgbClr val="DC0000"/>
+          </a:solidFill>
+          <a:ln>
+            <a:solidFill>
+              <a:srgbClr val="FF0000"/>
+            </a:solidFill>
+          </a:ln>
+        </p:spPr>
+        <p:style>
+          <a:lnRef idx="2">
+            <a:schemeClr val="accent1">
+              <a:shade val="50000"/>
+            </a:schemeClr>
+          </a:lnRef>
+          <a:fillRef idx="1">
+            <a:schemeClr val="accent1"/>
+          </a:fillRef>
+          <a:effectRef idx="0">
+            <a:schemeClr val="accent1"/>
+          </a:effectRef>
+          <a:fontRef idx="minor">
+            <a:schemeClr val="lt1"/>
+          </a:fontRef>
+        </p:style>
+        <p:txBody>
+          <a:bodyPr rtlCol="0" anchor="ctr"/>
+          <a:lstStyle/>
+          <a:p>
+            <a:pPr algn="ctr"/>
+            <a:endParaRPr lang="zh-TW" altLang="en-US"/>
+          </a:p>
+        </p:txBody>
+      </p:sp>
+      <p:cxnSp>
+        <p:nvCxnSpPr>
+          <p:cNvPr id="13" name="直線單箭頭接點 12">
+            <a:extLst>
+              <a:ext uri="{FF2B5EF4-FFF2-40B4-BE49-F238E27FC236}">
+                <a16:creationId xmlns:a16="http://schemas.microsoft.com/office/drawing/2014/main" id="{E387B9C1-A4ED-44E3-B9C1-D7D79BEC8D87}"/>
+              </a:ext>
+            </a:extLst>
+          </p:cNvPr>
+          <p:cNvCxnSpPr/>
+          <p:nvPr/>
+        </p:nvCxnSpPr>
+        <p:spPr>
+          <a:xfrm>
+            <a:off x="4597399" y="2164265"/>
+            <a:ext cx="1896536" cy="0"/>
+          </a:xfrm>
+          <a:prstGeom prst="straightConnector1">
+            <a:avLst/>
+          </a:prstGeom>
+          <a:ln w="38100">
+            <a:solidFill>
+              <a:schemeClr val="tx1"/>
+            </a:solidFill>
+            <a:tailEnd type="triangle"/>
+          </a:ln>
+        </p:spPr>
+        <p:style>
+          <a:lnRef idx="1">
+            <a:schemeClr val="accent1"/>
+          </a:lnRef>
+          <a:fillRef idx="0">
+            <a:schemeClr val="accent1"/>
+          </a:fillRef>
+          <a:effectRef idx="0">
+            <a:schemeClr val="accent1"/>
+          </a:effectRef>
+          <a:fontRef idx="minor">
+            <a:schemeClr val="tx1"/>
+          </a:fontRef>
+        </p:style>
+      </p:cxnSp>
+      <p:sp>
+        <p:nvSpPr>
+          <p:cNvPr id="14" name="文字方塊 13">
+            <a:extLst>
+              <a:ext uri="{FF2B5EF4-FFF2-40B4-BE49-F238E27FC236}">
+                <a16:creationId xmlns:a16="http://schemas.microsoft.com/office/drawing/2014/main" id="{E553CD45-315A-44DD-98A0-7CC190811727}"/>
+              </a:ext>
+            </a:extLst>
+          </p:cNvPr>
+          <p:cNvSpPr txBox="1"/>
+          <p:nvPr/>
+        </p:nvSpPr>
+        <p:spPr>
+          <a:xfrm>
+            <a:off x="4928678" y="1779330"/>
+            <a:ext cx="1329271" cy="369332"/>
+          </a:xfrm>
+          <a:prstGeom prst="rect">
+            <a:avLst/>
+          </a:prstGeom>
+          <a:noFill/>
+        </p:spPr>
+        <p:txBody>
+          <a:bodyPr wrap="square" rtlCol="0">
+            <a:spAutoFit/>
+          </a:bodyPr>
+          <a:lstStyle/>
+          <a:p>
+            <a:r>
+              <a:rPr lang="en-US" altLang="zh-TW" dirty="0"/>
+              <a:t>Parameters</a:t>
+            </a:r>
+            <a:endParaRPr lang="zh-TW" altLang="en-US" dirty="0"/>
+          </a:p>
+        </p:txBody>
+      </p:sp>
+      <p:cxnSp>
+        <p:nvCxnSpPr>
+          <p:cNvPr id="20" name="直線單箭頭接點 19">
+            <a:extLst>
+              <a:ext uri="{FF2B5EF4-FFF2-40B4-BE49-F238E27FC236}">
+                <a16:creationId xmlns:a16="http://schemas.microsoft.com/office/drawing/2014/main" id="{E60AAA33-6EE8-4F20-AF69-E8DA81CC3445}"/>
+              </a:ext>
+            </a:extLst>
+          </p:cNvPr>
+          <p:cNvCxnSpPr>
+            <a:cxnSpLocks/>
+          </p:cNvCxnSpPr>
+          <p:nvPr/>
+        </p:nvCxnSpPr>
+        <p:spPr>
+          <a:xfrm flipH="1">
+            <a:off x="4588933" y="3492848"/>
+            <a:ext cx="1896536" cy="0"/>
+          </a:xfrm>
+          <a:prstGeom prst="straightConnector1">
+            <a:avLst/>
+          </a:prstGeom>
+          <a:ln w="38100">
+            <a:solidFill>
+              <a:schemeClr val="tx1"/>
+            </a:solidFill>
+            <a:tailEnd type="triangle"/>
+          </a:ln>
+        </p:spPr>
+        <p:style>
+          <a:lnRef idx="1">
+            <a:schemeClr val="accent1"/>
+          </a:lnRef>
+          <a:fillRef idx="0">
+            <a:schemeClr val="accent1"/>
+          </a:fillRef>
+          <a:effectRef idx="0">
+            <a:schemeClr val="accent1"/>
+          </a:effectRef>
+          <a:fontRef idx="minor">
+            <a:schemeClr val="tx1"/>
+          </a:fontRef>
+        </p:style>
+      </p:cxnSp>
+      <p:sp>
+        <p:nvSpPr>
+          <p:cNvPr id="15" name="文字方塊 14">
+            <a:extLst>
+              <a:ext uri="{FF2B5EF4-FFF2-40B4-BE49-F238E27FC236}">
+                <a16:creationId xmlns:a16="http://schemas.microsoft.com/office/drawing/2014/main" id="{7A64EF3D-86FD-4704-9AE3-F60ECD62A09D}"/>
+              </a:ext>
+            </a:extLst>
+          </p:cNvPr>
+          <p:cNvSpPr txBox="1"/>
+          <p:nvPr/>
+        </p:nvSpPr>
+        <p:spPr>
+          <a:xfrm>
+            <a:off x="4690700" y="3159217"/>
+            <a:ext cx="2360000" cy="369332"/>
+          </a:xfrm>
+          <a:prstGeom prst="rect">
+            <a:avLst/>
+          </a:prstGeom>
+          <a:noFill/>
+        </p:spPr>
+        <p:txBody>
+          <a:bodyPr wrap="square" rtlCol="0">
+            <a:spAutoFit/>
+          </a:bodyPr>
+          <a:lstStyle/>
+          <a:p>
+            <a:r>
+              <a:rPr lang="en-US" altLang="zh-TW" dirty="0"/>
+              <a:t>Optimized results</a:t>
+            </a:r>
+            <a:endParaRPr lang="zh-TW" altLang="en-US" dirty="0"/>
+          </a:p>
+        </p:txBody>
+      </p:sp>
+    </p:spTree>
+    <p:extLst>
+      <p:ext uri="{BB962C8B-B14F-4D97-AF65-F5344CB8AC3E}">
+        <p14:creationId xmlns:p14="http://schemas.microsoft.com/office/powerpoint/2010/main" val="1330069478"/>
       </p:ext>
     </p:extLst>
   </p:cSld>

--- a/path_planing/VO_code_try/robot_properties3.pptx
+++ b/path_planing/VO_code_try/robot_properties3.pptx
@@ -36,6 +36,7 @@
     <p:sldId id="284" r:id="rId30"/>
     <p:sldId id="285" r:id="rId31"/>
     <p:sldId id="286" r:id="rId32"/>
+    <p:sldId id="287" r:id="rId33"/>
   </p:sldIdLst>
   <p:sldSz cx="12192000" cy="6858000"/>
   <p:notesSz cx="6858000" cy="9144000"/>
@@ -289,7 +290,7 @@
           <a:p>
             <a:fld id="{9CD1F5AD-FE1B-4540-B598-52220A64164D}" type="datetimeFigureOut">
               <a:rPr lang="zh-TW" altLang="en-US" smtClean="0"/>
-              <a:t>2025/1/20</a:t>
+              <a:t>2025/2/17</a:t>
             </a:fld>
             <a:endParaRPr lang="zh-TW" altLang="en-US"/>
           </a:p>
@@ -487,7 +488,7 @@
           <a:p>
             <a:fld id="{9CD1F5AD-FE1B-4540-B598-52220A64164D}" type="datetimeFigureOut">
               <a:rPr lang="zh-TW" altLang="en-US" smtClean="0"/>
-              <a:t>2025/1/20</a:t>
+              <a:t>2025/2/17</a:t>
             </a:fld>
             <a:endParaRPr lang="zh-TW" altLang="en-US"/>
           </a:p>
@@ -695,7 +696,7 @@
           <a:p>
             <a:fld id="{9CD1F5AD-FE1B-4540-B598-52220A64164D}" type="datetimeFigureOut">
               <a:rPr lang="zh-TW" altLang="en-US" smtClean="0"/>
-              <a:t>2025/1/20</a:t>
+              <a:t>2025/2/17</a:t>
             </a:fld>
             <a:endParaRPr lang="zh-TW" altLang="en-US"/>
           </a:p>
@@ -893,7 +894,7 @@
           <a:p>
             <a:fld id="{9CD1F5AD-FE1B-4540-B598-52220A64164D}" type="datetimeFigureOut">
               <a:rPr lang="zh-TW" altLang="en-US" smtClean="0"/>
-              <a:t>2025/1/20</a:t>
+              <a:t>2025/2/17</a:t>
             </a:fld>
             <a:endParaRPr lang="zh-TW" altLang="en-US"/>
           </a:p>
@@ -1168,7 +1169,7 @@
           <a:p>
             <a:fld id="{9CD1F5AD-FE1B-4540-B598-52220A64164D}" type="datetimeFigureOut">
               <a:rPr lang="zh-TW" altLang="en-US" smtClean="0"/>
-              <a:t>2025/1/20</a:t>
+              <a:t>2025/2/17</a:t>
             </a:fld>
             <a:endParaRPr lang="zh-TW" altLang="en-US"/>
           </a:p>
@@ -1433,7 +1434,7 @@
           <a:p>
             <a:fld id="{9CD1F5AD-FE1B-4540-B598-52220A64164D}" type="datetimeFigureOut">
               <a:rPr lang="zh-TW" altLang="en-US" smtClean="0"/>
-              <a:t>2025/1/20</a:t>
+              <a:t>2025/2/17</a:t>
             </a:fld>
             <a:endParaRPr lang="zh-TW" altLang="en-US"/>
           </a:p>
@@ -1845,7 +1846,7 @@
           <a:p>
             <a:fld id="{9CD1F5AD-FE1B-4540-B598-52220A64164D}" type="datetimeFigureOut">
               <a:rPr lang="zh-TW" altLang="en-US" smtClean="0"/>
-              <a:t>2025/1/20</a:t>
+              <a:t>2025/2/17</a:t>
             </a:fld>
             <a:endParaRPr lang="zh-TW" altLang="en-US"/>
           </a:p>
@@ -1986,7 +1987,7 @@
           <a:p>
             <a:fld id="{9CD1F5AD-FE1B-4540-B598-52220A64164D}" type="datetimeFigureOut">
               <a:rPr lang="zh-TW" altLang="en-US" smtClean="0"/>
-              <a:t>2025/1/20</a:t>
+              <a:t>2025/2/17</a:t>
             </a:fld>
             <a:endParaRPr lang="zh-TW" altLang="en-US"/>
           </a:p>
@@ -2099,7 +2100,7 @@
           <a:p>
             <a:fld id="{9CD1F5AD-FE1B-4540-B598-52220A64164D}" type="datetimeFigureOut">
               <a:rPr lang="zh-TW" altLang="en-US" smtClean="0"/>
-              <a:t>2025/1/20</a:t>
+              <a:t>2025/2/17</a:t>
             </a:fld>
             <a:endParaRPr lang="zh-TW" altLang="en-US"/>
           </a:p>
@@ -2410,7 +2411,7 @@
           <a:p>
             <a:fld id="{9CD1F5AD-FE1B-4540-B598-52220A64164D}" type="datetimeFigureOut">
               <a:rPr lang="zh-TW" altLang="en-US" smtClean="0"/>
-              <a:t>2025/1/20</a:t>
+              <a:t>2025/2/17</a:t>
             </a:fld>
             <a:endParaRPr lang="zh-TW" altLang="en-US"/>
           </a:p>
@@ -2698,7 +2699,7 @@
           <a:p>
             <a:fld id="{9CD1F5AD-FE1B-4540-B598-52220A64164D}" type="datetimeFigureOut">
               <a:rPr lang="zh-TW" altLang="en-US" smtClean="0"/>
-              <a:t>2025/1/20</a:t>
+              <a:t>2025/2/17</a:t>
             </a:fld>
             <a:endParaRPr lang="zh-TW" altLang="en-US"/>
           </a:p>
@@ -2939,7 +2940,7 @@
           <a:p>
             <a:fld id="{9CD1F5AD-FE1B-4540-B598-52220A64164D}" type="datetimeFigureOut">
               <a:rPr lang="zh-TW" altLang="en-US" smtClean="0"/>
-              <a:t>2025/1/20</a:t>
+              <a:t>2025/2/17</a:t>
             </a:fld>
             <a:endParaRPr lang="zh-TW" altLang="en-US"/>
           </a:p>
@@ -28256,8 +28257,8 @@
           </a:p>
         </p:txBody>
       </p:sp>
-      <mc:AlternateContent xmlns:mc="http://schemas.openxmlformats.org/markup-compatibility/2006">
-        <mc:Choice xmlns:a14="http://schemas.microsoft.com/office/drawing/2010/main" Requires="a14">
+      <mc:AlternateContent xmlns:mc="http://schemas.openxmlformats.org/markup-compatibility/2006" xmlns:a14="http://schemas.microsoft.com/office/drawing/2010/main">
+        <mc:Choice Requires="a14">
           <p:sp>
             <p:nvSpPr>
               <p:cNvPr id="23" name="文字方塊 22">
@@ -28286,6 +28287,7 @@
               </a:bodyPr>
               <a:lstStyle/>
               <a:p>
+                <a:pPr/>
                 <a14:m>
                   <m:oMathPara xmlns:m="http://schemas.openxmlformats.org/officeDocument/2006/math">
                     <m:oMathParaPr>
@@ -28306,7 +28308,7 @@
             </p:txBody>
           </p:sp>
         </mc:Choice>
-        <mc:Fallback>
+        <mc:Fallback xmlns="">
           <p:sp>
             <p:nvSpPr>
               <p:cNvPr id="23" name="文字方塊 22">
@@ -28403,8 +28405,8 @@
           </a:p>
         </p:txBody>
       </p:sp>
-      <mc:AlternateContent xmlns:mc="http://schemas.openxmlformats.org/markup-compatibility/2006">
-        <mc:Choice xmlns:a14="http://schemas.microsoft.com/office/drawing/2010/main" Requires="a14">
+      <mc:AlternateContent xmlns:mc="http://schemas.openxmlformats.org/markup-compatibility/2006" xmlns:a14="http://schemas.microsoft.com/office/drawing/2010/main">
+        <mc:Choice Requires="a14">
           <p:sp>
             <p:nvSpPr>
               <p:cNvPr id="25" name="文字方塊 24">
@@ -28433,6 +28435,7 @@
               </a:bodyPr>
               <a:lstStyle/>
               <a:p>
+                <a:pPr/>
                 <a14:m>
                   <m:oMathPara xmlns:m="http://schemas.openxmlformats.org/officeDocument/2006/math">
                     <m:oMathParaPr>
@@ -28453,7 +28456,7 @@
             </p:txBody>
           </p:sp>
         </mc:Choice>
-        <mc:Fallback>
+        <mc:Fallback xmlns="">
           <p:sp>
             <p:nvSpPr>
               <p:cNvPr id="25" name="文字方塊 24">
@@ -28498,8 +28501,8 @@
           </p:sp>
         </mc:Fallback>
       </mc:AlternateContent>
-      <mc:AlternateContent xmlns:mc="http://schemas.openxmlformats.org/markup-compatibility/2006">
-        <mc:Choice xmlns:a14="http://schemas.microsoft.com/office/drawing/2010/main" Requires="a14">
+      <mc:AlternateContent xmlns:mc="http://schemas.openxmlformats.org/markup-compatibility/2006" xmlns:a14="http://schemas.microsoft.com/office/drawing/2010/main">
+        <mc:Choice Requires="a14">
           <p:sp>
             <p:nvSpPr>
               <p:cNvPr id="26" name="文字方塊 25">
@@ -28528,6 +28531,7 @@
               </a:bodyPr>
               <a:lstStyle/>
               <a:p>
+                <a:pPr/>
                 <a14:m>
                   <m:oMathPara xmlns:m="http://schemas.openxmlformats.org/officeDocument/2006/math">
                     <m:oMathParaPr>
@@ -28567,7 +28571,7 @@
             </p:txBody>
           </p:sp>
         </mc:Choice>
-        <mc:Fallback>
+        <mc:Fallback xmlns="">
           <p:sp>
             <p:nvSpPr>
               <p:cNvPr id="26" name="文字方塊 25">
@@ -29184,8 +29188,8 @@
             </a:p>
           </p:txBody>
         </p:sp>
-        <mc:AlternateContent xmlns:mc="http://schemas.openxmlformats.org/markup-compatibility/2006">
-          <mc:Choice xmlns:a14="http://schemas.microsoft.com/office/drawing/2010/main" Requires="a14">
+        <mc:AlternateContent xmlns:mc="http://schemas.openxmlformats.org/markup-compatibility/2006" xmlns:a14="http://schemas.microsoft.com/office/drawing/2010/main">
+          <mc:Choice Requires="a14">
             <p:sp>
               <p:nvSpPr>
                 <p:cNvPr id="88" name="文字方塊 87">
@@ -29214,6 +29218,7 @@
                 </a:bodyPr>
                 <a:lstStyle/>
                 <a:p>
+                  <a:pPr/>
                   <a14:m>
                     <m:oMathPara xmlns:m="http://schemas.openxmlformats.org/officeDocument/2006/math">
                       <m:oMathParaPr>
@@ -29253,7 +29258,7 @@
               </p:txBody>
             </p:sp>
           </mc:Choice>
-          <mc:Fallback>
+          <mc:Fallback xmlns="">
             <p:sp>
               <p:nvSpPr>
                 <p:cNvPr id="88" name="文字方塊 87">
@@ -29501,8 +29506,8 @@
           </a:p>
         </p:txBody>
       </p:sp>
-      <mc:AlternateContent xmlns:mc="http://schemas.openxmlformats.org/markup-compatibility/2006">
-        <mc:Choice xmlns:a14="http://schemas.microsoft.com/office/drawing/2010/main" Requires="a14">
+      <mc:AlternateContent xmlns:mc="http://schemas.openxmlformats.org/markup-compatibility/2006" xmlns:a14="http://schemas.microsoft.com/office/drawing/2010/main">
+        <mc:Choice Requires="a14">
           <p:sp>
             <p:nvSpPr>
               <p:cNvPr id="139" name="文字方塊 138">
@@ -29531,6 +29536,7 @@
               </a:bodyPr>
               <a:lstStyle/>
               <a:p>
+                <a:pPr/>
                 <a14:m>
                   <m:oMathPara xmlns:m="http://schemas.openxmlformats.org/officeDocument/2006/math">
                     <m:oMathParaPr>
@@ -29551,7 +29557,7 @@
             </p:txBody>
           </p:sp>
         </mc:Choice>
-        <mc:Fallback>
+        <mc:Fallback xmlns="">
           <p:sp>
             <p:nvSpPr>
               <p:cNvPr id="139" name="文字方塊 138">
@@ -31131,8 +31137,8 @@
           </a:fontRef>
         </p:style>
       </p:cxnSp>
-      <mc:AlternateContent xmlns:mc="http://schemas.openxmlformats.org/markup-compatibility/2006">
-        <mc:Choice xmlns:a14="http://schemas.microsoft.com/office/drawing/2010/main" Requires="a14">
+      <mc:AlternateContent xmlns:mc="http://schemas.openxmlformats.org/markup-compatibility/2006" xmlns:a14="http://schemas.microsoft.com/office/drawing/2010/main">
+        <mc:Choice Requires="a14">
           <p:sp>
             <p:nvSpPr>
               <p:cNvPr id="35" name="文字方塊 34">
@@ -31161,6 +31167,7 @@
               </a:bodyPr>
               <a:lstStyle/>
               <a:p>
+                <a:pPr/>
                 <a14:m>
                   <m:oMathPara xmlns:m="http://schemas.openxmlformats.org/officeDocument/2006/math">
                     <m:oMathParaPr>
@@ -31200,7 +31207,7 @@
             </p:txBody>
           </p:sp>
         </mc:Choice>
-        <mc:Fallback>
+        <mc:Fallback xmlns="">
           <p:sp>
             <p:nvSpPr>
               <p:cNvPr id="35" name="文字方塊 34">
@@ -31245,8 +31252,8 @@
           </p:sp>
         </mc:Fallback>
       </mc:AlternateContent>
-      <mc:AlternateContent xmlns:mc="http://schemas.openxmlformats.org/markup-compatibility/2006">
-        <mc:Choice xmlns:a14="http://schemas.microsoft.com/office/drawing/2010/main" Requires="a14">
+      <mc:AlternateContent xmlns:mc="http://schemas.openxmlformats.org/markup-compatibility/2006" xmlns:a14="http://schemas.microsoft.com/office/drawing/2010/main">
+        <mc:Choice Requires="a14">
           <p:sp>
             <p:nvSpPr>
               <p:cNvPr id="37" name="文字方塊 36">
@@ -31275,6 +31282,7 @@
               </a:bodyPr>
               <a:lstStyle/>
               <a:p>
+                <a:pPr/>
                 <a14:m>
                   <m:oMathPara xmlns:m="http://schemas.openxmlformats.org/officeDocument/2006/math">
                     <m:oMathParaPr>
@@ -31314,7 +31322,7 @@
             </p:txBody>
           </p:sp>
         </mc:Choice>
-        <mc:Fallback>
+        <mc:Fallback xmlns="">
           <p:sp>
             <p:nvSpPr>
               <p:cNvPr id="37" name="文字方塊 36">
@@ -31359,8 +31367,8 @@
           </p:sp>
         </mc:Fallback>
       </mc:AlternateContent>
-      <mc:AlternateContent xmlns:mc="http://schemas.openxmlformats.org/markup-compatibility/2006">
-        <mc:Choice xmlns:a14="http://schemas.microsoft.com/office/drawing/2010/main" Requires="a14">
+      <mc:AlternateContent xmlns:mc="http://schemas.openxmlformats.org/markup-compatibility/2006" xmlns:a14="http://schemas.microsoft.com/office/drawing/2010/main">
+        <mc:Choice Requires="a14">
           <p:sp>
             <p:nvSpPr>
               <p:cNvPr id="38" name="文字方塊 37">
@@ -31389,6 +31397,7 @@
               </a:bodyPr>
               <a:lstStyle/>
               <a:p>
+                <a:pPr/>
                 <a14:m>
                   <m:oMathPara xmlns:m="http://schemas.openxmlformats.org/officeDocument/2006/math">
                     <m:oMathParaPr>
@@ -31428,7 +31437,7 @@
             </p:txBody>
           </p:sp>
         </mc:Choice>
-        <mc:Fallback>
+        <mc:Fallback xmlns="">
           <p:sp>
             <p:nvSpPr>
               <p:cNvPr id="38" name="文字方塊 37">
@@ -31473,8 +31482,8 @@
           </p:sp>
         </mc:Fallback>
       </mc:AlternateContent>
-      <mc:AlternateContent xmlns:mc="http://schemas.openxmlformats.org/markup-compatibility/2006">
-        <mc:Choice xmlns:a14="http://schemas.microsoft.com/office/drawing/2010/main" Requires="a14">
+      <mc:AlternateContent xmlns:mc="http://schemas.openxmlformats.org/markup-compatibility/2006" xmlns:a14="http://schemas.microsoft.com/office/drawing/2010/main">
+        <mc:Choice Requires="a14">
           <p:sp>
             <p:nvSpPr>
               <p:cNvPr id="39" name="文字方塊 38">
@@ -31503,6 +31512,7 @@
               </a:bodyPr>
               <a:lstStyle/>
               <a:p>
+                <a:pPr/>
                 <a14:m>
                   <m:oMathPara xmlns:m="http://schemas.openxmlformats.org/officeDocument/2006/math">
                     <m:oMathParaPr>
@@ -31542,7 +31552,7 @@
             </p:txBody>
           </p:sp>
         </mc:Choice>
-        <mc:Fallback>
+        <mc:Fallback xmlns="">
           <p:sp>
             <p:nvSpPr>
               <p:cNvPr id="39" name="文字方塊 38">
@@ -31587,8 +31597,8 @@
           </p:sp>
         </mc:Fallback>
       </mc:AlternateContent>
-      <mc:AlternateContent xmlns:mc="http://schemas.openxmlformats.org/markup-compatibility/2006">
-        <mc:Choice xmlns:a14="http://schemas.microsoft.com/office/drawing/2010/main" Requires="a14">
+      <mc:AlternateContent xmlns:mc="http://schemas.openxmlformats.org/markup-compatibility/2006" xmlns:a14="http://schemas.microsoft.com/office/drawing/2010/main">
+        <mc:Choice Requires="a14">
           <p:sp>
             <p:nvSpPr>
               <p:cNvPr id="40" name="文字方塊 39">
@@ -31617,6 +31627,7 @@
               </a:bodyPr>
               <a:lstStyle/>
               <a:p>
+                <a:pPr/>
                 <a14:m>
                   <m:oMathPara xmlns:m="http://schemas.openxmlformats.org/officeDocument/2006/math">
                     <m:oMathParaPr>
@@ -31680,7 +31691,7 @@
             </p:txBody>
           </p:sp>
         </mc:Choice>
-        <mc:Fallback>
+        <mc:Fallback xmlns="">
           <p:sp>
             <p:nvSpPr>
               <p:cNvPr id="40" name="文字方塊 39">
@@ -31725,8 +31736,8 @@
           </p:sp>
         </mc:Fallback>
       </mc:AlternateContent>
-      <mc:AlternateContent xmlns:mc="http://schemas.openxmlformats.org/markup-compatibility/2006">
-        <mc:Choice xmlns:a14="http://schemas.microsoft.com/office/drawing/2010/main" Requires="a14">
+      <mc:AlternateContent xmlns:mc="http://schemas.openxmlformats.org/markup-compatibility/2006" xmlns:a14="http://schemas.microsoft.com/office/drawing/2010/main">
+        <mc:Choice Requires="a14">
           <p:sp>
             <p:nvSpPr>
               <p:cNvPr id="42" name="文字方塊 41">
@@ -31755,6 +31766,7 @@
               </a:bodyPr>
               <a:lstStyle/>
               <a:p>
+                <a:pPr/>
                 <a14:m>
                   <m:oMathPara xmlns:m="http://schemas.openxmlformats.org/officeDocument/2006/math">
                     <m:oMathParaPr>
@@ -31818,7 +31830,7 @@
             </p:txBody>
           </p:sp>
         </mc:Choice>
-        <mc:Fallback>
+        <mc:Fallback xmlns="">
           <p:sp>
             <p:nvSpPr>
               <p:cNvPr id="42" name="文字方塊 41">
@@ -31863,8 +31875,8 @@
           </p:sp>
         </mc:Fallback>
       </mc:AlternateContent>
-      <mc:AlternateContent xmlns:mc="http://schemas.openxmlformats.org/markup-compatibility/2006">
-        <mc:Choice xmlns:a14="http://schemas.microsoft.com/office/drawing/2010/main" Requires="a14">
+      <mc:AlternateContent xmlns:mc="http://schemas.openxmlformats.org/markup-compatibility/2006" xmlns:a14="http://schemas.microsoft.com/office/drawing/2010/main">
+        <mc:Choice Requires="a14">
           <p:sp>
             <p:nvSpPr>
               <p:cNvPr id="43" name="文字方塊 42">
@@ -31893,6 +31905,7 @@
               </a:bodyPr>
               <a:lstStyle/>
               <a:p>
+                <a:pPr/>
                 <a14:m>
                   <m:oMathPara xmlns:m="http://schemas.openxmlformats.org/officeDocument/2006/math">
                     <m:oMathParaPr>
@@ -31956,7 +31969,7 @@
             </p:txBody>
           </p:sp>
         </mc:Choice>
-        <mc:Fallback>
+        <mc:Fallback xmlns="">
           <p:sp>
             <p:nvSpPr>
               <p:cNvPr id="43" name="文字方塊 42">
@@ -32171,8 +32184,8 @@
           </a:fontRef>
         </p:style>
       </p:cxnSp>
-      <mc:AlternateContent xmlns:mc="http://schemas.openxmlformats.org/markup-compatibility/2006">
-        <mc:Choice xmlns:a14="http://schemas.microsoft.com/office/drawing/2010/main" Requires="a14">
+      <mc:AlternateContent xmlns:mc="http://schemas.openxmlformats.org/markup-compatibility/2006" xmlns:a14="http://schemas.microsoft.com/office/drawing/2010/main">
+        <mc:Choice Requires="a14">
           <p:sp>
             <p:nvSpPr>
               <p:cNvPr id="49" name="文字方塊 48">
@@ -32201,6 +32214,7 @@
               </a:bodyPr>
               <a:lstStyle/>
               <a:p>
+                <a:pPr/>
                 <a14:m>
                   <m:oMathPara xmlns:m="http://schemas.openxmlformats.org/officeDocument/2006/math">
                     <m:oMathParaPr>
@@ -32240,7 +32254,7 @@
             </p:txBody>
           </p:sp>
         </mc:Choice>
-        <mc:Fallback>
+        <mc:Fallback xmlns="">
           <p:sp>
             <p:nvSpPr>
               <p:cNvPr id="49" name="文字方塊 48">
@@ -33177,6 +33191,3375 @@
     <p:extLst>
       <p:ext uri="{BB962C8B-B14F-4D97-AF65-F5344CB8AC3E}">
         <p14:creationId xmlns:p14="http://schemas.microsoft.com/office/powerpoint/2010/main" val="1330069478"/>
+      </p:ext>
+    </p:extLst>
+  </p:cSld>
+  <p:clrMapOvr>
+    <a:masterClrMapping/>
+  </p:clrMapOvr>
+</p:sld>
+</file>
+
+<file path=ppt/slides/slide32.xml><?xml version="1.0" encoding="utf-8"?>
+<p:sld xmlns:a="http://schemas.openxmlformats.org/drawingml/2006/main" xmlns:r="http://schemas.openxmlformats.org/officeDocument/2006/relationships" xmlns:p="http://schemas.openxmlformats.org/presentationml/2006/main">
+  <p:cSld>
+    <p:spTree>
+      <p:nvGrpSpPr>
+        <p:cNvPr id="1" name=""/>
+        <p:cNvGrpSpPr/>
+        <p:nvPr/>
+      </p:nvGrpSpPr>
+      <p:grpSpPr>
+        <a:xfrm>
+          <a:off x="0" y="0"/>
+          <a:ext cx="0" cy="0"/>
+          <a:chOff x="0" y="0"/>
+          <a:chExt cx="0" cy="0"/>
+        </a:xfrm>
+      </p:grpSpPr>
+      <p:sp>
+        <p:nvSpPr>
+          <p:cNvPr id="26" name="橢圓 25">
+            <a:extLst>
+              <a:ext uri="{FF2B5EF4-FFF2-40B4-BE49-F238E27FC236}">
+                <a16:creationId xmlns:a16="http://schemas.microsoft.com/office/drawing/2014/main" id="{1C039B75-C3EC-4EAA-995C-403CD030B1F0}"/>
+              </a:ext>
+            </a:extLst>
+          </p:cNvPr>
+          <p:cNvSpPr/>
+          <p:nvPr/>
+        </p:nvSpPr>
+        <p:spPr>
+          <a:xfrm>
+            <a:off x="6961467" y="955399"/>
+            <a:ext cx="1080000" cy="1080000"/>
+          </a:xfrm>
+          <a:prstGeom prst="ellipse">
+            <a:avLst/>
+          </a:prstGeom>
+          <a:solidFill>
+            <a:schemeClr val="accent6">
+              <a:lumMod val="60000"/>
+              <a:lumOff val="40000"/>
+            </a:schemeClr>
+          </a:solidFill>
+          <a:ln>
+            <a:solidFill>
+              <a:schemeClr val="accent6">
+                <a:lumMod val="50000"/>
+              </a:schemeClr>
+            </a:solidFill>
+          </a:ln>
+        </p:spPr>
+        <p:style>
+          <a:lnRef idx="2">
+            <a:schemeClr val="accent2">
+              <a:shade val="50000"/>
+            </a:schemeClr>
+          </a:lnRef>
+          <a:fillRef idx="1">
+            <a:schemeClr val="accent2"/>
+          </a:fillRef>
+          <a:effectRef idx="0">
+            <a:schemeClr val="accent2"/>
+          </a:effectRef>
+          <a:fontRef idx="minor">
+            <a:schemeClr val="lt1"/>
+          </a:fontRef>
+        </p:style>
+        <p:txBody>
+          <a:bodyPr rtlCol="0" anchor="ctr"/>
+          <a:lstStyle/>
+          <a:p>
+            <a:pPr algn="ctr"/>
+            <a:endParaRPr lang="zh-TW" altLang="en-US"/>
+          </a:p>
+        </p:txBody>
+      </p:sp>
+      <p:sp>
+        <p:nvSpPr>
+          <p:cNvPr id="22" name="橢圓 21">
+            <a:extLst>
+              <a:ext uri="{FF2B5EF4-FFF2-40B4-BE49-F238E27FC236}">
+                <a16:creationId xmlns:a16="http://schemas.microsoft.com/office/drawing/2014/main" id="{8DAF557A-120D-4863-9850-55CA1D944347}"/>
+              </a:ext>
+            </a:extLst>
+          </p:cNvPr>
+          <p:cNvSpPr/>
+          <p:nvPr/>
+        </p:nvSpPr>
+        <p:spPr>
+          <a:xfrm>
+            <a:off x="5873998" y="1477002"/>
+            <a:ext cx="1080000" cy="1080000"/>
+          </a:xfrm>
+          <a:prstGeom prst="ellipse">
+            <a:avLst/>
+          </a:prstGeom>
+          <a:solidFill>
+            <a:schemeClr val="accent6">
+              <a:lumMod val="60000"/>
+              <a:lumOff val="40000"/>
+            </a:schemeClr>
+          </a:solidFill>
+          <a:ln>
+            <a:solidFill>
+              <a:schemeClr val="accent6">
+                <a:lumMod val="50000"/>
+              </a:schemeClr>
+            </a:solidFill>
+          </a:ln>
+        </p:spPr>
+        <p:style>
+          <a:lnRef idx="2">
+            <a:schemeClr val="accent2">
+              <a:shade val="50000"/>
+            </a:schemeClr>
+          </a:lnRef>
+          <a:fillRef idx="1">
+            <a:schemeClr val="accent2"/>
+          </a:fillRef>
+          <a:effectRef idx="0">
+            <a:schemeClr val="accent2"/>
+          </a:effectRef>
+          <a:fontRef idx="minor">
+            <a:schemeClr val="lt1"/>
+          </a:fontRef>
+        </p:style>
+        <p:txBody>
+          <a:bodyPr rtlCol="0" anchor="ctr"/>
+          <a:lstStyle/>
+          <a:p>
+            <a:pPr algn="ctr"/>
+            <a:endParaRPr lang="zh-TW" altLang="en-US"/>
+          </a:p>
+        </p:txBody>
+      </p:sp>
+      <p:cxnSp>
+        <p:nvCxnSpPr>
+          <p:cNvPr id="23" name="直線單箭頭接點 22">
+            <a:extLst>
+              <a:ext uri="{FF2B5EF4-FFF2-40B4-BE49-F238E27FC236}">
+                <a16:creationId xmlns:a16="http://schemas.microsoft.com/office/drawing/2014/main" id="{F86F58A8-4072-4B29-AF90-30B635ED1D32}"/>
+              </a:ext>
+            </a:extLst>
+          </p:cNvPr>
+          <p:cNvCxnSpPr>
+            <a:cxnSpLocks/>
+          </p:cNvCxnSpPr>
+          <p:nvPr/>
+        </p:nvCxnSpPr>
+        <p:spPr>
+          <a:xfrm flipV="1">
+            <a:off x="6407397" y="1495399"/>
+            <a:ext cx="1094070" cy="523469"/>
+          </a:xfrm>
+          <a:prstGeom prst="straightConnector1">
+            <a:avLst/>
+          </a:prstGeom>
+          <a:ln w="38100">
+            <a:solidFill>
+              <a:schemeClr val="tx1">
+                <a:lumMod val="75000"/>
+                <a:lumOff val="25000"/>
+              </a:schemeClr>
+            </a:solidFill>
+            <a:tailEnd type="triangle"/>
+          </a:ln>
+        </p:spPr>
+        <p:style>
+          <a:lnRef idx="1">
+            <a:schemeClr val="accent1"/>
+          </a:lnRef>
+          <a:fillRef idx="0">
+            <a:schemeClr val="accent1"/>
+          </a:fillRef>
+          <a:effectRef idx="0">
+            <a:schemeClr val="accent1"/>
+          </a:effectRef>
+          <a:fontRef idx="minor">
+            <a:schemeClr val="tx1"/>
+          </a:fontRef>
+        </p:style>
+      </p:cxnSp>
+      <p:sp>
+        <p:nvSpPr>
+          <p:cNvPr id="13" name="橢圓 12">
+            <a:extLst>
+              <a:ext uri="{FF2B5EF4-FFF2-40B4-BE49-F238E27FC236}">
+                <a16:creationId xmlns:a16="http://schemas.microsoft.com/office/drawing/2014/main" id="{B7872AE1-79CF-412A-81D5-84E7A9274B9A}"/>
+              </a:ext>
+            </a:extLst>
+          </p:cNvPr>
+          <p:cNvSpPr/>
+          <p:nvPr/>
+        </p:nvSpPr>
+        <p:spPr>
+          <a:xfrm>
+            <a:off x="4709333" y="1686733"/>
+            <a:ext cx="1080000" cy="1080000"/>
+          </a:xfrm>
+          <a:prstGeom prst="ellipse">
+            <a:avLst/>
+          </a:prstGeom>
+          <a:solidFill>
+            <a:schemeClr val="accent6">
+              <a:lumMod val="60000"/>
+              <a:lumOff val="40000"/>
+            </a:schemeClr>
+          </a:solidFill>
+          <a:ln>
+            <a:solidFill>
+              <a:schemeClr val="accent6">
+                <a:lumMod val="50000"/>
+              </a:schemeClr>
+            </a:solidFill>
+          </a:ln>
+        </p:spPr>
+        <p:style>
+          <a:lnRef idx="2">
+            <a:schemeClr val="accent2">
+              <a:shade val="50000"/>
+            </a:schemeClr>
+          </a:lnRef>
+          <a:fillRef idx="1">
+            <a:schemeClr val="accent2"/>
+          </a:fillRef>
+          <a:effectRef idx="0">
+            <a:schemeClr val="accent2"/>
+          </a:effectRef>
+          <a:fontRef idx="minor">
+            <a:schemeClr val="lt1"/>
+          </a:fontRef>
+        </p:style>
+        <p:txBody>
+          <a:bodyPr rtlCol="0" anchor="ctr"/>
+          <a:lstStyle/>
+          <a:p>
+            <a:pPr algn="ctr"/>
+            <a:endParaRPr lang="zh-TW" altLang="en-US"/>
+          </a:p>
+        </p:txBody>
+      </p:sp>
+      <p:cxnSp>
+        <p:nvCxnSpPr>
+          <p:cNvPr id="14" name="直線單箭頭接點 13">
+            <a:extLst>
+              <a:ext uri="{FF2B5EF4-FFF2-40B4-BE49-F238E27FC236}">
+                <a16:creationId xmlns:a16="http://schemas.microsoft.com/office/drawing/2014/main" id="{8D308EE9-EC1D-4A1B-8F92-3979413DCE32}"/>
+              </a:ext>
+            </a:extLst>
+          </p:cNvPr>
+          <p:cNvCxnSpPr>
+            <a:cxnSpLocks/>
+          </p:cNvCxnSpPr>
+          <p:nvPr/>
+        </p:nvCxnSpPr>
+        <p:spPr>
+          <a:xfrm flipV="1">
+            <a:off x="5242732" y="2017002"/>
+            <a:ext cx="1159937" cy="211597"/>
+          </a:xfrm>
+          <a:prstGeom prst="straightConnector1">
+            <a:avLst/>
+          </a:prstGeom>
+          <a:ln w="38100">
+            <a:solidFill>
+              <a:schemeClr val="tx1">
+                <a:lumMod val="75000"/>
+                <a:lumOff val="25000"/>
+              </a:schemeClr>
+            </a:solidFill>
+            <a:tailEnd type="triangle"/>
+          </a:ln>
+        </p:spPr>
+        <p:style>
+          <a:lnRef idx="1">
+            <a:schemeClr val="accent1"/>
+          </a:lnRef>
+          <a:fillRef idx="0">
+            <a:schemeClr val="accent1"/>
+          </a:fillRef>
+          <a:effectRef idx="0">
+            <a:schemeClr val="accent1"/>
+          </a:effectRef>
+          <a:fontRef idx="minor">
+            <a:schemeClr val="tx1"/>
+          </a:fontRef>
+        </p:style>
+      </p:cxnSp>
+      <p:sp>
+        <p:nvSpPr>
+          <p:cNvPr id="10" name="橢圓 9">
+            <a:extLst>
+              <a:ext uri="{FF2B5EF4-FFF2-40B4-BE49-F238E27FC236}">
+                <a16:creationId xmlns:a16="http://schemas.microsoft.com/office/drawing/2014/main" id="{E6E49EBD-D2F5-4AD8-84A8-AD1CC6B22D3A}"/>
+              </a:ext>
+            </a:extLst>
+          </p:cNvPr>
+          <p:cNvSpPr/>
+          <p:nvPr/>
+        </p:nvSpPr>
+        <p:spPr>
+          <a:xfrm>
+            <a:off x="3473200" y="1754467"/>
+            <a:ext cx="1080000" cy="1080000"/>
+          </a:xfrm>
+          <a:prstGeom prst="ellipse">
+            <a:avLst/>
+          </a:prstGeom>
+          <a:solidFill>
+            <a:schemeClr val="accent6">
+              <a:lumMod val="60000"/>
+              <a:lumOff val="40000"/>
+            </a:schemeClr>
+          </a:solidFill>
+          <a:ln>
+            <a:solidFill>
+              <a:schemeClr val="accent6">
+                <a:lumMod val="50000"/>
+              </a:schemeClr>
+            </a:solidFill>
+          </a:ln>
+        </p:spPr>
+        <p:style>
+          <a:lnRef idx="2">
+            <a:schemeClr val="accent2">
+              <a:shade val="50000"/>
+            </a:schemeClr>
+          </a:lnRef>
+          <a:fillRef idx="1">
+            <a:schemeClr val="accent2"/>
+          </a:fillRef>
+          <a:effectRef idx="0">
+            <a:schemeClr val="accent2"/>
+          </a:effectRef>
+          <a:fontRef idx="minor">
+            <a:schemeClr val="lt1"/>
+          </a:fontRef>
+        </p:style>
+        <p:txBody>
+          <a:bodyPr rtlCol="0" anchor="ctr"/>
+          <a:lstStyle/>
+          <a:p>
+            <a:pPr algn="ctr"/>
+            <a:endParaRPr lang="zh-TW" altLang="en-US"/>
+          </a:p>
+        </p:txBody>
+      </p:sp>
+      <p:cxnSp>
+        <p:nvCxnSpPr>
+          <p:cNvPr id="11" name="直線單箭頭接點 10">
+            <a:extLst>
+              <a:ext uri="{FF2B5EF4-FFF2-40B4-BE49-F238E27FC236}">
+                <a16:creationId xmlns:a16="http://schemas.microsoft.com/office/drawing/2014/main" id="{DDBCD46D-94D4-4E82-9A5D-188074DDE430}"/>
+              </a:ext>
+            </a:extLst>
+          </p:cNvPr>
+          <p:cNvCxnSpPr>
+            <a:cxnSpLocks/>
+          </p:cNvCxnSpPr>
+          <p:nvPr/>
+        </p:nvCxnSpPr>
+        <p:spPr>
+          <a:xfrm flipV="1">
+            <a:off x="4006599" y="2226733"/>
+            <a:ext cx="1242734" cy="69600"/>
+          </a:xfrm>
+          <a:prstGeom prst="straightConnector1">
+            <a:avLst/>
+          </a:prstGeom>
+          <a:ln w="38100">
+            <a:solidFill>
+              <a:schemeClr val="tx1">
+                <a:lumMod val="75000"/>
+                <a:lumOff val="25000"/>
+              </a:schemeClr>
+            </a:solidFill>
+            <a:tailEnd type="triangle"/>
+          </a:ln>
+        </p:spPr>
+        <p:style>
+          <a:lnRef idx="1">
+            <a:schemeClr val="accent1"/>
+          </a:lnRef>
+          <a:fillRef idx="0">
+            <a:schemeClr val="accent1"/>
+          </a:fillRef>
+          <a:effectRef idx="0">
+            <a:schemeClr val="accent1"/>
+          </a:effectRef>
+          <a:fontRef idx="minor">
+            <a:schemeClr val="tx1"/>
+          </a:fontRef>
+        </p:style>
+      </p:cxnSp>
+      <p:sp>
+        <p:nvSpPr>
+          <p:cNvPr id="7" name="橢圓 6">
+            <a:extLst>
+              <a:ext uri="{FF2B5EF4-FFF2-40B4-BE49-F238E27FC236}">
+                <a16:creationId xmlns:a16="http://schemas.microsoft.com/office/drawing/2014/main" id="{1AC246FA-1AFC-434B-9B48-13305BFFC1F4}"/>
+              </a:ext>
+            </a:extLst>
+          </p:cNvPr>
+          <p:cNvSpPr/>
+          <p:nvPr/>
+        </p:nvSpPr>
+        <p:spPr>
+          <a:xfrm>
+            <a:off x="2323599" y="1449667"/>
+            <a:ext cx="1080000" cy="1080000"/>
+          </a:xfrm>
+          <a:prstGeom prst="ellipse">
+            <a:avLst/>
+          </a:prstGeom>
+          <a:solidFill>
+            <a:schemeClr val="accent6">
+              <a:lumMod val="60000"/>
+              <a:lumOff val="40000"/>
+            </a:schemeClr>
+          </a:solidFill>
+          <a:ln>
+            <a:solidFill>
+              <a:schemeClr val="accent6">
+                <a:lumMod val="50000"/>
+              </a:schemeClr>
+            </a:solidFill>
+          </a:ln>
+        </p:spPr>
+        <p:style>
+          <a:lnRef idx="2">
+            <a:schemeClr val="accent2">
+              <a:shade val="50000"/>
+            </a:schemeClr>
+          </a:lnRef>
+          <a:fillRef idx="1">
+            <a:schemeClr val="accent2"/>
+          </a:fillRef>
+          <a:effectRef idx="0">
+            <a:schemeClr val="accent2"/>
+          </a:effectRef>
+          <a:fontRef idx="minor">
+            <a:schemeClr val="lt1"/>
+          </a:fontRef>
+        </p:style>
+        <p:txBody>
+          <a:bodyPr rtlCol="0" anchor="ctr"/>
+          <a:lstStyle/>
+          <a:p>
+            <a:pPr algn="ctr"/>
+            <a:endParaRPr lang="zh-TW" altLang="en-US"/>
+          </a:p>
+        </p:txBody>
+      </p:sp>
+      <p:cxnSp>
+        <p:nvCxnSpPr>
+          <p:cNvPr id="8" name="直線單箭頭接點 7">
+            <a:extLst>
+              <a:ext uri="{FF2B5EF4-FFF2-40B4-BE49-F238E27FC236}">
+                <a16:creationId xmlns:a16="http://schemas.microsoft.com/office/drawing/2014/main" id="{8E1EB36A-1B73-4D7B-8D34-040689F3844B}"/>
+              </a:ext>
+            </a:extLst>
+          </p:cNvPr>
+          <p:cNvCxnSpPr>
+            <a:cxnSpLocks/>
+          </p:cNvCxnSpPr>
+          <p:nvPr/>
+        </p:nvCxnSpPr>
+        <p:spPr>
+          <a:xfrm>
+            <a:off x="2856998" y="1991533"/>
+            <a:ext cx="1156202" cy="302934"/>
+          </a:xfrm>
+          <a:prstGeom prst="straightConnector1">
+            <a:avLst/>
+          </a:prstGeom>
+          <a:ln w="38100">
+            <a:solidFill>
+              <a:schemeClr val="tx1">
+                <a:lumMod val="75000"/>
+                <a:lumOff val="25000"/>
+              </a:schemeClr>
+            </a:solidFill>
+            <a:tailEnd type="triangle"/>
+          </a:ln>
+        </p:spPr>
+        <p:style>
+          <a:lnRef idx="1">
+            <a:schemeClr val="accent1"/>
+          </a:lnRef>
+          <a:fillRef idx="0">
+            <a:schemeClr val="accent1"/>
+          </a:fillRef>
+          <a:effectRef idx="0">
+            <a:schemeClr val="accent1"/>
+          </a:effectRef>
+          <a:fontRef idx="minor">
+            <a:schemeClr val="tx1"/>
+          </a:fontRef>
+        </p:style>
+      </p:cxnSp>
+      <p:sp>
+        <p:nvSpPr>
+          <p:cNvPr id="4" name="橢圓 3">
+            <a:extLst>
+              <a:ext uri="{FF2B5EF4-FFF2-40B4-BE49-F238E27FC236}">
+                <a16:creationId xmlns:a16="http://schemas.microsoft.com/office/drawing/2014/main" id="{2F1289F1-63EA-43B9-8214-09ACD006FC88}"/>
+              </a:ext>
+            </a:extLst>
+          </p:cNvPr>
+          <p:cNvSpPr/>
+          <p:nvPr/>
+        </p:nvSpPr>
+        <p:spPr>
+          <a:xfrm>
+            <a:off x="1337734" y="753534"/>
+            <a:ext cx="1080000" cy="1080000"/>
+          </a:xfrm>
+          <a:prstGeom prst="ellipse">
+            <a:avLst/>
+          </a:prstGeom>
+          <a:solidFill>
+            <a:schemeClr val="accent6">
+              <a:lumMod val="60000"/>
+              <a:lumOff val="40000"/>
+            </a:schemeClr>
+          </a:solidFill>
+          <a:ln>
+            <a:solidFill>
+              <a:schemeClr val="accent6">
+                <a:lumMod val="50000"/>
+              </a:schemeClr>
+            </a:solidFill>
+          </a:ln>
+        </p:spPr>
+        <p:style>
+          <a:lnRef idx="2">
+            <a:schemeClr val="accent2">
+              <a:shade val="50000"/>
+            </a:schemeClr>
+          </a:lnRef>
+          <a:fillRef idx="1">
+            <a:schemeClr val="accent2"/>
+          </a:fillRef>
+          <a:effectRef idx="0">
+            <a:schemeClr val="accent2"/>
+          </a:effectRef>
+          <a:fontRef idx="minor">
+            <a:schemeClr val="lt1"/>
+          </a:fontRef>
+        </p:style>
+        <p:txBody>
+          <a:bodyPr rtlCol="0" anchor="ctr"/>
+          <a:lstStyle/>
+          <a:p>
+            <a:pPr algn="ctr"/>
+            <a:endParaRPr lang="zh-TW" altLang="en-US"/>
+          </a:p>
+        </p:txBody>
+      </p:sp>
+      <p:cxnSp>
+        <p:nvCxnSpPr>
+          <p:cNvPr id="6" name="直線單箭頭接點 5">
+            <a:extLst>
+              <a:ext uri="{FF2B5EF4-FFF2-40B4-BE49-F238E27FC236}">
+                <a16:creationId xmlns:a16="http://schemas.microsoft.com/office/drawing/2014/main" id="{C17DEDBC-DC22-4B8F-B6D3-29A7CF88B4EC}"/>
+              </a:ext>
+            </a:extLst>
+          </p:cNvPr>
+          <p:cNvCxnSpPr/>
+          <p:nvPr/>
+        </p:nvCxnSpPr>
+        <p:spPr>
+          <a:xfrm>
+            <a:off x="1871133" y="1295400"/>
+            <a:ext cx="999067" cy="694267"/>
+          </a:xfrm>
+          <a:prstGeom prst="straightConnector1">
+            <a:avLst/>
+          </a:prstGeom>
+          <a:ln w="38100">
+            <a:solidFill>
+              <a:schemeClr val="tx1">
+                <a:lumMod val="75000"/>
+                <a:lumOff val="25000"/>
+              </a:schemeClr>
+            </a:solidFill>
+            <a:tailEnd type="triangle"/>
+          </a:ln>
+        </p:spPr>
+        <p:style>
+          <a:lnRef idx="1">
+            <a:schemeClr val="accent1"/>
+          </a:lnRef>
+          <a:fillRef idx="0">
+            <a:schemeClr val="accent1"/>
+          </a:fillRef>
+          <a:effectRef idx="0">
+            <a:schemeClr val="accent1"/>
+          </a:effectRef>
+          <a:fontRef idx="minor">
+            <a:schemeClr val="tx1"/>
+          </a:fontRef>
+        </p:style>
+      </p:cxnSp>
+      <mc:AlternateContent xmlns:mc="http://schemas.openxmlformats.org/markup-compatibility/2006">
+        <mc:Choice xmlns:a14="http://schemas.microsoft.com/office/drawing/2010/main" Requires="a14">
+          <p:sp>
+            <p:nvSpPr>
+              <p:cNvPr id="17" name="文字方塊 16">
+                <a:extLst>
+                  <a:ext uri="{FF2B5EF4-FFF2-40B4-BE49-F238E27FC236}">
+                    <a16:creationId xmlns:a16="http://schemas.microsoft.com/office/drawing/2014/main" id="{6F7704AD-36EA-4698-A77A-06733F96BC04}"/>
+                  </a:ext>
+                </a:extLst>
+              </p:cNvPr>
+              <p:cNvSpPr txBox="1"/>
+              <p:nvPr/>
+            </p:nvSpPr>
+            <p:spPr>
+              <a:xfrm>
+                <a:off x="1540933" y="1126067"/>
+                <a:ext cx="254000" cy="369332"/>
+              </a:xfrm>
+              <a:prstGeom prst="rect">
+                <a:avLst/>
+              </a:prstGeom>
+              <a:noFill/>
+            </p:spPr>
+            <p:txBody>
+              <a:bodyPr wrap="square" rtlCol="0">
+                <a:spAutoFit/>
+              </a:bodyPr>
+              <a:lstStyle/>
+              <a:p>
+                <a14:m>
+                  <m:oMathPara xmlns:m="http://schemas.openxmlformats.org/officeDocument/2006/math">
+                    <m:oMathParaPr>
+                      <m:jc m:val="centerGroup"/>
+                    </m:oMathParaPr>
+                    <m:oMath xmlns:m="http://schemas.openxmlformats.org/officeDocument/2006/math">
+                      <m:sSub>
+                        <m:sSubPr>
+                          <m:ctrlPr>
+                            <a:rPr lang="en-US" altLang="zh-TW" b="0" i="1" smtClean="0">
+                              <a:latin typeface="Cambria Math" panose="02040503050406030204" pitchFamily="18" charset="0"/>
+                            </a:rPr>
+                          </m:ctrlPr>
+                        </m:sSubPr>
+                        <m:e>
+                          <m:r>
+                            <a:rPr lang="en-US" altLang="zh-TW" b="0" i="1" smtClean="0">
+                              <a:latin typeface="Cambria Math" panose="02040503050406030204" pitchFamily="18" charset="0"/>
+                            </a:rPr>
+                            <m:t>𝑝</m:t>
+                          </m:r>
+                        </m:e>
+                        <m:sub>
+                          <m:r>
+                            <a:rPr lang="en-US" altLang="zh-TW" b="0" i="1" smtClean="0">
+                              <a:latin typeface="Cambria Math" panose="02040503050406030204" pitchFamily="18" charset="0"/>
+                            </a:rPr>
+                            <m:t>0</m:t>
+                          </m:r>
+                        </m:sub>
+                      </m:sSub>
+                    </m:oMath>
+                  </m:oMathPara>
+                </a14:m>
+                <a:endParaRPr lang="zh-TW" altLang="en-US" dirty="0"/>
+              </a:p>
+            </p:txBody>
+          </p:sp>
+        </mc:Choice>
+        <mc:Fallback>
+          <p:sp>
+            <p:nvSpPr>
+              <p:cNvPr id="17" name="文字方塊 16">
+                <a:extLst>
+                  <a:ext uri="{FF2B5EF4-FFF2-40B4-BE49-F238E27FC236}">
+                    <a16:creationId xmlns:a16="http://schemas.microsoft.com/office/drawing/2014/main" id="{6F7704AD-36EA-4698-A77A-06733F96BC04}"/>
+                  </a:ext>
+                </a:extLst>
+              </p:cNvPr>
+              <p:cNvSpPr txBox="1">
+                <a:spLocks noRot="1" noChangeAspect="1" noMove="1" noResize="1" noEditPoints="1" noAdjustHandles="1" noChangeArrowheads="1" noChangeShapeType="1" noTextEdit="1"/>
+              </p:cNvSpPr>
+              <p:nvPr/>
+            </p:nvSpPr>
+            <p:spPr>
+              <a:xfrm>
+                <a:off x="1540933" y="1126067"/>
+                <a:ext cx="254000" cy="369332"/>
+              </a:xfrm>
+              <a:prstGeom prst="rect">
+                <a:avLst/>
+              </a:prstGeom>
+              <a:blipFill>
+                <a:blip r:embed="rId2"/>
+                <a:stretch>
+                  <a:fillRect r="-46341" b="-6667"/>
+                </a:stretch>
+              </a:blipFill>
+            </p:spPr>
+            <p:txBody>
+              <a:bodyPr/>
+              <a:lstStyle/>
+              <a:p>
+                <a:r>
+                  <a:rPr lang="zh-TW" altLang="en-US">
+                    <a:noFill/>
+                  </a:rPr>
+                  <a:t> </a:t>
+                </a:r>
+              </a:p>
+            </p:txBody>
+          </p:sp>
+        </mc:Fallback>
+      </mc:AlternateContent>
+      <mc:AlternateContent xmlns:mc="http://schemas.openxmlformats.org/markup-compatibility/2006">
+        <mc:Choice xmlns:a14="http://schemas.microsoft.com/office/drawing/2010/main" Requires="a14">
+          <p:sp>
+            <p:nvSpPr>
+              <p:cNvPr id="18" name="文字方塊 17">
+                <a:extLst>
+                  <a:ext uri="{FF2B5EF4-FFF2-40B4-BE49-F238E27FC236}">
+                    <a16:creationId xmlns:a16="http://schemas.microsoft.com/office/drawing/2014/main" id="{8434B5B4-9CC9-4A6E-B9D3-4F71D1B894DB}"/>
+                  </a:ext>
+                </a:extLst>
+              </p:cNvPr>
+              <p:cNvSpPr txBox="1"/>
+              <p:nvPr/>
+            </p:nvSpPr>
+            <p:spPr>
+              <a:xfrm>
+                <a:off x="2620433" y="1912070"/>
+                <a:ext cx="254000" cy="369332"/>
+              </a:xfrm>
+              <a:prstGeom prst="rect">
+                <a:avLst/>
+              </a:prstGeom>
+              <a:noFill/>
+            </p:spPr>
+            <p:txBody>
+              <a:bodyPr wrap="square" rtlCol="0">
+                <a:spAutoFit/>
+              </a:bodyPr>
+              <a:lstStyle/>
+              <a:p>
+                <a14:m>
+                  <m:oMathPara xmlns:m="http://schemas.openxmlformats.org/officeDocument/2006/math">
+                    <m:oMathParaPr>
+                      <m:jc m:val="centerGroup"/>
+                    </m:oMathParaPr>
+                    <m:oMath xmlns:m="http://schemas.openxmlformats.org/officeDocument/2006/math">
+                      <m:sSub>
+                        <m:sSubPr>
+                          <m:ctrlPr>
+                            <a:rPr lang="en-US" altLang="zh-TW" b="0" i="1" smtClean="0">
+                              <a:latin typeface="Cambria Math" panose="02040503050406030204" pitchFamily="18" charset="0"/>
+                            </a:rPr>
+                          </m:ctrlPr>
+                        </m:sSubPr>
+                        <m:e>
+                          <m:r>
+                            <a:rPr lang="en-US" altLang="zh-TW" b="0" i="1" smtClean="0">
+                              <a:latin typeface="Cambria Math" panose="02040503050406030204" pitchFamily="18" charset="0"/>
+                            </a:rPr>
+                            <m:t>𝑝</m:t>
+                          </m:r>
+                        </m:e>
+                        <m:sub>
+                          <m:r>
+                            <a:rPr lang="en-US" altLang="zh-TW" b="0" i="1" smtClean="0">
+                              <a:latin typeface="Cambria Math" panose="02040503050406030204" pitchFamily="18" charset="0"/>
+                            </a:rPr>
+                            <m:t>1</m:t>
+                          </m:r>
+                        </m:sub>
+                      </m:sSub>
+                    </m:oMath>
+                  </m:oMathPara>
+                </a14:m>
+                <a:endParaRPr lang="zh-TW" altLang="en-US" dirty="0"/>
+              </a:p>
+            </p:txBody>
+          </p:sp>
+        </mc:Choice>
+        <mc:Fallback>
+          <p:sp>
+            <p:nvSpPr>
+              <p:cNvPr id="18" name="文字方塊 17">
+                <a:extLst>
+                  <a:ext uri="{FF2B5EF4-FFF2-40B4-BE49-F238E27FC236}">
+                    <a16:creationId xmlns:a16="http://schemas.microsoft.com/office/drawing/2014/main" id="{8434B5B4-9CC9-4A6E-B9D3-4F71D1B894DB}"/>
+                  </a:ext>
+                </a:extLst>
+              </p:cNvPr>
+              <p:cNvSpPr txBox="1">
+                <a:spLocks noRot="1" noChangeAspect="1" noMove="1" noResize="1" noEditPoints="1" noAdjustHandles="1" noChangeArrowheads="1" noChangeShapeType="1" noTextEdit="1"/>
+              </p:cNvSpPr>
+              <p:nvPr/>
+            </p:nvSpPr>
+            <p:spPr>
+              <a:xfrm>
+                <a:off x="2620433" y="1912070"/>
+                <a:ext cx="254000" cy="369332"/>
+              </a:xfrm>
+              <a:prstGeom prst="rect">
+                <a:avLst/>
+              </a:prstGeom>
+              <a:blipFill>
+                <a:blip r:embed="rId3"/>
+                <a:stretch>
+                  <a:fillRect r="-40476" b="-6667"/>
+                </a:stretch>
+              </a:blipFill>
+            </p:spPr>
+            <p:txBody>
+              <a:bodyPr/>
+              <a:lstStyle/>
+              <a:p>
+                <a:r>
+                  <a:rPr lang="zh-TW" altLang="en-US">
+                    <a:noFill/>
+                  </a:rPr>
+                  <a:t> </a:t>
+                </a:r>
+              </a:p>
+            </p:txBody>
+          </p:sp>
+        </mc:Fallback>
+      </mc:AlternateContent>
+      <mc:AlternateContent xmlns:mc="http://schemas.openxmlformats.org/markup-compatibility/2006">
+        <mc:Choice xmlns:a14="http://schemas.microsoft.com/office/drawing/2010/main" Requires="a14">
+          <p:sp>
+            <p:nvSpPr>
+              <p:cNvPr id="19" name="文字方塊 18">
+                <a:extLst>
+                  <a:ext uri="{FF2B5EF4-FFF2-40B4-BE49-F238E27FC236}">
+                    <a16:creationId xmlns:a16="http://schemas.microsoft.com/office/drawing/2014/main" id="{BF608278-8FA5-4BE9-81C2-D3442D54E351}"/>
+                  </a:ext>
+                </a:extLst>
+              </p:cNvPr>
+              <p:cNvSpPr txBox="1"/>
+              <p:nvPr/>
+            </p:nvSpPr>
+            <p:spPr>
+              <a:xfrm>
+                <a:off x="3834900" y="2281402"/>
+                <a:ext cx="254000" cy="369332"/>
+              </a:xfrm>
+              <a:prstGeom prst="rect">
+                <a:avLst/>
+              </a:prstGeom>
+              <a:noFill/>
+            </p:spPr>
+            <p:txBody>
+              <a:bodyPr wrap="square" rtlCol="0">
+                <a:spAutoFit/>
+              </a:bodyPr>
+              <a:lstStyle/>
+              <a:p>
+                <a14:m>
+                  <m:oMathPara xmlns:m="http://schemas.openxmlformats.org/officeDocument/2006/math">
+                    <m:oMathParaPr>
+                      <m:jc m:val="centerGroup"/>
+                    </m:oMathParaPr>
+                    <m:oMath xmlns:m="http://schemas.openxmlformats.org/officeDocument/2006/math">
+                      <m:sSub>
+                        <m:sSubPr>
+                          <m:ctrlPr>
+                            <a:rPr lang="en-US" altLang="zh-TW" b="0" i="1" smtClean="0">
+                              <a:latin typeface="Cambria Math" panose="02040503050406030204" pitchFamily="18" charset="0"/>
+                            </a:rPr>
+                          </m:ctrlPr>
+                        </m:sSubPr>
+                        <m:e>
+                          <m:r>
+                            <a:rPr lang="en-US" altLang="zh-TW" b="0" i="1" smtClean="0">
+                              <a:latin typeface="Cambria Math" panose="02040503050406030204" pitchFamily="18" charset="0"/>
+                            </a:rPr>
+                            <m:t>𝑝</m:t>
+                          </m:r>
+                        </m:e>
+                        <m:sub>
+                          <m:r>
+                            <a:rPr lang="en-US" altLang="zh-TW" b="0" i="1" smtClean="0">
+                              <a:latin typeface="Cambria Math" panose="02040503050406030204" pitchFamily="18" charset="0"/>
+                            </a:rPr>
+                            <m:t>2</m:t>
+                          </m:r>
+                        </m:sub>
+                      </m:sSub>
+                    </m:oMath>
+                  </m:oMathPara>
+                </a14:m>
+                <a:endParaRPr lang="zh-TW" altLang="en-US" dirty="0"/>
+              </a:p>
+            </p:txBody>
+          </p:sp>
+        </mc:Choice>
+        <mc:Fallback>
+          <p:sp>
+            <p:nvSpPr>
+              <p:cNvPr id="19" name="文字方塊 18">
+                <a:extLst>
+                  <a:ext uri="{FF2B5EF4-FFF2-40B4-BE49-F238E27FC236}">
+                    <a16:creationId xmlns:a16="http://schemas.microsoft.com/office/drawing/2014/main" id="{BF608278-8FA5-4BE9-81C2-D3442D54E351}"/>
+                  </a:ext>
+                </a:extLst>
+              </p:cNvPr>
+              <p:cNvSpPr txBox="1">
+                <a:spLocks noRot="1" noChangeAspect="1" noMove="1" noResize="1" noEditPoints="1" noAdjustHandles="1" noChangeArrowheads="1" noChangeShapeType="1" noTextEdit="1"/>
+              </p:cNvSpPr>
+              <p:nvPr/>
+            </p:nvSpPr>
+            <p:spPr>
+              <a:xfrm>
+                <a:off x="3834900" y="2281402"/>
+                <a:ext cx="254000" cy="369332"/>
+              </a:xfrm>
+              <a:prstGeom prst="rect">
+                <a:avLst/>
+              </a:prstGeom>
+              <a:blipFill>
+                <a:blip r:embed="rId4"/>
+                <a:stretch>
+                  <a:fillRect r="-45238" b="-6557"/>
+                </a:stretch>
+              </a:blipFill>
+            </p:spPr>
+            <p:txBody>
+              <a:bodyPr/>
+              <a:lstStyle/>
+              <a:p>
+                <a:r>
+                  <a:rPr lang="zh-TW" altLang="en-US">
+                    <a:noFill/>
+                  </a:rPr>
+                  <a:t> </a:t>
+                </a:r>
+              </a:p>
+            </p:txBody>
+          </p:sp>
+        </mc:Fallback>
+      </mc:AlternateContent>
+      <mc:AlternateContent xmlns:mc="http://schemas.openxmlformats.org/markup-compatibility/2006">
+        <mc:Choice xmlns:a14="http://schemas.microsoft.com/office/drawing/2010/main" Requires="a14">
+          <p:sp>
+            <p:nvSpPr>
+              <p:cNvPr id="20" name="文字方塊 19">
+                <a:extLst>
+                  <a:ext uri="{FF2B5EF4-FFF2-40B4-BE49-F238E27FC236}">
+                    <a16:creationId xmlns:a16="http://schemas.microsoft.com/office/drawing/2014/main" id="{B21EDEE3-FA54-4C93-BDCE-3C1B17D9A431}"/>
+                  </a:ext>
+                </a:extLst>
+              </p:cNvPr>
+              <p:cNvSpPr txBox="1"/>
+              <p:nvPr/>
+            </p:nvSpPr>
+            <p:spPr>
+              <a:xfrm>
+                <a:off x="5086599" y="2157134"/>
+                <a:ext cx="254000" cy="369332"/>
+              </a:xfrm>
+              <a:prstGeom prst="rect">
+                <a:avLst/>
+              </a:prstGeom>
+              <a:noFill/>
+            </p:spPr>
+            <p:txBody>
+              <a:bodyPr wrap="square" rtlCol="0">
+                <a:spAutoFit/>
+              </a:bodyPr>
+              <a:lstStyle/>
+              <a:p>
+                <a14:m>
+                  <m:oMathPara xmlns:m="http://schemas.openxmlformats.org/officeDocument/2006/math">
+                    <m:oMathParaPr>
+                      <m:jc m:val="centerGroup"/>
+                    </m:oMathParaPr>
+                    <m:oMath xmlns:m="http://schemas.openxmlformats.org/officeDocument/2006/math">
+                      <m:sSub>
+                        <m:sSubPr>
+                          <m:ctrlPr>
+                            <a:rPr lang="en-US" altLang="zh-TW" b="0" i="1" smtClean="0">
+                              <a:latin typeface="Cambria Math" panose="02040503050406030204" pitchFamily="18" charset="0"/>
+                            </a:rPr>
+                          </m:ctrlPr>
+                        </m:sSubPr>
+                        <m:e>
+                          <m:r>
+                            <a:rPr lang="en-US" altLang="zh-TW" b="0" i="1" smtClean="0">
+                              <a:latin typeface="Cambria Math" panose="02040503050406030204" pitchFamily="18" charset="0"/>
+                            </a:rPr>
+                            <m:t>𝑝</m:t>
+                          </m:r>
+                        </m:e>
+                        <m:sub>
+                          <m:r>
+                            <a:rPr lang="en-US" altLang="zh-TW" b="0" i="1" smtClean="0">
+                              <a:latin typeface="Cambria Math" panose="02040503050406030204" pitchFamily="18" charset="0"/>
+                            </a:rPr>
+                            <m:t>3</m:t>
+                          </m:r>
+                        </m:sub>
+                      </m:sSub>
+                    </m:oMath>
+                  </m:oMathPara>
+                </a14:m>
+                <a:endParaRPr lang="zh-TW" altLang="en-US" dirty="0"/>
+              </a:p>
+            </p:txBody>
+          </p:sp>
+        </mc:Choice>
+        <mc:Fallback>
+          <p:sp>
+            <p:nvSpPr>
+              <p:cNvPr id="20" name="文字方塊 19">
+                <a:extLst>
+                  <a:ext uri="{FF2B5EF4-FFF2-40B4-BE49-F238E27FC236}">
+                    <a16:creationId xmlns:a16="http://schemas.microsoft.com/office/drawing/2014/main" id="{B21EDEE3-FA54-4C93-BDCE-3C1B17D9A431}"/>
+                  </a:ext>
+                </a:extLst>
+              </p:cNvPr>
+              <p:cNvSpPr txBox="1">
+                <a:spLocks noRot="1" noChangeAspect="1" noMove="1" noResize="1" noEditPoints="1" noAdjustHandles="1" noChangeArrowheads="1" noChangeShapeType="1" noTextEdit="1"/>
+              </p:cNvSpPr>
+              <p:nvPr/>
+            </p:nvSpPr>
+            <p:spPr>
+              <a:xfrm>
+                <a:off x="5086599" y="2157134"/>
+                <a:ext cx="254000" cy="369332"/>
+              </a:xfrm>
+              <a:prstGeom prst="rect">
+                <a:avLst/>
+              </a:prstGeom>
+              <a:blipFill>
+                <a:blip r:embed="rId5"/>
+                <a:stretch>
+                  <a:fillRect r="-45238" b="-6667"/>
+                </a:stretch>
+              </a:blipFill>
+            </p:spPr>
+            <p:txBody>
+              <a:bodyPr/>
+              <a:lstStyle/>
+              <a:p>
+                <a:r>
+                  <a:rPr lang="zh-TW" altLang="en-US">
+                    <a:noFill/>
+                  </a:rPr>
+                  <a:t> </a:t>
+                </a:r>
+              </a:p>
+            </p:txBody>
+          </p:sp>
+        </mc:Fallback>
+      </mc:AlternateContent>
+      <mc:AlternateContent xmlns:mc="http://schemas.openxmlformats.org/markup-compatibility/2006">
+        <mc:Choice xmlns:a14="http://schemas.microsoft.com/office/drawing/2010/main" Requires="a14">
+          <p:sp>
+            <p:nvSpPr>
+              <p:cNvPr id="21" name="文字方塊 20">
+                <a:extLst>
+                  <a:ext uri="{FF2B5EF4-FFF2-40B4-BE49-F238E27FC236}">
+                    <a16:creationId xmlns:a16="http://schemas.microsoft.com/office/drawing/2014/main" id="{F094C7B9-B1BD-476E-87D1-D090CDA235E4}"/>
+                  </a:ext>
+                </a:extLst>
+              </p:cNvPr>
+              <p:cNvSpPr txBox="1"/>
+              <p:nvPr/>
+            </p:nvSpPr>
+            <p:spPr>
+              <a:xfrm>
+                <a:off x="6304802" y="1989667"/>
+                <a:ext cx="254000" cy="369332"/>
+              </a:xfrm>
+              <a:prstGeom prst="rect">
+                <a:avLst/>
+              </a:prstGeom>
+              <a:noFill/>
+            </p:spPr>
+            <p:txBody>
+              <a:bodyPr wrap="square" rtlCol="0">
+                <a:spAutoFit/>
+              </a:bodyPr>
+              <a:lstStyle/>
+              <a:p>
+                <a14:m>
+                  <m:oMathPara xmlns:m="http://schemas.openxmlformats.org/officeDocument/2006/math">
+                    <m:oMathParaPr>
+                      <m:jc m:val="centerGroup"/>
+                    </m:oMathParaPr>
+                    <m:oMath xmlns:m="http://schemas.openxmlformats.org/officeDocument/2006/math">
+                      <m:sSub>
+                        <m:sSubPr>
+                          <m:ctrlPr>
+                            <a:rPr lang="en-US" altLang="zh-TW" b="0" i="1" smtClean="0">
+                              <a:latin typeface="Cambria Math" panose="02040503050406030204" pitchFamily="18" charset="0"/>
+                            </a:rPr>
+                          </m:ctrlPr>
+                        </m:sSubPr>
+                        <m:e>
+                          <m:r>
+                            <a:rPr lang="en-US" altLang="zh-TW" b="0" i="1" smtClean="0">
+                              <a:latin typeface="Cambria Math" panose="02040503050406030204" pitchFamily="18" charset="0"/>
+                            </a:rPr>
+                            <m:t>𝑝</m:t>
+                          </m:r>
+                        </m:e>
+                        <m:sub>
+                          <m:r>
+                            <a:rPr lang="en-US" altLang="zh-TW" b="0" i="1" smtClean="0">
+                              <a:latin typeface="Cambria Math" panose="02040503050406030204" pitchFamily="18" charset="0"/>
+                            </a:rPr>
+                            <m:t>4</m:t>
+                          </m:r>
+                        </m:sub>
+                      </m:sSub>
+                    </m:oMath>
+                  </m:oMathPara>
+                </a14:m>
+                <a:endParaRPr lang="zh-TW" altLang="en-US" dirty="0"/>
+              </a:p>
+            </p:txBody>
+          </p:sp>
+        </mc:Choice>
+        <mc:Fallback>
+          <p:sp>
+            <p:nvSpPr>
+              <p:cNvPr id="21" name="文字方塊 20">
+                <a:extLst>
+                  <a:ext uri="{FF2B5EF4-FFF2-40B4-BE49-F238E27FC236}">
+                    <a16:creationId xmlns:a16="http://schemas.microsoft.com/office/drawing/2014/main" id="{F094C7B9-B1BD-476E-87D1-D090CDA235E4}"/>
+                  </a:ext>
+                </a:extLst>
+              </p:cNvPr>
+              <p:cNvSpPr txBox="1">
+                <a:spLocks noRot="1" noChangeAspect="1" noMove="1" noResize="1" noEditPoints="1" noAdjustHandles="1" noChangeArrowheads="1" noChangeShapeType="1" noTextEdit="1"/>
+              </p:cNvSpPr>
+              <p:nvPr/>
+            </p:nvSpPr>
+            <p:spPr>
+              <a:xfrm>
+                <a:off x="6304802" y="1989667"/>
+                <a:ext cx="254000" cy="369332"/>
+              </a:xfrm>
+              <a:prstGeom prst="rect">
+                <a:avLst/>
+              </a:prstGeom>
+              <a:blipFill>
+                <a:blip r:embed="rId6"/>
+                <a:stretch>
+                  <a:fillRect r="-45238" b="-6557"/>
+                </a:stretch>
+              </a:blipFill>
+            </p:spPr>
+            <p:txBody>
+              <a:bodyPr/>
+              <a:lstStyle/>
+              <a:p>
+                <a:r>
+                  <a:rPr lang="zh-TW" altLang="en-US">
+                    <a:noFill/>
+                  </a:rPr>
+                  <a:t> </a:t>
+                </a:r>
+              </a:p>
+            </p:txBody>
+          </p:sp>
+        </mc:Fallback>
+      </mc:AlternateContent>
+      <mc:AlternateContent xmlns:mc="http://schemas.openxmlformats.org/markup-compatibility/2006">
+        <mc:Choice xmlns:a14="http://schemas.microsoft.com/office/drawing/2010/main" Requires="a14">
+          <p:sp>
+            <p:nvSpPr>
+              <p:cNvPr id="31" name="文字方塊 30">
+                <a:extLst>
+                  <a:ext uri="{FF2B5EF4-FFF2-40B4-BE49-F238E27FC236}">
+                    <a16:creationId xmlns:a16="http://schemas.microsoft.com/office/drawing/2014/main" id="{F5DEDD4A-4FEF-4E21-8D5A-44A9306F9105}"/>
+                  </a:ext>
+                </a:extLst>
+              </p:cNvPr>
+              <p:cNvSpPr txBox="1"/>
+              <p:nvPr/>
+            </p:nvSpPr>
+            <p:spPr>
+              <a:xfrm>
+                <a:off x="7347196" y="1473136"/>
+                <a:ext cx="254000" cy="369332"/>
+              </a:xfrm>
+              <a:prstGeom prst="rect">
+                <a:avLst/>
+              </a:prstGeom>
+              <a:noFill/>
+            </p:spPr>
+            <p:txBody>
+              <a:bodyPr wrap="square" rtlCol="0">
+                <a:spAutoFit/>
+              </a:bodyPr>
+              <a:lstStyle/>
+              <a:p>
+                <a14:m>
+                  <m:oMathPara xmlns:m="http://schemas.openxmlformats.org/officeDocument/2006/math">
+                    <m:oMathParaPr>
+                      <m:jc m:val="centerGroup"/>
+                    </m:oMathParaPr>
+                    <m:oMath xmlns:m="http://schemas.openxmlformats.org/officeDocument/2006/math">
+                      <m:sSub>
+                        <m:sSubPr>
+                          <m:ctrlPr>
+                            <a:rPr lang="en-US" altLang="zh-TW" b="0" i="1" smtClean="0">
+                              <a:latin typeface="Cambria Math" panose="02040503050406030204" pitchFamily="18" charset="0"/>
+                            </a:rPr>
+                          </m:ctrlPr>
+                        </m:sSubPr>
+                        <m:e>
+                          <m:r>
+                            <a:rPr lang="en-US" altLang="zh-TW" b="0" i="1" smtClean="0">
+                              <a:latin typeface="Cambria Math" panose="02040503050406030204" pitchFamily="18" charset="0"/>
+                            </a:rPr>
+                            <m:t>𝑝</m:t>
+                          </m:r>
+                        </m:e>
+                        <m:sub>
+                          <m:r>
+                            <a:rPr lang="en-US" altLang="zh-TW" b="0" i="1" smtClean="0">
+                              <a:latin typeface="Cambria Math" panose="02040503050406030204" pitchFamily="18" charset="0"/>
+                            </a:rPr>
+                            <m:t>5</m:t>
+                          </m:r>
+                        </m:sub>
+                      </m:sSub>
+                    </m:oMath>
+                  </m:oMathPara>
+                </a14:m>
+                <a:endParaRPr lang="zh-TW" altLang="en-US" dirty="0"/>
+              </a:p>
+            </p:txBody>
+          </p:sp>
+        </mc:Choice>
+        <mc:Fallback>
+          <p:sp>
+            <p:nvSpPr>
+              <p:cNvPr id="31" name="文字方塊 30">
+                <a:extLst>
+                  <a:ext uri="{FF2B5EF4-FFF2-40B4-BE49-F238E27FC236}">
+                    <a16:creationId xmlns:a16="http://schemas.microsoft.com/office/drawing/2014/main" id="{F5DEDD4A-4FEF-4E21-8D5A-44A9306F9105}"/>
+                  </a:ext>
+                </a:extLst>
+              </p:cNvPr>
+              <p:cNvSpPr txBox="1">
+                <a:spLocks noRot="1" noChangeAspect="1" noMove="1" noResize="1" noEditPoints="1" noAdjustHandles="1" noChangeArrowheads="1" noChangeShapeType="1" noTextEdit="1"/>
+              </p:cNvSpPr>
+              <p:nvPr/>
+            </p:nvSpPr>
+            <p:spPr>
+              <a:xfrm>
+                <a:off x="7347196" y="1473136"/>
+                <a:ext cx="254000" cy="369332"/>
+              </a:xfrm>
+              <a:prstGeom prst="rect">
+                <a:avLst/>
+              </a:prstGeom>
+              <a:blipFill>
+                <a:blip r:embed="rId7"/>
+                <a:stretch>
+                  <a:fillRect r="-45238" b="-6667"/>
+                </a:stretch>
+              </a:blipFill>
+            </p:spPr>
+            <p:txBody>
+              <a:bodyPr/>
+              <a:lstStyle/>
+              <a:p>
+                <a:r>
+                  <a:rPr lang="zh-TW" altLang="en-US">
+                    <a:noFill/>
+                  </a:rPr>
+                  <a:t> </a:t>
+                </a:r>
+              </a:p>
+            </p:txBody>
+          </p:sp>
+        </mc:Fallback>
+      </mc:AlternateContent>
+      <mc:AlternateContent xmlns:mc="http://schemas.openxmlformats.org/markup-compatibility/2006">
+        <mc:Choice xmlns:a14="http://schemas.microsoft.com/office/drawing/2010/main" Requires="a14">
+          <p:sp>
+            <p:nvSpPr>
+              <p:cNvPr id="32" name="文字方塊 31">
+                <a:extLst>
+                  <a:ext uri="{FF2B5EF4-FFF2-40B4-BE49-F238E27FC236}">
+                    <a16:creationId xmlns:a16="http://schemas.microsoft.com/office/drawing/2014/main" id="{58CFD5FC-8E28-4120-9841-368B4AF0CB58}"/>
+                  </a:ext>
+                </a:extLst>
+              </p:cNvPr>
+              <p:cNvSpPr txBox="1"/>
+              <p:nvPr/>
+            </p:nvSpPr>
+            <p:spPr>
+              <a:xfrm>
+                <a:off x="1993399" y="1194540"/>
+                <a:ext cx="254000" cy="369332"/>
+              </a:xfrm>
+              <a:prstGeom prst="rect">
+                <a:avLst/>
+              </a:prstGeom>
+              <a:noFill/>
+            </p:spPr>
+            <p:txBody>
+              <a:bodyPr wrap="square" rtlCol="0">
+                <a:spAutoFit/>
+              </a:bodyPr>
+              <a:lstStyle/>
+              <a:p>
+                <a14:m>
+                  <m:oMathPara xmlns:m="http://schemas.openxmlformats.org/officeDocument/2006/math">
+                    <m:oMathParaPr>
+                      <m:jc m:val="centerGroup"/>
+                    </m:oMathParaPr>
+                    <m:oMath xmlns:m="http://schemas.openxmlformats.org/officeDocument/2006/math">
+                      <m:sSub>
+                        <m:sSubPr>
+                          <m:ctrlPr>
+                            <a:rPr lang="en-US" altLang="zh-TW" b="0" i="1" smtClean="0">
+                              <a:latin typeface="Cambria Math" panose="02040503050406030204" pitchFamily="18" charset="0"/>
+                            </a:rPr>
+                          </m:ctrlPr>
+                        </m:sSubPr>
+                        <m:e>
+                          <m:r>
+                            <a:rPr lang="en-US" altLang="zh-TW" b="0" i="1" smtClean="0">
+                              <a:latin typeface="Cambria Math" panose="02040503050406030204" pitchFamily="18" charset="0"/>
+                            </a:rPr>
+                            <m:t>𝑣</m:t>
+                          </m:r>
+                        </m:e>
+                        <m:sub>
+                          <m:r>
+                            <a:rPr lang="en-US" altLang="zh-TW" b="0" i="1" smtClean="0">
+                              <a:latin typeface="Cambria Math" panose="02040503050406030204" pitchFamily="18" charset="0"/>
+                            </a:rPr>
+                            <m:t>1</m:t>
+                          </m:r>
+                        </m:sub>
+                      </m:sSub>
+                    </m:oMath>
+                  </m:oMathPara>
+                </a14:m>
+                <a:endParaRPr lang="zh-TW" altLang="en-US" dirty="0"/>
+              </a:p>
+            </p:txBody>
+          </p:sp>
+        </mc:Choice>
+        <mc:Fallback>
+          <p:sp>
+            <p:nvSpPr>
+              <p:cNvPr id="32" name="文字方塊 31">
+                <a:extLst>
+                  <a:ext uri="{FF2B5EF4-FFF2-40B4-BE49-F238E27FC236}">
+                    <a16:creationId xmlns:a16="http://schemas.microsoft.com/office/drawing/2014/main" id="{58CFD5FC-8E28-4120-9841-368B4AF0CB58}"/>
+                  </a:ext>
+                </a:extLst>
+              </p:cNvPr>
+              <p:cNvSpPr txBox="1">
+                <a:spLocks noRot="1" noChangeAspect="1" noMove="1" noResize="1" noEditPoints="1" noAdjustHandles="1" noChangeArrowheads="1" noChangeShapeType="1" noTextEdit="1"/>
+              </p:cNvSpPr>
+              <p:nvPr/>
+            </p:nvSpPr>
+            <p:spPr>
+              <a:xfrm>
+                <a:off x="1993399" y="1194540"/>
+                <a:ext cx="254000" cy="369332"/>
+              </a:xfrm>
+              <a:prstGeom prst="rect">
+                <a:avLst/>
+              </a:prstGeom>
+              <a:blipFill>
+                <a:blip r:embed="rId8"/>
+                <a:stretch>
+                  <a:fillRect r="-45238"/>
+                </a:stretch>
+              </a:blipFill>
+            </p:spPr>
+            <p:txBody>
+              <a:bodyPr/>
+              <a:lstStyle/>
+              <a:p>
+                <a:r>
+                  <a:rPr lang="zh-TW" altLang="en-US">
+                    <a:noFill/>
+                  </a:rPr>
+                  <a:t> </a:t>
+                </a:r>
+              </a:p>
+            </p:txBody>
+          </p:sp>
+        </mc:Fallback>
+      </mc:AlternateContent>
+      <mc:AlternateContent xmlns:mc="http://schemas.openxmlformats.org/markup-compatibility/2006">
+        <mc:Choice xmlns:a14="http://schemas.microsoft.com/office/drawing/2010/main" Requires="a14">
+          <p:sp>
+            <p:nvSpPr>
+              <p:cNvPr id="33" name="文字方塊 32">
+                <a:extLst>
+                  <a:ext uri="{FF2B5EF4-FFF2-40B4-BE49-F238E27FC236}">
+                    <a16:creationId xmlns:a16="http://schemas.microsoft.com/office/drawing/2014/main" id="{D30C12AF-062C-46D8-A8A1-FE2E96111659}"/>
+                  </a:ext>
+                </a:extLst>
+              </p:cNvPr>
+              <p:cNvSpPr txBox="1"/>
+              <p:nvPr/>
+            </p:nvSpPr>
+            <p:spPr>
+              <a:xfrm>
+                <a:off x="2998135" y="1787802"/>
+                <a:ext cx="254000" cy="369332"/>
+              </a:xfrm>
+              <a:prstGeom prst="rect">
+                <a:avLst/>
+              </a:prstGeom>
+              <a:noFill/>
+            </p:spPr>
+            <p:txBody>
+              <a:bodyPr wrap="square" rtlCol="0">
+                <a:spAutoFit/>
+              </a:bodyPr>
+              <a:lstStyle/>
+              <a:p>
+                <a14:m>
+                  <m:oMathPara xmlns:m="http://schemas.openxmlformats.org/officeDocument/2006/math">
+                    <m:oMathParaPr>
+                      <m:jc m:val="centerGroup"/>
+                    </m:oMathParaPr>
+                    <m:oMath xmlns:m="http://schemas.openxmlformats.org/officeDocument/2006/math">
+                      <m:sSub>
+                        <m:sSubPr>
+                          <m:ctrlPr>
+                            <a:rPr lang="en-US" altLang="zh-TW" b="0" i="1" smtClean="0">
+                              <a:latin typeface="Cambria Math" panose="02040503050406030204" pitchFamily="18" charset="0"/>
+                            </a:rPr>
+                          </m:ctrlPr>
+                        </m:sSubPr>
+                        <m:e>
+                          <m:r>
+                            <a:rPr lang="en-US" altLang="zh-TW" b="0" i="1" smtClean="0">
+                              <a:latin typeface="Cambria Math" panose="02040503050406030204" pitchFamily="18" charset="0"/>
+                            </a:rPr>
+                            <m:t>𝑣</m:t>
+                          </m:r>
+                        </m:e>
+                        <m:sub>
+                          <m:r>
+                            <a:rPr lang="en-US" altLang="zh-TW" b="0" i="1" smtClean="0">
+                              <a:latin typeface="Cambria Math" panose="02040503050406030204" pitchFamily="18" charset="0"/>
+                            </a:rPr>
+                            <m:t>2</m:t>
+                          </m:r>
+                        </m:sub>
+                      </m:sSub>
+                    </m:oMath>
+                  </m:oMathPara>
+                </a14:m>
+                <a:endParaRPr lang="zh-TW" altLang="en-US" dirty="0"/>
+              </a:p>
+            </p:txBody>
+          </p:sp>
+        </mc:Choice>
+        <mc:Fallback>
+          <p:sp>
+            <p:nvSpPr>
+              <p:cNvPr id="33" name="文字方塊 32">
+                <a:extLst>
+                  <a:ext uri="{FF2B5EF4-FFF2-40B4-BE49-F238E27FC236}">
+                    <a16:creationId xmlns:a16="http://schemas.microsoft.com/office/drawing/2014/main" id="{D30C12AF-062C-46D8-A8A1-FE2E96111659}"/>
+                  </a:ext>
+                </a:extLst>
+              </p:cNvPr>
+              <p:cNvSpPr txBox="1">
+                <a:spLocks noRot="1" noChangeAspect="1" noMove="1" noResize="1" noEditPoints="1" noAdjustHandles="1" noChangeArrowheads="1" noChangeShapeType="1" noTextEdit="1"/>
+              </p:cNvSpPr>
+              <p:nvPr/>
+            </p:nvSpPr>
+            <p:spPr>
+              <a:xfrm>
+                <a:off x="2998135" y="1787802"/>
+                <a:ext cx="254000" cy="369332"/>
+              </a:xfrm>
+              <a:prstGeom prst="rect">
+                <a:avLst/>
+              </a:prstGeom>
+              <a:blipFill>
+                <a:blip r:embed="rId9"/>
+                <a:stretch>
+                  <a:fillRect r="-48780"/>
+                </a:stretch>
+              </a:blipFill>
+            </p:spPr>
+            <p:txBody>
+              <a:bodyPr/>
+              <a:lstStyle/>
+              <a:p>
+                <a:r>
+                  <a:rPr lang="zh-TW" altLang="en-US">
+                    <a:noFill/>
+                  </a:rPr>
+                  <a:t> </a:t>
+                </a:r>
+              </a:p>
+            </p:txBody>
+          </p:sp>
+        </mc:Fallback>
+      </mc:AlternateContent>
+      <mc:AlternateContent xmlns:mc="http://schemas.openxmlformats.org/markup-compatibility/2006">
+        <mc:Choice xmlns:a14="http://schemas.microsoft.com/office/drawing/2010/main" Requires="a14">
+          <p:sp>
+            <p:nvSpPr>
+              <p:cNvPr id="34" name="文字方塊 33">
+                <a:extLst>
+                  <a:ext uri="{FF2B5EF4-FFF2-40B4-BE49-F238E27FC236}">
+                    <a16:creationId xmlns:a16="http://schemas.microsoft.com/office/drawing/2014/main" id="{E2C7EACB-B9F9-4ABC-82A6-F3060434D071}"/>
+                  </a:ext>
+                </a:extLst>
+              </p:cNvPr>
+              <p:cNvSpPr txBox="1"/>
+              <p:nvPr/>
+            </p:nvSpPr>
+            <p:spPr>
+              <a:xfrm>
+                <a:off x="4162234" y="1969736"/>
+                <a:ext cx="254000" cy="369332"/>
+              </a:xfrm>
+              <a:prstGeom prst="rect">
+                <a:avLst/>
+              </a:prstGeom>
+              <a:noFill/>
+            </p:spPr>
+            <p:txBody>
+              <a:bodyPr wrap="square" rtlCol="0">
+                <a:spAutoFit/>
+              </a:bodyPr>
+              <a:lstStyle/>
+              <a:p>
+                <a14:m>
+                  <m:oMathPara xmlns:m="http://schemas.openxmlformats.org/officeDocument/2006/math">
+                    <m:oMathParaPr>
+                      <m:jc m:val="centerGroup"/>
+                    </m:oMathParaPr>
+                    <m:oMath xmlns:m="http://schemas.openxmlformats.org/officeDocument/2006/math">
+                      <m:sSub>
+                        <m:sSubPr>
+                          <m:ctrlPr>
+                            <a:rPr lang="en-US" altLang="zh-TW" b="0" i="1" smtClean="0">
+                              <a:latin typeface="Cambria Math" panose="02040503050406030204" pitchFamily="18" charset="0"/>
+                            </a:rPr>
+                          </m:ctrlPr>
+                        </m:sSubPr>
+                        <m:e>
+                          <m:r>
+                            <a:rPr lang="en-US" altLang="zh-TW" b="0" i="1" smtClean="0">
+                              <a:latin typeface="Cambria Math" panose="02040503050406030204" pitchFamily="18" charset="0"/>
+                            </a:rPr>
+                            <m:t>𝑣</m:t>
+                          </m:r>
+                        </m:e>
+                        <m:sub>
+                          <m:r>
+                            <a:rPr lang="en-US" altLang="zh-TW" b="0" i="1" smtClean="0">
+                              <a:latin typeface="Cambria Math" panose="02040503050406030204" pitchFamily="18" charset="0"/>
+                            </a:rPr>
+                            <m:t>3</m:t>
+                          </m:r>
+                        </m:sub>
+                      </m:sSub>
+                    </m:oMath>
+                  </m:oMathPara>
+                </a14:m>
+                <a:endParaRPr lang="zh-TW" altLang="en-US" dirty="0"/>
+              </a:p>
+            </p:txBody>
+          </p:sp>
+        </mc:Choice>
+        <mc:Fallback>
+          <p:sp>
+            <p:nvSpPr>
+              <p:cNvPr id="34" name="文字方塊 33">
+                <a:extLst>
+                  <a:ext uri="{FF2B5EF4-FFF2-40B4-BE49-F238E27FC236}">
+                    <a16:creationId xmlns:a16="http://schemas.microsoft.com/office/drawing/2014/main" id="{E2C7EACB-B9F9-4ABC-82A6-F3060434D071}"/>
+                  </a:ext>
+                </a:extLst>
+              </p:cNvPr>
+              <p:cNvSpPr txBox="1">
+                <a:spLocks noRot="1" noChangeAspect="1" noMove="1" noResize="1" noEditPoints="1" noAdjustHandles="1" noChangeArrowheads="1" noChangeShapeType="1" noTextEdit="1"/>
+              </p:cNvSpPr>
+              <p:nvPr/>
+            </p:nvSpPr>
+            <p:spPr>
+              <a:xfrm>
+                <a:off x="4162234" y="1969736"/>
+                <a:ext cx="254000" cy="369332"/>
+              </a:xfrm>
+              <a:prstGeom prst="rect">
+                <a:avLst/>
+              </a:prstGeom>
+              <a:blipFill>
+                <a:blip r:embed="rId10"/>
+                <a:stretch>
+                  <a:fillRect r="-48780"/>
+                </a:stretch>
+              </a:blipFill>
+            </p:spPr>
+            <p:txBody>
+              <a:bodyPr/>
+              <a:lstStyle/>
+              <a:p>
+                <a:r>
+                  <a:rPr lang="zh-TW" altLang="en-US">
+                    <a:noFill/>
+                  </a:rPr>
+                  <a:t> </a:t>
+                </a:r>
+              </a:p>
+            </p:txBody>
+          </p:sp>
+        </mc:Fallback>
+      </mc:AlternateContent>
+      <mc:AlternateContent xmlns:mc="http://schemas.openxmlformats.org/markup-compatibility/2006">
+        <mc:Choice xmlns:a14="http://schemas.microsoft.com/office/drawing/2010/main" Requires="a14">
+          <p:sp>
+            <p:nvSpPr>
+              <p:cNvPr id="35" name="文字方塊 34">
+                <a:extLst>
+                  <a:ext uri="{FF2B5EF4-FFF2-40B4-BE49-F238E27FC236}">
+                    <a16:creationId xmlns:a16="http://schemas.microsoft.com/office/drawing/2014/main" id="{B3028E02-AFE5-4F36-B700-31CB57CF2E5F}"/>
+                  </a:ext>
+                </a:extLst>
+              </p:cNvPr>
+              <p:cNvSpPr txBox="1"/>
+              <p:nvPr/>
+            </p:nvSpPr>
+            <p:spPr>
+              <a:xfrm>
+                <a:off x="5404596" y="1834467"/>
+                <a:ext cx="254000" cy="369332"/>
+              </a:xfrm>
+              <a:prstGeom prst="rect">
+                <a:avLst/>
+              </a:prstGeom>
+              <a:noFill/>
+            </p:spPr>
+            <p:txBody>
+              <a:bodyPr wrap="square" rtlCol="0">
+                <a:spAutoFit/>
+              </a:bodyPr>
+              <a:lstStyle/>
+              <a:p>
+                <a14:m>
+                  <m:oMathPara xmlns:m="http://schemas.openxmlformats.org/officeDocument/2006/math">
+                    <m:oMathParaPr>
+                      <m:jc m:val="centerGroup"/>
+                    </m:oMathParaPr>
+                    <m:oMath xmlns:m="http://schemas.openxmlformats.org/officeDocument/2006/math">
+                      <m:sSub>
+                        <m:sSubPr>
+                          <m:ctrlPr>
+                            <a:rPr lang="en-US" altLang="zh-TW" b="0" i="1" smtClean="0">
+                              <a:latin typeface="Cambria Math" panose="02040503050406030204" pitchFamily="18" charset="0"/>
+                            </a:rPr>
+                          </m:ctrlPr>
+                        </m:sSubPr>
+                        <m:e>
+                          <m:r>
+                            <a:rPr lang="en-US" altLang="zh-TW" b="0" i="1" smtClean="0">
+                              <a:latin typeface="Cambria Math" panose="02040503050406030204" pitchFamily="18" charset="0"/>
+                            </a:rPr>
+                            <m:t>𝑣</m:t>
+                          </m:r>
+                        </m:e>
+                        <m:sub>
+                          <m:r>
+                            <a:rPr lang="en-US" altLang="zh-TW" b="0" i="1" smtClean="0">
+                              <a:latin typeface="Cambria Math" panose="02040503050406030204" pitchFamily="18" charset="0"/>
+                            </a:rPr>
+                            <m:t>4</m:t>
+                          </m:r>
+                        </m:sub>
+                      </m:sSub>
+                    </m:oMath>
+                  </m:oMathPara>
+                </a14:m>
+                <a:endParaRPr lang="zh-TW" altLang="en-US" dirty="0"/>
+              </a:p>
+            </p:txBody>
+          </p:sp>
+        </mc:Choice>
+        <mc:Fallback>
+          <p:sp>
+            <p:nvSpPr>
+              <p:cNvPr id="35" name="文字方塊 34">
+                <a:extLst>
+                  <a:ext uri="{FF2B5EF4-FFF2-40B4-BE49-F238E27FC236}">
+                    <a16:creationId xmlns:a16="http://schemas.microsoft.com/office/drawing/2014/main" id="{B3028E02-AFE5-4F36-B700-31CB57CF2E5F}"/>
+                  </a:ext>
+                </a:extLst>
+              </p:cNvPr>
+              <p:cNvSpPr txBox="1">
+                <a:spLocks noRot="1" noChangeAspect="1" noMove="1" noResize="1" noEditPoints="1" noAdjustHandles="1" noChangeArrowheads="1" noChangeShapeType="1" noTextEdit="1"/>
+              </p:cNvSpPr>
+              <p:nvPr/>
+            </p:nvSpPr>
+            <p:spPr>
+              <a:xfrm>
+                <a:off x="5404596" y="1834467"/>
+                <a:ext cx="254000" cy="369332"/>
+              </a:xfrm>
+              <a:prstGeom prst="rect">
+                <a:avLst/>
+              </a:prstGeom>
+              <a:blipFill>
+                <a:blip r:embed="rId11"/>
+                <a:stretch>
+                  <a:fillRect r="-43902"/>
+                </a:stretch>
+              </a:blipFill>
+            </p:spPr>
+            <p:txBody>
+              <a:bodyPr/>
+              <a:lstStyle/>
+              <a:p>
+                <a:r>
+                  <a:rPr lang="zh-TW" altLang="en-US">
+                    <a:noFill/>
+                  </a:rPr>
+                  <a:t> </a:t>
+                </a:r>
+              </a:p>
+            </p:txBody>
+          </p:sp>
+        </mc:Fallback>
+      </mc:AlternateContent>
+      <mc:AlternateContent xmlns:mc="http://schemas.openxmlformats.org/markup-compatibility/2006">
+        <mc:Choice xmlns:a14="http://schemas.microsoft.com/office/drawing/2010/main" Requires="a14">
+          <p:sp>
+            <p:nvSpPr>
+              <p:cNvPr id="36" name="文字方塊 35">
+                <a:extLst>
+                  <a:ext uri="{FF2B5EF4-FFF2-40B4-BE49-F238E27FC236}">
+                    <a16:creationId xmlns:a16="http://schemas.microsoft.com/office/drawing/2014/main" id="{A4BFED02-8500-423D-AB6E-4F80144F2C7A}"/>
+                  </a:ext>
+                </a:extLst>
+              </p:cNvPr>
+              <p:cNvSpPr txBox="1"/>
+              <p:nvPr/>
+            </p:nvSpPr>
+            <p:spPr>
+              <a:xfrm>
+                <a:off x="6451100" y="1569801"/>
+                <a:ext cx="254000" cy="369332"/>
+              </a:xfrm>
+              <a:prstGeom prst="rect">
+                <a:avLst/>
+              </a:prstGeom>
+              <a:noFill/>
+            </p:spPr>
+            <p:txBody>
+              <a:bodyPr wrap="square" rtlCol="0">
+                <a:spAutoFit/>
+              </a:bodyPr>
+              <a:lstStyle/>
+              <a:p>
+                <a14:m>
+                  <m:oMathPara xmlns:m="http://schemas.openxmlformats.org/officeDocument/2006/math">
+                    <m:oMathParaPr>
+                      <m:jc m:val="centerGroup"/>
+                    </m:oMathParaPr>
+                    <m:oMath xmlns:m="http://schemas.openxmlformats.org/officeDocument/2006/math">
+                      <m:sSub>
+                        <m:sSubPr>
+                          <m:ctrlPr>
+                            <a:rPr lang="en-US" altLang="zh-TW" b="0" i="1" smtClean="0">
+                              <a:latin typeface="Cambria Math" panose="02040503050406030204" pitchFamily="18" charset="0"/>
+                            </a:rPr>
+                          </m:ctrlPr>
+                        </m:sSubPr>
+                        <m:e>
+                          <m:r>
+                            <a:rPr lang="en-US" altLang="zh-TW" b="0" i="1" smtClean="0">
+                              <a:latin typeface="Cambria Math" panose="02040503050406030204" pitchFamily="18" charset="0"/>
+                            </a:rPr>
+                            <m:t>𝑣</m:t>
+                          </m:r>
+                        </m:e>
+                        <m:sub>
+                          <m:r>
+                            <a:rPr lang="en-US" altLang="zh-TW" b="0" i="1" smtClean="0">
+                              <a:latin typeface="Cambria Math" panose="02040503050406030204" pitchFamily="18" charset="0"/>
+                            </a:rPr>
+                            <m:t>5</m:t>
+                          </m:r>
+                        </m:sub>
+                      </m:sSub>
+                    </m:oMath>
+                  </m:oMathPara>
+                </a14:m>
+                <a:endParaRPr lang="zh-TW" altLang="en-US" dirty="0"/>
+              </a:p>
+            </p:txBody>
+          </p:sp>
+        </mc:Choice>
+        <mc:Fallback>
+          <p:sp>
+            <p:nvSpPr>
+              <p:cNvPr id="36" name="文字方塊 35">
+                <a:extLst>
+                  <a:ext uri="{FF2B5EF4-FFF2-40B4-BE49-F238E27FC236}">
+                    <a16:creationId xmlns:a16="http://schemas.microsoft.com/office/drawing/2014/main" id="{A4BFED02-8500-423D-AB6E-4F80144F2C7A}"/>
+                  </a:ext>
+                </a:extLst>
+              </p:cNvPr>
+              <p:cNvSpPr txBox="1">
+                <a:spLocks noRot="1" noChangeAspect="1" noMove="1" noResize="1" noEditPoints="1" noAdjustHandles="1" noChangeArrowheads="1" noChangeShapeType="1" noTextEdit="1"/>
+              </p:cNvSpPr>
+              <p:nvPr/>
+            </p:nvSpPr>
+            <p:spPr>
+              <a:xfrm>
+                <a:off x="6451100" y="1569801"/>
+                <a:ext cx="254000" cy="369332"/>
+              </a:xfrm>
+              <a:prstGeom prst="rect">
+                <a:avLst/>
+              </a:prstGeom>
+              <a:blipFill>
+                <a:blip r:embed="rId12"/>
+                <a:stretch>
+                  <a:fillRect r="-47619"/>
+                </a:stretch>
+              </a:blipFill>
+            </p:spPr>
+            <p:txBody>
+              <a:bodyPr/>
+              <a:lstStyle/>
+              <a:p>
+                <a:r>
+                  <a:rPr lang="zh-TW" altLang="en-US">
+                    <a:noFill/>
+                  </a:rPr>
+                  <a:t> </a:t>
+                </a:r>
+              </a:p>
+            </p:txBody>
+          </p:sp>
+        </mc:Fallback>
+      </mc:AlternateContent>
+      <p:grpSp>
+        <p:nvGrpSpPr>
+          <p:cNvPr id="37" name="群組 36">
+            <a:extLst>
+              <a:ext uri="{FF2B5EF4-FFF2-40B4-BE49-F238E27FC236}">
+                <a16:creationId xmlns:a16="http://schemas.microsoft.com/office/drawing/2014/main" id="{EDCBBF6D-6393-435A-987F-DA32F3E4BF54}"/>
+              </a:ext>
+            </a:extLst>
+          </p:cNvPr>
+          <p:cNvGrpSpPr/>
+          <p:nvPr/>
+        </p:nvGrpSpPr>
+        <p:grpSpPr>
+          <a:xfrm>
+            <a:off x="2998135" y="3429000"/>
+            <a:ext cx="5807183" cy="3143317"/>
+            <a:chOff x="5079120" y="543253"/>
+            <a:chExt cx="5807183" cy="3143317"/>
+          </a:xfrm>
+        </p:grpSpPr>
+        <p:sp>
+          <p:nvSpPr>
+            <p:cNvPr id="38" name="橢圓 37">
+              <a:extLst>
+                <a:ext uri="{FF2B5EF4-FFF2-40B4-BE49-F238E27FC236}">
+                  <a16:creationId xmlns:a16="http://schemas.microsoft.com/office/drawing/2014/main" id="{438E41BB-01F8-4AB7-AE60-AC26F8FEC158}"/>
+                </a:ext>
+              </a:extLst>
+            </p:cNvPr>
+            <p:cNvSpPr/>
+            <p:nvPr/>
+          </p:nvSpPr>
+          <p:spPr>
+            <a:xfrm>
+              <a:off x="5079120" y="2246570"/>
+              <a:ext cx="1440000" cy="1440000"/>
+            </a:xfrm>
+            <a:prstGeom prst="ellipse">
+              <a:avLst/>
+            </a:prstGeom>
+            <a:solidFill>
+              <a:srgbClr val="A5A5A5">
+                <a:alpha val="50196"/>
+              </a:srgbClr>
+            </a:solidFill>
+          </p:spPr>
+          <p:style>
+            <a:lnRef idx="2">
+              <a:schemeClr val="accent3">
+                <a:shade val="50000"/>
+              </a:schemeClr>
+            </a:lnRef>
+            <a:fillRef idx="1">
+              <a:schemeClr val="accent3"/>
+            </a:fillRef>
+            <a:effectRef idx="0">
+              <a:schemeClr val="accent3"/>
+            </a:effectRef>
+            <a:fontRef idx="minor">
+              <a:schemeClr val="lt1"/>
+            </a:fontRef>
+          </p:style>
+          <p:txBody>
+            <a:bodyPr rtlCol="0" anchor="ctr"/>
+            <a:lstStyle/>
+            <a:p>
+              <a:pPr algn="ctr"/>
+              <a:endParaRPr lang="zh-TW" altLang="en-US" dirty="0"/>
+            </a:p>
+          </p:txBody>
+        </p:sp>
+        <p:sp>
+          <p:nvSpPr>
+            <p:cNvPr id="39" name="橢圓 38">
+              <a:extLst>
+                <a:ext uri="{FF2B5EF4-FFF2-40B4-BE49-F238E27FC236}">
+                  <a16:creationId xmlns:a16="http://schemas.microsoft.com/office/drawing/2014/main" id="{190EE50C-A7B1-474F-939D-A32D2F808FA6}"/>
+                </a:ext>
+              </a:extLst>
+            </p:cNvPr>
+            <p:cNvSpPr/>
+            <p:nvPr/>
+          </p:nvSpPr>
+          <p:spPr>
+            <a:xfrm>
+              <a:off x="5784102" y="1827132"/>
+              <a:ext cx="1296000" cy="1296000"/>
+            </a:xfrm>
+            <a:prstGeom prst="ellipse">
+              <a:avLst/>
+            </a:prstGeom>
+            <a:solidFill>
+              <a:srgbClr val="A5A5A5">
+                <a:alpha val="50196"/>
+              </a:srgbClr>
+            </a:solidFill>
+          </p:spPr>
+          <p:style>
+            <a:lnRef idx="2">
+              <a:schemeClr val="accent3">
+                <a:shade val="50000"/>
+              </a:schemeClr>
+            </a:lnRef>
+            <a:fillRef idx="1">
+              <a:schemeClr val="accent3"/>
+            </a:fillRef>
+            <a:effectRef idx="0">
+              <a:schemeClr val="accent3"/>
+            </a:effectRef>
+            <a:fontRef idx="minor">
+              <a:schemeClr val="lt1"/>
+            </a:fontRef>
+          </p:style>
+          <p:txBody>
+            <a:bodyPr rtlCol="0" anchor="ctr"/>
+            <a:lstStyle/>
+            <a:p>
+              <a:pPr algn="ctr"/>
+              <a:endParaRPr lang="zh-TW" altLang="en-US" dirty="0"/>
+            </a:p>
+          </p:txBody>
+        </p:sp>
+        <p:sp>
+          <p:nvSpPr>
+            <p:cNvPr id="40" name="橢圓 39">
+              <a:extLst>
+                <a:ext uri="{FF2B5EF4-FFF2-40B4-BE49-F238E27FC236}">
+                  <a16:creationId xmlns:a16="http://schemas.microsoft.com/office/drawing/2014/main" id="{BA445B7E-CABA-48D0-8D45-1F4D79CC8B32}"/>
+                </a:ext>
+              </a:extLst>
+            </p:cNvPr>
+            <p:cNvSpPr/>
+            <p:nvPr/>
+          </p:nvSpPr>
+          <p:spPr>
+            <a:xfrm>
+              <a:off x="6468102" y="1561474"/>
+              <a:ext cx="1152000" cy="1152000"/>
+            </a:xfrm>
+            <a:prstGeom prst="ellipse">
+              <a:avLst/>
+            </a:prstGeom>
+            <a:solidFill>
+              <a:srgbClr val="A5A5A5">
+                <a:alpha val="50196"/>
+              </a:srgbClr>
+            </a:solidFill>
+          </p:spPr>
+          <p:style>
+            <a:lnRef idx="2">
+              <a:schemeClr val="accent3">
+                <a:shade val="50000"/>
+              </a:schemeClr>
+            </a:lnRef>
+            <a:fillRef idx="1">
+              <a:schemeClr val="accent3"/>
+            </a:fillRef>
+            <a:effectRef idx="0">
+              <a:schemeClr val="accent3"/>
+            </a:effectRef>
+            <a:fontRef idx="minor">
+              <a:schemeClr val="lt1"/>
+            </a:fontRef>
+          </p:style>
+          <p:txBody>
+            <a:bodyPr rtlCol="0" anchor="ctr"/>
+            <a:lstStyle/>
+            <a:p>
+              <a:pPr algn="ctr"/>
+              <a:endParaRPr lang="zh-TW" altLang="en-US" dirty="0"/>
+            </a:p>
+          </p:txBody>
+        </p:sp>
+        <p:sp>
+          <p:nvSpPr>
+            <p:cNvPr id="41" name="橢圓 40">
+              <a:extLst>
+                <a:ext uri="{FF2B5EF4-FFF2-40B4-BE49-F238E27FC236}">
+                  <a16:creationId xmlns:a16="http://schemas.microsoft.com/office/drawing/2014/main" id="{B165FF9C-65E6-4819-A98D-E47961DE83B3}"/>
+                </a:ext>
+              </a:extLst>
+            </p:cNvPr>
+            <p:cNvSpPr/>
+            <p:nvPr/>
+          </p:nvSpPr>
+          <p:spPr>
+            <a:xfrm>
+              <a:off x="7177460" y="1421482"/>
+              <a:ext cx="1008000" cy="1008000"/>
+            </a:xfrm>
+            <a:prstGeom prst="ellipse">
+              <a:avLst/>
+            </a:prstGeom>
+            <a:solidFill>
+              <a:srgbClr val="A5A5A5">
+                <a:alpha val="50196"/>
+              </a:srgbClr>
+            </a:solidFill>
+          </p:spPr>
+          <p:style>
+            <a:lnRef idx="2">
+              <a:schemeClr val="accent3">
+                <a:shade val="50000"/>
+              </a:schemeClr>
+            </a:lnRef>
+            <a:fillRef idx="1">
+              <a:schemeClr val="accent3"/>
+            </a:fillRef>
+            <a:effectRef idx="0">
+              <a:schemeClr val="accent3"/>
+            </a:effectRef>
+            <a:fontRef idx="minor">
+              <a:schemeClr val="lt1"/>
+            </a:fontRef>
+          </p:style>
+          <p:txBody>
+            <a:bodyPr rtlCol="0" anchor="ctr"/>
+            <a:lstStyle/>
+            <a:p>
+              <a:pPr algn="ctr"/>
+              <a:endParaRPr lang="zh-TW" altLang="en-US" dirty="0"/>
+            </a:p>
+          </p:txBody>
+        </p:sp>
+        <p:sp>
+          <p:nvSpPr>
+            <p:cNvPr id="42" name="橢圓 41">
+              <a:extLst>
+                <a:ext uri="{FF2B5EF4-FFF2-40B4-BE49-F238E27FC236}">
+                  <a16:creationId xmlns:a16="http://schemas.microsoft.com/office/drawing/2014/main" id="{ECD5213D-CE41-456A-9E70-FA625A4A9C86}"/>
+                </a:ext>
+              </a:extLst>
+            </p:cNvPr>
+            <p:cNvSpPr/>
+            <p:nvPr/>
+          </p:nvSpPr>
+          <p:spPr>
+            <a:xfrm>
+              <a:off x="8013843" y="1396800"/>
+              <a:ext cx="864000" cy="864000"/>
+            </a:xfrm>
+            <a:prstGeom prst="ellipse">
+              <a:avLst/>
+            </a:prstGeom>
+          </p:spPr>
+          <p:style>
+            <a:lnRef idx="2">
+              <a:schemeClr val="accent3">
+                <a:shade val="50000"/>
+              </a:schemeClr>
+            </a:lnRef>
+            <a:fillRef idx="1">
+              <a:schemeClr val="accent3"/>
+            </a:fillRef>
+            <a:effectRef idx="0">
+              <a:schemeClr val="accent3"/>
+            </a:effectRef>
+            <a:fontRef idx="minor">
+              <a:schemeClr val="lt1"/>
+            </a:fontRef>
+          </p:style>
+          <p:txBody>
+            <a:bodyPr rtlCol="0" anchor="ctr"/>
+            <a:lstStyle/>
+            <a:p>
+              <a:pPr algn="ctr"/>
+              <a:endParaRPr lang="zh-TW" altLang="en-US" sz="1400" dirty="0"/>
+            </a:p>
+          </p:txBody>
+        </p:sp>
+        <p:sp>
+          <p:nvSpPr>
+            <p:cNvPr id="43" name="手繪多邊形: 圖案 42">
+              <a:extLst>
+                <a:ext uri="{FF2B5EF4-FFF2-40B4-BE49-F238E27FC236}">
+                  <a16:creationId xmlns:a16="http://schemas.microsoft.com/office/drawing/2014/main" id="{80F4045E-AF6D-4C00-8EE2-DE35C4EEF679}"/>
+                </a:ext>
+              </a:extLst>
+            </p:cNvPr>
+            <p:cNvSpPr/>
+            <p:nvPr/>
+          </p:nvSpPr>
+          <p:spPr>
+            <a:xfrm>
+              <a:off x="5801497" y="1828800"/>
+              <a:ext cx="2644346" cy="1099751"/>
+            </a:xfrm>
+            <a:custGeom>
+              <a:avLst/>
+              <a:gdLst>
+                <a:gd name="connsiteX0" fmla="*/ 2644346 w 2644346"/>
+                <a:gd name="connsiteY0" fmla="*/ 0 h 1099751"/>
+                <a:gd name="connsiteX1" fmla="*/ 1884406 w 2644346"/>
+                <a:gd name="connsiteY1" fmla="*/ 61784 h 1099751"/>
+                <a:gd name="connsiteX2" fmla="*/ 1235676 w 2644346"/>
+                <a:gd name="connsiteY2" fmla="*/ 296562 h 1099751"/>
+                <a:gd name="connsiteX3" fmla="*/ 630195 w 2644346"/>
+                <a:gd name="connsiteY3" fmla="*/ 642551 h 1099751"/>
+                <a:gd name="connsiteX4" fmla="*/ 0 w 2644346"/>
+                <a:gd name="connsiteY4" fmla="*/ 1099751 h 1099751"/>
+              </a:gdLst>
+              <a:ahLst/>
+              <a:cxnLst>
+                <a:cxn ang="0">
+                  <a:pos x="connsiteX0" y="connsiteY0"/>
+                </a:cxn>
+                <a:cxn ang="0">
+                  <a:pos x="connsiteX1" y="connsiteY1"/>
+                </a:cxn>
+                <a:cxn ang="0">
+                  <a:pos x="connsiteX2" y="connsiteY2"/>
+                </a:cxn>
+                <a:cxn ang="0">
+                  <a:pos x="connsiteX3" y="connsiteY3"/>
+                </a:cxn>
+                <a:cxn ang="0">
+                  <a:pos x="connsiteX4" y="connsiteY4"/>
+                </a:cxn>
+              </a:cxnLst>
+              <a:rect l="l" t="t" r="r" b="b"/>
+              <a:pathLst>
+                <a:path w="2644346" h="1099751">
+                  <a:moveTo>
+                    <a:pt x="2644346" y="0"/>
+                  </a:moveTo>
+                  <a:cubicBezTo>
+                    <a:pt x="2381765" y="6178"/>
+                    <a:pt x="2119184" y="12357"/>
+                    <a:pt x="1884406" y="61784"/>
+                  </a:cubicBezTo>
+                  <a:cubicBezTo>
+                    <a:pt x="1649628" y="111211"/>
+                    <a:pt x="1444711" y="199768"/>
+                    <a:pt x="1235676" y="296562"/>
+                  </a:cubicBezTo>
+                  <a:cubicBezTo>
+                    <a:pt x="1026641" y="393356"/>
+                    <a:pt x="836141" y="508686"/>
+                    <a:pt x="630195" y="642551"/>
+                  </a:cubicBezTo>
+                  <a:cubicBezTo>
+                    <a:pt x="424249" y="776416"/>
+                    <a:pt x="212124" y="938083"/>
+                    <a:pt x="0" y="1099751"/>
+                  </a:cubicBezTo>
+                </a:path>
+              </a:pathLst>
+            </a:custGeom>
+            <a:noFill/>
+            <a:ln w="38100">
+              <a:solidFill>
+                <a:schemeClr val="tx1">
+                  <a:lumMod val="75000"/>
+                  <a:lumOff val="25000"/>
+                </a:schemeClr>
+              </a:solidFill>
+              <a:prstDash val="sysDash"/>
+            </a:ln>
+          </p:spPr>
+          <p:style>
+            <a:lnRef idx="2">
+              <a:schemeClr val="accent1">
+                <a:shade val="50000"/>
+              </a:schemeClr>
+            </a:lnRef>
+            <a:fillRef idx="1">
+              <a:schemeClr val="accent1"/>
+            </a:fillRef>
+            <a:effectRef idx="0">
+              <a:schemeClr val="accent1"/>
+            </a:effectRef>
+            <a:fontRef idx="minor">
+              <a:schemeClr val="lt1"/>
+            </a:fontRef>
+          </p:style>
+          <p:txBody>
+            <a:bodyPr rtlCol="0" anchor="ctr"/>
+            <a:lstStyle/>
+            <a:p>
+              <a:pPr algn="ctr"/>
+              <a:endParaRPr lang="zh-TW" altLang="en-US"/>
+            </a:p>
+          </p:txBody>
+        </p:sp>
+        <p:sp>
+          <p:nvSpPr>
+            <p:cNvPr id="44" name="橢圓 43">
+              <a:extLst>
+                <a:ext uri="{FF2B5EF4-FFF2-40B4-BE49-F238E27FC236}">
+                  <a16:creationId xmlns:a16="http://schemas.microsoft.com/office/drawing/2014/main" id="{B4460382-B71C-4A87-AED8-068B8B83FAFC}"/>
+                </a:ext>
+              </a:extLst>
+            </p:cNvPr>
+            <p:cNvSpPr/>
+            <p:nvPr/>
+          </p:nvSpPr>
+          <p:spPr>
+            <a:xfrm>
+              <a:off x="7609460" y="1834977"/>
+              <a:ext cx="144000" cy="144000"/>
+            </a:xfrm>
+            <a:prstGeom prst="ellipse">
+              <a:avLst/>
+            </a:prstGeom>
+            <a:solidFill>
+              <a:srgbClr val="FF0000"/>
+            </a:solidFill>
+            <a:ln>
+              <a:solidFill>
+                <a:srgbClr val="FF0000"/>
+              </a:solidFill>
+            </a:ln>
+          </p:spPr>
+          <p:style>
+            <a:lnRef idx="2">
+              <a:schemeClr val="accent1">
+                <a:shade val="50000"/>
+              </a:schemeClr>
+            </a:lnRef>
+            <a:fillRef idx="1">
+              <a:schemeClr val="accent1"/>
+            </a:fillRef>
+            <a:effectRef idx="0">
+              <a:schemeClr val="accent1"/>
+            </a:effectRef>
+            <a:fontRef idx="minor">
+              <a:schemeClr val="lt1"/>
+            </a:fontRef>
+          </p:style>
+          <p:txBody>
+            <a:bodyPr rtlCol="0" anchor="ctr"/>
+            <a:lstStyle/>
+            <a:p>
+              <a:pPr algn="ctr"/>
+              <a:endParaRPr lang="zh-TW" altLang="en-US"/>
+            </a:p>
+          </p:txBody>
+        </p:sp>
+        <p:sp>
+          <p:nvSpPr>
+            <p:cNvPr id="45" name="橢圓 44">
+              <a:extLst>
+                <a:ext uri="{FF2B5EF4-FFF2-40B4-BE49-F238E27FC236}">
+                  <a16:creationId xmlns:a16="http://schemas.microsoft.com/office/drawing/2014/main" id="{607FD67D-AFDC-4B0D-9197-0C73B7F5952C}"/>
+                </a:ext>
+              </a:extLst>
+            </p:cNvPr>
+            <p:cNvSpPr/>
+            <p:nvPr/>
+          </p:nvSpPr>
+          <p:spPr>
+            <a:xfrm>
+              <a:off x="6967152" y="2065474"/>
+              <a:ext cx="144000" cy="144000"/>
+            </a:xfrm>
+            <a:prstGeom prst="ellipse">
+              <a:avLst/>
+            </a:prstGeom>
+            <a:solidFill>
+              <a:srgbClr val="FF0000"/>
+            </a:solidFill>
+            <a:ln>
+              <a:solidFill>
+                <a:srgbClr val="FF0000"/>
+              </a:solidFill>
+            </a:ln>
+          </p:spPr>
+          <p:style>
+            <a:lnRef idx="2">
+              <a:schemeClr val="accent1">
+                <a:shade val="50000"/>
+              </a:schemeClr>
+            </a:lnRef>
+            <a:fillRef idx="1">
+              <a:schemeClr val="accent1"/>
+            </a:fillRef>
+            <a:effectRef idx="0">
+              <a:schemeClr val="accent1"/>
+            </a:effectRef>
+            <a:fontRef idx="minor">
+              <a:schemeClr val="lt1"/>
+            </a:fontRef>
+          </p:style>
+          <p:txBody>
+            <a:bodyPr rtlCol="0" anchor="ctr"/>
+            <a:lstStyle/>
+            <a:p>
+              <a:pPr algn="ctr"/>
+              <a:endParaRPr lang="zh-TW" altLang="en-US"/>
+            </a:p>
+          </p:txBody>
+        </p:sp>
+        <p:sp>
+          <p:nvSpPr>
+            <p:cNvPr id="46" name="橢圓 45">
+              <a:extLst>
+                <a:ext uri="{FF2B5EF4-FFF2-40B4-BE49-F238E27FC236}">
+                  <a16:creationId xmlns:a16="http://schemas.microsoft.com/office/drawing/2014/main" id="{09668486-2308-4D7A-989B-F67846D9DDDB}"/>
+                </a:ext>
+              </a:extLst>
+            </p:cNvPr>
+            <p:cNvSpPr/>
+            <p:nvPr/>
+          </p:nvSpPr>
+          <p:spPr>
+            <a:xfrm>
+              <a:off x="6355249" y="2410977"/>
+              <a:ext cx="144000" cy="144000"/>
+            </a:xfrm>
+            <a:prstGeom prst="ellipse">
+              <a:avLst/>
+            </a:prstGeom>
+            <a:solidFill>
+              <a:srgbClr val="FF0000"/>
+            </a:solidFill>
+            <a:ln>
+              <a:solidFill>
+                <a:srgbClr val="FF0000"/>
+              </a:solidFill>
+            </a:ln>
+          </p:spPr>
+          <p:style>
+            <a:lnRef idx="2">
+              <a:schemeClr val="accent1">
+                <a:shade val="50000"/>
+              </a:schemeClr>
+            </a:lnRef>
+            <a:fillRef idx="1">
+              <a:schemeClr val="accent1"/>
+            </a:fillRef>
+            <a:effectRef idx="0">
+              <a:schemeClr val="accent1"/>
+            </a:effectRef>
+            <a:fontRef idx="minor">
+              <a:schemeClr val="lt1"/>
+            </a:fontRef>
+          </p:style>
+          <p:txBody>
+            <a:bodyPr rtlCol="0" anchor="ctr"/>
+            <a:lstStyle/>
+            <a:p>
+              <a:pPr algn="ctr"/>
+              <a:endParaRPr lang="zh-TW" altLang="en-US"/>
+            </a:p>
+          </p:txBody>
+        </p:sp>
+        <p:sp>
+          <p:nvSpPr>
+            <p:cNvPr id="47" name="橢圓 46">
+              <a:extLst>
+                <a:ext uri="{FF2B5EF4-FFF2-40B4-BE49-F238E27FC236}">
+                  <a16:creationId xmlns:a16="http://schemas.microsoft.com/office/drawing/2014/main" id="{6C5BFF38-A928-4444-A9D8-3333246E5CB3}"/>
+                </a:ext>
+              </a:extLst>
+            </p:cNvPr>
+            <p:cNvSpPr/>
+            <p:nvPr/>
+          </p:nvSpPr>
+          <p:spPr>
+            <a:xfrm>
+              <a:off x="5729336" y="2860588"/>
+              <a:ext cx="144000" cy="144000"/>
+            </a:xfrm>
+            <a:prstGeom prst="ellipse">
+              <a:avLst/>
+            </a:prstGeom>
+            <a:solidFill>
+              <a:srgbClr val="FF0000"/>
+            </a:solidFill>
+            <a:ln>
+              <a:solidFill>
+                <a:srgbClr val="FF0000"/>
+              </a:solidFill>
+            </a:ln>
+          </p:spPr>
+          <p:style>
+            <a:lnRef idx="2">
+              <a:schemeClr val="accent1">
+                <a:shade val="50000"/>
+              </a:schemeClr>
+            </a:lnRef>
+            <a:fillRef idx="1">
+              <a:schemeClr val="accent1"/>
+            </a:fillRef>
+            <a:effectRef idx="0">
+              <a:schemeClr val="accent1"/>
+            </a:effectRef>
+            <a:fontRef idx="minor">
+              <a:schemeClr val="lt1"/>
+            </a:fontRef>
+          </p:style>
+          <p:txBody>
+            <a:bodyPr rtlCol="0" anchor="ctr"/>
+            <a:lstStyle/>
+            <a:p>
+              <a:pPr algn="ctr"/>
+              <a:endParaRPr lang="zh-TW" altLang="en-US"/>
+            </a:p>
+          </p:txBody>
+        </p:sp>
+        <p:cxnSp>
+          <p:nvCxnSpPr>
+            <p:cNvPr id="48" name="直線單箭頭接點 47">
+              <a:extLst>
+                <a:ext uri="{FF2B5EF4-FFF2-40B4-BE49-F238E27FC236}">
+                  <a16:creationId xmlns:a16="http://schemas.microsoft.com/office/drawing/2014/main" id="{49FC0FD2-3C1D-421D-894E-80D26E35B204}"/>
+                </a:ext>
+              </a:extLst>
+            </p:cNvPr>
+            <p:cNvCxnSpPr>
+              <a:cxnSpLocks/>
+            </p:cNvCxnSpPr>
+            <p:nvPr/>
+          </p:nvCxnSpPr>
+          <p:spPr>
+            <a:xfrm flipH="1">
+              <a:off x="7210293" y="1899442"/>
+              <a:ext cx="471167" cy="79535"/>
+            </a:xfrm>
+            <a:prstGeom prst="straightConnector1">
+              <a:avLst/>
+            </a:prstGeom>
+            <a:ln w="38100">
+              <a:solidFill>
+                <a:schemeClr val="accent4"/>
+              </a:solidFill>
+              <a:tailEnd type="triangle"/>
+            </a:ln>
+          </p:spPr>
+          <p:style>
+            <a:lnRef idx="1">
+              <a:schemeClr val="accent1"/>
+            </a:lnRef>
+            <a:fillRef idx="0">
+              <a:schemeClr val="accent1"/>
+            </a:fillRef>
+            <a:effectRef idx="0">
+              <a:schemeClr val="accent1"/>
+            </a:effectRef>
+            <a:fontRef idx="minor">
+              <a:schemeClr val="tx1"/>
+            </a:fontRef>
+          </p:style>
+        </p:cxnSp>
+        <p:cxnSp>
+          <p:nvCxnSpPr>
+            <p:cNvPr id="49" name="直線單箭頭接點 48">
+              <a:extLst>
+                <a:ext uri="{FF2B5EF4-FFF2-40B4-BE49-F238E27FC236}">
+                  <a16:creationId xmlns:a16="http://schemas.microsoft.com/office/drawing/2014/main" id="{C27A3F5D-3E12-4D5B-BA5D-5D135B4A0260}"/>
+                </a:ext>
+              </a:extLst>
+            </p:cNvPr>
+            <p:cNvCxnSpPr>
+              <a:cxnSpLocks/>
+            </p:cNvCxnSpPr>
+            <p:nvPr/>
+          </p:nvCxnSpPr>
+          <p:spPr>
+            <a:xfrm flipH="1">
+              <a:off x="6613311" y="2137474"/>
+              <a:ext cx="425843" cy="171180"/>
+            </a:xfrm>
+            <a:prstGeom prst="straightConnector1">
+              <a:avLst/>
+            </a:prstGeom>
+            <a:ln w="38100">
+              <a:solidFill>
+                <a:schemeClr val="accent4"/>
+              </a:solidFill>
+              <a:tailEnd type="triangle"/>
+            </a:ln>
+          </p:spPr>
+          <p:style>
+            <a:lnRef idx="1">
+              <a:schemeClr val="accent1"/>
+            </a:lnRef>
+            <a:fillRef idx="0">
+              <a:schemeClr val="accent1"/>
+            </a:fillRef>
+            <a:effectRef idx="0">
+              <a:schemeClr val="accent1"/>
+            </a:effectRef>
+            <a:fontRef idx="minor">
+              <a:schemeClr val="tx1"/>
+            </a:fontRef>
+          </p:style>
+        </p:cxnSp>
+        <p:cxnSp>
+          <p:nvCxnSpPr>
+            <p:cNvPr id="50" name="直線單箭頭接點 49">
+              <a:extLst>
+                <a:ext uri="{FF2B5EF4-FFF2-40B4-BE49-F238E27FC236}">
+                  <a16:creationId xmlns:a16="http://schemas.microsoft.com/office/drawing/2014/main" id="{B0E92B99-CBED-4F45-8D07-A59A73C3C007}"/>
+                </a:ext>
+              </a:extLst>
+            </p:cNvPr>
+            <p:cNvCxnSpPr>
+              <a:cxnSpLocks/>
+            </p:cNvCxnSpPr>
+            <p:nvPr/>
+          </p:nvCxnSpPr>
+          <p:spPr>
+            <a:xfrm flipH="1">
+              <a:off x="6033873" y="2482977"/>
+              <a:ext cx="393377" cy="219019"/>
+            </a:xfrm>
+            <a:prstGeom prst="straightConnector1">
+              <a:avLst/>
+            </a:prstGeom>
+            <a:ln w="38100">
+              <a:solidFill>
+                <a:schemeClr val="accent4"/>
+              </a:solidFill>
+              <a:tailEnd type="triangle"/>
+            </a:ln>
+          </p:spPr>
+          <p:style>
+            <a:lnRef idx="1">
+              <a:schemeClr val="accent1"/>
+            </a:lnRef>
+            <a:fillRef idx="0">
+              <a:schemeClr val="accent1"/>
+            </a:fillRef>
+            <a:effectRef idx="0">
+              <a:schemeClr val="accent1"/>
+            </a:effectRef>
+            <a:fontRef idx="minor">
+              <a:schemeClr val="tx1"/>
+            </a:fontRef>
+          </p:style>
+        </p:cxnSp>
+        <p:cxnSp>
+          <p:nvCxnSpPr>
+            <p:cNvPr id="51" name="直線單箭頭接點 50">
+              <a:extLst>
+                <a:ext uri="{FF2B5EF4-FFF2-40B4-BE49-F238E27FC236}">
+                  <a16:creationId xmlns:a16="http://schemas.microsoft.com/office/drawing/2014/main" id="{329FEF13-2C3F-4C55-96D5-A23AB820C0DC}"/>
+                </a:ext>
+              </a:extLst>
+            </p:cNvPr>
+            <p:cNvCxnSpPr>
+              <a:cxnSpLocks/>
+            </p:cNvCxnSpPr>
+            <p:nvPr/>
+          </p:nvCxnSpPr>
+          <p:spPr>
+            <a:xfrm flipH="1">
+              <a:off x="5471898" y="2926802"/>
+              <a:ext cx="338749" cy="247040"/>
+            </a:xfrm>
+            <a:prstGeom prst="straightConnector1">
+              <a:avLst/>
+            </a:prstGeom>
+            <a:ln w="38100">
+              <a:solidFill>
+                <a:schemeClr val="accent4"/>
+              </a:solidFill>
+              <a:tailEnd type="triangle"/>
+            </a:ln>
+          </p:spPr>
+          <p:style>
+            <a:lnRef idx="1">
+              <a:schemeClr val="accent1"/>
+            </a:lnRef>
+            <a:fillRef idx="0">
+              <a:schemeClr val="accent1"/>
+            </a:fillRef>
+            <a:effectRef idx="0">
+              <a:schemeClr val="accent1"/>
+            </a:effectRef>
+            <a:fontRef idx="minor">
+              <a:schemeClr val="tx1"/>
+            </a:fontRef>
+          </p:style>
+        </p:cxnSp>
+        <p:sp>
+          <p:nvSpPr>
+            <p:cNvPr id="52" name="橢圓 51">
+              <a:extLst>
+                <a:ext uri="{FF2B5EF4-FFF2-40B4-BE49-F238E27FC236}">
+                  <a16:creationId xmlns:a16="http://schemas.microsoft.com/office/drawing/2014/main" id="{169D6109-DF29-46BA-9994-26C8CF01E247}"/>
+                </a:ext>
+              </a:extLst>
+            </p:cNvPr>
+            <p:cNvSpPr/>
+            <p:nvPr/>
+          </p:nvSpPr>
+          <p:spPr>
+            <a:xfrm>
+              <a:off x="8368522" y="1752763"/>
+              <a:ext cx="144000" cy="144000"/>
+            </a:xfrm>
+            <a:prstGeom prst="ellipse">
+              <a:avLst/>
+            </a:prstGeom>
+            <a:solidFill>
+              <a:srgbClr val="FF0000"/>
+            </a:solidFill>
+            <a:ln>
+              <a:solidFill>
+                <a:srgbClr val="FF0000"/>
+              </a:solidFill>
+            </a:ln>
+          </p:spPr>
+          <p:style>
+            <a:lnRef idx="2">
+              <a:schemeClr val="accent1">
+                <a:shade val="50000"/>
+              </a:schemeClr>
+            </a:lnRef>
+            <a:fillRef idx="1">
+              <a:schemeClr val="accent1"/>
+            </a:fillRef>
+            <a:effectRef idx="0">
+              <a:schemeClr val="accent1"/>
+            </a:effectRef>
+            <a:fontRef idx="minor">
+              <a:schemeClr val="lt1"/>
+            </a:fontRef>
+          </p:style>
+          <p:txBody>
+            <a:bodyPr rtlCol="0" anchor="ctr"/>
+            <a:lstStyle/>
+            <a:p>
+              <a:pPr algn="ctr"/>
+              <a:endParaRPr lang="zh-TW" altLang="en-US"/>
+            </a:p>
+          </p:txBody>
+        </p:sp>
+        <p:cxnSp>
+          <p:nvCxnSpPr>
+            <p:cNvPr id="53" name="直線單箭頭接點 52">
+              <a:extLst>
+                <a:ext uri="{FF2B5EF4-FFF2-40B4-BE49-F238E27FC236}">
+                  <a16:creationId xmlns:a16="http://schemas.microsoft.com/office/drawing/2014/main" id="{FDE91442-E912-4BA0-94A2-C1D04082C223}"/>
+                </a:ext>
+              </a:extLst>
+            </p:cNvPr>
+            <p:cNvCxnSpPr>
+              <a:cxnSpLocks/>
+            </p:cNvCxnSpPr>
+            <p:nvPr/>
+          </p:nvCxnSpPr>
+          <p:spPr>
+            <a:xfrm flipH="1">
+              <a:off x="7966747" y="1822243"/>
+              <a:ext cx="473776" cy="0"/>
+            </a:xfrm>
+            <a:prstGeom prst="straightConnector1">
+              <a:avLst/>
+            </a:prstGeom>
+            <a:ln w="38100">
+              <a:solidFill>
+                <a:schemeClr val="accent4"/>
+              </a:solidFill>
+              <a:tailEnd type="triangle"/>
+            </a:ln>
+          </p:spPr>
+          <p:style>
+            <a:lnRef idx="1">
+              <a:schemeClr val="accent1"/>
+            </a:lnRef>
+            <a:fillRef idx="0">
+              <a:schemeClr val="accent1"/>
+            </a:fillRef>
+            <a:effectRef idx="0">
+              <a:schemeClr val="accent1"/>
+            </a:effectRef>
+            <a:fontRef idx="minor">
+              <a:schemeClr val="tx1"/>
+            </a:fontRef>
+          </p:style>
+        </p:cxnSp>
+        <p:sp>
+          <p:nvSpPr>
+            <p:cNvPr id="54" name="文字方塊 53">
+              <a:extLst>
+                <a:ext uri="{FF2B5EF4-FFF2-40B4-BE49-F238E27FC236}">
+                  <a16:creationId xmlns:a16="http://schemas.microsoft.com/office/drawing/2014/main" id="{36B7ACEF-A9CA-433E-8802-E05DD0F0FADD}"/>
+                </a:ext>
+              </a:extLst>
+            </p:cNvPr>
+            <p:cNvSpPr txBox="1"/>
+            <p:nvPr/>
+          </p:nvSpPr>
+          <p:spPr>
+            <a:xfrm>
+              <a:off x="8999595" y="2264919"/>
+              <a:ext cx="1886708" cy="369332"/>
+            </a:xfrm>
+            <a:prstGeom prst="rect">
+              <a:avLst/>
+            </a:prstGeom>
+            <a:noFill/>
+          </p:spPr>
+          <p:txBody>
+            <a:bodyPr wrap="square" rtlCol="0">
+              <a:spAutoFit/>
+            </a:bodyPr>
+            <a:lstStyle/>
+            <a:p>
+              <a:r>
+                <a:rPr lang="en-US" altLang="zh-TW" dirty="0"/>
+                <a:t>Dynamic Obstacle</a:t>
+              </a:r>
+              <a:endParaRPr lang="zh-TW" altLang="en-US" dirty="0"/>
+            </a:p>
+          </p:txBody>
+        </p:sp>
+        <p:cxnSp>
+          <p:nvCxnSpPr>
+            <p:cNvPr id="55" name="直線接點 54">
+              <a:extLst>
+                <a:ext uri="{FF2B5EF4-FFF2-40B4-BE49-F238E27FC236}">
+                  <a16:creationId xmlns:a16="http://schemas.microsoft.com/office/drawing/2014/main" id="{6F261289-D363-445E-84A0-75C4A1ABDE59}"/>
+                </a:ext>
+              </a:extLst>
+            </p:cNvPr>
+            <p:cNvCxnSpPr>
+              <a:cxnSpLocks/>
+              <a:stCxn id="42" idx="5"/>
+              <a:endCxn id="54" idx="1"/>
+            </p:cNvCxnSpPr>
+            <p:nvPr/>
+          </p:nvCxnSpPr>
+          <p:spPr>
+            <a:xfrm>
+              <a:off x="8751313" y="2134270"/>
+              <a:ext cx="248282" cy="315315"/>
+            </a:xfrm>
+            <a:prstGeom prst="line">
+              <a:avLst/>
+            </a:prstGeom>
+            <a:ln>
+              <a:solidFill>
+                <a:schemeClr val="tx1"/>
+              </a:solidFill>
+            </a:ln>
+          </p:spPr>
+          <p:style>
+            <a:lnRef idx="1">
+              <a:schemeClr val="accent1"/>
+            </a:lnRef>
+            <a:fillRef idx="0">
+              <a:schemeClr val="accent1"/>
+            </a:fillRef>
+            <a:effectRef idx="0">
+              <a:schemeClr val="accent1"/>
+            </a:effectRef>
+            <a:fontRef idx="minor">
+              <a:schemeClr val="tx1"/>
+            </a:fontRef>
+          </p:style>
+        </p:cxnSp>
+        <p:cxnSp>
+          <p:nvCxnSpPr>
+            <p:cNvPr id="56" name="直線接點 55">
+              <a:extLst>
+                <a:ext uri="{FF2B5EF4-FFF2-40B4-BE49-F238E27FC236}">
+                  <a16:creationId xmlns:a16="http://schemas.microsoft.com/office/drawing/2014/main" id="{3F919AE5-25CA-4008-B668-5C303EAF38A7}"/>
+                </a:ext>
+              </a:extLst>
+            </p:cNvPr>
+            <p:cNvCxnSpPr>
+              <a:cxnSpLocks/>
+              <a:endCxn id="57" idx="2"/>
+            </p:cNvCxnSpPr>
+            <p:nvPr/>
+          </p:nvCxnSpPr>
+          <p:spPr>
+            <a:xfrm flipV="1">
+              <a:off x="8438373" y="1208015"/>
+              <a:ext cx="597223" cy="614228"/>
+            </a:xfrm>
+            <a:prstGeom prst="line">
+              <a:avLst/>
+            </a:prstGeom>
+            <a:ln>
+              <a:solidFill>
+                <a:schemeClr val="tx1"/>
+              </a:solidFill>
+            </a:ln>
+          </p:spPr>
+          <p:style>
+            <a:lnRef idx="1">
+              <a:schemeClr val="accent1"/>
+            </a:lnRef>
+            <a:fillRef idx="0">
+              <a:schemeClr val="accent1"/>
+            </a:fillRef>
+            <a:effectRef idx="0">
+              <a:schemeClr val="accent1"/>
+            </a:effectRef>
+            <a:fontRef idx="minor">
+              <a:schemeClr val="tx1"/>
+            </a:fontRef>
+          </p:style>
+        </p:cxnSp>
+        <mc:AlternateContent xmlns:mc="http://schemas.openxmlformats.org/markup-compatibility/2006" xmlns:a14="http://schemas.microsoft.com/office/drawing/2010/main">
+          <mc:Choice Requires="a14">
+            <p:sp>
+              <p:nvSpPr>
+                <p:cNvPr id="57" name="文字方塊 56">
+                  <a:extLst>
+                    <a:ext uri="{FF2B5EF4-FFF2-40B4-BE49-F238E27FC236}">
+                      <a16:creationId xmlns:a16="http://schemas.microsoft.com/office/drawing/2014/main" id="{AE3CEB71-B6D1-4559-8EBB-3FC5989D8D99}"/>
+                    </a:ext>
+                  </a:extLst>
+                </p:cNvPr>
+                <p:cNvSpPr txBox="1"/>
+                <p:nvPr/>
+              </p:nvSpPr>
+              <p:spPr>
+                <a:xfrm>
+                  <a:off x="8809639" y="838683"/>
+                  <a:ext cx="451913" cy="369332"/>
+                </a:xfrm>
+                <a:prstGeom prst="rect">
+                  <a:avLst/>
+                </a:prstGeom>
+                <a:noFill/>
+              </p:spPr>
+              <p:txBody>
+                <a:bodyPr wrap="square" rtlCol="0">
+                  <a:spAutoFit/>
+                </a:bodyPr>
+                <a:lstStyle/>
+                <a:p>
+                  <a:pPr/>
+                  <a14:m>
+                    <m:oMathPara xmlns:m="http://schemas.openxmlformats.org/officeDocument/2006/math">
+                      <m:oMathParaPr>
+                        <m:jc m:val="centerGroup"/>
+                      </m:oMathParaPr>
+                      <m:oMath xmlns:m="http://schemas.openxmlformats.org/officeDocument/2006/math">
+                        <m:r>
+                          <a:rPr lang="en-US" altLang="zh-TW" b="0" i="1" smtClean="0">
+                            <a:latin typeface="Cambria Math" panose="02040503050406030204" pitchFamily="18" charset="0"/>
+                          </a:rPr>
+                          <m:t> </m:t>
+                        </m:r>
+                        <m:sSub>
+                          <m:sSubPr>
+                            <m:ctrlPr>
+                              <a:rPr lang="en-US" altLang="zh-TW" b="0" i="1" smtClean="0">
+                                <a:latin typeface="Cambria Math" panose="02040503050406030204" pitchFamily="18" charset="0"/>
+                              </a:rPr>
+                            </m:ctrlPr>
+                          </m:sSubPr>
+                          <m:e>
+                            <m:r>
+                              <a:rPr lang="en-US" altLang="zh-TW" b="1" i="0" smtClean="0">
+                                <a:latin typeface="Cambria Math" panose="02040503050406030204" pitchFamily="18" charset="0"/>
+                              </a:rPr>
+                              <m:t>𝐩</m:t>
+                            </m:r>
+                          </m:e>
+                          <m:sub>
+                            <m:r>
+                              <a:rPr lang="en-US" altLang="zh-TW" b="0" i="1" smtClean="0">
+                                <a:latin typeface="Cambria Math" panose="02040503050406030204" pitchFamily="18" charset="0"/>
+                              </a:rPr>
+                              <m:t>0</m:t>
+                            </m:r>
+                          </m:sub>
+                        </m:sSub>
+                        <m:r>
+                          <a:rPr lang="en-US" altLang="zh-TW" b="0" i="1" smtClean="0">
+                            <a:latin typeface="Cambria Math" panose="02040503050406030204" pitchFamily="18" charset="0"/>
+                          </a:rPr>
+                          <m:t>,</m:t>
+                        </m:r>
+                        <m:sSub>
+                          <m:sSubPr>
+                            <m:ctrlPr>
+                              <a:rPr lang="en-US" altLang="zh-TW" b="0" i="1" smtClean="0">
+                                <a:latin typeface="Cambria Math" panose="02040503050406030204" pitchFamily="18" charset="0"/>
+                              </a:rPr>
+                            </m:ctrlPr>
+                          </m:sSubPr>
+                          <m:e>
+                            <m:r>
+                              <a:rPr lang="en-US" altLang="zh-TW" b="1" i="0" smtClean="0">
+                                <a:latin typeface="Cambria Math" panose="02040503050406030204" pitchFamily="18" charset="0"/>
+                              </a:rPr>
+                              <m:t>𝐯</m:t>
+                            </m:r>
+                          </m:e>
+                          <m:sub>
+                            <m:r>
+                              <a:rPr lang="en-US" altLang="zh-TW" b="0" i="1" smtClean="0">
+                                <a:latin typeface="Cambria Math" panose="02040503050406030204" pitchFamily="18" charset="0"/>
+                              </a:rPr>
+                              <m:t>0</m:t>
+                            </m:r>
+                          </m:sub>
+                        </m:sSub>
+                      </m:oMath>
+                    </m:oMathPara>
+                  </a14:m>
+                  <a:endParaRPr lang="zh-TW" altLang="en-US" dirty="0"/>
+                </a:p>
+              </p:txBody>
+            </p:sp>
+          </mc:Choice>
+          <mc:Fallback xmlns="">
+            <p:sp>
+              <p:nvSpPr>
+                <p:cNvPr id="42" name="文字方塊 41">
+                  <a:extLst>
+                    <a:ext uri="{FF2B5EF4-FFF2-40B4-BE49-F238E27FC236}">
+                      <a16:creationId xmlns:a16="http://schemas.microsoft.com/office/drawing/2014/main" id="{4615EA55-4C97-4ED1-91BD-6533C00DB3C9}"/>
+                    </a:ext>
+                  </a:extLst>
+                </p:cNvPr>
+                <p:cNvSpPr txBox="1">
+                  <a:spLocks noRot="1" noChangeAspect="1" noMove="1" noResize="1" noEditPoints="1" noAdjustHandles="1" noChangeArrowheads="1" noChangeShapeType="1" noTextEdit="1"/>
+                </p:cNvSpPr>
+                <p:nvPr/>
+              </p:nvSpPr>
+              <p:spPr>
+                <a:xfrm>
+                  <a:off x="8809639" y="838683"/>
+                  <a:ext cx="451913" cy="369332"/>
+                </a:xfrm>
+                <a:prstGeom prst="rect">
+                  <a:avLst/>
+                </a:prstGeom>
+                <a:blipFill>
+                  <a:blip r:embed="rId13"/>
+                  <a:stretch>
+                    <a:fillRect r="-66216" b="-8333"/>
+                  </a:stretch>
+                </a:blipFill>
+              </p:spPr>
+              <p:txBody>
+                <a:bodyPr/>
+                <a:lstStyle/>
+                <a:p>
+                  <a:r>
+                    <a:rPr lang="zh-TW" altLang="en-US">
+                      <a:noFill/>
+                    </a:rPr>
+                    <a:t> </a:t>
+                  </a:r>
+                </a:p>
+              </p:txBody>
+            </p:sp>
+          </mc:Fallback>
+        </mc:AlternateContent>
+        <mc:AlternateContent xmlns:mc="http://schemas.openxmlformats.org/markup-compatibility/2006" xmlns:a14="http://schemas.microsoft.com/office/drawing/2010/main">
+          <mc:Choice Requires="a14">
+            <p:sp>
+              <p:nvSpPr>
+                <p:cNvPr id="58" name="文字方塊 57">
+                  <a:extLst>
+                    <a:ext uri="{FF2B5EF4-FFF2-40B4-BE49-F238E27FC236}">
+                      <a16:creationId xmlns:a16="http://schemas.microsoft.com/office/drawing/2014/main" id="{6FE3A036-9A62-46AF-A663-A8CAFFF2D238}"/>
+                    </a:ext>
+                  </a:extLst>
+                </p:cNvPr>
+                <p:cNvSpPr txBox="1"/>
+                <p:nvPr/>
+              </p:nvSpPr>
+              <p:spPr>
+                <a:xfrm>
+                  <a:off x="5595981" y="543253"/>
+                  <a:ext cx="2720640" cy="369332"/>
+                </a:xfrm>
+                <a:prstGeom prst="rect">
+                  <a:avLst/>
+                </a:prstGeom>
+                <a:noFill/>
+              </p:spPr>
+              <p:txBody>
+                <a:bodyPr wrap="square" rtlCol="0">
+                  <a:spAutoFit/>
+                </a:bodyPr>
+                <a:lstStyle/>
+                <a:p>
+                  <a:pPr/>
+                  <a14:m>
+                    <m:oMathPara xmlns:m="http://schemas.openxmlformats.org/officeDocument/2006/math">
+                      <m:oMathParaPr>
+                        <m:jc m:val="centerGroup"/>
+                      </m:oMathParaPr>
+                      <m:oMath xmlns:m="http://schemas.openxmlformats.org/officeDocument/2006/math">
+                        <m:r>
+                          <a:rPr lang="en-US" altLang="zh-TW" b="0" i="1" smtClean="0">
+                            <a:latin typeface="Cambria Math" panose="02040503050406030204" pitchFamily="18" charset="0"/>
+                          </a:rPr>
+                          <m:t> </m:t>
+                        </m:r>
+                        <m:sSub>
+                          <m:sSubPr>
+                            <m:ctrlPr>
+                              <a:rPr lang="en-US" altLang="zh-TW" b="0" i="1" smtClean="0">
+                                <a:latin typeface="Cambria Math" panose="02040503050406030204" pitchFamily="18" charset="0"/>
+                              </a:rPr>
+                            </m:ctrlPr>
+                          </m:sSubPr>
+                          <m:e>
+                            <m:r>
+                              <a:rPr lang="en-US" altLang="zh-TW" b="1" i="0" smtClean="0">
+                                <a:latin typeface="Cambria Math" panose="02040503050406030204" pitchFamily="18" charset="0"/>
+                              </a:rPr>
+                              <m:t>𝐩</m:t>
+                            </m:r>
+                          </m:e>
+                          <m:sub>
+                            <m:r>
+                              <a:rPr lang="en-US" altLang="zh-TW" b="0" i="1" smtClean="0">
+                                <a:latin typeface="Cambria Math" panose="02040503050406030204" pitchFamily="18" charset="0"/>
+                              </a:rPr>
+                              <m:t>𝑖</m:t>
+                            </m:r>
+                          </m:sub>
+                        </m:sSub>
+                        <m:r>
+                          <a:rPr lang="en-US" altLang="zh-TW" b="0" i="1" smtClean="0">
+                            <a:latin typeface="Cambria Math" panose="02040503050406030204" pitchFamily="18" charset="0"/>
+                          </a:rPr>
+                          <m:t>,</m:t>
+                        </m:r>
+                        <m:sSub>
+                          <m:sSubPr>
+                            <m:ctrlPr>
+                              <a:rPr lang="en-US" altLang="zh-TW" b="0" i="1" smtClean="0">
+                                <a:latin typeface="Cambria Math" panose="02040503050406030204" pitchFamily="18" charset="0"/>
+                              </a:rPr>
+                            </m:ctrlPr>
+                          </m:sSubPr>
+                          <m:e>
+                            <m:r>
+                              <a:rPr lang="en-US" altLang="zh-TW" b="1" i="0" smtClean="0">
+                                <a:latin typeface="Cambria Math" panose="02040503050406030204" pitchFamily="18" charset="0"/>
+                              </a:rPr>
+                              <m:t>𝐯</m:t>
+                            </m:r>
+                          </m:e>
+                          <m:sub>
+                            <m:r>
+                              <a:rPr lang="en-US" altLang="zh-TW" b="0" i="1" smtClean="0">
+                                <a:latin typeface="Cambria Math" panose="02040503050406030204" pitchFamily="18" charset="0"/>
+                              </a:rPr>
+                              <m:t>𝑖</m:t>
+                            </m:r>
+                          </m:sub>
+                        </m:sSub>
+                        <m:r>
+                          <a:rPr lang="en-US" altLang="zh-TW" b="0" i="1" smtClean="0">
+                            <a:latin typeface="Cambria Math" panose="02040503050406030204" pitchFamily="18" charset="0"/>
+                          </a:rPr>
+                          <m:t>, </m:t>
+                        </m:r>
+                        <m:r>
+                          <a:rPr lang="en-US" altLang="zh-TW" b="0" i="1" smtClean="0">
+                            <a:latin typeface="Cambria Math" panose="02040503050406030204" pitchFamily="18" charset="0"/>
+                          </a:rPr>
+                          <m:t>𝑖</m:t>
+                        </m:r>
+                        <m:r>
+                          <a:rPr lang="en-US" altLang="zh-TW" b="0" i="1" smtClean="0">
+                            <a:latin typeface="Cambria Math" panose="02040503050406030204" pitchFamily="18" charset="0"/>
+                          </a:rPr>
+                          <m:t>=1,2,3…</m:t>
+                        </m:r>
+                      </m:oMath>
+                    </m:oMathPara>
+                  </a14:m>
+                  <a:endParaRPr lang="zh-TW" altLang="en-US" dirty="0"/>
+                </a:p>
+              </p:txBody>
+            </p:sp>
+          </mc:Choice>
+          <mc:Fallback xmlns="">
+            <p:sp>
+              <p:nvSpPr>
+                <p:cNvPr id="57" name="文字方塊 56">
+                  <a:extLst>
+                    <a:ext uri="{FF2B5EF4-FFF2-40B4-BE49-F238E27FC236}">
+                      <a16:creationId xmlns:a16="http://schemas.microsoft.com/office/drawing/2014/main" id="{4537902D-B24A-4916-BC7E-C49EF0DAFC73}"/>
+                    </a:ext>
+                  </a:extLst>
+                </p:cNvPr>
+                <p:cNvSpPr txBox="1">
+                  <a:spLocks noRot="1" noChangeAspect="1" noMove="1" noResize="1" noEditPoints="1" noAdjustHandles="1" noChangeArrowheads="1" noChangeShapeType="1" noTextEdit="1"/>
+                </p:cNvSpPr>
+                <p:nvPr/>
+              </p:nvSpPr>
+              <p:spPr>
+                <a:xfrm>
+                  <a:off x="5595981" y="543253"/>
+                  <a:ext cx="2720640" cy="369332"/>
+                </a:xfrm>
+                <a:prstGeom prst="rect">
+                  <a:avLst/>
+                </a:prstGeom>
+                <a:blipFill>
+                  <a:blip r:embed="rId14"/>
+                  <a:stretch>
+                    <a:fillRect b="-6557"/>
+                  </a:stretch>
+                </a:blipFill>
+              </p:spPr>
+              <p:txBody>
+                <a:bodyPr/>
+                <a:lstStyle/>
+                <a:p>
+                  <a:r>
+                    <a:rPr lang="zh-TW" altLang="en-US">
+                      <a:noFill/>
+                    </a:rPr>
+                    <a:t> </a:t>
+                  </a:r>
+                </a:p>
+              </p:txBody>
+            </p:sp>
+          </mc:Fallback>
+        </mc:AlternateContent>
+        <p:cxnSp>
+          <p:nvCxnSpPr>
+            <p:cNvPr id="59" name="直線接點 58">
+              <a:extLst>
+                <a:ext uri="{FF2B5EF4-FFF2-40B4-BE49-F238E27FC236}">
+                  <a16:creationId xmlns:a16="http://schemas.microsoft.com/office/drawing/2014/main" id="{3ADB92B9-15C9-4D59-B9D3-30E3AF0ABABC}"/>
+                </a:ext>
+              </a:extLst>
+            </p:cNvPr>
+            <p:cNvCxnSpPr>
+              <a:cxnSpLocks/>
+              <a:stCxn id="58" idx="2"/>
+            </p:cNvCxnSpPr>
+            <p:nvPr/>
+          </p:nvCxnSpPr>
+          <p:spPr>
+            <a:xfrm>
+              <a:off x="6956301" y="912585"/>
+              <a:ext cx="725159" cy="986966"/>
+            </a:xfrm>
+            <a:prstGeom prst="line">
+              <a:avLst/>
+            </a:prstGeom>
+            <a:ln>
+              <a:solidFill>
+                <a:schemeClr val="tx1"/>
+              </a:solidFill>
+            </a:ln>
+          </p:spPr>
+          <p:style>
+            <a:lnRef idx="1">
+              <a:schemeClr val="accent1"/>
+            </a:lnRef>
+            <a:fillRef idx="0">
+              <a:schemeClr val="accent1"/>
+            </a:fillRef>
+            <a:effectRef idx="0">
+              <a:schemeClr val="accent1"/>
+            </a:effectRef>
+            <a:fontRef idx="minor">
+              <a:schemeClr val="tx1"/>
+            </a:fontRef>
+          </p:style>
+        </p:cxnSp>
+        <p:cxnSp>
+          <p:nvCxnSpPr>
+            <p:cNvPr id="60" name="直線接點 59">
+              <a:extLst>
+                <a:ext uri="{FF2B5EF4-FFF2-40B4-BE49-F238E27FC236}">
+                  <a16:creationId xmlns:a16="http://schemas.microsoft.com/office/drawing/2014/main" id="{E97F7FF9-2883-4A29-A57C-8668E71D9921}"/>
+                </a:ext>
+              </a:extLst>
+            </p:cNvPr>
+            <p:cNvCxnSpPr>
+              <a:cxnSpLocks/>
+              <a:endCxn id="58" idx="2"/>
+            </p:cNvCxnSpPr>
+            <p:nvPr/>
+          </p:nvCxnSpPr>
+          <p:spPr>
+            <a:xfrm flipH="1" flipV="1">
+              <a:off x="6956301" y="912585"/>
+              <a:ext cx="83588" cy="1222802"/>
+            </a:xfrm>
+            <a:prstGeom prst="line">
+              <a:avLst/>
+            </a:prstGeom>
+            <a:ln>
+              <a:solidFill>
+                <a:schemeClr val="tx1"/>
+              </a:solidFill>
+            </a:ln>
+          </p:spPr>
+          <p:style>
+            <a:lnRef idx="1">
+              <a:schemeClr val="accent1"/>
+            </a:lnRef>
+            <a:fillRef idx="0">
+              <a:schemeClr val="accent1"/>
+            </a:fillRef>
+            <a:effectRef idx="0">
+              <a:schemeClr val="accent1"/>
+            </a:effectRef>
+            <a:fontRef idx="minor">
+              <a:schemeClr val="tx1"/>
+            </a:fontRef>
+          </p:style>
+        </p:cxnSp>
+        <p:cxnSp>
+          <p:nvCxnSpPr>
+            <p:cNvPr id="61" name="直線接點 60">
+              <a:extLst>
+                <a:ext uri="{FF2B5EF4-FFF2-40B4-BE49-F238E27FC236}">
+                  <a16:creationId xmlns:a16="http://schemas.microsoft.com/office/drawing/2014/main" id="{85B92617-1870-43BD-9883-0070F96AA32F}"/>
+                </a:ext>
+              </a:extLst>
+            </p:cNvPr>
+            <p:cNvCxnSpPr>
+              <a:cxnSpLocks/>
+              <a:endCxn id="58" idx="2"/>
+            </p:cNvCxnSpPr>
+            <p:nvPr/>
+          </p:nvCxnSpPr>
+          <p:spPr>
+            <a:xfrm flipV="1">
+              <a:off x="6430363" y="912585"/>
+              <a:ext cx="525938" cy="1570394"/>
+            </a:xfrm>
+            <a:prstGeom prst="line">
+              <a:avLst/>
+            </a:prstGeom>
+            <a:ln>
+              <a:solidFill>
+                <a:schemeClr val="tx1"/>
+              </a:solidFill>
+            </a:ln>
+          </p:spPr>
+          <p:style>
+            <a:lnRef idx="1">
+              <a:schemeClr val="accent1"/>
+            </a:lnRef>
+            <a:fillRef idx="0">
+              <a:schemeClr val="accent1"/>
+            </a:fillRef>
+            <a:effectRef idx="0">
+              <a:schemeClr val="accent1"/>
+            </a:effectRef>
+            <a:fontRef idx="minor">
+              <a:schemeClr val="tx1"/>
+            </a:fontRef>
+          </p:style>
+        </p:cxnSp>
+        <p:cxnSp>
+          <p:nvCxnSpPr>
+            <p:cNvPr id="62" name="直線接點 61">
+              <a:extLst>
+                <a:ext uri="{FF2B5EF4-FFF2-40B4-BE49-F238E27FC236}">
+                  <a16:creationId xmlns:a16="http://schemas.microsoft.com/office/drawing/2014/main" id="{96CE0052-336B-473B-906C-200C0FECD6D6}"/>
+                </a:ext>
+              </a:extLst>
+            </p:cNvPr>
+            <p:cNvCxnSpPr>
+              <a:cxnSpLocks/>
+              <a:endCxn id="58" idx="2"/>
+            </p:cNvCxnSpPr>
+            <p:nvPr/>
+          </p:nvCxnSpPr>
+          <p:spPr>
+            <a:xfrm flipV="1">
+              <a:off x="5809571" y="912585"/>
+              <a:ext cx="1146730" cy="2014220"/>
+            </a:xfrm>
+            <a:prstGeom prst="line">
+              <a:avLst/>
+            </a:prstGeom>
+            <a:ln>
+              <a:solidFill>
+                <a:schemeClr val="tx1"/>
+              </a:solidFill>
+            </a:ln>
+          </p:spPr>
+          <p:style>
+            <a:lnRef idx="1">
+              <a:schemeClr val="accent1"/>
+            </a:lnRef>
+            <a:fillRef idx="0">
+              <a:schemeClr val="accent1"/>
+            </a:fillRef>
+            <a:effectRef idx="0">
+              <a:schemeClr val="accent1"/>
+            </a:effectRef>
+            <a:fontRef idx="minor">
+              <a:schemeClr val="tx1"/>
+            </a:fontRef>
+          </p:style>
+        </p:cxnSp>
+      </p:grpSp>
+    </p:spTree>
+    <p:extLst>
+      <p:ext uri="{BB962C8B-B14F-4D97-AF65-F5344CB8AC3E}">
+        <p14:creationId xmlns:p14="http://schemas.microsoft.com/office/powerpoint/2010/main" val="4019269340"/>
       </p:ext>
     </p:extLst>
   </p:cSld>

--- a/path_planing/VO_code_try/robot_properties3.pptx
+++ b/path_planing/VO_code_try/robot_properties3.pptx
@@ -290,7 +290,7 @@
           <a:p>
             <a:fld id="{9CD1F5AD-FE1B-4540-B598-52220A64164D}" type="datetimeFigureOut">
               <a:rPr lang="zh-TW" altLang="en-US" smtClean="0"/>
-              <a:t>2025/2/17</a:t>
+              <a:t>2025/3/2</a:t>
             </a:fld>
             <a:endParaRPr lang="zh-TW" altLang="en-US"/>
           </a:p>
@@ -488,7 +488,7 @@
           <a:p>
             <a:fld id="{9CD1F5AD-FE1B-4540-B598-52220A64164D}" type="datetimeFigureOut">
               <a:rPr lang="zh-TW" altLang="en-US" smtClean="0"/>
-              <a:t>2025/2/17</a:t>
+              <a:t>2025/3/2</a:t>
             </a:fld>
             <a:endParaRPr lang="zh-TW" altLang="en-US"/>
           </a:p>
@@ -696,7 +696,7 @@
           <a:p>
             <a:fld id="{9CD1F5AD-FE1B-4540-B598-52220A64164D}" type="datetimeFigureOut">
               <a:rPr lang="zh-TW" altLang="en-US" smtClean="0"/>
-              <a:t>2025/2/17</a:t>
+              <a:t>2025/3/2</a:t>
             </a:fld>
             <a:endParaRPr lang="zh-TW" altLang="en-US"/>
           </a:p>
@@ -894,7 +894,7 @@
           <a:p>
             <a:fld id="{9CD1F5AD-FE1B-4540-B598-52220A64164D}" type="datetimeFigureOut">
               <a:rPr lang="zh-TW" altLang="en-US" smtClean="0"/>
-              <a:t>2025/2/17</a:t>
+              <a:t>2025/3/2</a:t>
             </a:fld>
             <a:endParaRPr lang="zh-TW" altLang="en-US"/>
           </a:p>
@@ -1169,7 +1169,7 @@
           <a:p>
             <a:fld id="{9CD1F5AD-FE1B-4540-B598-52220A64164D}" type="datetimeFigureOut">
               <a:rPr lang="zh-TW" altLang="en-US" smtClean="0"/>
-              <a:t>2025/2/17</a:t>
+              <a:t>2025/3/2</a:t>
             </a:fld>
             <a:endParaRPr lang="zh-TW" altLang="en-US"/>
           </a:p>
@@ -1434,7 +1434,7 @@
           <a:p>
             <a:fld id="{9CD1F5AD-FE1B-4540-B598-52220A64164D}" type="datetimeFigureOut">
               <a:rPr lang="zh-TW" altLang="en-US" smtClean="0"/>
-              <a:t>2025/2/17</a:t>
+              <a:t>2025/3/2</a:t>
             </a:fld>
             <a:endParaRPr lang="zh-TW" altLang="en-US"/>
           </a:p>
@@ -1846,7 +1846,7 @@
           <a:p>
             <a:fld id="{9CD1F5AD-FE1B-4540-B598-52220A64164D}" type="datetimeFigureOut">
               <a:rPr lang="zh-TW" altLang="en-US" smtClean="0"/>
-              <a:t>2025/2/17</a:t>
+              <a:t>2025/3/2</a:t>
             </a:fld>
             <a:endParaRPr lang="zh-TW" altLang="en-US"/>
           </a:p>
@@ -1987,7 +1987,7 @@
           <a:p>
             <a:fld id="{9CD1F5AD-FE1B-4540-B598-52220A64164D}" type="datetimeFigureOut">
               <a:rPr lang="zh-TW" altLang="en-US" smtClean="0"/>
-              <a:t>2025/2/17</a:t>
+              <a:t>2025/3/2</a:t>
             </a:fld>
             <a:endParaRPr lang="zh-TW" altLang="en-US"/>
           </a:p>
@@ -2100,7 +2100,7 @@
           <a:p>
             <a:fld id="{9CD1F5AD-FE1B-4540-B598-52220A64164D}" type="datetimeFigureOut">
               <a:rPr lang="zh-TW" altLang="en-US" smtClean="0"/>
-              <a:t>2025/2/17</a:t>
+              <a:t>2025/3/2</a:t>
             </a:fld>
             <a:endParaRPr lang="zh-TW" altLang="en-US"/>
           </a:p>
@@ -2411,7 +2411,7 @@
           <a:p>
             <a:fld id="{9CD1F5AD-FE1B-4540-B598-52220A64164D}" type="datetimeFigureOut">
               <a:rPr lang="zh-TW" altLang="en-US" smtClean="0"/>
-              <a:t>2025/2/17</a:t>
+              <a:t>2025/3/2</a:t>
             </a:fld>
             <a:endParaRPr lang="zh-TW" altLang="en-US"/>
           </a:p>
@@ -2699,7 +2699,7 @@
           <a:p>
             <a:fld id="{9CD1F5AD-FE1B-4540-B598-52220A64164D}" type="datetimeFigureOut">
               <a:rPr lang="zh-TW" altLang="en-US" smtClean="0"/>
-              <a:t>2025/2/17</a:t>
+              <a:t>2025/3/2</a:t>
             </a:fld>
             <a:endParaRPr lang="zh-TW" altLang="en-US"/>
           </a:p>
@@ -2940,7 +2940,7 @@
           <a:p>
             <a:fld id="{9CD1F5AD-FE1B-4540-B598-52220A64164D}" type="datetimeFigureOut">
               <a:rPr lang="zh-TW" altLang="en-US" smtClean="0"/>
-              <a:t>2025/2/17</a:t>
+              <a:t>2025/3/2</a:t>
             </a:fld>
             <a:endParaRPr lang="zh-TW" altLang="en-US"/>
           </a:p>
@@ -33804,8 +33804,8 @@
           </a:fontRef>
         </p:style>
       </p:cxnSp>
-      <mc:AlternateContent xmlns:mc="http://schemas.openxmlformats.org/markup-compatibility/2006">
-        <mc:Choice xmlns:a14="http://schemas.microsoft.com/office/drawing/2010/main" Requires="a14">
+      <mc:AlternateContent xmlns:mc="http://schemas.openxmlformats.org/markup-compatibility/2006" xmlns:a14="http://schemas.microsoft.com/office/drawing/2010/main">
+        <mc:Choice Requires="a14">
           <p:sp>
             <p:nvSpPr>
               <p:cNvPr id="17" name="文字方塊 16">
@@ -33834,6 +33834,7 @@
               </a:bodyPr>
               <a:lstStyle/>
               <a:p>
+                <a:pPr/>
                 <a14:m>
                   <m:oMathPara xmlns:m="http://schemas.openxmlformats.org/officeDocument/2006/math">
                     <m:oMathParaPr>
@@ -33873,7 +33874,7 @@
             </p:txBody>
           </p:sp>
         </mc:Choice>
-        <mc:Fallback>
+        <mc:Fallback xmlns="">
           <p:sp>
             <p:nvSpPr>
               <p:cNvPr id="17" name="文字方塊 16">
@@ -33918,8 +33919,8 @@
           </p:sp>
         </mc:Fallback>
       </mc:AlternateContent>
-      <mc:AlternateContent xmlns:mc="http://schemas.openxmlformats.org/markup-compatibility/2006">
-        <mc:Choice xmlns:a14="http://schemas.microsoft.com/office/drawing/2010/main" Requires="a14">
+      <mc:AlternateContent xmlns:mc="http://schemas.openxmlformats.org/markup-compatibility/2006" xmlns:a14="http://schemas.microsoft.com/office/drawing/2010/main">
+        <mc:Choice Requires="a14">
           <p:sp>
             <p:nvSpPr>
               <p:cNvPr id="18" name="文字方塊 17">
@@ -33948,6 +33949,7 @@
               </a:bodyPr>
               <a:lstStyle/>
               <a:p>
+                <a:pPr/>
                 <a14:m>
                   <m:oMathPara xmlns:m="http://schemas.openxmlformats.org/officeDocument/2006/math">
                     <m:oMathParaPr>
@@ -33987,7 +33989,7 @@
             </p:txBody>
           </p:sp>
         </mc:Choice>
-        <mc:Fallback>
+        <mc:Fallback xmlns="">
           <p:sp>
             <p:nvSpPr>
               <p:cNvPr id="18" name="文字方塊 17">
@@ -34032,8 +34034,8 @@
           </p:sp>
         </mc:Fallback>
       </mc:AlternateContent>
-      <mc:AlternateContent xmlns:mc="http://schemas.openxmlformats.org/markup-compatibility/2006">
-        <mc:Choice xmlns:a14="http://schemas.microsoft.com/office/drawing/2010/main" Requires="a14">
+      <mc:AlternateContent xmlns:mc="http://schemas.openxmlformats.org/markup-compatibility/2006" xmlns:a14="http://schemas.microsoft.com/office/drawing/2010/main">
+        <mc:Choice Requires="a14">
           <p:sp>
             <p:nvSpPr>
               <p:cNvPr id="19" name="文字方塊 18">
@@ -34062,6 +34064,7 @@
               </a:bodyPr>
               <a:lstStyle/>
               <a:p>
+                <a:pPr/>
                 <a14:m>
                   <m:oMathPara xmlns:m="http://schemas.openxmlformats.org/officeDocument/2006/math">
                     <m:oMathParaPr>
@@ -34101,7 +34104,7 @@
             </p:txBody>
           </p:sp>
         </mc:Choice>
-        <mc:Fallback>
+        <mc:Fallback xmlns="">
           <p:sp>
             <p:nvSpPr>
               <p:cNvPr id="19" name="文字方塊 18">
@@ -34146,8 +34149,8 @@
           </p:sp>
         </mc:Fallback>
       </mc:AlternateContent>
-      <mc:AlternateContent xmlns:mc="http://schemas.openxmlformats.org/markup-compatibility/2006">
-        <mc:Choice xmlns:a14="http://schemas.microsoft.com/office/drawing/2010/main" Requires="a14">
+      <mc:AlternateContent xmlns:mc="http://schemas.openxmlformats.org/markup-compatibility/2006" xmlns:a14="http://schemas.microsoft.com/office/drawing/2010/main">
+        <mc:Choice Requires="a14">
           <p:sp>
             <p:nvSpPr>
               <p:cNvPr id="20" name="文字方塊 19">
@@ -34176,6 +34179,7 @@
               </a:bodyPr>
               <a:lstStyle/>
               <a:p>
+                <a:pPr/>
                 <a14:m>
                   <m:oMathPara xmlns:m="http://schemas.openxmlformats.org/officeDocument/2006/math">
                     <m:oMathParaPr>
@@ -34215,7 +34219,7 @@
             </p:txBody>
           </p:sp>
         </mc:Choice>
-        <mc:Fallback>
+        <mc:Fallback xmlns="">
           <p:sp>
             <p:nvSpPr>
               <p:cNvPr id="20" name="文字方塊 19">
@@ -34260,8 +34264,8 @@
           </p:sp>
         </mc:Fallback>
       </mc:AlternateContent>
-      <mc:AlternateContent xmlns:mc="http://schemas.openxmlformats.org/markup-compatibility/2006">
-        <mc:Choice xmlns:a14="http://schemas.microsoft.com/office/drawing/2010/main" Requires="a14">
+      <mc:AlternateContent xmlns:mc="http://schemas.openxmlformats.org/markup-compatibility/2006" xmlns:a14="http://schemas.microsoft.com/office/drawing/2010/main">
+        <mc:Choice Requires="a14">
           <p:sp>
             <p:nvSpPr>
               <p:cNvPr id="21" name="文字方塊 20">
@@ -34290,6 +34294,7 @@
               </a:bodyPr>
               <a:lstStyle/>
               <a:p>
+                <a:pPr/>
                 <a14:m>
                   <m:oMathPara xmlns:m="http://schemas.openxmlformats.org/officeDocument/2006/math">
                     <m:oMathParaPr>
@@ -34329,7 +34334,7 @@
             </p:txBody>
           </p:sp>
         </mc:Choice>
-        <mc:Fallback>
+        <mc:Fallback xmlns="">
           <p:sp>
             <p:nvSpPr>
               <p:cNvPr id="21" name="文字方塊 20">
@@ -34374,8 +34379,8 @@
           </p:sp>
         </mc:Fallback>
       </mc:AlternateContent>
-      <mc:AlternateContent xmlns:mc="http://schemas.openxmlformats.org/markup-compatibility/2006">
-        <mc:Choice xmlns:a14="http://schemas.microsoft.com/office/drawing/2010/main" Requires="a14">
+      <mc:AlternateContent xmlns:mc="http://schemas.openxmlformats.org/markup-compatibility/2006" xmlns:a14="http://schemas.microsoft.com/office/drawing/2010/main">
+        <mc:Choice Requires="a14">
           <p:sp>
             <p:nvSpPr>
               <p:cNvPr id="31" name="文字方塊 30">
@@ -34404,6 +34409,7 @@
               </a:bodyPr>
               <a:lstStyle/>
               <a:p>
+                <a:pPr/>
                 <a14:m>
                   <m:oMathPara xmlns:m="http://schemas.openxmlformats.org/officeDocument/2006/math">
                     <m:oMathParaPr>
@@ -34443,7 +34449,7 @@
             </p:txBody>
           </p:sp>
         </mc:Choice>
-        <mc:Fallback>
+        <mc:Fallback xmlns="">
           <p:sp>
             <p:nvSpPr>
               <p:cNvPr id="31" name="文字方塊 30">
@@ -34488,8 +34494,8 @@
           </p:sp>
         </mc:Fallback>
       </mc:AlternateContent>
-      <mc:AlternateContent xmlns:mc="http://schemas.openxmlformats.org/markup-compatibility/2006">
-        <mc:Choice xmlns:a14="http://schemas.microsoft.com/office/drawing/2010/main" Requires="a14">
+      <mc:AlternateContent xmlns:mc="http://schemas.openxmlformats.org/markup-compatibility/2006" xmlns:a14="http://schemas.microsoft.com/office/drawing/2010/main">
+        <mc:Choice Requires="a14">
           <p:sp>
             <p:nvSpPr>
               <p:cNvPr id="32" name="文字方塊 31">
@@ -34518,6 +34524,7 @@
               </a:bodyPr>
               <a:lstStyle/>
               <a:p>
+                <a:pPr/>
                 <a14:m>
                   <m:oMathPara xmlns:m="http://schemas.openxmlformats.org/officeDocument/2006/math">
                     <m:oMathParaPr>
@@ -34557,7 +34564,7 @@
             </p:txBody>
           </p:sp>
         </mc:Choice>
-        <mc:Fallback>
+        <mc:Fallback xmlns="">
           <p:sp>
             <p:nvSpPr>
               <p:cNvPr id="32" name="文字方塊 31">
@@ -34602,8 +34609,8 @@
           </p:sp>
         </mc:Fallback>
       </mc:AlternateContent>
-      <mc:AlternateContent xmlns:mc="http://schemas.openxmlformats.org/markup-compatibility/2006">
-        <mc:Choice xmlns:a14="http://schemas.microsoft.com/office/drawing/2010/main" Requires="a14">
+      <mc:AlternateContent xmlns:mc="http://schemas.openxmlformats.org/markup-compatibility/2006" xmlns:a14="http://schemas.microsoft.com/office/drawing/2010/main">
+        <mc:Choice Requires="a14">
           <p:sp>
             <p:nvSpPr>
               <p:cNvPr id="33" name="文字方塊 32">
@@ -34632,6 +34639,7 @@
               </a:bodyPr>
               <a:lstStyle/>
               <a:p>
+                <a:pPr/>
                 <a14:m>
                   <m:oMathPara xmlns:m="http://schemas.openxmlformats.org/officeDocument/2006/math">
                     <m:oMathParaPr>
@@ -34671,7 +34679,7 @@
             </p:txBody>
           </p:sp>
         </mc:Choice>
-        <mc:Fallback>
+        <mc:Fallback xmlns="">
           <p:sp>
             <p:nvSpPr>
               <p:cNvPr id="33" name="文字方塊 32">
@@ -34716,8 +34724,8 @@
           </p:sp>
         </mc:Fallback>
       </mc:AlternateContent>
-      <mc:AlternateContent xmlns:mc="http://schemas.openxmlformats.org/markup-compatibility/2006">
-        <mc:Choice xmlns:a14="http://schemas.microsoft.com/office/drawing/2010/main" Requires="a14">
+      <mc:AlternateContent xmlns:mc="http://schemas.openxmlformats.org/markup-compatibility/2006" xmlns:a14="http://schemas.microsoft.com/office/drawing/2010/main">
+        <mc:Choice Requires="a14">
           <p:sp>
             <p:nvSpPr>
               <p:cNvPr id="34" name="文字方塊 33">
@@ -34746,6 +34754,7 @@
               </a:bodyPr>
               <a:lstStyle/>
               <a:p>
+                <a:pPr/>
                 <a14:m>
                   <m:oMathPara xmlns:m="http://schemas.openxmlformats.org/officeDocument/2006/math">
                     <m:oMathParaPr>
@@ -34785,7 +34794,7 @@
             </p:txBody>
           </p:sp>
         </mc:Choice>
-        <mc:Fallback>
+        <mc:Fallback xmlns="">
           <p:sp>
             <p:nvSpPr>
               <p:cNvPr id="34" name="文字方塊 33">
@@ -34830,8 +34839,8 @@
           </p:sp>
         </mc:Fallback>
       </mc:AlternateContent>
-      <mc:AlternateContent xmlns:mc="http://schemas.openxmlformats.org/markup-compatibility/2006">
-        <mc:Choice xmlns:a14="http://schemas.microsoft.com/office/drawing/2010/main" Requires="a14">
+      <mc:AlternateContent xmlns:mc="http://schemas.openxmlformats.org/markup-compatibility/2006" xmlns:a14="http://schemas.microsoft.com/office/drawing/2010/main">
+        <mc:Choice Requires="a14">
           <p:sp>
             <p:nvSpPr>
               <p:cNvPr id="35" name="文字方塊 34">
@@ -34860,6 +34869,7 @@
               </a:bodyPr>
               <a:lstStyle/>
               <a:p>
+                <a:pPr/>
                 <a14:m>
                   <m:oMathPara xmlns:m="http://schemas.openxmlformats.org/officeDocument/2006/math">
                     <m:oMathParaPr>
@@ -34899,7 +34909,7 @@
             </p:txBody>
           </p:sp>
         </mc:Choice>
-        <mc:Fallback>
+        <mc:Fallback xmlns="">
           <p:sp>
             <p:nvSpPr>
               <p:cNvPr id="35" name="文字方塊 34">
@@ -34944,8 +34954,8 @@
           </p:sp>
         </mc:Fallback>
       </mc:AlternateContent>
-      <mc:AlternateContent xmlns:mc="http://schemas.openxmlformats.org/markup-compatibility/2006">
-        <mc:Choice xmlns:a14="http://schemas.microsoft.com/office/drawing/2010/main" Requires="a14">
+      <mc:AlternateContent xmlns:mc="http://schemas.openxmlformats.org/markup-compatibility/2006" xmlns:a14="http://schemas.microsoft.com/office/drawing/2010/main">
+        <mc:Choice Requires="a14">
           <p:sp>
             <p:nvSpPr>
               <p:cNvPr id="36" name="文字方塊 35">
@@ -34974,6 +34984,7 @@
               </a:bodyPr>
               <a:lstStyle/>
               <a:p>
+                <a:pPr/>
                 <a14:m>
                   <m:oMathPara xmlns:m="http://schemas.openxmlformats.org/officeDocument/2006/math">
                     <m:oMathParaPr>
@@ -35013,7 +35024,7 @@
             </p:txBody>
           </p:sp>
         </mc:Choice>
-        <mc:Fallback>
+        <mc:Fallback xmlns="">
           <p:sp>
             <p:nvSpPr>
               <p:cNvPr id="36" name="文字方塊 35">
@@ -36556,6 +36567,536 @@
           </p:style>
         </p:cxnSp>
       </p:grpSp>
+      <p:sp>
+        <p:nvSpPr>
+          <p:cNvPr id="63" name="手繪多邊形: 圖案 62">
+            <a:extLst>
+              <a:ext uri="{FF2B5EF4-FFF2-40B4-BE49-F238E27FC236}">
+                <a16:creationId xmlns:a16="http://schemas.microsoft.com/office/drawing/2014/main" id="{AAE67034-C18C-440B-8D31-3EF85A02BE79}"/>
+              </a:ext>
+            </a:extLst>
+          </p:cNvPr>
+          <p:cNvSpPr>
+            <a:spLocks noChangeAspect="1"/>
+          </p:cNvSpPr>
+          <p:nvPr/>
+        </p:nvSpPr>
+        <p:spPr>
+          <a:xfrm>
+            <a:off x="9314220" y="499478"/>
+            <a:ext cx="2434715" cy="3842073"/>
+          </a:xfrm>
+          <a:custGeom>
+            <a:avLst/>
+            <a:gdLst>
+              <a:gd name="connsiteX0" fmla="*/ 11876 w 1686312"/>
+              <a:gd name="connsiteY0" fmla="*/ 2726850 h 2726850"/>
+              <a:gd name="connsiteX1" fmla="*/ 0 w 1686312"/>
+              <a:gd name="connsiteY1" fmla="*/ 78652 h 2726850"/>
+              <a:gd name="connsiteX2" fmla="*/ 100941 w 1686312"/>
+              <a:gd name="connsiteY2" fmla="*/ 54902 h 2726850"/>
+              <a:gd name="connsiteX3" fmla="*/ 255320 w 1686312"/>
+              <a:gd name="connsiteY3" fmla="*/ 7400 h 2726850"/>
+              <a:gd name="connsiteX4" fmla="*/ 296883 w 1686312"/>
+              <a:gd name="connsiteY4" fmla="*/ 1463 h 2726850"/>
+              <a:gd name="connsiteX5" fmla="*/ 469076 w 1686312"/>
+              <a:gd name="connsiteY5" fmla="*/ 78652 h 2726850"/>
+              <a:gd name="connsiteX6" fmla="*/ 581891 w 1686312"/>
+              <a:gd name="connsiteY6" fmla="*/ 138029 h 2726850"/>
+              <a:gd name="connsiteX7" fmla="*/ 653143 w 1686312"/>
+              <a:gd name="connsiteY7" fmla="*/ 161780 h 2726850"/>
+              <a:gd name="connsiteX8" fmla="*/ 979715 w 1686312"/>
+              <a:gd name="connsiteY8" fmla="*/ 90528 h 2726850"/>
+              <a:gd name="connsiteX9" fmla="*/ 1175658 w 1686312"/>
+              <a:gd name="connsiteY9" fmla="*/ 96465 h 2726850"/>
+              <a:gd name="connsiteX10" fmla="*/ 1205346 w 1686312"/>
+              <a:gd name="connsiteY10" fmla="*/ 126154 h 2726850"/>
+              <a:gd name="connsiteX11" fmla="*/ 1258785 w 1686312"/>
+              <a:gd name="connsiteY11" fmla="*/ 262720 h 2726850"/>
+              <a:gd name="connsiteX12" fmla="*/ 1276598 w 1686312"/>
+              <a:gd name="connsiteY12" fmla="*/ 292408 h 2726850"/>
+              <a:gd name="connsiteX13" fmla="*/ 1312224 w 1686312"/>
+              <a:gd name="connsiteY13" fmla="*/ 322096 h 2726850"/>
+              <a:gd name="connsiteX14" fmla="*/ 1573481 w 1686312"/>
+              <a:gd name="connsiteY14" fmla="*/ 328034 h 2726850"/>
+              <a:gd name="connsiteX15" fmla="*/ 1591294 w 1686312"/>
+              <a:gd name="connsiteY15" fmla="*/ 357722 h 2726850"/>
+              <a:gd name="connsiteX16" fmla="*/ 1626920 w 1686312"/>
+              <a:gd name="connsiteY16" fmla="*/ 405224 h 2726850"/>
+              <a:gd name="connsiteX17" fmla="*/ 1680359 w 1686312"/>
+              <a:gd name="connsiteY17" fmla="*/ 405224 h 2726850"/>
+              <a:gd name="connsiteX18" fmla="*/ 1686296 w 1686312"/>
+              <a:gd name="connsiteY18" fmla="*/ 428974 h 2726850"/>
+              <a:gd name="connsiteX19" fmla="*/ 11876 w 1686312"/>
+              <a:gd name="connsiteY19" fmla="*/ 2726850 h 2726850"/>
+            </a:gdLst>
+            <a:ahLst/>
+            <a:cxnLst>
+              <a:cxn ang="0">
+                <a:pos x="connsiteX0" y="connsiteY0"/>
+              </a:cxn>
+              <a:cxn ang="0">
+                <a:pos x="connsiteX1" y="connsiteY1"/>
+              </a:cxn>
+              <a:cxn ang="0">
+                <a:pos x="connsiteX2" y="connsiteY2"/>
+              </a:cxn>
+              <a:cxn ang="0">
+                <a:pos x="connsiteX3" y="connsiteY3"/>
+              </a:cxn>
+              <a:cxn ang="0">
+                <a:pos x="connsiteX4" y="connsiteY4"/>
+              </a:cxn>
+              <a:cxn ang="0">
+                <a:pos x="connsiteX5" y="connsiteY5"/>
+              </a:cxn>
+              <a:cxn ang="0">
+                <a:pos x="connsiteX6" y="connsiteY6"/>
+              </a:cxn>
+              <a:cxn ang="0">
+                <a:pos x="connsiteX7" y="connsiteY7"/>
+              </a:cxn>
+              <a:cxn ang="0">
+                <a:pos x="connsiteX8" y="connsiteY8"/>
+              </a:cxn>
+              <a:cxn ang="0">
+                <a:pos x="connsiteX9" y="connsiteY9"/>
+              </a:cxn>
+              <a:cxn ang="0">
+                <a:pos x="connsiteX10" y="connsiteY10"/>
+              </a:cxn>
+              <a:cxn ang="0">
+                <a:pos x="connsiteX11" y="connsiteY11"/>
+              </a:cxn>
+              <a:cxn ang="0">
+                <a:pos x="connsiteX12" y="connsiteY12"/>
+              </a:cxn>
+              <a:cxn ang="0">
+                <a:pos x="connsiteX13" y="connsiteY13"/>
+              </a:cxn>
+              <a:cxn ang="0">
+                <a:pos x="connsiteX14" y="connsiteY14"/>
+              </a:cxn>
+              <a:cxn ang="0">
+                <a:pos x="connsiteX15" y="connsiteY15"/>
+              </a:cxn>
+              <a:cxn ang="0">
+                <a:pos x="connsiteX16" y="connsiteY16"/>
+              </a:cxn>
+              <a:cxn ang="0">
+                <a:pos x="connsiteX17" y="connsiteY17"/>
+              </a:cxn>
+              <a:cxn ang="0">
+                <a:pos x="connsiteX18" y="connsiteY18"/>
+              </a:cxn>
+              <a:cxn ang="0">
+                <a:pos x="connsiteX19" y="connsiteY19"/>
+              </a:cxn>
+            </a:cxnLst>
+            <a:rect l="l" t="t" r="r" b="b"/>
+            <a:pathLst>
+              <a:path w="1686312" h="2726850">
+                <a:moveTo>
+                  <a:pt x="11876" y="2726850"/>
+                </a:moveTo>
+                <a:cubicBezTo>
+                  <a:pt x="7917" y="1844117"/>
+                  <a:pt x="3959" y="961385"/>
+                  <a:pt x="0" y="78652"/>
+                </a:cubicBezTo>
+                <a:lnTo>
+                  <a:pt x="100941" y="54902"/>
+                </a:lnTo>
+                <a:cubicBezTo>
+                  <a:pt x="152401" y="39068"/>
+                  <a:pt x="203377" y="21566"/>
+                  <a:pt x="255320" y="7400"/>
+                </a:cubicBezTo>
+                <a:cubicBezTo>
+                  <a:pt x="268822" y="3718"/>
+                  <a:pt x="283606" y="-2963"/>
+                  <a:pt x="296883" y="1463"/>
+                </a:cubicBezTo>
+                <a:cubicBezTo>
+                  <a:pt x="356556" y="21354"/>
+                  <a:pt x="411678" y="52922"/>
+                  <a:pt x="469076" y="78652"/>
+                </a:cubicBezTo>
+                <a:cubicBezTo>
+                  <a:pt x="536580" y="146156"/>
+                  <a:pt x="497449" y="129584"/>
+                  <a:pt x="581891" y="138029"/>
+                </a:cubicBezTo>
+                <a:cubicBezTo>
+                  <a:pt x="605642" y="145946"/>
+                  <a:pt x="628284" y="164748"/>
+                  <a:pt x="653143" y="161780"/>
+                </a:cubicBezTo>
+                <a:cubicBezTo>
+                  <a:pt x="763775" y="148570"/>
+                  <a:pt x="979715" y="90528"/>
+                  <a:pt x="979715" y="90528"/>
+                </a:cubicBezTo>
+                <a:lnTo>
+                  <a:pt x="1175658" y="96465"/>
+                </a:lnTo>
+                <a:cubicBezTo>
+                  <a:pt x="1189482" y="98648"/>
+                  <a:pt x="1199087" y="113636"/>
+                  <a:pt x="1205346" y="126154"/>
+                </a:cubicBezTo>
+                <a:cubicBezTo>
+                  <a:pt x="1227207" y="169876"/>
+                  <a:pt x="1233635" y="220803"/>
+                  <a:pt x="1258785" y="262720"/>
+                </a:cubicBezTo>
+                <a:cubicBezTo>
+                  <a:pt x="1264723" y="272616"/>
+                  <a:pt x="1268878" y="283830"/>
+                  <a:pt x="1276598" y="292408"/>
+                </a:cubicBezTo>
+                <a:cubicBezTo>
+                  <a:pt x="1286939" y="303898"/>
+                  <a:pt x="1300349" y="312200"/>
+                  <a:pt x="1312224" y="322096"/>
+                </a:cubicBezTo>
+                <a:cubicBezTo>
+                  <a:pt x="1402158" y="316476"/>
+                  <a:pt x="1481550" y="307276"/>
+                  <a:pt x="1573481" y="328034"/>
+                </a:cubicBezTo>
+                <a:cubicBezTo>
+                  <a:pt x="1584738" y="330576"/>
+                  <a:pt x="1585098" y="347986"/>
+                  <a:pt x="1591294" y="357722"/>
+                </a:cubicBezTo>
+                <a:cubicBezTo>
+                  <a:pt x="1614793" y="394648"/>
+                  <a:pt x="1606270" y="384573"/>
+                  <a:pt x="1626920" y="405224"/>
+                </a:cubicBezTo>
+                <a:cubicBezTo>
+                  <a:pt x="1641797" y="402248"/>
+                  <a:pt x="1665265" y="393148"/>
+                  <a:pt x="1680359" y="405224"/>
+                </a:cubicBezTo>
+                <a:cubicBezTo>
+                  <a:pt x="1686922" y="410474"/>
+                  <a:pt x="1686296" y="421344"/>
+                  <a:pt x="1686296" y="428974"/>
+                </a:cubicBezTo>
+                <a:lnTo>
+                  <a:pt x="11876" y="2726850"/>
+                </a:lnTo>
+                <a:close/>
+              </a:path>
+            </a:pathLst>
+          </a:custGeom>
+          <a:solidFill>
+            <a:schemeClr val="accent5">
+              <a:lumMod val="20000"/>
+              <a:lumOff val="80000"/>
+            </a:schemeClr>
+          </a:solidFill>
+          <a:ln>
+            <a:noFill/>
+          </a:ln>
+        </p:spPr>
+        <p:style>
+          <a:lnRef idx="2">
+            <a:schemeClr val="accent1">
+              <a:shade val="50000"/>
+            </a:schemeClr>
+          </a:lnRef>
+          <a:fillRef idx="1">
+            <a:schemeClr val="accent1"/>
+          </a:fillRef>
+          <a:effectRef idx="0">
+            <a:schemeClr val="accent1"/>
+          </a:effectRef>
+          <a:fontRef idx="minor">
+            <a:schemeClr val="lt1"/>
+          </a:fontRef>
+        </p:style>
+        <p:txBody>
+          <a:bodyPr rtlCol="0" anchor="ctr"/>
+          <a:lstStyle/>
+          <a:p>
+            <a:pPr algn="ctr"/>
+            <a:endParaRPr lang="zh-TW" altLang="en-US"/>
+          </a:p>
+        </p:txBody>
+      </p:sp>
+      <p:sp>
+        <p:nvSpPr>
+          <p:cNvPr id="64" name="橢圓 63">
+            <a:extLst>
+              <a:ext uri="{FF2B5EF4-FFF2-40B4-BE49-F238E27FC236}">
+                <a16:creationId xmlns:a16="http://schemas.microsoft.com/office/drawing/2014/main" id="{0E7DED24-B856-45AA-9194-0C6B1CA8A6D9}"/>
+              </a:ext>
+            </a:extLst>
+          </p:cNvPr>
+          <p:cNvSpPr/>
+          <p:nvPr/>
+        </p:nvSpPr>
+        <p:spPr>
+          <a:xfrm>
+            <a:off x="8886709" y="3885897"/>
+            <a:ext cx="864000" cy="864000"/>
+          </a:xfrm>
+          <a:prstGeom prst="ellipse">
+            <a:avLst/>
+          </a:prstGeom>
+          <a:ln>
+            <a:solidFill>
+              <a:schemeClr val="tx1"/>
+            </a:solidFill>
+          </a:ln>
+        </p:spPr>
+        <p:style>
+          <a:lnRef idx="2">
+            <a:schemeClr val="accent1">
+              <a:shade val="50000"/>
+            </a:schemeClr>
+          </a:lnRef>
+          <a:fillRef idx="1">
+            <a:schemeClr val="accent1"/>
+          </a:fillRef>
+          <a:effectRef idx="0">
+            <a:schemeClr val="accent1"/>
+          </a:effectRef>
+          <a:fontRef idx="minor">
+            <a:schemeClr val="lt1"/>
+          </a:fontRef>
+        </p:style>
+        <p:txBody>
+          <a:bodyPr rtlCol="0" anchor="ctr"/>
+          <a:lstStyle/>
+          <a:p>
+            <a:pPr algn="ctr"/>
+            <a:endParaRPr lang="zh-TW" altLang="en-US"/>
+          </a:p>
+        </p:txBody>
+      </p:sp>
+      <p:grpSp>
+        <p:nvGrpSpPr>
+          <p:cNvPr id="65" name="群組 64">
+            <a:extLst>
+              <a:ext uri="{FF2B5EF4-FFF2-40B4-BE49-F238E27FC236}">
+                <a16:creationId xmlns:a16="http://schemas.microsoft.com/office/drawing/2014/main" id="{185F71D4-B89D-4FA3-B131-3FC9C2690DE4}"/>
+              </a:ext>
+            </a:extLst>
+          </p:cNvPr>
+          <p:cNvGrpSpPr/>
+          <p:nvPr/>
+        </p:nvGrpSpPr>
+        <p:grpSpPr>
+          <a:xfrm>
+            <a:off x="9318709" y="884285"/>
+            <a:ext cx="1728000" cy="1728000"/>
+            <a:chOff x="2680924" y="1479927"/>
+            <a:chExt cx="1728000" cy="1728000"/>
+          </a:xfrm>
+        </p:grpSpPr>
+        <p:sp>
+          <p:nvSpPr>
+            <p:cNvPr id="66" name="橢圓 65">
+              <a:extLst>
+                <a:ext uri="{FF2B5EF4-FFF2-40B4-BE49-F238E27FC236}">
+                  <a16:creationId xmlns:a16="http://schemas.microsoft.com/office/drawing/2014/main" id="{5DA72A82-3891-4FB6-84FE-96BBE1F7A371}"/>
+                </a:ext>
+              </a:extLst>
+            </p:cNvPr>
+            <p:cNvSpPr/>
+            <p:nvPr/>
+          </p:nvSpPr>
+          <p:spPr>
+            <a:xfrm>
+              <a:off x="2680924" y="1479927"/>
+              <a:ext cx="1728000" cy="1728000"/>
+            </a:xfrm>
+            <a:prstGeom prst="ellipse">
+              <a:avLst/>
+            </a:prstGeom>
+            <a:solidFill>
+              <a:schemeClr val="accent1">
+                <a:lumMod val="20000"/>
+                <a:lumOff val="80000"/>
+              </a:schemeClr>
+            </a:solidFill>
+            <a:ln>
+              <a:solidFill>
+                <a:schemeClr val="tx1"/>
+              </a:solidFill>
+            </a:ln>
+          </p:spPr>
+          <p:style>
+            <a:lnRef idx="2">
+              <a:schemeClr val="accent1">
+                <a:shade val="50000"/>
+              </a:schemeClr>
+            </a:lnRef>
+            <a:fillRef idx="1">
+              <a:schemeClr val="accent1"/>
+            </a:fillRef>
+            <a:effectRef idx="0">
+              <a:schemeClr val="accent1"/>
+            </a:effectRef>
+            <a:fontRef idx="minor">
+              <a:schemeClr val="lt1"/>
+            </a:fontRef>
+          </p:style>
+          <p:txBody>
+            <a:bodyPr rtlCol="0" anchor="ctr"/>
+            <a:lstStyle/>
+            <a:p>
+              <a:pPr algn="ctr"/>
+              <a:endParaRPr lang="zh-TW" altLang="en-US"/>
+            </a:p>
+          </p:txBody>
+        </p:sp>
+        <p:sp>
+          <p:nvSpPr>
+            <p:cNvPr id="67" name="橢圓 66">
+              <a:extLst>
+                <a:ext uri="{FF2B5EF4-FFF2-40B4-BE49-F238E27FC236}">
+                  <a16:creationId xmlns:a16="http://schemas.microsoft.com/office/drawing/2014/main" id="{222B9181-027C-4A27-B67D-D66B2C652DCB}"/>
+                </a:ext>
+              </a:extLst>
+            </p:cNvPr>
+            <p:cNvSpPr/>
+            <p:nvPr/>
+          </p:nvSpPr>
+          <p:spPr>
+            <a:xfrm>
+              <a:off x="3112924" y="1911927"/>
+              <a:ext cx="864000" cy="864000"/>
+            </a:xfrm>
+            <a:prstGeom prst="ellipse">
+              <a:avLst/>
+            </a:prstGeom>
+            <a:solidFill>
+              <a:schemeClr val="accent3">
+                <a:lumMod val="60000"/>
+                <a:lumOff val="40000"/>
+              </a:schemeClr>
+            </a:solidFill>
+            <a:ln>
+              <a:solidFill>
+                <a:schemeClr val="tx1"/>
+              </a:solidFill>
+            </a:ln>
+          </p:spPr>
+          <p:style>
+            <a:lnRef idx="2">
+              <a:schemeClr val="accent1">
+                <a:shade val="50000"/>
+              </a:schemeClr>
+            </a:lnRef>
+            <a:fillRef idx="1">
+              <a:schemeClr val="accent1"/>
+            </a:fillRef>
+            <a:effectRef idx="0">
+              <a:schemeClr val="accent1"/>
+            </a:effectRef>
+            <a:fontRef idx="minor">
+              <a:schemeClr val="lt1"/>
+            </a:fontRef>
+          </p:style>
+          <p:txBody>
+            <a:bodyPr rtlCol="0" anchor="ctr"/>
+            <a:lstStyle/>
+            <a:p>
+              <a:pPr algn="ctr"/>
+              <a:endParaRPr lang="zh-TW" altLang="en-US" dirty="0"/>
+            </a:p>
+          </p:txBody>
+        </p:sp>
+      </p:grpSp>
+      <p:cxnSp>
+        <p:nvCxnSpPr>
+          <p:cNvPr id="68" name="直線接點 67">
+            <a:extLst>
+              <a:ext uri="{FF2B5EF4-FFF2-40B4-BE49-F238E27FC236}">
+                <a16:creationId xmlns:a16="http://schemas.microsoft.com/office/drawing/2014/main" id="{471F57E1-99FB-4105-A558-B34690A77C6C}"/>
+              </a:ext>
+            </a:extLst>
+          </p:cNvPr>
+          <p:cNvCxnSpPr/>
+          <p:nvPr/>
+        </p:nvCxnSpPr>
+        <p:spPr>
+          <a:xfrm flipV="1">
+            <a:off x="9314221" y="725514"/>
+            <a:ext cx="0" cy="3616037"/>
+          </a:xfrm>
+          <a:prstGeom prst="line">
+            <a:avLst/>
+          </a:prstGeom>
+          <a:ln w="28575">
+            <a:solidFill>
+              <a:schemeClr val="tx1"/>
+            </a:solidFill>
+          </a:ln>
+        </p:spPr>
+        <p:style>
+          <a:lnRef idx="1">
+            <a:schemeClr val="accent1"/>
+          </a:lnRef>
+          <a:fillRef idx="0">
+            <a:schemeClr val="accent1"/>
+          </a:fillRef>
+          <a:effectRef idx="0">
+            <a:schemeClr val="accent1"/>
+          </a:effectRef>
+          <a:fontRef idx="minor">
+            <a:schemeClr val="tx1"/>
+          </a:fontRef>
+        </p:style>
+      </p:cxnSp>
+      <p:cxnSp>
+        <p:nvCxnSpPr>
+          <p:cNvPr id="69" name="直線接點 68">
+            <a:extLst>
+              <a:ext uri="{FF2B5EF4-FFF2-40B4-BE49-F238E27FC236}">
+                <a16:creationId xmlns:a16="http://schemas.microsoft.com/office/drawing/2014/main" id="{CA52DA6C-7087-41ED-864A-F868039B70FA}"/>
+              </a:ext>
+            </a:extLst>
+          </p:cNvPr>
+          <p:cNvCxnSpPr>
+            <a:cxnSpLocks/>
+          </p:cNvCxnSpPr>
+          <p:nvPr/>
+        </p:nvCxnSpPr>
+        <p:spPr>
+          <a:xfrm flipV="1">
+            <a:off x="9314221" y="1316285"/>
+            <a:ext cx="2291938" cy="3025266"/>
+          </a:xfrm>
+          <a:prstGeom prst="line">
+            <a:avLst/>
+          </a:prstGeom>
+          <a:ln w="28575">
+            <a:solidFill>
+              <a:schemeClr val="tx1"/>
+            </a:solidFill>
+          </a:ln>
+        </p:spPr>
+        <p:style>
+          <a:lnRef idx="1">
+            <a:schemeClr val="accent1"/>
+          </a:lnRef>
+          <a:fillRef idx="0">
+            <a:schemeClr val="accent1"/>
+          </a:fillRef>
+          <a:effectRef idx="0">
+            <a:schemeClr val="accent1"/>
+          </a:effectRef>
+          <a:fontRef idx="minor">
+            <a:schemeClr val="tx1"/>
+          </a:fontRef>
+        </p:style>
+      </p:cxnSp>
     </p:spTree>
     <p:extLst>
       <p:ext uri="{BB962C8B-B14F-4D97-AF65-F5344CB8AC3E}">

--- a/path_planing/VO_code_try/robot_properties3.pptx
+++ b/path_planing/VO_code_try/robot_properties3.pptx
@@ -290,7 +290,7 @@
           <a:p>
             <a:fld id="{9CD1F5AD-FE1B-4540-B598-52220A64164D}" type="datetimeFigureOut">
               <a:rPr lang="zh-TW" altLang="en-US" smtClean="0"/>
-              <a:t>2025/3/2</a:t>
+              <a:t>2025/3/26</a:t>
             </a:fld>
             <a:endParaRPr lang="zh-TW" altLang="en-US"/>
           </a:p>
@@ -488,7 +488,7 @@
           <a:p>
             <a:fld id="{9CD1F5AD-FE1B-4540-B598-52220A64164D}" type="datetimeFigureOut">
               <a:rPr lang="zh-TW" altLang="en-US" smtClean="0"/>
-              <a:t>2025/3/2</a:t>
+              <a:t>2025/3/26</a:t>
             </a:fld>
             <a:endParaRPr lang="zh-TW" altLang="en-US"/>
           </a:p>
@@ -696,7 +696,7 @@
           <a:p>
             <a:fld id="{9CD1F5AD-FE1B-4540-B598-52220A64164D}" type="datetimeFigureOut">
               <a:rPr lang="zh-TW" altLang="en-US" smtClean="0"/>
-              <a:t>2025/3/2</a:t>
+              <a:t>2025/3/26</a:t>
             </a:fld>
             <a:endParaRPr lang="zh-TW" altLang="en-US"/>
           </a:p>
@@ -894,7 +894,7 @@
           <a:p>
             <a:fld id="{9CD1F5AD-FE1B-4540-B598-52220A64164D}" type="datetimeFigureOut">
               <a:rPr lang="zh-TW" altLang="en-US" smtClean="0"/>
-              <a:t>2025/3/2</a:t>
+              <a:t>2025/3/26</a:t>
             </a:fld>
             <a:endParaRPr lang="zh-TW" altLang="en-US"/>
           </a:p>
@@ -1169,7 +1169,7 @@
           <a:p>
             <a:fld id="{9CD1F5AD-FE1B-4540-B598-52220A64164D}" type="datetimeFigureOut">
               <a:rPr lang="zh-TW" altLang="en-US" smtClean="0"/>
-              <a:t>2025/3/2</a:t>
+              <a:t>2025/3/26</a:t>
             </a:fld>
             <a:endParaRPr lang="zh-TW" altLang="en-US"/>
           </a:p>
@@ -1434,7 +1434,7 @@
           <a:p>
             <a:fld id="{9CD1F5AD-FE1B-4540-B598-52220A64164D}" type="datetimeFigureOut">
               <a:rPr lang="zh-TW" altLang="en-US" smtClean="0"/>
-              <a:t>2025/3/2</a:t>
+              <a:t>2025/3/26</a:t>
             </a:fld>
             <a:endParaRPr lang="zh-TW" altLang="en-US"/>
           </a:p>
@@ -1846,7 +1846,7 @@
           <a:p>
             <a:fld id="{9CD1F5AD-FE1B-4540-B598-52220A64164D}" type="datetimeFigureOut">
               <a:rPr lang="zh-TW" altLang="en-US" smtClean="0"/>
-              <a:t>2025/3/2</a:t>
+              <a:t>2025/3/26</a:t>
             </a:fld>
             <a:endParaRPr lang="zh-TW" altLang="en-US"/>
           </a:p>
@@ -1987,7 +1987,7 @@
           <a:p>
             <a:fld id="{9CD1F5AD-FE1B-4540-B598-52220A64164D}" type="datetimeFigureOut">
               <a:rPr lang="zh-TW" altLang="en-US" smtClean="0"/>
-              <a:t>2025/3/2</a:t>
+              <a:t>2025/3/26</a:t>
             </a:fld>
             <a:endParaRPr lang="zh-TW" altLang="en-US"/>
           </a:p>
@@ -2100,7 +2100,7 @@
           <a:p>
             <a:fld id="{9CD1F5AD-FE1B-4540-B598-52220A64164D}" type="datetimeFigureOut">
               <a:rPr lang="zh-TW" altLang="en-US" smtClean="0"/>
-              <a:t>2025/3/2</a:t>
+              <a:t>2025/3/26</a:t>
             </a:fld>
             <a:endParaRPr lang="zh-TW" altLang="en-US"/>
           </a:p>
@@ -2411,7 +2411,7 @@
           <a:p>
             <a:fld id="{9CD1F5AD-FE1B-4540-B598-52220A64164D}" type="datetimeFigureOut">
               <a:rPr lang="zh-TW" altLang="en-US" smtClean="0"/>
-              <a:t>2025/3/2</a:t>
+              <a:t>2025/3/26</a:t>
             </a:fld>
             <a:endParaRPr lang="zh-TW" altLang="en-US"/>
           </a:p>
@@ -2699,7 +2699,7 @@
           <a:p>
             <a:fld id="{9CD1F5AD-FE1B-4540-B598-52220A64164D}" type="datetimeFigureOut">
               <a:rPr lang="zh-TW" altLang="en-US" smtClean="0"/>
-              <a:t>2025/3/2</a:t>
+              <a:t>2025/3/26</a:t>
             </a:fld>
             <a:endParaRPr lang="zh-TW" altLang="en-US"/>
           </a:p>
@@ -2940,7 +2940,7 @@
           <a:p>
             <a:fld id="{9CD1F5AD-FE1B-4540-B598-52220A64164D}" type="datetimeFigureOut">
               <a:rPr lang="zh-TW" altLang="en-US" smtClean="0"/>
-              <a:t>2025/3/2</a:t>
+              <a:t>2025/3/26</a:t>
             </a:fld>
             <a:endParaRPr lang="zh-TW" altLang="en-US"/>
           </a:p>
@@ -37097,6 +37097,425 @@
           </a:fontRef>
         </p:style>
       </p:cxnSp>
+      <p:grpSp>
+        <p:nvGrpSpPr>
+          <p:cNvPr id="70" name="群組 69">
+            <a:extLst>
+              <a:ext uri="{FF2B5EF4-FFF2-40B4-BE49-F238E27FC236}">
+                <a16:creationId xmlns:a16="http://schemas.microsoft.com/office/drawing/2014/main" id="{9E0CDE68-F6BE-4F45-81FF-DE0BF1811870}"/>
+              </a:ext>
+            </a:extLst>
+          </p:cNvPr>
+          <p:cNvGrpSpPr/>
+          <p:nvPr/>
+        </p:nvGrpSpPr>
+        <p:grpSpPr>
+          <a:xfrm>
+            <a:off x="746685" y="3776341"/>
+            <a:ext cx="792000" cy="2487351"/>
+            <a:chOff x="2915450" y="3132499"/>
+            <a:chExt cx="792000" cy="2487351"/>
+          </a:xfrm>
+        </p:grpSpPr>
+        <p:sp>
+          <p:nvSpPr>
+            <p:cNvPr id="71" name="橢圓 70">
+              <a:extLst>
+                <a:ext uri="{FF2B5EF4-FFF2-40B4-BE49-F238E27FC236}">
+                  <a16:creationId xmlns:a16="http://schemas.microsoft.com/office/drawing/2014/main" id="{07A80519-5CFC-4EF3-A29A-26FACC818729}"/>
+                </a:ext>
+              </a:extLst>
+            </p:cNvPr>
+            <p:cNvSpPr/>
+            <p:nvPr/>
+          </p:nvSpPr>
+          <p:spPr>
+            <a:xfrm>
+              <a:off x="2915450" y="4827850"/>
+              <a:ext cx="792000" cy="792000"/>
+            </a:xfrm>
+            <a:prstGeom prst="ellipse">
+              <a:avLst/>
+            </a:prstGeom>
+          </p:spPr>
+          <p:style>
+            <a:lnRef idx="2">
+              <a:schemeClr val="accent5">
+                <a:shade val="50000"/>
+              </a:schemeClr>
+            </a:lnRef>
+            <a:fillRef idx="1">
+              <a:schemeClr val="accent5"/>
+            </a:fillRef>
+            <a:effectRef idx="0">
+              <a:schemeClr val="accent5"/>
+            </a:effectRef>
+            <a:fontRef idx="minor">
+              <a:schemeClr val="lt1"/>
+            </a:fontRef>
+          </p:style>
+          <p:txBody>
+            <a:bodyPr rtlCol="0" anchor="ctr"/>
+            <a:lstStyle/>
+            <a:p>
+              <a:pPr algn="ctr"/>
+              <a:endParaRPr lang="zh-TW" altLang="en-US" dirty="0"/>
+            </a:p>
+          </p:txBody>
+        </p:sp>
+        <p:cxnSp>
+          <p:nvCxnSpPr>
+            <p:cNvPr id="72" name="直線接點 71">
+              <a:extLst>
+                <a:ext uri="{FF2B5EF4-FFF2-40B4-BE49-F238E27FC236}">
+                  <a16:creationId xmlns:a16="http://schemas.microsoft.com/office/drawing/2014/main" id="{9A9A0C2F-BFE1-432C-8C07-CCDA8FA6E9E1}"/>
+                </a:ext>
+              </a:extLst>
+            </p:cNvPr>
+            <p:cNvCxnSpPr/>
+            <p:nvPr/>
+          </p:nvCxnSpPr>
+          <p:spPr>
+            <a:xfrm>
+              <a:off x="3311450" y="3132499"/>
+              <a:ext cx="0" cy="2091351"/>
+            </a:xfrm>
+            <a:prstGeom prst="line">
+              <a:avLst/>
+            </a:prstGeom>
+            <a:ln w="57150">
+              <a:solidFill>
+                <a:srgbClr val="002060"/>
+              </a:solidFill>
+              <a:headEnd type="arrow" w="med" len="med"/>
+              <a:tailEnd type="none" w="med" len="med"/>
+            </a:ln>
+          </p:spPr>
+          <p:style>
+            <a:lnRef idx="1">
+              <a:schemeClr val="accent1"/>
+            </a:lnRef>
+            <a:fillRef idx="0">
+              <a:schemeClr val="accent1"/>
+            </a:fillRef>
+            <a:effectRef idx="0">
+              <a:schemeClr val="accent1"/>
+            </a:effectRef>
+            <a:fontRef idx="minor">
+              <a:schemeClr val="tx1"/>
+            </a:fontRef>
+          </p:style>
+        </p:cxnSp>
+        <p:sp>
+          <p:nvSpPr>
+            <p:cNvPr id="73" name="橢圓 72">
+              <a:extLst>
+                <a:ext uri="{FF2B5EF4-FFF2-40B4-BE49-F238E27FC236}">
+                  <a16:creationId xmlns:a16="http://schemas.microsoft.com/office/drawing/2014/main" id="{CC617372-303B-47FE-8E1D-C03284A17FD8}"/>
+                </a:ext>
+              </a:extLst>
+            </p:cNvPr>
+            <p:cNvSpPr/>
+            <p:nvPr/>
+          </p:nvSpPr>
+          <p:spPr>
+            <a:xfrm>
+              <a:off x="3257450" y="4798337"/>
+              <a:ext cx="108000" cy="108000"/>
+            </a:xfrm>
+            <a:prstGeom prst="ellipse">
+              <a:avLst/>
+            </a:prstGeom>
+            <a:ln w="28575">
+              <a:solidFill>
+                <a:srgbClr val="002060"/>
+              </a:solidFill>
+            </a:ln>
+          </p:spPr>
+          <p:style>
+            <a:lnRef idx="2">
+              <a:schemeClr val="accent1">
+                <a:shade val="50000"/>
+              </a:schemeClr>
+            </a:lnRef>
+            <a:fillRef idx="1">
+              <a:schemeClr val="accent1"/>
+            </a:fillRef>
+            <a:effectRef idx="0">
+              <a:schemeClr val="accent1"/>
+            </a:effectRef>
+            <a:fontRef idx="minor">
+              <a:schemeClr val="lt1"/>
+            </a:fontRef>
+          </p:style>
+          <p:txBody>
+            <a:bodyPr rtlCol="0" anchor="ctr"/>
+            <a:lstStyle/>
+            <a:p>
+              <a:pPr algn="ctr"/>
+              <a:endParaRPr lang="zh-TW" altLang="en-US"/>
+            </a:p>
+          </p:txBody>
+        </p:sp>
+        <p:sp>
+          <p:nvSpPr>
+            <p:cNvPr id="74" name="橢圓 73">
+              <a:extLst>
+                <a:ext uri="{FF2B5EF4-FFF2-40B4-BE49-F238E27FC236}">
+                  <a16:creationId xmlns:a16="http://schemas.microsoft.com/office/drawing/2014/main" id="{F354CEF5-ED65-4CB2-BE8C-2F61468BC8F1}"/>
+                </a:ext>
+              </a:extLst>
+            </p:cNvPr>
+            <p:cNvSpPr/>
+            <p:nvPr/>
+          </p:nvSpPr>
+          <p:spPr>
+            <a:xfrm>
+              <a:off x="3257450" y="4399824"/>
+              <a:ext cx="108000" cy="108000"/>
+            </a:xfrm>
+            <a:prstGeom prst="ellipse">
+              <a:avLst/>
+            </a:prstGeom>
+            <a:ln w="28575">
+              <a:solidFill>
+                <a:srgbClr val="002060"/>
+              </a:solidFill>
+            </a:ln>
+          </p:spPr>
+          <p:style>
+            <a:lnRef idx="2">
+              <a:schemeClr val="accent1">
+                <a:shade val="50000"/>
+              </a:schemeClr>
+            </a:lnRef>
+            <a:fillRef idx="1">
+              <a:schemeClr val="accent1"/>
+            </a:fillRef>
+            <a:effectRef idx="0">
+              <a:schemeClr val="accent1"/>
+            </a:effectRef>
+            <a:fontRef idx="minor">
+              <a:schemeClr val="lt1"/>
+            </a:fontRef>
+          </p:style>
+          <p:txBody>
+            <a:bodyPr rtlCol="0" anchor="ctr"/>
+            <a:lstStyle/>
+            <a:p>
+              <a:pPr algn="ctr"/>
+              <a:endParaRPr lang="zh-TW" altLang="en-US"/>
+            </a:p>
+          </p:txBody>
+        </p:sp>
+        <p:sp>
+          <p:nvSpPr>
+            <p:cNvPr id="75" name="橢圓 74">
+              <a:extLst>
+                <a:ext uri="{FF2B5EF4-FFF2-40B4-BE49-F238E27FC236}">
+                  <a16:creationId xmlns:a16="http://schemas.microsoft.com/office/drawing/2014/main" id="{AA9CAFD0-BCE6-4400-AE2D-14C651841B22}"/>
+                </a:ext>
+              </a:extLst>
+            </p:cNvPr>
+            <p:cNvSpPr/>
+            <p:nvPr/>
+          </p:nvSpPr>
+          <p:spPr>
+            <a:xfrm>
+              <a:off x="3257450" y="4001311"/>
+              <a:ext cx="108000" cy="108000"/>
+            </a:xfrm>
+            <a:prstGeom prst="ellipse">
+              <a:avLst/>
+            </a:prstGeom>
+            <a:ln w="28575">
+              <a:solidFill>
+                <a:srgbClr val="002060"/>
+              </a:solidFill>
+            </a:ln>
+          </p:spPr>
+          <p:style>
+            <a:lnRef idx="2">
+              <a:schemeClr val="accent1">
+                <a:shade val="50000"/>
+              </a:schemeClr>
+            </a:lnRef>
+            <a:fillRef idx="1">
+              <a:schemeClr val="accent1"/>
+            </a:fillRef>
+            <a:effectRef idx="0">
+              <a:schemeClr val="accent1"/>
+            </a:effectRef>
+            <a:fontRef idx="minor">
+              <a:schemeClr val="lt1"/>
+            </a:fontRef>
+          </p:style>
+          <p:txBody>
+            <a:bodyPr rtlCol="0" anchor="ctr"/>
+            <a:lstStyle/>
+            <a:p>
+              <a:pPr algn="ctr"/>
+              <a:endParaRPr lang="zh-TW" altLang="en-US"/>
+            </a:p>
+          </p:txBody>
+        </p:sp>
+        <p:sp>
+          <p:nvSpPr>
+            <p:cNvPr id="76" name="橢圓 75">
+              <a:extLst>
+                <a:ext uri="{FF2B5EF4-FFF2-40B4-BE49-F238E27FC236}">
+                  <a16:creationId xmlns:a16="http://schemas.microsoft.com/office/drawing/2014/main" id="{A5EF2545-1E5F-419B-A83E-75A4B83E3CB0}"/>
+                </a:ext>
+              </a:extLst>
+            </p:cNvPr>
+            <p:cNvSpPr/>
+            <p:nvPr/>
+          </p:nvSpPr>
+          <p:spPr>
+            <a:xfrm>
+              <a:off x="3257450" y="3629798"/>
+              <a:ext cx="108000" cy="108000"/>
+            </a:xfrm>
+            <a:prstGeom prst="ellipse">
+              <a:avLst/>
+            </a:prstGeom>
+            <a:ln w="28575">
+              <a:solidFill>
+                <a:srgbClr val="002060"/>
+              </a:solidFill>
+            </a:ln>
+          </p:spPr>
+          <p:style>
+            <a:lnRef idx="2">
+              <a:schemeClr val="accent1">
+                <a:shade val="50000"/>
+              </a:schemeClr>
+            </a:lnRef>
+            <a:fillRef idx="1">
+              <a:schemeClr val="accent1"/>
+            </a:fillRef>
+            <a:effectRef idx="0">
+              <a:schemeClr val="accent1"/>
+            </a:effectRef>
+            <a:fontRef idx="minor">
+              <a:schemeClr val="lt1"/>
+            </a:fontRef>
+          </p:style>
+          <p:txBody>
+            <a:bodyPr rtlCol="0" anchor="ctr"/>
+            <a:lstStyle/>
+            <a:p>
+              <a:pPr algn="ctr"/>
+              <a:endParaRPr lang="zh-TW" altLang="en-US"/>
+            </a:p>
+          </p:txBody>
+        </p:sp>
+        <p:sp>
+          <p:nvSpPr>
+            <p:cNvPr id="77" name="橢圓 76">
+              <a:extLst>
+                <a:ext uri="{FF2B5EF4-FFF2-40B4-BE49-F238E27FC236}">
+                  <a16:creationId xmlns:a16="http://schemas.microsoft.com/office/drawing/2014/main" id="{1979DF8A-E914-4020-9BC4-3FBB99BB54BE}"/>
+                </a:ext>
+              </a:extLst>
+            </p:cNvPr>
+            <p:cNvSpPr/>
+            <p:nvPr/>
+          </p:nvSpPr>
+          <p:spPr>
+            <a:xfrm>
+              <a:off x="3257450" y="3258285"/>
+              <a:ext cx="108000" cy="108000"/>
+            </a:xfrm>
+            <a:prstGeom prst="ellipse">
+              <a:avLst/>
+            </a:prstGeom>
+            <a:ln w="28575">
+              <a:solidFill>
+                <a:srgbClr val="002060"/>
+              </a:solidFill>
+            </a:ln>
+          </p:spPr>
+          <p:style>
+            <a:lnRef idx="2">
+              <a:schemeClr val="accent1">
+                <a:shade val="50000"/>
+              </a:schemeClr>
+            </a:lnRef>
+            <a:fillRef idx="1">
+              <a:schemeClr val="accent1"/>
+            </a:fillRef>
+            <a:effectRef idx="0">
+              <a:schemeClr val="accent1"/>
+            </a:effectRef>
+            <a:fontRef idx="minor">
+              <a:schemeClr val="lt1"/>
+            </a:fontRef>
+          </p:style>
+          <p:txBody>
+            <a:bodyPr rtlCol="0" anchor="ctr"/>
+            <a:lstStyle/>
+            <a:p>
+              <a:pPr algn="ctr"/>
+              <a:endParaRPr lang="zh-TW" altLang="en-US"/>
+            </a:p>
+          </p:txBody>
+        </p:sp>
+        <p:sp>
+          <p:nvSpPr>
+            <p:cNvPr id="78" name="橢圓 77">
+              <a:extLst>
+                <a:ext uri="{FF2B5EF4-FFF2-40B4-BE49-F238E27FC236}">
+                  <a16:creationId xmlns:a16="http://schemas.microsoft.com/office/drawing/2014/main" id="{8DCAA984-7D54-460D-8467-9FC7EB571982}"/>
+                </a:ext>
+              </a:extLst>
+            </p:cNvPr>
+            <p:cNvSpPr/>
+            <p:nvPr/>
+          </p:nvSpPr>
+          <p:spPr>
+            <a:xfrm>
+              <a:off x="3257450" y="5155093"/>
+              <a:ext cx="108000" cy="108000"/>
+            </a:xfrm>
+            <a:prstGeom prst="ellipse">
+              <a:avLst/>
+            </a:prstGeom>
+            <a:solidFill>
+              <a:srgbClr val="FFFF00"/>
+            </a:solidFill>
+            <a:ln w="28575">
+              <a:solidFill>
+                <a:srgbClr val="002060"/>
+              </a:solidFill>
+            </a:ln>
+          </p:spPr>
+          <p:style>
+            <a:lnRef idx="2">
+              <a:schemeClr val="accent1">
+                <a:shade val="50000"/>
+              </a:schemeClr>
+            </a:lnRef>
+            <a:fillRef idx="1">
+              <a:schemeClr val="accent1"/>
+            </a:fillRef>
+            <a:effectRef idx="0">
+              <a:schemeClr val="accent1"/>
+            </a:effectRef>
+            <a:fontRef idx="minor">
+              <a:schemeClr val="lt1"/>
+            </a:fontRef>
+          </p:style>
+          <p:txBody>
+            <a:bodyPr rtlCol="0" anchor="ctr"/>
+            <a:lstStyle/>
+            <a:p>
+              <a:pPr algn="ctr"/>
+              <a:endParaRPr lang="zh-TW" altLang="en-US"/>
+            </a:p>
+          </p:txBody>
+        </p:sp>
+      </p:grpSp>
     </p:spTree>
     <p:extLst>
       <p:ext uri="{BB962C8B-B14F-4D97-AF65-F5344CB8AC3E}">

--- a/path_planing/VO_code_try/robot_properties3.pptx
+++ b/path_planing/VO_code_try/robot_properties3.pptx
@@ -37,6 +37,7 @@
     <p:sldId id="285" r:id="rId31"/>
     <p:sldId id="286" r:id="rId32"/>
     <p:sldId id="287" r:id="rId33"/>
+    <p:sldId id="288" r:id="rId34"/>
   </p:sldIdLst>
   <p:sldSz cx="12192000" cy="6858000"/>
   <p:notesSz cx="6858000" cy="9144000"/>
@@ -290,7 +291,7 @@
           <a:p>
             <a:fld id="{9CD1F5AD-FE1B-4540-B598-52220A64164D}" type="datetimeFigureOut">
               <a:rPr lang="zh-TW" altLang="en-US" smtClean="0"/>
-              <a:t>2025/3/26</a:t>
+              <a:t>2025/5/21</a:t>
             </a:fld>
             <a:endParaRPr lang="zh-TW" altLang="en-US"/>
           </a:p>
@@ -488,7 +489,7 @@
           <a:p>
             <a:fld id="{9CD1F5AD-FE1B-4540-B598-52220A64164D}" type="datetimeFigureOut">
               <a:rPr lang="zh-TW" altLang="en-US" smtClean="0"/>
-              <a:t>2025/3/26</a:t>
+              <a:t>2025/5/21</a:t>
             </a:fld>
             <a:endParaRPr lang="zh-TW" altLang="en-US"/>
           </a:p>
@@ -696,7 +697,7 @@
           <a:p>
             <a:fld id="{9CD1F5AD-FE1B-4540-B598-52220A64164D}" type="datetimeFigureOut">
               <a:rPr lang="zh-TW" altLang="en-US" smtClean="0"/>
-              <a:t>2025/3/26</a:t>
+              <a:t>2025/5/21</a:t>
             </a:fld>
             <a:endParaRPr lang="zh-TW" altLang="en-US"/>
           </a:p>
@@ -894,7 +895,7 @@
           <a:p>
             <a:fld id="{9CD1F5AD-FE1B-4540-B598-52220A64164D}" type="datetimeFigureOut">
               <a:rPr lang="zh-TW" altLang="en-US" smtClean="0"/>
-              <a:t>2025/3/26</a:t>
+              <a:t>2025/5/21</a:t>
             </a:fld>
             <a:endParaRPr lang="zh-TW" altLang="en-US"/>
           </a:p>
@@ -1169,7 +1170,7 @@
           <a:p>
             <a:fld id="{9CD1F5AD-FE1B-4540-B598-52220A64164D}" type="datetimeFigureOut">
               <a:rPr lang="zh-TW" altLang="en-US" smtClean="0"/>
-              <a:t>2025/3/26</a:t>
+              <a:t>2025/5/21</a:t>
             </a:fld>
             <a:endParaRPr lang="zh-TW" altLang="en-US"/>
           </a:p>
@@ -1434,7 +1435,7 @@
           <a:p>
             <a:fld id="{9CD1F5AD-FE1B-4540-B598-52220A64164D}" type="datetimeFigureOut">
               <a:rPr lang="zh-TW" altLang="en-US" smtClean="0"/>
-              <a:t>2025/3/26</a:t>
+              <a:t>2025/5/21</a:t>
             </a:fld>
             <a:endParaRPr lang="zh-TW" altLang="en-US"/>
           </a:p>
@@ -1846,7 +1847,7 @@
           <a:p>
             <a:fld id="{9CD1F5AD-FE1B-4540-B598-52220A64164D}" type="datetimeFigureOut">
               <a:rPr lang="zh-TW" altLang="en-US" smtClean="0"/>
-              <a:t>2025/3/26</a:t>
+              <a:t>2025/5/21</a:t>
             </a:fld>
             <a:endParaRPr lang="zh-TW" altLang="en-US"/>
           </a:p>
@@ -1987,7 +1988,7 @@
           <a:p>
             <a:fld id="{9CD1F5AD-FE1B-4540-B598-52220A64164D}" type="datetimeFigureOut">
               <a:rPr lang="zh-TW" altLang="en-US" smtClean="0"/>
-              <a:t>2025/3/26</a:t>
+              <a:t>2025/5/21</a:t>
             </a:fld>
             <a:endParaRPr lang="zh-TW" altLang="en-US"/>
           </a:p>
@@ -2100,7 +2101,7 @@
           <a:p>
             <a:fld id="{9CD1F5AD-FE1B-4540-B598-52220A64164D}" type="datetimeFigureOut">
               <a:rPr lang="zh-TW" altLang="en-US" smtClean="0"/>
-              <a:t>2025/3/26</a:t>
+              <a:t>2025/5/21</a:t>
             </a:fld>
             <a:endParaRPr lang="zh-TW" altLang="en-US"/>
           </a:p>
@@ -2411,7 +2412,7 @@
           <a:p>
             <a:fld id="{9CD1F5AD-FE1B-4540-B598-52220A64164D}" type="datetimeFigureOut">
               <a:rPr lang="zh-TW" altLang="en-US" smtClean="0"/>
-              <a:t>2025/3/26</a:t>
+              <a:t>2025/5/21</a:t>
             </a:fld>
             <a:endParaRPr lang="zh-TW" altLang="en-US"/>
           </a:p>
@@ -2699,7 +2700,7 @@
           <a:p>
             <a:fld id="{9CD1F5AD-FE1B-4540-B598-52220A64164D}" type="datetimeFigureOut">
               <a:rPr lang="zh-TW" altLang="en-US" smtClean="0"/>
-              <a:t>2025/3/26</a:t>
+              <a:t>2025/5/21</a:t>
             </a:fld>
             <a:endParaRPr lang="zh-TW" altLang="en-US"/>
           </a:p>
@@ -2940,7 +2941,7 @@
           <a:p>
             <a:fld id="{9CD1F5AD-FE1B-4540-B598-52220A64164D}" type="datetimeFigureOut">
               <a:rPr lang="zh-TW" altLang="en-US" smtClean="0"/>
-              <a:t>2025/3/26</a:t>
+              <a:t>2025/5/21</a:t>
             </a:fld>
             <a:endParaRPr lang="zh-TW" altLang="en-US"/>
           </a:p>
@@ -37529,6 +37530,666 @@
 </p:sld>
 </file>
 
+<file path=ppt/slides/slide33.xml><?xml version="1.0" encoding="utf-8"?>
+<p:sld xmlns:a="http://schemas.openxmlformats.org/drawingml/2006/main" xmlns:r="http://schemas.openxmlformats.org/officeDocument/2006/relationships" xmlns:p="http://schemas.openxmlformats.org/presentationml/2006/main">
+  <p:cSld>
+    <p:spTree>
+      <p:nvGrpSpPr>
+        <p:cNvPr id="1" name=""/>
+        <p:cNvGrpSpPr/>
+        <p:nvPr/>
+      </p:nvGrpSpPr>
+      <p:grpSpPr>
+        <a:xfrm>
+          <a:off x="0" y="0"/>
+          <a:ext cx="0" cy="0"/>
+          <a:chOff x="0" y="0"/>
+          <a:chExt cx="0" cy="0"/>
+        </a:xfrm>
+      </p:grpSpPr>
+      <p:grpSp>
+        <p:nvGrpSpPr>
+          <p:cNvPr id="16" name="群組 15">
+            <a:extLst>
+              <a:ext uri="{FF2B5EF4-FFF2-40B4-BE49-F238E27FC236}">
+                <a16:creationId xmlns:a16="http://schemas.microsoft.com/office/drawing/2014/main" id="{7200AEDF-E12A-45A3-A65C-FAB21E736A80}"/>
+              </a:ext>
+            </a:extLst>
+          </p:cNvPr>
+          <p:cNvGrpSpPr/>
+          <p:nvPr/>
+        </p:nvGrpSpPr>
+        <p:grpSpPr>
+          <a:xfrm>
+            <a:off x="1659467" y="999067"/>
+            <a:ext cx="9423400" cy="4944533"/>
+            <a:chOff x="1659467" y="999067"/>
+            <a:chExt cx="9423400" cy="4944533"/>
+          </a:xfrm>
+        </p:grpSpPr>
+        <p:pic>
+          <p:nvPicPr>
+            <p:cNvPr id="5" name="圖片 4">
+              <a:extLst>
+                <a:ext uri="{FF2B5EF4-FFF2-40B4-BE49-F238E27FC236}">
+                  <a16:creationId xmlns:a16="http://schemas.microsoft.com/office/drawing/2014/main" id="{FDD82932-37C6-44F2-895B-65A64686FB3F}"/>
+                </a:ext>
+              </a:extLst>
+            </p:cNvPr>
+            <p:cNvPicPr>
+              <a:picLocks noChangeAspect="1"/>
+            </p:cNvPicPr>
+            <p:nvPr/>
+          </p:nvPicPr>
+          <p:blipFill rotWithShape="1">
+            <a:blip r:embed="rId2">
+              <a:extLst>
+                <a:ext uri="{28A0092B-C50C-407E-A947-70E740481C1C}">
+                  <a14:useLocalDpi xmlns:a14="http://schemas.microsoft.com/office/drawing/2010/main" val="0"/>
+                </a:ext>
+              </a:extLst>
+            </a:blip>
+            <a:srcRect l="13612" t="10671" r="9098" b="9301"/>
+            <a:stretch/>
+          </p:blipFill>
+          <p:spPr>
+            <a:xfrm>
+              <a:off x="1659467" y="999067"/>
+              <a:ext cx="9423400" cy="4944533"/>
+            </a:xfrm>
+            <a:prstGeom prst="rect">
+              <a:avLst/>
+            </a:prstGeom>
+          </p:spPr>
+        </p:pic>
+        <p:cxnSp>
+          <p:nvCxnSpPr>
+            <p:cNvPr id="7" name="直線單箭頭接點 6">
+              <a:extLst>
+                <a:ext uri="{FF2B5EF4-FFF2-40B4-BE49-F238E27FC236}">
+                  <a16:creationId xmlns:a16="http://schemas.microsoft.com/office/drawing/2014/main" id="{A721E7B5-9D45-490B-801C-CAA8E4AD252E}"/>
+                </a:ext>
+              </a:extLst>
+            </p:cNvPr>
+            <p:cNvCxnSpPr>
+              <a:cxnSpLocks/>
+            </p:cNvCxnSpPr>
+            <p:nvPr/>
+          </p:nvCxnSpPr>
+          <p:spPr>
+            <a:xfrm flipH="1">
+              <a:off x="7213600" y="3471333"/>
+              <a:ext cx="1176867" cy="1151467"/>
+            </a:xfrm>
+            <a:prstGeom prst="straightConnector1">
+              <a:avLst/>
+            </a:prstGeom>
+            <a:ln w="12700">
+              <a:solidFill>
+                <a:srgbClr val="FF0000"/>
+              </a:solidFill>
+              <a:tailEnd type="triangle"/>
+            </a:ln>
+          </p:spPr>
+          <p:style>
+            <a:lnRef idx="1">
+              <a:schemeClr val="accent1"/>
+            </a:lnRef>
+            <a:fillRef idx="0">
+              <a:schemeClr val="accent1"/>
+            </a:fillRef>
+            <a:effectRef idx="0">
+              <a:schemeClr val="accent1"/>
+            </a:effectRef>
+            <a:fontRef idx="minor">
+              <a:schemeClr val="tx1"/>
+            </a:fontRef>
+          </p:style>
+        </p:cxnSp>
+        <mc:AlternateContent xmlns:mc="http://schemas.openxmlformats.org/markup-compatibility/2006">
+          <mc:Choice xmlns:a14="http://schemas.microsoft.com/office/drawing/2010/main" Requires="a14">
+            <p:sp>
+              <p:nvSpPr>
+                <p:cNvPr id="8" name="文字方塊 7">
+                  <a:extLst>
+                    <a:ext uri="{FF2B5EF4-FFF2-40B4-BE49-F238E27FC236}">
+                      <a16:creationId xmlns:a16="http://schemas.microsoft.com/office/drawing/2014/main" id="{2BA4526C-5BC0-4BE1-83EA-F4B2D86F681F}"/>
+                    </a:ext>
+                  </a:extLst>
+                </p:cNvPr>
+                <p:cNvSpPr txBox="1"/>
+                <p:nvPr/>
+              </p:nvSpPr>
+              <p:spPr>
+                <a:xfrm>
+                  <a:off x="6557433" y="1990687"/>
+                  <a:ext cx="2277534" cy="656013"/>
+                </a:xfrm>
+                <a:prstGeom prst="rect">
+                  <a:avLst/>
+                </a:prstGeom>
+                <a:noFill/>
+              </p:spPr>
+              <p:txBody>
+                <a:bodyPr wrap="square" rtlCol="0">
+                  <a:spAutoFit/>
+                </a:bodyPr>
+                <a:lstStyle/>
+                <a:p>
+                  <a14:m>
+                    <m:oMathPara xmlns:m="http://schemas.openxmlformats.org/officeDocument/2006/math">
+                      <m:oMathParaPr>
+                        <m:jc m:val="centerGroup"/>
+                      </m:oMathParaPr>
+                      <m:oMath xmlns:m="http://schemas.openxmlformats.org/officeDocument/2006/math">
+                        <m:rad>
+                          <m:radPr>
+                            <m:degHide m:val="on"/>
+                            <m:ctrlPr>
+                              <a:rPr lang="zh-TW" altLang="en-US" i="1" smtClean="0">
+                                <a:solidFill>
+                                  <a:srgbClr val="FF0000"/>
+                                </a:solidFill>
+                                <a:latin typeface="Cambria Math" panose="02040503050406030204" pitchFamily="18" charset="0"/>
+                              </a:rPr>
+                            </m:ctrlPr>
+                          </m:radPr>
+                          <m:deg/>
+                          <m:e>
+                            <m:sSub>
+                              <m:sSubPr>
+                                <m:ctrlPr>
+                                  <a:rPr lang="en-US" altLang="zh-TW" b="0" i="1" smtClean="0">
+                                    <a:solidFill>
+                                      <a:srgbClr val="FF0000"/>
+                                    </a:solidFill>
+                                    <a:latin typeface="Cambria Math" panose="02040503050406030204" pitchFamily="18" charset="0"/>
+                                  </a:rPr>
+                                </m:ctrlPr>
+                              </m:sSubPr>
+                              <m:e>
+                                <m:r>
+                                  <a:rPr lang="en-US" altLang="zh-TW" i="1" smtClean="0">
+                                    <a:solidFill>
+                                      <a:srgbClr val="FF0000"/>
+                                    </a:solidFill>
+                                    <a:latin typeface="Cambria Math" panose="02040503050406030204" pitchFamily="18" charset="0"/>
+                                  </a:rPr>
+                                  <m:t>𝜆</m:t>
+                                </m:r>
+                              </m:e>
+                              <m:sub>
+                                <m:r>
+                                  <a:rPr lang="en-US" altLang="zh-TW" b="0" i="1" smtClean="0">
+                                    <a:solidFill>
+                                      <a:srgbClr val="FF0000"/>
+                                    </a:solidFill>
+                                    <a:latin typeface="Cambria Math" panose="02040503050406030204" pitchFamily="18" charset="0"/>
+                                  </a:rPr>
+                                  <m:t>2</m:t>
+                                </m:r>
+                              </m:sub>
+                            </m:sSub>
+                          </m:e>
+                        </m:rad>
+                        <m:r>
+                          <a:rPr lang="zh-TW" altLang="en-US" i="1" smtClean="0">
+                            <a:solidFill>
+                              <a:srgbClr val="FF0000"/>
+                            </a:solidFill>
+                            <a:latin typeface="Cambria Math" panose="02040503050406030204" pitchFamily="18" charset="0"/>
+                          </a:rPr>
+                          <m:t>∙</m:t>
+                        </m:r>
+                        <m:rad>
+                          <m:radPr>
+                            <m:degHide m:val="on"/>
+                            <m:ctrlPr>
+                              <a:rPr lang="zh-TW" altLang="en-US" i="1" smtClean="0">
+                                <a:solidFill>
+                                  <a:srgbClr val="FF0000"/>
+                                </a:solidFill>
+                                <a:latin typeface="Cambria Math" panose="02040503050406030204" pitchFamily="18" charset="0"/>
+                              </a:rPr>
+                            </m:ctrlPr>
+                          </m:radPr>
+                          <m:deg/>
+                          <m:e>
+                            <m:sSubSup>
+                              <m:sSubSupPr>
+                                <m:ctrlPr>
+                                  <a:rPr lang="en-US" altLang="zh-TW" b="0" i="1" smtClean="0">
+                                    <a:solidFill>
+                                      <a:srgbClr val="FF0000"/>
+                                    </a:solidFill>
+                                    <a:latin typeface="Cambria Math" panose="02040503050406030204" pitchFamily="18" charset="0"/>
+                                  </a:rPr>
+                                </m:ctrlPr>
+                              </m:sSubSupPr>
+                              <m:e>
+                                <m:r>
+                                  <m:rPr>
+                                    <m:sty m:val="p"/>
+                                  </m:rPr>
+                                  <a:rPr lang="el-GR" altLang="zh-TW" i="1" smtClean="0">
+                                    <a:solidFill>
+                                      <a:srgbClr val="FF0000"/>
+                                    </a:solidFill>
+                                    <a:latin typeface="Cambria Math" panose="02040503050406030204" pitchFamily="18" charset="0"/>
+                                  </a:rPr>
+                                  <m:t>χ</m:t>
+                                </m:r>
+                              </m:e>
+                              <m:sub>
+                                <m:r>
+                                  <a:rPr lang="en-US" altLang="zh-TW" b="0" i="1" smtClean="0">
+                                    <a:solidFill>
+                                      <a:srgbClr val="FF0000"/>
+                                    </a:solidFill>
+                                    <a:latin typeface="Cambria Math" panose="02040503050406030204" pitchFamily="18" charset="0"/>
+                                  </a:rPr>
+                                  <m:t>2</m:t>
+                                </m:r>
+                              </m:sub>
+                              <m:sup>
+                                <m:r>
+                                  <a:rPr lang="en-US" altLang="zh-TW" b="0" i="1" smtClean="0">
+                                    <a:solidFill>
+                                      <a:srgbClr val="FF0000"/>
+                                    </a:solidFill>
+                                    <a:latin typeface="Cambria Math" panose="02040503050406030204" pitchFamily="18" charset="0"/>
+                                  </a:rPr>
+                                  <m:t>2</m:t>
+                                </m:r>
+                              </m:sup>
+                            </m:sSubSup>
+                            <m:r>
+                              <a:rPr lang="en-US" altLang="zh-TW" b="0" i="1" smtClean="0">
+                                <a:solidFill>
+                                  <a:srgbClr val="FF0000"/>
+                                </a:solidFill>
+                                <a:latin typeface="Cambria Math" panose="02040503050406030204" pitchFamily="18" charset="0"/>
+                              </a:rPr>
+                              <m:t>(1−</m:t>
+                            </m:r>
+                            <m:r>
+                              <a:rPr lang="en-US" altLang="zh-TW" b="0" i="1" smtClean="0">
+                                <a:solidFill>
+                                  <a:srgbClr val="FF0000"/>
+                                </a:solidFill>
+                                <a:latin typeface="Cambria Math" panose="02040503050406030204" pitchFamily="18" charset="0"/>
+                              </a:rPr>
+                              <m:t>𝛼</m:t>
+                            </m:r>
+                            <m:r>
+                              <a:rPr lang="en-US" altLang="zh-TW" b="0" i="1" smtClean="0">
+                                <a:solidFill>
+                                  <a:srgbClr val="FF0000"/>
+                                </a:solidFill>
+                                <a:latin typeface="Cambria Math" panose="02040503050406030204" pitchFamily="18" charset="0"/>
+                              </a:rPr>
+                              <m:t>)</m:t>
+                            </m:r>
+                          </m:e>
+                        </m:rad>
+                      </m:oMath>
+                    </m:oMathPara>
+                  </a14:m>
+                  <a:endParaRPr lang="zh-TW" altLang="en-US" dirty="0">
+                    <a:solidFill>
+                      <a:srgbClr val="FF0000"/>
+                    </a:solidFill>
+                  </a:endParaRPr>
+                </a:p>
+              </p:txBody>
+            </p:sp>
+          </mc:Choice>
+          <mc:Fallback>
+            <p:sp>
+              <p:nvSpPr>
+                <p:cNvPr id="8" name="文字方塊 7">
+                  <a:extLst>
+                    <a:ext uri="{FF2B5EF4-FFF2-40B4-BE49-F238E27FC236}">
+                      <a16:creationId xmlns:a16="http://schemas.microsoft.com/office/drawing/2014/main" id="{2BA4526C-5BC0-4BE1-83EA-F4B2D86F681F}"/>
+                    </a:ext>
+                  </a:extLst>
+                </p:cNvPr>
+                <p:cNvSpPr txBox="1">
+                  <a:spLocks noRot="1" noChangeAspect="1" noMove="1" noResize="1" noEditPoints="1" noAdjustHandles="1" noChangeArrowheads="1" noChangeShapeType="1" noTextEdit="1"/>
+                </p:cNvSpPr>
+                <p:nvPr/>
+              </p:nvSpPr>
+              <p:spPr>
+                <a:xfrm>
+                  <a:off x="6557433" y="1990687"/>
+                  <a:ext cx="2277534" cy="656013"/>
+                </a:xfrm>
+                <a:prstGeom prst="rect">
+                  <a:avLst/>
+                </a:prstGeom>
+                <a:blipFill>
+                  <a:blip r:embed="rId3"/>
+                  <a:stretch>
+                    <a:fillRect/>
+                  </a:stretch>
+                </a:blipFill>
+              </p:spPr>
+              <p:txBody>
+                <a:bodyPr/>
+                <a:lstStyle/>
+                <a:p>
+                  <a:r>
+                    <a:rPr lang="zh-TW" altLang="en-US">
+                      <a:noFill/>
+                    </a:rPr>
+                    <a:t> </a:t>
+                  </a:r>
+                </a:p>
+              </p:txBody>
+            </p:sp>
+          </mc:Fallback>
+        </mc:AlternateContent>
+        <p:cxnSp>
+          <p:nvCxnSpPr>
+            <p:cNvPr id="10" name="直線單箭頭接點 9">
+              <a:extLst>
+                <a:ext uri="{FF2B5EF4-FFF2-40B4-BE49-F238E27FC236}">
+                  <a16:creationId xmlns:a16="http://schemas.microsoft.com/office/drawing/2014/main" id="{F4984F56-8B81-4982-A250-7C48BC6D0B8A}"/>
+                </a:ext>
+              </a:extLst>
+            </p:cNvPr>
+            <p:cNvCxnSpPr>
+              <a:cxnSpLocks/>
+            </p:cNvCxnSpPr>
+            <p:nvPr/>
+          </p:nvCxnSpPr>
+          <p:spPr>
+            <a:xfrm flipH="1" flipV="1">
+              <a:off x="7696200" y="2836333"/>
+              <a:ext cx="694267" cy="635001"/>
+            </a:xfrm>
+            <a:prstGeom prst="straightConnector1">
+              <a:avLst/>
+            </a:prstGeom>
+            <a:ln w="12700">
+              <a:solidFill>
+                <a:srgbClr val="FF0000"/>
+              </a:solidFill>
+              <a:tailEnd type="triangle"/>
+            </a:ln>
+          </p:spPr>
+          <p:style>
+            <a:lnRef idx="1">
+              <a:schemeClr val="accent1"/>
+            </a:lnRef>
+            <a:fillRef idx="0">
+              <a:schemeClr val="accent1"/>
+            </a:fillRef>
+            <a:effectRef idx="0">
+              <a:schemeClr val="accent1"/>
+            </a:effectRef>
+            <a:fontRef idx="minor">
+              <a:schemeClr val="tx1"/>
+            </a:fontRef>
+          </p:style>
+        </p:cxnSp>
+        <mc:AlternateContent xmlns:mc="http://schemas.openxmlformats.org/markup-compatibility/2006">
+          <mc:Choice xmlns:a14="http://schemas.microsoft.com/office/drawing/2010/main" Requires="a14">
+            <p:sp>
+              <p:nvSpPr>
+                <p:cNvPr id="15" name="文字方塊 14">
+                  <a:extLst>
+                    <a:ext uri="{FF2B5EF4-FFF2-40B4-BE49-F238E27FC236}">
+                      <a16:creationId xmlns:a16="http://schemas.microsoft.com/office/drawing/2014/main" id="{C9557BDF-59C6-48F7-BB71-A314335FC1DB}"/>
+                    </a:ext>
+                  </a:extLst>
+                </p:cNvPr>
+                <p:cNvSpPr txBox="1"/>
+                <p:nvPr/>
+              </p:nvSpPr>
+              <p:spPr>
+                <a:xfrm>
+                  <a:off x="7200900" y="4506613"/>
+                  <a:ext cx="2277534" cy="656013"/>
+                </a:xfrm>
+                <a:prstGeom prst="rect">
+                  <a:avLst/>
+                </a:prstGeom>
+                <a:noFill/>
+              </p:spPr>
+              <p:txBody>
+                <a:bodyPr wrap="square" rtlCol="0">
+                  <a:spAutoFit/>
+                </a:bodyPr>
+                <a:lstStyle/>
+                <a:p>
+                  <a14:m>
+                    <m:oMathPara xmlns:m="http://schemas.openxmlformats.org/officeDocument/2006/math">
+                      <m:oMathParaPr>
+                        <m:jc m:val="centerGroup"/>
+                      </m:oMathParaPr>
+                      <m:oMath xmlns:m="http://schemas.openxmlformats.org/officeDocument/2006/math">
+                        <m:rad>
+                          <m:radPr>
+                            <m:degHide m:val="on"/>
+                            <m:ctrlPr>
+                              <a:rPr lang="zh-TW" altLang="en-US" i="1" smtClean="0">
+                                <a:solidFill>
+                                  <a:srgbClr val="FF0000"/>
+                                </a:solidFill>
+                                <a:latin typeface="Cambria Math" panose="02040503050406030204" pitchFamily="18" charset="0"/>
+                              </a:rPr>
+                            </m:ctrlPr>
+                          </m:radPr>
+                          <m:deg/>
+                          <m:e>
+                            <m:sSub>
+                              <m:sSubPr>
+                                <m:ctrlPr>
+                                  <a:rPr lang="en-US" altLang="zh-TW" b="0" i="1" smtClean="0">
+                                    <a:solidFill>
+                                      <a:srgbClr val="FF0000"/>
+                                    </a:solidFill>
+                                    <a:latin typeface="Cambria Math" panose="02040503050406030204" pitchFamily="18" charset="0"/>
+                                  </a:rPr>
+                                </m:ctrlPr>
+                              </m:sSubPr>
+                              <m:e>
+                                <m:r>
+                                  <a:rPr lang="en-US" altLang="zh-TW" i="1" smtClean="0">
+                                    <a:solidFill>
+                                      <a:srgbClr val="FF0000"/>
+                                    </a:solidFill>
+                                    <a:latin typeface="Cambria Math" panose="02040503050406030204" pitchFamily="18" charset="0"/>
+                                  </a:rPr>
+                                  <m:t>𝜆</m:t>
+                                </m:r>
+                              </m:e>
+                              <m:sub>
+                                <m:r>
+                                  <a:rPr lang="en-US" altLang="zh-TW" b="0" i="1" smtClean="0">
+                                    <a:solidFill>
+                                      <a:srgbClr val="FF0000"/>
+                                    </a:solidFill>
+                                    <a:latin typeface="Cambria Math" panose="02040503050406030204" pitchFamily="18" charset="0"/>
+                                  </a:rPr>
+                                  <m:t>1</m:t>
+                                </m:r>
+                              </m:sub>
+                            </m:sSub>
+                          </m:e>
+                        </m:rad>
+                        <m:r>
+                          <a:rPr lang="zh-TW" altLang="en-US" i="1" smtClean="0">
+                            <a:solidFill>
+                              <a:srgbClr val="FF0000"/>
+                            </a:solidFill>
+                            <a:latin typeface="Cambria Math" panose="02040503050406030204" pitchFamily="18" charset="0"/>
+                          </a:rPr>
+                          <m:t>∙</m:t>
+                        </m:r>
+                        <m:rad>
+                          <m:radPr>
+                            <m:degHide m:val="on"/>
+                            <m:ctrlPr>
+                              <a:rPr lang="zh-TW" altLang="en-US" i="1" smtClean="0">
+                                <a:solidFill>
+                                  <a:srgbClr val="FF0000"/>
+                                </a:solidFill>
+                                <a:latin typeface="Cambria Math" panose="02040503050406030204" pitchFamily="18" charset="0"/>
+                              </a:rPr>
+                            </m:ctrlPr>
+                          </m:radPr>
+                          <m:deg/>
+                          <m:e>
+                            <m:sSubSup>
+                              <m:sSubSupPr>
+                                <m:ctrlPr>
+                                  <a:rPr lang="en-US" altLang="zh-TW" b="0" i="1" smtClean="0">
+                                    <a:solidFill>
+                                      <a:srgbClr val="FF0000"/>
+                                    </a:solidFill>
+                                    <a:latin typeface="Cambria Math" panose="02040503050406030204" pitchFamily="18" charset="0"/>
+                                  </a:rPr>
+                                </m:ctrlPr>
+                              </m:sSubSupPr>
+                              <m:e>
+                                <m:r>
+                                  <m:rPr>
+                                    <m:sty m:val="p"/>
+                                  </m:rPr>
+                                  <a:rPr lang="el-GR" altLang="zh-TW" i="1" smtClean="0">
+                                    <a:solidFill>
+                                      <a:srgbClr val="FF0000"/>
+                                    </a:solidFill>
+                                    <a:latin typeface="Cambria Math" panose="02040503050406030204" pitchFamily="18" charset="0"/>
+                                  </a:rPr>
+                                  <m:t>χ</m:t>
+                                </m:r>
+                              </m:e>
+                              <m:sub>
+                                <m:r>
+                                  <a:rPr lang="en-US" altLang="zh-TW" b="0" i="1" smtClean="0">
+                                    <a:solidFill>
+                                      <a:srgbClr val="FF0000"/>
+                                    </a:solidFill>
+                                    <a:latin typeface="Cambria Math" panose="02040503050406030204" pitchFamily="18" charset="0"/>
+                                  </a:rPr>
+                                  <m:t>2</m:t>
+                                </m:r>
+                              </m:sub>
+                              <m:sup>
+                                <m:r>
+                                  <a:rPr lang="en-US" altLang="zh-TW" b="0" i="1" smtClean="0">
+                                    <a:solidFill>
+                                      <a:srgbClr val="FF0000"/>
+                                    </a:solidFill>
+                                    <a:latin typeface="Cambria Math" panose="02040503050406030204" pitchFamily="18" charset="0"/>
+                                  </a:rPr>
+                                  <m:t>2</m:t>
+                                </m:r>
+                              </m:sup>
+                            </m:sSubSup>
+                            <m:r>
+                              <a:rPr lang="en-US" altLang="zh-TW" b="0" i="1" smtClean="0">
+                                <a:solidFill>
+                                  <a:srgbClr val="FF0000"/>
+                                </a:solidFill>
+                                <a:latin typeface="Cambria Math" panose="02040503050406030204" pitchFamily="18" charset="0"/>
+                              </a:rPr>
+                              <m:t>(1−</m:t>
+                            </m:r>
+                            <m:r>
+                              <a:rPr lang="en-US" altLang="zh-TW" b="0" i="1" smtClean="0">
+                                <a:solidFill>
+                                  <a:srgbClr val="FF0000"/>
+                                </a:solidFill>
+                                <a:latin typeface="Cambria Math" panose="02040503050406030204" pitchFamily="18" charset="0"/>
+                              </a:rPr>
+                              <m:t>𝛼</m:t>
+                            </m:r>
+                            <m:r>
+                              <a:rPr lang="en-US" altLang="zh-TW" b="0" i="1" smtClean="0">
+                                <a:solidFill>
+                                  <a:srgbClr val="FF0000"/>
+                                </a:solidFill>
+                                <a:latin typeface="Cambria Math" panose="02040503050406030204" pitchFamily="18" charset="0"/>
+                              </a:rPr>
+                              <m:t>)</m:t>
+                            </m:r>
+                          </m:e>
+                        </m:rad>
+                      </m:oMath>
+                    </m:oMathPara>
+                  </a14:m>
+                  <a:endParaRPr lang="zh-TW" altLang="en-US" dirty="0">
+                    <a:solidFill>
+                      <a:srgbClr val="FF0000"/>
+                    </a:solidFill>
+                  </a:endParaRPr>
+                </a:p>
+              </p:txBody>
+            </p:sp>
+          </mc:Choice>
+          <mc:Fallback>
+            <p:sp>
+              <p:nvSpPr>
+                <p:cNvPr id="15" name="文字方塊 14">
+                  <a:extLst>
+                    <a:ext uri="{FF2B5EF4-FFF2-40B4-BE49-F238E27FC236}">
+                      <a16:creationId xmlns:a16="http://schemas.microsoft.com/office/drawing/2014/main" id="{C9557BDF-59C6-48F7-BB71-A314335FC1DB}"/>
+                    </a:ext>
+                  </a:extLst>
+                </p:cNvPr>
+                <p:cNvSpPr txBox="1">
+                  <a:spLocks noRot="1" noChangeAspect="1" noMove="1" noResize="1" noEditPoints="1" noAdjustHandles="1" noChangeArrowheads="1" noChangeShapeType="1" noTextEdit="1"/>
+                </p:cNvSpPr>
+                <p:nvPr/>
+              </p:nvSpPr>
+              <p:spPr>
+                <a:xfrm>
+                  <a:off x="7200900" y="4506613"/>
+                  <a:ext cx="2277534" cy="656013"/>
+                </a:xfrm>
+                <a:prstGeom prst="rect">
+                  <a:avLst/>
+                </a:prstGeom>
+                <a:blipFill>
+                  <a:blip r:embed="rId4"/>
+                  <a:stretch>
+                    <a:fillRect/>
+                  </a:stretch>
+                </a:blipFill>
+              </p:spPr>
+              <p:txBody>
+                <a:bodyPr/>
+                <a:lstStyle/>
+                <a:p>
+                  <a:r>
+                    <a:rPr lang="zh-TW" altLang="en-US">
+                      <a:noFill/>
+                    </a:rPr>
+                    <a:t> </a:t>
+                  </a:r>
+                </a:p>
+              </p:txBody>
+            </p:sp>
+          </mc:Fallback>
+        </mc:AlternateContent>
+      </p:grpSp>
+    </p:spTree>
+    <p:extLst>
+      <p:ext uri="{BB962C8B-B14F-4D97-AF65-F5344CB8AC3E}">
+        <p14:creationId xmlns:p14="http://schemas.microsoft.com/office/powerpoint/2010/main" val="239543184"/>
+      </p:ext>
+    </p:extLst>
+  </p:cSld>
+  <p:clrMapOvr>
+    <a:masterClrMapping/>
+  </p:clrMapOvr>
+</p:sld>
+</file>
+
 <file path=ppt/slides/slide4.xml><?xml version="1.0" encoding="utf-8"?>
 <p:sld xmlns:a="http://schemas.openxmlformats.org/drawingml/2006/main" xmlns:r="http://schemas.openxmlformats.org/officeDocument/2006/relationships" xmlns:p="http://schemas.openxmlformats.org/presentationml/2006/main">
   <p:cSld>

--- a/path_planing/VO_code_try/robot_properties3.pptx
+++ b/path_planing/VO_code_try/robot_properties3.pptx
@@ -38,6 +38,7 @@
     <p:sldId id="286" r:id="rId32"/>
     <p:sldId id="287" r:id="rId33"/>
     <p:sldId id="288" r:id="rId34"/>
+    <p:sldId id="289" r:id="rId35"/>
   </p:sldIdLst>
   <p:sldSz cx="12192000" cy="6858000"/>
   <p:notesSz cx="6858000" cy="9144000"/>
@@ -37646,8 +37647,8 @@
             </a:fontRef>
           </p:style>
         </p:cxnSp>
-        <mc:AlternateContent xmlns:mc="http://schemas.openxmlformats.org/markup-compatibility/2006">
-          <mc:Choice xmlns:a14="http://schemas.microsoft.com/office/drawing/2010/main" Requires="a14">
+        <mc:AlternateContent xmlns:mc="http://schemas.openxmlformats.org/markup-compatibility/2006" xmlns:a14="http://schemas.microsoft.com/office/drawing/2010/main">
+          <mc:Choice Requires="a14">
             <p:sp>
               <p:nvSpPr>
                 <p:cNvPr id="8" name="文字方塊 7">
@@ -37676,6 +37677,7 @@
                 </a:bodyPr>
                 <a:lstStyle/>
                 <a:p>
+                  <a:pPr/>
                   <a14:m>
                     <m:oMathPara xmlns:m="http://schemas.openxmlformats.org/officeDocument/2006/math">
                       <m:oMathParaPr>
@@ -37844,7 +37846,7 @@
               </p:txBody>
             </p:sp>
           </mc:Choice>
-          <mc:Fallback>
+          <mc:Fallback xmlns="">
             <p:sp>
               <p:nvSpPr>
                 <p:cNvPr id="8" name="文字方塊 7">
@@ -37933,8 +37935,8 @@
             </a:fontRef>
           </p:style>
         </p:cxnSp>
-        <mc:AlternateContent xmlns:mc="http://schemas.openxmlformats.org/markup-compatibility/2006">
-          <mc:Choice xmlns:a14="http://schemas.microsoft.com/office/drawing/2010/main" Requires="a14">
+        <mc:AlternateContent xmlns:mc="http://schemas.openxmlformats.org/markup-compatibility/2006" xmlns:a14="http://schemas.microsoft.com/office/drawing/2010/main">
+          <mc:Choice Requires="a14">
             <p:sp>
               <p:nvSpPr>
                 <p:cNvPr id="15" name="文字方塊 14">
@@ -37963,6 +37965,7 @@
                 </a:bodyPr>
                 <a:lstStyle/>
                 <a:p>
+                  <a:pPr/>
                   <a14:m>
                     <m:oMathPara xmlns:m="http://schemas.openxmlformats.org/officeDocument/2006/math">
                       <m:oMathParaPr>
@@ -38131,7 +38134,7 @@
               </p:txBody>
             </p:sp>
           </mc:Choice>
-          <mc:Fallback>
+          <mc:Fallback xmlns="">
             <p:sp>
               <p:nvSpPr>
                 <p:cNvPr id="15" name="文字方塊 14">
@@ -38181,6 +38184,486 @@
     <p:extLst>
       <p:ext uri="{BB962C8B-B14F-4D97-AF65-F5344CB8AC3E}">
         <p14:creationId xmlns:p14="http://schemas.microsoft.com/office/powerpoint/2010/main" val="239543184"/>
+      </p:ext>
+    </p:extLst>
+  </p:cSld>
+  <p:clrMapOvr>
+    <a:masterClrMapping/>
+  </p:clrMapOvr>
+</p:sld>
+</file>
+
+<file path=ppt/slides/slide34.xml><?xml version="1.0" encoding="utf-8"?>
+<p:sld xmlns:a="http://schemas.openxmlformats.org/drawingml/2006/main" xmlns:r="http://schemas.openxmlformats.org/officeDocument/2006/relationships" xmlns:p="http://schemas.openxmlformats.org/presentationml/2006/main">
+  <p:cSld>
+    <p:spTree>
+      <p:nvGrpSpPr>
+        <p:cNvPr id="1" name=""/>
+        <p:cNvGrpSpPr/>
+        <p:nvPr/>
+      </p:nvGrpSpPr>
+      <p:grpSpPr>
+        <a:xfrm>
+          <a:off x="0" y="0"/>
+          <a:ext cx="0" cy="0"/>
+          <a:chOff x="0" y="0"/>
+          <a:chExt cx="0" cy="0"/>
+        </a:xfrm>
+      </p:grpSpPr>
+      <p:grpSp>
+        <p:nvGrpSpPr>
+          <p:cNvPr id="44" name="群組 43">
+            <a:extLst>
+              <a:ext uri="{FF2B5EF4-FFF2-40B4-BE49-F238E27FC236}">
+                <a16:creationId xmlns:a16="http://schemas.microsoft.com/office/drawing/2014/main" id="{F48163E0-D787-4A5D-8870-2C8FA0D54C80}"/>
+              </a:ext>
+            </a:extLst>
+          </p:cNvPr>
+          <p:cNvGrpSpPr/>
+          <p:nvPr/>
+        </p:nvGrpSpPr>
+        <p:grpSpPr>
+          <a:xfrm>
+            <a:off x="3773347" y="1741990"/>
+            <a:ext cx="4051138" cy="3727048"/>
+            <a:chOff x="3773347" y="1741990"/>
+            <a:chExt cx="4051138" cy="3727048"/>
+          </a:xfrm>
+        </p:grpSpPr>
+        <p:pic>
+          <p:nvPicPr>
+            <p:cNvPr id="5" name="圖片 4">
+              <a:extLst>
+                <a:ext uri="{FF2B5EF4-FFF2-40B4-BE49-F238E27FC236}">
+                  <a16:creationId xmlns:a16="http://schemas.microsoft.com/office/drawing/2014/main" id="{E543564A-0A97-45DE-A5AB-2D37475F4CFB}"/>
+                </a:ext>
+              </a:extLst>
+            </p:cNvPr>
+            <p:cNvPicPr>
+              <a:picLocks noChangeAspect="1"/>
+            </p:cNvPicPr>
+            <p:nvPr/>
+          </p:nvPicPr>
+          <p:blipFill rotWithShape="1">
+            <a:blip r:embed="rId2">
+              <a:extLst>
+                <a:ext uri="{28A0092B-C50C-407E-A947-70E740481C1C}">
+                  <a14:useLocalDpi xmlns:a14="http://schemas.microsoft.com/office/drawing/2010/main" val="0"/>
+                </a:ext>
+              </a:extLst>
+            </a:blip>
+            <a:srcRect l="15157" t="10774" r="17596" b="4312"/>
+            <a:stretch/>
+          </p:blipFill>
+          <p:spPr>
+            <a:xfrm>
+              <a:off x="3773347" y="1741990"/>
+              <a:ext cx="3935392" cy="3727048"/>
+            </a:xfrm>
+            <a:prstGeom prst="rect">
+              <a:avLst/>
+            </a:prstGeom>
+          </p:spPr>
+        </p:pic>
+        <p:cxnSp>
+          <p:nvCxnSpPr>
+            <p:cNvPr id="7" name="直線接點 6">
+              <a:extLst>
+                <a:ext uri="{FF2B5EF4-FFF2-40B4-BE49-F238E27FC236}">
+                  <a16:creationId xmlns:a16="http://schemas.microsoft.com/office/drawing/2014/main" id="{7CDDE725-FF14-4D18-AE35-A3C7961959EB}"/>
+                </a:ext>
+              </a:extLst>
+            </p:cNvPr>
+            <p:cNvCxnSpPr/>
+            <p:nvPr/>
+          </p:nvCxnSpPr>
+          <p:spPr>
+            <a:xfrm flipH="1">
+              <a:off x="6516547" y="3628663"/>
+              <a:ext cx="515073" cy="862314"/>
+            </a:xfrm>
+            <a:prstGeom prst="line">
+              <a:avLst/>
+            </a:prstGeom>
+          </p:spPr>
+          <p:style>
+            <a:lnRef idx="1">
+              <a:schemeClr val="dk1"/>
+            </a:lnRef>
+            <a:fillRef idx="0">
+              <a:schemeClr val="dk1"/>
+            </a:fillRef>
+            <a:effectRef idx="0">
+              <a:schemeClr val="dk1"/>
+            </a:effectRef>
+            <a:fontRef idx="minor">
+              <a:schemeClr val="tx1"/>
+            </a:fontRef>
+          </p:style>
+        </p:cxnSp>
+        <p:cxnSp>
+          <p:nvCxnSpPr>
+            <p:cNvPr id="9" name="直線接點 8">
+              <a:extLst>
+                <a:ext uri="{FF2B5EF4-FFF2-40B4-BE49-F238E27FC236}">
+                  <a16:creationId xmlns:a16="http://schemas.microsoft.com/office/drawing/2014/main" id="{B87E6924-B773-49BE-B1D6-24122F725743}"/>
+                </a:ext>
+              </a:extLst>
+            </p:cNvPr>
+            <p:cNvCxnSpPr>
+              <a:cxnSpLocks/>
+            </p:cNvCxnSpPr>
+            <p:nvPr/>
+          </p:nvCxnSpPr>
+          <p:spPr>
+            <a:xfrm flipH="1">
+              <a:off x="6528123" y="3605514"/>
+              <a:ext cx="265493" cy="873889"/>
+            </a:xfrm>
+            <a:prstGeom prst="line">
+              <a:avLst/>
+            </a:prstGeom>
+          </p:spPr>
+          <p:style>
+            <a:lnRef idx="1">
+              <a:schemeClr val="dk1"/>
+            </a:lnRef>
+            <a:fillRef idx="0">
+              <a:schemeClr val="dk1"/>
+            </a:fillRef>
+            <a:effectRef idx="0">
+              <a:schemeClr val="dk1"/>
+            </a:effectRef>
+            <a:fontRef idx="minor">
+              <a:schemeClr val="tx1"/>
+            </a:fontRef>
+          </p:style>
+        </p:cxnSp>
+        <p:cxnSp>
+          <p:nvCxnSpPr>
+            <p:cNvPr id="12" name="直線接點 11">
+              <a:extLst>
+                <a:ext uri="{FF2B5EF4-FFF2-40B4-BE49-F238E27FC236}">
+                  <a16:creationId xmlns:a16="http://schemas.microsoft.com/office/drawing/2014/main" id="{BF014490-8AAD-4D16-9D2C-CD98826F0731}"/>
+                </a:ext>
+              </a:extLst>
+            </p:cNvPr>
+            <p:cNvCxnSpPr/>
+            <p:nvPr/>
+          </p:nvCxnSpPr>
+          <p:spPr>
+            <a:xfrm flipH="1">
+              <a:off x="6516547" y="3541853"/>
+              <a:ext cx="81023" cy="949124"/>
+            </a:xfrm>
+            <a:prstGeom prst="line">
+              <a:avLst/>
+            </a:prstGeom>
+          </p:spPr>
+          <p:style>
+            <a:lnRef idx="1">
+              <a:schemeClr val="dk1"/>
+            </a:lnRef>
+            <a:fillRef idx="0">
+              <a:schemeClr val="dk1"/>
+            </a:fillRef>
+            <a:effectRef idx="0">
+              <a:schemeClr val="dk1"/>
+            </a:effectRef>
+            <a:fontRef idx="minor">
+              <a:schemeClr val="tx1"/>
+            </a:fontRef>
+          </p:style>
+        </p:cxnSp>
+        <p:cxnSp>
+          <p:nvCxnSpPr>
+            <p:cNvPr id="15" name="直線接點 14">
+              <a:extLst>
+                <a:ext uri="{FF2B5EF4-FFF2-40B4-BE49-F238E27FC236}">
+                  <a16:creationId xmlns:a16="http://schemas.microsoft.com/office/drawing/2014/main" id="{EBB7EC10-52B3-4A31-BFAC-A80B97304035}"/>
+                </a:ext>
+              </a:extLst>
+            </p:cNvPr>
+            <p:cNvCxnSpPr>
+              <a:cxnSpLocks/>
+            </p:cNvCxnSpPr>
+            <p:nvPr/>
+          </p:nvCxnSpPr>
+          <p:spPr>
+            <a:xfrm>
+              <a:off x="6371863" y="3541853"/>
+              <a:ext cx="144684" cy="937550"/>
+            </a:xfrm>
+            <a:prstGeom prst="line">
+              <a:avLst/>
+            </a:prstGeom>
+          </p:spPr>
+          <p:style>
+            <a:lnRef idx="1">
+              <a:schemeClr val="dk1"/>
+            </a:lnRef>
+            <a:fillRef idx="0">
+              <a:schemeClr val="dk1"/>
+            </a:fillRef>
+            <a:effectRef idx="0">
+              <a:schemeClr val="dk1"/>
+            </a:effectRef>
+            <a:fontRef idx="minor">
+              <a:schemeClr val="tx1"/>
+            </a:fontRef>
+          </p:style>
+        </p:cxnSp>
+        <p:cxnSp>
+          <p:nvCxnSpPr>
+            <p:cNvPr id="18" name="直線接點 17">
+              <a:extLst>
+                <a:ext uri="{FF2B5EF4-FFF2-40B4-BE49-F238E27FC236}">
+                  <a16:creationId xmlns:a16="http://schemas.microsoft.com/office/drawing/2014/main" id="{9BCEECD6-9B0F-4E31-9C0C-AE81E3FDEFF0}"/>
+                </a:ext>
+              </a:extLst>
+            </p:cNvPr>
+            <p:cNvCxnSpPr>
+              <a:cxnSpLocks/>
+            </p:cNvCxnSpPr>
+            <p:nvPr/>
+          </p:nvCxnSpPr>
+          <p:spPr>
+            <a:xfrm>
+              <a:off x="6169306" y="3541853"/>
+              <a:ext cx="347241" cy="937550"/>
+            </a:xfrm>
+            <a:prstGeom prst="line">
+              <a:avLst/>
+            </a:prstGeom>
+          </p:spPr>
+          <p:style>
+            <a:lnRef idx="1">
+              <a:schemeClr val="dk1"/>
+            </a:lnRef>
+            <a:fillRef idx="0">
+              <a:schemeClr val="dk1"/>
+            </a:fillRef>
+            <a:effectRef idx="0">
+              <a:schemeClr val="dk1"/>
+            </a:effectRef>
+            <a:fontRef idx="minor">
+              <a:schemeClr val="tx1"/>
+            </a:fontRef>
+          </p:style>
+        </p:cxnSp>
+        <p:sp>
+          <p:nvSpPr>
+            <p:cNvPr id="22" name="文字方塊 21">
+              <a:extLst>
+                <a:ext uri="{FF2B5EF4-FFF2-40B4-BE49-F238E27FC236}">
+                  <a16:creationId xmlns:a16="http://schemas.microsoft.com/office/drawing/2014/main" id="{E303BD95-339E-411F-95F3-503257C53D60}"/>
+                </a:ext>
+              </a:extLst>
+            </p:cNvPr>
+            <p:cNvSpPr txBox="1"/>
+            <p:nvPr/>
+          </p:nvSpPr>
+          <p:spPr>
+            <a:xfrm>
+              <a:off x="4861366" y="4610675"/>
+              <a:ext cx="2963119" cy="369332"/>
+            </a:xfrm>
+            <a:prstGeom prst="rect">
+              <a:avLst/>
+            </a:prstGeom>
+            <a:noFill/>
+          </p:spPr>
+          <p:txBody>
+            <a:bodyPr wrap="square" rtlCol="0">
+              <a:spAutoFit/>
+            </a:bodyPr>
+            <a:lstStyle/>
+            <a:p>
+              <a:r>
+                <a:rPr lang="zh-TW" altLang="en-US" dirty="0">
+                  <a:latin typeface="標楷體" panose="03000509000000000000" pitchFamily="65" charset="-120"/>
+                  <a:ea typeface="標楷體" panose="03000509000000000000" pitchFamily="65" charset="-120"/>
+                </a:rPr>
+                <a:t>移動物體未來多步的位置</a:t>
+              </a:r>
+            </a:p>
+          </p:txBody>
+        </p:sp>
+        <p:grpSp>
+          <p:nvGrpSpPr>
+            <p:cNvPr id="28" name="群組 27">
+              <a:extLst>
+                <a:ext uri="{FF2B5EF4-FFF2-40B4-BE49-F238E27FC236}">
+                  <a16:creationId xmlns:a16="http://schemas.microsoft.com/office/drawing/2014/main" id="{CDDDCE60-425D-4409-80FE-DCE745766D6B}"/>
+                </a:ext>
+              </a:extLst>
+            </p:cNvPr>
+            <p:cNvGrpSpPr/>
+            <p:nvPr/>
+          </p:nvGrpSpPr>
+          <p:grpSpPr>
+            <a:xfrm>
+              <a:off x="7066143" y="3555837"/>
+              <a:ext cx="63500" cy="99353"/>
+              <a:chOff x="7081417" y="3556800"/>
+              <a:chExt cx="63500" cy="99353"/>
+            </a:xfrm>
+          </p:grpSpPr>
+          <p:cxnSp>
+            <p:nvCxnSpPr>
+              <p:cNvPr id="24" name="直線接點 23">
+                <a:extLst>
+                  <a:ext uri="{FF2B5EF4-FFF2-40B4-BE49-F238E27FC236}">
+                    <a16:creationId xmlns:a16="http://schemas.microsoft.com/office/drawing/2014/main" id="{FA14D6EC-E852-4260-A1DE-C814ABCE11B6}"/>
+                  </a:ext>
+                </a:extLst>
+              </p:cNvPr>
+              <p:cNvCxnSpPr/>
+              <p:nvPr/>
+            </p:nvCxnSpPr>
+            <p:spPr>
+              <a:xfrm>
+                <a:off x="7081417" y="3556800"/>
+                <a:ext cx="63500" cy="0"/>
+              </a:xfrm>
+              <a:prstGeom prst="line">
+                <a:avLst/>
+              </a:prstGeom>
+              <a:ln w="12700"/>
+            </p:spPr>
+            <p:style>
+              <a:lnRef idx="1">
+                <a:schemeClr val="accent1"/>
+              </a:lnRef>
+              <a:fillRef idx="0">
+                <a:schemeClr val="accent1"/>
+              </a:fillRef>
+              <a:effectRef idx="0">
+                <a:schemeClr val="accent1"/>
+              </a:effectRef>
+              <a:fontRef idx="minor">
+                <a:schemeClr val="tx1"/>
+              </a:fontRef>
+            </p:style>
+          </p:cxnSp>
+          <p:cxnSp>
+            <p:nvCxnSpPr>
+              <p:cNvPr id="25" name="直線接點 24">
+                <a:extLst>
+                  <a:ext uri="{FF2B5EF4-FFF2-40B4-BE49-F238E27FC236}">
+                    <a16:creationId xmlns:a16="http://schemas.microsoft.com/office/drawing/2014/main" id="{D4DB2EE2-2FB7-4847-A159-8B576C5E3734}"/>
+                  </a:ext>
+                </a:extLst>
+              </p:cNvPr>
+              <p:cNvCxnSpPr/>
+              <p:nvPr/>
+            </p:nvCxnSpPr>
+            <p:spPr>
+              <a:xfrm>
+                <a:off x="7081417" y="3656153"/>
+                <a:ext cx="63500" cy="0"/>
+              </a:xfrm>
+              <a:prstGeom prst="line">
+                <a:avLst/>
+              </a:prstGeom>
+              <a:ln w="12700"/>
+            </p:spPr>
+            <p:style>
+              <a:lnRef idx="1">
+                <a:schemeClr val="accent1"/>
+              </a:lnRef>
+              <a:fillRef idx="0">
+                <a:schemeClr val="accent1"/>
+              </a:fillRef>
+              <a:effectRef idx="0">
+                <a:schemeClr val="accent1"/>
+              </a:effectRef>
+              <a:fontRef idx="minor">
+                <a:schemeClr val="tx1"/>
+              </a:fontRef>
+            </p:style>
+          </p:cxnSp>
+          <p:cxnSp>
+            <p:nvCxnSpPr>
+              <p:cNvPr id="27" name="直線接點 26">
+                <a:extLst>
+                  <a:ext uri="{FF2B5EF4-FFF2-40B4-BE49-F238E27FC236}">
+                    <a16:creationId xmlns:a16="http://schemas.microsoft.com/office/drawing/2014/main" id="{7E539EDC-F66A-4810-96C5-E6B154F9DA6F}"/>
+                  </a:ext>
+                </a:extLst>
+              </p:cNvPr>
+              <p:cNvCxnSpPr/>
+              <p:nvPr/>
+            </p:nvCxnSpPr>
+            <p:spPr>
+              <a:xfrm>
+                <a:off x="7113167" y="3556800"/>
+                <a:ext cx="0" cy="99353"/>
+              </a:xfrm>
+              <a:prstGeom prst="line">
+                <a:avLst/>
+              </a:prstGeom>
+              <a:ln w="12700"/>
+            </p:spPr>
+            <p:style>
+              <a:lnRef idx="1">
+                <a:schemeClr val="accent1"/>
+              </a:lnRef>
+              <a:fillRef idx="0">
+                <a:schemeClr val="accent1"/>
+              </a:fillRef>
+              <a:effectRef idx="0">
+                <a:schemeClr val="accent1"/>
+              </a:effectRef>
+              <a:fontRef idx="minor">
+                <a:schemeClr val="tx1"/>
+              </a:fontRef>
+            </p:style>
+          </p:cxnSp>
+        </p:grpSp>
+        <p:sp>
+          <p:nvSpPr>
+            <p:cNvPr id="35" name="文字方塊 34">
+              <a:extLst>
+                <a:ext uri="{FF2B5EF4-FFF2-40B4-BE49-F238E27FC236}">
+                  <a16:creationId xmlns:a16="http://schemas.microsoft.com/office/drawing/2014/main" id="{1F18DBDD-034E-471C-BB75-5145263CB30A}"/>
+                </a:ext>
+              </a:extLst>
+            </p:cNvPr>
+            <p:cNvSpPr txBox="1"/>
+            <p:nvPr/>
+          </p:nvSpPr>
+          <p:spPr>
+            <a:xfrm>
+              <a:off x="7043196" y="3005348"/>
+              <a:ext cx="515073" cy="1200329"/>
+            </a:xfrm>
+            <a:prstGeom prst="rect">
+              <a:avLst/>
+            </a:prstGeom>
+            <a:noFill/>
+          </p:spPr>
+          <p:txBody>
+            <a:bodyPr wrap="square" rtlCol="0">
+              <a:spAutoFit/>
+            </a:bodyPr>
+            <a:lstStyle/>
+            <a:p>
+              <a:r>
+                <a:rPr lang="zh-TW" altLang="en-US" dirty="0">
+                  <a:latin typeface="標楷體" panose="03000509000000000000" pitchFamily="65" charset="-120"/>
+                  <a:ea typeface="標楷體" panose="03000509000000000000" pitchFamily="65" charset="-120"/>
+                </a:rPr>
+                <a:t>預測區間</a:t>
+              </a:r>
+            </a:p>
+          </p:txBody>
+        </p:sp>
+      </p:grpSp>
+    </p:spTree>
+    <p:extLst>
+      <p:ext uri="{BB962C8B-B14F-4D97-AF65-F5344CB8AC3E}">
+        <p14:creationId xmlns:p14="http://schemas.microsoft.com/office/powerpoint/2010/main" val="3749526690"/>
       </p:ext>
     </p:extLst>
   </p:cSld>
